--- a/slides/T319_Regressão_Linear (Parte V).pptx
+++ b/slides/T319_Regressão_Linear (Parte V).pptx
@@ -541,7 +541,7 @@
           <a:p>
             <a:fld id="{DAF0AF11-6A8A-4E64-94F5-26D4FBA2A01D}" type="datetimeFigureOut">
               <a:rPr lang="nl-BE" smtClean="0"/>
-              <a:t>8/06/2021</a:t>
+              <a:t>12/06/2021</a:t>
             </a:fld>
             <a:endParaRPr lang="nl-BE"/>
           </a:p>
@@ -1847,7 +1847,6 @@
               <a:rPr lang="pt-BR" dirty="0" smtClean="0"/>
               <a:t>https://mybinder.org/v2/gh/zz4fap/t319_aprendizado_de_maquina/main?filepath=notebooks%2Fregression%2Fvalidacao_cruzada.ipynb</a:t>
             </a:r>
-            <a:endParaRPr lang="pt-BR" dirty="0" smtClean="0"/>
           </a:p>
         </p:txBody>
       </p:sp>
@@ -3006,7 +3005,7 @@
           <a:p>
             <a:fld id="{C80E15A5-E95B-43EB-9AC7-9A96397448C0}" type="datetimeFigureOut">
               <a:rPr lang="nl-BE" smtClean="0"/>
-              <a:t>8/06/2021</a:t>
+              <a:t>12/06/2021</a:t>
             </a:fld>
             <a:endParaRPr lang="nl-BE"/>
           </a:p>
@@ -3176,7 +3175,7 @@
           <a:p>
             <a:fld id="{C80E15A5-E95B-43EB-9AC7-9A96397448C0}" type="datetimeFigureOut">
               <a:rPr lang="nl-BE" smtClean="0"/>
-              <a:t>8/06/2021</a:t>
+              <a:t>12/06/2021</a:t>
             </a:fld>
             <a:endParaRPr lang="nl-BE"/>
           </a:p>
@@ -3356,7 +3355,7 @@
           <a:p>
             <a:fld id="{C80E15A5-E95B-43EB-9AC7-9A96397448C0}" type="datetimeFigureOut">
               <a:rPr lang="nl-BE" smtClean="0"/>
-              <a:t>8/06/2021</a:t>
+              <a:t>12/06/2021</a:t>
             </a:fld>
             <a:endParaRPr lang="nl-BE"/>
           </a:p>
@@ -3526,7 +3525,7 @@
           <a:p>
             <a:fld id="{C80E15A5-E95B-43EB-9AC7-9A96397448C0}" type="datetimeFigureOut">
               <a:rPr lang="nl-BE" smtClean="0"/>
-              <a:t>8/06/2021</a:t>
+              <a:t>12/06/2021</a:t>
             </a:fld>
             <a:endParaRPr lang="nl-BE"/>
           </a:p>
@@ -3772,7 +3771,7 @@
           <a:p>
             <a:fld id="{C80E15A5-E95B-43EB-9AC7-9A96397448C0}" type="datetimeFigureOut">
               <a:rPr lang="nl-BE" smtClean="0"/>
-              <a:t>8/06/2021</a:t>
+              <a:t>12/06/2021</a:t>
             </a:fld>
             <a:endParaRPr lang="nl-BE"/>
           </a:p>
@@ -4004,7 +4003,7 @@
           <a:p>
             <a:fld id="{C80E15A5-E95B-43EB-9AC7-9A96397448C0}" type="datetimeFigureOut">
               <a:rPr lang="nl-BE" smtClean="0"/>
-              <a:t>8/06/2021</a:t>
+              <a:t>12/06/2021</a:t>
             </a:fld>
             <a:endParaRPr lang="nl-BE"/>
           </a:p>
@@ -4371,7 +4370,7 @@
           <a:p>
             <a:fld id="{C80E15A5-E95B-43EB-9AC7-9A96397448C0}" type="datetimeFigureOut">
               <a:rPr lang="nl-BE" smtClean="0"/>
-              <a:t>8/06/2021</a:t>
+              <a:t>12/06/2021</a:t>
             </a:fld>
             <a:endParaRPr lang="nl-BE"/>
           </a:p>
@@ -4489,7 +4488,7 @@
           <a:p>
             <a:fld id="{C80E15A5-E95B-43EB-9AC7-9A96397448C0}" type="datetimeFigureOut">
               <a:rPr lang="nl-BE" smtClean="0"/>
-              <a:t>8/06/2021</a:t>
+              <a:t>12/06/2021</a:t>
             </a:fld>
             <a:endParaRPr lang="nl-BE"/>
           </a:p>
@@ -4584,7 +4583,7 @@
           <a:p>
             <a:fld id="{C80E15A5-E95B-43EB-9AC7-9A96397448C0}" type="datetimeFigureOut">
               <a:rPr lang="nl-BE" smtClean="0"/>
-              <a:t>8/06/2021</a:t>
+              <a:t>12/06/2021</a:t>
             </a:fld>
             <a:endParaRPr lang="nl-BE"/>
           </a:p>
@@ -4861,7 +4860,7 @@
           <a:p>
             <a:fld id="{C80E15A5-E95B-43EB-9AC7-9A96397448C0}" type="datetimeFigureOut">
               <a:rPr lang="nl-BE" smtClean="0"/>
-              <a:t>8/06/2021</a:t>
+              <a:t>12/06/2021</a:t>
             </a:fld>
             <a:endParaRPr lang="nl-BE"/>
           </a:p>
@@ -5114,7 +5113,7 @@
           <a:p>
             <a:fld id="{C80E15A5-E95B-43EB-9AC7-9A96397448C0}" type="datetimeFigureOut">
               <a:rPr lang="nl-BE" smtClean="0"/>
-              <a:t>8/06/2021</a:t>
+              <a:t>12/06/2021</a:t>
             </a:fld>
             <a:endParaRPr lang="nl-BE"/>
           </a:p>
@@ -5327,7 +5326,7 @@
           <a:p>
             <a:fld id="{C80E15A5-E95B-43EB-9AC7-9A96397448C0}" type="datetimeFigureOut">
               <a:rPr lang="nl-BE" smtClean="0"/>
-              <a:t>8/06/2021</a:t>
+              <a:t>12/06/2021</a:t>
             </a:fld>
             <a:endParaRPr lang="nl-BE"/>
           </a:p>
@@ -5737,7 +5736,7 @@
           <p:cNvPr id="2" name="Título 1">
             <a:extLst>
               <a:ext uri="{FF2B5EF4-FFF2-40B4-BE49-F238E27FC236}">
-                <a16:creationId xmlns:a16="http://schemas.microsoft.com/office/drawing/2014/main" xmlns="" id="{32666AC8-2E17-4DB4-B0F5-60C640CCFD2E}"/>
+                <a16:creationId xmlns="" xmlns:a16="http://schemas.microsoft.com/office/drawing/2014/main" id="{32666AC8-2E17-4DB4-B0F5-60C640CCFD2E}"/>
               </a:ext>
             </a:extLst>
           </p:cNvPr>
@@ -5796,7 +5795,7 @@
           <p:cNvPr id="4" name="CaixaDeTexto 3">
             <a:extLst>
               <a:ext uri="{FF2B5EF4-FFF2-40B4-BE49-F238E27FC236}">
-                <a16:creationId xmlns:a16="http://schemas.microsoft.com/office/drawing/2014/main" xmlns="" id="{430EB894-B7D4-434C-9D1A-A14094D9BEEC}"/>
+                <a16:creationId xmlns="" xmlns:a16="http://schemas.microsoft.com/office/drawing/2014/main" id="{430EB894-B7D4-434C-9D1A-A14094D9BEEC}"/>
               </a:ext>
             </a:extLst>
           </p:cNvPr>
@@ -5837,7 +5836,7 @@
           <p:cNvPr id="1026" name="Picture 2" descr="Logo">
             <a:extLst>
               <a:ext uri="{FF2B5EF4-FFF2-40B4-BE49-F238E27FC236}">
-                <a16:creationId xmlns:a16="http://schemas.microsoft.com/office/drawing/2014/main" xmlns="" id="{3F2642E0-4F6A-4196-8F58-E77D36E9A33F}"/>
+                <a16:creationId xmlns="" xmlns:a16="http://schemas.microsoft.com/office/drawing/2014/main" id="{3F2642E0-4F6A-4196-8F58-E77D36E9A33F}"/>
               </a:ext>
             </a:extLst>
           </p:cNvPr>
@@ -5882,7 +5881,7 @@
           <p:cNvPr id="5122" name="Picture 2" descr="Image result for machine learning">
             <a:extLst>
               <a:ext uri="{FF2B5EF4-FFF2-40B4-BE49-F238E27FC236}">
-                <a16:creationId xmlns:a16="http://schemas.microsoft.com/office/drawing/2014/main" xmlns="" id="{810CE0A2-4102-44A6-A370-175E7896CDCB}"/>
+                <a16:creationId xmlns="" xmlns:a16="http://schemas.microsoft.com/office/drawing/2014/main" id="{810CE0A2-4102-44A6-A370-175E7896CDCB}"/>
               </a:ext>
             </a:extLst>
           </p:cNvPr>
@@ -6153,7 +6152,6 @@
               <a:rPr lang="pt-BR" dirty="0"/>
               <a:t>sejam mínimos.</a:t>
             </a:r>
-            <a:endParaRPr lang="pt-BR" dirty="0"/>
           </a:p>
         </p:txBody>
       </p:sp>
@@ -7021,11 +7019,7 @@
             </a:r>
             <a:r>
               <a:rPr lang="pt-BR" dirty="0" smtClean="0"/>
-              <a:t>deve-se </a:t>
-            </a:r>
-            <a:r>
-              <a:rPr lang="pt-BR" dirty="0" smtClean="0"/>
-              <a:t>utilizá-lo </a:t>
+              <a:t>deve-se utilizá-lo </a:t>
             </a:r>
             <a:r>
               <a:rPr lang="pt-BR" dirty="0"/>
@@ -7067,7 +7061,6 @@
               <a:rPr lang="pt-BR" dirty="0" smtClean="0"/>
               <a:t> já daria boas indicações sobre qual ordem utilizar.</a:t>
             </a:r>
-            <a:endParaRPr lang="pt-BR" dirty="0" smtClean="0"/>
           </a:p>
         </p:txBody>
       </p:sp>
@@ -7587,7 +7580,7 @@
           <p:cNvPr id="4" name="Título 1">
             <a:extLst>
               <a:ext uri="{FF2B5EF4-FFF2-40B4-BE49-F238E27FC236}">
-                <a16:creationId xmlns:a16="http://schemas.microsoft.com/office/drawing/2014/main" xmlns="" id="{32666AC8-2E17-4DB4-B0F5-60C640CCFD2E}"/>
+                <a16:creationId xmlns="" xmlns:a16="http://schemas.microsoft.com/office/drawing/2014/main" id="{32666AC8-2E17-4DB4-B0F5-60C640CCFD2E}"/>
               </a:ext>
             </a:extLst>
           </p:cNvPr>
@@ -10278,11 +10271,7 @@
           <a:p>
             <a:r>
               <a:rPr lang="pt-BR" dirty="0" smtClean="0"/>
-              <a:t>Vimos q</a:t>
-            </a:r>
-            <a:r>
-              <a:rPr lang="pt-BR" dirty="0" smtClean="0"/>
-              <a:t>ue o </a:t>
+              <a:t>Vimos que o </a:t>
             </a:r>
             <a:r>
               <a:rPr lang="pt-BR" b="1" i="1" dirty="0" smtClean="0"/>
@@ -10320,7 +10309,15 @@
             </a:pPr>
             <a:r>
               <a:rPr lang="pt-BR" dirty="0" smtClean="0"/>
-              <a:t>Polinômios de ordem baixa podem não tem flexibilidade o suficiente para aproximar os dados, o que causa </a:t>
+              <a:t>Polinômios de ordem baixa podem não </a:t>
+            </a:r>
+            <a:r>
+              <a:rPr lang="pt-BR" dirty="0" smtClean="0"/>
+              <a:t>têm </a:t>
+            </a:r>
+            <a:r>
+              <a:rPr lang="pt-BR" dirty="0" smtClean="0"/>
+              <a:t>flexibilidade o suficiente para aproximar os dados, o que causa </a:t>
             </a:r>
             <a:r>
               <a:rPr lang="pt-BR" b="1" i="1" dirty="0" smtClean="0"/>
@@ -10660,8 +10657,8 @@
         </p:nvSpPr>
         <p:spPr>
           <a:xfrm>
-            <a:off x="838199" y="1990514"/>
-            <a:ext cx="11093971" cy="4867486"/>
+            <a:off x="838200" y="1990514"/>
+            <a:ext cx="10977564" cy="4867486"/>
           </a:xfrm>
         </p:spPr>
         <p:txBody>
@@ -10708,12 +10705,24 @@
               <a:t>Divide-se </a:t>
             </a:r>
             <a:r>
-              <a:rPr lang="pt-BR" b="1" i="1" dirty="0"/>
-              <a:t>aleatóriamente</a:t>
+              <a:rPr lang="pt-BR" b="1" i="1" dirty="0" smtClean="0"/>
+              <a:t>aleatoriamente</a:t>
+            </a:r>
+            <a:r>
+              <a:rPr lang="pt-BR" dirty="0" smtClean="0"/>
+              <a:t> </a:t>
             </a:r>
             <a:r>
               <a:rPr lang="pt-BR" dirty="0"/>
-              <a:t> o conjunto total de dados em p % para treinamento e (1-p) % para validação.</a:t>
+              <a:t>o conjunto total de dados em p % para treinamento e (</a:t>
+            </a:r>
+            <a:r>
+              <a:rPr lang="pt-BR" dirty="0" smtClean="0"/>
+              <a:t>100 - p</a:t>
+            </a:r>
+            <a:r>
+              <a:rPr lang="pt-BR" dirty="0"/>
+              <a:t>) % para validação.</a:t>
             </a:r>
           </a:p>
           <a:p>
@@ -11108,7 +11117,11 @@
             </a:r>
             <a:r>
               <a:rPr lang="pt-BR" dirty="0" smtClean="0"/>
-              <a:t>flexibilidade e grau de generalização).</a:t>
+              <a:t>flexibilidade e grau de generalização</a:t>
+            </a:r>
+            <a:r>
+              <a:rPr lang="pt-BR" dirty="0" smtClean="0"/>
+              <a:t>).</a:t>
             </a:r>
             <a:endParaRPr lang="pt-BR" dirty="0"/>
           </a:p>
@@ -11210,8 +11223,8 @@
           </a:prstGeom>
         </p:spPr>
       </p:pic>
-      <mc:AlternateContent xmlns:mc="http://schemas.openxmlformats.org/markup-compatibility/2006">
-        <mc:Choice xmlns:a14="http://schemas.microsoft.com/office/drawing/2010/main" Requires="a14">
+      <mc:AlternateContent xmlns:mc="http://schemas.openxmlformats.org/markup-compatibility/2006" xmlns:a14="http://schemas.microsoft.com/office/drawing/2010/main">
+        <mc:Choice Requires="a14">
           <p:sp>
             <p:nvSpPr>
               <p:cNvPr id="10" name="Rectangle 9"/>
@@ -11334,7 +11347,7 @@
             </p:txBody>
           </p:sp>
         </mc:Choice>
-        <mc:Fallback>
+        <mc:Fallback xmlns="">
           <p:sp>
             <p:nvSpPr>
               <p:cNvPr id="10" name="Rectangle 9"/>
@@ -11800,11 +11813,7 @@
           <a:p>
             <a:r>
               <a:rPr lang="pt-BR" sz="2400" dirty="0" smtClean="0"/>
-              <a:t>Estratégia </a:t>
-            </a:r>
-            <a:r>
-              <a:rPr lang="pt-BR" sz="2400" dirty="0" smtClean="0"/>
-              <a:t>mais </a:t>
+              <a:t>Estratégia mais </a:t>
             </a:r>
             <a:r>
               <a:rPr lang="pt-BR" sz="2400" dirty="0"/>
@@ -11818,11 +11827,7 @@
           <a:p>
             <a:r>
               <a:rPr lang="pt-BR" sz="2400" dirty="0" smtClean="0"/>
-              <a:t>C</a:t>
-            </a:r>
-            <a:r>
-              <a:rPr lang="pt-BR" sz="2400" dirty="0" smtClean="0"/>
-              <a:t>onsiste </a:t>
+              <a:t>Consiste </a:t>
             </a:r>
             <a:r>
               <a:rPr lang="pt-BR" sz="2400" dirty="0"/>
@@ -12530,11 +12535,7 @@
             </a:r>
             <a:r>
               <a:rPr lang="pt-BR" dirty="0"/>
-              <a:t>a média </a:t>
-            </a:r>
-            <a:r>
-              <a:rPr lang="pt-BR" dirty="0"/>
-              <a:t>e desvio padrão do MSE </a:t>
+              <a:t>a média e desvio padrão do MSE </a:t>
             </a:r>
             <a:r>
               <a:rPr lang="pt-BR" dirty="0" smtClean="0"/>
@@ -13471,7 +13472,6 @@
                   <a:rPr lang="pt-BR" dirty="0" smtClean="0"/>
                   <a:t>essa estratégia produz </a:t>
                 </a:r>
-                <a:endParaRPr lang="pt-BR" dirty="0" smtClean="0"/>
               </a:p>
               <a:p>
                 <a:pPr marL="0" indent="0" algn="ctr">
@@ -13620,7 +13620,6 @@
                   <a:rPr lang="pt-BR" dirty="0" smtClean="0"/>
                   <a:t> </a:t>
                 </a:r>
-                <a:endParaRPr lang="pt-BR" dirty="0" smtClean="0"/>
               </a:p>
               <a:p>
                 <a:pPr marL="0" indent="0">
@@ -13636,7 +13635,15 @@
                 </a:r>
                 <a:r>
                   <a:rPr lang="pt-BR" dirty="0" smtClean="0"/>
-                  <a:t>conjuntos trainamento-teste, portanto, a complexidade computacional desta estratégia aumenta drasticamente com o aumento de </a:t>
+                  <a:t>conjuntos </a:t>
+                </a:r>
+                <a:r>
+                  <a:rPr lang="pt-BR" dirty="0" smtClean="0"/>
+                  <a:t>treinamento/teste</a:t>
+                </a:r>
+                <a:r>
+                  <a:rPr lang="pt-BR" dirty="0" smtClean="0"/>
+                  <a:t>, portanto, a complexidade computacional desta estratégia aumenta drasticamente com o aumento de </a:t>
                 </a:r>
                 <a:r>
                   <a:rPr lang="pt-BR" b="1" i="1" dirty="0" smtClean="0"/>
@@ -13784,15 +13791,7 @@
               <a:p>
                 <a:r>
                   <a:rPr lang="pt-BR" dirty="0" smtClean="0"/>
-                  <a:t>No </a:t>
-                </a:r>
-                <a:r>
-                  <a:rPr lang="pt-BR" dirty="0" smtClean="0"/>
-                  <a:t>caso do k-Fold, </a:t>
-                </a:r>
-                <a:r>
-                  <a:rPr lang="pt-BR" dirty="0" smtClean="0"/>
-                  <a:t>quando fazemos </a:t>
+                  <a:t>No caso do k-Fold, quando fazemos </a:t>
                 </a:r>
                 <a:r>
                   <a:rPr lang="pt-BR" b="1" dirty="0" smtClean="0"/>
@@ -13816,27 +13815,7 @@
                 </a:r>
                 <a:r>
                   <a:rPr lang="pt-BR" dirty="0" smtClean="0"/>
-                  <a:t>exemplos</a:t>
-                </a:r>
-                <a:r>
-                  <a:rPr lang="pt-BR" dirty="0" smtClean="0"/>
-                  <a:t>), </a:t>
-                </a:r>
-                <a:r>
-                  <a:rPr lang="pt-BR" dirty="0" smtClean="0"/>
-                  <a:t>então </a:t>
-                </a:r>
-                <a:r>
-                  <a:rPr lang="pt-BR" dirty="0" smtClean="0"/>
-                  <a:t>o </a:t>
-                </a:r>
-                <a:r>
-                  <a:rPr lang="pt-BR" dirty="0" smtClean="0"/>
-                  <a:t>k-Fold é equivalente à estratégia do </a:t>
-                </a:r>
-                <a:r>
-                  <a:rPr lang="pt-BR" dirty="0" smtClean="0"/>
-                  <a:t>leave-one-out, ou seja, </a:t>
+                  <a:t>exemplos), então o k-Fold é equivalente à estratégia do leave-one-out, ou seja, </a:t>
                 </a:r>
                 <a:r>
                   <a:rPr lang="pt-BR" b="1" i="1" dirty="0" smtClean="0"/>

--- a/slides/T319_Regressão_Linear (Parte V).pptx
+++ b/slides/T319_Regressão_Linear (Parte V).pptx
@@ -541,7 +541,7 @@
           <a:p>
             <a:fld id="{DAF0AF11-6A8A-4E64-94F5-26D4FBA2A01D}" type="datetimeFigureOut">
               <a:rPr lang="nl-BE" smtClean="0"/>
-              <a:t>12/06/2021</a:t>
+              <a:t>13/06/2021</a:t>
             </a:fld>
             <a:endParaRPr lang="nl-BE"/>
           </a:p>
@@ -1274,8 +1274,13 @@
             </a:pPr>
             <a:r>
               <a:rPr lang="pt-BR" dirty="0" smtClean="0"/>
-              <a:t>COLAB: https://colab.research.google.com/github/zz4fap/t319_aprendizado_de_maquina/blob/main/labs/Laboratorio5.ipynb</a:t>
-            </a:r>
+              <a:t>COLAB: https://</a:t>
+            </a:r>
+            <a:r>
+              <a:rPr lang="pt-BR" dirty="0" smtClean="0"/>
+              <a:t>colab.research.google.com/github/zz4fap/t319_aprendizado_de_maquina/blob/main/labs/Laboratorio6.ipynb</a:t>
+            </a:r>
+            <a:endParaRPr lang="pt-BR" dirty="0" smtClean="0"/>
           </a:p>
           <a:p>
             <a:endParaRPr lang="pt-BR" dirty="0" smtClean="0"/>
@@ -1300,8 +1305,13 @@
             </a:pPr>
             <a:r>
               <a:rPr lang="pt-BR" dirty="0" smtClean="0"/>
-              <a:t>BINDER: https://mybinder.org/v2/gh/zz4fap/t319_aprendizado_de_maquina/main?filepath=labs%2FLaboratorio5.ipynb</a:t>
-            </a:r>
+              <a:t>BINDER: https://</a:t>
+            </a:r>
+            <a:r>
+              <a:rPr lang="pt-BR" dirty="0" smtClean="0"/>
+              <a:t>mybinder.org/v2/gh/zz4fap/t319_aprendizado_de_maquina/main?filepath=labs%2FLaboratorio6.ipynb</a:t>
+            </a:r>
+            <a:endParaRPr lang="pt-BR" dirty="0" smtClean="0"/>
           </a:p>
           <a:p>
             <a:endParaRPr lang="pt-BR" dirty="0"/>
@@ -3005,7 +3015,7 @@
           <a:p>
             <a:fld id="{C80E15A5-E95B-43EB-9AC7-9A96397448C0}" type="datetimeFigureOut">
               <a:rPr lang="nl-BE" smtClean="0"/>
-              <a:t>12/06/2021</a:t>
+              <a:t>13/06/2021</a:t>
             </a:fld>
             <a:endParaRPr lang="nl-BE"/>
           </a:p>
@@ -3175,7 +3185,7 @@
           <a:p>
             <a:fld id="{C80E15A5-E95B-43EB-9AC7-9A96397448C0}" type="datetimeFigureOut">
               <a:rPr lang="nl-BE" smtClean="0"/>
-              <a:t>12/06/2021</a:t>
+              <a:t>13/06/2021</a:t>
             </a:fld>
             <a:endParaRPr lang="nl-BE"/>
           </a:p>
@@ -3355,7 +3365,7 @@
           <a:p>
             <a:fld id="{C80E15A5-E95B-43EB-9AC7-9A96397448C0}" type="datetimeFigureOut">
               <a:rPr lang="nl-BE" smtClean="0"/>
-              <a:t>12/06/2021</a:t>
+              <a:t>13/06/2021</a:t>
             </a:fld>
             <a:endParaRPr lang="nl-BE"/>
           </a:p>
@@ -3525,7 +3535,7 @@
           <a:p>
             <a:fld id="{C80E15A5-E95B-43EB-9AC7-9A96397448C0}" type="datetimeFigureOut">
               <a:rPr lang="nl-BE" smtClean="0"/>
-              <a:t>12/06/2021</a:t>
+              <a:t>13/06/2021</a:t>
             </a:fld>
             <a:endParaRPr lang="nl-BE"/>
           </a:p>
@@ -3771,7 +3781,7 @@
           <a:p>
             <a:fld id="{C80E15A5-E95B-43EB-9AC7-9A96397448C0}" type="datetimeFigureOut">
               <a:rPr lang="nl-BE" smtClean="0"/>
-              <a:t>12/06/2021</a:t>
+              <a:t>13/06/2021</a:t>
             </a:fld>
             <a:endParaRPr lang="nl-BE"/>
           </a:p>
@@ -4003,7 +4013,7 @@
           <a:p>
             <a:fld id="{C80E15A5-E95B-43EB-9AC7-9A96397448C0}" type="datetimeFigureOut">
               <a:rPr lang="nl-BE" smtClean="0"/>
-              <a:t>12/06/2021</a:t>
+              <a:t>13/06/2021</a:t>
             </a:fld>
             <a:endParaRPr lang="nl-BE"/>
           </a:p>
@@ -4370,7 +4380,7 @@
           <a:p>
             <a:fld id="{C80E15A5-E95B-43EB-9AC7-9A96397448C0}" type="datetimeFigureOut">
               <a:rPr lang="nl-BE" smtClean="0"/>
-              <a:t>12/06/2021</a:t>
+              <a:t>13/06/2021</a:t>
             </a:fld>
             <a:endParaRPr lang="nl-BE"/>
           </a:p>
@@ -4488,7 +4498,7 @@
           <a:p>
             <a:fld id="{C80E15A5-E95B-43EB-9AC7-9A96397448C0}" type="datetimeFigureOut">
               <a:rPr lang="nl-BE" smtClean="0"/>
-              <a:t>12/06/2021</a:t>
+              <a:t>13/06/2021</a:t>
             </a:fld>
             <a:endParaRPr lang="nl-BE"/>
           </a:p>
@@ -4583,7 +4593,7 @@
           <a:p>
             <a:fld id="{C80E15A5-E95B-43EB-9AC7-9A96397448C0}" type="datetimeFigureOut">
               <a:rPr lang="nl-BE" smtClean="0"/>
-              <a:t>12/06/2021</a:t>
+              <a:t>13/06/2021</a:t>
             </a:fld>
             <a:endParaRPr lang="nl-BE"/>
           </a:p>
@@ -4860,7 +4870,7 @@
           <a:p>
             <a:fld id="{C80E15A5-E95B-43EB-9AC7-9A96397448C0}" type="datetimeFigureOut">
               <a:rPr lang="nl-BE" smtClean="0"/>
-              <a:t>12/06/2021</a:t>
+              <a:t>13/06/2021</a:t>
             </a:fld>
             <a:endParaRPr lang="nl-BE"/>
           </a:p>
@@ -5113,7 +5123,7 @@
           <a:p>
             <a:fld id="{C80E15A5-E95B-43EB-9AC7-9A96397448C0}" type="datetimeFigureOut">
               <a:rPr lang="nl-BE" smtClean="0"/>
-              <a:t>12/06/2021</a:t>
+              <a:t>13/06/2021</a:t>
             </a:fld>
             <a:endParaRPr lang="nl-BE"/>
           </a:p>
@@ -5326,7 +5336,7 @@
           <a:p>
             <a:fld id="{C80E15A5-E95B-43EB-9AC7-9A96397448C0}" type="datetimeFigureOut">
               <a:rPr lang="nl-BE" smtClean="0"/>
-              <a:t>12/06/2021</a:t>
+              <a:t>13/06/2021</a:t>
             </a:fld>
             <a:endParaRPr lang="nl-BE"/>
           </a:p>
@@ -5736,7 +5746,7 @@
           <p:cNvPr id="2" name="Título 1">
             <a:extLst>
               <a:ext uri="{FF2B5EF4-FFF2-40B4-BE49-F238E27FC236}">
-                <a16:creationId xmlns="" xmlns:a16="http://schemas.microsoft.com/office/drawing/2014/main" id="{32666AC8-2E17-4DB4-B0F5-60C640CCFD2E}"/>
+                <a16:creationId xmlns:a16="http://schemas.microsoft.com/office/drawing/2014/main" xmlns="" id="{32666AC8-2E17-4DB4-B0F5-60C640CCFD2E}"/>
               </a:ext>
             </a:extLst>
           </p:cNvPr>
@@ -5795,7 +5805,7 @@
           <p:cNvPr id="4" name="CaixaDeTexto 3">
             <a:extLst>
               <a:ext uri="{FF2B5EF4-FFF2-40B4-BE49-F238E27FC236}">
-                <a16:creationId xmlns="" xmlns:a16="http://schemas.microsoft.com/office/drawing/2014/main" id="{430EB894-B7D4-434C-9D1A-A14094D9BEEC}"/>
+                <a16:creationId xmlns:a16="http://schemas.microsoft.com/office/drawing/2014/main" xmlns="" id="{430EB894-B7D4-434C-9D1A-A14094D9BEEC}"/>
               </a:ext>
             </a:extLst>
           </p:cNvPr>
@@ -5836,7 +5846,7 @@
           <p:cNvPr id="1026" name="Picture 2" descr="Logo">
             <a:extLst>
               <a:ext uri="{FF2B5EF4-FFF2-40B4-BE49-F238E27FC236}">
-                <a16:creationId xmlns="" xmlns:a16="http://schemas.microsoft.com/office/drawing/2014/main" id="{3F2642E0-4F6A-4196-8F58-E77D36E9A33F}"/>
+                <a16:creationId xmlns:a16="http://schemas.microsoft.com/office/drawing/2014/main" xmlns="" id="{3F2642E0-4F6A-4196-8F58-E77D36E9A33F}"/>
               </a:ext>
             </a:extLst>
           </p:cNvPr>
@@ -5881,7 +5891,7 @@
           <p:cNvPr id="5122" name="Picture 2" descr="Image result for machine learning">
             <a:extLst>
               <a:ext uri="{FF2B5EF4-FFF2-40B4-BE49-F238E27FC236}">
-                <a16:creationId xmlns="" xmlns:a16="http://schemas.microsoft.com/office/drawing/2014/main" id="{810CE0A2-4102-44A6-A370-175E7896CDCB}"/>
+                <a16:creationId xmlns:a16="http://schemas.microsoft.com/office/drawing/2014/main" xmlns="" id="{810CE0A2-4102-44A6-A370-175E7896CDCB}"/>
               </a:ext>
             </a:extLst>
           </p:cNvPr>
@@ -6093,7 +6103,11 @@
             </a:r>
             <a:r>
               <a:rPr lang="pt-BR" dirty="0" smtClean="0"/>
-              <a:t>810 [s].</a:t>
+              <a:t>810 [s</a:t>
+            </a:r>
+            <a:r>
+              <a:rPr lang="pt-BR" dirty="0" smtClean="0"/>
+              <a:t>] (+ de 13 [m]).</a:t>
             </a:r>
             <a:endParaRPr lang="pt-BR" dirty="0"/>
           </a:p>
@@ -6847,7 +6861,19 @@
             </a:pPr>
             <a:r>
               <a:rPr lang="pt-BR" sz="1600" dirty="0" smtClean="0"/>
-              <a:t>Conforme a ordem aumenta, ambos aumentam, indicando </a:t>
+              <a:t>Porém, conforme </a:t>
+            </a:r>
+            <a:r>
+              <a:rPr lang="pt-BR" sz="1600" dirty="0" smtClean="0"/>
+              <a:t>a ordem </a:t>
+            </a:r>
+            <a:r>
+              <a:rPr lang="pt-BR" sz="1600" dirty="0" smtClean="0"/>
+              <a:t>continua a aumentar, </a:t>
+            </a:r>
+            <a:r>
+              <a:rPr lang="pt-BR" sz="1600" dirty="0" smtClean="0"/>
+              <a:t>ambos aumentam, indicando </a:t>
             </a:r>
             <a:r>
               <a:rPr lang="pt-BR" sz="1600" b="1" dirty="0" smtClean="0"/>
@@ -7282,8 +7308,8 @@
         </p:nvSpPr>
         <p:spPr>
           <a:xfrm>
-            <a:off x="8238944" y="4232063"/>
-            <a:ext cx="3895904" cy="2308324"/>
+            <a:off x="8043863" y="4232063"/>
+            <a:ext cx="4090985" cy="2308324"/>
           </a:xfrm>
           <a:prstGeom prst="rect">
             <a:avLst/>
@@ -7319,7 +7345,15 @@
             </a:pPr>
             <a:r>
               <a:rPr lang="pt-BR" dirty="0" smtClean="0"/>
-              <a:t>Base de dados com 10000 exemplos.</a:t>
+              <a:t>Base de dados com </a:t>
+            </a:r>
+            <a:r>
+              <a:rPr lang="pt-BR" b="1" dirty="0" smtClean="0"/>
+              <a:t>10000 exemplos</a:t>
+            </a:r>
+            <a:r>
+              <a:rPr lang="pt-BR" dirty="0" smtClean="0"/>
+              <a:t>.</a:t>
             </a:r>
           </a:p>
           <a:p>
@@ -7468,15 +7502,21 @@
               <a:t>: </a:t>
             </a:r>
             <a:r>
-              <a:rPr lang="pt-BR" b="1" dirty="0"/>
+              <a:rPr lang="pt-BR" b="1" dirty="0">
+                <a:hlinkClick r:id="rId3"/>
+              </a:rPr>
               <a:t>Laboratório </a:t>
             </a:r>
             <a:r>
-              <a:rPr lang="pt-BR" b="1" dirty="0" smtClean="0"/>
+              <a:rPr lang="pt-BR" b="1" dirty="0" smtClean="0">
+                <a:hlinkClick r:id="rId3"/>
+              </a:rPr>
               <a:t>#</a:t>
             </a:r>
             <a:r>
-              <a:rPr lang="pt-BR" b="1" dirty="0"/>
+              <a:rPr lang="pt-BR" b="1" dirty="0">
+                <a:hlinkClick r:id="rId3"/>
+              </a:rPr>
               <a:t>6</a:t>
             </a:r>
             <a:r>
@@ -7503,7 +7543,7 @@
             <a:pPr lvl="1"/>
             <a:r>
               <a:rPr lang="pt-BR" dirty="0">
-                <a:hlinkClick r:id="rId3"/>
+                <a:hlinkClick r:id="rId4"/>
               </a:rPr>
               <a:t>Instruções para resolução e entrega dos laboratórios</a:t>
             </a:r>
@@ -7580,7 +7620,7 @@
           <p:cNvPr id="4" name="Título 1">
             <a:extLst>
               <a:ext uri="{FF2B5EF4-FFF2-40B4-BE49-F238E27FC236}">
-                <a16:creationId xmlns="" xmlns:a16="http://schemas.microsoft.com/office/drawing/2014/main" id="{32666AC8-2E17-4DB4-B0F5-60C640CCFD2E}"/>
+                <a16:creationId xmlns:a16="http://schemas.microsoft.com/office/drawing/2014/main" xmlns="" id="{32666AC8-2E17-4DB4-B0F5-60C640CCFD2E}"/>
               </a:ext>
             </a:extLst>
           </p:cNvPr>
@@ -10309,15 +10349,7 @@
             </a:pPr>
             <a:r>
               <a:rPr lang="pt-BR" dirty="0" smtClean="0"/>
-              <a:t>Polinômios de ordem baixa podem não </a:t>
-            </a:r>
-            <a:r>
-              <a:rPr lang="pt-BR" dirty="0" smtClean="0"/>
-              <a:t>têm </a:t>
-            </a:r>
-            <a:r>
-              <a:rPr lang="pt-BR" dirty="0" smtClean="0"/>
-              <a:t>flexibilidade o suficiente para aproximar os dados, o que causa </a:t>
+              <a:t>Polinômios de ordem baixa podem não têm flexibilidade o suficiente para aproximar os dados, o que causa </a:t>
             </a:r>
             <a:r>
               <a:rPr lang="pt-BR" b="1" i="1" dirty="0" smtClean="0"/>
@@ -11117,11 +11149,7 @@
             </a:r>
             <a:r>
               <a:rPr lang="pt-BR" dirty="0" smtClean="0"/>
-              <a:t>flexibilidade e grau de generalização</a:t>
-            </a:r>
-            <a:r>
-              <a:rPr lang="pt-BR" dirty="0" smtClean="0"/>
-              <a:t>).</a:t>
+              <a:t>flexibilidade e grau de generalização).</a:t>
             </a:r>
             <a:endParaRPr lang="pt-BR" dirty="0"/>
           </a:p>
@@ -13380,8 +13408,8 @@
           </a:p>
         </p:txBody>
       </p:sp>
-      <mc:AlternateContent xmlns:mc="http://schemas.openxmlformats.org/markup-compatibility/2006">
-        <mc:Choice xmlns:a14="http://schemas.microsoft.com/office/drawing/2010/main" Requires="a14">
+      <mc:AlternateContent xmlns:mc="http://schemas.openxmlformats.org/markup-compatibility/2006" xmlns:a14="http://schemas.microsoft.com/office/drawing/2010/main">
+        <mc:Choice Requires="a14">
           <p:sp>
             <p:nvSpPr>
               <p:cNvPr id="3" name="Content Placeholder 2"/>
@@ -13635,15 +13663,7 @@
                 </a:r>
                 <a:r>
                   <a:rPr lang="pt-BR" dirty="0" smtClean="0"/>
-                  <a:t>conjuntos </a:t>
-                </a:r>
-                <a:r>
-                  <a:rPr lang="pt-BR" dirty="0" smtClean="0"/>
-                  <a:t>treinamento/teste</a:t>
-                </a:r>
-                <a:r>
-                  <a:rPr lang="pt-BR" dirty="0" smtClean="0"/>
-                  <a:t>, portanto, a complexidade computacional desta estratégia aumenta drasticamente com o aumento de </a:t>
+                  <a:t>conjuntos treinamento/teste, portanto, a complexidade computacional desta estratégia aumenta drasticamente com o aumento de </a:t>
                 </a:r>
                 <a:r>
                   <a:rPr lang="pt-BR" b="1" i="1" dirty="0" smtClean="0"/>
@@ -13829,7 +13849,7 @@
             </p:txBody>
           </p:sp>
         </mc:Choice>
-        <mc:Fallback>
+        <mc:Fallback xmlns="">
           <p:sp>
             <p:nvSpPr>
               <p:cNvPr id="3" name="Content Placeholder 2"/>

--- a/slides/T319_Regressão_Linear (Parte V).pptx
+++ b/slides/T319_Regressão_Linear (Parte V).pptx
@@ -541,7 +541,7 @@
           <a:p>
             <a:fld id="{DAF0AF11-6A8A-4E64-94F5-26D4FBA2A01D}" type="datetimeFigureOut">
               <a:rPr lang="nl-BE" smtClean="0"/>
-              <a:t>13/06/2021</a:t>
+              <a:t>7/07/2021</a:t>
             </a:fld>
             <a:endParaRPr lang="nl-BE"/>
           </a:p>
@@ -1274,13 +1274,8 @@
             </a:pPr>
             <a:r>
               <a:rPr lang="pt-BR" dirty="0" smtClean="0"/>
-              <a:t>COLAB: https://</a:t>
-            </a:r>
-            <a:r>
-              <a:rPr lang="pt-BR" dirty="0" smtClean="0"/>
-              <a:t>colab.research.google.com/github/zz4fap/t319_aprendizado_de_maquina/blob/main/labs/Laboratorio6.ipynb</a:t>
-            </a:r>
-            <a:endParaRPr lang="pt-BR" dirty="0" smtClean="0"/>
+              <a:t>COLAB: https://colab.research.google.com/github/zz4fap/t319_aprendizado_de_maquina/blob/main/labs/Laboratorio6.ipynb</a:t>
+            </a:r>
           </a:p>
           <a:p>
             <a:endParaRPr lang="pt-BR" dirty="0" smtClean="0"/>
@@ -1305,13 +1300,8 @@
             </a:pPr>
             <a:r>
               <a:rPr lang="pt-BR" dirty="0" smtClean="0"/>
-              <a:t>BINDER: https://</a:t>
-            </a:r>
-            <a:r>
-              <a:rPr lang="pt-BR" dirty="0" smtClean="0"/>
-              <a:t>mybinder.org/v2/gh/zz4fap/t319_aprendizado_de_maquina/main?filepath=labs%2FLaboratorio6.ipynb</a:t>
-            </a:r>
-            <a:endParaRPr lang="pt-BR" dirty="0" smtClean="0"/>
+              <a:t>BINDER: https://mybinder.org/v2/gh/zz4fap/t319_aprendizado_de_maquina/main?filepath=labs%2FLaboratorio6.ipynb</a:t>
+            </a:r>
           </a:p>
           <a:p>
             <a:endParaRPr lang="pt-BR" dirty="0"/>
@@ -3015,7 +3005,7 @@
           <a:p>
             <a:fld id="{C80E15A5-E95B-43EB-9AC7-9A96397448C0}" type="datetimeFigureOut">
               <a:rPr lang="nl-BE" smtClean="0"/>
-              <a:t>13/06/2021</a:t>
+              <a:t>7/07/2021</a:t>
             </a:fld>
             <a:endParaRPr lang="nl-BE"/>
           </a:p>
@@ -3185,7 +3175,7 @@
           <a:p>
             <a:fld id="{C80E15A5-E95B-43EB-9AC7-9A96397448C0}" type="datetimeFigureOut">
               <a:rPr lang="nl-BE" smtClean="0"/>
-              <a:t>13/06/2021</a:t>
+              <a:t>7/07/2021</a:t>
             </a:fld>
             <a:endParaRPr lang="nl-BE"/>
           </a:p>
@@ -3365,7 +3355,7 @@
           <a:p>
             <a:fld id="{C80E15A5-E95B-43EB-9AC7-9A96397448C0}" type="datetimeFigureOut">
               <a:rPr lang="nl-BE" smtClean="0"/>
-              <a:t>13/06/2021</a:t>
+              <a:t>7/07/2021</a:t>
             </a:fld>
             <a:endParaRPr lang="nl-BE"/>
           </a:p>
@@ -3535,7 +3525,7 @@
           <a:p>
             <a:fld id="{C80E15A5-E95B-43EB-9AC7-9A96397448C0}" type="datetimeFigureOut">
               <a:rPr lang="nl-BE" smtClean="0"/>
-              <a:t>13/06/2021</a:t>
+              <a:t>7/07/2021</a:t>
             </a:fld>
             <a:endParaRPr lang="nl-BE"/>
           </a:p>
@@ -3781,7 +3771,7 @@
           <a:p>
             <a:fld id="{C80E15A5-E95B-43EB-9AC7-9A96397448C0}" type="datetimeFigureOut">
               <a:rPr lang="nl-BE" smtClean="0"/>
-              <a:t>13/06/2021</a:t>
+              <a:t>7/07/2021</a:t>
             </a:fld>
             <a:endParaRPr lang="nl-BE"/>
           </a:p>
@@ -4013,7 +4003,7 @@
           <a:p>
             <a:fld id="{C80E15A5-E95B-43EB-9AC7-9A96397448C0}" type="datetimeFigureOut">
               <a:rPr lang="nl-BE" smtClean="0"/>
-              <a:t>13/06/2021</a:t>
+              <a:t>7/07/2021</a:t>
             </a:fld>
             <a:endParaRPr lang="nl-BE"/>
           </a:p>
@@ -4380,7 +4370,7 @@
           <a:p>
             <a:fld id="{C80E15A5-E95B-43EB-9AC7-9A96397448C0}" type="datetimeFigureOut">
               <a:rPr lang="nl-BE" smtClean="0"/>
-              <a:t>13/06/2021</a:t>
+              <a:t>7/07/2021</a:t>
             </a:fld>
             <a:endParaRPr lang="nl-BE"/>
           </a:p>
@@ -4498,7 +4488,7 @@
           <a:p>
             <a:fld id="{C80E15A5-E95B-43EB-9AC7-9A96397448C0}" type="datetimeFigureOut">
               <a:rPr lang="nl-BE" smtClean="0"/>
-              <a:t>13/06/2021</a:t>
+              <a:t>7/07/2021</a:t>
             </a:fld>
             <a:endParaRPr lang="nl-BE"/>
           </a:p>
@@ -4593,7 +4583,7 @@
           <a:p>
             <a:fld id="{C80E15A5-E95B-43EB-9AC7-9A96397448C0}" type="datetimeFigureOut">
               <a:rPr lang="nl-BE" smtClean="0"/>
-              <a:t>13/06/2021</a:t>
+              <a:t>7/07/2021</a:t>
             </a:fld>
             <a:endParaRPr lang="nl-BE"/>
           </a:p>
@@ -4870,7 +4860,7 @@
           <a:p>
             <a:fld id="{C80E15A5-E95B-43EB-9AC7-9A96397448C0}" type="datetimeFigureOut">
               <a:rPr lang="nl-BE" smtClean="0"/>
-              <a:t>13/06/2021</a:t>
+              <a:t>7/07/2021</a:t>
             </a:fld>
             <a:endParaRPr lang="nl-BE"/>
           </a:p>
@@ -5123,7 +5113,7 @@
           <a:p>
             <a:fld id="{C80E15A5-E95B-43EB-9AC7-9A96397448C0}" type="datetimeFigureOut">
               <a:rPr lang="nl-BE" smtClean="0"/>
-              <a:t>13/06/2021</a:t>
+              <a:t>7/07/2021</a:t>
             </a:fld>
             <a:endParaRPr lang="nl-BE"/>
           </a:p>
@@ -5336,7 +5326,7 @@
           <a:p>
             <a:fld id="{C80E15A5-E95B-43EB-9AC7-9A96397448C0}" type="datetimeFigureOut">
               <a:rPr lang="nl-BE" smtClean="0"/>
-              <a:t>13/06/2021</a:t>
+              <a:t>7/07/2021</a:t>
             </a:fld>
             <a:endParaRPr lang="nl-BE"/>
           </a:p>
@@ -5746,7 +5736,7 @@
           <p:cNvPr id="2" name="Título 1">
             <a:extLst>
               <a:ext uri="{FF2B5EF4-FFF2-40B4-BE49-F238E27FC236}">
-                <a16:creationId xmlns:a16="http://schemas.microsoft.com/office/drawing/2014/main" xmlns="" id="{32666AC8-2E17-4DB4-B0F5-60C640CCFD2E}"/>
+                <a16:creationId xmlns="" xmlns:a16="http://schemas.microsoft.com/office/drawing/2014/main" id="{32666AC8-2E17-4DB4-B0F5-60C640CCFD2E}"/>
               </a:ext>
             </a:extLst>
           </p:cNvPr>
@@ -5805,7 +5795,7 @@
           <p:cNvPr id="4" name="CaixaDeTexto 3">
             <a:extLst>
               <a:ext uri="{FF2B5EF4-FFF2-40B4-BE49-F238E27FC236}">
-                <a16:creationId xmlns:a16="http://schemas.microsoft.com/office/drawing/2014/main" xmlns="" id="{430EB894-B7D4-434C-9D1A-A14094D9BEEC}"/>
+                <a16:creationId xmlns="" xmlns:a16="http://schemas.microsoft.com/office/drawing/2014/main" id="{430EB894-B7D4-434C-9D1A-A14094D9BEEC}"/>
               </a:ext>
             </a:extLst>
           </p:cNvPr>
@@ -5846,7 +5836,7 @@
           <p:cNvPr id="1026" name="Picture 2" descr="Logo">
             <a:extLst>
               <a:ext uri="{FF2B5EF4-FFF2-40B4-BE49-F238E27FC236}">
-                <a16:creationId xmlns:a16="http://schemas.microsoft.com/office/drawing/2014/main" xmlns="" id="{3F2642E0-4F6A-4196-8F58-E77D36E9A33F}"/>
+                <a16:creationId xmlns="" xmlns:a16="http://schemas.microsoft.com/office/drawing/2014/main" id="{3F2642E0-4F6A-4196-8F58-E77D36E9A33F}"/>
               </a:ext>
             </a:extLst>
           </p:cNvPr>
@@ -5891,7 +5881,7 @@
           <p:cNvPr id="5122" name="Picture 2" descr="Image result for machine learning">
             <a:extLst>
               <a:ext uri="{FF2B5EF4-FFF2-40B4-BE49-F238E27FC236}">
-                <a16:creationId xmlns:a16="http://schemas.microsoft.com/office/drawing/2014/main" xmlns="" id="{810CE0A2-4102-44A6-A370-175E7896CDCB}"/>
+                <a16:creationId xmlns="" xmlns:a16="http://schemas.microsoft.com/office/drawing/2014/main" id="{810CE0A2-4102-44A6-A370-175E7896CDCB}"/>
               </a:ext>
             </a:extLst>
           </p:cNvPr>
@@ -6103,11 +6093,7 @@
             </a:r>
             <a:r>
               <a:rPr lang="pt-BR" dirty="0" smtClean="0"/>
-              <a:t>810 [s</a:t>
-            </a:r>
-            <a:r>
-              <a:rPr lang="pt-BR" dirty="0" smtClean="0"/>
-              <a:t>] (+ de 13 [m]).</a:t>
+              <a:t>810 [s] (+ de 13 [m]).</a:t>
             </a:r>
             <a:endParaRPr lang="pt-BR" dirty="0"/>
           </a:p>
@@ -6861,19 +6847,7 @@
             </a:pPr>
             <a:r>
               <a:rPr lang="pt-BR" sz="1600" dirty="0" smtClean="0"/>
-              <a:t>Porém, conforme </a:t>
-            </a:r>
-            <a:r>
-              <a:rPr lang="pt-BR" sz="1600" dirty="0" smtClean="0"/>
-              <a:t>a ordem </a:t>
-            </a:r>
-            <a:r>
-              <a:rPr lang="pt-BR" sz="1600" dirty="0" smtClean="0"/>
-              <a:t>continua a aumentar, </a:t>
-            </a:r>
-            <a:r>
-              <a:rPr lang="pt-BR" sz="1600" dirty="0" smtClean="0"/>
-              <a:t>ambos aumentam, indicando </a:t>
+              <a:t>Porém, conforme a ordem continua a aumentar, ambos aumentam, indicando </a:t>
             </a:r>
             <a:r>
               <a:rPr lang="pt-BR" sz="1600" b="1" dirty="0" smtClean="0"/>
@@ -7555,20 +7529,12 @@
           <a:p>
             <a:pPr lvl="1"/>
             <a:r>
-              <a:rPr lang="pt-BR" b="1" dirty="0">
+              <a:rPr lang="pt-BR" b="1">
                 <a:solidFill>
                   <a:srgbClr val="FF0000"/>
                 </a:solidFill>
               </a:rPr>
-              <a:t>Laboratórios podem ser feitos em grupo</a:t>
-            </a:r>
-            <a:r>
-              <a:rPr lang="pt-BR" b="1" dirty="0" smtClean="0">
-                <a:solidFill>
-                  <a:srgbClr val="FF0000"/>
-                </a:solidFill>
-              </a:rPr>
-              <a:t>.</a:t>
+              <a:t>Laboratórios podem ser feitos em grupo, mas as entregas devem ser individuais.</a:t>
             </a:r>
             <a:endParaRPr lang="pt-BR" b="1" dirty="0">
               <a:solidFill>
@@ -7620,7 +7586,7 @@
           <p:cNvPr id="4" name="Título 1">
             <a:extLst>
               <a:ext uri="{FF2B5EF4-FFF2-40B4-BE49-F238E27FC236}">
-                <a16:creationId xmlns:a16="http://schemas.microsoft.com/office/drawing/2014/main" xmlns="" id="{32666AC8-2E17-4DB4-B0F5-60C640CCFD2E}"/>
+                <a16:creationId xmlns="" xmlns:a16="http://schemas.microsoft.com/office/drawing/2014/main" id="{32666AC8-2E17-4DB4-B0F5-60C640CCFD2E}"/>
               </a:ext>
             </a:extLst>
           </p:cNvPr>

--- a/slides/T319_Regressão_Linear (Parte V).pptx
+++ b/slides/T319_Regressão_Linear (Parte V).pptx
@@ -19,7 +19,7 @@
     <p:sldId id="429" r:id="rId10"/>
     <p:sldId id="430" r:id="rId11"/>
     <p:sldId id="431" r:id="rId12"/>
-    <p:sldId id="432" r:id="rId13"/>
+    <p:sldId id="434" r:id="rId13"/>
     <p:sldId id="417" r:id="rId14"/>
     <p:sldId id="317" r:id="rId15"/>
     <p:sldId id="332" r:id="rId16"/>
@@ -541,7 +541,7 @@
           <a:p>
             <a:fld id="{DAF0AF11-6A8A-4E64-94F5-26D4FBA2A01D}" type="datetimeFigureOut">
               <a:rPr lang="nl-BE" smtClean="0"/>
-              <a:t>7/07/2021</a:t>
+              <a:t>19/07/2021</a:t>
             </a:fld>
             <a:endParaRPr lang="nl-BE"/>
           </a:p>
@@ -1201,7 +1201,7 @@
     </p:spTree>
     <p:extLst>
       <p:ext uri="{BB962C8B-B14F-4D97-AF65-F5344CB8AC3E}">
-        <p14:creationId xmlns:p14="http://schemas.microsoft.com/office/powerpoint/2010/main" val="1082478611"/>
+        <p14:creationId xmlns:p14="http://schemas.microsoft.com/office/powerpoint/2010/main" val="3811884714"/>
       </p:ext>
     </p:extLst>
   </p:cSld>
@@ -3005,7 +3005,7 @@
           <a:p>
             <a:fld id="{C80E15A5-E95B-43EB-9AC7-9A96397448C0}" type="datetimeFigureOut">
               <a:rPr lang="nl-BE" smtClean="0"/>
-              <a:t>7/07/2021</a:t>
+              <a:t>19/07/2021</a:t>
             </a:fld>
             <a:endParaRPr lang="nl-BE"/>
           </a:p>
@@ -3175,7 +3175,7 @@
           <a:p>
             <a:fld id="{C80E15A5-E95B-43EB-9AC7-9A96397448C0}" type="datetimeFigureOut">
               <a:rPr lang="nl-BE" smtClean="0"/>
-              <a:t>7/07/2021</a:t>
+              <a:t>19/07/2021</a:t>
             </a:fld>
             <a:endParaRPr lang="nl-BE"/>
           </a:p>
@@ -3355,7 +3355,7 @@
           <a:p>
             <a:fld id="{C80E15A5-E95B-43EB-9AC7-9A96397448C0}" type="datetimeFigureOut">
               <a:rPr lang="nl-BE" smtClean="0"/>
-              <a:t>7/07/2021</a:t>
+              <a:t>19/07/2021</a:t>
             </a:fld>
             <a:endParaRPr lang="nl-BE"/>
           </a:p>
@@ -3525,7 +3525,7 @@
           <a:p>
             <a:fld id="{C80E15A5-E95B-43EB-9AC7-9A96397448C0}" type="datetimeFigureOut">
               <a:rPr lang="nl-BE" smtClean="0"/>
-              <a:t>7/07/2021</a:t>
+              <a:t>19/07/2021</a:t>
             </a:fld>
             <a:endParaRPr lang="nl-BE"/>
           </a:p>
@@ -3771,7 +3771,7 @@
           <a:p>
             <a:fld id="{C80E15A5-E95B-43EB-9AC7-9A96397448C0}" type="datetimeFigureOut">
               <a:rPr lang="nl-BE" smtClean="0"/>
-              <a:t>7/07/2021</a:t>
+              <a:t>19/07/2021</a:t>
             </a:fld>
             <a:endParaRPr lang="nl-BE"/>
           </a:p>
@@ -4003,7 +4003,7 @@
           <a:p>
             <a:fld id="{C80E15A5-E95B-43EB-9AC7-9A96397448C0}" type="datetimeFigureOut">
               <a:rPr lang="nl-BE" smtClean="0"/>
-              <a:t>7/07/2021</a:t>
+              <a:t>19/07/2021</a:t>
             </a:fld>
             <a:endParaRPr lang="nl-BE"/>
           </a:p>
@@ -4370,7 +4370,7 @@
           <a:p>
             <a:fld id="{C80E15A5-E95B-43EB-9AC7-9A96397448C0}" type="datetimeFigureOut">
               <a:rPr lang="nl-BE" smtClean="0"/>
-              <a:t>7/07/2021</a:t>
+              <a:t>19/07/2021</a:t>
             </a:fld>
             <a:endParaRPr lang="nl-BE"/>
           </a:p>
@@ -4488,7 +4488,7 @@
           <a:p>
             <a:fld id="{C80E15A5-E95B-43EB-9AC7-9A96397448C0}" type="datetimeFigureOut">
               <a:rPr lang="nl-BE" smtClean="0"/>
-              <a:t>7/07/2021</a:t>
+              <a:t>19/07/2021</a:t>
             </a:fld>
             <a:endParaRPr lang="nl-BE"/>
           </a:p>
@@ -4583,7 +4583,7 @@
           <a:p>
             <a:fld id="{C80E15A5-E95B-43EB-9AC7-9A96397448C0}" type="datetimeFigureOut">
               <a:rPr lang="nl-BE" smtClean="0"/>
-              <a:t>7/07/2021</a:t>
+              <a:t>19/07/2021</a:t>
             </a:fld>
             <a:endParaRPr lang="nl-BE"/>
           </a:p>
@@ -4860,7 +4860,7 @@
           <a:p>
             <a:fld id="{C80E15A5-E95B-43EB-9AC7-9A96397448C0}" type="datetimeFigureOut">
               <a:rPr lang="nl-BE" smtClean="0"/>
-              <a:t>7/07/2021</a:t>
+              <a:t>19/07/2021</a:t>
             </a:fld>
             <a:endParaRPr lang="nl-BE"/>
           </a:p>
@@ -5113,7 +5113,7 @@
           <a:p>
             <a:fld id="{C80E15A5-E95B-43EB-9AC7-9A96397448C0}" type="datetimeFigureOut">
               <a:rPr lang="nl-BE" smtClean="0"/>
-              <a:t>7/07/2021</a:t>
+              <a:t>19/07/2021</a:t>
             </a:fld>
             <a:endParaRPr lang="nl-BE"/>
           </a:p>
@@ -5326,7 +5326,7 @@
           <a:p>
             <a:fld id="{C80E15A5-E95B-43EB-9AC7-9A96397448C0}" type="datetimeFigureOut">
               <a:rPr lang="nl-BE" smtClean="0"/>
-              <a:t>7/07/2021</a:t>
+              <a:t>19/07/2021</a:t>
             </a:fld>
             <a:endParaRPr lang="nl-BE"/>
           </a:p>
@@ -5736,7 +5736,7 @@
           <p:cNvPr id="2" name="Título 1">
             <a:extLst>
               <a:ext uri="{FF2B5EF4-FFF2-40B4-BE49-F238E27FC236}">
-                <a16:creationId xmlns="" xmlns:a16="http://schemas.microsoft.com/office/drawing/2014/main" id="{32666AC8-2E17-4DB4-B0F5-60C640CCFD2E}"/>
+                <a16:creationId xmlns:a16="http://schemas.microsoft.com/office/drawing/2014/main" xmlns="" id="{32666AC8-2E17-4DB4-B0F5-60C640CCFD2E}"/>
               </a:ext>
             </a:extLst>
           </p:cNvPr>
@@ -5795,7 +5795,7 @@
           <p:cNvPr id="4" name="CaixaDeTexto 3">
             <a:extLst>
               <a:ext uri="{FF2B5EF4-FFF2-40B4-BE49-F238E27FC236}">
-                <a16:creationId xmlns="" xmlns:a16="http://schemas.microsoft.com/office/drawing/2014/main" id="{430EB894-B7D4-434C-9D1A-A14094D9BEEC}"/>
+                <a16:creationId xmlns:a16="http://schemas.microsoft.com/office/drawing/2014/main" xmlns="" id="{430EB894-B7D4-434C-9D1A-A14094D9BEEC}"/>
               </a:ext>
             </a:extLst>
           </p:cNvPr>
@@ -5836,7 +5836,7 @@
           <p:cNvPr id="1026" name="Picture 2" descr="Logo">
             <a:extLst>
               <a:ext uri="{FF2B5EF4-FFF2-40B4-BE49-F238E27FC236}">
-                <a16:creationId xmlns="" xmlns:a16="http://schemas.microsoft.com/office/drawing/2014/main" id="{3F2642E0-4F6A-4196-8F58-E77D36E9A33F}"/>
+                <a16:creationId xmlns:a16="http://schemas.microsoft.com/office/drawing/2014/main" xmlns="" id="{3F2642E0-4F6A-4196-8F58-E77D36E9A33F}"/>
               </a:ext>
             </a:extLst>
           </p:cNvPr>
@@ -5881,7 +5881,7 @@
           <p:cNvPr id="5122" name="Picture 2" descr="Image result for machine learning">
             <a:extLst>
               <a:ext uri="{FF2B5EF4-FFF2-40B4-BE49-F238E27FC236}">
-                <a16:creationId xmlns="" xmlns:a16="http://schemas.microsoft.com/office/drawing/2014/main" id="{810CE0A2-4102-44A6-A370-175E7896CDCB}"/>
+                <a16:creationId xmlns:a16="http://schemas.microsoft.com/office/drawing/2014/main" xmlns="" id="{810CE0A2-4102-44A6-A370-175E7896CDCB}"/>
               </a:ext>
             </a:extLst>
           </p:cNvPr>
@@ -7135,13 +7135,13 @@
         </p:nvSpPr>
         <p:spPr>
           <a:xfrm>
-            <a:off x="838200" y="1825624"/>
-            <a:ext cx="7400744" cy="5032376"/>
+            <a:off x="838200" y="1690688"/>
+            <a:ext cx="7205663" cy="5167312"/>
           </a:xfrm>
         </p:spPr>
         <p:txBody>
           <a:bodyPr>
-            <a:normAutofit lnSpcReduction="10000"/>
+            <a:normAutofit fontScale="92500" lnSpcReduction="10000"/>
           </a:bodyPr>
           <a:lstStyle/>
           <a:p>
@@ -7155,7 +7155,11 @@
             </a:r>
             <a:r>
               <a:rPr lang="pt-BR" dirty="0"/>
-              <a:t>são pequenos </a:t>
+              <a:t>são </a:t>
+            </a:r>
+            <a:r>
+              <a:rPr lang="pt-BR" dirty="0" smtClean="0"/>
+              <a:t>pequenos, smilares </a:t>
             </a:r>
             <a:r>
               <a:rPr lang="pt-BR" dirty="0" smtClean="0"/>
@@ -7188,16 +7192,38 @@
               <a:t>navalha de Occam </a:t>
             </a:r>
             <a:r>
+              <a:rPr lang="pt-BR" dirty="0" smtClean="0"/>
+              <a:t>é um </a:t>
+            </a:r>
+            <a:r>
+              <a:rPr lang="pt-BR" b="1" i="1" dirty="0"/>
+              <a:t>princípio </a:t>
+            </a:r>
+            <a:r>
+              <a:rPr lang="pt-BR" b="1" i="1" dirty="0" smtClean="0"/>
+              <a:t>lógico </a:t>
+            </a:r>
+            <a:r>
+              <a:rPr lang="pt-BR" dirty="0" smtClean="0"/>
+              <a:t>que postula </a:t>
+            </a:r>
+            <a:r>
               <a:rPr lang="pt-BR" dirty="0"/>
-              <a:t>é um princípio lógico que </a:t>
-            </a:r>
-            <a:r>
-              <a:rPr lang="pt-BR" dirty="0" smtClean="0"/>
-              <a:t>diz que deve-se </a:t>
+              <a:t>que de múltiplas explicações adequadas e possíveis para o mesmo conjunto de fatos, deve-se optar pela mais simples daquelas</a:t>
+            </a:r>
+            <a:r>
+              <a:rPr lang="pt-BR" dirty="0" smtClean="0"/>
+              <a:t>.</a:t>
+            </a:r>
+          </a:p>
+          <a:p>
+            <a:r>
+              <a:rPr lang="pt-BR" dirty="0" smtClean="0"/>
+              <a:t>Ou seja</a:t>
             </a:r>
             <a:r>
               <a:rPr lang="pt-BR" dirty="0"/>
-              <a:t>preferir explicações mais simples às mais complicadas</a:t>
+              <a:t>, deve-se preferir explicações mais simples às mais complicadas</a:t>
             </a:r>
             <a:r>
               <a:rPr lang="pt-BR" dirty="0" smtClean="0"/>
@@ -7369,7 +7395,7 @@
     </p:spTree>
     <p:extLst>
       <p:ext uri="{BB962C8B-B14F-4D97-AF65-F5344CB8AC3E}">
-        <p14:creationId xmlns:p14="http://schemas.microsoft.com/office/powerpoint/2010/main" val="995709894"/>
+        <p14:creationId xmlns:p14="http://schemas.microsoft.com/office/powerpoint/2010/main" val="1166345807"/>
       </p:ext>
     </p:extLst>
   </p:cSld>
@@ -7586,7 +7612,7 @@
           <p:cNvPr id="4" name="Título 1">
             <a:extLst>
               <a:ext uri="{FF2B5EF4-FFF2-40B4-BE49-F238E27FC236}">
-                <a16:creationId xmlns="" xmlns:a16="http://schemas.microsoft.com/office/drawing/2014/main" id="{32666AC8-2E17-4DB4-B0F5-60C640CCFD2E}"/>
+                <a16:creationId xmlns:a16="http://schemas.microsoft.com/office/drawing/2014/main" xmlns="" id="{32666AC8-2E17-4DB4-B0F5-60C640CCFD2E}"/>
               </a:ext>
             </a:extLst>
           </p:cNvPr>

--- a/slides/T319_Regressão_Linear (Parte V).pptx
+++ b/slides/T319_Regressão_Linear (Parte V).pptx
@@ -541,7 +541,7 @@
           <a:p>
             <a:fld id="{DAF0AF11-6A8A-4E64-94F5-26D4FBA2A01D}" type="datetimeFigureOut">
               <a:rPr lang="nl-BE" smtClean="0"/>
-              <a:t>19/07/2021</a:t>
+              <a:t>22/07/2021</a:t>
             </a:fld>
             <a:endParaRPr lang="nl-BE"/>
           </a:p>
@@ -3005,7 +3005,7 @@
           <a:p>
             <a:fld id="{C80E15A5-E95B-43EB-9AC7-9A96397448C0}" type="datetimeFigureOut">
               <a:rPr lang="nl-BE" smtClean="0"/>
-              <a:t>19/07/2021</a:t>
+              <a:t>22/07/2021</a:t>
             </a:fld>
             <a:endParaRPr lang="nl-BE"/>
           </a:p>
@@ -3175,7 +3175,7 @@
           <a:p>
             <a:fld id="{C80E15A5-E95B-43EB-9AC7-9A96397448C0}" type="datetimeFigureOut">
               <a:rPr lang="nl-BE" smtClean="0"/>
-              <a:t>19/07/2021</a:t>
+              <a:t>22/07/2021</a:t>
             </a:fld>
             <a:endParaRPr lang="nl-BE"/>
           </a:p>
@@ -3355,7 +3355,7 @@
           <a:p>
             <a:fld id="{C80E15A5-E95B-43EB-9AC7-9A96397448C0}" type="datetimeFigureOut">
               <a:rPr lang="nl-BE" smtClean="0"/>
-              <a:t>19/07/2021</a:t>
+              <a:t>22/07/2021</a:t>
             </a:fld>
             <a:endParaRPr lang="nl-BE"/>
           </a:p>
@@ -3525,7 +3525,7 @@
           <a:p>
             <a:fld id="{C80E15A5-E95B-43EB-9AC7-9A96397448C0}" type="datetimeFigureOut">
               <a:rPr lang="nl-BE" smtClean="0"/>
-              <a:t>19/07/2021</a:t>
+              <a:t>22/07/2021</a:t>
             </a:fld>
             <a:endParaRPr lang="nl-BE"/>
           </a:p>
@@ -3771,7 +3771,7 @@
           <a:p>
             <a:fld id="{C80E15A5-E95B-43EB-9AC7-9A96397448C0}" type="datetimeFigureOut">
               <a:rPr lang="nl-BE" smtClean="0"/>
-              <a:t>19/07/2021</a:t>
+              <a:t>22/07/2021</a:t>
             </a:fld>
             <a:endParaRPr lang="nl-BE"/>
           </a:p>
@@ -4003,7 +4003,7 @@
           <a:p>
             <a:fld id="{C80E15A5-E95B-43EB-9AC7-9A96397448C0}" type="datetimeFigureOut">
               <a:rPr lang="nl-BE" smtClean="0"/>
-              <a:t>19/07/2021</a:t>
+              <a:t>22/07/2021</a:t>
             </a:fld>
             <a:endParaRPr lang="nl-BE"/>
           </a:p>
@@ -4370,7 +4370,7 @@
           <a:p>
             <a:fld id="{C80E15A5-E95B-43EB-9AC7-9A96397448C0}" type="datetimeFigureOut">
               <a:rPr lang="nl-BE" smtClean="0"/>
-              <a:t>19/07/2021</a:t>
+              <a:t>22/07/2021</a:t>
             </a:fld>
             <a:endParaRPr lang="nl-BE"/>
           </a:p>
@@ -4488,7 +4488,7 @@
           <a:p>
             <a:fld id="{C80E15A5-E95B-43EB-9AC7-9A96397448C0}" type="datetimeFigureOut">
               <a:rPr lang="nl-BE" smtClean="0"/>
-              <a:t>19/07/2021</a:t>
+              <a:t>22/07/2021</a:t>
             </a:fld>
             <a:endParaRPr lang="nl-BE"/>
           </a:p>
@@ -4583,7 +4583,7 @@
           <a:p>
             <a:fld id="{C80E15A5-E95B-43EB-9AC7-9A96397448C0}" type="datetimeFigureOut">
               <a:rPr lang="nl-BE" smtClean="0"/>
-              <a:t>19/07/2021</a:t>
+              <a:t>22/07/2021</a:t>
             </a:fld>
             <a:endParaRPr lang="nl-BE"/>
           </a:p>
@@ -4860,7 +4860,7 @@
           <a:p>
             <a:fld id="{C80E15A5-E95B-43EB-9AC7-9A96397448C0}" type="datetimeFigureOut">
               <a:rPr lang="nl-BE" smtClean="0"/>
-              <a:t>19/07/2021</a:t>
+              <a:t>22/07/2021</a:t>
             </a:fld>
             <a:endParaRPr lang="nl-BE"/>
           </a:p>
@@ -5113,7 +5113,7 @@
           <a:p>
             <a:fld id="{C80E15A5-E95B-43EB-9AC7-9A96397448C0}" type="datetimeFigureOut">
               <a:rPr lang="nl-BE" smtClean="0"/>
-              <a:t>19/07/2021</a:t>
+              <a:t>22/07/2021</a:t>
             </a:fld>
             <a:endParaRPr lang="nl-BE"/>
           </a:p>
@@ -5326,7 +5326,7 @@
           <a:p>
             <a:fld id="{C80E15A5-E95B-43EB-9AC7-9A96397448C0}" type="datetimeFigureOut">
               <a:rPr lang="nl-BE" smtClean="0"/>
-              <a:t>19/07/2021</a:t>
+              <a:t>22/07/2021</a:t>
             </a:fld>
             <a:endParaRPr lang="nl-BE"/>
           </a:p>
@@ -5736,7 +5736,7 @@
           <p:cNvPr id="2" name="Título 1">
             <a:extLst>
               <a:ext uri="{FF2B5EF4-FFF2-40B4-BE49-F238E27FC236}">
-                <a16:creationId xmlns:a16="http://schemas.microsoft.com/office/drawing/2014/main" xmlns="" id="{32666AC8-2E17-4DB4-B0F5-60C640CCFD2E}"/>
+                <a16:creationId xmlns="" xmlns:a16="http://schemas.microsoft.com/office/drawing/2014/main" id="{32666AC8-2E17-4DB4-B0F5-60C640CCFD2E}"/>
               </a:ext>
             </a:extLst>
           </p:cNvPr>
@@ -5795,7 +5795,7 @@
           <p:cNvPr id="4" name="CaixaDeTexto 3">
             <a:extLst>
               <a:ext uri="{FF2B5EF4-FFF2-40B4-BE49-F238E27FC236}">
-                <a16:creationId xmlns:a16="http://schemas.microsoft.com/office/drawing/2014/main" xmlns="" id="{430EB894-B7D4-434C-9D1A-A14094D9BEEC}"/>
+                <a16:creationId xmlns="" xmlns:a16="http://schemas.microsoft.com/office/drawing/2014/main" id="{430EB894-B7D4-434C-9D1A-A14094D9BEEC}"/>
               </a:ext>
             </a:extLst>
           </p:cNvPr>
@@ -5836,7 +5836,7 @@
           <p:cNvPr id="1026" name="Picture 2" descr="Logo">
             <a:extLst>
               <a:ext uri="{FF2B5EF4-FFF2-40B4-BE49-F238E27FC236}">
-                <a16:creationId xmlns:a16="http://schemas.microsoft.com/office/drawing/2014/main" xmlns="" id="{3F2642E0-4F6A-4196-8F58-E77D36E9A33F}"/>
+                <a16:creationId xmlns="" xmlns:a16="http://schemas.microsoft.com/office/drawing/2014/main" id="{3F2642E0-4F6A-4196-8F58-E77D36E9A33F}"/>
               </a:ext>
             </a:extLst>
           </p:cNvPr>
@@ -5881,7 +5881,7 @@
           <p:cNvPr id="5122" name="Picture 2" descr="Image result for machine learning">
             <a:extLst>
               <a:ext uri="{FF2B5EF4-FFF2-40B4-BE49-F238E27FC236}">
-                <a16:creationId xmlns:a16="http://schemas.microsoft.com/office/drawing/2014/main" xmlns="" id="{810CE0A2-4102-44A6-A370-175E7896CDCB}"/>
+                <a16:creationId xmlns="" xmlns:a16="http://schemas.microsoft.com/office/drawing/2014/main" id="{810CE0A2-4102-44A6-A370-175E7896CDCB}"/>
               </a:ext>
             </a:extLst>
           </p:cNvPr>
@@ -7159,11 +7159,7 @@
             </a:r>
             <a:r>
               <a:rPr lang="pt-BR" dirty="0" smtClean="0"/>
-              <a:t>pequenos, smilares </a:t>
-            </a:r>
-            <a:r>
-              <a:rPr lang="pt-BR" dirty="0" smtClean="0"/>
-              <a:t>e praticamente constantes para várias ordens de polinômio?</a:t>
+              <a:t>pequenos, smilares e praticamente constantes para várias ordens de polinômio?</a:t>
             </a:r>
             <a:endParaRPr lang="pt-BR" dirty="0"/>
           </a:p>
@@ -7481,15 +7477,15 @@
             </a:r>
             <a:r>
               <a:rPr lang="pt-BR" i="1" dirty="0" smtClean="0"/>
-              <a:t>V </a:t>
-            </a:r>
-            <a:r>
-              <a:rPr lang="pt-BR" i="1" dirty="0"/>
-              <a:t>(1S2021)</a:t>
+              <a:t>V</a:t>
+            </a:r>
+            <a:r>
+              <a:rPr lang="pt-BR" dirty="0" smtClean="0"/>
+              <a:t>” </a:t>
             </a:r>
             <a:r>
               <a:rPr lang="pt-BR" dirty="0"/>
-              <a:t>” que se encontra no MS Teams.</a:t>
+              <a:t>que se encontra no MS Teams.</a:t>
             </a:r>
           </a:p>
           <a:p>
@@ -7555,18 +7551,13 @@
           <a:p>
             <a:pPr lvl="1"/>
             <a:r>
-              <a:rPr lang="pt-BR" b="1">
+              <a:rPr lang="pt-BR" b="1" dirty="0">
                 <a:solidFill>
                   <a:srgbClr val="FF0000"/>
                 </a:solidFill>
               </a:rPr>
               <a:t>Laboratórios podem ser feitos em grupo, mas as entregas devem ser individuais.</a:t>
             </a:r>
-            <a:endParaRPr lang="pt-BR" b="1" dirty="0">
-              <a:solidFill>
-                <a:srgbClr val="FF0000"/>
-              </a:solidFill>
-            </a:endParaRPr>
           </a:p>
         </p:txBody>
       </p:sp>
@@ -7612,7 +7603,7 @@
           <p:cNvPr id="4" name="Título 1">
             <a:extLst>
               <a:ext uri="{FF2B5EF4-FFF2-40B4-BE49-F238E27FC236}">
-                <a16:creationId xmlns:a16="http://schemas.microsoft.com/office/drawing/2014/main" xmlns="" id="{32666AC8-2E17-4DB4-B0F5-60C640CCFD2E}"/>
+                <a16:creationId xmlns="" xmlns:a16="http://schemas.microsoft.com/office/drawing/2014/main" id="{32666AC8-2E17-4DB4-B0F5-60C640CCFD2E}"/>
               </a:ext>
             </a:extLst>
           </p:cNvPr>

--- a/slides/T319_Regressão_Linear (Parte V).pptx
+++ b/slides/T319_Regressão_Linear (Parte V).pptx
@@ -541,7 +541,7 @@
           <a:p>
             <a:fld id="{DAF0AF11-6A8A-4E64-94F5-26D4FBA2A01D}" type="datetimeFigureOut">
               <a:rPr lang="nl-BE" smtClean="0"/>
-              <a:t>22/07/2021</a:t>
+              <a:t>8/09/2021</a:t>
             </a:fld>
             <a:endParaRPr lang="nl-BE"/>
           </a:p>
@@ -3005,7 +3005,7 @@
           <a:p>
             <a:fld id="{C80E15A5-E95B-43EB-9AC7-9A96397448C0}" type="datetimeFigureOut">
               <a:rPr lang="nl-BE" smtClean="0"/>
-              <a:t>22/07/2021</a:t>
+              <a:t>8/09/2021</a:t>
             </a:fld>
             <a:endParaRPr lang="nl-BE"/>
           </a:p>
@@ -3175,7 +3175,7 @@
           <a:p>
             <a:fld id="{C80E15A5-E95B-43EB-9AC7-9A96397448C0}" type="datetimeFigureOut">
               <a:rPr lang="nl-BE" smtClean="0"/>
-              <a:t>22/07/2021</a:t>
+              <a:t>8/09/2021</a:t>
             </a:fld>
             <a:endParaRPr lang="nl-BE"/>
           </a:p>
@@ -3355,7 +3355,7 @@
           <a:p>
             <a:fld id="{C80E15A5-E95B-43EB-9AC7-9A96397448C0}" type="datetimeFigureOut">
               <a:rPr lang="nl-BE" smtClean="0"/>
-              <a:t>22/07/2021</a:t>
+              <a:t>8/09/2021</a:t>
             </a:fld>
             <a:endParaRPr lang="nl-BE"/>
           </a:p>
@@ -3525,7 +3525,7 @@
           <a:p>
             <a:fld id="{C80E15A5-E95B-43EB-9AC7-9A96397448C0}" type="datetimeFigureOut">
               <a:rPr lang="nl-BE" smtClean="0"/>
-              <a:t>22/07/2021</a:t>
+              <a:t>8/09/2021</a:t>
             </a:fld>
             <a:endParaRPr lang="nl-BE"/>
           </a:p>
@@ -3771,7 +3771,7 @@
           <a:p>
             <a:fld id="{C80E15A5-E95B-43EB-9AC7-9A96397448C0}" type="datetimeFigureOut">
               <a:rPr lang="nl-BE" smtClean="0"/>
-              <a:t>22/07/2021</a:t>
+              <a:t>8/09/2021</a:t>
             </a:fld>
             <a:endParaRPr lang="nl-BE"/>
           </a:p>
@@ -4003,7 +4003,7 @@
           <a:p>
             <a:fld id="{C80E15A5-E95B-43EB-9AC7-9A96397448C0}" type="datetimeFigureOut">
               <a:rPr lang="nl-BE" smtClean="0"/>
-              <a:t>22/07/2021</a:t>
+              <a:t>8/09/2021</a:t>
             </a:fld>
             <a:endParaRPr lang="nl-BE"/>
           </a:p>
@@ -4370,7 +4370,7 @@
           <a:p>
             <a:fld id="{C80E15A5-E95B-43EB-9AC7-9A96397448C0}" type="datetimeFigureOut">
               <a:rPr lang="nl-BE" smtClean="0"/>
-              <a:t>22/07/2021</a:t>
+              <a:t>8/09/2021</a:t>
             </a:fld>
             <a:endParaRPr lang="nl-BE"/>
           </a:p>
@@ -4488,7 +4488,7 @@
           <a:p>
             <a:fld id="{C80E15A5-E95B-43EB-9AC7-9A96397448C0}" type="datetimeFigureOut">
               <a:rPr lang="nl-BE" smtClean="0"/>
-              <a:t>22/07/2021</a:t>
+              <a:t>8/09/2021</a:t>
             </a:fld>
             <a:endParaRPr lang="nl-BE"/>
           </a:p>
@@ -4583,7 +4583,7 @@
           <a:p>
             <a:fld id="{C80E15A5-E95B-43EB-9AC7-9A96397448C0}" type="datetimeFigureOut">
               <a:rPr lang="nl-BE" smtClean="0"/>
-              <a:t>22/07/2021</a:t>
+              <a:t>8/09/2021</a:t>
             </a:fld>
             <a:endParaRPr lang="nl-BE"/>
           </a:p>
@@ -4860,7 +4860,7 @@
           <a:p>
             <a:fld id="{C80E15A5-E95B-43EB-9AC7-9A96397448C0}" type="datetimeFigureOut">
               <a:rPr lang="nl-BE" smtClean="0"/>
-              <a:t>22/07/2021</a:t>
+              <a:t>8/09/2021</a:t>
             </a:fld>
             <a:endParaRPr lang="nl-BE"/>
           </a:p>
@@ -5113,7 +5113,7 @@
           <a:p>
             <a:fld id="{C80E15A5-E95B-43EB-9AC7-9A96397448C0}" type="datetimeFigureOut">
               <a:rPr lang="nl-BE" smtClean="0"/>
-              <a:t>22/07/2021</a:t>
+              <a:t>8/09/2021</a:t>
             </a:fld>
             <a:endParaRPr lang="nl-BE"/>
           </a:p>
@@ -5326,7 +5326,7 @@
           <a:p>
             <a:fld id="{C80E15A5-E95B-43EB-9AC7-9A96397448C0}" type="datetimeFigureOut">
               <a:rPr lang="nl-BE" smtClean="0"/>
-              <a:t>22/07/2021</a:t>
+              <a:t>8/09/2021</a:t>
             </a:fld>
             <a:endParaRPr lang="nl-BE"/>
           </a:p>
@@ -5736,7 +5736,7 @@
           <p:cNvPr id="2" name="Título 1">
             <a:extLst>
               <a:ext uri="{FF2B5EF4-FFF2-40B4-BE49-F238E27FC236}">
-                <a16:creationId xmlns="" xmlns:a16="http://schemas.microsoft.com/office/drawing/2014/main" id="{32666AC8-2E17-4DB4-B0F5-60C640CCFD2E}"/>
+                <a16:creationId xmlns:a16="http://schemas.microsoft.com/office/drawing/2014/main" xmlns="" id="{32666AC8-2E17-4DB4-B0F5-60C640CCFD2E}"/>
               </a:ext>
             </a:extLst>
           </p:cNvPr>
@@ -5795,7 +5795,7 @@
           <p:cNvPr id="4" name="CaixaDeTexto 3">
             <a:extLst>
               <a:ext uri="{FF2B5EF4-FFF2-40B4-BE49-F238E27FC236}">
-                <a16:creationId xmlns="" xmlns:a16="http://schemas.microsoft.com/office/drawing/2014/main" id="{430EB894-B7D4-434C-9D1A-A14094D9BEEC}"/>
+                <a16:creationId xmlns:a16="http://schemas.microsoft.com/office/drawing/2014/main" xmlns="" id="{430EB894-B7D4-434C-9D1A-A14094D9BEEC}"/>
               </a:ext>
             </a:extLst>
           </p:cNvPr>
@@ -5836,7 +5836,7 @@
           <p:cNvPr id="1026" name="Picture 2" descr="Logo">
             <a:extLst>
               <a:ext uri="{FF2B5EF4-FFF2-40B4-BE49-F238E27FC236}">
-                <a16:creationId xmlns="" xmlns:a16="http://schemas.microsoft.com/office/drawing/2014/main" id="{3F2642E0-4F6A-4196-8F58-E77D36E9A33F}"/>
+                <a16:creationId xmlns:a16="http://schemas.microsoft.com/office/drawing/2014/main" xmlns="" id="{3F2642E0-4F6A-4196-8F58-E77D36E9A33F}"/>
               </a:ext>
             </a:extLst>
           </p:cNvPr>
@@ -5881,7 +5881,7 @@
           <p:cNvPr id="5122" name="Picture 2" descr="Image result for machine learning">
             <a:extLst>
               <a:ext uri="{FF2B5EF4-FFF2-40B4-BE49-F238E27FC236}">
-                <a16:creationId xmlns="" xmlns:a16="http://schemas.microsoft.com/office/drawing/2014/main" id="{810CE0A2-4102-44A6-A370-175E7896CDCB}"/>
+                <a16:creationId xmlns:a16="http://schemas.microsoft.com/office/drawing/2014/main" xmlns="" id="{810CE0A2-4102-44A6-A370-175E7896CDCB}"/>
               </a:ext>
             </a:extLst>
           </p:cNvPr>
@@ -7603,7 +7603,7 @@
           <p:cNvPr id="4" name="Título 1">
             <a:extLst>
               <a:ext uri="{FF2B5EF4-FFF2-40B4-BE49-F238E27FC236}">
-                <a16:creationId xmlns="" xmlns:a16="http://schemas.microsoft.com/office/drawing/2014/main" id="{32666AC8-2E17-4DB4-B0F5-60C640CCFD2E}"/>
+                <a16:creationId xmlns:a16="http://schemas.microsoft.com/office/drawing/2014/main" xmlns="" id="{32666AC8-2E17-4DB4-B0F5-60C640CCFD2E}"/>
               </a:ext>
             </a:extLst>
           </p:cNvPr>
@@ -11197,7 +11197,7 @@
         </p:blipFill>
         <p:spPr>
           <a:xfrm>
-            <a:off x="838200" y="1191773"/>
+            <a:off x="738184" y="1191773"/>
             <a:ext cx="4169616" cy="2880039"/>
           </a:xfrm>
           <a:prstGeom prst="rect">
@@ -11234,8 +11234,8 @@
           </a:prstGeom>
         </p:spPr>
       </p:pic>
-      <mc:AlternateContent xmlns:mc="http://schemas.openxmlformats.org/markup-compatibility/2006" xmlns:a14="http://schemas.microsoft.com/office/drawing/2010/main">
-        <mc:Choice Requires="a14">
+      <mc:AlternateContent xmlns:mc="http://schemas.openxmlformats.org/markup-compatibility/2006">
+        <mc:Choice xmlns:a14="http://schemas.microsoft.com/office/drawing/2010/main" Requires="a14">
           <p:sp>
             <p:nvSpPr>
               <p:cNvPr id="10" name="Rectangle 9"/>
@@ -11244,8 +11244,8 @@
             </p:nvSpPr>
             <p:spPr>
               <a:xfrm>
-                <a:off x="5007816" y="1970073"/>
-                <a:ext cx="2234117" cy="1323439"/>
+                <a:off x="4836359" y="1970073"/>
+                <a:ext cx="2940749" cy="1101584"/>
               </a:xfrm>
               <a:prstGeom prst="rect">
                 <a:avLst/>
@@ -11290,12 +11290,31 @@
                 </a:r>
                 <a14:m>
                   <m:oMath xmlns:m="http://schemas.openxmlformats.org/officeDocument/2006/math">
-                    <m:r>
-                      <a:rPr lang="pt-BR" sz="1600" i="1">
-                        <a:latin typeface="Cambria Math" panose="02040503050406030204" pitchFamily="18" charset="0"/>
-                      </a:rPr>
-                      <m:t>𝑦</m:t>
-                    </m:r>
+                    <m:sSub>
+                      <m:sSubPr>
+                        <m:ctrlPr>
+                          <a:rPr lang="pt-BR" sz="1600" i="1">
+                            <a:latin typeface="Cambria Math" panose="02040503050406030204" pitchFamily="18" charset="0"/>
+                          </a:rPr>
+                        </m:ctrlPr>
+                      </m:sSubPr>
+                      <m:e>
+                        <m:r>
+                          <a:rPr lang="pt-BR" sz="1600" i="1">
+                            <a:latin typeface="Cambria Math" panose="02040503050406030204" pitchFamily="18" charset="0"/>
+                          </a:rPr>
+                          <m:t>𝑦</m:t>
+                        </m:r>
+                      </m:e>
+                      <m:sub>
+                        <m:r>
+                          <a:rPr lang="pt-BR" sz="1600" i="1">
+                            <a:latin typeface="Cambria Math" panose="02040503050406030204" pitchFamily="18" charset="0"/>
+                          </a:rPr>
+                          <m:t>𝑛𝑜𝑖𝑠𝑦</m:t>
+                        </m:r>
+                      </m:sub>
+                    </m:sSub>
                     <m:r>
                       <a:rPr lang="pt-BR" sz="1600">
                         <a:latin typeface="Cambria Math" panose="02040503050406030204" pitchFamily="18" charset="0"/>
@@ -11358,7 +11377,7 @@
             </p:txBody>
           </p:sp>
         </mc:Choice>
-        <mc:Fallback xmlns="">
+        <mc:Fallback>
           <p:sp>
             <p:nvSpPr>
               <p:cNvPr id="10" name="Rectangle 9"/>
@@ -11369,8 +11388,8 @@
             </p:nvSpPr>
             <p:spPr>
               <a:xfrm>
-                <a:off x="5007816" y="1970073"/>
-                <a:ext cx="2234117" cy="1323439"/>
+                <a:off x="4836359" y="1970073"/>
+                <a:ext cx="2940749" cy="1101584"/>
               </a:xfrm>
               <a:prstGeom prst="rect">
                 <a:avLst/>
@@ -11378,7 +11397,7 @@
               <a:blipFill rotWithShape="0">
                 <a:blip r:embed="rId6"/>
                 <a:stretch>
-                  <a:fillRect t="-1382" r="-2180" b="-461"/>
+                  <a:fillRect t="-1657" b="-1105"/>
                 </a:stretch>
               </a:blipFill>
             </p:spPr>

--- a/slides/T319_Regressão_Linear (Parte V).pptx
+++ b/slides/T319_Regressão_Linear (Parte V).pptx
@@ -541,7 +541,7 @@
           <a:p>
             <a:fld id="{DAF0AF11-6A8A-4E64-94F5-26D4FBA2A01D}" type="datetimeFigureOut">
               <a:rPr lang="nl-BE" smtClean="0"/>
-              <a:t>8/09/2021</a:t>
+              <a:t>19/11/2021</a:t>
             </a:fld>
             <a:endParaRPr lang="nl-BE"/>
           </a:p>
@@ -3005,7 +3005,7 @@
           <a:p>
             <a:fld id="{C80E15A5-E95B-43EB-9AC7-9A96397448C0}" type="datetimeFigureOut">
               <a:rPr lang="nl-BE" smtClean="0"/>
-              <a:t>8/09/2021</a:t>
+              <a:t>19/11/2021</a:t>
             </a:fld>
             <a:endParaRPr lang="nl-BE"/>
           </a:p>
@@ -3175,7 +3175,7 @@
           <a:p>
             <a:fld id="{C80E15A5-E95B-43EB-9AC7-9A96397448C0}" type="datetimeFigureOut">
               <a:rPr lang="nl-BE" smtClean="0"/>
-              <a:t>8/09/2021</a:t>
+              <a:t>19/11/2021</a:t>
             </a:fld>
             <a:endParaRPr lang="nl-BE"/>
           </a:p>
@@ -3355,7 +3355,7 @@
           <a:p>
             <a:fld id="{C80E15A5-E95B-43EB-9AC7-9A96397448C0}" type="datetimeFigureOut">
               <a:rPr lang="nl-BE" smtClean="0"/>
-              <a:t>8/09/2021</a:t>
+              <a:t>19/11/2021</a:t>
             </a:fld>
             <a:endParaRPr lang="nl-BE"/>
           </a:p>
@@ -3525,7 +3525,7 @@
           <a:p>
             <a:fld id="{C80E15A5-E95B-43EB-9AC7-9A96397448C0}" type="datetimeFigureOut">
               <a:rPr lang="nl-BE" smtClean="0"/>
-              <a:t>8/09/2021</a:t>
+              <a:t>19/11/2021</a:t>
             </a:fld>
             <a:endParaRPr lang="nl-BE"/>
           </a:p>
@@ -3771,7 +3771,7 @@
           <a:p>
             <a:fld id="{C80E15A5-E95B-43EB-9AC7-9A96397448C0}" type="datetimeFigureOut">
               <a:rPr lang="nl-BE" smtClean="0"/>
-              <a:t>8/09/2021</a:t>
+              <a:t>19/11/2021</a:t>
             </a:fld>
             <a:endParaRPr lang="nl-BE"/>
           </a:p>
@@ -4003,7 +4003,7 @@
           <a:p>
             <a:fld id="{C80E15A5-E95B-43EB-9AC7-9A96397448C0}" type="datetimeFigureOut">
               <a:rPr lang="nl-BE" smtClean="0"/>
-              <a:t>8/09/2021</a:t>
+              <a:t>19/11/2021</a:t>
             </a:fld>
             <a:endParaRPr lang="nl-BE"/>
           </a:p>
@@ -4370,7 +4370,7 @@
           <a:p>
             <a:fld id="{C80E15A5-E95B-43EB-9AC7-9A96397448C0}" type="datetimeFigureOut">
               <a:rPr lang="nl-BE" smtClean="0"/>
-              <a:t>8/09/2021</a:t>
+              <a:t>19/11/2021</a:t>
             </a:fld>
             <a:endParaRPr lang="nl-BE"/>
           </a:p>
@@ -4488,7 +4488,7 @@
           <a:p>
             <a:fld id="{C80E15A5-E95B-43EB-9AC7-9A96397448C0}" type="datetimeFigureOut">
               <a:rPr lang="nl-BE" smtClean="0"/>
-              <a:t>8/09/2021</a:t>
+              <a:t>19/11/2021</a:t>
             </a:fld>
             <a:endParaRPr lang="nl-BE"/>
           </a:p>
@@ -4583,7 +4583,7 @@
           <a:p>
             <a:fld id="{C80E15A5-E95B-43EB-9AC7-9A96397448C0}" type="datetimeFigureOut">
               <a:rPr lang="nl-BE" smtClean="0"/>
-              <a:t>8/09/2021</a:t>
+              <a:t>19/11/2021</a:t>
             </a:fld>
             <a:endParaRPr lang="nl-BE"/>
           </a:p>
@@ -4860,7 +4860,7 @@
           <a:p>
             <a:fld id="{C80E15A5-E95B-43EB-9AC7-9A96397448C0}" type="datetimeFigureOut">
               <a:rPr lang="nl-BE" smtClean="0"/>
-              <a:t>8/09/2021</a:t>
+              <a:t>19/11/2021</a:t>
             </a:fld>
             <a:endParaRPr lang="nl-BE"/>
           </a:p>
@@ -5113,7 +5113,7 @@
           <a:p>
             <a:fld id="{C80E15A5-E95B-43EB-9AC7-9A96397448C0}" type="datetimeFigureOut">
               <a:rPr lang="nl-BE" smtClean="0"/>
-              <a:t>8/09/2021</a:t>
+              <a:t>19/11/2021</a:t>
             </a:fld>
             <a:endParaRPr lang="nl-BE"/>
           </a:p>
@@ -5326,7 +5326,7 @@
           <a:p>
             <a:fld id="{C80E15A5-E95B-43EB-9AC7-9A96397448C0}" type="datetimeFigureOut">
               <a:rPr lang="nl-BE" smtClean="0"/>
-              <a:t>8/09/2021</a:t>
+              <a:t>19/11/2021</a:t>
             </a:fld>
             <a:endParaRPr lang="nl-BE"/>
           </a:p>
@@ -5736,7 +5736,7 @@
           <p:cNvPr id="2" name="Título 1">
             <a:extLst>
               <a:ext uri="{FF2B5EF4-FFF2-40B4-BE49-F238E27FC236}">
-                <a16:creationId xmlns:a16="http://schemas.microsoft.com/office/drawing/2014/main" xmlns="" id="{32666AC8-2E17-4DB4-B0F5-60C640CCFD2E}"/>
+                <a16:creationId xmlns="" xmlns:a16="http://schemas.microsoft.com/office/drawing/2014/main" id="{32666AC8-2E17-4DB4-B0F5-60C640CCFD2E}"/>
               </a:ext>
             </a:extLst>
           </p:cNvPr>
@@ -5795,7 +5795,7 @@
           <p:cNvPr id="4" name="CaixaDeTexto 3">
             <a:extLst>
               <a:ext uri="{FF2B5EF4-FFF2-40B4-BE49-F238E27FC236}">
-                <a16:creationId xmlns:a16="http://schemas.microsoft.com/office/drawing/2014/main" xmlns="" id="{430EB894-B7D4-434C-9D1A-A14094D9BEEC}"/>
+                <a16:creationId xmlns="" xmlns:a16="http://schemas.microsoft.com/office/drawing/2014/main" id="{430EB894-B7D4-434C-9D1A-A14094D9BEEC}"/>
               </a:ext>
             </a:extLst>
           </p:cNvPr>
@@ -5836,7 +5836,7 @@
           <p:cNvPr id="1026" name="Picture 2" descr="Logo">
             <a:extLst>
               <a:ext uri="{FF2B5EF4-FFF2-40B4-BE49-F238E27FC236}">
-                <a16:creationId xmlns:a16="http://schemas.microsoft.com/office/drawing/2014/main" xmlns="" id="{3F2642E0-4F6A-4196-8F58-E77D36E9A33F}"/>
+                <a16:creationId xmlns="" xmlns:a16="http://schemas.microsoft.com/office/drawing/2014/main" id="{3F2642E0-4F6A-4196-8F58-E77D36E9A33F}"/>
               </a:ext>
             </a:extLst>
           </p:cNvPr>
@@ -5881,7 +5881,7 @@
           <p:cNvPr id="5122" name="Picture 2" descr="Image result for machine learning">
             <a:extLst>
               <a:ext uri="{FF2B5EF4-FFF2-40B4-BE49-F238E27FC236}">
-                <a16:creationId xmlns:a16="http://schemas.microsoft.com/office/drawing/2014/main" xmlns="" id="{810CE0A2-4102-44A6-A370-175E7896CDCB}"/>
+                <a16:creationId xmlns="" xmlns:a16="http://schemas.microsoft.com/office/drawing/2014/main" id="{810CE0A2-4102-44A6-A370-175E7896CDCB}"/>
               </a:ext>
             </a:extLst>
           </p:cNvPr>
@@ -6933,8 +6933,8 @@
         </p:nvSpPr>
         <p:spPr>
           <a:xfrm>
-            <a:off x="838199" y="1825624"/>
-            <a:ext cx="10906126" cy="5032376"/>
+            <a:off x="838198" y="1825624"/>
+            <a:ext cx="11177017" cy="5032376"/>
           </a:xfrm>
         </p:spPr>
         <p:txBody>
@@ -6961,7 +6961,15 @@
             </a:r>
             <a:r>
               <a:rPr lang="pt-BR" dirty="0"/>
-              <a:t>pois usa um maior número de pares </a:t>
+              <a:t>pois usa um </a:t>
+            </a:r>
+            <a:r>
+              <a:rPr lang="pt-BR" dirty="0"/>
+              <a:t>número maior de </a:t>
+            </a:r>
+            <a:r>
+              <a:rPr lang="pt-BR" dirty="0"/>
+              <a:t>pares </a:t>
             </a:r>
             <a:r>
               <a:rPr lang="pt-BR" dirty="0" smtClean="0"/>
@@ -7059,8 +7067,13 @@
             </a:r>
             <a:r>
               <a:rPr lang="pt-BR" dirty="0" smtClean="0"/>
-              <a:t> já daria boas indicações sobre qual ordem utilizar.</a:t>
-            </a:r>
+              <a:t> já daria boas indicações sobre qual ordem </a:t>
+            </a:r>
+            <a:r>
+              <a:rPr lang="pt-BR" dirty="0" smtClean="0"/>
+              <a:t>utilizar (maior probabilidade dos conjuntos serem representativos).</a:t>
+            </a:r>
+            <a:endParaRPr lang="pt-BR" dirty="0" smtClean="0"/>
           </a:p>
         </p:txBody>
       </p:sp>
@@ -7159,7 +7172,15 @@
             </a:r>
             <a:r>
               <a:rPr lang="pt-BR" dirty="0" smtClean="0"/>
-              <a:t>pequenos, smilares e praticamente constantes para várias ordens de polinômio?</a:t>
+              <a:t>pequenos, </a:t>
+            </a:r>
+            <a:r>
+              <a:rPr lang="pt-BR" dirty="0" smtClean="0"/>
+              <a:t>similares </a:t>
+            </a:r>
+            <a:r>
+              <a:rPr lang="pt-BR" dirty="0" smtClean="0"/>
+              <a:t>e praticamente constantes para várias ordens de polinômio?</a:t>
             </a:r>
             <a:endParaRPr lang="pt-BR" dirty="0"/>
           </a:p>
@@ -7234,7 +7255,15 @@
             </a:r>
             <a:r>
               <a:rPr lang="pt-BR" dirty="0"/>
-              <a:t>, escolhemos modelos usando a </a:t>
+              <a:t>, escolhemos modelos usando </a:t>
+            </a:r>
+            <a:r>
+              <a:rPr lang="pt-BR" dirty="0"/>
+              <a:t>a</a:t>
+            </a:r>
+            <a:r>
+              <a:rPr lang="pt-BR" dirty="0" smtClean="0"/>
+              <a:t> </a:t>
             </a:r>
             <a:r>
               <a:rPr lang="pt-BR" b="1" dirty="0"/>
@@ -7388,6 +7417,42 @@
           </a:p>
         </p:txBody>
       </p:sp>
+      <p:cxnSp>
+        <p:nvCxnSpPr>
+          <p:cNvPr id="7" name="Straight Arrow Connector 6"/>
+          <p:cNvCxnSpPr/>
+          <p:nvPr/>
+        </p:nvCxnSpPr>
+        <p:spPr>
+          <a:xfrm>
+            <a:off x="5769864" y="2459736"/>
+            <a:ext cx="2469080" cy="82296"/>
+          </a:xfrm>
+          <a:prstGeom prst="straightConnector1">
+            <a:avLst/>
+          </a:prstGeom>
+          <a:ln>
+            <a:solidFill>
+              <a:srgbClr val="FF0000"/>
+            </a:solidFill>
+            <a:tailEnd type="triangle"/>
+          </a:ln>
+        </p:spPr>
+        <p:style>
+          <a:lnRef idx="1">
+            <a:schemeClr val="accent1"/>
+          </a:lnRef>
+          <a:fillRef idx="0">
+            <a:schemeClr val="accent1"/>
+          </a:fillRef>
+          <a:effectRef idx="0">
+            <a:schemeClr val="accent1"/>
+          </a:effectRef>
+          <a:fontRef idx="minor">
+            <a:schemeClr val="tx1"/>
+          </a:fontRef>
+        </p:style>
+      </p:cxnSp>
     </p:spTree>
     <p:extLst>
       <p:ext uri="{BB962C8B-B14F-4D97-AF65-F5344CB8AC3E}">
@@ -7458,9 +7523,16 @@
             <p:ph idx="1"/>
           </p:nvPr>
         </p:nvSpPr>
-        <p:spPr/>
-        <p:txBody>
-          <a:bodyPr/>
+        <p:spPr>
+          <a:xfrm>
+            <a:off x="838200" y="1825624"/>
+            <a:ext cx="11149584" cy="5032376"/>
+          </a:xfrm>
+        </p:spPr>
+        <p:txBody>
+          <a:bodyPr>
+            <a:normAutofit/>
+          </a:bodyPr>
           <a:lstStyle/>
           <a:p>
             <a:r>
@@ -7522,21 +7594,30 @@
             <a:endParaRPr lang="pt-BR" dirty="0"/>
           </a:p>
           <a:p>
-            <a:pPr lvl="1"/>
+            <a:pPr lvl="1">
+              <a:buFont typeface="Wingdings" panose="05000000000000000000" pitchFamily="2" charset="2"/>
+              <a:buChar char="§"/>
+            </a:pPr>
             <a:r>
               <a:rPr lang="pt-BR" dirty="0"/>
               <a:t>Pode ser baixado do MS Teams ou do GitHub.</a:t>
             </a:r>
           </a:p>
           <a:p>
-            <a:pPr lvl="1"/>
+            <a:pPr lvl="1">
+              <a:buFont typeface="Wingdings" panose="05000000000000000000" pitchFamily="2" charset="2"/>
+              <a:buChar char="§"/>
+            </a:pPr>
             <a:r>
               <a:rPr lang="pt-BR" dirty="0"/>
               <a:t>Pode ser respondido através do link acima (na nuvem) ou localmente.</a:t>
             </a:r>
           </a:p>
           <a:p>
-            <a:pPr lvl="1"/>
+            <a:pPr lvl="1">
+              <a:buFont typeface="Wingdings" panose="05000000000000000000" pitchFamily="2" charset="2"/>
+              <a:buChar char="§"/>
+            </a:pPr>
             <a:r>
               <a:rPr lang="pt-BR" dirty="0">
                 <a:hlinkClick r:id="rId4"/>
@@ -7549,15 +7630,73 @@
             </a:r>
           </a:p>
           <a:p>
-            <a:pPr lvl="1"/>
+            <a:pPr lvl="1">
+              <a:buFont typeface="Wingdings" panose="05000000000000000000" pitchFamily="2" charset="2"/>
+              <a:buChar char="§"/>
+            </a:pPr>
             <a:r>
               <a:rPr lang="pt-BR" b="1" dirty="0">
                 <a:solidFill>
                   <a:srgbClr val="FF0000"/>
                 </a:solidFill>
               </a:rPr>
-              <a:t>Laboratórios podem ser feitos em grupo, mas as entregas devem ser individuais.</a:t>
-            </a:r>
+              <a:t>Laboratórios podem ser feitos em grupo, mas as entregas devem ser individuais</a:t>
+            </a:r>
+            <a:r>
+              <a:rPr lang="pt-BR" b="1" dirty="0" smtClean="0">
+                <a:solidFill>
+                  <a:srgbClr val="FF0000"/>
+                </a:solidFill>
+              </a:rPr>
+              <a:t>.</a:t>
+            </a:r>
+          </a:p>
+          <a:p>
+            <a:r>
+              <a:rPr lang="pt-BR" b="1" dirty="0" smtClean="0"/>
+              <a:t>Projeto Final</a:t>
+            </a:r>
+          </a:p>
+          <a:p>
+            <a:pPr lvl="1"/>
+            <a:r>
+              <a:rPr lang="pt-BR" dirty="0" smtClean="0"/>
+              <a:t>Projeto </a:t>
+            </a:r>
+            <a:r>
+              <a:rPr lang="pt-BR" dirty="0"/>
+              <a:t>pode ser feito em grupo de no máximo 3 alunos</a:t>
+            </a:r>
+            <a:r>
+              <a:rPr lang="pt-BR" dirty="0" smtClean="0"/>
+              <a:t>.</a:t>
+            </a:r>
+          </a:p>
+          <a:p>
+            <a:pPr lvl="1"/>
+            <a:r>
+              <a:rPr lang="pt-BR" dirty="0" smtClean="0"/>
+              <a:t>Entrega: 12/12/2021.</a:t>
+            </a:r>
+          </a:p>
+          <a:p>
+            <a:pPr lvl="1"/>
+            <a:r>
+              <a:rPr lang="pt-BR" dirty="0" smtClean="0"/>
+              <a:t>Vídeo com explicação sobre o projeto se encontra na pasta “Projeto Final” em “Recordings”.</a:t>
+            </a:r>
+          </a:p>
+          <a:p>
+            <a:pPr lvl="1"/>
+            <a:r>
+              <a:rPr lang="pt-BR" dirty="0"/>
+              <a:t>Leiam os enunciados atentamente</a:t>
+            </a:r>
+            <a:r>
+              <a:rPr lang="pt-BR" dirty="0" smtClean="0"/>
+              <a:t>.</a:t>
+            </a:r>
+            <a:endParaRPr lang="pt-BR" dirty="0"/>
           </a:p>
         </p:txBody>
       </p:sp>
@@ -7603,7 +7742,7 @@
           <p:cNvPr id="4" name="Título 1">
             <a:extLst>
               <a:ext uri="{FF2B5EF4-FFF2-40B4-BE49-F238E27FC236}">
-                <a16:creationId xmlns:a16="http://schemas.microsoft.com/office/drawing/2014/main" xmlns="" id="{32666AC8-2E17-4DB4-B0F5-60C640CCFD2E}"/>
+                <a16:creationId xmlns="" xmlns:a16="http://schemas.microsoft.com/office/drawing/2014/main" id="{32666AC8-2E17-4DB4-B0F5-60C640CCFD2E}"/>
               </a:ext>
             </a:extLst>
           </p:cNvPr>
@@ -10484,12 +10623,12 @@
         <p:spPr>
           <a:xfrm>
             <a:off x="838199" y="1499016"/>
-            <a:ext cx="11063991" cy="5358984"/>
+            <a:ext cx="11177017" cy="5358984"/>
           </a:xfrm>
         </p:spPr>
         <p:txBody>
           <a:bodyPr>
-            <a:normAutofit fontScale="92500" lnSpcReduction="10000"/>
+            <a:normAutofit fontScale="92500" lnSpcReduction="20000"/>
           </a:bodyPr>
           <a:lstStyle/>
           <a:p>
@@ -10499,7 +10638,15 @@
             </a:r>
             <a:r>
               <a:rPr lang="pt-BR" dirty="0"/>
-              <a:t> é uma das formas de se avaliar quantitativamente o sobreajuste ou subajuste de um </a:t>
+              <a:t> é uma das formas de se avaliar </a:t>
+            </a:r>
+            <a:r>
+              <a:rPr lang="pt-BR" b="1" i="1" dirty="0"/>
+              <a:t>quantitativamente</a:t>
+            </a:r>
+            <a:r>
+              <a:rPr lang="pt-BR" dirty="0"/>
+              <a:t> o sobreajuste ou subajuste de um </a:t>
             </a:r>
             <a:r>
               <a:rPr lang="pt-BR" dirty="0" smtClean="0"/>
@@ -10515,6 +10662,10 @@
             </a:r>
           </a:p>
           <a:p>
+            <a:pPr lvl="1">
+              <a:buFont typeface="Wingdings" panose="05000000000000000000" pitchFamily="2" charset="2"/>
+              <a:buChar char="§"/>
+            </a:pPr>
             <a:r>
               <a:rPr lang="pt-BR" dirty="0" smtClean="0"/>
               <a:t>Ou seja, podemos verificar quais ordens fazem o modelo se ajustar </a:t>
@@ -10546,33 +10697,77 @@
           <a:p>
             <a:r>
               <a:rPr lang="pt-BR" dirty="0"/>
-              <a:t>O objetivo é testar a capacidade do modelo em prever </a:t>
-            </a:r>
-            <a:r>
-              <a:rPr lang="pt-BR" dirty="0" smtClean="0"/>
-              <a:t>as saídas para exemplos que </a:t>
+              <a:t>O objetivo </a:t>
+            </a:r>
+            <a:r>
+              <a:rPr lang="pt-BR" dirty="0" smtClean="0"/>
+              <a:t>da </a:t>
+            </a:r>
+            <a:r>
+              <a:rPr lang="pt-BR" b="1" i="1" dirty="0" smtClean="0"/>
+              <a:t>validação cruzada </a:t>
+            </a:r>
+            <a:r>
+              <a:rPr lang="pt-BR" dirty="0" smtClean="0"/>
+              <a:t>é encontrar um ponto de equilíbrio entre a </a:t>
+            </a:r>
+            <a:r>
+              <a:rPr lang="pt-BR" b="1" i="1" dirty="0" smtClean="0"/>
+              <a:t>flexibilidade</a:t>
+            </a:r>
+            <a:r>
+              <a:rPr lang="pt-BR" dirty="0" smtClean="0"/>
+              <a:t> e o </a:t>
+            </a:r>
+            <a:r>
+              <a:rPr lang="pt-BR" b="1" i="1" dirty="0" smtClean="0"/>
+              <a:t>grau de generalização</a:t>
+            </a:r>
+            <a:r>
+              <a:rPr lang="pt-BR" dirty="0" smtClean="0"/>
+              <a:t> da </a:t>
+            </a:r>
+            <a:r>
+              <a:rPr lang="pt-BR" b="1" i="1" dirty="0"/>
+              <a:t>função hipótese polinomial</a:t>
+            </a:r>
+            <a:r>
+              <a:rPr lang="pt-BR" dirty="0" smtClean="0"/>
+              <a:t>.</a:t>
+            </a:r>
+          </a:p>
+          <a:p>
+            <a:pPr lvl="1">
+              <a:buFont typeface="Wingdings" panose="05000000000000000000" pitchFamily="2" charset="2"/>
+              <a:buChar char="§"/>
+            </a:pPr>
+            <a:r>
+              <a:rPr lang="pt-BR" dirty="0" smtClean="0"/>
+              <a:t>Flexibilidade o suficiente para se ajustar à função verdadeira (medida através do erro de treinamento).</a:t>
+            </a:r>
+          </a:p>
+          <a:p>
+            <a:pPr lvl="1">
+              <a:buFont typeface="Wingdings" panose="05000000000000000000" pitchFamily="2" charset="2"/>
+              <a:buChar char="§"/>
+            </a:pPr>
+            <a:r>
+              <a:rPr lang="pt-BR" dirty="0" smtClean="0"/>
+              <a:t>Grau de g</a:t>
+            </a:r>
+            <a:r>
+              <a:rPr lang="pt-BR" dirty="0" smtClean="0"/>
+              <a:t>eneralização: capacidade de gerar saídas próximas às verdadeiras para exemplos não usados durante o treinamento (medido através do erro de validação).</a:t>
+            </a:r>
+          </a:p>
+          <a:p>
+            <a:r>
+              <a:rPr lang="pt-BR" dirty="0" smtClean="0"/>
+              <a:t>As </a:t>
             </a:r>
             <a:r>
               <a:rPr lang="pt-BR" dirty="0"/>
-              <a:t>não foram utilizados durante o treinamento (conjunto de validação), ou seja</a:t>
-            </a:r>
-            <a:r>
-              <a:rPr lang="pt-BR" dirty="0" smtClean="0"/>
-              <a:t>, a capacidade do modelo em </a:t>
-            </a:r>
-            <a:r>
-              <a:rPr lang="pt-BR" b="1" i="1" dirty="0"/>
-              <a:t>generalizar</a:t>
-            </a:r>
-            <a:r>
-              <a:rPr lang="pt-BR" dirty="0" smtClean="0"/>
-              <a:t>.</a:t>
-            </a:r>
-          </a:p>
-          <a:p>
-            <a:r>
-              <a:rPr lang="pt-BR" dirty="0"/>
-              <a:t>As estratégias para validação cruzada mais utilizadas são:</a:t>
+              <a:t>estratégias para validação cruzada mais utilizadas são:</a:t>
             </a:r>
           </a:p>
           <a:p>
@@ -10673,7 +10868,7 @@
         <p:spPr>
           <a:xfrm>
             <a:off x="838200" y="1990514"/>
-            <a:ext cx="10977564" cy="4867486"/>
+            <a:ext cx="11131296" cy="4867486"/>
           </a:xfrm>
         </p:spPr>
         <p:txBody>
@@ -10684,94 +10879,16 @@
           <a:p>
             <a:r>
               <a:rPr lang="pt-BR" dirty="0"/>
-              <a:t>É a estratégia mais simples das 3 e não acarreta em aumento da complexidade computacional, pois tem-se apenas um único par de conjuntos de treinamento e validação</a:t>
-            </a:r>
-            <a:r>
-              <a:rPr lang="pt-BR" dirty="0" smtClean="0"/>
-              <a:t>.</a:t>
-            </a:r>
-          </a:p>
-          <a:p>
-            <a:r>
-              <a:rPr lang="pt-BR" dirty="0" smtClean="0"/>
-              <a:t>Devemos </a:t>
+              <a:t>Divide-se </a:t>
+            </a:r>
+            <a:r>
+              <a:rPr lang="pt-BR" b="1" i="1" dirty="0"/>
+              <a:t>aleatoriamente</a:t>
             </a:r>
             <a:r>
               <a:rPr lang="pt-BR" dirty="0"/>
-              <a:t>nos assegurar que os conjuntos de treinamento e validação sejam suficientemente </a:t>
-            </a:r>
-            <a:r>
-              <a:rPr lang="pt-BR" b="1" i="1" dirty="0"/>
-              <a:t>representativos</a:t>
-            </a:r>
-            <a:r>
-              <a:rPr lang="pt-BR" dirty="0"/>
-              <a:t> do mapeamento verdadeiro que se pretende aproximar</a:t>
-            </a:r>
-            <a:r>
-              <a:rPr lang="pt-BR" dirty="0" smtClean="0"/>
-              <a:t>.</a:t>
-            </a:r>
-            <a:endParaRPr lang="pt-BR" dirty="0"/>
-          </a:p>
-          <a:p>
-            <a:r>
-              <a:rPr lang="pt-BR" dirty="0"/>
-              <a:t>Divide-se </a:t>
-            </a:r>
-            <a:r>
-              <a:rPr lang="pt-BR" b="1" i="1" dirty="0" smtClean="0"/>
-              <a:t>aleatoriamente</a:t>
-            </a:r>
-            <a:r>
-              <a:rPr lang="pt-BR" dirty="0" smtClean="0"/>
-              <a:t> </a:t>
-            </a:r>
-            <a:r>
-              <a:rPr lang="pt-BR" dirty="0"/>
-              <a:t>o conjunto total de dados em p % para treinamento e (</a:t>
-            </a:r>
-            <a:r>
-              <a:rPr lang="pt-BR" dirty="0" smtClean="0"/>
-              <a:t>100 - p</a:t>
-            </a:r>
-            <a:r>
-              <a:rPr lang="pt-BR" dirty="0"/>
-              <a:t>) % para validação.</a:t>
-            </a:r>
-          </a:p>
-          <a:p>
-            <a:r>
-              <a:rPr lang="pt-BR" dirty="0"/>
-              <a:t>Normalmente divide-se o conjunto </a:t>
-            </a:r>
-            <a:r>
-              <a:rPr lang="pt-BR" dirty="0" smtClean="0"/>
-              <a:t>total de </a:t>
-            </a:r>
-            <a:r>
-              <a:rPr lang="pt-BR" dirty="0"/>
-              <a:t>dados em 70/80% </a:t>
-            </a:r>
-            <a:r>
-              <a:rPr lang="pt-BR" dirty="0" smtClean="0"/>
-              <a:t>para treinamento </a:t>
-            </a:r>
-            <a:r>
-              <a:rPr lang="pt-BR" dirty="0"/>
-              <a:t>e 30/20% </a:t>
-            </a:r>
-            <a:r>
-              <a:rPr lang="pt-BR" dirty="0" smtClean="0"/>
-              <a:t>para validação.</a:t>
-            </a:r>
-          </a:p>
-          <a:p>
-            <a:r>
-              <a:rPr lang="pt-BR" b="1" dirty="0" smtClean="0"/>
-              <a:t>Desvantagem</a:t>
-            </a:r>
-            <a:endParaRPr lang="pt-BR" dirty="0"/>
+              <a:t> o conjunto total de dados em p % para treinamento e (100 - p) % para validação.</a:t>
+            </a:r>
           </a:p>
           <a:p>
             <a:pPr lvl="1">
@@ -10780,6 +10897,77 @@
             </a:pPr>
             <a:r>
               <a:rPr lang="pt-BR" dirty="0" smtClean="0"/>
+              <a:t>Normalmente, </a:t>
+            </a:r>
+            <a:r>
+              <a:rPr lang="pt-BR" dirty="0"/>
+              <a:t>divide-se o conjunto total de dados em 70/80% para treinamento e 30/20% para validação</a:t>
+            </a:r>
+            <a:r>
+              <a:rPr lang="pt-BR" dirty="0" smtClean="0"/>
+              <a:t>.</a:t>
+            </a:r>
+            <a:endParaRPr lang="pt-BR" dirty="0" smtClean="0"/>
+          </a:p>
+          <a:p>
+            <a:r>
+              <a:rPr lang="pt-BR" dirty="0" smtClean="0"/>
+              <a:t>É </a:t>
+            </a:r>
+            <a:r>
+              <a:rPr lang="pt-BR" dirty="0"/>
+              <a:t>a estratégia mais simples das </a:t>
+            </a:r>
+            <a:r>
+              <a:rPr lang="pt-BR" dirty="0" smtClean="0"/>
+              <a:t>três </a:t>
+            </a:r>
+            <a:r>
+              <a:rPr lang="pt-BR" dirty="0"/>
+              <a:t>e não acarreta em aumento da complexidade computacional, pois tem-se apenas um único par de conjuntos de treinamento e validação</a:t>
+            </a:r>
+            <a:r>
+              <a:rPr lang="pt-BR" dirty="0" smtClean="0"/>
+              <a:t>.</a:t>
+            </a:r>
+          </a:p>
+          <a:p>
+            <a:r>
+              <a:rPr lang="pt-BR" dirty="0" smtClean="0"/>
+              <a:t>Entretanto, devemos </a:t>
+            </a:r>
+            <a:r>
+              <a:rPr lang="pt-BR" dirty="0"/>
+              <a:t>nos assegurar que os conjuntos de treinamento e validação sejam suficientemente </a:t>
+            </a:r>
+            <a:r>
+              <a:rPr lang="pt-BR" b="1" i="1" dirty="0"/>
+              <a:t>representativos</a:t>
+            </a:r>
+            <a:r>
+              <a:rPr lang="pt-BR" dirty="0"/>
+              <a:t> do mapeamento verdadeiro que se pretende aproximar</a:t>
+            </a:r>
+            <a:r>
+              <a:rPr lang="pt-BR" dirty="0" smtClean="0"/>
+              <a:t>.</a:t>
+            </a:r>
+            <a:endParaRPr lang="pt-BR" dirty="0"/>
+          </a:p>
+          <a:p>
+            <a:r>
+              <a:rPr lang="pt-BR" b="1" dirty="0" smtClean="0"/>
+              <a:t>Desvantagem</a:t>
+            </a:r>
+            <a:endParaRPr lang="pt-BR" dirty="0"/>
+          </a:p>
+          <a:p>
+            <a:pPr lvl="1">
+              <a:buFont typeface="Wingdings" panose="05000000000000000000" pitchFamily="2" charset="2"/>
+              <a:buChar char="§"/>
+            </a:pPr>
+            <a:r>
+              <a:rPr lang="pt-BR" dirty="0" smtClean="0"/>
               <a:t>Pode sofrer </a:t>
             </a:r>
             <a:r>
@@ -10792,7 +10980,15 @@
             </a:r>
             <a:r>
               <a:rPr lang="pt-BR" dirty="0"/>
-              <a:t>: a validação pode depender muito de quais exemplos vão para o conjunto de treinamento e quais vão para o conjunto de validação.</a:t>
+              <a:t>: a </a:t>
+            </a:r>
+            <a:r>
+              <a:rPr lang="pt-BR" dirty="0" smtClean="0"/>
+              <a:t>qualidade do modelo pode </a:t>
+            </a:r>
+            <a:r>
+              <a:rPr lang="pt-BR" dirty="0"/>
+              <a:t>depender muito de quais exemplos vão para o conjunto de treinamento e quais vão para o conjunto de validação.</a:t>
             </a:r>
           </a:p>
           <a:p>
@@ -11234,8 +11430,8 @@
           </a:prstGeom>
         </p:spPr>
       </p:pic>
-      <mc:AlternateContent xmlns:mc="http://schemas.openxmlformats.org/markup-compatibility/2006">
-        <mc:Choice xmlns:a14="http://schemas.microsoft.com/office/drawing/2010/main" Requires="a14">
+      <mc:AlternateContent xmlns:mc="http://schemas.openxmlformats.org/markup-compatibility/2006" xmlns:a14="http://schemas.microsoft.com/office/drawing/2010/main">
+        <mc:Choice Requires="a14">
           <p:sp>
             <p:nvSpPr>
               <p:cNvPr id="10" name="Rectangle 9"/>
@@ -11377,7 +11573,7 @@
             </p:txBody>
           </p:sp>
         </mc:Choice>
-        <mc:Fallback>
+        <mc:Fallback xmlns="">
           <p:sp>
             <p:nvSpPr>
               <p:cNvPr id="10" name="Rectangle 9"/>
@@ -11877,11 +12073,27 @@
             </a:r>
             <a:r>
               <a:rPr lang="pt-BR" sz="2400" dirty="0"/>
-              <a:t> folds </a:t>
+              <a:t> </a:t>
             </a:r>
             <a:r>
               <a:rPr lang="pt-BR" sz="2400" dirty="0" smtClean="0"/>
-              <a:t>(subconjuntos) </a:t>
+              <a:t>subconjuntos</a:t>
+            </a:r>
+            <a:r>
+              <a:rPr lang="pt-BR" sz="2400" dirty="0"/>
+              <a:t> </a:t>
+            </a:r>
+            <a:r>
+              <a:rPr lang="pt-BR" sz="2400" dirty="0" smtClean="0"/>
+              <a:t>(os </a:t>
+            </a:r>
+            <a:r>
+              <a:rPr lang="pt-BR" sz="2400" i="1" dirty="0" smtClean="0"/>
+              <a:t>folds </a:t>
+            </a:r>
+            <a:r>
+              <a:rPr lang="pt-BR" sz="2400" dirty="0" smtClean="0"/>
+              <a:t>do nome da estratégia) </a:t>
             </a:r>
             <a:r>
               <a:rPr lang="pt-BR" sz="2400" dirty="0"/>
@@ -12208,7 +12420,7 @@
         </p:blipFill>
         <p:spPr>
           <a:xfrm>
-            <a:off x="2615951" y="2601930"/>
+            <a:off x="2615951" y="2647650"/>
             <a:ext cx="7493498" cy="2581230"/>
           </a:xfrm>
           <a:prstGeom prst="rect">
@@ -12288,7 +12500,7 @@
         <p:spPr>
           <a:xfrm>
             <a:off x="838199" y="1825624"/>
-            <a:ext cx="10974049" cy="4725077"/>
+            <a:ext cx="11113009" cy="5032376"/>
           </a:xfrm>
         </p:spPr>
         <p:txBody>
@@ -12310,83 +12522,13 @@
               <a:t> em relação ao </a:t>
             </a:r>
             <a:r>
-              <a:rPr lang="pt-BR" sz="2400" b="1" i="1" dirty="0"/>
+              <a:rPr lang="pt-BR" sz="2400" b="1" i="1" dirty="0" smtClean="0"/>
               <a:t>holdout</a:t>
             </a:r>
             <a:r>
-              <a:rPr lang="pt-BR" sz="2400" dirty="0"/>
-              <a:t>: todos os exemplos do conjunto total de dados aparecem nos conjuntos de treinamento e validação.</a:t>
-            </a:r>
-          </a:p>
-          <a:p>
-            <a:r>
-              <a:rPr lang="pt-BR" sz="2400" dirty="0"/>
-              <a:t>Como regra geral e evidência empírica, normalmente, utiliza-se </a:t>
-            </a:r>
-            <a:r>
-              <a:rPr lang="pt-BR" sz="2400" b="1" dirty="0"/>
-              <a:t>k</a:t>
-            </a:r>
-            <a:r>
-              <a:rPr lang="pt-BR" sz="2400" dirty="0"/>
-              <a:t> = 5 ou </a:t>
-            </a:r>
-            <a:r>
               <a:rPr lang="pt-BR" sz="2400" dirty="0" smtClean="0"/>
-              <a:t>10.</a:t>
-            </a:r>
-          </a:p>
-          <a:p>
-            <a:r>
-              <a:rPr lang="pt-BR" sz="2400" dirty="0" smtClean="0"/>
-              <a:t>Porém</a:t>
-            </a:r>
-            <a:r>
-              <a:rPr lang="pt-BR" sz="2400" dirty="0"/>
-              <a:t>, tenham em mente que o valor de </a:t>
-            </a:r>
-            <a:r>
-              <a:rPr lang="pt-BR" sz="2400" b="1" i="1" dirty="0"/>
-              <a:t>k</a:t>
-            </a:r>
-            <a:r>
-              <a:rPr lang="pt-BR" sz="2400" dirty="0"/>
-              <a:t> é escolhido de forma que os conjuntos de treinamento e validação sejam grandes o suficiente para serem </a:t>
-            </a:r>
-            <a:r>
-              <a:rPr lang="pt-BR" sz="2400" b="1" i="1" dirty="0"/>
-              <a:t>estatisticamente representativos </a:t>
-            </a:r>
-            <a:r>
-              <a:rPr lang="pt-BR" sz="2400" dirty="0"/>
-              <a:t>do </a:t>
-            </a:r>
-            <a:r>
-              <a:rPr lang="pt-BR" sz="2400" dirty="0" smtClean="0"/>
-              <a:t>mapeamento verdadeiro.</a:t>
-            </a:r>
-          </a:p>
-          <a:p>
-            <a:r>
-              <a:rPr lang="pt-BR" sz="2400" dirty="0" smtClean="0"/>
-              <a:t>K-Fold é bastante útil quando se tem conjuntos </a:t>
-            </a:r>
-            <a:r>
-              <a:rPr lang="pt-BR" sz="2400" dirty="0"/>
-              <a:t>de dados pequenos ou limitados</a:t>
-            </a:r>
-            <a:r>
-              <a:rPr lang="pt-BR" sz="2400" dirty="0" smtClean="0"/>
-              <a:t>.</a:t>
-            </a:r>
-            <a:endParaRPr lang="pt-BR" sz="2400" dirty="0"/>
-          </a:p>
-          <a:p>
-            <a:r>
-              <a:rPr lang="pt-BR" sz="2400" b="1" dirty="0"/>
-              <a:t>Desvantagem</a:t>
-            </a:r>
-            <a:endParaRPr lang="pt-BR" sz="2400" dirty="0"/>
+              <a:t>:</a:t>
+            </a:r>
           </a:p>
           <a:p>
             <a:pPr lvl="1">
@@ -12394,6 +12536,90 @@
               <a:buChar char="§"/>
             </a:pPr>
             <a:r>
+              <a:rPr lang="pt-BR" dirty="0" smtClean="0"/>
+              <a:t>Todos </a:t>
+            </a:r>
+            <a:r>
+              <a:rPr lang="pt-BR" dirty="0"/>
+              <a:t>os exemplos do conjunto total de dados aparecem nos conjuntos de treinamento e validação.</a:t>
+            </a:r>
+          </a:p>
+          <a:p>
+            <a:r>
+              <a:rPr lang="pt-BR" sz="2400" dirty="0"/>
+              <a:t>Como regra geral e evidência empírica, normalmente, utiliza-se </a:t>
+            </a:r>
+            <a:r>
+              <a:rPr lang="pt-BR" sz="2400" b="1" dirty="0"/>
+              <a:t>k</a:t>
+            </a:r>
+            <a:r>
+              <a:rPr lang="pt-BR" sz="2400" dirty="0"/>
+              <a:t> = 5 ou </a:t>
+            </a:r>
+            <a:r>
+              <a:rPr lang="pt-BR" sz="2400" dirty="0" smtClean="0"/>
+              <a:t>10.</a:t>
+            </a:r>
+          </a:p>
+          <a:p>
+            <a:r>
+              <a:rPr lang="pt-BR" sz="2400" dirty="0" smtClean="0"/>
+              <a:t>Porém</a:t>
+            </a:r>
+            <a:r>
+              <a:rPr lang="pt-BR" sz="2400" dirty="0"/>
+              <a:t>, tenham em mente que o valor de </a:t>
+            </a:r>
+            <a:r>
+              <a:rPr lang="pt-BR" sz="2400" b="1" i="1" dirty="0"/>
+              <a:t>k</a:t>
+            </a:r>
+            <a:r>
+              <a:rPr lang="pt-BR" sz="2400" dirty="0"/>
+              <a:t> é escolhido de forma que os conjuntos de treinamento e validação sejam grandes o suficiente para serem </a:t>
+            </a:r>
+            <a:r>
+              <a:rPr lang="pt-BR" sz="2400" b="1" i="1" dirty="0"/>
+              <a:t>estatisticamente representativos </a:t>
+            </a:r>
+            <a:r>
+              <a:rPr lang="pt-BR" sz="2400" dirty="0"/>
+              <a:t>do </a:t>
+            </a:r>
+            <a:r>
+              <a:rPr lang="pt-BR" sz="2400" dirty="0" smtClean="0"/>
+              <a:t>mapeamento verdadeiro.</a:t>
+            </a:r>
+          </a:p>
+          <a:p>
+            <a:r>
+              <a:rPr lang="pt-BR" sz="2400" dirty="0" smtClean="0"/>
+              <a:t>K-Fold é bastante útil quando se tem conjuntos </a:t>
+            </a:r>
+            <a:r>
+              <a:rPr lang="pt-BR" sz="2400" dirty="0"/>
+              <a:t>de dados </a:t>
+            </a:r>
+            <a:r>
+              <a:rPr lang="pt-BR" sz="2400" dirty="0" smtClean="0"/>
+              <a:t>pequenos.</a:t>
+            </a:r>
+            <a:endParaRPr lang="pt-BR" sz="2400" dirty="0"/>
+          </a:p>
+          <a:p>
+            <a:r>
+              <a:rPr lang="pt-BR" sz="2400" b="1" dirty="0"/>
+              <a:t>Desvantagem</a:t>
+            </a:r>
+            <a:endParaRPr lang="pt-BR" sz="2400" dirty="0"/>
+          </a:p>
+          <a:p>
+            <a:pPr lvl="1">
+              <a:buFont typeface="Wingdings" panose="05000000000000000000" pitchFamily="2" charset="2"/>
+              <a:buChar char="§"/>
+            </a:pPr>
+            <a:r>
               <a:rPr lang="pt-BR" dirty="0"/>
               <a:t>O treinamento deve ser executado novamente do zero </a:t>
             </a:r>
@@ -12403,7 +12629,11 @@
             </a:r>
             <a:r>
               <a:rPr lang="pt-BR" dirty="0"/>
-              <a:t> vezes, o que significa que leva-se </a:t>
+              <a:t> vezes, o que significa que </a:t>
+            </a:r>
+            <a:r>
+              <a:rPr lang="pt-BR" dirty="0" smtClean="0"/>
+              <a:t>leva-se aproximadamente </a:t>
             </a:r>
             <a:r>
               <a:rPr lang="pt-BR" b="1" dirty="0"/>
@@ -12411,7 +12641,23 @@
             </a:r>
             <a:r>
               <a:rPr lang="pt-BR" dirty="0"/>
-              <a:t> vezes mais tempo para se </a:t>
+              <a:t> vezes mais </a:t>
+            </a:r>
+            <a:r>
+              <a:rPr lang="pt-BR" dirty="0" smtClean="0"/>
+              <a:t>tempo que o </a:t>
+            </a:r>
+            <a:r>
+              <a:rPr lang="pt-BR" b="1" i="1" dirty="0" smtClean="0"/>
+              <a:t>holdout</a:t>
+            </a:r>
+            <a:r>
+              <a:rPr lang="pt-BR" dirty="0" smtClean="0"/>
+              <a:t> </a:t>
+            </a:r>
+            <a:r>
+              <a:rPr lang="pt-BR" dirty="0"/>
+              <a:t>para se </a:t>
             </a:r>
             <a:r>
               <a:rPr lang="pt-BR" dirty="0" smtClean="0"/>
@@ -12702,8 +12948,8 @@
         </p:nvSpPr>
         <p:spPr>
           <a:xfrm>
-            <a:off x="9289998" y="1432202"/>
-            <a:ext cx="2786486" cy="2308324"/>
+            <a:off x="9201314" y="1106444"/>
+            <a:ext cx="2943773" cy="3293209"/>
           </a:xfrm>
           <a:prstGeom prst="rect">
             <a:avLst/>
@@ -12731,7 +12977,15 @@
             </a:r>
             <a:r>
               <a:rPr lang="pt-BR" sz="1600" dirty="0" smtClean="0"/>
-              <a:t>os dados de treinamento, sua variância aumenta, devido a redução de seu grau de generalização.</a:t>
+              <a:t>os dados de treinamento, </a:t>
+            </a:r>
+            <a:r>
+              <a:rPr lang="pt-BR" sz="1600" dirty="0" smtClean="0"/>
+              <a:t>a variância do erro de validação aumenta</a:t>
+            </a:r>
+            <a:r>
+              <a:rPr lang="pt-BR" sz="1600" dirty="0" smtClean="0"/>
+              <a:t>, devido a redução de seu grau de generalização.</a:t>
             </a:r>
           </a:p>
           <a:p>
@@ -12742,7 +12996,15 @@
             <a:pPr algn="ctr"/>
             <a:r>
               <a:rPr lang="pt-BR" sz="1600" dirty="0" smtClean="0"/>
-              <a:t>Em teoria, a variância deve ser igual a 0 para modelos com alto grau de generalização.</a:t>
+              <a:t>Em teoria, </a:t>
+            </a:r>
+            <a:r>
+              <a:rPr lang="pt-BR" sz="1600" dirty="0" smtClean="0"/>
+              <a:t>a variância do erro de treinamento deve ser muito baixa e a variância do erro de validação muito alta para </a:t>
+            </a:r>
+            <a:r>
+              <a:rPr lang="pt-BR" sz="1600" dirty="0" smtClean="0"/>
+              <a:t>modelos com alto grau de generalização.</a:t>
             </a:r>
             <a:endParaRPr lang="pt-BR" sz="1600" dirty="0"/>
           </a:p>
@@ -13410,8 +13672,8 @@
           </a:p>
         </p:txBody>
       </p:sp>
-      <mc:AlternateContent xmlns:mc="http://schemas.openxmlformats.org/markup-compatibility/2006" xmlns:a14="http://schemas.microsoft.com/office/drawing/2010/main">
-        <mc:Choice Requires="a14">
+      <mc:AlternateContent xmlns:mc="http://schemas.openxmlformats.org/markup-compatibility/2006">
+        <mc:Choice xmlns:a14="http://schemas.microsoft.com/office/drawing/2010/main" Requires="a14">
           <p:sp>
             <p:nvSpPr>
               <p:cNvPr id="3" name="Content Placeholder 2"/>
@@ -13825,7 +14087,15 @@
                 </a:r>
                 <a:r>
                   <a:rPr lang="pt-BR" dirty="0"/>
-                  <a:t>número folds </a:t>
+                  <a:t>número </a:t>
+                </a:r>
+                <a:r>
+                  <a:rPr lang="pt-BR" i="1" dirty="0"/>
+                  <a:t>folds</a:t>
+                </a:r>
+                <a:r>
+                  <a:rPr lang="pt-BR" dirty="0"/>
+                  <a:t> </a:t>
                 </a:r>
                 <a:r>
                   <a:rPr lang="pt-BR" dirty="0" smtClean="0"/>
@@ -13837,7 +14107,15 @@
                 </a:r>
                 <a:r>
                   <a:rPr lang="pt-BR" dirty="0" smtClean="0"/>
-                  <a:t>exemplos), então o k-Fold é equivalente à estratégia do leave-one-out, ou seja, </a:t>
+                  <a:t>exemplos), então o k-Fold é equivalente à estratégia do </a:t>
+                </a:r>
+                <a:r>
+                  <a:rPr lang="pt-BR" i="1" dirty="0" smtClean="0"/>
+                  <a:t>leave-one-out</a:t>
+                </a:r>
+                <a:r>
+                  <a:rPr lang="pt-BR" dirty="0" smtClean="0"/>
+                  <a:t>, ou seja, </a:t>
                 </a:r>
                 <a:r>
                   <a:rPr lang="pt-BR" b="1" i="1" dirty="0" smtClean="0"/>
@@ -13851,7 +14129,7 @@
             </p:txBody>
           </p:sp>
         </mc:Choice>
-        <mc:Fallback xmlns="">
+        <mc:Fallback>
           <p:sp>
             <p:nvSpPr>
               <p:cNvPr id="3" name="Content Placeholder 2"/>
@@ -13918,7 +14196,23 @@
                   <a:srgbClr val="0070C0"/>
                 </a:solidFill>
               </a:rPr>
-              <a:t>Quantos subconjuntos de p exemplos posso crirar a partir de N exemplos?</a:t>
+              <a:t>Quantos subconjuntos de p exemplos posso </a:t>
+            </a:r>
+            <a:r>
+              <a:rPr lang="pt-BR" sz="1400" dirty="0" smtClean="0">
+                <a:solidFill>
+                  <a:srgbClr val="0070C0"/>
+                </a:solidFill>
+              </a:rPr>
+              <a:t>criar </a:t>
+            </a:r>
+            <a:r>
+              <a:rPr lang="pt-BR" sz="1400" dirty="0" smtClean="0">
+                <a:solidFill>
+                  <a:srgbClr val="0070C0"/>
+                </a:solidFill>
+              </a:rPr>
+              <a:t>a partir de N exemplos?</a:t>
             </a:r>
             <a:endParaRPr lang="pt-BR" sz="1400" dirty="0">
               <a:solidFill>

--- a/slides/T319_Regressão_Linear (Parte V).pptx
+++ b/slides/T319_Regressão_Linear (Parte V).pptx
@@ -5736,7 +5736,7 @@
           <p:cNvPr id="2" name="Título 1">
             <a:extLst>
               <a:ext uri="{FF2B5EF4-FFF2-40B4-BE49-F238E27FC236}">
-                <a16:creationId xmlns="" xmlns:a16="http://schemas.microsoft.com/office/drawing/2014/main" id="{32666AC8-2E17-4DB4-B0F5-60C640CCFD2E}"/>
+                <a16:creationId xmlns:a16="http://schemas.microsoft.com/office/drawing/2014/main" xmlns="" id="{32666AC8-2E17-4DB4-B0F5-60C640CCFD2E}"/>
               </a:ext>
             </a:extLst>
           </p:cNvPr>
@@ -5795,7 +5795,7 @@
           <p:cNvPr id="4" name="CaixaDeTexto 3">
             <a:extLst>
               <a:ext uri="{FF2B5EF4-FFF2-40B4-BE49-F238E27FC236}">
-                <a16:creationId xmlns="" xmlns:a16="http://schemas.microsoft.com/office/drawing/2014/main" id="{430EB894-B7D4-434C-9D1A-A14094D9BEEC}"/>
+                <a16:creationId xmlns:a16="http://schemas.microsoft.com/office/drawing/2014/main" xmlns="" id="{430EB894-B7D4-434C-9D1A-A14094D9BEEC}"/>
               </a:ext>
             </a:extLst>
           </p:cNvPr>
@@ -5836,7 +5836,7 @@
           <p:cNvPr id="1026" name="Picture 2" descr="Logo">
             <a:extLst>
               <a:ext uri="{FF2B5EF4-FFF2-40B4-BE49-F238E27FC236}">
-                <a16:creationId xmlns="" xmlns:a16="http://schemas.microsoft.com/office/drawing/2014/main" id="{3F2642E0-4F6A-4196-8F58-E77D36E9A33F}"/>
+                <a16:creationId xmlns:a16="http://schemas.microsoft.com/office/drawing/2014/main" xmlns="" id="{3F2642E0-4F6A-4196-8F58-E77D36E9A33F}"/>
               </a:ext>
             </a:extLst>
           </p:cNvPr>
@@ -5881,7 +5881,7 @@
           <p:cNvPr id="5122" name="Picture 2" descr="Image result for machine learning">
             <a:extLst>
               <a:ext uri="{FF2B5EF4-FFF2-40B4-BE49-F238E27FC236}">
-                <a16:creationId xmlns="" xmlns:a16="http://schemas.microsoft.com/office/drawing/2014/main" id="{810CE0A2-4102-44A6-A370-175E7896CDCB}"/>
+                <a16:creationId xmlns:a16="http://schemas.microsoft.com/office/drawing/2014/main" xmlns="" id="{810CE0A2-4102-44A6-A370-175E7896CDCB}"/>
               </a:ext>
             </a:extLst>
           </p:cNvPr>
@@ -6961,15 +6961,7 @@
             </a:r>
             <a:r>
               <a:rPr lang="pt-BR" dirty="0"/>
-              <a:t>pois usa um </a:t>
-            </a:r>
-            <a:r>
-              <a:rPr lang="pt-BR" dirty="0"/>
-              <a:t>número maior de </a:t>
-            </a:r>
-            <a:r>
-              <a:rPr lang="pt-BR" dirty="0"/>
-              <a:t>pares </a:t>
+              <a:t>pois usa um número maior de pares </a:t>
             </a:r>
             <a:r>
               <a:rPr lang="pt-BR" dirty="0" smtClean="0"/>
@@ -7067,13 +7059,8 @@
             </a:r>
             <a:r>
               <a:rPr lang="pt-BR" dirty="0" smtClean="0"/>
-              <a:t> já daria boas indicações sobre qual ordem </a:t>
-            </a:r>
-            <a:r>
-              <a:rPr lang="pt-BR" dirty="0" smtClean="0"/>
-              <a:t>utilizar (maior probabilidade dos conjuntos serem representativos).</a:t>
-            </a:r>
-            <a:endParaRPr lang="pt-BR" dirty="0" smtClean="0"/>
+              <a:t> já daria boas indicações sobre qual ordem utilizar (maior probabilidade dos conjuntos serem representativos).</a:t>
+            </a:r>
           </a:p>
         </p:txBody>
       </p:sp>
@@ -7172,15 +7159,7 @@
             </a:r>
             <a:r>
               <a:rPr lang="pt-BR" dirty="0" smtClean="0"/>
-              <a:t>pequenos, </a:t>
-            </a:r>
-            <a:r>
-              <a:rPr lang="pt-BR" dirty="0" smtClean="0"/>
-              <a:t>similares </a:t>
-            </a:r>
-            <a:r>
-              <a:rPr lang="pt-BR" dirty="0" smtClean="0"/>
-              <a:t>e praticamente constantes para várias ordens de polinômio?</a:t>
+              <a:t>pequenos, similares e praticamente constantes para várias ordens de polinômio?</a:t>
             </a:r>
             <a:endParaRPr lang="pt-BR" dirty="0"/>
           </a:p>
@@ -7255,11 +7234,7 @@
             </a:r>
             <a:r>
               <a:rPr lang="pt-BR" dirty="0"/>
-              <a:t>, escolhemos modelos usando </a:t>
-            </a:r>
-            <a:r>
-              <a:rPr lang="pt-BR" dirty="0"/>
-              <a:t>a</a:t>
+              <a:t>, escolhemos modelos usando a</a:t>
             </a:r>
             <a:r>
               <a:rPr lang="pt-BR" dirty="0" smtClean="0"/>
@@ -7742,7 +7717,7 @@
           <p:cNvPr id="4" name="Título 1">
             <a:extLst>
               <a:ext uri="{FF2B5EF4-FFF2-40B4-BE49-F238E27FC236}">
-                <a16:creationId xmlns="" xmlns:a16="http://schemas.microsoft.com/office/drawing/2014/main" id="{32666AC8-2E17-4DB4-B0F5-60C640CCFD2E}"/>
+                <a16:creationId xmlns:a16="http://schemas.microsoft.com/office/drawing/2014/main" xmlns="" id="{32666AC8-2E17-4DB4-B0F5-60C640CCFD2E}"/>
               </a:ext>
             </a:extLst>
           </p:cNvPr>
@@ -10753,11 +10728,7 @@
             </a:pPr>
             <a:r>
               <a:rPr lang="pt-BR" dirty="0" smtClean="0"/>
-              <a:t>Grau de g</a:t>
-            </a:r>
-            <a:r>
-              <a:rPr lang="pt-BR" dirty="0" smtClean="0"/>
-              <a:t>eneralização: capacidade de gerar saídas próximas às verdadeiras para exemplos não usados durante o treinamento (medido através do erro de validação).</a:t>
+              <a:t>Grau de generalização: capacidade de gerar saídas próximas às verdadeiras para exemplos não usados durante o treinamento (medido através do erro de validação).</a:t>
             </a:r>
           </a:p>
           <a:p>
@@ -10907,7 +10878,6 @@
               <a:rPr lang="pt-BR" dirty="0" smtClean="0"/>
               <a:t>.</a:t>
             </a:r>
-            <a:endParaRPr lang="pt-BR" dirty="0" smtClean="0"/>
           </a:p>
           <a:p>
             <a:r>
@@ -12948,8 +12918,8 @@
         </p:nvSpPr>
         <p:spPr>
           <a:xfrm>
-            <a:off x="9201314" y="1106444"/>
-            <a:ext cx="2943773" cy="3293209"/>
+            <a:off x="9039433" y="1106444"/>
+            <a:ext cx="3139439" cy="2893100"/>
           </a:xfrm>
           <a:prstGeom prst="rect">
             <a:avLst/>
@@ -12964,49 +12934,48 @@
           <a:p>
             <a:pPr algn="ctr"/>
             <a:r>
-              <a:rPr lang="pt-BR" sz="1600" dirty="0" smtClean="0"/>
+              <a:rPr lang="pt-BR" sz="1400" dirty="0" smtClean="0"/>
               <a:t>Conforme o modelo se </a:t>
             </a:r>
             <a:r>
-              <a:rPr lang="pt-BR" sz="1600" b="1" i="1" dirty="0" smtClean="0"/>
+              <a:rPr lang="pt-BR" sz="1400" b="1" i="1" dirty="0" smtClean="0"/>
               <a:t>sobreajusta </a:t>
             </a:r>
             <a:r>
-              <a:rPr lang="pt-BR" sz="1600" dirty="0"/>
+              <a:rPr lang="pt-BR" sz="1400" dirty="0"/>
               <a:t>a</a:t>
             </a:r>
             <a:r>
-              <a:rPr lang="pt-BR" sz="1600" dirty="0" smtClean="0"/>
-              <a:t>os dados de treinamento, </a:t>
-            </a:r>
-            <a:r>
-              <a:rPr lang="pt-BR" sz="1600" dirty="0" smtClean="0"/>
-              <a:t>a variância do erro de validação aumenta</a:t>
-            </a:r>
-            <a:r>
-              <a:rPr lang="pt-BR" sz="1600" dirty="0" smtClean="0"/>
-              <a:t>, devido a redução de seu grau de generalização.</a:t>
+              <a:rPr lang="pt-BR" sz="1400" dirty="0" smtClean="0"/>
+              <a:t>os dados de treinamento, a variância do erro de validação aumenta, devido a redução de seu grau de generalização.</a:t>
             </a:r>
           </a:p>
           <a:p>
             <a:pPr algn="ctr"/>
-            <a:endParaRPr lang="pt-BR" sz="1600" dirty="0"/>
+            <a:endParaRPr lang="pt-BR" sz="1400" dirty="0"/>
           </a:p>
           <a:p>
             <a:pPr algn="ctr"/>
             <a:r>
-              <a:rPr lang="pt-BR" sz="1600" dirty="0" smtClean="0"/>
-              <a:t>Em teoria, </a:t>
-            </a:r>
-            <a:r>
-              <a:rPr lang="pt-BR" sz="1600" dirty="0" smtClean="0"/>
-              <a:t>a variância do erro de treinamento deve ser muito baixa e a variância do erro de validação muito alta para </a:t>
-            </a:r>
-            <a:r>
-              <a:rPr lang="pt-BR" sz="1600" dirty="0" smtClean="0"/>
-              <a:t>modelos com alto grau de generalização.</a:t>
-            </a:r>
-            <a:endParaRPr lang="pt-BR" sz="1600" dirty="0"/>
+              <a:rPr lang="pt-BR" sz="1400" dirty="0" smtClean="0"/>
+              <a:t>Em teoria, a variância do erro de treinamento deve ser muito baixa e a variância do erro de validação muito alta para modelos com alto grau de </a:t>
+            </a:r>
+            <a:r>
+              <a:rPr lang="pt-BR" sz="1400" dirty="0" smtClean="0"/>
+              <a:t>flexibilidade.</a:t>
+            </a:r>
+          </a:p>
+          <a:p>
+            <a:pPr algn="ctr"/>
+            <a:endParaRPr lang="pt-BR" sz="1400" dirty="0"/>
+          </a:p>
+          <a:p>
+            <a:pPr algn="ctr"/>
+            <a:r>
+              <a:rPr lang="pt-BR" sz="1400" dirty="0" smtClean="0"/>
+              <a:t>No caso de baixo grau de flexibilidade, ambas as variâncias são altas.</a:t>
+            </a:r>
+            <a:endParaRPr lang="pt-BR" sz="1400" dirty="0"/>
           </a:p>
         </p:txBody>
       </p:sp>
@@ -13672,8 +13641,8 @@
           </a:p>
         </p:txBody>
       </p:sp>
-      <mc:AlternateContent xmlns:mc="http://schemas.openxmlformats.org/markup-compatibility/2006">
-        <mc:Choice xmlns:a14="http://schemas.microsoft.com/office/drawing/2010/main" Requires="a14">
+      <mc:AlternateContent xmlns:mc="http://schemas.openxmlformats.org/markup-compatibility/2006" xmlns:a14="http://schemas.microsoft.com/office/drawing/2010/main">
+        <mc:Choice Requires="a14">
           <p:sp>
             <p:nvSpPr>
               <p:cNvPr id="3" name="Content Placeholder 2"/>
@@ -14129,7 +14098,7 @@
             </p:txBody>
           </p:sp>
         </mc:Choice>
-        <mc:Fallback>
+        <mc:Fallback xmlns="">
           <p:sp>
             <p:nvSpPr>
               <p:cNvPr id="3" name="Content Placeholder 2"/>
@@ -14196,23 +14165,7 @@
                   <a:srgbClr val="0070C0"/>
                 </a:solidFill>
               </a:rPr>
-              <a:t>Quantos subconjuntos de p exemplos posso </a:t>
-            </a:r>
-            <a:r>
-              <a:rPr lang="pt-BR" sz="1400" dirty="0" smtClean="0">
-                <a:solidFill>
-                  <a:srgbClr val="0070C0"/>
-                </a:solidFill>
-              </a:rPr>
-              <a:t>criar </a:t>
-            </a:r>
-            <a:r>
-              <a:rPr lang="pt-BR" sz="1400" dirty="0" smtClean="0">
-                <a:solidFill>
-                  <a:srgbClr val="0070C0"/>
-                </a:solidFill>
-              </a:rPr>
-              <a:t>a partir de N exemplos?</a:t>
+              <a:t>Quantos subconjuntos de p exemplos posso criar a partir de N exemplos?</a:t>
             </a:r>
             <a:endParaRPr lang="pt-BR" sz="1400" dirty="0">
               <a:solidFill>

--- a/slides/T319_Regressão_Linear (Parte V).pptx
+++ b/slides/T319_Regressão_Linear (Parte V).pptx
@@ -541,7 +541,7 @@
           <a:p>
             <a:fld id="{DAF0AF11-6A8A-4E64-94F5-26D4FBA2A01D}" type="datetimeFigureOut">
               <a:rPr lang="nl-BE" smtClean="0"/>
-              <a:t>19/11/2021</a:t>
+              <a:t>20/11/2021</a:t>
             </a:fld>
             <a:endParaRPr lang="nl-BE"/>
           </a:p>
@@ -3005,7 +3005,7 @@
           <a:p>
             <a:fld id="{C80E15A5-E95B-43EB-9AC7-9A96397448C0}" type="datetimeFigureOut">
               <a:rPr lang="nl-BE" smtClean="0"/>
-              <a:t>19/11/2021</a:t>
+              <a:t>20/11/2021</a:t>
             </a:fld>
             <a:endParaRPr lang="nl-BE"/>
           </a:p>
@@ -3175,7 +3175,7 @@
           <a:p>
             <a:fld id="{C80E15A5-E95B-43EB-9AC7-9A96397448C0}" type="datetimeFigureOut">
               <a:rPr lang="nl-BE" smtClean="0"/>
-              <a:t>19/11/2021</a:t>
+              <a:t>20/11/2021</a:t>
             </a:fld>
             <a:endParaRPr lang="nl-BE"/>
           </a:p>
@@ -3355,7 +3355,7 @@
           <a:p>
             <a:fld id="{C80E15A5-E95B-43EB-9AC7-9A96397448C0}" type="datetimeFigureOut">
               <a:rPr lang="nl-BE" smtClean="0"/>
-              <a:t>19/11/2021</a:t>
+              <a:t>20/11/2021</a:t>
             </a:fld>
             <a:endParaRPr lang="nl-BE"/>
           </a:p>
@@ -3525,7 +3525,7 @@
           <a:p>
             <a:fld id="{C80E15A5-E95B-43EB-9AC7-9A96397448C0}" type="datetimeFigureOut">
               <a:rPr lang="nl-BE" smtClean="0"/>
-              <a:t>19/11/2021</a:t>
+              <a:t>20/11/2021</a:t>
             </a:fld>
             <a:endParaRPr lang="nl-BE"/>
           </a:p>
@@ -3771,7 +3771,7 @@
           <a:p>
             <a:fld id="{C80E15A5-E95B-43EB-9AC7-9A96397448C0}" type="datetimeFigureOut">
               <a:rPr lang="nl-BE" smtClean="0"/>
-              <a:t>19/11/2021</a:t>
+              <a:t>20/11/2021</a:t>
             </a:fld>
             <a:endParaRPr lang="nl-BE"/>
           </a:p>
@@ -4003,7 +4003,7 @@
           <a:p>
             <a:fld id="{C80E15A5-E95B-43EB-9AC7-9A96397448C0}" type="datetimeFigureOut">
               <a:rPr lang="nl-BE" smtClean="0"/>
-              <a:t>19/11/2021</a:t>
+              <a:t>20/11/2021</a:t>
             </a:fld>
             <a:endParaRPr lang="nl-BE"/>
           </a:p>
@@ -4370,7 +4370,7 @@
           <a:p>
             <a:fld id="{C80E15A5-E95B-43EB-9AC7-9A96397448C0}" type="datetimeFigureOut">
               <a:rPr lang="nl-BE" smtClean="0"/>
-              <a:t>19/11/2021</a:t>
+              <a:t>20/11/2021</a:t>
             </a:fld>
             <a:endParaRPr lang="nl-BE"/>
           </a:p>
@@ -4488,7 +4488,7 @@
           <a:p>
             <a:fld id="{C80E15A5-E95B-43EB-9AC7-9A96397448C0}" type="datetimeFigureOut">
               <a:rPr lang="nl-BE" smtClean="0"/>
-              <a:t>19/11/2021</a:t>
+              <a:t>20/11/2021</a:t>
             </a:fld>
             <a:endParaRPr lang="nl-BE"/>
           </a:p>
@@ -4583,7 +4583,7 @@
           <a:p>
             <a:fld id="{C80E15A5-E95B-43EB-9AC7-9A96397448C0}" type="datetimeFigureOut">
               <a:rPr lang="nl-BE" smtClean="0"/>
-              <a:t>19/11/2021</a:t>
+              <a:t>20/11/2021</a:t>
             </a:fld>
             <a:endParaRPr lang="nl-BE"/>
           </a:p>
@@ -4860,7 +4860,7 @@
           <a:p>
             <a:fld id="{C80E15A5-E95B-43EB-9AC7-9A96397448C0}" type="datetimeFigureOut">
               <a:rPr lang="nl-BE" smtClean="0"/>
-              <a:t>19/11/2021</a:t>
+              <a:t>20/11/2021</a:t>
             </a:fld>
             <a:endParaRPr lang="nl-BE"/>
           </a:p>
@@ -5113,7 +5113,7 @@
           <a:p>
             <a:fld id="{C80E15A5-E95B-43EB-9AC7-9A96397448C0}" type="datetimeFigureOut">
               <a:rPr lang="nl-BE" smtClean="0"/>
-              <a:t>19/11/2021</a:t>
+              <a:t>20/11/2021</a:t>
             </a:fld>
             <a:endParaRPr lang="nl-BE"/>
           </a:p>
@@ -5326,7 +5326,7 @@
           <a:p>
             <a:fld id="{C80E15A5-E95B-43EB-9AC7-9A96397448C0}" type="datetimeFigureOut">
               <a:rPr lang="nl-BE" smtClean="0"/>
-              <a:t>19/11/2021</a:t>
+              <a:t>20/11/2021</a:t>
             </a:fld>
             <a:endParaRPr lang="nl-BE"/>
           </a:p>
@@ -5736,7 +5736,7 @@
           <p:cNvPr id="2" name="Título 1">
             <a:extLst>
               <a:ext uri="{FF2B5EF4-FFF2-40B4-BE49-F238E27FC236}">
-                <a16:creationId xmlns:a16="http://schemas.microsoft.com/office/drawing/2014/main" xmlns="" id="{32666AC8-2E17-4DB4-B0F5-60C640CCFD2E}"/>
+                <a16:creationId xmlns="" xmlns:a16="http://schemas.microsoft.com/office/drawing/2014/main" id="{32666AC8-2E17-4DB4-B0F5-60C640CCFD2E}"/>
               </a:ext>
             </a:extLst>
           </p:cNvPr>
@@ -5795,7 +5795,7 @@
           <p:cNvPr id="4" name="CaixaDeTexto 3">
             <a:extLst>
               <a:ext uri="{FF2B5EF4-FFF2-40B4-BE49-F238E27FC236}">
-                <a16:creationId xmlns:a16="http://schemas.microsoft.com/office/drawing/2014/main" xmlns="" id="{430EB894-B7D4-434C-9D1A-A14094D9BEEC}"/>
+                <a16:creationId xmlns="" xmlns:a16="http://schemas.microsoft.com/office/drawing/2014/main" id="{430EB894-B7D4-434C-9D1A-A14094D9BEEC}"/>
               </a:ext>
             </a:extLst>
           </p:cNvPr>
@@ -5836,7 +5836,7 @@
           <p:cNvPr id="1026" name="Picture 2" descr="Logo">
             <a:extLst>
               <a:ext uri="{FF2B5EF4-FFF2-40B4-BE49-F238E27FC236}">
-                <a16:creationId xmlns:a16="http://schemas.microsoft.com/office/drawing/2014/main" xmlns="" id="{3F2642E0-4F6A-4196-8F58-E77D36E9A33F}"/>
+                <a16:creationId xmlns="" xmlns:a16="http://schemas.microsoft.com/office/drawing/2014/main" id="{3F2642E0-4F6A-4196-8F58-E77D36E9A33F}"/>
               </a:ext>
             </a:extLst>
           </p:cNvPr>
@@ -5881,7 +5881,7 @@
           <p:cNvPr id="5122" name="Picture 2" descr="Image result for machine learning">
             <a:extLst>
               <a:ext uri="{FF2B5EF4-FFF2-40B4-BE49-F238E27FC236}">
-                <a16:creationId xmlns:a16="http://schemas.microsoft.com/office/drawing/2014/main" xmlns="" id="{810CE0A2-4102-44A6-A370-175E7896CDCB}"/>
+                <a16:creationId xmlns="" xmlns:a16="http://schemas.microsoft.com/office/drawing/2014/main" id="{810CE0A2-4102-44A6-A370-175E7896CDCB}"/>
               </a:ext>
             </a:extLst>
           </p:cNvPr>
@@ -7658,8 +7658,25 @@
             <a:pPr lvl="1"/>
             <a:r>
               <a:rPr lang="pt-BR" dirty="0" smtClean="0"/>
-              <a:t>Vídeo com explicação sobre o projeto se encontra na pasta “Projeto Final” em “Recordings”.</a:t>
-            </a:r>
+              <a:t>Vídeo com </a:t>
+            </a:r>
+            <a:r>
+              <a:rPr lang="pt-BR" dirty="0" smtClean="0"/>
+              <a:t>a explicação </a:t>
+            </a:r>
+            <a:r>
+              <a:rPr lang="pt-BR" dirty="0" smtClean="0"/>
+              <a:t>sobre o projeto se encontra na pasta “Projeto Final” </a:t>
+            </a:r>
+            <a:r>
+              <a:rPr lang="pt-BR" smtClean="0"/>
+              <a:t>em </a:t>
+            </a:r>
+            <a:r>
+              <a:rPr lang="pt-BR" smtClean="0"/>
+              <a:t>“Arquivos”.</a:t>
+            </a:r>
+            <a:endParaRPr lang="pt-BR" dirty="0" smtClean="0"/>
           </a:p>
           <a:p>
             <a:pPr lvl="1"/>
@@ -7717,7 +7734,7 @@
           <p:cNvPr id="4" name="Título 1">
             <a:extLst>
               <a:ext uri="{FF2B5EF4-FFF2-40B4-BE49-F238E27FC236}">
-                <a16:creationId xmlns:a16="http://schemas.microsoft.com/office/drawing/2014/main" xmlns="" id="{32666AC8-2E17-4DB4-B0F5-60C640CCFD2E}"/>
+                <a16:creationId xmlns="" xmlns:a16="http://schemas.microsoft.com/office/drawing/2014/main" id="{32666AC8-2E17-4DB4-B0F5-60C640CCFD2E}"/>
               </a:ext>
             </a:extLst>
           </p:cNvPr>
@@ -12958,11 +12975,7 @@
             <a:pPr algn="ctr"/>
             <a:r>
               <a:rPr lang="pt-BR" sz="1400" dirty="0" smtClean="0"/>
-              <a:t>Em teoria, a variância do erro de treinamento deve ser muito baixa e a variância do erro de validação muito alta para modelos com alto grau de </a:t>
-            </a:r>
-            <a:r>
-              <a:rPr lang="pt-BR" sz="1400" dirty="0" smtClean="0"/>
-              <a:t>flexibilidade.</a:t>
+              <a:t>Em teoria, a variância do erro de treinamento deve ser muito baixa e a variância do erro de validação muito alta para modelos com alto grau de flexibilidade.</a:t>
             </a:r>
           </a:p>
           <a:p>

--- a/slides/T319_Regressão_Linear (Parte V).pptx
+++ b/slides/T319_Regressão_Linear (Parte V).pptx
@@ -541,7 +541,7 @@
           <a:p>
             <a:fld id="{DAF0AF11-6A8A-4E64-94F5-26D4FBA2A01D}" type="datetimeFigureOut">
               <a:rPr lang="nl-BE" smtClean="0"/>
-              <a:t>20/11/2021</a:t>
+              <a:t>10/06/2022</a:t>
             </a:fld>
             <a:endParaRPr lang="nl-BE"/>
           </a:p>
@@ -700,7 +700,7 @@
           <a:p>
             <a:fld id="{DA8B99DF-01BC-492A-8CEF-4FD88D18DD9D}" type="slidenum">
               <a:rPr lang="nl-BE" smtClean="0"/>
-              <a:t>‹#›</a:t>
+              <a:t>‹nº›</a:t>
             </a:fld>
             <a:endParaRPr lang="nl-BE"/>
           </a:p>
@@ -951,8 +951,39 @@
             </a:r>
             <a:r>
               <a:rPr lang="pt-BR" dirty="0" smtClean="0"/>
-              <a:t>https://mybinder.org/v2/gh/zz4fap/t319_aprendizado_de_maquina/main?filepath=notebooks%2Fregression%2Fvalidacao_cruzada.ipynb</a:t>
-            </a:r>
+              <a:t>https://</a:t>
+            </a:r>
+            <a:r>
+              <a:rPr lang="pt-BR" dirty="0" smtClean="0"/>
+              <a:t>mybinder.org/v2/gh/zz4fap/t319_aprendizado_de_maquina/main?filepath=notebooks%2Fregression%2Fvalidacao_cruzada.ipynb</a:t>
+            </a:r>
+          </a:p>
+          <a:p>
+            <a:endParaRPr lang="pt-BR" dirty="0" smtClean="0"/>
+          </a:p>
+          <a:p>
+            <a:pPr marL="0" marR="0" lvl="0" indent="0" algn="l" defTabSz="914400" rtl="0" eaLnBrk="1" fontAlgn="auto" latinLnBrk="0" hangingPunct="1">
+              <a:lnSpc>
+                <a:spcPct val="100000"/>
+              </a:lnSpc>
+              <a:spcBef>
+                <a:spcPts val="0"/>
+              </a:spcBef>
+              <a:spcAft>
+                <a:spcPts val="0"/>
+              </a:spcAft>
+              <a:buClrTx/>
+              <a:buSzTx/>
+              <a:buFontTx/>
+              <a:buNone/>
+              <a:tabLst/>
+              <a:defRPr/>
+            </a:pPr>
+            <a:r>
+              <a:rPr lang="pt-BR" dirty="0" smtClean="0"/>
+              <a:t>Exemplo: https://colab.research.google.com/github/zz4fap/t319_aprendizado_de_maquina/blob/main/notebooks/regression/validacao_cruzada.ipynb</a:t>
+            </a:r>
+            <a:endParaRPr lang="pt-BR" dirty="0" smtClean="0"/>
           </a:p>
           <a:p>
             <a:endParaRPr lang="pt-BR" dirty="0"/>
@@ -3005,7 +3036,7 @@
           <a:p>
             <a:fld id="{C80E15A5-E95B-43EB-9AC7-9A96397448C0}" type="datetimeFigureOut">
               <a:rPr lang="nl-BE" smtClean="0"/>
-              <a:t>20/11/2021</a:t>
+              <a:t>10/06/2022</a:t>
             </a:fld>
             <a:endParaRPr lang="nl-BE"/>
           </a:p>
@@ -3047,7 +3078,7 @@
           <a:p>
             <a:fld id="{67C3C120-4544-49C4-A71C-C78FE5187513}" type="slidenum">
               <a:rPr lang="nl-BE" smtClean="0"/>
-              <a:t>‹#›</a:t>
+              <a:t>‹nº›</a:t>
             </a:fld>
             <a:endParaRPr lang="nl-BE"/>
           </a:p>
@@ -3175,7 +3206,7 @@
           <a:p>
             <a:fld id="{C80E15A5-E95B-43EB-9AC7-9A96397448C0}" type="datetimeFigureOut">
               <a:rPr lang="nl-BE" smtClean="0"/>
-              <a:t>20/11/2021</a:t>
+              <a:t>10/06/2022</a:t>
             </a:fld>
             <a:endParaRPr lang="nl-BE"/>
           </a:p>
@@ -3217,7 +3248,7 @@
           <a:p>
             <a:fld id="{67C3C120-4544-49C4-A71C-C78FE5187513}" type="slidenum">
               <a:rPr lang="nl-BE" smtClean="0"/>
-              <a:t>‹#›</a:t>
+              <a:t>‹nº›</a:t>
             </a:fld>
             <a:endParaRPr lang="nl-BE"/>
           </a:p>
@@ -3355,7 +3386,7 @@
           <a:p>
             <a:fld id="{C80E15A5-E95B-43EB-9AC7-9A96397448C0}" type="datetimeFigureOut">
               <a:rPr lang="nl-BE" smtClean="0"/>
-              <a:t>20/11/2021</a:t>
+              <a:t>10/06/2022</a:t>
             </a:fld>
             <a:endParaRPr lang="nl-BE"/>
           </a:p>
@@ -3397,7 +3428,7 @@
           <a:p>
             <a:fld id="{67C3C120-4544-49C4-A71C-C78FE5187513}" type="slidenum">
               <a:rPr lang="nl-BE" smtClean="0"/>
-              <a:t>‹#›</a:t>
+              <a:t>‹nº›</a:t>
             </a:fld>
             <a:endParaRPr lang="nl-BE"/>
           </a:p>
@@ -3525,7 +3556,7 @@
           <a:p>
             <a:fld id="{C80E15A5-E95B-43EB-9AC7-9A96397448C0}" type="datetimeFigureOut">
               <a:rPr lang="nl-BE" smtClean="0"/>
-              <a:t>20/11/2021</a:t>
+              <a:t>10/06/2022</a:t>
             </a:fld>
             <a:endParaRPr lang="nl-BE"/>
           </a:p>
@@ -3567,7 +3598,7 @@
           <a:p>
             <a:fld id="{67C3C120-4544-49C4-A71C-C78FE5187513}" type="slidenum">
               <a:rPr lang="nl-BE" smtClean="0"/>
-              <a:t>‹#›</a:t>
+              <a:t>‹nº›</a:t>
             </a:fld>
             <a:endParaRPr lang="nl-BE"/>
           </a:p>
@@ -3771,7 +3802,7 @@
           <a:p>
             <a:fld id="{C80E15A5-E95B-43EB-9AC7-9A96397448C0}" type="datetimeFigureOut">
               <a:rPr lang="nl-BE" smtClean="0"/>
-              <a:t>20/11/2021</a:t>
+              <a:t>10/06/2022</a:t>
             </a:fld>
             <a:endParaRPr lang="nl-BE"/>
           </a:p>
@@ -3813,7 +3844,7 @@
           <a:p>
             <a:fld id="{67C3C120-4544-49C4-A71C-C78FE5187513}" type="slidenum">
               <a:rPr lang="nl-BE" smtClean="0"/>
-              <a:t>‹#›</a:t>
+              <a:t>‹nº›</a:t>
             </a:fld>
             <a:endParaRPr lang="nl-BE"/>
           </a:p>
@@ -4003,7 +4034,7 @@
           <a:p>
             <a:fld id="{C80E15A5-E95B-43EB-9AC7-9A96397448C0}" type="datetimeFigureOut">
               <a:rPr lang="nl-BE" smtClean="0"/>
-              <a:t>20/11/2021</a:t>
+              <a:t>10/06/2022</a:t>
             </a:fld>
             <a:endParaRPr lang="nl-BE"/>
           </a:p>
@@ -4045,7 +4076,7 @@
           <a:p>
             <a:fld id="{67C3C120-4544-49C4-A71C-C78FE5187513}" type="slidenum">
               <a:rPr lang="nl-BE" smtClean="0"/>
-              <a:t>‹#›</a:t>
+              <a:t>‹nº›</a:t>
             </a:fld>
             <a:endParaRPr lang="nl-BE"/>
           </a:p>
@@ -4370,7 +4401,7 @@
           <a:p>
             <a:fld id="{C80E15A5-E95B-43EB-9AC7-9A96397448C0}" type="datetimeFigureOut">
               <a:rPr lang="nl-BE" smtClean="0"/>
-              <a:t>20/11/2021</a:t>
+              <a:t>10/06/2022</a:t>
             </a:fld>
             <a:endParaRPr lang="nl-BE"/>
           </a:p>
@@ -4412,7 +4443,7 @@
           <a:p>
             <a:fld id="{67C3C120-4544-49C4-A71C-C78FE5187513}" type="slidenum">
               <a:rPr lang="nl-BE" smtClean="0"/>
-              <a:t>‹#›</a:t>
+              <a:t>‹nº›</a:t>
             </a:fld>
             <a:endParaRPr lang="nl-BE"/>
           </a:p>
@@ -4488,7 +4519,7 @@
           <a:p>
             <a:fld id="{C80E15A5-E95B-43EB-9AC7-9A96397448C0}" type="datetimeFigureOut">
               <a:rPr lang="nl-BE" smtClean="0"/>
-              <a:t>20/11/2021</a:t>
+              <a:t>10/06/2022</a:t>
             </a:fld>
             <a:endParaRPr lang="nl-BE"/>
           </a:p>
@@ -4530,7 +4561,7 @@
           <a:p>
             <a:fld id="{67C3C120-4544-49C4-A71C-C78FE5187513}" type="slidenum">
               <a:rPr lang="nl-BE" smtClean="0"/>
-              <a:t>‹#›</a:t>
+              <a:t>‹nº›</a:t>
             </a:fld>
             <a:endParaRPr lang="nl-BE"/>
           </a:p>
@@ -4583,7 +4614,7 @@
           <a:p>
             <a:fld id="{C80E15A5-E95B-43EB-9AC7-9A96397448C0}" type="datetimeFigureOut">
               <a:rPr lang="nl-BE" smtClean="0"/>
-              <a:t>20/11/2021</a:t>
+              <a:t>10/06/2022</a:t>
             </a:fld>
             <a:endParaRPr lang="nl-BE"/>
           </a:p>
@@ -4625,7 +4656,7 @@
           <a:p>
             <a:fld id="{67C3C120-4544-49C4-A71C-C78FE5187513}" type="slidenum">
               <a:rPr lang="nl-BE" smtClean="0"/>
-              <a:t>‹#›</a:t>
+              <a:t>‹nº›</a:t>
             </a:fld>
             <a:endParaRPr lang="nl-BE"/>
           </a:p>
@@ -4860,7 +4891,7 @@
           <a:p>
             <a:fld id="{C80E15A5-E95B-43EB-9AC7-9A96397448C0}" type="datetimeFigureOut">
               <a:rPr lang="nl-BE" smtClean="0"/>
-              <a:t>20/11/2021</a:t>
+              <a:t>10/06/2022</a:t>
             </a:fld>
             <a:endParaRPr lang="nl-BE"/>
           </a:p>
@@ -4902,7 +4933,7 @@
           <a:p>
             <a:fld id="{67C3C120-4544-49C4-A71C-C78FE5187513}" type="slidenum">
               <a:rPr lang="nl-BE" smtClean="0"/>
-              <a:t>‹#›</a:t>
+              <a:t>‹nº›</a:t>
             </a:fld>
             <a:endParaRPr lang="nl-BE"/>
           </a:p>
@@ -5113,7 +5144,7 @@
           <a:p>
             <a:fld id="{C80E15A5-E95B-43EB-9AC7-9A96397448C0}" type="datetimeFigureOut">
               <a:rPr lang="nl-BE" smtClean="0"/>
-              <a:t>20/11/2021</a:t>
+              <a:t>10/06/2022</a:t>
             </a:fld>
             <a:endParaRPr lang="nl-BE"/>
           </a:p>
@@ -5155,7 +5186,7 @@
           <a:p>
             <a:fld id="{67C3C120-4544-49C4-A71C-C78FE5187513}" type="slidenum">
               <a:rPr lang="nl-BE" smtClean="0"/>
-              <a:t>‹#›</a:t>
+              <a:t>‹nº›</a:t>
             </a:fld>
             <a:endParaRPr lang="nl-BE"/>
           </a:p>
@@ -5326,7 +5357,7 @@
           <a:p>
             <a:fld id="{C80E15A5-E95B-43EB-9AC7-9A96397448C0}" type="datetimeFigureOut">
               <a:rPr lang="nl-BE" smtClean="0"/>
-              <a:t>20/11/2021</a:t>
+              <a:t>10/06/2022</a:t>
             </a:fld>
             <a:endParaRPr lang="nl-BE"/>
           </a:p>
@@ -5404,7 +5435,7 @@
           <a:p>
             <a:fld id="{67C3C120-4544-49C4-A71C-C78FE5187513}" type="slidenum">
               <a:rPr lang="nl-BE" smtClean="0"/>
-              <a:t>‹#›</a:t>
+              <a:t>‹nº›</a:t>
             </a:fld>
             <a:endParaRPr lang="nl-BE"/>
           </a:p>
@@ -5736,7 +5767,7 @@
           <p:cNvPr id="2" name="Título 1">
             <a:extLst>
               <a:ext uri="{FF2B5EF4-FFF2-40B4-BE49-F238E27FC236}">
-                <a16:creationId xmlns="" xmlns:a16="http://schemas.microsoft.com/office/drawing/2014/main" id="{32666AC8-2E17-4DB4-B0F5-60C640CCFD2E}"/>
+                <a16:creationId xmlns:a16="http://schemas.microsoft.com/office/drawing/2014/main" xmlns="" id="{32666AC8-2E17-4DB4-B0F5-60C640CCFD2E}"/>
               </a:ext>
             </a:extLst>
           </p:cNvPr>
@@ -5795,7 +5826,7 @@
           <p:cNvPr id="4" name="CaixaDeTexto 3">
             <a:extLst>
               <a:ext uri="{FF2B5EF4-FFF2-40B4-BE49-F238E27FC236}">
-                <a16:creationId xmlns="" xmlns:a16="http://schemas.microsoft.com/office/drawing/2014/main" id="{430EB894-B7D4-434C-9D1A-A14094D9BEEC}"/>
+                <a16:creationId xmlns:a16="http://schemas.microsoft.com/office/drawing/2014/main" xmlns="" id="{430EB894-B7D4-434C-9D1A-A14094D9BEEC}"/>
               </a:ext>
             </a:extLst>
           </p:cNvPr>
@@ -5836,7 +5867,7 @@
           <p:cNvPr id="1026" name="Picture 2" descr="Logo">
             <a:extLst>
               <a:ext uri="{FF2B5EF4-FFF2-40B4-BE49-F238E27FC236}">
-                <a16:creationId xmlns="" xmlns:a16="http://schemas.microsoft.com/office/drawing/2014/main" id="{3F2642E0-4F6A-4196-8F58-E77D36E9A33F}"/>
+                <a16:creationId xmlns:a16="http://schemas.microsoft.com/office/drawing/2014/main" xmlns="" id="{3F2642E0-4F6A-4196-8F58-E77D36E9A33F}"/>
               </a:ext>
             </a:extLst>
           </p:cNvPr>
@@ -5881,7 +5912,7 @@
           <p:cNvPr id="5122" name="Picture 2" descr="Image result for machine learning">
             <a:extLst>
               <a:ext uri="{FF2B5EF4-FFF2-40B4-BE49-F238E27FC236}">
-                <a16:creationId xmlns="" xmlns:a16="http://schemas.microsoft.com/office/drawing/2014/main" id="{810CE0A2-4102-44A6-A370-175E7896CDCB}"/>
+                <a16:creationId xmlns:a16="http://schemas.microsoft.com/office/drawing/2014/main" xmlns="" id="{810CE0A2-4102-44A6-A370-175E7896CDCB}"/>
               </a:ext>
             </a:extLst>
           </p:cNvPr>
@@ -6008,153 +6039,221 @@
           </a:p>
         </p:txBody>
       </p:sp>
-      <p:sp>
-        <p:nvSpPr>
-          <p:cNvPr id="3" name="Content Placeholder 2"/>
-          <p:cNvSpPr>
-            <a:spLocks noGrp="1"/>
-          </p:cNvSpPr>
-          <p:nvPr>
-            <p:ph idx="1"/>
-          </p:nvPr>
-        </p:nvSpPr>
-        <p:spPr>
-          <a:xfrm>
-            <a:off x="838199" y="4195783"/>
-            <a:ext cx="11006139" cy="2662217"/>
-          </a:xfrm>
-        </p:spPr>
-        <p:txBody>
-          <a:bodyPr>
-            <a:normAutofit fontScale="77500" lnSpcReduction="20000"/>
-          </a:bodyPr>
-          <a:lstStyle/>
-          <a:p>
-            <a:r>
-              <a:rPr lang="pt-BR" dirty="0"/>
-              <a:t>Usa-se a mesma função observável do exemplo anterior</a:t>
-            </a:r>
-            <a:r>
-              <a:rPr lang="pt-BR" dirty="0" smtClean="0"/>
-              <a:t>.</a:t>
-            </a:r>
-            <a:endParaRPr lang="pt-BR" b="1" dirty="0" smtClean="0"/>
-          </a:p>
-          <a:p>
-            <a:r>
-              <a:rPr lang="pt-BR" b="1" dirty="0" smtClean="0"/>
-              <a:t>p </a:t>
-            </a:r>
-            <a:r>
-              <a:rPr lang="pt-BR" dirty="0"/>
-              <a:t>= </a:t>
-            </a:r>
-            <a:r>
-              <a:rPr lang="pt-BR" dirty="0" smtClean="0"/>
-              <a:t>2: 4950 combinações </a:t>
-            </a:r>
-            <a:r>
-              <a:rPr lang="pt-BR" dirty="0"/>
-              <a:t>possíveis com </a:t>
-            </a:r>
-            <a:r>
-              <a:rPr lang="pt-BR" dirty="0" smtClean="0"/>
-              <a:t>98 exemplos </a:t>
-            </a:r>
-            <a:r>
-              <a:rPr lang="pt-BR" dirty="0"/>
-              <a:t>para treinamento e </a:t>
-            </a:r>
-            <a:r>
-              <a:rPr lang="pt-BR" dirty="0" smtClean="0"/>
-              <a:t>2 </a:t>
-            </a:r>
-            <a:r>
-              <a:rPr lang="pt-BR" dirty="0"/>
-              <a:t>para </a:t>
-            </a:r>
-            <a:r>
-              <a:rPr lang="pt-BR" dirty="0" smtClean="0"/>
-              <a:t>validação.</a:t>
-            </a:r>
-          </a:p>
-          <a:p>
-            <a:r>
-              <a:rPr lang="pt-BR" dirty="0"/>
-              <a:t>Tempo médio para execução com </a:t>
-            </a:r>
-            <a:r>
-              <a:rPr lang="pt-BR" dirty="0" smtClean="0"/>
-              <a:t>N </a:t>
-            </a:r>
-            <a:r>
-              <a:rPr lang="pt-BR" dirty="0"/>
-              <a:t>= 100 é de aproximadamente </a:t>
-            </a:r>
-            <a:r>
-              <a:rPr lang="pt-BR" dirty="0" smtClean="0"/>
-              <a:t>810 [s] (+ de 13 [m]).</a:t>
-            </a:r>
-            <a:endParaRPr lang="pt-BR" dirty="0"/>
-          </a:p>
-          <a:p>
-            <a:r>
-              <a:rPr lang="pt-BR" dirty="0"/>
-              <a:t>Gráficos mostram a média e desvio padrão do MSE para as </a:t>
-            </a:r>
-            <a:r>
-              <a:rPr lang="pt-BR" dirty="0" smtClean="0"/>
-              <a:t>4950 etapas </a:t>
-            </a:r>
-            <a:r>
-              <a:rPr lang="pt-BR" dirty="0"/>
-              <a:t>de treinamento/validação.</a:t>
-            </a:r>
-          </a:p>
-          <a:p>
-            <a:r>
-              <a:rPr lang="pt-BR" dirty="0"/>
-              <a:t>Média e desvio padrão do MSE aumentam com a ordem do polinômio.</a:t>
-            </a:r>
-          </a:p>
-          <a:p>
-            <a:r>
-              <a:rPr lang="pt-BR" dirty="0"/>
-              <a:t>Qual ordem escolher?</a:t>
-            </a:r>
-          </a:p>
-          <a:p>
-            <a:pPr lvl="1">
-              <a:buFont typeface="Wingdings" panose="05000000000000000000" pitchFamily="2" charset="2"/>
-              <a:buChar char="§"/>
-            </a:pPr>
-            <a:r>
-              <a:rPr lang="pt-BR" dirty="0"/>
-              <a:t>O ponto onde </a:t>
-            </a:r>
-            <a:r>
-              <a:rPr lang="pt-BR" b="1" i="1" dirty="0">
-                <a:solidFill>
-                  <a:srgbClr val="FF0000"/>
-                </a:solidFill>
-              </a:rPr>
-              <a:t>ambos</a:t>
-            </a:r>
-            <a:r>
-              <a:rPr lang="pt-BR" dirty="0"/>
-              <a:t>, média e desvio padrão do </a:t>
-            </a:r>
-            <a:r>
-              <a:rPr lang="pt-BR" dirty="0" smtClean="0"/>
-              <a:t>MSE, </a:t>
-            </a:r>
-            <a:r>
-              <a:rPr lang="pt-BR" dirty="0"/>
-              <a:t>sejam mínimos.</a:t>
-            </a:r>
-          </a:p>
-        </p:txBody>
-      </p:sp>
+      <mc:AlternateContent xmlns:mc="http://schemas.openxmlformats.org/markup-compatibility/2006">
+        <mc:Choice xmlns:a14="http://schemas.microsoft.com/office/drawing/2010/main" Requires="a14">
+          <p:sp>
+            <p:nvSpPr>
+              <p:cNvPr id="3" name="Content Placeholder 2"/>
+              <p:cNvSpPr>
+                <a:spLocks noGrp="1"/>
+              </p:cNvSpPr>
+              <p:nvPr>
+                <p:ph idx="1"/>
+              </p:nvPr>
+            </p:nvSpPr>
+            <p:spPr>
+              <a:xfrm>
+                <a:off x="838199" y="4195783"/>
+                <a:ext cx="11006139" cy="2662217"/>
+              </a:xfrm>
+            </p:spPr>
+            <p:txBody>
+              <a:bodyPr>
+                <a:normAutofit fontScale="77500" lnSpcReduction="20000"/>
+              </a:bodyPr>
+              <a:lstStyle/>
+              <a:p>
+                <a:r>
+                  <a:rPr lang="pt-BR" dirty="0"/>
+                  <a:t>Usa-se a mesma função observável do exemplo anterior</a:t>
+                </a:r>
+                <a:r>
+                  <a:rPr lang="pt-BR" dirty="0" smtClean="0"/>
+                  <a:t>.</a:t>
+                </a:r>
+                <a:endParaRPr lang="pt-BR" b="1" dirty="0" smtClean="0"/>
+              </a:p>
+              <a:p>
+                <a:r>
+                  <a:rPr lang="pt-BR" b="1" dirty="0" smtClean="0"/>
+                  <a:t>p </a:t>
+                </a:r>
+                <a:r>
+                  <a:rPr lang="pt-BR" dirty="0"/>
+                  <a:t>= </a:t>
+                </a:r>
+                <a:r>
+                  <a:rPr lang="pt-BR" dirty="0" smtClean="0"/>
+                  <a:t>2: 4950 combinações </a:t>
+                </a:r>
+                <a:r>
+                  <a:rPr lang="pt-BR" dirty="0"/>
+                  <a:t>possíveis com </a:t>
+                </a:r>
+                <a:r>
+                  <a:rPr lang="pt-BR" dirty="0" smtClean="0"/>
+                  <a:t>98 exemplos </a:t>
+                </a:r>
+                <a:r>
+                  <a:rPr lang="pt-BR" dirty="0"/>
+                  <a:t>para treinamento e </a:t>
+                </a:r>
+                <a:r>
+                  <a:rPr lang="pt-BR" dirty="0" smtClean="0"/>
+                  <a:t>2 </a:t>
+                </a:r>
+                <a:r>
+                  <a:rPr lang="pt-BR" dirty="0"/>
+                  <a:t>para </a:t>
+                </a:r>
+                <a:r>
+                  <a:rPr lang="pt-BR" dirty="0" smtClean="0"/>
+                  <a:t>validação.</a:t>
+                </a:r>
+              </a:p>
+              <a:p>
+                <a:r>
+                  <a:rPr lang="pt-BR" dirty="0"/>
+                  <a:t>Tempo médio para execução com </a:t>
+                </a:r>
+                <a:r>
+                  <a:rPr lang="pt-BR" dirty="0" smtClean="0"/>
+                  <a:t>N </a:t>
+                </a:r>
+                <a:r>
+                  <a:rPr lang="pt-BR" dirty="0"/>
+                  <a:t>= 100 é de aproximadamente </a:t>
+                </a:r>
+                <a:r>
+                  <a:rPr lang="pt-BR" dirty="0" smtClean="0"/>
+                  <a:t>700 </a:t>
+                </a:r>
+                <a:r>
+                  <a:rPr lang="pt-BR" dirty="0" smtClean="0"/>
+                  <a:t>[s] </a:t>
+                </a:r>
+                <a:r>
+                  <a:rPr lang="pt-BR" dirty="0" smtClean="0"/>
+                  <a:t>(</a:t>
+                </a:r>
+                <a14:m>
+                  <m:oMath xmlns:m="http://schemas.openxmlformats.org/officeDocument/2006/math">
+                    <m:r>
+                      <a:rPr lang="pt-BR" i="1" smtClean="0">
+                        <a:latin typeface="Cambria Math" panose="02040503050406030204" pitchFamily="18" charset="0"/>
+                        <a:ea typeface="Cambria Math" panose="02040503050406030204" pitchFamily="18" charset="0"/>
+                      </a:rPr>
+                      <m:t>≈</m:t>
+                    </m:r>
+                  </m:oMath>
+                </a14:m>
+                <a:r>
+                  <a:rPr lang="pt-BR" dirty="0" smtClean="0"/>
+                  <a:t> 12 [m</a:t>
+                </a:r>
+                <a:r>
+                  <a:rPr lang="pt-BR" dirty="0" smtClean="0"/>
+                  <a:t>]).</a:t>
+                </a:r>
+                <a:endParaRPr lang="pt-BR" dirty="0"/>
+              </a:p>
+              <a:p>
+                <a:r>
+                  <a:rPr lang="pt-BR" dirty="0"/>
+                  <a:t>Gráficos mostram a média e desvio padrão do MSE para as </a:t>
+                </a:r>
+                <a:r>
+                  <a:rPr lang="pt-BR" dirty="0" smtClean="0"/>
+                  <a:t>4950 etapas </a:t>
+                </a:r>
+                <a:r>
+                  <a:rPr lang="pt-BR" dirty="0"/>
+                  <a:t>de treinamento/validação.</a:t>
+                </a:r>
+              </a:p>
+              <a:p>
+                <a:r>
+                  <a:rPr lang="pt-BR" dirty="0"/>
+                  <a:t>Média e desvio padrão do MSE aumentam com a ordem do polinômio.</a:t>
+                </a:r>
+              </a:p>
+              <a:p>
+                <a:r>
+                  <a:rPr lang="pt-BR" dirty="0"/>
+                  <a:t>Qual ordem escolher?</a:t>
+                </a:r>
+              </a:p>
+              <a:p>
+                <a:pPr lvl="1">
+                  <a:buFont typeface="Wingdings" panose="05000000000000000000" pitchFamily="2" charset="2"/>
+                  <a:buChar char="§"/>
+                </a:pPr>
+                <a:r>
+                  <a:rPr lang="pt-BR" dirty="0"/>
+                  <a:t>O ponto onde </a:t>
+                </a:r>
+                <a:r>
+                  <a:rPr lang="pt-BR" b="1" i="1" dirty="0">
+                    <a:solidFill>
+                      <a:srgbClr val="FF0000"/>
+                    </a:solidFill>
+                  </a:rPr>
+                  <a:t>ambos</a:t>
+                </a:r>
+                <a:r>
+                  <a:rPr lang="pt-BR" dirty="0"/>
+                  <a:t>, média e desvio padrão do </a:t>
+                </a:r>
+                <a:r>
+                  <a:rPr lang="pt-BR" dirty="0" smtClean="0"/>
+                  <a:t>MSE, </a:t>
+                </a:r>
+                <a:r>
+                  <a:rPr lang="pt-BR" dirty="0"/>
+                  <a:t>sejam mínimos.</a:t>
+                </a:r>
+              </a:p>
+            </p:txBody>
+          </p:sp>
+        </mc:Choice>
+        <mc:Fallback>
+          <p:sp>
+            <p:nvSpPr>
+              <p:cNvPr id="3" name="Content Placeholder 2"/>
+              <p:cNvSpPr>
+                <a:spLocks noGrp="1" noRot="1" noChangeAspect="1" noMove="1" noResize="1" noEditPoints="1" noAdjustHandles="1" noChangeArrowheads="1" noChangeShapeType="1" noTextEdit="1"/>
+              </p:cNvSpPr>
+              <p:nvPr>
+                <p:ph idx="1"/>
+              </p:nvPr>
+            </p:nvSpPr>
+            <p:spPr>
+              <a:xfrm>
+                <a:off x="838199" y="4195783"/>
+                <a:ext cx="11006139" cy="2662217"/>
+              </a:xfrm>
+              <a:blipFill rotWithShape="0">
+                <a:blip r:embed="rId4"/>
+                <a:stretch>
+                  <a:fillRect l="-609" t="-4577" b="-3432"/>
+                </a:stretch>
+              </a:blipFill>
+            </p:spPr>
+            <p:txBody>
+              <a:bodyPr/>
+              <a:lstStyle/>
+              <a:p>
+                <a:r>
+                  <a:rPr lang="en-US">
+                    <a:noFill/>
+                  </a:rPr>
+                  <a:t> </a:t>
+                </a:r>
+              </a:p>
+            </p:txBody>
+          </p:sp>
+        </mc:Fallback>
+      </mc:AlternateContent>
       <p:sp>
         <p:nvSpPr>
           <p:cNvPr id="11" name="Rectangle 10"/>
@@ -6178,7 +6277,7 @@
           <a:p>
             <a:r>
               <a:rPr lang="pt-BR" dirty="0">
-                <a:hlinkClick r:id="rId4"/>
+                <a:hlinkClick r:id="rId5"/>
               </a:rPr>
               <a:t>Exemplo: validacao_cruzada.ipynb</a:t>
             </a:r>
@@ -6307,8 +6406,8 @@
         </p:nvSpPr>
         <p:spPr>
           <a:xfrm>
-            <a:off x="1250395" y="825935"/>
-            <a:ext cx="1632729" cy="338554"/>
+            <a:off x="1250396" y="825935"/>
+            <a:ext cx="3286230" cy="338554"/>
           </a:xfrm>
           <a:prstGeom prst="rect">
             <a:avLst/>
@@ -6324,9 +6423,17 @@
             <a:pPr algn="ctr"/>
             <a:r>
               <a:rPr lang="pt-BR" sz="1600" b="1" dirty="0" smtClean="0"/>
-              <a:t>Ponto ótimo</a:t>
-            </a:r>
-            <a:endParaRPr lang="pt-BR" sz="1600" b="1" dirty="0"/>
+              <a:t>Ponto </a:t>
+            </a:r>
+            <a:r>
+              <a:rPr lang="pt-BR" sz="1600" b="1" dirty="0" smtClean="0"/>
+              <a:t>ótimo </a:t>
+            </a:r>
+            <a:r>
+              <a:rPr lang="pt-BR" sz="1600" dirty="0" smtClean="0"/>
+              <a:t>(mudança de tendência)</a:t>
+            </a:r>
+            <a:endParaRPr lang="pt-BR" sz="1600" dirty="0"/>
           </a:p>
         </p:txBody>
       </p:sp>
@@ -6334,7 +6441,6 @@
         <p:nvCxnSpPr>
           <p:cNvPr id="17" name="Straight Arrow Connector 16"/>
           <p:cNvCxnSpPr>
-            <a:stCxn id="16" idx="2"/>
             <a:endCxn id="18" idx="7"/>
           </p:cNvCxnSpPr>
           <p:nvPr/>
@@ -6342,7 +6448,7 @@
         <p:spPr>
           <a:xfrm flipH="1">
             <a:off x="1675579" y="1164489"/>
-            <a:ext cx="391181" cy="954007"/>
+            <a:ext cx="391180" cy="954007"/>
           </a:xfrm>
           <a:prstGeom prst="straightConnector1">
             <a:avLst/>
@@ -6973,7 +7079,11 @@
             </a:r>
             <a:r>
               <a:rPr lang="pt-BR" dirty="0" smtClean="0"/>
-              <a:t>da média e do </a:t>
+              <a:t>dos valores da </a:t>
+            </a:r>
+            <a:r>
+              <a:rPr lang="pt-BR" dirty="0" smtClean="0"/>
+              <a:t>média e do </a:t>
             </a:r>
             <a:r>
               <a:rPr lang="pt-BR" dirty="0"/>
@@ -7008,7 +7118,11 @@
             </a:r>
             <a:r>
               <a:rPr lang="pt-BR" dirty="0" smtClean="0"/>
-              <a:t>13 minutos!</a:t>
+              <a:t>11 minutos</a:t>
+            </a:r>
+            <a:r>
+              <a:rPr lang="pt-BR" dirty="0" smtClean="0"/>
+              <a:t>!</a:t>
             </a:r>
             <a:endParaRPr lang="pt-BR" dirty="0"/>
           </a:p>
@@ -7146,8 +7260,16 @@
           <a:lstStyle/>
           <a:p>
             <a:r>
+              <a:rPr lang="pt-BR" dirty="0" smtClean="0"/>
+              <a:t>Qual ordem escolher</a:t>
+            </a:r>
+            <a:r>
+              <a:rPr lang="pt-BR" dirty="0" smtClean="0"/>
+              <a:t> </a:t>
+            </a:r>
+            <a:r>
               <a:rPr lang="pt-BR" dirty="0"/>
-              <a:t>E se os </a:t>
+              <a:t>se os </a:t>
             </a:r>
             <a:r>
               <a:rPr lang="pt-BR" dirty="0" smtClean="0"/>
@@ -7234,19 +7356,35 @@
             </a:r>
             <a:r>
               <a:rPr lang="pt-BR" dirty="0"/>
-              <a:t>, escolhemos modelos usando a</a:t>
+              <a:t>, </a:t>
+            </a:r>
+            <a:r>
+              <a:rPr lang="pt-BR" dirty="0" smtClean="0"/>
+              <a:t>usando </a:t>
+            </a:r>
+            <a:r>
+              <a:rPr lang="pt-BR" dirty="0"/>
+              <a:t>a</a:t>
             </a:r>
             <a:r>
               <a:rPr lang="pt-BR" dirty="0" smtClean="0"/>
               <a:t> </a:t>
             </a:r>
             <a:r>
-              <a:rPr lang="pt-BR" b="1" dirty="0"/>
-              <a:t>navalha de Occam</a:t>
-            </a:r>
-            <a:r>
-              <a:rPr lang="pt-BR" dirty="0"/>
-              <a:t>: escolhemos </a:t>
+              <a:rPr lang="pt-BR" b="1" i="1" dirty="0"/>
+              <a:t>navalha de </a:t>
+            </a:r>
+            <a:r>
+              <a:rPr lang="pt-BR" b="1" i="1" dirty="0" err="1" smtClean="0"/>
+              <a:t>Occam</a:t>
+            </a:r>
+            <a:r>
+              <a:rPr lang="pt-BR" i="1" dirty="0"/>
+              <a:t> </a:t>
+            </a:r>
+            <a:r>
+              <a:rPr lang="pt-BR" dirty="0" smtClean="0"/>
+              <a:t>escolhemos </a:t>
             </a:r>
             <a:r>
               <a:rPr lang="pt-BR" dirty="0" smtClean="0"/>
@@ -7400,8 +7538,8 @@
         </p:nvCxnSpPr>
         <p:spPr>
           <a:xfrm>
-            <a:off x="5769864" y="2459736"/>
-            <a:ext cx="2469080" cy="82296"/>
+            <a:off x="7810500" y="2413000"/>
+            <a:ext cx="428444" cy="129032"/>
           </a:xfrm>
           <a:prstGeom prst="straightConnector1">
             <a:avLst/>
@@ -7500,8 +7638,8 @@
         </p:nvSpPr>
         <p:spPr>
           <a:xfrm>
-            <a:off x="838200" y="1825624"/>
-            <a:ext cx="11149584" cy="5032376"/>
+            <a:off x="838199" y="1825624"/>
+            <a:ext cx="11212629" cy="5032376"/>
           </a:xfrm>
         </p:spPr>
         <p:txBody>
@@ -7651,44 +7789,64 @@
             <a:pPr lvl="1"/>
             <a:r>
               <a:rPr lang="pt-BR" dirty="0" smtClean="0"/>
-              <a:t>Entrega: 12/12/2021.</a:t>
-            </a:r>
+              <a:t>Entrega: </a:t>
+            </a:r>
+            <a:r>
+              <a:rPr lang="pt-BR" dirty="0" smtClean="0"/>
+              <a:t>26</a:t>
+            </a:r>
+            <a:r>
+              <a:rPr lang="pt-BR" dirty="0" smtClean="0"/>
+              <a:t>/06/2022.</a:t>
+            </a:r>
+            <a:endParaRPr lang="pt-BR" dirty="0" smtClean="0"/>
           </a:p>
           <a:p>
             <a:pPr lvl="1"/>
             <a:r>
               <a:rPr lang="pt-BR" dirty="0" smtClean="0"/>
-              <a:t>Vídeo com </a:t>
-            </a:r>
-            <a:r>
-              <a:rPr lang="pt-BR" dirty="0" smtClean="0"/>
-              <a:t>a explicação </a:t>
-            </a:r>
-            <a:r>
-              <a:rPr lang="pt-BR" dirty="0" smtClean="0"/>
-              <a:t>sobre o projeto se encontra na pasta “Projeto Final” </a:t>
-            </a:r>
-            <a:r>
-              <a:rPr lang="pt-BR" smtClean="0"/>
-              <a:t>em </a:t>
-            </a:r>
-            <a:r>
-              <a:rPr lang="pt-BR" smtClean="0"/>
-              <a:t>“Arquivos”.</a:t>
+              <a:t>Leiam </a:t>
+            </a:r>
+            <a:r>
+              <a:rPr lang="pt-BR" dirty="0"/>
+              <a:t>os enunciados atentamente</a:t>
+            </a:r>
+            <a:r>
+              <a:rPr lang="pt-BR" dirty="0" smtClean="0"/>
+              <a:t>.</a:t>
+            </a:r>
+          </a:p>
+          <a:p>
+            <a:pPr lvl="1"/>
+            <a:r>
+              <a:rPr lang="pt-BR" dirty="0" smtClean="0"/>
+              <a:t>Vídeo sobre </a:t>
+            </a:r>
+            <a:r>
+              <a:rPr lang="pt-BR" dirty="0"/>
+              <a:t>regularização </a:t>
+            </a:r>
+            <a:r>
+              <a:rPr lang="pt-BR" dirty="0" smtClean="0"/>
+              <a:t>já está disponível</a:t>
+            </a:r>
+            <a:r>
+              <a:rPr lang="pt-BR" dirty="0"/>
+              <a:t>: </a:t>
+            </a:r>
+            <a:r>
+              <a:rPr lang="pt-BR" dirty="0" smtClean="0"/>
+              <a:t>“T319 </a:t>
+            </a:r>
+            <a:r>
+              <a:rPr lang="pt-BR" dirty="0"/>
+              <a:t>- Aula #10 - Regressão Linear (Parte VI) - Regularização (2S2021</a:t>
+            </a:r>
+            <a:r>
+              <a:rPr lang="pt-BR" dirty="0" smtClean="0"/>
+              <a:t>)”</a:t>
             </a:r>
             <a:endParaRPr lang="pt-BR" dirty="0" smtClean="0"/>
-          </a:p>
-          <a:p>
-            <a:pPr lvl="1"/>
-            <a:r>
-              <a:rPr lang="pt-BR" dirty="0"/>
-              <a:t>Leiam os enunciados atentamente</a:t>
-            </a:r>
-            <a:r>
-              <a:rPr lang="pt-BR" dirty="0" smtClean="0"/>
-              <a:t>.</a:t>
-            </a:r>
-            <a:endParaRPr lang="pt-BR" dirty="0"/>
           </a:p>
         </p:txBody>
       </p:sp>
@@ -7734,7 +7892,7 @@
           <p:cNvPr id="4" name="Título 1">
             <a:extLst>
               <a:ext uri="{FF2B5EF4-FFF2-40B4-BE49-F238E27FC236}">
-                <a16:creationId xmlns="" xmlns:a16="http://schemas.microsoft.com/office/drawing/2014/main" id="{32666AC8-2E17-4DB4-B0F5-60C640CCFD2E}"/>
+                <a16:creationId xmlns:a16="http://schemas.microsoft.com/office/drawing/2014/main" xmlns="" id="{32666AC8-2E17-4DB4-B0F5-60C640CCFD2E}"/>
               </a:ext>
             </a:extLst>
           </p:cNvPr>
@@ -10453,7 +10611,15 @@
           <a:p>
             <a:r>
               <a:rPr lang="pt-BR" dirty="0" smtClean="0"/>
-              <a:t>Porém, precisamos encontrar a ordem ideal para o polinômio aproximador.</a:t>
+              <a:t>Porém, </a:t>
+            </a:r>
+            <a:r>
+              <a:rPr lang="pt-BR" b="1" i="1" dirty="0" smtClean="0"/>
+              <a:t>precisamos encontrar a ordem ideal para o polinômio aproximador</a:t>
+            </a:r>
+            <a:r>
+              <a:rPr lang="pt-BR" dirty="0" smtClean="0"/>
+              <a:t>.</a:t>
             </a:r>
           </a:p>
           <a:p>
@@ -10463,7 +10629,15 @@
             </a:pPr>
             <a:r>
               <a:rPr lang="pt-BR" dirty="0" smtClean="0"/>
-              <a:t>Polinômios de ordem baixa podem não têm flexibilidade o suficiente para aproximar os dados, o que causa </a:t>
+              <a:t>Polinômios de ordem baixa podem não </a:t>
+            </a:r>
+            <a:r>
+              <a:rPr lang="pt-BR" dirty="0" smtClean="0"/>
+              <a:t>ter flexibilidade </a:t>
+            </a:r>
+            <a:r>
+              <a:rPr lang="pt-BR" dirty="0" smtClean="0"/>
+              <a:t>o suficiente para aproximar os dados, o que causa </a:t>
             </a:r>
             <a:r>
               <a:rPr lang="pt-BR" b="1" i="1" dirty="0" smtClean="0"/>
@@ -10495,7 +10669,15 @@
           <a:p>
             <a:r>
               <a:rPr lang="pt-BR" dirty="0" smtClean="0"/>
-              <a:t>Hoje veremos como escolher a ordem da </a:t>
+              <a:t>Hoje veremos como escolher a </a:t>
+            </a:r>
+            <a:r>
+              <a:rPr lang="pt-BR" b="1" i="1" dirty="0" smtClean="0"/>
+              <a:t>ordem</a:t>
+            </a:r>
+            <a:r>
+              <a:rPr lang="pt-BR" dirty="0" smtClean="0"/>
+              <a:t> da </a:t>
             </a:r>
             <a:r>
               <a:rPr lang="pt-BR" b="1" i="1" dirty="0"/>
@@ -10745,7 +10927,19 @@
             </a:pPr>
             <a:r>
               <a:rPr lang="pt-BR" dirty="0" smtClean="0"/>
-              <a:t>Grau de generalização: capacidade de gerar saídas próximas às verdadeiras para exemplos não usados durante o treinamento (medido através do erro de validação).</a:t>
+              <a:t>Grau de generalização: capacidade de gerar saídas próximas às verdadeiras para exemplos não </a:t>
+            </a:r>
+            <a:r>
+              <a:rPr lang="pt-BR" dirty="0" smtClean="0"/>
+              <a:t>usados </a:t>
+            </a:r>
+            <a:r>
+              <a:rPr lang="pt-BR" dirty="0" smtClean="0"/>
+              <a:t>durante </a:t>
+            </a:r>
+            <a:r>
+              <a:rPr lang="pt-BR" dirty="0" smtClean="0"/>
+              <a:t>o treinamento (medido através do erro de validação).</a:t>
             </a:r>
           </a:p>
           <a:p>
@@ -10855,8 +11049,8 @@
         </p:nvSpPr>
         <p:spPr>
           <a:xfrm>
-            <a:off x="838200" y="1990514"/>
-            <a:ext cx="11131296" cy="4867486"/>
+            <a:off x="838200" y="2294632"/>
+            <a:ext cx="11131296" cy="4563367"/>
           </a:xfrm>
         </p:spPr>
         <p:txBody>
@@ -11040,7 +11234,7 @@
         </p:blipFill>
         <p:spPr>
           <a:xfrm>
-            <a:off x="3379196" y="205651"/>
+            <a:off x="3225192" y="365125"/>
             <a:ext cx="4834602" cy="1534243"/>
           </a:xfrm>
           <a:prstGeom prst="rect">
@@ -11071,8 +11265,8 @@
         </p:blipFill>
         <p:spPr bwMode="auto">
           <a:xfrm>
-            <a:off x="8936737" y="59960"/>
-            <a:ext cx="3140002" cy="1929508"/>
+            <a:off x="8489482" y="59959"/>
+            <a:ext cx="3587257" cy="2204343"/>
           </a:xfrm>
           <a:prstGeom prst="rect">
             <a:avLst/>
@@ -11315,7 +11509,11 @@
             </a:r>
             <a:r>
               <a:rPr lang="pt-BR" dirty="0" smtClean="0"/>
-              <a:t>flexibilidade e grau de generalização).</a:t>
+              <a:t>flexibilidade e grau de generalização</a:t>
+            </a:r>
+            <a:r>
+              <a:rPr lang="pt-BR" dirty="0" smtClean="0"/>
+              <a:t>) e com menor complexidade.</a:t>
             </a:r>
             <a:endParaRPr lang="pt-BR" dirty="0"/>
           </a:p>
@@ -11834,7 +12032,7 @@
         <p:spPr>
           <a:xfrm>
             <a:off x="8228030" y="921437"/>
-            <a:ext cx="1632729" cy="338554"/>
+            <a:ext cx="3392470" cy="338554"/>
           </a:xfrm>
           <a:prstGeom prst="rect">
             <a:avLst/>
@@ -11850,9 +12048,21 @@
             <a:pPr algn="ctr"/>
             <a:r>
               <a:rPr lang="pt-BR" sz="1600" b="1" dirty="0" smtClean="0"/>
-              <a:t>Ponto ótimo</a:t>
-            </a:r>
-            <a:endParaRPr lang="pt-BR" sz="1600" b="1" dirty="0"/>
+              <a:t>Ponto </a:t>
+            </a:r>
+            <a:r>
+              <a:rPr lang="pt-BR" sz="1600" b="1" dirty="0" smtClean="0"/>
+              <a:t>ótimo </a:t>
+            </a:r>
+            <a:r>
+              <a:rPr lang="pt-BR" sz="1600" dirty="0"/>
+              <a:t>(mudança de tendência</a:t>
+            </a:r>
+            <a:r>
+              <a:rPr lang="pt-BR" sz="1600" dirty="0" smtClean="0"/>
+              <a:t>)</a:t>
+            </a:r>
+            <a:endParaRPr lang="pt-BR" sz="1600" dirty="0"/>
           </a:p>
         </p:txBody>
       </p:sp>
@@ -12132,7 +12342,15 @@
             </a:r>
             <a:r>
               <a:rPr lang="pt-BR" sz="2400" dirty="0"/>
-              <a:t> folds para treinamento e </a:t>
+              <a:t> </a:t>
+            </a:r>
+            <a:r>
+              <a:rPr lang="pt-BR" sz="2400" i="1" dirty="0"/>
+              <a:t>folds</a:t>
+            </a:r>
+            <a:r>
+              <a:rPr lang="pt-BR" sz="2400" dirty="0"/>
+              <a:t> para treinamento e </a:t>
             </a:r>
             <a:r>
               <a:rPr lang="pt-BR" sz="2400" b="1" dirty="0"/>
@@ -12140,7 +12358,15 @@
             </a:r>
             <a:r>
               <a:rPr lang="pt-BR" sz="2400" dirty="0"/>
-              <a:t> fold </a:t>
+              <a:t> </a:t>
+            </a:r>
+            <a:r>
+              <a:rPr lang="pt-BR" sz="2400" i="1" dirty="0"/>
+              <a:t>fold</a:t>
+            </a:r>
+            <a:r>
+              <a:rPr lang="pt-BR" sz="2400" dirty="0"/>
+              <a:t> </a:t>
             </a:r>
             <a:r>
               <a:rPr lang="pt-BR" sz="2400" dirty="0" smtClean="0"/>
@@ -12415,6 +12641,41 @@
           </a:prstGeom>
         </p:spPr>
       </p:pic>
+      <p:sp>
+        <p:nvSpPr>
+          <p:cNvPr id="5" name="CaixaDeTexto 4"/>
+          <p:cNvSpPr txBox="1"/>
+          <p:nvPr/>
+        </p:nvSpPr>
+        <p:spPr>
+          <a:xfrm>
+            <a:off x="1254984" y="3821128"/>
+            <a:ext cx="1360967" cy="584775"/>
+          </a:xfrm>
+          <a:prstGeom prst="rect">
+            <a:avLst/>
+          </a:prstGeom>
+          <a:noFill/>
+        </p:spPr>
+        <p:txBody>
+          <a:bodyPr wrap="square" rtlCol="0">
+            <a:spAutoFit/>
+          </a:bodyPr>
+          <a:lstStyle/>
+          <a:p>
+            <a:pPr algn="ctr"/>
+            <a:r>
+              <a:rPr lang="pt-BR" sz="3200" b="1" dirty="0"/>
+              <a:t>k</a:t>
+            </a:r>
+            <a:r>
+              <a:rPr lang="pt-BR" sz="3200" b="1" dirty="0" smtClean="0"/>
+              <a:t> = 5</a:t>
+            </a:r>
+            <a:endParaRPr lang="en-US" sz="3200" b="1" dirty="0"/>
+          </a:p>
+        </p:txBody>
+      </p:sp>
     </p:spTree>
     <p:extLst>
       <p:ext uri="{BB962C8B-B14F-4D97-AF65-F5344CB8AC3E}">
@@ -12739,7 +13000,7 @@
         </p:nvSpPr>
         <p:spPr>
           <a:xfrm>
-            <a:off x="838198" y="4148573"/>
+            <a:off x="838198" y="4191105"/>
             <a:ext cx="11182005" cy="2651371"/>
           </a:xfrm>
         </p:spPr>
@@ -12783,7 +13044,15 @@
           <a:p>
             <a:r>
               <a:rPr lang="pt-BR" dirty="0"/>
-              <a:t>Tempo médio para execução com N = 100 exemplos é de aproximadamente 1.9 s</a:t>
+              <a:t>Tempo médio para execução com N = 100 exemplos é de aproximadamente </a:t>
+            </a:r>
+            <a:r>
+              <a:rPr lang="pt-BR" dirty="0" smtClean="0"/>
+              <a:t>1.5 </a:t>
+            </a:r>
+            <a:r>
+              <a:rPr lang="pt-BR" dirty="0"/>
+              <a:t>s</a:t>
             </a:r>
             <a:r>
               <a:rPr lang="pt-BR" dirty="0" smtClean="0"/>
@@ -12936,7 +13205,7 @@
         <p:spPr>
           <a:xfrm>
             <a:off x="9039433" y="1106444"/>
-            <a:ext cx="3139439" cy="2893100"/>
+            <a:ext cx="3139439" cy="3108543"/>
           </a:xfrm>
           <a:prstGeom prst="rect">
             <a:avLst/>
@@ -12975,8 +13244,21 @@
             <a:pPr algn="ctr"/>
             <a:r>
               <a:rPr lang="pt-BR" sz="1400" dirty="0" smtClean="0"/>
-              <a:t>Em teoria, a variância do erro de treinamento deve ser muito baixa e a variância do erro de validação muito alta para modelos com alto grau de flexibilidade.</a:t>
-            </a:r>
+              <a:t>Em teoria, a variância do erro de treinamento deve ser muito baixa e a variância do erro de validação muito alta para modelos com alto grau de </a:t>
+            </a:r>
+            <a:r>
+              <a:rPr lang="pt-BR" sz="1400" dirty="0" smtClean="0"/>
+              <a:t>flexibilidade (</a:t>
+            </a:r>
+            <a:r>
+              <a:rPr lang="pt-BR" sz="1400" b="1" i="1" dirty="0" err="1" smtClean="0"/>
+              <a:t>sobreajuste</a:t>
+            </a:r>
+            <a:r>
+              <a:rPr lang="pt-BR" sz="1400" dirty="0" smtClean="0"/>
+              <a:t>).</a:t>
+            </a:r>
+            <a:endParaRPr lang="pt-BR" sz="1400" dirty="0" smtClean="0"/>
           </a:p>
           <a:p>
             <a:pPr algn="ctr"/>
@@ -12986,7 +13268,19 @@
             <a:pPr algn="ctr"/>
             <a:r>
               <a:rPr lang="pt-BR" sz="1400" dirty="0" smtClean="0"/>
-              <a:t>No caso de baixo grau de flexibilidade, ambas as variâncias são altas.</a:t>
+              <a:t>No caso de baixo grau de flexibilidade, ambas as variâncias são </a:t>
+            </a:r>
+            <a:r>
+              <a:rPr lang="pt-BR" sz="1400" dirty="0" smtClean="0"/>
+              <a:t>altas (</a:t>
+            </a:r>
+            <a:r>
+              <a:rPr lang="pt-BR" sz="1400" b="1" dirty="0" err="1" smtClean="0"/>
+              <a:t>subajuste</a:t>
+            </a:r>
+            <a:r>
+              <a:rPr lang="pt-BR" sz="1400" dirty="0" smtClean="0"/>
+              <a:t>).</a:t>
             </a:r>
             <a:endParaRPr lang="pt-BR" sz="1400" dirty="0"/>
           </a:p>
@@ -13268,7 +13562,7 @@
         <p:spPr>
           <a:xfrm>
             <a:off x="1786926" y="923242"/>
-            <a:ext cx="1632729" cy="338554"/>
+            <a:ext cx="3279414" cy="338554"/>
           </a:xfrm>
           <a:prstGeom prst="rect">
             <a:avLst/>
@@ -13284,9 +13578,21 @@
             <a:pPr algn="ctr"/>
             <a:r>
               <a:rPr lang="pt-BR" sz="1600" b="1" dirty="0" smtClean="0"/>
-              <a:t>Ponto ótimo</a:t>
-            </a:r>
-            <a:endParaRPr lang="pt-BR" sz="1600" b="1" dirty="0"/>
+              <a:t>Ponto </a:t>
+            </a:r>
+            <a:r>
+              <a:rPr lang="pt-BR" sz="1600" b="1" dirty="0" smtClean="0"/>
+              <a:t>ótimo </a:t>
+            </a:r>
+            <a:r>
+              <a:rPr lang="pt-BR" sz="1600" dirty="0"/>
+              <a:t>(mudança de tendência</a:t>
+            </a:r>
+            <a:r>
+              <a:rPr lang="pt-BR" sz="1600" dirty="0" smtClean="0"/>
+              <a:t>)</a:t>
+            </a:r>
+            <a:endParaRPr lang="pt-BR" sz="1600" dirty="0"/>
           </a:p>
         </p:txBody>
       </p:sp>
@@ -13294,15 +13600,14 @@
         <p:nvCxnSpPr>
           <p:cNvPr id="27" name="Straight Arrow Connector 26"/>
           <p:cNvCxnSpPr>
-            <a:stCxn id="26" idx="2"/>
             <a:endCxn id="28" idx="7"/>
           </p:cNvCxnSpPr>
           <p:nvPr/>
         </p:nvCxnSpPr>
         <p:spPr>
           <a:xfrm flipH="1">
-            <a:off x="2280178" y="1261796"/>
-            <a:ext cx="323113" cy="1038128"/>
+            <a:off x="2280178" y="1231264"/>
+            <a:ext cx="221722" cy="1068660"/>
           </a:xfrm>
           <a:prstGeom prst="straightConnector1">
             <a:avLst/>
@@ -13471,15 +13776,14 @@
         <p:nvCxnSpPr>
           <p:cNvPr id="49" name="Straight Arrow Connector 48"/>
           <p:cNvCxnSpPr>
-            <a:stCxn id="26" idx="2"/>
             <a:endCxn id="48" idx="1"/>
           </p:cNvCxnSpPr>
           <p:nvPr/>
         </p:nvCxnSpPr>
         <p:spPr>
           <a:xfrm>
-            <a:off x="2603291" y="1261796"/>
-            <a:ext cx="3592325" cy="1080005"/>
+            <a:off x="2501900" y="1231264"/>
+            <a:ext cx="3693716" cy="1110537"/>
           </a:xfrm>
           <a:prstGeom prst="straightConnector1">
             <a:avLst/>
@@ -13654,8 +13958,8 @@
           </a:p>
         </p:txBody>
       </p:sp>
-      <mc:AlternateContent xmlns:mc="http://schemas.openxmlformats.org/markup-compatibility/2006" xmlns:a14="http://schemas.microsoft.com/office/drawing/2010/main">
-        <mc:Choice Requires="a14">
+      <mc:AlternateContent xmlns:mc="http://schemas.openxmlformats.org/markup-compatibility/2006">
+        <mc:Choice xmlns:a14="http://schemas.microsoft.com/office/drawing/2010/main" Requires="a14">
           <p:sp>
             <p:nvSpPr>
               <p:cNvPr id="3" name="Content Placeholder 2"/>
@@ -13668,8 +13972,8 @@
             </p:nvSpPr>
             <p:spPr>
               <a:xfrm>
-                <a:off x="838199" y="1306654"/>
-                <a:ext cx="11134726" cy="5465618"/>
+                <a:off x="838198" y="1306654"/>
+                <a:ext cx="11240387" cy="5551346"/>
               </a:xfrm>
             </p:spPr>
             <p:txBody>
@@ -13909,7 +14213,15 @@
                 </a:r>
                 <a:r>
                   <a:rPr lang="pt-BR" dirty="0" smtClean="0"/>
-                  <a:t>conjuntos treinamento/teste, portanto, a complexidade computacional desta estratégia aumenta drasticamente com o aumento de </a:t>
+                  <a:t>conjuntos </a:t>
+                </a:r>
+                <a:r>
+                  <a:rPr lang="pt-BR" dirty="0" smtClean="0"/>
+                  <a:t>treinamento/validação, </a:t>
+                </a:r>
+                <a:r>
+                  <a:rPr lang="pt-BR" dirty="0" smtClean="0"/>
+                  <a:t>portanto, a complexidade computacional desta estratégia aumenta drasticamente com o aumento de </a:t>
                 </a:r>
                 <a:r>
                   <a:rPr lang="pt-BR" b="1" i="1" dirty="0" smtClean="0"/>
@@ -13952,7 +14264,19 @@
                 </a:r>
                 <a:r>
                   <a:rPr lang="pt-BR" sz="2500" dirty="0" smtClean="0"/>
-                  <a:t>-&gt; 100 combinações</a:t>
+                  <a:t>-&gt; 100 </a:t>
+                </a:r>
+                <a:r>
+                  <a:rPr lang="pt-BR" sz="2500" dirty="0" smtClean="0"/>
+                  <a:t>combinações, ou sej</a:t>
+                </a:r>
+                <a:r>
+                  <a:rPr lang="pt-BR" sz="2500" dirty="0" smtClean="0"/>
+                  <a:t>a, 100 treinamentos e validações</a:t>
+                </a:r>
+                <a:r>
+                  <a:rPr lang="pt-BR" sz="2500" dirty="0" smtClean="0"/>
+                  <a:t>.</a:t>
                 </a:r>
                 <a:endParaRPr lang="pt-BR" sz="2500" dirty="0"/>
               </a:p>
@@ -13968,8 +14292,21 @@
                 </a:r>
                 <a:r>
                   <a:rPr lang="pt-BR" sz="2500" dirty="0"/>
-                  <a:t>combinações</a:t>
+                  <a:t>combinações , ou seja, </a:t>
                 </a:r>
+                <a:r>
+                  <a:rPr lang="pt-BR" sz="2500" dirty="0" smtClean="0"/>
+                  <a:t>4.950 treinamentos </a:t>
+                </a:r>
+                <a:r>
+                  <a:rPr lang="pt-BR" sz="2500" dirty="0"/>
+                  <a:t>e </a:t>
+                </a:r>
+                <a:r>
+                  <a:rPr lang="pt-BR" sz="2500" dirty="0" smtClean="0"/>
+                  <a:t>validações.</a:t>
+                </a:r>
+                <a:endParaRPr lang="pt-BR" sz="2500" dirty="0"/>
               </a:p>
               <a:p>
                 <a:pPr lvl="1"/>
@@ -13995,7 +14332,23 @@
                 </a:r>
                 <a:r>
                   <a:rPr lang="pt-BR" sz="2500" dirty="0"/>
-                  <a:t>combinações</a:t>
+                  <a:t>combinações , ou seja, </a:t>
+                </a:r>
+                <a:r>
+                  <a:rPr lang="pt-BR" altLang="pt-BR" sz="2500" dirty="0"/>
+                  <a:t>75.287.520 </a:t>
+                </a:r>
+                <a:r>
+                  <a:rPr lang="pt-BR" sz="2500" dirty="0" smtClean="0"/>
+                  <a:t>treinamentos </a:t>
+                </a:r>
+                <a:r>
+                  <a:rPr lang="pt-BR" sz="2500" dirty="0"/>
+                  <a:t>e </a:t>
+                </a:r>
+                <a:r>
+                  <a:rPr lang="pt-BR" sz="2500" dirty="0" smtClean="0"/>
+                  <a:t>validações.</a:t>
                 </a:r>
                 <a:endParaRPr lang="pt-BR" altLang="pt-BR" sz="2500" dirty="0"/>
               </a:p>
@@ -14111,7 +14464,7 @@
             </p:txBody>
           </p:sp>
         </mc:Choice>
-        <mc:Fallback xmlns="">
+        <mc:Fallback>
           <p:sp>
             <p:nvSpPr>
               <p:cNvPr id="3" name="Content Placeholder 2"/>
@@ -14124,13 +14477,13 @@
             </p:nvSpPr>
             <p:spPr>
               <a:xfrm>
-                <a:off x="838199" y="1306654"/>
-                <a:ext cx="11134726" cy="5465618"/>
+                <a:off x="838198" y="1306654"/>
+                <a:ext cx="11240387" cy="5551346"/>
               </a:xfrm>
               <a:blipFill rotWithShape="0">
                 <a:blip r:embed="rId3"/>
                 <a:stretch>
-                  <a:fillRect l="-821" t="-2564" r="-657" b="-2453"/>
+                  <a:fillRect l="-813" t="-2525" b="-878"/>
                 </a:stretch>
               </a:blipFill>
             </p:spPr>
@@ -14139,7 +14492,7 @@
               <a:lstStyle/>
               <a:p>
                 <a:r>
-                  <a:rPr lang="pt-BR">
+                  <a:rPr lang="en-US">
                     <a:noFill/>
                   </a:rPr>
                   <a:t> </a:t>
@@ -14157,7 +14510,7 @@
         </p:nvSpPr>
         <p:spPr>
           <a:xfrm>
-            <a:off x="7515224" y="2300287"/>
+            <a:off x="1805540" y="2300287"/>
             <a:ext cx="3086101" cy="523220"/>
           </a:xfrm>
           <a:prstGeom prst="rect">
@@ -14188,6 +14541,42 @@
           </a:p>
         </p:txBody>
       </p:sp>
+      <p:cxnSp>
+        <p:nvCxnSpPr>
+          <p:cNvPr id="6" name="Conector de seta reta 5"/>
+          <p:cNvCxnSpPr/>
+          <p:nvPr/>
+        </p:nvCxnSpPr>
+        <p:spPr>
+          <a:xfrm flipV="1">
+            <a:off x="4720856" y="2535591"/>
+            <a:ext cx="637954" cy="52612"/>
+          </a:xfrm>
+          <a:prstGeom prst="straightConnector1">
+            <a:avLst/>
+          </a:prstGeom>
+          <a:ln>
+            <a:solidFill>
+              <a:srgbClr val="FF0000"/>
+            </a:solidFill>
+            <a:tailEnd type="triangle"/>
+          </a:ln>
+        </p:spPr>
+        <p:style>
+          <a:lnRef idx="1">
+            <a:schemeClr val="accent1"/>
+          </a:lnRef>
+          <a:fillRef idx="0">
+            <a:schemeClr val="accent1"/>
+          </a:fillRef>
+          <a:effectRef idx="0">
+            <a:schemeClr val="accent1"/>
+          </a:effectRef>
+          <a:fontRef idx="minor">
+            <a:schemeClr val="tx1"/>
+          </a:fontRef>
+        </p:style>
+      </p:cxnSp>
     </p:spTree>
     <p:extLst>
       <p:ext uri="{BB962C8B-B14F-4D97-AF65-F5344CB8AC3E}">

--- a/slides/T319_Regressão_Linear (Parte V).pptx
+++ b/slides/T319_Regressão_Linear (Parte V).pptx
@@ -541,7 +541,7 @@
           <a:p>
             <a:fld id="{DAF0AF11-6A8A-4E64-94F5-26D4FBA2A01D}" type="datetimeFigureOut">
               <a:rPr lang="nl-BE" smtClean="0"/>
-              <a:t>10/06/2022</a:t>
+              <a:t>18/11/2022</a:t>
             </a:fld>
             <a:endParaRPr lang="nl-BE"/>
           </a:p>
@@ -951,11 +951,7 @@
             </a:r>
             <a:r>
               <a:rPr lang="pt-BR" dirty="0" smtClean="0"/>
-              <a:t>https://</a:t>
-            </a:r>
-            <a:r>
-              <a:rPr lang="pt-BR" dirty="0" smtClean="0"/>
-              <a:t>mybinder.org/v2/gh/zz4fap/t319_aprendizado_de_maquina/main?filepath=notebooks%2Fregression%2Fvalidacao_cruzada.ipynb</a:t>
+              <a:t>https://mybinder.org/v2/gh/zz4fap/t319_aprendizado_de_maquina/main?filepath=notebooks%2Fregression%2Fvalidacao_cruzada.ipynb</a:t>
             </a:r>
           </a:p>
           <a:p>
@@ -983,7 +979,6 @@
               <a:rPr lang="pt-BR" dirty="0" smtClean="0"/>
               <a:t>Exemplo: https://colab.research.google.com/github/zz4fap/t319_aprendizado_de_maquina/blob/main/notebooks/regression/validacao_cruzada.ipynb</a:t>
             </a:r>
-            <a:endParaRPr lang="pt-BR" dirty="0" smtClean="0"/>
           </a:p>
           <a:p>
             <a:endParaRPr lang="pt-BR" dirty="0"/>
@@ -3036,7 +3031,7 @@
           <a:p>
             <a:fld id="{C80E15A5-E95B-43EB-9AC7-9A96397448C0}" type="datetimeFigureOut">
               <a:rPr lang="nl-BE" smtClean="0"/>
-              <a:t>10/06/2022</a:t>
+              <a:t>18/11/2022</a:t>
             </a:fld>
             <a:endParaRPr lang="nl-BE"/>
           </a:p>
@@ -3206,7 +3201,7 @@
           <a:p>
             <a:fld id="{C80E15A5-E95B-43EB-9AC7-9A96397448C0}" type="datetimeFigureOut">
               <a:rPr lang="nl-BE" smtClean="0"/>
-              <a:t>10/06/2022</a:t>
+              <a:t>18/11/2022</a:t>
             </a:fld>
             <a:endParaRPr lang="nl-BE"/>
           </a:p>
@@ -3386,7 +3381,7 @@
           <a:p>
             <a:fld id="{C80E15A5-E95B-43EB-9AC7-9A96397448C0}" type="datetimeFigureOut">
               <a:rPr lang="nl-BE" smtClean="0"/>
-              <a:t>10/06/2022</a:t>
+              <a:t>18/11/2022</a:t>
             </a:fld>
             <a:endParaRPr lang="nl-BE"/>
           </a:p>
@@ -3556,7 +3551,7 @@
           <a:p>
             <a:fld id="{C80E15A5-E95B-43EB-9AC7-9A96397448C0}" type="datetimeFigureOut">
               <a:rPr lang="nl-BE" smtClean="0"/>
-              <a:t>10/06/2022</a:t>
+              <a:t>18/11/2022</a:t>
             </a:fld>
             <a:endParaRPr lang="nl-BE"/>
           </a:p>
@@ -3802,7 +3797,7 @@
           <a:p>
             <a:fld id="{C80E15A5-E95B-43EB-9AC7-9A96397448C0}" type="datetimeFigureOut">
               <a:rPr lang="nl-BE" smtClean="0"/>
-              <a:t>10/06/2022</a:t>
+              <a:t>18/11/2022</a:t>
             </a:fld>
             <a:endParaRPr lang="nl-BE"/>
           </a:p>
@@ -4034,7 +4029,7 @@
           <a:p>
             <a:fld id="{C80E15A5-E95B-43EB-9AC7-9A96397448C0}" type="datetimeFigureOut">
               <a:rPr lang="nl-BE" smtClean="0"/>
-              <a:t>10/06/2022</a:t>
+              <a:t>18/11/2022</a:t>
             </a:fld>
             <a:endParaRPr lang="nl-BE"/>
           </a:p>
@@ -4401,7 +4396,7 @@
           <a:p>
             <a:fld id="{C80E15A5-E95B-43EB-9AC7-9A96397448C0}" type="datetimeFigureOut">
               <a:rPr lang="nl-BE" smtClean="0"/>
-              <a:t>10/06/2022</a:t>
+              <a:t>18/11/2022</a:t>
             </a:fld>
             <a:endParaRPr lang="nl-BE"/>
           </a:p>
@@ -4519,7 +4514,7 @@
           <a:p>
             <a:fld id="{C80E15A5-E95B-43EB-9AC7-9A96397448C0}" type="datetimeFigureOut">
               <a:rPr lang="nl-BE" smtClean="0"/>
-              <a:t>10/06/2022</a:t>
+              <a:t>18/11/2022</a:t>
             </a:fld>
             <a:endParaRPr lang="nl-BE"/>
           </a:p>
@@ -4614,7 +4609,7 @@
           <a:p>
             <a:fld id="{C80E15A5-E95B-43EB-9AC7-9A96397448C0}" type="datetimeFigureOut">
               <a:rPr lang="nl-BE" smtClean="0"/>
-              <a:t>10/06/2022</a:t>
+              <a:t>18/11/2022</a:t>
             </a:fld>
             <a:endParaRPr lang="nl-BE"/>
           </a:p>
@@ -4891,7 +4886,7 @@
           <a:p>
             <a:fld id="{C80E15A5-E95B-43EB-9AC7-9A96397448C0}" type="datetimeFigureOut">
               <a:rPr lang="nl-BE" smtClean="0"/>
-              <a:t>10/06/2022</a:t>
+              <a:t>18/11/2022</a:t>
             </a:fld>
             <a:endParaRPr lang="nl-BE"/>
           </a:p>
@@ -5144,7 +5139,7 @@
           <a:p>
             <a:fld id="{C80E15A5-E95B-43EB-9AC7-9A96397448C0}" type="datetimeFigureOut">
               <a:rPr lang="nl-BE" smtClean="0"/>
-              <a:t>10/06/2022</a:t>
+              <a:t>18/11/2022</a:t>
             </a:fld>
             <a:endParaRPr lang="nl-BE"/>
           </a:p>
@@ -5357,7 +5352,7 @@
           <a:p>
             <a:fld id="{C80E15A5-E95B-43EB-9AC7-9A96397448C0}" type="datetimeFigureOut">
               <a:rPr lang="nl-BE" smtClean="0"/>
-              <a:t>10/06/2022</a:t>
+              <a:t>18/11/2022</a:t>
             </a:fld>
             <a:endParaRPr lang="nl-BE"/>
           </a:p>
@@ -6039,8 +6034,8 @@
           </a:p>
         </p:txBody>
       </p:sp>
-      <mc:AlternateContent xmlns:mc="http://schemas.openxmlformats.org/markup-compatibility/2006">
-        <mc:Choice xmlns:a14="http://schemas.microsoft.com/office/drawing/2010/main" Requires="a14">
+      <mc:AlternateContent xmlns:mc="http://schemas.openxmlformats.org/markup-compatibility/2006" xmlns:a14="http://schemas.microsoft.com/office/drawing/2010/main">
+        <mc:Choice Requires="a14">
           <p:sp>
             <p:nvSpPr>
               <p:cNvPr id="3" name="Content Placeholder 2"/>
@@ -6126,15 +6121,7 @@
                 </a:r>
                 <a:r>
                   <a:rPr lang="pt-BR" dirty="0" smtClean="0"/>
-                  <a:t>700 </a:t>
-                </a:r>
-                <a:r>
-                  <a:rPr lang="pt-BR" dirty="0" smtClean="0"/>
-                  <a:t>[s] </a:t>
-                </a:r>
-                <a:r>
-                  <a:rPr lang="pt-BR" dirty="0" smtClean="0"/>
-                  <a:t>(</a:t>
+                  <a:t>700 [s] (</a:t>
                 </a:r>
                 <a14:m>
                   <m:oMath xmlns:m="http://schemas.openxmlformats.org/officeDocument/2006/math">
@@ -6149,11 +6136,7 @@
                 </a14:m>
                 <a:r>
                   <a:rPr lang="pt-BR" dirty="0" smtClean="0"/>
-                  <a:t> 12 [m</a:t>
-                </a:r>
-                <a:r>
-                  <a:rPr lang="pt-BR" dirty="0" smtClean="0"/>
-                  <a:t>]).</a:t>
+                  <a:t> 12 [m]).</a:t>
                 </a:r>
                 <a:endParaRPr lang="pt-BR" dirty="0"/>
               </a:p>
@@ -6216,7 +6199,7 @@
             </p:txBody>
           </p:sp>
         </mc:Choice>
-        <mc:Fallback>
+        <mc:Fallback xmlns="">
           <p:sp>
             <p:nvSpPr>
               <p:cNvPr id="3" name="Content Placeholder 2"/>
@@ -6423,11 +6406,7 @@
             <a:pPr algn="ctr"/>
             <a:r>
               <a:rPr lang="pt-BR" sz="1600" b="1" dirty="0" smtClean="0"/>
-              <a:t>Ponto </a:t>
-            </a:r>
-            <a:r>
-              <a:rPr lang="pt-BR" sz="1600" b="1" dirty="0" smtClean="0"/>
-              <a:t>ótimo </a:t>
+              <a:t>Ponto ótimo </a:t>
             </a:r>
             <a:r>
               <a:rPr lang="pt-BR" sz="1600" dirty="0" smtClean="0"/>
@@ -7079,11 +7058,7 @@
             </a:r>
             <a:r>
               <a:rPr lang="pt-BR" dirty="0" smtClean="0"/>
-              <a:t>dos valores da </a:t>
-            </a:r>
-            <a:r>
-              <a:rPr lang="pt-BR" dirty="0" smtClean="0"/>
-              <a:t>média e do </a:t>
+              <a:t>dos valores da média e do </a:t>
             </a:r>
             <a:r>
               <a:rPr lang="pt-BR" dirty="0"/>
@@ -7118,11 +7093,7 @@
             </a:r>
             <a:r>
               <a:rPr lang="pt-BR" dirty="0" smtClean="0"/>
-              <a:t>11 minutos</a:t>
-            </a:r>
-            <a:r>
-              <a:rPr lang="pt-BR" dirty="0" smtClean="0"/>
-              <a:t>!</a:t>
+              <a:t>11 minutos!</a:t>
             </a:r>
             <a:endParaRPr lang="pt-BR" dirty="0"/>
           </a:p>
@@ -7261,11 +7232,7 @@
           <a:p>
             <a:r>
               <a:rPr lang="pt-BR" dirty="0" smtClean="0"/>
-              <a:t>Qual ordem escolher</a:t>
-            </a:r>
-            <a:r>
-              <a:rPr lang="pt-BR" dirty="0" smtClean="0"/>
-              <a:t> </a:t>
+              <a:t>Qual ordem escolher </a:t>
             </a:r>
             <a:r>
               <a:rPr lang="pt-BR" dirty="0"/>
@@ -7384,11 +7351,7 @@
             </a:r>
             <a:r>
               <a:rPr lang="pt-BR" dirty="0" smtClean="0"/>
-              <a:t>escolhemos </a:t>
-            </a:r>
-            <a:r>
-              <a:rPr lang="pt-BR" dirty="0" smtClean="0"/>
-              <a:t>a </a:t>
+              <a:t>escolhemos a </a:t>
             </a:r>
             <a:r>
               <a:rPr lang="pt-BR" b="1" i="1" dirty="0" smtClean="0"/>
@@ -7644,7 +7607,7 @@
         </p:spPr>
         <p:txBody>
           <a:bodyPr>
-            <a:normAutofit/>
+            <a:normAutofit fontScale="92500"/>
           </a:bodyPr>
           <a:lstStyle/>
           <a:p>
@@ -7713,7 +7676,15 @@
             </a:pPr>
             <a:r>
               <a:rPr lang="pt-BR" dirty="0"/>
-              <a:t>Pode ser baixado do MS Teams ou do GitHub.</a:t>
+              <a:t>Pode ser acessado através do link acima (Google </a:t>
+            </a:r>
+            <a:r>
+              <a:rPr lang="pt-BR" dirty="0" err="1"/>
+              <a:t>Colab</a:t>
+            </a:r>
+            <a:r>
+              <a:rPr lang="pt-BR" dirty="0"/>
+              <a:t>) ou no GitHub.</a:t>
             </a:r>
           </a:p>
           <a:p>
@@ -7723,8 +7694,13 @@
             </a:pPr>
             <a:r>
               <a:rPr lang="pt-BR" dirty="0"/>
-              <a:t>Pode ser respondido através do link acima (na nuvem) ou localmente.</a:t>
-            </a:r>
+              <a:t>Vídeo explicando o laboratório: Arquivos -&gt; Material de Aula -&gt; Laboratório </a:t>
+            </a:r>
+            <a:r>
+              <a:rPr lang="pt-BR" dirty="0" smtClean="0"/>
+              <a:t>#6</a:t>
+            </a:r>
+            <a:endParaRPr lang="pt-BR" dirty="0"/>
           </a:p>
           <a:p>
             <a:pPr lvl="1">
@@ -7732,13 +7708,23 @@
               <a:buChar char="§"/>
             </a:pPr>
             <a:r>
+              <a:rPr lang="pt-BR" dirty="0"/>
+              <a:t>Se atentem aos prazos de entrega.</a:t>
+            </a:r>
+          </a:p>
+          <a:p>
+            <a:pPr lvl="1">
+              <a:buFont typeface="Wingdings" panose="05000000000000000000" pitchFamily="2" charset="2"/>
+              <a:buChar char="§"/>
+            </a:pPr>
+            <a:r>
               <a:rPr lang="pt-BR" dirty="0">
                 <a:hlinkClick r:id="rId4"/>
               </a:rPr>
               <a:t>Instruções para resolução e entrega dos laboratórios</a:t>
             </a:r>
             <a:r>
-              <a:rPr lang="pt-BR" dirty="0" smtClean="0"/>
+              <a:rPr lang="pt-BR" dirty="0"/>
               <a:t>.</a:t>
             </a:r>
           </a:p>
@@ -7753,53 +7739,45 @@
                   <a:srgbClr val="FF0000"/>
                 </a:solidFill>
               </a:rPr>
-              <a:t>Laboratórios podem ser feitos em grupo, mas as entregas devem ser individuais</a:t>
-            </a:r>
+              <a:t>Laboratórios podem ser resolvidos em grupo, mas as entregas devem ser individuais.</a:t>
+            </a:r>
+            <a:endParaRPr lang="pt-BR" b="1" dirty="0" smtClean="0">
+              <a:solidFill>
+                <a:srgbClr val="FF0000"/>
+              </a:solidFill>
+            </a:endParaRPr>
+          </a:p>
+          <a:p>
+            <a:r>
+              <a:rPr lang="pt-BR" b="1" dirty="0" smtClean="0"/>
+              <a:t>Projeto Final</a:t>
+            </a:r>
+          </a:p>
+          <a:p>
+            <a:pPr lvl="1"/>
+            <a:r>
+              <a:rPr lang="pt-BR" dirty="0" smtClean="0"/>
+              <a:t>Projeto </a:t>
+            </a:r>
+            <a:r>
+              <a:rPr lang="pt-BR" dirty="0"/>
+              <a:t>pode ser feito em grupo de no máximo 3 alunos</a:t>
+            </a:r>
+            <a:r>
+              <a:rPr lang="pt-BR" dirty="0" smtClean="0"/>
+              <a:t>.</a:t>
+            </a:r>
+          </a:p>
+          <a:p>
+            <a:pPr lvl="1"/>
             <a:r>
               <a:rPr lang="pt-BR" b="1" dirty="0" smtClean="0">
                 <a:solidFill>
-                  <a:srgbClr val="FF0000"/>
+                  <a:srgbClr val="00B050"/>
                 </a:solidFill>
               </a:rPr>
-              <a:t>.</a:t>
-            </a:r>
-          </a:p>
-          <a:p>
-            <a:r>
-              <a:rPr lang="pt-BR" b="1" dirty="0" smtClean="0"/>
-              <a:t>Projeto Final</a:t>
-            </a:r>
-          </a:p>
-          <a:p>
-            <a:pPr lvl="1"/>
-            <a:r>
-              <a:rPr lang="pt-BR" dirty="0" smtClean="0"/>
-              <a:t>Projeto </a:t>
-            </a:r>
-            <a:r>
-              <a:rPr lang="pt-BR" dirty="0"/>
-              <a:t>pode ser feito em grupo de no máximo 3 alunos</a:t>
-            </a:r>
-            <a:r>
-              <a:rPr lang="pt-BR" dirty="0" smtClean="0"/>
-              <a:t>.</a:t>
-            </a:r>
-          </a:p>
-          <a:p>
-            <a:pPr lvl="1"/>
-            <a:r>
-              <a:rPr lang="pt-BR" dirty="0" smtClean="0"/>
-              <a:t>Entrega: </a:t>
-            </a:r>
-            <a:r>
-              <a:rPr lang="pt-BR" dirty="0" smtClean="0"/>
-              <a:t>26</a:t>
-            </a:r>
-            <a:r>
-              <a:rPr lang="pt-BR" dirty="0" smtClean="0"/>
-              <a:t>/06/2022.</a:t>
-            </a:r>
-            <a:endParaRPr lang="pt-BR" dirty="0" smtClean="0"/>
+              <a:t>Entrega: 11/12/2022 até às 23:59.</a:t>
+            </a:r>
           </a:p>
           <a:p>
             <a:pPr lvl="1"/>
@@ -7832,21 +7810,28 @@
             </a:r>
             <a:r>
               <a:rPr lang="pt-BR" dirty="0"/>
-              <a:t>: </a:t>
-            </a:r>
-            <a:r>
-              <a:rPr lang="pt-BR" dirty="0" smtClean="0"/>
-              <a:t>“T319 </a:t>
-            </a:r>
-            <a:r>
-              <a:rPr lang="pt-BR" dirty="0"/>
-              <a:t>- Aula #10 - Regressão Linear (Parte VI) - Regularização (2S2021</a:t>
-            </a:r>
-            <a:r>
-              <a:rPr lang="pt-BR" dirty="0" smtClean="0"/>
-              <a:t>)”</a:t>
-            </a:r>
-            <a:endParaRPr lang="pt-BR" dirty="0" smtClean="0"/>
+              <a:t> na pasta </a:t>
+            </a:r>
+            <a:r>
+              <a:rPr lang="pt-BR" dirty="0" smtClean="0"/>
+              <a:t>“</a:t>
+            </a:r>
+            <a:r>
+              <a:rPr lang="pt-BR" i="1" dirty="0" smtClean="0"/>
+              <a:t>Vídeos </a:t>
+            </a:r>
+            <a:r>
+              <a:rPr lang="pt-BR" i="1" dirty="0"/>
+              <a:t>Sobre Validação Cruzada e </a:t>
+            </a:r>
+            <a:r>
+              <a:rPr lang="pt-BR" i="1" dirty="0" smtClean="0"/>
+              <a:t>Regularização</a:t>
+            </a:r>
+            <a:r>
+              <a:rPr lang="pt-BR" dirty="0" smtClean="0"/>
+              <a:t>”.</a:t>
+            </a:r>
           </a:p>
         </p:txBody>
       </p:sp>
@@ -10629,15 +10614,7 @@
             </a:pPr>
             <a:r>
               <a:rPr lang="pt-BR" dirty="0" smtClean="0"/>
-              <a:t>Polinômios de ordem baixa podem não </a:t>
-            </a:r>
-            <a:r>
-              <a:rPr lang="pt-BR" dirty="0" smtClean="0"/>
-              <a:t>ter flexibilidade </a:t>
-            </a:r>
-            <a:r>
-              <a:rPr lang="pt-BR" dirty="0" smtClean="0"/>
-              <a:t>o suficiente para aproximar os dados, o que causa </a:t>
+              <a:t>Polinômios de ordem baixa podem não ter flexibilidade o suficiente para aproximar os dados, o que causa </a:t>
             </a:r>
             <a:r>
               <a:rPr lang="pt-BR" b="1" i="1" dirty="0" smtClean="0"/>
@@ -10927,19 +10904,7 @@
             </a:pPr>
             <a:r>
               <a:rPr lang="pt-BR" dirty="0" smtClean="0"/>
-              <a:t>Grau de generalização: capacidade de gerar saídas próximas às verdadeiras para exemplos não </a:t>
-            </a:r>
-            <a:r>
-              <a:rPr lang="pt-BR" dirty="0" smtClean="0"/>
-              <a:t>usados </a:t>
-            </a:r>
-            <a:r>
-              <a:rPr lang="pt-BR" dirty="0" smtClean="0"/>
-              <a:t>durante </a:t>
-            </a:r>
-            <a:r>
-              <a:rPr lang="pt-BR" dirty="0" smtClean="0"/>
-              <a:t>o treinamento (medido através do erro de validação).</a:t>
+              <a:t>Grau de generalização: capacidade de gerar saídas próximas às verdadeiras para exemplos não usados durante o treinamento (medido através do erro de validação).</a:t>
             </a:r>
           </a:p>
           <a:p>
@@ -11509,11 +11474,7 @@
             </a:r>
             <a:r>
               <a:rPr lang="pt-BR" dirty="0" smtClean="0"/>
-              <a:t>flexibilidade e grau de generalização</a:t>
-            </a:r>
-            <a:r>
-              <a:rPr lang="pt-BR" dirty="0" smtClean="0"/>
-              <a:t>) e com menor complexidade.</a:t>
+              <a:t>flexibilidade e grau de generalização) e com menor complexidade.</a:t>
             </a:r>
             <a:endParaRPr lang="pt-BR" dirty="0"/>
           </a:p>
@@ -12048,11 +12009,7 @@
             <a:pPr algn="ctr"/>
             <a:r>
               <a:rPr lang="pt-BR" sz="1600" b="1" dirty="0" smtClean="0"/>
-              <a:t>Ponto </a:t>
-            </a:r>
-            <a:r>
-              <a:rPr lang="pt-BR" sz="1600" b="1" dirty="0" smtClean="0"/>
-              <a:t>ótimo </a:t>
+              <a:t>Ponto ótimo </a:t>
             </a:r>
             <a:r>
               <a:rPr lang="pt-BR" sz="1600" dirty="0"/>
@@ -13244,11 +13201,7 @@
             <a:pPr algn="ctr"/>
             <a:r>
               <a:rPr lang="pt-BR" sz="1400" dirty="0" smtClean="0"/>
-              <a:t>Em teoria, a variância do erro de treinamento deve ser muito baixa e a variância do erro de validação muito alta para modelos com alto grau de </a:t>
-            </a:r>
-            <a:r>
-              <a:rPr lang="pt-BR" sz="1400" dirty="0" smtClean="0"/>
-              <a:t>flexibilidade (</a:t>
+              <a:t>Em teoria, a variância do erro de treinamento deve ser muito baixa e a variância do erro de validação muito alta para modelos com alto grau de flexibilidade (</a:t>
             </a:r>
             <a:r>
               <a:rPr lang="pt-BR" sz="1400" b="1" i="1" dirty="0" err="1" smtClean="0"/>
@@ -13258,7 +13211,6 @@
               <a:rPr lang="pt-BR" sz="1400" dirty="0" smtClean="0"/>
               <a:t>).</a:t>
             </a:r>
-            <a:endParaRPr lang="pt-BR" sz="1400" dirty="0" smtClean="0"/>
           </a:p>
           <a:p>
             <a:pPr algn="ctr"/>
@@ -13268,11 +13220,7 @@
             <a:pPr algn="ctr"/>
             <a:r>
               <a:rPr lang="pt-BR" sz="1400" dirty="0" smtClean="0"/>
-              <a:t>No caso de baixo grau de flexibilidade, ambas as variâncias são </a:t>
-            </a:r>
-            <a:r>
-              <a:rPr lang="pt-BR" sz="1400" dirty="0" smtClean="0"/>
-              <a:t>altas (</a:t>
+              <a:t>No caso de baixo grau de flexibilidade, ambas as variâncias são altas (</a:t>
             </a:r>
             <a:r>
               <a:rPr lang="pt-BR" sz="1400" b="1" dirty="0" err="1" smtClean="0"/>
@@ -13578,11 +13526,7 @@
             <a:pPr algn="ctr"/>
             <a:r>
               <a:rPr lang="pt-BR" sz="1600" b="1" dirty="0" smtClean="0"/>
-              <a:t>Ponto </a:t>
-            </a:r>
-            <a:r>
-              <a:rPr lang="pt-BR" sz="1600" b="1" dirty="0" smtClean="0"/>
-              <a:t>ótimo </a:t>
+              <a:t>Ponto ótimo </a:t>
             </a:r>
             <a:r>
               <a:rPr lang="pt-BR" sz="1600" dirty="0"/>
@@ -13958,8 +13902,8 @@
           </a:p>
         </p:txBody>
       </p:sp>
-      <mc:AlternateContent xmlns:mc="http://schemas.openxmlformats.org/markup-compatibility/2006">
-        <mc:Choice xmlns:a14="http://schemas.microsoft.com/office/drawing/2010/main" Requires="a14">
+      <mc:AlternateContent xmlns:mc="http://schemas.openxmlformats.org/markup-compatibility/2006" xmlns:a14="http://schemas.microsoft.com/office/drawing/2010/main">
+        <mc:Choice Requires="a14">
           <p:sp>
             <p:nvSpPr>
               <p:cNvPr id="3" name="Content Placeholder 2"/>
@@ -14213,15 +14157,7 @@
                 </a:r>
                 <a:r>
                   <a:rPr lang="pt-BR" dirty="0" smtClean="0"/>
-                  <a:t>conjuntos </a:t>
-                </a:r>
-                <a:r>
-                  <a:rPr lang="pt-BR" dirty="0" smtClean="0"/>
-                  <a:t>treinamento/validação, </a:t>
-                </a:r>
-                <a:r>
-                  <a:rPr lang="pt-BR" dirty="0" smtClean="0"/>
-                  <a:t>portanto, a complexidade computacional desta estratégia aumenta drasticamente com o aumento de </a:t>
+                  <a:t>conjuntos treinamento/validação, portanto, a complexidade computacional desta estratégia aumenta drasticamente com o aumento de </a:t>
                 </a:r>
                 <a:r>
                   <a:rPr lang="pt-BR" b="1" i="1" dirty="0" smtClean="0"/>
@@ -14264,19 +14200,7 @@
                 </a:r>
                 <a:r>
                   <a:rPr lang="pt-BR" sz="2500" dirty="0" smtClean="0"/>
-                  <a:t>-&gt; 100 </a:t>
-                </a:r>
-                <a:r>
-                  <a:rPr lang="pt-BR" sz="2500" dirty="0" smtClean="0"/>
-                  <a:t>combinações, ou sej</a:t>
-                </a:r>
-                <a:r>
-                  <a:rPr lang="pt-BR" sz="2500" dirty="0" smtClean="0"/>
-                  <a:t>a, 100 treinamentos e validações</a:t>
-                </a:r>
-                <a:r>
-                  <a:rPr lang="pt-BR" sz="2500" dirty="0" smtClean="0"/>
-                  <a:t>.</a:t>
+                  <a:t>-&gt; 100 combinações, ou seja, 100 treinamentos e validações.</a:t>
                 </a:r>
                 <a:endParaRPr lang="pt-BR" sz="2500" dirty="0"/>
               </a:p>
@@ -14464,7 +14388,7 @@
             </p:txBody>
           </p:sp>
         </mc:Choice>
-        <mc:Fallback>
+        <mc:Fallback xmlns="">
           <p:sp>
             <p:nvSpPr>
               <p:cNvPr id="3" name="Content Placeholder 2"/>

--- a/slides/T319_Regressão_Linear (Parte V).pptx
+++ b/slides/T319_Regressão_Linear (Parte V).pptx
@@ -541,7 +541,7 @@
           <a:p>
             <a:fld id="{DAF0AF11-6A8A-4E64-94F5-26D4FBA2A01D}" type="datetimeFigureOut">
               <a:rPr lang="nl-BE" smtClean="0"/>
-              <a:t>18/11/2022</a:t>
+              <a:t>25/11/2022</a:t>
             </a:fld>
             <a:endParaRPr lang="nl-BE"/>
           </a:p>
@@ -3031,7 +3031,7 @@
           <a:p>
             <a:fld id="{C80E15A5-E95B-43EB-9AC7-9A96397448C0}" type="datetimeFigureOut">
               <a:rPr lang="nl-BE" smtClean="0"/>
-              <a:t>18/11/2022</a:t>
+              <a:t>25/11/2022</a:t>
             </a:fld>
             <a:endParaRPr lang="nl-BE"/>
           </a:p>
@@ -3201,7 +3201,7 @@
           <a:p>
             <a:fld id="{C80E15A5-E95B-43EB-9AC7-9A96397448C0}" type="datetimeFigureOut">
               <a:rPr lang="nl-BE" smtClean="0"/>
-              <a:t>18/11/2022</a:t>
+              <a:t>25/11/2022</a:t>
             </a:fld>
             <a:endParaRPr lang="nl-BE"/>
           </a:p>
@@ -3381,7 +3381,7 @@
           <a:p>
             <a:fld id="{C80E15A5-E95B-43EB-9AC7-9A96397448C0}" type="datetimeFigureOut">
               <a:rPr lang="nl-BE" smtClean="0"/>
-              <a:t>18/11/2022</a:t>
+              <a:t>25/11/2022</a:t>
             </a:fld>
             <a:endParaRPr lang="nl-BE"/>
           </a:p>
@@ -3551,7 +3551,7 @@
           <a:p>
             <a:fld id="{C80E15A5-E95B-43EB-9AC7-9A96397448C0}" type="datetimeFigureOut">
               <a:rPr lang="nl-BE" smtClean="0"/>
-              <a:t>18/11/2022</a:t>
+              <a:t>25/11/2022</a:t>
             </a:fld>
             <a:endParaRPr lang="nl-BE"/>
           </a:p>
@@ -3797,7 +3797,7 @@
           <a:p>
             <a:fld id="{C80E15A5-E95B-43EB-9AC7-9A96397448C0}" type="datetimeFigureOut">
               <a:rPr lang="nl-BE" smtClean="0"/>
-              <a:t>18/11/2022</a:t>
+              <a:t>25/11/2022</a:t>
             </a:fld>
             <a:endParaRPr lang="nl-BE"/>
           </a:p>
@@ -4029,7 +4029,7 @@
           <a:p>
             <a:fld id="{C80E15A5-E95B-43EB-9AC7-9A96397448C0}" type="datetimeFigureOut">
               <a:rPr lang="nl-BE" smtClean="0"/>
-              <a:t>18/11/2022</a:t>
+              <a:t>25/11/2022</a:t>
             </a:fld>
             <a:endParaRPr lang="nl-BE"/>
           </a:p>
@@ -4396,7 +4396,7 @@
           <a:p>
             <a:fld id="{C80E15A5-E95B-43EB-9AC7-9A96397448C0}" type="datetimeFigureOut">
               <a:rPr lang="nl-BE" smtClean="0"/>
-              <a:t>18/11/2022</a:t>
+              <a:t>25/11/2022</a:t>
             </a:fld>
             <a:endParaRPr lang="nl-BE"/>
           </a:p>
@@ -4514,7 +4514,7 @@
           <a:p>
             <a:fld id="{C80E15A5-E95B-43EB-9AC7-9A96397448C0}" type="datetimeFigureOut">
               <a:rPr lang="nl-BE" smtClean="0"/>
-              <a:t>18/11/2022</a:t>
+              <a:t>25/11/2022</a:t>
             </a:fld>
             <a:endParaRPr lang="nl-BE"/>
           </a:p>
@@ -4609,7 +4609,7 @@
           <a:p>
             <a:fld id="{C80E15A5-E95B-43EB-9AC7-9A96397448C0}" type="datetimeFigureOut">
               <a:rPr lang="nl-BE" smtClean="0"/>
-              <a:t>18/11/2022</a:t>
+              <a:t>25/11/2022</a:t>
             </a:fld>
             <a:endParaRPr lang="nl-BE"/>
           </a:p>
@@ -4886,7 +4886,7 @@
           <a:p>
             <a:fld id="{C80E15A5-E95B-43EB-9AC7-9A96397448C0}" type="datetimeFigureOut">
               <a:rPr lang="nl-BE" smtClean="0"/>
-              <a:t>18/11/2022</a:t>
+              <a:t>25/11/2022</a:t>
             </a:fld>
             <a:endParaRPr lang="nl-BE"/>
           </a:p>
@@ -5139,7 +5139,7 @@
           <a:p>
             <a:fld id="{C80E15A5-E95B-43EB-9AC7-9A96397448C0}" type="datetimeFigureOut">
               <a:rPr lang="nl-BE" smtClean="0"/>
-              <a:t>18/11/2022</a:t>
+              <a:t>25/11/2022</a:t>
             </a:fld>
             <a:endParaRPr lang="nl-BE"/>
           </a:p>
@@ -5352,7 +5352,7 @@
           <a:p>
             <a:fld id="{C80E15A5-E95B-43EB-9AC7-9A96397448C0}" type="datetimeFigureOut">
               <a:rPr lang="nl-BE" smtClean="0"/>
-              <a:t>18/11/2022</a:t>
+              <a:t>25/11/2022</a:t>
             </a:fld>
             <a:endParaRPr lang="nl-BE"/>
           </a:p>
@@ -5762,7 +5762,7 @@
           <p:cNvPr id="2" name="Título 1">
             <a:extLst>
               <a:ext uri="{FF2B5EF4-FFF2-40B4-BE49-F238E27FC236}">
-                <a16:creationId xmlns:a16="http://schemas.microsoft.com/office/drawing/2014/main" xmlns="" id="{32666AC8-2E17-4DB4-B0F5-60C640CCFD2E}"/>
+                <a16:creationId xmlns="" xmlns:a16="http://schemas.microsoft.com/office/drawing/2014/main" id="{32666AC8-2E17-4DB4-B0F5-60C640CCFD2E}"/>
               </a:ext>
             </a:extLst>
           </p:cNvPr>
@@ -5821,7 +5821,7 @@
           <p:cNvPr id="4" name="CaixaDeTexto 3">
             <a:extLst>
               <a:ext uri="{FF2B5EF4-FFF2-40B4-BE49-F238E27FC236}">
-                <a16:creationId xmlns:a16="http://schemas.microsoft.com/office/drawing/2014/main" xmlns="" id="{430EB894-B7D4-434C-9D1A-A14094D9BEEC}"/>
+                <a16:creationId xmlns="" xmlns:a16="http://schemas.microsoft.com/office/drawing/2014/main" id="{430EB894-B7D4-434C-9D1A-A14094D9BEEC}"/>
               </a:ext>
             </a:extLst>
           </p:cNvPr>
@@ -5862,7 +5862,7 @@
           <p:cNvPr id="1026" name="Picture 2" descr="Logo">
             <a:extLst>
               <a:ext uri="{FF2B5EF4-FFF2-40B4-BE49-F238E27FC236}">
-                <a16:creationId xmlns:a16="http://schemas.microsoft.com/office/drawing/2014/main" xmlns="" id="{3F2642E0-4F6A-4196-8F58-E77D36E9A33F}"/>
+                <a16:creationId xmlns="" xmlns:a16="http://schemas.microsoft.com/office/drawing/2014/main" id="{3F2642E0-4F6A-4196-8F58-E77D36E9A33F}"/>
               </a:ext>
             </a:extLst>
           </p:cNvPr>
@@ -5907,7 +5907,7 @@
           <p:cNvPr id="5122" name="Picture 2" descr="Image result for machine learning">
             <a:extLst>
               <a:ext uri="{FF2B5EF4-FFF2-40B4-BE49-F238E27FC236}">
-                <a16:creationId xmlns:a16="http://schemas.microsoft.com/office/drawing/2014/main" xmlns="" id="{810CE0A2-4102-44A6-A370-175E7896CDCB}"/>
+                <a16:creationId xmlns="" xmlns:a16="http://schemas.microsoft.com/office/drawing/2014/main" id="{810CE0A2-4102-44A6-A370-175E7896CDCB}"/>
               </a:ext>
             </a:extLst>
           </p:cNvPr>
@@ -6389,8 +6389,8 @@
         </p:nvSpPr>
         <p:spPr>
           <a:xfrm>
-            <a:off x="1250396" y="825935"/>
-            <a:ext cx="3286230" cy="338554"/>
+            <a:off x="1026448" y="862255"/>
+            <a:ext cx="3718163" cy="338554"/>
           </a:xfrm>
           <a:prstGeom prst="rect">
             <a:avLst/>
@@ -6405,12 +6405,12 @@
           <a:p>
             <a:pPr algn="ctr"/>
             <a:r>
-              <a:rPr lang="pt-BR" sz="1600" b="1" dirty="0" smtClean="0"/>
+              <a:rPr lang="pt-BR" sz="1600" b="1" dirty="0"/>
               <a:t>Ponto ótimo </a:t>
             </a:r>
             <a:r>
-              <a:rPr lang="pt-BR" sz="1600" dirty="0" smtClean="0"/>
-              <a:t>(mudança de tendência)</a:t>
+              <a:rPr lang="pt-BR" sz="1600" dirty="0"/>
+              <a:t>(MSE e desvio padrão baixos)</a:t>
             </a:r>
             <a:endParaRPr lang="pt-BR" sz="1600" dirty="0"/>
           </a:p>
@@ -6676,7 +6676,7 @@
         </p:nvSpPr>
         <p:spPr>
           <a:xfrm>
-            <a:off x="4560260" y="708650"/>
+            <a:off x="4638554" y="697587"/>
             <a:ext cx="1228870" cy="338554"/>
           </a:xfrm>
           <a:prstGeom prst="rect">
@@ -6709,7 +6709,7 @@
         </p:nvCxnSpPr>
         <p:spPr>
           <a:xfrm>
-            <a:off x="5174695" y="1047204"/>
+            <a:off x="5252989" y="1036141"/>
             <a:ext cx="2336792" cy="704628"/>
           </a:xfrm>
           <a:prstGeom prst="straightConnector1">
@@ -6840,8 +6840,8 @@
         </p:nvCxnSpPr>
         <p:spPr>
           <a:xfrm flipH="1">
-            <a:off x="4683960" y="1047204"/>
-            <a:ext cx="490735" cy="307211"/>
+            <a:off x="4683960" y="1036141"/>
+            <a:ext cx="569029" cy="318274"/>
           </a:xfrm>
           <a:prstGeom prst="straightConnector1">
             <a:avLst/>
@@ -6876,8 +6876,8 @@
         </p:nvSpPr>
         <p:spPr>
           <a:xfrm>
-            <a:off x="8590297" y="1432202"/>
-            <a:ext cx="3442045" cy="2308324"/>
+            <a:off x="8634334" y="1677592"/>
+            <a:ext cx="3442045" cy="1815882"/>
           </a:xfrm>
           <a:prstGeom prst="rect">
             <a:avLst/>
@@ -6895,15 +6895,15 @@
               <a:buChar char="•"/>
             </a:pPr>
             <a:r>
-              <a:rPr lang="pt-BR" sz="1600" dirty="0" smtClean="0"/>
+              <a:rPr lang="pt-BR" sz="1400" dirty="0" smtClean="0"/>
               <a:t>Para ordem igual a 1, a média e desvio padrão são elevados: </a:t>
             </a:r>
             <a:r>
-              <a:rPr lang="pt-BR" sz="1600" b="1" dirty="0" smtClean="0"/>
+              <a:rPr lang="pt-BR" sz="1400" b="1" dirty="0" smtClean="0"/>
               <a:t>subajuste</a:t>
             </a:r>
             <a:r>
-              <a:rPr lang="pt-BR" sz="1600" dirty="0" smtClean="0"/>
+              <a:rPr lang="pt-BR" sz="1400" dirty="0" smtClean="0"/>
               <a:t>.</a:t>
             </a:r>
           </a:p>
@@ -6913,15 +6913,15 @@
               <a:buChar char="•"/>
             </a:pPr>
             <a:r>
-              <a:rPr lang="pt-BR" sz="1600" dirty="0" smtClean="0"/>
+              <a:rPr lang="pt-BR" sz="1400" dirty="0" smtClean="0"/>
               <a:t>Conforme a ordem aumenta, ambos diminuem, atingindo o </a:t>
             </a:r>
             <a:r>
-              <a:rPr lang="pt-BR" sz="1600" b="1" dirty="0" smtClean="0"/>
+              <a:rPr lang="pt-BR" sz="1400" b="1" dirty="0" smtClean="0"/>
               <a:t>ponto ótimo </a:t>
             </a:r>
             <a:r>
-              <a:rPr lang="pt-BR" sz="1600" dirty="0" smtClean="0"/>
+              <a:rPr lang="pt-BR" sz="1400" dirty="0" smtClean="0"/>
               <a:t>quando igual a 2.</a:t>
             </a:r>
           </a:p>
@@ -6931,18 +6931,18 @@
               <a:buChar char="•"/>
             </a:pPr>
             <a:r>
-              <a:rPr lang="pt-BR" sz="1600" dirty="0" smtClean="0"/>
+              <a:rPr lang="pt-BR" sz="1400" dirty="0" smtClean="0"/>
               <a:t>Porém, conforme a ordem continua a aumentar, ambos aumentam, indicando </a:t>
             </a:r>
             <a:r>
-              <a:rPr lang="pt-BR" sz="1600" b="1" dirty="0" smtClean="0"/>
+              <a:rPr lang="pt-BR" sz="1400" b="1" dirty="0" smtClean="0"/>
               <a:t>sobreajuste</a:t>
             </a:r>
             <a:r>
-              <a:rPr lang="pt-BR" sz="1600" dirty="0" smtClean="0"/>
+              <a:rPr lang="pt-BR" sz="1400" dirty="0" smtClean="0"/>
               <a:t>.</a:t>
             </a:r>
-            <a:endParaRPr lang="pt-BR" sz="1600" dirty="0"/>
+            <a:endParaRPr lang="pt-BR" sz="1400" dirty="0"/>
           </a:p>
         </p:txBody>
       </p:sp>
@@ -7018,31 +7018,39 @@
         </p:nvSpPr>
         <p:spPr>
           <a:xfrm>
-            <a:off x="838198" y="1825624"/>
-            <a:ext cx="11177017" cy="5032376"/>
+            <a:off x="838198" y="1690688"/>
+            <a:ext cx="11177017" cy="5167312"/>
           </a:xfrm>
         </p:spPr>
         <p:txBody>
           <a:bodyPr>
-            <a:normAutofit/>
+            <a:normAutofit lnSpcReduction="10000"/>
           </a:bodyPr>
           <a:lstStyle/>
           <a:p>
             <a:r>
               <a:rPr lang="pt-BR" dirty="0" smtClean="0"/>
-              <a:t>O </a:t>
-            </a:r>
-            <a:r>
-              <a:rPr lang="pt-BR" b="1" dirty="0"/>
+              <a:t>Dentre as três estratégias, o </a:t>
+            </a:r>
+            <a:r>
+              <a:rPr lang="pt-BR" b="1" i="1" dirty="0"/>
               <a:t>leave-p-out</a:t>
             </a:r>
             <a:r>
               <a:rPr lang="pt-BR" dirty="0"/>
-              <a:t> dá indicações mais claras de qual ordem </a:t>
-            </a:r>
-            <a:r>
-              <a:rPr lang="pt-BR" dirty="0" smtClean="0"/>
-              <a:t>usar, </a:t>
+              <a:t> </a:t>
+            </a:r>
+            <a:r>
+              <a:rPr lang="pt-BR" b="1" i="1" dirty="0"/>
+              <a:t>dá indicações mais claras de qual ordem </a:t>
+            </a:r>
+            <a:r>
+              <a:rPr lang="pt-BR" b="1" i="1" dirty="0" smtClean="0"/>
+              <a:t>usar</a:t>
+            </a:r>
+            <a:r>
+              <a:rPr lang="pt-BR" dirty="0" smtClean="0"/>
+              <a:t>, </a:t>
             </a:r>
             <a:r>
               <a:rPr lang="pt-BR" dirty="0"/>
@@ -7088,12 +7096,12 @@
               <a:t>leva-se </a:t>
             </a:r>
             <a:r>
+              <a:rPr lang="pt-BR" dirty="0" smtClean="0"/>
+              <a:t>quase 8 minutos</a:t>
+            </a:r>
+            <a:r>
               <a:rPr lang="pt-BR" dirty="0"/>
-              <a:t>mais de </a:t>
-            </a:r>
-            <a:r>
-              <a:rPr lang="pt-BR" dirty="0" smtClean="0"/>
-              <a:t>11 minutos!</a:t>
+              <a:t>.</a:t>
             </a:r>
             <a:endParaRPr lang="pt-BR" dirty="0"/>
           </a:p>
@@ -7108,7 +7116,15 @@
             </a:r>
             <a:r>
               <a:rPr lang="pt-BR" dirty="0"/>
-              <a:t>com bases relativamente pequenas.</a:t>
+              <a:t>com bases </a:t>
+            </a:r>
+            <a:r>
+              <a:rPr lang="pt-BR" dirty="0" smtClean="0"/>
+              <a:t>de dados relativamente </a:t>
+            </a:r>
+            <a:r>
+              <a:rPr lang="pt-BR" dirty="0"/>
+              <a:t>pequenas.</a:t>
             </a:r>
           </a:p>
           <a:p>
@@ -7117,7 +7133,7 @@
               <a:t>Para bases maiores, o </a:t>
             </a:r>
             <a:r>
-              <a:rPr lang="pt-BR" b="1" dirty="0"/>
+              <a:rPr lang="pt-BR" b="1" i="1" dirty="0"/>
               <a:t>k-fold</a:t>
             </a:r>
             <a:r>
@@ -7125,13 +7141,30 @@
               <a:t> é uma opção melhor e mais eficiente do que o </a:t>
             </a:r>
             <a:r>
-              <a:rPr lang="pt-BR" b="1" dirty="0"/>
+              <a:rPr lang="pt-BR" b="1" i="1" dirty="0" err="1" smtClean="0"/>
               <a:t>holdout</a:t>
             </a:r>
             <a:r>
-              <a:rPr lang="pt-BR" dirty="0"/>
+              <a:rPr lang="pt-BR" dirty="0" smtClean="0"/>
+              <a:t> e </a:t>
+            </a:r>
+            <a:r>
+              <a:rPr lang="pt-BR" b="1" i="1" dirty="0" err="1" smtClean="0"/>
+              <a:t>leave</a:t>
+            </a:r>
+            <a:r>
+              <a:rPr lang="pt-BR" b="1" i="1" dirty="0" smtClean="0"/>
+              <a:t>-</a:t>
+            </a:r>
+            <a:r>
+              <a:rPr lang="pt-BR" b="1" i="1" dirty="0" err="1" smtClean="0"/>
+              <a:t>p-out</a:t>
+            </a:r>
+            <a:r>
+              <a:rPr lang="pt-BR" dirty="0" smtClean="0"/>
               <a:t>.</a:t>
             </a:r>
+            <a:endParaRPr lang="pt-BR" dirty="0"/>
           </a:p>
           <a:p>
             <a:r>
@@ -7139,13 +7172,26 @@
               <a:t>Para bases muito grandes, o </a:t>
             </a:r>
             <a:r>
-              <a:rPr lang="pt-BR" b="1" dirty="0" smtClean="0"/>
+              <a:rPr lang="pt-BR" b="1" i="1" dirty="0" smtClean="0"/>
               <a:t>holdout</a:t>
             </a:r>
             <a:r>
               <a:rPr lang="pt-BR" dirty="0" smtClean="0"/>
-              <a:t> já daria boas indicações sobre qual ordem utilizar (maior probabilidade dos conjuntos serem representativos).</a:t>
-            </a:r>
+              <a:t> já daria boas indicações sobre qual ordem </a:t>
+            </a:r>
+            <a:r>
+              <a:rPr lang="pt-BR" dirty="0" smtClean="0"/>
+              <a:t>utilizar, pois a probabilidade </a:t>
+            </a:r>
+            <a:r>
+              <a:rPr lang="pt-BR" dirty="0" smtClean="0"/>
+              <a:t>dos conjuntos serem </a:t>
+            </a:r>
+            <a:r>
+              <a:rPr lang="pt-BR" dirty="0" smtClean="0"/>
+              <a:t>representativos é maior.</a:t>
+            </a:r>
+            <a:endParaRPr lang="pt-BR" dirty="0" smtClean="0"/>
           </a:p>
         </p:txBody>
       </p:sp>
@@ -7220,8 +7266,8 @@
         </p:nvSpPr>
         <p:spPr>
           <a:xfrm>
-            <a:off x="838200" y="1690688"/>
-            <a:ext cx="7205663" cy="5167312"/>
+            <a:off x="838201" y="1690688"/>
+            <a:ext cx="7126224" cy="5167312"/>
           </a:xfrm>
         </p:spPr>
         <p:txBody>
@@ -7239,23 +7285,39 @@
               <a:t>se os </a:t>
             </a:r>
             <a:r>
-              <a:rPr lang="pt-BR" dirty="0" smtClean="0"/>
+              <a:rPr lang="pt-BR" b="1" i="1" dirty="0" smtClean="0"/>
               <a:t>erros de treinamento e validação </a:t>
             </a:r>
             <a:r>
+              <a:rPr lang="pt-BR" b="1" i="1" dirty="0"/>
+              <a:t>são </a:t>
+            </a:r>
+            <a:r>
+              <a:rPr lang="pt-BR" b="1" i="1" dirty="0" smtClean="0"/>
+              <a:t>pequenos e </a:t>
+            </a:r>
+            <a:r>
+              <a:rPr lang="pt-BR" b="1" i="1" dirty="0" smtClean="0"/>
+              <a:t>praticamente constantes para várias ordens de polinômio</a:t>
+            </a:r>
+            <a:r>
+              <a:rPr lang="pt-BR" dirty="0" smtClean="0"/>
+              <a:t>?</a:t>
+            </a:r>
+            <a:endParaRPr lang="pt-BR" dirty="0"/>
+          </a:p>
+          <a:p>
+            <a:r>
               <a:rPr lang="pt-BR" dirty="0"/>
-              <a:t>são </a:t>
-            </a:r>
-            <a:r>
-              <a:rPr lang="pt-BR" dirty="0" smtClean="0"/>
-              <a:t>pequenos, similares e praticamente constantes para várias ordens de polinômio?</a:t>
-            </a:r>
-            <a:endParaRPr lang="pt-BR" dirty="0"/>
-          </a:p>
-          <a:p>
+              <a:t>Uma resposta é </a:t>
+            </a:r>
+            <a:r>
+              <a:rPr lang="pt-BR" dirty="0" smtClean="0"/>
+              <a:t>aplicar o </a:t>
+            </a:r>
             <a:r>
               <a:rPr lang="pt-BR" dirty="0"/>
-              <a:t>Uma resposta é usar o princípio da </a:t>
+              <a:t>princípio da </a:t>
             </a:r>
             <a:r>
               <a:rPr lang="pt-BR" b="1" i="1" dirty="0"/>
@@ -7294,14 +7356,19 @@
             </a:r>
             <a:r>
               <a:rPr lang="pt-BR" dirty="0"/>
-              <a:t>que de múltiplas explicações adequadas e possíveis para o mesmo conjunto de fatos, deve-se optar pela mais simples daquelas</a:t>
-            </a:r>
-            <a:r>
-              <a:rPr lang="pt-BR" dirty="0" smtClean="0"/>
-              <a:t>.</a:t>
-            </a:r>
-          </a:p>
-          <a:p>
+              <a:t>que de múltiplas explicações adequadas e possíveis para o mesmo conjunto de fatos, deve-se optar pela mais simples </a:t>
+            </a:r>
+            <a:r>
+              <a:rPr lang="pt-BR" dirty="0" smtClean="0"/>
+              <a:t>delas.</a:t>
+            </a:r>
+            <a:endParaRPr lang="pt-BR" dirty="0" smtClean="0"/>
+          </a:p>
+          <a:p>
+            <a:pPr lvl="1">
+              <a:buFont typeface="Wingdings" panose="05000000000000000000" pitchFamily="2" charset="2"/>
+              <a:buChar char="§"/>
+            </a:pPr>
             <a:r>
               <a:rPr lang="pt-BR" dirty="0" smtClean="0"/>
               <a:t>Ou seja</a:t>
@@ -7367,7 +7434,15 @@
             </a:r>
             <a:r>
               <a:rPr lang="pt-BR" dirty="0"/>
-              <a:t> menos complexa que se ajusta bem aos dados.</a:t>
+              <a:t> menos </a:t>
+            </a:r>
+            <a:r>
+              <a:rPr lang="pt-BR" dirty="0" smtClean="0"/>
+              <a:t>complexa (mais simples), mas que </a:t>
+            </a:r>
+            <a:r>
+              <a:rPr lang="pt-BR" dirty="0"/>
+              <a:t>se ajusta bem aos dados.</a:t>
             </a:r>
           </a:p>
         </p:txBody>
@@ -7410,7 +7485,7 @@
         <p:spPr>
           <a:xfrm>
             <a:off x="8043863" y="4232063"/>
-            <a:ext cx="4090985" cy="2308324"/>
+            <a:ext cx="4090985" cy="2585323"/>
           </a:xfrm>
           <a:prstGeom prst="rect">
             <a:avLst/>
@@ -7427,15 +7502,15 @@
               <a:buChar char="•"/>
             </a:pPr>
             <a:r>
-              <a:rPr lang="pt-BR" dirty="0" smtClean="0"/>
+              <a:rPr lang="pt-BR" sz="1600" dirty="0" smtClean="0"/>
               <a:t>Mesma </a:t>
             </a:r>
             <a:r>
-              <a:rPr lang="pt-BR" dirty="0"/>
+              <a:rPr lang="pt-BR" sz="1600" dirty="0"/>
               <a:t>função observável </a:t>
             </a:r>
             <a:r>
-              <a:rPr lang="pt-BR" dirty="0" smtClean="0"/>
+              <a:rPr lang="pt-BR" sz="1600" dirty="0" smtClean="0"/>
               <a:t>dos exemplos anteriores.</a:t>
             </a:r>
           </a:p>
@@ -7445,17 +7520,28 @@
               <a:buChar char="•"/>
             </a:pPr>
             <a:r>
-              <a:rPr lang="pt-BR" dirty="0" smtClean="0"/>
+              <a:rPr lang="pt-BR" sz="1600" dirty="0" smtClean="0"/>
               <a:t>Base de dados com </a:t>
             </a:r>
             <a:r>
-              <a:rPr lang="pt-BR" b="1" dirty="0" smtClean="0"/>
-              <a:t>10000 exemplos</a:t>
-            </a:r>
-            <a:r>
-              <a:rPr lang="pt-BR" dirty="0" smtClean="0"/>
-              <a:t>.</a:t>
-            </a:r>
+              <a:rPr lang="pt-BR" sz="1600" b="1" dirty="0" smtClean="0"/>
+              <a:t>10000 </a:t>
+            </a:r>
+            <a:r>
+              <a:rPr lang="pt-BR" sz="1600" b="1" dirty="0" smtClean="0"/>
+              <a:t>exemplos:</a:t>
+            </a:r>
+          </a:p>
+          <a:p>
+            <a:pPr marL="742950" lvl="1" indent="-285750">
+              <a:buFont typeface="Wingdings" panose="05000000000000000000" pitchFamily="2" charset="2"/>
+              <a:buChar char="§"/>
+            </a:pPr>
+            <a:r>
+              <a:rPr lang="pt-BR" sz="1600" dirty="0" smtClean="0"/>
+              <a:t>Evita o sobreajuste, pois os modelos têm complexidade muito menor do que o número de exemplos.</a:t>
+            </a:r>
+            <a:endParaRPr lang="pt-BR" sz="1600" dirty="0" smtClean="0"/>
           </a:p>
           <a:p>
             <a:pPr marL="285750" indent="-285750">
@@ -7463,7 +7549,7 @@
               <a:buChar char="•"/>
             </a:pPr>
             <a:r>
-              <a:rPr lang="pt-BR" dirty="0" smtClean="0"/>
+              <a:rPr lang="pt-BR" sz="1600" dirty="0" smtClean="0"/>
               <a:t>Holdout com 30% para validação.</a:t>
             </a:r>
           </a:p>
@@ -7473,7 +7559,7 @@
               <a:buChar char="•"/>
             </a:pPr>
             <a:r>
-              <a:rPr lang="pt-BR" dirty="0" smtClean="0"/>
+              <a:rPr lang="pt-BR" sz="1600" dirty="0" smtClean="0"/>
               <a:t>Vejam que teoricamente, qualquer ordem maior ou igual a 2 já seria uma boa escolha.</a:t>
             </a:r>
           </a:p>
@@ -7483,7 +7569,7 @@
               <a:buChar char="•"/>
             </a:pPr>
             <a:r>
-              <a:rPr lang="pt-BR" b="1" dirty="0" smtClean="0">
+              <a:rPr lang="pt-BR" sz="1600" b="1" dirty="0" smtClean="0">
                 <a:solidFill>
                   <a:srgbClr val="FF0000"/>
                 </a:solidFill>
@@ -7501,13 +7587,13 @@
         </p:nvCxnSpPr>
         <p:spPr>
           <a:xfrm>
-            <a:off x="7810500" y="2413000"/>
-            <a:ext cx="428444" cy="129032"/>
+            <a:off x="6976872" y="2121408"/>
+            <a:ext cx="1262072" cy="420624"/>
           </a:xfrm>
           <a:prstGeom prst="straightConnector1">
             <a:avLst/>
           </a:prstGeom>
-          <a:ln>
+          <a:ln w="19050">
             <a:solidFill>
               <a:srgbClr val="FF0000"/>
             </a:solidFill>
@@ -7607,7 +7693,7 @@
         </p:spPr>
         <p:txBody>
           <a:bodyPr>
-            <a:normAutofit fontScale="92500"/>
+            <a:normAutofit lnSpcReduction="10000"/>
           </a:bodyPr>
           <a:lstStyle/>
           <a:p>
@@ -7708,20 +7794,16 @@
               <a:buChar char="§"/>
             </a:pPr>
             <a:r>
-              <a:rPr lang="pt-BR" dirty="0"/>
-              <a:t>Se atentem aos prazos de entrega.</a:t>
-            </a:r>
-          </a:p>
-          <a:p>
-            <a:pPr lvl="1">
-              <a:buFont typeface="Wingdings" panose="05000000000000000000" pitchFamily="2" charset="2"/>
-              <a:buChar char="§"/>
-            </a:pPr>
+              <a:rPr lang="pt-BR" dirty="0" smtClean="0">
+                <a:hlinkClick r:id="rId4"/>
+              </a:rPr>
+              <a:t>Instruções </a:t>
+            </a:r>
             <a:r>
               <a:rPr lang="pt-BR" dirty="0">
                 <a:hlinkClick r:id="rId4"/>
               </a:rPr>
-              <a:t>Instruções para resolução e entrega dos laboratórios</a:t>
+              <a:t>para resolução e entrega dos laboratórios</a:t>
             </a:r>
             <a:r>
               <a:rPr lang="pt-BR" dirty="0"/>
@@ -7797,8 +7879,20 @@
           <a:p>
             <a:pPr lvl="1"/>
             <a:r>
-              <a:rPr lang="pt-BR" dirty="0" smtClean="0"/>
-              <a:t>Vídeo sobre </a:t>
+              <a:rPr lang="pt-BR" b="1" i="1" dirty="0" smtClean="0">
+                <a:solidFill>
+                  <a:srgbClr val="00B0F0"/>
+                </a:solidFill>
+              </a:rPr>
+              <a:t>Próxima aula será assíncrona</a:t>
+            </a:r>
+            <a:r>
+              <a:rPr lang="pt-BR" dirty="0" smtClean="0"/>
+              <a:t>. Vídeo </a:t>
+            </a:r>
+            <a:r>
+              <a:rPr lang="pt-BR" dirty="0" smtClean="0"/>
+              <a:t>sobre </a:t>
             </a:r>
             <a:r>
               <a:rPr lang="pt-BR" dirty="0"/>
@@ -7877,7 +7971,7 @@
           <p:cNvPr id="4" name="Título 1">
             <a:extLst>
               <a:ext uri="{FF2B5EF4-FFF2-40B4-BE49-F238E27FC236}">
-                <a16:creationId xmlns:a16="http://schemas.microsoft.com/office/drawing/2014/main" xmlns="" id="{32666AC8-2E17-4DB4-B0F5-60C640CCFD2E}"/>
+                <a16:creationId xmlns="" xmlns:a16="http://schemas.microsoft.com/office/drawing/2014/main" id="{32666AC8-2E17-4DB4-B0F5-60C640CCFD2E}"/>
               </a:ext>
             </a:extLst>
           </p:cNvPr>
@@ -12182,7 +12276,7 @@
         <p:spPr>
           <a:xfrm>
             <a:off x="838200" y="1154959"/>
-            <a:ext cx="11049000" cy="1607037"/>
+            <a:ext cx="11241024" cy="1607037"/>
           </a:xfrm>
         </p:spPr>
         <p:txBody>
@@ -12192,145 +12286,166 @@
           <a:lstStyle/>
           <a:p>
             <a:r>
-              <a:rPr lang="pt-BR" sz="2400" dirty="0" smtClean="0"/>
+              <a:rPr lang="pt-BR" sz="2300" dirty="0" smtClean="0"/>
               <a:t>Estratégia mais </a:t>
             </a:r>
             <a:r>
-              <a:rPr lang="pt-BR" sz="2400" dirty="0"/>
+              <a:rPr lang="pt-BR" sz="2300" dirty="0"/>
               <a:t>elaborada que a </a:t>
             </a:r>
             <a:r>
-              <a:rPr lang="pt-BR" sz="2400" dirty="0" smtClean="0"/>
-              <a:t>anterior.</a:t>
-            </a:r>
-          </a:p>
-          <a:p>
-            <a:r>
-              <a:rPr lang="pt-BR" sz="2400" dirty="0" smtClean="0"/>
+              <a:rPr lang="pt-BR" sz="2300" dirty="0" smtClean="0"/>
+              <a:t>anterior e que nos fornece indicações mais claras.</a:t>
+            </a:r>
+            <a:endParaRPr lang="pt-BR" sz="2300" dirty="0" smtClean="0"/>
+          </a:p>
+          <a:p>
+            <a:r>
+              <a:rPr lang="pt-BR" sz="2300" dirty="0" smtClean="0"/>
               <a:t>Consiste </a:t>
             </a:r>
             <a:r>
-              <a:rPr lang="pt-BR" sz="2400" dirty="0"/>
-              <a:t>em dividir o conjunto </a:t>
-            </a:r>
-            <a:r>
-              <a:rPr lang="pt-BR" sz="2400" dirty="0" smtClean="0"/>
+              <a:rPr lang="pt-BR" sz="2300" dirty="0" smtClean="0"/>
+              <a:t>em </a:t>
+            </a:r>
+            <a:r>
+              <a:rPr lang="pt-BR" sz="2300" b="1" i="1" dirty="0" smtClean="0"/>
+              <a:t>embaralhar</a:t>
+            </a:r>
+            <a:r>
+              <a:rPr lang="pt-BR" sz="2300" dirty="0" smtClean="0"/>
+              <a:t> (opcional) </a:t>
+            </a:r>
+            <a:r>
+              <a:rPr lang="pt-BR" sz="2300" b="1" i="1" dirty="0" smtClean="0"/>
+              <a:t>e</a:t>
+            </a:r>
+            <a:r>
+              <a:rPr lang="pt-BR" sz="2300" dirty="0" smtClean="0"/>
+              <a:t> </a:t>
+            </a:r>
+            <a:r>
+              <a:rPr lang="pt-BR" sz="2300" b="1" i="1" dirty="0"/>
+              <a:t>dividir o conjunto </a:t>
+            </a:r>
+            <a:r>
+              <a:rPr lang="pt-BR" sz="2300" b="1" i="1" dirty="0" smtClean="0"/>
               <a:t>total de </a:t>
             </a:r>
             <a:r>
-              <a:rPr lang="pt-BR" sz="2400" dirty="0"/>
-              <a:t>dados em </a:t>
-            </a:r>
-            <a:r>
-              <a:rPr lang="pt-BR" sz="2400" b="1" dirty="0"/>
+              <a:rPr lang="pt-BR" sz="2300" b="1" i="1" dirty="0"/>
+              <a:t>dados em k </a:t>
+            </a:r>
+            <a:r>
+              <a:rPr lang="pt-BR" sz="2300" b="1" i="1" dirty="0" smtClean="0"/>
+              <a:t>subconjuntos</a:t>
+            </a:r>
+            <a:r>
+              <a:rPr lang="pt-BR" sz="2300" dirty="0"/>
+              <a:t> </a:t>
+            </a:r>
+            <a:r>
+              <a:rPr lang="pt-BR" sz="2300" dirty="0" smtClean="0"/>
+              <a:t>(</a:t>
+            </a:r>
+            <a:r>
+              <a:rPr lang="pt-BR" sz="2300" dirty="0" smtClean="0"/>
+              <a:t>ou</a:t>
+            </a:r>
+            <a:r>
+              <a:rPr lang="pt-BR" sz="2300" dirty="0" smtClean="0"/>
+              <a:t> </a:t>
+            </a:r>
+            <a:r>
+              <a:rPr lang="pt-BR" sz="2300" i="1" dirty="0" err="1" smtClean="0"/>
+              <a:t>folds</a:t>
+            </a:r>
+            <a:r>
+              <a:rPr lang="pt-BR" sz="2300" dirty="0" smtClean="0"/>
+              <a:t>) </a:t>
+            </a:r>
+            <a:r>
+              <a:rPr lang="pt-BR" sz="2300" dirty="0"/>
+              <a:t>de </a:t>
+            </a:r>
+            <a:r>
+              <a:rPr lang="pt-BR" sz="2300" dirty="0" smtClean="0"/>
+              <a:t>tamanhos iguais </a:t>
+            </a:r>
+            <a:r>
+              <a:rPr lang="pt-BR" sz="2300" dirty="0"/>
+              <a:t>(</a:t>
+            </a:r>
+            <a:r>
+              <a:rPr lang="pt-BR" sz="2300" dirty="0" smtClean="0"/>
+              <a:t>se possível) e </a:t>
+            </a:r>
+            <a:r>
+              <a:rPr lang="pt-BR" sz="2300" dirty="0"/>
+              <a:t>realizar </a:t>
+            </a:r>
+            <a:r>
+              <a:rPr lang="pt-BR" sz="2300" b="1" i="1" dirty="0"/>
+              <a:t>k </a:t>
+            </a:r>
+            <a:r>
+              <a:rPr lang="pt-BR" sz="2300" b="1" i="1" dirty="0" smtClean="0"/>
+              <a:t>treinamentos distintos</a:t>
+            </a:r>
+            <a:r>
+              <a:rPr lang="pt-BR" sz="2300" dirty="0" smtClean="0"/>
+              <a:t>, </a:t>
+            </a:r>
+            <a:r>
+              <a:rPr lang="pt-BR" sz="2300" dirty="0"/>
+              <a:t>onde cada um dos </a:t>
+            </a:r>
+            <a:r>
+              <a:rPr lang="pt-BR" sz="2300" b="1" i="1" dirty="0"/>
               <a:t>k</a:t>
             </a:r>
             <a:r>
-              <a:rPr lang="pt-BR" sz="2400" dirty="0"/>
+              <a:rPr lang="pt-BR" sz="2300" dirty="0"/>
+              <a:t> treinamentos considera </a:t>
+            </a:r>
+            <a:r>
+              <a:rPr lang="pt-BR" sz="2300" b="1" i="1" dirty="0"/>
+              <a:t>k-1</a:t>
+            </a:r>
+            <a:r>
+              <a:rPr lang="pt-BR" sz="2300" dirty="0"/>
               <a:t> </a:t>
             </a:r>
             <a:r>
-              <a:rPr lang="pt-BR" sz="2400" dirty="0" smtClean="0"/>
-              <a:t>subconjuntos</a:t>
-            </a:r>
-            <a:r>
-              <a:rPr lang="pt-BR" sz="2400" dirty="0"/>
+              <a:rPr lang="pt-BR" sz="2300" i="1" dirty="0"/>
+              <a:t>folds</a:t>
+            </a:r>
+            <a:r>
+              <a:rPr lang="pt-BR" sz="2300" dirty="0"/>
+              <a:t> para treinamento e </a:t>
+            </a:r>
+            <a:r>
+              <a:rPr lang="pt-BR" sz="2300" b="1" i="1" dirty="0"/>
+              <a:t>1</a:t>
+            </a:r>
+            <a:r>
+              <a:rPr lang="pt-BR" sz="2300" dirty="0"/>
               <a:t> </a:t>
             </a:r>
             <a:r>
-              <a:rPr lang="pt-BR" sz="2400" dirty="0" smtClean="0"/>
-              <a:t>(os </a:t>
-            </a:r>
-            <a:r>
-              <a:rPr lang="pt-BR" sz="2400" i="1" dirty="0" smtClean="0"/>
-              <a:t>folds </a:t>
-            </a:r>
-            <a:r>
-              <a:rPr lang="pt-BR" sz="2400" dirty="0" smtClean="0"/>
-              <a:t>do nome da estratégia) </a:t>
-            </a:r>
-            <a:r>
-              <a:rPr lang="pt-BR" sz="2400" dirty="0"/>
-              <a:t>de </a:t>
-            </a:r>
-            <a:r>
-              <a:rPr lang="pt-BR" sz="2400" dirty="0" smtClean="0"/>
-              <a:t>tamanhos iguais </a:t>
-            </a:r>
-            <a:r>
-              <a:rPr lang="pt-BR" sz="2400" dirty="0"/>
-              <a:t>(</a:t>
-            </a:r>
-            <a:r>
-              <a:rPr lang="pt-BR" sz="2400" dirty="0" smtClean="0"/>
-              <a:t>se possível) e </a:t>
-            </a:r>
-            <a:r>
-              <a:rPr lang="pt-BR" sz="2400" dirty="0"/>
-              <a:t>realizar </a:t>
-            </a:r>
-            <a:r>
-              <a:rPr lang="pt-BR" sz="2400" b="1" dirty="0"/>
-              <a:t>k</a:t>
-            </a:r>
-            <a:r>
-              <a:rPr lang="pt-BR" sz="2400" dirty="0"/>
+              <a:rPr lang="pt-BR" sz="2300" i="1" dirty="0"/>
+              <a:t>fold</a:t>
+            </a:r>
+            <a:r>
+              <a:rPr lang="pt-BR" sz="2300" dirty="0"/>
               <a:t> </a:t>
             </a:r>
             <a:r>
-              <a:rPr lang="pt-BR" sz="2400" dirty="0" smtClean="0"/>
-              <a:t>treinamentos distintos, </a:t>
-            </a:r>
-            <a:r>
-              <a:rPr lang="pt-BR" sz="2400" dirty="0"/>
-              <a:t>onde cada um dos </a:t>
-            </a:r>
-            <a:r>
-              <a:rPr lang="pt-BR" sz="2400" b="1" dirty="0"/>
-              <a:t>k</a:t>
-            </a:r>
-            <a:r>
-              <a:rPr lang="pt-BR" sz="2400" dirty="0"/>
-              <a:t> treinamentos considera </a:t>
-            </a:r>
-            <a:r>
-              <a:rPr lang="pt-BR" sz="2400" b="1" dirty="0"/>
-              <a:t>k-1</a:t>
-            </a:r>
-            <a:r>
-              <a:rPr lang="pt-BR" sz="2400" dirty="0"/>
-              <a:t> </a:t>
-            </a:r>
-            <a:r>
-              <a:rPr lang="pt-BR" sz="2400" i="1" dirty="0"/>
-              <a:t>folds</a:t>
-            </a:r>
-            <a:r>
-              <a:rPr lang="pt-BR" sz="2400" dirty="0"/>
-              <a:t> para treinamento e </a:t>
-            </a:r>
-            <a:r>
-              <a:rPr lang="pt-BR" sz="2400" b="1" dirty="0"/>
-              <a:t>1</a:t>
-            </a:r>
-            <a:r>
-              <a:rPr lang="pt-BR" sz="2400" dirty="0"/>
-              <a:t> </a:t>
-            </a:r>
-            <a:r>
-              <a:rPr lang="pt-BR" sz="2400" i="1" dirty="0"/>
-              <a:t>fold</a:t>
-            </a:r>
-            <a:r>
-              <a:rPr lang="pt-BR" sz="2400" dirty="0"/>
-              <a:t> </a:t>
-            </a:r>
-            <a:r>
-              <a:rPr lang="pt-BR" sz="2400" dirty="0" smtClean="0"/>
+              <a:rPr lang="pt-BR" sz="2300" dirty="0" smtClean="0"/>
               <a:t>para </a:t>
             </a:r>
             <a:r>
-              <a:rPr lang="pt-BR" sz="2400" dirty="0"/>
+              <a:rPr lang="pt-BR" sz="2300" dirty="0"/>
               <a:t>validação.</a:t>
             </a:r>
           </a:p>
@@ -12347,7 +12462,7 @@
         <p:spPr>
           <a:xfrm>
             <a:off x="838200" y="5240310"/>
-            <a:ext cx="11049000" cy="1524000"/>
+            <a:ext cx="11241024" cy="1617690"/>
           </a:xfrm>
           <a:prstGeom prst="rect">
             <a:avLst/>
@@ -12535,7 +12650,7 @@
               <a:t> vez e em um conjunto de treinamento </a:t>
             </a:r>
             <a:r>
-              <a:rPr lang="pt-BR" sz="2400" b="1" dirty="0" smtClean="0"/>
+              <a:rPr lang="pt-BR" sz="2400" b="1" i="1" dirty="0" smtClean="0"/>
               <a:t>k-1</a:t>
             </a:r>
             <a:r>
@@ -12557,12 +12672,20 @@
               <a:t>calculados para cada um dos </a:t>
             </a:r>
             <a:r>
-              <a:rPr lang="pt-BR" sz="2400" b="1" dirty="0" smtClean="0"/>
+              <a:rPr lang="pt-BR" sz="2400" b="1" i="1" dirty="0" smtClean="0"/>
               <a:t>k</a:t>
             </a:r>
             <a:r>
               <a:rPr lang="pt-BR" sz="2400" dirty="0" smtClean="0"/>
-              <a:t> folds. </a:t>
+              <a:t> </a:t>
+            </a:r>
+            <a:r>
+              <a:rPr lang="pt-BR" sz="2400" i="1" dirty="0" smtClean="0"/>
+              <a:t>folds</a:t>
+            </a:r>
+            <a:r>
+              <a:rPr lang="pt-BR" sz="2400" dirty="0" smtClean="0"/>
+              <a:t>. </a:t>
             </a:r>
             <a:endParaRPr lang="pt-BR" sz="2400" dirty="0"/>
           </a:p>
@@ -12705,7 +12828,7 @@
         <p:spPr>
           <a:xfrm>
             <a:off x="838199" y="1825624"/>
-            <a:ext cx="11113009" cy="5032376"/>
+            <a:ext cx="11167873" cy="5032376"/>
           </a:xfrm>
         </p:spPr>
         <p:txBody>
@@ -12716,23 +12839,94 @@
           <a:p>
             <a:r>
               <a:rPr lang="pt-BR" sz="2400" dirty="0"/>
-              <a:t>Reduz significativamente o problema do </a:t>
+              <a:t>Como regra </a:t>
+            </a:r>
+            <a:r>
+              <a:rPr lang="pt-BR" sz="2400" dirty="0" smtClean="0"/>
+              <a:t>geral, </a:t>
+            </a:r>
+            <a:r>
+              <a:rPr lang="pt-BR" sz="2400" dirty="0"/>
+              <a:t>normalmente, </a:t>
+            </a:r>
+            <a:r>
+              <a:rPr lang="pt-BR" sz="2400" dirty="0" smtClean="0"/>
+              <a:t>se utiliza </a:t>
             </a:r>
             <a:r>
               <a:rPr lang="pt-BR" sz="2400" b="1" i="1" dirty="0"/>
-              <a:t>viés de seleção</a:t>
+              <a:t>k</a:t>
             </a:r>
             <a:r>
               <a:rPr lang="pt-BR" sz="2400" dirty="0"/>
-              <a:t> em relação ao </a:t>
-            </a:r>
-            <a:r>
-              <a:rPr lang="pt-BR" sz="2400" b="1" i="1" dirty="0" smtClean="0"/>
-              <a:t>holdout</a:t>
+              <a:t> = 5 ou 10</a:t>
             </a:r>
             <a:r>
               <a:rPr lang="pt-BR" sz="2400" dirty="0" smtClean="0"/>
-              <a:t>:</a:t>
+              <a:t>.</a:t>
+            </a:r>
+          </a:p>
+          <a:p>
+            <a:r>
+              <a:rPr lang="pt-BR" sz="2400" dirty="0"/>
+              <a:t>Porém, </a:t>
+            </a:r>
+            <a:r>
+              <a:rPr lang="pt-BR" sz="2400" dirty="0" smtClean="0"/>
+              <a:t>tenha </a:t>
+            </a:r>
+            <a:r>
+              <a:rPr lang="pt-BR" sz="2400" dirty="0"/>
+              <a:t>em mente que o valor de </a:t>
+            </a:r>
+            <a:r>
+              <a:rPr lang="pt-BR" sz="2400" b="1" i="1" dirty="0"/>
+              <a:t>k</a:t>
+            </a:r>
+            <a:r>
+              <a:rPr lang="pt-BR" sz="2400" dirty="0"/>
+              <a:t> é escolhido de forma que os conjuntos de treinamento e validação sejam grandes o suficiente para serem </a:t>
+            </a:r>
+            <a:r>
+              <a:rPr lang="pt-BR" sz="2400" b="1" i="1" dirty="0"/>
+              <a:t>estatisticamente representativos </a:t>
+            </a:r>
+            <a:r>
+              <a:rPr lang="pt-BR" sz="2400" dirty="0"/>
+              <a:t>do mapeamento verdadeiro</a:t>
+            </a:r>
+            <a:r>
+              <a:rPr lang="pt-BR" sz="2400" dirty="0" smtClean="0"/>
+              <a:t>.</a:t>
+            </a:r>
+          </a:p>
+          <a:p>
+            <a:r>
+              <a:rPr lang="pt-BR" sz="2400" dirty="0" smtClean="0"/>
+              <a:t>O k-</a:t>
+            </a:r>
+            <a:r>
+              <a:rPr lang="pt-BR" sz="2400" dirty="0" err="1" smtClean="0"/>
+              <a:t>Fold</a:t>
+            </a:r>
+            <a:r>
+              <a:rPr lang="pt-BR" sz="2400" dirty="0" smtClean="0"/>
+              <a:t> </a:t>
+            </a:r>
+            <a:r>
+              <a:rPr lang="pt-BR" sz="2400" dirty="0"/>
+              <a:t>é bastante útil quando se tem conjuntos de dados pequenos</a:t>
+            </a:r>
+            <a:r>
+              <a:rPr lang="pt-BR" sz="2400" dirty="0" smtClean="0"/>
+              <a:t>.</a:t>
+            </a:r>
+            <a:endParaRPr lang="pt-BR" sz="2400" dirty="0" smtClean="0"/>
+          </a:p>
+          <a:p>
+            <a:r>
+              <a:rPr lang="pt-BR" sz="2400" b="1" dirty="0" smtClean="0"/>
+              <a:t>Vantagem</a:t>
             </a:r>
           </a:p>
           <a:p>
@@ -12742,6 +12936,37 @@
             </a:pPr>
             <a:r>
               <a:rPr lang="pt-BR" dirty="0" smtClean="0"/>
+              <a:t>Reduz </a:t>
+            </a:r>
+            <a:r>
+              <a:rPr lang="pt-BR" dirty="0"/>
+              <a:t>significativamente o problema do </a:t>
+            </a:r>
+            <a:r>
+              <a:rPr lang="pt-BR" b="1" i="1" dirty="0"/>
+              <a:t>viés de seleção</a:t>
+            </a:r>
+            <a:r>
+              <a:rPr lang="pt-BR" dirty="0"/>
+              <a:t> em relação ao </a:t>
+            </a:r>
+            <a:r>
+              <a:rPr lang="pt-BR" b="1" i="1" dirty="0" err="1" smtClean="0"/>
+              <a:t>holdout</a:t>
+            </a:r>
+            <a:r>
+              <a:rPr lang="pt-BR" dirty="0"/>
+              <a:t>.</a:t>
+            </a:r>
+            <a:endParaRPr lang="pt-BR" dirty="0" smtClean="0"/>
+          </a:p>
+          <a:p>
+            <a:pPr lvl="2">
+              <a:buFont typeface="Courier New" panose="02070309020205020404" pitchFamily="49" charset="0"/>
+              <a:buChar char="o"/>
+            </a:pPr>
+            <a:r>
+              <a:rPr lang="pt-BR" dirty="0" smtClean="0"/>
               <a:t>Todos </a:t>
             </a:r>
             <a:r>
@@ -12751,70 +12976,7 @@
           </a:p>
           <a:p>
             <a:r>
-              <a:rPr lang="pt-BR" sz="2400" dirty="0"/>
-              <a:t>Como regra geral e evidência empírica, normalmente, utiliza-se </a:t>
-            </a:r>
-            <a:r>
-              <a:rPr lang="pt-BR" sz="2400" b="1" dirty="0"/>
-              <a:t>k</a:t>
-            </a:r>
-            <a:r>
-              <a:rPr lang="pt-BR" sz="2400" dirty="0"/>
-              <a:t> = 5 ou </a:t>
-            </a:r>
-            <a:r>
-              <a:rPr lang="pt-BR" sz="2400" dirty="0" smtClean="0"/>
-              <a:t>10.</a:t>
-            </a:r>
-          </a:p>
-          <a:p>
-            <a:r>
-              <a:rPr lang="pt-BR" sz="2400" dirty="0" smtClean="0"/>
-              <a:t>Porém</a:t>
-            </a:r>
-            <a:r>
-              <a:rPr lang="pt-BR" sz="2400" dirty="0"/>
-              <a:t>, tenham em mente que o valor de </a:t>
-            </a:r>
-            <a:r>
-              <a:rPr lang="pt-BR" sz="2400" b="1" i="1" dirty="0"/>
-              <a:t>k</a:t>
-            </a:r>
-            <a:r>
-              <a:rPr lang="pt-BR" sz="2400" dirty="0"/>
-              <a:t> é escolhido de forma que os conjuntos de treinamento e validação sejam grandes o suficiente para serem </a:t>
-            </a:r>
-            <a:r>
-              <a:rPr lang="pt-BR" sz="2400" b="1" i="1" dirty="0"/>
-              <a:t>estatisticamente representativos </a:t>
-            </a:r>
-            <a:r>
-              <a:rPr lang="pt-BR" sz="2400" dirty="0"/>
-              <a:t>do </a:t>
-            </a:r>
-            <a:r>
-              <a:rPr lang="pt-BR" sz="2400" dirty="0" smtClean="0"/>
-              <a:t>mapeamento verdadeiro.</a:t>
-            </a:r>
-          </a:p>
-          <a:p>
-            <a:r>
-              <a:rPr lang="pt-BR" sz="2400" dirty="0" smtClean="0"/>
-              <a:t>K-Fold é bastante útil quando se tem conjuntos </a:t>
-            </a:r>
-            <a:r>
-              <a:rPr lang="pt-BR" sz="2400" dirty="0"/>
-              <a:t>de dados </a:t>
-            </a:r>
-            <a:r>
-              <a:rPr lang="pt-BR" sz="2400" dirty="0" smtClean="0"/>
-              <a:t>pequenos.</a:t>
-            </a:r>
-            <a:endParaRPr lang="pt-BR" sz="2400" dirty="0"/>
-          </a:p>
-          <a:p>
-            <a:r>
-              <a:rPr lang="pt-BR" sz="2400" b="1" dirty="0"/>
+              <a:rPr lang="pt-BR" sz="2400" b="1" dirty="0" smtClean="0"/>
               <a:t>Desvantagem</a:t>
             </a:r>
             <a:endParaRPr lang="pt-BR" sz="2400" dirty="0"/>
@@ -12825,23 +12987,35 @@
               <a:buChar char="§"/>
             </a:pPr>
             <a:r>
+              <a:rPr lang="pt-BR" dirty="0" smtClean="0"/>
+              <a:t>O </a:t>
+            </a:r>
+            <a:r>
               <a:rPr lang="pt-BR" dirty="0"/>
-              <a:t>O treinamento deve ser executado novamente do zero </a:t>
-            </a:r>
-            <a:r>
-              <a:rPr lang="pt-BR" b="1" dirty="0"/>
+              <a:t>treinamento deve ser executado novamente do </a:t>
+            </a:r>
+            <a:r>
+              <a:rPr lang="pt-BR" dirty="0" smtClean="0"/>
+              <a:t>zero </a:t>
+            </a:r>
+            <a:r>
+              <a:rPr lang="pt-BR" b="1" i="1" dirty="0" smtClean="0"/>
               <a:t>k</a:t>
             </a:r>
             <a:r>
+              <a:rPr lang="pt-BR" dirty="0" smtClean="0"/>
+              <a:t> </a:t>
+            </a:r>
+            <a:r>
               <a:rPr lang="pt-BR" dirty="0"/>
-              <a:t> vezes, o que significa que </a:t>
+              <a:t>vezes, o que significa que </a:t>
             </a:r>
             <a:r>
               <a:rPr lang="pt-BR" dirty="0" smtClean="0"/>
               <a:t>leva-se aproximadamente </a:t>
             </a:r>
             <a:r>
-              <a:rPr lang="pt-BR" b="1" dirty="0"/>
+              <a:rPr lang="pt-BR" b="1" i="1" dirty="0"/>
               <a:t>k</a:t>
             </a:r>
             <a:r>
@@ -13161,8 +13335,8 @@
         </p:nvSpPr>
         <p:spPr>
           <a:xfrm>
-            <a:off x="9039433" y="1106444"/>
-            <a:ext cx="3139439" cy="3108543"/>
+            <a:off x="9148813" y="1271053"/>
+            <a:ext cx="3038605" cy="3493264"/>
           </a:xfrm>
           <a:prstGeom prst="rect">
             <a:avLst/>
@@ -13177,60 +13351,137 @@
           <a:p>
             <a:pPr algn="ctr"/>
             <a:r>
-              <a:rPr lang="pt-BR" sz="1400" dirty="0" smtClean="0"/>
+              <a:rPr lang="pt-BR" sz="1300" dirty="0" smtClean="0"/>
               <a:t>Conforme o modelo se </a:t>
             </a:r>
             <a:r>
-              <a:rPr lang="pt-BR" sz="1400" b="1" i="1" dirty="0" smtClean="0"/>
+              <a:rPr lang="pt-BR" sz="1300" b="1" i="1" dirty="0" smtClean="0"/>
               <a:t>sobreajusta </a:t>
             </a:r>
             <a:r>
-              <a:rPr lang="pt-BR" sz="1400" dirty="0"/>
+              <a:rPr lang="pt-BR" sz="1300" dirty="0"/>
               <a:t>a</a:t>
             </a:r>
             <a:r>
-              <a:rPr lang="pt-BR" sz="1400" dirty="0" smtClean="0"/>
-              <a:t>os dados de treinamento, a variância do erro de validação aumenta, devido a redução de seu grau de generalização.</a:t>
-            </a:r>
+              <a:rPr lang="pt-BR" sz="1300" dirty="0" smtClean="0"/>
+              <a:t>os dados de treinamento, a </a:t>
+            </a:r>
+            <a:r>
+              <a:rPr lang="pt-BR" sz="1300" b="1" i="1" dirty="0" smtClean="0"/>
+              <a:t>variância do erro de validação aumenta</a:t>
+            </a:r>
+            <a:r>
+              <a:rPr lang="pt-BR" sz="1300" dirty="0" smtClean="0"/>
+              <a:t>, </a:t>
+            </a:r>
+            <a:r>
+              <a:rPr lang="pt-BR" sz="1300" b="1" i="1" dirty="0" smtClean="0"/>
+              <a:t>devido a redução de seu grau de </a:t>
+            </a:r>
+            <a:r>
+              <a:rPr lang="pt-BR" sz="1300" b="1" i="1" dirty="0" smtClean="0"/>
+              <a:t>generalização </a:t>
+            </a:r>
+            <a:r>
+              <a:rPr lang="pt-BR" sz="1300" dirty="0" smtClean="0"/>
+              <a:t>(modelo aprendido se distancia muito do modelo gerador).</a:t>
+            </a:r>
+            <a:endParaRPr lang="pt-BR" sz="1300" dirty="0" smtClean="0"/>
           </a:p>
           <a:p>
             <a:pPr algn="ctr"/>
-            <a:endParaRPr lang="pt-BR" sz="1400" dirty="0"/>
+            <a:endParaRPr lang="pt-BR" sz="1300" dirty="0" smtClean="0"/>
           </a:p>
           <a:p>
             <a:pPr algn="ctr"/>
             <a:r>
-              <a:rPr lang="pt-BR" sz="1400" dirty="0" smtClean="0"/>
-              <a:t>Em teoria, a variância do erro de treinamento deve ser muito baixa e a variância do erro de validação muito alta para modelos com alto grau de flexibilidade (</a:t>
-            </a:r>
-            <a:r>
-              <a:rPr lang="pt-BR" sz="1400" b="1" i="1" dirty="0" err="1" smtClean="0"/>
+              <a:rPr lang="pt-BR" sz="1300" dirty="0" smtClean="0"/>
+              <a:t>Modelos com altíssimo grau de flexibilidade (maior do que o necessário) apresentam v</a:t>
+            </a:r>
+            <a:r>
+              <a:rPr lang="pt-BR" sz="1300" dirty="0" smtClean="0"/>
+              <a:t>ariância </a:t>
+            </a:r>
+            <a:r>
+              <a:rPr lang="pt-BR" sz="1300" dirty="0" smtClean="0"/>
+              <a:t>do erro de </a:t>
+            </a:r>
+            <a:r>
+              <a:rPr lang="pt-BR" sz="1300" dirty="0" smtClean="0"/>
+              <a:t>treinamento </a:t>
+            </a:r>
+            <a:r>
+              <a:rPr lang="pt-BR" sz="1300" dirty="0" smtClean="0"/>
+              <a:t>muito baixa </a:t>
+            </a:r>
+            <a:r>
+              <a:rPr lang="pt-BR" sz="1300" dirty="0" smtClean="0"/>
+              <a:t>e </a:t>
+            </a:r>
+            <a:r>
+              <a:rPr lang="pt-BR" sz="1300" dirty="0" smtClean="0"/>
+              <a:t>variância do erro de validação muito </a:t>
+            </a:r>
+            <a:r>
+              <a:rPr lang="pt-BR" sz="1300" dirty="0" smtClean="0"/>
+              <a:t>alta (</a:t>
+            </a:r>
+            <a:r>
+              <a:rPr lang="pt-BR" sz="1300" b="1" i="1" dirty="0" smtClean="0"/>
               <a:t>sobreajuste</a:t>
             </a:r>
             <a:r>
-              <a:rPr lang="pt-BR" sz="1400" dirty="0" smtClean="0"/>
+              <a:rPr lang="pt-BR" sz="1300" dirty="0" smtClean="0"/>
               <a:t>).</a:t>
             </a:r>
           </a:p>
           <a:p>
             <a:pPr algn="ctr"/>
-            <a:endParaRPr lang="pt-BR" sz="1400" dirty="0"/>
+            <a:endParaRPr lang="pt-BR" sz="1300" dirty="0"/>
           </a:p>
           <a:p>
             <a:pPr algn="ctr"/>
             <a:r>
-              <a:rPr lang="pt-BR" sz="1400" dirty="0" smtClean="0"/>
-              <a:t>No caso de baixo grau de flexibilidade, ambas as variâncias são altas (</a:t>
-            </a:r>
-            <a:r>
-              <a:rPr lang="pt-BR" sz="1400" b="1" dirty="0" err="1" smtClean="0"/>
+              <a:rPr lang="pt-BR" sz="1300" dirty="0" smtClean="0"/>
+              <a:t>Modelos com </a:t>
+            </a:r>
+            <a:r>
+              <a:rPr lang="pt-BR" sz="1300" b="1" i="1" dirty="0" smtClean="0"/>
+              <a:t>baixíssimo grau de flexibilidade</a:t>
+            </a:r>
+            <a:r>
+              <a:rPr lang="pt-BR" sz="1300" dirty="0" smtClean="0"/>
+              <a:t> (menor do que o necessário) tê</a:t>
+            </a:r>
+            <a:r>
+              <a:rPr lang="pt-BR" sz="1300" dirty="0" smtClean="0"/>
+              <a:t>m </a:t>
+            </a:r>
+            <a:r>
+              <a:rPr lang="pt-BR" sz="1300" dirty="0" smtClean="0"/>
+              <a:t>ambas </a:t>
+            </a:r>
+            <a:r>
+              <a:rPr lang="pt-BR" sz="1300" dirty="0" smtClean="0"/>
+              <a:t>as </a:t>
+            </a:r>
+            <a:r>
+              <a:rPr lang="pt-BR" sz="1300" dirty="0" smtClean="0"/>
+              <a:t>variâncias altas </a:t>
+            </a:r>
+            <a:r>
+              <a:rPr lang="pt-BR" sz="1300" dirty="0" smtClean="0"/>
+              <a:t>(</a:t>
+            </a:r>
+            <a:r>
+              <a:rPr lang="pt-BR" sz="1300" b="1" dirty="0" smtClean="0"/>
               <a:t>subajuste</a:t>
             </a:r>
             <a:r>
-              <a:rPr lang="pt-BR" sz="1400" dirty="0" smtClean="0"/>
+              <a:rPr lang="pt-BR" sz="1300" dirty="0" smtClean="0"/>
               <a:t>).</a:t>
             </a:r>
-            <a:endParaRPr lang="pt-BR" sz="1400" dirty="0"/>
+            <a:endParaRPr lang="pt-BR" sz="1300" dirty="0"/>
           </a:p>
         </p:txBody>
       </p:sp>
@@ -13509,8 +13760,8 @@
         </p:nvSpPr>
         <p:spPr>
           <a:xfrm>
-            <a:off x="1786926" y="923242"/>
-            <a:ext cx="3279414" cy="338554"/>
+            <a:off x="1712650" y="932209"/>
+            <a:ext cx="3425302" cy="338554"/>
           </a:xfrm>
           <a:prstGeom prst="rect">
             <a:avLst/>
@@ -13529,11 +13780,15 @@
               <a:t>Ponto ótimo </a:t>
             </a:r>
             <a:r>
-              <a:rPr lang="pt-BR" sz="1600" dirty="0"/>
-              <a:t>(mudança de tendência</a:t>
-            </a:r>
-            <a:r>
-              <a:rPr lang="pt-BR" sz="1600" dirty="0" smtClean="0"/>
+              <a:rPr lang="pt-BR" sz="1400" dirty="0" smtClean="0"/>
+              <a:t>(</a:t>
+            </a:r>
+            <a:r>
+              <a:rPr lang="pt-BR" sz="1400" dirty="0" smtClean="0"/>
+              <a:t>MSE e desvio padrão baixos</a:t>
+            </a:r>
+            <a:r>
+              <a:rPr lang="pt-BR" sz="1400" dirty="0" smtClean="0"/>
               <a:t>)</a:t>
             </a:r>
             <a:endParaRPr lang="pt-BR" sz="1600" dirty="0"/>
@@ -13902,8 +14157,8 @@
           </a:p>
         </p:txBody>
       </p:sp>
-      <mc:AlternateContent xmlns:mc="http://schemas.openxmlformats.org/markup-compatibility/2006" xmlns:a14="http://schemas.microsoft.com/office/drawing/2010/main">
-        <mc:Choice Requires="a14">
+      <mc:AlternateContent xmlns:mc="http://schemas.openxmlformats.org/markup-compatibility/2006">
+        <mc:Choice xmlns:a14="http://schemas.microsoft.com/office/drawing/2010/main" Requires="a14">
           <p:sp>
             <p:nvSpPr>
               <p:cNvPr id="3" name="Content Placeholder 2"/>
@@ -13917,7 +14172,7 @@
             <p:spPr>
               <a:xfrm>
                 <a:off x="838198" y="1306654"/>
-                <a:ext cx="11240387" cy="5551346"/>
+                <a:ext cx="11259314" cy="5551346"/>
               </a:xfrm>
             </p:spPr>
             <p:txBody>
@@ -14157,15 +14412,22 @@
                 </a:r>
                 <a:r>
                   <a:rPr lang="pt-BR" dirty="0" smtClean="0"/>
-                  <a:t>conjuntos treinamento/validação, portanto, a complexidade computacional desta estratégia aumenta drasticamente com o aumento de </a:t>
+                  <a:t>conjuntos treinamento/validação, portanto, a </a:t>
                 </a:r>
                 <a:r>
                   <a:rPr lang="pt-BR" b="1" i="1" dirty="0" smtClean="0"/>
-                  <a:t>p</a:t>
+                  <a:t>complexidade computacional desta estratégia aumenta drasticamente com o aumento de p</a:t>
                 </a:r>
                 <a:r>
                   <a:rPr lang="pt-BR" dirty="0"/>
-                  <a:t>. Exemplos para  </a:t>
+                  <a:t>. </a:t>
+                </a:r>
+                <a:endParaRPr lang="pt-BR" dirty="0" smtClean="0"/>
+              </a:p>
+              <a:p>
+                <a:r>
+                  <a:rPr lang="pt-BR" dirty="0" smtClean="0"/>
+                  <a:t>Exemplos para um número total de amostras, </a:t>
                 </a:r>
                 <a14:m>
                   <m:oMath xmlns:m="http://schemas.openxmlformats.org/officeDocument/2006/math">
@@ -14175,28 +14437,40 @@
                       </a:rPr>
                       <m:t>𝑁</m:t>
                     </m:r>
+                  </m:oMath>
+                </a14:m>
+                <a:r>
+                  <a:rPr lang="pt-BR" dirty="0" smtClean="0"/>
+                  <a:t>, igual a </a:t>
+                </a:r>
+                <a14:m>
+                  <m:oMath xmlns:m="http://schemas.openxmlformats.org/officeDocument/2006/math">
                     <m:r>
-                      <a:rPr lang="pt-BR" b="0" i="1" smtClean="0">
+                      <a:rPr lang="pt-BR" i="1">
                         <a:latin typeface="Cambria Math" panose="02040503050406030204" pitchFamily="18" charset="0"/>
                       </a:rPr>
-                      <m:t>=100</m:t>
+                      <m:t>100</m:t>
                     </m:r>
                   </m:oMath>
                 </a14:m>
                 <a:r>
                   <a:rPr lang="pt-BR" dirty="0" smtClean="0"/>
-                  <a:t>:</a:t>
+                  <a:t>: </a:t>
+                </a:r>
+                <a:endParaRPr lang="pt-BR" dirty="0"/>
+              </a:p>
+              <a:p>
+                <a:pPr lvl="1">
+                  <a:buFont typeface="Wingdings" panose="05000000000000000000" pitchFamily="2" charset="2"/>
+                  <a:buChar char="§"/>
+                </a:pPr>
+                <a:r>
+                  <a:rPr lang="pt-BR" sz="2500" b="1" i="1" dirty="0"/>
+                  <a:t>p</a:t>
                 </a:r>
                 <a:r>
-                  <a:rPr lang="pt-BR" dirty="0"/>
-                  <a:t> </a:t>
-                </a:r>
-              </a:p>
-              <a:p>
-                <a:pPr lvl="1"/>
-                <a:r>
                   <a:rPr lang="pt-BR" sz="2500" dirty="0"/>
-                  <a:t>p = 1 </a:t>
+                  <a:t> = 1 </a:t>
                 </a:r>
                 <a:r>
                   <a:rPr lang="pt-BR" sz="2500" dirty="0" smtClean="0"/>
@@ -14205,18 +14479,29 @@
                 <a:endParaRPr lang="pt-BR" sz="2500" dirty="0"/>
               </a:p>
               <a:p>
-                <a:pPr lvl="1"/>
+                <a:pPr lvl="1">
+                  <a:buFont typeface="Wingdings" panose="05000000000000000000" pitchFamily="2" charset="2"/>
+                  <a:buChar char="§"/>
+                </a:pPr>
+                <a:r>
+                  <a:rPr lang="pt-BR" sz="2500" b="1" i="1" dirty="0"/>
+                  <a:t>p</a:t>
+                </a:r>
                 <a:r>
                   <a:rPr lang="pt-BR" sz="2500" dirty="0"/>
-                  <a:t>p = </a:t>
+                  <a:t> = </a:t>
                 </a:r>
                 <a:r>
                   <a:rPr lang="pt-BR" sz="2500" dirty="0" smtClean="0"/>
                   <a:t>2 -&gt; 4.950 </a:t>
                 </a:r>
                 <a:r>
+                  <a:rPr lang="pt-BR" sz="2500" dirty="0" smtClean="0"/>
+                  <a:t>combinações, </a:t>
+                </a:r>
+                <a:r>
                   <a:rPr lang="pt-BR" sz="2500" dirty="0"/>
-                  <a:t>combinações , ou seja, </a:t>
+                  <a:t>ou seja, </a:t>
                 </a:r>
                 <a:r>
                   <a:rPr lang="pt-BR" sz="2500" dirty="0" smtClean="0"/>
@@ -14233,10 +14518,17 @@
                 <a:endParaRPr lang="pt-BR" sz="2500" dirty="0"/>
               </a:p>
               <a:p>
-                <a:pPr lvl="1"/>
+                <a:pPr lvl="1">
+                  <a:buFont typeface="Wingdings" panose="05000000000000000000" pitchFamily="2" charset="2"/>
+                  <a:buChar char="§"/>
+                </a:pPr>
+                <a:r>
+                  <a:rPr lang="pt-BR" sz="2500" b="1" i="1" dirty="0"/>
+                  <a:t>p</a:t>
+                </a:r>
                 <a:r>
                   <a:rPr lang="pt-BR" sz="2500" dirty="0"/>
-                  <a:t>p = </a:t>
+                  <a:t> = </a:t>
                 </a:r>
                 <a:r>
                   <a:rPr lang="pt-BR" sz="2500" dirty="0" smtClean="0"/>
@@ -14255,8 +14547,12 @@
                   <a:t>75.287.520 </a:t>
                 </a:r>
                 <a:r>
+                  <a:rPr lang="pt-BR" sz="2500" dirty="0" smtClean="0"/>
+                  <a:t>combinações, </a:t>
+                </a:r>
+                <a:r>
                   <a:rPr lang="pt-BR" sz="2500" dirty="0"/>
-                  <a:t>combinações , ou seja, </a:t>
+                  <a:t>ou seja, </a:t>
                 </a:r>
                 <a:r>
                   <a:rPr lang="pt-BR" altLang="pt-BR" sz="2500" dirty="0"/>
@@ -14278,24 +14574,28 @@
               </a:p>
               <a:p>
                 <a:r>
-                  <a:rPr lang="pt-BR" dirty="0" smtClean="0"/>
+                  <a:rPr lang="pt-BR" b="1" i="1" dirty="0" smtClean="0"/>
                   <a:t>Fornece </a:t>
                 </a:r>
                 <a:r>
-                  <a:rPr lang="pt-BR" dirty="0"/>
+                  <a:rPr lang="pt-BR" b="1" i="1" dirty="0"/>
                   <a:t>estimativas de </a:t>
                 </a:r>
                 <a:r>
-                  <a:rPr lang="pt-BR" dirty="0" smtClean="0"/>
+                  <a:rPr lang="pt-BR" b="1" i="1" dirty="0" smtClean="0"/>
                   <a:t>erro e desvio padrão </a:t>
                 </a:r>
                 <a:r>
-                  <a:rPr lang="pt-BR" dirty="0"/>
+                  <a:rPr lang="pt-BR" b="1" i="1" dirty="0"/>
                   <a:t>mais precisas do que as abordagens </a:t>
                 </a:r>
                 <a:r>
+                  <a:rPr lang="pt-BR" b="1" i="1" dirty="0" smtClean="0"/>
+                  <a:t>anteriores</a:t>
+                </a:r>
+                <a:r>
                   <a:rPr lang="pt-BR" dirty="0" smtClean="0"/>
-                  <a:t>anteriores, pois tem-se mais etapas de treinamento/validação.</a:t>
+                  <a:t>, pois tem-se mais etapas de treinamento/validação.</a:t>
                 </a:r>
                 <a:endParaRPr lang="pt-BR" dirty="0"/>
               </a:p>
@@ -14312,83 +14612,46 @@
                 </a:pPr>
                 <a:r>
                   <a:rPr lang="pt-BR" dirty="0"/>
-                  <a:t>É uma estratégia exaustiva no sentido de que </a:t>
+                  <a:t>É uma </a:t>
+                </a:r>
+                <a:r>
+                  <a:rPr lang="pt-BR" b="1" i="1" dirty="0"/>
+                  <a:t>estratégia </a:t>
+                </a:r>
+                <a:r>
+                  <a:rPr lang="pt-BR" b="1" i="1" dirty="0" smtClean="0"/>
+                  <a:t>exaustiva</a:t>
                 </a:r>
                 <a:r>
                   <a:rPr lang="pt-BR" dirty="0" smtClean="0"/>
-                  <a:t>ela treina e valida </a:t>
+                  <a:t>, pois treina </a:t>
+                </a:r>
+                <a:r>
+                  <a:rPr lang="pt-BR" dirty="0" smtClean="0"/>
+                  <a:t>e valida </a:t>
                 </a:r>
                 <a:r>
                   <a:rPr lang="pt-BR" dirty="0"/>
                   <a:t>o modelo para todas as combinações possíveis e, para uma base de dados grande e um valor de </a:t>
                 </a:r>
                 <a:r>
-                  <a:rPr lang="pt-BR" b="1" dirty="0"/>
+                  <a:rPr lang="pt-BR" b="1" i="1" dirty="0"/>
                   <a:t>p</a:t>
                 </a:r>
                 <a:r>
                   <a:rPr lang="pt-BR" dirty="0"/>
-                  <a:t> moderadamente grande, pode se tornar inviável computacionalmente.</a:t>
-                </a:r>
-              </a:p>
-              <a:p>
-                <a:r>
-                  <a:rPr lang="pt-BR" dirty="0" smtClean="0"/>
-                  <a:t>No caso do k-Fold, quando fazemos </a:t>
-                </a:r>
-                <a:r>
-                  <a:rPr lang="pt-BR" b="1" dirty="0" smtClean="0"/>
-                  <a:t>k=N </a:t>
+                  <a:t> moderadamente grande, pode se tornar inviável computacionalmente</a:t>
                 </a:r>
                 <a:r>
                   <a:rPr lang="pt-BR" dirty="0" smtClean="0"/>
-                  <a:t>(</a:t>
+                  <a:t>.</a:t>
                 </a:r>
-                <a:r>
-                  <a:rPr lang="pt-BR" dirty="0"/>
-                  <a:t>número </a:t>
-                </a:r>
-                <a:r>
-                  <a:rPr lang="pt-BR" i="1" dirty="0"/>
-                  <a:t>folds</a:t>
-                </a:r>
-                <a:r>
-                  <a:rPr lang="pt-BR" dirty="0"/>
-                  <a:t> </a:t>
-                </a:r>
-                <a:r>
-                  <a:rPr lang="pt-BR" dirty="0" smtClean="0"/>
-                  <a:t>igual </a:t>
-                </a:r>
-                <a:r>
-                  <a:rPr lang="pt-BR" dirty="0"/>
-                  <a:t>ao número total de </a:t>
-                </a:r>
-                <a:r>
-                  <a:rPr lang="pt-BR" dirty="0" smtClean="0"/>
-                  <a:t>exemplos), então o k-Fold é equivalente à estratégia do </a:t>
-                </a:r>
-                <a:r>
-                  <a:rPr lang="pt-BR" i="1" dirty="0" smtClean="0"/>
-                  <a:t>leave-one-out</a:t>
-                </a:r>
-                <a:r>
-                  <a:rPr lang="pt-BR" dirty="0" smtClean="0"/>
-                  <a:t>, ou seja, </a:t>
-                </a:r>
-                <a:r>
-                  <a:rPr lang="pt-BR" b="1" i="1" dirty="0" smtClean="0"/>
-                  <a:t>p</a:t>
-                </a:r>
-                <a:r>
-                  <a:rPr lang="pt-BR" dirty="0" smtClean="0"/>
-                  <a:t> = 1.</a:t>
-                </a:r>
+                <a:endParaRPr lang="pt-BR" dirty="0"/>
               </a:p>
             </p:txBody>
           </p:sp>
         </mc:Choice>
-        <mc:Fallback xmlns="">
+        <mc:Fallback>
           <p:sp>
             <p:nvSpPr>
               <p:cNvPr id="3" name="Content Placeholder 2"/>
@@ -14402,12 +14665,12 @@
             <p:spPr>
               <a:xfrm>
                 <a:off x="838198" y="1306654"/>
-                <a:ext cx="11240387" cy="5551346"/>
+                <a:ext cx="11259314" cy="5551346"/>
               </a:xfrm>
               <a:blipFill rotWithShape="0">
                 <a:blip r:embed="rId3"/>
                 <a:stretch>
-                  <a:fillRect l="-813" t="-2525" b="-878"/>
+                  <a:fillRect l="-812" t="-2525"/>
                 </a:stretch>
               </a:blipFill>
             </p:spPr>
@@ -14416,7 +14679,7 @@
               <a:lstStyle/>
               <a:p>
                 <a:r>
-                  <a:rPr lang="en-US">
+                  <a:rPr lang="pt-BR">
                     <a:noFill/>
                   </a:rPr>
                   <a:t> </a:t>
@@ -14455,7 +14718,55 @@
                   <a:srgbClr val="0070C0"/>
                 </a:solidFill>
               </a:rPr>
-              <a:t>Quantos subconjuntos de p exemplos posso criar a partir de N exemplos?</a:t>
+              <a:t>Quantos subconjuntos de </a:t>
+            </a:r>
+            <a:r>
+              <a:rPr lang="pt-BR" sz="1400" i="1" dirty="0" smtClean="0">
+                <a:solidFill>
+                  <a:srgbClr val="0070C0"/>
+                </a:solidFill>
+              </a:rPr>
+              <a:t>p</a:t>
+            </a:r>
+            <a:r>
+              <a:rPr lang="pt-BR" sz="1400" dirty="0" smtClean="0">
+                <a:solidFill>
+                  <a:srgbClr val="0070C0"/>
+                </a:solidFill>
+              </a:rPr>
+              <a:t> exemplos </a:t>
+            </a:r>
+            <a:r>
+              <a:rPr lang="pt-BR" sz="1400" dirty="0" smtClean="0">
+                <a:solidFill>
+                  <a:srgbClr val="0070C0"/>
+                </a:solidFill>
+              </a:rPr>
+              <a:t>podemos criar </a:t>
+            </a:r>
+            <a:r>
+              <a:rPr lang="pt-BR" sz="1400" dirty="0" smtClean="0">
+                <a:solidFill>
+                  <a:srgbClr val="0070C0"/>
+                </a:solidFill>
+              </a:rPr>
+              <a:t>a partir de </a:t>
+            </a:r>
+            <a:r>
+              <a:rPr lang="pt-BR" sz="1400" i="1" dirty="0" smtClean="0">
+                <a:solidFill>
+                  <a:srgbClr val="0070C0"/>
+                </a:solidFill>
+              </a:rPr>
+              <a:t>N</a:t>
+            </a:r>
+            <a:r>
+              <a:rPr lang="pt-BR" sz="1400" dirty="0" smtClean="0">
+                <a:solidFill>
+                  <a:srgbClr val="0070C0"/>
+                </a:solidFill>
+              </a:rPr>
+              <a:t> exemplos?</a:t>
             </a:r>
             <a:endParaRPr lang="pt-BR" sz="1400" dirty="0">
               <a:solidFill>

--- a/slides/T319_Regressão_Linear (Parte V).pptx
+++ b/slides/T319_Regressão_Linear (Parte V).pptx
@@ -541,7 +541,7 @@
           <a:p>
             <a:fld id="{DAF0AF11-6A8A-4E64-94F5-26D4FBA2A01D}" type="datetimeFigureOut">
               <a:rPr lang="nl-BE" smtClean="0"/>
-              <a:t>25/11/2022</a:t>
+              <a:t>5/05/2023</a:t>
             </a:fld>
             <a:endParaRPr lang="nl-BE"/>
           </a:p>
@@ -3031,7 +3031,7 @@
           <a:p>
             <a:fld id="{C80E15A5-E95B-43EB-9AC7-9A96397448C0}" type="datetimeFigureOut">
               <a:rPr lang="nl-BE" smtClean="0"/>
-              <a:t>25/11/2022</a:t>
+              <a:t>5/05/2023</a:t>
             </a:fld>
             <a:endParaRPr lang="nl-BE"/>
           </a:p>
@@ -3201,7 +3201,7 @@
           <a:p>
             <a:fld id="{C80E15A5-E95B-43EB-9AC7-9A96397448C0}" type="datetimeFigureOut">
               <a:rPr lang="nl-BE" smtClean="0"/>
-              <a:t>25/11/2022</a:t>
+              <a:t>5/05/2023</a:t>
             </a:fld>
             <a:endParaRPr lang="nl-BE"/>
           </a:p>
@@ -3381,7 +3381,7 @@
           <a:p>
             <a:fld id="{C80E15A5-E95B-43EB-9AC7-9A96397448C0}" type="datetimeFigureOut">
               <a:rPr lang="nl-BE" smtClean="0"/>
-              <a:t>25/11/2022</a:t>
+              <a:t>5/05/2023</a:t>
             </a:fld>
             <a:endParaRPr lang="nl-BE"/>
           </a:p>
@@ -3551,7 +3551,7 @@
           <a:p>
             <a:fld id="{C80E15A5-E95B-43EB-9AC7-9A96397448C0}" type="datetimeFigureOut">
               <a:rPr lang="nl-BE" smtClean="0"/>
-              <a:t>25/11/2022</a:t>
+              <a:t>5/05/2023</a:t>
             </a:fld>
             <a:endParaRPr lang="nl-BE"/>
           </a:p>
@@ -3797,7 +3797,7 @@
           <a:p>
             <a:fld id="{C80E15A5-E95B-43EB-9AC7-9A96397448C0}" type="datetimeFigureOut">
               <a:rPr lang="nl-BE" smtClean="0"/>
-              <a:t>25/11/2022</a:t>
+              <a:t>5/05/2023</a:t>
             </a:fld>
             <a:endParaRPr lang="nl-BE"/>
           </a:p>
@@ -4029,7 +4029,7 @@
           <a:p>
             <a:fld id="{C80E15A5-E95B-43EB-9AC7-9A96397448C0}" type="datetimeFigureOut">
               <a:rPr lang="nl-BE" smtClean="0"/>
-              <a:t>25/11/2022</a:t>
+              <a:t>5/05/2023</a:t>
             </a:fld>
             <a:endParaRPr lang="nl-BE"/>
           </a:p>
@@ -4396,7 +4396,7 @@
           <a:p>
             <a:fld id="{C80E15A5-E95B-43EB-9AC7-9A96397448C0}" type="datetimeFigureOut">
               <a:rPr lang="nl-BE" smtClean="0"/>
-              <a:t>25/11/2022</a:t>
+              <a:t>5/05/2023</a:t>
             </a:fld>
             <a:endParaRPr lang="nl-BE"/>
           </a:p>
@@ -4514,7 +4514,7 @@
           <a:p>
             <a:fld id="{C80E15A5-E95B-43EB-9AC7-9A96397448C0}" type="datetimeFigureOut">
               <a:rPr lang="nl-BE" smtClean="0"/>
-              <a:t>25/11/2022</a:t>
+              <a:t>5/05/2023</a:t>
             </a:fld>
             <a:endParaRPr lang="nl-BE"/>
           </a:p>
@@ -4609,7 +4609,7 @@
           <a:p>
             <a:fld id="{C80E15A5-E95B-43EB-9AC7-9A96397448C0}" type="datetimeFigureOut">
               <a:rPr lang="nl-BE" smtClean="0"/>
-              <a:t>25/11/2022</a:t>
+              <a:t>5/05/2023</a:t>
             </a:fld>
             <a:endParaRPr lang="nl-BE"/>
           </a:p>
@@ -4886,7 +4886,7 @@
           <a:p>
             <a:fld id="{C80E15A5-E95B-43EB-9AC7-9A96397448C0}" type="datetimeFigureOut">
               <a:rPr lang="nl-BE" smtClean="0"/>
-              <a:t>25/11/2022</a:t>
+              <a:t>5/05/2023</a:t>
             </a:fld>
             <a:endParaRPr lang="nl-BE"/>
           </a:p>
@@ -5139,7 +5139,7 @@
           <a:p>
             <a:fld id="{C80E15A5-E95B-43EB-9AC7-9A96397448C0}" type="datetimeFigureOut">
               <a:rPr lang="nl-BE" smtClean="0"/>
-              <a:t>25/11/2022</a:t>
+              <a:t>5/05/2023</a:t>
             </a:fld>
             <a:endParaRPr lang="nl-BE"/>
           </a:p>
@@ -5352,7 +5352,7 @@
           <a:p>
             <a:fld id="{C80E15A5-E95B-43EB-9AC7-9A96397448C0}" type="datetimeFigureOut">
               <a:rPr lang="nl-BE" smtClean="0"/>
-              <a:t>25/11/2022</a:t>
+              <a:t>5/05/2023</a:t>
             </a:fld>
             <a:endParaRPr lang="nl-BE"/>
           </a:p>
@@ -5762,7 +5762,7 @@
           <p:cNvPr id="2" name="Título 1">
             <a:extLst>
               <a:ext uri="{FF2B5EF4-FFF2-40B4-BE49-F238E27FC236}">
-                <a16:creationId xmlns="" xmlns:a16="http://schemas.microsoft.com/office/drawing/2014/main" id="{32666AC8-2E17-4DB4-B0F5-60C640CCFD2E}"/>
+                <a16:creationId xmlns:a16="http://schemas.microsoft.com/office/drawing/2014/main" xmlns="" id="{32666AC8-2E17-4DB4-B0F5-60C640CCFD2E}"/>
               </a:ext>
             </a:extLst>
           </p:cNvPr>
@@ -5821,7 +5821,7 @@
           <p:cNvPr id="4" name="CaixaDeTexto 3">
             <a:extLst>
               <a:ext uri="{FF2B5EF4-FFF2-40B4-BE49-F238E27FC236}">
-                <a16:creationId xmlns="" xmlns:a16="http://schemas.microsoft.com/office/drawing/2014/main" id="{430EB894-B7D4-434C-9D1A-A14094D9BEEC}"/>
+                <a16:creationId xmlns:a16="http://schemas.microsoft.com/office/drawing/2014/main" xmlns="" id="{430EB894-B7D4-434C-9D1A-A14094D9BEEC}"/>
               </a:ext>
             </a:extLst>
           </p:cNvPr>
@@ -5862,7 +5862,7 @@
           <p:cNvPr id="1026" name="Picture 2" descr="Logo">
             <a:extLst>
               <a:ext uri="{FF2B5EF4-FFF2-40B4-BE49-F238E27FC236}">
-                <a16:creationId xmlns="" xmlns:a16="http://schemas.microsoft.com/office/drawing/2014/main" id="{3F2642E0-4F6A-4196-8F58-E77D36E9A33F}"/>
+                <a16:creationId xmlns:a16="http://schemas.microsoft.com/office/drawing/2014/main" xmlns="" id="{3F2642E0-4F6A-4196-8F58-E77D36E9A33F}"/>
               </a:ext>
             </a:extLst>
           </p:cNvPr>
@@ -5907,7 +5907,7 @@
           <p:cNvPr id="5122" name="Picture 2" descr="Image result for machine learning">
             <a:extLst>
               <a:ext uri="{FF2B5EF4-FFF2-40B4-BE49-F238E27FC236}">
-                <a16:creationId xmlns="" xmlns:a16="http://schemas.microsoft.com/office/drawing/2014/main" id="{810CE0A2-4102-44A6-A370-175E7896CDCB}"/>
+                <a16:creationId xmlns:a16="http://schemas.microsoft.com/office/drawing/2014/main" xmlns="" id="{810CE0A2-4102-44A6-A370-175E7896CDCB}"/>
               </a:ext>
             </a:extLst>
           </p:cNvPr>
@@ -6412,7 +6412,6 @@
               <a:rPr lang="pt-BR" sz="1600" dirty="0"/>
               <a:t>(MSE e desvio padrão baixos)</a:t>
             </a:r>
-            <a:endParaRPr lang="pt-BR" sz="1600" dirty="0"/>
           </a:p>
         </p:txBody>
       </p:sp>
@@ -7093,17 +7092,12 @@
             </a:r>
             <a:r>
               <a:rPr lang="pt-BR" dirty="0" smtClean="0"/>
-              <a:t>leva-se </a:t>
-            </a:r>
-            <a:r>
-              <a:rPr lang="pt-BR" dirty="0" smtClean="0"/>
-              <a:t>quase 8 minutos</a:t>
+              <a:t>leva-se quase 8 minutos</a:t>
             </a:r>
             <a:r>
               <a:rPr lang="pt-BR" dirty="0"/>
               <a:t>.</a:t>
             </a:r>
-            <a:endParaRPr lang="pt-BR" dirty="0"/>
           </a:p>
           <a:p>
             <a:r>
@@ -7177,21 +7171,8 @@
             </a:r>
             <a:r>
               <a:rPr lang="pt-BR" dirty="0" smtClean="0"/>
-              <a:t> já daria boas indicações sobre qual ordem </a:t>
-            </a:r>
-            <a:r>
-              <a:rPr lang="pt-BR" dirty="0" smtClean="0"/>
-              <a:t>utilizar, pois a probabilidade </a:t>
-            </a:r>
-            <a:r>
-              <a:rPr lang="pt-BR" dirty="0" smtClean="0"/>
-              <a:t>dos conjuntos serem </a:t>
-            </a:r>
-            <a:r>
-              <a:rPr lang="pt-BR" dirty="0" smtClean="0"/>
-              <a:t>representativos é maior.</a:t>
-            </a:r>
-            <a:endParaRPr lang="pt-BR" dirty="0" smtClean="0"/>
+              <a:t> já daria boas indicações sobre qual ordem utilizar, pois a probabilidade dos conjuntos serem representativos é maior.</a:t>
+            </a:r>
           </a:p>
         </p:txBody>
       </p:sp>
@@ -7294,11 +7275,7 @@
             </a:r>
             <a:r>
               <a:rPr lang="pt-BR" b="1" i="1" dirty="0" smtClean="0"/>
-              <a:t>pequenos e </a:t>
-            </a:r>
-            <a:r>
-              <a:rPr lang="pt-BR" b="1" i="1" dirty="0" smtClean="0"/>
-              <a:t>praticamente constantes para várias ordens de polinômio</a:t>
+              <a:t>pequenos e praticamente constantes para várias ordens de polinômio</a:t>
             </a:r>
             <a:r>
               <a:rPr lang="pt-BR" dirty="0" smtClean="0"/>
@@ -7362,7 +7339,6 @@
               <a:rPr lang="pt-BR" dirty="0" smtClean="0"/>
               <a:t>delas.</a:t>
             </a:r>
-            <a:endParaRPr lang="pt-BR" dirty="0" smtClean="0"/>
           </a:p>
           <a:p>
             <a:pPr lvl="1">
@@ -7525,11 +7501,7 @@
             </a:r>
             <a:r>
               <a:rPr lang="pt-BR" sz="1600" b="1" dirty="0" smtClean="0"/>
-              <a:t>10000 </a:t>
-            </a:r>
-            <a:r>
-              <a:rPr lang="pt-BR" sz="1600" b="1" dirty="0" smtClean="0"/>
-              <a:t>exemplos:</a:t>
+              <a:t>10000 exemplos:</a:t>
             </a:r>
           </a:p>
           <a:p>
@@ -7541,7 +7513,6 @@
               <a:rPr lang="pt-BR" sz="1600" dirty="0" smtClean="0"/>
               <a:t>Evita o sobreajuste, pois os modelos têm complexidade muito menor do que o número de exemplos.</a:t>
             </a:r>
-            <a:endParaRPr lang="pt-BR" sz="1600" dirty="0" smtClean="0"/>
           </a:p>
           <a:p>
             <a:pPr marL="285750" indent="-285750">
@@ -7888,11 +7859,7 @@
             </a:r>
             <a:r>
               <a:rPr lang="pt-BR" dirty="0" smtClean="0"/>
-              <a:t>. Vídeo </a:t>
-            </a:r>
-            <a:r>
-              <a:rPr lang="pt-BR" dirty="0" smtClean="0"/>
-              <a:t>sobre </a:t>
+              <a:t>. Vídeo sobre </a:t>
             </a:r>
             <a:r>
               <a:rPr lang="pt-BR" dirty="0"/>
@@ -7971,7 +7938,7 @@
           <p:cNvPr id="4" name="Título 1">
             <a:extLst>
               <a:ext uri="{FF2B5EF4-FFF2-40B4-BE49-F238E27FC236}">
-                <a16:creationId xmlns="" xmlns:a16="http://schemas.microsoft.com/office/drawing/2014/main" id="{32666AC8-2E17-4DB4-B0F5-60C640CCFD2E}"/>
+                <a16:creationId xmlns:a16="http://schemas.microsoft.com/office/drawing/2014/main" xmlns="" id="{32666AC8-2E17-4DB4-B0F5-60C640CCFD2E}"/>
               </a:ext>
             </a:extLst>
           </p:cNvPr>
@@ -10684,8 +10651,25 @@
             </a:r>
             <a:r>
               <a:rPr lang="pt-BR" dirty="0" smtClean="0"/>
-              <a:t>podem ser utilizadas para aproximar dados que não são lineares.</a:t>
-            </a:r>
+              <a:t>podem ser utilizadas para aproximar </a:t>
+            </a:r>
+            <a:r>
+              <a:rPr lang="pt-BR" dirty="0" smtClean="0"/>
+              <a:t>funções que </a:t>
+            </a:r>
+            <a:r>
+              <a:rPr lang="pt-BR" dirty="0" smtClean="0"/>
+              <a:t>não </a:t>
+            </a:r>
+            <a:r>
+              <a:rPr lang="pt-BR" dirty="0" smtClean="0"/>
+              <a:t>têm um mapeamento linea</a:t>
+            </a:r>
+            <a:r>
+              <a:rPr lang="pt-BR" dirty="0" smtClean="0"/>
+              <a:t>r.</a:t>
+            </a:r>
+            <a:endParaRPr lang="pt-BR" dirty="0" smtClean="0"/>
           </a:p>
           <a:p>
             <a:r>
@@ -10708,7 +10692,15 @@
             </a:pPr>
             <a:r>
               <a:rPr lang="pt-BR" dirty="0" smtClean="0"/>
-              <a:t>Polinômios de ordem baixa podem não ter flexibilidade o suficiente para aproximar os dados, o que causa </a:t>
+              <a:t>Polinômios de ordem </a:t>
+            </a:r>
+            <a:r>
+              <a:rPr lang="pt-BR" dirty="0" smtClean="0"/>
+              <a:t>muito baixa </a:t>
+            </a:r>
+            <a:r>
+              <a:rPr lang="pt-BR" dirty="0" smtClean="0"/>
+              <a:t>podem não ter flexibilidade o suficiente para aproximar os dados, o que causa </a:t>
             </a:r>
             <a:r>
               <a:rPr lang="pt-BR" b="1" i="1" dirty="0" smtClean="0"/>
@@ -10726,7 +10718,15 @@
             </a:pPr>
             <a:r>
               <a:rPr lang="pt-BR" dirty="0" smtClean="0"/>
-              <a:t>Polinômios de ordem alta podem ser tão flexíveis que acabam memorizando os dados de treinamento, o que causa </a:t>
+              <a:t>Polinômios de ordem </a:t>
+            </a:r>
+            <a:r>
+              <a:rPr lang="pt-BR" dirty="0" smtClean="0"/>
+              <a:t>muito alta </a:t>
+            </a:r>
+            <a:r>
+              <a:rPr lang="pt-BR" dirty="0" smtClean="0"/>
+              <a:t>podem ser tão flexíveis que acabam memorizando os dados de treinamento, o que causa </a:t>
             </a:r>
             <a:r>
               <a:rPr lang="pt-BR" b="1" i="1" dirty="0" smtClean="0"/>
@@ -10740,7 +10740,11 @@
           <a:p>
             <a:r>
               <a:rPr lang="pt-BR" dirty="0" smtClean="0"/>
-              <a:t>Hoje veremos como escolher a </a:t>
+              <a:t>Na sequência, veremos </a:t>
+            </a:r>
+            <a:r>
+              <a:rPr lang="pt-BR" dirty="0" smtClean="0"/>
+              <a:t>como escolher a </a:t>
             </a:r>
             <a:r>
               <a:rPr lang="pt-BR" b="1" i="1" dirty="0" smtClean="0"/>
@@ -10867,13 +10871,13 @@
         </p:nvSpPr>
         <p:spPr>
           <a:xfrm>
-            <a:off x="838199" y="1499016"/>
-            <a:ext cx="11177017" cy="5358984"/>
+            <a:off x="838199" y="1554480"/>
+            <a:ext cx="11177017" cy="5303520"/>
           </a:xfrm>
         </p:spPr>
         <p:txBody>
           <a:bodyPr>
-            <a:normAutofit fontScale="92500" lnSpcReduction="20000"/>
+            <a:normAutofit fontScale="85000" lnSpcReduction="10000"/>
           </a:bodyPr>
           <a:lstStyle/>
           <a:p>
@@ -10883,7 +10887,11 @@
             </a:r>
             <a:r>
               <a:rPr lang="pt-BR" dirty="0"/>
-              <a:t> é uma das formas de se avaliar </a:t>
+              <a:t> </a:t>
+            </a:r>
+            <a:r>
+              <a:rPr lang="pt-BR" dirty="0" smtClean="0"/>
+              <a:t>é uma forma de se avaliar </a:t>
             </a:r>
             <a:r>
               <a:rPr lang="pt-BR" b="1" i="1" dirty="0"/>
@@ -10899,12 +10907,17 @@
             </a:r>
             <a:r>
               <a:rPr lang="pt-BR" b="1" i="1" dirty="0" smtClean="0"/>
-              <a:t>encontrar sua ordem ótima</a:t>
+              <a:t>encontrar sua ordem </a:t>
+            </a:r>
+            <a:r>
+              <a:rPr lang="pt-BR" b="1" i="1" dirty="0" smtClean="0"/>
+              <a:t>ideal</a:t>
             </a:r>
             <a:r>
               <a:rPr lang="pt-BR" dirty="0" smtClean="0"/>
               <a:t>.</a:t>
             </a:r>
+            <a:endParaRPr lang="pt-BR" dirty="0" smtClean="0"/>
           </a:p>
           <a:p>
             <a:pPr lvl="1">
@@ -10913,7 +10926,15 @@
             </a:pPr>
             <a:r>
               <a:rPr lang="pt-BR" dirty="0" smtClean="0"/>
-              <a:t>Ou seja, podemos verificar quais ordens fazem o modelo se ajustar </a:t>
+              <a:t>Ou seja, podemos verificar quais ordens </a:t>
+            </a:r>
+            <a:r>
+              <a:rPr lang="pt-BR" dirty="0" smtClean="0"/>
+              <a:t>do polinômio fazem </a:t>
+            </a:r>
+            <a:r>
+              <a:rPr lang="pt-BR" dirty="0" smtClean="0"/>
+              <a:t>o modelo se ajustar </a:t>
             </a:r>
             <a:r>
               <a:rPr lang="pt-BR" dirty="0"/>
@@ -10927,16 +10948,36 @@
           </a:p>
           <a:p>
             <a:r>
+              <a:rPr lang="pt-BR" dirty="0" smtClean="0"/>
+              <a:t>Para realizar a </a:t>
+            </a:r>
+            <a:r>
+              <a:rPr lang="pt-BR" b="1" i="1" dirty="0" smtClean="0"/>
+              <a:t>validação </a:t>
+            </a:r>
+            <a:r>
+              <a:rPr lang="pt-BR" b="1" i="1" dirty="0"/>
+              <a:t>cruzada</a:t>
+            </a:r>
+            <a:r>
               <a:rPr lang="pt-BR" dirty="0"/>
-              <a:t>Na </a:t>
-            </a:r>
-            <a:r>
-              <a:rPr lang="pt-BR" b="1" i="1" dirty="0"/>
-              <a:t>validação cruzada</a:t>
+              <a:t>, nós dividimos o conjunto </a:t>
+            </a:r>
+            <a:r>
+              <a:rPr lang="pt-BR" dirty="0" smtClean="0"/>
+              <a:t>total de </a:t>
             </a:r>
             <a:r>
               <a:rPr lang="pt-BR" dirty="0"/>
-              <a:t>, nós dividimos o conjunto de exemplos em 2 outros conjuntos, o de treinamento e o de validação (ou teste) do modelo.</a:t>
+              <a:t>exemplos em </a:t>
+            </a:r>
+            <a:r>
+              <a:rPr lang="pt-BR" dirty="0" smtClean="0"/>
+              <a:t>dois </a:t>
+            </a:r>
+            <a:r>
+              <a:rPr lang="pt-BR" dirty="0"/>
+              <a:t>outros conjuntos, o de treinamento e o de validação (ou teste) do modelo.</a:t>
             </a:r>
           </a:p>
           <a:p>
@@ -10970,7 +11011,11 @@
             </a:r>
             <a:r>
               <a:rPr lang="pt-BR" dirty="0" smtClean="0"/>
-              <a:t> da </a:t>
+              <a:t> </a:t>
+            </a:r>
+            <a:r>
+              <a:rPr lang="pt-BR" dirty="0" smtClean="0"/>
+              <a:t>da </a:t>
             </a:r>
             <a:r>
               <a:rPr lang="pt-BR" b="1" i="1" dirty="0"/>
@@ -10988,7 +11033,19 @@
             </a:pPr>
             <a:r>
               <a:rPr lang="pt-BR" dirty="0" smtClean="0"/>
-              <a:t>Flexibilidade o suficiente para se ajustar à função verdadeira (medida através do erro de treinamento).</a:t>
+              <a:t>Flexibilidade o suficiente para se ajustar à função verdadeira (</a:t>
+            </a:r>
+            <a:r>
+              <a:rPr lang="pt-BR" b="1" i="1" dirty="0" smtClean="0">
+                <a:solidFill>
+                  <a:srgbClr val="00B050"/>
+                </a:solidFill>
+              </a:rPr>
+              <a:t>medida através do erro de treinamento</a:t>
+            </a:r>
+            <a:r>
+              <a:rPr lang="pt-BR" dirty="0" smtClean="0"/>
+              <a:t>).</a:t>
             </a:r>
           </a:p>
           <a:p>
@@ -10998,7 +11055,27 @@
             </a:pPr>
             <a:r>
               <a:rPr lang="pt-BR" dirty="0" smtClean="0"/>
-              <a:t>Grau de generalização: capacidade de gerar saídas próximas às verdadeiras para exemplos não usados durante o treinamento (medido através do erro de validação).</a:t>
+              <a:t>Grau de generalização: capacidade de gerar saídas próximas às verdadeiras para exemplos não </a:t>
+            </a:r>
+            <a:r>
+              <a:rPr lang="pt-BR" dirty="0" smtClean="0"/>
+              <a:t>vistos durante </a:t>
+            </a:r>
+            <a:r>
+              <a:rPr lang="pt-BR" dirty="0" smtClean="0"/>
+              <a:t>o treinamento (</a:t>
+            </a:r>
+            <a:r>
+              <a:rPr lang="pt-BR" b="1" i="1" dirty="0" smtClean="0">
+                <a:solidFill>
+                  <a:srgbClr val="00B050"/>
+                </a:solidFill>
+              </a:rPr>
+              <a:t>medido através do erro de validação</a:t>
+            </a:r>
+            <a:r>
+              <a:rPr lang="pt-BR" dirty="0" smtClean="0"/>
+              <a:t>).</a:t>
             </a:r>
           </a:p>
           <a:p>
@@ -11108,8 +11185,8 @@
         </p:nvSpPr>
         <p:spPr>
           <a:xfrm>
-            <a:off x="838200" y="2294632"/>
-            <a:ext cx="11131296" cy="4563367"/>
+            <a:off x="838200" y="2340864"/>
+            <a:ext cx="11131296" cy="4517135"/>
           </a:xfrm>
         </p:spPr>
         <p:txBody>
@@ -11164,7 +11241,35 @@
             </a:r>
             <a:r>
               <a:rPr lang="pt-BR" dirty="0"/>
-              <a:t>e não acarreta em aumento da complexidade computacional, pois tem-se apenas um único par de conjuntos de treinamento e validação</a:t>
+              <a:t>e </a:t>
+            </a:r>
+            <a:r>
+              <a:rPr lang="pt-BR" dirty="0" smtClean="0"/>
+              <a:t>tem </a:t>
+            </a:r>
+            <a:r>
+              <a:rPr lang="pt-BR" dirty="0"/>
+              <a:t>complexidade computacional, pois </a:t>
+            </a:r>
+            <a:r>
+              <a:rPr lang="pt-BR" dirty="0" smtClean="0"/>
+              <a:t>realiza-se </a:t>
+            </a:r>
+            <a:r>
+              <a:rPr lang="pt-BR" dirty="0"/>
+              <a:t>apenas </a:t>
+            </a:r>
+            <a:r>
+              <a:rPr lang="pt-BR" dirty="0" smtClean="0"/>
+              <a:t>um treinamento </a:t>
+            </a:r>
+            <a:r>
+              <a:rPr lang="pt-BR" dirty="0"/>
+              <a:t>e </a:t>
+            </a:r>
+            <a:r>
+              <a:rPr lang="pt-BR" dirty="0" smtClean="0"/>
+              <a:t>uma validação</a:t>
             </a:r>
             <a:r>
               <a:rPr lang="pt-BR" dirty="0" smtClean="0"/>
@@ -11181,12 +11286,16 @@
               <a:t>nos assegurar que os conjuntos de treinamento e validação sejam suficientemente </a:t>
             </a:r>
             <a:r>
-              <a:rPr lang="pt-BR" b="1" i="1" dirty="0"/>
-              <a:t>representativos</a:t>
+              <a:rPr lang="pt-BR" b="1" i="1" dirty="0">
+                <a:solidFill>
+                  <a:srgbClr val="00B050"/>
+                </a:solidFill>
+              </a:rPr>
+              <a:t>representativos do mapeamento verdadeiro</a:t>
             </a:r>
             <a:r>
               <a:rPr lang="pt-BR" dirty="0"/>
-              <a:t> do mapeamento verdadeiro que se pretende aproximar</a:t>
+              <a:t> que se pretende aproximar</a:t>
             </a:r>
             <a:r>
               <a:rPr lang="pt-BR" dirty="0" smtClean="0"/>
@@ -12297,16 +12406,11 @@
               <a:rPr lang="pt-BR" sz="2300" dirty="0" smtClean="0"/>
               <a:t>anterior e que nos fornece indicações mais claras.</a:t>
             </a:r>
-            <a:endParaRPr lang="pt-BR" sz="2300" dirty="0" smtClean="0"/>
           </a:p>
           <a:p>
             <a:r>
               <a:rPr lang="pt-BR" sz="2300" dirty="0" smtClean="0"/>
-              <a:t>Consiste </a:t>
-            </a:r>
-            <a:r>
-              <a:rPr lang="pt-BR" sz="2300" dirty="0" smtClean="0"/>
-              <a:t>em </a:t>
+              <a:t>Consiste em </a:t>
             </a:r>
             <a:r>
               <a:rPr lang="pt-BR" sz="2300" b="1" i="1" dirty="0" smtClean="0"/>
@@ -12346,15 +12450,7 @@
             </a:r>
             <a:r>
               <a:rPr lang="pt-BR" sz="2300" dirty="0" smtClean="0"/>
-              <a:t>(</a:t>
-            </a:r>
-            <a:r>
-              <a:rPr lang="pt-BR" sz="2300" dirty="0" smtClean="0"/>
-              <a:t>ou</a:t>
-            </a:r>
-            <a:r>
-              <a:rPr lang="pt-BR" sz="2300" dirty="0" smtClean="0"/>
-              <a:t> </a:t>
+              <a:t>(ou </a:t>
             </a:r>
             <a:r>
               <a:rPr lang="pt-BR" sz="2300" i="1" dirty="0" err="1" smtClean="0"/>
@@ -12921,7 +13017,6 @@
               <a:rPr lang="pt-BR" sz="2400" dirty="0" smtClean="0"/>
               <a:t>.</a:t>
             </a:r>
-            <a:endParaRPr lang="pt-BR" sz="2400" dirty="0" smtClean="0"/>
           </a:p>
           <a:p>
             <a:r>
@@ -13376,17 +13471,12 @@
             </a:r>
             <a:r>
               <a:rPr lang="pt-BR" sz="1300" b="1" i="1" dirty="0" smtClean="0"/>
-              <a:t>devido a redução de seu grau de </a:t>
-            </a:r>
-            <a:r>
-              <a:rPr lang="pt-BR" sz="1300" b="1" i="1" dirty="0" smtClean="0"/>
-              <a:t>generalização </a:t>
+              <a:t>devido a redução de seu grau de generalização </a:t>
             </a:r>
             <a:r>
               <a:rPr lang="pt-BR" sz="1300" dirty="0" smtClean="0"/>
               <a:t>(modelo aprendido se distancia muito do modelo gerador).</a:t>
             </a:r>
-            <a:endParaRPr lang="pt-BR" sz="1300" dirty="0" smtClean="0"/>
           </a:p>
           <a:p>
             <a:pPr algn="ctr"/>
@@ -13396,35 +13486,7 @@
             <a:pPr algn="ctr"/>
             <a:r>
               <a:rPr lang="pt-BR" sz="1300" dirty="0" smtClean="0"/>
-              <a:t>Modelos com altíssimo grau de flexibilidade (maior do que o necessário) apresentam v</a:t>
-            </a:r>
-            <a:r>
-              <a:rPr lang="pt-BR" sz="1300" dirty="0" smtClean="0"/>
-              <a:t>ariância </a:t>
-            </a:r>
-            <a:r>
-              <a:rPr lang="pt-BR" sz="1300" dirty="0" smtClean="0"/>
-              <a:t>do erro de </a:t>
-            </a:r>
-            <a:r>
-              <a:rPr lang="pt-BR" sz="1300" dirty="0" smtClean="0"/>
-              <a:t>treinamento </a:t>
-            </a:r>
-            <a:r>
-              <a:rPr lang="pt-BR" sz="1300" dirty="0" smtClean="0"/>
-              <a:t>muito baixa </a:t>
-            </a:r>
-            <a:r>
-              <a:rPr lang="pt-BR" sz="1300" dirty="0" smtClean="0"/>
-              <a:t>e </a:t>
-            </a:r>
-            <a:r>
-              <a:rPr lang="pt-BR" sz="1300" dirty="0" smtClean="0"/>
-              <a:t>variância do erro de validação muito </a:t>
-            </a:r>
-            <a:r>
-              <a:rPr lang="pt-BR" sz="1300" dirty="0" smtClean="0"/>
-              <a:t>alta (</a:t>
+              <a:t>Modelos com altíssimo grau de flexibilidade (maior do que o necessário) apresentam variância do erro de treinamento muito baixa e variância do erro de validação muito alta (</a:t>
             </a:r>
             <a:r>
               <a:rPr lang="pt-BR" sz="1300" b="1" i="1" dirty="0" smtClean="0"/>
@@ -13451,27 +13513,7 @@
             </a:r>
             <a:r>
               <a:rPr lang="pt-BR" sz="1300" dirty="0" smtClean="0"/>
-              <a:t> (menor do que o necessário) tê</a:t>
-            </a:r>
-            <a:r>
-              <a:rPr lang="pt-BR" sz="1300" dirty="0" smtClean="0"/>
-              <a:t>m </a:t>
-            </a:r>
-            <a:r>
-              <a:rPr lang="pt-BR" sz="1300" dirty="0" smtClean="0"/>
-              <a:t>ambas </a:t>
-            </a:r>
-            <a:r>
-              <a:rPr lang="pt-BR" sz="1300" dirty="0" smtClean="0"/>
-              <a:t>as </a:t>
-            </a:r>
-            <a:r>
-              <a:rPr lang="pt-BR" sz="1300" dirty="0" smtClean="0"/>
-              <a:t>variâncias altas </a:t>
-            </a:r>
-            <a:r>
-              <a:rPr lang="pt-BR" sz="1300" dirty="0" smtClean="0"/>
-              <a:t>(</a:t>
+              <a:t> (menor do que o necessário) têm ambas as variâncias altas (</a:t>
             </a:r>
             <a:r>
               <a:rPr lang="pt-BR" sz="1300" b="1" dirty="0" smtClean="0"/>
@@ -13781,15 +13823,7 @@
             </a:r>
             <a:r>
               <a:rPr lang="pt-BR" sz="1400" dirty="0" smtClean="0"/>
-              <a:t>(</a:t>
-            </a:r>
-            <a:r>
-              <a:rPr lang="pt-BR" sz="1400" dirty="0" smtClean="0"/>
-              <a:t>MSE e desvio padrão baixos</a:t>
-            </a:r>
-            <a:r>
-              <a:rPr lang="pt-BR" sz="1400" dirty="0" smtClean="0"/>
-              <a:t>)</a:t>
+              <a:t>(MSE e desvio padrão baixos)</a:t>
             </a:r>
             <a:endParaRPr lang="pt-BR" sz="1600" dirty="0"/>
           </a:p>
@@ -14157,8 +14191,8 @@
           </a:p>
         </p:txBody>
       </p:sp>
-      <mc:AlternateContent xmlns:mc="http://schemas.openxmlformats.org/markup-compatibility/2006">
-        <mc:Choice xmlns:a14="http://schemas.microsoft.com/office/drawing/2010/main" Requires="a14">
+      <mc:AlternateContent xmlns:mc="http://schemas.openxmlformats.org/markup-compatibility/2006" xmlns:a14="http://schemas.microsoft.com/office/drawing/2010/main">
+        <mc:Choice Requires="a14">
           <p:sp>
             <p:nvSpPr>
               <p:cNvPr id="3" name="Content Placeholder 2"/>
@@ -14493,11 +14527,7 @@
                 </a:r>
                 <a:r>
                   <a:rPr lang="pt-BR" sz="2500" dirty="0" smtClean="0"/>
-                  <a:t>2 -&gt; 4.950 </a:t>
-                </a:r>
-                <a:r>
-                  <a:rPr lang="pt-BR" sz="2500" dirty="0" smtClean="0"/>
-                  <a:t>combinações, </a:t>
+                  <a:t>2 -&gt; 4.950 combinações, </a:t>
                 </a:r>
                 <a:r>
                   <a:rPr lang="pt-BR" sz="2500" dirty="0"/>
@@ -14624,11 +14654,7 @@
                 </a:r>
                 <a:r>
                   <a:rPr lang="pt-BR" dirty="0" smtClean="0"/>
-                  <a:t>, pois treina </a:t>
-                </a:r>
-                <a:r>
-                  <a:rPr lang="pt-BR" dirty="0" smtClean="0"/>
-                  <a:t>e valida </a:t>
+                  <a:t>, pois treina e valida </a:t>
                 </a:r>
                 <a:r>
                   <a:rPr lang="pt-BR" dirty="0"/>
@@ -14651,7 +14677,7 @@
             </p:txBody>
           </p:sp>
         </mc:Choice>
-        <mc:Fallback>
+        <mc:Fallback xmlns="">
           <p:sp>
             <p:nvSpPr>
               <p:cNvPr id="3" name="Content Placeholder 2"/>
@@ -14734,23 +14760,7 @@
                   <a:srgbClr val="0070C0"/>
                 </a:solidFill>
               </a:rPr>
-              <a:t> exemplos </a:t>
-            </a:r>
-            <a:r>
-              <a:rPr lang="pt-BR" sz="1400" dirty="0" smtClean="0">
-                <a:solidFill>
-                  <a:srgbClr val="0070C0"/>
-                </a:solidFill>
-              </a:rPr>
-              <a:t>podemos criar </a:t>
-            </a:r>
-            <a:r>
-              <a:rPr lang="pt-BR" sz="1400" dirty="0" smtClean="0">
-                <a:solidFill>
-                  <a:srgbClr val="0070C0"/>
-                </a:solidFill>
-              </a:rPr>
-              <a:t>a partir de </a:t>
+              <a:t> exemplos podemos criar a partir de </a:t>
             </a:r>
             <a:r>
               <a:rPr lang="pt-BR" sz="1400" i="1" dirty="0" smtClean="0">

--- a/slides/T319_Regressão_Linear (Parte V).pptx
+++ b/slides/T319_Regressão_Linear (Parte V).pptx
@@ -5762,7 +5762,7 @@
           <p:cNvPr id="2" name="Título 1">
             <a:extLst>
               <a:ext uri="{FF2B5EF4-FFF2-40B4-BE49-F238E27FC236}">
-                <a16:creationId xmlns:a16="http://schemas.microsoft.com/office/drawing/2014/main" xmlns="" id="{32666AC8-2E17-4DB4-B0F5-60C640CCFD2E}"/>
+                <a16:creationId xmlns="" xmlns:a16="http://schemas.microsoft.com/office/drawing/2014/main" id="{32666AC8-2E17-4DB4-B0F5-60C640CCFD2E}"/>
               </a:ext>
             </a:extLst>
           </p:cNvPr>
@@ -5821,7 +5821,7 @@
           <p:cNvPr id="4" name="CaixaDeTexto 3">
             <a:extLst>
               <a:ext uri="{FF2B5EF4-FFF2-40B4-BE49-F238E27FC236}">
-                <a16:creationId xmlns:a16="http://schemas.microsoft.com/office/drawing/2014/main" xmlns="" id="{430EB894-B7D4-434C-9D1A-A14094D9BEEC}"/>
+                <a16:creationId xmlns="" xmlns:a16="http://schemas.microsoft.com/office/drawing/2014/main" id="{430EB894-B7D4-434C-9D1A-A14094D9BEEC}"/>
               </a:ext>
             </a:extLst>
           </p:cNvPr>
@@ -5862,7 +5862,7 @@
           <p:cNvPr id="1026" name="Picture 2" descr="Logo">
             <a:extLst>
               <a:ext uri="{FF2B5EF4-FFF2-40B4-BE49-F238E27FC236}">
-                <a16:creationId xmlns:a16="http://schemas.microsoft.com/office/drawing/2014/main" xmlns="" id="{3F2642E0-4F6A-4196-8F58-E77D36E9A33F}"/>
+                <a16:creationId xmlns="" xmlns:a16="http://schemas.microsoft.com/office/drawing/2014/main" id="{3F2642E0-4F6A-4196-8F58-E77D36E9A33F}"/>
               </a:ext>
             </a:extLst>
           </p:cNvPr>
@@ -5907,7 +5907,7 @@
           <p:cNvPr id="5122" name="Picture 2" descr="Image result for machine learning">
             <a:extLst>
               <a:ext uri="{FF2B5EF4-FFF2-40B4-BE49-F238E27FC236}">
-                <a16:creationId xmlns:a16="http://schemas.microsoft.com/office/drawing/2014/main" xmlns="" id="{810CE0A2-4102-44A6-A370-175E7896CDCB}"/>
+                <a16:creationId xmlns="" xmlns:a16="http://schemas.microsoft.com/office/drawing/2014/main" id="{810CE0A2-4102-44A6-A370-175E7896CDCB}"/>
               </a:ext>
             </a:extLst>
           </p:cNvPr>
@@ -7938,7 +7938,7 @@
           <p:cNvPr id="4" name="Título 1">
             <a:extLst>
               <a:ext uri="{FF2B5EF4-FFF2-40B4-BE49-F238E27FC236}">
-                <a16:creationId xmlns:a16="http://schemas.microsoft.com/office/drawing/2014/main" xmlns="" id="{32666AC8-2E17-4DB4-B0F5-60C640CCFD2E}"/>
+                <a16:creationId xmlns="" xmlns:a16="http://schemas.microsoft.com/office/drawing/2014/main" id="{32666AC8-2E17-4DB4-B0F5-60C640CCFD2E}"/>
               </a:ext>
             </a:extLst>
           </p:cNvPr>
@@ -10651,25 +10651,8 @@
             </a:r>
             <a:r>
               <a:rPr lang="pt-BR" dirty="0" smtClean="0"/>
-              <a:t>podem ser utilizadas para aproximar </a:t>
-            </a:r>
-            <a:r>
-              <a:rPr lang="pt-BR" dirty="0" smtClean="0"/>
-              <a:t>funções que </a:t>
-            </a:r>
-            <a:r>
-              <a:rPr lang="pt-BR" dirty="0" smtClean="0"/>
-              <a:t>não </a:t>
-            </a:r>
-            <a:r>
-              <a:rPr lang="pt-BR" dirty="0" smtClean="0"/>
-              <a:t>têm um mapeamento linea</a:t>
-            </a:r>
-            <a:r>
-              <a:rPr lang="pt-BR" dirty="0" smtClean="0"/>
-              <a:t>r.</a:t>
-            </a:r>
-            <a:endParaRPr lang="pt-BR" dirty="0" smtClean="0"/>
+              <a:t>podem ser utilizadas para aproximar funções que não têm um mapeamento linear.</a:t>
+            </a:r>
           </a:p>
           <a:p>
             <a:r>
@@ -10692,15 +10675,7 @@
             </a:pPr>
             <a:r>
               <a:rPr lang="pt-BR" dirty="0" smtClean="0"/>
-              <a:t>Polinômios de ordem </a:t>
-            </a:r>
-            <a:r>
-              <a:rPr lang="pt-BR" dirty="0" smtClean="0"/>
-              <a:t>muito baixa </a:t>
-            </a:r>
-            <a:r>
-              <a:rPr lang="pt-BR" dirty="0" smtClean="0"/>
-              <a:t>podem não ter flexibilidade o suficiente para aproximar os dados, o que causa </a:t>
+              <a:t>Polinômios de ordem muito baixa podem não ter flexibilidade o suficiente para aproximar os dados, o que causa </a:t>
             </a:r>
             <a:r>
               <a:rPr lang="pt-BR" b="1" i="1" dirty="0" smtClean="0"/>
@@ -10718,15 +10693,7 @@
             </a:pPr>
             <a:r>
               <a:rPr lang="pt-BR" dirty="0" smtClean="0"/>
-              <a:t>Polinômios de ordem </a:t>
-            </a:r>
-            <a:r>
-              <a:rPr lang="pt-BR" dirty="0" smtClean="0"/>
-              <a:t>muito alta </a:t>
-            </a:r>
-            <a:r>
-              <a:rPr lang="pt-BR" dirty="0" smtClean="0"/>
-              <a:t>podem ser tão flexíveis que acabam memorizando os dados de treinamento, o que causa </a:t>
+              <a:t>Polinômios de ordem muito alta podem ser tão flexíveis que acabam memorizando os dados de treinamento, o que causa </a:t>
             </a:r>
             <a:r>
               <a:rPr lang="pt-BR" b="1" i="1" dirty="0" smtClean="0"/>
@@ -10740,11 +10707,7 @@
           <a:p>
             <a:r>
               <a:rPr lang="pt-BR" dirty="0" smtClean="0"/>
-              <a:t>Na sequência, veremos </a:t>
-            </a:r>
-            <a:r>
-              <a:rPr lang="pt-BR" dirty="0" smtClean="0"/>
-              <a:t>como escolher a </a:t>
+              <a:t>Na sequência, veremos como escolher a </a:t>
             </a:r>
             <a:r>
               <a:rPr lang="pt-BR" b="1" i="1" dirty="0" smtClean="0"/>
@@ -10907,17 +10870,12 @@
             </a:r>
             <a:r>
               <a:rPr lang="pt-BR" b="1" i="1" dirty="0" smtClean="0"/>
-              <a:t>encontrar sua ordem </a:t>
-            </a:r>
-            <a:r>
-              <a:rPr lang="pt-BR" b="1" i="1" dirty="0" smtClean="0"/>
-              <a:t>ideal</a:t>
+              <a:t>encontrar sua ordem ideal</a:t>
             </a:r>
             <a:r>
               <a:rPr lang="pt-BR" dirty="0" smtClean="0"/>
               <a:t>.</a:t>
             </a:r>
-            <a:endParaRPr lang="pt-BR" dirty="0" smtClean="0"/>
           </a:p>
           <a:p>
             <a:pPr lvl="1">
@@ -10926,15 +10884,7 @@
             </a:pPr>
             <a:r>
               <a:rPr lang="pt-BR" dirty="0" smtClean="0"/>
-              <a:t>Ou seja, podemos verificar quais ordens </a:t>
-            </a:r>
-            <a:r>
-              <a:rPr lang="pt-BR" dirty="0" smtClean="0"/>
-              <a:t>do polinômio fazem </a:t>
-            </a:r>
-            <a:r>
-              <a:rPr lang="pt-BR" dirty="0" smtClean="0"/>
-              <a:t>o modelo se ajustar </a:t>
+              <a:t>Ou seja, podemos verificar quais ordens do polinômio fazem o modelo se ajustar </a:t>
             </a:r>
             <a:r>
               <a:rPr lang="pt-BR" dirty="0"/>
@@ -11011,11 +10961,7 @@
             </a:r>
             <a:r>
               <a:rPr lang="pt-BR" dirty="0" smtClean="0"/>
-              <a:t> </a:t>
-            </a:r>
-            <a:r>
-              <a:rPr lang="pt-BR" dirty="0" smtClean="0"/>
-              <a:t>da </a:t>
+              <a:t> da </a:t>
             </a:r>
             <a:r>
               <a:rPr lang="pt-BR" b="1" i="1" dirty="0"/>
@@ -11055,15 +11001,7 @@
             </a:pPr>
             <a:r>
               <a:rPr lang="pt-BR" dirty="0" smtClean="0"/>
-              <a:t>Grau de generalização: capacidade de gerar saídas próximas às verdadeiras para exemplos não </a:t>
-            </a:r>
-            <a:r>
-              <a:rPr lang="pt-BR" dirty="0" smtClean="0"/>
-              <a:t>vistos durante </a:t>
-            </a:r>
-            <a:r>
-              <a:rPr lang="pt-BR" dirty="0" smtClean="0"/>
-              <a:t>o treinamento (</a:t>
+              <a:t>Grau de generalização: capacidade de gerar saídas próximas às verdadeiras para exemplos não vistos durante o treinamento (</a:t>
             </a:r>
             <a:r>
               <a:rPr lang="pt-BR" b="1" i="1" dirty="0" smtClean="0">
@@ -11185,8 +11123,8 @@
         </p:nvSpPr>
         <p:spPr>
           <a:xfrm>
-            <a:off x="838200" y="2340864"/>
-            <a:ext cx="11131296" cy="4517135"/>
+            <a:off x="838199" y="2340864"/>
+            <a:ext cx="11238539" cy="4517135"/>
           </a:xfrm>
         </p:spPr>
         <p:txBody>
@@ -11245,11 +11183,11 @@
             </a:r>
             <a:r>
               <a:rPr lang="pt-BR" dirty="0" smtClean="0"/>
-              <a:t>tem </a:t>
+              <a:t>a que tem a menor complexidade </a:t>
             </a:r>
             <a:r>
               <a:rPr lang="pt-BR" dirty="0"/>
-              <a:t>complexidade computacional, pois </a:t>
+              <a:t>computacional, pois </a:t>
             </a:r>
             <a:r>
               <a:rPr lang="pt-BR" dirty="0" smtClean="0"/>
@@ -11269,11 +11207,7 @@
             </a:r>
             <a:r>
               <a:rPr lang="pt-BR" dirty="0" smtClean="0"/>
-              <a:t>uma validação</a:t>
-            </a:r>
-            <a:r>
-              <a:rPr lang="pt-BR" dirty="0" smtClean="0"/>
-              <a:t>.</a:t>
+              <a:t>uma validação.</a:t>
             </a:r>
           </a:p>
           <a:p>

--- a/slides/T319_Regressão_Linear (Parte V).pptx
+++ b/slides/T319_Regressão_Linear (Parte V).pptx
@@ -541,7 +541,7 @@
           <a:p>
             <a:fld id="{DAF0AF11-6A8A-4E64-94F5-26D4FBA2A01D}" type="datetimeFigureOut">
               <a:rPr lang="nl-BE" smtClean="0"/>
-              <a:t>5/05/2023</a:t>
+              <a:t>2/06/2023</a:t>
             </a:fld>
             <a:endParaRPr lang="nl-BE"/>
           </a:p>
@@ -938,24 +938,24 @@
           <a:lstStyle/>
           <a:p>
             <a:r>
-              <a:rPr lang="pt-BR" b="1" dirty="0" smtClean="0"/>
+              <a:rPr lang="pt-BR" b="1" dirty="0"/>
               <a:t>Exemplo</a:t>
             </a:r>
             <a:r>
-              <a:rPr lang="pt-BR" dirty="0" smtClean="0"/>
+              <a:rPr lang="pt-BR" dirty="0"/>
               <a:t>:</a:t>
             </a:r>
             <a:r>
-              <a:rPr lang="pt-BR" baseline="0" dirty="0" smtClean="0"/>
+              <a:rPr lang="pt-BR" baseline="0" dirty="0"/>
               <a:t> </a:t>
             </a:r>
             <a:r>
-              <a:rPr lang="pt-BR" dirty="0" smtClean="0"/>
+              <a:rPr lang="pt-BR" dirty="0"/>
               <a:t>https://mybinder.org/v2/gh/zz4fap/t319_aprendizado_de_maquina/main?filepath=notebooks%2Fregression%2Fvalidacao_cruzada.ipynb</a:t>
             </a:r>
           </a:p>
           <a:p>
-            <a:endParaRPr lang="pt-BR" dirty="0" smtClean="0"/>
+            <a:endParaRPr lang="pt-BR" dirty="0"/>
           </a:p>
           <a:p>
             <a:pPr marL="0" marR="0" lvl="0" indent="0" algn="l" defTabSz="914400" rtl="0" eaLnBrk="1" fontAlgn="auto" latinLnBrk="0" hangingPunct="1">
@@ -976,7 +976,7 @@
               <a:defRPr/>
             </a:pPr>
             <a:r>
-              <a:rPr lang="pt-BR" dirty="0" smtClean="0"/>
+              <a:rPr lang="pt-BR" dirty="0"/>
               <a:t>Exemplo: https://colab.research.google.com/github/zz4fap/t319_aprendizado_de_maquina/blob/main/notebooks/regression/validacao_cruzada.ipynb</a:t>
             </a:r>
           </a:p>
@@ -1197,6 +1197,45 @@
           <a:bodyPr/>
           <a:lstStyle/>
           <a:p>
+            <a:r>
+              <a:rPr lang="pt-BR" dirty="0"/>
+              <a:t>A figura mostra um modelo com número de amostras de treinamento muito maior do que sua complexidade.</a:t>
+            </a:r>
+          </a:p>
+          <a:p>
+            <a:endParaRPr lang="pt-BR" dirty="0"/>
+          </a:p>
+          <a:p>
+            <a:r>
+              <a:rPr lang="pt-BR" b="0" i="0" dirty="0">
+                <a:solidFill>
+                  <a:srgbClr val="374151"/>
+                </a:solidFill>
+                <a:effectLst/>
+                <a:latin typeface="Söhne"/>
+              </a:rPr>
+              <a:t>No entanto, é importante ressaltar que o princípio da navalha de </a:t>
+            </a:r>
+            <a:r>
+              <a:rPr lang="pt-BR" b="0" i="0" dirty="0" err="1">
+                <a:solidFill>
+                  <a:srgbClr val="374151"/>
+                </a:solidFill>
+                <a:effectLst/>
+                <a:latin typeface="Söhne"/>
+              </a:rPr>
+              <a:t>Occam</a:t>
+            </a:r>
+            <a:r>
+              <a:rPr lang="pt-BR" b="0" i="0" dirty="0">
+                <a:solidFill>
+                  <a:srgbClr val="374151"/>
+                </a:solidFill>
+                <a:effectLst/>
+                <a:latin typeface="Söhne"/>
+              </a:rPr>
+              <a:t> não é uma regra absoluta, mas sim uma orientação heurística. Em certos casos, explicações mais complexas podem ser necessárias para capturar toda a complexidade do fenômeno estudado. Portanto, a aplicação do princípio requer um equilíbrio cuidadoso entre simplicidade e adequação à realidade observada.</a:t>
+            </a:r>
             <a:endParaRPr lang="pt-BR" dirty="0"/>
           </a:p>
         </p:txBody>
@@ -1299,12 +1338,12 @@
               <a:defRPr/>
             </a:pPr>
             <a:r>
-              <a:rPr lang="pt-BR" dirty="0" smtClean="0"/>
+              <a:rPr lang="pt-BR" dirty="0"/>
               <a:t>COLAB: https://colab.research.google.com/github/zz4fap/t319_aprendizado_de_maquina/blob/main/labs/Laboratorio6.ipynb</a:t>
             </a:r>
           </a:p>
           <a:p>
-            <a:endParaRPr lang="pt-BR" dirty="0" smtClean="0"/>
+            <a:endParaRPr lang="pt-BR" dirty="0"/>
           </a:p>
           <a:p>
             <a:pPr marL="0" marR="0" lvl="0" indent="0" algn="l" defTabSz="914400" rtl="0" eaLnBrk="1" fontAlgn="auto" latinLnBrk="0" hangingPunct="1">
@@ -1325,7 +1364,7 @@
               <a:defRPr/>
             </a:pPr>
             <a:r>
-              <a:rPr lang="pt-BR" dirty="0" smtClean="0"/>
+              <a:rPr lang="pt-BR" dirty="0"/>
               <a:t>BINDER: https://mybinder.org/v2/gh/zz4fap/t319_aprendizado_de_maquina/main?filepath=labs%2FLaboratorio6.ipynb</a:t>
             </a:r>
           </a:p>
@@ -1415,27 +1454,27 @@
           <a:lstStyle/>
           <a:p>
             <a:r>
-              <a:rPr lang="pt-BR" dirty="0" smtClean="0"/>
+              <a:rPr lang="pt-BR" dirty="0"/>
               <a:t>Precisamos, portanto, de estratégias que forneçam indicativos de como o modelo se comporta ao aproximar o mapeamento verdadeiro como um todo (e não somente nas amostras de treinamento), e que também nos auxiliem a selecionar de forma confiável qual é o modelo mais adequado no problema de regressão. </a:t>
             </a:r>
           </a:p>
           <a:p>
-            <a:endParaRPr lang="pt-BR" dirty="0" smtClean="0"/>
-          </a:p>
-          <a:p>
-            <a:r>
-              <a:rPr lang="pt-BR" b="1" dirty="0" smtClean="0"/>
+            <a:endParaRPr lang="pt-BR" dirty="0"/>
+          </a:p>
+          <a:p>
+            <a:r>
+              <a:rPr lang="pt-BR" b="1" dirty="0"/>
               <a:t>Leitura importante</a:t>
             </a:r>
             <a:r>
-              <a:rPr lang="pt-BR" dirty="0" smtClean="0"/>
+              <a:rPr lang="pt-BR" dirty="0"/>
               <a:t>:</a:t>
             </a:r>
             <a:r>
-              <a:rPr lang="pt-BR" baseline="0" dirty="0" smtClean="0"/>
+              <a:rPr lang="pt-BR" baseline="0" dirty="0"/>
               <a:t> Seção 18.4 – Evaluating and Choosing the Best Hypothesis do livro do Russel e Norvig</a:t>
             </a:r>
-            <a:endParaRPr lang="pt-BR" dirty="0" smtClean="0"/>
+            <a:endParaRPr lang="pt-BR" dirty="0"/>
           </a:p>
           <a:p>
             <a:endParaRPr lang="pt-BR" dirty="0"/>
@@ -1528,16 +1567,12 @@
             </a:r>
           </a:p>
           <a:p>
-            <a:endParaRPr lang="pt-BR" dirty="0" smtClean="0"/>
-          </a:p>
-          <a:p>
-            <a:r>
-              <a:rPr lang="pt-BR" dirty="0" smtClean="0"/>
-              <a:t>O </a:t>
-            </a:r>
-            <a:r>
-              <a:rPr lang="pt-BR" dirty="0"/>
-              <a:t>objetivo da validação cruzada é testar a capacidade do modelo em prever novos dados que não foram utilizados</a:t>
+            <a:endParaRPr lang="pt-BR" dirty="0"/>
+          </a:p>
+          <a:p>
+            <a:r>
+              <a:rPr lang="pt-BR" dirty="0"/>
+              <a:t>O objetivo da validação cruzada é testar a capacidade do modelo em prever novos dados que não foram utilizados</a:t>
             </a:r>
             <a:r>
               <a:rPr lang="pt-BR" baseline="0" dirty="0"/>
@@ -1569,50 +1604,46 @@
             </a:r>
             <a:r>
               <a:rPr lang="pt-BR" dirty="0"/>
-              <a:t>desconhecido</a:t>
-            </a:r>
-            <a:r>
-              <a:rPr lang="pt-BR" dirty="0" smtClean="0"/>
-              <a:t>).</a:t>
-            </a:r>
-          </a:p>
-          <a:p>
-            <a:endParaRPr lang="pt-BR" dirty="0" smtClean="0"/>
-          </a:p>
-          <a:p>
-            <a:r>
-              <a:rPr lang="pt-BR" dirty="0" smtClean="0"/>
+              <a:t>desconhecido).</a:t>
+            </a:r>
+          </a:p>
+          <a:p>
+            <a:endParaRPr lang="pt-BR" dirty="0"/>
+          </a:p>
+          <a:p>
+            <a:r>
+              <a:rPr lang="pt-BR" dirty="0"/>
               <a:t>A validação cruzada é utilizada para detectar problemas como </a:t>
             </a:r>
             <a:r>
-              <a:rPr lang="pt-BR" b="1" i="1" dirty="0" smtClean="0"/>
+              <a:rPr lang="pt-BR" b="1" i="1" dirty="0"/>
               <a:t>sobreajuste</a:t>
             </a:r>
             <a:r>
-              <a:rPr lang="pt-BR" dirty="0" smtClean="0"/>
+              <a:rPr lang="pt-BR" dirty="0"/>
               <a:t> ou </a:t>
             </a:r>
             <a:r>
-              <a:rPr lang="pt-BR" b="1" i="1" dirty="0" smtClean="0"/>
+              <a:rPr lang="pt-BR" b="1" i="1" dirty="0"/>
               <a:t>viés de seleção </a:t>
             </a:r>
             <a:r>
-              <a:rPr lang="pt-BR" dirty="0" smtClean="0"/>
+              <a:rPr lang="pt-BR" dirty="0"/>
               <a:t>e para dar uma visão sobre como o modelo irá generalizar para um conjunto de dados independente.</a:t>
             </a:r>
           </a:p>
           <a:p>
             <a:pPr lvl="1"/>
             <a:r>
-              <a:rPr lang="pt-BR" dirty="0" smtClean="0"/>
+              <a:rPr lang="pt-BR" dirty="0"/>
               <a:t>O </a:t>
             </a:r>
             <a:r>
-              <a:rPr lang="pt-BR" b="1" i="1" dirty="0" smtClean="0"/>
+              <a:rPr lang="pt-BR" b="1" i="1" dirty="0"/>
               <a:t>viés de seleção </a:t>
             </a:r>
             <a:r>
-              <a:rPr lang="pt-BR" dirty="0" smtClean="0"/>
+              <a:rPr lang="pt-BR" dirty="0"/>
               <a:t>é o viés introduzido pela seleção de amostras para análise de um modelo de tal forma que este conjunto de amostras não seja representativo da população que se pretende analisar.</a:t>
             </a:r>
           </a:p>
@@ -1702,73 +1733,73 @@
           <a:lstStyle/>
           <a:p>
             <a:r>
-              <a:rPr lang="pt-BR" dirty="0" smtClean="0"/>
+              <a:rPr lang="pt-BR" dirty="0"/>
               <a:t>Normalmente,</a:t>
             </a:r>
             <a:r>
-              <a:rPr lang="pt-BR" baseline="0" dirty="0" smtClean="0"/>
+              <a:rPr lang="pt-BR" baseline="0" dirty="0"/>
               <a:t> a estratégia </a:t>
             </a:r>
             <a:r>
-              <a:rPr lang="pt-BR" dirty="0" smtClean="0"/>
+              <a:rPr lang="pt-BR" dirty="0"/>
               <a:t>da validação</a:t>
             </a:r>
             <a:r>
-              <a:rPr lang="pt-BR" baseline="0" dirty="0" smtClean="0"/>
+              <a:rPr lang="pt-BR" baseline="0" dirty="0"/>
               <a:t> cruzada com holdout envolve </a:t>
             </a:r>
             <a:r>
-              <a:rPr lang="pt-BR" dirty="0" smtClean="0"/>
+              <a:rPr lang="pt-BR" dirty="0"/>
               <a:t>a divisão do conjunto de dados em 20 a 30% dos dados para teste/validação e o restante como dados de treinamento.</a:t>
             </a:r>
           </a:p>
           <a:p>
-            <a:endParaRPr lang="pt-BR" dirty="0" smtClean="0"/>
-          </a:p>
-          <a:p>
-            <a:r>
-              <a:rPr lang="pt-BR" dirty="0" smtClean="0"/>
+            <a:endParaRPr lang="pt-BR" dirty="0"/>
+          </a:p>
+          <a:p>
+            <a:r>
+              <a:rPr lang="pt-BR" dirty="0"/>
               <a:t>A validação pode depender muito de quais dados vão para o conjunto de treinamento e quais vão para o conjunto de testes e, portanto, a avaliação pode ser significativamente diferente dependendo de como a divisão é feita.</a:t>
             </a:r>
           </a:p>
           <a:p>
-            <a:endParaRPr lang="pt-BR" dirty="0" smtClean="0"/>
-          </a:p>
-          <a:p>
-            <a:r>
-              <a:rPr lang="pt-BR" dirty="0" smtClean="0"/>
+            <a:endParaRPr lang="pt-BR" dirty="0"/>
+          </a:p>
+          <a:p>
+            <a:r>
+              <a:rPr lang="pt-BR" dirty="0"/>
               <a:t>Com esta </a:t>
             </a:r>
             <a:r>
-              <a:rPr lang="pt-BR" baseline="0" dirty="0" smtClean="0"/>
+              <a:rPr lang="pt-BR" baseline="0" dirty="0"/>
               <a:t>estratégia</a:t>
             </a:r>
             <a:r>
-              <a:rPr lang="pt-BR" dirty="0" smtClean="0"/>
+              <a:rPr lang="pt-BR" dirty="0"/>
               <a:t>, existe a possibilidade de viés de seleção elevado se tivermos um pequeno conjunto de dados, porque perderíamos algumas informações sobre os dados que não usamos para o treinamento e usamos na validação. Se a</a:t>
             </a:r>
             <a:r>
-              <a:rPr lang="pt-BR" baseline="0" dirty="0" smtClean="0"/>
+              <a:rPr lang="pt-BR" baseline="0" dirty="0"/>
               <a:t> base de </a:t>
             </a:r>
             <a:r>
-              <a:rPr lang="pt-BR" dirty="0" smtClean="0"/>
+              <a:rPr lang="pt-BR" dirty="0"/>
               <a:t>dados for muio grande e os </a:t>
             </a:r>
             <a:r>
-              <a:rPr lang="pt-BR" baseline="0" dirty="0" smtClean="0"/>
+              <a:rPr lang="pt-BR" baseline="0" dirty="0"/>
               <a:t>conjuntos </a:t>
             </a:r>
             <a:r>
-              <a:rPr lang="pt-BR" dirty="0" smtClean="0"/>
+              <a:rPr lang="pt-BR" dirty="0"/>
               <a:t>de teste e treinamento tiverem a mesma distribuição, essa </a:t>
             </a:r>
             <a:r>
-              <a:rPr lang="pt-BR" baseline="0" dirty="0" smtClean="0"/>
+              <a:rPr lang="pt-BR" baseline="0" dirty="0"/>
               <a:t>estratégia </a:t>
             </a:r>
             <a:r>
-              <a:rPr lang="pt-BR" dirty="0" smtClean="0"/>
+              <a:rPr lang="pt-BR" dirty="0"/>
               <a:t>é aceitável.</a:t>
             </a:r>
           </a:p>
@@ -1858,19 +1889,19 @@
           <a:lstStyle/>
           <a:p>
             <a:r>
-              <a:rPr lang="pt-BR" b="1" dirty="0" smtClean="0"/>
+              <a:rPr lang="pt-BR" b="1" dirty="0"/>
               <a:t>Exemplo</a:t>
             </a:r>
             <a:r>
-              <a:rPr lang="pt-BR" dirty="0" smtClean="0"/>
+              <a:rPr lang="pt-BR" dirty="0"/>
               <a:t>:</a:t>
             </a:r>
             <a:r>
-              <a:rPr lang="pt-BR" baseline="0" dirty="0" smtClean="0"/>
+              <a:rPr lang="pt-BR" baseline="0" dirty="0"/>
               <a:t> </a:t>
             </a:r>
             <a:r>
-              <a:rPr lang="pt-BR" dirty="0" smtClean="0"/>
+              <a:rPr lang="pt-BR" dirty="0"/>
               <a:t>https://mybinder.org/v2/gh/zz4fap/t319_aprendizado_de_maquina/main?filepath=notebooks%2Fregression%2Fvalidacao_cruzada.ipynb</a:t>
             </a:r>
           </a:p>
@@ -1957,25 +1988,25 @@
           <a:lstStyle/>
           <a:p>
             <a:r>
-              <a:rPr lang="pt-BR" dirty="0" smtClean="0"/>
+              <a:rPr lang="pt-BR" dirty="0"/>
               <a:t>A ideia principal por trás da</a:t>
             </a:r>
             <a:r>
-              <a:rPr lang="pt-BR" baseline="0" dirty="0" smtClean="0"/>
+              <a:rPr lang="pt-BR" baseline="0" dirty="0"/>
               <a:t> estratégia do k-Fold </a:t>
             </a:r>
             <a:r>
-              <a:rPr lang="pt-BR" dirty="0" smtClean="0"/>
+              <a:rPr lang="pt-BR" dirty="0"/>
               <a:t>é que cada</a:t>
             </a:r>
             <a:r>
-              <a:rPr lang="pt-BR" baseline="0" dirty="0" smtClean="0"/>
+              <a:rPr lang="pt-BR" baseline="0" dirty="0"/>
               <a:t> exemplo do conjunto de dados faz o serviço duplo como dado de treinamento e de validação/teste.</a:t>
             </a:r>
-            <a:endParaRPr lang="pt-BR" dirty="0" smtClean="0"/>
-          </a:p>
-          <a:p>
-            <a:endParaRPr lang="pt-BR" dirty="0" smtClean="0"/>
+            <a:endParaRPr lang="pt-BR" dirty="0"/>
+          </a:p>
+          <a:p>
+            <a:endParaRPr lang="pt-BR" dirty="0"/>
           </a:p>
           <a:p>
             <a:pPr marL="0" marR="0" indent="0" algn="l" defTabSz="914400" rtl="0" eaLnBrk="1" fontAlgn="auto" latinLnBrk="0" hangingPunct="1">
@@ -1996,115 +2027,115 @@
               <a:defRPr/>
             </a:pPr>
             <a:r>
-              <a:rPr lang="pt-BR" dirty="0" smtClean="0"/>
+              <a:rPr lang="pt-BR" dirty="0"/>
               <a:t>Na validação cruzada do k-Fold, os dados são divididos em k subconjuntos. A validação é repetida k vezes, de modo que, a cada vez, um dos subconjuntos k é usado como conjunto de validação e os outros subconjuntos k-1 são reunidos para formar um único conjunto de treinamento. Desta forma, </a:t>
             </a:r>
             <a:r>
-              <a:rPr lang="pt-BR" baseline="0" dirty="0" smtClean="0"/>
+              <a:rPr lang="pt-BR" baseline="0" dirty="0"/>
               <a:t>uma vantagem dessa abordagem é que a forma como os dados são divididos importa menos. </a:t>
             </a:r>
           </a:p>
           <a:p>
-            <a:endParaRPr lang="pt-BR" dirty="0" smtClean="0"/>
-          </a:p>
-          <a:p>
-            <a:r>
-              <a:rPr lang="pt-BR" dirty="0" smtClean="0"/>
+            <a:endParaRPr lang="pt-BR" dirty="0"/>
+          </a:p>
+          <a:p>
+            <a:r>
+              <a:rPr lang="pt-BR" dirty="0"/>
               <a:t>Essa</a:t>
             </a:r>
             <a:r>
-              <a:rPr lang="pt-BR" baseline="0" dirty="0" smtClean="0"/>
+              <a:rPr lang="pt-BR" baseline="0" dirty="0"/>
               <a:t> </a:t>
             </a:r>
             <a:r>
-              <a:rPr lang="pt-BR" sz="1200" dirty="0" smtClean="0"/>
+              <a:rPr lang="pt-BR" sz="1200" dirty="0"/>
               <a:t>estratégia </a:t>
             </a:r>
             <a:r>
-              <a:rPr lang="pt-BR" dirty="0" smtClean="0"/>
+              <a:rPr lang="pt-BR" dirty="0"/>
               <a:t>reduz significativamente o problema do viés</a:t>
             </a:r>
             <a:r>
-              <a:rPr lang="pt-BR" baseline="0" dirty="0" smtClean="0"/>
+              <a:rPr lang="pt-BR" baseline="0" dirty="0"/>
               <a:t> de seleção</a:t>
             </a:r>
             <a:r>
-              <a:rPr lang="pt-BR" dirty="0" smtClean="0"/>
+              <a:rPr lang="pt-BR" dirty="0"/>
               <a:t>, pois ela</a:t>
             </a:r>
             <a:r>
-              <a:rPr lang="pt-BR" baseline="0" dirty="0" smtClean="0"/>
+              <a:rPr lang="pt-BR" baseline="0" dirty="0"/>
               <a:t> </a:t>
             </a:r>
             <a:r>
-              <a:rPr lang="pt-BR" sz="1200" dirty="0" smtClean="0"/>
+              <a:rPr lang="pt-BR" sz="1200" dirty="0"/>
               <a:t>garante que todos os exemplos do conjunto de dados original tenham a chance de aparecer nos conjuntos de treinamento e validação,</a:t>
             </a:r>
             <a:r>
-              <a:rPr lang="pt-BR" sz="1200" baseline="0" dirty="0" smtClean="0"/>
+              <a:rPr lang="pt-BR" sz="1200" baseline="0" dirty="0"/>
               <a:t> o que consequentemente, </a:t>
             </a:r>
             <a:r>
-              <a:rPr lang="pt-BR" dirty="0" smtClean="0"/>
+              <a:rPr lang="pt-BR" dirty="0"/>
               <a:t>reduz a variância.</a:t>
             </a:r>
             <a:r>
-              <a:rPr lang="pt-BR" baseline="0" dirty="0" smtClean="0"/>
+              <a:rPr lang="pt-BR" baseline="0" dirty="0"/>
               <a:t> </a:t>
             </a:r>
           </a:p>
           <a:p>
-            <a:endParaRPr lang="pt-BR" baseline="0" dirty="0" smtClean="0"/>
-          </a:p>
-          <a:p>
-            <a:r>
-              <a:rPr lang="pt-BR" dirty="0" smtClean="0"/>
+            <a:endParaRPr lang="pt-BR" baseline="0" dirty="0"/>
+          </a:p>
+          <a:p>
+            <a:r>
+              <a:rPr lang="pt-BR" dirty="0"/>
               <a:t>Portanto,</a:t>
             </a:r>
             <a:r>
-              <a:rPr lang="pt-BR" baseline="0" dirty="0" smtClean="0"/>
+              <a:rPr lang="pt-BR" baseline="0" dirty="0"/>
               <a:t> a</a:t>
             </a:r>
             <a:r>
-              <a:rPr lang="pt-BR" dirty="0" smtClean="0"/>
+              <a:rPr lang="pt-BR" dirty="0"/>
               <a:t> troca dos conjuntos de treinamento e validação contribuem</a:t>
             </a:r>
             <a:r>
-              <a:rPr lang="pt-BR" baseline="0" dirty="0" smtClean="0"/>
+              <a:rPr lang="pt-BR" baseline="0" dirty="0"/>
               <a:t> </a:t>
             </a:r>
             <a:r>
-              <a:rPr lang="pt-BR" dirty="0" smtClean="0"/>
+              <a:rPr lang="pt-BR" dirty="0"/>
               <a:t>para a eficácia dessa </a:t>
             </a:r>
             <a:r>
-              <a:rPr lang="pt-BR" sz="1200" dirty="0" smtClean="0"/>
+              <a:rPr lang="pt-BR" sz="1200" dirty="0"/>
               <a:t>estratégia</a:t>
             </a:r>
             <a:r>
-              <a:rPr lang="pt-BR" dirty="0" smtClean="0"/>
+              <a:rPr lang="pt-BR" dirty="0"/>
               <a:t>. </a:t>
             </a:r>
             <a:r>
-              <a:rPr lang="pt-BR" baseline="0" dirty="0" smtClean="0"/>
+              <a:rPr lang="pt-BR" baseline="0" dirty="0"/>
               <a:t>Como regra geral e evidência empírica, normalmente, utiliza-se K = 5 ou 10. A variância da estimativa resultante é reduzida à medida que k é aumentado.</a:t>
             </a:r>
           </a:p>
           <a:p>
-            <a:endParaRPr lang="pt-BR" baseline="0" dirty="0" smtClean="0"/>
-          </a:p>
-          <a:p>
-            <a:r>
-              <a:rPr lang="pt-BR" baseline="0" dirty="0" smtClean="0"/>
+            <a:endParaRPr lang="pt-BR" baseline="0" dirty="0"/>
+          </a:p>
+          <a:p>
+            <a:r>
+              <a:rPr lang="pt-BR" baseline="0" dirty="0"/>
               <a:t>A validação cruzada do k-Fold é importante pois permite que você use seu conjunto de dados completo tanto para treinamento como para validação. É especialmente útil ao avaliar um modelo usando conjuntos de dados pequenos ou limitados.</a:t>
             </a:r>
           </a:p>
           <a:p>
-            <a:endParaRPr lang="pt-BR" dirty="0" smtClean="0"/>
-          </a:p>
-          <a:p>
-            <a:r>
-              <a:rPr lang="pt-BR" dirty="0" smtClean="0"/>
+            <a:endParaRPr lang="pt-BR" dirty="0"/>
+          </a:p>
+          <a:p>
+            <a:r>
+              <a:rPr lang="pt-BR" dirty="0"/>
               <a:t>O desempenho do modelo é dado pela média dos erros de validação calculados para cada um dos k folds. A estimativa de erro é calculada sobre todos os k folds para obter a eficácia total do modelo. </a:t>
             </a:r>
           </a:p>
@@ -2126,7 +2157,7 @@
               <a:tabLst/>
               <a:defRPr/>
             </a:pPr>
-            <a:endParaRPr lang="pt-BR" dirty="0" smtClean="0"/>
+            <a:endParaRPr lang="pt-BR" dirty="0"/>
           </a:p>
           <a:p>
             <a:pPr marL="0" marR="0" indent="0" algn="l" defTabSz="914400" rtl="0" eaLnBrk="1" fontAlgn="auto" latinLnBrk="0" hangingPunct="1">
@@ -2147,13 +2178,13 @@
               <a:defRPr/>
             </a:pPr>
             <a:r>
-              <a:rPr lang="pt-BR" dirty="0" smtClean="0"/>
+              <a:rPr lang="pt-BR" dirty="0"/>
               <a:t>Como pode ser visto, todo exemplo fica em um conjunto de validação exatamente uma vez e em um conjunto de treinamento k-1 vezes.</a:t>
             </a:r>
           </a:p>
           <a:p>
             <a:r>
-              <a:rPr lang="pt-BR" baseline="0" dirty="0" smtClean="0"/>
+              <a:rPr lang="pt-BR" baseline="0" dirty="0"/>
               <a:t>Cada exemplo entra em um conjunto de validação exatamente uma vez e a k-1 vezes no conjunto de treinamento.</a:t>
             </a:r>
           </a:p>
@@ -2176,33 +2207,104 @@
               <a:defRPr/>
             </a:pPr>
             <a:r>
-              <a:rPr lang="pt-BR" dirty="0" smtClean="0"/>
+              <a:rPr lang="pt-BR" dirty="0"/>
               <a:t>Com este procedimento, toda amostra disponível vai aparecer k-1 vezes no conjunto de treinamento e 1 vez no conjunto de validação.</a:t>
             </a:r>
           </a:p>
           <a:p>
-            <a:endParaRPr lang="pt-BR" dirty="0" smtClean="0"/>
-          </a:p>
-          <a:p>
-            <a:r>
-              <a:rPr lang="pt-BR" b="1" dirty="0" smtClean="0"/>
+            <a:endParaRPr lang="pt-BR" dirty="0"/>
+          </a:p>
+          <a:p>
+            <a:r>
+              <a:rPr lang="pt-BR" b="1" dirty="0"/>
               <a:t>Desvantagem</a:t>
             </a:r>
             <a:r>
-              <a:rPr lang="pt-BR" dirty="0" smtClean="0"/>
+              <a:rPr lang="pt-BR" dirty="0"/>
               <a:t>:</a:t>
             </a:r>
           </a:p>
           <a:p>
             <a:r>
-              <a:rPr lang="pt-BR" dirty="0" smtClean="0"/>
+              <a:rPr lang="pt-BR" dirty="0"/>
               <a:t>Alto</a:t>
             </a:r>
             <a:r>
-              <a:rPr lang="pt-BR" baseline="0" dirty="0" smtClean="0"/>
+              <a:rPr lang="pt-BR" baseline="0" dirty="0"/>
               <a:t> custo computational pois treina-se e valida-se o modelo k vezes, ou seja, o algoritmo de treinamento deve ser executado novamente do zero k vezes, o que significa que leva k vezes mais tempo para fazer uma avaliação (treinamento+validação).</a:t>
             </a:r>
-            <a:endParaRPr lang="pt-BR" dirty="0" smtClean="0"/>
+            <a:endParaRPr lang="pt-BR" dirty="0"/>
+          </a:p>
+          <a:p>
+            <a:endParaRPr lang="pt-BR" dirty="0"/>
+          </a:p>
+          <a:p>
+            <a:endParaRPr lang="pt-BR" dirty="0"/>
+          </a:p>
+          <a:p>
+            <a:pPr algn="l"/>
+            <a:r>
+              <a:rPr lang="en-US" b="0" i="0" dirty="0">
+                <a:effectLst/>
+                <a:latin typeface="Söhne"/>
+              </a:rPr>
+              <a:t>What does k-fold error variance say about overfitting?</a:t>
+            </a:r>
+          </a:p>
+          <a:p>
+            <a:endParaRPr lang="pt-BR" dirty="0"/>
+          </a:p>
+          <a:p>
+            <a:pPr algn="l"/>
+            <a:r>
+              <a:rPr lang="en-US" b="0" i="0" dirty="0">
+                <a:solidFill>
+                  <a:srgbClr val="374151"/>
+                </a:solidFill>
+                <a:effectLst/>
+                <a:latin typeface="Söhne"/>
+              </a:rPr>
+              <a:t>K-fold error variance can provide insights into the presence of overfitting in a machine learning model. Overfitting occurs when a model learns the training data too well and performs poorly on unseen data.</a:t>
+            </a:r>
+          </a:p>
+          <a:p>
+            <a:pPr algn="l"/>
+            <a:r>
+              <a:rPr lang="en-US" b="0" i="0" dirty="0">
+                <a:solidFill>
+                  <a:srgbClr val="374151"/>
+                </a:solidFill>
+                <a:effectLst/>
+                <a:latin typeface="Söhne"/>
+              </a:rPr>
+              <a:t>In k-fold cross-validation, the dataset is divided into k subsets or folds. The model is trained on k-1 folds and evaluated on the remaining fold. This process is repeated k times, with each fold serving as the evaluation set once. The k-fold error variance refers to the variability in performance (e.g., accuracy, error rate) across the k iterations of the cross-validation process.</a:t>
+            </a:r>
+          </a:p>
+          <a:p>
+            <a:pPr algn="l"/>
+            <a:r>
+              <a:rPr lang="en-US" b="0" i="0" dirty="0">
+                <a:solidFill>
+                  <a:srgbClr val="374151"/>
+                </a:solidFill>
+                <a:effectLst/>
+                <a:latin typeface="Söhne"/>
+              </a:rPr>
+              <a:t>When the k-fold error variance is low, it suggests that the model's performance is consistent across different subsets of the data. This indicates that the model generalizes well and is less likely to be overfitting. On the other hand, a high k-fold error variance implies that the model's performance varies significantly depending on the subset of the data used for evaluation. This could be a sign of overfitting because the model might be capturing noise or idiosyncrasies in the training data that do not generalize well to unseen data.</a:t>
+            </a:r>
+          </a:p>
+          <a:p>
+            <a:pPr algn="l"/>
+            <a:r>
+              <a:rPr lang="en-US" b="0" i="0" dirty="0">
+                <a:solidFill>
+                  <a:srgbClr val="374151"/>
+                </a:solidFill>
+                <a:effectLst/>
+                <a:latin typeface="Söhne"/>
+              </a:rPr>
+              <a:t>In summary, a low k-fold error variance suggests a model with good generalization, while a high k-fold error variance may indicate overfitting and a potential lack of generalization. However, it is important to consider other factors such as the overall performance metrics and the complexity of the model to make a conclusive assessment of overfitting.</a:t>
+            </a:r>
           </a:p>
           <a:p>
             <a:endParaRPr lang="pt-BR" dirty="0"/>
@@ -2290,25 +2392,25 @@
           <a:lstStyle/>
           <a:p>
             <a:r>
-              <a:rPr lang="pt-BR" dirty="0" smtClean="0"/>
+              <a:rPr lang="pt-BR" dirty="0"/>
               <a:t>A ideia principal por trás da</a:t>
             </a:r>
             <a:r>
-              <a:rPr lang="pt-BR" baseline="0" dirty="0" smtClean="0"/>
+              <a:rPr lang="pt-BR" baseline="0" dirty="0"/>
               <a:t> estratégia do k-Fold </a:t>
             </a:r>
             <a:r>
-              <a:rPr lang="pt-BR" dirty="0" smtClean="0"/>
+              <a:rPr lang="pt-BR" dirty="0"/>
               <a:t>é que cada</a:t>
             </a:r>
             <a:r>
-              <a:rPr lang="pt-BR" baseline="0" dirty="0" smtClean="0"/>
+              <a:rPr lang="pt-BR" baseline="0" dirty="0"/>
               <a:t> exemplo do conjunto de dados faz o serviço duplo como dado de treinamento e de validação/teste.</a:t>
             </a:r>
-            <a:endParaRPr lang="pt-BR" dirty="0" smtClean="0"/>
-          </a:p>
-          <a:p>
-            <a:endParaRPr lang="pt-BR" dirty="0" smtClean="0"/>
+            <a:endParaRPr lang="pt-BR" dirty="0"/>
+          </a:p>
+          <a:p>
+            <a:endParaRPr lang="pt-BR" dirty="0"/>
           </a:p>
           <a:p>
             <a:pPr marL="0" marR="0" indent="0" algn="l" defTabSz="914400" rtl="0" eaLnBrk="1" fontAlgn="auto" latinLnBrk="0" hangingPunct="1">
@@ -2329,115 +2431,115 @@
               <a:defRPr/>
             </a:pPr>
             <a:r>
-              <a:rPr lang="pt-BR" dirty="0" smtClean="0"/>
+              <a:rPr lang="pt-BR" dirty="0"/>
               <a:t>Na validação cruzada do k-Fold, os dados são divididos em k subconjuntos. A validação é repetida k vezes, de modo que, a cada vez, um dos subconjuntos k é usado como conjunto de validação e os outros subconjuntos k-1 são reunidos para formar um único conjunto de treinamento. Desta forma, </a:t>
             </a:r>
             <a:r>
-              <a:rPr lang="pt-BR" baseline="0" dirty="0" smtClean="0"/>
+              <a:rPr lang="pt-BR" baseline="0" dirty="0"/>
               <a:t>uma vantagem dessa abordagem é que a forma como os dados são divididos importa menos. </a:t>
             </a:r>
           </a:p>
           <a:p>
-            <a:endParaRPr lang="pt-BR" dirty="0" smtClean="0"/>
-          </a:p>
-          <a:p>
-            <a:r>
-              <a:rPr lang="pt-BR" dirty="0" smtClean="0"/>
+            <a:endParaRPr lang="pt-BR" dirty="0"/>
+          </a:p>
+          <a:p>
+            <a:r>
+              <a:rPr lang="pt-BR" dirty="0"/>
               <a:t>Essa</a:t>
             </a:r>
             <a:r>
-              <a:rPr lang="pt-BR" baseline="0" dirty="0" smtClean="0"/>
+              <a:rPr lang="pt-BR" baseline="0" dirty="0"/>
               <a:t> </a:t>
             </a:r>
             <a:r>
-              <a:rPr lang="pt-BR" sz="1200" dirty="0" smtClean="0"/>
+              <a:rPr lang="pt-BR" sz="1200" dirty="0"/>
               <a:t>estratégia </a:t>
             </a:r>
             <a:r>
-              <a:rPr lang="pt-BR" dirty="0" smtClean="0"/>
+              <a:rPr lang="pt-BR" dirty="0"/>
               <a:t>reduz significativamente o problema do viés</a:t>
             </a:r>
             <a:r>
-              <a:rPr lang="pt-BR" baseline="0" dirty="0" smtClean="0"/>
+              <a:rPr lang="pt-BR" baseline="0" dirty="0"/>
               <a:t> de seleção</a:t>
             </a:r>
             <a:r>
-              <a:rPr lang="pt-BR" dirty="0" smtClean="0"/>
+              <a:rPr lang="pt-BR" dirty="0"/>
               <a:t>, pois ela</a:t>
             </a:r>
             <a:r>
-              <a:rPr lang="pt-BR" baseline="0" dirty="0" smtClean="0"/>
+              <a:rPr lang="pt-BR" baseline="0" dirty="0"/>
               <a:t> </a:t>
             </a:r>
             <a:r>
-              <a:rPr lang="pt-BR" sz="1200" dirty="0" smtClean="0"/>
+              <a:rPr lang="pt-BR" sz="1200" dirty="0"/>
               <a:t>garante que todos os exemplos do conjunto de dados original tenham a chance de aparecer nos conjuntos de treinamento e validação,</a:t>
             </a:r>
             <a:r>
-              <a:rPr lang="pt-BR" sz="1200" baseline="0" dirty="0" smtClean="0"/>
+              <a:rPr lang="pt-BR" sz="1200" baseline="0" dirty="0"/>
               <a:t> o que consequentemente, </a:t>
             </a:r>
             <a:r>
-              <a:rPr lang="pt-BR" dirty="0" smtClean="0"/>
+              <a:rPr lang="pt-BR" dirty="0"/>
               <a:t>reduz a variância.</a:t>
             </a:r>
             <a:r>
-              <a:rPr lang="pt-BR" baseline="0" dirty="0" smtClean="0"/>
+              <a:rPr lang="pt-BR" baseline="0" dirty="0"/>
               <a:t> </a:t>
             </a:r>
           </a:p>
           <a:p>
-            <a:endParaRPr lang="pt-BR" baseline="0" dirty="0" smtClean="0"/>
-          </a:p>
-          <a:p>
-            <a:r>
-              <a:rPr lang="pt-BR" dirty="0" smtClean="0"/>
+            <a:endParaRPr lang="pt-BR" baseline="0" dirty="0"/>
+          </a:p>
+          <a:p>
+            <a:r>
+              <a:rPr lang="pt-BR" dirty="0"/>
               <a:t>Portanto,</a:t>
             </a:r>
             <a:r>
-              <a:rPr lang="pt-BR" baseline="0" dirty="0" smtClean="0"/>
+              <a:rPr lang="pt-BR" baseline="0" dirty="0"/>
               <a:t> a</a:t>
             </a:r>
             <a:r>
-              <a:rPr lang="pt-BR" dirty="0" smtClean="0"/>
+              <a:rPr lang="pt-BR" dirty="0"/>
               <a:t> troca dos conjuntos de treinamento e validação contribuem</a:t>
             </a:r>
             <a:r>
-              <a:rPr lang="pt-BR" baseline="0" dirty="0" smtClean="0"/>
+              <a:rPr lang="pt-BR" baseline="0" dirty="0"/>
               <a:t> </a:t>
             </a:r>
             <a:r>
-              <a:rPr lang="pt-BR" dirty="0" smtClean="0"/>
+              <a:rPr lang="pt-BR" dirty="0"/>
               <a:t>para a eficácia dessa </a:t>
             </a:r>
             <a:r>
-              <a:rPr lang="pt-BR" sz="1200" dirty="0" smtClean="0"/>
+              <a:rPr lang="pt-BR" sz="1200" dirty="0"/>
               <a:t>estratégia</a:t>
             </a:r>
             <a:r>
-              <a:rPr lang="pt-BR" dirty="0" smtClean="0"/>
+              <a:rPr lang="pt-BR" dirty="0"/>
               <a:t>. </a:t>
             </a:r>
             <a:r>
-              <a:rPr lang="pt-BR" baseline="0" dirty="0" smtClean="0"/>
+              <a:rPr lang="pt-BR" baseline="0" dirty="0"/>
               <a:t>Como regra geral e evidência empírica, normalmente, utiliza-se K = 5 ou 10. A variância da estimativa resultante é reduzida à medida que k é aumentado.</a:t>
             </a:r>
           </a:p>
           <a:p>
-            <a:endParaRPr lang="pt-BR" baseline="0" dirty="0" smtClean="0"/>
-          </a:p>
-          <a:p>
-            <a:r>
-              <a:rPr lang="pt-BR" baseline="0" dirty="0" smtClean="0"/>
+            <a:endParaRPr lang="pt-BR" baseline="0" dirty="0"/>
+          </a:p>
+          <a:p>
+            <a:r>
+              <a:rPr lang="pt-BR" baseline="0" dirty="0"/>
               <a:t>A validação cruzada do k-Fold é importante pois permite que você use seu conjunto de dados completo tanto para treinamento como para validação. É especialmente útil ao avaliar um modelo usando conjuntos de dados pequenos ou limitados.</a:t>
             </a:r>
           </a:p>
           <a:p>
-            <a:endParaRPr lang="pt-BR" dirty="0" smtClean="0"/>
-          </a:p>
-          <a:p>
-            <a:r>
-              <a:rPr lang="pt-BR" dirty="0" smtClean="0"/>
+            <a:endParaRPr lang="pt-BR" dirty="0"/>
+          </a:p>
+          <a:p>
+            <a:r>
+              <a:rPr lang="pt-BR" dirty="0"/>
               <a:t>O desempenho do modelo é dado pela média dos erros de validação calculados para cada um dos k folds. A estimativa de erro é calculada sobre todos os k folds para obter a eficácia total do modelo. </a:t>
             </a:r>
           </a:p>
@@ -2459,7 +2561,7 @@
               <a:tabLst/>
               <a:defRPr/>
             </a:pPr>
-            <a:endParaRPr lang="pt-BR" dirty="0" smtClean="0"/>
+            <a:endParaRPr lang="pt-BR" dirty="0"/>
           </a:p>
           <a:p>
             <a:pPr marL="0" marR="0" indent="0" algn="l" defTabSz="914400" rtl="0" eaLnBrk="1" fontAlgn="auto" latinLnBrk="0" hangingPunct="1">
@@ -2480,13 +2582,13 @@
               <a:defRPr/>
             </a:pPr>
             <a:r>
-              <a:rPr lang="pt-BR" dirty="0" smtClean="0"/>
+              <a:rPr lang="pt-BR" dirty="0"/>
               <a:t>Como pode ser visto, todo exemplo fica em um conjunto de validação exatamente uma vez e em um conjunto de treinamento k-1 vezes.</a:t>
             </a:r>
           </a:p>
           <a:p>
             <a:r>
-              <a:rPr lang="pt-BR" baseline="0" dirty="0" smtClean="0"/>
+              <a:rPr lang="pt-BR" baseline="0" dirty="0"/>
               <a:t>Cada exemplo entra em um conjunto de validação exatamente uma vez e a k-1 vezes no conjunto de treinamento.</a:t>
             </a:r>
           </a:p>
@@ -2509,36 +2611,36 @@
               <a:defRPr/>
             </a:pPr>
             <a:r>
-              <a:rPr lang="pt-BR" dirty="0" smtClean="0"/>
+              <a:rPr lang="pt-BR" dirty="0"/>
               <a:t>Com este procedimento, toda amostra disponível vai aparecer k-1 vezes no conjunto de treinamento e 1 vez no conjunto de validação.</a:t>
             </a:r>
           </a:p>
           <a:p>
-            <a:endParaRPr lang="pt-BR" dirty="0" smtClean="0"/>
-          </a:p>
-          <a:p>
-            <a:r>
-              <a:rPr lang="pt-BR" b="1" dirty="0" smtClean="0"/>
+            <a:endParaRPr lang="pt-BR" dirty="0"/>
+          </a:p>
+          <a:p>
+            <a:r>
+              <a:rPr lang="pt-BR" b="1" dirty="0"/>
               <a:t>Desvantagem</a:t>
             </a:r>
             <a:r>
-              <a:rPr lang="pt-BR" dirty="0" smtClean="0"/>
+              <a:rPr lang="pt-BR" dirty="0"/>
               <a:t>:</a:t>
             </a:r>
           </a:p>
           <a:p>
             <a:r>
-              <a:rPr lang="pt-BR" dirty="0" smtClean="0"/>
+              <a:rPr lang="pt-BR" dirty="0"/>
               <a:t>Alto</a:t>
             </a:r>
             <a:r>
-              <a:rPr lang="pt-BR" baseline="0" dirty="0" smtClean="0"/>
+              <a:rPr lang="pt-BR" baseline="0" dirty="0"/>
               <a:t> custo computational pois treina-se e valida-se o modelo k vezes, ou seja, o algoritmo de treinamento deve ser executado novamente do zero k vezes, o que significa que leva k vezes mais tempo para fazer uma avaliação (treinamento+validação).</a:t>
             </a:r>
-            <a:endParaRPr lang="pt-BR" dirty="0" smtClean="0"/>
-          </a:p>
-          <a:p>
-            <a:endParaRPr lang="pt-BR" dirty="0" smtClean="0"/>
+            <a:endParaRPr lang="pt-BR" dirty="0"/>
+          </a:p>
+          <a:p>
+            <a:endParaRPr lang="pt-BR" dirty="0"/>
           </a:p>
           <a:p>
             <a:endParaRPr lang="pt-BR" dirty="0"/>
@@ -2626,19 +2728,19 @@
           <a:lstStyle/>
           <a:p>
             <a:r>
-              <a:rPr lang="pt-BR" b="1" dirty="0" smtClean="0"/>
+              <a:rPr lang="pt-BR" b="1" dirty="0"/>
               <a:t>Exemplo</a:t>
             </a:r>
             <a:r>
-              <a:rPr lang="pt-BR" dirty="0" smtClean="0"/>
+              <a:rPr lang="pt-BR" dirty="0"/>
               <a:t>:</a:t>
             </a:r>
             <a:r>
-              <a:rPr lang="pt-BR" baseline="0" dirty="0" smtClean="0"/>
+              <a:rPr lang="pt-BR" baseline="0" dirty="0"/>
               <a:t> </a:t>
             </a:r>
             <a:r>
-              <a:rPr lang="pt-BR" dirty="0" smtClean="0"/>
+              <a:rPr lang="pt-BR" dirty="0"/>
               <a:t>https://mybinder.org/v2/gh/zz4fap/t319_aprendizado_de_maquina/main?filepath=notebooks%2Fregression%2Fvalidacao_cruzada.ipynb</a:t>
             </a:r>
           </a:p>
@@ -2742,23 +2844,7 @@
             </a:r>
             <a:r>
               <a:rPr lang="pt-BR" dirty="0"/>
-              <a:t> exemplos do conjunto de dados </a:t>
-            </a:r>
-            <a:r>
-              <a:rPr lang="pt-BR" dirty="0" smtClean="0"/>
-              <a:t>como </a:t>
-            </a:r>
-            <a:r>
-              <a:rPr lang="pt-BR" dirty="0"/>
-              <a:t>conjunto de validação e as observações </a:t>
-            </a:r>
-            <a:r>
-              <a:rPr lang="pt-BR" dirty="0" smtClean="0"/>
-              <a:t>restantes (N-p) </a:t>
-            </a:r>
-            <a:r>
-              <a:rPr lang="pt-BR" dirty="0"/>
-              <a:t>como o conjunto de treinamento.</a:t>
+              <a:t> exemplos do conjunto de dados como conjunto de validação e as observações restantes (N-p) como o conjunto de treinamento.</a:t>
             </a:r>
           </a:p>
           <a:p>
@@ -2767,15 +2853,7 @@
           <a:p>
             <a:r>
               <a:rPr lang="pt-BR" dirty="0"/>
-              <a:t>Essa </a:t>
-            </a:r>
-            <a:r>
-              <a:rPr lang="pt-BR" dirty="0" smtClean="0"/>
-              <a:t>estratégia deixa </a:t>
-            </a:r>
-            <a:r>
-              <a:rPr lang="pt-BR" dirty="0"/>
-              <a:t>p pontos de dados fora do</a:t>
+              <a:t>Essa estratégia deixa p pontos de dados fora do</a:t>
             </a:r>
             <a:r>
               <a:rPr lang="pt-BR" baseline="0" dirty="0"/>
@@ -2808,23 +2886,7 @@
           <a:p>
             <a:r>
               <a:rPr lang="pt-BR" dirty="0"/>
-              <a:t>Esta é uma </a:t>
-            </a:r>
-            <a:r>
-              <a:rPr lang="pt-BR" dirty="0" smtClean="0"/>
-              <a:t>estratégia mais </a:t>
-            </a:r>
-            <a:r>
-              <a:rPr lang="pt-BR" dirty="0"/>
-              <a:t>extrema para </a:t>
-            </a:r>
-            <a:r>
-              <a:rPr lang="pt-BR" dirty="0" smtClean="0"/>
-              <a:t>se realizar </a:t>
-            </a:r>
-            <a:r>
-              <a:rPr lang="pt-BR" dirty="0"/>
-              <a:t>a validação cruzada,</a:t>
+              <a:t>Esta é uma estratégia mais extrema para se realizar a validação cruzada,</a:t>
             </a:r>
             <a:r>
               <a:rPr lang="pt-BR" baseline="0" dirty="0"/>
@@ -3031,7 +3093,7 @@
           <a:p>
             <a:fld id="{C80E15A5-E95B-43EB-9AC7-9A96397448C0}" type="datetimeFigureOut">
               <a:rPr lang="nl-BE" smtClean="0"/>
-              <a:t>5/05/2023</a:t>
+              <a:t>2/06/2023</a:t>
             </a:fld>
             <a:endParaRPr lang="nl-BE"/>
           </a:p>
@@ -3201,7 +3263,7 @@
           <a:p>
             <a:fld id="{C80E15A5-E95B-43EB-9AC7-9A96397448C0}" type="datetimeFigureOut">
               <a:rPr lang="nl-BE" smtClean="0"/>
-              <a:t>5/05/2023</a:t>
+              <a:t>2/06/2023</a:t>
             </a:fld>
             <a:endParaRPr lang="nl-BE"/>
           </a:p>
@@ -3381,7 +3443,7 @@
           <a:p>
             <a:fld id="{C80E15A5-E95B-43EB-9AC7-9A96397448C0}" type="datetimeFigureOut">
               <a:rPr lang="nl-BE" smtClean="0"/>
-              <a:t>5/05/2023</a:t>
+              <a:t>2/06/2023</a:t>
             </a:fld>
             <a:endParaRPr lang="nl-BE"/>
           </a:p>
@@ -3551,7 +3613,7 @@
           <a:p>
             <a:fld id="{C80E15A5-E95B-43EB-9AC7-9A96397448C0}" type="datetimeFigureOut">
               <a:rPr lang="nl-BE" smtClean="0"/>
-              <a:t>5/05/2023</a:t>
+              <a:t>2/06/2023</a:t>
             </a:fld>
             <a:endParaRPr lang="nl-BE"/>
           </a:p>
@@ -3797,7 +3859,7 @@
           <a:p>
             <a:fld id="{C80E15A5-E95B-43EB-9AC7-9A96397448C0}" type="datetimeFigureOut">
               <a:rPr lang="nl-BE" smtClean="0"/>
-              <a:t>5/05/2023</a:t>
+              <a:t>2/06/2023</a:t>
             </a:fld>
             <a:endParaRPr lang="nl-BE"/>
           </a:p>
@@ -4029,7 +4091,7 @@
           <a:p>
             <a:fld id="{C80E15A5-E95B-43EB-9AC7-9A96397448C0}" type="datetimeFigureOut">
               <a:rPr lang="nl-BE" smtClean="0"/>
-              <a:t>5/05/2023</a:t>
+              <a:t>2/06/2023</a:t>
             </a:fld>
             <a:endParaRPr lang="nl-BE"/>
           </a:p>
@@ -4396,7 +4458,7 @@
           <a:p>
             <a:fld id="{C80E15A5-E95B-43EB-9AC7-9A96397448C0}" type="datetimeFigureOut">
               <a:rPr lang="nl-BE" smtClean="0"/>
-              <a:t>5/05/2023</a:t>
+              <a:t>2/06/2023</a:t>
             </a:fld>
             <a:endParaRPr lang="nl-BE"/>
           </a:p>
@@ -4514,7 +4576,7 @@
           <a:p>
             <a:fld id="{C80E15A5-E95B-43EB-9AC7-9A96397448C0}" type="datetimeFigureOut">
               <a:rPr lang="nl-BE" smtClean="0"/>
-              <a:t>5/05/2023</a:t>
+              <a:t>2/06/2023</a:t>
             </a:fld>
             <a:endParaRPr lang="nl-BE"/>
           </a:p>
@@ -4609,7 +4671,7 @@
           <a:p>
             <a:fld id="{C80E15A5-E95B-43EB-9AC7-9A96397448C0}" type="datetimeFigureOut">
               <a:rPr lang="nl-BE" smtClean="0"/>
-              <a:t>5/05/2023</a:t>
+              <a:t>2/06/2023</a:t>
             </a:fld>
             <a:endParaRPr lang="nl-BE"/>
           </a:p>
@@ -4886,7 +4948,7 @@
           <a:p>
             <a:fld id="{C80E15A5-E95B-43EB-9AC7-9A96397448C0}" type="datetimeFigureOut">
               <a:rPr lang="nl-BE" smtClean="0"/>
-              <a:t>5/05/2023</a:t>
+              <a:t>2/06/2023</a:t>
             </a:fld>
             <a:endParaRPr lang="nl-BE"/>
           </a:p>
@@ -5139,7 +5201,7 @@
           <a:p>
             <a:fld id="{C80E15A5-E95B-43EB-9AC7-9A96397448C0}" type="datetimeFigureOut">
               <a:rPr lang="nl-BE" smtClean="0"/>
-              <a:t>5/05/2023</a:t>
+              <a:t>2/06/2023</a:t>
             </a:fld>
             <a:endParaRPr lang="nl-BE"/>
           </a:p>
@@ -5352,7 +5414,7 @@
           <a:p>
             <a:fld id="{C80E15A5-E95B-43EB-9AC7-9A96397448C0}" type="datetimeFigureOut">
               <a:rPr lang="nl-BE" smtClean="0"/>
-              <a:t>5/05/2023</a:t>
+              <a:t>2/06/2023</a:t>
             </a:fld>
             <a:endParaRPr lang="nl-BE"/>
           </a:p>
@@ -5762,7 +5824,7 @@
           <p:cNvPr id="2" name="Título 1">
             <a:extLst>
               <a:ext uri="{FF2B5EF4-FFF2-40B4-BE49-F238E27FC236}">
-                <a16:creationId xmlns="" xmlns:a16="http://schemas.microsoft.com/office/drawing/2014/main" id="{32666AC8-2E17-4DB4-B0F5-60C640CCFD2E}"/>
+                <a16:creationId xmlns:a16="http://schemas.microsoft.com/office/drawing/2014/main" id="{32666AC8-2E17-4DB4-B0F5-60C640CCFD2E}"/>
               </a:ext>
             </a:extLst>
           </p:cNvPr>
@@ -5786,33 +5848,16 @@
           <a:lstStyle/>
           <a:p>
             <a:r>
-              <a:rPr lang="pt-BR" sz="5400" dirty="0" smtClean="0"/>
-              <a:t>T319 </a:t>
-            </a:r>
-            <a:r>
               <a:rPr lang="pt-BR" sz="5400" dirty="0"/>
-              <a:t>- Introdução ao Aprendizado de </a:t>
-            </a:r>
-            <a:r>
-              <a:rPr lang="pt-BR" sz="5400" dirty="0" smtClean="0"/>
-              <a:t>Máquina:</a:t>
-            </a:r>
-            <a:r>
-              <a:rPr lang="pt-BR" dirty="0"/>
-              <a:t/>
+              <a:t>T319 - Introdução ao Aprendizado de Máquina:</a:t>
             </a:r>
             <a:br>
               <a:rPr lang="pt-BR" dirty="0"/>
             </a:br>
             <a:r>
               <a:rPr lang="pt-BR" b="1" i="1" dirty="0"/>
-              <a:t>Regressão </a:t>
-            </a:r>
-            <a:r>
-              <a:rPr lang="pt-BR" b="1" i="1" dirty="0" smtClean="0"/>
-              <a:t>Linear (Parte V)</a:t>
-            </a:r>
-            <a:endParaRPr lang="pt-BR" b="1" i="1" dirty="0"/>
+              <a:t>Regressão Linear (Parte V)</a:t>
+            </a:r>
           </a:p>
         </p:txBody>
       </p:sp>
@@ -5821,7 +5866,7 @@
           <p:cNvPr id="4" name="CaixaDeTexto 3">
             <a:extLst>
               <a:ext uri="{FF2B5EF4-FFF2-40B4-BE49-F238E27FC236}">
-                <a16:creationId xmlns="" xmlns:a16="http://schemas.microsoft.com/office/drawing/2014/main" id="{430EB894-B7D4-434C-9D1A-A14094D9BEEC}"/>
+                <a16:creationId xmlns:a16="http://schemas.microsoft.com/office/drawing/2014/main" id="{430EB894-B7D4-434C-9D1A-A14094D9BEEC}"/>
               </a:ext>
             </a:extLst>
           </p:cNvPr>
@@ -5862,7 +5907,7 @@
           <p:cNvPr id="1026" name="Picture 2" descr="Logo">
             <a:extLst>
               <a:ext uri="{FF2B5EF4-FFF2-40B4-BE49-F238E27FC236}">
-                <a16:creationId xmlns="" xmlns:a16="http://schemas.microsoft.com/office/drawing/2014/main" id="{3F2642E0-4F6A-4196-8F58-E77D36E9A33F}"/>
+                <a16:creationId xmlns:a16="http://schemas.microsoft.com/office/drawing/2014/main" id="{3F2642E0-4F6A-4196-8F58-E77D36E9A33F}"/>
               </a:ext>
             </a:extLst>
           </p:cNvPr>
@@ -5907,7 +5952,7 @@
           <p:cNvPr id="5122" name="Picture 2" descr="Image result for machine learning">
             <a:extLst>
               <a:ext uri="{FF2B5EF4-FFF2-40B4-BE49-F238E27FC236}">
-                <a16:creationId xmlns="" xmlns:a16="http://schemas.microsoft.com/office/drawing/2014/main" id="{810CE0A2-4102-44A6-A370-175E7896CDCB}"/>
+                <a16:creationId xmlns:a16="http://schemas.microsoft.com/office/drawing/2014/main" id="{810CE0A2-4102-44A6-A370-175E7896CDCB}"/>
               </a:ext>
             </a:extLst>
           </p:cNvPr>
@@ -6027,10 +6072,9 @@
           <a:lstStyle/>
           <a:p>
             <a:r>
-              <a:rPr lang="pt-BR" dirty="0" smtClean="0"/>
+              <a:rPr lang="pt-BR" dirty="0"/>
               <a:t>Leave-p-out: Exemplo</a:t>
             </a:r>
-            <a:endParaRPr lang="pt-BR" dirty="0"/>
           </a:p>
         </p:txBody>
       </p:sp>
@@ -6060,68 +6104,24 @@
               <a:p>
                 <a:r>
                   <a:rPr lang="pt-BR" dirty="0"/>
-                  <a:t>Usa-se a mesma função observável do exemplo anterior</a:t>
+                  <a:t>Usa-se a mesma função observável do exemplo anterior.</a:t>
                 </a:r>
-                <a:r>
-                  <a:rPr lang="pt-BR" dirty="0" smtClean="0"/>
-                  <a:t>.</a:t>
-                </a:r>
-                <a:endParaRPr lang="pt-BR" b="1" dirty="0" smtClean="0"/>
+                <a:endParaRPr lang="pt-BR" b="1" dirty="0"/>
               </a:p>
               <a:p>
                 <a:r>
-                  <a:rPr lang="pt-BR" b="1" dirty="0" smtClean="0"/>
+                  <a:rPr lang="pt-BR" b="1" dirty="0"/>
                   <a:t>p </a:t>
                 </a:r>
                 <a:r>
                   <a:rPr lang="pt-BR" dirty="0"/>
-                  <a:t>= </a:t>
-                </a:r>
-                <a:r>
-                  <a:rPr lang="pt-BR" dirty="0" smtClean="0"/>
-                  <a:t>2: 4950 combinações </a:t>
-                </a:r>
-                <a:r>
-                  <a:rPr lang="pt-BR" dirty="0"/>
-                  <a:t>possíveis com </a:t>
-                </a:r>
-                <a:r>
-                  <a:rPr lang="pt-BR" dirty="0" smtClean="0"/>
-                  <a:t>98 exemplos </a:t>
-                </a:r>
-                <a:r>
-                  <a:rPr lang="pt-BR" dirty="0"/>
-                  <a:t>para treinamento e </a:t>
-                </a:r>
-                <a:r>
-                  <a:rPr lang="pt-BR" dirty="0" smtClean="0"/>
-                  <a:t>2 </a:t>
-                </a:r>
-                <a:r>
-                  <a:rPr lang="pt-BR" dirty="0"/>
-                  <a:t>para </a:t>
-                </a:r>
-                <a:r>
-                  <a:rPr lang="pt-BR" dirty="0" smtClean="0"/>
-                  <a:t>validação.</a:t>
+                  <a:t>= 2: 4950 combinações possíveis com 98 exemplos para treinamento e 2 para validação.</a:t>
                 </a:r>
               </a:p>
               <a:p>
                 <a:r>
                   <a:rPr lang="pt-BR" dirty="0"/>
-                  <a:t>Tempo médio para execução com </a:t>
-                </a:r>
-                <a:r>
-                  <a:rPr lang="pt-BR" dirty="0" smtClean="0"/>
-                  <a:t>N </a:t>
-                </a:r>
-                <a:r>
-                  <a:rPr lang="pt-BR" dirty="0"/>
-                  <a:t>= 100 é de aproximadamente </a:t>
-                </a:r>
-                <a:r>
-                  <a:rPr lang="pt-BR" dirty="0" smtClean="0"/>
-                  <a:t>700 [s] (</a:t>
+                  <a:t>Tempo médio para execução com N = 100 é de aproximadamente 700 [s] (</a:t>
                 </a:r>
                 <a14:m>
                   <m:oMath xmlns:m="http://schemas.openxmlformats.org/officeDocument/2006/math">
@@ -6135,23 +6135,14 @@
                   </m:oMath>
                 </a14:m>
                 <a:r>
-                  <a:rPr lang="pt-BR" dirty="0" smtClean="0"/>
+                  <a:rPr lang="pt-BR" dirty="0"/>
                   <a:t> 12 [m]).</a:t>
                 </a:r>
-                <a:endParaRPr lang="pt-BR" dirty="0"/>
               </a:p>
               <a:p>
                 <a:r>
                   <a:rPr lang="pt-BR" dirty="0"/>
-                  <a:t>Gráficos mostram a média e desvio padrão do MSE para as </a:t>
-                </a:r>
-                <a:r>
-                  <a:rPr lang="pt-BR" dirty="0" smtClean="0"/>
-                  <a:t>4950 etapas </a:t>
-                </a:r>
-                <a:r>
-                  <a:rPr lang="pt-BR" dirty="0"/>
-                  <a:t>de treinamento/validação.</a:t>
+                  <a:t>Gráficos mostram a média e desvio padrão do MSE para as 4950 etapas de treinamento/validação.</a:t>
                 </a:r>
               </a:p>
               <a:p>
@@ -6185,15 +6176,7 @@
                 </a:r>
                 <a:r>
                   <a:rPr lang="pt-BR" dirty="0"/>
-                  <a:t>, média e desvio padrão do </a:t>
-                </a:r>
-                <a:r>
-                  <a:rPr lang="pt-BR" dirty="0" smtClean="0"/>
-                  <a:t>MSE, </a:t>
-                </a:r>
-                <a:r>
-                  <a:rPr lang="pt-BR" dirty="0"/>
-                  <a:t>sejam mínimos.</a:t>
+                  <a:t>, média e desvio padrão do MSE, sejam mínimos.</a:t>
                 </a:r>
               </a:p>
             </p:txBody>
@@ -6338,10 +6321,9 @@
           <a:p>
             <a:pPr algn="ctr"/>
             <a:r>
-              <a:rPr lang="pt-BR" sz="1600" b="1" dirty="0" smtClean="0"/>
+              <a:rPr lang="pt-BR" sz="1600" b="1" dirty="0"/>
               <a:t>subajuste</a:t>
             </a:r>
-            <a:endParaRPr lang="pt-BR" sz="1600" b="1" dirty="0"/>
           </a:p>
         </p:txBody>
       </p:sp>
@@ -6691,10 +6673,9 @@
           <a:p>
             <a:pPr algn="ctr"/>
             <a:r>
-              <a:rPr lang="pt-BR" sz="1600" b="1" dirty="0" smtClean="0"/>
+              <a:rPr lang="pt-BR" sz="1600" b="1" dirty="0"/>
               <a:t>sobreajuste</a:t>
             </a:r>
-            <a:endParaRPr lang="pt-BR" sz="1600" b="1" dirty="0"/>
           </a:p>
         </p:txBody>
       </p:sp>
@@ -6894,15 +6875,15 @@
               <a:buChar char="•"/>
             </a:pPr>
             <a:r>
-              <a:rPr lang="pt-BR" sz="1400" dirty="0" smtClean="0"/>
+              <a:rPr lang="pt-BR" sz="1400" dirty="0"/>
               <a:t>Para ordem igual a 1, a média e desvio padrão são elevados: </a:t>
             </a:r>
             <a:r>
-              <a:rPr lang="pt-BR" sz="1400" b="1" dirty="0" smtClean="0"/>
+              <a:rPr lang="pt-BR" sz="1400" b="1" dirty="0"/>
               <a:t>subajuste</a:t>
             </a:r>
             <a:r>
-              <a:rPr lang="pt-BR" sz="1400" dirty="0" smtClean="0"/>
+              <a:rPr lang="pt-BR" sz="1400" dirty="0"/>
               <a:t>.</a:t>
             </a:r>
           </a:p>
@@ -6912,15 +6893,15 @@
               <a:buChar char="•"/>
             </a:pPr>
             <a:r>
-              <a:rPr lang="pt-BR" sz="1400" dirty="0" smtClean="0"/>
+              <a:rPr lang="pt-BR" sz="1400" dirty="0"/>
               <a:t>Conforme a ordem aumenta, ambos diminuem, atingindo o </a:t>
             </a:r>
             <a:r>
-              <a:rPr lang="pt-BR" sz="1400" b="1" dirty="0" smtClean="0"/>
+              <a:rPr lang="pt-BR" sz="1400" b="1" dirty="0"/>
               <a:t>ponto ótimo </a:t>
             </a:r>
             <a:r>
-              <a:rPr lang="pt-BR" sz="1400" dirty="0" smtClean="0"/>
+              <a:rPr lang="pt-BR" sz="1400" dirty="0"/>
               <a:t>quando igual a 2.</a:t>
             </a:r>
           </a:p>
@@ -6930,18 +6911,17 @@
               <a:buChar char="•"/>
             </a:pPr>
             <a:r>
-              <a:rPr lang="pt-BR" sz="1400" dirty="0" smtClean="0"/>
+              <a:rPr lang="pt-BR" sz="1400" dirty="0"/>
               <a:t>Porém, conforme a ordem continua a aumentar, ambos aumentam, indicando </a:t>
             </a:r>
             <a:r>
-              <a:rPr lang="pt-BR" sz="1400" b="1" dirty="0" smtClean="0"/>
+              <a:rPr lang="pt-BR" sz="1400" b="1" dirty="0"/>
               <a:t>sobreajuste</a:t>
             </a:r>
             <a:r>
-              <a:rPr lang="pt-BR" sz="1400" dirty="0" smtClean="0"/>
+              <a:rPr lang="pt-BR" sz="1400" dirty="0"/>
               <a:t>.</a:t>
             </a:r>
-            <a:endParaRPr lang="pt-BR" sz="1400" dirty="0"/>
           </a:p>
         </p:txBody>
       </p:sp>
@@ -6955,13 +6935,6 @@
   <p:clrMapOvr>
     <a:masterClrMapping/>
   </p:clrMapOvr>
-  <p:timing>
-    <p:tnLst>
-      <p:par>
-        <p:cTn id="1" dur="indefinite" restart="never" nodeType="tmRoot"/>
-      </p:par>
-    </p:tnLst>
-  </p:timing>
 </p:sld>
 </file>
 
@@ -6998,10 +6971,9 @@
           <a:lstStyle/>
           <a:p>
             <a:r>
-              <a:rPr lang="pt-BR" dirty="0" smtClean="0"/>
+              <a:rPr lang="pt-BR" dirty="0"/>
               <a:t>Qual estratégia utilizar?</a:t>
             </a:r>
-            <a:endParaRPr lang="pt-BR" dirty="0"/>
           </a:p>
         </p:txBody>
       </p:sp>
@@ -7028,7 +7000,7 @@
           <a:lstStyle/>
           <a:p>
             <a:r>
-              <a:rPr lang="pt-BR" dirty="0" smtClean="0"/>
+              <a:rPr lang="pt-BR" dirty="0"/>
               <a:t>Dentre as três estratégias, o </a:t>
             </a:r>
             <a:r>
@@ -7041,58 +7013,19 @@
             </a:r>
             <a:r>
               <a:rPr lang="pt-BR" b="1" i="1" dirty="0"/>
-              <a:t>dá indicações mais claras de qual ordem </a:t>
-            </a:r>
-            <a:r>
-              <a:rPr lang="pt-BR" b="1" i="1" dirty="0" smtClean="0"/>
-              <a:t>usar</a:t>
-            </a:r>
-            <a:r>
-              <a:rPr lang="pt-BR" dirty="0" smtClean="0"/>
-              <a:t>, </a:t>
-            </a:r>
-            <a:r>
-              <a:rPr lang="pt-BR" dirty="0"/>
-              <a:t>pois usa um número maior de pares </a:t>
-            </a:r>
-            <a:r>
-              <a:rPr lang="pt-BR" dirty="0" smtClean="0"/>
-              <a:t>treinamento/validação, </a:t>
-            </a:r>
-            <a:r>
-              <a:rPr lang="pt-BR" dirty="0"/>
-              <a:t>aumentando a confiabilidade </a:t>
-            </a:r>
-            <a:r>
-              <a:rPr lang="pt-BR" dirty="0" smtClean="0"/>
-              <a:t>dos valores da média e do </a:t>
-            </a:r>
-            <a:r>
-              <a:rPr lang="pt-BR" dirty="0"/>
-              <a:t>desvio </a:t>
-            </a:r>
-            <a:r>
-              <a:rPr lang="pt-BR" dirty="0" smtClean="0"/>
-              <a:t>padrão do MSE.</a:t>
-            </a:r>
-            <a:endParaRPr lang="pt-BR" dirty="0"/>
-          </a:p>
-          <a:p>
-            <a:r>
-              <a:rPr lang="pt-BR" dirty="0"/>
-              <a:t>Porém, </a:t>
-            </a:r>
-            <a:r>
-              <a:rPr lang="pt-BR" dirty="0" smtClean="0"/>
-              <a:t>ele é </a:t>
-            </a:r>
-            <a:r>
-              <a:rPr lang="pt-BR" dirty="0"/>
-              <a:t>bastante custoso em relação ao tempo necessário para se executá-lo, mesmo com uma base de 100 amostras </a:t>
-            </a:r>
-            <a:r>
-              <a:rPr lang="pt-BR" dirty="0" smtClean="0"/>
-              <a:t>leva-se quase 8 minutos</a:t>
+              <a:t>dá indicações mais claras de qual ordem usar</a:t>
+            </a:r>
+            <a:r>
+              <a:rPr lang="pt-BR" dirty="0"/>
+              <a:t>, pois usa um número maior de pares treinamento/validação, </a:t>
+            </a:r>
+            <a:r>
+              <a:rPr lang="pt-BR" b="1" i="1" dirty="0">
+                <a:solidFill>
+                  <a:srgbClr val="00B050"/>
+                </a:solidFill>
+              </a:rPr>
+              <a:t>aumentando a confiabilidade dos valores da média e do desvio padrão do MSE</a:t>
             </a:r>
             <a:r>
               <a:rPr lang="pt-BR" dirty="0"/>
@@ -7102,23 +7035,13 @@
           <a:p>
             <a:r>
               <a:rPr lang="pt-BR" dirty="0"/>
-              <a:t>Portanto, </a:t>
-            </a:r>
-            <a:r>
-              <a:rPr lang="pt-BR" dirty="0" smtClean="0"/>
-              <a:t>deve-se utilizá-lo </a:t>
-            </a:r>
-            <a:r>
-              <a:rPr lang="pt-BR" dirty="0"/>
-              <a:t>com bases </a:t>
-            </a:r>
-            <a:r>
-              <a:rPr lang="pt-BR" dirty="0" smtClean="0"/>
-              <a:t>de dados relativamente </a:t>
-            </a:r>
-            <a:r>
-              <a:rPr lang="pt-BR" dirty="0"/>
-              <a:t>pequenas.</a:t>
+              <a:t>Porém, ele é bastante custoso em relação ao tempo necessário para se executá-lo, mesmo com uma base de 100 amostras leva-se quase 5 minutos.</a:t>
+            </a:r>
+          </a:p>
+          <a:p>
+            <a:r>
+              <a:rPr lang="pt-BR" dirty="0"/>
+              <a:t>Portanto, deve-se utilizá-lo com bases de dados relativamente pequenas.</a:t>
             </a:r>
           </a:p>
           <a:p>
@@ -7135,42 +7058,41 @@
               <a:t> é uma opção melhor e mais eficiente do que o </a:t>
             </a:r>
             <a:r>
-              <a:rPr lang="pt-BR" b="1" i="1" dirty="0" err="1" smtClean="0"/>
+              <a:rPr lang="pt-BR" b="1" i="1" dirty="0" err="1"/>
               <a:t>holdout</a:t>
             </a:r>
             <a:r>
-              <a:rPr lang="pt-BR" dirty="0" smtClean="0"/>
+              <a:rPr lang="pt-BR" dirty="0"/>
               <a:t> e </a:t>
             </a:r>
             <a:r>
-              <a:rPr lang="pt-BR" b="1" i="1" dirty="0" err="1" smtClean="0"/>
+              <a:rPr lang="pt-BR" b="1" i="1" dirty="0" err="1"/>
               <a:t>leave</a:t>
             </a:r>
             <a:r>
-              <a:rPr lang="pt-BR" b="1" i="1" dirty="0" smtClean="0"/>
+              <a:rPr lang="pt-BR" b="1" i="1" dirty="0"/>
               <a:t>-</a:t>
             </a:r>
             <a:r>
-              <a:rPr lang="pt-BR" b="1" i="1" dirty="0" err="1" smtClean="0"/>
+              <a:rPr lang="pt-BR" b="1" i="1" dirty="0" err="1"/>
               <a:t>p-out</a:t>
             </a:r>
             <a:r>
-              <a:rPr lang="pt-BR" dirty="0" smtClean="0"/>
+              <a:rPr lang="pt-BR" dirty="0"/>
               <a:t>.</a:t>
             </a:r>
-            <a:endParaRPr lang="pt-BR" dirty="0"/>
-          </a:p>
-          <a:p>
-            <a:r>
-              <a:rPr lang="pt-BR" dirty="0" smtClean="0"/>
+          </a:p>
+          <a:p>
+            <a:r>
+              <a:rPr lang="pt-BR" dirty="0"/>
               <a:t>Para bases muito grandes, o </a:t>
             </a:r>
             <a:r>
-              <a:rPr lang="pt-BR" b="1" i="1" dirty="0" smtClean="0"/>
+              <a:rPr lang="pt-BR" b="1" i="1" dirty="0"/>
               <a:t>holdout</a:t>
             </a:r>
             <a:r>
-              <a:rPr lang="pt-BR" dirty="0" smtClean="0"/>
+              <a:rPr lang="pt-BR" dirty="0"/>
               <a:t> já daria boas indicações sobre qual ordem utilizar, pois a probabilidade dos conjuntos serem representativos é maior.</a:t>
             </a:r>
           </a:p>
@@ -7186,13 +7108,6 @@
   <p:clrMapOvr>
     <a:masterClrMapping/>
   </p:clrMapOvr>
-  <p:timing>
-    <p:tnLst>
-      <p:par>
-        <p:cTn id="1" dur="indefinite" restart="never" nodeType="tmRoot"/>
-      </p:par>
-    </p:tnLst>
-  </p:timing>
 </p:sld>
 </file>
 
@@ -7248,96 +7163,26 @@
         <p:spPr>
           <a:xfrm>
             <a:off x="838201" y="1690688"/>
-            <a:ext cx="7126224" cy="5167312"/>
+            <a:ext cx="7205662" cy="5167312"/>
           </a:xfrm>
         </p:spPr>
         <p:txBody>
           <a:bodyPr>
-            <a:normAutofit fontScale="92500" lnSpcReduction="10000"/>
+            <a:normAutofit fontScale="85000" lnSpcReduction="10000"/>
           </a:bodyPr>
           <a:lstStyle/>
           <a:p>
             <a:r>
-              <a:rPr lang="pt-BR" dirty="0" smtClean="0"/>
-              <a:t>Qual ordem escolher </a:t>
-            </a:r>
-            <a:r>
-              <a:rPr lang="pt-BR" dirty="0"/>
-              <a:t>se os </a:t>
-            </a:r>
-            <a:r>
-              <a:rPr lang="pt-BR" b="1" i="1" dirty="0" smtClean="0"/>
-              <a:t>erros de treinamento e validação </a:t>
-            </a:r>
-            <a:r>
-              <a:rPr lang="pt-BR" b="1" i="1" dirty="0"/>
-              <a:t>são </a:t>
-            </a:r>
-            <a:r>
-              <a:rPr lang="pt-BR" b="1" i="1" dirty="0" smtClean="0"/>
-              <a:t>pequenos e praticamente constantes para várias ordens de polinômio</a:t>
-            </a:r>
-            <a:r>
-              <a:rPr lang="pt-BR" dirty="0" smtClean="0"/>
-              <a:t>?</a:t>
-            </a:r>
-            <a:endParaRPr lang="pt-BR" dirty="0"/>
-          </a:p>
-          <a:p>
-            <a:r>
-              <a:rPr lang="pt-BR" dirty="0"/>
-              <a:t>Uma resposta é </a:t>
-            </a:r>
-            <a:r>
-              <a:rPr lang="pt-BR" dirty="0" smtClean="0"/>
-              <a:t>aplicar o </a:t>
-            </a:r>
-            <a:r>
-              <a:rPr lang="pt-BR" dirty="0"/>
-              <a:t>princípio da </a:t>
-            </a:r>
-            <a:r>
-              <a:rPr lang="pt-BR" b="1" i="1" dirty="0"/>
-              <a:t>navalha de Occam</a:t>
-            </a:r>
-            <a:r>
-              <a:rPr lang="pt-BR" i="1" dirty="0"/>
-              <a:t>.</a:t>
-            </a:r>
-            <a:endParaRPr lang="pt-BR" dirty="0"/>
-          </a:p>
-          <a:p>
-            <a:r>
-              <a:rPr lang="pt-BR" dirty="0"/>
-              <a:t>A </a:t>
-            </a:r>
-            <a:r>
-              <a:rPr lang="pt-BR" b="1" i="1" dirty="0"/>
-              <a:t>navalha de Occam </a:t>
-            </a:r>
-            <a:r>
-              <a:rPr lang="pt-BR" dirty="0" smtClean="0"/>
-              <a:t>é um </a:t>
-            </a:r>
-            <a:r>
-              <a:rPr lang="pt-BR" b="1" i="1" dirty="0"/>
-              <a:t>princípio </a:t>
-            </a:r>
-            <a:r>
-              <a:rPr lang="pt-BR" b="1" i="1" dirty="0" smtClean="0"/>
-              <a:t>lógico </a:t>
-            </a:r>
-            <a:r>
-              <a:rPr lang="pt-BR" dirty="0" smtClean="0"/>
-              <a:t>que postula </a:t>
-            </a:r>
-            <a:r>
-              <a:rPr lang="pt-BR" dirty="0"/>
-              <a:t>que de múltiplas explicações adequadas e possíveis para o mesmo conjunto de fatos, deve-se optar pela mais simples </a:t>
-            </a:r>
-            <a:r>
-              <a:rPr lang="pt-BR" dirty="0" smtClean="0"/>
-              <a:t>delas.</a:t>
+              <a:rPr lang="pt-BR" dirty="0"/>
+              <a:t>Nos exemplos anteriores foi fácil definir a ordem, mas </a:t>
+            </a:r>
+            <a:r>
+              <a:rPr lang="pt-BR" b="1" i="1" dirty="0">
+                <a:solidFill>
+                  <a:srgbClr val="00B050"/>
+                </a:solidFill>
+              </a:rPr>
+              <a:t>qual ordem escolher se os erros de treinamento e validação são pequenos, similares e praticamente constantes para várias ordens de polinômio?</a:t>
             </a:r>
           </a:p>
           <a:p>
@@ -7346,46 +7191,68 @@
               <a:buChar char="§"/>
             </a:pPr>
             <a:r>
-              <a:rPr lang="pt-BR" dirty="0" smtClean="0"/>
-              <a:t>Ou seja</a:t>
-            </a:r>
-            <a:r>
-              <a:rPr lang="pt-BR" dirty="0"/>
-              <a:t>, deve-se preferir explicações mais simples às mais complicadas</a:t>
-            </a:r>
-            <a:r>
-              <a:rPr lang="pt-BR" dirty="0" smtClean="0"/>
+              <a:rPr lang="pt-BR" dirty="0"/>
+              <a:t>Isso ocorre quando o número de amostras é muito maior do que a complexidade (i.e., ordem) do modelo.</a:t>
+            </a:r>
+          </a:p>
+          <a:p>
+            <a:r>
+              <a:rPr lang="pt-BR" dirty="0"/>
+              <a:t>A resposta é aplicar o princípio da </a:t>
+            </a:r>
+            <a:r>
+              <a:rPr lang="pt-BR" b="1" i="1" dirty="0"/>
+              <a:t>navalha de Occam</a:t>
+            </a:r>
+            <a:r>
+              <a:rPr lang="pt-BR" i="1" dirty="0"/>
               <a:t>.</a:t>
             </a:r>
             <a:endParaRPr lang="pt-BR" dirty="0"/>
           </a:p>
           <a:p>
             <a:r>
-              <a:rPr lang="pt-BR" dirty="0" smtClean="0"/>
-              <a:t>Portanto</a:t>
-            </a:r>
-            <a:r>
-              <a:rPr lang="pt-BR" dirty="0"/>
-              <a:t>, </a:t>
-            </a:r>
-            <a:r>
-              <a:rPr lang="pt-BR" dirty="0" smtClean="0"/>
-              <a:t>usando </a:t>
-            </a:r>
-            <a:r>
-              <a:rPr lang="pt-BR" dirty="0"/>
-              <a:t>a</a:t>
-            </a:r>
-            <a:r>
-              <a:rPr lang="pt-BR" dirty="0" smtClean="0"/>
-              <a:t> </a:t>
+              <a:rPr lang="pt-BR" dirty="0"/>
+              <a:t>A </a:t>
+            </a:r>
+            <a:r>
+              <a:rPr lang="pt-BR" b="1" i="1" dirty="0"/>
+              <a:t>navalha de Occam </a:t>
+            </a:r>
+            <a:r>
+              <a:rPr lang="pt-BR" dirty="0"/>
+              <a:t>é um </a:t>
+            </a:r>
+            <a:r>
+              <a:rPr lang="pt-BR" b="1" i="1" dirty="0"/>
+              <a:t>princípio lógico </a:t>
+            </a:r>
+            <a:r>
+              <a:rPr lang="pt-BR" dirty="0"/>
+              <a:t>que afirma que de múltiplas explicações possíveis para um fenômeno, a explicação mais simples é geralmente a mais provável de ser a correta.</a:t>
+            </a:r>
+          </a:p>
+          <a:p>
+            <a:pPr lvl="1">
+              <a:buFont typeface="Wingdings" panose="05000000000000000000" pitchFamily="2" charset="2"/>
+              <a:buChar char="§"/>
+            </a:pPr>
+            <a:r>
+              <a:rPr lang="pt-BR" dirty="0"/>
+              <a:t>Ou seja, deve-se preferir explicações mais simples às mais complicadas.</a:t>
+            </a:r>
+          </a:p>
+          <a:p>
+            <a:r>
+              <a:rPr lang="pt-BR" dirty="0"/>
+              <a:t>Portanto, usando a </a:t>
             </a:r>
             <a:r>
               <a:rPr lang="pt-BR" b="1" i="1" dirty="0"/>
               <a:t>navalha de </a:t>
             </a:r>
             <a:r>
-              <a:rPr lang="pt-BR" b="1" i="1" dirty="0" err="1" smtClean="0"/>
+              <a:rPr lang="pt-BR" b="1" i="1" dirty="0" err="1"/>
               <a:t>Occam</a:t>
             </a:r>
             <a:r>
@@ -7393,32 +7260,28 @@
               <a:t> </a:t>
             </a:r>
             <a:r>
-              <a:rPr lang="pt-BR" dirty="0" smtClean="0"/>
-              <a:t>escolhemos a </a:t>
-            </a:r>
-            <a:r>
-              <a:rPr lang="pt-BR" b="1" i="1" dirty="0" smtClean="0"/>
-              <a:t>função</a:t>
-            </a:r>
-            <a:r>
-              <a:rPr lang="pt-BR" dirty="0" smtClean="0"/>
-              <a:t> </a:t>
-            </a:r>
-            <a:r>
-              <a:rPr lang="pt-BR" b="1" i="1" dirty="0"/>
-              <a:t>hipótese</a:t>
-            </a:r>
-            <a:r>
-              <a:rPr lang="pt-BR" dirty="0"/>
-              <a:t> menos </a:t>
-            </a:r>
-            <a:r>
-              <a:rPr lang="pt-BR" dirty="0" smtClean="0"/>
-              <a:t>complexa (mais simples), mas que </a:t>
-            </a:r>
-            <a:r>
-              <a:rPr lang="pt-BR" dirty="0"/>
-              <a:t>se ajusta bem aos dados.</a:t>
+              <a:rPr lang="pt-BR" dirty="0"/>
+              <a:t>escolhemos a função hipótese </a:t>
+            </a:r>
+            <a:r>
+              <a:rPr lang="pt-BR" b="1" i="1" dirty="0">
+                <a:solidFill>
+                  <a:srgbClr val="00B0F0"/>
+                </a:solidFill>
+              </a:rPr>
+              <a:t>menos complexa </a:t>
+            </a:r>
+            <a:r>
+              <a:rPr lang="pt-BR" b="1" i="1" dirty="0">
+                <a:solidFill>
+                  <a:srgbClr val="00B050"/>
+                </a:solidFill>
+              </a:rPr>
+              <a:t>(i.e., a mais simples), mas que se ajusta bem aos dados</a:t>
+            </a:r>
+            <a:r>
+              <a:rPr lang="pt-BR" dirty="0"/>
+              <a:t>.</a:t>
             </a:r>
           </a:p>
         </p:txBody>
@@ -7460,8 +7323,8 @@
         </p:nvSpPr>
         <p:spPr>
           <a:xfrm>
-            <a:off x="8043863" y="4232063"/>
-            <a:ext cx="4090985" cy="2585323"/>
+            <a:off x="8043863" y="4385934"/>
+            <a:ext cx="4090985" cy="2062103"/>
           </a:xfrm>
           <a:prstGeom prst="rect">
             <a:avLst/>
@@ -7478,16 +7341,8 @@
               <a:buChar char="•"/>
             </a:pPr>
             <a:r>
-              <a:rPr lang="pt-BR" sz="1600" dirty="0" smtClean="0"/>
-              <a:t>Mesma </a:t>
-            </a:r>
-            <a:r>
               <a:rPr lang="pt-BR" sz="1600" dirty="0"/>
-              <a:t>função observável </a:t>
-            </a:r>
-            <a:r>
-              <a:rPr lang="pt-BR" sz="1600" dirty="0" smtClean="0"/>
-              <a:t>dos exemplos anteriores.</a:t>
+              <a:t>Mesma função observável dos exemplos anteriores.</a:t>
             </a:r>
           </a:p>
           <a:p>
@@ -7496,11 +7351,11 @@
               <a:buChar char="•"/>
             </a:pPr>
             <a:r>
-              <a:rPr lang="pt-BR" sz="1600" dirty="0" smtClean="0"/>
+              <a:rPr lang="pt-BR" sz="1600" dirty="0"/>
               <a:t>Base de dados com </a:t>
             </a:r>
             <a:r>
-              <a:rPr lang="pt-BR" sz="1600" b="1" dirty="0" smtClean="0"/>
+              <a:rPr lang="pt-BR" sz="1600" b="1" dirty="0"/>
               <a:t>10000 exemplos:</a:t>
             </a:r>
           </a:p>
@@ -7510,7 +7365,7 @@
               <a:buChar char="§"/>
             </a:pPr>
             <a:r>
-              <a:rPr lang="pt-BR" sz="1600" dirty="0" smtClean="0"/>
+              <a:rPr lang="pt-BR" sz="1600" dirty="0"/>
               <a:t>Evita o sobreajuste, pois os modelos têm complexidade muito menor do que o número de exemplos.</a:t>
             </a:r>
           </a:p>
@@ -7520,7 +7375,7 @@
               <a:buChar char="•"/>
             </a:pPr>
             <a:r>
-              <a:rPr lang="pt-BR" sz="1600" dirty="0" smtClean="0"/>
+              <a:rPr lang="pt-BR" sz="1600" dirty="0"/>
               <a:t>Holdout com 30% para validação.</a:t>
             </a:r>
           </a:p>
@@ -7530,17 +7385,7 @@
               <a:buChar char="•"/>
             </a:pPr>
             <a:r>
-              <a:rPr lang="pt-BR" sz="1600" dirty="0" smtClean="0"/>
-              <a:t>Vejam que teoricamente, qualquer ordem maior ou igual a 2 já seria uma boa escolha.</a:t>
-            </a:r>
-          </a:p>
-          <a:p>
-            <a:pPr marL="285750" indent="-285750">
-              <a:buFont typeface="Arial" panose="020B0604020202020204" pitchFamily="34" charset="0"/>
-              <a:buChar char="•"/>
-            </a:pPr>
-            <a:r>
-              <a:rPr lang="pt-BR" sz="1600" b="1" dirty="0" smtClean="0">
+              <a:rPr lang="pt-BR" sz="1600" b="1" dirty="0">
                 <a:solidFill>
                   <a:srgbClr val="FF0000"/>
                 </a:solidFill>
@@ -7553,13 +7398,15 @@
       <p:cxnSp>
         <p:nvCxnSpPr>
           <p:cNvPr id="7" name="Straight Arrow Connector 6"/>
-          <p:cNvCxnSpPr/>
+          <p:cNvCxnSpPr>
+            <a:cxnSpLocks/>
+          </p:cNvCxnSpPr>
           <p:nvPr/>
         </p:nvCxnSpPr>
         <p:spPr>
           <a:xfrm>
-            <a:off x="6976872" y="2121408"/>
-            <a:ext cx="1262072" cy="420624"/>
+            <a:off x="7412827" y="2262971"/>
+            <a:ext cx="750785" cy="362966"/>
           </a:xfrm>
           <a:prstGeom prst="straightConnector1">
             <a:avLst/>
@@ -7586,6 +7433,42 @@
           </a:fontRef>
         </p:style>
       </p:cxnSp>
+      <p:sp>
+        <p:nvSpPr>
+          <p:cNvPr id="9" name="CaixaDeTexto 8">
+            <a:extLst>
+              <a:ext uri="{FF2B5EF4-FFF2-40B4-BE49-F238E27FC236}">
+                <a16:creationId xmlns:a16="http://schemas.microsoft.com/office/drawing/2014/main" id="{C4E67120-B258-515A-AA77-68D240267A57}"/>
+              </a:ext>
+            </a:extLst>
+          </p:cNvPr>
+          <p:cNvSpPr txBox="1"/>
+          <p:nvPr/>
+        </p:nvSpPr>
+        <p:spPr>
+          <a:xfrm>
+            <a:off x="9483365" y="2262971"/>
+            <a:ext cx="2083324" cy="738664"/>
+          </a:xfrm>
+          <a:prstGeom prst="rect">
+            <a:avLst/>
+          </a:prstGeom>
+          <a:noFill/>
+        </p:spPr>
+        <p:txBody>
+          <a:bodyPr wrap="square">
+            <a:spAutoFit/>
+          </a:bodyPr>
+          <a:lstStyle/>
+          <a:p>
+            <a:pPr algn="ctr"/>
+            <a:r>
+              <a:rPr lang="pt-BR" sz="1400" b="1" dirty="0"/>
+              <a:t>Teoricamente, qualquer ordem maior ou igual a 2 já seria uma boa escolha.</a:t>
+            </a:r>
+          </a:p>
+        </p:txBody>
+      </p:sp>
     </p:spTree>
     <p:extLst>
       <p:ext uri="{BB962C8B-B14F-4D97-AF65-F5344CB8AC3E}">
@@ -7596,13 +7479,6 @@
   <p:clrMapOvr>
     <a:masterClrMapping/>
   </p:clrMapOvr>
-  <p:timing>
-    <p:tnLst>
-      <p:par>
-        <p:cTn id="1" dur="indefinite" restart="never" nodeType="tmRoot"/>
-      </p:par>
-    </p:tnLst>
-  </p:timing>
 </p:sld>
 </file>
 
@@ -7639,10 +7515,9 @@
           <a:lstStyle/>
           <a:p>
             <a:r>
-              <a:rPr lang="pt-BR" dirty="0" smtClean="0"/>
+              <a:rPr lang="pt-BR" dirty="0"/>
               <a:t>Tarefas</a:t>
             </a:r>
-            <a:endParaRPr lang="pt-BR" dirty="0"/>
           </a:p>
         </p:txBody>
       </p:sp>
@@ -7658,8 +7533,8 @@
         </p:nvSpPr>
         <p:spPr>
           <a:xfrm>
-            <a:off x="838199" y="1825624"/>
-            <a:ext cx="11212629" cy="5032376"/>
+            <a:off x="838199" y="1690688"/>
+            <a:ext cx="11212629" cy="5167312"/>
           </a:xfrm>
         </p:spPr>
         <p:txBody>
@@ -7678,19 +7553,11 @@
             </a:r>
             <a:r>
               <a:rPr lang="pt-BR" i="1" dirty="0"/>
-              <a:t>T319 - Quiz - Regressão: Parte </a:t>
-            </a:r>
-            <a:r>
-              <a:rPr lang="pt-BR" i="1" dirty="0" smtClean="0"/>
-              <a:t>V</a:t>
-            </a:r>
-            <a:r>
-              <a:rPr lang="pt-BR" dirty="0" smtClean="0"/>
-              <a:t>” </a:t>
-            </a:r>
-            <a:r>
-              <a:rPr lang="pt-BR" dirty="0"/>
-              <a:t>que se encontra no MS Teams.</a:t>
+              <a:t>T319 - Quiz - Regressão: Parte V</a:t>
+            </a:r>
+            <a:r>
+              <a:rPr lang="pt-BR" dirty="0"/>
+              <a:t>” que se encontra no MS Teams.</a:t>
             </a:r>
           </a:p>
           <a:p>
@@ -7706,25 +7573,12 @@
               <a:rPr lang="pt-BR" b="1" dirty="0">
                 <a:hlinkClick r:id="rId3"/>
               </a:rPr>
-              <a:t>Laboratório </a:t>
-            </a:r>
-            <a:r>
-              <a:rPr lang="pt-BR" b="1" dirty="0" smtClean="0">
-                <a:hlinkClick r:id="rId3"/>
-              </a:rPr>
-              <a:t>#</a:t>
-            </a:r>
-            <a:r>
-              <a:rPr lang="pt-BR" b="1" dirty="0">
-                <a:hlinkClick r:id="rId3"/>
-              </a:rPr>
-              <a:t>6</a:t>
-            </a:r>
-            <a:r>
-              <a:rPr lang="pt-BR" dirty="0" smtClean="0"/>
+              <a:t>Laboratório #6</a:t>
+            </a:r>
+            <a:r>
+              <a:rPr lang="pt-BR" dirty="0"/>
               <a:t>.</a:t>
             </a:r>
-            <a:endParaRPr lang="pt-BR" dirty="0"/>
           </a:p>
           <a:p>
             <a:pPr lvl="1">
@@ -7751,13 +7605,8 @@
             </a:pPr>
             <a:r>
               <a:rPr lang="pt-BR" dirty="0"/>
-              <a:t>Vídeo explicando o laboratório: Arquivos -&gt; Material de Aula -&gt; Laboratório </a:t>
-            </a:r>
-            <a:r>
-              <a:rPr lang="pt-BR" dirty="0" smtClean="0"/>
-              <a:t>#6</a:t>
-            </a:r>
-            <a:endParaRPr lang="pt-BR" dirty="0"/>
+              <a:t>Vídeo explicando o laboratório: Arquivos -&gt; Material de Aula -&gt; Laboratório #6</a:t>
+            </a:r>
           </a:p>
           <a:p>
             <a:pPr lvl="1">
@@ -7765,16 +7614,10 @@
               <a:buChar char="§"/>
             </a:pPr>
             <a:r>
-              <a:rPr lang="pt-BR" dirty="0" smtClean="0">
-                <a:hlinkClick r:id="rId4"/>
-              </a:rPr>
-              <a:t>Instruções </a:t>
-            </a:r>
-            <a:r>
               <a:rPr lang="pt-BR" dirty="0">
                 <a:hlinkClick r:id="rId4"/>
               </a:rPr>
-              <a:t>para resolução e entrega dos laboratórios</a:t>
+              <a:t>Instruções para resolução e entrega dos laboratórios</a:t>
             </a:r>
             <a:r>
               <a:rPr lang="pt-BR" dirty="0"/>
@@ -7794,104 +7637,67 @@
               </a:rPr>
               <a:t>Laboratórios podem ser resolvidos em grupo, mas as entregas devem ser individuais.</a:t>
             </a:r>
-            <a:endParaRPr lang="pt-BR" b="1" dirty="0" smtClean="0">
-              <a:solidFill>
-                <a:srgbClr val="FF0000"/>
-              </a:solidFill>
-            </a:endParaRPr>
-          </a:p>
-          <a:p>
-            <a:r>
-              <a:rPr lang="pt-BR" b="1" dirty="0" smtClean="0"/>
+          </a:p>
+          <a:p>
+            <a:r>
+              <a:rPr lang="pt-BR" b="1" dirty="0"/>
               <a:t>Projeto Final</a:t>
             </a:r>
           </a:p>
           <a:p>
             <a:pPr lvl="1"/>
             <a:r>
-              <a:rPr lang="pt-BR" dirty="0" smtClean="0"/>
-              <a:t>Projeto </a:t>
-            </a:r>
-            <a:r>
-              <a:rPr lang="pt-BR" dirty="0"/>
-              <a:t>pode ser feito em grupo de no máximo 3 alunos</a:t>
-            </a:r>
-            <a:r>
-              <a:rPr lang="pt-BR" dirty="0" smtClean="0"/>
-              <a:t>.</a:t>
+              <a:rPr lang="pt-BR" dirty="0"/>
+              <a:t>Projeto pode ser feito em grupos de no máximo 3 alunos.</a:t>
             </a:r>
           </a:p>
           <a:p>
             <a:pPr lvl="1"/>
             <a:r>
-              <a:rPr lang="pt-BR" b="1" dirty="0" smtClean="0">
+              <a:rPr lang="pt-BR" b="1" dirty="0">
                 <a:solidFill>
                   <a:srgbClr val="00B050"/>
                 </a:solidFill>
               </a:rPr>
-              <a:t>Entrega: 11/12/2022 até às 23:59.</a:t>
+              <a:t>Entrega: 18/06/2022 até às 23:59.</a:t>
             </a:r>
           </a:p>
           <a:p>
             <a:pPr lvl="1"/>
             <a:r>
-              <a:rPr lang="pt-BR" dirty="0" smtClean="0"/>
-              <a:t>Leiam </a:t>
-            </a:r>
-            <a:r>
-              <a:rPr lang="pt-BR" dirty="0"/>
-              <a:t>os enunciados atentamente</a:t>
-            </a:r>
-            <a:r>
-              <a:rPr lang="pt-BR" dirty="0" smtClean="0"/>
-              <a:t>.</a:t>
+              <a:rPr lang="pt-BR" dirty="0"/>
+              <a:t>Leiam os enunciados do trabalho atentamente.</a:t>
             </a:r>
           </a:p>
           <a:p>
             <a:pPr lvl="1"/>
             <a:r>
-              <a:rPr lang="pt-BR" b="1" i="1" dirty="0" smtClean="0">
+              <a:rPr lang="pt-BR" b="1" i="1" dirty="0">
                 <a:solidFill>
                   <a:srgbClr val="00B0F0"/>
                 </a:solidFill>
               </a:rPr>
-              <a:t>Próxima aula será assíncrona</a:t>
-            </a:r>
-            <a:r>
-              <a:rPr lang="pt-BR" dirty="0" smtClean="0"/>
-              <a:t>. Vídeo sobre </a:t>
-            </a:r>
-            <a:r>
-              <a:rPr lang="pt-BR" dirty="0"/>
-              <a:t>regularização </a:t>
-            </a:r>
-            <a:r>
-              <a:rPr lang="pt-BR" dirty="0" smtClean="0"/>
-              <a:t>já está disponível</a:t>
-            </a:r>
-            <a:r>
-              <a:rPr lang="pt-BR" dirty="0"/>
-              <a:t> na pasta </a:t>
-            </a:r>
-            <a:r>
-              <a:rPr lang="pt-BR" dirty="0" smtClean="0"/>
+              <a:t>Próxima aula será para tirar dúvidas sobre o projeto e o conteúdo sobre regularização, necessário para o último exercício, está disponível na pasta: </a:t>
+            </a:r>
+            <a:r>
+              <a:rPr lang="pt-BR" dirty="0"/>
               <a:t>“</a:t>
             </a:r>
             <a:r>
-              <a:rPr lang="pt-BR" i="1" dirty="0" smtClean="0"/>
-              <a:t>Vídeos </a:t>
-            </a:r>
-            <a:r>
               <a:rPr lang="pt-BR" i="1" dirty="0"/>
-              <a:t>Sobre Validação Cruzada e </a:t>
-            </a:r>
-            <a:r>
-              <a:rPr lang="pt-BR" i="1" dirty="0" smtClean="0"/>
-              <a:t>Regularização</a:t>
-            </a:r>
-            <a:r>
-              <a:rPr lang="pt-BR" dirty="0" smtClean="0"/>
-              <a:t>”.</a:t>
+              <a:t>Vídeos Sobre Validação Cruzada e Regularização</a:t>
+            </a:r>
+            <a:r>
+              <a:rPr lang="pt-BR" dirty="0"/>
+              <a:t>”, dentro de </a:t>
+            </a:r>
+            <a:r>
+              <a:rPr lang="pt-BR"/>
+              <a:t>Recordings</a:t>
+            </a:r>
+            <a:r>
+              <a:rPr lang="pt-BR" dirty="0"/>
+              <a:t>.</a:t>
             </a:r>
           </a:p>
         </p:txBody>
@@ -7906,13 +7712,6 @@
   <p:clrMapOvr>
     <a:masterClrMapping/>
   </p:clrMapOvr>
-  <p:timing>
-    <p:tnLst>
-      <p:par>
-        <p:cTn id="1" dur="indefinite" restart="never" nodeType="tmRoot"/>
-      </p:par>
-    </p:tnLst>
-  </p:timing>
 </p:sld>
 </file>
 
@@ -7938,7 +7737,7 @@
           <p:cNvPr id="4" name="Título 1">
             <a:extLst>
               <a:ext uri="{FF2B5EF4-FFF2-40B4-BE49-F238E27FC236}">
-                <a16:creationId xmlns="" xmlns:a16="http://schemas.microsoft.com/office/drawing/2014/main" id="{32666AC8-2E17-4DB4-B0F5-60C640CCFD2E}"/>
+                <a16:creationId xmlns:a16="http://schemas.microsoft.com/office/drawing/2014/main" id="{32666AC8-2E17-4DB4-B0F5-60C640CCFD2E}"/>
               </a:ext>
             </a:extLst>
           </p:cNvPr>
@@ -10598,7 +10397,7 @@
           <a:lstStyle/>
           <a:p>
             <a:r>
-              <a:rPr lang="pt-BR" smtClean="0"/>
+              <a:rPr lang="pt-BR"/>
               <a:t>Recapitulando</a:t>
             </a:r>
             <a:endParaRPr lang="pt-BR" dirty="0"/>
@@ -10628,43 +10427,43 @@
           <a:lstStyle/>
           <a:p>
             <a:r>
-              <a:rPr lang="pt-BR" dirty="0" smtClean="0"/>
+              <a:rPr lang="pt-BR" dirty="0"/>
               <a:t>Vimos que o </a:t>
             </a:r>
             <a:r>
-              <a:rPr lang="pt-BR" b="1" i="1" dirty="0" smtClean="0"/>
+              <a:rPr lang="pt-BR" b="1" i="1" dirty="0"/>
               <a:t>escalonamento de atributos </a:t>
             </a:r>
             <a:r>
-              <a:rPr lang="pt-BR" dirty="0" smtClean="0"/>
+              <a:rPr lang="pt-BR" dirty="0"/>
               <a:t>ajuda a acelerar o aprendizado do algoritmo do gradiente descendente quandos os atributos têm intervalos de variação muito diferentes.</a:t>
             </a:r>
           </a:p>
           <a:p>
             <a:r>
-              <a:rPr lang="pt-BR" dirty="0" smtClean="0"/>
+              <a:rPr lang="pt-BR" dirty="0"/>
               <a:t>Aprendemos que </a:t>
             </a:r>
             <a:r>
-              <a:rPr lang="pt-BR" b="1" i="1" dirty="0" smtClean="0"/>
+              <a:rPr lang="pt-BR" b="1" i="1" dirty="0"/>
               <a:t>funções hipótese polinomiais </a:t>
             </a:r>
             <a:r>
-              <a:rPr lang="pt-BR" dirty="0" smtClean="0"/>
+              <a:rPr lang="pt-BR" dirty="0"/>
               <a:t>podem ser utilizadas para aproximar funções que não têm um mapeamento linear.</a:t>
             </a:r>
           </a:p>
           <a:p>
             <a:r>
-              <a:rPr lang="pt-BR" dirty="0" smtClean="0"/>
+              <a:rPr lang="pt-BR" dirty="0"/>
               <a:t>Porém, </a:t>
             </a:r>
             <a:r>
-              <a:rPr lang="pt-BR" b="1" i="1" dirty="0" smtClean="0"/>
+              <a:rPr lang="pt-BR" b="1" i="1" dirty="0"/>
               <a:t>precisamos encontrar a ordem ideal para o polinômio aproximador</a:t>
             </a:r>
             <a:r>
-              <a:rPr lang="pt-BR" dirty="0" smtClean="0"/>
+              <a:rPr lang="pt-BR" dirty="0"/>
               <a:t>.</a:t>
             </a:r>
           </a:p>
@@ -10674,15 +10473,15 @@
               <a:buChar char="§"/>
             </a:pPr>
             <a:r>
-              <a:rPr lang="pt-BR" dirty="0" smtClean="0"/>
+              <a:rPr lang="pt-BR" dirty="0"/>
               <a:t>Polinômios de ordem muito baixa podem não ter flexibilidade o suficiente para aproximar os dados, o que causa </a:t>
             </a:r>
             <a:r>
-              <a:rPr lang="pt-BR" b="1" i="1" dirty="0" smtClean="0"/>
+              <a:rPr lang="pt-BR" b="1" i="1" dirty="0"/>
               <a:t>subajuste</a:t>
             </a:r>
             <a:r>
-              <a:rPr lang="pt-BR" dirty="0" smtClean="0"/>
+              <a:rPr lang="pt-BR" dirty="0"/>
               <a:t>.</a:t>
             </a:r>
           </a:p>
@@ -10692,54 +10491,42 @@
               <a:buChar char="§"/>
             </a:pPr>
             <a:r>
-              <a:rPr lang="pt-BR" dirty="0" smtClean="0"/>
+              <a:rPr lang="pt-BR" dirty="0"/>
               <a:t>Polinômios de ordem muito alta podem ser tão flexíveis que acabam memorizando os dados de treinamento, o que causa </a:t>
             </a:r>
             <a:r>
-              <a:rPr lang="pt-BR" b="1" i="1" dirty="0" smtClean="0"/>
+              <a:rPr lang="pt-BR" b="1" i="1" dirty="0"/>
               <a:t>sobreajuste</a:t>
             </a:r>
             <a:r>
-              <a:rPr lang="pt-BR" dirty="0" smtClean="0"/>
+              <a:rPr lang="pt-BR" dirty="0"/>
               <a:t>.</a:t>
             </a:r>
           </a:p>
           <a:p>
             <a:r>
-              <a:rPr lang="pt-BR" dirty="0" smtClean="0"/>
+              <a:rPr lang="pt-BR" dirty="0"/>
               <a:t>Na sequência, veremos como escolher a </a:t>
             </a:r>
             <a:r>
-              <a:rPr lang="pt-BR" b="1" i="1" dirty="0" smtClean="0"/>
+              <a:rPr lang="pt-BR" b="1" i="1" dirty="0"/>
               <a:t>ordem</a:t>
             </a:r>
             <a:r>
-              <a:rPr lang="pt-BR" dirty="0" smtClean="0"/>
+              <a:rPr lang="pt-BR" dirty="0"/>
               <a:t> da </a:t>
             </a:r>
             <a:r>
               <a:rPr lang="pt-BR" b="1" i="1" dirty="0"/>
-              <a:t>função hipótese </a:t>
-            </a:r>
-            <a:r>
-              <a:rPr lang="pt-BR" b="1" i="1" dirty="0" smtClean="0"/>
-              <a:t>polinomial </a:t>
-            </a:r>
-            <a:r>
-              <a:rPr lang="pt-BR" dirty="0" smtClean="0"/>
-              <a:t>quando </a:t>
-            </a:r>
-            <a:r>
-              <a:rPr lang="pt-BR" dirty="0"/>
-              <a:t>não conhecemos o </a:t>
+              <a:t>função hipótese polinomial </a:t>
+            </a:r>
+            <a:r>
+              <a:rPr lang="pt-BR" dirty="0"/>
+              <a:t>quando não conhecemos o </a:t>
             </a:r>
             <a:r>
               <a:rPr lang="pt-BR" b="1" i="1" dirty="0"/>
-              <a:t>mapeamento </a:t>
-            </a:r>
-            <a:r>
-              <a:rPr lang="pt-BR" b="1" i="1" dirty="0" smtClean="0"/>
-              <a:t>verdadeiro</a:t>
+              <a:t>mapeamento verdadeiro</a:t>
             </a:r>
             <a:r>
               <a:rPr lang="pt-BR" dirty="0"/>
@@ -10768,13 +10555,6 @@
   <p:clrMapOvr>
     <a:masterClrMapping/>
   </p:clrMapOvr>
-  <p:timing>
-    <p:tnLst>
-      <p:par>
-        <p:cTn id="1" dur="indefinite" restart="never" nodeType="tmRoot"/>
-      </p:par>
-    </p:tnLst>
-  </p:timing>
 </p:sld>
 </file>
 
@@ -10850,11 +10630,7 @@
             </a:r>
             <a:r>
               <a:rPr lang="pt-BR" dirty="0"/>
-              <a:t> </a:t>
-            </a:r>
-            <a:r>
-              <a:rPr lang="pt-BR" dirty="0" smtClean="0"/>
-              <a:t>é uma forma de se avaliar </a:t>
+              <a:t> é uma forma de se avaliar </a:t>
             </a:r>
             <a:r>
               <a:rPr lang="pt-BR" b="1" i="1" dirty="0"/>
@@ -10862,18 +10638,14 @@
             </a:r>
             <a:r>
               <a:rPr lang="pt-BR" dirty="0"/>
-              <a:t> o sobreajuste ou subajuste de um </a:t>
-            </a:r>
-            <a:r>
-              <a:rPr lang="pt-BR" dirty="0" smtClean="0"/>
-              <a:t>modelo e, com isso, </a:t>
-            </a:r>
-            <a:r>
-              <a:rPr lang="pt-BR" b="1" i="1" dirty="0" smtClean="0"/>
+              <a:t> o sobreajuste ou subajuste de um modelo e, com isso, </a:t>
+            </a:r>
+            <a:r>
+              <a:rPr lang="pt-BR" b="1" i="1" dirty="0"/>
               <a:t>encontrar sua ordem ideal</a:t>
             </a:r>
             <a:r>
-              <a:rPr lang="pt-BR" dirty="0" smtClean="0"/>
+              <a:rPr lang="pt-BR" dirty="0"/>
               <a:t>.</a:t>
             </a:r>
           </a:p>
@@ -10883,84 +10655,51 @@
               <a:buChar char="§"/>
             </a:pPr>
             <a:r>
-              <a:rPr lang="pt-BR" dirty="0" smtClean="0"/>
-              <a:t>Ou seja, podemos verificar quais ordens do polinômio fazem o modelo se ajustar </a:t>
-            </a:r>
-            <a:r>
-              <a:rPr lang="pt-BR" dirty="0"/>
-              <a:t>demais ou </a:t>
-            </a:r>
-            <a:r>
-              <a:rPr lang="pt-BR" dirty="0" smtClean="0"/>
-              <a:t>insuficientemente aos exemplos de treinamento.</a:t>
-            </a:r>
-            <a:endParaRPr lang="pt-BR" dirty="0"/>
-          </a:p>
-          <a:p>
-            <a:r>
-              <a:rPr lang="pt-BR" dirty="0" smtClean="0"/>
+              <a:rPr lang="pt-BR" dirty="0"/>
+              <a:t>Ou seja, podemos verificar quais ordens do polinômio fazem o modelo se ajustar demais ou insuficientemente aos exemplos de treinamento.</a:t>
+            </a:r>
+          </a:p>
+          <a:p>
+            <a:r>
+              <a:rPr lang="pt-BR" dirty="0"/>
               <a:t>Para realizar a </a:t>
             </a:r>
             <a:r>
-              <a:rPr lang="pt-BR" b="1" i="1" dirty="0" smtClean="0"/>
-              <a:t>validação </a:t>
-            </a:r>
-            <a:r>
               <a:rPr lang="pt-BR" b="1" i="1" dirty="0"/>
-              <a:t>cruzada</a:t>
-            </a:r>
-            <a:r>
-              <a:rPr lang="pt-BR" dirty="0"/>
-              <a:t>, nós dividimos o conjunto </a:t>
-            </a:r>
-            <a:r>
-              <a:rPr lang="pt-BR" dirty="0" smtClean="0"/>
-              <a:t>total de </a:t>
-            </a:r>
-            <a:r>
-              <a:rPr lang="pt-BR" dirty="0"/>
-              <a:t>exemplos em </a:t>
-            </a:r>
-            <a:r>
-              <a:rPr lang="pt-BR" dirty="0" smtClean="0"/>
-              <a:t>dois </a:t>
-            </a:r>
-            <a:r>
-              <a:rPr lang="pt-BR" dirty="0"/>
-              <a:t>outros conjuntos, o de treinamento e o de validação (ou teste) do modelo.</a:t>
-            </a:r>
-          </a:p>
-          <a:p>
-            <a:r>
-              <a:rPr lang="pt-BR" dirty="0"/>
-              <a:t>O objetivo </a:t>
-            </a:r>
-            <a:r>
-              <a:rPr lang="pt-BR" dirty="0" smtClean="0"/>
-              <a:t>da </a:t>
-            </a:r>
-            <a:r>
-              <a:rPr lang="pt-BR" b="1" i="1" dirty="0" smtClean="0"/>
+              <a:t>validação cruzada</a:t>
+            </a:r>
+            <a:r>
+              <a:rPr lang="pt-BR" dirty="0"/>
+              <a:t>, nós dividimos o conjunto total de exemplos em dois outros conjuntos, o de treinamento e o de validação (ou teste) do modelo.</a:t>
+            </a:r>
+          </a:p>
+          <a:p>
+            <a:r>
+              <a:rPr lang="pt-BR" dirty="0"/>
+              <a:t>O objetivo da </a:t>
+            </a:r>
+            <a:r>
+              <a:rPr lang="pt-BR" b="1" i="1" dirty="0"/>
               <a:t>validação cruzada </a:t>
             </a:r>
             <a:r>
-              <a:rPr lang="pt-BR" dirty="0" smtClean="0"/>
+              <a:rPr lang="pt-BR" dirty="0"/>
               <a:t>é encontrar um ponto de equilíbrio entre a </a:t>
             </a:r>
             <a:r>
-              <a:rPr lang="pt-BR" b="1" i="1" dirty="0" smtClean="0"/>
+              <a:rPr lang="pt-BR" b="1" i="1" dirty="0"/>
               <a:t>flexibilidade</a:t>
             </a:r>
             <a:r>
-              <a:rPr lang="pt-BR" dirty="0" smtClean="0"/>
+              <a:rPr lang="pt-BR" dirty="0"/>
               <a:t> e o </a:t>
             </a:r>
             <a:r>
-              <a:rPr lang="pt-BR" b="1" i="1" dirty="0" smtClean="0"/>
+              <a:rPr lang="pt-BR" b="1" i="1" dirty="0"/>
               <a:t>grau de generalização</a:t>
             </a:r>
             <a:r>
-              <a:rPr lang="pt-BR" dirty="0" smtClean="0"/>
+              <a:rPr lang="pt-BR" dirty="0"/>
               <a:t> da </a:t>
             </a:r>
             <a:r>
@@ -10968,7 +10707,7 @@
               <a:t>função hipótese polinomial</a:t>
             </a:r>
             <a:r>
-              <a:rPr lang="pt-BR" dirty="0" smtClean="0"/>
+              <a:rPr lang="pt-BR" dirty="0"/>
               <a:t>.</a:t>
             </a:r>
           </a:p>
@@ -10978,11 +10717,11 @@
               <a:buChar char="§"/>
             </a:pPr>
             <a:r>
-              <a:rPr lang="pt-BR" dirty="0" smtClean="0"/>
+              <a:rPr lang="pt-BR" dirty="0"/>
               <a:t>Flexibilidade o suficiente para se ajustar à função verdadeira (</a:t>
             </a:r>
             <a:r>
-              <a:rPr lang="pt-BR" b="1" i="1" dirty="0" smtClean="0">
+              <a:rPr lang="pt-BR" b="1" i="1" dirty="0">
                 <a:solidFill>
                   <a:srgbClr val="00B050"/>
                 </a:solidFill>
@@ -10990,7 +10729,7 @@
               <a:t>medida através do erro de treinamento</a:t>
             </a:r>
             <a:r>
-              <a:rPr lang="pt-BR" dirty="0" smtClean="0"/>
+              <a:rPr lang="pt-BR" dirty="0"/>
               <a:t>).</a:t>
             </a:r>
           </a:p>
@@ -11000,11 +10739,11 @@
               <a:buChar char="§"/>
             </a:pPr>
             <a:r>
-              <a:rPr lang="pt-BR" dirty="0" smtClean="0"/>
+              <a:rPr lang="pt-BR" dirty="0"/>
               <a:t>Grau de generalização: capacidade de gerar saídas próximas às verdadeiras para exemplos não vistos durante o treinamento (</a:t>
             </a:r>
             <a:r>
-              <a:rPr lang="pt-BR" b="1" i="1" dirty="0" smtClean="0">
+              <a:rPr lang="pt-BR" b="1" i="1" dirty="0">
                 <a:solidFill>
                   <a:srgbClr val="00B050"/>
                 </a:solidFill>
@@ -11012,18 +10751,14 @@
               <a:t>medido através do erro de validação</a:t>
             </a:r>
             <a:r>
-              <a:rPr lang="pt-BR" dirty="0" smtClean="0"/>
+              <a:rPr lang="pt-BR" dirty="0"/>
               <a:t>).</a:t>
             </a:r>
           </a:p>
           <a:p>
             <a:r>
-              <a:rPr lang="pt-BR" dirty="0" smtClean="0"/>
-              <a:t>As </a:t>
-            </a:r>
-            <a:r>
-              <a:rPr lang="pt-BR" dirty="0"/>
-              <a:t>estratégias para validação cruzada mais utilizadas são:</a:t>
+              <a:rPr lang="pt-BR" dirty="0"/>
+              <a:t>As estratégias para validação cruzada mais utilizadas são:</a:t>
             </a:r>
           </a:p>
           <a:p>
@@ -11052,10 +10787,9 @@
               <a:buChar char="§"/>
             </a:pPr>
             <a:r>
-              <a:rPr lang="pt-BR" sz="2800" dirty="0" smtClean="0"/>
+              <a:rPr lang="pt-BR" sz="2800" dirty="0"/>
               <a:t>Leave-p-out</a:t>
             </a:r>
-            <a:endParaRPr lang="pt-BR" sz="2800" dirty="0"/>
           </a:p>
         </p:txBody>
       </p:sp>
@@ -11135,6 +10869,32 @@
           <a:p>
             <a:r>
               <a:rPr lang="pt-BR" dirty="0"/>
+              <a:t>É a estratégia </a:t>
+            </a:r>
+            <a:r>
+              <a:rPr lang="pt-BR" b="1" i="1" dirty="0"/>
+              <a:t>mais simples </a:t>
+            </a:r>
+            <a:r>
+              <a:rPr lang="pt-BR" dirty="0"/>
+              <a:t>das três e apresenta a menor complexidade computacional, pois realiza-se </a:t>
+            </a:r>
+            <a:r>
+              <a:rPr lang="pt-BR" b="1" i="1" dirty="0">
+                <a:solidFill>
+                  <a:srgbClr val="00B050"/>
+                </a:solidFill>
+              </a:rPr>
+              <a:t>apenas um treinamento e uma validação</a:t>
+            </a:r>
+            <a:r>
+              <a:rPr lang="pt-BR" dirty="0"/>
+              <a:t>.</a:t>
+            </a:r>
+          </a:p>
+          <a:p>
+            <a:r>
+              <a:rPr lang="pt-BR" dirty="0"/>
               <a:t>Divide-se </a:t>
             </a:r>
             <a:r>
@@ -11143,7 +10903,15 @@
             </a:r>
             <a:r>
               <a:rPr lang="pt-BR" dirty="0"/>
-              <a:t> o conjunto total de dados em p % para treinamento e (100 - p) % para validação.</a:t>
+              <a:t> o conjunto total de dados em </a:t>
+            </a:r>
+            <a:r>
+              <a:rPr lang="pt-BR" b="1" i="1" dirty="0"/>
+              <a:t>p</a:t>
+            </a:r>
+            <a:r>
+              <a:rPr lang="pt-BR" dirty="0"/>
+              <a:t> % para treinamento e (100 - p) % para validação.</a:t>
             </a:r>
           </a:p>
           <a:p>
@@ -11152,72 +10920,14 @@
               <a:buChar char="§"/>
             </a:pPr>
             <a:r>
-              <a:rPr lang="pt-BR" dirty="0" smtClean="0"/>
-              <a:t>Normalmente, </a:t>
-            </a:r>
-            <a:r>
-              <a:rPr lang="pt-BR" dirty="0"/>
-              <a:t>divide-se o conjunto total de dados em 70/80% para treinamento e 30/20% para validação</a:t>
-            </a:r>
-            <a:r>
-              <a:rPr lang="pt-BR" dirty="0" smtClean="0"/>
-              <a:t>.</a:t>
-            </a:r>
-          </a:p>
-          <a:p>
-            <a:r>
-              <a:rPr lang="pt-BR" dirty="0" smtClean="0"/>
-              <a:t>É </a:t>
-            </a:r>
-            <a:r>
-              <a:rPr lang="pt-BR" dirty="0"/>
-              <a:t>a estratégia mais simples das </a:t>
-            </a:r>
-            <a:r>
-              <a:rPr lang="pt-BR" dirty="0" smtClean="0"/>
-              <a:t>três </a:t>
-            </a:r>
-            <a:r>
-              <a:rPr lang="pt-BR" dirty="0"/>
-              <a:t>e </a:t>
-            </a:r>
-            <a:r>
-              <a:rPr lang="pt-BR" dirty="0" smtClean="0"/>
-              <a:t>a que tem a menor complexidade </a:t>
-            </a:r>
-            <a:r>
-              <a:rPr lang="pt-BR" dirty="0"/>
-              <a:t>computacional, pois </a:t>
-            </a:r>
-            <a:r>
-              <a:rPr lang="pt-BR" dirty="0" smtClean="0"/>
-              <a:t>realiza-se </a:t>
-            </a:r>
-            <a:r>
-              <a:rPr lang="pt-BR" dirty="0"/>
-              <a:t>apenas </a:t>
-            </a:r>
-            <a:r>
-              <a:rPr lang="pt-BR" dirty="0" smtClean="0"/>
-              <a:t>um treinamento </a:t>
-            </a:r>
-            <a:r>
-              <a:rPr lang="pt-BR" dirty="0"/>
-              <a:t>e </a:t>
-            </a:r>
-            <a:r>
-              <a:rPr lang="pt-BR" dirty="0" smtClean="0"/>
-              <a:t>uma validação.</a:t>
-            </a:r>
-          </a:p>
-          <a:p>
-            <a:r>
-              <a:rPr lang="pt-BR" dirty="0" smtClean="0"/>
-              <a:t>Entretanto, devemos </a:t>
-            </a:r>
-            <a:r>
-              <a:rPr lang="pt-BR" dirty="0"/>
-              <a:t>nos assegurar que os conjuntos de treinamento e validação sejam suficientemente </a:t>
+              <a:rPr lang="pt-BR" dirty="0"/>
+              <a:t>Normalmente, divide-se o conjunto total de dados em 70/80% para treinamento e 30/20% para validação.</a:t>
+            </a:r>
+          </a:p>
+          <a:p>
+            <a:r>
+              <a:rPr lang="pt-BR" dirty="0"/>
+              <a:t>Entretanto, devemos nos assegurar que os conjuntos de treinamento e validação sejam suficientemente </a:t>
             </a:r>
             <a:r>
               <a:rPr lang="pt-BR" b="1" i="1" dirty="0">
@@ -11229,17 +10939,12 @@
             </a:r>
             <a:r>
               <a:rPr lang="pt-BR" dirty="0"/>
-              <a:t> que se pretende aproximar</a:t>
-            </a:r>
-            <a:r>
-              <a:rPr lang="pt-BR" dirty="0" smtClean="0"/>
-              <a:t>.</a:t>
-            </a:r>
-            <a:endParaRPr lang="pt-BR" dirty="0"/>
-          </a:p>
-          <a:p>
-            <a:r>
-              <a:rPr lang="pt-BR" b="1" dirty="0" smtClean="0"/>
+              <a:t> que se pretende aproximar.</a:t>
+            </a:r>
+          </a:p>
+          <a:p>
+            <a:r>
+              <a:rPr lang="pt-BR" b="1" dirty="0"/>
               <a:t>Desvantagem</a:t>
             </a:r>
             <a:endParaRPr lang="pt-BR" dirty="0"/>
@@ -11250,12 +10955,8 @@
               <a:buChar char="§"/>
             </a:pPr>
             <a:r>
-              <a:rPr lang="pt-BR" dirty="0" smtClean="0"/>
-              <a:t>Pode sofrer </a:t>
-            </a:r>
-            <a:r>
-              <a:rPr lang="pt-BR" dirty="0"/>
-              <a:t>com o problema do </a:t>
+              <a:rPr lang="pt-BR" dirty="0"/>
+              <a:t>Pode sofrer com o problema do </a:t>
             </a:r>
             <a:r>
               <a:rPr lang="pt-BR" b="1" i="1" dirty="0"/>
@@ -11263,15 +10964,7 @@
             </a:r>
             <a:r>
               <a:rPr lang="pt-BR" dirty="0"/>
-              <a:t>: a </a:t>
-            </a:r>
-            <a:r>
-              <a:rPr lang="pt-BR" dirty="0" smtClean="0"/>
-              <a:t>qualidade do modelo pode </a:t>
-            </a:r>
-            <a:r>
-              <a:rPr lang="pt-BR" dirty="0"/>
-              <a:t>depender muito de quais exemplos vão para o conjunto de treinamento e quais vão para o conjunto de validação.</a:t>
+              <a:t>: a qualidade do modelo pode depender muito de quais exemplos vão para o conjunto de treinamento e quais vão para o conjunto de validação.</a:t>
             </a:r>
           </a:p>
           <a:p>
@@ -11281,37 +10974,8 @@
             </a:pPr>
             <a:r>
               <a:rPr lang="pt-BR" dirty="0"/>
-              <a:t>Portanto, </a:t>
-            </a:r>
-            <a:r>
-              <a:rPr lang="pt-BR" dirty="0" smtClean="0"/>
-              <a:t>o desempenho do modelo pode </a:t>
-            </a:r>
-            <a:r>
-              <a:rPr lang="pt-BR" dirty="0"/>
-              <a:t>ser significativamente diferente dependendo de como a divisão é feita, ou seja, os </a:t>
-            </a:r>
-            <a:r>
-              <a:rPr lang="pt-BR" dirty="0" smtClean="0"/>
-              <a:t>resultados podem </a:t>
-            </a:r>
-            <a:r>
-              <a:rPr lang="pt-BR" dirty="0"/>
-              <a:t>depender de uma escolha aleatória particular </a:t>
-            </a:r>
-            <a:r>
-              <a:rPr lang="pt-BR" dirty="0" smtClean="0"/>
-              <a:t>dos exemplos dos conjuntos </a:t>
-            </a:r>
-            <a:r>
-              <a:rPr lang="pt-BR" dirty="0"/>
-              <a:t>de treinamento e validação</a:t>
-            </a:r>
-            <a:r>
-              <a:rPr lang="pt-BR" dirty="0" smtClean="0"/>
-              <a:t>.</a:t>
-            </a:r>
-            <a:endParaRPr lang="pt-BR" dirty="0"/>
+              <a:t>Portanto, o desempenho do modelo pode ser significativamente diferente dependendo de como a divisão é feita, ou seja, os resultados podem depender de uma escolha aleatória particular dos exemplos dos conjuntos de treinamento e validação.</a:t>
+            </a:r>
           </a:p>
         </p:txBody>
       </p:sp>
@@ -11395,13 +11059,6 @@
   <p:clrMapOvr>
     <a:masterClrMapping/>
   </p:clrMapOvr>
-  <p:timing>
-    <p:tnLst>
-      <p:par>
-        <p:cTn id="1" dur="indefinite" restart="never" nodeType="tmRoot"/>
-      </p:par>
-    </p:tnLst>
-  </p:timing>
 </p:sld>
 </file>
 
@@ -11443,10 +11100,9 @@
           <a:lstStyle/>
           <a:p>
             <a:r>
-              <a:rPr lang="pt-BR" dirty="0" smtClean="0"/>
+              <a:rPr lang="pt-BR" dirty="0"/>
               <a:t>Holdout: Exemplo</a:t>
             </a:r>
-            <a:endParaRPr lang="pt-BR" dirty="0"/>
           </a:p>
         </p:txBody>
       </p:sp>
@@ -11473,60 +11129,20 @@
           <a:lstStyle/>
           <a:p>
             <a:r>
-              <a:rPr lang="pt-BR" dirty="0" smtClean="0"/>
-              <a:t>70</a:t>
-            </a:r>
-            <a:r>
-              <a:rPr lang="pt-BR" dirty="0"/>
-              <a:t>% </a:t>
-            </a:r>
-            <a:r>
-              <a:rPr lang="pt-BR" dirty="0" smtClean="0"/>
-              <a:t>para conjunto </a:t>
-            </a:r>
-            <a:r>
-              <a:rPr lang="pt-BR" dirty="0"/>
-              <a:t>de treinamento e 30% </a:t>
-            </a:r>
-            <a:r>
-              <a:rPr lang="pt-BR" dirty="0" smtClean="0"/>
-              <a:t>para conjunto </a:t>
-            </a:r>
-            <a:r>
-              <a:rPr lang="pt-BR" dirty="0"/>
-              <a:t>de validação.</a:t>
-            </a:r>
-          </a:p>
-          <a:p>
-            <a:r>
-              <a:rPr lang="pt-BR" dirty="0"/>
-              <a:t>Tempo médio para execução com </a:t>
-            </a:r>
-            <a:r>
-              <a:rPr lang="pt-BR" dirty="0" smtClean="0"/>
-              <a:t>N </a:t>
-            </a:r>
-            <a:r>
-              <a:rPr lang="pt-BR" dirty="0"/>
-              <a:t>= 100 é de aproximadamente </a:t>
-            </a:r>
-            <a:r>
-              <a:rPr lang="pt-BR" dirty="0" smtClean="0"/>
-              <a:t>160 ms</a:t>
-            </a:r>
-            <a:r>
-              <a:rPr lang="pt-BR" dirty="0"/>
-              <a:t>.</a:t>
-            </a:r>
-          </a:p>
-          <a:p>
-            <a:r>
-              <a:rPr lang="pt-BR" dirty="0"/>
-              <a:t>Erro </a:t>
-            </a:r>
-            <a:r>
-              <a:rPr lang="pt-BR" dirty="0" smtClean="0"/>
-              <a:t>de treinamento </a:t>
+              <a:rPr lang="pt-BR" dirty="0"/>
+              <a:t>70% para conjunto de treinamento e 30% para conjunto de validação.</a:t>
+            </a:r>
+          </a:p>
+          <a:p>
+            <a:r>
+              <a:rPr lang="pt-BR" dirty="0"/>
+              <a:t>Tempo médio para execução com N = 100 é de aproximadamente 160 ms.</a:t>
+            </a:r>
+          </a:p>
+          <a:p>
+            <a:r>
+              <a:rPr lang="pt-BR" dirty="0"/>
+              <a:t>Erro de treinamento </a:t>
             </a:r>
             <a:r>
               <a:rPr lang="pt-BR" b="1" i="1" dirty="0"/>
@@ -11534,47 +11150,28 @@
             </a:r>
             <a:r>
               <a:rPr lang="pt-BR" dirty="0"/>
-              <a:t> conforme </a:t>
-            </a:r>
-            <a:r>
-              <a:rPr lang="pt-BR" dirty="0" smtClean="0"/>
-              <a:t>a ordem </a:t>
-            </a:r>
-            <a:r>
-              <a:rPr lang="pt-BR" dirty="0"/>
-              <a:t>do polinômio aumenta. </a:t>
-            </a:r>
-            <a:endParaRPr lang="pt-BR" dirty="0" smtClean="0"/>
-          </a:p>
-          <a:p>
-            <a:r>
-              <a:rPr lang="pt-BR" dirty="0" smtClean="0"/>
+              <a:t> conforme a ordem do polinômio aumenta. </a:t>
+            </a:r>
+          </a:p>
+          <a:p>
+            <a:r>
+              <a:rPr lang="pt-BR" dirty="0"/>
               <a:t>Erro de validação </a:t>
             </a:r>
             <a:r>
-              <a:rPr lang="pt-BR" b="1" i="1" dirty="0" smtClean="0"/>
+              <a:rPr lang="pt-BR" b="1" i="1" dirty="0"/>
               <a:t>aumenta</a:t>
             </a:r>
             <a:r>
-              <a:rPr lang="pt-BR" dirty="0" smtClean="0"/>
-              <a:t> conforme </a:t>
-            </a:r>
-            <a:r>
-              <a:rPr lang="pt-BR" dirty="0"/>
-              <a:t>a ordem do polinômio </a:t>
-            </a:r>
-            <a:r>
-              <a:rPr lang="pt-BR" dirty="0" smtClean="0"/>
-              <a:t>aumenta.</a:t>
-            </a:r>
-            <a:endParaRPr lang="pt-BR" dirty="0"/>
+              <a:rPr lang="pt-BR" dirty="0"/>
+              <a:t> conforme a ordem do polinômio aumenta.</a:t>
+            </a:r>
           </a:p>
           <a:p>
             <a:r>
               <a:rPr lang="pt-BR" dirty="0"/>
               <a:t>Qual ordem escolher? </a:t>
             </a:r>
-            <a:endParaRPr lang="pt-BR" dirty="0" smtClean="0"/>
           </a:p>
           <a:p>
             <a:pPr lvl="1">
@@ -11582,11 +11179,11 @@
               <a:buChar char="§"/>
             </a:pPr>
             <a:r>
-              <a:rPr lang="pt-BR" dirty="0" smtClean="0"/>
+              <a:rPr lang="pt-BR" dirty="0"/>
               <a:t>O ponto onde </a:t>
             </a:r>
             <a:r>
-              <a:rPr lang="pt-BR" b="1" i="1" dirty="0" smtClean="0">
+              <a:rPr lang="pt-BR" b="1" i="1" dirty="0">
                 <a:solidFill>
                   <a:srgbClr val="FF0000"/>
                 </a:solidFill>
@@ -11594,7 +11191,7 @@
               <a:t>ambos</a:t>
             </a:r>
             <a:r>
-              <a:rPr lang="pt-BR" dirty="0" smtClean="0">
+              <a:rPr lang="pt-BR" dirty="0">
                 <a:solidFill>
                   <a:srgbClr val="FF0000"/>
                 </a:solidFill>
@@ -11602,18 +11199,9 @@
               <a:t> </a:t>
             </a:r>
             <a:r>
-              <a:rPr lang="pt-BR" dirty="0" smtClean="0"/>
-              <a:t>os erros sejam mínimos (balanço </a:t>
-            </a:r>
-            <a:r>
-              <a:rPr lang="pt-BR" dirty="0"/>
-              <a:t>entre </a:t>
-            </a:r>
-            <a:r>
-              <a:rPr lang="pt-BR" dirty="0" smtClean="0"/>
-              <a:t>flexibilidade e grau de generalização) e com menor complexidade.</a:t>
-            </a:r>
-            <a:endParaRPr lang="pt-BR" dirty="0"/>
+              <a:rPr lang="pt-BR" dirty="0"/>
+              <a:t>os erros sejam mínimos (balanço entre flexibilidade e grau de generalização) e com menor complexidade.</a:t>
+            </a:r>
           </a:p>
         </p:txBody>
       </p:sp>
@@ -11625,8 +11213,8 @@
         </p:nvSpPr>
         <p:spPr>
           <a:xfrm>
-            <a:off x="8838190" y="6473563"/>
-            <a:ext cx="3404715" cy="369332"/>
+            <a:off x="9199025" y="6519446"/>
+            <a:ext cx="3037883" cy="338554"/>
           </a:xfrm>
           <a:prstGeom prst="rect">
             <a:avLst/>
@@ -11639,7 +11227,7 @@
           <a:lstStyle/>
           <a:p>
             <a:r>
-              <a:rPr lang="pt-BR" dirty="0">
+              <a:rPr lang="pt-BR" sz="1600" dirty="0">
                 <a:solidFill>
                   <a:schemeClr val="accent5"/>
                 </a:solidFill>
@@ -11647,7 +11235,7 @@
               </a:rPr>
               <a:t>Exemplo: validacao_cruzada.ipynb</a:t>
             </a:r>
-            <a:endParaRPr lang="pt-BR" dirty="0">
+            <a:endParaRPr lang="pt-BR" sz="1600" dirty="0">
               <a:solidFill>
                 <a:schemeClr val="accent5"/>
               </a:solidFill>
@@ -11739,11 +11327,7 @@
                 <a:pPr algn="ctr"/>
                 <a:r>
                   <a:rPr lang="pt-BR" sz="1600" dirty="0"/>
-                  <a:t>Função observável é um polinômio de segunda ordem mais ruído Gaussiano </a:t>
-                </a:r>
-                <a:r>
-                  <a:rPr lang="pt-BR" sz="1600" dirty="0" smtClean="0"/>
-                  <a:t>branco, </a:t>
+                  <a:t>Função observável é um polinômio de segunda ordem mais ruído Gaussiano branco, </a:t>
                 </a:r>
                 <a14:m>
                   <m:oMath xmlns:m="http://schemas.openxmlformats.org/officeDocument/2006/math">
@@ -11756,10 +11340,9 @@
                   </m:oMath>
                 </a14:m>
                 <a:r>
-                  <a:rPr lang="pt-BR" sz="1600" dirty="0" smtClean="0"/>
+                  <a:rPr lang="pt-BR" sz="1600" dirty="0"/>
                   <a:t>.</a:t>
                 </a:r>
-                <a:endParaRPr lang="pt-BR" sz="1600" dirty="0"/>
               </a:p>
               <a:p>
                 <a:pPr algn="ctr"/>
@@ -11919,10 +11502,9 @@
           <a:p>
             <a:pPr algn="ctr"/>
             <a:r>
-              <a:rPr lang="pt-BR" sz="1600" b="1" dirty="0" smtClean="0"/>
+              <a:rPr lang="pt-BR" sz="1600" b="1" dirty="0"/>
               <a:t>subajuste</a:t>
             </a:r>
-            <a:endParaRPr lang="pt-BR" sz="1600" b="1" dirty="0"/>
           </a:p>
         </p:txBody>
       </p:sp>
@@ -11986,10 +11568,9 @@
           <a:p>
             <a:pPr algn="ctr"/>
             <a:r>
-              <a:rPr lang="pt-BR" sz="1600" b="1" dirty="0" smtClean="0"/>
+              <a:rPr lang="pt-BR" sz="1600" b="1" dirty="0"/>
               <a:t>sobreajuste</a:t>
             </a:r>
-            <a:endParaRPr lang="pt-BR" sz="1600" b="1" dirty="0"/>
           </a:p>
         </p:txBody>
       </p:sp>
@@ -12145,18 +11726,13 @@
           <a:p>
             <a:pPr algn="ctr"/>
             <a:r>
-              <a:rPr lang="pt-BR" sz="1600" b="1" dirty="0" smtClean="0"/>
+              <a:rPr lang="pt-BR" sz="1600" b="1" dirty="0"/>
               <a:t>Ponto ótimo </a:t>
             </a:r>
             <a:r>
               <a:rPr lang="pt-BR" sz="1600" dirty="0"/>
-              <a:t>(mudança de tendência</a:t>
-            </a:r>
-            <a:r>
-              <a:rPr lang="pt-BR" sz="1600" dirty="0" smtClean="0"/>
-              <a:t>)</a:t>
-            </a:r>
-            <a:endParaRPr lang="pt-BR" sz="1600" dirty="0"/>
+              <a:t>(mudança de tendência)</a:t>
+            </a:r>
           </a:p>
         </p:txBody>
       </p:sp>
@@ -12252,13 +11828,6 @@
   <p:clrMapOvr>
     <a:masterClrMapping/>
   </p:clrMapOvr>
-  <p:timing>
-    <p:tnLst>
-      <p:par>
-        <p:cTn id="1" dur="indefinite" restart="never" nodeType="tmRoot"/>
-      </p:par>
-    </p:tnLst>
-  </p:timing>
 </p:sld>
 </file>
 
@@ -12329,106 +11898,70 @@
           <a:lstStyle/>
           <a:p>
             <a:r>
-              <a:rPr lang="pt-BR" sz="2300" dirty="0" smtClean="0"/>
-              <a:t>Estratégia mais </a:t>
-            </a:r>
-            <a:r>
               <a:rPr lang="pt-BR" sz="2300" dirty="0"/>
-              <a:t>elaborada que a </a:t>
-            </a:r>
-            <a:r>
-              <a:rPr lang="pt-BR" sz="2300" dirty="0" smtClean="0"/>
-              <a:t>anterior e que nos fornece indicações mais claras.</a:t>
-            </a:r>
-          </a:p>
-          <a:p>
-            <a:r>
-              <a:rPr lang="pt-BR" sz="2300" dirty="0" smtClean="0"/>
+              <a:t>Estratégia mais elaborada que o </a:t>
+            </a:r>
+            <a:r>
+              <a:rPr lang="pt-BR" sz="2300" dirty="0" err="1"/>
+              <a:t>Holdout</a:t>
+            </a:r>
+            <a:r>
+              <a:rPr lang="pt-BR" sz="2300" dirty="0"/>
+              <a:t> e que nos </a:t>
+            </a:r>
+            <a:r>
+              <a:rPr lang="pt-BR" sz="2300" b="1" i="1" dirty="0"/>
+              <a:t>fornece indicações mais claras</a:t>
+            </a:r>
+            <a:r>
+              <a:rPr lang="pt-BR" sz="2300" dirty="0"/>
+              <a:t>.</a:t>
+            </a:r>
+          </a:p>
+          <a:p>
+            <a:r>
+              <a:rPr lang="pt-BR" sz="2300" dirty="0"/>
               <a:t>Consiste em </a:t>
             </a:r>
             <a:r>
-              <a:rPr lang="pt-BR" sz="2300" b="1" i="1" dirty="0" smtClean="0"/>
+              <a:rPr lang="pt-BR" sz="2300" b="1" i="1" dirty="0"/>
               <a:t>embaralhar</a:t>
             </a:r>
             <a:r>
-              <a:rPr lang="pt-BR" sz="2300" dirty="0" smtClean="0"/>
+              <a:rPr lang="pt-BR" sz="2300" dirty="0"/>
               <a:t> (opcional) </a:t>
             </a:r>
             <a:r>
-              <a:rPr lang="pt-BR" sz="2300" b="1" i="1" dirty="0" smtClean="0"/>
+              <a:rPr lang="pt-BR" sz="2300" b="1" i="1" dirty="0"/>
               <a:t>e</a:t>
-            </a:r>
-            <a:r>
-              <a:rPr lang="pt-BR" sz="2300" dirty="0" smtClean="0"/>
-              <a:t> </a:t>
-            </a:r>
-            <a:r>
-              <a:rPr lang="pt-BR" sz="2300" b="1" i="1" dirty="0"/>
-              <a:t>dividir o conjunto </a:t>
-            </a:r>
-            <a:r>
-              <a:rPr lang="pt-BR" sz="2300" b="1" i="1" dirty="0" smtClean="0"/>
-              <a:t>total de </a:t>
-            </a:r>
-            <a:r>
-              <a:rPr lang="pt-BR" sz="2300" b="1" i="1" dirty="0"/>
-              <a:t>dados em k </a:t>
-            </a:r>
-            <a:r>
-              <a:rPr lang="pt-BR" sz="2300" b="1" i="1" dirty="0" smtClean="0"/>
-              <a:t>subconjuntos</a:t>
             </a:r>
             <a:r>
               <a:rPr lang="pt-BR" sz="2300" dirty="0"/>
               <a:t> </a:t>
             </a:r>
             <a:r>
-              <a:rPr lang="pt-BR" sz="2300" dirty="0" smtClean="0"/>
-              <a:t>(ou </a:t>
-            </a:r>
-            <a:r>
-              <a:rPr lang="pt-BR" sz="2300" i="1" dirty="0" err="1" smtClean="0"/>
+              <a:rPr lang="pt-BR" sz="2300" b="1" i="1" dirty="0"/>
+              <a:t>dividir o conjunto total de dados em k subconjuntos</a:t>
+            </a:r>
+            <a:r>
+              <a:rPr lang="pt-BR" sz="2300" dirty="0"/>
+              <a:t> (ou </a:t>
+            </a:r>
+            <a:r>
+              <a:rPr lang="pt-BR" sz="2300" i="1" dirty="0" err="1"/>
               <a:t>folds</a:t>
             </a:r>
             <a:r>
-              <a:rPr lang="pt-BR" sz="2300" dirty="0" smtClean="0"/>
-              <a:t>) </a:t>
-            </a:r>
-            <a:r>
               <a:rPr lang="pt-BR" sz="2300" dirty="0"/>
-              <a:t>de </a:t>
-            </a:r>
-            <a:r>
-              <a:rPr lang="pt-BR" sz="2300" dirty="0" smtClean="0"/>
-              <a:t>tamanhos iguais </a:t>
+              <a:t>) de tamanhos iguais (se possível) e realizar </a:t>
+            </a:r>
+            <a:r>
+              <a:rPr lang="pt-BR" sz="2300" b="1" i="1" dirty="0"/>
+              <a:t>k treinamentos distintos</a:t>
             </a:r>
             <a:r>
               <a:rPr lang="pt-BR" sz="2300" dirty="0"/>
-              <a:t>(</a:t>
-            </a:r>
-            <a:r>
-              <a:rPr lang="pt-BR" sz="2300" dirty="0" smtClean="0"/>
-              <a:t>se possível) e </a:t>
-            </a:r>
-            <a:r>
-              <a:rPr lang="pt-BR" sz="2300" dirty="0"/>
-              <a:t>realizar </a:t>
-            </a:r>
-            <a:r>
-              <a:rPr lang="pt-BR" sz="2300" b="1" i="1" dirty="0"/>
-              <a:t>k </a:t>
-            </a:r>
-            <a:r>
-              <a:rPr lang="pt-BR" sz="2300" b="1" i="1" dirty="0" smtClean="0"/>
-              <a:t>treinamentos distintos</a:t>
-            </a:r>
-            <a:r>
-              <a:rPr lang="pt-BR" sz="2300" dirty="0" smtClean="0"/>
-              <a:t>, </a:t>
-            </a:r>
-            <a:r>
-              <a:rPr lang="pt-BR" sz="2300" dirty="0"/>
-              <a:t>onde cada um dos </a:t>
+              <a:t>, onde cada um dos </a:t>
             </a:r>
             <a:r>
               <a:rPr lang="pt-BR" sz="2300" b="1" i="1" dirty="0"/>
@@ -12468,15 +12001,7 @@
             </a:r>
             <a:r>
               <a:rPr lang="pt-BR" sz="2300" dirty="0"/>
-              <a:t> </a:t>
-            </a:r>
-            <a:r>
-              <a:rPr lang="pt-BR" sz="2300" dirty="0" smtClean="0"/>
-              <a:t>para </a:t>
-            </a:r>
-            <a:r>
-              <a:rPr lang="pt-BR" sz="2300" dirty="0"/>
-              <a:t>validação.</a:t>
+              <a:t> para validação.</a:t>
             </a:r>
           </a:p>
         </p:txBody>
@@ -12491,8 +12016,8 @@
         </p:nvSpPr>
         <p:spPr>
           <a:xfrm>
-            <a:off x="838200" y="5240310"/>
-            <a:ext cx="11241024" cy="1617690"/>
+            <a:off x="838200" y="5174320"/>
+            <a:ext cx="11241024" cy="1683679"/>
           </a:xfrm>
           <a:prstGeom prst="rect">
             <a:avLst/>
@@ -12667,57 +12192,93 @@
             </a:lvl9pPr>
           </a:lstStyle>
           <a:p>
-            <a:r>
-              <a:rPr lang="pt-BR" sz="2400" dirty="0" smtClean="0"/>
+            <a:pPr>
+              <a:spcBef>
+                <a:spcPts val="400"/>
+              </a:spcBef>
+            </a:pPr>
+            <a:r>
+              <a:rPr lang="pt-BR" sz="2200" dirty="0"/>
               <a:t>Cada exemplo entra em um conjunto de validação exatamente </a:t>
             </a:r>
             <a:r>
-              <a:rPr lang="pt-BR" sz="2400" b="1" dirty="0" smtClean="0"/>
+              <a:rPr lang="pt-BR" sz="2200" b="1" dirty="0"/>
               <a:t>1</a:t>
             </a:r>
             <a:r>
-              <a:rPr lang="pt-BR" sz="2400" dirty="0" smtClean="0"/>
+              <a:rPr lang="pt-BR" sz="2200" dirty="0"/>
               <a:t> vez e em um conjunto de treinamento </a:t>
             </a:r>
             <a:r>
-              <a:rPr lang="pt-BR" sz="2400" b="1" i="1" dirty="0" smtClean="0"/>
+              <a:rPr lang="pt-BR" sz="2200" b="1" i="1" dirty="0"/>
               <a:t>k-1</a:t>
             </a:r>
             <a:r>
-              <a:rPr lang="pt-BR" sz="2400" dirty="0" smtClean="0"/>
+              <a:rPr lang="pt-BR" sz="2200" dirty="0"/>
               <a:t> vezes.</a:t>
             </a:r>
           </a:p>
           <a:p>
-            <a:r>
-              <a:rPr lang="pt-BR" sz="2400" dirty="0" smtClean="0"/>
+            <a:pPr>
+              <a:spcBef>
+                <a:spcPts val="400"/>
+              </a:spcBef>
+            </a:pPr>
+            <a:r>
+              <a:rPr lang="pt-BR" sz="2200" dirty="0"/>
               <a:t>O desempenho do modelo é dado pela </a:t>
             </a:r>
             <a:r>
-              <a:rPr lang="pt-BR" sz="2400" b="1" i="1" dirty="0" smtClean="0"/>
+              <a:rPr lang="pt-BR" sz="2200" b="1" i="1" dirty="0"/>
               <a:t>média dos erros de validação </a:t>
             </a:r>
             <a:r>
-              <a:rPr lang="pt-BR" sz="2400" dirty="0" smtClean="0"/>
+              <a:rPr lang="pt-BR" sz="2200" dirty="0"/>
               <a:t>calculados para cada um dos </a:t>
             </a:r>
             <a:r>
-              <a:rPr lang="pt-BR" sz="2400" b="1" i="1" dirty="0" smtClean="0"/>
+              <a:rPr lang="pt-BR" sz="2200" b="1" i="1" dirty="0"/>
               <a:t>k</a:t>
             </a:r>
             <a:r>
-              <a:rPr lang="pt-BR" sz="2400" dirty="0" smtClean="0"/>
+              <a:rPr lang="pt-BR" sz="2200" dirty="0"/>
               <a:t> </a:t>
             </a:r>
             <a:r>
-              <a:rPr lang="pt-BR" sz="2400" i="1" dirty="0" smtClean="0"/>
+              <a:rPr lang="pt-BR" sz="2200" i="1" dirty="0" err="1"/>
               <a:t>folds</a:t>
             </a:r>
             <a:r>
-              <a:rPr lang="pt-BR" sz="2400" dirty="0" smtClean="0"/>
-              <a:t>. </a:t>
-            </a:r>
-            <a:endParaRPr lang="pt-BR" sz="2400" dirty="0"/>
+              <a:rPr lang="pt-BR" sz="2200" dirty="0"/>
+              <a:t> usados para validação do modelo. </a:t>
+            </a:r>
+          </a:p>
+          <a:p>
+            <a:pPr>
+              <a:spcBef>
+                <a:spcPts val="400"/>
+              </a:spcBef>
+            </a:pPr>
+            <a:r>
+              <a:rPr lang="pt-BR" sz="2200" dirty="0"/>
+              <a:t>Uma alta </a:t>
+            </a:r>
+            <a:r>
+              <a:rPr lang="pt-BR" sz="2200" b="1" i="1" dirty="0"/>
+              <a:t>variância do erro de validação </a:t>
+            </a:r>
+            <a:r>
+              <a:rPr lang="pt-BR" sz="2200" dirty="0"/>
+              <a:t>é um forte indicador de </a:t>
+            </a:r>
+            <a:r>
+              <a:rPr lang="pt-BR" sz="2200" dirty="0" err="1"/>
+              <a:t>sobreajuste</a:t>
+            </a:r>
+            <a:r>
+              <a:rPr lang="pt-BR" sz="2200" dirty="0"/>
+              <a:t>.</a:t>
+            </a:r>
           </a:p>
         </p:txBody>
       </p:sp>
@@ -12743,8 +12304,8 @@
         </p:blipFill>
         <p:spPr>
           <a:xfrm>
-            <a:off x="2615951" y="2647650"/>
-            <a:ext cx="7493498" cy="2581230"/>
+            <a:off x="2615951" y="2628796"/>
+            <a:ext cx="7291620" cy="2511691"/>
           </a:xfrm>
           <a:prstGeom prst="rect">
             <a:avLst/>
@@ -12759,7 +12320,7 @@
         </p:nvSpPr>
         <p:spPr>
           <a:xfrm>
-            <a:off x="1254984" y="3821128"/>
+            <a:off x="1170142" y="3675770"/>
             <a:ext cx="1360967" cy="584775"/>
           </a:xfrm>
           <a:prstGeom prst="rect">
@@ -12776,11 +12337,7 @@
             <a:pPr algn="ctr"/>
             <a:r>
               <a:rPr lang="pt-BR" sz="3200" b="1" dirty="0"/>
-              <a:t>k</a:t>
-            </a:r>
-            <a:r>
-              <a:rPr lang="pt-BR" sz="3200" b="1" dirty="0" smtClean="0"/>
-              <a:t> = 5</a:t>
+              <a:t>k = 5</a:t>
             </a:r>
             <a:endParaRPr lang="en-US" sz="3200" b="1" dirty="0"/>
           </a:p>
@@ -12796,13 +12353,6 @@
   <p:clrMapOvr>
     <a:masterClrMapping/>
   </p:clrMapOvr>
-  <p:timing>
-    <p:tnLst>
-      <p:par>
-        <p:cTn id="1" dur="indefinite" restart="never" nodeType="tmRoot"/>
-      </p:par>
-    </p:tnLst>
-  </p:timing>
 </p:sld>
 </file>
 
@@ -12833,7 +12383,12 @@
             <p:ph type="title"/>
           </p:nvPr>
         </p:nvSpPr>
-        <p:spPr/>
+        <p:spPr>
+          <a:xfrm>
+            <a:off x="838200" y="214297"/>
+            <a:ext cx="10515600" cy="1020615"/>
+          </a:xfrm>
+        </p:spPr>
         <p:txBody>
           <a:bodyPr/>
           <a:lstStyle/>
@@ -12857,8 +12412,8 @@
         </p:nvSpPr>
         <p:spPr>
           <a:xfrm>
-            <a:off x="838199" y="1825624"/>
-            <a:ext cx="11167873" cy="5032376"/>
+            <a:off x="838199" y="1527142"/>
+            <a:ext cx="11167873" cy="5330858"/>
           </a:xfrm>
         </p:spPr>
         <p:txBody>
@@ -12869,19 +12424,7 @@
           <a:p>
             <a:r>
               <a:rPr lang="pt-BR" sz="2400" dirty="0"/>
-              <a:t>Como regra </a:t>
-            </a:r>
-            <a:r>
-              <a:rPr lang="pt-BR" sz="2400" dirty="0" smtClean="0"/>
-              <a:t>geral, </a:t>
-            </a:r>
-            <a:r>
-              <a:rPr lang="pt-BR" sz="2400" dirty="0"/>
-              <a:t>normalmente, </a:t>
-            </a:r>
-            <a:r>
-              <a:rPr lang="pt-BR" sz="2400" dirty="0" smtClean="0"/>
-              <a:t>se utiliza </a:t>
+              <a:t>Como regra geral, normalmente, se utiliza </a:t>
             </a:r>
             <a:r>
               <a:rPr lang="pt-BR" sz="2400" b="1" i="1" dirty="0"/>
@@ -12889,25 +12432,13 @@
             </a:r>
             <a:r>
               <a:rPr lang="pt-BR" sz="2400" dirty="0"/>
-              <a:t> = 5 ou 10</a:t>
-            </a:r>
-            <a:r>
-              <a:rPr lang="pt-BR" sz="2400" dirty="0" smtClean="0"/>
-              <a:t>.</a:t>
+              <a:t> = 5 ou 10.</a:t>
             </a:r>
           </a:p>
           <a:p>
             <a:r>
               <a:rPr lang="pt-BR" sz="2400" dirty="0"/>
-              <a:t>Porém, </a:t>
-            </a:r>
-            <a:r>
-              <a:rPr lang="pt-BR" sz="2400" dirty="0" smtClean="0"/>
-              <a:t>tenha </a:t>
-            </a:r>
-            <a:r>
-              <a:rPr lang="pt-BR" sz="2400" dirty="0"/>
-              <a:t>em mente que o valor de </a:t>
+              <a:t>Porém, tenha em mente que o valor de </a:t>
             </a:r>
             <a:r>
               <a:rPr lang="pt-BR" sz="2400" b="1" i="1" dirty="0"/>
@@ -12915,7 +12446,7 @@
             </a:r>
             <a:r>
               <a:rPr lang="pt-BR" sz="2400" dirty="0"/>
-              <a:t> é escolhido de forma que os conjuntos de treinamento e validação sejam grandes o suficiente para serem </a:t>
+              <a:t> deve ser escolhido de forma que os conjuntos de treinamento e validação sejam grandes o suficiente para serem </a:t>
             </a:r>
             <a:r>
               <a:rPr lang="pt-BR" sz="2400" b="1" i="1" dirty="0"/>
@@ -12923,38 +12454,26 @@
             </a:r>
             <a:r>
               <a:rPr lang="pt-BR" sz="2400" dirty="0"/>
-              <a:t>do mapeamento verdadeiro</a:t>
-            </a:r>
-            <a:r>
-              <a:rPr lang="pt-BR" sz="2400" dirty="0" smtClean="0"/>
-              <a:t>.</a:t>
-            </a:r>
-          </a:p>
-          <a:p>
-            <a:r>
-              <a:rPr lang="pt-BR" sz="2400" dirty="0" smtClean="0"/>
+              <a:t>do mapeamento verdadeiro.</a:t>
+            </a:r>
+          </a:p>
+          <a:p>
+            <a:r>
+              <a:rPr lang="pt-BR" sz="2400" dirty="0"/>
               <a:t>O k-</a:t>
             </a:r>
             <a:r>
-              <a:rPr lang="pt-BR" sz="2400" dirty="0" err="1" smtClean="0"/>
+              <a:rPr lang="pt-BR" sz="2400" dirty="0" err="1"/>
               <a:t>Fold</a:t>
             </a:r>
             <a:r>
-              <a:rPr lang="pt-BR" sz="2400" dirty="0" smtClean="0"/>
-              <a:t> </a:t>
-            </a:r>
-            <a:r>
               <a:rPr lang="pt-BR" sz="2400" dirty="0"/>
-              <a:t>é bastante útil quando se tem conjuntos de dados pequenos</a:t>
-            </a:r>
-            <a:r>
-              <a:rPr lang="pt-BR" sz="2400" dirty="0" smtClean="0"/>
-              <a:t>.</a:t>
-            </a:r>
-          </a:p>
-          <a:p>
-            <a:r>
-              <a:rPr lang="pt-BR" sz="2400" b="1" dirty="0" smtClean="0"/>
+              <a:t> é bastante útil quando se tem conjuntos de dados pequenos a moderados.</a:t>
+            </a:r>
+          </a:p>
+          <a:p>
+            <a:r>
+              <a:rPr lang="pt-BR" sz="2400" b="1" dirty="0"/>
               <a:t>Vantagem</a:t>
             </a:r>
           </a:p>
@@ -12964,12 +12483,8 @@
               <a:buChar char="§"/>
             </a:pPr>
             <a:r>
-              <a:rPr lang="pt-BR" dirty="0" smtClean="0"/>
-              <a:t>Reduz </a:t>
-            </a:r>
-            <a:r>
-              <a:rPr lang="pt-BR" dirty="0"/>
-              <a:t>significativamente o problema do </a:t>
+              <a:rPr lang="pt-BR" dirty="0"/>
+              <a:t>Reduz significativamente o problema do </a:t>
             </a:r>
             <a:r>
               <a:rPr lang="pt-BR" b="1" i="1" dirty="0"/>
@@ -12980,14 +12495,13 @@
               <a:t> em relação ao </a:t>
             </a:r>
             <a:r>
-              <a:rPr lang="pt-BR" b="1" i="1" dirty="0" err="1" smtClean="0"/>
+              <a:rPr lang="pt-BR" b="1" i="1" dirty="0" err="1"/>
               <a:t>holdout</a:t>
             </a:r>
             <a:r>
               <a:rPr lang="pt-BR" dirty="0"/>
               <a:t>.</a:t>
             </a:r>
-            <a:endParaRPr lang="pt-BR" dirty="0" smtClean="0"/>
           </a:p>
           <a:p>
             <a:pPr lvl="2">
@@ -12995,17 +12509,31 @@
               <a:buChar char="o"/>
             </a:pPr>
             <a:r>
-              <a:rPr lang="pt-BR" dirty="0" smtClean="0"/>
-              <a:t>Todos </a:t>
-            </a:r>
-            <a:r>
-              <a:rPr lang="pt-BR" dirty="0"/>
-              <a:t>os exemplos do conjunto total de dados aparecem nos conjuntos de treinamento e validação.</a:t>
-            </a:r>
-          </a:p>
-          <a:p>
-            <a:r>
-              <a:rPr lang="pt-BR" sz="2400" b="1" dirty="0" smtClean="0"/>
+              <a:rPr lang="pt-BR" dirty="0"/>
+              <a:t>Pois faz-se a avaliação do modelo através de uma média de </a:t>
+            </a:r>
+            <a:r>
+              <a:rPr lang="pt-BR" b="1" i="1" dirty="0"/>
+              <a:t>k</a:t>
+            </a:r>
+            <a:r>
+              <a:rPr lang="pt-BR" dirty="0"/>
+              <a:t> avaliações.</a:t>
+            </a:r>
+          </a:p>
+          <a:p>
+            <a:pPr lvl="2">
+              <a:buFont typeface="Courier New" panose="02070309020205020404" pitchFamily="49" charset="0"/>
+              <a:buChar char="o"/>
+            </a:pPr>
+            <a:r>
+              <a:rPr lang="pt-BR" dirty="0"/>
+              <a:t>Todos os exemplos do conjunto total de dados aparecem nos conjuntos de treinamento e validação.</a:t>
+            </a:r>
+          </a:p>
+          <a:p>
+            <a:r>
+              <a:rPr lang="pt-BR" sz="2400" b="1" dirty="0"/>
               <a:t>Desvantagem</a:t>
             </a:r>
             <a:endParaRPr lang="pt-BR" sz="2400" dirty="0"/>
@@ -13016,32 +12544,8 @@
               <a:buChar char="§"/>
             </a:pPr>
             <a:r>
-              <a:rPr lang="pt-BR" dirty="0" smtClean="0"/>
-              <a:t>O </a:t>
-            </a:r>
-            <a:r>
-              <a:rPr lang="pt-BR" dirty="0"/>
-              <a:t>treinamento deve ser executado novamente do </a:t>
-            </a:r>
-            <a:r>
-              <a:rPr lang="pt-BR" dirty="0" smtClean="0"/>
-              <a:t>zero </a:t>
-            </a:r>
-            <a:r>
-              <a:rPr lang="pt-BR" b="1" i="1" dirty="0" smtClean="0"/>
-              <a:t>k</a:t>
-            </a:r>
-            <a:r>
-              <a:rPr lang="pt-BR" dirty="0" smtClean="0"/>
-              <a:t> </a:t>
-            </a:r>
-            <a:r>
-              <a:rPr lang="pt-BR" dirty="0"/>
-              <a:t>vezes, o que significa que </a:t>
-            </a:r>
-            <a:r>
-              <a:rPr lang="pt-BR" dirty="0" smtClean="0"/>
-              <a:t>leva-se aproximadamente </a:t>
+              <a:rPr lang="pt-BR" dirty="0"/>
+              <a:t>O treinamento deve ser executado novamente do zero </a:t>
             </a:r>
             <a:r>
               <a:rPr lang="pt-BR" b="1" i="1" dirty="0"/>
@@ -13049,37 +12553,24 @@
             </a:r>
             <a:r>
               <a:rPr lang="pt-BR" dirty="0"/>
-              <a:t> vezes mais </a:t>
-            </a:r>
-            <a:r>
-              <a:rPr lang="pt-BR" dirty="0" smtClean="0"/>
-              <a:t>tempo que o </a:t>
-            </a:r>
-            <a:r>
-              <a:rPr lang="pt-BR" b="1" i="1" dirty="0" smtClean="0"/>
+              <a:t> vezes, o que significa que leva-se aproximadamente </a:t>
+            </a:r>
+            <a:r>
+              <a:rPr lang="pt-BR" b="1" i="1" dirty="0"/>
+              <a:t>k</a:t>
+            </a:r>
+            <a:r>
+              <a:rPr lang="pt-BR" dirty="0"/>
+              <a:t> vezes mais tempo que o </a:t>
+            </a:r>
+            <a:r>
+              <a:rPr lang="pt-BR" b="1" i="1" dirty="0"/>
               <a:t>holdout</a:t>
             </a:r>
             <a:r>
-              <a:rPr lang="pt-BR" dirty="0" smtClean="0"/>
-              <a:t> </a:t>
-            </a:r>
-            <a:r>
-              <a:rPr lang="pt-BR" dirty="0"/>
-              <a:t>para se </a:t>
-            </a:r>
-            <a:r>
-              <a:rPr lang="pt-BR" dirty="0" smtClean="0"/>
-              <a:t>realizar a </a:t>
-            </a:r>
-            <a:r>
-              <a:rPr lang="pt-BR" dirty="0"/>
-              <a:t>avaliação do modelo (treinamento + validação</a:t>
-            </a:r>
-            <a:r>
-              <a:rPr lang="pt-BR" dirty="0" smtClean="0"/>
-              <a:t>).</a:t>
-            </a:r>
-            <a:endParaRPr lang="pt-BR" dirty="0"/>
+              <a:rPr lang="pt-BR" dirty="0"/>
+              <a:t> para se realizar a avaliação do modelo (treinamento + validação).</a:t>
+            </a:r>
           </a:p>
         </p:txBody>
       </p:sp>
@@ -13093,13 +12584,6 @@
   <p:clrMapOvr>
     <a:masterClrMapping/>
   </p:clrMapOvr>
-  <p:timing>
-    <p:tnLst>
-      <p:par>
-        <p:cTn id="1" dur="indefinite" restart="never" nodeType="tmRoot"/>
-      </p:par>
-    </p:tnLst>
-  </p:timing>
 </p:sld>
 </file>
 
@@ -13141,10 +12625,9 @@
           <a:lstStyle/>
           <a:p>
             <a:r>
-              <a:rPr lang="pt-BR" dirty="0" smtClean="0"/>
+              <a:rPr lang="pt-BR" dirty="0"/>
               <a:t>k-Fold: Exemplo</a:t>
             </a:r>
-            <a:endParaRPr lang="pt-BR" dirty="0"/>
           </a:p>
         </p:txBody>
       </p:sp>
@@ -13171,104 +12654,42 @@
           <a:lstStyle/>
           <a:p>
             <a:r>
-              <a:rPr lang="pt-BR" dirty="0" smtClean="0"/>
+              <a:rPr lang="pt-BR" dirty="0"/>
               <a:t>Usa-se a mesma função observável do exemplo anterior.</a:t>
             </a:r>
           </a:p>
           <a:p>
             <a:r>
-              <a:rPr lang="pt-BR" b="1" dirty="0" smtClean="0"/>
+              <a:rPr lang="pt-BR" b="1" dirty="0"/>
               <a:t>k</a:t>
             </a:r>
             <a:r>
-              <a:rPr lang="pt-BR" dirty="0" smtClean="0"/>
-              <a:t> </a:t>
-            </a:r>
-            <a:r>
-              <a:rPr lang="pt-BR" dirty="0"/>
-              <a:t>= 10 folds: 10 </a:t>
-            </a:r>
-            <a:r>
-              <a:rPr lang="pt-BR" dirty="0" smtClean="0"/>
-              <a:t>iterações </a:t>
-            </a:r>
-            <a:r>
-              <a:rPr lang="pt-BR" dirty="0"/>
-              <a:t>com 9 grupos para treinamento e 1 para teste</a:t>
-            </a:r>
-            <a:r>
-              <a:rPr lang="pt-BR" dirty="0" smtClean="0"/>
-              <a:t>.</a:t>
-            </a:r>
-          </a:p>
-          <a:p>
-            <a:r>
-              <a:rPr lang="pt-BR" dirty="0"/>
-              <a:t>Tempo médio para execução com N = 100 exemplos é de aproximadamente </a:t>
-            </a:r>
-            <a:r>
-              <a:rPr lang="pt-BR" dirty="0" smtClean="0"/>
-              <a:t>1.5 </a:t>
-            </a:r>
-            <a:r>
-              <a:rPr lang="pt-BR" dirty="0"/>
-              <a:t>s</a:t>
-            </a:r>
-            <a:r>
-              <a:rPr lang="pt-BR" dirty="0" smtClean="0"/>
-              <a:t>.</a:t>
-            </a:r>
-            <a:endParaRPr lang="pt-BR" dirty="0"/>
-          </a:p>
-          <a:p>
-            <a:r>
-              <a:rPr lang="pt-BR" dirty="0" smtClean="0"/>
-              <a:t>Gráficos mostram </a:t>
-            </a:r>
-            <a:r>
-              <a:rPr lang="pt-BR" dirty="0"/>
-              <a:t>a média e desvio padrão do MSE </a:t>
-            </a:r>
-            <a:r>
-              <a:rPr lang="pt-BR" dirty="0" smtClean="0"/>
-              <a:t>para </a:t>
-            </a:r>
-            <a:r>
-              <a:rPr lang="pt-BR" dirty="0"/>
-              <a:t>as 10 </a:t>
-            </a:r>
-            <a:r>
-              <a:rPr lang="pt-BR" dirty="0" smtClean="0"/>
-              <a:t>etapas de treinamento/validação.</a:t>
-            </a:r>
-          </a:p>
-          <a:p>
-            <a:r>
-              <a:rPr lang="pt-BR" dirty="0" smtClean="0"/>
-              <a:t>Média e desvio </a:t>
-            </a:r>
-            <a:r>
-              <a:rPr lang="pt-BR" dirty="0"/>
-              <a:t>padrão do MSE aumentam </a:t>
-            </a:r>
-            <a:r>
-              <a:rPr lang="pt-BR" dirty="0" smtClean="0"/>
-              <a:t>com a ordem do polinômio.</a:t>
-            </a:r>
-            <a:endParaRPr lang="pt-BR" dirty="0"/>
-          </a:p>
-          <a:p>
-            <a:r>
-              <a:rPr lang="pt-BR" dirty="0" smtClean="0"/>
-              <a:t>Qual </a:t>
-            </a:r>
-            <a:r>
-              <a:rPr lang="pt-BR" dirty="0"/>
-              <a:t>ordem escolher</a:t>
-            </a:r>
-            <a:r>
-              <a:rPr lang="pt-BR" dirty="0" smtClean="0"/>
-              <a:t>?</a:t>
+              <a:rPr lang="pt-BR" dirty="0"/>
+              <a:t> = 10 folds: 10 iterações com 9 grupos para treinamento e 1 para teste.</a:t>
+            </a:r>
+          </a:p>
+          <a:p>
+            <a:r>
+              <a:rPr lang="pt-BR" dirty="0"/>
+              <a:t>Tempo médio para execução com N = 100 exemplos é de aproximadamente 1.5 s.</a:t>
+            </a:r>
+          </a:p>
+          <a:p>
+            <a:r>
+              <a:rPr lang="pt-BR" dirty="0"/>
+              <a:t>Gráficos mostram a média e desvio padrão do MSE para as 10 etapas de treinamento/validação.</a:t>
+            </a:r>
+          </a:p>
+          <a:p>
+            <a:r>
+              <a:rPr lang="pt-BR" dirty="0"/>
+              <a:t>Média e desvio padrão do MSE aumentam com a ordem do polinômio.</a:t>
+            </a:r>
+          </a:p>
+          <a:p>
+            <a:r>
+              <a:rPr lang="pt-BR" dirty="0"/>
+              <a:t>Qual ordem escolher?</a:t>
             </a:r>
           </a:p>
           <a:p>
@@ -13281,7 +12702,7 @@
               <a:t>O ponto onde </a:t>
             </a:r>
             <a:r>
-              <a:rPr lang="pt-BR" b="1" i="1" dirty="0" smtClean="0">
+              <a:rPr lang="pt-BR" b="1" i="1" dirty="0">
                 <a:solidFill>
                   <a:srgbClr val="FF0000"/>
                 </a:solidFill>
@@ -13289,10 +12710,9 @@
               <a:t>ambos</a:t>
             </a:r>
             <a:r>
-              <a:rPr lang="pt-BR" dirty="0" smtClean="0"/>
+              <a:rPr lang="pt-BR" dirty="0"/>
               <a:t>, média e desvio padrão do MSE, sejam mínimos.</a:t>
             </a:r>
-            <a:endParaRPr lang="pt-BR" dirty="0"/>
           </a:p>
         </p:txBody>
       </p:sp>
@@ -13304,8 +12724,8 @@
         </p:nvSpPr>
         <p:spPr>
           <a:xfrm>
-            <a:off x="8787285" y="6430612"/>
-            <a:ext cx="3404715" cy="369332"/>
+            <a:off x="9148813" y="6503922"/>
+            <a:ext cx="3037883" cy="338554"/>
           </a:xfrm>
           <a:prstGeom prst="rect">
             <a:avLst/>
@@ -13318,12 +12738,12 @@
           <a:lstStyle/>
           <a:p>
             <a:r>
-              <a:rPr lang="pt-BR" dirty="0">
+              <a:rPr lang="pt-BR" sz="1600" dirty="0">
                 <a:hlinkClick r:id="rId3"/>
               </a:rPr>
               <a:t>Exemplo: validacao_cruzada.ipynb</a:t>
             </a:r>
-            <a:endParaRPr lang="pt-BR" dirty="0"/>
+            <a:endParaRPr lang="pt-BR" sz="1600" dirty="0"/>
           </a:p>
         </p:txBody>
       </p:sp>
@@ -13380,55 +12800,32 @@
           <a:p>
             <a:pPr algn="ctr"/>
             <a:r>
-              <a:rPr lang="pt-BR" sz="1300" dirty="0" smtClean="0"/>
+              <a:rPr lang="pt-BR" sz="1300" dirty="0"/>
               <a:t>Conforme o modelo se </a:t>
             </a:r>
             <a:r>
-              <a:rPr lang="pt-BR" sz="1300" b="1" i="1" dirty="0" smtClean="0"/>
+              <a:rPr lang="pt-BR" sz="1300" b="1" i="1" dirty="0"/>
               <a:t>sobreajusta </a:t>
             </a:r>
             <a:r>
               <a:rPr lang="pt-BR" sz="1300" dirty="0"/>
-              <a:t>a</a:t>
-            </a:r>
-            <a:r>
-              <a:rPr lang="pt-BR" sz="1300" dirty="0" smtClean="0"/>
-              <a:t>os dados de treinamento, a </a:t>
-            </a:r>
-            <a:r>
-              <a:rPr lang="pt-BR" sz="1300" b="1" i="1" dirty="0" smtClean="0"/>
+              <a:t>aos dados de treinamento, a </a:t>
+            </a:r>
+            <a:r>
+              <a:rPr lang="pt-BR" sz="1300" b="1" i="1" dirty="0"/>
               <a:t>variância do erro de validação aumenta</a:t>
             </a:r>
             <a:r>
-              <a:rPr lang="pt-BR" sz="1300" dirty="0" smtClean="0"/>
+              <a:rPr lang="pt-BR" sz="1300" dirty="0"/>
               <a:t>, </a:t>
             </a:r>
             <a:r>
-              <a:rPr lang="pt-BR" sz="1300" b="1" i="1" dirty="0" smtClean="0"/>
+              <a:rPr lang="pt-BR" sz="1300" b="1" i="1" dirty="0"/>
               <a:t>devido a redução de seu grau de generalização </a:t>
             </a:r>
             <a:r>
-              <a:rPr lang="pt-BR" sz="1300" dirty="0" smtClean="0"/>
+              <a:rPr lang="pt-BR" sz="1300" dirty="0"/>
               <a:t>(modelo aprendido se distancia muito do modelo gerador).</a:t>
-            </a:r>
-          </a:p>
-          <a:p>
-            <a:pPr algn="ctr"/>
-            <a:endParaRPr lang="pt-BR" sz="1300" dirty="0" smtClean="0"/>
-          </a:p>
-          <a:p>
-            <a:pPr algn="ctr"/>
-            <a:r>
-              <a:rPr lang="pt-BR" sz="1300" dirty="0" smtClean="0"/>
-              <a:t>Modelos com altíssimo grau de flexibilidade (maior do que o necessário) apresentam variância do erro de treinamento muito baixa e variância do erro de validação muito alta (</a:t>
-            </a:r>
-            <a:r>
-              <a:rPr lang="pt-BR" sz="1300" b="1" i="1" dirty="0" smtClean="0"/>
-              <a:t>sobreajuste</a:t>
-            </a:r>
-            <a:r>
-              <a:rPr lang="pt-BR" sz="1300" dirty="0" smtClean="0"/>
-              <a:t>).</a:t>
             </a:r>
           </a:p>
           <a:p>
@@ -13438,26 +12835,44 @@
           <a:p>
             <a:pPr algn="ctr"/>
             <a:r>
-              <a:rPr lang="pt-BR" sz="1300" dirty="0" smtClean="0"/>
+              <a:rPr lang="pt-BR" sz="1300" dirty="0"/>
+              <a:t>Modelos com altíssimo grau de flexibilidade (maior do que o necessário) apresentam variância do erro de treinamento muito baixa e variância do erro de validação muito alta (</a:t>
+            </a:r>
+            <a:r>
+              <a:rPr lang="pt-BR" sz="1300" b="1" i="1" dirty="0"/>
+              <a:t>sobreajuste</a:t>
+            </a:r>
+            <a:r>
+              <a:rPr lang="pt-BR" sz="1300" dirty="0"/>
+              <a:t>).</a:t>
+            </a:r>
+          </a:p>
+          <a:p>
+            <a:pPr algn="ctr"/>
+            <a:endParaRPr lang="pt-BR" sz="1300" dirty="0"/>
+          </a:p>
+          <a:p>
+            <a:pPr algn="ctr"/>
+            <a:r>
+              <a:rPr lang="pt-BR" sz="1300" dirty="0"/>
               <a:t>Modelos com </a:t>
             </a:r>
             <a:r>
-              <a:rPr lang="pt-BR" sz="1300" b="1" i="1" dirty="0" smtClean="0"/>
+              <a:rPr lang="pt-BR" sz="1300" b="1" i="1" dirty="0"/>
               <a:t>baixíssimo grau de flexibilidade</a:t>
             </a:r>
             <a:r>
-              <a:rPr lang="pt-BR" sz="1300" dirty="0" smtClean="0"/>
+              <a:rPr lang="pt-BR" sz="1300" dirty="0"/>
               <a:t> (menor do que o necessário) têm ambas as variâncias altas (</a:t>
             </a:r>
             <a:r>
-              <a:rPr lang="pt-BR" sz="1300" b="1" dirty="0" smtClean="0"/>
+              <a:rPr lang="pt-BR" sz="1300" b="1" dirty="0"/>
               <a:t>subajuste</a:t>
             </a:r>
             <a:r>
-              <a:rPr lang="pt-BR" sz="1300" dirty="0" smtClean="0"/>
+              <a:rPr lang="pt-BR" sz="1300" dirty="0"/>
               <a:t>).</a:t>
             </a:r>
-            <a:endParaRPr lang="pt-BR" sz="1300" dirty="0"/>
           </a:p>
         </p:txBody>
       </p:sp>
@@ -13485,10 +12900,9 @@
           <a:p>
             <a:pPr algn="ctr"/>
             <a:r>
-              <a:rPr lang="pt-BR" sz="1600" b="1" dirty="0" smtClean="0"/>
+              <a:rPr lang="pt-BR" sz="1600" b="1" dirty="0"/>
               <a:t>sobreajuste</a:t>
             </a:r>
-            <a:endParaRPr lang="pt-BR" sz="1600" b="1" dirty="0"/>
           </a:p>
         </p:txBody>
       </p:sp>
@@ -13683,10 +13097,9 @@
           <a:p>
             <a:pPr algn="ctr"/>
             <a:r>
-              <a:rPr lang="pt-BR" sz="1600" b="1" dirty="0" smtClean="0"/>
+              <a:rPr lang="pt-BR" sz="1600" b="1" dirty="0"/>
               <a:t>subajuste</a:t>
             </a:r>
-            <a:endParaRPr lang="pt-BR" sz="1600" b="1" dirty="0"/>
           </a:p>
         </p:txBody>
       </p:sp>
@@ -13752,11 +13165,11 @@
           <a:p>
             <a:pPr algn="ctr"/>
             <a:r>
-              <a:rPr lang="pt-BR" sz="1600" b="1" dirty="0" smtClean="0"/>
+              <a:rPr lang="pt-BR" sz="1600" b="1" dirty="0"/>
               <a:t>Ponto ótimo </a:t>
             </a:r>
             <a:r>
-              <a:rPr lang="pt-BR" sz="1400" dirty="0" smtClean="0"/>
+              <a:rPr lang="pt-BR" sz="1400" dirty="0"/>
               <a:t>(MSE e desvio padrão baixos)</a:t>
             </a:r>
             <a:endParaRPr lang="pt-BR" sz="1600" dirty="0"/>
@@ -14071,13 +13484,6 @@
   <p:clrMapOvr>
     <a:masterClrMapping/>
   </p:clrMapOvr>
-  <p:timing>
-    <p:tnLst>
-      <p:par>
-        <p:cTn id="1" dur="indefinite" restart="never" nodeType="tmRoot"/>
-      </p:par>
-    </p:tnLst>
-  </p:timing>
 </p:sld>
 </file>
 
@@ -14125,8 +13531,8 @@
           </a:p>
         </p:txBody>
       </p:sp>
-      <mc:AlternateContent xmlns:mc="http://schemas.openxmlformats.org/markup-compatibility/2006" xmlns:a14="http://schemas.microsoft.com/office/drawing/2010/main">
-        <mc:Choice Requires="a14">
+      <mc:AlternateContent xmlns:mc="http://schemas.openxmlformats.org/markup-compatibility/2006">
+        <mc:Choice xmlns:a14="http://schemas.microsoft.com/office/drawing/2010/main" Requires="a14">
           <p:sp>
             <p:nvSpPr>
               <p:cNvPr id="3" name="Content Placeholder 2"/>
@@ -14139,8 +13545,8 @@
             </p:nvSpPr>
             <p:spPr>
               <a:xfrm>
-                <a:off x="838198" y="1306654"/>
-                <a:ext cx="11259314" cy="5551346"/>
+                <a:off x="838198" y="1404594"/>
+                <a:ext cx="11259314" cy="5453406"/>
               </a:xfrm>
             </p:spPr>
             <p:txBody>
@@ -14150,12 +13556,8 @@
               <a:lstStyle/>
               <a:p>
                 <a:r>
-                  <a:rPr lang="pt-BR" dirty="0" smtClean="0"/>
-                  <a:t>Valida </a:t>
-                </a:r>
-                <a:r>
                   <a:rPr lang="pt-BR" dirty="0"/>
-                  <a:t>um modelo usando </a:t>
+                  <a:t>Valida um modelo usando </a:t>
                 </a:r>
                 <a:r>
                   <a:rPr lang="pt-BR" b="1" i="1" dirty="0"/>
@@ -14171,7 +13573,27 @@
                 </a:r>
                 <a:r>
                   <a:rPr lang="pt-BR" dirty="0"/>
-                  <a:t> exemplos como conjunto de validação e os </a:t>
+                  <a:t> exemplos como </a:t>
+                </a:r>
+                <a:r>
+                  <a:rPr lang="pt-BR" b="1" i="1" dirty="0">
+                    <a:solidFill>
+                      <a:srgbClr val="00B050"/>
+                    </a:solidFill>
+                  </a:rPr>
+                  <a:t>conjunto de validação</a:t>
+                </a:r>
+                <a:r>
+                  <a:rPr lang="pt-BR" b="1" dirty="0">
+                    <a:solidFill>
+                      <a:srgbClr val="00B050"/>
+                    </a:solidFill>
+                  </a:rPr>
+                  <a:t> </a:t>
+                </a:r>
+                <a:r>
+                  <a:rPr lang="pt-BR" dirty="0"/>
+                  <a:t>e os </a:t>
                 </a:r>
                 <a:r>
                   <a:rPr lang="pt-BR" b="1" i="1" dirty="0"/>
@@ -14179,43 +13601,47 @@
                 </a:r>
                 <a:r>
                   <a:rPr lang="pt-BR" dirty="0"/>
-                  <a:t> exemplos restantes como conjunto de treinamento</a:t>
+                  <a:t> exemplos restantes como </a:t>
                 </a:r>
                 <a:r>
-                  <a:rPr lang="pt-BR" dirty="0" smtClean="0"/>
+                  <a:rPr lang="pt-BR" b="1" i="1" dirty="0">
+                    <a:solidFill>
+                      <a:srgbClr val="00B050"/>
+                    </a:solidFill>
+                  </a:rPr>
+                  <a:t>conjunto de treinamento</a:t>
+                </a:r>
+                <a:r>
+                  <a:rPr lang="pt-BR" dirty="0"/>
                   <a:t>.</a:t>
                 </a:r>
               </a:p>
               <a:p>
                 <a:r>
                   <a:rPr lang="pt-BR" dirty="0"/>
-                  <a:t>Para </a:t>
-                </a:r>
-                <a:r>
-                  <a:rPr lang="pt-BR" dirty="0" smtClean="0"/>
-                  <a:t>um conjunto de dados com </a:t>
+                  <a:t>Para um conjunto de dados com </a:t>
                 </a:r>
                 <a14:m>
                   <m:oMath xmlns:m="http://schemas.openxmlformats.org/officeDocument/2006/math">
                     <m:r>
-                      <a:rPr lang="pt-BR" b="0" i="1" smtClean="0">
+                      <a:rPr lang="pt-BR" b="1" i="1" smtClean="0">
                         <a:latin typeface="Cambria Math" panose="02040503050406030204" pitchFamily="18" charset="0"/>
                       </a:rPr>
-                      <m:t>𝑁</m:t>
+                      <m:t>𝑵</m:t>
                     </m:r>
                   </m:oMath>
                 </a14:m>
                 <a:r>
-                  <a:rPr lang="pt-BR" dirty="0" smtClean="0"/>
-                  <a:t> </a:t>
+                  <a:rPr lang="pt-BR" dirty="0"/>
+                  <a:t> amostras e um valor </a:t>
+                </a:r>
+                <a:r>
+                  <a:rPr lang="pt-BR" b="1" i="1" dirty="0"/>
+                  <a:t>p</a:t>
                 </a:r>
                 <a:r>
                   <a:rPr lang="pt-BR" dirty="0"/>
-                  <a:t>amostras, </a:t>
-                </a:r>
-                <a:r>
-                  <a:rPr lang="pt-BR" dirty="0" smtClean="0"/>
-                  <a:t>essa estratégia produz </a:t>
+                  <a:t>, essa estratégia produz </a:t>
                 </a:r>
               </a:p>
               <a:p>
@@ -14362,7 +13788,7 @@
                   </m:oMath>
                 </a14:m>
                 <a:r>
-                  <a:rPr lang="pt-BR" dirty="0" smtClean="0"/>
+                  <a:rPr lang="pt-BR" dirty="0"/>
                   <a:t> </a:t>
                 </a:r>
               </a:p>
@@ -14371,30 +13797,25 @@
                   <a:buNone/>
                 </a:pPr>
                 <a:r>
-                  <a:rPr lang="pt-BR" dirty="0" smtClean="0"/>
-                  <a:t>pares </a:t>
+                  <a:rPr lang="pt-BR" dirty="0"/>
+                  <a:t>pares de conjuntos treinamento/validação, portanto, a </a:t>
                 </a:r>
                 <a:r>
-                  <a:rPr lang="pt-BR" dirty="0"/>
-                  <a:t>de </a:t>
-                </a:r>
-                <a:r>
-                  <a:rPr lang="pt-BR" dirty="0" smtClean="0"/>
-                  <a:t>conjuntos treinamento/validação, portanto, a </a:t>
-                </a:r>
-                <a:r>
-                  <a:rPr lang="pt-BR" b="1" i="1" dirty="0" smtClean="0"/>
+                  <a:rPr lang="pt-BR" b="1" i="1" dirty="0">
+                    <a:solidFill>
+                      <a:srgbClr val="00B050"/>
+                    </a:solidFill>
+                  </a:rPr>
                   <a:t>complexidade computacional desta estratégia aumenta drasticamente com o aumento de p</a:t>
                 </a:r>
                 <a:r>
                   <a:rPr lang="pt-BR" dirty="0"/>
                   <a:t>. </a:t>
                 </a:r>
-                <a:endParaRPr lang="pt-BR" dirty="0" smtClean="0"/>
               </a:p>
               <a:p>
                 <a:r>
-                  <a:rPr lang="pt-BR" dirty="0" smtClean="0"/>
+                  <a:rPr lang="pt-BR" dirty="0"/>
                   <a:t>Exemplos para um número total de amostras, </a:t>
                 </a:r>
                 <a14:m>
@@ -14408,7 +13829,7 @@
                   </m:oMath>
                 </a14:m>
                 <a:r>
-                  <a:rPr lang="pt-BR" dirty="0" smtClean="0"/>
+                  <a:rPr lang="pt-BR" dirty="0"/>
                   <a:t>, igual a </a:t>
                 </a:r>
                 <a14:m>
@@ -14422,10 +13843,9 @@
                   </m:oMath>
                 </a14:m>
                 <a:r>
-                  <a:rPr lang="pt-BR" dirty="0" smtClean="0"/>
+                  <a:rPr lang="pt-BR" dirty="0"/>
                   <a:t>: </a:t>
                 </a:r>
-                <a:endParaRPr lang="pt-BR" dirty="0"/>
               </a:p>
               <a:p>
                 <a:pPr lvl="1">
@@ -14438,13 +13858,8 @@
                 </a:r>
                 <a:r>
                   <a:rPr lang="pt-BR" sz="2500" dirty="0"/>
-                  <a:t> = 1 </a:t>
+                  <a:t> = 1 -&gt; 100 combinações, ou seja, 100 treinamentos e validações.</a:t>
                 </a:r>
-                <a:r>
-                  <a:rPr lang="pt-BR" sz="2500" dirty="0" smtClean="0"/>
-                  <a:t>-&gt; 100 combinações, ou seja, 100 treinamentos e validações.</a:t>
-                </a:r>
-                <a:endParaRPr lang="pt-BR" sz="2500" dirty="0"/>
               </a:p>
               <a:p>
                 <a:pPr lvl="1">
@@ -14457,29 +13872,8 @@
                 </a:r>
                 <a:r>
                   <a:rPr lang="pt-BR" sz="2500" dirty="0"/>
-                  <a:t> = </a:t>
+                  <a:t> = 2 -&gt; 4.950 combinações, ou seja, 4.950 treinamentos e validações.</a:t>
                 </a:r>
-                <a:r>
-                  <a:rPr lang="pt-BR" sz="2500" dirty="0" smtClean="0"/>
-                  <a:t>2 -&gt; 4.950 combinações, </a:t>
-                </a:r>
-                <a:r>
-                  <a:rPr lang="pt-BR" sz="2500" dirty="0"/>
-                  <a:t>ou seja, </a:t>
-                </a:r>
-                <a:r>
-                  <a:rPr lang="pt-BR" sz="2500" dirty="0" smtClean="0"/>
-                  <a:t>4.950 treinamentos </a:t>
-                </a:r>
-                <a:r>
-                  <a:rPr lang="pt-BR" sz="2500" dirty="0"/>
-                  <a:t>e </a:t>
-                </a:r>
-                <a:r>
-                  <a:rPr lang="pt-BR" sz="2500" dirty="0" smtClean="0"/>
-                  <a:t>validações.</a:t>
-                </a:r>
-                <a:endParaRPr lang="pt-BR" sz="2500" dirty="0"/>
               </a:p>
               <a:p>
                 <a:pPr lvl="1">
@@ -14492,76 +13886,35 @@
                 </a:r>
                 <a:r>
                   <a:rPr lang="pt-BR" sz="2500" dirty="0"/>
-                  <a:t> = </a:t>
-                </a:r>
-                <a:r>
-                  <a:rPr lang="pt-BR" sz="2500" dirty="0" smtClean="0"/>
-                  <a:t>5 </a:t>
-                </a:r>
-                <a:r>
-                  <a:rPr lang="pt-BR" sz="2500" dirty="0"/>
-                  <a:t>-&gt;</a:t>
-                </a:r>
-                <a:r>
-                  <a:rPr lang="pt-BR" sz="2500" dirty="0" smtClean="0"/>
-                  <a:t> </a:t>
-                </a:r>
-                <a:r>
-                  <a:rPr lang="pt-BR" altLang="pt-BR" sz="2500" dirty="0" smtClean="0"/>
-                  <a:t>75.287.520 </a:t>
-                </a:r>
-                <a:r>
-                  <a:rPr lang="pt-BR" sz="2500" dirty="0" smtClean="0"/>
-                  <a:t>combinações, </a:t>
-                </a:r>
-                <a:r>
-                  <a:rPr lang="pt-BR" sz="2500" dirty="0"/>
-                  <a:t>ou seja, </a:t>
+                  <a:t> = 5 -&gt; </a:t>
                 </a:r>
                 <a:r>
                   <a:rPr lang="pt-BR" altLang="pt-BR" sz="2500" dirty="0"/>
                   <a:t>75.287.520 </a:t>
                 </a:r>
                 <a:r>
-                  <a:rPr lang="pt-BR" sz="2500" dirty="0" smtClean="0"/>
-                  <a:t>treinamentos </a:t>
+                  <a:rPr lang="pt-BR" sz="2500" dirty="0"/>
+                  <a:t>combinações, ou seja, </a:t>
+                </a:r>
+                <a:r>
+                  <a:rPr lang="pt-BR" altLang="pt-BR" sz="2500" dirty="0"/>
+                  <a:t>75.287.520 </a:t>
                 </a:r>
                 <a:r>
                   <a:rPr lang="pt-BR" sz="2500" dirty="0"/>
-                  <a:t>e </a:t>
-                </a:r>
-                <a:r>
-                  <a:rPr lang="pt-BR" sz="2500" dirty="0" smtClean="0"/>
-                  <a:t>validações.</a:t>
+                  <a:t>treinamentos e validações.</a:t>
                 </a:r>
                 <a:endParaRPr lang="pt-BR" altLang="pt-BR" sz="2500" dirty="0"/>
               </a:p>
               <a:p>
                 <a:r>
-                  <a:rPr lang="pt-BR" b="1" i="1" dirty="0" smtClean="0"/>
-                  <a:t>Fornece </a:t>
+                  <a:rPr lang="pt-BR" b="1" i="1" dirty="0"/>
+                  <a:t>Fornece estimativas de erro e desvio padrão muito mais precisas do que as abordagens anteriores</a:t>
                 </a:r>
                 <a:r>
-                  <a:rPr lang="pt-BR" b="1" i="1" dirty="0"/>
-                  <a:t>estimativas de </a:t>
-                </a:r>
-                <a:r>
-                  <a:rPr lang="pt-BR" b="1" i="1" dirty="0" smtClean="0"/>
-                  <a:t>erro e desvio padrão </a:t>
-                </a:r>
-                <a:r>
-                  <a:rPr lang="pt-BR" b="1" i="1" dirty="0"/>
-                  <a:t>mais precisas do que as abordagens </a:t>
-                </a:r>
-                <a:r>
-                  <a:rPr lang="pt-BR" b="1" i="1" dirty="0" smtClean="0"/>
-                  <a:t>anteriores</a:t>
-                </a:r>
-                <a:r>
-                  <a:rPr lang="pt-BR" dirty="0" smtClean="0"/>
+                  <a:rPr lang="pt-BR" dirty="0"/>
                   <a:t>, pois tem-se mais etapas de treinamento/validação.</a:t>
                 </a:r>
-                <a:endParaRPr lang="pt-BR" dirty="0"/>
               </a:p>
               <a:p>
                 <a:r>
@@ -14580,19 +13933,11 @@
                 </a:r>
                 <a:r>
                   <a:rPr lang="pt-BR" b="1" i="1" dirty="0"/>
-                  <a:t>estratégia </a:t>
-                </a:r>
-                <a:r>
-                  <a:rPr lang="pt-BR" b="1" i="1" dirty="0" smtClean="0"/>
-                  <a:t>exaustiva</a:t>
-                </a:r>
-                <a:r>
-                  <a:rPr lang="pt-BR" dirty="0" smtClean="0"/>
-                  <a:t>, pois treina e valida </a:t>
+                  <a:t>estratégia exaustiva</a:t>
                 </a:r>
                 <a:r>
                   <a:rPr lang="pt-BR" dirty="0"/>
-                  <a:t>o modelo para todas as combinações possíveis e, para uma base de dados grande e um valor de </a:t>
+                  <a:t>, pois treina e valida o modelo para todas as combinações possíveis e, para uma base de dados grande e um valor de </a:t>
                 </a:r>
                 <a:r>
                   <a:rPr lang="pt-BR" b="1" i="1" dirty="0"/>
@@ -14600,18 +13945,13 @@
                 </a:r>
                 <a:r>
                   <a:rPr lang="pt-BR" dirty="0"/>
-                  <a:t> moderadamente grande, pode se tornar inviável computacionalmente</a:t>
+                  <a:t> moderadamente grande, pode se tornar inviável computacionalmente.</a:t>
                 </a:r>
-                <a:r>
-                  <a:rPr lang="pt-BR" dirty="0" smtClean="0"/>
-                  <a:t>.</a:t>
-                </a:r>
-                <a:endParaRPr lang="pt-BR" dirty="0"/>
               </a:p>
             </p:txBody>
           </p:sp>
         </mc:Choice>
-        <mc:Fallback xmlns="">
+        <mc:Fallback>
           <p:sp>
             <p:nvSpPr>
               <p:cNvPr id="3" name="Content Placeholder 2"/>
@@ -14624,13 +13964,13 @@
             </p:nvSpPr>
             <p:spPr>
               <a:xfrm>
-                <a:off x="838198" y="1306654"/>
-                <a:ext cx="11259314" cy="5551346"/>
+                <a:off x="838198" y="1404594"/>
+                <a:ext cx="11259314" cy="5453406"/>
               </a:xfrm>
-              <a:blipFill rotWithShape="0">
+              <a:blipFill>
                 <a:blip r:embed="rId3"/>
                 <a:stretch>
-                  <a:fillRect l="-812" t="-2525"/>
+                  <a:fillRect l="-812" t="-2570"/>
                 </a:stretch>
               </a:blipFill>
             </p:spPr>
@@ -14657,7 +13997,7 @@
         </p:nvSpPr>
         <p:spPr>
           <a:xfrm>
-            <a:off x="1805540" y="2300287"/>
+            <a:off x="1777259" y="2394555"/>
             <a:ext cx="3086101" cy="523220"/>
           </a:xfrm>
           <a:prstGeom prst="rect">
@@ -14673,7 +14013,7 @@
           <a:p>
             <a:pPr algn="ctr"/>
             <a:r>
-              <a:rPr lang="pt-BR" sz="1400" dirty="0" smtClean="0">
+              <a:rPr lang="pt-BR" sz="1400" dirty="0">
                 <a:solidFill>
                   <a:srgbClr val="0070C0"/>
                 </a:solidFill>
@@ -14681,7 +14021,7 @@
               <a:t>Quantos subconjuntos de </a:t>
             </a:r>
             <a:r>
-              <a:rPr lang="pt-BR" sz="1400" i="1" dirty="0" smtClean="0">
+              <a:rPr lang="pt-BR" sz="1400" i="1" dirty="0">
                 <a:solidFill>
                   <a:srgbClr val="0070C0"/>
                 </a:solidFill>
@@ -14689,7 +14029,7 @@
               <a:t>p</a:t>
             </a:r>
             <a:r>
-              <a:rPr lang="pt-BR" sz="1400" dirty="0" smtClean="0">
+              <a:rPr lang="pt-BR" sz="1400" dirty="0">
                 <a:solidFill>
                   <a:srgbClr val="0070C0"/>
                 </a:solidFill>
@@ -14697,7 +14037,7 @@
               <a:t> exemplos podemos criar a partir de </a:t>
             </a:r>
             <a:r>
-              <a:rPr lang="pt-BR" sz="1400" i="1" dirty="0" smtClean="0">
+              <a:rPr lang="pt-BR" sz="1400" i="1" dirty="0">
                 <a:solidFill>
                   <a:srgbClr val="0070C0"/>
                 </a:solidFill>
@@ -14705,18 +14045,13 @@
               <a:t>N</a:t>
             </a:r>
             <a:r>
-              <a:rPr lang="pt-BR" sz="1400" dirty="0" smtClean="0">
+              <a:rPr lang="pt-BR" sz="1400" dirty="0">
                 <a:solidFill>
                   <a:srgbClr val="0070C0"/>
                 </a:solidFill>
               </a:rPr>
               <a:t> exemplos?</a:t>
             </a:r>
-            <a:endParaRPr lang="pt-BR" sz="1400" dirty="0">
-              <a:solidFill>
-                <a:srgbClr val="0070C0"/>
-              </a:solidFill>
-            </a:endParaRPr>
           </a:p>
         </p:txBody>
       </p:sp>
@@ -14766,13 +14101,6 @@
   <p:clrMapOvr>
     <a:masterClrMapping/>
   </p:clrMapOvr>
-  <p:timing>
-    <p:tnLst>
-      <p:par>
-        <p:cTn id="1" dur="indefinite" restart="never" nodeType="tmRoot"/>
-      </p:par>
-    </p:tnLst>
-  </p:timing>
 </p:sld>
 </file>
 

--- a/slides/T319_Regressão_Linear (Parte V).pptx
+++ b/slides/T319_Regressão_Linear (Parte V).pptx
@@ -541,7 +541,7 @@
           <a:p>
             <a:fld id="{DAF0AF11-6A8A-4E64-94F5-26D4FBA2A01D}" type="datetimeFigureOut">
               <a:rPr lang="nl-BE" smtClean="0"/>
-              <a:t>2/06/2023</a:t>
+              <a:t>22/10/2023</a:t>
             </a:fld>
             <a:endParaRPr lang="nl-BE"/>
           </a:p>
@@ -3093,7 +3093,7 @@
           <a:p>
             <a:fld id="{C80E15A5-E95B-43EB-9AC7-9A96397448C0}" type="datetimeFigureOut">
               <a:rPr lang="nl-BE" smtClean="0"/>
-              <a:t>2/06/2023</a:t>
+              <a:t>22/10/2023</a:t>
             </a:fld>
             <a:endParaRPr lang="nl-BE"/>
           </a:p>
@@ -3263,7 +3263,7 @@
           <a:p>
             <a:fld id="{C80E15A5-E95B-43EB-9AC7-9A96397448C0}" type="datetimeFigureOut">
               <a:rPr lang="nl-BE" smtClean="0"/>
-              <a:t>2/06/2023</a:t>
+              <a:t>22/10/2023</a:t>
             </a:fld>
             <a:endParaRPr lang="nl-BE"/>
           </a:p>
@@ -3443,7 +3443,7 @@
           <a:p>
             <a:fld id="{C80E15A5-E95B-43EB-9AC7-9A96397448C0}" type="datetimeFigureOut">
               <a:rPr lang="nl-BE" smtClean="0"/>
-              <a:t>2/06/2023</a:t>
+              <a:t>22/10/2023</a:t>
             </a:fld>
             <a:endParaRPr lang="nl-BE"/>
           </a:p>
@@ -3613,7 +3613,7 @@
           <a:p>
             <a:fld id="{C80E15A5-E95B-43EB-9AC7-9A96397448C0}" type="datetimeFigureOut">
               <a:rPr lang="nl-BE" smtClean="0"/>
-              <a:t>2/06/2023</a:t>
+              <a:t>22/10/2023</a:t>
             </a:fld>
             <a:endParaRPr lang="nl-BE"/>
           </a:p>
@@ -3859,7 +3859,7 @@
           <a:p>
             <a:fld id="{C80E15A5-E95B-43EB-9AC7-9A96397448C0}" type="datetimeFigureOut">
               <a:rPr lang="nl-BE" smtClean="0"/>
-              <a:t>2/06/2023</a:t>
+              <a:t>22/10/2023</a:t>
             </a:fld>
             <a:endParaRPr lang="nl-BE"/>
           </a:p>
@@ -4091,7 +4091,7 @@
           <a:p>
             <a:fld id="{C80E15A5-E95B-43EB-9AC7-9A96397448C0}" type="datetimeFigureOut">
               <a:rPr lang="nl-BE" smtClean="0"/>
-              <a:t>2/06/2023</a:t>
+              <a:t>22/10/2023</a:t>
             </a:fld>
             <a:endParaRPr lang="nl-BE"/>
           </a:p>
@@ -4458,7 +4458,7 @@
           <a:p>
             <a:fld id="{C80E15A5-E95B-43EB-9AC7-9A96397448C0}" type="datetimeFigureOut">
               <a:rPr lang="nl-BE" smtClean="0"/>
-              <a:t>2/06/2023</a:t>
+              <a:t>22/10/2023</a:t>
             </a:fld>
             <a:endParaRPr lang="nl-BE"/>
           </a:p>
@@ -4576,7 +4576,7 @@
           <a:p>
             <a:fld id="{C80E15A5-E95B-43EB-9AC7-9A96397448C0}" type="datetimeFigureOut">
               <a:rPr lang="nl-BE" smtClean="0"/>
-              <a:t>2/06/2023</a:t>
+              <a:t>22/10/2023</a:t>
             </a:fld>
             <a:endParaRPr lang="nl-BE"/>
           </a:p>
@@ -4671,7 +4671,7 @@
           <a:p>
             <a:fld id="{C80E15A5-E95B-43EB-9AC7-9A96397448C0}" type="datetimeFigureOut">
               <a:rPr lang="nl-BE" smtClean="0"/>
-              <a:t>2/06/2023</a:t>
+              <a:t>22/10/2023</a:t>
             </a:fld>
             <a:endParaRPr lang="nl-BE"/>
           </a:p>
@@ -4948,7 +4948,7 @@
           <a:p>
             <a:fld id="{C80E15A5-E95B-43EB-9AC7-9A96397448C0}" type="datetimeFigureOut">
               <a:rPr lang="nl-BE" smtClean="0"/>
-              <a:t>2/06/2023</a:t>
+              <a:t>22/10/2023</a:t>
             </a:fld>
             <a:endParaRPr lang="nl-BE"/>
           </a:p>
@@ -5201,7 +5201,7 @@
           <a:p>
             <a:fld id="{C80E15A5-E95B-43EB-9AC7-9A96397448C0}" type="datetimeFigureOut">
               <a:rPr lang="nl-BE" smtClean="0"/>
-              <a:t>2/06/2023</a:t>
+              <a:t>22/10/2023</a:t>
             </a:fld>
             <a:endParaRPr lang="nl-BE"/>
           </a:p>
@@ -5414,7 +5414,7 @@
           <a:p>
             <a:fld id="{C80E15A5-E95B-43EB-9AC7-9A96397448C0}" type="datetimeFigureOut">
               <a:rPr lang="nl-BE" smtClean="0"/>
-              <a:t>2/06/2023</a:t>
+              <a:t>22/10/2023</a:t>
             </a:fld>
             <a:endParaRPr lang="nl-BE"/>
           </a:p>
@@ -7539,7 +7539,7 @@
         </p:spPr>
         <p:txBody>
           <a:bodyPr>
-            <a:normAutofit lnSpcReduction="10000"/>
+            <a:normAutofit/>
           </a:bodyPr>
           <a:lstStyle/>
           <a:p>
@@ -7625,23 +7625,13 @@
             </a:r>
           </a:p>
           <a:p>
-            <a:pPr lvl="1">
-              <a:buFont typeface="Wingdings" panose="05000000000000000000" pitchFamily="2" charset="2"/>
-              <a:buChar char="§"/>
-            </a:pPr>
-            <a:r>
-              <a:rPr lang="pt-BR" b="1" dirty="0">
-                <a:solidFill>
-                  <a:srgbClr val="FF0000"/>
-                </a:solidFill>
-              </a:rPr>
-              <a:t>Laboratórios podem ser resolvidos em grupo, mas as entregas devem ser individuais.</a:t>
-            </a:r>
-          </a:p>
-          <a:p>
+            <a:r>
+              <a:rPr lang="pt-BR" b="1"/>
+              <a:t>Projeto </a:t>
+            </a:r>
             <a:r>
               <a:rPr lang="pt-BR" b="1" dirty="0"/>
-              <a:t>Projeto Final</a:t>
+              <a:t>Final</a:t>
             </a:r>
           </a:p>
           <a:p>
@@ -7692,7 +7682,7 @@
               <a:t>”, dentro de </a:t>
             </a:r>
             <a:r>
-              <a:rPr lang="pt-BR"/>
+              <a:rPr lang="pt-BR" dirty="0" err="1"/>
               <a:t>Recordings</a:t>
             </a:r>
             <a:r>
@@ -13531,8 +13521,8 @@
           </a:p>
         </p:txBody>
       </p:sp>
-      <mc:AlternateContent xmlns:mc="http://schemas.openxmlformats.org/markup-compatibility/2006">
-        <mc:Choice xmlns:a14="http://schemas.microsoft.com/office/drawing/2010/main" Requires="a14">
+      <mc:AlternateContent xmlns:mc="http://schemas.openxmlformats.org/markup-compatibility/2006" xmlns:a14="http://schemas.microsoft.com/office/drawing/2010/main">
+        <mc:Choice Requires="a14">
           <p:sp>
             <p:nvSpPr>
               <p:cNvPr id="3" name="Content Placeholder 2"/>
@@ -13951,7 +13941,7 @@
             </p:txBody>
           </p:sp>
         </mc:Choice>
-        <mc:Fallback>
+        <mc:Fallback xmlns="">
           <p:sp>
             <p:nvSpPr>
               <p:cNvPr id="3" name="Content Placeholder 2"/>

--- a/slides/T319_Regressão_Linear (Parte V).pptx
+++ b/slides/T319_Regressão_Linear (Parte V).pptx
@@ -541,7 +541,7 @@
           <a:p>
             <a:fld id="{DAF0AF11-6A8A-4E64-94F5-26D4FBA2A01D}" type="datetimeFigureOut">
               <a:rPr lang="nl-BE" smtClean="0"/>
-              <a:t>22/10/2023</a:t>
+              <a:t>26/10/2023</a:t>
             </a:fld>
             <a:endParaRPr lang="nl-BE"/>
           </a:p>
@@ -3093,7 +3093,7 @@
           <a:p>
             <a:fld id="{C80E15A5-E95B-43EB-9AC7-9A96397448C0}" type="datetimeFigureOut">
               <a:rPr lang="nl-BE" smtClean="0"/>
-              <a:t>22/10/2023</a:t>
+              <a:t>26/10/2023</a:t>
             </a:fld>
             <a:endParaRPr lang="nl-BE"/>
           </a:p>
@@ -3263,7 +3263,7 @@
           <a:p>
             <a:fld id="{C80E15A5-E95B-43EB-9AC7-9A96397448C0}" type="datetimeFigureOut">
               <a:rPr lang="nl-BE" smtClean="0"/>
-              <a:t>22/10/2023</a:t>
+              <a:t>26/10/2023</a:t>
             </a:fld>
             <a:endParaRPr lang="nl-BE"/>
           </a:p>
@@ -3443,7 +3443,7 @@
           <a:p>
             <a:fld id="{C80E15A5-E95B-43EB-9AC7-9A96397448C0}" type="datetimeFigureOut">
               <a:rPr lang="nl-BE" smtClean="0"/>
-              <a:t>22/10/2023</a:t>
+              <a:t>26/10/2023</a:t>
             </a:fld>
             <a:endParaRPr lang="nl-BE"/>
           </a:p>
@@ -3613,7 +3613,7 @@
           <a:p>
             <a:fld id="{C80E15A5-E95B-43EB-9AC7-9A96397448C0}" type="datetimeFigureOut">
               <a:rPr lang="nl-BE" smtClean="0"/>
-              <a:t>22/10/2023</a:t>
+              <a:t>26/10/2023</a:t>
             </a:fld>
             <a:endParaRPr lang="nl-BE"/>
           </a:p>
@@ -3859,7 +3859,7 @@
           <a:p>
             <a:fld id="{C80E15A5-E95B-43EB-9AC7-9A96397448C0}" type="datetimeFigureOut">
               <a:rPr lang="nl-BE" smtClean="0"/>
-              <a:t>22/10/2023</a:t>
+              <a:t>26/10/2023</a:t>
             </a:fld>
             <a:endParaRPr lang="nl-BE"/>
           </a:p>
@@ -4091,7 +4091,7 @@
           <a:p>
             <a:fld id="{C80E15A5-E95B-43EB-9AC7-9A96397448C0}" type="datetimeFigureOut">
               <a:rPr lang="nl-BE" smtClean="0"/>
-              <a:t>22/10/2023</a:t>
+              <a:t>26/10/2023</a:t>
             </a:fld>
             <a:endParaRPr lang="nl-BE"/>
           </a:p>
@@ -4458,7 +4458,7 @@
           <a:p>
             <a:fld id="{C80E15A5-E95B-43EB-9AC7-9A96397448C0}" type="datetimeFigureOut">
               <a:rPr lang="nl-BE" smtClean="0"/>
-              <a:t>22/10/2023</a:t>
+              <a:t>26/10/2023</a:t>
             </a:fld>
             <a:endParaRPr lang="nl-BE"/>
           </a:p>
@@ -4576,7 +4576,7 @@
           <a:p>
             <a:fld id="{C80E15A5-E95B-43EB-9AC7-9A96397448C0}" type="datetimeFigureOut">
               <a:rPr lang="nl-BE" smtClean="0"/>
-              <a:t>22/10/2023</a:t>
+              <a:t>26/10/2023</a:t>
             </a:fld>
             <a:endParaRPr lang="nl-BE"/>
           </a:p>
@@ -4671,7 +4671,7 @@
           <a:p>
             <a:fld id="{C80E15A5-E95B-43EB-9AC7-9A96397448C0}" type="datetimeFigureOut">
               <a:rPr lang="nl-BE" smtClean="0"/>
-              <a:t>22/10/2023</a:t>
+              <a:t>26/10/2023</a:t>
             </a:fld>
             <a:endParaRPr lang="nl-BE"/>
           </a:p>
@@ -4948,7 +4948,7 @@
           <a:p>
             <a:fld id="{C80E15A5-E95B-43EB-9AC7-9A96397448C0}" type="datetimeFigureOut">
               <a:rPr lang="nl-BE" smtClean="0"/>
-              <a:t>22/10/2023</a:t>
+              <a:t>26/10/2023</a:t>
             </a:fld>
             <a:endParaRPr lang="nl-BE"/>
           </a:p>
@@ -5201,7 +5201,7 @@
           <a:p>
             <a:fld id="{C80E15A5-E95B-43EB-9AC7-9A96397448C0}" type="datetimeFigureOut">
               <a:rPr lang="nl-BE" smtClean="0"/>
-              <a:t>22/10/2023</a:t>
+              <a:t>26/10/2023</a:t>
             </a:fld>
             <a:endParaRPr lang="nl-BE"/>
           </a:p>
@@ -5414,7 +5414,7 @@
           <a:p>
             <a:fld id="{C80E15A5-E95B-43EB-9AC7-9A96397448C0}" type="datetimeFigureOut">
               <a:rPr lang="nl-BE" smtClean="0"/>
-              <a:t>22/10/2023</a:t>
+              <a:t>26/10/2023</a:t>
             </a:fld>
             <a:endParaRPr lang="nl-BE"/>
           </a:p>
@@ -7626,12 +7626,8 @@
           </a:p>
           <a:p>
             <a:r>
-              <a:rPr lang="pt-BR" b="1"/>
-              <a:t>Projeto </a:t>
-            </a:r>
-            <a:r>
               <a:rPr lang="pt-BR" b="1" dirty="0"/>
-              <a:t>Final</a:t>
+              <a:t>Projeto Final</a:t>
             </a:r>
           </a:p>
           <a:p>
@@ -7649,45 +7645,30 @@
                   <a:srgbClr val="00B050"/>
                 </a:solidFill>
               </a:rPr>
-              <a:t>Entrega: 18/06/2022 até às 23:59.</a:t>
-            </a:r>
-          </a:p>
-          <a:p>
-            <a:pPr lvl="1"/>
-            <a:r>
-              <a:rPr lang="pt-BR" dirty="0"/>
-              <a:t>Leiam os enunciados do trabalho atentamente.</a:t>
-            </a:r>
-          </a:p>
-          <a:p>
-            <a:pPr lvl="1"/>
-            <a:r>
-              <a:rPr lang="pt-BR" b="1" i="1" dirty="0">
+              <a:t>Entrega</a:t>
+            </a:r>
+            <a:r>
+              <a:rPr lang="pt-BR" b="1">
                 <a:solidFill>
-                  <a:srgbClr val="00B0F0"/>
+                  <a:srgbClr val="00B050"/>
                 </a:solidFill>
               </a:rPr>
-              <a:t>Próxima aula será para tirar dúvidas sobre o projeto e o conteúdo sobre regularização, necessário para o último exercício, está disponível na pasta: </a:t>
-            </a:r>
-            <a:r>
-              <a:rPr lang="pt-BR" dirty="0"/>
-              <a:t>“</a:t>
-            </a:r>
-            <a:r>
-              <a:rPr lang="pt-BR" i="1" dirty="0"/>
-              <a:t>Vídeos Sobre Validação Cruzada e Regularização</a:t>
-            </a:r>
-            <a:r>
-              <a:rPr lang="pt-BR" dirty="0"/>
-              <a:t>”, dentro de </a:t>
-            </a:r>
-            <a:r>
-              <a:rPr lang="pt-BR" dirty="0" err="1"/>
-              <a:t>Recordings</a:t>
-            </a:r>
-            <a:r>
-              <a:rPr lang="pt-BR" dirty="0"/>
-              <a:t>.</a:t>
+              <a:t>: 10/12/2023 </a:t>
+            </a:r>
+            <a:r>
+              <a:rPr lang="pt-BR" b="1" dirty="0">
+                <a:solidFill>
+                  <a:srgbClr val="00B050"/>
+                </a:solidFill>
+              </a:rPr>
+              <a:t>até às 23:59.</a:t>
+            </a:r>
+          </a:p>
+          <a:p>
+            <a:pPr lvl="1"/>
+            <a:r>
+              <a:rPr lang="pt-BR" dirty="0"/>
+              <a:t>Leiam os enunciados do trabalho atentamente.</a:t>
             </a:r>
           </a:p>
         </p:txBody>

--- a/slides/T319_Regressão_Linear (Parte V).pptx
+++ b/slides/T319_Regressão_Linear (Parte V).pptx
@@ -541,7 +541,7 @@
           <a:p>
             <a:fld id="{DAF0AF11-6A8A-4E64-94F5-26D4FBA2A01D}" type="datetimeFigureOut">
               <a:rPr lang="nl-BE" smtClean="0"/>
-              <a:t>26/10/2023</a:t>
+              <a:t>28/10/2023</a:t>
             </a:fld>
             <a:endParaRPr lang="nl-BE"/>
           </a:p>
@@ -3093,7 +3093,7 @@
           <a:p>
             <a:fld id="{C80E15A5-E95B-43EB-9AC7-9A96397448C0}" type="datetimeFigureOut">
               <a:rPr lang="nl-BE" smtClean="0"/>
-              <a:t>26/10/2023</a:t>
+              <a:t>28/10/2023</a:t>
             </a:fld>
             <a:endParaRPr lang="nl-BE"/>
           </a:p>
@@ -3263,7 +3263,7 @@
           <a:p>
             <a:fld id="{C80E15A5-E95B-43EB-9AC7-9A96397448C0}" type="datetimeFigureOut">
               <a:rPr lang="nl-BE" smtClean="0"/>
-              <a:t>26/10/2023</a:t>
+              <a:t>28/10/2023</a:t>
             </a:fld>
             <a:endParaRPr lang="nl-BE"/>
           </a:p>
@@ -3443,7 +3443,7 @@
           <a:p>
             <a:fld id="{C80E15A5-E95B-43EB-9AC7-9A96397448C0}" type="datetimeFigureOut">
               <a:rPr lang="nl-BE" smtClean="0"/>
-              <a:t>26/10/2023</a:t>
+              <a:t>28/10/2023</a:t>
             </a:fld>
             <a:endParaRPr lang="nl-BE"/>
           </a:p>
@@ -3613,7 +3613,7 @@
           <a:p>
             <a:fld id="{C80E15A5-E95B-43EB-9AC7-9A96397448C0}" type="datetimeFigureOut">
               <a:rPr lang="nl-BE" smtClean="0"/>
-              <a:t>26/10/2023</a:t>
+              <a:t>28/10/2023</a:t>
             </a:fld>
             <a:endParaRPr lang="nl-BE"/>
           </a:p>
@@ -3859,7 +3859,7 @@
           <a:p>
             <a:fld id="{C80E15A5-E95B-43EB-9AC7-9A96397448C0}" type="datetimeFigureOut">
               <a:rPr lang="nl-BE" smtClean="0"/>
-              <a:t>26/10/2023</a:t>
+              <a:t>28/10/2023</a:t>
             </a:fld>
             <a:endParaRPr lang="nl-BE"/>
           </a:p>
@@ -4091,7 +4091,7 @@
           <a:p>
             <a:fld id="{C80E15A5-E95B-43EB-9AC7-9A96397448C0}" type="datetimeFigureOut">
               <a:rPr lang="nl-BE" smtClean="0"/>
-              <a:t>26/10/2023</a:t>
+              <a:t>28/10/2023</a:t>
             </a:fld>
             <a:endParaRPr lang="nl-BE"/>
           </a:p>
@@ -4458,7 +4458,7 @@
           <a:p>
             <a:fld id="{C80E15A5-E95B-43EB-9AC7-9A96397448C0}" type="datetimeFigureOut">
               <a:rPr lang="nl-BE" smtClean="0"/>
-              <a:t>26/10/2023</a:t>
+              <a:t>28/10/2023</a:t>
             </a:fld>
             <a:endParaRPr lang="nl-BE"/>
           </a:p>
@@ -4576,7 +4576,7 @@
           <a:p>
             <a:fld id="{C80E15A5-E95B-43EB-9AC7-9A96397448C0}" type="datetimeFigureOut">
               <a:rPr lang="nl-BE" smtClean="0"/>
-              <a:t>26/10/2023</a:t>
+              <a:t>28/10/2023</a:t>
             </a:fld>
             <a:endParaRPr lang="nl-BE"/>
           </a:p>
@@ -4671,7 +4671,7 @@
           <a:p>
             <a:fld id="{C80E15A5-E95B-43EB-9AC7-9A96397448C0}" type="datetimeFigureOut">
               <a:rPr lang="nl-BE" smtClean="0"/>
-              <a:t>26/10/2023</a:t>
+              <a:t>28/10/2023</a:t>
             </a:fld>
             <a:endParaRPr lang="nl-BE"/>
           </a:p>
@@ -4948,7 +4948,7 @@
           <a:p>
             <a:fld id="{C80E15A5-E95B-43EB-9AC7-9A96397448C0}" type="datetimeFigureOut">
               <a:rPr lang="nl-BE" smtClean="0"/>
-              <a:t>26/10/2023</a:t>
+              <a:t>28/10/2023</a:t>
             </a:fld>
             <a:endParaRPr lang="nl-BE"/>
           </a:p>
@@ -5201,7 +5201,7 @@
           <a:p>
             <a:fld id="{C80E15A5-E95B-43EB-9AC7-9A96397448C0}" type="datetimeFigureOut">
               <a:rPr lang="nl-BE" smtClean="0"/>
-              <a:t>26/10/2023</a:t>
+              <a:t>28/10/2023</a:t>
             </a:fld>
             <a:endParaRPr lang="nl-BE"/>
           </a:p>
@@ -5414,7 +5414,7 @@
           <a:p>
             <a:fld id="{C80E15A5-E95B-43EB-9AC7-9A96397448C0}" type="datetimeFigureOut">
               <a:rPr lang="nl-BE" smtClean="0"/>
-              <a:t>26/10/2023</a:t>
+              <a:t>28/10/2023</a:t>
             </a:fld>
             <a:endParaRPr lang="nl-BE"/>
           </a:p>
@@ -7562,72 +7562,12 @@
           </a:p>
           <a:p>
             <a:r>
+              <a:rPr lang="pt-BR" b="1"/>
+              <a:t>Projeto </a:t>
+            </a:r>
+            <a:r>
               <a:rPr lang="pt-BR" b="1" dirty="0"/>
-              <a:t>Exercício Prático</a:t>
-            </a:r>
-            <a:r>
-              <a:rPr lang="pt-BR" dirty="0"/>
-              <a:t>: </a:t>
-            </a:r>
-            <a:r>
-              <a:rPr lang="pt-BR" b="1" dirty="0">
-                <a:hlinkClick r:id="rId3"/>
-              </a:rPr>
-              <a:t>Laboratório #6</a:t>
-            </a:r>
-            <a:r>
-              <a:rPr lang="pt-BR" dirty="0"/>
-              <a:t>.</a:t>
-            </a:r>
-          </a:p>
-          <a:p>
-            <a:pPr lvl="1">
-              <a:buFont typeface="Wingdings" panose="05000000000000000000" pitchFamily="2" charset="2"/>
-              <a:buChar char="§"/>
-            </a:pPr>
-            <a:r>
-              <a:rPr lang="pt-BR" dirty="0"/>
-              <a:t>Pode ser acessado através do link acima (Google </a:t>
-            </a:r>
-            <a:r>
-              <a:rPr lang="pt-BR" dirty="0" err="1"/>
-              <a:t>Colab</a:t>
-            </a:r>
-            <a:r>
-              <a:rPr lang="pt-BR" dirty="0"/>
-              <a:t>) ou no GitHub.</a:t>
-            </a:r>
-          </a:p>
-          <a:p>
-            <a:pPr lvl="1">
-              <a:buFont typeface="Wingdings" panose="05000000000000000000" pitchFamily="2" charset="2"/>
-              <a:buChar char="§"/>
-            </a:pPr>
-            <a:r>
-              <a:rPr lang="pt-BR" dirty="0"/>
-              <a:t>Vídeo explicando o laboratório: Arquivos -&gt; Material de Aula -&gt; Laboratório #6</a:t>
-            </a:r>
-          </a:p>
-          <a:p>
-            <a:pPr lvl="1">
-              <a:buFont typeface="Wingdings" panose="05000000000000000000" pitchFamily="2" charset="2"/>
-              <a:buChar char="§"/>
-            </a:pPr>
-            <a:r>
-              <a:rPr lang="pt-BR" dirty="0">
-                <a:hlinkClick r:id="rId4"/>
-              </a:rPr>
-              <a:t>Instruções para resolução e entrega dos laboratórios</a:t>
-            </a:r>
-            <a:r>
-              <a:rPr lang="pt-BR" dirty="0"/>
-              <a:t>.</a:t>
-            </a:r>
-          </a:p>
-          <a:p>
-            <a:r>
-              <a:rPr lang="pt-BR" b="1" dirty="0"/>
-              <a:t>Projeto Final</a:t>
+              <a:t>Final</a:t>
             </a:r>
           </a:p>
           <a:p>
@@ -7645,23 +7585,7 @@
                   <a:srgbClr val="00B050"/>
                 </a:solidFill>
               </a:rPr>
-              <a:t>Entrega</a:t>
-            </a:r>
-            <a:r>
-              <a:rPr lang="pt-BR" b="1">
-                <a:solidFill>
-                  <a:srgbClr val="00B050"/>
-                </a:solidFill>
-              </a:rPr>
-              <a:t>: 10/12/2023 </a:t>
-            </a:r>
-            <a:r>
-              <a:rPr lang="pt-BR" b="1" dirty="0">
-                <a:solidFill>
-                  <a:srgbClr val="00B050"/>
-                </a:solidFill>
-              </a:rPr>
-              <a:t>até às 23:59.</a:t>
+              <a:t>Entrega: 12/12/2023 até às 23:59.</a:t>
             </a:r>
           </a:p>
           <a:p>

--- a/slides/T319_Regressão_Linear (Parte V).pptx
+++ b/slides/T319_Regressão_Linear (Parte V).pptx
@@ -5,7 +5,7 @@
     <p:sldMasterId id="2147483648" r:id="rId1"/>
   </p:sldMasterIdLst>
   <p:notesMasterIdLst>
-    <p:notesMasterId r:id="rId22"/>
+    <p:notesMasterId r:id="rId30"/>
   </p:notesMasterIdLst>
   <p:sldIdLst>
     <p:sldId id="259" r:id="rId2"/>
@@ -15,19 +15,27 @@
     <p:sldId id="436" r:id="rId6"/>
     <p:sldId id="439" r:id="rId7"/>
     <p:sldId id="440" r:id="rId8"/>
-    <p:sldId id="441" r:id="rId9"/>
-    <p:sldId id="442" r:id="rId10"/>
-    <p:sldId id="425" r:id="rId11"/>
-    <p:sldId id="426" r:id="rId12"/>
-    <p:sldId id="433" r:id="rId13"/>
-    <p:sldId id="428" r:id="rId14"/>
-    <p:sldId id="434" r:id="rId15"/>
-    <p:sldId id="417" r:id="rId16"/>
-    <p:sldId id="317" r:id="rId17"/>
-    <p:sldId id="332" r:id="rId18"/>
-    <p:sldId id="299" r:id="rId19"/>
-    <p:sldId id="410" r:id="rId20"/>
-    <p:sldId id="419" r:id="rId21"/>
+    <p:sldId id="443" r:id="rId9"/>
+    <p:sldId id="444" r:id="rId10"/>
+    <p:sldId id="450" r:id="rId11"/>
+    <p:sldId id="452" r:id="rId12"/>
+    <p:sldId id="441" r:id="rId13"/>
+    <p:sldId id="442" r:id="rId14"/>
+    <p:sldId id="446" r:id="rId15"/>
+    <p:sldId id="445" r:id="rId16"/>
+    <p:sldId id="447" r:id="rId17"/>
+    <p:sldId id="451" r:id="rId18"/>
+    <p:sldId id="425" r:id="rId19"/>
+    <p:sldId id="433" r:id="rId20"/>
+    <p:sldId id="428" r:id="rId21"/>
+    <p:sldId id="434" r:id="rId22"/>
+    <p:sldId id="417" r:id="rId23"/>
+    <p:sldId id="317" r:id="rId24"/>
+    <p:sldId id="332" r:id="rId25"/>
+    <p:sldId id="299" r:id="rId26"/>
+    <p:sldId id="410" r:id="rId27"/>
+    <p:sldId id="449" r:id="rId28"/>
+    <p:sldId id="419" r:id="rId29"/>
   </p:sldIdLst>
   <p:sldSz cx="12192000" cy="6858000"/>
   <p:notesSz cx="6858000" cy="9144000"/>
@@ -543,7 +551,7 @@
           <a:p>
             <a:fld id="{DAF0AF11-6A8A-4E64-94F5-26D4FBA2A01D}" type="datetimeFigureOut">
               <a:rPr lang="nl-BE" smtClean="0"/>
-              <a:t>22/11/2023</a:t>
+              <a:t>23/11/2023</a:t>
             </a:fld>
             <a:endParaRPr lang="nl-BE"/>
           </a:p>
@@ -914,7 +922,7 @@
       </p:grpSpPr>
       <p:sp>
         <p:nvSpPr>
-          <p:cNvPr id="2" name="Slide Image Placeholder 1"/>
+          <p:cNvPr id="2" name="Espaço Reservado para Imagem de Slide 1"/>
           <p:cNvSpPr>
             <a:spLocks noGrp="1" noRot="1" noChangeAspect="1"/>
           </p:cNvSpPr>
@@ -926,7 +934,7 @@
       </p:sp>
       <p:sp>
         <p:nvSpPr>
-          <p:cNvPr id="3" name="Notes Placeholder 2"/>
+          <p:cNvPr id="3" name="Espaço Reservado para Anotações 2"/>
           <p:cNvSpPr>
             <a:spLocks noGrp="1"/>
           </p:cNvSpPr>
@@ -939,270 +947,18 @@
           <a:bodyPr/>
           <a:lstStyle/>
           <a:p>
-            <a:r>
-              <a:rPr lang="pt-BR" dirty="0"/>
-              <a:t>A ideia principal por trás da</a:t>
-            </a:r>
-            <a:r>
-              <a:rPr lang="pt-BR" baseline="0" dirty="0"/>
-              <a:t> estratégia do k-Fold </a:t>
-            </a:r>
-            <a:r>
-              <a:rPr lang="pt-BR" dirty="0"/>
-              <a:t>é que cada</a:t>
-            </a:r>
-            <a:r>
-              <a:rPr lang="pt-BR" baseline="0" dirty="0"/>
-              <a:t> exemplo do conjunto de dados faz o serviço duplo como dado de treinamento e de validação/teste.</a:t>
-            </a:r>
-            <a:endParaRPr lang="pt-BR" dirty="0"/>
-          </a:p>
-          <a:p>
-            <a:endParaRPr lang="pt-BR" dirty="0"/>
-          </a:p>
-          <a:p>
-            <a:pPr marL="0" marR="0" indent="0" algn="l" defTabSz="914400" rtl="0" eaLnBrk="1" fontAlgn="auto" latinLnBrk="0" hangingPunct="1">
-              <a:lnSpc>
-                <a:spcPct val="100000"/>
-              </a:lnSpc>
-              <a:spcBef>
-                <a:spcPts val="0"/>
-              </a:spcBef>
-              <a:spcAft>
-                <a:spcPts val="0"/>
-              </a:spcAft>
-              <a:buClrTx/>
-              <a:buSzTx/>
-              <a:buFontTx/>
-              <a:buNone/>
-              <a:tabLst/>
-              <a:defRPr/>
-            </a:pPr>
-            <a:r>
-              <a:rPr lang="pt-BR" dirty="0"/>
-              <a:t>Na validação cruzada do k-Fold, os dados são divididos em k subconjuntos. A validação é repetida k vezes, de modo que, a cada vez, um dos subconjuntos k é usado como conjunto de validação e os outros subconjuntos k-1 são reunidos para formar um único conjunto de treinamento. Desta forma, </a:t>
-            </a:r>
-            <a:r>
-              <a:rPr lang="pt-BR" baseline="0" dirty="0"/>
-              <a:t>uma vantagem dessa abordagem é que a forma como os dados são divididos importa menos. </a:t>
-            </a:r>
-          </a:p>
-          <a:p>
-            <a:endParaRPr lang="pt-BR" dirty="0"/>
-          </a:p>
-          <a:p>
-            <a:r>
-              <a:rPr lang="pt-BR" dirty="0"/>
-              <a:t>Essa</a:t>
-            </a:r>
-            <a:r>
-              <a:rPr lang="pt-BR" baseline="0" dirty="0"/>
-              <a:t> </a:t>
-            </a:r>
-            <a:r>
-              <a:rPr lang="pt-BR" sz="1200" dirty="0"/>
-              <a:t>estratégia </a:t>
-            </a:r>
-            <a:r>
-              <a:rPr lang="pt-BR" dirty="0"/>
-              <a:t>reduz significativamente o problema do viés</a:t>
-            </a:r>
-            <a:r>
-              <a:rPr lang="pt-BR" baseline="0" dirty="0"/>
-              <a:t> de seleção</a:t>
-            </a:r>
-            <a:r>
-              <a:rPr lang="pt-BR" dirty="0"/>
-              <a:t>, pois ela</a:t>
-            </a:r>
-            <a:r>
-              <a:rPr lang="pt-BR" baseline="0" dirty="0"/>
-              <a:t> </a:t>
-            </a:r>
-            <a:r>
-              <a:rPr lang="pt-BR" sz="1200" dirty="0"/>
-              <a:t>garante que todos os exemplos do conjunto de dados original tenham a chance de aparecer nos conjuntos de treinamento e validação,</a:t>
-            </a:r>
-            <a:r>
-              <a:rPr lang="pt-BR" sz="1200" baseline="0" dirty="0"/>
-              <a:t> o que consequentemente, </a:t>
-            </a:r>
-            <a:r>
-              <a:rPr lang="pt-BR" dirty="0"/>
-              <a:t>reduz a variância.</a:t>
-            </a:r>
-            <a:r>
-              <a:rPr lang="pt-BR" baseline="0" dirty="0"/>
-              <a:t> </a:t>
-            </a:r>
-          </a:p>
-          <a:p>
-            <a:endParaRPr lang="pt-BR" baseline="0" dirty="0"/>
-          </a:p>
-          <a:p>
-            <a:r>
-              <a:rPr lang="pt-BR" dirty="0"/>
-              <a:t>Portanto,</a:t>
-            </a:r>
-            <a:r>
-              <a:rPr lang="pt-BR" baseline="0" dirty="0"/>
-              <a:t> a</a:t>
-            </a:r>
-            <a:r>
-              <a:rPr lang="pt-BR" dirty="0"/>
-              <a:t> troca dos conjuntos de treinamento e validação contribuem</a:t>
-            </a:r>
-            <a:r>
-              <a:rPr lang="pt-BR" baseline="0" dirty="0"/>
-              <a:t> </a:t>
-            </a:r>
-            <a:r>
-              <a:rPr lang="pt-BR" dirty="0"/>
-              <a:t>para a eficácia dessa </a:t>
-            </a:r>
-            <a:r>
-              <a:rPr lang="pt-BR" sz="1200" dirty="0"/>
-              <a:t>estratégia</a:t>
-            </a:r>
-            <a:r>
-              <a:rPr lang="pt-BR" dirty="0"/>
-              <a:t>. </a:t>
-            </a:r>
-            <a:r>
-              <a:rPr lang="pt-BR" baseline="0" dirty="0"/>
-              <a:t>Como regra geral e evidência empírica, normalmente, utiliza-se K = 5 ou 10. A variância da estimativa resultante é reduzida à medida que k é aumentado.</a:t>
-            </a:r>
-          </a:p>
-          <a:p>
-            <a:endParaRPr lang="pt-BR" baseline="0" dirty="0"/>
-          </a:p>
-          <a:p>
-            <a:r>
-              <a:rPr lang="pt-BR" baseline="0" dirty="0"/>
-              <a:t>A validação cruzada do k-Fold é importante pois permite que você use seu conjunto de dados completo tanto para treinamento como para validação. É especialmente útil ao avaliar um modelo usando conjuntos de dados pequenos ou limitados.</a:t>
-            </a:r>
-          </a:p>
-          <a:p>
-            <a:endParaRPr lang="pt-BR" dirty="0"/>
-          </a:p>
-          <a:p>
-            <a:r>
-              <a:rPr lang="pt-BR" dirty="0"/>
-              <a:t>O desempenho do modelo é dado pela média dos erros de validação calculados para cada um dos k folds. A estimativa de erro é calculada sobre todos os k folds para obter a eficácia total do modelo. </a:t>
-            </a:r>
-          </a:p>
-          <a:p>
-            <a:pPr marL="0" marR="0" indent="0" algn="l" defTabSz="914400" rtl="0" eaLnBrk="1" fontAlgn="auto" latinLnBrk="0" hangingPunct="1">
-              <a:lnSpc>
-                <a:spcPct val="100000"/>
-              </a:lnSpc>
-              <a:spcBef>
-                <a:spcPts val="0"/>
-              </a:spcBef>
-              <a:spcAft>
-                <a:spcPts val="0"/>
-              </a:spcAft>
-              <a:buClrTx/>
-              <a:buSzTx/>
-              <a:buFontTx/>
-              <a:buNone/>
-              <a:tabLst/>
-              <a:defRPr/>
-            </a:pPr>
-            <a:endParaRPr lang="pt-BR" dirty="0"/>
-          </a:p>
-          <a:p>
-            <a:pPr marL="0" marR="0" indent="0" algn="l" defTabSz="914400" rtl="0" eaLnBrk="1" fontAlgn="auto" latinLnBrk="0" hangingPunct="1">
-              <a:lnSpc>
-                <a:spcPct val="100000"/>
-              </a:lnSpc>
-              <a:spcBef>
-                <a:spcPts val="0"/>
-              </a:spcBef>
-              <a:spcAft>
-                <a:spcPts val="0"/>
-              </a:spcAft>
-              <a:buClrTx/>
-              <a:buSzTx/>
-              <a:buFontTx/>
-              <a:buNone/>
-              <a:tabLst/>
-              <a:defRPr/>
-            </a:pPr>
-            <a:r>
-              <a:rPr lang="pt-BR" dirty="0"/>
-              <a:t>Como pode ser visto, todo exemplo fica em um conjunto de validação exatamente uma vez e em um conjunto de treinamento k-1 vezes.</a:t>
-            </a:r>
-          </a:p>
-          <a:p>
-            <a:r>
-              <a:rPr lang="pt-BR" baseline="0" dirty="0"/>
-              <a:t>Cada exemplo entra em um conjunto de validação exatamente uma vez e a k-1 vezes no conjunto de treinamento.</a:t>
-            </a:r>
-          </a:p>
-          <a:p>
-            <a:pPr marL="0" marR="0" indent="0" algn="l" defTabSz="914400" rtl="0" eaLnBrk="1" fontAlgn="auto" latinLnBrk="0" hangingPunct="1">
-              <a:lnSpc>
-                <a:spcPct val="100000"/>
-              </a:lnSpc>
-              <a:spcBef>
-                <a:spcPts val="0"/>
-              </a:spcBef>
-              <a:spcAft>
-                <a:spcPts val="0"/>
-              </a:spcAft>
-              <a:buClrTx/>
-              <a:buSzTx/>
-              <a:buFontTx/>
-              <a:buNone/>
-              <a:tabLst/>
-              <a:defRPr/>
-            </a:pPr>
-            <a:r>
-              <a:rPr lang="pt-BR" dirty="0"/>
-              <a:t>Com este procedimento, toda amostra disponível vai aparecer k-1 vezes no conjunto de treinamento e 1 vez no conjunto de validação.</a:t>
-            </a:r>
-          </a:p>
-          <a:p>
-            <a:endParaRPr lang="pt-BR" dirty="0"/>
-          </a:p>
-          <a:p>
-            <a:r>
-              <a:rPr lang="pt-BR" b="1" dirty="0"/>
-              <a:t>Desvantagem</a:t>
-            </a:r>
-            <a:r>
-              <a:rPr lang="pt-BR" dirty="0"/>
-              <a:t>:</a:t>
-            </a:r>
-          </a:p>
-          <a:p>
-            <a:r>
-              <a:rPr lang="pt-BR" dirty="0"/>
-              <a:t>Alto</a:t>
-            </a:r>
-            <a:r>
-              <a:rPr lang="pt-BR" baseline="0" dirty="0"/>
-              <a:t> custo computational pois treina-se e valida-se o modelo k vezes, ou seja, o algoritmo de treinamento deve ser executado novamente do zero k vezes, o que significa que leva k vezes mais tempo para fazer uma avaliação (treinamento+validação).</a:t>
-            </a:r>
-            <a:endParaRPr lang="pt-BR" dirty="0"/>
-          </a:p>
-          <a:p>
-            <a:endParaRPr lang="pt-BR" dirty="0"/>
-          </a:p>
-          <a:p>
             <a:endParaRPr lang="pt-BR" dirty="0"/>
           </a:p>
         </p:txBody>
       </p:sp>
       <p:sp>
         <p:nvSpPr>
-          <p:cNvPr id="4" name="Slide Number Placeholder 3"/>
+          <p:cNvPr id="4" name="Espaço Reservado para Número de Slide 3"/>
           <p:cNvSpPr>
             <a:spLocks noGrp="1"/>
           </p:cNvSpPr>
           <p:nvPr>
-            <p:ph type="sldNum" sz="quarter" idx="10"/>
+            <p:ph type="sldNum" sz="quarter" idx="5"/>
           </p:nvPr>
         </p:nvSpPr>
         <p:spPr/>
@@ -1221,7 +977,7 @@
     </p:spTree>
     <p:extLst>
       <p:ext uri="{BB962C8B-B14F-4D97-AF65-F5344CB8AC3E}">
-        <p14:creationId xmlns:p14="http://schemas.microsoft.com/office/powerpoint/2010/main" val="1019303158"/>
+        <p14:creationId xmlns:p14="http://schemas.microsoft.com/office/powerpoint/2010/main" val="1926337988"/>
       </p:ext>
     </p:extLst>
   </p:cSld>
@@ -1289,7 +1045,7 @@
             </a:r>
             <a:r>
               <a:rPr lang="pt-BR" dirty="0"/>
-              <a:t>https://mybinder.org/v2/gh/zz4fap/t319_aprendizado_de_maquina/main?filepath=notebooks%2Fregression%2Fvalidacao_cruzada.ipynb</a:t>
+              <a:t>https://colab.research.google.com/github/zz4fap/t319_aprendizado_de_maquina/blob/main/notebooks/regression/validacao_cruzada.ipynb</a:t>
             </a:r>
           </a:p>
         </p:txBody>
@@ -1311,7 +1067,7 @@
           <a:p>
             <a:fld id="{DA8B99DF-01BC-492A-8CEF-4FD88D18DD9D}" type="slidenum">
               <a:rPr lang="nl-BE" smtClean="0"/>
-              <a:t>13</a:t>
+              <a:t>18</a:t>
             </a:fld>
             <a:endParaRPr lang="nl-BE"/>
           </a:p>
@@ -1320,7 +1076,7 @@
     </p:spTree>
     <p:extLst>
       <p:ext uri="{BB962C8B-B14F-4D97-AF65-F5344CB8AC3E}">
-        <p14:creationId xmlns:p14="http://schemas.microsoft.com/office/powerpoint/2010/main" val="1387846057"/>
+        <p14:creationId xmlns:p14="http://schemas.microsoft.com/office/powerpoint/2010/main" val="1092688598"/>
       </p:ext>
     </p:extLst>
   </p:cSld>
@@ -1376,43 +1132,256 @@
           <a:p>
             <a:r>
               <a:rPr lang="pt-BR" dirty="0"/>
-              <a:t>A figura mostra um modelo com número de amostras de treinamento muito maior do que sua complexidade.</a:t>
-            </a:r>
-          </a:p>
-          <a:p>
+              <a:t>A ideia principal por trás da</a:t>
+            </a:r>
+            <a:r>
+              <a:rPr lang="pt-BR" baseline="0" dirty="0"/>
+              <a:t> estratégia do k-Fold </a:t>
+            </a:r>
+            <a:r>
+              <a:rPr lang="pt-BR" dirty="0"/>
+              <a:t>é que cada</a:t>
+            </a:r>
+            <a:r>
+              <a:rPr lang="pt-BR" baseline="0" dirty="0"/>
+              <a:t> exemplo do conjunto de dados faz o serviço duplo como dado de treinamento e de validação/teste.</a:t>
+            </a:r>
             <a:endParaRPr lang="pt-BR" dirty="0"/>
           </a:p>
           <a:p>
-            <a:r>
-              <a:rPr lang="pt-BR" b="0" i="0" dirty="0">
-                <a:solidFill>
-                  <a:srgbClr val="374151"/>
-                </a:solidFill>
-                <a:effectLst/>
-                <a:latin typeface="Söhne"/>
-              </a:rPr>
-              <a:t>No entanto, é importante ressaltar que o princípio da navalha de </a:t>
-            </a:r>
-            <a:r>
-              <a:rPr lang="pt-BR" b="0" i="0" dirty="0" err="1">
-                <a:solidFill>
-                  <a:srgbClr val="374151"/>
-                </a:solidFill>
-                <a:effectLst/>
-                <a:latin typeface="Söhne"/>
-              </a:rPr>
-              <a:t>Occam</a:t>
-            </a:r>
-            <a:r>
-              <a:rPr lang="pt-BR" b="0" i="0" dirty="0">
-                <a:solidFill>
-                  <a:srgbClr val="374151"/>
-                </a:solidFill>
-                <a:effectLst/>
-                <a:latin typeface="Söhne"/>
-              </a:rPr>
-              <a:t> não é uma regra absoluta, mas sim uma orientação heurística. Em certos casos, explicações mais complexas podem ser necessárias para capturar toda a complexidade do fenômeno estudado. Portanto, a aplicação do princípio requer um equilíbrio cuidadoso entre simplicidade e adequação à realidade observada.</a:t>
-            </a:r>
+            <a:endParaRPr lang="pt-BR" dirty="0"/>
+          </a:p>
+          <a:p>
+            <a:pPr marL="0" marR="0" indent="0" algn="l" defTabSz="914400" rtl="0" eaLnBrk="1" fontAlgn="auto" latinLnBrk="0" hangingPunct="1">
+              <a:lnSpc>
+                <a:spcPct val="100000"/>
+              </a:lnSpc>
+              <a:spcBef>
+                <a:spcPts val="0"/>
+              </a:spcBef>
+              <a:spcAft>
+                <a:spcPts val="0"/>
+              </a:spcAft>
+              <a:buClrTx/>
+              <a:buSzTx/>
+              <a:buFontTx/>
+              <a:buNone/>
+              <a:tabLst/>
+              <a:defRPr/>
+            </a:pPr>
+            <a:r>
+              <a:rPr lang="pt-BR" dirty="0"/>
+              <a:t>Na validação cruzada do k-Fold, os dados são divididos em k subconjuntos. A validação é repetida k vezes, de modo que, a cada vez, um dos subconjuntos k é usado como conjunto de validação e os outros subconjuntos k-1 são reunidos para formar um único conjunto de treinamento. Desta forma, </a:t>
+            </a:r>
+            <a:r>
+              <a:rPr lang="pt-BR" baseline="0" dirty="0"/>
+              <a:t>uma vantagem dessa abordagem é que a forma como os dados são divididos importa menos. </a:t>
+            </a:r>
+          </a:p>
+          <a:p>
+            <a:endParaRPr lang="pt-BR" dirty="0"/>
+          </a:p>
+          <a:p>
+            <a:r>
+              <a:rPr lang="pt-BR" dirty="0"/>
+              <a:t>Essa</a:t>
+            </a:r>
+            <a:r>
+              <a:rPr lang="pt-BR" baseline="0" dirty="0"/>
+              <a:t> </a:t>
+            </a:r>
+            <a:r>
+              <a:rPr lang="pt-BR" sz="1200" dirty="0"/>
+              <a:t>estratégia </a:t>
+            </a:r>
+            <a:r>
+              <a:rPr lang="pt-BR" dirty="0"/>
+              <a:t>reduz significativamente o problema do viés</a:t>
+            </a:r>
+            <a:r>
+              <a:rPr lang="pt-BR" baseline="0" dirty="0"/>
+              <a:t> de seleção</a:t>
+            </a:r>
+            <a:r>
+              <a:rPr lang="pt-BR" dirty="0"/>
+              <a:t>, pois ela</a:t>
+            </a:r>
+            <a:r>
+              <a:rPr lang="pt-BR" baseline="0" dirty="0"/>
+              <a:t> </a:t>
+            </a:r>
+            <a:r>
+              <a:rPr lang="pt-BR" sz="1200" dirty="0"/>
+              <a:t>garante que todos os exemplos do conjunto de dados original tenham a chance de aparecer nos conjuntos de treinamento e validação,</a:t>
+            </a:r>
+            <a:r>
+              <a:rPr lang="pt-BR" sz="1200" baseline="0" dirty="0"/>
+              <a:t> o que consequentemente, </a:t>
+            </a:r>
+            <a:r>
+              <a:rPr lang="pt-BR" dirty="0"/>
+              <a:t>reduz a variância.</a:t>
+            </a:r>
+            <a:r>
+              <a:rPr lang="pt-BR" baseline="0" dirty="0"/>
+              <a:t> </a:t>
+            </a:r>
+          </a:p>
+          <a:p>
+            <a:endParaRPr lang="pt-BR" baseline="0" dirty="0"/>
+          </a:p>
+          <a:p>
+            <a:r>
+              <a:rPr lang="pt-BR" dirty="0"/>
+              <a:t>Portanto,</a:t>
+            </a:r>
+            <a:r>
+              <a:rPr lang="pt-BR" baseline="0" dirty="0"/>
+              <a:t> a</a:t>
+            </a:r>
+            <a:r>
+              <a:rPr lang="pt-BR" dirty="0"/>
+              <a:t> troca dos conjuntos de treinamento e validação contribuem</a:t>
+            </a:r>
+            <a:r>
+              <a:rPr lang="pt-BR" baseline="0" dirty="0"/>
+              <a:t> </a:t>
+            </a:r>
+            <a:r>
+              <a:rPr lang="pt-BR" dirty="0"/>
+              <a:t>para a eficácia dessa </a:t>
+            </a:r>
+            <a:r>
+              <a:rPr lang="pt-BR" sz="1200" dirty="0"/>
+              <a:t>estratégia</a:t>
+            </a:r>
+            <a:r>
+              <a:rPr lang="pt-BR" dirty="0"/>
+              <a:t>. </a:t>
+            </a:r>
+            <a:r>
+              <a:rPr lang="pt-BR" baseline="0" dirty="0"/>
+              <a:t>Como regra geral e evidência empírica, normalmente, utiliza-se K = 5 ou 10. A variância da estimativa resultante é reduzida à medida que k é aumentado.</a:t>
+            </a:r>
+          </a:p>
+          <a:p>
+            <a:endParaRPr lang="pt-BR" baseline="0" dirty="0"/>
+          </a:p>
+          <a:p>
+            <a:r>
+              <a:rPr lang="pt-BR" baseline="0" dirty="0"/>
+              <a:t>A validação cruzada do k-Fold é importante pois permite que você use seu conjunto de dados completo tanto para treinamento como para validação. É especialmente útil ao avaliar um modelo usando conjuntos de dados pequenos ou limitados.</a:t>
+            </a:r>
+          </a:p>
+          <a:p>
+            <a:endParaRPr lang="pt-BR" dirty="0"/>
+          </a:p>
+          <a:p>
+            <a:r>
+              <a:rPr lang="pt-BR" dirty="0"/>
+              <a:t>O desempenho do modelo é dado pela média dos erros de validação calculados para cada um dos k folds. A estimativa de erro é calculada sobre todos os k folds para obter a eficácia total do modelo. </a:t>
+            </a:r>
+          </a:p>
+          <a:p>
+            <a:pPr marL="0" marR="0" indent="0" algn="l" defTabSz="914400" rtl="0" eaLnBrk="1" fontAlgn="auto" latinLnBrk="0" hangingPunct="1">
+              <a:lnSpc>
+                <a:spcPct val="100000"/>
+              </a:lnSpc>
+              <a:spcBef>
+                <a:spcPts val="0"/>
+              </a:spcBef>
+              <a:spcAft>
+                <a:spcPts val="0"/>
+              </a:spcAft>
+              <a:buClrTx/>
+              <a:buSzTx/>
+              <a:buFontTx/>
+              <a:buNone/>
+              <a:tabLst/>
+              <a:defRPr/>
+            </a:pPr>
+            <a:endParaRPr lang="pt-BR" dirty="0"/>
+          </a:p>
+          <a:p>
+            <a:pPr marL="0" marR="0" indent="0" algn="l" defTabSz="914400" rtl="0" eaLnBrk="1" fontAlgn="auto" latinLnBrk="0" hangingPunct="1">
+              <a:lnSpc>
+                <a:spcPct val="100000"/>
+              </a:lnSpc>
+              <a:spcBef>
+                <a:spcPts val="0"/>
+              </a:spcBef>
+              <a:spcAft>
+                <a:spcPts val="0"/>
+              </a:spcAft>
+              <a:buClrTx/>
+              <a:buSzTx/>
+              <a:buFontTx/>
+              <a:buNone/>
+              <a:tabLst/>
+              <a:defRPr/>
+            </a:pPr>
+            <a:r>
+              <a:rPr lang="pt-BR" dirty="0"/>
+              <a:t>Como pode ser visto, todo exemplo fica em um conjunto de validação exatamente uma vez e em um conjunto de treinamento k-1 vezes.</a:t>
+            </a:r>
+          </a:p>
+          <a:p>
+            <a:r>
+              <a:rPr lang="pt-BR" baseline="0" dirty="0"/>
+              <a:t>Cada exemplo entra em um conjunto de validação exatamente uma vez e a k-1 vezes no conjunto de treinamento.</a:t>
+            </a:r>
+          </a:p>
+          <a:p>
+            <a:pPr marL="0" marR="0" indent="0" algn="l" defTabSz="914400" rtl="0" eaLnBrk="1" fontAlgn="auto" latinLnBrk="0" hangingPunct="1">
+              <a:lnSpc>
+                <a:spcPct val="100000"/>
+              </a:lnSpc>
+              <a:spcBef>
+                <a:spcPts val="0"/>
+              </a:spcBef>
+              <a:spcAft>
+                <a:spcPts val="0"/>
+              </a:spcAft>
+              <a:buClrTx/>
+              <a:buSzTx/>
+              <a:buFontTx/>
+              <a:buNone/>
+              <a:tabLst/>
+              <a:defRPr/>
+            </a:pPr>
+            <a:r>
+              <a:rPr lang="pt-BR" dirty="0"/>
+              <a:t>Com este procedimento, toda amostra disponível vai aparecer k-1 vezes no conjunto de treinamento e 1 vez no conjunto de validação.</a:t>
+            </a:r>
+          </a:p>
+          <a:p>
+            <a:endParaRPr lang="pt-BR" dirty="0"/>
+          </a:p>
+          <a:p>
+            <a:r>
+              <a:rPr lang="pt-BR" b="1" dirty="0"/>
+              <a:t>Desvantagem</a:t>
+            </a:r>
+            <a:r>
+              <a:rPr lang="pt-BR" dirty="0"/>
+              <a:t>:</a:t>
+            </a:r>
+          </a:p>
+          <a:p>
+            <a:r>
+              <a:rPr lang="pt-BR" dirty="0"/>
+              <a:t>Alto</a:t>
+            </a:r>
+            <a:r>
+              <a:rPr lang="pt-BR" baseline="0" dirty="0"/>
+              <a:t> custo computational pois treina-se e valida-se o modelo k vezes, ou seja, o algoritmo de treinamento deve ser executado novamente do zero k vezes, o que significa que leva k vezes mais tempo para fazer uma avaliação (treinamento+validação).</a:t>
+            </a:r>
+            <a:endParaRPr lang="pt-BR" dirty="0"/>
+          </a:p>
+          <a:p>
+            <a:endParaRPr lang="pt-BR" dirty="0"/>
+          </a:p>
+          <a:p>
             <a:endParaRPr lang="pt-BR" dirty="0"/>
           </a:p>
         </p:txBody>
@@ -1434,7 +1403,7 @@
           <a:p>
             <a:fld id="{DA8B99DF-01BC-492A-8CEF-4FD88D18DD9D}" type="slidenum">
               <a:rPr lang="nl-BE" smtClean="0"/>
-              <a:t>14</a:t>
+              <a:t>19</a:t>
             </a:fld>
             <a:endParaRPr lang="nl-BE"/>
           </a:p>
@@ -1443,7 +1412,7 @@
     </p:spTree>
     <p:extLst>
       <p:ext uri="{BB962C8B-B14F-4D97-AF65-F5344CB8AC3E}">
-        <p14:creationId xmlns:p14="http://schemas.microsoft.com/office/powerpoint/2010/main" val="3811884714"/>
+        <p14:creationId xmlns:p14="http://schemas.microsoft.com/office/powerpoint/2010/main" val="1019303158"/>
       </p:ext>
     </p:extLst>
   </p:cSld>
@@ -1497,6 +1466,228 @@
           <a:bodyPr/>
           <a:lstStyle/>
           <a:p>
+            <a:r>
+              <a:rPr lang="pt-BR" b="1" dirty="0"/>
+              <a:t>Exemplo</a:t>
+            </a:r>
+            <a:r>
+              <a:rPr lang="pt-BR" dirty="0"/>
+              <a:t>:</a:t>
+            </a:r>
+            <a:r>
+              <a:rPr lang="pt-BR" baseline="0" dirty="0"/>
+              <a:t> </a:t>
+            </a:r>
+            <a:r>
+              <a:rPr lang="pt-BR" dirty="0"/>
+              <a:t>https://mybinder.org/v2/gh/zz4fap/t319_aprendizado_de_maquina/main?filepath=notebooks%2Fregression%2Fvalidacao_cruzada.ipynb</a:t>
+            </a:r>
+          </a:p>
+        </p:txBody>
+      </p:sp>
+      <p:sp>
+        <p:nvSpPr>
+          <p:cNvPr id="4" name="Slide Number Placeholder 3"/>
+          <p:cNvSpPr>
+            <a:spLocks noGrp="1"/>
+          </p:cNvSpPr>
+          <p:nvPr>
+            <p:ph type="sldNum" sz="quarter" idx="10"/>
+          </p:nvPr>
+        </p:nvSpPr>
+        <p:spPr/>
+        <p:txBody>
+          <a:bodyPr/>
+          <a:lstStyle/>
+          <a:p>
+            <a:fld id="{DA8B99DF-01BC-492A-8CEF-4FD88D18DD9D}" type="slidenum">
+              <a:rPr lang="nl-BE" smtClean="0"/>
+              <a:t>20</a:t>
+            </a:fld>
+            <a:endParaRPr lang="nl-BE"/>
+          </a:p>
+        </p:txBody>
+      </p:sp>
+    </p:spTree>
+    <p:extLst>
+      <p:ext uri="{BB962C8B-B14F-4D97-AF65-F5344CB8AC3E}">
+        <p14:creationId xmlns:p14="http://schemas.microsoft.com/office/powerpoint/2010/main" val="1387846057"/>
+      </p:ext>
+    </p:extLst>
+  </p:cSld>
+  <p:clrMapOvr>
+    <a:masterClrMapping/>
+  </p:clrMapOvr>
+</p:notes>
+</file>
+
+<file path=ppt/notesSlides/notesSlide14.xml><?xml version="1.0" encoding="utf-8"?>
+<p:notes xmlns:a="http://schemas.openxmlformats.org/drawingml/2006/main" xmlns:r="http://schemas.openxmlformats.org/officeDocument/2006/relationships" xmlns:p="http://schemas.openxmlformats.org/presentationml/2006/main">
+  <p:cSld>
+    <p:spTree>
+      <p:nvGrpSpPr>
+        <p:cNvPr id="1" name=""/>
+        <p:cNvGrpSpPr/>
+        <p:nvPr/>
+      </p:nvGrpSpPr>
+      <p:grpSpPr>
+        <a:xfrm>
+          <a:off x="0" y="0"/>
+          <a:ext cx="0" cy="0"/>
+          <a:chOff x="0" y="0"/>
+          <a:chExt cx="0" cy="0"/>
+        </a:xfrm>
+      </p:grpSpPr>
+      <p:sp>
+        <p:nvSpPr>
+          <p:cNvPr id="2" name="Slide Image Placeholder 1"/>
+          <p:cNvSpPr>
+            <a:spLocks noGrp="1" noRot="1" noChangeAspect="1"/>
+          </p:cNvSpPr>
+          <p:nvPr>
+            <p:ph type="sldImg"/>
+          </p:nvPr>
+        </p:nvSpPr>
+        <p:spPr/>
+      </p:sp>
+      <p:sp>
+        <p:nvSpPr>
+          <p:cNvPr id="3" name="Notes Placeholder 2"/>
+          <p:cNvSpPr>
+            <a:spLocks noGrp="1"/>
+          </p:cNvSpPr>
+          <p:nvPr>
+            <p:ph type="body" idx="1"/>
+          </p:nvPr>
+        </p:nvSpPr>
+        <p:spPr/>
+        <p:txBody>
+          <a:bodyPr/>
+          <a:lstStyle/>
+          <a:p>
+            <a:r>
+              <a:rPr lang="pt-BR" dirty="0"/>
+              <a:t>A figura mostra um modelo com número de amostras de treinamento muito maior do que sua complexidade.</a:t>
+            </a:r>
+          </a:p>
+          <a:p>
+            <a:endParaRPr lang="pt-BR" dirty="0"/>
+          </a:p>
+          <a:p>
+            <a:r>
+              <a:rPr lang="pt-BR" b="0" i="0" dirty="0">
+                <a:solidFill>
+                  <a:srgbClr val="374151"/>
+                </a:solidFill>
+                <a:effectLst/>
+                <a:latin typeface="Söhne"/>
+              </a:rPr>
+              <a:t>No entanto, é importante ressaltar que o princípio da navalha de </a:t>
+            </a:r>
+            <a:r>
+              <a:rPr lang="pt-BR" b="0" i="0" dirty="0" err="1">
+                <a:solidFill>
+                  <a:srgbClr val="374151"/>
+                </a:solidFill>
+                <a:effectLst/>
+                <a:latin typeface="Söhne"/>
+              </a:rPr>
+              <a:t>Occam</a:t>
+            </a:r>
+            <a:r>
+              <a:rPr lang="pt-BR" b="0" i="0" dirty="0">
+                <a:solidFill>
+                  <a:srgbClr val="374151"/>
+                </a:solidFill>
+                <a:effectLst/>
+                <a:latin typeface="Söhne"/>
+              </a:rPr>
+              <a:t> não é uma regra absoluta, mas sim uma orientação heurística. Em certos casos, explicações mais complexas podem ser necessárias para capturar toda a complexidade do fenômeno estudado. Portanto, a aplicação do princípio requer um equilíbrio cuidadoso entre simplicidade e adequação à realidade observada.</a:t>
+            </a:r>
+            <a:endParaRPr lang="pt-BR" dirty="0"/>
+          </a:p>
+        </p:txBody>
+      </p:sp>
+      <p:sp>
+        <p:nvSpPr>
+          <p:cNvPr id="4" name="Slide Number Placeholder 3"/>
+          <p:cNvSpPr>
+            <a:spLocks noGrp="1"/>
+          </p:cNvSpPr>
+          <p:nvPr>
+            <p:ph type="sldNum" sz="quarter" idx="10"/>
+          </p:nvPr>
+        </p:nvSpPr>
+        <p:spPr/>
+        <p:txBody>
+          <a:bodyPr/>
+          <a:lstStyle/>
+          <a:p>
+            <a:fld id="{DA8B99DF-01BC-492A-8CEF-4FD88D18DD9D}" type="slidenum">
+              <a:rPr lang="nl-BE" smtClean="0"/>
+              <a:t>21</a:t>
+            </a:fld>
+            <a:endParaRPr lang="nl-BE"/>
+          </a:p>
+        </p:txBody>
+      </p:sp>
+    </p:spTree>
+    <p:extLst>
+      <p:ext uri="{BB962C8B-B14F-4D97-AF65-F5344CB8AC3E}">
+        <p14:creationId xmlns:p14="http://schemas.microsoft.com/office/powerpoint/2010/main" val="3811884714"/>
+      </p:ext>
+    </p:extLst>
+  </p:cSld>
+  <p:clrMapOvr>
+    <a:masterClrMapping/>
+  </p:clrMapOvr>
+</p:notes>
+</file>
+
+<file path=ppt/notesSlides/notesSlide15.xml><?xml version="1.0" encoding="utf-8"?>
+<p:notes xmlns:a="http://schemas.openxmlformats.org/drawingml/2006/main" xmlns:r="http://schemas.openxmlformats.org/officeDocument/2006/relationships" xmlns:p="http://schemas.openxmlformats.org/presentationml/2006/main">
+  <p:cSld>
+    <p:spTree>
+      <p:nvGrpSpPr>
+        <p:cNvPr id="1" name=""/>
+        <p:cNvGrpSpPr/>
+        <p:nvPr/>
+      </p:nvGrpSpPr>
+      <p:grpSpPr>
+        <a:xfrm>
+          <a:off x="0" y="0"/>
+          <a:ext cx="0" cy="0"/>
+          <a:chOff x="0" y="0"/>
+          <a:chExt cx="0" cy="0"/>
+        </a:xfrm>
+      </p:grpSpPr>
+      <p:sp>
+        <p:nvSpPr>
+          <p:cNvPr id="2" name="Slide Image Placeholder 1"/>
+          <p:cNvSpPr>
+            <a:spLocks noGrp="1" noRot="1" noChangeAspect="1"/>
+          </p:cNvSpPr>
+          <p:nvPr>
+            <p:ph type="sldImg"/>
+          </p:nvPr>
+        </p:nvSpPr>
+        <p:spPr/>
+      </p:sp>
+      <p:sp>
+        <p:nvSpPr>
+          <p:cNvPr id="3" name="Notes Placeholder 2"/>
+          <p:cNvSpPr>
+            <a:spLocks noGrp="1"/>
+          </p:cNvSpPr>
+          <p:nvPr>
+            <p:ph type="body" idx="1"/>
+          </p:nvPr>
+        </p:nvSpPr>
+        <p:spPr/>
+        <p:txBody>
+          <a:bodyPr/>
+          <a:lstStyle/>
+          <a:p>
             <a:pPr marL="0" marR="0" lvl="0" indent="0" algn="l" defTabSz="914400" rtl="0" eaLnBrk="1" fontAlgn="auto" latinLnBrk="0" hangingPunct="1">
               <a:lnSpc>
                 <a:spcPct val="100000"/>
@@ -1567,7 +1758,7 @@
           <a:p>
             <a:fld id="{DA8B99DF-01BC-492A-8CEF-4FD88D18DD9D}" type="slidenum">
               <a:rPr lang="nl-BE" smtClean="0"/>
-              <a:t>15</a:t>
+              <a:t>22</a:t>
             </a:fld>
             <a:endParaRPr lang="nl-BE"/>
           </a:p>
@@ -1577,6 +1768,90 @@
     <p:extLst>
       <p:ext uri="{BB962C8B-B14F-4D97-AF65-F5344CB8AC3E}">
         <p14:creationId xmlns:p14="http://schemas.microsoft.com/office/powerpoint/2010/main" val="4190145315"/>
+      </p:ext>
+    </p:extLst>
+  </p:cSld>
+  <p:clrMapOvr>
+    <a:masterClrMapping/>
+  </p:clrMapOvr>
+</p:notes>
+</file>
+
+<file path=ppt/notesSlides/notesSlide16.xml><?xml version="1.0" encoding="utf-8"?>
+<p:notes xmlns:a="http://schemas.openxmlformats.org/drawingml/2006/main" xmlns:r="http://schemas.openxmlformats.org/officeDocument/2006/relationships" xmlns:p="http://schemas.openxmlformats.org/presentationml/2006/main">
+  <p:cSld>
+    <p:spTree>
+      <p:nvGrpSpPr>
+        <p:cNvPr id="1" name=""/>
+        <p:cNvGrpSpPr/>
+        <p:nvPr/>
+      </p:nvGrpSpPr>
+      <p:grpSpPr>
+        <a:xfrm>
+          <a:off x="0" y="0"/>
+          <a:ext cx="0" cy="0"/>
+          <a:chOff x="0" y="0"/>
+          <a:chExt cx="0" cy="0"/>
+        </a:xfrm>
+      </p:grpSpPr>
+      <p:sp>
+        <p:nvSpPr>
+          <p:cNvPr id="2" name="Espaço Reservado para Imagem de Slide 1"/>
+          <p:cNvSpPr>
+            <a:spLocks noGrp="1" noRot="1" noChangeAspect="1"/>
+          </p:cNvSpPr>
+          <p:nvPr>
+            <p:ph type="sldImg"/>
+          </p:nvPr>
+        </p:nvSpPr>
+        <p:spPr/>
+      </p:sp>
+      <p:sp>
+        <p:nvSpPr>
+          <p:cNvPr id="3" name="Espaço Reservado para Anotações 2"/>
+          <p:cNvSpPr>
+            <a:spLocks noGrp="1"/>
+          </p:cNvSpPr>
+          <p:nvPr>
+            <p:ph type="body" idx="1"/>
+          </p:nvPr>
+        </p:nvSpPr>
+        <p:spPr/>
+        <p:txBody>
+          <a:bodyPr/>
+          <a:lstStyle/>
+          <a:p>
+            <a:endParaRPr lang="pt-BR" dirty="0"/>
+          </a:p>
+        </p:txBody>
+      </p:sp>
+      <p:sp>
+        <p:nvSpPr>
+          <p:cNvPr id="4" name="Espaço Reservado para Número de Slide 3"/>
+          <p:cNvSpPr>
+            <a:spLocks noGrp="1"/>
+          </p:cNvSpPr>
+          <p:nvPr>
+            <p:ph type="sldNum" sz="quarter" idx="5"/>
+          </p:nvPr>
+        </p:nvSpPr>
+        <p:spPr/>
+        <p:txBody>
+          <a:bodyPr/>
+          <a:lstStyle/>
+          <a:p>
+            <a:fld id="{DA8B99DF-01BC-492A-8CEF-4FD88D18DD9D}" type="slidenum">
+              <a:rPr lang="nl-BE" smtClean="0"/>
+              <a:t>27</a:t>
+            </a:fld>
+            <a:endParaRPr lang="nl-BE"/>
+          </a:p>
+        </p:txBody>
+      </p:sp>
+    </p:spTree>
+    <p:extLst>
+      <p:ext uri="{BB962C8B-B14F-4D97-AF65-F5344CB8AC3E}">
+        <p14:creationId xmlns:p14="http://schemas.microsoft.com/office/powerpoint/2010/main" val="4112895228"/>
       </p:ext>
     </p:extLst>
   </p:cSld>
@@ -2428,6 +2703,22 @@
           <a:lstStyle/>
           <a:p>
             <a:r>
+              <a:rPr lang="pt-BR" b="0" i="0" dirty="0">
+                <a:solidFill>
+                  <a:srgbClr val="0F0F0F"/>
+                </a:solidFill>
+                <a:effectLst/>
+                <a:latin typeface="Söhne"/>
+              </a:rPr>
+              <a:t>O viés de seleção ocorre quando a escolha de determinados conjuntos de treinamento e teste afeta significativamente a avaliação do modelo.</a:t>
+            </a:r>
+            <a:endParaRPr lang="pt-BR" dirty="0"/>
+          </a:p>
+          <a:p>
+            <a:endParaRPr lang="pt-BR" dirty="0"/>
+          </a:p>
+          <a:p>
+            <a:r>
               <a:rPr lang="pt-BR" dirty="0"/>
               <a:t>Normalmente,</a:t>
             </a:r>
@@ -2569,7 +2860,7 @@
       </p:grpSpPr>
       <p:sp>
         <p:nvSpPr>
-          <p:cNvPr id="2" name="Slide Image Placeholder 1"/>
+          <p:cNvPr id="2" name="Espaço Reservado para Imagem de Slide 1"/>
           <p:cNvSpPr>
             <a:spLocks noGrp="1" noRot="1" noChangeAspect="1"/>
           </p:cNvSpPr>
@@ -2581,7 +2872,7 @@
       </p:sp>
       <p:sp>
         <p:nvSpPr>
-          <p:cNvPr id="3" name="Notes Placeholder 2"/>
+          <p:cNvPr id="3" name="Espaço Reservado para Anotações 2"/>
           <p:cNvSpPr>
             <a:spLocks noGrp="1"/>
           </p:cNvSpPr>
@@ -2595,12 +2886,16 @@
           <a:lstStyle/>
           <a:p>
             <a:r>
-              <a:rPr lang="pt-BR" b="1" dirty="0"/>
-              <a:t>Exemplo</a:t>
-            </a:r>
-            <a:r>
-              <a:rPr lang="pt-BR" dirty="0"/>
-              <a:t>:</a:t>
+              <a:rPr lang="pt-BR" dirty="0"/>
+              <a:t>A ideia principal por trás da</a:t>
+            </a:r>
+            <a:r>
+              <a:rPr lang="pt-BR" baseline="0" dirty="0"/>
+              <a:t> estratégia do k-</a:t>
+            </a:r>
+            <a:r>
+              <a:rPr lang="pt-BR" baseline="0" dirty="0" err="1"/>
+              <a:t>Fold</a:t>
             </a:r>
             <a:r>
               <a:rPr lang="pt-BR" baseline="0" dirty="0"/>
@@ -2608,19 +2903,363 @@
             </a:r>
             <a:r>
               <a:rPr lang="pt-BR" dirty="0"/>
-              <a:t>https://colab.research.google.com/github/zz4fap/t319_aprendizado_de_maquina/blob/main/notebooks/regression/validacao_cruzada.ipynb</a:t>
-            </a:r>
+              <a:t>é que cada</a:t>
+            </a:r>
+            <a:r>
+              <a:rPr lang="pt-BR" baseline="0" dirty="0"/>
+              <a:t> exemplo do conjunto de dados faz o serviço duplo como dado de treinamento e de validação/teste.</a:t>
+            </a:r>
+            <a:endParaRPr lang="pt-BR" dirty="0"/>
+          </a:p>
+          <a:p>
+            <a:endParaRPr lang="pt-BR" dirty="0"/>
+          </a:p>
+          <a:p>
+            <a:pPr marL="0" marR="0" indent="0" algn="l" defTabSz="914400" rtl="0" eaLnBrk="1" fontAlgn="auto" latinLnBrk="0" hangingPunct="1">
+              <a:lnSpc>
+                <a:spcPct val="100000"/>
+              </a:lnSpc>
+              <a:spcBef>
+                <a:spcPts val="0"/>
+              </a:spcBef>
+              <a:spcAft>
+                <a:spcPts val="0"/>
+              </a:spcAft>
+              <a:buClrTx/>
+              <a:buSzTx/>
+              <a:buFontTx/>
+              <a:buNone/>
+              <a:tabLst/>
+              <a:defRPr/>
+            </a:pPr>
+            <a:r>
+              <a:rPr lang="pt-BR" dirty="0"/>
+              <a:t>Na validação cruzada do k-</a:t>
+            </a:r>
+            <a:r>
+              <a:rPr lang="pt-BR" dirty="0" err="1"/>
+              <a:t>Fold</a:t>
+            </a:r>
+            <a:r>
+              <a:rPr lang="pt-BR" dirty="0"/>
+              <a:t>, os dados são divididos em k subconjuntos. A validação é repetida k vezes, de modo que, a cada vez, um dos subconjuntos k é usado como conjunto de validação e os outros subconjuntos k-1 são reunidos para formar um único conjunto de treinamento. Desta forma, </a:t>
+            </a:r>
+            <a:r>
+              <a:rPr lang="pt-BR" baseline="0" dirty="0"/>
+              <a:t>uma vantagem dessa abordagem é que a forma como os dados são divididos importa menos. </a:t>
+            </a:r>
+          </a:p>
+          <a:p>
+            <a:endParaRPr lang="pt-BR" dirty="0"/>
+          </a:p>
+          <a:p>
+            <a:r>
+              <a:rPr lang="pt-BR" dirty="0"/>
+              <a:t>Essa</a:t>
+            </a:r>
+            <a:r>
+              <a:rPr lang="pt-BR" baseline="0" dirty="0"/>
+              <a:t> </a:t>
+            </a:r>
+            <a:r>
+              <a:rPr lang="pt-BR" sz="1200" dirty="0"/>
+              <a:t>estratégia </a:t>
+            </a:r>
+            <a:r>
+              <a:rPr lang="pt-BR" dirty="0"/>
+              <a:t>reduz significativamente o problema do viés</a:t>
+            </a:r>
+            <a:r>
+              <a:rPr lang="pt-BR" baseline="0" dirty="0"/>
+              <a:t> de seleção</a:t>
+            </a:r>
+            <a:r>
+              <a:rPr lang="pt-BR" dirty="0"/>
+              <a:t>, pois ela</a:t>
+            </a:r>
+            <a:r>
+              <a:rPr lang="pt-BR" baseline="0" dirty="0"/>
+              <a:t> </a:t>
+            </a:r>
+            <a:r>
+              <a:rPr lang="pt-BR" sz="1200" dirty="0"/>
+              <a:t>garante que todos os exemplos do conjunto de dados original tenham a chance de aparecer nos conjuntos de treinamento e validação,</a:t>
+            </a:r>
+            <a:r>
+              <a:rPr lang="pt-BR" sz="1200" baseline="0" dirty="0"/>
+              <a:t> o que consequentemente, </a:t>
+            </a:r>
+            <a:r>
+              <a:rPr lang="pt-BR" dirty="0"/>
+              <a:t>reduz a variância.</a:t>
+            </a:r>
+            <a:r>
+              <a:rPr lang="pt-BR" baseline="0" dirty="0"/>
+              <a:t> </a:t>
+            </a:r>
+          </a:p>
+          <a:p>
+            <a:endParaRPr lang="pt-BR" baseline="0" dirty="0"/>
+          </a:p>
+          <a:p>
+            <a:r>
+              <a:rPr lang="pt-BR" dirty="0"/>
+              <a:t>Portanto,</a:t>
+            </a:r>
+            <a:r>
+              <a:rPr lang="pt-BR" baseline="0" dirty="0"/>
+              <a:t> a</a:t>
+            </a:r>
+            <a:r>
+              <a:rPr lang="pt-BR" dirty="0"/>
+              <a:t> troca dos conjuntos de treinamento e validação contribuem</a:t>
+            </a:r>
+            <a:r>
+              <a:rPr lang="pt-BR" baseline="0" dirty="0"/>
+              <a:t> </a:t>
+            </a:r>
+            <a:r>
+              <a:rPr lang="pt-BR" dirty="0"/>
+              <a:t>para a eficácia dessa </a:t>
+            </a:r>
+            <a:r>
+              <a:rPr lang="pt-BR" sz="1200" dirty="0"/>
+              <a:t>estratégia</a:t>
+            </a:r>
+            <a:r>
+              <a:rPr lang="pt-BR" dirty="0"/>
+              <a:t>. </a:t>
+            </a:r>
+            <a:r>
+              <a:rPr lang="pt-BR" baseline="0" dirty="0"/>
+              <a:t>Como regra geral e evidência empírica, normalmente, utiliza-se K = 5 ou 10. A variância da estimativa resultante é reduzida à medida que k é aumentado.</a:t>
+            </a:r>
+          </a:p>
+          <a:p>
+            <a:endParaRPr lang="pt-BR" baseline="0" dirty="0"/>
+          </a:p>
+          <a:p>
+            <a:r>
+              <a:rPr lang="pt-BR" baseline="0" dirty="0"/>
+              <a:t>A validação cruzada do k-</a:t>
+            </a:r>
+            <a:r>
+              <a:rPr lang="pt-BR" baseline="0" dirty="0" err="1"/>
+              <a:t>Fold</a:t>
+            </a:r>
+            <a:r>
+              <a:rPr lang="pt-BR" baseline="0" dirty="0"/>
+              <a:t> é importante pois permite que você use seu conjunto de dados completo tanto para treinamento como para validação. É especialmente útil ao avaliar um modelo usando conjuntos de dados pequenos ou limitados.</a:t>
+            </a:r>
+          </a:p>
+          <a:p>
+            <a:endParaRPr lang="pt-BR" dirty="0"/>
+          </a:p>
+          <a:p>
+            <a:r>
+              <a:rPr lang="pt-BR" dirty="0"/>
+              <a:t>O desempenho do modelo é dado pela média dos erros de validação calculados para cada um dos k folds. A estimativa de erro é calculada sobre todos os k folds para obter a eficácia total do modelo. </a:t>
+            </a:r>
+          </a:p>
+          <a:p>
+            <a:pPr marL="0" marR="0" indent="0" algn="l" defTabSz="914400" rtl="0" eaLnBrk="1" fontAlgn="auto" latinLnBrk="0" hangingPunct="1">
+              <a:lnSpc>
+                <a:spcPct val="100000"/>
+              </a:lnSpc>
+              <a:spcBef>
+                <a:spcPts val="0"/>
+              </a:spcBef>
+              <a:spcAft>
+                <a:spcPts val="0"/>
+              </a:spcAft>
+              <a:buClrTx/>
+              <a:buSzTx/>
+              <a:buFontTx/>
+              <a:buNone/>
+              <a:tabLst/>
+              <a:defRPr/>
+            </a:pPr>
+            <a:endParaRPr lang="pt-BR" dirty="0"/>
+          </a:p>
+          <a:p>
+            <a:pPr marL="0" marR="0" indent="0" algn="l" defTabSz="914400" rtl="0" eaLnBrk="1" fontAlgn="auto" latinLnBrk="0" hangingPunct="1">
+              <a:lnSpc>
+                <a:spcPct val="100000"/>
+              </a:lnSpc>
+              <a:spcBef>
+                <a:spcPts val="0"/>
+              </a:spcBef>
+              <a:spcAft>
+                <a:spcPts val="0"/>
+              </a:spcAft>
+              <a:buClrTx/>
+              <a:buSzTx/>
+              <a:buFontTx/>
+              <a:buNone/>
+              <a:tabLst/>
+              <a:defRPr/>
+            </a:pPr>
+            <a:r>
+              <a:rPr lang="pt-BR" dirty="0"/>
+              <a:t>Como pode ser visto, todo exemplo fica em um conjunto de validação exatamente uma vez e em um conjunto de treinamento k-1 vezes.</a:t>
+            </a:r>
+          </a:p>
+          <a:p>
+            <a:r>
+              <a:rPr lang="pt-BR" baseline="0" dirty="0"/>
+              <a:t>Cada exemplo entra em um conjunto de validação exatamente uma vez e a k-1 vezes no conjunto de treinamento.</a:t>
+            </a:r>
+          </a:p>
+          <a:p>
+            <a:pPr marL="0" marR="0" indent="0" algn="l" defTabSz="914400" rtl="0" eaLnBrk="1" fontAlgn="auto" latinLnBrk="0" hangingPunct="1">
+              <a:lnSpc>
+                <a:spcPct val="100000"/>
+              </a:lnSpc>
+              <a:spcBef>
+                <a:spcPts val="0"/>
+              </a:spcBef>
+              <a:spcAft>
+                <a:spcPts val="0"/>
+              </a:spcAft>
+              <a:buClrTx/>
+              <a:buSzTx/>
+              <a:buFontTx/>
+              <a:buNone/>
+              <a:tabLst/>
+              <a:defRPr/>
+            </a:pPr>
+            <a:r>
+              <a:rPr lang="pt-BR" dirty="0"/>
+              <a:t>Com este procedimento, toda amostra disponível vai aparecer k-1 vezes no conjunto de treinamento e 1 vez no conjunto de validação.</a:t>
+            </a:r>
+          </a:p>
+          <a:p>
+            <a:endParaRPr lang="pt-BR" dirty="0"/>
+          </a:p>
+          <a:p>
+            <a:r>
+              <a:rPr lang="pt-BR" b="1" dirty="0"/>
+              <a:t>Desvantagem</a:t>
+            </a:r>
+            <a:r>
+              <a:rPr lang="pt-BR" dirty="0"/>
+              <a:t>:</a:t>
+            </a:r>
+          </a:p>
+          <a:p>
+            <a:r>
+              <a:rPr lang="pt-BR" dirty="0"/>
+              <a:t>Alto</a:t>
+            </a:r>
+            <a:r>
+              <a:rPr lang="pt-BR" baseline="0" dirty="0"/>
+              <a:t> custo </a:t>
+            </a:r>
+            <a:r>
+              <a:rPr lang="pt-BR" baseline="0" dirty="0" err="1"/>
+              <a:t>computational</a:t>
+            </a:r>
+            <a:r>
+              <a:rPr lang="pt-BR" baseline="0" dirty="0"/>
+              <a:t> pois treina-se e valida-se o modelo k vezes, ou seja, o algoritmo de treinamento deve ser executado novamente do zero k vezes, o que significa que leva k vezes mais tempo para fazer uma avaliação (</a:t>
+            </a:r>
+            <a:r>
+              <a:rPr lang="pt-BR" baseline="0" dirty="0" err="1"/>
+              <a:t>treinamento+validação</a:t>
+            </a:r>
+            <a:r>
+              <a:rPr lang="pt-BR" baseline="0" dirty="0"/>
+              <a:t>).</a:t>
+            </a:r>
+            <a:endParaRPr lang="pt-BR" dirty="0"/>
+          </a:p>
+          <a:p>
+            <a:endParaRPr lang="pt-BR" dirty="0"/>
+          </a:p>
+          <a:p>
+            <a:endParaRPr lang="pt-BR" dirty="0"/>
+          </a:p>
+          <a:p>
+            <a:pPr algn="l"/>
+            <a:r>
+              <a:rPr lang="en-US" b="0" i="0" dirty="0">
+                <a:effectLst/>
+                <a:latin typeface="Söhne"/>
+              </a:rPr>
+              <a:t>What does k-fold error variance say about overfitting?</a:t>
+            </a:r>
+          </a:p>
+          <a:p>
+            <a:endParaRPr lang="pt-BR" dirty="0"/>
+          </a:p>
+          <a:p>
+            <a:pPr algn="l"/>
+            <a:r>
+              <a:rPr lang="en-US" b="0" i="0" dirty="0">
+                <a:solidFill>
+                  <a:srgbClr val="374151"/>
+                </a:solidFill>
+                <a:effectLst/>
+                <a:latin typeface="Söhne"/>
+              </a:rPr>
+              <a:t>K-fold error variance can provide insights into the presence of overfitting in a machine learning model. Overfitting occurs when a model learns the training data too well and performs poorly on unseen data.</a:t>
+            </a:r>
+          </a:p>
+          <a:p>
+            <a:pPr algn="l"/>
+            <a:r>
+              <a:rPr lang="en-US" b="0" i="0" dirty="0">
+                <a:solidFill>
+                  <a:srgbClr val="374151"/>
+                </a:solidFill>
+                <a:effectLst/>
+                <a:latin typeface="Söhne"/>
+              </a:rPr>
+              <a:t>In k-fold cross-validation, the dataset is divided into k subsets or folds. The model is trained on k-1 folds and evaluated on the remaining fold. This process is repeated k times, with each fold serving as the evaluation set once. The k-fold error variance refers to the variability in performance (e.g., accuracy, error rate) across the k iterations of the cross-validation process.</a:t>
+            </a:r>
+          </a:p>
+          <a:p>
+            <a:pPr algn="l"/>
+            <a:r>
+              <a:rPr lang="en-US" b="0" i="0" dirty="0">
+                <a:solidFill>
+                  <a:srgbClr val="374151"/>
+                </a:solidFill>
+                <a:effectLst/>
+                <a:latin typeface="Söhne"/>
+              </a:rPr>
+              <a:t>When the k-fold error variance is low, it suggests that the model's performance is consistent across different subsets of the data. This indicates that the model generalizes well and is less likely to be overfitting. On the other hand, a high k-fold error variance implies that the model's performance varies significantly depending on the subset of the data used for evaluation. This could be a sign of overfitting because the model might be capturing noise or idiosyncrasies in the training data that do not generalize well to unseen data.</a:t>
+            </a:r>
+          </a:p>
+          <a:p>
+            <a:pPr algn="l"/>
+            <a:r>
+              <a:rPr lang="en-US" b="0" i="0" dirty="0">
+                <a:solidFill>
+                  <a:srgbClr val="374151"/>
+                </a:solidFill>
+                <a:effectLst/>
+                <a:latin typeface="Söhne"/>
+              </a:rPr>
+              <a:t>In summary, a low k-fold error variance suggests a model with good generalization, while a high k-fold error variance may indicate overfitting and a potential lack of generalization. However, it is important to consider other factors such as the overall performance metrics and the complexity of the model to make a conclusive assessment of overfitting.</a:t>
+            </a:r>
+          </a:p>
+          <a:p>
+            <a:endParaRPr lang="pt-BR" dirty="0"/>
+          </a:p>
+          <a:p>
+            <a:endParaRPr lang="pt-BR" dirty="0"/>
           </a:p>
         </p:txBody>
       </p:sp>
       <p:sp>
         <p:nvSpPr>
-          <p:cNvPr id="4" name="Slide Number Placeholder 3"/>
+          <p:cNvPr id="4" name="Espaço Reservado para Número de Slide 3"/>
           <p:cNvSpPr>
             <a:spLocks noGrp="1"/>
           </p:cNvSpPr>
           <p:nvPr>
-            <p:ph type="sldNum" sz="quarter" idx="10"/>
+            <p:ph type="sldNum" sz="quarter" idx="5"/>
           </p:nvPr>
         </p:nvSpPr>
         <p:spPr/>
@@ -2630,7 +3269,7 @@
           <a:p>
             <a:fld id="{DA8B99DF-01BC-492A-8CEF-4FD88D18DD9D}" type="slidenum">
               <a:rPr lang="nl-BE" smtClean="0"/>
-              <a:t>10</a:t>
+              <a:t>8</a:t>
             </a:fld>
             <a:endParaRPr lang="nl-BE"/>
           </a:p>
@@ -2639,7 +3278,7 @@
     </p:spTree>
     <p:extLst>
       <p:ext uri="{BB962C8B-B14F-4D97-AF65-F5344CB8AC3E}">
-        <p14:creationId xmlns:p14="http://schemas.microsoft.com/office/powerpoint/2010/main" val="1092688598"/>
+        <p14:creationId xmlns:p14="http://schemas.microsoft.com/office/powerpoint/2010/main" val="571969590"/>
       </p:ext>
     </p:extLst>
   </p:cSld>
@@ -2668,7 +3307,7 @@
       </p:grpSpPr>
       <p:sp>
         <p:nvSpPr>
-          <p:cNvPr id="2" name="Slide Image Placeholder 1"/>
+          <p:cNvPr id="2" name="Espaço Reservado para Imagem de Slide 1"/>
           <p:cNvSpPr>
             <a:spLocks noGrp="1" noRot="1" noChangeAspect="1"/>
           </p:cNvSpPr>
@@ -2680,7 +3319,7 @@
       </p:sp>
       <p:sp>
         <p:nvSpPr>
-          <p:cNvPr id="3" name="Notes Placeholder 2"/>
+          <p:cNvPr id="3" name="Espaço Reservado para Anotações 2"/>
           <p:cNvSpPr>
             <a:spLocks noGrp="1"/>
           </p:cNvSpPr>
@@ -2699,7 +3338,15 @@
             </a:r>
             <a:r>
               <a:rPr lang="pt-BR" baseline="0" dirty="0"/>
-              <a:t> estratégia do k-Fold </a:t>
+              <a:t> estratégia do k-</a:t>
+            </a:r>
+            <a:r>
+              <a:rPr lang="pt-BR" baseline="0" dirty="0" err="1"/>
+              <a:t>Fold</a:t>
+            </a:r>
+            <a:r>
+              <a:rPr lang="pt-BR" baseline="0" dirty="0"/>
+              <a:t> </a:t>
             </a:r>
             <a:r>
               <a:rPr lang="pt-BR" dirty="0"/>
@@ -2734,7 +3381,15 @@
             </a:pPr>
             <a:r>
               <a:rPr lang="pt-BR" dirty="0"/>
-              <a:t>Na validação cruzada do k-Fold, os dados são divididos em k subconjuntos. A validação é repetida k vezes, de modo que, a cada vez, um dos subconjuntos k é usado como conjunto de validação e os outros subconjuntos k-1 são reunidos para formar um único conjunto de treinamento. Desta forma, </a:t>
+              <a:t>Na validação cruzada do k-</a:t>
+            </a:r>
+            <a:r>
+              <a:rPr lang="pt-BR" dirty="0" err="1"/>
+              <a:t>Fold</a:t>
+            </a:r>
+            <a:r>
+              <a:rPr lang="pt-BR" dirty="0"/>
+              <a:t>, os dados são divididos em k subconjuntos. A validação é repetida k vezes, de modo que, a cada vez, um dos subconjuntos k é usado como conjunto de validação e os outros subconjuntos k-1 são reunidos para formar um único conjunto de treinamento. Desta forma, </a:t>
             </a:r>
             <a:r>
               <a:rPr lang="pt-BR" baseline="0" dirty="0"/>
@@ -2833,7 +3488,15 @@
           <a:p>
             <a:r>
               <a:rPr lang="pt-BR" baseline="0" dirty="0"/>
-              <a:t>A validação cruzada do k-Fold é importante pois permite que você use seu conjunto de dados completo tanto para treinamento como para validação. É especialmente útil ao avaliar um modelo usando conjuntos de dados pequenos ou limitados.</a:t>
+              <a:t>A validação cruzada do k-</a:t>
+            </a:r>
+            <a:r>
+              <a:rPr lang="pt-BR" baseline="0" dirty="0" err="1"/>
+              <a:t>Fold</a:t>
+            </a:r>
+            <a:r>
+              <a:rPr lang="pt-BR" baseline="0" dirty="0"/>
+              <a:t> é importante pois permite que você use seu conjunto de dados completo tanto para treinamento como para validação. É especialmente útil ao avaliar um modelo usando conjuntos de dados pequenos ou limitados.</a:t>
             </a:r>
           </a:p>
           <a:p>
@@ -2937,7 +3600,23 @@
             </a:r>
             <a:r>
               <a:rPr lang="pt-BR" baseline="0" dirty="0"/>
-              <a:t> custo computational pois treina-se e valida-se o modelo k vezes, ou seja, o algoritmo de treinamento deve ser executado novamente do zero k vezes, o que significa que leva k vezes mais tempo para fazer uma avaliação (treinamento+validação).</a:t>
+              <a:t> custo </a:t>
+            </a:r>
+            <a:r>
+              <a:rPr lang="pt-BR" baseline="0" dirty="0" err="1"/>
+              <a:t>computational</a:t>
+            </a:r>
+            <a:r>
+              <a:rPr lang="pt-BR" baseline="0" dirty="0"/>
+              <a:t> pois treina-se e valida-se o modelo k vezes, ou seja, o algoritmo de treinamento deve ser executado novamente do zero k vezes, o que significa que leva k vezes mais tempo para fazer uma avaliação (</a:t>
+            </a:r>
+            <a:r>
+              <a:rPr lang="pt-BR" baseline="0" dirty="0" err="1"/>
+              <a:t>treinamento+validação</a:t>
+            </a:r>
+            <a:r>
+              <a:rPr lang="pt-BR" baseline="0" dirty="0"/>
+              <a:t>).</a:t>
             </a:r>
             <a:endParaRPr lang="pt-BR" dirty="0"/>
           </a:p>
@@ -3015,16 +3694,19 @@
           <a:p>
             <a:endParaRPr lang="pt-BR" dirty="0"/>
           </a:p>
+          <a:p>
+            <a:endParaRPr lang="pt-BR" dirty="0"/>
+          </a:p>
         </p:txBody>
       </p:sp>
       <p:sp>
         <p:nvSpPr>
-          <p:cNvPr id="4" name="Slide Number Placeholder 3"/>
+          <p:cNvPr id="4" name="Espaço Reservado para Número de Slide 3"/>
           <p:cNvSpPr>
             <a:spLocks noGrp="1"/>
           </p:cNvSpPr>
           <p:nvPr>
-            <p:ph type="sldNum" sz="quarter" idx="10"/>
+            <p:ph type="sldNum" sz="quarter" idx="5"/>
           </p:nvPr>
         </p:nvSpPr>
         <p:spPr/>
@@ -3034,7 +3716,7 @@
           <a:p>
             <a:fld id="{DA8B99DF-01BC-492A-8CEF-4FD88D18DD9D}" type="slidenum">
               <a:rPr lang="nl-BE" smtClean="0"/>
-              <a:t>11</a:t>
+              <a:t>9</a:t>
             </a:fld>
             <a:endParaRPr lang="nl-BE"/>
           </a:p>
@@ -3043,7 +3725,7 @@
     </p:spTree>
     <p:extLst>
       <p:ext uri="{BB962C8B-B14F-4D97-AF65-F5344CB8AC3E}">
-        <p14:creationId xmlns:p14="http://schemas.microsoft.com/office/powerpoint/2010/main" val="1548639376"/>
+        <p14:creationId xmlns:p14="http://schemas.microsoft.com/office/powerpoint/2010/main" val="3092233933"/>
       </p:ext>
     </p:extLst>
   </p:cSld>
@@ -3184,7 +3866,7 @@
           <a:p>
             <a:fld id="{C80E15A5-E95B-43EB-9AC7-9A96397448C0}" type="datetimeFigureOut">
               <a:rPr lang="nl-BE" smtClean="0"/>
-              <a:t>22/11/2023</a:t>
+              <a:t>23/11/2023</a:t>
             </a:fld>
             <a:endParaRPr lang="nl-BE"/>
           </a:p>
@@ -3354,7 +4036,7 @@
           <a:p>
             <a:fld id="{C80E15A5-E95B-43EB-9AC7-9A96397448C0}" type="datetimeFigureOut">
               <a:rPr lang="nl-BE" smtClean="0"/>
-              <a:t>22/11/2023</a:t>
+              <a:t>23/11/2023</a:t>
             </a:fld>
             <a:endParaRPr lang="nl-BE"/>
           </a:p>
@@ -3534,7 +4216,7 @@
           <a:p>
             <a:fld id="{C80E15A5-E95B-43EB-9AC7-9A96397448C0}" type="datetimeFigureOut">
               <a:rPr lang="nl-BE" smtClean="0"/>
-              <a:t>22/11/2023</a:t>
+              <a:t>23/11/2023</a:t>
             </a:fld>
             <a:endParaRPr lang="nl-BE"/>
           </a:p>
@@ -3704,7 +4386,7 @@
           <a:p>
             <a:fld id="{C80E15A5-E95B-43EB-9AC7-9A96397448C0}" type="datetimeFigureOut">
               <a:rPr lang="nl-BE" smtClean="0"/>
-              <a:t>22/11/2023</a:t>
+              <a:t>23/11/2023</a:t>
             </a:fld>
             <a:endParaRPr lang="nl-BE"/>
           </a:p>
@@ -3950,7 +4632,7 @@
           <a:p>
             <a:fld id="{C80E15A5-E95B-43EB-9AC7-9A96397448C0}" type="datetimeFigureOut">
               <a:rPr lang="nl-BE" smtClean="0"/>
-              <a:t>22/11/2023</a:t>
+              <a:t>23/11/2023</a:t>
             </a:fld>
             <a:endParaRPr lang="nl-BE"/>
           </a:p>
@@ -4182,7 +4864,7 @@
           <a:p>
             <a:fld id="{C80E15A5-E95B-43EB-9AC7-9A96397448C0}" type="datetimeFigureOut">
               <a:rPr lang="nl-BE" smtClean="0"/>
-              <a:t>22/11/2023</a:t>
+              <a:t>23/11/2023</a:t>
             </a:fld>
             <a:endParaRPr lang="nl-BE"/>
           </a:p>
@@ -4549,7 +5231,7 @@
           <a:p>
             <a:fld id="{C80E15A5-E95B-43EB-9AC7-9A96397448C0}" type="datetimeFigureOut">
               <a:rPr lang="nl-BE" smtClean="0"/>
-              <a:t>22/11/2023</a:t>
+              <a:t>23/11/2023</a:t>
             </a:fld>
             <a:endParaRPr lang="nl-BE"/>
           </a:p>
@@ -4667,7 +5349,7 @@
           <a:p>
             <a:fld id="{C80E15A5-E95B-43EB-9AC7-9A96397448C0}" type="datetimeFigureOut">
               <a:rPr lang="nl-BE" smtClean="0"/>
-              <a:t>22/11/2023</a:t>
+              <a:t>23/11/2023</a:t>
             </a:fld>
             <a:endParaRPr lang="nl-BE"/>
           </a:p>
@@ -4762,7 +5444,7 @@
           <a:p>
             <a:fld id="{C80E15A5-E95B-43EB-9AC7-9A96397448C0}" type="datetimeFigureOut">
               <a:rPr lang="nl-BE" smtClean="0"/>
-              <a:t>22/11/2023</a:t>
+              <a:t>23/11/2023</a:t>
             </a:fld>
             <a:endParaRPr lang="nl-BE"/>
           </a:p>
@@ -5039,7 +5721,7 @@
           <a:p>
             <a:fld id="{C80E15A5-E95B-43EB-9AC7-9A96397448C0}" type="datetimeFigureOut">
               <a:rPr lang="nl-BE" smtClean="0"/>
-              <a:t>22/11/2023</a:t>
+              <a:t>23/11/2023</a:t>
             </a:fld>
             <a:endParaRPr lang="nl-BE"/>
           </a:p>
@@ -5292,7 +5974,7 @@
           <a:p>
             <a:fld id="{C80E15A5-E95B-43EB-9AC7-9A96397448C0}" type="datetimeFigureOut">
               <a:rPr lang="nl-BE" smtClean="0"/>
-              <a:t>22/11/2023</a:t>
+              <a:t>23/11/2023</a:t>
             </a:fld>
             <a:endParaRPr lang="nl-BE"/>
           </a:p>
@@ -5505,7 +6187,7 @@
           <a:p>
             <a:fld id="{C80E15A5-E95B-43EB-9AC7-9A96397448C0}" type="datetimeFigureOut">
               <a:rPr lang="nl-BE" smtClean="0"/>
-              <a:t>22/11/2023</a:t>
+              <a:t>23/11/2023</a:t>
             </a:fld>
             <a:endParaRPr lang="nl-BE"/>
           </a:p>
@@ -6113,6 +6795,1332 @@
           <a:chExt cx="0" cy="0"/>
         </a:xfrm>
       </p:grpSpPr>
+      <mc:AlternateContent xmlns:mc="http://schemas.openxmlformats.org/markup-compatibility/2006">
+        <mc:Choice xmlns:a14="http://schemas.microsoft.com/office/drawing/2010/main" Requires="a14">
+          <p:sp>
+            <p:nvSpPr>
+              <p:cNvPr id="2" name="Título 1">
+                <a:extLst>
+                  <a:ext uri="{FF2B5EF4-FFF2-40B4-BE49-F238E27FC236}">
+                    <a16:creationId xmlns:a16="http://schemas.microsoft.com/office/drawing/2014/main" id="{39771852-6C63-AF70-4850-767FD5F1D2F6}"/>
+                  </a:ext>
+                </a:extLst>
+              </p:cNvPr>
+              <p:cNvSpPr>
+                <a:spLocks noGrp="1"/>
+              </p:cNvSpPr>
+              <p:nvPr>
+                <p:ph type="title"/>
+              </p:nvPr>
+            </p:nvSpPr>
+            <p:spPr/>
+            <p:txBody>
+              <a:bodyPr/>
+              <a:lstStyle/>
+              <a:p>
+                <a14:m>
+                  <m:oMath xmlns:m="http://schemas.openxmlformats.org/officeDocument/2006/math">
+                    <m:r>
+                      <a:rPr lang="pt-BR" b="0" i="1" smtClean="0">
+                        <a:solidFill>
+                          <a:srgbClr val="0F0F0F"/>
+                        </a:solidFill>
+                        <a:effectLst/>
+                        <a:latin typeface="Cambria Math" panose="02040503050406030204" pitchFamily="18" charset="0"/>
+                      </a:rPr>
+                      <m:t>𝑘</m:t>
+                    </m:r>
+                  </m:oMath>
+                </a14:m>
+                <a:r>
+                  <a:rPr lang="pt-BR" dirty="0"/>
+                  <a:t>-</a:t>
+                </a:r>
+                <a:r>
+                  <a:rPr lang="pt-BR" dirty="0" err="1"/>
+                  <a:t>fold</a:t>
+                </a:r>
+                <a:endParaRPr lang="pt-BR" dirty="0"/>
+              </a:p>
+            </p:txBody>
+          </p:sp>
+        </mc:Choice>
+        <mc:Fallback>
+          <p:sp>
+            <p:nvSpPr>
+              <p:cNvPr id="2" name="Título 1">
+                <a:extLst>
+                  <a:ext uri="{FF2B5EF4-FFF2-40B4-BE49-F238E27FC236}">
+                    <a16:creationId xmlns:a16="http://schemas.microsoft.com/office/drawing/2014/main" id="{39771852-6C63-AF70-4850-767FD5F1D2F6}"/>
+                  </a:ext>
+                </a:extLst>
+              </p:cNvPr>
+              <p:cNvSpPr>
+                <a:spLocks noGrp="1" noRot="1" noChangeAspect="1" noMove="1" noResize="1" noEditPoints="1" noAdjustHandles="1" noChangeArrowheads="1" noChangeShapeType="1" noTextEdit="1"/>
+              </p:cNvSpPr>
+              <p:nvPr>
+                <p:ph type="title"/>
+              </p:nvPr>
+            </p:nvSpPr>
+            <p:spPr>
+              <a:blipFill>
+                <a:blip r:embed="rId2"/>
+                <a:stretch>
+                  <a:fillRect/>
+                </a:stretch>
+              </a:blipFill>
+            </p:spPr>
+            <p:txBody>
+              <a:bodyPr/>
+              <a:lstStyle/>
+              <a:p>
+                <a:r>
+                  <a:rPr lang="pt-BR">
+                    <a:noFill/>
+                  </a:rPr>
+                  <a:t> </a:t>
+                </a:r>
+              </a:p>
+            </p:txBody>
+          </p:sp>
+        </mc:Fallback>
+      </mc:AlternateContent>
+      <mc:AlternateContent xmlns:mc="http://schemas.openxmlformats.org/markup-compatibility/2006">
+        <mc:Choice xmlns:a14="http://schemas.microsoft.com/office/drawing/2010/main" Requires="a14">
+          <p:sp>
+            <p:nvSpPr>
+              <p:cNvPr id="3" name="Espaço Reservado para Conteúdo 2">
+                <a:extLst>
+                  <a:ext uri="{FF2B5EF4-FFF2-40B4-BE49-F238E27FC236}">
+                    <a16:creationId xmlns:a16="http://schemas.microsoft.com/office/drawing/2014/main" id="{86A88D6D-1190-332D-27ED-32512817224F}"/>
+                  </a:ext>
+                </a:extLst>
+              </p:cNvPr>
+              <p:cNvSpPr>
+                <a:spLocks noGrp="1"/>
+              </p:cNvSpPr>
+              <p:nvPr>
+                <p:ph idx="1"/>
+              </p:nvPr>
+            </p:nvSpPr>
+            <p:spPr>
+              <a:xfrm>
+                <a:off x="838200" y="1825624"/>
+                <a:ext cx="11099800" cy="5032375"/>
+              </a:xfrm>
+            </p:spPr>
+            <p:txBody>
+              <a:bodyPr>
+                <a:normAutofit lnSpcReduction="10000"/>
+              </a:bodyPr>
+              <a:lstStyle/>
+              <a:p>
+                <a:r>
+                  <a:rPr lang="pt-BR" sz="2800" dirty="0"/>
+                  <a:t>O </a:t>
+                </a:r>
+                <a14:m>
+                  <m:oMath xmlns:m="http://schemas.openxmlformats.org/officeDocument/2006/math">
+                    <m:r>
+                      <a:rPr lang="pt-BR" sz="2800" b="0" i="1" smtClean="0">
+                        <a:solidFill>
+                          <a:srgbClr val="0F0F0F"/>
+                        </a:solidFill>
+                        <a:effectLst/>
+                        <a:latin typeface="Cambria Math" panose="02040503050406030204" pitchFamily="18" charset="0"/>
+                      </a:rPr>
+                      <m:t>𝑘</m:t>
+                    </m:r>
+                  </m:oMath>
+                </a14:m>
+                <a:r>
+                  <a:rPr lang="pt-BR" sz="2800" dirty="0"/>
+                  <a:t>-</a:t>
+                </a:r>
+                <a:r>
+                  <a:rPr lang="pt-BR" sz="2800" i="1" dirty="0" err="1"/>
+                  <a:t>fold</a:t>
+                </a:r>
+                <a:r>
+                  <a:rPr lang="pt-BR" sz="2800" dirty="0"/>
+                  <a:t> é a estratégia de validação cruzada mais usada por</a:t>
+                </a:r>
+              </a:p>
+              <a:p>
+                <a:pPr lvl="1">
+                  <a:buFont typeface="Wingdings" panose="05000000000000000000" pitchFamily="2" charset="2"/>
+                  <a:buChar char="§"/>
+                </a:pPr>
+                <a:r>
+                  <a:rPr lang="pt-BR" dirty="0"/>
+                  <a:t>dar indicações mais claras sobre desempenho do modelo, devido a média tomada.</a:t>
+                </a:r>
+              </a:p>
+              <a:p>
+                <a:pPr lvl="1">
+                  <a:buFont typeface="Wingdings" panose="05000000000000000000" pitchFamily="2" charset="2"/>
+                  <a:buChar char="§"/>
+                </a:pPr>
+                <a:r>
+                  <a:rPr lang="pt-BR" dirty="0"/>
+                  <a:t>minimizar o problema do </a:t>
+                </a:r>
+                <a:r>
+                  <a:rPr lang="pt-BR" b="1" i="1" dirty="0"/>
+                  <a:t>viés de seleção</a:t>
+                </a:r>
+                <a:r>
+                  <a:rPr lang="pt-BR" dirty="0"/>
+                  <a:t>.</a:t>
+                </a:r>
+              </a:p>
+              <a:p>
+                <a:pPr lvl="1">
+                  <a:buFont typeface="Wingdings" panose="05000000000000000000" pitchFamily="2" charset="2"/>
+                  <a:buChar char="§"/>
+                </a:pPr>
+                <a:endParaRPr lang="pt-BR" dirty="0"/>
+              </a:p>
+              <a:p>
+                <a:pPr lvl="1">
+                  <a:buFont typeface="Wingdings" panose="05000000000000000000" pitchFamily="2" charset="2"/>
+                  <a:buChar char="§"/>
+                </a:pPr>
+                <a:r>
+                  <a:rPr lang="pt-BR" b="0" i="0" dirty="0">
+                    <a:solidFill>
+                      <a:srgbClr val="0F0F0F"/>
+                    </a:solidFill>
+                    <a:effectLst/>
+                    <a:latin typeface="Söhne"/>
+                  </a:rPr>
+                  <a:t>A validação cruzada k-</a:t>
+                </a:r>
+                <a:r>
+                  <a:rPr lang="pt-BR" b="0" i="0" dirty="0" err="1">
+                    <a:solidFill>
+                      <a:srgbClr val="0F0F0F"/>
+                    </a:solidFill>
+                    <a:effectLst/>
+                    <a:latin typeface="Söhne"/>
+                  </a:rPr>
+                  <a:t>fold</a:t>
+                </a:r>
+                <a:r>
+                  <a:rPr lang="pt-BR" b="0" i="0" dirty="0">
+                    <a:solidFill>
+                      <a:srgbClr val="0F0F0F"/>
+                    </a:solidFill>
+                    <a:effectLst/>
+                    <a:latin typeface="Söhne"/>
+                  </a:rPr>
+                  <a:t> aborda esse problema ao realizar k iterações de treinamento e teste, cada vez usando uma divisão diferente dos dados. </a:t>
+                </a:r>
+                <a:r>
+                  <a:rPr lang="pt-BR" b="0" i="0">
+                    <a:solidFill>
+                      <a:srgbClr val="0F0F0F"/>
+                    </a:solidFill>
+                    <a:effectLst/>
+                    <a:latin typeface="Söhne"/>
+                  </a:rPr>
+                  <a:t>Isso ajuda a mitigar o impacto de uma única divisão de dados na avaliação final do modelo, tornando a avaliação mais robusta e menos sensível à escolha específica dos conjuntos de treinamento e teste.</a:t>
+                </a:r>
+                <a:endParaRPr lang="pt-BR"/>
+              </a:p>
+              <a:p>
+                <a:pPr lvl="1">
+                  <a:buFont typeface="Wingdings" panose="05000000000000000000" pitchFamily="2" charset="2"/>
+                  <a:buChar char="§"/>
+                </a:pPr>
+                <a:endParaRPr lang="pt-BR" dirty="0"/>
+              </a:p>
+              <a:p>
+                <a:r>
+                  <a:rPr lang="pt-BR" dirty="0"/>
+                  <a:t>Entretanto, em relação ao </a:t>
+                </a:r>
+                <a:r>
+                  <a:rPr lang="pt-BR" i="1" dirty="0"/>
+                  <a:t>holdout</a:t>
+                </a:r>
+                <a:r>
+                  <a:rPr lang="pt-BR" dirty="0"/>
+                  <a:t>, o </a:t>
+                </a:r>
+                <a14:m>
+                  <m:oMath xmlns:m="http://schemas.openxmlformats.org/officeDocument/2006/math">
+                    <m:r>
+                      <a:rPr lang="pt-BR" b="0" i="1" smtClean="0">
+                        <a:solidFill>
+                          <a:srgbClr val="0F0F0F"/>
+                        </a:solidFill>
+                        <a:effectLst/>
+                        <a:latin typeface="Cambria Math" panose="02040503050406030204" pitchFamily="18" charset="0"/>
+                      </a:rPr>
+                      <m:t>𝑘</m:t>
+                    </m:r>
+                  </m:oMath>
+                </a14:m>
+                <a:r>
+                  <a:rPr lang="pt-BR" dirty="0"/>
+                  <a:t>-</a:t>
+                </a:r>
+                <a:r>
+                  <a:rPr lang="pt-BR" i="1" dirty="0" err="1"/>
+                  <a:t>fold</a:t>
+                </a:r>
+                <a:r>
+                  <a:rPr lang="pt-BR" dirty="0"/>
+                  <a:t> tem um tempo de validação maior (cerca de </a:t>
+                </a:r>
+                <a:r>
+                  <a:rPr lang="pt-BR" dirty="0">
+                    <a:solidFill>
+                      <a:srgbClr val="0F0F0F"/>
+                    </a:solidFill>
+                    <a:latin typeface="Söhne"/>
+                  </a:rPr>
+                  <a:t>𝒌 vezes)</a:t>
+                </a:r>
+                <a:r>
+                  <a:rPr lang="pt-BR" dirty="0"/>
+                  <a:t>, pois deve-se realizar </a:t>
+                </a:r>
+                <a:r>
+                  <a:rPr lang="pt-BR" dirty="0">
+                    <a:solidFill>
+                      <a:srgbClr val="0F0F0F"/>
+                    </a:solidFill>
+                    <a:latin typeface="Söhne"/>
+                  </a:rPr>
+                  <a:t>𝒌</a:t>
+                </a:r>
+                <a:r>
+                  <a:rPr lang="pt-BR" dirty="0"/>
+                  <a:t> treinamentos e validações, enquanto que com o </a:t>
+                </a:r>
+                <a:r>
+                  <a:rPr lang="pt-BR" i="1" dirty="0"/>
+                  <a:t>holdout</a:t>
+                </a:r>
+                <a:r>
+                  <a:rPr lang="pt-BR" dirty="0"/>
+                  <a:t>, realiza-se apenas um treinamento e validação.</a:t>
+                </a:r>
+              </a:p>
+            </p:txBody>
+          </p:sp>
+        </mc:Choice>
+        <mc:Fallback>
+          <p:sp>
+            <p:nvSpPr>
+              <p:cNvPr id="3" name="Espaço Reservado para Conteúdo 2">
+                <a:extLst>
+                  <a:ext uri="{FF2B5EF4-FFF2-40B4-BE49-F238E27FC236}">
+                    <a16:creationId xmlns:a16="http://schemas.microsoft.com/office/drawing/2014/main" id="{86A88D6D-1190-332D-27ED-32512817224F}"/>
+                  </a:ext>
+                </a:extLst>
+              </p:cNvPr>
+              <p:cNvSpPr>
+                <a:spLocks noGrp="1" noRot="1" noChangeAspect="1" noMove="1" noResize="1" noEditPoints="1" noAdjustHandles="1" noChangeArrowheads="1" noChangeShapeType="1" noTextEdit="1"/>
+              </p:cNvSpPr>
+              <p:nvPr>
+                <p:ph idx="1"/>
+              </p:nvPr>
+            </p:nvSpPr>
+            <p:spPr>
+              <a:xfrm>
+                <a:off x="838200" y="1825624"/>
+                <a:ext cx="11099800" cy="5032375"/>
+              </a:xfrm>
+              <a:blipFill>
+                <a:blip r:embed="rId3"/>
+                <a:stretch>
+                  <a:fillRect l="-989" t="-2663" r="-495" b="-484"/>
+                </a:stretch>
+              </a:blipFill>
+            </p:spPr>
+            <p:txBody>
+              <a:bodyPr/>
+              <a:lstStyle/>
+              <a:p>
+                <a:r>
+                  <a:rPr lang="pt-BR">
+                    <a:noFill/>
+                  </a:rPr>
+                  <a:t> </a:t>
+                </a:r>
+              </a:p>
+            </p:txBody>
+          </p:sp>
+        </mc:Fallback>
+      </mc:AlternateContent>
+    </p:spTree>
+    <p:extLst>
+      <p:ext uri="{BB962C8B-B14F-4D97-AF65-F5344CB8AC3E}">
+        <p14:creationId xmlns:p14="http://schemas.microsoft.com/office/powerpoint/2010/main" val="3645800509"/>
+      </p:ext>
+    </p:extLst>
+  </p:cSld>
+  <p:clrMapOvr>
+    <a:masterClrMapping/>
+  </p:clrMapOvr>
+</p:sld>
+</file>
+
+<file path=ppt/slides/slide11.xml><?xml version="1.0" encoding="utf-8"?>
+<p:sld xmlns:a="http://schemas.openxmlformats.org/drawingml/2006/main" xmlns:r="http://schemas.openxmlformats.org/officeDocument/2006/relationships" xmlns:p="http://schemas.openxmlformats.org/presentationml/2006/main">
+  <p:cSld>
+    <p:spTree>
+      <p:nvGrpSpPr>
+        <p:cNvPr id="1" name=""/>
+        <p:cNvGrpSpPr/>
+        <p:nvPr/>
+      </p:nvGrpSpPr>
+      <p:grpSpPr>
+        <a:xfrm>
+          <a:off x="0" y="0"/>
+          <a:ext cx="0" cy="0"/>
+          <a:chOff x="0" y="0"/>
+          <a:chExt cx="0" cy="0"/>
+        </a:xfrm>
+      </p:grpSpPr>
+      <p:sp>
+        <p:nvSpPr>
+          <p:cNvPr id="2" name="Título 1">
+            <a:extLst>
+              <a:ext uri="{FF2B5EF4-FFF2-40B4-BE49-F238E27FC236}">
+                <a16:creationId xmlns:a16="http://schemas.microsoft.com/office/drawing/2014/main" id="{5D91F721-A6BC-64E4-84A1-6551811F8BDF}"/>
+              </a:ext>
+            </a:extLst>
+          </p:cNvPr>
+          <p:cNvSpPr>
+            <a:spLocks noGrp="1"/>
+          </p:cNvSpPr>
+          <p:nvPr>
+            <p:ph type="title"/>
+          </p:nvPr>
+        </p:nvSpPr>
+        <p:spPr/>
+        <p:txBody>
+          <a:bodyPr/>
+          <a:lstStyle/>
+          <a:p>
+            <a:endParaRPr lang="pt-BR"/>
+          </a:p>
+        </p:txBody>
+      </p:sp>
+      <p:sp>
+        <p:nvSpPr>
+          <p:cNvPr id="3" name="Espaço Reservado para Conteúdo 2">
+            <a:extLst>
+              <a:ext uri="{FF2B5EF4-FFF2-40B4-BE49-F238E27FC236}">
+                <a16:creationId xmlns:a16="http://schemas.microsoft.com/office/drawing/2014/main" id="{C9E4F05F-FE26-7483-2885-BEA315ED7BDE}"/>
+              </a:ext>
+            </a:extLst>
+          </p:cNvPr>
+          <p:cNvSpPr>
+            <a:spLocks noGrp="1"/>
+          </p:cNvSpPr>
+          <p:nvPr>
+            <p:ph idx="1"/>
+          </p:nvPr>
+        </p:nvSpPr>
+        <p:spPr/>
+        <p:txBody>
+          <a:bodyPr/>
+          <a:lstStyle/>
+          <a:p>
+            <a:endParaRPr lang="pt-BR"/>
+          </a:p>
+        </p:txBody>
+      </p:sp>
+    </p:spTree>
+    <p:extLst>
+      <p:ext uri="{BB962C8B-B14F-4D97-AF65-F5344CB8AC3E}">
+        <p14:creationId xmlns:p14="http://schemas.microsoft.com/office/powerpoint/2010/main" val="4191227540"/>
+      </p:ext>
+    </p:extLst>
+  </p:cSld>
+  <p:clrMapOvr>
+    <a:masterClrMapping/>
+  </p:clrMapOvr>
+</p:sld>
+</file>
+
+<file path=ppt/slides/slide12.xml><?xml version="1.0" encoding="utf-8"?>
+<p:sld xmlns:a="http://schemas.openxmlformats.org/drawingml/2006/main" xmlns:r="http://schemas.openxmlformats.org/officeDocument/2006/relationships" xmlns:p="http://schemas.openxmlformats.org/presentationml/2006/main">
+  <p:cSld>
+    <p:spTree>
+      <p:nvGrpSpPr>
+        <p:cNvPr id="1" name=""/>
+        <p:cNvGrpSpPr/>
+        <p:nvPr/>
+      </p:nvGrpSpPr>
+      <p:grpSpPr>
+        <a:xfrm>
+          <a:off x="0" y="0"/>
+          <a:ext cx="0" cy="0"/>
+          <a:chOff x="0" y="0"/>
+          <a:chExt cx="0" cy="0"/>
+        </a:xfrm>
+      </p:grpSpPr>
+      <p:sp>
+        <p:nvSpPr>
+          <p:cNvPr id="2" name="Título 1">
+            <a:extLst>
+              <a:ext uri="{FF2B5EF4-FFF2-40B4-BE49-F238E27FC236}">
+                <a16:creationId xmlns:a16="http://schemas.microsoft.com/office/drawing/2014/main" id="{1876A212-EF96-EA5E-7FBB-0769B8C1F996}"/>
+              </a:ext>
+            </a:extLst>
+          </p:cNvPr>
+          <p:cNvSpPr>
+            <a:spLocks noGrp="1"/>
+          </p:cNvSpPr>
+          <p:nvPr>
+            <p:ph type="title"/>
+          </p:nvPr>
+        </p:nvSpPr>
+        <p:spPr/>
+        <p:txBody>
+          <a:bodyPr/>
+          <a:lstStyle/>
+          <a:p>
+            <a:r>
+              <a:rPr lang="pt-BR" dirty="0"/>
+              <a:t>Validação cruzada para encontrar o grau do polinômio aproximador</a:t>
+            </a:r>
+          </a:p>
+        </p:txBody>
+      </p:sp>
+      <mc:AlternateContent xmlns:mc="http://schemas.openxmlformats.org/markup-compatibility/2006" xmlns:a14="http://schemas.microsoft.com/office/drawing/2010/main">
+        <mc:Choice Requires="a14">
+          <p:sp>
+            <p:nvSpPr>
+              <p:cNvPr id="3" name="Espaço Reservado para Conteúdo 2">
+                <a:extLst>
+                  <a:ext uri="{FF2B5EF4-FFF2-40B4-BE49-F238E27FC236}">
+                    <a16:creationId xmlns:a16="http://schemas.microsoft.com/office/drawing/2014/main" id="{782C0558-FE85-A571-6C51-C40B36B884B3}"/>
+                  </a:ext>
+                </a:extLst>
+              </p:cNvPr>
+              <p:cNvSpPr>
+                <a:spLocks noGrp="1"/>
+              </p:cNvSpPr>
+              <p:nvPr>
+                <p:ph idx="1"/>
+              </p:nvPr>
+            </p:nvSpPr>
+            <p:spPr>
+              <a:xfrm>
+                <a:off x="4716380" y="1825624"/>
+                <a:ext cx="7344076" cy="5032375"/>
+              </a:xfrm>
+            </p:spPr>
+            <p:txBody>
+              <a:bodyPr>
+                <a:normAutofit/>
+              </a:bodyPr>
+              <a:lstStyle/>
+              <a:p>
+                <a:r>
+                  <a:rPr lang="pt-BR" dirty="0"/>
+                  <a:t>Para exemplificar o uso das estratégias de validação cruzada para encontrar o grau ideal do polinômio aproximador, vamos usar a seguinte função observável</a:t>
+                </a:r>
+                <a:endParaRPr lang="pt-BR" sz="2800" dirty="0"/>
+              </a:p>
+              <a:p>
+                <a:pPr marL="0" indent="0">
+                  <a:buNone/>
+                </a:pPr>
+                <a14:m>
+                  <m:oMathPara xmlns:m="http://schemas.openxmlformats.org/officeDocument/2006/math">
+                    <m:oMathParaPr>
+                      <m:jc m:val="centerGroup"/>
+                    </m:oMathParaPr>
+                    <m:oMath xmlns:m="http://schemas.openxmlformats.org/officeDocument/2006/math">
+                      <m:sSub>
+                        <m:sSubPr>
+                          <m:ctrlPr>
+                            <a:rPr lang="pt-BR" sz="2800" i="1">
+                              <a:latin typeface="Cambria Math" panose="02040503050406030204" pitchFamily="18" charset="0"/>
+                            </a:rPr>
+                          </m:ctrlPr>
+                        </m:sSubPr>
+                        <m:e>
+                          <m:r>
+                            <a:rPr lang="pt-BR" sz="2800" i="1">
+                              <a:latin typeface="Cambria Math" panose="02040503050406030204" pitchFamily="18" charset="0"/>
+                            </a:rPr>
+                            <m:t>𝑦</m:t>
+                          </m:r>
+                        </m:e>
+                        <m:sub>
+                          <m:r>
+                            <a:rPr lang="pt-BR" sz="2800" i="1">
+                              <a:latin typeface="Cambria Math" panose="02040503050406030204" pitchFamily="18" charset="0"/>
+                            </a:rPr>
+                            <m:t>𝑛𝑜𝑖𝑠𝑦</m:t>
+                          </m:r>
+                        </m:sub>
+                      </m:sSub>
+                      <m:r>
+                        <a:rPr lang="pt-BR" sz="2800">
+                          <a:latin typeface="Cambria Math" panose="02040503050406030204" pitchFamily="18" charset="0"/>
+                        </a:rPr>
+                        <m:t>=</m:t>
+                      </m:r>
+                      <m:r>
+                        <a:rPr lang="pt-BR" sz="2800" b="0" i="1" smtClean="0">
+                          <a:latin typeface="Cambria Math" panose="02040503050406030204" pitchFamily="18" charset="0"/>
+                        </a:rPr>
+                        <m:t>𝑦</m:t>
+                      </m:r>
+                      <m:r>
+                        <a:rPr lang="pt-BR" sz="2800">
+                          <a:latin typeface="Cambria Math" panose="02040503050406030204" pitchFamily="18" charset="0"/>
+                        </a:rPr>
+                        <m:t>+</m:t>
+                      </m:r>
+                      <m:r>
+                        <a:rPr lang="pt-BR" sz="2800" i="1">
+                          <a:latin typeface="Cambria Math" panose="02040503050406030204" pitchFamily="18" charset="0"/>
+                        </a:rPr>
+                        <m:t>𝑤</m:t>
+                      </m:r>
+                      <m:r>
+                        <a:rPr lang="pt-BR" sz="2800" b="0" i="0" smtClean="0">
+                          <a:latin typeface="Cambria Math" panose="02040503050406030204" pitchFamily="18" charset="0"/>
+                        </a:rPr>
+                        <m:t>,</m:t>
+                      </m:r>
+                    </m:oMath>
+                  </m:oMathPara>
+                </a14:m>
+                <a:endParaRPr lang="pt-BR" dirty="0"/>
+              </a:p>
+              <a:p>
+                <a:pPr marL="0" indent="0">
+                  <a:buNone/>
+                </a:pPr>
+                <a:r>
+                  <a:rPr lang="pt-BR" dirty="0"/>
+                  <a:t>onde </a:t>
+                </a:r>
+                <a14:m>
+                  <m:oMath xmlns:m="http://schemas.openxmlformats.org/officeDocument/2006/math">
+                    <m:r>
+                      <a:rPr lang="pt-BR" i="1">
+                        <a:latin typeface="Cambria Math" panose="02040503050406030204" pitchFamily="18" charset="0"/>
+                      </a:rPr>
+                      <m:t>𝑦</m:t>
+                    </m:r>
+                    <m:r>
+                      <a:rPr lang="pt-BR" i="1">
+                        <a:latin typeface="Cambria Math" panose="02040503050406030204" pitchFamily="18" charset="0"/>
+                      </a:rPr>
+                      <m:t> </m:t>
+                    </m:r>
+                  </m:oMath>
+                </a14:m>
+                <a:r>
+                  <a:rPr lang="pt-BR" dirty="0"/>
+                  <a:t>é a função objetivo e </a:t>
+                </a:r>
+                <a14:m>
+                  <m:oMath xmlns:m="http://schemas.openxmlformats.org/officeDocument/2006/math">
+                    <m:r>
+                      <a:rPr lang="pt-BR" sz="2800" i="1" smtClean="0">
+                        <a:latin typeface="Cambria Math" panose="02040503050406030204" pitchFamily="18" charset="0"/>
+                      </a:rPr>
+                      <m:t>𝑤</m:t>
+                    </m:r>
+                  </m:oMath>
+                </a14:m>
+                <a:r>
+                  <a:rPr lang="pt-BR" dirty="0"/>
+                  <a:t> é o ruído, o qual tem amostras retiradas de uma distribuição Gaussiana com média zero e variância unitária.</a:t>
+                </a:r>
+              </a:p>
+              <a:p>
+                <a:r>
+                  <a:rPr lang="pt-BR" dirty="0"/>
+                  <a:t>A função objetivo é um polinômio de segunda ordem definido como</a:t>
+                </a:r>
+              </a:p>
+              <a:p>
+                <a:pPr marL="0" indent="0">
+                  <a:buNone/>
+                </a:pPr>
+                <a14:m>
+                  <m:oMathPara xmlns:m="http://schemas.openxmlformats.org/officeDocument/2006/math">
+                    <m:oMathParaPr>
+                      <m:jc m:val="centerGroup"/>
+                    </m:oMathParaPr>
+                    <m:oMath xmlns:m="http://schemas.openxmlformats.org/officeDocument/2006/math">
+                      <m:r>
+                        <a:rPr lang="pt-BR" i="1">
+                          <a:latin typeface="Cambria Math" panose="02040503050406030204" pitchFamily="18" charset="0"/>
+                        </a:rPr>
+                        <m:t>𝑦</m:t>
+                      </m:r>
+                      <m:r>
+                        <a:rPr lang="pt-BR" b="0" i="0" smtClean="0">
+                          <a:latin typeface="Cambria Math" panose="02040503050406030204" pitchFamily="18" charset="0"/>
+                        </a:rPr>
+                        <m:t>=</m:t>
+                      </m:r>
+                      <m:r>
+                        <a:rPr lang="pt-BR" sz="2800" smtClean="0">
+                          <a:latin typeface="Cambria Math" panose="02040503050406030204" pitchFamily="18" charset="0"/>
+                        </a:rPr>
+                        <m:t>2+</m:t>
+                      </m:r>
+                      <m:r>
+                        <a:rPr lang="pt-BR" sz="2800" i="1">
+                          <a:latin typeface="Cambria Math" panose="02040503050406030204" pitchFamily="18" charset="0"/>
+                        </a:rPr>
+                        <m:t>𝑥</m:t>
+                      </m:r>
+                      <m:r>
+                        <a:rPr lang="pt-BR" sz="2800" i="1">
+                          <a:latin typeface="Cambria Math" panose="02040503050406030204" pitchFamily="18" charset="0"/>
+                        </a:rPr>
+                        <m:t>+0.5</m:t>
+                      </m:r>
+                      <m:sSup>
+                        <m:sSupPr>
+                          <m:ctrlPr>
+                            <a:rPr lang="pt-BR" sz="2800" i="1">
+                              <a:latin typeface="Cambria Math" panose="02040503050406030204" pitchFamily="18" charset="0"/>
+                            </a:rPr>
+                          </m:ctrlPr>
+                        </m:sSupPr>
+                        <m:e>
+                          <m:r>
+                            <a:rPr lang="pt-BR" sz="2800" i="1">
+                              <a:latin typeface="Cambria Math" panose="02040503050406030204" pitchFamily="18" charset="0"/>
+                            </a:rPr>
+                            <m:t>𝑥</m:t>
+                          </m:r>
+                        </m:e>
+                        <m:sup>
+                          <m:r>
+                            <a:rPr lang="pt-BR" sz="2800" i="1">
+                              <a:latin typeface="Cambria Math" panose="02040503050406030204" pitchFamily="18" charset="0"/>
+                            </a:rPr>
+                            <m:t>2</m:t>
+                          </m:r>
+                        </m:sup>
+                      </m:sSup>
+                      <m:r>
+                        <a:rPr lang="pt-BR" sz="2800" b="0" i="1" smtClean="0">
+                          <a:latin typeface="Cambria Math" panose="02040503050406030204" pitchFamily="18" charset="0"/>
+                        </a:rPr>
+                        <m:t>.</m:t>
+                      </m:r>
+                    </m:oMath>
+                  </m:oMathPara>
+                </a14:m>
+                <a:endParaRPr lang="pt-BR" dirty="0"/>
+              </a:p>
+              <a:p>
+                <a:pPr marL="0" indent="0">
+                  <a:buNone/>
+                </a:pPr>
+                <a:endParaRPr lang="pt-BR" dirty="0"/>
+              </a:p>
+            </p:txBody>
+          </p:sp>
+        </mc:Choice>
+        <mc:Fallback xmlns="">
+          <p:sp>
+            <p:nvSpPr>
+              <p:cNvPr id="3" name="Espaço Reservado para Conteúdo 2">
+                <a:extLst>
+                  <a:ext uri="{FF2B5EF4-FFF2-40B4-BE49-F238E27FC236}">
+                    <a16:creationId xmlns:a16="http://schemas.microsoft.com/office/drawing/2014/main" id="{782C0558-FE85-A571-6C51-C40B36B884B3}"/>
+                  </a:ext>
+                </a:extLst>
+              </p:cNvPr>
+              <p:cNvSpPr>
+                <a:spLocks noGrp="1" noRot="1" noChangeAspect="1" noMove="1" noResize="1" noEditPoints="1" noAdjustHandles="1" noChangeArrowheads="1" noChangeShapeType="1" noTextEdit="1"/>
+              </p:cNvSpPr>
+              <p:nvPr>
+                <p:ph idx="1"/>
+              </p:nvPr>
+            </p:nvSpPr>
+            <p:spPr>
+              <a:xfrm>
+                <a:off x="4716380" y="1825624"/>
+                <a:ext cx="7344076" cy="5032375"/>
+              </a:xfrm>
+              <a:blipFill>
+                <a:blip r:embed="rId3"/>
+                <a:stretch>
+                  <a:fillRect l="-1744" t="-1937"/>
+                </a:stretch>
+              </a:blipFill>
+            </p:spPr>
+            <p:txBody>
+              <a:bodyPr/>
+              <a:lstStyle/>
+              <a:p>
+                <a:r>
+                  <a:rPr lang="pt-BR">
+                    <a:noFill/>
+                  </a:rPr>
+                  <a:t> </a:t>
+                </a:r>
+              </a:p>
+            </p:txBody>
+          </p:sp>
+        </mc:Fallback>
+      </mc:AlternateContent>
+      <p:pic>
+        <p:nvPicPr>
+          <p:cNvPr id="1026" name="Picture 2">
+            <a:extLst>
+              <a:ext uri="{FF2B5EF4-FFF2-40B4-BE49-F238E27FC236}">
+                <a16:creationId xmlns:a16="http://schemas.microsoft.com/office/drawing/2014/main" id="{F008AD83-55D8-BB3D-574B-2DDF5BA103C2}"/>
+              </a:ext>
+            </a:extLst>
+          </p:cNvPr>
+          <p:cNvPicPr>
+            <a:picLocks noChangeAspect="1" noChangeArrowheads="1"/>
+          </p:cNvPicPr>
+          <p:nvPr/>
+        </p:nvPicPr>
+        <p:blipFill>
+          <a:blip r:embed="rId4">
+            <a:extLst>
+              <a:ext uri="{28A0092B-C50C-407E-A947-70E740481C1C}">
+                <a14:useLocalDpi xmlns:a14="http://schemas.microsoft.com/office/drawing/2010/main" val="0"/>
+              </a:ext>
+            </a:extLst>
+          </a:blip>
+          <a:srcRect/>
+          <a:stretch>
+            <a:fillRect/>
+          </a:stretch>
+        </p:blipFill>
+        <p:spPr bwMode="auto">
+          <a:xfrm>
+            <a:off x="131544" y="2235466"/>
+            <a:ext cx="4385290" cy="3395312"/>
+          </a:xfrm>
+          <a:prstGeom prst="rect">
+            <a:avLst/>
+          </a:prstGeom>
+          <a:noFill/>
+          <a:extLst>
+            <a:ext uri="{909E8E84-426E-40DD-AFC4-6F175D3DCCD1}">
+              <a14:hiddenFill xmlns:a14="http://schemas.microsoft.com/office/drawing/2010/main">
+                <a:solidFill>
+                  <a:srgbClr val="FFFFFF"/>
+                </a:solidFill>
+              </a14:hiddenFill>
+            </a:ext>
+          </a:extLst>
+        </p:spPr>
+      </p:pic>
+      <p:sp>
+        <p:nvSpPr>
+          <p:cNvPr id="6" name="Rectangle 5">
+            <a:extLst>
+              <a:ext uri="{FF2B5EF4-FFF2-40B4-BE49-F238E27FC236}">
+                <a16:creationId xmlns:a16="http://schemas.microsoft.com/office/drawing/2014/main" id="{DEB643DB-8C0B-EF1B-48F4-62B1397ABCBD}"/>
+              </a:ext>
+            </a:extLst>
+          </p:cNvPr>
+          <p:cNvSpPr/>
+          <p:nvPr/>
+        </p:nvSpPr>
+        <p:spPr>
+          <a:xfrm>
+            <a:off x="0" y="6576822"/>
+            <a:ext cx="2326599" cy="276999"/>
+          </a:xfrm>
+          <a:prstGeom prst="rect">
+            <a:avLst/>
+          </a:prstGeom>
+        </p:spPr>
+        <p:txBody>
+          <a:bodyPr wrap="none">
+            <a:spAutoFit/>
+          </a:bodyPr>
+          <a:lstStyle/>
+          <a:p>
+            <a:r>
+              <a:rPr lang="pt-BR" sz="1200" dirty="0">
+                <a:solidFill>
+                  <a:schemeClr val="accent5"/>
+                </a:solidFill>
+                <a:hlinkClick r:id="rId5"/>
+              </a:rPr>
+              <a:t>Exemplo: validacao_cruzada.ipynb</a:t>
+            </a:r>
+            <a:endParaRPr lang="pt-BR" sz="1200" dirty="0">
+              <a:solidFill>
+                <a:schemeClr val="accent5"/>
+              </a:solidFill>
+            </a:endParaRPr>
+          </a:p>
+        </p:txBody>
+      </p:sp>
+    </p:spTree>
+    <p:extLst>
+      <p:ext uri="{BB962C8B-B14F-4D97-AF65-F5344CB8AC3E}">
+        <p14:creationId xmlns:p14="http://schemas.microsoft.com/office/powerpoint/2010/main" val="953570357"/>
+      </p:ext>
+    </p:extLst>
+  </p:cSld>
+  <p:clrMapOvr>
+    <a:masterClrMapping/>
+  </p:clrMapOvr>
+</p:sld>
+</file>
+
+<file path=ppt/slides/slide13.xml><?xml version="1.0" encoding="utf-8"?>
+<p:sld xmlns:a="http://schemas.openxmlformats.org/drawingml/2006/main" xmlns:r="http://schemas.openxmlformats.org/officeDocument/2006/relationships" xmlns:p="http://schemas.openxmlformats.org/presentationml/2006/main">
+  <p:cSld>
+    <p:spTree>
+      <p:nvGrpSpPr>
+        <p:cNvPr id="1" name=""/>
+        <p:cNvGrpSpPr/>
+        <p:nvPr/>
+      </p:nvGrpSpPr>
+      <p:grpSpPr>
+        <a:xfrm>
+          <a:off x="0" y="0"/>
+          <a:ext cx="0" cy="0"/>
+          <a:chOff x="0" y="0"/>
+          <a:chExt cx="0" cy="0"/>
+        </a:xfrm>
+      </p:grpSpPr>
+      <p:sp>
+        <p:nvSpPr>
+          <p:cNvPr id="2" name="Título 1">
+            <a:extLst>
+              <a:ext uri="{FF2B5EF4-FFF2-40B4-BE49-F238E27FC236}">
+                <a16:creationId xmlns:a16="http://schemas.microsoft.com/office/drawing/2014/main" id="{03A90728-D6F2-D90A-977C-52C5377EB8D9}"/>
+              </a:ext>
+            </a:extLst>
+          </p:cNvPr>
+          <p:cNvSpPr>
+            <a:spLocks noGrp="1"/>
+          </p:cNvSpPr>
+          <p:nvPr>
+            <p:ph type="title"/>
+          </p:nvPr>
+        </p:nvSpPr>
+        <p:spPr/>
+        <p:txBody>
+          <a:bodyPr/>
+          <a:lstStyle/>
+          <a:p>
+            <a:r>
+              <a:rPr lang="pt-BR" dirty="0"/>
+              <a:t>Usando holdout para encontrar o grau do polinômio aproximador</a:t>
+            </a:r>
+          </a:p>
+        </p:txBody>
+      </p:sp>
+      <p:sp>
+        <p:nvSpPr>
+          <p:cNvPr id="3" name="Espaço Reservado para Conteúdo 2">
+            <a:extLst>
+              <a:ext uri="{FF2B5EF4-FFF2-40B4-BE49-F238E27FC236}">
+                <a16:creationId xmlns:a16="http://schemas.microsoft.com/office/drawing/2014/main" id="{669B1AC1-E860-DDCC-28D4-468A7D4571A1}"/>
+              </a:ext>
+            </a:extLst>
+          </p:cNvPr>
+          <p:cNvSpPr>
+            <a:spLocks noGrp="1"/>
+          </p:cNvSpPr>
+          <p:nvPr>
+            <p:ph idx="1"/>
+          </p:nvPr>
+        </p:nvSpPr>
+        <p:spPr/>
+        <p:txBody>
+          <a:bodyPr/>
+          <a:lstStyle/>
+          <a:p>
+            <a:endParaRPr lang="pt-BR"/>
+          </a:p>
+        </p:txBody>
+      </p:sp>
+    </p:spTree>
+    <p:extLst>
+      <p:ext uri="{BB962C8B-B14F-4D97-AF65-F5344CB8AC3E}">
+        <p14:creationId xmlns:p14="http://schemas.microsoft.com/office/powerpoint/2010/main" val="167444778"/>
+      </p:ext>
+    </p:extLst>
+  </p:cSld>
+  <p:clrMapOvr>
+    <a:masterClrMapping/>
+  </p:clrMapOvr>
+</p:sld>
+</file>
+
+<file path=ppt/slides/slide14.xml><?xml version="1.0" encoding="utf-8"?>
+<p:sld xmlns:a="http://schemas.openxmlformats.org/drawingml/2006/main" xmlns:r="http://schemas.openxmlformats.org/officeDocument/2006/relationships" xmlns:p="http://schemas.openxmlformats.org/presentationml/2006/main">
+  <p:cSld>
+    <p:spTree>
+      <p:nvGrpSpPr>
+        <p:cNvPr id="1" name=""/>
+        <p:cNvGrpSpPr/>
+        <p:nvPr/>
+      </p:nvGrpSpPr>
+      <p:grpSpPr>
+        <a:xfrm>
+          <a:off x="0" y="0"/>
+          <a:ext cx="0" cy="0"/>
+          <a:chOff x="0" y="0"/>
+          <a:chExt cx="0" cy="0"/>
+        </a:xfrm>
+      </p:grpSpPr>
+      <p:sp>
+        <p:nvSpPr>
+          <p:cNvPr id="2" name="Título 1">
+            <a:extLst>
+              <a:ext uri="{FF2B5EF4-FFF2-40B4-BE49-F238E27FC236}">
+                <a16:creationId xmlns:a16="http://schemas.microsoft.com/office/drawing/2014/main" id="{03A90728-D6F2-D90A-977C-52C5377EB8D9}"/>
+              </a:ext>
+            </a:extLst>
+          </p:cNvPr>
+          <p:cNvSpPr>
+            <a:spLocks noGrp="1"/>
+          </p:cNvSpPr>
+          <p:nvPr>
+            <p:ph type="title"/>
+          </p:nvPr>
+        </p:nvSpPr>
+        <p:spPr/>
+        <p:txBody>
+          <a:bodyPr/>
+          <a:lstStyle/>
+          <a:p>
+            <a:r>
+              <a:rPr lang="pt-BR" dirty="0"/>
+              <a:t>Usando K-</a:t>
+            </a:r>
+            <a:r>
+              <a:rPr lang="pt-BR" dirty="0" err="1"/>
+              <a:t>Fold</a:t>
+            </a:r>
+            <a:r>
+              <a:rPr lang="pt-BR" dirty="0"/>
+              <a:t> para encontrar o grau do polinômio aproximador</a:t>
+            </a:r>
+          </a:p>
+        </p:txBody>
+      </p:sp>
+      <p:sp>
+        <p:nvSpPr>
+          <p:cNvPr id="3" name="Espaço Reservado para Conteúdo 2">
+            <a:extLst>
+              <a:ext uri="{FF2B5EF4-FFF2-40B4-BE49-F238E27FC236}">
+                <a16:creationId xmlns:a16="http://schemas.microsoft.com/office/drawing/2014/main" id="{669B1AC1-E860-DDCC-28D4-468A7D4571A1}"/>
+              </a:ext>
+            </a:extLst>
+          </p:cNvPr>
+          <p:cNvSpPr>
+            <a:spLocks noGrp="1"/>
+          </p:cNvSpPr>
+          <p:nvPr>
+            <p:ph idx="1"/>
+          </p:nvPr>
+        </p:nvSpPr>
+        <p:spPr/>
+        <p:txBody>
+          <a:bodyPr/>
+          <a:lstStyle/>
+          <a:p>
+            <a:endParaRPr lang="pt-BR"/>
+          </a:p>
+        </p:txBody>
+      </p:sp>
+    </p:spTree>
+    <p:extLst>
+      <p:ext uri="{BB962C8B-B14F-4D97-AF65-F5344CB8AC3E}">
+        <p14:creationId xmlns:p14="http://schemas.microsoft.com/office/powerpoint/2010/main" val="366440243"/>
+      </p:ext>
+    </p:extLst>
+  </p:cSld>
+  <p:clrMapOvr>
+    <a:masterClrMapping/>
+  </p:clrMapOvr>
+</p:sld>
+</file>
+
+<file path=ppt/slides/slide15.xml><?xml version="1.0" encoding="utf-8"?>
+<p:sld xmlns:a="http://schemas.openxmlformats.org/drawingml/2006/main" xmlns:r="http://schemas.openxmlformats.org/officeDocument/2006/relationships" xmlns:p="http://schemas.openxmlformats.org/presentationml/2006/main">
+  <p:cSld>
+    <p:spTree>
+      <p:nvGrpSpPr>
+        <p:cNvPr id="1" name=""/>
+        <p:cNvGrpSpPr/>
+        <p:nvPr/>
+      </p:nvGrpSpPr>
+      <p:grpSpPr>
+        <a:xfrm>
+          <a:off x="0" y="0"/>
+          <a:ext cx="0" cy="0"/>
+          <a:chOff x="0" y="0"/>
+          <a:chExt cx="0" cy="0"/>
+        </a:xfrm>
+      </p:grpSpPr>
+      <p:sp>
+        <p:nvSpPr>
+          <p:cNvPr id="2" name="Título 1">
+            <a:extLst>
+              <a:ext uri="{FF2B5EF4-FFF2-40B4-BE49-F238E27FC236}">
+                <a16:creationId xmlns:a16="http://schemas.microsoft.com/office/drawing/2014/main" id="{12F82253-6C1D-6D01-393C-877C3BE21542}"/>
+              </a:ext>
+            </a:extLst>
+          </p:cNvPr>
+          <p:cNvSpPr>
+            <a:spLocks noGrp="1"/>
+          </p:cNvSpPr>
+          <p:nvPr>
+            <p:ph type="title"/>
+          </p:nvPr>
+        </p:nvSpPr>
+        <p:spPr/>
+        <p:txBody>
+          <a:bodyPr/>
+          <a:lstStyle/>
+          <a:p>
+            <a:r>
+              <a:rPr lang="pt-BR" dirty="0"/>
+              <a:t>Qual grau escolher quando vários são possíveis?</a:t>
+            </a:r>
+          </a:p>
+        </p:txBody>
+      </p:sp>
+      <p:sp>
+        <p:nvSpPr>
+          <p:cNvPr id="3" name="Espaço Reservado para Conteúdo 2">
+            <a:extLst>
+              <a:ext uri="{FF2B5EF4-FFF2-40B4-BE49-F238E27FC236}">
+                <a16:creationId xmlns:a16="http://schemas.microsoft.com/office/drawing/2014/main" id="{BEB55601-10D3-B8AD-59E7-A80C21D5E7CB}"/>
+              </a:ext>
+            </a:extLst>
+          </p:cNvPr>
+          <p:cNvSpPr>
+            <a:spLocks noGrp="1"/>
+          </p:cNvSpPr>
+          <p:nvPr>
+            <p:ph idx="1"/>
+          </p:nvPr>
+        </p:nvSpPr>
+        <p:spPr>
+          <a:xfrm>
+            <a:off x="838200" y="1825624"/>
+            <a:ext cx="11174128" cy="5032375"/>
+          </a:xfrm>
+        </p:spPr>
+        <p:txBody>
+          <a:bodyPr/>
+          <a:lstStyle/>
+          <a:p>
+            <a:endParaRPr lang="pt-BR" dirty="0"/>
+          </a:p>
+        </p:txBody>
+      </p:sp>
+    </p:spTree>
+    <p:extLst>
+      <p:ext uri="{BB962C8B-B14F-4D97-AF65-F5344CB8AC3E}">
+        <p14:creationId xmlns:p14="http://schemas.microsoft.com/office/powerpoint/2010/main" val="2108940567"/>
+      </p:ext>
+    </p:extLst>
+  </p:cSld>
+  <p:clrMapOvr>
+    <a:masterClrMapping/>
+  </p:clrMapOvr>
+</p:sld>
+</file>
+
+<file path=ppt/slides/slide16.xml><?xml version="1.0" encoding="utf-8"?>
+<p:sld xmlns:a="http://schemas.openxmlformats.org/drawingml/2006/main" xmlns:r="http://schemas.openxmlformats.org/officeDocument/2006/relationships" xmlns:p="http://schemas.openxmlformats.org/presentationml/2006/main">
+  <p:cSld>
+    <p:spTree>
+      <p:nvGrpSpPr>
+        <p:cNvPr id="1" name=""/>
+        <p:cNvGrpSpPr/>
+        <p:nvPr/>
+      </p:nvGrpSpPr>
+      <p:grpSpPr>
+        <a:xfrm>
+          <a:off x="0" y="0"/>
+          <a:ext cx="0" cy="0"/>
+          <a:chOff x="0" y="0"/>
+          <a:chExt cx="0" cy="0"/>
+        </a:xfrm>
+      </p:grpSpPr>
+      <p:sp>
+        <p:nvSpPr>
+          <p:cNvPr id="2" name="Título 1">
+            <a:extLst>
+              <a:ext uri="{FF2B5EF4-FFF2-40B4-BE49-F238E27FC236}">
+                <a16:creationId xmlns:a16="http://schemas.microsoft.com/office/drawing/2014/main" id="{C81B1586-529A-A679-60A3-A0D83AC9CEB5}"/>
+              </a:ext>
+            </a:extLst>
+          </p:cNvPr>
+          <p:cNvSpPr>
+            <a:spLocks noGrp="1"/>
+          </p:cNvSpPr>
+          <p:nvPr>
+            <p:ph type="title"/>
+          </p:nvPr>
+        </p:nvSpPr>
+        <p:spPr/>
+        <p:txBody>
+          <a:bodyPr/>
+          <a:lstStyle/>
+          <a:p>
+            <a:endParaRPr lang="pt-BR"/>
+          </a:p>
+        </p:txBody>
+      </p:sp>
+      <p:sp>
+        <p:nvSpPr>
+          <p:cNvPr id="3" name="Espaço Reservado para Conteúdo 2">
+            <a:extLst>
+              <a:ext uri="{FF2B5EF4-FFF2-40B4-BE49-F238E27FC236}">
+                <a16:creationId xmlns:a16="http://schemas.microsoft.com/office/drawing/2014/main" id="{39A11C6A-E0FA-69E8-0E7C-434857DB5D45}"/>
+              </a:ext>
+            </a:extLst>
+          </p:cNvPr>
+          <p:cNvSpPr>
+            <a:spLocks noGrp="1"/>
+          </p:cNvSpPr>
+          <p:nvPr>
+            <p:ph idx="1"/>
+          </p:nvPr>
+        </p:nvSpPr>
+        <p:spPr/>
+        <p:txBody>
+          <a:bodyPr/>
+          <a:lstStyle/>
+          <a:p>
+            <a:endParaRPr lang="pt-BR"/>
+          </a:p>
+        </p:txBody>
+      </p:sp>
+    </p:spTree>
+    <p:extLst>
+      <p:ext uri="{BB962C8B-B14F-4D97-AF65-F5344CB8AC3E}">
+        <p14:creationId xmlns:p14="http://schemas.microsoft.com/office/powerpoint/2010/main" val="3786224937"/>
+      </p:ext>
+    </p:extLst>
+  </p:cSld>
+  <p:clrMapOvr>
+    <a:masterClrMapping/>
+  </p:clrMapOvr>
+</p:sld>
+</file>
+
+<file path=ppt/slides/slide17.xml><?xml version="1.0" encoding="utf-8"?>
+<p:sld xmlns:a="http://schemas.openxmlformats.org/drawingml/2006/main" xmlns:r="http://schemas.openxmlformats.org/officeDocument/2006/relationships" xmlns:p="http://schemas.openxmlformats.org/presentationml/2006/main">
+  <p:cSld>
+    <p:spTree>
+      <p:nvGrpSpPr>
+        <p:cNvPr id="1" name=""/>
+        <p:cNvGrpSpPr/>
+        <p:nvPr/>
+      </p:nvGrpSpPr>
+      <p:grpSpPr>
+        <a:xfrm>
+          <a:off x="0" y="0"/>
+          <a:ext cx="0" cy="0"/>
+          <a:chOff x="0" y="0"/>
+          <a:chExt cx="0" cy="0"/>
+        </a:xfrm>
+      </p:grpSpPr>
+      <p:sp>
+        <p:nvSpPr>
+          <p:cNvPr id="2" name="Título 1">
+            <a:extLst>
+              <a:ext uri="{FF2B5EF4-FFF2-40B4-BE49-F238E27FC236}">
+                <a16:creationId xmlns:a16="http://schemas.microsoft.com/office/drawing/2014/main" id="{A251A04E-87C2-A4B1-727E-ACB4C5801459}"/>
+              </a:ext>
+            </a:extLst>
+          </p:cNvPr>
+          <p:cNvSpPr>
+            <a:spLocks noGrp="1"/>
+          </p:cNvSpPr>
+          <p:nvPr>
+            <p:ph type="title"/>
+          </p:nvPr>
+        </p:nvSpPr>
+        <p:spPr/>
+        <p:txBody>
+          <a:bodyPr/>
+          <a:lstStyle/>
+          <a:p>
+            <a:endParaRPr lang="pt-BR"/>
+          </a:p>
+        </p:txBody>
+      </p:sp>
+      <p:sp>
+        <p:nvSpPr>
+          <p:cNvPr id="3" name="Espaço Reservado para Conteúdo 2">
+            <a:extLst>
+              <a:ext uri="{FF2B5EF4-FFF2-40B4-BE49-F238E27FC236}">
+                <a16:creationId xmlns:a16="http://schemas.microsoft.com/office/drawing/2014/main" id="{139ADDD6-6BAF-0757-3736-516A20794509}"/>
+              </a:ext>
+            </a:extLst>
+          </p:cNvPr>
+          <p:cNvSpPr>
+            <a:spLocks noGrp="1"/>
+          </p:cNvSpPr>
+          <p:nvPr>
+            <p:ph idx="1"/>
+          </p:nvPr>
+        </p:nvSpPr>
+        <p:spPr/>
+        <p:txBody>
+          <a:bodyPr/>
+          <a:lstStyle/>
+          <a:p>
+            <a:endParaRPr lang="pt-BR"/>
+          </a:p>
+        </p:txBody>
+      </p:sp>
+    </p:spTree>
+    <p:extLst>
+      <p:ext uri="{BB962C8B-B14F-4D97-AF65-F5344CB8AC3E}">
+        <p14:creationId xmlns:p14="http://schemas.microsoft.com/office/powerpoint/2010/main" val="4159868062"/>
+      </p:ext>
+    </p:extLst>
+  </p:cSld>
+  <p:clrMapOvr>
+    <a:masterClrMapping/>
+  </p:clrMapOvr>
+</p:sld>
+</file>
+
+<file path=ppt/slides/slide18.xml><?xml version="1.0" encoding="utf-8"?>
+<p:sld xmlns:a="http://schemas.openxmlformats.org/drawingml/2006/main" xmlns:r="http://schemas.openxmlformats.org/officeDocument/2006/relationships" xmlns:p="http://schemas.openxmlformats.org/presentationml/2006/main">
+  <p:cSld>
+    <p:spTree>
+      <p:nvGrpSpPr>
+        <p:cNvPr id="1" name=""/>
+        <p:cNvGrpSpPr/>
+        <p:nvPr/>
+      </p:nvGrpSpPr>
+      <p:grpSpPr>
+        <a:xfrm>
+          <a:off x="0" y="0"/>
+          <a:ext cx="0" cy="0"/>
+          <a:chOff x="0" y="0"/>
+          <a:chExt cx="0" cy="0"/>
+        </a:xfrm>
+      </p:grpSpPr>
       <p:sp>
         <p:nvSpPr>
           <p:cNvPr id="2" name="Title 1"/>
@@ -6865,524 +8873,7 @@
 </p:sld>
 </file>
 
-<file path=ppt/slides/slide11.xml><?xml version="1.0" encoding="utf-8"?>
-<p:sld xmlns:a="http://schemas.openxmlformats.org/drawingml/2006/main" xmlns:r="http://schemas.openxmlformats.org/officeDocument/2006/relationships" xmlns:p="http://schemas.openxmlformats.org/presentationml/2006/main">
-  <p:cSld>
-    <p:spTree>
-      <p:nvGrpSpPr>
-        <p:cNvPr id="1" name=""/>
-        <p:cNvGrpSpPr/>
-        <p:nvPr/>
-      </p:nvGrpSpPr>
-      <p:grpSpPr>
-        <a:xfrm>
-          <a:off x="0" y="0"/>
-          <a:ext cx="0" cy="0"/>
-          <a:chOff x="0" y="0"/>
-          <a:chExt cx="0" cy="0"/>
-        </a:xfrm>
-      </p:grpSpPr>
-      <p:sp>
-        <p:nvSpPr>
-          <p:cNvPr id="2" name="Title 1"/>
-          <p:cNvSpPr>
-            <a:spLocks noGrp="1"/>
-          </p:cNvSpPr>
-          <p:nvPr>
-            <p:ph type="title"/>
-          </p:nvPr>
-        </p:nvSpPr>
-        <p:spPr>
-          <a:xfrm>
-            <a:off x="838200" y="264020"/>
-            <a:ext cx="10515600" cy="779606"/>
-          </a:xfrm>
-        </p:spPr>
-        <p:txBody>
-          <a:bodyPr/>
-          <a:lstStyle/>
-          <a:p>
-            <a:r>
-              <a:rPr lang="pt-BR" dirty="0"/>
-              <a:t>k-Fold</a:t>
-            </a:r>
-          </a:p>
-        </p:txBody>
-      </p:sp>
-      <p:sp>
-        <p:nvSpPr>
-          <p:cNvPr id="3" name="Content Placeholder 2"/>
-          <p:cNvSpPr>
-            <a:spLocks noGrp="1"/>
-          </p:cNvSpPr>
-          <p:nvPr>
-            <p:ph idx="1"/>
-          </p:nvPr>
-        </p:nvSpPr>
-        <p:spPr>
-          <a:xfrm>
-            <a:off x="838200" y="1154959"/>
-            <a:ext cx="11241024" cy="1607037"/>
-          </a:xfrm>
-        </p:spPr>
-        <p:txBody>
-          <a:bodyPr>
-            <a:noAutofit/>
-          </a:bodyPr>
-          <a:lstStyle/>
-          <a:p>
-            <a:r>
-              <a:rPr lang="pt-BR" sz="2300" dirty="0"/>
-              <a:t>Estratégia mais elaborada que o Holdout e que nos </a:t>
-            </a:r>
-            <a:r>
-              <a:rPr lang="pt-BR" sz="2300" b="1" i="1" dirty="0"/>
-              <a:t>fornece indicações mais claras</a:t>
-            </a:r>
-            <a:r>
-              <a:rPr lang="pt-BR" sz="2300" dirty="0"/>
-              <a:t>.</a:t>
-            </a:r>
-          </a:p>
-          <a:p>
-            <a:r>
-              <a:rPr lang="pt-BR" sz="2300" dirty="0"/>
-              <a:t>Consiste em </a:t>
-            </a:r>
-            <a:r>
-              <a:rPr lang="pt-BR" sz="2300" b="1" i="1" dirty="0"/>
-              <a:t>embaralhar</a:t>
-            </a:r>
-            <a:r>
-              <a:rPr lang="pt-BR" sz="2300" dirty="0"/>
-              <a:t> (opcional) </a:t>
-            </a:r>
-            <a:r>
-              <a:rPr lang="pt-BR" sz="2300" b="1" i="1" dirty="0"/>
-              <a:t>e</a:t>
-            </a:r>
-            <a:r>
-              <a:rPr lang="pt-BR" sz="2300" dirty="0"/>
-              <a:t> </a:t>
-            </a:r>
-            <a:r>
-              <a:rPr lang="pt-BR" sz="2300" b="1" i="1" dirty="0"/>
-              <a:t>dividir o conjunto total de dados em k subconjuntos</a:t>
-            </a:r>
-            <a:r>
-              <a:rPr lang="pt-BR" sz="2300" dirty="0"/>
-              <a:t> (ou </a:t>
-            </a:r>
-            <a:r>
-              <a:rPr lang="pt-BR" sz="2300" i="1" dirty="0" err="1"/>
-              <a:t>folds</a:t>
-            </a:r>
-            <a:r>
-              <a:rPr lang="pt-BR" sz="2300" dirty="0"/>
-              <a:t>) de tamanhos iguais (se possível) e realizar </a:t>
-            </a:r>
-            <a:r>
-              <a:rPr lang="pt-BR" sz="2300" b="1" i="1" dirty="0"/>
-              <a:t>k treinamentos distintos</a:t>
-            </a:r>
-            <a:r>
-              <a:rPr lang="pt-BR" sz="2300" dirty="0"/>
-              <a:t>, onde cada um dos </a:t>
-            </a:r>
-            <a:r>
-              <a:rPr lang="pt-BR" sz="2300" b="1" i="1" dirty="0"/>
-              <a:t>k</a:t>
-            </a:r>
-            <a:r>
-              <a:rPr lang="pt-BR" sz="2300" dirty="0"/>
-              <a:t> treinamentos considera </a:t>
-            </a:r>
-            <a:r>
-              <a:rPr lang="pt-BR" sz="2300" b="1" i="1" dirty="0"/>
-              <a:t>k-1</a:t>
-            </a:r>
-            <a:r>
-              <a:rPr lang="pt-BR" sz="2300" dirty="0"/>
-              <a:t> </a:t>
-            </a:r>
-            <a:r>
-              <a:rPr lang="pt-BR" sz="2300" i="1" dirty="0"/>
-              <a:t>folds</a:t>
-            </a:r>
-            <a:r>
-              <a:rPr lang="pt-BR" sz="2300" dirty="0"/>
-              <a:t> para treinamento e </a:t>
-            </a:r>
-            <a:r>
-              <a:rPr lang="pt-BR" sz="2300" b="1" i="1" dirty="0"/>
-              <a:t>1</a:t>
-            </a:r>
-            <a:r>
-              <a:rPr lang="pt-BR" sz="2300" dirty="0"/>
-              <a:t> </a:t>
-            </a:r>
-            <a:r>
-              <a:rPr lang="pt-BR" sz="2300" i="1" dirty="0"/>
-              <a:t>fold</a:t>
-            </a:r>
-            <a:r>
-              <a:rPr lang="pt-BR" sz="2300" dirty="0"/>
-              <a:t> para validação.</a:t>
-            </a:r>
-          </a:p>
-        </p:txBody>
-      </p:sp>
-      <p:sp>
-        <p:nvSpPr>
-          <p:cNvPr id="50" name="Content Placeholder 2"/>
-          <p:cNvSpPr txBox="1">
-            <a:spLocks/>
-          </p:cNvSpPr>
-          <p:nvPr/>
-        </p:nvSpPr>
-        <p:spPr>
-          <a:xfrm>
-            <a:off x="838200" y="5174320"/>
-            <a:ext cx="11241024" cy="1683679"/>
-          </a:xfrm>
-          <a:prstGeom prst="rect">
-            <a:avLst/>
-          </a:prstGeom>
-        </p:spPr>
-        <p:txBody>
-          <a:bodyPr vert="horz" lIns="91440" tIns="45720" rIns="91440" bIns="45720" rtlCol="0">
-            <a:noAutofit/>
-          </a:bodyPr>
-          <a:lstStyle>
-            <a:lvl1pPr marL="228600" indent="-228600" algn="l" defTabSz="914400" rtl="0" eaLnBrk="1" latinLnBrk="0" hangingPunct="1">
-              <a:lnSpc>
-                <a:spcPct val="90000"/>
-              </a:lnSpc>
-              <a:spcBef>
-                <a:spcPts val="1000"/>
-              </a:spcBef>
-              <a:buFont typeface="Arial" panose="020B0604020202020204" pitchFamily="34" charset="0"/>
-              <a:buChar char="•"/>
-              <a:defRPr sz="2800" kern="1200">
-                <a:solidFill>
-                  <a:schemeClr val="tx1"/>
-                </a:solidFill>
-                <a:latin typeface="+mn-lt"/>
-                <a:ea typeface="+mn-ea"/>
-                <a:cs typeface="+mn-cs"/>
-              </a:defRPr>
-            </a:lvl1pPr>
-            <a:lvl2pPr marL="685800" indent="-228600" algn="l" defTabSz="914400" rtl="0" eaLnBrk="1" latinLnBrk="0" hangingPunct="1">
-              <a:lnSpc>
-                <a:spcPct val="90000"/>
-              </a:lnSpc>
-              <a:spcBef>
-                <a:spcPts val="500"/>
-              </a:spcBef>
-              <a:buFont typeface="Arial" panose="020B0604020202020204" pitchFamily="34" charset="0"/>
-              <a:buChar char="•"/>
-              <a:defRPr sz="2400" kern="1200">
-                <a:solidFill>
-                  <a:schemeClr val="tx1"/>
-                </a:solidFill>
-                <a:latin typeface="+mn-lt"/>
-                <a:ea typeface="+mn-ea"/>
-                <a:cs typeface="+mn-cs"/>
-              </a:defRPr>
-            </a:lvl2pPr>
-            <a:lvl3pPr marL="1143000" indent="-228600" algn="l" defTabSz="914400" rtl="0" eaLnBrk="1" latinLnBrk="0" hangingPunct="1">
-              <a:lnSpc>
-                <a:spcPct val="90000"/>
-              </a:lnSpc>
-              <a:spcBef>
-                <a:spcPts val="500"/>
-              </a:spcBef>
-              <a:buFont typeface="Arial" panose="020B0604020202020204" pitchFamily="34" charset="0"/>
-              <a:buChar char="•"/>
-              <a:defRPr sz="2000" kern="1200">
-                <a:solidFill>
-                  <a:schemeClr val="tx1"/>
-                </a:solidFill>
-                <a:latin typeface="+mn-lt"/>
-                <a:ea typeface="+mn-ea"/>
-                <a:cs typeface="+mn-cs"/>
-              </a:defRPr>
-            </a:lvl3pPr>
-            <a:lvl4pPr marL="1600200" indent="-228600" algn="l" defTabSz="914400" rtl="0" eaLnBrk="1" latinLnBrk="0" hangingPunct="1">
-              <a:lnSpc>
-                <a:spcPct val="90000"/>
-              </a:lnSpc>
-              <a:spcBef>
-                <a:spcPts val="500"/>
-              </a:spcBef>
-              <a:buFont typeface="Arial" panose="020B0604020202020204" pitchFamily="34" charset="0"/>
-              <a:buChar char="•"/>
-              <a:defRPr sz="1800" kern="1200">
-                <a:solidFill>
-                  <a:schemeClr val="tx1"/>
-                </a:solidFill>
-                <a:latin typeface="+mn-lt"/>
-                <a:ea typeface="+mn-ea"/>
-                <a:cs typeface="+mn-cs"/>
-              </a:defRPr>
-            </a:lvl4pPr>
-            <a:lvl5pPr marL="2057400" indent="-228600" algn="l" defTabSz="914400" rtl="0" eaLnBrk="1" latinLnBrk="0" hangingPunct="1">
-              <a:lnSpc>
-                <a:spcPct val="90000"/>
-              </a:lnSpc>
-              <a:spcBef>
-                <a:spcPts val="500"/>
-              </a:spcBef>
-              <a:buFont typeface="Arial" panose="020B0604020202020204" pitchFamily="34" charset="0"/>
-              <a:buChar char="•"/>
-              <a:defRPr sz="1800" kern="1200">
-                <a:solidFill>
-                  <a:schemeClr val="tx1"/>
-                </a:solidFill>
-                <a:latin typeface="+mn-lt"/>
-                <a:ea typeface="+mn-ea"/>
-                <a:cs typeface="+mn-cs"/>
-              </a:defRPr>
-            </a:lvl5pPr>
-            <a:lvl6pPr marL="2514600" indent="-228600" algn="l" defTabSz="914400" rtl="0" eaLnBrk="1" latinLnBrk="0" hangingPunct="1">
-              <a:lnSpc>
-                <a:spcPct val="90000"/>
-              </a:lnSpc>
-              <a:spcBef>
-                <a:spcPts val="500"/>
-              </a:spcBef>
-              <a:buFont typeface="Arial" panose="020B0604020202020204" pitchFamily="34" charset="0"/>
-              <a:buChar char="•"/>
-              <a:defRPr sz="1800" kern="1200">
-                <a:solidFill>
-                  <a:schemeClr val="tx1"/>
-                </a:solidFill>
-                <a:latin typeface="+mn-lt"/>
-                <a:ea typeface="+mn-ea"/>
-                <a:cs typeface="+mn-cs"/>
-              </a:defRPr>
-            </a:lvl6pPr>
-            <a:lvl7pPr marL="2971800" indent="-228600" algn="l" defTabSz="914400" rtl="0" eaLnBrk="1" latinLnBrk="0" hangingPunct="1">
-              <a:lnSpc>
-                <a:spcPct val="90000"/>
-              </a:lnSpc>
-              <a:spcBef>
-                <a:spcPts val="500"/>
-              </a:spcBef>
-              <a:buFont typeface="Arial" panose="020B0604020202020204" pitchFamily="34" charset="0"/>
-              <a:buChar char="•"/>
-              <a:defRPr sz="1800" kern="1200">
-                <a:solidFill>
-                  <a:schemeClr val="tx1"/>
-                </a:solidFill>
-                <a:latin typeface="+mn-lt"/>
-                <a:ea typeface="+mn-ea"/>
-                <a:cs typeface="+mn-cs"/>
-              </a:defRPr>
-            </a:lvl7pPr>
-            <a:lvl8pPr marL="3429000" indent="-228600" algn="l" defTabSz="914400" rtl="0" eaLnBrk="1" latinLnBrk="0" hangingPunct="1">
-              <a:lnSpc>
-                <a:spcPct val="90000"/>
-              </a:lnSpc>
-              <a:spcBef>
-                <a:spcPts val="500"/>
-              </a:spcBef>
-              <a:buFont typeface="Arial" panose="020B0604020202020204" pitchFamily="34" charset="0"/>
-              <a:buChar char="•"/>
-              <a:defRPr sz="1800" kern="1200">
-                <a:solidFill>
-                  <a:schemeClr val="tx1"/>
-                </a:solidFill>
-                <a:latin typeface="+mn-lt"/>
-                <a:ea typeface="+mn-ea"/>
-                <a:cs typeface="+mn-cs"/>
-              </a:defRPr>
-            </a:lvl8pPr>
-            <a:lvl9pPr marL="3886200" indent="-228600" algn="l" defTabSz="914400" rtl="0" eaLnBrk="1" latinLnBrk="0" hangingPunct="1">
-              <a:lnSpc>
-                <a:spcPct val="90000"/>
-              </a:lnSpc>
-              <a:spcBef>
-                <a:spcPts val="500"/>
-              </a:spcBef>
-              <a:buFont typeface="Arial" panose="020B0604020202020204" pitchFamily="34" charset="0"/>
-              <a:buChar char="•"/>
-              <a:defRPr sz="1800" kern="1200">
-                <a:solidFill>
-                  <a:schemeClr val="tx1"/>
-                </a:solidFill>
-                <a:latin typeface="+mn-lt"/>
-                <a:ea typeface="+mn-ea"/>
-                <a:cs typeface="+mn-cs"/>
-              </a:defRPr>
-            </a:lvl9pPr>
-          </a:lstStyle>
-          <a:p>
-            <a:pPr>
-              <a:spcBef>
-                <a:spcPts val="400"/>
-              </a:spcBef>
-            </a:pPr>
-            <a:r>
-              <a:rPr lang="pt-BR" sz="2200" dirty="0"/>
-              <a:t>Cada exemplo entra em um conjunto de validação exatamente </a:t>
-            </a:r>
-            <a:r>
-              <a:rPr lang="pt-BR" sz="2200" b="1" dirty="0"/>
-              <a:t>1</a:t>
-            </a:r>
-            <a:r>
-              <a:rPr lang="pt-BR" sz="2200" dirty="0"/>
-              <a:t> vez e em um conjunto de treinamento </a:t>
-            </a:r>
-            <a:r>
-              <a:rPr lang="pt-BR" sz="2200" b="1" i="1" dirty="0"/>
-              <a:t>k-1</a:t>
-            </a:r>
-            <a:r>
-              <a:rPr lang="pt-BR" sz="2200" dirty="0"/>
-              <a:t> vezes.</a:t>
-            </a:r>
-          </a:p>
-          <a:p>
-            <a:pPr>
-              <a:spcBef>
-                <a:spcPts val="400"/>
-              </a:spcBef>
-            </a:pPr>
-            <a:r>
-              <a:rPr lang="pt-BR" sz="2200" dirty="0"/>
-              <a:t>O desempenho do modelo é dado pela </a:t>
-            </a:r>
-            <a:r>
-              <a:rPr lang="pt-BR" sz="2200" b="1" i="1" dirty="0"/>
-              <a:t>média dos erros de validação </a:t>
-            </a:r>
-            <a:r>
-              <a:rPr lang="pt-BR" sz="2200" dirty="0"/>
-              <a:t>calculados para cada um dos </a:t>
-            </a:r>
-            <a:r>
-              <a:rPr lang="pt-BR" sz="2200" b="1" i="1" dirty="0"/>
-              <a:t>k</a:t>
-            </a:r>
-            <a:r>
-              <a:rPr lang="pt-BR" sz="2200" dirty="0"/>
-              <a:t> </a:t>
-            </a:r>
-            <a:r>
-              <a:rPr lang="pt-BR" sz="2200" i="1" dirty="0" err="1"/>
-              <a:t>folds</a:t>
-            </a:r>
-            <a:r>
-              <a:rPr lang="pt-BR" sz="2200" dirty="0"/>
-              <a:t> usados para validação do modelo. </a:t>
-            </a:r>
-          </a:p>
-          <a:p>
-            <a:pPr>
-              <a:spcBef>
-                <a:spcPts val="400"/>
-              </a:spcBef>
-            </a:pPr>
-            <a:r>
-              <a:rPr lang="pt-BR" sz="2200" dirty="0"/>
-              <a:t>Uma alta </a:t>
-            </a:r>
-            <a:r>
-              <a:rPr lang="pt-BR" sz="2200" b="1" i="1" dirty="0"/>
-              <a:t>variância do erro de validação </a:t>
-            </a:r>
-            <a:r>
-              <a:rPr lang="pt-BR" sz="2200" dirty="0"/>
-              <a:t>é um forte indicador de </a:t>
-            </a:r>
-            <a:r>
-              <a:rPr lang="pt-BR" sz="2200" dirty="0" err="1"/>
-              <a:t>sobreajuste</a:t>
-            </a:r>
-            <a:r>
-              <a:rPr lang="pt-BR" sz="2200" dirty="0"/>
-              <a:t>.</a:t>
-            </a:r>
-          </a:p>
-        </p:txBody>
-      </p:sp>
-      <p:pic>
-        <p:nvPicPr>
-          <p:cNvPr id="4" name="Picture 3"/>
-          <p:cNvPicPr>
-            <a:picLocks noChangeAspect="1"/>
-          </p:cNvPicPr>
-          <p:nvPr/>
-        </p:nvPicPr>
-        <p:blipFill>
-          <a:blip r:embed="rId3">
-            <a:extLst>
-              <a:ext uri="{28A0092B-C50C-407E-A947-70E740481C1C}">
-                <a14:useLocalDpi xmlns:a14="http://schemas.microsoft.com/office/drawing/2010/main" val="0"/>
-              </a:ext>
-            </a:extLst>
-          </a:blip>
-          <a:stretch>
-            <a:fillRect/>
-          </a:stretch>
-        </p:blipFill>
-        <p:spPr>
-          <a:xfrm>
-            <a:off x="2615951" y="2628796"/>
-            <a:ext cx="7291620" cy="2511691"/>
-          </a:xfrm>
-          <a:prstGeom prst="rect">
-            <a:avLst/>
-          </a:prstGeom>
-        </p:spPr>
-      </p:pic>
-      <p:sp>
-        <p:nvSpPr>
-          <p:cNvPr id="5" name="CaixaDeTexto 4"/>
-          <p:cNvSpPr txBox="1"/>
-          <p:nvPr/>
-        </p:nvSpPr>
-        <p:spPr>
-          <a:xfrm>
-            <a:off x="1170142" y="3675770"/>
-            <a:ext cx="1360967" cy="584775"/>
-          </a:xfrm>
-          <a:prstGeom prst="rect">
-            <a:avLst/>
-          </a:prstGeom>
-          <a:noFill/>
-        </p:spPr>
-        <p:txBody>
-          <a:bodyPr wrap="square" rtlCol="0">
-            <a:spAutoFit/>
-          </a:bodyPr>
-          <a:lstStyle/>
-          <a:p>
-            <a:pPr algn="ctr"/>
-            <a:r>
-              <a:rPr lang="pt-BR" sz="3200" b="1" dirty="0"/>
-              <a:t>k = 5</a:t>
-            </a:r>
-            <a:endParaRPr lang="en-US" sz="3200" b="1" dirty="0"/>
-          </a:p>
-        </p:txBody>
-      </p:sp>
-    </p:spTree>
-    <p:extLst>
-      <p:ext uri="{BB962C8B-B14F-4D97-AF65-F5344CB8AC3E}">
-        <p14:creationId xmlns:p14="http://schemas.microsoft.com/office/powerpoint/2010/main" val="384032590"/>
-      </p:ext>
-    </p:extLst>
-  </p:cSld>
-  <p:clrMapOvr>
-    <a:masterClrMapping/>
-  </p:clrMapOvr>
-</p:sld>
-</file>
-
-<file path=ppt/slides/slide12.xml><?xml version="1.0" encoding="utf-8"?>
+<file path=ppt/slides/slide19.xml><?xml version="1.0" encoding="utf-8"?>
 <p:sld xmlns:a="http://schemas.openxmlformats.org/drawingml/2006/main" xmlns:r="http://schemas.openxmlformats.org/officeDocument/2006/relationships" xmlns:p="http://schemas.openxmlformats.org/presentationml/2006/main">
   <p:cSld>
     <p:spTree>
@@ -7613,7 +9104,272 @@
 </p:sld>
 </file>
 
-<file path=ppt/slides/slide13.xml><?xml version="1.0" encoding="utf-8"?>
+<file path=ppt/slides/slide2.xml><?xml version="1.0" encoding="utf-8"?>
+<p:sld xmlns:a="http://schemas.openxmlformats.org/drawingml/2006/main" xmlns:r="http://schemas.openxmlformats.org/officeDocument/2006/relationships" xmlns:p="http://schemas.openxmlformats.org/presentationml/2006/main">
+  <p:cSld>
+    <p:spTree>
+      <p:nvGrpSpPr>
+        <p:cNvPr id="1" name=""/>
+        <p:cNvGrpSpPr/>
+        <p:nvPr/>
+      </p:nvGrpSpPr>
+      <p:grpSpPr>
+        <a:xfrm>
+          <a:off x="0" y="0"/>
+          <a:ext cx="0" cy="0"/>
+          <a:chOff x="0" y="0"/>
+          <a:chExt cx="0" cy="0"/>
+        </a:xfrm>
+      </p:grpSpPr>
+      <p:sp>
+        <p:nvSpPr>
+          <p:cNvPr id="2" name="Title 1"/>
+          <p:cNvSpPr>
+            <a:spLocks noGrp="1"/>
+          </p:cNvSpPr>
+          <p:nvPr>
+            <p:ph type="title"/>
+          </p:nvPr>
+        </p:nvSpPr>
+        <p:spPr/>
+        <p:txBody>
+          <a:bodyPr/>
+          <a:lstStyle/>
+          <a:p>
+            <a:r>
+              <a:rPr lang="pt-BR" dirty="0"/>
+              <a:t>Recapitulando</a:t>
+            </a:r>
+          </a:p>
+        </p:txBody>
+      </p:sp>
+      <p:sp>
+        <p:nvSpPr>
+          <p:cNvPr id="3" name="Content Placeholder 2"/>
+          <p:cNvSpPr>
+            <a:spLocks noGrp="1"/>
+          </p:cNvSpPr>
+          <p:nvPr>
+            <p:ph idx="1"/>
+          </p:nvPr>
+        </p:nvSpPr>
+        <p:spPr>
+          <a:xfrm>
+            <a:off x="838199" y="1825624"/>
+            <a:ext cx="11162123" cy="5032376"/>
+          </a:xfrm>
+        </p:spPr>
+        <p:txBody>
+          <a:bodyPr>
+            <a:normAutofit/>
+          </a:bodyPr>
+          <a:lstStyle/>
+          <a:p>
+            <a:r>
+              <a:rPr lang="pt-BR" dirty="0"/>
+              <a:t>Vimos que o </a:t>
+            </a:r>
+            <a:r>
+              <a:rPr lang="pt-BR" b="1" i="1" dirty="0">
+                <a:solidFill>
+                  <a:srgbClr val="7030A0"/>
+                </a:solidFill>
+              </a:rPr>
+              <a:t>escalonamento de atributos</a:t>
+            </a:r>
+            <a:r>
+              <a:rPr lang="pt-BR" dirty="0"/>
+              <a:t> </a:t>
+            </a:r>
+            <a:r>
+              <a:rPr lang="pt-BR" b="1" i="1" dirty="0">
+                <a:solidFill>
+                  <a:srgbClr val="00B050"/>
+                </a:solidFill>
+              </a:rPr>
+              <a:t>acelerara o aprendizado do GD </a:t>
+            </a:r>
+            <a:r>
+              <a:rPr lang="pt-BR" dirty="0"/>
+              <a:t>quando os atributos têm intervalos de variação muito diferentes.</a:t>
+            </a:r>
+          </a:p>
+          <a:p>
+            <a:r>
+              <a:rPr lang="pt-BR" dirty="0"/>
+              <a:t>Aprendemos que </a:t>
+            </a:r>
+            <a:r>
+              <a:rPr lang="pt-BR" b="1" i="1" dirty="0">
+                <a:solidFill>
+                  <a:srgbClr val="7030A0"/>
+                </a:solidFill>
+              </a:rPr>
+              <a:t>funções hipótese polinomiais</a:t>
+            </a:r>
+            <a:r>
+              <a:rPr lang="pt-BR" b="1" i="1" dirty="0"/>
+              <a:t> </a:t>
+            </a:r>
+            <a:r>
+              <a:rPr lang="pt-BR" dirty="0"/>
+              <a:t>podem ser utilizadas para </a:t>
+            </a:r>
+            <a:r>
+              <a:rPr lang="pt-BR" b="1" i="1" dirty="0">
+                <a:solidFill>
+                  <a:srgbClr val="00B050"/>
+                </a:solidFill>
+              </a:rPr>
+              <a:t>aproximar comportamentos não-lineares</a:t>
+            </a:r>
+            <a:r>
+              <a:rPr lang="pt-BR" dirty="0"/>
+              <a:t>.</a:t>
+            </a:r>
+          </a:p>
+          <a:p>
+            <a:r>
+              <a:rPr lang="pt-BR" dirty="0"/>
+              <a:t>Porém, precisamos </a:t>
+            </a:r>
+            <a:r>
+              <a:rPr lang="pt-BR" b="1" i="1" dirty="0">
+                <a:solidFill>
+                  <a:srgbClr val="002060"/>
+                </a:solidFill>
+              </a:rPr>
+              <a:t>encontrar o grau ideal do polinômio aproximador</a:t>
+            </a:r>
+            <a:r>
+              <a:rPr lang="pt-BR" dirty="0"/>
+              <a:t>.</a:t>
+            </a:r>
+          </a:p>
+          <a:p>
+            <a:pPr lvl="1">
+              <a:buFont typeface="Wingdings" panose="05000000000000000000" pitchFamily="2" charset="2"/>
+              <a:buChar char="§"/>
+            </a:pPr>
+            <a:r>
+              <a:rPr lang="pt-BR" dirty="0"/>
+              <a:t>Polinômios com </a:t>
+            </a:r>
+            <a:r>
+              <a:rPr lang="pt-BR" b="1" i="1" dirty="0">
+                <a:solidFill>
+                  <a:srgbClr val="7030A0"/>
+                </a:solidFill>
+              </a:rPr>
+              <a:t>grau muito baixo</a:t>
+            </a:r>
+            <a:r>
+              <a:rPr lang="pt-BR" dirty="0"/>
+              <a:t> podem não ter flexibilidade o suficiente para aproximar os dados, causando </a:t>
+            </a:r>
+            <a:r>
+              <a:rPr lang="pt-BR" b="1" i="1" dirty="0"/>
+              <a:t>subajuste</a:t>
+            </a:r>
+            <a:r>
+              <a:rPr lang="pt-BR" dirty="0"/>
+              <a:t>.</a:t>
+            </a:r>
+          </a:p>
+          <a:p>
+            <a:pPr lvl="1">
+              <a:buFont typeface="Wingdings" panose="05000000000000000000" pitchFamily="2" charset="2"/>
+              <a:buChar char="§"/>
+            </a:pPr>
+            <a:r>
+              <a:rPr lang="pt-BR" dirty="0"/>
+              <a:t>Polinômios com </a:t>
+            </a:r>
+            <a:r>
+              <a:rPr lang="pt-BR" b="1" i="1" dirty="0">
+                <a:solidFill>
+                  <a:srgbClr val="7030A0"/>
+                </a:solidFill>
+              </a:rPr>
+              <a:t>grau muito alto</a:t>
+            </a:r>
+            <a:r>
+              <a:rPr lang="pt-BR" dirty="0"/>
+              <a:t> podem ser tão flexíveis que acabam memorizando os dados de treinamento, causando </a:t>
+            </a:r>
+            <a:r>
+              <a:rPr lang="pt-BR" b="1" i="1" dirty="0"/>
+              <a:t>sobreajuste</a:t>
+            </a:r>
+            <a:r>
+              <a:rPr lang="pt-BR" dirty="0"/>
+              <a:t>.</a:t>
+            </a:r>
+          </a:p>
+          <a:p>
+            <a:r>
+              <a:rPr lang="pt-BR" dirty="0"/>
+              <a:t>Na sequência, veremos como </a:t>
+            </a:r>
+            <a:r>
+              <a:rPr lang="pt-BR" b="1" i="1" dirty="0">
+                <a:solidFill>
+                  <a:srgbClr val="7030A0"/>
+                </a:solidFill>
+              </a:rPr>
+              <a:t>escolher o grau ideal</a:t>
+            </a:r>
+            <a:r>
+              <a:rPr lang="pt-BR" b="1" dirty="0">
+                <a:solidFill>
+                  <a:srgbClr val="7030A0"/>
+                </a:solidFill>
+              </a:rPr>
+              <a:t> </a:t>
+            </a:r>
+            <a:r>
+              <a:rPr lang="pt-BR" dirty="0"/>
+              <a:t>da </a:t>
+            </a:r>
+            <a:r>
+              <a:rPr lang="pt-BR" b="1" i="1" dirty="0">
+                <a:solidFill>
+                  <a:srgbClr val="00B050"/>
+                </a:solidFill>
+              </a:rPr>
+              <a:t>função hipótese polinomial de forma quantitativa</a:t>
+            </a:r>
+            <a:r>
+              <a:rPr lang="pt-BR" dirty="0"/>
+              <a:t>, mesmo não conhecendo ou existindo uma função objetivo.</a:t>
+            </a:r>
+          </a:p>
+          <a:p>
+            <a:endParaRPr lang="pt-BR" dirty="0"/>
+          </a:p>
+          <a:p>
+            <a:pPr lvl="1">
+              <a:buFont typeface="Wingdings" panose="05000000000000000000" pitchFamily="2" charset="2"/>
+              <a:buChar char="§"/>
+            </a:pPr>
+            <a:endParaRPr lang="pt-BR" dirty="0"/>
+          </a:p>
+        </p:txBody>
+      </p:sp>
+    </p:spTree>
+    <p:extLst>
+      <p:ext uri="{BB962C8B-B14F-4D97-AF65-F5344CB8AC3E}">
+        <p14:creationId xmlns:p14="http://schemas.microsoft.com/office/powerpoint/2010/main" val="2153437485"/>
+      </p:ext>
+    </p:extLst>
+  </p:cSld>
+  <p:clrMapOvr>
+    <a:masterClrMapping/>
+  </p:clrMapOvr>
+</p:sld>
+</file>
+
+<file path=ppt/slides/slide20.xml><?xml version="1.0" encoding="utf-8"?>
 <p:sld xmlns:a="http://schemas.openxmlformats.org/drawingml/2006/main" xmlns:r="http://schemas.openxmlformats.org/officeDocument/2006/relationships" xmlns:p="http://schemas.openxmlformats.org/presentationml/2006/main">
   <p:cSld>
     <p:spTree>
@@ -8513,7 +10269,7 @@
 </p:sld>
 </file>
 
-<file path=ppt/slides/slide14.xml><?xml version="1.0" encoding="utf-8"?>
+<file path=ppt/slides/slide21.xml><?xml version="1.0" encoding="utf-8"?>
 <p:sld xmlns:a="http://schemas.openxmlformats.org/drawingml/2006/main" xmlns:r="http://schemas.openxmlformats.org/officeDocument/2006/relationships" xmlns:p="http://schemas.openxmlformats.org/presentationml/2006/main">
   <p:cSld>
     <p:spTree>
@@ -8884,7 +10640,7 @@
 </p:sld>
 </file>
 
-<file path=ppt/slides/slide15.xml><?xml version="1.0" encoding="utf-8"?>
+<file path=ppt/slides/slide22.xml><?xml version="1.0" encoding="utf-8"?>
 <p:sld xmlns:a="http://schemas.openxmlformats.org/drawingml/2006/main" xmlns:r="http://schemas.openxmlformats.org/officeDocument/2006/relationships" xmlns:p="http://schemas.openxmlformats.org/presentationml/2006/main">
   <p:cSld>
     <p:spTree>
@@ -9012,7 +10768,7 @@
 </p:sld>
 </file>
 
-<file path=ppt/slides/slide16.xml><?xml version="1.0" encoding="utf-8"?>
+<file path=ppt/slides/slide23.xml><?xml version="1.0" encoding="utf-8"?>
 <p:sld xmlns:a="http://schemas.openxmlformats.org/drawingml/2006/main" xmlns:r="http://schemas.openxmlformats.org/officeDocument/2006/relationships" xmlns:p="http://schemas.openxmlformats.org/presentationml/2006/main">
   <p:cSld>
     <p:spTree>
@@ -9097,7 +10853,7 @@
 </p:sld>
 </file>
 
-<file path=ppt/slides/slide17.xml><?xml version="1.0" encoding="utf-8"?>
+<file path=ppt/slides/slide24.xml><?xml version="1.0" encoding="utf-8"?>
 <p:sld xmlns:a="http://schemas.openxmlformats.org/drawingml/2006/main" xmlns:r="http://schemas.openxmlformats.org/officeDocument/2006/relationships" xmlns:p="http://schemas.openxmlformats.org/presentationml/2006/main">
   <p:cSld>
     <p:spTree>
@@ -9414,7 +11170,7 @@
 </p:sld>
 </file>
 
-<file path=ppt/slides/slide18.xml><?xml version="1.0" encoding="utf-8"?>
+<file path=ppt/slides/slide25.xml><?xml version="1.0" encoding="utf-8"?>
 <p:sld xmlns:a="http://schemas.openxmlformats.org/drawingml/2006/main" xmlns:r="http://schemas.openxmlformats.org/officeDocument/2006/relationships" xmlns:p="http://schemas.openxmlformats.org/presentationml/2006/main">
   <p:cSld>
     <p:spTree>
@@ -9472,7 +11228,7 @@
 </p:sld>
 </file>
 
-<file path=ppt/slides/slide19.xml><?xml version="1.0" encoding="utf-8"?>
+<file path=ppt/slides/slide26.xml><?xml version="1.0" encoding="utf-8"?>
 <p:sld xmlns:a="http://schemas.openxmlformats.org/drawingml/2006/main" xmlns:r="http://schemas.openxmlformats.org/officeDocument/2006/relationships" xmlns:p="http://schemas.openxmlformats.org/presentationml/2006/main">
   <p:cSld>
     <p:spTree>
@@ -11291,7 +13047,7 @@
 </p:sld>
 </file>
 
-<file path=ppt/slides/slide2.xml><?xml version="1.0" encoding="utf-8"?>
+<file path=ppt/slides/slide27.xml><?xml version="1.0" encoding="utf-8"?>
 <p:sld xmlns:a="http://schemas.openxmlformats.org/drawingml/2006/main" xmlns:r="http://schemas.openxmlformats.org/officeDocument/2006/relationships" xmlns:p="http://schemas.openxmlformats.org/presentationml/2006/main">
   <p:cSld>
     <p:spTree>
@@ -11308,245 +13064,2384 @@
           <a:chExt cx="0" cy="0"/>
         </a:xfrm>
       </p:grpSpPr>
-      <p:sp>
-        <p:nvSpPr>
-          <p:cNvPr id="2" name="Title 1"/>
-          <p:cNvSpPr>
-            <a:spLocks noGrp="1"/>
-          </p:cNvSpPr>
-          <p:nvPr>
-            <p:ph type="title"/>
-          </p:nvPr>
-        </p:nvSpPr>
-        <p:spPr/>
-        <p:txBody>
-          <a:bodyPr/>
-          <a:lstStyle/>
-          <a:p>
-            <a:r>
-              <a:rPr lang="pt-BR" dirty="0"/>
-              <a:t>Recapitulando</a:t>
-            </a:r>
-          </a:p>
-        </p:txBody>
-      </p:sp>
-      <p:sp>
-        <p:nvSpPr>
-          <p:cNvPr id="3" name="Content Placeholder 2"/>
-          <p:cNvSpPr>
-            <a:spLocks noGrp="1"/>
-          </p:cNvSpPr>
-          <p:nvPr>
-            <p:ph idx="1"/>
-          </p:nvPr>
-        </p:nvSpPr>
-        <p:spPr>
+      <p:grpSp>
+        <p:nvGrpSpPr>
+          <p:cNvPr id="55" name="Agrupar 54">
+            <a:extLst>
+              <a:ext uri="{FF2B5EF4-FFF2-40B4-BE49-F238E27FC236}">
+                <a16:creationId xmlns:a16="http://schemas.microsoft.com/office/drawing/2014/main" id="{DA578016-49F4-7B5A-6434-137A7D90C33A}"/>
+              </a:ext>
+            </a:extLst>
+          </p:cNvPr>
+          <p:cNvGrpSpPr/>
+          <p:nvPr/>
+        </p:nvGrpSpPr>
+        <p:grpSpPr>
           <a:xfrm>
-            <a:off x="838199" y="1825624"/>
-            <a:ext cx="11162123" cy="5032376"/>
+            <a:off x="1112520" y="2108363"/>
+            <a:ext cx="5928260" cy="3446833"/>
+            <a:chOff x="1112520" y="2108363"/>
+            <a:chExt cx="5928260" cy="3446833"/>
           </a:xfrm>
-        </p:spPr>
-        <p:txBody>
-          <a:bodyPr>
-            <a:normAutofit/>
-          </a:bodyPr>
-          <a:lstStyle/>
-          <a:p>
-            <a:r>
-              <a:rPr lang="pt-BR" dirty="0"/>
-              <a:t>Vimos que o </a:t>
-            </a:r>
-            <a:r>
-              <a:rPr lang="pt-BR" b="1" i="1" dirty="0">
+        </p:grpSpPr>
+        <p:sp>
+          <p:nvSpPr>
+            <p:cNvPr id="5" name="Rectangle 4"/>
+            <p:cNvSpPr/>
+            <p:nvPr/>
+          </p:nvSpPr>
+          <p:spPr>
+            <a:xfrm>
+              <a:off x="2717839" y="2569816"/>
+              <a:ext cx="360000" cy="393031"/>
+            </a:xfrm>
+            <a:prstGeom prst="rect">
+              <a:avLst/>
+            </a:prstGeom>
+            <a:solidFill>
+              <a:schemeClr val="accent1">
+                <a:lumMod val="20000"/>
+                <a:lumOff val="80000"/>
+              </a:schemeClr>
+            </a:solidFill>
+          </p:spPr>
+          <p:style>
+            <a:lnRef idx="2">
+              <a:schemeClr val="accent1">
+                <a:shade val="50000"/>
+              </a:schemeClr>
+            </a:lnRef>
+            <a:fillRef idx="1">
+              <a:schemeClr val="accent1"/>
+            </a:fillRef>
+            <a:effectRef idx="0">
+              <a:schemeClr val="accent1"/>
+            </a:effectRef>
+            <a:fontRef idx="minor">
+              <a:schemeClr val="lt1"/>
+            </a:fontRef>
+          </p:style>
+          <p:txBody>
+            <a:bodyPr rtlCol="0" anchor="ctr"/>
+            <a:lstStyle/>
+            <a:p>
+              <a:pPr algn="ctr"/>
+              <a:r>
+                <a:rPr lang="pt-BR" sz="1600" dirty="0">
+                  <a:solidFill>
+                    <a:schemeClr val="tx1"/>
+                  </a:solidFill>
+                </a:rPr>
+                <a:t>2</a:t>
+              </a:r>
+            </a:p>
+          </p:txBody>
+        </p:sp>
+        <p:sp>
+          <p:nvSpPr>
+            <p:cNvPr id="6" name="Rectangle 5"/>
+            <p:cNvSpPr/>
+            <p:nvPr/>
+          </p:nvSpPr>
+          <p:spPr>
+            <a:xfrm>
+              <a:off x="2354812" y="2569816"/>
+              <a:ext cx="360000" cy="393031"/>
+            </a:xfrm>
+            <a:prstGeom prst="rect">
+              <a:avLst/>
+            </a:prstGeom>
+            <a:solidFill>
+              <a:schemeClr val="accent1">
+                <a:lumMod val="60000"/>
+                <a:lumOff val="40000"/>
+              </a:schemeClr>
+            </a:solidFill>
+          </p:spPr>
+          <p:style>
+            <a:lnRef idx="2">
+              <a:schemeClr val="accent1">
+                <a:shade val="50000"/>
+              </a:schemeClr>
+            </a:lnRef>
+            <a:fillRef idx="1">
+              <a:schemeClr val="accent1"/>
+            </a:fillRef>
+            <a:effectRef idx="0">
+              <a:schemeClr val="accent1"/>
+            </a:effectRef>
+            <a:fontRef idx="minor">
+              <a:schemeClr val="lt1"/>
+            </a:fontRef>
+          </p:style>
+          <p:txBody>
+            <a:bodyPr rtlCol="0" anchor="ctr"/>
+            <a:lstStyle/>
+            <a:p>
+              <a:pPr algn="ctr"/>
+              <a:r>
+                <a:rPr lang="pt-BR" sz="1600" dirty="0">
+                  <a:solidFill>
+                    <a:schemeClr val="tx1"/>
+                  </a:solidFill>
+                </a:rPr>
+                <a:t>1</a:t>
+              </a:r>
+            </a:p>
+          </p:txBody>
+        </p:sp>
+        <p:sp>
+          <p:nvSpPr>
+            <p:cNvPr id="7" name="TextBox 6"/>
+            <p:cNvSpPr txBox="1"/>
+            <p:nvPr/>
+          </p:nvSpPr>
+          <p:spPr>
+            <a:xfrm>
+              <a:off x="2681522" y="4875330"/>
+              <a:ext cx="1800000" cy="307777"/>
+            </a:xfrm>
+            <a:prstGeom prst="rect">
+              <a:avLst/>
+            </a:prstGeom>
+            <a:noFill/>
+          </p:spPr>
+          <p:txBody>
+            <a:bodyPr wrap="square" rtlCol="0">
+              <a:spAutoFit/>
+            </a:bodyPr>
+            <a:lstStyle/>
+            <a:p>
+              <a:r>
+                <a:rPr lang="pt-BR" sz="1400" i="1" dirty="0" err="1"/>
+                <a:t>Fold</a:t>
+              </a:r>
+              <a:r>
+                <a:rPr lang="pt-BR" sz="1400" dirty="0"/>
+                <a:t> de treinamento</a:t>
+              </a:r>
+            </a:p>
+          </p:txBody>
+        </p:sp>
+        <p:sp>
+          <p:nvSpPr>
+            <p:cNvPr id="8" name="TextBox 7"/>
+            <p:cNvSpPr txBox="1"/>
+            <p:nvPr/>
+          </p:nvSpPr>
+          <p:spPr>
+            <a:xfrm>
+              <a:off x="2681522" y="5247419"/>
+              <a:ext cx="1473290" cy="307777"/>
+            </a:xfrm>
+            <a:prstGeom prst="rect">
+              <a:avLst/>
+            </a:prstGeom>
+            <a:noFill/>
+          </p:spPr>
+          <p:txBody>
+            <a:bodyPr wrap="square" rtlCol="0">
+              <a:spAutoFit/>
+            </a:bodyPr>
+            <a:lstStyle/>
+            <a:p>
+              <a:r>
+                <a:rPr lang="pt-BR" sz="1400" i="1" dirty="0" err="1"/>
+                <a:t>Fold</a:t>
+              </a:r>
+              <a:r>
+                <a:rPr lang="pt-BR" sz="1400" dirty="0"/>
+                <a:t> de validação</a:t>
+              </a:r>
+            </a:p>
+          </p:txBody>
+        </p:sp>
+        <p:sp>
+          <p:nvSpPr>
+            <p:cNvPr id="9" name="Rectangle 8"/>
+            <p:cNvSpPr/>
+            <p:nvPr/>
+          </p:nvSpPr>
+          <p:spPr>
+            <a:xfrm>
+              <a:off x="3076111" y="2570193"/>
+              <a:ext cx="360000" cy="393031"/>
+            </a:xfrm>
+            <a:prstGeom prst="rect">
+              <a:avLst/>
+            </a:prstGeom>
+            <a:solidFill>
+              <a:schemeClr val="accent1">
+                <a:lumMod val="20000"/>
+                <a:lumOff val="80000"/>
+              </a:schemeClr>
+            </a:solidFill>
+          </p:spPr>
+          <p:style>
+            <a:lnRef idx="2">
+              <a:schemeClr val="accent1">
+                <a:shade val="50000"/>
+              </a:schemeClr>
+            </a:lnRef>
+            <a:fillRef idx="1">
+              <a:schemeClr val="accent1"/>
+            </a:fillRef>
+            <a:effectRef idx="0">
+              <a:schemeClr val="accent1"/>
+            </a:effectRef>
+            <a:fontRef idx="minor">
+              <a:schemeClr val="lt1"/>
+            </a:fontRef>
+          </p:style>
+          <p:txBody>
+            <a:bodyPr rtlCol="0" anchor="ctr"/>
+            <a:lstStyle/>
+            <a:p>
+              <a:pPr algn="ctr"/>
+              <a:r>
+                <a:rPr lang="pt-BR" sz="1600" dirty="0">
+                  <a:solidFill>
+                    <a:schemeClr val="tx1"/>
+                  </a:solidFill>
+                </a:rPr>
+                <a:t>3</a:t>
+              </a:r>
+            </a:p>
+          </p:txBody>
+        </p:sp>
+        <p:sp>
+          <p:nvSpPr>
+            <p:cNvPr id="10" name="Rectangle 9"/>
+            <p:cNvSpPr/>
+            <p:nvPr/>
+          </p:nvSpPr>
+          <p:spPr>
+            <a:xfrm>
+              <a:off x="3434371" y="2570934"/>
+              <a:ext cx="360000" cy="393031"/>
+            </a:xfrm>
+            <a:prstGeom prst="rect">
+              <a:avLst/>
+            </a:prstGeom>
+            <a:solidFill>
+              <a:schemeClr val="accent1">
+                <a:lumMod val="20000"/>
+                <a:lumOff val="80000"/>
+              </a:schemeClr>
+            </a:solidFill>
+          </p:spPr>
+          <p:style>
+            <a:lnRef idx="2">
+              <a:schemeClr val="accent1">
+                <a:shade val="50000"/>
+              </a:schemeClr>
+            </a:lnRef>
+            <a:fillRef idx="1">
+              <a:schemeClr val="accent1"/>
+            </a:fillRef>
+            <a:effectRef idx="0">
+              <a:schemeClr val="accent1"/>
+            </a:effectRef>
+            <a:fontRef idx="minor">
+              <a:schemeClr val="lt1"/>
+            </a:fontRef>
+          </p:style>
+          <p:txBody>
+            <a:bodyPr rtlCol="0" anchor="ctr"/>
+            <a:lstStyle/>
+            <a:p>
+              <a:pPr algn="ctr"/>
+              <a:r>
+                <a:rPr lang="pt-BR" sz="1600" dirty="0">
+                  <a:solidFill>
+                    <a:schemeClr val="tx1"/>
+                  </a:solidFill>
+                </a:rPr>
+                <a:t>4</a:t>
+              </a:r>
+            </a:p>
+          </p:txBody>
+        </p:sp>
+        <p:sp>
+          <p:nvSpPr>
+            <p:cNvPr id="11" name="Rectangle 10"/>
+            <p:cNvSpPr/>
+            <p:nvPr/>
+          </p:nvSpPr>
+          <p:spPr>
+            <a:xfrm>
+              <a:off x="3797394" y="2572447"/>
+              <a:ext cx="360000" cy="393031"/>
+            </a:xfrm>
+            <a:prstGeom prst="rect">
+              <a:avLst/>
+            </a:prstGeom>
+            <a:solidFill>
+              <a:schemeClr val="accent1">
+                <a:lumMod val="20000"/>
+                <a:lumOff val="80000"/>
+              </a:schemeClr>
+            </a:solidFill>
+          </p:spPr>
+          <p:style>
+            <a:lnRef idx="2">
+              <a:schemeClr val="accent1">
+                <a:shade val="50000"/>
+              </a:schemeClr>
+            </a:lnRef>
+            <a:fillRef idx="1">
+              <a:schemeClr val="accent1"/>
+            </a:fillRef>
+            <a:effectRef idx="0">
+              <a:schemeClr val="accent1"/>
+            </a:effectRef>
+            <a:fontRef idx="minor">
+              <a:schemeClr val="lt1"/>
+            </a:fontRef>
+          </p:style>
+          <p:txBody>
+            <a:bodyPr rtlCol="0" anchor="ctr"/>
+            <a:lstStyle/>
+            <a:p>
+              <a:pPr algn="ctr"/>
+              <a:r>
+                <a:rPr lang="pt-BR" sz="1600" dirty="0">
+                  <a:solidFill>
+                    <a:schemeClr val="tx1"/>
+                  </a:solidFill>
+                </a:rPr>
+                <a:t>5</a:t>
+              </a:r>
+            </a:p>
+          </p:txBody>
+        </p:sp>
+        <p:sp>
+          <p:nvSpPr>
+            <p:cNvPr id="12" name="Rectangle 11"/>
+            <p:cNvSpPr/>
+            <p:nvPr/>
+          </p:nvSpPr>
+          <p:spPr>
+            <a:xfrm>
+              <a:off x="2354807" y="2963228"/>
+              <a:ext cx="360000" cy="393031"/>
+            </a:xfrm>
+            <a:prstGeom prst="rect">
+              <a:avLst/>
+            </a:prstGeom>
+            <a:solidFill>
+              <a:schemeClr val="accent1">
+                <a:lumMod val="20000"/>
+                <a:lumOff val="80000"/>
+              </a:schemeClr>
+            </a:solidFill>
+          </p:spPr>
+          <p:style>
+            <a:lnRef idx="2">
+              <a:schemeClr val="accent1">
+                <a:shade val="50000"/>
+              </a:schemeClr>
+            </a:lnRef>
+            <a:fillRef idx="1">
+              <a:schemeClr val="accent1"/>
+            </a:fillRef>
+            <a:effectRef idx="0">
+              <a:schemeClr val="accent1"/>
+            </a:effectRef>
+            <a:fontRef idx="minor">
+              <a:schemeClr val="lt1"/>
+            </a:fontRef>
+          </p:style>
+          <p:txBody>
+            <a:bodyPr rtlCol="0" anchor="ctr"/>
+            <a:lstStyle/>
+            <a:p>
+              <a:pPr algn="ctr"/>
+              <a:r>
+                <a:rPr lang="pt-BR" sz="1600" dirty="0">
+                  <a:solidFill>
+                    <a:schemeClr val="tx1"/>
+                  </a:solidFill>
+                </a:rPr>
+                <a:t>1</a:t>
+              </a:r>
+            </a:p>
+          </p:txBody>
+        </p:sp>
+        <p:sp>
+          <p:nvSpPr>
+            <p:cNvPr id="13" name="Rectangle 12"/>
+            <p:cNvSpPr/>
+            <p:nvPr/>
+          </p:nvSpPr>
+          <p:spPr>
+            <a:xfrm>
+              <a:off x="2717723" y="2968040"/>
+              <a:ext cx="360000" cy="393031"/>
+            </a:xfrm>
+            <a:prstGeom prst="rect">
+              <a:avLst/>
+            </a:prstGeom>
+            <a:solidFill>
+              <a:schemeClr val="accent1">
+                <a:lumMod val="60000"/>
+                <a:lumOff val="40000"/>
+              </a:schemeClr>
+            </a:solidFill>
+          </p:spPr>
+          <p:style>
+            <a:lnRef idx="2">
+              <a:schemeClr val="accent1">
+                <a:shade val="50000"/>
+              </a:schemeClr>
+            </a:lnRef>
+            <a:fillRef idx="1">
+              <a:schemeClr val="accent1"/>
+            </a:fillRef>
+            <a:effectRef idx="0">
+              <a:schemeClr val="accent1"/>
+            </a:effectRef>
+            <a:fontRef idx="minor">
+              <a:schemeClr val="lt1"/>
+            </a:fontRef>
+          </p:style>
+          <p:txBody>
+            <a:bodyPr rtlCol="0" anchor="ctr"/>
+            <a:lstStyle/>
+            <a:p>
+              <a:pPr algn="ctr"/>
+              <a:r>
+                <a:rPr lang="pt-BR" sz="1600" dirty="0">
+                  <a:solidFill>
+                    <a:schemeClr val="tx1"/>
+                  </a:solidFill>
+                </a:rPr>
+                <a:t>2</a:t>
+              </a:r>
+            </a:p>
+          </p:txBody>
+        </p:sp>
+        <p:sp>
+          <p:nvSpPr>
+            <p:cNvPr id="14" name="Rectangle 13"/>
+            <p:cNvSpPr/>
+            <p:nvPr/>
+          </p:nvSpPr>
+          <p:spPr>
+            <a:xfrm>
+              <a:off x="3797390" y="2962483"/>
+              <a:ext cx="360000" cy="393031"/>
+            </a:xfrm>
+            <a:prstGeom prst="rect">
+              <a:avLst/>
+            </a:prstGeom>
+            <a:solidFill>
+              <a:schemeClr val="accent1">
+                <a:lumMod val="20000"/>
+                <a:lumOff val="80000"/>
+              </a:schemeClr>
+            </a:solidFill>
+          </p:spPr>
+          <p:style>
+            <a:lnRef idx="2">
+              <a:schemeClr val="accent1">
+                <a:shade val="50000"/>
+              </a:schemeClr>
+            </a:lnRef>
+            <a:fillRef idx="1">
+              <a:schemeClr val="accent1"/>
+            </a:fillRef>
+            <a:effectRef idx="0">
+              <a:schemeClr val="accent1"/>
+            </a:effectRef>
+            <a:fontRef idx="minor">
+              <a:schemeClr val="lt1"/>
+            </a:fontRef>
+          </p:style>
+          <p:txBody>
+            <a:bodyPr rtlCol="0" anchor="ctr"/>
+            <a:lstStyle/>
+            <a:p>
+              <a:pPr algn="ctr"/>
+              <a:r>
+                <a:rPr lang="pt-BR" sz="1600" dirty="0">
+                  <a:solidFill>
+                    <a:schemeClr val="tx1"/>
+                  </a:solidFill>
+                </a:rPr>
+                <a:t>5</a:t>
+              </a:r>
+            </a:p>
+          </p:txBody>
+        </p:sp>
+        <p:sp>
+          <p:nvSpPr>
+            <p:cNvPr id="15" name="Rectangle 14"/>
+            <p:cNvSpPr/>
+            <p:nvPr/>
+          </p:nvSpPr>
+          <p:spPr>
+            <a:xfrm>
+              <a:off x="3077583" y="2962483"/>
+              <a:ext cx="360000" cy="393031"/>
+            </a:xfrm>
+            <a:prstGeom prst="rect">
+              <a:avLst/>
+            </a:prstGeom>
+            <a:solidFill>
+              <a:schemeClr val="accent1">
+                <a:lumMod val="20000"/>
+                <a:lumOff val="80000"/>
+              </a:schemeClr>
+            </a:solidFill>
+          </p:spPr>
+          <p:style>
+            <a:lnRef idx="2">
+              <a:schemeClr val="accent1">
+                <a:shade val="50000"/>
+              </a:schemeClr>
+            </a:lnRef>
+            <a:fillRef idx="1">
+              <a:schemeClr val="accent1"/>
+            </a:fillRef>
+            <a:effectRef idx="0">
+              <a:schemeClr val="accent1"/>
+            </a:effectRef>
+            <a:fontRef idx="minor">
+              <a:schemeClr val="lt1"/>
+            </a:fontRef>
+          </p:style>
+          <p:txBody>
+            <a:bodyPr rtlCol="0" anchor="ctr"/>
+            <a:lstStyle/>
+            <a:p>
+              <a:pPr algn="ctr"/>
+              <a:r>
+                <a:rPr lang="pt-BR" sz="1600" dirty="0">
+                  <a:solidFill>
+                    <a:schemeClr val="tx1"/>
+                  </a:solidFill>
+                </a:rPr>
+                <a:t>3</a:t>
+              </a:r>
+            </a:p>
+          </p:txBody>
+        </p:sp>
+        <p:sp>
+          <p:nvSpPr>
+            <p:cNvPr id="16" name="Rectangle 15"/>
+            <p:cNvSpPr/>
+            <p:nvPr/>
+          </p:nvSpPr>
+          <p:spPr>
+            <a:xfrm>
+              <a:off x="3434367" y="2962483"/>
+              <a:ext cx="360000" cy="393031"/>
+            </a:xfrm>
+            <a:prstGeom prst="rect">
+              <a:avLst/>
+            </a:prstGeom>
+            <a:solidFill>
+              <a:schemeClr val="accent1">
+                <a:lumMod val="20000"/>
+                <a:lumOff val="80000"/>
+              </a:schemeClr>
+            </a:solidFill>
+          </p:spPr>
+          <p:style>
+            <a:lnRef idx="2">
+              <a:schemeClr val="accent1">
+                <a:shade val="50000"/>
+              </a:schemeClr>
+            </a:lnRef>
+            <a:fillRef idx="1">
+              <a:schemeClr val="accent1"/>
+            </a:fillRef>
+            <a:effectRef idx="0">
+              <a:schemeClr val="accent1"/>
+            </a:effectRef>
+            <a:fontRef idx="minor">
+              <a:schemeClr val="lt1"/>
+            </a:fontRef>
+          </p:style>
+          <p:txBody>
+            <a:bodyPr rtlCol="0" anchor="ctr"/>
+            <a:lstStyle/>
+            <a:p>
+              <a:pPr algn="ctr"/>
+              <a:r>
+                <a:rPr lang="pt-BR" sz="1600" dirty="0">
+                  <a:solidFill>
+                    <a:schemeClr val="tx1"/>
+                  </a:solidFill>
+                </a:rPr>
+                <a:t>4</a:t>
+              </a:r>
+            </a:p>
+          </p:txBody>
+        </p:sp>
+        <p:sp>
+          <p:nvSpPr>
+            <p:cNvPr id="17" name="Rectangle 16"/>
+            <p:cNvSpPr/>
+            <p:nvPr/>
+          </p:nvSpPr>
+          <p:spPr>
+            <a:xfrm>
+              <a:off x="2354701" y="3355701"/>
+              <a:ext cx="360000" cy="393031"/>
+            </a:xfrm>
+            <a:prstGeom prst="rect">
+              <a:avLst/>
+            </a:prstGeom>
+            <a:solidFill>
+              <a:schemeClr val="accent1">
+                <a:lumMod val="20000"/>
+                <a:lumOff val="80000"/>
+              </a:schemeClr>
+            </a:solidFill>
+          </p:spPr>
+          <p:style>
+            <a:lnRef idx="2">
+              <a:schemeClr val="accent1">
+                <a:shade val="50000"/>
+              </a:schemeClr>
+            </a:lnRef>
+            <a:fillRef idx="1">
+              <a:schemeClr val="accent1"/>
+            </a:fillRef>
+            <a:effectRef idx="0">
+              <a:schemeClr val="accent1"/>
+            </a:effectRef>
+            <a:fontRef idx="minor">
+              <a:schemeClr val="lt1"/>
+            </a:fontRef>
+          </p:style>
+          <p:txBody>
+            <a:bodyPr rtlCol="0" anchor="ctr"/>
+            <a:lstStyle/>
+            <a:p>
+              <a:pPr algn="ctr"/>
+              <a:r>
+                <a:rPr lang="pt-BR" sz="1600" dirty="0">
+                  <a:solidFill>
+                    <a:schemeClr val="tx1"/>
+                  </a:solidFill>
+                </a:rPr>
+                <a:t>1</a:t>
+              </a:r>
+            </a:p>
+          </p:txBody>
+        </p:sp>
+        <p:sp>
+          <p:nvSpPr>
+            <p:cNvPr id="18" name="Rectangle 17"/>
+            <p:cNvSpPr/>
+            <p:nvPr/>
+          </p:nvSpPr>
+          <p:spPr>
+            <a:xfrm>
+              <a:off x="2717724" y="3355701"/>
+              <a:ext cx="360000" cy="393031"/>
+            </a:xfrm>
+            <a:prstGeom prst="rect">
+              <a:avLst/>
+            </a:prstGeom>
+            <a:solidFill>
+              <a:schemeClr val="accent1">
+                <a:lumMod val="20000"/>
+                <a:lumOff val="80000"/>
+              </a:schemeClr>
+            </a:solidFill>
+          </p:spPr>
+          <p:style>
+            <a:lnRef idx="2">
+              <a:schemeClr val="accent1">
+                <a:shade val="50000"/>
+              </a:schemeClr>
+            </a:lnRef>
+            <a:fillRef idx="1">
+              <a:schemeClr val="accent1"/>
+            </a:fillRef>
+            <a:effectRef idx="0">
+              <a:schemeClr val="accent1"/>
+            </a:effectRef>
+            <a:fontRef idx="minor">
+              <a:schemeClr val="lt1"/>
+            </a:fontRef>
+          </p:style>
+          <p:txBody>
+            <a:bodyPr rtlCol="0" anchor="ctr"/>
+            <a:lstStyle/>
+            <a:p>
+              <a:pPr algn="ctr"/>
+              <a:r>
+                <a:rPr lang="pt-BR" sz="1600" dirty="0">
+                  <a:solidFill>
+                    <a:schemeClr val="tx1"/>
+                  </a:solidFill>
+                </a:rPr>
+                <a:t>2</a:t>
+              </a:r>
+            </a:p>
+          </p:txBody>
+        </p:sp>
+        <p:sp>
+          <p:nvSpPr>
+            <p:cNvPr id="19" name="Rectangle 18"/>
+            <p:cNvSpPr/>
+            <p:nvPr/>
+          </p:nvSpPr>
+          <p:spPr>
+            <a:xfrm>
+              <a:off x="3797390" y="3351731"/>
+              <a:ext cx="360000" cy="393031"/>
+            </a:xfrm>
+            <a:prstGeom prst="rect">
+              <a:avLst/>
+            </a:prstGeom>
+            <a:solidFill>
+              <a:schemeClr val="accent1">
+                <a:lumMod val="20000"/>
+                <a:lumOff val="80000"/>
+              </a:schemeClr>
+            </a:solidFill>
+          </p:spPr>
+          <p:style>
+            <a:lnRef idx="2">
+              <a:schemeClr val="accent1">
+                <a:shade val="50000"/>
+              </a:schemeClr>
+            </a:lnRef>
+            <a:fillRef idx="1">
+              <a:schemeClr val="accent1"/>
+            </a:fillRef>
+            <a:effectRef idx="0">
+              <a:schemeClr val="accent1"/>
+            </a:effectRef>
+            <a:fontRef idx="minor">
+              <a:schemeClr val="lt1"/>
+            </a:fontRef>
+          </p:style>
+          <p:txBody>
+            <a:bodyPr rtlCol="0" anchor="ctr"/>
+            <a:lstStyle/>
+            <a:p>
+              <a:pPr algn="ctr"/>
+              <a:r>
+                <a:rPr lang="pt-BR" sz="1600" dirty="0">
+                  <a:solidFill>
+                    <a:schemeClr val="tx1"/>
+                  </a:solidFill>
+                </a:rPr>
+                <a:t>5</a:t>
+              </a:r>
+            </a:p>
+          </p:txBody>
+        </p:sp>
+        <p:sp>
+          <p:nvSpPr>
+            <p:cNvPr id="20" name="Rectangle 19"/>
+            <p:cNvSpPr/>
+            <p:nvPr/>
+          </p:nvSpPr>
+          <p:spPr>
+            <a:xfrm>
+              <a:off x="3077583" y="3351731"/>
+              <a:ext cx="360000" cy="393031"/>
+            </a:xfrm>
+            <a:prstGeom prst="rect">
+              <a:avLst/>
+            </a:prstGeom>
+            <a:solidFill>
+              <a:schemeClr val="accent1">
+                <a:lumMod val="60000"/>
+                <a:lumOff val="40000"/>
+              </a:schemeClr>
+            </a:solidFill>
+          </p:spPr>
+          <p:style>
+            <a:lnRef idx="2">
+              <a:schemeClr val="accent1">
+                <a:shade val="50000"/>
+              </a:schemeClr>
+            </a:lnRef>
+            <a:fillRef idx="1">
+              <a:schemeClr val="accent1"/>
+            </a:fillRef>
+            <a:effectRef idx="0">
+              <a:schemeClr val="accent1"/>
+            </a:effectRef>
+            <a:fontRef idx="minor">
+              <a:schemeClr val="lt1"/>
+            </a:fontRef>
+          </p:style>
+          <p:txBody>
+            <a:bodyPr rtlCol="0" anchor="ctr"/>
+            <a:lstStyle/>
+            <a:p>
+              <a:pPr algn="ctr"/>
+              <a:r>
+                <a:rPr lang="pt-BR" sz="1600" dirty="0">
+                  <a:solidFill>
+                    <a:schemeClr val="tx1"/>
+                  </a:solidFill>
+                </a:rPr>
+                <a:t>3</a:t>
+              </a:r>
+            </a:p>
+          </p:txBody>
+        </p:sp>
+        <p:sp>
+          <p:nvSpPr>
+            <p:cNvPr id="21" name="Rectangle 20"/>
+            <p:cNvSpPr/>
+            <p:nvPr/>
+          </p:nvSpPr>
+          <p:spPr>
+            <a:xfrm>
+              <a:off x="3435843" y="3351731"/>
+              <a:ext cx="360000" cy="393031"/>
+            </a:xfrm>
+            <a:prstGeom prst="rect">
+              <a:avLst/>
+            </a:prstGeom>
+            <a:solidFill>
+              <a:schemeClr val="accent1">
+                <a:lumMod val="20000"/>
+                <a:lumOff val="80000"/>
+              </a:schemeClr>
+            </a:solidFill>
+          </p:spPr>
+          <p:style>
+            <a:lnRef idx="2">
+              <a:schemeClr val="accent1">
+                <a:shade val="50000"/>
+              </a:schemeClr>
+            </a:lnRef>
+            <a:fillRef idx="1">
+              <a:schemeClr val="accent1"/>
+            </a:fillRef>
+            <a:effectRef idx="0">
+              <a:schemeClr val="accent1"/>
+            </a:effectRef>
+            <a:fontRef idx="minor">
+              <a:schemeClr val="lt1"/>
+            </a:fontRef>
+          </p:style>
+          <p:txBody>
+            <a:bodyPr rtlCol="0" anchor="ctr"/>
+            <a:lstStyle/>
+            <a:p>
+              <a:pPr algn="ctr"/>
+              <a:r>
+                <a:rPr lang="pt-BR" sz="1600" dirty="0">
+                  <a:solidFill>
+                    <a:schemeClr val="tx1"/>
+                  </a:solidFill>
+                </a:rPr>
+                <a:t>4</a:t>
+              </a:r>
+            </a:p>
+          </p:txBody>
+        </p:sp>
+        <p:sp>
+          <p:nvSpPr>
+            <p:cNvPr id="22" name="Rectangle 21"/>
+            <p:cNvSpPr/>
+            <p:nvPr/>
+          </p:nvSpPr>
+          <p:spPr>
+            <a:xfrm>
+              <a:off x="2354812" y="3744949"/>
+              <a:ext cx="360000" cy="393031"/>
+            </a:xfrm>
+            <a:prstGeom prst="rect">
+              <a:avLst/>
+            </a:prstGeom>
+            <a:solidFill>
+              <a:schemeClr val="accent1">
+                <a:lumMod val="20000"/>
+                <a:lumOff val="80000"/>
+              </a:schemeClr>
+            </a:solidFill>
+          </p:spPr>
+          <p:style>
+            <a:lnRef idx="2">
+              <a:schemeClr val="accent1">
+                <a:shade val="50000"/>
+              </a:schemeClr>
+            </a:lnRef>
+            <a:fillRef idx="1">
+              <a:schemeClr val="accent1"/>
+            </a:fillRef>
+            <a:effectRef idx="0">
+              <a:schemeClr val="accent1"/>
+            </a:effectRef>
+            <a:fontRef idx="minor">
+              <a:schemeClr val="lt1"/>
+            </a:fontRef>
+          </p:style>
+          <p:txBody>
+            <a:bodyPr rtlCol="0" anchor="ctr"/>
+            <a:lstStyle/>
+            <a:p>
+              <a:pPr algn="ctr"/>
+              <a:r>
+                <a:rPr lang="pt-BR" sz="1600" dirty="0">
+                  <a:solidFill>
+                    <a:schemeClr val="tx1"/>
+                  </a:solidFill>
+                </a:rPr>
+                <a:t>1</a:t>
+              </a:r>
+            </a:p>
+          </p:txBody>
+        </p:sp>
+        <p:sp>
+          <p:nvSpPr>
+            <p:cNvPr id="23" name="Rectangle 22"/>
+            <p:cNvSpPr/>
+            <p:nvPr/>
+          </p:nvSpPr>
+          <p:spPr>
+            <a:xfrm>
+              <a:off x="2715454" y="3744949"/>
+              <a:ext cx="360000" cy="393031"/>
+            </a:xfrm>
+            <a:prstGeom prst="rect">
+              <a:avLst/>
+            </a:prstGeom>
+            <a:solidFill>
+              <a:schemeClr val="accent1">
+                <a:lumMod val="20000"/>
+                <a:lumOff val="80000"/>
+              </a:schemeClr>
+            </a:solidFill>
+          </p:spPr>
+          <p:style>
+            <a:lnRef idx="2">
+              <a:schemeClr val="accent1">
+                <a:shade val="50000"/>
+              </a:schemeClr>
+            </a:lnRef>
+            <a:fillRef idx="1">
+              <a:schemeClr val="accent1"/>
+            </a:fillRef>
+            <a:effectRef idx="0">
+              <a:schemeClr val="accent1"/>
+            </a:effectRef>
+            <a:fontRef idx="minor">
+              <a:schemeClr val="lt1"/>
+            </a:fontRef>
+          </p:style>
+          <p:txBody>
+            <a:bodyPr rtlCol="0" anchor="ctr"/>
+            <a:lstStyle/>
+            <a:p>
+              <a:pPr algn="ctr"/>
+              <a:r>
+                <a:rPr lang="pt-BR" sz="1600" dirty="0">
+                  <a:solidFill>
+                    <a:schemeClr val="tx1"/>
+                  </a:solidFill>
+                </a:rPr>
+                <a:t>2</a:t>
+              </a:r>
+            </a:p>
+          </p:txBody>
+        </p:sp>
+        <p:sp>
+          <p:nvSpPr>
+            <p:cNvPr id="24" name="Rectangle 23"/>
+            <p:cNvSpPr/>
+            <p:nvPr/>
+          </p:nvSpPr>
+          <p:spPr>
+            <a:xfrm>
+              <a:off x="3797390" y="3747329"/>
+              <a:ext cx="360000" cy="393031"/>
+            </a:xfrm>
+            <a:prstGeom prst="rect">
+              <a:avLst/>
+            </a:prstGeom>
+            <a:solidFill>
+              <a:schemeClr val="accent1">
+                <a:lumMod val="20000"/>
+                <a:lumOff val="80000"/>
+              </a:schemeClr>
+            </a:solidFill>
+          </p:spPr>
+          <p:style>
+            <a:lnRef idx="2">
+              <a:schemeClr val="accent1">
+                <a:shade val="50000"/>
+              </a:schemeClr>
+            </a:lnRef>
+            <a:fillRef idx="1">
+              <a:schemeClr val="accent1"/>
+            </a:fillRef>
+            <a:effectRef idx="0">
+              <a:schemeClr val="accent1"/>
+            </a:effectRef>
+            <a:fontRef idx="minor">
+              <a:schemeClr val="lt1"/>
+            </a:fontRef>
+          </p:style>
+          <p:txBody>
+            <a:bodyPr rtlCol="0" anchor="ctr"/>
+            <a:lstStyle/>
+            <a:p>
+              <a:pPr algn="ctr"/>
+              <a:r>
+                <a:rPr lang="pt-BR" sz="1600" dirty="0">
+                  <a:solidFill>
+                    <a:schemeClr val="tx1"/>
+                  </a:solidFill>
+                </a:rPr>
+                <a:t>5</a:t>
+              </a:r>
+            </a:p>
+          </p:txBody>
+        </p:sp>
+        <p:sp>
+          <p:nvSpPr>
+            <p:cNvPr id="25" name="Rectangle 24"/>
+            <p:cNvSpPr/>
+            <p:nvPr/>
+          </p:nvSpPr>
+          <p:spPr>
+            <a:xfrm>
+              <a:off x="3076107" y="3747329"/>
+              <a:ext cx="360000" cy="393031"/>
+            </a:xfrm>
+            <a:prstGeom prst="rect">
+              <a:avLst/>
+            </a:prstGeom>
+            <a:solidFill>
+              <a:schemeClr val="accent1">
+                <a:lumMod val="20000"/>
+                <a:lumOff val="80000"/>
+              </a:schemeClr>
+            </a:solidFill>
+          </p:spPr>
+          <p:style>
+            <a:lnRef idx="2">
+              <a:schemeClr val="accent1">
+                <a:shade val="50000"/>
+              </a:schemeClr>
+            </a:lnRef>
+            <a:fillRef idx="1">
+              <a:schemeClr val="accent1"/>
+            </a:fillRef>
+            <a:effectRef idx="0">
+              <a:schemeClr val="accent1"/>
+            </a:effectRef>
+            <a:fontRef idx="minor">
+              <a:schemeClr val="lt1"/>
+            </a:fontRef>
+          </p:style>
+          <p:txBody>
+            <a:bodyPr rtlCol="0" anchor="ctr"/>
+            <a:lstStyle/>
+            <a:p>
+              <a:pPr algn="ctr"/>
+              <a:r>
+                <a:rPr lang="pt-BR" sz="1600" dirty="0">
+                  <a:solidFill>
+                    <a:schemeClr val="tx1"/>
+                  </a:solidFill>
+                </a:rPr>
+                <a:t>3</a:t>
+              </a:r>
+            </a:p>
+          </p:txBody>
+        </p:sp>
+        <p:sp>
+          <p:nvSpPr>
+            <p:cNvPr id="26" name="Rectangle 25"/>
+            <p:cNvSpPr/>
+            <p:nvPr/>
+          </p:nvSpPr>
+          <p:spPr>
+            <a:xfrm>
+              <a:off x="3434367" y="3747329"/>
+              <a:ext cx="360000" cy="393031"/>
+            </a:xfrm>
+            <a:prstGeom prst="rect">
+              <a:avLst/>
+            </a:prstGeom>
+            <a:solidFill>
+              <a:schemeClr val="accent1">
+                <a:lumMod val="60000"/>
+                <a:lumOff val="40000"/>
+              </a:schemeClr>
+            </a:solidFill>
+          </p:spPr>
+          <p:style>
+            <a:lnRef idx="2">
+              <a:schemeClr val="accent1">
+                <a:shade val="50000"/>
+              </a:schemeClr>
+            </a:lnRef>
+            <a:fillRef idx="1">
+              <a:schemeClr val="accent1"/>
+            </a:fillRef>
+            <a:effectRef idx="0">
+              <a:schemeClr val="accent1"/>
+            </a:effectRef>
+            <a:fontRef idx="minor">
+              <a:schemeClr val="lt1"/>
+            </a:fontRef>
+          </p:style>
+          <p:txBody>
+            <a:bodyPr rtlCol="0" anchor="ctr"/>
+            <a:lstStyle/>
+            <a:p>
+              <a:pPr algn="ctr"/>
+              <a:r>
+                <a:rPr lang="pt-BR" sz="1600" dirty="0">
+                  <a:solidFill>
+                    <a:schemeClr val="tx1"/>
+                  </a:solidFill>
+                </a:rPr>
+                <a:t>4</a:t>
+              </a:r>
+            </a:p>
+          </p:txBody>
+        </p:sp>
+        <p:sp>
+          <p:nvSpPr>
+            <p:cNvPr id="27" name="Rectangle 26"/>
+            <p:cNvSpPr/>
+            <p:nvPr/>
+          </p:nvSpPr>
+          <p:spPr>
+            <a:xfrm>
+              <a:off x="2354812" y="4138959"/>
+              <a:ext cx="360000" cy="393031"/>
+            </a:xfrm>
+            <a:prstGeom prst="rect">
+              <a:avLst/>
+            </a:prstGeom>
+            <a:solidFill>
+              <a:schemeClr val="accent1">
+                <a:lumMod val="20000"/>
+                <a:lumOff val="80000"/>
+              </a:schemeClr>
+            </a:solidFill>
+          </p:spPr>
+          <p:style>
+            <a:lnRef idx="2">
+              <a:schemeClr val="accent1">
+                <a:shade val="50000"/>
+              </a:schemeClr>
+            </a:lnRef>
+            <a:fillRef idx="1">
+              <a:schemeClr val="accent1"/>
+            </a:fillRef>
+            <a:effectRef idx="0">
+              <a:schemeClr val="accent1"/>
+            </a:effectRef>
+            <a:fontRef idx="minor">
+              <a:schemeClr val="lt1"/>
+            </a:fontRef>
+          </p:style>
+          <p:txBody>
+            <a:bodyPr rtlCol="0" anchor="ctr"/>
+            <a:lstStyle/>
+            <a:p>
+              <a:pPr algn="ctr"/>
+              <a:r>
+                <a:rPr lang="pt-BR" sz="1600" dirty="0">
+                  <a:solidFill>
+                    <a:schemeClr val="tx1"/>
+                  </a:solidFill>
+                </a:rPr>
+                <a:t>1</a:t>
+              </a:r>
+            </a:p>
+          </p:txBody>
+        </p:sp>
+        <p:sp>
+          <p:nvSpPr>
+            <p:cNvPr id="28" name="Rectangle 27"/>
+            <p:cNvSpPr/>
+            <p:nvPr/>
+          </p:nvSpPr>
+          <p:spPr>
+            <a:xfrm>
+              <a:off x="2715454" y="4139753"/>
+              <a:ext cx="360000" cy="393031"/>
+            </a:xfrm>
+            <a:prstGeom prst="rect">
+              <a:avLst/>
+            </a:prstGeom>
+            <a:solidFill>
+              <a:schemeClr val="accent1">
+                <a:lumMod val="20000"/>
+                <a:lumOff val="80000"/>
+              </a:schemeClr>
+            </a:solidFill>
+          </p:spPr>
+          <p:style>
+            <a:lnRef idx="2">
+              <a:schemeClr val="accent1">
+                <a:shade val="50000"/>
+              </a:schemeClr>
+            </a:lnRef>
+            <a:fillRef idx="1">
+              <a:schemeClr val="accent1"/>
+            </a:fillRef>
+            <a:effectRef idx="0">
+              <a:schemeClr val="accent1"/>
+            </a:effectRef>
+            <a:fontRef idx="minor">
+              <a:schemeClr val="lt1"/>
+            </a:fontRef>
+          </p:style>
+          <p:txBody>
+            <a:bodyPr rtlCol="0" anchor="ctr"/>
+            <a:lstStyle/>
+            <a:p>
+              <a:pPr algn="ctr"/>
+              <a:r>
+                <a:rPr lang="pt-BR" sz="1600" dirty="0">
+                  <a:solidFill>
+                    <a:schemeClr val="tx1"/>
+                  </a:solidFill>
+                </a:rPr>
+                <a:t>2</a:t>
+              </a:r>
+            </a:p>
+          </p:txBody>
+        </p:sp>
+        <p:sp>
+          <p:nvSpPr>
+            <p:cNvPr id="29" name="Rectangle 28"/>
+            <p:cNvSpPr/>
+            <p:nvPr/>
+          </p:nvSpPr>
+          <p:spPr>
+            <a:xfrm>
+              <a:off x="3797390" y="4139751"/>
+              <a:ext cx="360000" cy="393031"/>
+            </a:xfrm>
+            <a:prstGeom prst="rect">
+              <a:avLst/>
+            </a:prstGeom>
+            <a:solidFill>
+              <a:schemeClr val="accent1">
+                <a:lumMod val="60000"/>
+                <a:lumOff val="40000"/>
+              </a:schemeClr>
+            </a:solidFill>
+          </p:spPr>
+          <p:style>
+            <a:lnRef idx="2">
+              <a:schemeClr val="accent1">
+                <a:shade val="50000"/>
+              </a:schemeClr>
+            </a:lnRef>
+            <a:fillRef idx="1">
+              <a:schemeClr val="accent1"/>
+            </a:fillRef>
+            <a:effectRef idx="0">
+              <a:schemeClr val="accent1"/>
+            </a:effectRef>
+            <a:fontRef idx="minor">
+              <a:schemeClr val="lt1"/>
+            </a:fontRef>
+          </p:style>
+          <p:txBody>
+            <a:bodyPr rtlCol="0" anchor="ctr"/>
+            <a:lstStyle/>
+            <a:p>
+              <a:pPr algn="ctr"/>
+              <a:r>
+                <a:rPr lang="pt-BR" sz="1600" dirty="0">
+                  <a:solidFill>
+                    <a:schemeClr val="tx1"/>
+                  </a:solidFill>
+                </a:rPr>
+                <a:t>5</a:t>
+              </a:r>
+            </a:p>
+          </p:txBody>
+        </p:sp>
+        <p:sp>
+          <p:nvSpPr>
+            <p:cNvPr id="30" name="Rectangle 29"/>
+            <p:cNvSpPr/>
+            <p:nvPr/>
+          </p:nvSpPr>
+          <p:spPr>
+            <a:xfrm>
+              <a:off x="3076107" y="4139751"/>
+              <a:ext cx="360000" cy="393031"/>
+            </a:xfrm>
+            <a:prstGeom prst="rect">
+              <a:avLst/>
+            </a:prstGeom>
+            <a:solidFill>
+              <a:schemeClr val="accent1">
+                <a:lumMod val="20000"/>
+                <a:lumOff val="80000"/>
+              </a:schemeClr>
+            </a:solidFill>
+          </p:spPr>
+          <p:style>
+            <a:lnRef idx="2">
+              <a:schemeClr val="accent1">
+                <a:shade val="50000"/>
+              </a:schemeClr>
+            </a:lnRef>
+            <a:fillRef idx="1">
+              <a:schemeClr val="accent1"/>
+            </a:fillRef>
+            <a:effectRef idx="0">
+              <a:schemeClr val="accent1"/>
+            </a:effectRef>
+            <a:fontRef idx="minor">
+              <a:schemeClr val="lt1"/>
+            </a:fontRef>
+          </p:style>
+          <p:txBody>
+            <a:bodyPr rtlCol="0" anchor="ctr"/>
+            <a:lstStyle/>
+            <a:p>
+              <a:pPr algn="ctr"/>
+              <a:r>
+                <a:rPr lang="pt-BR" sz="1600" dirty="0">
+                  <a:solidFill>
+                    <a:schemeClr val="tx1"/>
+                  </a:solidFill>
+                </a:rPr>
+                <a:t>3</a:t>
+              </a:r>
+            </a:p>
+          </p:txBody>
+        </p:sp>
+        <p:sp>
+          <p:nvSpPr>
+            <p:cNvPr id="31" name="Rectangle 30"/>
+            <p:cNvSpPr/>
+            <p:nvPr/>
+          </p:nvSpPr>
+          <p:spPr>
+            <a:xfrm>
+              <a:off x="3434367" y="4139751"/>
+              <a:ext cx="360000" cy="393031"/>
+            </a:xfrm>
+            <a:prstGeom prst="rect">
+              <a:avLst/>
+            </a:prstGeom>
+            <a:solidFill>
+              <a:schemeClr val="accent1">
+                <a:lumMod val="20000"/>
+                <a:lumOff val="80000"/>
+              </a:schemeClr>
+            </a:solidFill>
+          </p:spPr>
+          <p:style>
+            <a:lnRef idx="2">
+              <a:schemeClr val="accent1">
+                <a:shade val="50000"/>
+              </a:schemeClr>
+            </a:lnRef>
+            <a:fillRef idx="1">
+              <a:schemeClr val="accent1"/>
+            </a:fillRef>
+            <a:effectRef idx="0">
+              <a:schemeClr val="accent1"/>
+            </a:effectRef>
+            <a:fontRef idx="minor">
+              <a:schemeClr val="lt1"/>
+            </a:fontRef>
+          </p:style>
+          <p:txBody>
+            <a:bodyPr rtlCol="0" anchor="ctr"/>
+            <a:lstStyle/>
+            <a:p>
+              <a:pPr algn="ctr"/>
+              <a:r>
+                <a:rPr lang="pt-BR" sz="1600" dirty="0">
+                  <a:solidFill>
+                    <a:schemeClr val="tx1"/>
+                  </a:solidFill>
+                </a:rPr>
+                <a:t>4</a:t>
+              </a:r>
+            </a:p>
+          </p:txBody>
+        </p:sp>
+        <p:sp>
+          <p:nvSpPr>
+            <p:cNvPr id="32" name="TextBox 31"/>
+            <p:cNvSpPr txBox="1"/>
+            <p:nvPr/>
+          </p:nvSpPr>
+          <p:spPr>
+            <a:xfrm>
+              <a:off x="2354812" y="2108363"/>
+              <a:ext cx="1800000" cy="307777"/>
+            </a:xfrm>
+            <a:prstGeom prst="rect">
+              <a:avLst/>
+            </a:prstGeom>
+            <a:noFill/>
+          </p:spPr>
+          <p:txBody>
+            <a:bodyPr wrap="square" rtlCol="0">
+              <a:spAutoFit/>
+            </a:bodyPr>
+            <a:lstStyle/>
+            <a:p>
+              <a:pPr algn="ctr"/>
+              <a:r>
+                <a:rPr lang="pt-BR" sz="1400" dirty="0"/>
+                <a:t>Total de dados</a:t>
+              </a:r>
+            </a:p>
+          </p:txBody>
+        </p:sp>
+        <p:cxnSp>
+          <p:nvCxnSpPr>
+            <p:cNvPr id="33" name="Straight Arrow Connector 32"/>
+            <p:cNvCxnSpPr/>
+            <p:nvPr/>
+          </p:nvCxnSpPr>
+          <p:spPr>
+            <a:xfrm>
+              <a:off x="2354812" y="2433423"/>
+              <a:ext cx="1800000" cy="0"/>
+            </a:xfrm>
+            <a:prstGeom prst="straightConnector1">
+              <a:avLst/>
+            </a:prstGeom>
+            <a:ln>
+              <a:solidFill>
+                <a:schemeClr val="tx1"/>
+              </a:solidFill>
+              <a:headEnd type="triangle"/>
+              <a:tailEnd type="triangle"/>
+            </a:ln>
+          </p:spPr>
+          <p:style>
+            <a:lnRef idx="1">
+              <a:schemeClr val="accent1"/>
+            </a:lnRef>
+            <a:fillRef idx="0">
+              <a:schemeClr val="accent1"/>
+            </a:fillRef>
+            <a:effectRef idx="0">
+              <a:schemeClr val="accent1"/>
+            </a:effectRef>
+            <a:fontRef idx="minor">
+              <a:schemeClr val="tx1"/>
+            </a:fontRef>
+          </p:style>
+        </p:cxnSp>
+        <p:sp>
+          <p:nvSpPr>
+            <p:cNvPr id="34" name="Rectangle 33"/>
+            <p:cNvSpPr/>
+            <p:nvPr/>
+          </p:nvSpPr>
+          <p:spPr>
+            <a:xfrm>
+              <a:off x="2354807" y="5247419"/>
+              <a:ext cx="326715" cy="301641"/>
+            </a:xfrm>
+            <a:prstGeom prst="rect">
+              <a:avLst/>
+            </a:prstGeom>
+            <a:solidFill>
+              <a:schemeClr val="accent1">
+                <a:lumMod val="60000"/>
+                <a:lumOff val="40000"/>
+              </a:schemeClr>
+            </a:solidFill>
+          </p:spPr>
+          <p:style>
+            <a:lnRef idx="2">
+              <a:schemeClr val="accent1">
+                <a:shade val="50000"/>
+              </a:schemeClr>
+            </a:lnRef>
+            <a:fillRef idx="1">
+              <a:schemeClr val="accent1"/>
+            </a:fillRef>
+            <a:effectRef idx="0">
+              <a:schemeClr val="accent1"/>
+            </a:effectRef>
+            <a:fontRef idx="minor">
+              <a:schemeClr val="lt1"/>
+            </a:fontRef>
+          </p:style>
+          <p:txBody>
+            <a:bodyPr rtlCol="0" anchor="ctr"/>
+            <a:lstStyle/>
+            <a:p>
+              <a:pPr algn="ctr"/>
+              <a:endParaRPr lang="pt-BR" sz="1600" dirty="0">
                 <a:solidFill>
-                  <a:srgbClr val="7030A0"/>
+                  <a:schemeClr val="tx1"/>
                 </a:solidFill>
-              </a:rPr>
-              <a:t>escalonamento de atributos</a:t>
-            </a:r>
-            <a:r>
-              <a:rPr lang="pt-BR" dirty="0"/>
-              <a:t> </a:t>
-            </a:r>
-            <a:r>
-              <a:rPr lang="pt-BR" b="1" i="1" dirty="0">
+              </a:endParaRPr>
+            </a:p>
+          </p:txBody>
+        </p:sp>
+        <p:sp>
+          <p:nvSpPr>
+            <p:cNvPr id="35" name="Rectangle 34"/>
+            <p:cNvSpPr/>
+            <p:nvPr/>
+          </p:nvSpPr>
+          <p:spPr>
+            <a:xfrm>
+              <a:off x="2354807" y="4877968"/>
+              <a:ext cx="328339" cy="301642"/>
+            </a:xfrm>
+            <a:prstGeom prst="rect">
+              <a:avLst/>
+            </a:prstGeom>
+            <a:solidFill>
+              <a:schemeClr val="accent1">
+                <a:lumMod val="20000"/>
+                <a:lumOff val="80000"/>
+              </a:schemeClr>
+            </a:solidFill>
+          </p:spPr>
+          <p:style>
+            <a:lnRef idx="2">
+              <a:schemeClr val="accent1">
+                <a:shade val="50000"/>
+              </a:schemeClr>
+            </a:lnRef>
+            <a:fillRef idx="1">
+              <a:schemeClr val="accent1"/>
+            </a:fillRef>
+            <a:effectRef idx="0">
+              <a:schemeClr val="accent1"/>
+            </a:effectRef>
+            <a:fontRef idx="minor">
+              <a:schemeClr val="lt1"/>
+            </a:fontRef>
+          </p:style>
+          <p:txBody>
+            <a:bodyPr rtlCol="0" anchor="ctr"/>
+            <a:lstStyle/>
+            <a:p>
+              <a:pPr algn="ctr"/>
+              <a:endParaRPr lang="pt-BR" sz="1600" dirty="0">
                 <a:solidFill>
-                  <a:srgbClr val="00B050"/>
+                  <a:schemeClr val="tx1"/>
                 </a:solidFill>
-              </a:rPr>
-              <a:t>acelerara o aprendizado do GD </a:t>
-            </a:r>
-            <a:r>
-              <a:rPr lang="pt-BR" dirty="0"/>
-              <a:t>quando os atributos têm intervalos de variação muito diferentes.</a:t>
-            </a:r>
-          </a:p>
-          <a:p>
-            <a:r>
-              <a:rPr lang="pt-BR" dirty="0"/>
-              <a:t>Aprendemos que </a:t>
-            </a:r>
-            <a:r>
-              <a:rPr lang="pt-BR" b="1" i="1" dirty="0">
-                <a:solidFill>
-                  <a:srgbClr val="7030A0"/>
-                </a:solidFill>
-              </a:rPr>
-              <a:t>funções hipótese polinomiais</a:t>
-            </a:r>
-            <a:r>
-              <a:rPr lang="pt-BR" b="1" i="1" dirty="0"/>
-              <a:t> </a:t>
-            </a:r>
-            <a:r>
-              <a:rPr lang="pt-BR" dirty="0"/>
-              <a:t>podem ser utilizadas para </a:t>
-            </a:r>
-            <a:r>
-              <a:rPr lang="pt-BR" b="1" i="1" dirty="0">
-                <a:solidFill>
-                  <a:srgbClr val="00B050"/>
-                </a:solidFill>
-              </a:rPr>
-              <a:t>aproximar comportamentos não-lineares</a:t>
-            </a:r>
-            <a:r>
-              <a:rPr lang="pt-BR" dirty="0"/>
-              <a:t>.</a:t>
-            </a:r>
-          </a:p>
-          <a:p>
-            <a:r>
-              <a:rPr lang="pt-BR" dirty="0"/>
-              <a:t>Porém, precisamos </a:t>
-            </a:r>
-            <a:r>
-              <a:rPr lang="pt-BR" b="1" i="1" dirty="0">
-                <a:solidFill>
-                  <a:srgbClr val="002060"/>
-                </a:solidFill>
-              </a:rPr>
-              <a:t>encontrar o grau ideal do polinômio aproximador</a:t>
-            </a:r>
-            <a:r>
-              <a:rPr lang="pt-BR" dirty="0"/>
-              <a:t>.</a:t>
-            </a:r>
-          </a:p>
-          <a:p>
-            <a:pPr lvl="1">
-              <a:buFont typeface="Wingdings" panose="05000000000000000000" pitchFamily="2" charset="2"/>
-              <a:buChar char="§"/>
-            </a:pPr>
-            <a:r>
-              <a:rPr lang="pt-BR" dirty="0"/>
-              <a:t>Polinômios com </a:t>
-            </a:r>
-            <a:r>
-              <a:rPr lang="pt-BR" b="1" i="1" dirty="0">
-                <a:solidFill>
-                  <a:srgbClr val="7030A0"/>
-                </a:solidFill>
-              </a:rPr>
-              <a:t>grau muito baixo</a:t>
-            </a:r>
-            <a:r>
-              <a:rPr lang="pt-BR" dirty="0"/>
-              <a:t> podem não ter flexibilidade o suficiente para aproximar os dados, causando </a:t>
-            </a:r>
-            <a:r>
-              <a:rPr lang="pt-BR" b="1" i="1" dirty="0"/>
-              <a:t>subajuste</a:t>
-            </a:r>
-            <a:r>
-              <a:rPr lang="pt-BR" dirty="0"/>
-              <a:t>.</a:t>
-            </a:r>
-          </a:p>
-          <a:p>
-            <a:pPr lvl="1">
-              <a:buFont typeface="Wingdings" panose="05000000000000000000" pitchFamily="2" charset="2"/>
-              <a:buChar char="§"/>
-            </a:pPr>
-            <a:r>
-              <a:rPr lang="pt-BR" dirty="0"/>
-              <a:t>Polinômios com </a:t>
-            </a:r>
-            <a:r>
-              <a:rPr lang="pt-BR" b="1" i="1" dirty="0">
-                <a:solidFill>
-                  <a:srgbClr val="7030A0"/>
-                </a:solidFill>
-              </a:rPr>
-              <a:t>grau muito alto</a:t>
-            </a:r>
-            <a:r>
-              <a:rPr lang="pt-BR" dirty="0"/>
-              <a:t> podem ser tão flexíveis que acabam memorizando os dados de treinamento, causando </a:t>
-            </a:r>
-            <a:r>
-              <a:rPr lang="pt-BR" b="1" i="1" dirty="0"/>
-              <a:t>sobreajuste</a:t>
-            </a:r>
-            <a:r>
-              <a:rPr lang="pt-BR" dirty="0"/>
-              <a:t>.</a:t>
-            </a:r>
-          </a:p>
-          <a:p>
-            <a:r>
-              <a:rPr lang="pt-BR" dirty="0"/>
-              <a:t>Na sequência, veremos como </a:t>
-            </a:r>
-            <a:r>
-              <a:rPr lang="pt-BR" b="1" i="1" dirty="0">
-                <a:solidFill>
-                  <a:srgbClr val="7030A0"/>
-                </a:solidFill>
-              </a:rPr>
-              <a:t>escolher o grau ideal</a:t>
-            </a:r>
-            <a:r>
-              <a:rPr lang="pt-BR" b="1" dirty="0">
-                <a:solidFill>
-                  <a:srgbClr val="7030A0"/>
-                </a:solidFill>
-              </a:rPr>
-              <a:t> </a:t>
-            </a:r>
-            <a:r>
-              <a:rPr lang="pt-BR" dirty="0"/>
-              <a:t>da </a:t>
-            </a:r>
-            <a:r>
-              <a:rPr lang="pt-BR" b="1" i="1" dirty="0">
-                <a:solidFill>
-                  <a:srgbClr val="00B050"/>
-                </a:solidFill>
-              </a:rPr>
-              <a:t>função hipótese polinomial de forma quantitativa</a:t>
-            </a:r>
-            <a:r>
-              <a:rPr lang="pt-BR" dirty="0"/>
-              <a:t>, mesmo não conhecendo ou existindo uma função objetivo.</a:t>
-            </a:r>
-          </a:p>
-          <a:p>
-            <a:endParaRPr lang="pt-BR" dirty="0"/>
-          </a:p>
-          <a:p>
-            <a:pPr lvl="1">
-              <a:buFont typeface="Wingdings" panose="05000000000000000000" pitchFamily="2" charset="2"/>
-              <a:buChar char="§"/>
-            </a:pPr>
-            <a:endParaRPr lang="pt-BR" dirty="0"/>
-          </a:p>
-        </p:txBody>
-      </p:sp>
+              </a:endParaRPr>
+            </a:p>
+          </p:txBody>
+        </p:sp>
+        <p:sp>
+          <p:nvSpPr>
+            <p:cNvPr id="36" name="Rectangle 35"/>
+            <p:cNvSpPr/>
+            <p:nvPr/>
+          </p:nvSpPr>
+          <p:spPr>
+            <a:xfrm>
+              <a:off x="1112520" y="2579400"/>
+              <a:ext cx="1242287" cy="307777"/>
+            </a:xfrm>
+            <a:prstGeom prst="rect">
+              <a:avLst/>
+            </a:prstGeom>
+          </p:spPr>
+          <p:txBody>
+            <a:bodyPr wrap="square">
+              <a:spAutoFit/>
+            </a:bodyPr>
+            <a:lstStyle/>
+            <a:p>
+              <a:r>
+                <a:rPr lang="pt-BR" sz="1400" dirty="0"/>
+                <a:t>Treinamento 1</a:t>
+              </a:r>
+            </a:p>
+          </p:txBody>
+        </p:sp>
+        <p:sp>
+          <p:nvSpPr>
+            <p:cNvPr id="37" name="Rectangle 36"/>
+            <p:cNvSpPr/>
+            <p:nvPr/>
+          </p:nvSpPr>
+          <p:spPr>
+            <a:xfrm>
+              <a:off x="1112520" y="4168935"/>
+              <a:ext cx="1242291" cy="307777"/>
+            </a:xfrm>
+            <a:prstGeom prst="rect">
+              <a:avLst/>
+            </a:prstGeom>
+          </p:spPr>
+          <p:txBody>
+            <a:bodyPr wrap="square">
+              <a:spAutoFit/>
+            </a:bodyPr>
+            <a:lstStyle/>
+            <a:p>
+              <a:pPr algn="r"/>
+              <a:r>
+                <a:rPr lang="pt-BR" sz="1400" dirty="0"/>
+                <a:t>Treinamento 5</a:t>
+              </a:r>
+            </a:p>
+          </p:txBody>
+        </p:sp>
+        <p:sp>
+          <p:nvSpPr>
+            <p:cNvPr id="38" name="Rectangle 37"/>
+            <p:cNvSpPr/>
+            <p:nvPr/>
+          </p:nvSpPr>
+          <p:spPr>
+            <a:xfrm>
+              <a:off x="1112520" y="2978791"/>
+              <a:ext cx="1242288" cy="307777"/>
+            </a:xfrm>
+            <a:prstGeom prst="rect">
+              <a:avLst/>
+            </a:prstGeom>
+          </p:spPr>
+          <p:txBody>
+            <a:bodyPr wrap="square">
+              <a:spAutoFit/>
+            </a:bodyPr>
+            <a:lstStyle/>
+            <a:p>
+              <a:pPr algn="r"/>
+              <a:r>
+                <a:rPr lang="pt-BR" sz="1400" dirty="0"/>
+                <a:t>Treinamento 2</a:t>
+              </a:r>
+            </a:p>
+          </p:txBody>
+        </p:sp>
+        <p:sp>
+          <p:nvSpPr>
+            <p:cNvPr id="39" name="Rectangle 38"/>
+            <p:cNvSpPr/>
+            <p:nvPr/>
+          </p:nvSpPr>
+          <p:spPr>
+            <a:xfrm>
+              <a:off x="1112520" y="3378130"/>
+              <a:ext cx="1242290" cy="307777"/>
+            </a:xfrm>
+            <a:prstGeom prst="rect">
+              <a:avLst/>
+            </a:prstGeom>
+          </p:spPr>
+          <p:txBody>
+            <a:bodyPr wrap="square">
+              <a:spAutoFit/>
+            </a:bodyPr>
+            <a:lstStyle/>
+            <a:p>
+              <a:pPr algn="r"/>
+              <a:r>
+                <a:rPr lang="pt-BR" sz="1400" dirty="0"/>
+                <a:t>Treinamento 3</a:t>
+              </a:r>
+            </a:p>
+          </p:txBody>
+        </p:sp>
+        <p:sp>
+          <p:nvSpPr>
+            <p:cNvPr id="40" name="Rectangle 39"/>
+            <p:cNvSpPr/>
+            <p:nvPr/>
+          </p:nvSpPr>
+          <p:spPr>
+            <a:xfrm>
+              <a:off x="1112520" y="3776736"/>
+              <a:ext cx="1242290" cy="307777"/>
+            </a:xfrm>
+            <a:prstGeom prst="rect">
+              <a:avLst/>
+            </a:prstGeom>
+          </p:spPr>
+          <p:txBody>
+            <a:bodyPr wrap="square">
+              <a:spAutoFit/>
+            </a:bodyPr>
+            <a:lstStyle/>
+            <a:p>
+              <a:pPr algn="r"/>
+              <a:r>
+                <a:rPr lang="pt-BR" sz="1400" dirty="0"/>
+                <a:t>Treinamento 4</a:t>
+              </a:r>
+            </a:p>
+          </p:txBody>
+        </p:sp>
+        <p:sp>
+          <p:nvSpPr>
+            <p:cNvPr id="3" name="TextBox 31">
+              <a:extLst>
+                <a:ext uri="{FF2B5EF4-FFF2-40B4-BE49-F238E27FC236}">
+                  <a16:creationId xmlns:a16="http://schemas.microsoft.com/office/drawing/2014/main" id="{5B6C016C-C798-6D87-AC5D-9D3B3886D981}"/>
+                </a:ext>
+              </a:extLst>
+            </p:cNvPr>
+            <p:cNvSpPr txBox="1"/>
+            <p:nvPr/>
+          </p:nvSpPr>
+          <p:spPr>
+            <a:xfrm>
+              <a:off x="4339958" y="2627947"/>
+              <a:ext cx="1056907" cy="276999"/>
+            </a:xfrm>
+            <a:prstGeom prst="rect">
+              <a:avLst/>
+            </a:prstGeom>
+            <a:noFill/>
+          </p:spPr>
+          <p:txBody>
+            <a:bodyPr wrap="square" rtlCol="0">
+              <a:spAutoFit/>
+            </a:bodyPr>
+            <a:lstStyle/>
+            <a:p>
+              <a:pPr algn="ctr"/>
+              <a:r>
+                <a:rPr lang="pt-BR" sz="1200" dirty="0"/>
+                <a:t>EQM de val. 1</a:t>
+              </a:r>
+            </a:p>
+          </p:txBody>
+        </p:sp>
+        <p:sp>
+          <p:nvSpPr>
+            <p:cNvPr id="41" name="TextBox 31">
+              <a:extLst>
+                <a:ext uri="{FF2B5EF4-FFF2-40B4-BE49-F238E27FC236}">
+                  <a16:creationId xmlns:a16="http://schemas.microsoft.com/office/drawing/2014/main" id="{7D40CE25-BC43-5CA8-F6DE-581220ED26DE}"/>
+                </a:ext>
+              </a:extLst>
+            </p:cNvPr>
+            <p:cNvSpPr txBox="1"/>
+            <p:nvPr/>
+          </p:nvSpPr>
+          <p:spPr>
+            <a:xfrm>
+              <a:off x="4339957" y="3033125"/>
+              <a:ext cx="1056907" cy="276999"/>
+            </a:xfrm>
+            <a:prstGeom prst="rect">
+              <a:avLst/>
+            </a:prstGeom>
+            <a:noFill/>
+          </p:spPr>
+          <p:txBody>
+            <a:bodyPr wrap="square" rtlCol="0">
+              <a:spAutoFit/>
+            </a:bodyPr>
+            <a:lstStyle/>
+            <a:p>
+              <a:pPr algn="ctr"/>
+              <a:r>
+                <a:rPr lang="pt-BR" sz="1200" dirty="0"/>
+                <a:t>EQM de val. 2</a:t>
+              </a:r>
+            </a:p>
+          </p:txBody>
+        </p:sp>
+        <p:sp>
+          <p:nvSpPr>
+            <p:cNvPr id="42" name="TextBox 31">
+              <a:extLst>
+                <a:ext uri="{FF2B5EF4-FFF2-40B4-BE49-F238E27FC236}">
+                  <a16:creationId xmlns:a16="http://schemas.microsoft.com/office/drawing/2014/main" id="{E3171720-F162-1786-39B6-1FA6EB97B9AD}"/>
+                </a:ext>
+              </a:extLst>
+            </p:cNvPr>
+            <p:cNvSpPr txBox="1"/>
+            <p:nvPr/>
+          </p:nvSpPr>
+          <p:spPr>
+            <a:xfrm>
+              <a:off x="4339961" y="3420384"/>
+              <a:ext cx="1056904" cy="276999"/>
+            </a:xfrm>
+            <a:prstGeom prst="rect">
+              <a:avLst/>
+            </a:prstGeom>
+            <a:noFill/>
+          </p:spPr>
+          <p:txBody>
+            <a:bodyPr wrap="square" rtlCol="0">
+              <a:spAutoFit/>
+            </a:bodyPr>
+            <a:lstStyle/>
+            <a:p>
+              <a:pPr algn="ctr"/>
+              <a:r>
+                <a:rPr lang="pt-BR" sz="1200" dirty="0"/>
+                <a:t>EQM de val. 3</a:t>
+              </a:r>
+            </a:p>
+          </p:txBody>
+        </p:sp>
+        <p:sp>
+          <p:nvSpPr>
+            <p:cNvPr id="43" name="TextBox 31">
+              <a:extLst>
+                <a:ext uri="{FF2B5EF4-FFF2-40B4-BE49-F238E27FC236}">
+                  <a16:creationId xmlns:a16="http://schemas.microsoft.com/office/drawing/2014/main" id="{37B3F8CE-B6B5-EA4F-A7AB-6605DF581A28}"/>
+                </a:ext>
+              </a:extLst>
+            </p:cNvPr>
+            <p:cNvSpPr txBox="1"/>
+            <p:nvPr/>
+          </p:nvSpPr>
+          <p:spPr>
+            <a:xfrm>
+              <a:off x="4339957" y="3824875"/>
+              <a:ext cx="1056904" cy="276999"/>
+            </a:xfrm>
+            <a:prstGeom prst="rect">
+              <a:avLst/>
+            </a:prstGeom>
+            <a:noFill/>
+          </p:spPr>
+          <p:txBody>
+            <a:bodyPr wrap="square" rtlCol="0">
+              <a:spAutoFit/>
+            </a:bodyPr>
+            <a:lstStyle/>
+            <a:p>
+              <a:pPr algn="ctr"/>
+              <a:r>
+                <a:rPr lang="pt-BR" sz="1200" dirty="0"/>
+                <a:t>EQM de val. 4</a:t>
+              </a:r>
+            </a:p>
+          </p:txBody>
+        </p:sp>
+        <p:sp>
+          <p:nvSpPr>
+            <p:cNvPr id="44" name="TextBox 31">
+              <a:extLst>
+                <a:ext uri="{FF2B5EF4-FFF2-40B4-BE49-F238E27FC236}">
+                  <a16:creationId xmlns:a16="http://schemas.microsoft.com/office/drawing/2014/main" id="{C723F0F7-5049-3645-E693-B0AE7BE2A592}"/>
+                </a:ext>
+              </a:extLst>
+            </p:cNvPr>
+            <p:cNvSpPr txBox="1"/>
+            <p:nvPr/>
+          </p:nvSpPr>
+          <p:spPr>
+            <a:xfrm>
+              <a:off x="4339958" y="4215101"/>
+              <a:ext cx="1056904" cy="276999"/>
+            </a:xfrm>
+            <a:prstGeom prst="rect">
+              <a:avLst/>
+            </a:prstGeom>
+            <a:noFill/>
+          </p:spPr>
+          <p:txBody>
+            <a:bodyPr wrap="square" rtlCol="0">
+              <a:spAutoFit/>
+            </a:bodyPr>
+            <a:lstStyle/>
+            <a:p>
+              <a:pPr algn="ctr"/>
+              <a:r>
+                <a:rPr lang="pt-BR" sz="1200" dirty="0"/>
+                <a:t>EQM de val. 5</a:t>
+              </a:r>
+            </a:p>
+          </p:txBody>
+        </p:sp>
+        <p:cxnSp>
+          <p:nvCxnSpPr>
+            <p:cNvPr id="46" name="Conector de Seta Reta 45">
+              <a:extLst>
+                <a:ext uri="{FF2B5EF4-FFF2-40B4-BE49-F238E27FC236}">
+                  <a16:creationId xmlns:a16="http://schemas.microsoft.com/office/drawing/2014/main" id="{EA7EB0A1-839F-04EC-9BFD-B346635B7B47}"/>
+                </a:ext>
+              </a:extLst>
+            </p:cNvPr>
+            <p:cNvCxnSpPr>
+              <a:cxnSpLocks/>
+            </p:cNvCxnSpPr>
+            <p:nvPr/>
+          </p:nvCxnSpPr>
+          <p:spPr>
+            <a:xfrm>
+              <a:off x="4170942" y="2773937"/>
+              <a:ext cx="252000" cy="659"/>
+            </a:xfrm>
+            <a:prstGeom prst="straightConnector1">
+              <a:avLst/>
+            </a:prstGeom>
+            <a:ln>
+              <a:solidFill>
+                <a:schemeClr val="tx1"/>
+              </a:solidFill>
+              <a:tailEnd type="triangle"/>
+            </a:ln>
+          </p:spPr>
+          <p:style>
+            <a:lnRef idx="1">
+              <a:schemeClr val="accent1"/>
+            </a:lnRef>
+            <a:fillRef idx="0">
+              <a:schemeClr val="accent1"/>
+            </a:fillRef>
+            <a:effectRef idx="0">
+              <a:schemeClr val="accent1"/>
+            </a:effectRef>
+            <a:fontRef idx="minor">
+              <a:schemeClr val="tx1"/>
+            </a:fontRef>
+          </p:style>
+        </p:cxnSp>
+        <p:cxnSp>
+          <p:nvCxnSpPr>
+            <p:cNvPr id="48" name="Conector de Seta Reta 47">
+              <a:extLst>
+                <a:ext uri="{FF2B5EF4-FFF2-40B4-BE49-F238E27FC236}">
+                  <a16:creationId xmlns:a16="http://schemas.microsoft.com/office/drawing/2014/main" id="{6B741BC6-2721-A5FE-9482-6E8D1E5CEE59}"/>
+                </a:ext>
+              </a:extLst>
+            </p:cNvPr>
+            <p:cNvCxnSpPr>
+              <a:cxnSpLocks/>
+            </p:cNvCxnSpPr>
+            <p:nvPr/>
+          </p:nvCxnSpPr>
+          <p:spPr>
+            <a:xfrm>
+              <a:off x="4170942" y="3168809"/>
+              <a:ext cx="252000" cy="659"/>
+            </a:xfrm>
+            <a:prstGeom prst="straightConnector1">
+              <a:avLst/>
+            </a:prstGeom>
+            <a:ln>
+              <a:solidFill>
+                <a:schemeClr val="tx1"/>
+              </a:solidFill>
+              <a:tailEnd type="triangle"/>
+            </a:ln>
+          </p:spPr>
+          <p:style>
+            <a:lnRef idx="1">
+              <a:schemeClr val="accent1"/>
+            </a:lnRef>
+            <a:fillRef idx="0">
+              <a:schemeClr val="accent1"/>
+            </a:fillRef>
+            <a:effectRef idx="0">
+              <a:schemeClr val="accent1"/>
+            </a:effectRef>
+            <a:fontRef idx="minor">
+              <a:schemeClr val="tx1"/>
+            </a:fontRef>
+          </p:style>
+        </p:cxnSp>
+        <p:cxnSp>
+          <p:nvCxnSpPr>
+            <p:cNvPr id="49" name="Conector de Seta Reta 48">
+              <a:extLst>
+                <a:ext uri="{FF2B5EF4-FFF2-40B4-BE49-F238E27FC236}">
+                  <a16:creationId xmlns:a16="http://schemas.microsoft.com/office/drawing/2014/main" id="{D06DAFBD-5149-EBB5-EF50-D447B6907E67}"/>
+                </a:ext>
+              </a:extLst>
+            </p:cNvPr>
+            <p:cNvCxnSpPr>
+              <a:cxnSpLocks/>
+            </p:cNvCxnSpPr>
+            <p:nvPr/>
+          </p:nvCxnSpPr>
+          <p:spPr>
+            <a:xfrm>
+              <a:off x="4170942" y="3565028"/>
+              <a:ext cx="252000" cy="659"/>
+            </a:xfrm>
+            <a:prstGeom prst="straightConnector1">
+              <a:avLst/>
+            </a:prstGeom>
+            <a:ln>
+              <a:solidFill>
+                <a:schemeClr val="tx1"/>
+              </a:solidFill>
+              <a:tailEnd type="triangle"/>
+            </a:ln>
+          </p:spPr>
+          <p:style>
+            <a:lnRef idx="1">
+              <a:schemeClr val="accent1"/>
+            </a:lnRef>
+            <a:fillRef idx="0">
+              <a:schemeClr val="accent1"/>
+            </a:fillRef>
+            <a:effectRef idx="0">
+              <a:schemeClr val="accent1"/>
+            </a:effectRef>
+            <a:fontRef idx="minor">
+              <a:schemeClr val="tx1"/>
+            </a:fontRef>
+          </p:style>
+        </p:cxnSp>
+        <p:cxnSp>
+          <p:nvCxnSpPr>
+            <p:cNvPr id="50" name="Conector de Seta Reta 49">
+              <a:extLst>
+                <a:ext uri="{FF2B5EF4-FFF2-40B4-BE49-F238E27FC236}">
+                  <a16:creationId xmlns:a16="http://schemas.microsoft.com/office/drawing/2014/main" id="{6A0920E9-176A-C6E9-AD59-ED153B3468A2}"/>
+                </a:ext>
+              </a:extLst>
+            </p:cNvPr>
+            <p:cNvCxnSpPr>
+              <a:cxnSpLocks/>
+            </p:cNvCxnSpPr>
+            <p:nvPr/>
+          </p:nvCxnSpPr>
+          <p:spPr>
+            <a:xfrm>
+              <a:off x="4170942" y="3962047"/>
+              <a:ext cx="252000" cy="659"/>
+            </a:xfrm>
+            <a:prstGeom prst="straightConnector1">
+              <a:avLst/>
+            </a:prstGeom>
+            <a:ln>
+              <a:solidFill>
+                <a:schemeClr val="tx1"/>
+              </a:solidFill>
+              <a:tailEnd type="triangle"/>
+            </a:ln>
+          </p:spPr>
+          <p:style>
+            <a:lnRef idx="1">
+              <a:schemeClr val="accent1"/>
+            </a:lnRef>
+            <a:fillRef idx="0">
+              <a:schemeClr val="accent1"/>
+            </a:fillRef>
+            <a:effectRef idx="0">
+              <a:schemeClr val="accent1"/>
+            </a:effectRef>
+            <a:fontRef idx="minor">
+              <a:schemeClr val="tx1"/>
+            </a:fontRef>
+          </p:style>
+        </p:cxnSp>
+        <p:cxnSp>
+          <p:nvCxnSpPr>
+            <p:cNvPr id="51" name="Conector de Seta Reta 50">
+              <a:extLst>
+                <a:ext uri="{FF2B5EF4-FFF2-40B4-BE49-F238E27FC236}">
+                  <a16:creationId xmlns:a16="http://schemas.microsoft.com/office/drawing/2014/main" id="{3CADDC92-40BF-7BD1-731D-177383B48F71}"/>
+                </a:ext>
+              </a:extLst>
+            </p:cNvPr>
+            <p:cNvCxnSpPr>
+              <a:cxnSpLocks/>
+            </p:cNvCxnSpPr>
+            <p:nvPr/>
+          </p:nvCxnSpPr>
+          <p:spPr>
+            <a:xfrm>
+              <a:off x="4170942" y="4364908"/>
+              <a:ext cx="252000" cy="659"/>
+            </a:xfrm>
+            <a:prstGeom prst="straightConnector1">
+              <a:avLst/>
+            </a:prstGeom>
+            <a:ln>
+              <a:solidFill>
+                <a:schemeClr val="tx1"/>
+              </a:solidFill>
+              <a:tailEnd type="triangle"/>
+            </a:ln>
+          </p:spPr>
+          <p:style>
+            <a:lnRef idx="1">
+              <a:schemeClr val="accent1"/>
+            </a:lnRef>
+            <a:fillRef idx="0">
+              <a:schemeClr val="accent1"/>
+            </a:fillRef>
+            <a:effectRef idx="0">
+              <a:schemeClr val="accent1"/>
+            </a:effectRef>
+            <a:fontRef idx="minor">
+              <a:schemeClr val="tx1"/>
+            </a:fontRef>
+          </p:style>
+        </p:cxnSp>
+        <p:sp>
+          <p:nvSpPr>
+            <p:cNvPr id="52" name="Chave Direita 51">
+              <a:extLst>
+                <a:ext uri="{FF2B5EF4-FFF2-40B4-BE49-F238E27FC236}">
+                  <a16:creationId xmlns:a16="http://schemas.microsoft.com/office/drawing/2014/main" id="{C04B98C8-50FC-33B3-81AF-705DDBDD9C1A}"/>
+                </a:ext>
+              </a:extLst>
+            </p:cNvPr>
+            <p:cNvSpPr/>
+            <p:nvPr/>
+          </p:nvSpPr>
+          <p:spPr>
+            <a:xfrm>
+              <a:off x="5342890" y="2633280"/>
+              <a:ext cx="185944" cy="1864153"/>
+            </a:xfrm>
+            <a:prstGeom prst="rightBrace">
+              <a:avLst/>
+            </a:prstGeom>
+            <a:ln>
+              <a:solidFill>
+                <a:schemeClr val="tx1"/>
+              </a:solidFill>
+            </a:ln>
+          </p:spPr>
+          <p:style>
+            <a:lnRef idx="1">
+              <a:schemeClr val="accent1"/>
+            </a:lnRef>
+            <a:fillRef idx="0">
+              <a:schemeClr val="accent1"/>
+            </a:fillRef>
+            <a:effectRef idx="0">
+              <a:schemeClr val="accent1"/>
+            </a:effectRef>
+            <a:fontRef idx="minor">
+              <a:schemeClr val="tx1"/>
+            </a:fontRef>
+          </p:style>
+          <p:txBody>
+            <a:bodyPr rtlCol="0" anchor="ctr"/>
+            <a:lstStyle/>
+            <a:p>
+              <a:pPr algn="ctr"/>
+              <a:endParaRPr lang="pt-BR"/>
+            </a:p>
+          </p:txBody>
+        </p:sp>
+        <mc:AlternateContent xmlns:mc="http://schemas.openxmlformats.org/markup-compatibility/2006">
+          <mc:Choice xmlns:a14="http://schemas.microsoft.com/office/drawing/2010/main" Requires="a14">
+            <p:sp>
+              <p:nvSpPr>
+                <p:cNvPr id="53" name="CaixaDeTexto 52">
+                  <a:extLst>
+                    <a:ext uri="{FF2B5EF4-FFF2-40B4-BE49-F238E27FC236}">
+                      <a16:creationId xmlns:a16="http://schemas.microsoft.com/office/drawing/2014/main" id="{BB930755-BFBC-9044-A7B4-99BDA581FF72}"/>
+                    </a:ext>
+                  </a:extLst>
+                </p:cNvPr>
+                <p:cNvSpPr txBox="1"/>
+                <p:nvPr/>
+              </p:nvSpPr>
+              <p:spPr>
+                <a:xfrm>
+                  <a:off x="5565283" y="3258701"/>
+                  <a:ext cx="1475497" cy="613309"/>
+                </a:xfrm>
+                <a:prstGeom prst="rect">
+                  <a:avLst/>
+                </a:prstGeom>
+                <a:noFill/>
+              </p:spPr>
+              <p:txBody>
+                <a:bodyPr wrap="square" rtlCol="0">
+                  <a:spAutoFit/>
+                </a:bodyPr>
+                <a:lstStyle/>
+                <a:p>
+                  <a:pPr algn="ctr"/>
+                  <a:r>
+                    <a:rPr lang="pt-BR" sz="1400" dirty="0"/>
+                    <a:t>Desempenho = </a:t>
+                  </a:r>
+                  <a14:m>
+                    <m:oMath xmlns:m="http://schemas.openxmlformats.org/officeDocument/2006/math">
+                      <m:f>
+                        <m:fPr>
+                          <m:ctrlPr>
+                            <a:rPr lang="pt-BR" sz="1400" i="1" smtClean="0">
+                              <a:latin typeface="Cambria Math" panose="02040503050406030204" pitchFamily="18" charset="0"/>
+                            </a:rPr>
+                          </m:ctrlPr>
+                        </m:fPr>
+                        <m:num>
+                          <m:r>
+                            <a:rPr lang="pt-BR" sz="1400" b="0" i="1" smtClean="0">
+                              <a:latin typeface="Cambria Math" panose="02040503050406030204" pitchFamily="18" charset="0"/>
+                            </a:rPr>
+                            <m:t>1</m:t>
+                          </m:r>
+                        </m:num>
+                        <m:den>
+                          <m:r>
+                            <a:rPr lang="pt-BR" sz="1400" b="0" i="1" smtClean="0">
+                              <a:latin typeface="Cambria Math" panose="02040503050406030204" pitchFamily="18" charset="0"/>
+                            </a:rPr>
+                            <m:t>5</m:t>
+                          </m:r>
+                        </m:den>
+                      </m:f>
+                      <m:nary>
+                        <m:naryPr>
+                          <m:chr m:val="∑"/>
+                          <m:ctrlPr>
+                            <a:rPr lang="pt-BR" sz="1400" i="1" smtClean="0">
+                              <a:latin typeface="Cambria Math" panose="02040503050406030204" pitchFamily="18" charset="0"/>
+                            </a:rPr>
+                          </m:ctrlPr>
+                        </m:naryPr>
+                        <m:sub>
+                          <m:r>
+                            <m:rPr>
+                              <m:brk m:alnAt="23"/>
+                            </m:rPr>
+                            <a:rPr lang="pt-BR" sz="1400" b="0" i="1" smtClean="0">
+                              <a:latin typeface="Cambria Math" panose="02040503050406030204" pitchFamily="18" charset="0"/>
+                            </a:rPr>
+                            <m:t>𝑖</m:t>
+                          </m:r>
+                          <m:r>
+                            <a:rPr lang="pt-BR" sz="1400" b="0" i="1" smtClean="0">
+                              <a:latin typeface="Cambria Math" panose="02040503050406030204" pitchFamily="18" charset="0"/>
+                            </a:rPr>
+                            <m:t>=1</m:t>
+                          </m:r>
+                        </m:sub>
+                        <m:sup>
+                          <m:r>
+                            <a:rPr lang="pt-BR" sz="1400" b="0" i="1" smtClean="0">
+                              <a:latin typeface="Cambria Math" panose="02040503050406030204" pitchFamily="18" charset="0"/>
+                            </a:rPr>
+                            <m:t>5</m:t>
+                          </m:r>
+                        </m:sup>
+                        <m:e>
+                          <m:r>
+                            <m:rPr>
+                              <m:sty m:val="p"/>
+                            </m:rPr>
+                            <a:rPr lang="pt-BR" sz="1400" b="0" i="0" smtClean="0">
+                              <a:latin typeface="Cambria Math" panose="02040503050406030204" pitchFamily="18" charset="0"/>
+                            </a:rPr>
+                            <m:t>EQM</m:t>
+                          </m:r>
+                          <m:r>
+                            <a:rPr lang="pt-BR" sz="1400" b="0" i="0" smtClean="0">
+                              <a:latin typeface="Cambria Math" panose="02040503050406030204" pitchFamily="18" charset="0"/>
+                            </a:rPr>
+                            <m:t> </m:t>
+                          </m:r>
+                          <m:r>
+                            <m:rPr>
+                              <m:sty m:val="p"/>
+                            </m:rPr>
+                            <a:rPr lang="pt-BR" sz="1400" b="0" i="0" smtClean="0">
+                              <a:latin typeface="Cambria Math" panose="02040503050406030204" pitchFamily="18" charset="0"/>
+                            </a:rPr>
+                            <m:t>de</m:t>
+                          </m:r>
+                          <m:r>
+                            <a:rPr lang="pt-BR" sz="1400" b="0" i="0" smtClean="0">
+                              <a:latin typeface="Cambria Math" panose="02040503050406030204" pitchFamily="18" charset="0"/>
+                            </a:rPr>
+                            <m:t> </m:t>
+                          </m:r>
+                          <m:r>
+                            <m:rPr>
+                              <m:sty m:val="p"/>
+                            </m:rPr>
+                            <a:rPr lang="pt-BR" sz="1400" b="0" i="0" smtClean="0">
+                              <a:latin typeface="Cambria Math" panose="02040503050406030204" pitchFamily="18" charset="0"/>
+                            </a:rPr>
+                            <m:t>val</m:t>
+                          </m:r>
+                          <m:r>
+                            <a:rPr lang="pt-BR" sz="1400" b="0" i="1" smtClean="0">
+                              <a:latin typeface="Cambria Math" panose="02040503050406030204" pitchFamily="18" charset="0"/>
+                            </a:rPr>
+                            <m:t> </m:t>
+                          </m:r>
+                          <m:r>
+                            <a:rPr lang="pt-BR" sz="1400" b="0" i="1" smtClean="0">
+                              <a:latin typeface="Cambria Math" panose="02040503050406030204" pitchFamily="18" charset="0"/>
+                            </a:rPr>
+                            <m:t>𝑖</m:t>
+                          </m:r>
+                        </m:e>
+                      </m:nary>
+                    </m:oMath>
+                  </a14:m>
+                  <a:endParaRPr lang="pt-BR" sz="1400" dirty="0"/>
+                </a:p>
+              </p:txBody>
+            </p:sp>
+          </mc:Choice>
+          <mc:Fallback>
+            <p:sp>
+              <p:nvSpPr>
+                <p:cNvPr id="53" name="CaixaDeTexto 52">
+                  <a:extLst>
+                    <a:ext uri="{FF2B5EF4-FFF2-40B4-BE49-F238E27FC236}">
+                      <a16:creationId xmlns:a16="http://schemas.microsoft.com/office/drawing/2014/main" id="{BB930755-BFBC-9044-A7B4-99BDA581FF72}"/>
+                    </a:ext>
+                  </a:extLst>
+                </p:cNvPr>
+                <p:cNvSpPr txBox="1">
+                  <a:spLocks noRot="1" noChangeAspect="1" noMove="1" noResize="1" noEditPoints="1" noAdjustHandles="1" noChangeArrowheads="1" noChangeShapeType="1" noTextEdit="1"/>
+                </p:cNvSpPr>
+                <p:nvPr/>
+              </p:nvSpPr>
+              <p:spPr>
+                <a:xfrm>
+                  <a:off x="5565283" y="3258701"/>
+                  <a:ext cx="1475497" cy="613309"/>
+                </a:xfrm>
+                <a:prstGeom prst="rect">
+                  <a:avLst/>
+                </a:prstGeom>
+                <a:blipFill>
+                  <a:blip r:embed="rId3"/>
+                  <a:stretch>
+                    <a:fillRect l="-13223" t="-9000" r="-2479" b="-74000"/>
+                  </a:stretch>
+                </a:blipFill>
+              </p:spPr>
+              <p:txBody>
+                <a:bodyPr/>
+                <a:lstStyle/>
+                <a:p>
+                  <a:r>
+                    <a:rPr lang="pt-BR">
+                      <a:noFill/>
+                    </a:rPr>
+                    <a:t> </a:t>
+                  </a:r>
+                </a:p>
+              </p:txBody>
+            </p:sp>
+          </mc:Fallback>
+        </mc:AlternateContent>
+      </p:grpSp>
     </p:spTree>
     <p:extLst>
       <p:ext uri="{BB962C8B-B14F-4D97-AF65-F5344CB8AC3E}">
-        <p14:creationId xmlns:p14="http://schemas.microsoft.com/office/powerpoint/2010/main" val="2153437485"/>
+        <p14:creationId xmlns:p14="http://schemas.microsoft.com/office/powerpoint/2010/main" val="2451695725"/>
       </p:ext>
     </p:extLst>
   </p:cSld>
@@ -11556,7 +15451,7 @@
 </p:sld>
 </file>
 
-<file path=ppt/slides/slide20.xml><?xml version="1.0" encoding="utf-8"?>
+<file path=ppt/slides/slide28.xml><?xml version="1.0" encoding="utf-8"?>
 <p:sld xmlns:a="http://schemas.openxmlformats.org/drawingml/2006/main" xmlns:r="http://schemas.openxmlformats.org/officeDocument/2006/relationships" xmlns:p="http://schemas.openxmlformats.org/presentationml/2006/main">
   <p:cSld>
     <p:spTree>
@@ -13392,42 +17287,14 @@
           <a:chExt cx="0" cy="0"/>
         </a:xfrm>
       </p:grpSpPr>
-      <p:sp>
-        <p:nvSpPr>
-          <p:cNvPr id="2" name="Título 1">
-            <a:extLst>
-              <a:ext uri="{FF2B5EF4-FFF2-40B4-BE49-F238E27FC236}">
-                <a16:creationId xmlns:a16="http://schemas.microsoft.com/office/drawing/2014/main" id="{1876A212-EF96-EA5E-7FBB-0769B8C1F996}"/>
-              </a:ext>
-            </a:extLst>
-          </p:cNvPr>
-          <p:cNvSpPr>
-            <a:spLocks noGrp="1"/>
-          </p:cNvSpPr>
-          <p:nvPr>
-            <p:ph type="title"/>
-          </p:nvPr>
-        </p:nvSpPr>
-        <p:spPr/>
-        <p:txBody>
-          <a:bodyPr/>
-          <a:lstStyle/>
-          <a:p>
-            <a:r>
-              <a:rPr lang="pt-BR" dirty="0"/>
-              <a:t>Exemplo do uso do Holdout</a:t>
-            </a:r>
-          </a:p>
-        </p:txBody>
-      </p:sp>
       <mc:AlternateContent xmlns:mc="http://schemas.openxmlformats.org/markup-compatibility/2006">
         <mc:Choice xmlns:a14="http://schemas.microsoft.com/office/drawing/2010/main" Requires="a14">
           <p:sp>
             <p:nvSpPr>
-              <p:cNvPr id="3" name="Espaço Reservado para Conteúdo 2">
+              <p:cNvPr id="2" name="Título 1">
                 <a:extLst>
                   <a:ext uri="{FF2B5EF4-FFF2-40B4-BE49-F238E27FC236}">
-                    <a16:creationId xmlns:a16="http://schemas.microsoft.com/office/drawing/2014/main" id="{782C0558-FE85-A571-6C51-C40B36B884B3}"/>
+                    <a16:creationId xmlns:a16="http://schemas.microsoft.com/office/drawing/2014/main" id="{C5C2477C-2D2C-D4E3-DD60-2911128E0DD0}"/>
                   </a:ext>
                 </a:extLst>
               </p:cNvPr>
@@ -13435,236 +17302,36 @@
                 <a:spLocks noGrp="1"/>
               </p:cNvSpPr>
               <p:nvPr>
-                <p:ph idx="1"/>
+                <p:ph type="title"/>
               </p:nvPr>
             </p:nvSpPr>
-            <p:spPr>
-              <a:xfrm>
-                <a:off x="5178392" y="1825624"/>
-                <a:ext cx="6882063" cy="5032375"/>
-              </a:xfrm>
-            </p:spPr>
+            <p:spPr/>
             <p:txBody>
-              <a:bodyPr>
-                <a:normAutofit/>
-              </a:bodyPr>
+              <a:bodyPr/>
               <a:lstStyle/>
               <a:p>
-                <a:r>
-                  <a:rPr lang="pt-BR" dirty="0"/>
-                  <a:t>Para exemplificar o uso das estratégias de validação cruzada vamos usar uma f</a:t>
-                </a:r>
-                <a:r>
-                  <a:rPr lang="pt-BR" sz="2800" dirty="0"/>
-                  <a:t>unção objetivo que é um polinômio de segunda ordem e vamos corromper suas amostras com ruído Gaussiano com média zero e variância unitária.</a:t>
-                </a:r>
-              </a:p>
-              <a:p>
-                <a:r>
-                  <a:rPr lang="pt-BR" dirty="0"/>
-                  <a:t>A função observável é dada por</a:t>
-                </a:r>
-                <a:endParaRPr lang="pt-BR" sz="2800" dirty="0"/>
-              </a:p>
-              <a:p>
-                <a:pPr marL="0" indent="0">
-                  <a:buNone/>
-                </a:pPr>
-                <a14:m>
-                  <m:oMathPara xmlns:m="http://schemas.openxmlformats.org/officeDocument/2006/math">
-                    <m:oMathParaPr>
-                      <m:jc m:val="centerGroup"/>
-                    </m:oMathParaPr>
-                    <m:oMath xmlns:m="http://schemas.openxmlformats.org/officeDocument/2006/math">
-                      <m:sSub>
-                        <m:sSubPr>
-                          <m:ctrlPr>
-                            <a:rPr lang="pt-BR" sz="2800" i="1">
-                              <a:latin typeface="Cambria Math" panose="02040503050406030204" pitchFamily="18" charset="0"/>
-                            </a:rPr>
-                          </m:ctrlPr>
-                        </m:sSubPr>
-                        <m:e>
-                          <m:r>
-                            <a:rPr lang="pt-BR" sz="2800" i="1">
-                              <a:latin typeface="Cambria Math" panose="02040503050406030204" pitchFamily="18" charset="0"/>
-                            </a:rPr>
-                            <m:t>𝑦</m:t>
-                          </m:r>
-                        </m:e>
-                        <m:sub>
-                          <m:r>
-                            <a:rPr lang="pt-BR" sz="2800" i="1">
-                              <a:latin typeface="Cambria Math" panose="02040503050406030204" pitchFamily="18" charset="0"/>
-                            </a:rPr>
-                            <m:t>𝑛𝑜𝑖𝑠𝑦</m:t>
-                          </m:r>
-                        </m:sub>
-                      </m:sSub>
-                      <m:r>
-                        <a:rPr lang="pt-BR" sz="2800">
-                          <a:latin typeface="Cambria Math" panose="02040503050406030204" pitchFamily="18" charset="0"/>
-                        </a:rPr>
-                        <m:t>=</m:t>
-                      </m:r>
-                      <m:r>
-                        <a:rPr lang="pt-BR" sz="2800" b="0" i="1" smtClean="0">
-                          <a:latin typeface="Cambria Math" panose="02040503050406030204" pitchFamily="18" charset="0"/>
-                        </a:rPr>
-                        <m:t>𝑦</m:t>
-                      </m:r>
-                      <m:r>
-                        <a:rPr lang="pt-BR" sz="2800">
-                          <a:latin typeface="Cambria Math" panose="02040503050406030204" pitchFamily="18" charset="0"/>
-                        </a:rPr>
-                        <m:t>+</m:t>
-                      </m:r>
-                      <m:r>
-                        <a:rPr lang="pt-BR" sz="2800" i="1">
-                          <a:latin typeface="Cambria Math" panose="02040503050406030204" pitchFamily="18" charset="0"/>
-                        </a:rPr>
-                        <m:t>𝑤</m:t>
-                      </m:r>
-                      <m:r>
-                        <a:rPr lang="pt-BR" sz="2800" b="0" i="0" smtClean="0">
-                          <a:latin typeface="Cambria Math" panose="02040503050406030204" pitchFamily="18" charset="0"/>
-                        </a:rPr>
-                        <m:t>,</m:t>
-                      </m:r>
-                    </m:oMath>
-                  </m:oMathPara>
-                </a14:m>
-                <a:endParaRPr lang="pt-BR" dirty="0"/>
-              </a:p>
-              <a:p>
-                <a:pPr marL="0" indent="0">
-                  <a:buNone/>
-                </a:pPr>
-                <a:r>
-                  <a:rPr lang="pt-BR" dirty="0"/>
-                  <a:t>onde </a:t>
-                </a:r>
                 <a14:m>
                   <m:oMath xmlns:m="http://schemas.openxmlformats.org/officeDocument/2006/math">
                     <m:r>
-                      <a:rPr lang="pt-BR" i="1">
+                      <a:rPr lang="pt-BR" b="0" i="1" smtClean="0">
+                        <a:solidFill>
+                          <a:srgbClr val="0F0F0F"/>
+                        </a:solidFill>
+                        <a:effectLst/>
                         <a:latin typeface="Cambria Math" panose="02040503050406030204" pitchFamily="18" charset="0"/>
                       </a:rPr>
-                      <m:t>𝑦</m:t>
-                    </m:r>
-                    <m:r>
-                      <a:rPr lang="pt-BR" i="1">
-                        <a:latin typeface="Cambria Math" panose="02040503050406030204" pitchFamily="18" charset="0"/>
-                      </a:rPr>
-                      <m:t> </m:t>
+                      <m:t>𝑘</m:t>
                     </m:r>
                   </m:oMath>
                 </a14:m>
                 <a:r>
                   <a:rPr lang="pt-BR" dirty="0"/>
-                  <a:t>é função objetivo e </a:t>
+                  <a:t>-</a:t>
                 </a:r>
-                <a14:m>
-                  <m:oMath xmlns:m="http://schemas.openxmlformats.org/officeDocument/2006/math">
-                    <m:r>
-                      <a:rPr lang="pt-BR" sz="2800" i="1" smtClean="0">
-                        <a:latin typeface="Cambria Math" panose="02040503050406030204" pitchFamily="18" charset="0"/>
-                      </a:rPr>
-                      <m:t>𝑤</m:t>
-                    </m:r>
-                  </m:oMath>
-                </a14:m>
                 <a:r>
-                  <a:rPr lang="pt-BR" dirty="0"/>
-                  <a:t> é o ruído.</a:t>
+                  <a:rPr lang="pt-BR" dirty="0" err="1"/>
+                  <a:t>fold</a:t>
                 </a:r>
-              </a:p>
-              <a:p>
-                <a:r>
-                  <a:rPr lang="pt-BR" dirty="0"/>
-                  <a:t>A função objetivo é definida como</a:t>
-                </a:r>
-              </a:p>
-              <a:p>
-                <a:pPr marL="0" indent="0">
-                  <a:buNone/>
-                </a:pPr>
-                <a14:m>
-                  <m:oMathPara xmlns:m="http://schemas.openxmlformats.org/officeDocument/2006/math">
-                    <m:oMathParaPr>
-                      <m:jc m:val="centerGroup"/>
-                    </m:oMathParaPr>
-                    <m:oMath xmlns:m="http://schemas.openxmlformats.org/officeDocument/2006/math">
-                      <m:r>
-                        <a:rPr lang="pt-BR" i="1">
-                          <a:latin typeface="Cambria Math" panose="02040503050406030204" pitchFamily="18" charset="0"/>
-                        </a:rPr>
-                        <m:t>𝑦</m:t>
-                      </m:r>
-                      <m:r>
-                        <a:rPr lang="pt-BR" b="0" i="0" smtClean="0">
-                          <a:latin typeface="Cambria Math" panose="02040503050406030204" pitchFamily="18" charset="0"/>
-                        </a:rPr>
-                        <m:t>=</m:t>
-                      </m:r>
-                      <m:r>
-                        <a:rPr lang="pt-BR" sz="2800" smtClean="0">
-                          <a:latin typeface="Cambria Math" panose="02040503050406030204" pitchFamily="18" charset="0"/>
-                        </a:rPr>
-                        <m:t>2+</m:t>
-                      </m:r>
-                      <m:r>
-                        <a:rPr lang="pt-BR" sz="2800" i="1">
-                          <a:latin typeface="Cambria Math" panose="02040503050406030204" pitchFamily="18" charset="0"/>
-                        </a:rPr>
-                        <m:t>𝑥</m:t>
-                      </m:r>
-                      <m:r>
-                        <a:rPr lang="pt-BR" sz="2800" i="1">
-                          <a:latin typeface="Cambria Math" panose="02040503050406030204" pitchFamily="18" charset="0"/>
-                        </a:rPr>
-                        <m:t>+0.5</m:t>
-                      </m:r>
-                      <m:sSup>
-                        <m:sSupPr>
-                          <m:ctrlPr>
-                            <a:rPr lang="pt-BR" sz="2800" i="1">
-                              <a:latin typeface="Cambria Math" panose="02040503050406030204" pitchFamily="18" charset="0"/>
-                            </a:rPr>
-                          </m:ctrlPr>
-                        </m:sSupPr>
-                        <m:e>
-                          <m:r>
-                            <a:rPr lang="pt-BR" sz="2800" i="1">
-                              <a:latin typeface="Cambria Math" panose="02040503050406030204" pitchFamily="18" charset="0"/>
-                            </a:rPr>
-                            <m:t>𝑥</m:t>
-                          </m:r>
-                        </m:e>
-                        <m:sup>
-                          <m:r>
-                            <a:rPr lang="pt-BR" sz="2800" i="1">
-                              <a:latin typeface="Cambria Math" panose="02040503050406030204" pitchFamily="18" charset="0"/>
-                            </a:rPr>
-                            <m:t>2</m:t>
-                          </m:r>
-                        </m:sup>
-                      </m:sSup>
-                      <m:r>
-                        <a:rPr lang="pt-BR" sz="2800" b="0" i="1" smtClean="0">
-                          <a:latin typeface="Cambria Math" panose="02040503050406030204" pitchFamily="18" charset="0"/>
-                        </a:rPr>
-                        <m:t>.</m:t>
-                      </m:r>
-                    </m:oMath>
-                  </m:oMathPara>
-                </a14:m>
-                <a:endParaRPr lang="pt-BR" dirty="0"/>
-              </a:p>
-              <a:p>
-                <a:pPr marL="0" indent="0">
-                  <a:buNone/>
-                </a:pPr>
                 <a:endParaRPr lang="pt-BR" dirty="0"/>
               </a:p>
             </p:txBody>
@@ -13673,10 +17340,10 @@
         <mc:Fallback>
           <p:sp>
             <p:nvSpPr>
-              <p:cNvPr id="3" name="Espaço Reservado para Conteúdo 2">
+              <p:cNvPr id="2" name="Título 1">
                 <a:extLst>
                   <a:ext uri="{FF2B5EF4-FFF2-40B4-BE49-F238E27FC236}">
-                    <a16:creationId xmlns:a16="http://schemas.microsoft.com/office/drawing/2014/main" id="{782C0558-FE85-A571-6C51-C40B36B884B3}"/>
+                    <a16:creationId xmlns:a16="http://schemas.microsoft.com/office/drawing/2014/main" id="{C5C2477C-2D2C-D4E3-DD60-2911128E0DD0}"/>
                   </a:ext>
                 </a:extLst>
               </p:cNvPr>
@@ -13684,18 +17351,14 @@
                 <a:spLocks noGrp="1" noRot="1" noChangeAspect="1" noMove="1" noResize="1" noEditPoints="1" noAdjustHandles="1" noChangeArrowheads="1" noChangeShapeType="1" noTextEdit="1"/>
               </p:cNvSpPr>
               <p:nvPr>
-                <p:ph idx="1"/>
+                <p:ph type="title"/>
               </p:nvPr>
             </p:nvSpPr>
             <p:spPr>
-              <a:xfrm>
-                <a:off x="5178392" y="1825624"/>
-                <a:ext cx="6882063" cy="5032375"/>
-              </a:xfrm>
               <a:blipFill>
-                <a:blip r:embed="rId2"/>
+                <a:blip r:embed="rId3"/>
                 <a:stretch>
-                  <a:fillRect l="-1771" t="-1937"/>
+                  <a:fillRect/>
                 </a:stretch>
               </a:blipFill>
             </p:spPr>
@@ -13714,101 +17377,380 @@
           </p:sp>
         </mc:Fallback>
       </mc:AlternateContent>
+      <p:sp>
+        <p:nvSpPr>
+          <p:cNvPr id="3" name="Espaço Reservado para Conteúdo 2">
+            <a:extLst>
+              <a:ext uri="{FF2B5EF4-FFF2-40B4-BE49-F238E27FC236}">
+                <a16:creationId xmlns:a16="http://schemas.microsoft.com/office/drawing/2014/main" id="{C81D5EE1-D440-6F4D-3F1E-ED8B0B4036BF}"/>
+              </a:ext>
+            </a:extLst>
+          </p:cNvPr>
+          <p:cNvSpPr>
+            <a:spLocks noGrp="1"/>
+          </p:cNvSpPr>
+          <p:nvPr>
+            <p:ph idx="1"/>
+          </p:nvPr>
+        </p:nvSpPr>
+        <p:spPr>
+          <a:xfrm>
+            <a:off x="5854700" y="1825624"/>
+            <a:ext cx="6197600" cy="5032375"/>
+          </a:xfrm>
+        </p:spPr>
+        <p:txBody>
+          <a:bodyPr>
+            <a:normAutofit lnSpcReduction="10000"/>
+          </a:bodyPr>
+          <a:lstStyle/>
+          <a:p>
+            <a:r>
+              <a:rPr lang="pt-BR" dirty="0"/>
+              <a:t>É uma estratégia mais elaborada do que a do </a:t>
+            </a:r>
+            <a:r>
+              <a:rPr lang="pt-BR" i="1" dirty="0"/>
+              <a:t>Holdout</a:t>
+            </a:r>
+            <a:r>
+              <a:rPr lang="pt-BR" dirty="0"/>
+              <a:t> e </a:t>
+            </a:r>
+            <a:r>
+              <a:rPr lang="pt-BR" sz="2800" b="1" i="1" dirty="0"/>
+              <a:t>fornece </a:t>
+            </a:r>
+            <a:r>
+              <a:rPr lang="pt-BR" sz="2800" b="1" i="1" dirty="0">
+                <a:solidFill>
+                  <a:srgbClr val="00B050"/>
+                </a:solidFill>
+              </a:rPr>
+              <a:t>indicações mais claras</a:t>
+            </a:r>
+            <a:r>
+              <a:rPr lang="pt-BR" sz="2800" b="1" i="1" dirty="0"/>
+              <a:t> sobre o desempenho do modelo</a:t>
+            </a:r>
+            <a:r>
+              <a:rPr lang="pt-BR" dirty="0"/>
+              <a:t>.</a:t>
+            </a:r>
+          </a:p>
+          <a:p>
+            <a:r>
+              <a:rPr lang="pt-BR" dirty="0">
+                <a:solidFill>
+                  <a:srgbClr val="0F0F0F"/>
+                </a:solidFill>
+                <a:latin typeface="Söhne"/>
+              </a:rPr>
+              <a:t>A estratégia consiste em embaralhar (opcional) e </a:t>
+            </a:r>
+            <a:r>
+              <a:rPr lang="pt-BR" b="1" i="1" dirty="0">
+                <a:solidFill>
+                  <a:srgbClr val="00B050"/>
+                </a:solidFill>
+                <a:latin typeface="Söhne"/>
+              </a:rPr>
+              <a:t>dividir o </a:t>
+            </a:r>
+            <a:r>
+              <a:rPr lang="pt-BR" b="1" i="1" dirty="0">
+                <a:solidFill>
+                  <a:srgbClr val="00B050"/>
+                </a:solidFill>
+                <a:effectLst/>
+                <a:latin typeface="Söhne"/>
+              </a:rPr>
+              <a:t>conjunto total de dados em</a:t>
+            </a:r>
+            <a:r>
+              <a:rPr lang="pt-BR" b="0" i="0" dirty="0">
+                <a:solidFill>
+                  <a:srgbClr val="0F0F0F"/>
+                </a:solidFill>
+                <a:effectLst/>
+                <a:latin typeface="Söhne"/>
+              </a:rPr>
+              <a:t> 𝒌</a:t>
+            </a:r>
+            <a:r>
+              <a:rPr lang="pt-BR" dirty="0">
+                <a:solidFill>
+                  <a:srgbClr val="0F0F0F"/>
+                </a:solidFill>
+                <a:latin typeface="Söhne"/>
+              </a:rPr>
+              <a:t> </a:t>
+            </a:r>
+            <a:r>
+              <a:rPr lang="pt-BR" b="1" i="1" dirty="0">
+                <a:solidFill>
+                  <a:srgbClr val="00B050"/>
+                </a:solidFill>
+                <a:effectLst/>
+                <a:latin typeface="Söhne"/>
+              </a:rPr>
+              <a:t>partes</a:t>
+            </a:r>
+            <a:r>
+              <a:rPr lang="pt-BR" b="0" i="0" dirty="0">
+                <a:solidFill>
+                  <a:srgbClr val="0F0F0F"/>
+                </a:solidFill>
+                <a:effectLst/>
+                <a:latin typeface="Söhne"/>
+              </a:rPr>
+              <a:t> (ou </a:t>
+            </a:r>
+            <a:r>
+              <a:rPr lang="pt-BR" b="0" i="1" dirty="0">
+                <a:solidFill>
+                  <a:srgbClr val="0F0F0F"/>
+                </a:solidFill>
+                <a:effectLst/>
+                <a:latin typeface="Söhne"/>
+              </a:rPr>
+              <a:t>folds</a:t>
+            </a:r>
+            <a:r>
+              <a:rPr lang="pt-BR" b="0" i="0" dirty="0">
+                <a:solidFill>
+                  <a:srgbClr val="0F0F0F"/>
+                </a:solidFill>
+                <a:effectLst/>
+                <a:latin typeface="Söhne"/>
+              </a:rPr>
+              <a:t>) </a:t>
+            </a:r>
+            <a:r>
+              <a:rPr lang="pt-BR" b="1" i="1" dirty="0">
+                <a:solidFill>
+                  <a:srgbClr val="00B050"/>
+                </a:solidFill>
+                <a:effectLst/>
+                <a:latin typeface="Söhne"/>
+              </a:rPr>
+              <a:t>iguais</a:t>
+            </a:r>
+            <a:r>
+              <a:rPr lang="pt-BR" b="0" i="0" dirty="0">
+                <a:solidFill>
+                  <a:srgbClr val="0F0F0F"/>
+                </a:solidFill>
+                <a:effectLst/>
+                <a:latin typeface="Söhne"/>
+              </a:rPr>
+              <a:t>. </a:t>
+            </a:r>
+          </a:p>
+          <a:p>
+            <a:r>
+              <a:rPr lang="pt-BR" b="0" i="0" dirty="0">
+                <a:solidFill>
+                  <a:srgbClr val="0F0F0F"/>
+                </a:solidFill>
+                <a:effectLst/>
+                <a:latin typeface="Söhne"/>
+              </a:rPr>
+              <a:t>O </a:t>
+            </a:r>
+            <a:r>
+              <a:rPr lang="pt-BR" b="1" i="1" dirty="0">
+                <a:solidFill>
+                  <a:srgbClr val="7030A0"/>
+                </a:solidFill>
+                <a:effectLst/>
+                <a:latin typeface="Söhne"/>
+              </a:rPr>
+              <a:t>modelo é treinado</a:t>
+            </a:r>
+            <a:r>
+              <a:rPr lang="pt-BR" b="0" i="0" dirty="0">
+                <a:solidFill>
+                  <a:srgbClr val="0F0F0F"/>
+                </a:solidFill>
+                <a:effectLst/>
+                <a:latin typeface="Söhne"/>
+              </a:rPr>
+              <a:t> 𝒌 </a:t>
+            </a:r>
+            <a:r>
+              <a:rPr lang="pt-BR" b="1" i="1" dirty="0">
+                <a:solidFill>
+                  <a:srgbClr val="7030A0"/>
+                </a:solidFill>
+                <a:effectLst/>
+                <a:latin typeface="Söhne"/>
+              </a:rPr>
+              <a:t>vezes</a:t>
+            </a:r>
+            <a:r>
+              <a:rPr lang="pt-BR" b="0" i="0" dirty="0">
+                <a:solidFill>
+                  <a:srgbClr val="0F0F0F"/>
+                </a:solidFill>
+                <a:effectLst/>
+                <a:latin typeface="Söhne"/>
+              </a:rPr>
+              <a:t>, cada vez usando 𝒌</a:t>
+            </a:r>
+            <a:r>
+              <a:rPr lang="pt-BR" b="1" i="1" dirty="0">
+                <a:solidFill>
+                  <a:srgbClr val="0F0F0F"/>
+                </a:solidFill>
+                <a:effectLst/>
+                <a:latin typeface="Söhne"/>
+              </a:rPr>
+              <a:t>-1</a:t>
+            </a:r>
+            <a:r>
+              <a:rPr lang="pt-BR" b="0" i="0" dirty="0">
+                <a:solidFill>
+                  <a:srgbClr val="0F0F0F"/>
+                </a:solidFill>
+                <a:effectLst/>
+                <a:latin typeface="Söhne"/>
+              </a:rPr>
+              <a:t> partes como conjunto de treinamento e a parte restante como conjunto de validação.</a:t>
+            </a:r>
+          </a:p>
+          <a:p>
+            <a:r>
+              <a:rPr lang="pt-BR" dirty="0">
+                <a:solidFill>
+                  <a:srgbClr val="0F0F0F"/>
+                </a:solidFill>
+                <a:latin typeface="Söhne"/>
+              </a:rPr>
+              <a:t>O </a:t>
+            </a:r>
+            <a:r>
+              <a:rPr lang="pt-BR" b="1" i="1" dirty="0">
+                <a:solidFill>
+                  <a:srgbClr val="0070C0"/>
+                </a:solidFill>
+                <a:latin typeface="Söhne"/>
+              </a:rPr>
+              <a:t>EQM com o conjunto de validação</a:t>
+            </a:r>
+            <a:r>
+              <a:rPr lang="pt-BR" dirty="0">
+                <a:solidFill>
+                  <a:srgbClr val="0F0F0F"/>
+                </a:solidFill>
+                <a:latin typeface="Söhne"/>
+              </a:rPr>
+              <a:t> é calculado </a:t>
+            </a:r>
+            <a:r>
+              <a:rPr lang="pt-BR" b="1" i="1" dirty="0">
+                <a:solidFill>
+                  <a:srgbClr val="0070C0"/>
+                </a:solidFill>
+                <a:latin typeface="Söhne"/>
+              </a:rPr>
+              <a:t>ao final de cada treinamento</a:t>
+            </a:r>
+            <a:r>
+              <a:rPr lang="pt-BR" dirty="0">
+                <a:solidFill>
+                  <a:srgbClr val="0F0F0F"/>
+                </a:solidFill>
+                <a:latin typeface="Söhne"/>
+              </a:rPr>
+              <a:t>.</a:t>
+            </a:r>
+            <a:endParaRPr lang="pt-BR" b="0" i="0" dirty="0">
+              <a:solidFill>
+                <a:srgbClr val="0F0F0F"/>
+              </a:solidFill>
+              <a:effectLst/>
+              <a:latin typeface="Söhne"/>
+            </a:endParaRPr>
+          </a:p>
+        </p:txBody>
+      </p:sp>
+      <p:sp>
+        <p:nvSpPr>
+          <p:cNvPr id="5" name="CaixaDeTexto 4">
+            <a:extLst>
+              <a:ext uri="{FF2B5EF4-FFF2-40B4-BE49-F238E27FC236}">
+                <a16:creationId xmlns:a16="http://schemas.microsoft.com/office/drawing/2014/main" id="{3926FA82-F16F-7AE7-534B-5F7CB73CCD08}"/>
+              </a:ext>
+            </a:extLst>
+          </p:cNvPr>
+          <p:cNvSpPr txBox="1"/>
+          <p:nvPr/>
+        </p:nvSpPr>
+        <p:spPr>
+          <a:xfrm>
+            <a:off x="1442175" y="1953195"/>
+            <a:ext cx="1360967" cy="584775"/>
+          </a:xfrm>
+          <a:prstGeom prst="rect">
+            <a:avLst/>
+          </a:prstGeom>
+          <a:noFill/>
+        </p:spPr>
+        <p:txBody>
+          <a:bodyPr wrap="square" rtlCol="0">
+            <a:spAutoFit/>
+          </a:bodyPr>
+          <a:lstStyle/>
+          <a:p>
+            <a:pPr algn="ctr"/>
+            <a:r>
+              <a:rPr lang="pt-BR" sz="3200" b="1" dirty="0"/>
+              <a:t>k = 5</a:t>
+            </a:r>
+            <a:endParaRPr lang="en-US" sz="3200" b="1" dirty="0"/>
+          </a:p>
+        </p:txBody>
+      </p:sp>
       <p:pic>
         <p:nvPicPr>
-          <p:cNvPr id="1026" name="Picture 2">
+          <p:cNvPr id="10" name="Imagem 9">
             <a:extLst>
               <a:ext uri="{FF2B5EF4-FFF2-40B4-BE49-F238E27FC236}">
-                <a16:creationId xmlns:a16="http://schemas.microsoft.com/office/drawing/2014/main" id="{F008AD83-55D8-BB3D-574B-2DDF5BA103C2}"/>
+                <a16:creationId xmlns:a16="http://schemas.microsoft.com/office/drawing/2014/main" id="{DEF6A211-DAF7-2C02-45BC-D2089FA5D178}"/>
               </a:ext>
             </a:extLst>
           </p:cNvPr>
           <p:cNvPicPr>
-            <a:picLocks noChangeAspect="1" noChangeArrowheads="1"/>
+            <a:picLocks noChangeAspect="1"/>
           </p:cNvPicPr>
           <p:nvPr/>
         </p:nvPicPr>
-        <p:blipFill>
-          <a:blip r:embed="rId3">
+        <p:blipFill rotWithShape="1">
+          <a:blip r:embed="rId4" cstate="print">
             <a:extLst>
               <a:ext uri="{28A0092B-C50C-407E-A947-70E740481C1C}">
                 <a14:useLocalDpi xmlns:a14="http://schemas.microsoft.com/office/drawing/2010/main" val="0"/>
               </a:ext>
             </a:extLst>
           </a:blip>
-          <a:srcRect/>
-          <a:stretch>
-            <a:fillRect/>
-          </a:stretch>
+          <a:srcRect l="1296" r="1"/>
+          <a:stretch/>
         </p:blipFill>
-        <p:spPr bwMode="auto">
-          <a:xfrm>
-            <a:off x="324050" y="2254717"/>
-            <a:ext cx="4385290" cy="3395312"/>
-          </a:xfrm>
-          <a:prstGeom prst="rect">
-            <a:avLst/>
-          </a:prstGeom>
-          <a:noFill/>
-          <a:extLst>
-            <a:ext uri="{909E8E84-426E-40DD-AFC4-6F175D3DCCD1}">
-              <a14:hiddenFill xmlns:a14="http://schemas.microsoft.com/office/drawing/2010/main">
-                <a:solidFill>
-                  <a:srgbClr val="FFFFFF"/>
-                </a:solidFill>
-              </a14:hiddenFill>
-            </a:ext>
-          </a:extLst>
-        </p:spPr>
-      </p:pic>
-      <p:sp>
-        <p:nvSpPr>
-          <p:cNvPr id="6" name="Rectangle 5">
-            <a:extLst>
-              <a:ext uri="{FF2B5EF4-FFF2-40B4-BE49-F238E27FC236}">
-                <a16:creationId xmlns:a16="http://schemas.microsoft.com/office/drawing/2014/main" id="{DEB643DB-8C0B-EF1B-48F4-62B1397ABCBD}"/>
-              </a:ext>
-            </a:extLst>
-          </p:cNvPr>
-          <p:cNvSpPr/>
-          <p:nvPr/>
-        </p:nvSpPr>
         <p:spPr>
           <a:xfrm>
-            <a:off x="0" y="6576822"/>
-            <a:ext cx="2326599" cy="276999"/>
+            <a:off x="139700" y="2545335"/>
+            <a:ext cx="5613400" cy="3361882"/>
           </a:xfrm>
           <a:prstGeom prst="rect">
             <a:avLst/>
           </a:prstGeom>
         </p:spPr>
-        <p:txBody>
-          <a:bodyPr wrap="none">
-            <a:spAutoFit/>
-          </a:bodyPr>
-          <a:lstStyle/>
-          <a:p>
-            <a:r>
-              <a:rPr lang="pt-BR" sz="1200" dirty="0">
-                <a:solidFill>
-                  <a:schemeClr val="accent5"/>
-                </a:solidFill>
-                <a:hlinkClick r:id="rId4"/>
-              </a:rPr>
-              <a:t>Exemplo: validacao_cruzada.ipynb</a:t>
-            </a:r>
-            <a:endParaRPr lang="pt-BR" sz="1200" dirty="0">
-              <a:solidFill>
-                <a:schemeClr val="accent5"/>
-              </a:solidFill>
-            </a:endParaRPr>
-          </a:p>
-        </p:txBody>
-      </p:sp>
+      </p:pic>
     </p:spTree>
     <p:extLst>
       <p:ext uri="{BB962C8B-B14F-4D97-AF65-F5344CB8AC3E}">
-        <p14:creationId xmlns:p14="http://schemas.microsoft.com/office/powerpoint/2010/main" val="953570357"/>
+        <p14:creationId xmlns:p14="http://schemas.microsoft.com/office/powerpoint/2010/main" val="3782528771"/>
       </p:ext>
     </p:extLst>
   </p:cSld>
@@ -13835,37 +17777,102 @@
           <a:chExt cx="0" cy="0"/>
         </a:xfrm>
       </p:grpSpPr>
-      <p:sp>
-        <p:nvSpPr>
-          <p:cNvPr id="2" name="Título 1">
-            <a:extLst>
-              <a:ext uri="{FF2B5EF4-FFF2-40B4-BE49-F238E27FC236}">
-                <a16:creationId xmlns:a16="http://schemas.microsoft.com/office/drawing/2014/main" id="{03A90728-D6F2-D90A-977C-52C5377EB8D9}"/>
-              </a:ext>
-            </a:extLst>
-          </p:cNvPr>
-          <p:cNvSpPr>
-            <a:spLocks noGrp="1"/>
-          </p:cNvSpPr>
-          <p:nvPr>
-            <p:ph type="title"/>
-          </p:nvPr>
-        </p:nvSpPr>
-        <p:spPr/>
-        <p:txBody>
-          <a:bodyPr/>
-          <a:lstStyle/>
-          <a:p>
-            <a:endParaRPr lang="pt-BR"/>
-          </a:p>
-        </p:txBody>
-      </p:sp>
+      <mc:AlternateContent xmlns:mc="http://schemas.openxmlformats.org/markup-compatibility/2006">
+        <mc:Choice xmlns:a14="http://schemas.microsoft.com/office/drawing/2010/main" Requires="a14">
+          <p:sp>
+            <p:nvSpPr>
+              <p:cNvPr id="2" name="Título 1">
+                <a:extLst>
+                  <a:ext uri="{FF2B5EF4-FFF2-40B4-BE49-F238E27FC236}">
+                    <a16:creationId xmlns:a16="http://schemas.microsoft.com/office/drawing/2014/main" id="{9FBE2970-3CBA-404B-4074-AEE02EAAB9A6}"/>
+                  </a:ext>
+                </a:extLst>
+              </p:cNvPr>
+              <p:cNvSpPr>
+                <a:spLocks noGrp="1"/>
+              </p:cNvSpPr>
+              <p:nvPr>
+                <p:ph type="title"/>
+              </p:nvPr>
+            </p:nvSpPr>
+            <p:spPr/>
+            <p:txBody>
+              <a:bodyPr/>
+              <a:lstStyle/>
+              <a:p>
+                <a14:m>
+                  <m:oMath xmlns:m="http://schemas.openxmlformats.org/officeDocument/2006/math">
+                    <m:r>
+                      <a:rPr lang="pt-BR" b="0" i="1" smtClean="0">
+                        <a:solidFill>
+                          <a:srgbClr val="0F0F0F"/>
+                        </a:solidFill>
+                        <a:effectLst/>
+                        <a:latin typeface="Cambria Math" panose="02040503050406030204" pitchFamily="18" charset="0"/>
+                      </a:rPr>
+                      <m:t>𝑘</m:t>
+                    </m:r>
+                  </m:oMath>
+                </a14:m>
+                <a:r>
+                  <a:rPr lang="pt-BR" dirty="0"/>
+                  <a:t>-</a:t>
+                </a:r>
+                <a:r>
+                  <a:rPr lang="pt-BR" dirty="0" err="1"/>
+                  <a:t>fold</a:t>
+                </a:r>
+                <a:endParaRPr lang="pt-BR" dirty="0"/>
+              </a:p>
+            </p:txBody>
+          </p:sp>
+        </mc:Choice>
+        <mc:Fallback>
+          <p:sp>
+            <p:nvSpPr>
+              <p:cNvPr id="2" name="Título 1">
+                <a:extLst>
+                  <a:ext uri="{FF2B5EF4-FFF2-40B4-BE49-F238E27FC236}">
+                    <a16:creationId xmlns:a16="http://schemas.microsoft.com/office/drawing/2014/main" id="{9FBE2970-3CBA-404B-4074-AEE02EAAB9A6}"/>
+                  </a:ext>
+                </a:extLst>
+              </p:cNvPr>
+              <p:cNvSpPr>
+                <a:spLocks noGrp="1" noRot="1" noChangeAspect="1" noMove="1" noResize="1" noEditPoints="1" noAdjustHandles="1" noChangeArrowheads="1" noChangeShapeType="1" noTextEdit="1"/>
+              </p:cNvSpPr>
+              <p:nvPr>
+                <p:ph type="title"/>
+              </p:nvPr>
+            </p:nvSpPr>
+            <p:spPr>
+              <a:blipFill>
+                <a:blip r:embed="rId3"/>
+                <a:stretch>
+                  <a:fillRect/>
+                </a:stretch>
+              </a:blipFill>
+            </p:spPr>
+            <p:txBody>
+              <a:bodyPr/>
+              <a:lstStyle/>
+              <a:p>
+                <a:r>
+                  <a:rPr lang="pt-BR">
+                    <a:noFill/>
+                  </a:rPr>
+                  <a:t> </a:t>
+                </a:r>
+              </a:p>
+            </p:txBody>
+          </p:sp>
+        </mc:Fallback>
+      </mc:AlternateContent>
       <p:sp>
         <p:nvSpPr>
           <p:cNvPr id="3" name="Espaço Reservado para Conteúdo 2">
             <a:extLst>
               <a:ext uri="{FF2B5EF4-FFF2-40B4-BE49-F238E27FC236}">
-                <a16:creationId xmlns:a16="http://schemas.microsoft.com/office/drawing/2014/main" id="{669B1AC1-E860-DDCC-28D4-468A7D4571A1}"/>
+                <a16:creationId xmlns:a16="http://schemas.microsoft.com/office/drawing/2014/main" id="{F55CE789-94DC-AEE8-1D38-D05D40B0BF3A}"/>
               </a:ext>
             </a:extLst>
           </p:cNvPr>
@@ -13876,19 +17883,199 @@
             <p:ph idx="1"/>
           </p:nvPr>
         </p:nvSpPr>
-        <p:spPr/>
+        <p:spPr>
+          <a:xfrm>
+            <a:off x="6096000" y="1825624"/>
+            <a:ext cx="5956300" cy="5032375"/>
+          </a:xfrm>
+        </p:spPr>
         <p:txBody>
-          <a:bodyPr/>
+          <a:bodyPr>
+            <a:normAutofit/>
+          </a:bodyPr>
           <a:lstStyle/>
           <a:p>
-            <a:endParaRPr lang="pt-BR"/>
+            <a:r>
+              <a:rPr lang="pt-BR" b="0" i="0" dirty="0">
+                <a:solidFill>
+                  <a:srgbClr val="0F0F0F"/>
+                </a:solidFill>
+                <a:effectLst/>
+                <a:latin typeface="Söhne"/>
+              </a:rPr>
+              <a:t>Ao final dos 𝒌 treinamentos, calcula-se a </a:t>
+            </a:r>
+            <a:r>
+              <a:rPr lang="pt-BR" b="1" i="1" dirty="0">
+                <a:solidFill>
+                  <a:srgbClr val="0070C0"/>
+                </a:solidFill>
+                <a:effectLst/>
+                <a:latin typeface="Söhne"/>
+              </a:rPr>
+              <a:t>média</a:t>
+            </a:r>
+            <a:r>
+              <a:rPr lang="pt-BR" b="0" i="0" dirty="0">
+                <a:solidFill>
+                  <a:srgbClr val="0F0F0F"/>
+                </a:solidFill>
+                <a:effectLst/>
+                <a:latin typeface="Söhne"/>
+              </a:rPr>
+              <a:t> e o </a:t>
+            </a:r>
+            <a:r>
+              <a:rPr lang="pt-BR" b="1" i="1" dirty="0">
+                <a:solidFill>
+                  <a:srgbClr val="0070C0"/>
+                </a:solidFill>
+                <a:effectLst/>
+                <a:latin typeface="Söhne"/>
+              </a:rPr>
+              <a:t>desvio padrão</a:t>
+            </a:r>
+            <a:r>
+              <a:rPr lang="pt-BR" b="0" i="0" dirty="0">
+                <a:solidFill>
+                  <a:srgbClr val="0F0F0F"/>
+                </a:solidFill>
+                <a:effectLst/>
+                <a:latin typeface="Söhne"/>
+              </a:rPr>
+              <a:t> dos 𝒌 EQM de validação para fornecer uma avaliação geral do desempenho do modelo.</a:t>
+            </a:r>
+          </a:p>
+          <a:p>
+            <a:r>
+              <a:rPr lang="pt-BR" sz="2800" dirty="0"/>
+              <a:t>Em geral, utiliza-se </a:t>
+            </a:r>
+            <a:r>
+              <a:rPr lang="pt-BR" b="0" i="0" dirty="0">
+                <a:solidFill>
+                  <a:srgbClr val="0F0F0F"/>
+                </a:solidFill>
+                <a:effectLst/>
+                <a:latin typeface="Söhne"/>
+              </a:rPr>
+              <a:t>𝒌</a:t>
+            </a:r>
+            <a:r>
+              <a:rPr lang="pt-BR" sz="2800" dirty="0"/>
+              <a:t> = 5 ou 10.</a:t>
+            </a:r>
+          </a:p>
+          <a:p>
+            <a:r>
+              <a:rPr lang="pt-BR" sz="2800" dirty="0"/>
+              <a:t>Porém, </a:t>
+            </a:r>
+            <a:r>
+              <a:rPr lang="pt-BR" b="0" i="0" dirty="0">
+                <a:solidFill>
+                  <a:srgbClr val="0F0F0F"/>
+                </a:solidFill>
+                <a:effectLst/>
+                <a:latin typeface="Söhne"/>
+              </a:rPr>
+              <a:t>𝒌</a:t>
+            </a:r>
+            <a:r>
+              <a:rPr lang="pt-BR" sz="2800" dirty="0"/>
+              <a:t> deve ser escolhido de forma que os </a:t>
+            </a:r>
+            <a:r>
+              <a:rPr lang="pt-BR" sz="2800" i="1" dirty="0"/>
+              <a:t>folds</a:t>
+            </a:r>
+            <a:r>
+              <a:rPr lang="pt-BR" sz="2800" dirty="0"/>
+              <a:t> sejam </a:t>
+            </a:r>
+            <a:r>
+              <a:rPr lang="pt-BR" sz="2800" b="1" i="1" dirty="0"/>
+              <a:t>representativos do padrão presente nos dados.</a:t>
+            </a:r>
+          </a:p>
+        </p:txBody>
+      </p:sp>
+      <p:pic>
+        <p:nvPicPr>
+          <p:cNvPr id="4" name="Imagem 3">
+            <a:extLst>
+              <a:ext uri="{FF2B5EF4-FFF2-40B4-BE49-F238E27FC236}">
+                <a16:creationId xmlns:a16="http://schemas.microsoft.com/office/drawing/2014/main" id="{4F49A66D-EE2E-954C-CE06-20034C4D7B7C}"/>
+              </a:ext>
+            </a:extLst>
+          </p:cNvPr>
+          <p:cNvPicPr>
+            <a:picLocks noChangeAspect="1"/>
+          </p:cNvPicPr>
+          <p:nvPr/>
+        </p:nvPicPr>
+        <p:blipFill rotWithShape="1">
+          <a:blip r:embed="rId4" cstate="print">
+            <a:extLst>
+              <a:ext uri="{28A0092B-C50C-407E-A947-70E740481C1C}">
+                <a14:useLocalDpi xmlns:a14="http://schemas.microsoft.com/office/drawing/2010/main" val="0"/>
+              </a:ext>
+            </a:extLst>
+          </a:blip>
+          <a:srcRect l="1296" r="1"/>
+          <a:stretch/>
+        </p:blipFill>
+        <p:spPr>
+          <a:xfrm>
+            <a:off x="139700" y="2545335"/>
+            <a:ext cx="5613400" cy="3361882"/>
+          </a:xfrm>
+          <a:prstGeom prst="rect">
+            <a:avLst/>
+          </a:prstGeom>
+        </p:spPr>
+      </p:pic>
+      <p:sp>
+        <p:nvSpPr>
+          <p:cNvPr id="5" name="CaixaDeTexto 4">
+            <a:extLst>
+              <a:ext uri="{FF2B5EF4-FFF2-40B4-BE49-F238E27FC236}">
+                <a16:creationId xmlns:a16="http://schemas.microsoft.com/office/drawing/2014/main" id="{A35580BE-2693-7A2B-E389-307D19EBC7B1}"/>
+              </a:ext>
+            </a:extLst>
+          </p:cNvPr>
+          <p:cNvSpPr txBox="1"/>
+          <p:nvPr/>
+        </p:nvSpPr>
+        <p:spPr>
+          <a:xfrm>
+            <a:off x="1442175" y="1953195"/>
+            <a:ext cx="1360967" cy="584775"/>
+          </a:xfrm>
+          <a:prstGeom prst="rect">
+            <a:avLst/>
+          </a:prstGeom>
+          <a:noFill/>
+        </p:spPr>
+        <p:txBody>
+          <a:bodyPr wrap="square" rtlCol="0">
+            <a:spAutoFit/>
+          </a:bodyPr>
+          <a:lstStyle/>
+          <a:p>
+            <a:pPr algn="ctr"/>
+            <a:r>
+              <a:rPr lang="pt-BR" sz="3200" b="1" dirty="0"/>
+              <a:t>k = 5</a:t>
+            </a:r>
+            <a:endParaRPr lang="en-US" sz="3200" b="1" dirty="0"/>
           </a:p>
         </p:txBody>
       </p:sp>
     </p:spTree>
     <p:extLst>
       <p:ext uri="{BB962C8B-B14F-4D97-AF65-F5344CB8AC3E}">
-        <p14:creationId xmlns:p14="http://schemas.microsoft.com/office/powerpoint/2010/main" val="167444778"/>
+        <p14:creationId xmlns:p14="http://schemas.microsoft.com/office/powerpoint/2010/main" val="1129035678"/>
       </p:ext>
     </p:extLst>
   </p:cSld>

--- a/slides/T319_Regressão_Linear (Parte V).pptx
+++ b/slides/T319_Regressão_Linear (Parte V).pptx
@@ -5,7 +5,7 @@
     <p:sldMasterId id="2147483648" r:id="rId1"/>
   </p:sldMasterIdLst>
   <p:notesMasterIdLst>
-    <p:notesMasterId r:id="rId30"/>
+    <p:notesMasterId r:id="rId25"/>
   </p:notesMasterIdLst>
   <p:sldIdLst>
     <p:sldId id="259" r:id="rId2"/>
@@ -18,24 +18,19 @@
     <p:sldId id="443" r:id="rId9"/>
     <p:sldId id="444" r:id="rId10"/>
     <p:sldId id="450" r:id="rId11"/>
-    <p:sldId id="452" r:id="rId12"/>
-    <p:sldId id="441" r:id="rId13"/>
-    <p:sldId id="442" r:id="rId14"/>
-    <p:sldId id="446" r:id="rId15"/>
-    <p:sldId id="445" r:id="rId16"/>
+    <p:sldId id="441" r:id="rId12"/>
+    <p:sldId id="442" r:id="rId13"/>
+    <p:sldId id="446" r:id="rId14"/>
+    <p:sldId id="453" r:id="rId15"/>
+    <p:sldId id="451" r:id="rId16"/>
     <p:sldId id="447" r:id="rId17"/>
-    <p:sldId id="451" r:id="rId18"/>
-    <p:sldId id="425" r:id="rId19"/>
-    <p:sldId id="433" r:id="rId20"/>
-    <p:sldId id="428" r:id="rId21"/>
-    <p:sldId id="434" r:id="rId22"/>
-    <p:sldId id="417" r:id="rId23"/>
-    <p:sldId id="317" r:id="rId24"/>
-    <p:sldId id="332" r:id="rId25"/>
-    <p:sldId id="299" r:id="rId26"/>
-    <p:sldId id="410" r:id="rId27"/>
-    <p:sldId id="449" r:id="rId28"/>
-    <p:sldId id="419" r:id="rId29"/>
+    <p:sldId id="417" r:id="rId18"/>
+    <p:sldId id="317" r:id="rId19"/>
+    <p:sldId id="332" r:id="rId20"/>
+    <p:sldId id="299" r:id="rId21"/>
+    <p:sldId id="410" r:id="rId22"/>
+    <p:sldId id="449" r:id="rId23"/>
+    <p:sldId id="419" r:id="rId24"/>
   </p:sldIdLst>
   <p:sldSz cx="12192000" cy="6858000"/>
   <p:notesSz cx="6858000" cy="9144000"/>
@@ -947,6 +942,358 @@
           <a:bodyPr/>
           <a:lstStyle/>
           <a:p>
+            <a:r>
+              <a:rPr lang="pt-BR" b="0" i="0" dirty="0">
+                <a:solidFill>
+                  <a:srgbClr val="0F0F0F"/>
+                </a:solidFill>
+                <a:effectLst/>
+                <a:latin typeface="Söhne"/>
+              </a:rPr>
+              <a:t>A validação cruzada k-</a:t>
+            </a:r>
+            <a:r>
+              <a:rPr lang="pt-BR" b="0" i="0" dirty="0" err="1">
+                <a:solidFill>
+                  <a:srgbClr val="0F0F0F"/>
+                </a:solidFill>
+                <a:effectLst/>
+                <a:latin typeface="Söhne"/>
+              </a:rPr>
+              <a:t>fold</a:t>
+            </a:r>
+            <a:r>
+              <a:rPr lang="pt-BR" b="0" i="0" dirty="0">
+                <a:solidFill>
+                  <a:srgbClr val="0F0F0F"/>
+                </a:solidFill>
+                <a:effectLst/>
+                <a:latin typeface="Söhne"/>
+              </a:rPr>
+              <a:t> aborda o problema do viés de seleção ao realizar k iterações de treinamento e teste, cada vez usando uma divisão diferente dos dados. Isso ajuda a mitigar o impacto de uma única divisão de dados na avaliação final do modelo, tornando a avaliação mais robusta e menos sensível à escolha específica dos conjuntos de treinamento e teste.</a:t>
+            </a:r>
+          </a:p>
+          <a:p>
+            <a:endParaRPr lang="pt-BR" b="0" i="0" dirty="0">
+              <a:solidFill>
+                <a:srgbClr val="0F0F0F"/>
+              </a:solidFill>
+              <a:effectLst/>
+              <a:latin typeface="Söhne"/>
+            </a:endParaRPr>
+          </a:p>
+          <a:p>
+            <a:r>
+              <a:rPr lang="pt-BR" dirty="0"/>
+              <a:t>A ideia principal por trás da</a:t>
+            </a:r>
+            <a:r>
+              <a:rPr lang="pt-BR" baseline="0" dirty="0"/>
+              <a:t> estratégia do k-</a:t>
+            </a:r>
+            <a:r>
+              <a:rPr lang="pt-BR" baseline="0" dirty="0" err="1"/>
+              <a:t>Fold</a:t>
+            </a:r>
+            <a:r>
+              <a:rPr lang="pt-BR" baseline="0" dirty="0"/>
+              <a:t> </a:t>
+            </a:r>
+            <a:r>
+              <a:rPr lang="pt-BR" dirty="0"/>
+              <a:t>é que cada</a:t>
+            </a:r>
+            <a:r>
+              <a:rPr lang="pt-BR" baseline="0" dirty="0"/>
+              <a:t> exemplo do conjunto de dados faz o serviço duplo como dado de treinamento e de validação/teste.</a:t>
+            </a:r>
+            <a:endParaRPr lang="pt-BR" dirty="0"/>
+          </a:p>
+          <a:p>
+            <a:endParaRPr lang="pt-BR" dirty="0"/>
+          </a:p>
+          <a:p>
+            <a:pPr marL="0" marR="0" indent="0" algn="l" defTabSz="914400" rtl="0" eaLnBrk="1" fontAlgn="auto" latinLnBrk="0" hangingPunct="1">
+              <a:lnSpc>
+                <a:spcPct val="100000"/>
+              </a:lnSpc>
+              <a:spcBef>
+                <a:spcPts val="0"/>
+              </a:spcBef>
+              <a:spcAft>
+                <a:spcPts val="0"/>
+              </a:spcAft>
+              <a:buClrTx/>
+              <a:buSzTx/>
+              <a:buFontTx/>
+              <a:buNone/>
+              <a:tabLst/>
+              <a:defRPr/>
+            </a:pPr>
+            <a:r>
+              <a:rPr lang="pt-BR" dirty="0"/>
+              <a:t>Na validação cruzada do k-</a:t>
+            </a:r>
+            <a:r>
+              <a:rPr lang="pt-BR" dirty="0" err="1"/>
+              <a:t>Fold</a:t>
+            </a:r>
+            <a:r>
+              <a:rPr lang="pt-BR" dirty="0"/>
+              <a:t>, os dados são divididos em k subconjuntos. A validação é repetida k vezes, de modo que, a cada vez, um dos subconjuntos k é usado como conjunto de validação e os outros subconjuntos k-1 são reunidos para formar um único conjunto de treinamento. Desta forma, </a:t>
+            </a:r>
+            <a:r>
+              <a:rPr lang="pt-BR" baseline="0" dirty="0"/>
+              <a:t>uma vantagem dessa abordagem é que a forma como os dados são divididos importa menos. </a:t>
+            </a:r>
+          </a:p>
+          <a:p>
+            <a:endParaRPr lang="pt-BR" dirty="0"/>
+          </a:p>
+          <a:p>
+            <a:r>
+              <a:rPr lang="pt-BR" dirty="0"/>
+              <a:t>Essa</a:t>
+            </a:r>
+            <a:r>
+              <a:rPr lang="pt-BR" baseline="0" dirty="0"/>
+              <a:t> </a:t>
+            </a:r>
+            <a:r>
+              <a:rPr lang="pt-BR" sz="1200" dirty="0"/>
+              <a:t>estratégia </a:t>
+            </a:r>
+            <a:r>
+              <a:rPr lang="pt-BR" dirty="0"/>
+              <a:t>reduz significativamente o problema do viés</a:t>
+            </a:r>
+            <a:r>
+              <a:rPr lang="pt-BR" baseline="0" dirty="0"/>
+              <a:t> de seleção</a:t>
+            </a:r>
+            <a:r>
+              <a:rPr lang="pt-BR" dirty="0"/>
+              <a:t>, pois ela</a:t>
+            </a:r>
+            <a:r>
+              <a:rPr lang="pt-BR" baseline="0" dirty="0"/>
+              <a:t> </a:t>
+            </a:r>
+            <a:r>
+              <a:rPr lang="pt-BR" sz="1200" dirty="0"/>
+              <a:t>garante que todos os exemplos do conjunto de dados original tenham a chance de aparecer nos conjuntos de treinamento e validação,</a:t>
+            </a:r>
+            <a:r>
+              <a:rPr lang="pt-BR" sz="1200" baseline="0" dirty="0"/>
+              <a:t> o que consequentemente, </a:t>
+            </a:r>
+            <a:r>
+              <a:rPr lang="pt-BR" dirty="0"/>
+              <a:t>reduz a variância.</a:t>
+            </a:r>
+            <a:r>
+              <a:rPr lang="pt-BR" baseline="0" dirty="0"/>
+              <a:t> </a:t>
+            </a:r>
+          </a:p>
+          <a:p>
+            <a:endParaRPr lang="pt-BR" baseline="0" dirty="0"/>
+          </a:p>
+          <a:p>
+            <a:r>
+              <a:rPr lang="pt-BR" dirty="0"/>
+              <a:t>Portanto,</a:t>
+            </a:r>
+            <a:r>
+              <a:rPr lang="pt-BR" baseline="0" dirty="0"/>
+              <a:t> a</a:t>
+            </a:r>
+            <a:r>
+              <a:rPr lang="pt-BR" dirty="0"/>
+              <a:t> troca dos conjuntos de treinamento e validação contribuem</a:t>
+            </a:r>
+            <a:r>
+              <a:rPr lang="pt-BR" baseline="0" dirty="0"/>
+              <a:t> </a:t>
+            </a:r>
+            <a:r>
+              <a:rPr lang="pt-BR" dirty="0"/>
+              <a:t>para a eficácia dessa </a:t>
+            </a:r>
+            <a:r>
+              <a:rPr lang="pt-BR" sz="1200" dirty="0"/>
+              <a:t>estratégia</a:t>
+            </a:r>
+            <a:r>
+              <a:rPr lang="pt-BR" dirty="0"/>
+              <a:t>. </a:t>
+            </a:r>
+            <a:r>
+              <a:rPr lang="pt-BR" baseline="0" dirty="0"/>
+              <a:t>Como regra geral e evidência empírica, normalmente, utiliza-se K = 5 ou 10. A variância da estimativa resultante é reduzida à medida que k é aumentado.</a:t>
+            </a:r>
+          </a:p>
+          <a:p>
+            <a:endParaRPr lang="pt-BR" baseline="0" dirty="0"/>
+          </a:p>
+          <a:p>
+            <a:r>
+              <a:rPr lang="pt-BR" baseline="0" dirty="0"/>
+              <a:t>A validação cruzada do k-</a:t>
+            </a:r>
+            <a:r>
+              <a:rPr lang="pt-BR" baseline="0" dirty="0" err="1"/>
+              <a:t>Fold</a:t>
+            </a:r>
+            <a:r>
+              <a:rPr lang="pt-BR" baseline="0" dirty="0"/>
+              <a:t> é importante pois permite que você use seu conjunto de dados completo tanto para treinamento como para validação. É especialmente útil ao avaliar um modelo usando conjuntos de dados pequenos ou limitados.</a:t>
+            </a:r>
+          </a:p>
+          <a:p>
+            <a:endParaRPr lang="pt-BR" dirty="0"/>
+          </a:p>
+          <a:p>
+            <a:r>
+              <a:rPr lang="pt-BR" dirty="0"/>
+              <a:t>O desempenho do modelo é dado pela média dos erros de validação calculados para cada um dos k </a:t>
+            </a:r>
+            <a:r>
+              <a:rPr lang="pt-BR" dirty="0" err="1"/>
+              <a:t>folds</a:t>
+            </a:r>
+            <a:r>
+              <a:rPr lang="pt-BR" dirty="0"/>
+              <a:t>. A estimativa de erro é calculada sobre todos os k </a:t>
+            </a:r>
+            <a:r>
+              <a:rPr lang="pt-BR" dirty="0" err="1"/>
+              <a:t>folds</a:t>
+            </a:r>
+            <a:r>
+              <a:rPr lang="pt-BR" dirty="0"/>
+              <a:t> para obter a eficácia total do modelo. </a:t>
+            </a:r>
+          </a:p>
+          <a:p>
+            <a:pPr marL="0" marR="0" indent="0" algn="l" defTabSz="914400" rtl="0" eaLnBrk="1" fontAlgn="auto" latinLnBrk="0" hangingPunct="1">
+              <a:lnSpc>
+                <a:spcPct val="100000"/>
+              </a:lnSpc>
+              <a:spcBef>
+                <a:spcPts val="0"/>
+              </a:spcBef>
+              <a:spcAft>
+                <a:spcPts val="0"/>
+              </a:spcAft>
+              <a:buClrTx/>
+              <a:buSzTx/>
+              <a:buFontTx/>
+              <a:buNone/>
+              <a:tabLst/>
+              <a:defRPr/>
+            </a:pPr>
+            <a:endParaRPr lang="pt-BR" dirty="0"/>
+          </a:p>
+          <a:p>
+            <a:pPr marL="0" marR="0" indent="0" algn="l" defTabSz="914400" rtl="0" eaLnBrk="1" fontAlgn="auto" latinLnBrk="0" hangingPunct="1">
+              <a:lnSpc>
+                <a:spcPct val="100000"/>
+              </a:lnSpc>
+              <a:spcBef>
+                <a:spcPts val="0"/>
+              </a:spcBef>
+              <a:spcAft>
+                <a:spcPts val="0"/>
+              </a:spcAft>
+              <a:buClrTx/>
+              <a:buSzTx/>
+              <a:buFontTx/>
+              <a:buNone/>
+              <a:tabLst/>
+              <a:defRPr/>
+            </a:pPr>
+            <a:r>
+              <a:rPr lang="pt-BR" dirty="0"/>
+              <a:t>Como pode ser visto, todo exemplo fica em um conjunto de validação exatamente uma vez e em um conjunto de treinamento k-1 vezes.</a:t>
+            </a:r>
+          </a:p>
+          <a:p>
+            <a:r>
+              <a:rPr lang="pt-BR" baseline="0" dirty="0"/>
+              <a:t>Cada exemplo entra em um conjunto de validação exatamente uma vez e a k-1 vezes no conjunto de treinamento.</a:t>
+            </a:r>
+          </a:p>
+          <a:p>
+            <a:pPr marL="0" marR="0" indent="0" algn="l" defTabSz="914400" rtl="0" eaLnBrk="1" fontAlgn="auto" latinLnBrk="0" hangingPunct="1">
+              <a:lnSpc>
+                <a:spcPct val="100000"/>
+              </a:lnSpc>
+              <a:spcBef>
+                <a:spcPts val="0"/>
+              </a:spcBef>
+              <a:spcAft>
+                <a:spcPts val="0"/>
+              </a:spcAft>
+              <a:buClrTx/>
+              <a:buSzTx/>
+              <a:buFontTx/>
+              <a:buNone/>
+              <a:tabLst/>
+              <a:defRPr/>
+            </a:pPr>
+            <a:r>
+              <a:rPr lang="pt-BR" dirty="0"/>
+              <a:t>Com este procedimento, toda amostra disponível vai aparecer k-1 vezes no conjunto de treinamento e 1 vez no conjunto de validação.</a:t>
+            </a:r>
+          </a:p>
+          <a:p>
+            <a:endParaRPr lang="pt-BR" dirty="0"/>
+          </a:p>
+          <a:p>
+            <a:r>
+              <a:rPr lang="pt-BR" b="1" dirty="0"/>
+              <a:t>Desvantagem</a:t>
+            </a:r>
+            <a:r>
+              <a:rPr lang="pt-BR" dirty="0"/>
+              <a:t>:</a:t>
+            </a:r>
+          </a:p>
+          <a:p>
+            <a:r>
+              <a:rPr lang="pt-BR" dirty="0"/>
+              <a:t>Alto</a:t>
+            </a:r>
+            <a:r>
+              <a:rPr lang="pt-BR" baseline="0" dirty="0"/>
+              <a:t> custo </a:t>
+            </a:r>
+            <a:r>
+              <a:rPr lang="pt-BR" baseline="0" dirty="0" err="1"/>
+              <a:t>computational</a:t>
+            </a:r>
+            <a:r>
+              <a:rPr lang="pt-BR" baseline="0" dirty="0"/>
+              <a:t> pois treina-se e valida-se o modelo k vezes, ou seja, o algoritmo de treinamento deve ser executado novamente do zero k vezes, o que significa que leva k vezes mais tempo para fazer uma avaliação (</a:t>
+            </a:r>
+            <a:r>
+              <a:rPr lang="pt-BR" baseline="0" dirty="0" err="1"/>
+              <a:t>treinamento+validação</a:t>
+            </a:r>
+            <a:r>
+              <a:rPr lang="pt-BR" baseline="0" dirty="0"/>
+              <a:t>).</a:t>
+            </a:r>
+            <a:endParaRPr lang="pt-BR" dirty="0"/>
+          </a:p>
+          <a:p>
+            <a:endParaRPr lang="pt-BR" dirty="0"/>
+          </a:p>
+          <a:p>
+            <a:endParaRPr lang="pt-BR" dirty="0"/>
+          </a:p>
+          <a:p>
             <a:endParaRPr lang="pt-BR" dirty="0"/>
           </a:p>
         </p:txBody>
@@ -968,7 +1315,7 @@
           <a:p>
             <a:fld id="{DA8B99DF-01BC-492A-8CEF-4FD88D18DD9D}" type="slidenum">
               <a:rPr lang="nl-BE" smtClean="0"/>
-              <a:t>12</a:t>
+              <a:t>10</a:t>
             </a:fld>
             <a:endParaRPr lang="nl-BE"/>
           </a:p>
@@ -977,7 +1324,7 @@
     </p:spTree>
     <p:extLst>
       <p:ext uri="{BB962C8B-B14F-4D97-AF65-F5344CB8AC3E}">
-        <p14:creationId xmlns:p14="http://schemas.microsoft.com/office/powerpoint/2010/main" val="1926337988"/>
+        <p14:creationId xmlns:p14="http://schemas.microsoft.com/office/powerpoint/2010/main" val="694839240"/>
       </p:ext>
     </p:extLst>
   </p:cSld>
@@ -1006,7 +1353,7 @@
       </p:grpSpPr>
       <p:sp>
         <p:nvSpPr>
-          <p:cNvPr id="2" name="Slide Image Placeholder 1"/>
+          <p:cNvPr id="2" name="Espaço Reservado para Imagem de Slide 1"/>
           <p:cNvSpPr>
             <a:spLocks noGrp="1" noRot="1" noChangeAspect="1"/>
           </p:cNvSpPr>
@@ -1018,7 +1365,7 @@
       </p:sp>
       <p:sp>
         <p:nvSpPr>
-          <p:cNvPr id="3" name="Notes Placeholder 2"/>
+          <p:cNvPr id="3" name="Espaço Reservado para Anotações 2"/>
           <p:cNvSpPr>
             <a:spLocks noGrp="1"/>
           </p:cNvSpPr>
@@ -1031,33 +1378,18 @@
           <a:bodyPr/>
           <a:lstStyle/>
           <a:p>
-            <a:r>
-              <a:rPr lang="pt-BR" b="1" dirty="0"/>
-              <a:t>Exemplo</a:t>
-            </a:r>
-            <a:r>
-              <a:rPr lang="pt-BR" dirty="0"/>
-              <a:t>:</a:t>
-            </a:r>
-            <a:r>
-              <a:rPr lang="pt-BR" baseline="0" dirty="0"/>
-              <a:t> </a:t>
-            </a:r>
-            <a:r>
-              <a:rPr lang="pt-BR" dirty="0"/>
-              <a:t>https://colab.research.google.com/github/zz4fap/t319_aprendizado_de_maquina/blob/main/notebooks/regression/validacao_cruzada.ipynb</a:t>
-            </a:r>
+            <a:endParaRPr lang="pt-BR" dirty="0"/>
           </a:p>
         </p:txBody>
       </p:sp>
       <p:sp>
         <p:nvSpPr>
-          <p:cNvPr id="4" name="Slide Number Placeholder 3"/>
+          <p:cNvPr id="4" name="Espaço Reservado para Número de Slide 3"/>
           <p:cNvSpPr>
             <a:spLocks noGrp="1"/>
           </p:cNvSpPr>
           <p:nvPr>
-            <p:ph type="sldNum" sz="quarter" idx="10"/>
+            <p:ph type="sldNum" sz="quarter" idx="5"/>
           </p:nvPr>
         </p:nvSpPr>
         <p:spPr/>
@@ -1067,7 +1399,7 @@
           <a:p>
             <a:fld id="{DA8B99DF-01BC-492A-8CEF-4FD88D18DD9D}" type="slidenum">
               <a:rPr lang="nl-BE" smtClean="0"/>
-              <a:t>18</a:t>
+              <a:t>11</a:t>
             </a:fld>
             <a:endParaRPr lang="nl-BE"/>
           </a:p>
@@ -1076,7 +1408,7 @@
     </p:spTree>
     <p:extLst>
       <p:ext uri="{BB962C8B-B14F-4D97-AF65-F5344CB8AC3E}">
-        <p14:creationId xmlns:p14="http://schemas.microsoft.com/office/powerpoint/2010/main" val="1092688598"/>
+        <p14:creationId xmlns:p14="http://schemas.microsoft.com/office/powerpoint/2010/main" val="1926337988"/>
       </p:ext>
     </p:extLst>
   </p:cSld>
@@ -1105,7 +1437,7 @@
       </p:grpSpPr>
       <p:sp>
         <p:nvSpPr>
-          <p:cNvPr id="2" name="Slide Image Placeholder 1"/>
+          <p:cNvPr id="2" name="Espaço Reservado para Imagem de Slide 1"/>
           <p:cNvSpPr>
             <a:spLocks noGrp="1" noRot="1" noChangeAspect="1"/>
           </p:cNvSpPr>
@@ -1117,7 +1449,7 @@
       </p:sp>
       <p:sp>
         <p:nvSpPr>
-          <p:cNvPr id="3" name="Notes Placeholder 2"/>
+          <p:cNvPr id="3" name="Espaço Reservado para Anotações 2"/>
           <p:cNvSpPr>
             <a:spLocks noGrp="1"/>
           </p:cNvSpPr>
@@ -1130,29 +1462,7 @@
           <a:bodyPr/>
           <a:lstStyle/>
           <a:p>
-            <a:r>
-              <a:rPr lang="pt-BR" dirty="0"/>
-              <a:t>A ideia principal por trás da</a:t>
-            </a:r>
-            <a:r>
-              <a:rPr lang="pt-BR" baseline="0" dirty="0"/>
-              <a:t> estratégia do k-Fold </a:t>
-            </a:r>
-            <a:r>
-              <a:rPr lang="pt-BR" dirty="0"/>
-              <a:t>é que cada</a:t>
-            </a:r>
-            <a:r>
-              <a:rPr lang="pt-BR" baseline="0" dirty="0"/>
-              <a:t> exemplo do conjunto de dados faz o serviço duplo como dado de treinamento e de validação/teste.</a:t>
-            </a:r>
-            <a:endParaRPr lang="pt-BR" dirty="0"/>
-          </a:p>
-          <a:p>
-            <a:endParaRPr lang="pt-BR" dirty="0"/>
-          </a:p>
-          <a:p>
-            <a:pPr marL="0" marR="0" indent="0" algn="l" defTabSz="914400" rtl="0" eaLnBrk="1" fontAlgn="auto" latinLnBrk="0" hangingPunct="1">
+            <a:pPr marL="0" marR="0" lvl="0" indent="0" algn="l" defTabSz="914400" rtl="0" eaLnBrk="1" fontAlgn="auto" latinLnBrk="0" hangingPunct="1">
               <a:lnSpc>
                 <a:spcPct val="100000"/>
               </a:lnSpc>
@@ -1170,216 +1480,21 @@
               <a:defRPr/>
             </a:pPr>
             <a:r>
+              <a:rPr lang="pt-BR" b="1" dirty="0"/>
+              <a:t>Exemplo</a:t>
+            </a:r>
+            <a:r>
               <a:rPr lang="pt-BR" dirty="0"/>
-              <a:t>Na validação cruzada do k-Fold, os dados são divididos em k subconjuntos. A validação é repetida k vezes, de modo que, a cada vez, um dos subconjuntos k é usado como conjunto de validação e os outros subconjuntos k-1 são reunidos para formar um único conjunto de treinamento. Desta forma, </a:t>
-            </a:r>
-            <a:r>
-              <a:rPr lang="pt-BR" baseline="0" dirty="0"/>
-              <a:t>uma vantagem dessa abordagem é que a forma como os dados são divididos importa menos. </a:t>
-            </a:r>
-          </a:p>
-          <a:p>
-            <a:endParaRPr lang="pt-BR" dirty="0"/>
-          </a:p>
-          <a:p>
-            <a:r>
-              <a:rPr lang="pt-BR" dirty="0"/>
-              <a:t>Essa</a:t>
+              <a:t>:</a:t>
             </a:r>
             <a:r>
               <a:rPr lang="pt-BR" baseline="0" dirty="0"/>
               <a:t> </a:t>
             </a:r>
             <a:r>
-              <a:rPr lang="pt-BR" sz="1200" dirty="0"/>
-              <a:t>estratégia </a:t>
-            </a:r>
-            <a:r>
               <a:rPr lang="pt-BR" dirty="0"/>
-              <a:t>reduz significativamente o problema do viés</a:t>
-            </a:r>
-            <a:r>
-              <a:rPr lang="pt-BR" baseline="0" dirty="0"/>
-              <a:t> de seleção</a:t>
-            </a:r>
-            <a:r>
-              <a:rPr lang="pt-BR" dirty="0"/>
-              <a:t>, pois ela</a:t>
-            </a:r>
-            <a:r>
-              <a:rPr lang="pt-BR" baseline="0" dirty="0"/>
-              <a:t> </a:t>
-            </a:r>
-            <a:r>
-              <a:rPr lang="pt-BR" sz="1200" dirty="0"/>
-              <a:t>garante que todos os exemplos do conjunto de dados original tenham a chance de aparecer nos conjuntos de treinamento e validação,</a:t>
-            </a:r>
-            <a:r>
-              <a:rPr lang="pt-BR" sz="1200" baseline="0" dirty="0"/>
-              <a:t> o que consequentemente, </a:t>
-            </a:r>
-            <a:r>
-              <a:rPr lang="pt-BR" dirty="0"/>
-              <a:t>reduz a variância.</a:t>
-            </a:r>
-            <a:r>
-              <a:rPr lang="pt-BR" baseline="0" dirty="0"/>
-              <a:t> </a:t>
-            </a:r>
-          </a:p>
-          <a:p>
-            <a:endParaRPr lang="pt-BR" baseline="0" dirty="0"/>
-          </a:p>
-          <a:p>
-            <a:r>
-              <a:rPr lang="pt-BR" dirty="0"/>
-              <a:t>Portanto,</a:t>
-            </a:r>
-            <a:r>
-              <a:rPr lang="pt-BR" baseline="0" dirty="0"/>
-              <a:t> a</a:t>
-            </a:r>
-            <a:r>
-              <a:rPr lang="pt-BR" dirty="0"/>
-              <a:t> troca dos conjuntos de treinamento e validação contribuem</a:t>
-            </a:r>
-            <a:r>
-              <a:rPr lang="pt-BR" baseline="0" dirty="0"/>
-              <a:t> </a:t>
-            </a:r>
-            <a:r>
-              <a:rPr lang="pt-BR" dirty="0"/>
-              <a:t>para a eficácia dessa </a:t>
-            </a:r>
-            <a:r>
-              <a:rPr lang="pt-BR" sz="1200" dirty="0"/>
-              <a:t>estratégia</a:t>
-            </a:r>
-            <a:r>
-              <a:rPr lang="pt-BR" dirty="0"/>
-              <a:t>. </a:t>
-            </a:r>
-            <a:r>
-              <a:rPr lang="pt-BR" baseline="0" dirty="0"/>
-              <a:t>Como regra geral e evidência empírica, normalmente, utiliza-se K = 5 ou 10. A variância da estimativa resultante é reduzida à medida que k é aumentado.</a:t>
-            </a:r>
-          </a:p>
-          <a:p>
-            <a:endParaRPr lang="pt-BR" baseline="0" dirty="0"/>
-          </a:p>
-          <a:p>
-            <a:r>
-              <a:rPr lang="pt-BR" baseline="0" dirty="0"/>
-              <a:t>A validação cruzada do k-Fold é importante pois permite que você use seu conjunto de dados completo tanto para treinamento como para validação. É especialmente útil ao avaliar um modelo usando conjuntos de dados pequenos ou limitados.</a:t>
-            </a:r>
-          </a:p>
-          <a:p>
-            <a:endParaRPr lang="pt-BR" dirty="0"/>
-          </a:p>
-          <a:p>
-            <a:r>
-              <a:rPr lang="pt-BR" dirty="0"/>
-              <a:t>O desempenho do modelo é dado pela média dos erros de validação calculados para cada um dos k folds. A estimativa de erro é calculada sobre todos os k folds para obter a eficácia total do modelo. </a:t>
-            </a:r>
-          </a:p>
-          <a:p>
-            <a:pPr marL="0" marR="0" indent="0" algn="l" defTabSz="914400" rtl="0" eaLnBrk="1" fontAlgn="auto" latinLnBrk="0" hangingPunct="1">
-              <a:lnSpc>
-                <a:spcPct val="100000"/>
-              </a:lnSpc>
-              <a:spcBef>
-                <a:spcPts val="0"/>
-              </a:spcBef>
-              <a:spcAft>
-                <a:spcPts val="0"/>
-              </a:spcAft>
-              <a:buClrTx/>
-              <a:buSzTx/>
-              <a:buFontTx/>
-              <a:buNone/>
-              <a:tabLst/>
-              <a:defRPr/>
-            </a:pPr>
-            <a:endParaRPr lang="pt-BR" dirty="0"/>
-          </a:p>
-          <a:p>
-            <a:pPr marL="0" marR="0" indent="0" algn="l" defTabSz="914400" rtl="0" eaLnBrk="1" fontAlgn="auto" latinLnBrk="0" hangingPunct="1">
-              <a:lnSpc>
-                <a:spcPct val="100000"/>
-              </a:lnSpc>
-              <a:spcBef>
-                <a:spcPts val="0"/>
-              </a:spcBef>
-              <a:spcAft>
-                <a:spcPts val="0"/>
-              </a:spcAft>
-              <a:buClrTx/>
-              <a:buSzTx/>
-              <a:buFontTx/>
-              <a:buNone/>
-              <a:tabLst/>
-              <a:defRPr/>
-            </a:pPr>
-            <a:r>
-              <a:rPr lang="pt-BR" dirty="0"/>
-              <a:t>Como pode ser visto, todo exemplo fica em um conjunto de validação exatamente uma vez e em um conjunto de treinamento k-1 vezes.</a:t>
-            </a:r>
-          </a:p>
-          <a:p>
-            <a:r>
-              <a:rPr lang="pt-BR" baseline="0" dirty="0"/>
-              <a:t>Cada exemplo entra em um conjunto de validação exatamente uma vez e a k-1 vezes no conjunto de treinamento.</a:t>
-            </a:r>
-          </a:p>
-          <a:p>
-            <a:pPr marL="0" marR="0" indent="0" algn="l" defTabSz="914400" rtl="0" eaLnBrk="1" fontAlgn="auto" latinLnBrk="0" hangingPunct="1">
-              <a:lnSpc>
-                <a:spcPct val="100000"/>
-              </a:lnSpc>
-              <a:spcBef>
-                <a:spcPts val="0"/>
-              </a:spcBef>
-              <a:spcAft>
-                <a:spcPts val="0"/>
-              </a:spcAft>
-              <a:buClrTx/>
-              <a:buSzTx/>
-              <a:buFontTx/>
-              <a:buNone/>
-              <a:tabLst/>
-              <a:defRPr/>
-            </a:pPr>
-            <a:r>
-              <a:rPr lang="pt-BR" dirty="0"/>
-              <a:t>Com este procedimento, toda amostra disponível vai aparecer k-1 vezes no conjunto de treinamento e 1 vez no conjunto de validação.</a:t>
-            </a:r>
-          </a:p>
-          <a:p>
-            <a:endParaRPr lang="pt-BR" dirty="0"/>
-          </a:p>
-          <a:p>
-            <a:r>
-              <a:rPr lang="pt-BR" b="1" dirty="0"/>
-              <a:t>Desvantagem</a:t>
-            </a:r>
-            <a:r>
-              <a:rPr lang="pt-BR" dirty="0"/>
-              <a:t>:</a:t>
-            </a:r>
-          </a:p>
-          <a:p>
-            <a:r>
-              <a:rPr lang="pt-BR" dirty="0"/>
-              <a:t>Alto</a:t>
-            </a:r>
-            <a:r>
-              <a:rPr lang="pt-BR" baseline="0" dirty="0"/>
-              <a:t> custo computational pois treina-se e valida-se o modelo k vezes, ou seja, o algoritmo de treinamento deve ser executado novamente do zero k vezes, o que significa que leva k vezes mais tempo para fazer uma avaliação (treinamento+validação).</a:t>
-            </a:r>
-            <a:endParaRPr lang="pt-BR" dirty="0"/>
-          </a:p>
-          <a:p>
-            <a:endParaRPr lang="pt-BR" dirty="0"/>
+              <a:t>https://colab.research.google.com/github/zz4fap/t319_aprendizado_de_maquina/blob/main/notebooks/regression/validacao_cruzada.ipynb</a:t>
+            </a:r>
           </a:p>
           <a:p>
             <a:endParaRPr lang="pt-BR" dirty="0"/>
@@ -1388,12 +1503,12 @@
       </p:sp>
       <p:sp>
         <p:nvSpPr>
-          <p:cNvPr id="4" name="Slide Number Placeholder 3"/>
+          <p:cNvPr id="4" name="Espaço Reservado para Número de Slide 3"/>
           <p:cNvSpPr>
             <a:spLocks noGrp="1"/>
           </p:cNvSpPr>
           <p:nvPr>
-            <p:ph type="sldNum" sz="quarter" idx="10"/>
+            <p:ph type="sldNum" sz="quarter" idx="5"/>
           </p:nvPr>
         </p:nvSpPr>
         <p:spPr/>
@@ -1403,7 +1518,7 @@
           <a:p>
             <a:fld id="{DA8B99DF-01BC-492A-8CEF-4FD88D18DD9D}" type="slidenum">
               <a:rPr lang="nl-BE" smtClean="0"/>
-              <a:t>19</a:t>
+              <a:t>12</a:t>
             </a:fld>
             <a:endParaRPr lang="nl-BE"/>
           </a:p>
@@ -1412,7 +1527,7 @@
     </p:spTree>
     <p:extLst>
       <p:ext uri="{BB962C8B-B14F-4D97-AF65-F5344CB8AC3E}">
-        <p14:creationId xmlns:p14="http://schemas.microsoft.com/office/powerpoint/2010/main" val="1019303158"/>
+        <p14:creationId xmlns:p14="http://schemas.microsoft.com/office/powerpoint/2010/main" val="2218108381"/>
       </p:ext>
     </p:extLst>
   </p:cSld>
@@ -1441,7 +1556,7 @@
       </p:grpSpPr>
       <p:sp>
         <p:nvSpPr>
-          <p:cNvPr id="2" name="Slide Image Placeholder 1"/>
+          <p:cNvPr id="2" name="Espaço Reservado para Imagem de Slide 1"/>
           <p:cNvSpPr>
             <a:spLocks noGrp="1" noRot="1" noChangeAspect="1"/>
           </p:cNvSpPr>
@@ -1453,7 +1568,7 @@
       </p:sp>
       <p:sp>
         <p:nvSpPr>
-          <p:cNvPr id="3" name="Notes Placeholder 2"/>
+          <p:cNvPr id="3" name="Espaço Reservado para Anotações 2"/>
           <p:cNvSpPr>
             <a:spLocks noGrp="1"/>
           </p:cNvSpPr>
@@ -1467,32 +1582,59 @@
           <a:lstStyle/>
           <a:p>
             <a:r>
-              <a:rPr lang="pt-BR" b="1" dirty="0"/>
-              <a:t>Exemplo</a:t>
-            </a:r>
-            <a:r>
               <a:rPr lang="pt-BR" dirty="0"/>
-              <a:t>:</a:t>
-            </a:r>
-            <a:r>
-              <a:rPr lang="pt-BR" baseline="0" dirty="0"/>
-              <a:t> </a:t>
-            </a:r>
-            <a:r>
-              <a:rPr lang="pt-BR" dirty="0"/>
-              <a:t>https://mybinder.org/v2/gh/zz4fap/t319_aprendizado_de_maquina/main?filepath=notebooks%2Fregression%2Fvalidacao_cruzada.ipynb</a:t>
-            </a:r>
+              <a:t>A figura mostra um modelo com número de amostras de treinamento muito maior do que sua complexidade.</a:t>
+            </a:r>
+          </a:p>
+          <a:p>
+            <a:endParaRPr lang="pt-BR" dirty="0"/>
+          </a:p>
+          <a:p>
+            <a:r>
+              <a:rPr lang="pt-BR" b="0" i="0" dirty="0">
+                <a:solidFill>
+                  <a:srgbClr val="374151"/>
+                </a:solidFill>
+                <a:effectLst/>
+                <a:latin typeface="Söhne"/>
+              </a:rPr>
+              <a:t>No entanto, é importante ressaltar que o princípio da navalha de </a:t>
+            </a:r>
+            <a:r>
+              <a:rPr lang="pt-BR" b="0" i="0" dirty="0" err="1">
+                <a:solidFill>
+                  <a:srgbClr val="374151"/>
+                </a:solidFill>
+                <a:effectLst/>
+                <a:latin typeface="Söhne"/>
+              </a:rPr>
+              <a:t>Occam</a:t>
+            </a:r>
+            <a:r>
+              <a:rPr lang="pt-BR" b="0" i="0" dirty="0">
+                <a:solidFill>
+                  <a:srgbClr val="374151"/>
+                </a:solidFill>
+                <a:effectLst/>
+                <a:latin typeface="Söhne"/>
+              </a:rPr>
+              <a:t> não é uma regra absoluta, mas sim uma orientação heurística. Em certos casos, explicações mais complexas podem ser necessárias para capturar toda a complexidade do fenômeno estudado. Portanto, a aplicação do princípio requer um equilíbrio cuidadoso entre simplicidade e adequação à realidade observada.</a:t>
+            </a:r>
+            <a:endParaRPr lang="pt-BR" dirty="0"/>
+          </a:p>
+          <a:p>
+            <a:endParaRPr lang="pt-BR" dirty="0"/>
           </a:p>
         </p:txBody>
       </p:sp>
       <p:sp>
         <p:nvSpPr>
-          <p:cNvPr id="4" name="Slide Number Placeholder 3"/>
+          <p:cNvPr id="4" name="Espaço Reservado para Número de Slide 3"/>
           <p:cNvSpPr>
             <a:spLocks noGrp="1"/>
           </p:cNvSpPr>
           <p:nvPr>
-            <p:ph type="sldNum" sz="quarter" idx="10"/>
+            <p:ph type="sldNum" sz="quarter" idx="5"/>
           </p:nvPr>
         </p:nvSpPr>
         <p:spPr/>
@@ -1502,7 +1644,7 @@
           <a:p>
             <a:fld id="{DA8B99DF-01BC-492A-8CEF-4FD88D18DD9D}" type="slidenum">
               <a:rPr lang="nl-BE" smtClean="0"/>
-              <a:t>20</a:t>
+              <a:t>16</a:t>
             </a:fld>
             <a:endParaRPr lang="nl-BE"/>
           </a:p>
@@ -1511,7 +1653,7 @@
     </p:spTree>
     <p:extLst>
       <p:ext uri="{BB962C8B-B14F-4D97-AF65-F5344CB8AC3E}">
-        <p14:creationId xmlns:p14="http://schemas.microsoft.com/office/powerpoint/2010/main" val="1387846057"/>
+        <p14:creationId xmlns:p14="http://schemas.microsoft.com/office/powerpoint/2010/main" val="3296353337"/>
       </p:ext>
     </p:extLst>
   </p:cSld>
@@ -1565,129 +1707,6 @@
           <a:bodyPr/>
           <a:lstStyle/>
           <a:p>
-            <a:r>
-              <a:rPr lang="pt-BR" dirty="0"/>
-              <a:t>A figura mostra um modelo com número de amostras de treinamento muito maior do que sua complexidade.</a:t>
-            </a:r>
-          </a:p>
-          <a:p>
-            <a:endParaRPr lang="pt-BR" dirty="0"/>
-          </a:p>
-          <a:p>
-            <a:r>
-              <a:rPr lang="pt-BR" b="0" i="0" dirty="0">
-                <a:solidFill>
-                  <a:srgbClr val="374151"/>
-                </a:solidFill>
-                <a:effectLst/>
-                <a:latin typeface="Söhne"/>
-              </a:rPr>
-              <a:t>No entanto, é importante ressaltar que o princípio da navalha de </a:t>
-            </a:r>
-            <a:r>
-              <a:rPr lang="pt-BR" b="0" i="0" dirty="0" err="1">
-                <a:solidFill>
-                  <a:srgbClr val="374151"/>
-                </a:solidFill>
-                <a:effectLst/>
-                <a:latin typeface="Söhne"/>
-              </a:rPr>
-              <a:t>Occam</a:t>
-            </a:r>
-            <a:r>
-              <a:rPr lang="pt-BR" b="0" i="0" dirty="0">
-                <a:solidFill>
-                  <a:srgbClr val="374151"/>
-                </a:solidFill>
-                <a:effectLst/>
-                <a:latin typeface="Söhne"/>
-              </a:rPr>
-              <a:t> não é uma regra absoluta, mas sim uma orientação heurística. Em certos casos, explicações mais complexas podem ser necessárias para capturar toda a complexidade do fenômeno estudado. Portanto, a aplicação do princípio requer um equilíbrio cuidadoso entre simplicidade e adequação à realidade observada.</a:t>
-            </a:r>
-            <a:endParaRPr lang="pt-BR" dirty="0"/>
-          </a:p>
-        </p:txBody>
-      </p:sp>
-      <p:sp>
-        <p:nvSpPr>
-          <p:cNvPr id="4" name="Slide Number Placeholder 3"/>
-          <p:cNvSpPr>
-            <a:spLocks noGrp="1"/>
-          </p:cNvSpPr>
-          <p:nvPr>
-            <p:ph type="sldNum" sz="quarter" idx="10"/>
-          </p:nvPr>
-        </p:nvSpPr>
-        <p:spPr/>
-        <p:txBody>
-          <a:bodyPr/>
-          <a:lstStyle/>
-          <a:p>
-            <a:fld id="{DA8B99DF-01BC-492A-8CEF-4FD88D18DD9D}" type="slidenum">
-              <a:rPr lang="nl-BE" smtClean="0"/>
-              <a:t>21</a:t>
-            </a:fld>
-            <a:endParaRPr lang="nl-BE"/>
-          </a:p>
-        </p:txBody>
-      </p:sp>
-    </p:spTree>
-    <p:extLst>
-      <p:ext uri="{BB962C8B-B14F-4D97-AF65-F5344CB8AC3E}">
-        <p14:creationId xmlns:p14="http://schemas.microsoft.com/office/powerpoint/2010/main" val="3811884714"/>
-      </p:ext>
-    </p:extLst>
-  </p:cSld>
-  <p:clrMapOvr>
-    <a:masterClrMapping/>
-  </p:clrMapOvr>
-</p:notes>
-</file>
-
-<file path=ppt/notesSlides/notesSlide15.xml><?xml version="1.0" encoding="utf-8"?>
-<p:notes xmlns:a="http://schemas.openxmlformats.org/drawingml/2006/main" xmlns:r="http://schemas.openxmlformats.org/officeDocument/2006/relationships" xmlns:p="http://schemas.openxmlformats.org/presentationml/2006/main">
-  <p:cSld>
-    <p:spTree>
-      <p:nvGrpSpPr>
-        <p:cNvPr id="1" name=""/>
-        <p:cNvGrpSpPr/>
-        <p:nvPr/>
-      </p:nvGrpSpPr>
-      <p:grpSpPr>
-        <a:xfrm>
-          <a:off x="0" y="0"/>
-          <a:ext cx="0" cy="0"/>
-          <a:chOff x="0" y="0"/>
-          <a:chExt cx="0" cy="0"/>
-        </a:xfrm>
-      </p:grpSpPr>
-      <p:sp>
-        <p:nvSpPr>
-          <p:cNvPr id="2" name="Slide Image Placeholder 1"/>
-          <p:cNvSpPr>
-            <a:spLocks noGrp="1" noRot="1" noChangeAspect="1"/>
-          </p:cNvSpPr>
-          <p:nvPr>
-            <p:ph type="sldImg"/>
-          </p:nvPr>
-        </p:nvSpPr>
-        <p:spPr/>
-      </p:sp>
-      <p:sp>
-        <p:nvSpPr>
-          <p:cNvPr id="3" name="Notes Placeholder 2"/>
-          <p:cNvSpPr>
-            <a:spLocks noGrp="1"/>
-          </p:cNvSpPr>
-          <p:nvPr>
-            <p:ph type="body" idx="1"/>
-          </p:nvPr>
-        </p:nvSpPr>
-        <p:spPr/>
-        <p:txBody>
-          <a:bodyPr/>
-          <a:lstStyle/>
-          <a:p>
             <a:pPr marL="0" marR="0" lvl="0" indent="0" algn="l" defTabSz="914400" rtl="0" eaLnBrk="1" fontAlgn="auto" latinLnBrk="0" hangingPunct="1">
               <a:lnSpc>
                 <a:spcPct val="100000"/>
@@ -1758,7 +1777,7 @@
           <a:p>
             <a:fld id="{DA8B99DF-01BC-492A-8CEF-4FD88D18DD9D}" type="slidenum">
               <a:rPr lang="nl-BE" smtClean="0"/>
-              <a:t>22</a:t>
+              <a:t>17</a:t>
             </a:fld>
             <a:endParaRPr lang="nl-BE"/>
           </a:p>
@@ -1777,7 +1796,7 @@
 </p:notes>
 </file>
 
-<file path=ppt/notesSlides/notesSlide16.xml><?xml version="1.0" encoding="utf-8"?>
+<file path=ppt/notesSlides/notesSlide15.xml><?xml version="1.0" encoding="utf-8"?>
 <p:notes xmlns:a="http://schemas.openxmlformats.org/drawingml/2006/main" xmlns:r="http://schemas.openxmlformats.org/officeDocument/2006/relationships" xmlns:p="http://schemas.openxmlformats.org/presentationml/2006/main">
   <p:cSld>
     <p:spTree>
@@ -1842,7 +1861,7 @@
           <a:p>
             <a:fld id="{DA8B99DF-01BC-492A-8CEF-4FD88D18DD9D}" type="slidenum">
               <a:rPr lang="nl-BE" smtClean="0"/>
-              <a:t>27</a:t>
+              <a:t>22</a:t>
             </a:fld>
             <a:endParaRPr lang="nl-BE"/>
           </a:p>
@@ -6795,8 +6814,8 @@
           <a:chExt cx="0" cy="0"/>
         </a:xfrm>
       </p:grpSpPr>
-      <mc:AlternateContent xmlns:mc="http://schemas.openxmlformats.org/markup-compatibility/2006">
-        <mc:Choice xmlns:a14="http://schemas.microsoft.com/office/drawing/2010/main" Requires="a14">
+      <mc:AlternateContent xmlns:mc="http://schemas.openxmlformats.org/markup-compatibility/2006" xmlns:a14="http://schemas.microsoft.com/office/drawing/2010/main">
+        <mc:Choice Requires="a14">
           <p:sp>
             <p:nvSpPr>
               <p:cNvPr id="2" name="Título 1">
@@ -6845,7 +6864,7 @@
             </p:txBody>
           </p:sp>
         </mc:Choice>
-        <mc:Fallback>
+        <mc:Fallback xmlns="">
           <p:sp>
             <p:nvSpPr>
               <p:cNvPr id="2" name="Título 1">
@@ -6864,7 +6883,7 @@
             </p:nvSpPr>
             <p:spPr>
               <a:blipFill>
-                <a:blip r:embed="rId2"/>
+                <a:blip r:embed="rId3"/>
                 <a:stretch>
                   <a:fillRect/>
                 </a:stretch>
@@ -6911,7 +6930,7 @@
             </p:spPr>
             <p:txBody>
               <a:bodyPr>
-                <a:normAutofit lnSpcReduction="10000"/>
+                <a:normAutofit/>
               </a:bodyPr>
               <a:lstStyle/>
               <a:p>
@@ -6953,7 +6972,19 @@
                 </a:pPr>
                 <a:r>
                   <a:rPr lang="pt-BR" dirty="0"/>
-                  <a:t>dar indicações mais claras sobre desempenho do modelo, devido a média tomada.</a:t>
+                  <a:t>fornecer </a:t>
+                </a:r>
+                <a:r>
+                  <a:rPr lang="pt-BR" b="1" i="1" dirty="0">
+                    <a:solidFill>
+                      <a:srgbClr val="00B050"/>
+                    </a:solidFill>
+                  </a:rPr>
+                  <a:t>indicações mais claras</a:t>
+                </a:r>
+                <a:r>
+                  <a:rPr lang="pt-BR" dirty="0"/>
+                  <a:t> sobre desempenho do modelo, devido a média tomada.</a:t>
                 </a:r>
               </a:p>
               <a:p>
@@ -6962,78 +6993,48 @@
                   <a:buChar char="§"/>
                 </a:pPr>
                 <a:r>
-                  <a:rPr lang="pt-BR" dirty="0"/>
-                  <a:t>minimizar o problema do </a:t>
+                  <a:rPr lang="pt-BR" b="1" i="1" dirty="0">
+                    <a:solidFill>
+                      <a:srgbClr val="00B050"/>
+                    </a:solidFill>
+                  </a:rPr>
+                  <a:t>minimizar os possíveis efeitos provocados pelo </a:t>
                 </a:r>
                 <a:r>
-                  <a:rPr lang="pt-BR" b="1" i="1" dirty="0"/>
+                  <a:rPr lang="pt-BR" b="1" i="1" dirty="0">
+                    <a:solidFill>
+                      <a:srgbClr val="7030A0"/>
+                    </a:solidFill>
+                  </a:rPr>
                   <a:t>viés de seleção</a:t>
                 </a:r>
                 <a:r>
                   <a:rPr lang="pt-BR" dirty="0"/>
-                  <a:t>.</a:t>
+                  <a:t>, pois o modelo é treinado e validado </a:t>
+                </a:r>
+                <a:r>
+                  <a:rPr lang="pt-BR" dirty="0">
+                    <a:solidFill>
+                      <a:srgbClr val="0F0F0F"/>
+                    </a:solidFill>
+                    <a:latin typeface="Söhne"/>
+                  </a:rPr>
+                  <a:t>𝒌 vezes, </a:t>
+                </a:r>
+                <a:r>
+                  <a:rPr lang="pt-BR" dirty="0"/>
+                  <a:t>cada vez com uma divisão diferente dos dados.</a:t>
                 </a:r>
               </a:p>
               <a:p>
-                <a:pPr lvl="1">
-                  <a:buFont typeface="Wingdings" panose="05000000000000000000" pitchFamily="2" charset="2"/>
-                  <a:buChar char="§"/>
-                </a:pPr>
-                <a:endParaRPr lang="pt-BR" dirty="0"/>
-              </a:p>
-              <a:p>
-                <a:pPr lvl="1">
-                  <a:buFont typeface="Wingdings" panose="05000000000000000000" pitchFamily="2" charset="2"/>
-                  <a:buChar char="§"/>
+                <a:pPr lvl="2">
+                  <a:buFont typeface="Courier New" panose="02070309020205020404" pitchFamily="49" charset="0"/>
+                  <a:buChar char="o"/>
                 </a:pPr>
                 <a:r>
-                  <a:rPr lang="pt-BR" b="0" i="0" dirty="0">
-                    <a:solidFill>
-                      <a:srgbClr val="0F0F0F"/>
-                    </a:solidFill>
-                    <a:effectLst/>
-                    <a:latin typeface="Söhne"/>
-                  </a:rPr>
-                  <a:t>A validação cruzada k-</a:t>
+                  <a:rPr lang="pt-BR" dirty="0"/>
+                  <a:t>Isso faz com que a avaliação do modelo se torne menos sensível à divisão dos dados.</a:t>
                 </a:r>
-                <a:r>
-                  <a:rPr lang="pt-BR" b="0" i="0" dirty="0" err="1">
-                    <a:solidFill>
-                      <a:srgbClr val="0F0F0F"/>
-                    </a:solidFill>
-                    <a:effectLst/>
-                    <a:latin typeface="Söhne"/>
-                  </a:rPr>
-                  <a:t>fold</a:t>
-                </a:r>
-                <a:r>
-                  <a:rPr lang="pt-BR" b="0" i="0" dirty="0">
-                    <a:solidFill>
-                      <a:srgbClr val="0F0F0F"/>
-                    </a:solidFill>
-                    <a:effectLst/>
-                    <a:latin typeface="Söhne"/>
-                  </a:rPr>
-                  <a:t> aborda esse problema ao realizar k iterações de treinamento e teste, cada vez usando uma divisão diferente dos dados. </a:t>
-                </a:r>
-                <a:r>
-                  <a:rPr lang="pt-BR" b="0" i="0">
-                    <a:solidFill>
-                      <a:srgbClr val="0F0F0F"/>
-                    </a:solidFill>
-                    <a:effectLst/>
-                    <a:latin typeface="Söhne"/>
-                  </a:rPr>
-                  <a:t>Isso ajuda a mitigar o impacto de uma única divisão de dados na avaliação final do modelo, tornando a avaliação mais robusta e menos sensível à escolha específica dos conjuntos de treinamento e teste.</a:t>
-                </a:r>
-                <a:endParaRPr lang="pt-BR"/>
-              </a:p>
-              <a:p>
-                <a:pPr lvl="1">
-                  <a:buFont typeface="Wingdings" panose="05000000000000000000" pitchFamily="2" charset="2"/>
-                  <a:buChar char="§"/>
-                </a:pPr>
-                <a:endParaRPr lang="pt-BR" dirty="0"/>
               </a:p>
               <a:p>
                 <a:r>
@@ -7135,9 +7136,9 @@
                 <a:ext cx="11099800" cy="5032375"/>
               </a:xfrm>
               <a:blipFill>
-                <a:blip r:embed="rId3"/>
+                <a:blip r:embed="rId4"/>
                 <a:stretch>
-                  <a:fillRect l="-989" t="-2663" r="-495" b="-484"/>
+                  <a:fillRect l="-989" t="-1937"/>
                 </a:stretch>
               </a:blipFill>
             </p:spPr>
@@ -7170,86 +7171,6 @@
 </file>
 
 <file path=ppt/slides/slide11.xml><?xml version="1.0" encoding="utf-8"?>
-<p:sld xmlns:a="http://schemas.openxmlformats.org/drawingml/2006/main" xmlns:r="http://schemas.openxmlformats.org/officeDocument/2006/relationships" xmlns:p="http://schemas.openxmlformats.org/presentationml/2006/main">
-  <p:cSld>
-    <p:spTree>
-      <p:nvGrpSpPr>
-        <p:cNvPr id="1" name=""/>
-        <p:cNvGrpSpPr/>
-        <p:nvPr/>
-      </p:nvGrpSpPr>
-      <p:grpSpPr>
-        <a:xfrm>
-          <a:off x="0" y="0"/>
-          <a:ext cx="0" cy="0"/>
-          <a:chOff x="0" y="0"/>
-          <a:chExt cx="0" cy="0"/>
-        </a:xfrm>
-      </p:grpSpPr>
-      <p:sp>
-        <p:nvSpPr>
-          <p:cNvPr id="2" name="Título 1">
-            <a:extLst>
-              <a:ext uri="{FF2B5EF4-FFF2-40B4-BE49-F238E27FC236}">
-                <a16:creationId xmlns:a16="http://schemas.microsoft.com/office/drawing/2014/main" id="{5D91F721-A6BC-64E4-84A1-6551811F8BDF}"/>
-              </a:ext>
-            </a:extLst>
-          </p:cNvPr>
-          <p:cNvSpPr>
-            <a:spLocks noGrp="1"/>
-          </p:cNvSpPr>
-          <p:nvPr>
-            <p:ph type="title"/>
-          </p:nvPr>
-        </p:nvSpPr>
-        <p:spPr/>
-        <p:txBody>
-          <a:bodyPr/>
-          <a:lstStyle/>
-          <a:p>
-            <a:endParaRPr lang="pt-BR"/>
-          </a:p>
-        </p:txBody>
-      </p:sp>
-      <p:sp>
-        <p:nvSpPr>
-          <p:cNvPr id="3" name="Espaço Reservado para Conteúdo 2">
-            <a:extLst>
-              <a:ext uri="{FF2B5EF4-FFF2-40B4-BE49-F238E27FC236}">
-                <a16:creationId xmlns:a16="http://schemas.microsoft.com/office/drawing/2014/main" id="{C9E4F05F-FE26-7483-2885-BEA315ED7BDE}"/>
-              </a:ext>
-            </a:extLst>
-          </p:cNvPr>
-          <p:cNvSpPr>
-            <a:spLocks noGrp="1"/>
-          </p:cNvSpPr>
-          <p:nvPr>
-            <p:ph idx="1"/>
-          </p:nvPr>
-        </p:nvSpPr>
-        <p:spPr/>
-        <p:txBody>
-          <a:bodyPr/>
-          <a:lstStyle/>
-          <a:p>
-            <a:endParaRPr lang="pt-BR"/>
-          </a:p>
-        </p:txBody>
-      </p:sp>
-    </p:spTree>
-    <p:extLst>
-      <p:ext uri="{BB962C8B-B14F-4D97-AF65-F5344CB8AC3E}">
-        <p14:creationId xmlns:p14="http://schemas.microsoft.com/office/powerpoint/2010/main" val="4191227540"/>
-      </p:ext>
-    </p:extLst>
-  </p:cSld>
-  <p:clrMapOvr>
-    <a:masterClrMapping/>
-  </p:clrMapOvr>
-</p:sld>
-</file>
-
-<file path=ppt/slides/slide12.xml><?xml version="1.0" encoding="utf-8"?>
 <p:sld xmlns:a="http://schemas.openxmlformats.org/drawingml/2006/main" xmlns:r="http://schemas.openxmlformats.org/officeDocument/2006/relationships" xmlns:p="http://schemas.openxmlformats.org/presentationml/2006/main">
   <p:cSld>
     <p:spTree>
@@ -7682,7 +7603,7 @@
 </p:sld>
 </file>
 
-<file path=ppt/slides/slide13.xml><?xml version="1.0" encoding="utf-8"?>
+<file path=ppt/slides/slide12.xml><?xml version="1.0" encoding="utf-8"?>
 <p:sld xmlns:a="http://schemas.openxmlformats.org/drawingml/2006/main" xmlns:r="http://schemas.openxmlformats.org/officeDocument/2006/relationships" xmlns:p="http://schemas.openxmlformats.org/presentationml/2006/main">
   <p:cSld>
     <p:spTree>
@@ -7727,35 +7648,2033 @@
           </a:p>
         </p:txBody>
       </p:sp>
+      <mc:AlternateContent xmlns:mc="http://schemas.openxmlformats.org/markup-compatibility/2006">
+        <mc:Choice xmlns:a14="http://schemas.microsoft.com/office/drawing/2010/main" Requires="a14">
+          <p:sp>
+            <p:nvSpPr>
+              <p:cNvPr id="3" name="Espaço Reservado para Conteúdo 2">
+                <a:extLst>
+                  <a:ext uri="{FF2B5EF4-FFF2-40B4-BE49-F238E27FC236}">
+                    <a16:creationId xmlns:a16="http://schemas.microsoft.com/office/drawing/2014/main" id="{669B1AC1-E860-DDCC-28D4-468A7D4571A1}"/>
+                  </a:ext>
+                </a:extLst>
+              </p:cNvPr>
+              <p:cNvSpPr>
+                <a:spLocks noGrp="1"/>
+              </p:cNvSpPr>
+              <p:nvPr>
+                <p:ph idx="1"/>
+              </p:nvPr>
+            </p:nvSpPr>
+            <p:spPr>
+              <a:xfrm>
+                <a:off x="5842535" y="1825624"/>
+                <a:ext cx="6208295" cy="5032375"/>
+              </a:xfrm>
+            </p:spPr>
+            <p:txBody>
+              <a:bodyPr>
+                <a:normAutofit fontScale="92500" lnSpcReduction="10000"/>
+              </a:bodyPr>
+              <a:lstStyle/>
+              <a:p>
+                <a:r>
+                  <a:rPr lang="pt-BR" dirty="0"/>
+                  <a:t>Divisão: 70% para o conjunto de treinamento e 30% para o conjunto de validação.</a:t>
+                </a:r>
+              </a:p>
+              <a:p>
+                <a:r>
+                  <a:rPr lang="pt-BR" dirty="0"/>
+                  <a:t>Tempo médio para execução com N = 100 é de </a:t>
+                </a:r>
+                <a14:m>
+                  <m:oMath xmlns:m="http://schemas.openxmlformats.org/officeDocument/2006/math">
+                    <m:r>
+                      <a:rPr lang="pt-BR" i="1" smtClean="0">
+                        <a:latin typeface="Cambria Math" panose="02040503050406030204" pitchFamily="18" charset="0"/>
+                        <a:ea typeface="Cambria Math" panose="02040503050406030204" pitchFamily="18" charset="0"/>
+                      </a:rPr>
+                      <m:t>≈</m:t>
+                    </m:r>
+                  </m:oMath>
+                </a14:m>
+                <a:r>
+                  <a:rPr lang="pt-BR" dirty="0"/>
+                  <a:t> 160 ms.</a:t>
+                </a:r>
+              </a:p>
+              <a:p>
+                <a:r>
+                  <a:rPr lang="pt-BR" dirty="0"/>
+                  <a:t>Erro de treinamento </a:t>
+                </a:r>
+                <a:r>
+                  <a:rPr lang="pt-BR" b="1" i="1" dirty="0"/>
+                  <a:t>diminui</a:t>
+                </a:r>
+                <a:r>
+                  <a:rPr lang="pt-BR" dirty="0"/>
+                  <a:t> conforme o grau do polinômio aumenta. </a:t>
+                </a:r>
+              </a:p>
+              <a:p>
+                <a:r>
+                  <a:rPr lang="pt-BR" dirty="0"/>
+                  <a:t>Erro de validação </a:t>
+                </a:r>
+                <a:r>
+                  <a:rPr lang="pt-BR" b="1" i="1" dirty="0"/>
+                  <a:t>aumenta</a:t>
+                </a:r>
+                <a:r>
+                  <a:rPr lang="pt-BR" dirty="0"/>
+                  <a:t> conforme o grau do polinômio aumenta.</a:t>
+                </a:r>
+              </a:p>
+              <a:p>
+                <a:r>
+                  <a:rPr lang="pt-BR" dirty="0"/>
+                  <a:t>Qual grau escolher? </a:t>
+                </a:r>
+              </a:p>
+              <a:p>
+                <a:pPr lvl="1">
+                  <a:buFont typeface="Wingdings" panose="05000000000000000000" pitchFamily="2" charset="2"/>
+                  <a:buChar char="§"/>
+                </a:pPr>
+                <a:r>
+                  <a:rPr lang="pt-BR" dirty="0"/>
+                  <a:t>Valor para o qual </a:t>
+                </a:r>
+                <a:r>
+                  <a:rPr lang="pt-BR" b="1" i="1" dirty="0">
+                    <a:solidFill>
+                      <a:srgbClr val="0070C0"/>
+                    </a:solidFill>
+                  </a:rPr>
+                  <a:t>ambos os erros sejam mínimos</a:t>
+                </a:r>
+                <a:r>
+                  <a:rPr lang="pt-BR" dirty="0"/>
+                  <a:t> (balanço entre flexibilidade e capacidade de generalização) e que tenha </a:t>
+                </a:r>
+                <a:r>
+                  <a:rPr lang="pt-BR" b="1" i="1" dirty="0">
+                    <a:solidFill>
+                      <a:srgbClr val="0070C0"/>
+                    </a:solidFill>
+                  </a:rPr>
+                  <a:t>menor complexidade computacional</a:t>
+                </a:r>
+                <a:r>
+                  <a:rPr lang="pt-BR" dirty="0"/>
+                  <a:t>.</a:t>
+                </a:r>
+              </a:p>
+            </p:txBody>
+          </p:sp>
+        </mc:Choice>
+        <mc:Fallback>
+          <p:sp>
+            <p:nvSpPr>
+              <p:cNvPr id="3" name="Espaço Reservado para Conteúdo 2">
+                <a:extLst>
+                  <a:ext uri="{FF2B5EF4-FFF2-40B4-BE49-F238E27FC236}">
+                    <a16:creationId xmlns:a16="http://schemas.microsoft.com/office/drawing/2014/main" id="{669B1AC1-E860-DDCC-28D4-468A7D4571A1}"/>
+                  </a:ext>
+                </a:extLst>
+              </p:cNvPr>
+              <p:cNvSpPr>
+                <a:spLocks noGrp="1" noRot="1" noChangeAspect="1" noMove="1" noResize="1" noEditPoints="1" noAdjustHandles="1" noChangeArrowheads="1" noChangeShapeType="1" noTextEdit="1"/>
+              </p:cNvSpPr>
+              <p:nvPr>
+                <p:ph idx="1"/>
+              </p:nvPr>
+            </p:nvSpPr>
+            <p:spPr>
+              <a:xfrm>
+                <a:off x="5842535" y="1825624"/>
+                <a:ext cx="6208295" cy="5032375"/>
+              </a:xfrm>
+              <a:blipFill>
+                <a:blip r:embed="rId3"/>
+                <a:stretch>
+                  <a:fillRect l="-1472" t="-2421" b="-121"/>
+                </a:stretch>
+              </a:blipFill>
+            </p:spPr>
+            <p:txBody>
+              <a:bodyPr/>
+              <a:lstStyle/>
+              <a:p>
+                <a:r>
+                  <a:rPr lang="pt-BR">
+                    <a:noFill/>
+                  </a:rPr>
+                  <a:t> </a:t>
+                </a:r>
+              </a:p>
+            </p:txBody>
+          </p:sp>
+        </mc:Fallback>
+      </mc:AlternateContent>
+      <p:pic>
+        <p:nvPicPr>
+          <p:cNvPr id="1026" name="Picture 2">
+            <a:extLst>
+              <a:ext uri="{FF2B5EF4-FFF2-40B4-BE49-F238E27FC236}">
+                <a16:creationId xmlns:a16="http://schemas.microsoft.com/office/drawing/2014/main" id="{4F75ACCB-B9A7-06FB-FE2D-CBB76CA16EBD}"/>
+              </a:ext>
+            </a:extLst>
+          </p:cNvPr>
+          <p:cNvPicPr>
+            <a:picLocks noChangeAspect="1" noChangeArrowheads="1"/>
+          </p:cNvPicPr>
+          <p:nvPr/>
+        </p:nvPicPr>
+        <p:blipFill>
+          <a:blip r:embed="rId4">
+            <a:extLst>
+              <a:ext uri="{28A0092B-C50C-407E-A947-70E740481C1C}">
+                <a14:useLocalDpi xmlns:a14="http://schemas.microsoft.com/office/drawing/2010/main" val="0"/>
+              </a:ext>
+            </a:extLst>
+          </a:blip>
+          <a:srcRect/>
+          <a:stretch>
+            <a:fillRect/>
+          </a:stretch>
+        </p:blipFill>
+        <p:spPr bwMode="auto">
+          <a:xfrm>
+            <a:off x="923213" y="2476778"/>
+            <a:ext cx="4468810" cy="3521575"/>
+          </a:xfrm>
+          <a:prstGeom prst="rect">
+            <a:avLst/>
+          </a:prstGeom>
+          <a:noFill/>
+          <a:extLst>
+            <a:ext uri="{909E8E84-426E-40DD-AFC4-6F175D3DCCD1}">
+              <a14:hiddenFill xmlns:a14="http://schemas.microsoft.com/office/drawing/2010/main">
+                <a:solidFill>
+                  <a:srgbClr val="FFFFFF"/>
+                </a:solidFill>
+              </a14:hiddenFill>
+            </a:ext>
+          </a:extLst>
+        </p:spPr>
+      </p:pic>
       <p:sp>
         <p:nvSpPr>
-          <p:cNvPr id="3" name="Espaço Reservado para Conteúdo 2">
+          <p:cNvPr id="4" name="TextBox 10">
             <a:extLst>
               <a:ext uri="{FF2B5EF4-FFF2-40B4-BE49-F238E27FC236}">
-                <a16:creationId xmlns:a16="http://schemas.microsoft.com/office/drawing/2014/main" id="{669B1AC1-E860-DDCC-28D4-468A7D4571A1}"/>
+                <a16:creationId xmlns:a16="http://schemas.microsoft.com/office/drawing/2014/main" id="{F6ED7AC7-492A-4B4C-ACE9-E25912422FBD}"/>
+              </a:ext>
+            </a:extLst>
+          </p:cNvPr>
+          <p:cNvSpPr txBox="1"/>
+          <p:nvPr/>
+        </p:nvSpPr>
+        <p:spPr>
+          <a:xfrm>
+            <a:off x="321035" y="5705965"/>
+            <a:ext cx="1228870" cy="584775"/>
+          </a:xfrm>
+          <a:prstGeom prst="rect">
+            <a:avLst/>
+          </a:prstGeom>
+          <a:noFill/>
+        </p:spPr>
+        <p:txBody>
+          <a:bodyPr wrap="square" rtlCol="0">
+            <a:spAutoFit/>
+          </a:bodyPr>
+          <a:lstStyle/>
+          <a:p>
+            <a:pPr algn="ctr"/>
+            <a:r>
+              <a:rPr lang="pt-BR" sz="1600" b="1" dirty="0"/>
+              <a:t>região de subajuste</a:t>
+            </a:r>
+          </a:p>
+        </p:txBody>
+      </p:sp>
+      <p:cxnSp>
+        <p:nvCxnSpPr>
+          <p:cNvPr id="5" name="Straight Arrow Connector 12">
+            <a:extLst>
+              <a:ext uri="{FF2B5EF4-FFF2-40B4-BE49-F238E27FC236}">
+                <a16:creationId xmlns:a16="http://schemas.microsoft.com/office/drawing/2014/main" id="{9D06FFF8-E11B-764F-BA62-7395A1C463C7}"/>
+              </a:ext>
+            </a:extLst>
+          </p:cNvPr>
+          <p:cNvCxnSpPr>
+            <a:cxnSpLocks/>
+            <a:stCxn id="6" idx="2"/>
+          </p:cNvCxnSpPr>
+          <p:nvPr/>
+        </p:nvCxnSpPr>
+        <p:spPr>
+          <a:xfrm flipH="1">
+            <a:off x="3849327" y="2538099"/>
+            <a:ext cx="249362" cy="1210864"/>
+          </a:xfrm>
+          <a:prstGeom prst="straightConnector1">
+            <a:avLst/>
+          </a:prstGeom>
+          <a:ln w="28575">
+            <a:solidFill>
+              <a:srgbClr val="7030A0"/>
+            </a:solidFill>
+            <a:tailEnd type="triangle"/>
+          </a:ln>
+        </p:spPr>
+        <p:style>
+          <a:lnRef idx="1">
+            <a:schemeClr val="accent1"/>
+          </a:lnRef>
+          <a:fillRef idx="0">
+            <a:schemeClr val="accent1"/>
+          </a:fillRef>
+          <a:effectRef idx="0">
+            <a:schemeClr val="accent1"/>
+          </a:effectRef>
+          <a:fontRef idx="minor">
+            <a:schemeClr val="tx1"/>
+          </a:fontRef>
+        </p:style>
+      </p:cxnSp>
+      <p:sp>
+        <p:nvSpPr>
+          <p:cNvPr id="6" name="TextBox 14">
+            <a:extLst>
+              <a:ext uri="{FF2B5EF4-FFF2-40B4-BE49-F238E27FC236}">
+                <a16:creationId xmlns:a16="http://schemas.microsoft.com/office/drawing/2014/main" id="{DFC05649-0887-99DD-9BAB-C5E24BB47EAE}"/>
+              </a:ext>
+            </a:extLst>
+          </p:cNvPr>
+          <p:cNvSpPr txBox="1"/>
+          <p:nvPr/>
+        </p:nvSpPr>
+        <p:spPr>
+          <a:xfrm>
+            <a:off x="3484254" y="1953324"/>
+            <a:ext cx="1228870" cy="584775"/>
+          </a:xfrm>
+          <a:prstGeom prst="rect">
+            <a:avLst/>
+          </a:prstGeom>
+          <a:noFill/>
+        </p:spPr>
+        <p:txBody>
+          <a:bodyPr wrap="square" rtlCol="0">
+            <a:spAutoFit/>
+          </a:bodyPr>
+          <a:lstStyle/>
+          <a:p>
+            <a:pPr algn="ctr"/>
+            <a:r>
+              <a:rPr lang="pt-BR" sz="1600" b="1" dirty="0"/>
+              <a:t>região de sobreajuste</a:t>
+            </a:r>
+          </a:p>
+        </p:txBody>
+      </p:sp>
+      <p:cxnSp>
+        <p:nvCxnSpPr>
+          <p:cNvPr id="9" name="Straight Arrow Connector 20">
+            <a:extLst>
+              <a:ext uri="{FF2B5EF4-FFF2-40B4-BE49-F238E27FC236}">
+                <a16:creationId xmlns:a16="http://schemas.microsoft.com/office/drawing/2014/main" id="{85DE8C23-0176-65EA-13BF-724F7A54BEAE}"/>
+              </a:ext>
+            </a:extLst>
+          </p:cNvPr>
+          <p:cNvCxnSpPr>
+            <a:cxnSpLocks/>
+            <a:stCxn id="10" idx="2"/>
+            <a:endCxn id="38" idx="0"/>
+          </p:cNvCxnSpPr>
+          <p:nvPr/>
+        </p:nvCxnSpPr>
+        <p:spPr>
+          <a:xfrm>
+            <a:off x="1771653" y="2578479"/>
+            <a:ext cx="241198" cy="1272185"/>
+          </a:xfrm>
+          <a:prstGeom prst="straightConnector1">
+            <a:avLst/>
+          </a:prstGeom>
+          <a:ln w="28575">
+            <a:solidFill>
+              <a:srgbClr val="00B050"/>
+            </a:solidFill>
+            <a:tailEnd type="triangle"/>
+          </a:ln>
+        </p:spPr>
+        <p:style>
+          <a:lnRef idx="1">
+            <a:schemeClr val="accent1"/>
+          </a:lnRef>
+          <a:fillRef idx="0">
+            <a:schemeClr val="accent1"/>
+          </a:fillRef>
+          <a:effectRef idx="0">
+            <a:schemeClr val="accent1"/>
+          </a:effectRef>
+          <a:fontRef idx="minor">
+            <a:schemeClr val="tx1"/>
+          </a:fontRef>
+        </p:style>
+      </p:cxnSp>
+      <p:sp>
+        <p:nvSpPr>
+          <p:cNvPr id="10" name="TextBox 22">
+            <a:extLst>
+              <a:ext uri="{FF2B5EF4-FFF2-40B4-BE49-F238E27FC236}">
+                <a16:creationId xmlns:a16="http://schemas.microsoft.com/office/drawing/2014/main" id="{21C7FE49-670C-A877-60B0-26555B2E8752}"/>
+              </a:ext>
+            </a:extLst>
+          </p:cNvPr>
+          <p:cNvSpPr txBox="1"/>
+          <p:nvPr/>
+        </p:nvSpPr>
+        <p:spPr>
+          <a:xfrm>
+            <a:off x="589410" y="1993704"/>
+            <a:ext cx="2364486" cy="584775"/>
+          </a:xfrm>
+          <a:prstGeom prst="rect">
+            <a:avLst/>
+          </a:prstGeom>
+          <a:noFill/>
+        </p:spPr>
+        <p:txBody>
+          <a:bodyPr wrap="square" rtlCol="0">
+            <a:spAutoFit/>
+          </a:bodyPr>
+          <a:lstStyle/>
+          <a:p>
+            <a:pPr algn="ctr"/>
+            <a:r>
+              <a:rPr lang="pt-BR" sz="1600" b="1" dirty="0"/>
+              <a:t>Ponto de equilíbrio ótimo </a:t>
+            </a:r>
+          </a:p>
+          <a:p>
+            <a:pPr algn="ctr"/>
+            <a:r>
+              <a:rPr lang="pt-BR" sz="1600" dirty="0"/>
+              <a:t>(mudança de tendência)</a:t>
+            </a:r>
+          </a:p>
+        </p:txBody>
+      </p:sp>
+      <p:cxnSp>
+        <p:nvCxnSpPr>
+          <p:cNvPr id="11" name="Straight Arrow Connector 23">
+            <a:extLst>
+              <a:ext uri="{FF2B5EF4-FFF2-40B4-BE49-F238E27FC236}">
+                <a16:creationId xmlns:a16="http://schemas.microsoft.com/office/drawing/2014/main" id="{E8E08E76-555D-EE74-8100-102DA56B409C}"/>
+              </a:ext>
+            </a:extLst>
+          </p:cNvPr>
+          <p:cNvCxnSpPr>
+            <a:cxnSpLocks/>
+            <a:stCxn id="4" idx="0"/>
+          </p:cNvCxnSpPr>
+          <p:nvPr/>
+        </p:nvCxnSpPr>
+        <p:spPr>
+          <a:xfrm flipV="1">
+            <a:off x="935470" y="5297865"/>
+            <a:ext cx="451206" cy="408100"/>
+          </a:xfrm>
+          <a:prstGeom prst="straightConnector1">
+            <a:avLst/>
+          </a:prstGeom>
+          <a:ln w="28575">
+            <a:solidFill>
+              <a:srgbClr val="FF0000"/>
+            </a:solidFill>
+            <a:tailEnd type="triangle"/>
+          </a:ln>
+        </p:spPr>
+        <p:style>
+          <a:lnRef idx="1">
+            <a:schemeClr val="accent1"/>
+          </a:lnRef>
+          <a:fillRef idx="0">
+            <a:schemeClr val="accent1"/>
+          </a:fillRef>
+          <a:effectRef idx="0">
+            <a:schemeClr val="accent1"/>
+          </a:effectRef>
+          <a:fontRef idx="minor">
+            <a:schemeClr val="tx1"/>
+          </a:fontRef>
+        </p:style>
+      </p:cxnSp>
+      <p:sp>
+        <p:nvSpPr>
+          <p:cNvPr id="15" name="Forma Livre: Forma 14">
+            <a:extLst>
+              <a:ext uri="{FF2B5EF4-FFF2-40B4-BE49-F238E27FC236}">
+                <a16:creationId xmlns:a16="http://schemas.microsoft.com/office/drawing/2014/main" id="{9E53E231-5C1C-3A00-F067-646931B4BE3A}"/>
+              </a:ext>
+            </a:extLst>
+          </p:cNvPr>
+          <p:cNvSpPr/>
+          <p:nvPr/>
+        </p:nvSpPr>
+        <p:spPr>
+          <a:xfrm>
+            <a:off x="2389237" y="2782529"/>
+            <a:ext cx="2920180" cy="2699646"/>
+          </a:xfrm>
+          <a:custGeom>
+            <a:avLst/>
+            <a:gdLst>
+              <a:gd name="connsiteX0" fmla="*/ 0 w 2871019"/>
+              <a:gd name="connsiteY0" fmla="*/ 2005780 h 2782529"/>
+              <a:gd name="connsiteX1" fmla="*/ 0 w 2871019"/>
+              <a:gd name="connsiteY1" fmla="*/ 2782529 h 2782529"/>
+              <a:gd name="connsiteX2" fmla="*/ 2851355 w 2871019"/>
+              <a:gd name="connsiteY2" fmla="*/ 2762864 h 2782529"/>
+              <a:gd name="connsiteX3" fmla="*/ 2871019 w 2871019"/>
+              <a:gd name="connsiteY3" fmla="*/ 0 h 2782529"/>
+              <a:gd name="connsiteX4" fmla="*/ 0 w 2871019"/>
+              <a:gd name="connsiteY4" fmla="*/ 2005780 h 2782529"/>
+            </a:gdLst>
+            <a:ahLst/>
+            <a:cxnLst>
+              <a:cxn ang="0">
+                <a:pos x="connsiteX0" y="connsiteY0"/>
+              </a:cxn>
+              <a:cxn ang="0">
+                <a:pos x="connsiteX1" y="connsiteY1"/>
+              </a:cxn>
+              <a:cxn ang="0">
+                <a:pos x="connsiteX2" y="connsiteY2"/>
+              </a:cxn>
+              <a:cxn ang="0">
+                <a:pos x="connsiteX3" y="connsiteY3"/>
+              </a:cxn>
+              <a:cxn ang="0">
+                <a:pos x="connsiteX4" y="connsiteY4"/>
+              </a:cxn>
+            </a:cxnLst>
+            <a:rect l="l" t="t" r="r" b="b"/>
+            <a:pathLst>
+              <a:path w="2871019" h="2782529">
+                <a:moveTo>
+                  <a:pt x="0" y="2005780"/>
+                </a:moveTo>
+                <a:lnTo>
+                  <a:pt x="0" y="2782529"/>
+                </a:lnTo>
+                <a:lnTo>
+                  <a:pt x="2851355" y="2762864"/>
+                </a:lnTo>
+                <a:lnTo>
+                  <a:pt x="2871019" y="0"/>
+                </a:lnTo>
+                <a:lnTo>
+                  <a:pt x="0" y="2005780"/>
+                </a:lnTo>
+                <a:close/>
+              </a:path>
+            </a:pathLst>
+          </a:custGeom>
+          <a:noFill/>
+          <a:ln w="19050">
+            <a:solidFill>
+              <a:srgbClr val="7030A0"/>
+            </a:solidFill>
+          </a:ln>
+        </p:spPr>
+        <p:style>
+          <a:lnRef idx="2">
+            <a:schemeClr val="accent1">
+              <a:shade val="15000"/>
+            </a:schemeClr>
+          </a:lnRef>
+          <a:fillRef idx="1">
+            <a:schemeClr val="accent1"/>
+          </a:fillRef>
+          <a:effectRef idx="0">
+            <a:schemeClr val="accent1"/>
+          </a:effectRef>
+          <a:fontRef idx="minor">
+            <a:schemeClr val="lt1"/>
+          </a:fontRef>
+        </p:style>
+        <p:txBody>
+          <a:bodyPr rtlCol="0" anchor="ctr"/>
+          <a:lstStyle/>
+          <a:p>
+            <a:pPr algn="ctr"/>
+            <a:endParaRPr lang="pt-BR" dirty="0"/>
+          </a:p>
+        </p:txBody>
+      </p:sp>
+      <p:sp>
+        <p:nvSpPr>
+          <p:cNvPr id="22" name="Retângulo 21">
+            <a:extLst>
+              <a:ext uri="{FF2B5EF4-FFF2-40B4-BE49-F238E27FC236}">
+                <a16:creationId xmlns:a16="http://schemas.microsoft.com/office/drawing/2014/main" id="{53B1DBD9-4EB3-219D-8E97-C76C0029AE7D}"/>
+              </a:ext>
+            </a:extLst>
+          </p:cNvPr>
+          <p:cNvSpPr/>
+          <p:nvPr/>
+        </p:nvSpPr>
+        <p:spPr>
+          <a:xfrm>
+            <a:off x="1409186" y="4627802"/>
+            <a:ext cx="115325" cy="670063"/>
+          </a:xfrm>
+          <a:prstGeom prst="rect">
+            <a:avLst/>
+          </a:prstGeom>
+          <a:noFill/>
+          <a:ln w="19050">
+            <a:solidFill>
+              <a:srgbClr val="FF0000"/>
+            </a:solidFill>
+          </a:ln>
+        </p:spPr>
+        <p:style>
+          <a:lnRef idx="2">
+            <a:schemeClr val="accent1">
+              <a:shade val="15000"/>
+            </a:schemeClr>
+          </a:lnRef>
+          <a:fillRef idx="1">
+            <a:schemeClr val="accent1"/>
+          </a:fillRef>
+          <a:effectRef idx="0">
+            <a:schemeClr val="accent1"/>
+          </a:effectRef>
+          <a:fontRef idx="minor">
+            <a:schemeClr val="lt1"/>
+          </a:fontRef>
+        </p:style>
+        <p:txBody>
+          <a:bodyPr rtlCol="0" anchor="ctr"/>
+          <a:lstStyle/>
+          <a:p>
+            <a:pPr algn="ctr"/>
+            <a:endParaRPr lang="pt-BR"/>
+          </a:p>
+        </p:txBody>
+      </p:sp>
+      <p:sp>
+        <p:nvSpPr>
+          <p:cNvPr id="23" name="Retângulo 22">
+            <a:extLst>
+              <a:ext uri="{FF2B5EF4-FFF2-40B4-BE49-F238E27FC236}">
+                <a16:creationId xmlns:a16="http://schemas.microsoft.com/office/drawing/2014/main" id="{BA83E3AA-7D83-81CA-AE38-903200A06C12}"/>
+              </a:ext>
+            </a:extLst>
+          </p:cNvPr>
+          <p:cNvSpPr/>
+          <p:nvPr/>
+        </p:nvSpPr>
+        <p:spPr>
+          <a:xfrm>
+            <a:off x="1553371" y="4780202"/>
+            <a:ext cx="786604" cy="670063"/>
+          </a:xfrm>
+          <a:prstGeom prst="rect">
+            <a:avLst/>
+          </a:prstGeom>
+          <a:noFill/>
+          <a:ln w="19050">
+            <a:solidFill>
+              <a:srgbClr val="00B050"/>
+            </a:solidFill>
+          </a:ln>
+        </p:spPr>
+        <p:style>
+          <a:lnRef idx="2">
+            <a:schemeClr val="accent1">
+              <a:shade val="15000"/>
+            </a:schemeClr>
+          </a:lnRef>
+          <a:fillRef idx="1">
+            <a:schemeClr val="accent1"/>
+          </a:fillRef>
+          <a:effectRef idx="0">
+            <a:schemeClr val="accent1"/>
+          </a:effectRef>
+          <a:fontRef idx="minor">
+            <a:schemeClr val="lt1"/>
+          </a:fontRef>
+        </p:style>
+        <p:txBody>
+          <a:bodyPr rtlCol="0" anchor="ctr"/>
+          <a:lstStyle/>
+          <a:p>
+            <a:pPr algn="ctr"/>
+            <a:endParaRPr lang="pt-BR"/>
+          </a:p>
+        </p:txBody>
+      </p:sp>
+      <p:sp>
+        <p:nvSpPr>
+          <p:cNvPr id="26" name="TextBox 22">
+            <a:extLst>
+              <a:ext uri="{FF2B5EF4-FFF2-40B4-BE49-F238E27FC236}">
+                <a16:creationId xmlns:a16="http://schemas.microsoft.com/office/drawing/2014/main" id="{9330585D-14BF-7E13-B2EB-4C15A4BE05AE}"/>
+              </a:ext>
+            </a:extLst>
+          </p:cNvPr>
+          <p:cNvSpPr txBox="1"/>
+          <p:nvPr/>
+        </p:nvSpPr>
+        <p:spPr>
+          <a:xfrm>
+            <a:off x="1725026" y="6122425"/>
+            <a:ext cx="1228870" cy="584775"/>
+          </a:xfrm>
+          <a:prstGeom prst="rect">
+            <a:avLst/>
+          </a:prstGeom>
+          <a:noFill/>
+        </p:spPr>
+        <p:txBody>
+          <a:bodyPr wrap="square" rtlCol="0">
+            <a:spAutoFit/>
+          </a:bodyPr>
+          <a:lstStyle/>
+          <a:p>
+            <a:pPr algn="ctr"/>
+            <a:r>
+              <a:rPr lang="pt-BR" sz="1600" b="1" dirty="0"/>
+              <a:t>Região de equilíbrio</a:t>
+            </a:r>
+          </a:p>
+        </p:txBody>
+      </p:sp>
+      <p:cxnSp>
+        <p:nvCxnSpPr>
+          <p:cNvPr id="27" name="Straight Arrow Connector 20">
+            <a:extLst>
+              <a:ext uri="{FF2B5EF4-FFF2-40B4-BE49-F238E27FC236}">
+                <a16:creationId xmlns:a16="http://schemas.microsoft.com/office/drawing/2014/main" id="{3870277B-00D6-2B3C-EDD2-1EF26434A34C}"/>
+              </a:ext>
+            </a:extLst>
+          </p:cNvPr>
+          <p:cNvCxnSpPr>
+            <a:cxnSpLocks/>
+            <a:stCxn id="23" idx="2"/>
+          </p:cNvCxnSpPr>
+          <p:nvPr/>
+        </p:nvCxnSpPr>
+        <p:spPr>
+          <a:xfrm>
+            <a:off x="1946673" y="5450265"/>
+            <a:ext cx="356181" cy="699148"/>
+          </a:xfrm>
+          <a:prstGeom prst="straightConnector1">
+            <a:avLst/>
+          </a:prstGeom>
+          <a:ln w="28575">
+            <a:solidFill>
+              <a:srgbClr val="00B050"/>
+            </a:solidFill>
+            <a:tailEnd type="triangle"/>
+          </a:ln>
+        </p:spPr>
+        <p:style>
+          <a:lnRef idx="1">
+            <a:schemeClr val="accent1"/>
+          </a:lnRef>
+          <a:fillRef idx="0">
+            <a:schemeClr val="accent1"/>
+          </a:fillRef>
+          <a:effectRef idx="0">
+            <a:schemeClr val="accent1"/>
+          </a:effectRef>
+          <a:fontRef idx="minor">
+            <a:schemeClr val="tx1"/>
+          </a:fontRef>
+        </p:style>
+      </p:cxnSp>
+      <p:sp>
+        <p:nvSpPr>
+          <p:cNvPr id="38" name="Elipse 37">
+            <a:extLst>
+              <a:ext uri="{FF2B5EF4-FFF2-40B4-BE49-F238E27FC236}">
+                <a16:creationId xmlns:a16="http://schemas.microsoft.com/office/drawing/2014/main" id="{32FAEE76-DC75-7820-EEFD-1A83FA6A51B6}"/>
               </a:ext>
             </a:extLst>
           </p:cNvPr>
           <p:cNvSpPr>
-            <a:spLocks noGrp="1"/>
+            <a:spLocks noChangeAspect="1"/>
           </p:cNvSpPr>
-          <p:nvPr>
-            <p:ph idx="1"/>
-          </p:nvPr>
+          <p:nvPr/>
         </p:nvSpPr>
-        <p:spPr/>
+        <p:spPr>
+          <a:xfrm>
+            <a:off x="1904851" y="3850664"/>
+            <a:ext cx="216000" cy="216000"/>
+          </a:xfrm>
+          <a:prstGeom prst="ellipse">
+            <a:avLst/>
+          </a:prstGeom>
+          <a:noFill/>
+          <a:ln w="19050">
+            <a:solidFill>
+              <a:srgbClr val="00B050"/>
+            </a:solidFill>
+          </a:ln>
+        </p:spPr>
+        <p:style>
+          <a:lnRef idx="2">
+            <a:schemeClr val="accent1">
+              <a:shade val="15000"/>
+            </a:schemeClr>
+          </a:lnRef>
+          <a:fillRef idx="1">
+            <a:schemeClr val="accent1"/>
+          </a:fillRef>
+          <a:effectRef idx="0">
+            <a:schemeClr val="accent1"/>
+          </a:effectRef>
+          <a:fontRef idx="minor">
+            <a:schemeClr val="lt1"/>
+          </a:fontRef>
+        </p:style>
         <p:txBody>
-          <a:bodyPr/>
+          <a:bodyPr rtlCol="0" anchor="ctr"/>
           <a:lstStyle/>
           <a:p>
-            <a:endParaRPr lang="pt-BR"/>
+            <a:pPr algn="ctr"/>
+            <a:endParaRPr lang="pt-BR" dirty="0"/>
           </a:p>
         </p:txBody>
       </p:sp>
+      <p:cxnSp>
+        <p:nvCxnSpPr>
+          <p:cNvPr id="43" name="Straight Arrow Connector 20">
+            <a:extLst>
+              <a:ext uri="{FF2B5EF4-FFF2-40B4-BE49-F238E27FC236}">
+                <a16:creationId xmlns:a16="http://schemas.microsoft.com/office/drawing/2014/main" id="{1B1A462D-D45C-D498-E3C0-3187715590DD}"/>
+              </a:ext>
+            </a:extLst>
+          </p:cNvPr>
+          <p:cNvCxnSpPr>
+            <a:cxnSpLocks/>
+            <a:stCxn id="38" idx="4"/>
+          </p:cNvCxnSpPr>
+          <p:nvPr/>
+        </p:nvCxnSpPr>
+        <p:spPr>
+          <a:xfrm flipH="1">
+            <a:off x="1610894" y="4066664"/>
+            <a:ext cx="401957" cy="1091214"/>
+          </a:xfrm>
+          <a:prstGeom prst="straightConnector1">
+            <a:avLst/>
+          </a:prstGeom>
+          <a:ln w="28575">
+            <a:solidFill>
+              <a:srgbClr val="00B050"/>
+            </a:solidFill>
+            <a:tailEnd type="triangle"/>
+          </a:ln>
+        </p:spPr>
+        <p:style>
+          <a:lnRef idx="1">
+            <a:schemeClr val="accent1"/>
+          </a:lnRef>
+          <a:fillRef idx="0">
+            <a:schemeClr val="accent1"/>
+          </a:fillRef>
+          <a:effectRef idx="0">
+            <a:schemeClr val="accent1"/>
+          </a:effectRef>
+          <a:fontRef idx="minor">
+            <a:schemeClr val="tx1"/>
+          </a:fontRef>
+        </p:style>
+      </p:cxnSp>
     </p:spTree>
     <p:extLst>
       <p:ext uri="{BB962C8B-B14F-4D97-AF65-F5344CB8AC3E}">
         <p14:creationId xmlns:p14="http://schemas.microsoft.com/office/powerpoint/2010/main" val="167444778"/>
+      </p:ext>
+    </p:extLst>
+  </p:cSld>
+  <p:clrMapOvr>
+    <a:masterClrMapping/>
+  </p:clrMapOvr>
+</p:sld>
+</file>
+
+<file path=ppt/slides/slide13.xml><?xml version="1.0" encoding="utf-8"?>
+<p:sld xmlns:a="http://schemas.openxmlformats.org/drawingml/2006/main" xmlns:r="http://schemas.openxmlformats.org/officeDocument/2006/relationships" xmlns:p="http://schemas.openxmlformats.org/presentationml/2006/main">
+  <p:cSld>
+    <p:spTree>
+      <p:nvGrpSpPr>
+        <p:cNvPr id="1" name=""/>
+        <p:cNvGrpSpPr/>
+        <p:nvPr/>
+      </p:nvGrpSpPr>
+      <p:grpSpPr>
+        <a:xfrm>
+          <a:off x="0" y="0"/>
+          <a:ext cx="0" cy="0"/>
+          <a:chOff x="0" y="0"/>
+          <a:chExt cx="0" cy="0"/>
+        </a:xfrm>
+      </p:grpSpPr>
+      <mc:AlternateContent xmlns:mc="http://schemas.openxmlformats.org/markup-compatibility/2006">
+        <mc:Choice xmlns:a14="http://schemas.microsoft.com/office/drawing/2010/main" Requires="a14">
+          <p:sp>
+            <p:nvSpPr>
+              <p:cNvPr id="2" name="Título 1">
+                <a:extLst>
+                  <a:ext uri="{FF2B5EF4-FFF2-40B4-BE49-F238E27FC236}">
+                    <a16:creationId xmlns:a16="http://schemas.microsoft.com/office/drawing/2014/main" id="{03A90728-D6F2-D90A-977C-52C5377EB8D9}"/>
+                  </a:ext>
+                </a:extLst>
+              </p:cNvPr>
+              <p:cNvSpPr>
+                <a:spLocks noGrp="1"/>
+              </p:cNvSpPr>
+              <p:nvPr>
+                <p:ph type="title"/>
+              </p:nvPr>
+            </p:nvSpPr>
+            <p:spPr/>
+            <p:txBody>
+              <a:bodyPr/>
+              <a:lstStyle/>
+              <a:p>
+                <a:r>
+                  <a:rPr lang="pt-BR" dirty="0"/>
+                  <a:t>Usando </a:t>
+                </a:r>
+                <a14:m>
+                  <m:oMath xmlns:m="http://schemas.openxmlformats.org/officeDocument/2006/math">
+                    <m:r>
+                      <a:rPr lang="pt-BR" b="0" i="1" smtClean="0">
+                        <a:solidFill>
+                          <a:srgbClr val="0F0F0F"/>
+                        </a:solidFill>
+                        <a:effectLst/>
+                        <a:latin typeface="Cambria Math" panose="02040503050406030204" pitchFamily="18" charset="0"/>
+                      </a:rPr>
+                      <m:t>𝑘</m:t>
+                    </m:r>
+                  </m:oMath>
+                </a14:m>
+                <a:r>
+                  <a:rPr lang="pt-BR" dirty="0"/>
+                  <a:t>-</a:t>
+                </a:r>
+                <a:r>
+                  <a:rPr lang="pt-BR" dirty="0" err="1"/>
+                  <a:t>fold</a:t>
+                </a:r>
+                <a:r>
+                  <a:rPr lang="pt-BR" dirty="0"/>
+                  <a:t> para encontrar o grau do polinômio aproximador</a:t>
+                </a:r>
+              </a:p>
+            </p:txBody>
+          </p:sp>
+        </mc:Choice>
+        <mc:Fallback>
+          <p:sp>
+            <p:nvSpPr>
+              <p:cNvPr id="2" name="Título 1">
+                <a:extLst>
+                  <a:ext uri="{FF2B5EF4-FFF2-40B4-BE49-F238E27FC236}">
+                    <a16:creationId xmlns:a16="http://schemas.microsoft.com/office/drawing/2014/main" id="{03A90728-D6F2-D90A-977C-52C5377EB8D9}"/>
+                  </a:ext>
+                </a:extLst>
+              </p:cNvPr>
+              <p:cNvSpPr>
+                <a:spLocks noGrp="1" noRot="1" noChangeAspect="1" noMove="1" noResize="1" noEditPoints="1" noAdjustHandles="1" noChangeArrowheads="1" noChangeShapeType="1" noTextEdit="1"/>
+              </p:cNvSpPr>
+              <p:nvPr>
+                <p:ph type="title"/>
+              </p:nvPr>
+            </p:nvSpPr>
+            <p:spPr>
+              <a:blipFill>
+                <a:blip r:embed="rId2"/>
+                <a:stretch>
+                  <a:fillRect l="-2377" t="-13364" b="-21198"/>
+                </a:stretch>
+              </a:blipFill>
+            </p:spPr>
+            <p:txBody>
+              <a:bodyPr/>
+              <a:lstStyle/>
+              <a:p>
+                <a:r>
+                  <a:rPr lang="pt-BR">
+                    <a:noFill/>
+                  </a:rPr>
+                  <a:t> </a:t>
+                </a:r>
+              </a:p>
+            </p:txBody>
+          </p:sp>
+        </mc:Fallback>
+      </mc:AlternateContent>
+      <mc:AlternateContent xmlns:mc="http://schemas.openxmlformats.org/markup-compatibility/2006">
+        <mc:Choice xmlns:a14="http://schemas.microsoft.com/office/drawing/2010/main" Requires="a14">
+          <p:sp>
+            <p:nvSpPr>
+              <p:cNvPr id="3" name="Espaço Reservado para Conteúdo 2">
+                <a:extLst>
+                  <a:ext uri="{FF2B5EF4-FFF2-40B4-BE49-F238E27FC236}">
+                    <a16:creationId xmlns:a16="http://schemas.microsoft.com/office/drawing/2014/main" id="{669B1AC1-E860-DDCC-28D4-468A7D4571A1}"/>
+                  </a:ext>
+                </a:extLst>
+              </p:cNvPr>
+              <p:cNvSpPr>
+                <a:spLocks noGrp="1"/>
+              </p:cNvSpPr>
+              <p:nvPr>
+                <p:ph idx="1"/>
+              </p:nvPr>
+            </p:nvSpPr>
+            <p:spPr>
+              <a:xfrm>
+                <a:off x="6501952" y="1797050"/>
+                <a:ext cx="5613848" cy="5060950"/>
+              </a:xfrm>
+            </p:spPr>
+            <p:txBody>
+              <a:bodyPr>
+                <a:normAutofit fontScale="92500" lnSpcReduction="20000"/>
+              </a:bodyPr>
+              <a:lstStyle/>
+              <a:p>
+                <a:r>
+                  <a:rPr lang="pt-BR" b="0" i="0" dirty="0">
+                    <a:solidFill>
+                      <a:srgbClr val="0F0F0F"/>
+                    </a:solidFill>
+                    <a:effectLst/>
+                    <a:latin typeface="Söhne"/>
+                  </a:rPr>
+                  <a:t>𝒌</a:t>
+                </a:r>
+                <a:r>
+                  <a:rPr lang="pt-BR" dirty="0"/>
+                  <a:t> = 10 </a:t>
+                </a:r>
+                <a:r>
+                  <a:rPr lang="pt-BR" i="1" dirty="0" err="1"/>
+                  <a:t>folds</a:t>
+                </a:r>
+                <a:r>
+                  <a:rPr lang="pt-BR" dirty="0"/>
+                  <a:t>: 10 treinamentos com 9 </a:t>
+                </a:r>
+                <a:r>
+                  <a:rPr lang="pt-BR" i="1" dirty="0" err="1"/>
+                  <a:t>folds</a:t>
+                </a:r>
+                <a:r>
+                  <a:rPr lang="pt-BR" dirty="0"/>
+                  <a:t> como conjunto de treinamento e 1 como conjunto de validação.</a:t>
+                </a:r>
+              </a:p>
+              <a:p>
+                <a:r>
+                  <a:rPr lang="pt-BR" dirty="0"/>
+                  <a:t>Tempo médio para execução com N = 100 exemplos é de </a:t>
+                </a:r>
+                <a14:m>
+                  <m:oMath xmlns:m="http://schemas.openxmlformats.org/officeDocument/2006/math">
+                    <m:r>
+                      <a:rPr lang="pt-BR" i="1" smtClean="0">
+                        <a:latin typeface="Cambria Math" panose="02040503050406030204" pitchFamily="18" charset="0"/>
+                        <a:ea typeface="Cambria Math" panose="02040503050406030204" pitchFamily="18" charset="0"/>
+                      </a:rPr>
+                      <m:t>≈</m:t>
+                    </m:r>
+                  </m:oMath>
+                </a14:m>
+                <a:r>
+                  <a:rPr lang="pt-BR" dirty="0"/>
+                  <a:t> 1.5 s.</a:t>
+                </a:r>
+              </a:p>
+              <a:p>
+                <a:r>
+                  <a:rPr lang="pt-BR" dirty="0"/>
+                  <a:t>Os gráficos mostram a média e o desvio padrão do EQM de validação para as 10 etapas de treinamento.</a:t>
+                </a:r>
+              </a:p>
+              <a:p>
+                <a:r>
+                  <a:rPr lang="pt-BR" dirty="0"/>
+                  <a:t>Média e desvio padrão do EQM aumentam com a ordem do polinômio.</a:t>
+                </a:r>
+              </a:p>
+              <a:p>
+                <a:r>
+                  <a:rPr lang="pt-BR" dirty="0"/>
+                  <a:t>Qual grau escolher?</a:t>
+                </a:r>
+              </a:p>
+              <a:p>
+                <a:pPr lvl="1">
+                  <a:buFont typeface="Wingdings" panose="05000000000000000000" pitchFamily="2" charset="2"/>
+                  <a:buChar char="§"/>
+                </a:pPr>
+                <a:r>
+                  <a:rPr lang="pt-BR" dirty="0"/>
+                  <a:t>Valor onde </a:t>
+                </a:r>
+                <a:r>
+                  <a:rPr lang="pt-BR" b="1" i="1" dirty="0">
+                    <a:solidFill>
+                      <a:srgbClr val="0070C0"/>
+                    </a:solidFill>
+                  </a:rPr>
+                  <a:t>ambos, </a:t>
+                </a:r>
+                <a:r>
+                  <a:rPr lang="pt-BR" b="1" i="1" dirty="0">
+                    <a:solidFill>
+                      <a:srgbClr val="00B050"/>
+                    </a:solidFill>
+                  </a:rPr>
+                  <a:t>média e desvio padrão do EQM</a:t>
+                </a:r>
+                <a:r>
+                  <a:rPr lang="pt-BR" b="1" i="1" dirty="0">
+                    <a:solidFill>
+                      <a:srgbClr val="0070C0"/>
+                    </a:solidFill>
+                  </a:rPr>
+                  <a:t>, sejam mínimos</a:t>
+                </a:r>
+                <a:r>
+                  <a:rPr lang="pt-BR" dirty="0"/>
+                  <a:t> e que tenha </a:t>
+                </a:r>
+                <a:r>
+                  <a:rPr lang="pt-BR" b="1" i="1" dirty="0">
+                    <a:solidFill>
+                      <a:srgbClr val="0070C0"/>
+                    </a:solidFill>
+                  </a:rPr>
+                  <a:t>menor complexidade computacional</a:t>
+                </a:r>
+                <a:r>
+                  <a:rPr lang="pt-BR" dirty="0"/>
+                  <a:t>.</a:t>
+                </a:r>
+              </a:p>
+            </p:txBody>
+          </p:sp>
+        </mc:Choice>
+        <mc:Fallback>
+          <p:sp>
+            <p:nvSpPr>
+              <p:cNvPr id="3" name="Espaço Reservado para Conteúdo 2">
+                <a:extLst>
+                  <a:ext uri="{FF2B5EF4-FFF2-40B4-BE49-F238E27FC236}">
+                    <a16:creationId xmlns:a16="http://schemas.microsoft.com/office/drawing/2014/main" id="{669B1AC1-E860-DDCC-28D4-468A7D4571A1}"/>
+                  </a:ext>
+                </a:extLst>
+              </p:cNvPr>
+              <p:cNvSpPr>
+                <a:spLocks noGrp="1" noRot="1" noChangeAspect="1" noMove="1" noResize="1" noEditPoints="1" noAdjustHandles="1" noChangeArrowheads="1" noChangeShapeType="1" noTextEdit="1"/>
+              </p:cNvSpPr>
+              <p:nvPr>
+                <p:ph idx="1"/>
+              </p:nvPr>
+            </p:nvSpPr>
+            <p:spPr>
+              <a:xfrm>
+                <a:off x="6501952" y="1797050"/>
+                <a:ext cx="5613848" cy="5060950"/>
+              </a:xfrm>
+              <a:blipFill>
+                <a:blip r:embed="rId3"/>
+                <a:stretch>
+                  <a:fillRect l="-1737" t="-3373" r="-1954" b="-120"/>
+                </a:stretch>
+              </a:blipFill>
+            </p:spPr>
+            <p:txBody>
+              <a:bodyPr/>
+              <a:lstStyle/>
+              <a:p>
+                <a:r>
+                  <a:rPr lang="pt-BR">
+                    <a:noFill/>
+                  </a:rPr>
+                  <a:t> </a:t>
+                </a:r>
+              </a:p>
+            </p:txBody>
+          </p:sp>
+        </mc:Fallback>
+      </mc:AlternateContent>
+      <p:pic>
+        <p:nvPicPr>
+          <p:cNvPr id="5" name="Picture 2">
+            <a:extLst>
+              <a:ext uri="{FF2B5EF4-FFF2-40B4-BE49-F238E27FC236}">
+                <a16:creationId xmlns:a16="http://schemas.microsoft.com/office/drawing/2014/main" id="{2BD4A147-EF73-8CFE-520C-857F9BFD51F7}"/>
+              </a:ext>
+            </a:extLst>
+          </p:cNvPr>
+          <p:cNvPicPr>
+            <a:picLocks noChangeAspect="1" noChangeArrowheads="1"/>
+          </p:cNvPicPr>
+          <p:nvPr/>
+        </p:nvPicPr>
+        <p:blipFill rotWithShape="1">
+          <a:blip r:embed="rId4">
+            <a:extLst>
+              <a:ext uri="{28A0092B-C50C-407E-A947-70E740481C1C}">
+                <a14:useLocalDpi xmlns:a14="http://schemas.microsoft.com/office/drawing/2010/main" val="0"/>
+              </a:ext>
+            </a:extLst>
+          </a:blip>
+          <a:srcRect l="349" r="349" b="1650"/>
+          <a:stretch/>
+        </p:blipFill>
+        <p:spPr bwMode="auto">
+          <a:xfrm>
+            <a:off x="85725" y="2810073"/>
+            <a:ext cx="6315075" cy="2379819"/>
+          </a:xfrm>
+          <a:prstGeom prst="rect">
+            <a:avLst/>
+          </a:prstGeom>
+          <a:noFill/>
+          <a:extLst>
+            <a:ext uri="{909E8E84-426E-40DD-AFC4-6F175D3DCCD1}">
+              <a14:hiddenFill xmlns:a14="http://schemas.microsoft.com/office/drawing/2010/main">
+                <a:solidFill>
+                  <a:srgbClr val="FFFFFF"/>
+                </a:solidFill>
+              </a14:hiddenFill>
+            </a:ext>
+          </a:extLst>
+        </p:spPr>
+      </p:pic>
+      <p:cxnSp>
+        <p:nvCxnSpPr>
+          <p:cNvPr id="6" name="Straight Arrow Connector 12">
+            <a:extLst>
+              <a:ext uri="{FF2B5EF4-FFF2-40B4-BE49-F238E27FC236}">
+                <a16:creationId xmlns:a16="http://schemas.microsoft.com/office/drawing/2014/main" id="{D0F3B5DC-31A3-8D2C-8C7C-2DC61D16638A}"/>
+              </a:ext>
+            </a:extLst>
+          </p:cNvPr>
+          <p:cNvCxnSpPr>
+            <a:cxnSpLocks/>
+            <a:stCxn id="7" idx="2"/>
+          </p:cNvCxnSpPr>
+          <p:nvPr/>
+        </p:nvCxnSpPr>
+        <p:spPr>
+          <a:xfrm>
+            <a:off x="3410137" y="2579920"/>
+            <a:ext cx="2371538" cy="706205"/>
+          </a:xfrm>
+          <a:prstGeom prst="straightConnector1">
+            <a:avLst/>
+          </a:prstGeom>
+          <a:ln w="28575">
+            <a:solidFill>
+              <a:srgbClr val="7030A0"/>
+            </a:solidFill>
+            <a:tailEnd type="triangle"/>
+          </a:ln>
+        </p:spPr>
+        <p:style>
+          <a:lnRef idx="1">
+            <a:schemeClr val="accent1"/>
+          </a:lnRef>
+          <a:fillRef idx="0">
+            <a:schemeClr val="accent1"/>
+          </a:fillRef>
+          <a:effectRef idx="0">
+            <a:schemeClr val="accent1"/>
+          </a:effectRef>
+          <a:fontRef idx="minor">
+            <a:schemeClr val="tx1"/>
+          </a:fontRef>
+        </p:style>
+      </p:cxnSp>
+      <p:sp>
+        <p:nvSpPr>
+          <p:cNvPr id="7" name="TextBox 14">
+            <a:extLst>
+              <a:ext uri="{FF2B5EF4-FFF2-40B4-BE49-F238E27FC236}">
+                <a16:creationId xmlns:a16="http://schemas.microsoft.com/office/drawing/2014/main" id="{02D5EF9F-87A8-C253-A91A-C91117FF2EBA}"/>
+              </a:ext>
+            </a:extLst>
+          </p:cNvPr>
+          <p:cNvSpPr txBox="1"/>
+          <p:nvPr/>
+        </p:nvSpPr>
+        <p:spPr>
+          <a:xfrm>
+            <a:off x="2795702" y="1995145"/>
+            <a:ext cx="1228870" cy="584775"/>
+          </a:xfrm>
+          <a:prstGeom prst="rect">
+            <a:avLst/>
+          </a:prstGeom>
+          <a:noFill/>
+        </p:spPr>
+        <p:txBody>
+          <a:bodyPr wrap="square" rtlCol="0">
+            <a:spAutoFit/>
+          </a:bodyPr>
+          <a:lstStyle/>
+          <a:p>
+            <a:pPr algn="ctr"/>
+            <a:r>
+              <a:rPr lang="pt-BR" sz="1600" b="1" dirty="0"/>
+              <a:t>região de sobreajuste</a:t>
+            </a:r>
+          </a:p>
+        </p:txBody>
+      </p:sp>
+      <p:sp>
+        <p:nvSpPr>
+          <p:cNvPr id="8" name="Forma Livre: Forma 7">
+            <a:extLst>
+              <a:ext uri="{FF2B5EF4-FFF2-40B4-BE49-F238E27FC236}">
+                <a16:creationId xmlns:a16="http://schemas.microsoft.com/office/drawing/2014/main" id="{FCAE0EED-8EC9-F8AA-9B0D-AF324E1A737C}"/>
+              </a:ext>
+            </a:extLst>
+          </p:cNvPr>
+          <p:cNvSpPr/>
+          <p:nvPr/>
+        </p:nvSpPr>
+        <p:spPr>
+          <a:xfrm>
+            <a:off x="576263" y="2987040"/>
+            <a:ext cx="2601277" cy="1879682"/>
+          </a:xfrm>
+          <a:custGeom>
+            <a:avLst/>
+            <a:gdLst>
+              <a:gd name="connsiteX0" fmla="*/ 0 w 2871019"/>
+              <a:gd name="connsiteY0" fmla="*/ 2005780 h 2782529"/>
+              <a:gd name="connsiteX1" fmla="*/ 0 w 2871019"/>
+              <a:gd name="connsiteY1" fmla="*/ 2782529 h 2782529"/>
+              <a:gd name="connsiteX2" fmla="*/ 2851355 w 2871019"/>
+              <a:gd name="connsiteY2" fmla="*/ 2762864 h 2782529"/>
+              <a:gd name="connsiteX3" fmla="*/ 2871019 w 2871019"/>
+              <a:gd name="connsiteY3" fmla="*/ 0 h 2782529"/>
+              <a:gd name="connsiteX4" fmla="*/ 0 w 2871019"/>
+              <a:gd name="connsiteY4" fmla="*/ 2005780 h 2782529"/>
+            </a:gdLst>
+            <a:ahLst/>
+            <a:cxnLst>
+              <a:cxn ang="0">
+                <a:pos x="connsiteX0" y="connsiteY0"/>
+              </a:cxn>
+              <a:cxn ang="0">
+                <a:pos x="connsiteX1" y="connsiteY1"/>
+              </a:cxn>
+              <a:cxn ang="0">
+                <a:pos x="connsiteX2" y="connsiteY2"/>
+              </a:cxn>
+              <a:cxn ang="0">
+                <a:pos x="connsiteX3" y="connsiteY3"/>
+              </a:cxn>
+              <a:cxn ang="0">
+                <a:pos x="connsiteX4" y="connsiteY4"/>
+              </a:cxn>
+            </a:cxnLst>
+            <a:rect l="l" t="t" r="r" b="b"/>
+            <a:pathLst>
+              <a:path w="2871019" h="2782529">
+                <a:moveTo>
+                  <a:pt x="0" y="2005780"/>
+                </a:moveTo>
+                <a:lnTo>
+                  <a:pt x="0" y="2782529"/>
+                </a:lnTo>
+                <a:lnTo>
+                  <a:pt x="2851355" y="2762864"/>
+                </a:lnTo>
+                <a:lnTo>
+                  <a:pt x="2871019" y="0"/>
+                </a:lnTo>
+                <a:lnTo>
+                  <a:pt x="0" y="2005780"/>
+                </a:lnTo>
+                <a:close/>
+              </a:path>
+            </a:pathLst>
+          </a:custGeom>
+          <a:noFill/>
+          <a:ln w="19050">
+            <a:solidFill>
+              <a:srgbClr val="7030A0"/>
+            </a:solidFill>
+          </a:ln>
+        </p:spPr>
+        <p:style>
+          <a:lnRef idx="2">
+            <a:schemeClr val="accent1">
+              <a:shade val="15000"/>
+            </a:schemeClr>
+          </a:lnRef>
+          <a:fillRef idx="1">
+            <a:schemeClr val="accent1"/>
+          </a:fillRef>
+          <a:effectRef idx="0">
+            <a:schemeClr val="accent1"/>
+          </a:effectRef>
+          <a:fontRef idx="minor">
+            <a:schemeClr val="lt1"/>
+          </a:fontRef>
+        </p:style>
+        <p:txBody>
+          <a:bodyPr rtlCol="0" anchor="ctr"/>
+          <a:lstStyle/>
+          <a:p>
+            <a:pPr algn="ctr"/>
+            <a:endParaRPr lang="pt-BR" dirty="0"/>
+          </a:p>
+        </p:txBody>
+      </p:sp>
+      <p:sp>
+        <p:nvSpPr>
+          <p:cNvPr id="9" name="Forma Livre: Forma 8">
+            <a:extLst>
+              <a:ext uri="{FF2B5EF4-FFF2-40B4-BE49-F238E27FC236}">
+                <a16:creationId xmlns:a16="http://schemas.microsoft.com/office/drawing/2014/main" id="{E48383E7-8BAE-25AF-5DDF-4092A4398697}"/>
+              </a:ext>
+            </a:extLst>
+          </p:cNvPr>
+          <p:cNvSpPr/>
+          <p:nvPr/>
+        </p:nvSpPr>
+        <p:spPr>
+          <a:xfrm>
+            <a:off x="3799525" y="2979420"/>
+            <a:ext cx="2601276" cy="1879682"/>
+          </a:xfrm>
+          <a:custGeom>
+            <a:avLst/>
+            <a:gdLst>
+              <a:gd name="connsiteX0" fmla="*/ 0 w 2871019"/>
+              <a:gd name="connsiteY0" fmla="*/ 2005780 h 2782529"/>
+              <a:gd name="connsiteX1" fmla="*/ 0 w 2871019"/>
+              <a:gd name="connsiteY1" fmla="*/ 2782529 h 2782529"/>
+              <a:gd name="connsiteX2" fmla="*/ 2851355 w 2871019"/>
+              <a:gd name="connsiteY2" fmla="*/ 2762864 h 2782529"/>
+              <a:gd name="connsiteX3" fmla="*/ 2871019 w 2871019"/>
+              <a:gd name="connsiteY3" fmla="*/ 0 h 2782529"/>
+              <a:gd name="connsiteX4" fmla="*/ 0 w 2871019"/>
+              <a:gd name="connsiteY4" fmla="*/ 2005780 h 2782529"/>
+            </a:gdLst>
+            <a:ahLst/>
+            <a:cxnLst>
+              <a:cxn ang="0">
+                <a:pos x="connsiteX0" y="connsiteY0"/>
+              </a:cxn>
+              <a:cxn ang="0">
+                <a:pos x="connsiteX1" y="connsiteY1"/>
+              </a:cxn>
+              <a:cxn ang="0">
+                <a:pos x="connsiteX2" y="connsiteY2"/>
+              </a:cxn>
+              <a:cxn ang="0">
+                <a:pos x="connsiteX3" y="connsiteY3"/>
+              </a:cxn>
+              <a:cxn ang="0">
+                <a:pos x="connsiteX4" y="connsiteY4"/>
+              </a:cxn>
+            </a:cxnLst>
+            <a:rect l="l" t="t" r="r" b="b"/>
+            <a:pathLst>
+              <a:path w="2871019" h="2782529">
+                <a:moveTo>
+                  <a:pt x="0" y="2005780"/>
+                </a:moveTo>
+                <a:lnTo>
+                  <a:pt x="0" y="2782529"/>
+                </a:lnTo>
+                <a:lnTo>
+                  <a:pt x="2851355" y="2762864"/>
+                </a:lnTo>
+                <a:lnTo>
+                  <a:pt x="2871019" y="0"/>
+                </a:lnTo>
+                <a:lnTo>
+                  <a:pt x="0" y="2005780"/>
+                </a:lnTo>
+                <a:close/>
+              </a:path>
+            </a:pathLst>
+          </a:custGeom>
+          <a:noFill/>
+          <a:ln w="19050">
+            <a:solidFill>
+              <a:srgbClr val="7030A0"/>
+            </a:solidFill>
+          </a:ln>
+        </p:spPr>
+        <p:style>
+          <a:lnRef idx="2">
+            <a:schemeClr val="accent1">
+              <a:shade val="15000"/>
+            </a:schemeClr>
+          </a:lnRef>
+          <a:fillRef idx="1">
+            <a:schemeClr val="accent1"/>
+          </a:fillRef>
+          <a:effectRef idx="0">
+            <a:schemeClr val="accent1"/>
+          </a:effectRef>
+          <a:fontRef idx="minor">
+            <a:schemeClr val="lt1"/>
+          </a:fontRef>
+        </p:style>
+        <p:txBody>
+          <a:bodyPr rtlCol="0" anchor="ctr"/>
+          <a:lstStyle/>
+          <a:p>
+            <a:pPr algn="ctr"/>
+            <a:endParaRPr lang="pt-BR" dirty="0"/>
+          </a:p>
+        </p:txBody>
+      </p:sp>
+      <p:cxnSp>
+        <p:nvCxnSpPr>
+          <p:cNvPr id="12" name="Straight Arrow Connector 12">
+            <a:extLst>
+              <a:ext uri="{FF2B5EF4-FFF2-40B4-BE49-F238E27FC236}">
+                <a16:creationId xmlns:a16="http://schemas.microsoft.com/office/drawing/2014/main" id="{4C7F3FA9-99F7-BEC5-727B-A718AEF9B4CB}"/>
+              </a:ext>
+            </a:extLst>
+          </p:cNvPr>
+          <p:cNvCxnSpPr>
+            <a:cxnSpLocks/>
+            <a:stCxn id="7" idx="2"/>
+          </p:cNvCxnSpPr>
+          <p:nvPr/>
+        </p:nvCxnSpPr>
+        <p:spPr>
+          <a:xfrm flipH="1">
+            <a:off x="3132260" y="2579920"/>
+            <a:ext cx="277877" cy="399500"/>
+          </a:xfrm>
+          <a:prstGeom prst="straightConnector1">
+            <a:avLst/>
+          </a:prstGeom>
+          <a:ln w="28575">
+            <a:solidFill>
+              <a:srgbClr val="7030A0"/>
+            </a:solidFill>
+            <a:tailEnd type="triangle"/>
+          </a:ln>
+        </p:spPr>
+        <p:style>
+          <a:lnRef idx="1">
+            <a:schemeClr val="accent1"/>
+          </a:lnRef>
+          <a:fillRef idx="0">
+            <a:schemeClr val="accent1"/>
+          </a:fillRef>
+          <a:effectRef idx="0">
+            <a:schemeClr val="accent1"/>
+          </a:effectRef>
+          <a:fontRef idx="minor">
+            <a:schemeClr val="tx1"/>
+          </a:fontRef>
+        </p:style>
+      </p:cxnSp>
+      <p:sp>
+        <p:nvSpPr>
+          <p:cNvPr id="17" name="TextBox 10">
+            <a:extLst>
+              <a:ext uri="{FF2B5EF4-FFF2-40B4-BE49-F238E27FC236}">
+                <a16:creationId xmlns:a16="http://schemas.microsoft.com/office/drawing/2014/main" id="{0CDD3602-CF5A-23FD-62BC-7FB0BEE313C7}"/>
+              </a:ext>
+            </a:extLst>
+          </p:cNvPr>
+          <p:cNvSpPr txBox="1"/>
+          <p:nvPr/>
+        </p:nvSpPr>
+        <p:spPr>
+          <a:xfrm>
+            <a:off x="517988" y="5420045"/>
+            <a:ext cx="998986" cy="584775"/>
+          </a:xfrm>
+          <a:prstGeom prst="rect">
+            <a:avLst/>
+          </a:prstGeom>
+          <a:noFill/>
+        </p:spPr>
+        <p:txBody>
+          <a:bodyPr wrap="square" rtlCol="0">
+            <a:spAutoFit/>
+          </a:bodyPr>
+          <a:lstStyle/>
+          <a:p>
+            <a:pPr algn="ctr"/>
+            <a:r>
+              <a:rPr lang="pt-BR" sz="1600" b="1" dirty="0"/>
+              <a:t>região de subajuste</a:t>
+            </a:r>
+          </a:p>
+        </p:txBody>
+      </p:sp>
+      <p:cxnSp>
+        <p:nvCxnSpPr>
+          <p:cNvPr id="18" name="Straight Arrow Connector 23">
+            <a:extLst>
+              <a:ext uri="{FF2B5EF4-FFF2-40B4-BE49-F238E27FC236}">
+                <a16:creationId xmlns:a16="http://schemas.microsoft.com/office/drawing/2014/main" id="{DE17E922-2892-96C7-7B60-5E236B0D2F8D}"/>
+              </a:ext>
+            </a:extLst>
+          </p:cNvPr>
+          <p:cNvCxnSpPr>
+            <a:cxnSpLocks/>
+            <a:stCxn id="17" idx="0"/>
+            <a:endCxn id="19" idx="2"/>
+          </p:cNvCxnSpPr>
+          <p:nvPr/>
+        </p:nvCxnSpPr>
+        <p:spPr>
+          <a:xfrm flipH="1" flipV="1">
+            <a:off x="429643" y="4866722"/>
+            <a:ext cx="587838" cy="553323"/>
+          </a:xfrm>
+          <a:prstGeom prst="straightConnector1">
+            <a:avLst/>
+          </a:prstGeom>
+          <a:ln w="28575">
+            <a:solidFill>
+              <a:srgbClr val="FF0000"/>
+            </a:solidFill>
+            <a:tailEnd type="triangle"/>
+          </a:ln>
+        </p:spPr>
+        <p:style>
+          <a:lnRef idx="1">
+            <a:schemeClr val="accent1"/>
+          </a:lnRef>
+          <a:fillRef idx="0">
+            <a:schemeClr val="accent1"/>
+          </a:fillRef>
+          <a:effectRef idx="0">
+            <a:schemeClr val="accent1"/>
+          </a:effectRef>
+          <a:fontRef idx="minor">
+            <a:schemeClr val="tx1"/>
+          </a:fontRef>
+        </p:style>
+      </p:cxnSp>
+      <p:sp>
+        <p:nvSpPr>
+          <p:cNvPr id="19" name="Retângulo 18">
+            <a:extLst>
+              <a:ext uri="{FF2B5EF4-FFF2-40B4-BE49-F238E27FC236}">
+                <a16:creationId xmlns:a16="http://schemas.microsoft.com/office/drawing/2014/main" id="{49131EDC-5909-D462-D5A1-129C0FF2524D}"/>
+              </a:ext>
+            </a:extLst>
+          </p:cNvPr>
+          <p:cNvSpPr/>
+          <p:nvPr/>
+        </p:nvSpPr>
+        <p:spPr>
+          <a:xfrm>
+            <a:off x="384175" y="4356099"/>
+            <a:ext cx="90936" cy="510623"/>
+          </a:xfrm>
+          <a:prstGeom prst="rect">
+            <a:avLst/>
+          </a:prstGeom>
+          <a:noFill/>
+          <a:ln w="19050">
+            <a:solidFill>
+              <a:srgbClr val="FF0000"/>
+            </a:solidFill>
+          </a:ln>
+        </p:spPr>
+        <p:style>
+          <a:lnRef idx="2">
+            <a:schemeClr val="accent1">
+              <a:shade val="15000"/>
+            </a:schemeClr>
+          </a:lnRef>
+          <a:fillRef idx="1">
+            <a:schemeClr val="accent1"/>
+          </a:fillRef>
+          <a:effectRef idx="0">
+            <a:schemeClr val="accent1"/>
+          </a:effectRef>
+          <a:fontRef idx="minor">
+            <a:schemeClr val="lt1"/>
+          </a:fontRef>
+        </p:style>
+        <p:txBody>
+          <a:bodyPr rtlCol="0" anchor="ctr"/>
+          <a:lstStyle/>
+          <a:p>
+            <a:pPr algn="ctr"/>
+            <a:endParaRPr lang="pt-BR"/>
+          </a:p>
+        </p:txBody>
+      </p:sp>
+      <p:sp>
+        <p:nvSpPr>
+          <p:cNvPr id="24" name="TextBox 22">
+            <a:extLst>
+              <a:ext uri="{FF2B5EF4-FFF2-40B4-BE49-F238E27FC236}">
+                <a16:creationId xmlns:a16="http://schemas.microsoft.com/office/drawing/2014/main" id="{B96D6B38-6850-F44F-0025-0EDEF23300F9}"/>
+              </a:ext>
+            </a:extLst>
+          </p:cNvPr>
+          <p:cNvSpPr txBox="1"/>
+          <p:nvPr/>
+        </p:nvSpPr>
+        <p:spPr>
+          <a:xfrm>
+            <a:off x="334731" y="2022122"/>
+            <a:ext cx="2364486" cy="584775"/>
+          </a:xfrm>
+          <a:prstGeom prst="rect">
+            <a:avLst/>
+          </a:prstGeom>
+          <a:noFill/>
+        </p:spPr>
+        <p:txBody>
+          <a:bodyPr wrap="square" rtlCol="0">
+            <a:spAutoFit/>
+          </a:bodyPr>
+          <a:lstStyle/>
+          <a:p>
+            <a:pPr algn="ctr"/>
+            <a:r>
+              <a:rPr lang="pt-BR" sz="1600" b="1" dirty="0"/>
+              <a:t>Ponto de equilíbrio ótimo </a:t>
+            </a:r>
+          </a:p>
+          <a:p>
+            <a:pPr algn="ctr"/>
+            <a:r>
+              <a:rPr lang="pt-BR" sz="1600" dirty="0"/>
+              <a:t>(mudança de tendência)</a:t>
+            </a:r>
+          </a:p>
+        </p:txBody>
+      </p:sp>
+      <p:cxnSp>
+        <p:nvCxnSpPr>
+          <p:cNvPr id="25" name="Straight Arrow Connector 20">
+            <a:extLst>
+              <a:ext uri="{FF2B5EF4-FFF2-40B4-BE49-F238E27FC236}">
+                <a16:creationId xmlns:a16="http://schemas.microsoft.com/office/drawing/2014/main" id="{879EDE20-5CAF-8100-D5BF-51521099D6CD}"/>
+              </a:ext>
+            </a:extLst>
+          </p:cNvPr>
+          <p:cNvCxnSpPr>
+            <a:cxnSpLocks/>
+            <a:stCxn id="24" idx="2"/>
+            <a:endCxn id="26" idx="7"/>
+          </p:cNvCxnSpPr>
+          <p:nvPr/>
+        </p:nvCxnSpPr>
+        <p:spPr>
+          <a:xfrm flipH="1">
+            <a:off x="808165" y="2606897"/>
+            <a:ext cx="708809" cy="1118550"/>
+          </a:xfrm>
+          <a:prstGeom prst="straightConnector1">
+            <a:avLst/>
+          </a:prstGeom>
+          <a:ln w="28575">
+            <a:solidFill>
+              <a:srgbClr val="00B050"/>
+            </a:solidFill>
+            <a:tailEnd type="triangle"/>
+          </a:ln>
+        </p:spPr>
+        <p:style>
+          <a:lnRef idx="1">
+            <a:schemeClr val="accent1"/>
+          </a:lnRef>
+          <a:fillRef idx="0">
+            <a:schemeClr val="accent1"/>
+          </a:fillRef>
+          <a:effectRef idx="0">
+            <a:schemeClr val="accent1"/>
+          </a:effectRef>
+          <a:fontRef idx="minor">
+            <a:schemeClr val="tx1"/>
+          </a:fontRef>
+        </p:style>
+      </p:cxnSp>
+      <p:sp>
+        <p:nvSpPr>
+          <p:cNvPr id="26" name="Elipse 25">
+            <a:extLst>
+              <a:ext uri="{FF2B5EF4-FFF2-40B4-BE49-F238E27FC236}">
+                <a16:creationId xmlns:a16="http://schemas.microsoft.com/office/drawing/2014/main" id="{6D56B0E5-A8FF-7E40-8460-2B13D63D3BA3}"/>
+              </a:ext>
+            </a:extLst>
+          </p:cNvPr>
+          <p:cNvSpPr>
+            <a:spLocks noChangeAspect="1"/>
+          </p:cNvSpPr>
+          <p:nvPr/>
+        </p:nvSpPr>
+        <p:spPr>
+          <a:xfrm>
+            <a:off x="685253" y="3704359"/>
+            <a:ext cx="144000" cy="144000"/>
+          </a:xfrm>
+          <a:prstGeom prst="ellipse">
+            <a:avLst/>
+          </a:prstGeom>
+          <a:noFill/>
+          <a:ln w="19050">
+            <a:solidFill>
+              <a:srgbClr val="00B050"/>
+            </a:solidFill>
+          </a:ln>
+        </p:spPr>
+        <p:style>
+          <a:lnRef idx="2">
+            <a:schemeClr val="accent1">
+              <a:shade val="15000"/>
+            </a:schemeClr>
+          </a:lnRef>
+          <a:fillRef idx="1">
+            <a:schemeClr val="accent1"/>
+          </a:fillRef>
+          <a:effectRef idx="0">
+            <a:schemeClr val="accent1"/>
+          </a:effectRef>
+          <a:fontRef idx="minor">
+            <a:schemeClr val="lt1"/>
+          </a:fontRef>
+        </p:style>
+        <p:txBody>
+          <a:bodyPr rtlCol="0" anchor="ctr"/>
+          <a:lstStyle/>
+          <a:p>
+            <a:pPr algn="ctr"/>
+            <a:endParaRPr lang="pt-BR" dirty="0"/>
+          </a:p>
+        </p:txBody>
+      </p:sp>
+      <p:cxnSp>
+        <p:nvCxnSpPr>
+          <p:cNvPr id="27" name="Straight Arrow Connector 20">
+            <a:extLst>
+              <a:ext uri="{FF2B5EF4-FFF2-40B4-BE49-F238E27FC236}">
+                <a16:creationId xmlns:a16="http://schemas.microsoft.com/office/drawing/2014/main" id="{1E7A1D7F-3503-5761-5F27-025E7FD0E449}"/>
+              </a:ext>
+            </a:extLst>
+          </p:cNvPr>
+          <p:cNvCxnSpPr>
+            <a:cxnSpLocks/>
+            <a:stCxn id="26" idx="4"/>
+          </p:cNvCxnSpPr>
+          <p:nvPr/>
+        </p:nvCxnSpPr>
+        <p:spPr>
+          <a:xfrm flipH="1">
+            <a:off x="517988" y="3848359"/>
+            <a:ext cx="239265" cy="973672"/>
+          </a:xfrm>
+          <a:prstGeom prst="straightConnector1">
+            <a:avLst/>
+          </a:prstGeom>
+          <a:ln w="28575">
+            <a:solidFill>
+              <a:srgbClr val="00B050"/>
+            </a:solidFill>
+            <a:tailEnd type="triangle"/>
+          </a:ln>
+        </p:spPr>
+        <p:style>
+          <a:lnRef idx="1">
+            <a:schemeClr val="accent1"/>
+          </a:lnRef>
+          <a:fillRef idx="0">
+            <a:schemeClr val="accent1"/>
+          </a:fillRef>
+          <a:effectRef idx="0">
+            <a:schemeClr val="accent1"/>
+          </a:effectRef>
+          <a:fontRef idx="minor">
+            <a:schemeClr val="tx1"/>
+          </a:fontRef>
+        </p:style>
+      </p:cxnSp>
+      <p:sp>
+        <p:nvSpPr>
+          <p:cNvPr id="34" name="Elipse 33">
+            <a:extLst>
+              <a:ext uri="{FF2B5EF4-FFF2-40B4-BE49-F238E27FC236}">
+                <a16:creationId xmlns:a16="http://schemas.microsoft.com/office/drawing/2014/main" id="{5AF258B0-FD3B-872E-D235-5BE67CEDAD9D}"/>
+              </a:ext>
+            </a:extLst>
+          </p:cNvPr>
+          <p:cNvSpPr>
+            <a:spLocks noChangeAspect="1"/>
+          </p:cNvSpPr>
+          <p:nvPr/>
+        </p:nvSpPr>
+        <p:spPr>
+          <a:xfrm>
+            <a:off x="3952572" y="3727663"/>
+            <a:ext cx="144000" cy="144000"/>
+          </a:xfrm>
+          <a:prstGeom prst="ellipse">
+            <a:avLst/>
+          </a:prstGeom>
+          <a:noFill/>
+          <a:ln w="19050">
+            <a:solidFill>
+              <a:srgbClr val="00B050"/>
+            </a:solidFill>
+          </a:ln>
+        </p:spPr>
+        <p:style>
+          <a:lnRef idx="2">
+            <a:schemeClr val="accent1">
+              <a:shade val="15000"/>
+            </a:schemeClr>
+          </a:lnRef>
+          <a:fillRef idx="1">
+            <a:schemeClr val="accent1"/>
+          </a:fillRef>
+          <a:effectRef idx="0">
+            <a:schemeClr val="accent1"/>
+          </a:effectRef>
+          <a:fontRef idx="minor">
+            <a:schemeClr val="lt1"/>
+          </a:fontRef>
+        </p:style>
+        <p:txBody>
+          <a:bodyPr rtlCol="0" anchor="ctr"/>
+          <a:lstStyle/>
+          <a:p>
+            <a:pPr algn="ctr"/>
+            <a:endParaRPr lang="pt-BR" dirty="0"/>
+          </a:p>
+        </p:txBody>
+      </p:sp>
+      <p:cxnSp>
+        <p:nvCxnSpPr>
+          <p:cNvPr id="35" name="Straight Arrow Connector 20">
+            <a:extLst>
+              <a:ext uri="{FF2B5EF4-FFF2-40B4-BE49-F238E27FC236}">
+                <a16:creationId xmlns:a16="http://schemas.microsoft.com/office/drawing/2014/main" id="{BF43D4F4-26E6-4051-8E1C-6114F7E93C29}"/>
+              </a:ext>
+            </a:extLst>
+          </p:cNvPr>
+          <p:cNvCxnSpPr>
+            <a:cxnSpLocks/>
+            <a:stCxn id="24" idx="2"/>
+            <a:endCxn id="34" idx="1"/>
+          </p:cNvCxnSpPr>
+          <p:nvPr/>
+        </p:nvCxnSpPr>
+        <p:spPr>
+          <a:xfrm>
+            <a:off x="1516974" y="2606897"/>
+            <a:ext cx="2456686" cy="1141854"/>
+          </a:xfrm>
+          <a:prstGeom prst="straightConnector1">
+            <a:avLst/>
+          </a:prstGeom>
+          <a:ln w="28575">
+            <a:solidFill>
+              <a:srgbClr val="00B050"/>
+            </a:solidFill>
+            <a:tailEnd type="triangle"/>
+          </a:ln>
+        </p:spPr>
+        <p:style>
+          <a:lnRef idx="1">
+            <a:schemeClr val="accent1"/>
+          </a:lnRef>
+          <a:fillRef idx="0">
+            <a:schemeClr val="accent1"/>
+          </a:fillRef>
+          <a:effectRef idx="0">
+            <a:schemeClr val="accent1"/>
+          </a:effectRef>
+          <a:fontRef idx="minor">
+            <a:schemeClr val="tx1"/>
+          </a:fontRef>
+        </p:style>
+      </p:cxnSp>
+      <p:cxnSp>
+        <p:nvCxnSpPr>
+          <p:cNvPr id="38" name="Straight Arrow Connector 20">
+            <a:extLst>
+              <a:ext uri="{FF2B5EF4-FFF2-40B4-BE49-F238E27FC236}">
+                <a16:creationId xmlns:a16="http://schemas.microsoft.com/office/drawing/2014/main" id="{1F0EC925-A6E7-79E8-A06A-10AA6657ED1D}"/>
+              </a:ext>
+            </a:extLst>
+          </p:cNvPr>
+          <p:cNvCxnSpPr>
+            <a:cxnSpLocks/>
+          </p:cNvCxnSpPr>
+          <p:nvPr/>
+        </p:nvCxnSpPr>
+        <p:spPr>
+          <a:xfrm flipH="1">
+            <a:off x="3752850" y="3880475"/>
+            <a:ext cx="271722" cy="940831"/>
+          </a:xfrm>
+          <a:prstGeom prst="straightConnector1">
+            <a:avLst/>
+          </a:prstGeom>
+          <a:ln w="28575">
+            <a:solidFill>
+              <a:srgbClr val="00B050"/>
+            </a:solidFill>
+            <a:tailEnd type="triangle"/>
+          </a:ln>
+        </p:spPr>
+        <p:style>
+          <a:lnRef idx="1">
+            <a:schemeClr val="accent1"/>
+          </a:lnRef>
+          <a:fillRef idx="0">
+            <a:schemeClr val="accent1"/>
+          </a:fillRef>
+          <a:effectRef idx="0">
+            <a:schemeClr val="accent1"/>
+          </a:effectRef>
+          <a:fontRef idx="minor">
+            <a:schemeClr val="tx1"/>
+          </a:fontRef>
+        </p:style>
+      </p:cxnSp>
+    </p:spTree>
+    <p:extLst>
+      <p:ext uri="{BB962C8B-B14F-4D97-AF65-F5344CB8AC3E}">
+        <p14:creationId xmlns:p14="http://schemas.microsoft.com/office/powerpoint/2010/main" val="366440243"/>
       </p:ext>
     </p:extLst>
   </p:cSld>
@@ -7782,42 +9701,103 @@
           <a:chExt cx="0" cy="0"/>
         </a:xfrm>
       </p:grpSpPr>
-      <p:sp>
-        <p:nvSpPr>
-          <p:cNvPr id="2" name="Título 1">
-            <a:extLst>
-              <a:ext uri="{FF2B5EF4-FFF2-40B4-BE49-F238E27FC236}">
-                <a16:creationId xmlns:a16="http://schemas.microsoft.com/office/drawing/2014/main" id="{03A90728-D6F2-D90A-977C-52C5377EB8D9}"/>
-              </a:ext>
-            </a:extLst>
-          </p:cNvPr>
-          <p:cNvSpPr>
-            <a:spLocks noGrp="1"/>
-          </p:cNvSpPr>
-          <p:nvPr>
-            <p:ph type="title"/>
-          </p:nvPr>
-        </p:nvSpPr>
-        <p:spPr/>
-        <p:txBody>
-          <a:bodyPr/>
-          <a:lstStyle/>
-          <a:p>
-            <a:r>
-              <a:rPr lang="pt-BR" dirty="0"/>
-              <a:t>Usando K-</a:t>
-            </a:r>
-            <a:r>
-              <a:rPr lang="pt-BR" dirty="0" err="1"/>
-              <a:t>Fold</a:t>
-            </a:r>
-            <a:r>
-              <a:rPr lang="pt-BR" dirty="0"/>
-              <a:t> para encontrar o grau do polinômio aproximador</a:t>
-            </a:r>
-          </a:p>
-        </p:txBody>
-      </p:sp>
+      <mc:AlternateContent xmlns:mc="http://schemas.openxmlformats.org/markup-compatibility/2006">
+        <mc:Choice xmlns:a14="http://schemas.microsoft.com/office/drawing/2010/main" Requires="a14">
+          <p:sp>
+            <p:nvSpPr>
+              <p:cNvPr id="2" name="Título 1">
+                <a:extLst>
+                  <a:ext uri="{FF2B5EF4-FFF2-40B4-BE49-F238E27FC236}">
+                    <a16:creationId xmlns:a16="http://schemas.microsoft.com/office/drawing/2014/main" id="{03A90728-D6F2-D90A-977C-52C5377EB8D9}"/>
+                  </a:ext>
+                </a:extLst>
+              </p:cNvPr>
+              <p:cNvSpPr>
+                <a:spLocks noGrp="1"/>
+              </p:cNvSpPr>
+              <p:nvPr>
+                <p:ph type="title"/>
+              </p:nvPr>
+            </p:nvSpPr>
+            <p:spPr/>
+            <p:txBody>
+              <a:bodyPr/>
+              <a:lstStyle/>
+              <a:p>
+                <a:r>
+                  <a:rPr lang="pt-BR" dirty="0"/>
+                  <a:t>Usando </a:t>
+                </a:r>
+                <a14:m>
+                  <m:oMath xmlns:m="http://schemas.openxmlformats.org/officeDocument/2006/math">
+                    <m:r>
+                      <a:rPr lang="pt-BR" b="0" i="1" smtClean="0">
+                        <a:solidFill>
+                          <a:srgbClr val="0F0F0F"/>
+                        </a:solidFill>
+                        <a:effectLst/>
+                        <a:latin typeface="Cambria Math" panose="02040503050406030204" pitchFamily="18" charset="0"/>
+                      </a:rPr>
+                      <m:t>𝑘</m:t>
+                    </m:r>
+                  </m:oMath>
+                </a14:m>
+                <a:r>
+                  <a:rPr lang="pt-BR" dirty="0"/>
+                  <a:t>-</a:t>
+                </a:r>
+                <a:r>
+                  <a:rPr lang="pt-BR" dirty="0" err="1"/>
+                  <a:t>fold</a:t>
+                </a:r>
+                <a:r>
+                  <a:rPr lang="pt-BR" dirty="0"/>
+                  <a:t> para encontrar o grau do polinômio aproximador</a:t>
+                </a:r>
+              </a:p>
+            </p:txBody>
+          </p:sp>
+        </mc:Choice>
+        <mc:Fallback>
+          <p:sp>
+            <p:nvSpPr>
+              <p:cNvPr id="2" name="Título 1">
+                <a:extLst>
+                  <a:ext uri="{FF2B5EF4-FFF2-40B4-BE49-F238E27FC236}">
+                    <a16:creationId xmlns:a16="http://schemas.microsoft.com/office/drawing/2014/main" id="{03A90728-D6F2-D90A-977C-52C5377EB8D9}"/>
+                  </a:ext>
+                </a:extLst>
+              </p:cNvPr>
+              <p:cNvSpPr>
+                <a:spLocks noGrp="1" noRot="1" noChangeAspect="1" noMove="1" noResize="1" noEditPoints="1" noAdjustHandles="1" noChangeArrowheads="1" noChangeShapeType="1" noTextEdit="1"/>
+              </p:cNvSpPr>
+              <p:nvPr>
+                <p:ph type="title"/>
+              </p:nvPr>
+            </p:nvSpPr>
+            <p:spPr>
+              <a:blipFill>
+                <a:blip r:embed="rId2"/>
+                <a:stretch>
+                  <a:fillRect l="-2377" t="-13364" b="-21198"/>
+                </a:stretch>
+              </a:blipFill>
+            </p:spPr>
+            <p:txBody>
+              <a:bodyPr/>
+              <a:lstStyle/>
+              <a:p>
+                <a:r>
+                  <a:rPr lang="pt-BR">
+                    <a:noFill/>
+                  </a:rPr>
+                  <a:t> </a:t>
+                </a:r>
+              </a:p>
+            </p:txBody>
+          </p:sp>
+        </mc:Fallback>
+      </mc:AlternateContent>
       <p:sp>
         <p:nvSpPr>
           <p:cNvPr id="3" name="Espaço Reservado para Conteúdo 2">
@@ -7834,19 +9814,947 @@
             <p:ph idx="1"/>
           </p:nvPr>
         </p:nvSpPr>
-        <p:spPr/>
+        <p:spPr>
+          <a:xfrm>
+            <a:off x="6501952" y="1797050"/>
+            <a:ext cx="5613848" cy="5060950"/>
+          </a:xfrm>
+        </p:spPr>
         <p:txBody>
-          <a:bodyPr/>
+          <a:bodyPr>
+            <a:normAutofit fontScale="92500" lnSpcReduction="20000"/>
+          </a:bodyPr>
           <a:lstStyle/>
           <a:p>
-            <a:endParaRPr lang="pt-BR"/>
+            <a:r>
+              <a:rPr lang="pt-BR" sz="2800" dirty="0"/>
+              <a:t>Conforme o modelo se </a:t>
+            </a:r>
+            <a:r>
+              <a:rPr lang="pt-BR" sz="2800" b="1" i="1" dirty="0"/>
+              <a:t>sobreajusta </a:t>
+            </a:r>
+            <a:r>
+              <a:rPr lang="pt-BR" sz="2800" dirty="0"/>
+              <a:t>aos dados de treinamento, a </a:t>
+            </a:r>
+            <a:r>
+              <a:rPr lang="pt-BR" sz="2800" b="1" i="1" dirty="0"/>
+              <a:t>variância do erro de validação aumenta</a:t>
+            </a:r>
+            <a:r>
+              <a:rPr lang="pt-BR" sz="2800" dirty="0"/>
+              <a:t> </a:t>
+            </a:r>
+            <a:r>
+              <a:rPr lang="pt-BR" sz="2800" b="1" i="1" dirty="0"/>
+              <a:t>devido à redução de sua capacidade de generalização.</a:t>
+            </a:r>
+            <a:endParaRPr lang="pt-BR" b="1" i="1" dirty="0"/>
+          </a:p>
+          <a:p>
+            <a:pPr lvl="1">
+              <a:buFont typeface="Wingdings" panose="05000000000000000000" pitchFamily="2" charset="2"/>
+              <a:buChar char="§"/>
+            </a:pPr>
+            <a:r>
+              <a:rPr lang="pt-BR" dirty="0"/>
+              <a:t>Ou seja, o modelo aprendido se distancia muito do modelo gerador.</a:t>
+            </a:r>
+          </a:p>
+          <a:p>
+            <a:r>
+              <a:rPr lang="pt-BR" sz="2800" dirty="0"/>
+              <a:t>Modelos muito flexíveis (mais do que </a:t>
+            </a:r>
+            <a:r>
+              <a:rPr lang="pt-BR" dirty="0"/>
+              <a:t>o</a:t>
+            </a:r>
+            <a:r>
+              <a:rPr lang="pt-BR" sz="2800" dirty="0"/>
+              <a:t> necessário) apresentam variância do erro de treinamento muito baixa e variância do erro de validação muito alta, indicando </a:t>
+            </a:r>
+            <a:r>
+              <a:rPr lang="pt-BR" sz="2800" b="1" i="1" dirty="0">
+                <a:solidFill>
+                  <a:srgbClr val="7030A0"/>
+                </a:solidFill>
+              </a:rPr>
+              <a:t>sobreajuste</a:t>
+            </a:r>
+            <a:r>
+              <a:rPr lang="pt-BR" sz="2800" dirty="0"/>
+              <a:t>.</a:t>
+            </a:r>
+          </a:p>
+          <a:p>
+            <a:r>
+              <a:rPr lang="pt-BR" sz="2800" dirty="0"/>
+              <a:t>Modelos pouco flexíveis (menos do que o necessário) têm ambas as variâncias dos erros altas, indicando </a:t>
+            </a:r>
+            <a:r>
+              <a:rPr lang="pt-BR" sz="2800" b="1" dirty="0">
+                <a:solidFill>
+                  <a:srgbClr val="7030A0"/>
+                </a:solidFill>
+              </a:rPr>
+              <a:t>subajuste</a:t>
+            </a:r>
+            <a:r>
+              <a:rPr lang="pt-BR" sz="2800" dirty="0"/>
+              <a:t>.</a:t>
+            </a:r>
           </a:p>
         </p:txBody>
       </p:sp>
+      <p:pic>
+        <p:nvPicPr>
+          <p:cNvPr id="5" name="Picture 2">
+            <a:extLst>
+              <a:ext uri="{FF2B5EF4-FFF2-40B4-BE49-F238E27FC236}">
+                <a16:creationId xmlns:a16="http://schemas.microsoft.com/office/drawing/2014/main" id="{2BD4A147-EF73-8CFE-520C-857F9BFD51F7}"/>
+              </a:ext>
+            </a:extLst>
+          </p:cNvPr>
+          <p:cNvPicPr>
+            <a:picLocks noChangeAspect="1" noChangeArrowheads="1"/>
+          </p:cNvPicPr>
+          <p:nvPr/>
+        </p:nvPicPr>
+        <p:blipFill rotWithShape="1">
+          <a:blip r:embed="rId3">
+            <a:extLst>
+              <a:ext uri="{28A0092B-C50C-407E-A947-70E740481C1C}">
+                <a14:useLocalDpi xmlns:a14="http://schemas.microsoft.com/office/drawing/2010/main" val="0"/>
+              </a:ext>
+            </a:extLst>
+          </a:blip>
+          <a:srcRect l="349" r="349" b="1650"/>
+          <a:stretch/>
+        </p:blipFill>
+        <p:spPr bwMode="auto">
+          <a:xfrm>
+            <a:off x="85725" y="2810073"/>
+            <a:ext cx="6315075" cy="2379819"/>
+          </a:xfrm>
+          <a:prstGeom prst="rect">
+            <a:avLst/>
+          </a:prstGeom>
+          <a:noFill/>
+          <a:extLst>
+            <a:ext uri="{909E8E84-426E-40DD-AFC4-6F175D3DCCD1}">
+              <a14:hiddenFill xmlns:a14="http://schemas.microsoft.com/office/drawing/2010/main">
+                <a:solidFill>
+                  <a:srgbClr val="FFFFFF"/>
+                </a:solidFill>
+              </a14:hiddenFill>
+            </a:ext>
+          </a:extLst>
+        </p:spPr>
+      </p:pic>
+      <p:cxnSp>
+        <p:nvCxnSpPr>
+          <p:cNvPr id="6" name="Straight Arrow Connector 12">
+            <a:extLst>
+              <a:ext uri="{FF2B5EF4-FFF2-40B4-BE49-F238E27FC236}">
+                <a16:creationId xmlns:a16="http://schemas.microsoft.com/office/drawing/2014/main" id="{D0F3B5DC-31A3-8D2C-8C7C-2DC61D16638A}"/>
+              </a:ext>
+            </a:extLst>
+          </p:cNvPr>
+          <p:cNvCxnSpPr>
+            <a:cxnSpLocks/>
+            <a:stCxn id="7" idx="2"/>
+          </p:cNvCxnSpPr>
+          <p:nvPr/>
+        </p:nvCxnSpPr>
+        <p:spPr>
+          <a:xfrm>
+            <a:off x="3410137" y="2579920"/>
+            <a:ext cx="2371538" cy="706205"/>
+          </a:xfrm>
+          <a:prstGeom prst="straightConnector1">
+            <a:avLst/>
+          </a:prstGeom>
+          <a:ln w="28575">
+            <a:solidFill>
+              <a:srgbClr val="7030A0"/>
+            </a:solidFill>
+            <a:tailEnd type="triangle"/>
+          </a:ln>
+        </p:spPr>
+        <p:style>
+          <a:lnRef idx="1">
+            <a:schemeClr val="accent1"/>
+          </a:lnRef>
+          <a:fillRef idx="0">
+            <a:schemeClr val="accent1"/>
+          </a:fillRef>
+          <a:effectRef idx="0">
+            <a:schemeClr val="accent1"/>
+          </a:effectRef>
+          <a:fontRef idx="minor">
+            <a:schemeClr val="tx1"/>
+          </a:fontRef>
+        </p:style>
+      </p:cxnSp>
+      <p:sp>
+        <p:nvSpPr>
+          <p:cNvPr id="7" name="TextBox 14">
+            <a:extLst>
+              <a:ext uri="{FF2B5EF4-FFF2-40B4-BE49-F238E27FC236}">
+                <a16:creationId xmlns:a16="http://schemas.microsoft.com/office/drawing/2014/main" id="{02D5EF9F-87A8-C253-A91A-C91117FF2EBA}"/>
+              </a:ext>
+            </a:extLst>
+          </p:cNvPr>
+          <p:cNvSpPr txBox="1"/>
+          <p:nvPr/>
+        </p:nvSpPr>
+        <p:spPr>
+          <a:xfrm>
+            <a:off x="2795702" y="1995145"/>
+            <a:ext cx="1228870" cy="584775"/>
+          </a:xfrm>
+          <a:prstGeom prst="rect">
+            <a:avLst/>
+          </a:prstGeom>
+          <a:noFill/>
+        </p:spPr>
+        <p:txBody>
+          <a:bodyPr wrap="square" rtlCol="0">
+            <a:spAutoFit/>
+          </a:bodyPr>
+          <a:lstStyle/>
+          <a:p>
+            <a:pPr algn="ctr"/>
+            <a:r>
+              <a:rPr lang="pt-BR" sz="1600" b="1" dirty="0"/>
+              <a:t>região de sobreajuste</a:t>
+            </a:r>
+          </a:p>
+        </p:txBody>
+      </p:sp>
+      <p:sp>
+        <p:nvSpPr>
+          <p:cNvPr id="8" name="Forma Livre: Forma 7">
+            <a:extLst>
+              <a:ext uri="{FF2B5EF4-FFF2-40B4-BE49-F238E27FC236}">
+                <a16:creationId xmlns:a16="http://schemas.microsoft.com/office/drawing/2014/main" id="{FCAE0EED-8EC9-F8AA-9B0D-AF324E1A737C}"/>
+              </a:ext>
+            </a:extLst>
+          </p:cNvPr>
+          <p:cNvSpPr/>
+          <p:nvPr/>
+        </p:nvSpPr>
+        <p:spPr>
+          <a:xfrm>
+            <a:off x="576263" y="2987040"/>
+            <a:ext cx="2601277" cy="1879682"/>
+          </a:xfrm>
+          <a:custGeom>
+            <a:avLst/>
+            <a:gdLst>
+              <a:gd name="connsiteX0" fmla="*/ 0 w 2871019"/>
+              <a:gd name="connsiteY0" fmla="*/ 2005780 h 2782529"/>
+              <a:gd name="connsiteX1" fmla="*/ 0 w 2871019"/>
+              <a:gd name="connsiteY1" fmla="*/ 2782529 h 2782529"/>
+              <a:gd name="connsiteX2" fmla="*/ 2851355 w 2871019"/>
+              <a:gd name="connsiteY2" fmla="*/ 2762864 h 2782529"/>
+              <a:gd name="connsiteX3" fmla="*/ 2871019 w 2871019"/>
+              <a:gd name="connsiteY3" fmla="*/ 0 h 2782529"/>
+              <a:gd name="connsiteX4" fmla="*/ 0 w 2871019"/>
+              <a:gd name="connsiteY4" fmla="*/ 2005780 h 2782529"/>
+            </a:gdLst>
+            <a:ahLst/>
+            <a:cxnLst>
+              <a:cxn ang="0">
+                <a:pos x="connsiteX0" y="connsiteY0"/>
+              </a:cxn>
+              <a:cxn ang="0">
+                <a:pos x="connsiteX1" y="connsiteY1"/>
+              </a:cxn>
+              <a:cxn ang="0">
+                <a:pos x="connsiteX2" y="connsiteY2"/>
+              </a:cxn>
+              <a:cxn ang="0">
+                <a:pos x="connsiteX3" y="connsiteY3"/>
+              </a:cxn>
+              <a:cxn ang="0">
+                <a:pos x="connsiteX4" y="connsiteY4"/>
+              </a:cxn>
+            </a:cxnLst>
+            <a:rect l="l" t="t" r="r" b="b"/>
+            <a:pathLst>
+              <a:path w="2871019" h="2782529">
+                <a:moveTo>
+                  <a:pt x="0" y="2005780"/>
+                </a:moveTo>
+                <a:lnTo>
+                  <a:pt x="0" y="2782529"/>
+                </a:lnTo>
+                <a:lnTo>
+                  <a:pt x="2851355" y="2762864"/>
+                </a:lnTo>
+                <a:lnTo>
+                  <a:pt x="2871019" y="0"/>
+                </a:lnTo>
+                <a:lnTo>
+                  <a:pt x="0" y="2005780"/>
+                </a:lnTo>
+                <a:close/>
+              </a:path>
+            </a:pathLst>
+          </a:custGeom>
+          <a:noFill/>
+          <a:ln w="19050">
+            <a:solidFill>
+              <a:srgbClr val="7030A0"/>
+            </a:solidFill>
+          </a:ln>
+        </p:spPr>
+        <p:style>
+          <a:lnRef idx="2">
+            <a:schemeClr val="accent1">
+              <a:shade val="15000"/>
+            </a:schemeClr>
+          </a:lnRef>
+          <a:fillRef idx="1">
+            <a:schemeClr val="accent1"/>
+          </a:fillRef>
+          <a:effectRef idx="0">
+            <a:schemeClr val="accent1"/>
+          </a:effectRef>
+          <a:fontRef idx="minor">
+            <a:schemeClr val="lt1"/>
+          </a:fontRef>
+        </p:style>
+        <p:txBody>
+          <a:bodyPr rtlCol="0" anchor="ctr"/>
+          <a:lstStyle/>
+          <a:p>
+            <a:pPr algn="ctr"/>
+            <a:endParaRPr lang="pt-BR" dirty="0"/>
+          </a:p>
+        </p:txBody>
+      </p:sp>
+      <p:sp>
+        <p:nvSpPr>
+          <p:cNvPr id="9" name="Forma Livre: Forma 8">
+            <a:extLst>
+              <a:ext uri="{FF2B5EF4-FFF2-40B4-BE49-F238E27FC236}">
+                <a16:creationId xmlns:a16="http://schemas.microsoft.com/office/drawing/2014/main" id="{E48383E7-8BAE-25AF-5DDF-4092A4398697}"/>
+              </a:ext>
+            </a:extLst>
+          </p:cNvPr>
+          <p:cNvSpPr/>
+          <p:nvPr/>
+        </p:nvSpPr>
+        <p:spPr>
+          <a:xfrm>
+            <a:off x="3799525" y="2979420"/>
+            <a:ext cx="2601276" cy="1879682"/>
+          </a:xfrm>
+          <a:custGeom>
+            <a:avLst/>
+            <a:gdLst>
+              <a:gd name="connsiteX0" fmla="*/ 0 w 2871019"/>
+              <a:gd name="connsiteY0" fmla="*/ 2005780 h 2782529"/>
+              <a:gd name="connsiteX1" fmla="*/ 0 w 2871019"/>
+              <a:gd name="connsiteY1" fmla="*/ 2782529 h 2782529"/>
+              <a:gd name="connsiteX2" fmla="*/ 2851355 w 2871019"/>
+              <a:gd name="connsiteY2" fmla="*/ 2762864 h 2782529"/>
+              <a:gd name="connsiteX3" fmla="*/ 2871019 w 2871019"/>
+              <a:gd name="connsiteY3" fmla="*/ 0 h 2782529"/>
+              <a:gd name="connsiteX4" fmla="*/ 0 w 2871019"/>
+              <a:gd name="connsiteY4" fmla="*/ 2005780 h 2782529"/>
+            </a:gdLst>
+            <a:ahLst/>
+            <a:cxnLst>
+              <a:cxn ang="0">
+                <a:pos x="connsiteX0" y="connsiteY0"/>
+              </a:cxn>
+              <a:cxn ang="0">
+                <a:pos x="connsiteX1" y="connsiteY1"/>
+              </a:cxn>
+              <a:cxn ang="0">
+                <a:pos x="connsiteX2" y="connsiteY2"/>
+              </a:cxn>
+              <a:cxn ang="0">
+                <a:pos x="connsiteX3" y="connsiteY3"/>
+              </a:cxn>
+              <a:cxn ang="0">
+                <a:pos x="connsiteX4" y="connsiteY4"/>
+              </a:cxn>
+            </a:cxnLst>
+            <a:rect l="l" t="t" r="r" b="b"/>
+            <a:pathLst>
+              <a:path w="2871019" h="2782529">
+                <a:moveTo>
+                  <a:pt x="0" y="2005780"/>
+                </a:moveTo>
+                <a:lnTo>
+                  <a:pt x="0" y="2782529"/>
+                </a:lnTo>
+                <a:lnTo>
+                  <a:pt x="2851355" y="2762864"/>
+                </a:lnTo>
+                <a:lnTo>
+                  <a:pt x="2871019" y="0"/>
+                </a:lnTo>
+                <a:lnTo>
+                  <a:pt x="0" y="2005780"/>
+                </a:lnTo>
+                <a:close/>
+              </a:path>
+            </a:pathLst>
+          </a:custGeom>
+          <a:noFill/>
+          <a:ln w="19050">
+            <a:solidFill>
+              <a:srgbClr val="7030A0"/>
+            </a:solidFill>
+          </a:ln>
+        </p:spPr>
+        <p:style>
+          <a:lnRef idx="2">
+            <a:schemeClr val="accent1">
+              <a:shade val="15000"/>
+            </a:schemeClr>
+          </a:lnRef>
+          <a:fillRef idx="1">
+            <a:schemeClr val="accent1"/>
+          </a:fillRef>
+          <a:effectRef idx="0">
+            <a:schemeClr val="accent1"/>
+          </a:effectRef>
+          <a:fontRef idx="minor">
+            <a:schemeClr val="lt1"/>
+          </a:fontRef>
+        </p:style>
+        <p:txBody>
+          <a:bodyPr rtlCol="0" anchor="ctr"/>
+          <a:lstStyle/>
+          <a:p>
+            <a:pPr algn="ctr"/>
+            <a:endParaRPr lang="pt-BR" dirty="0"/>
+          </a:p>
+        </p:txBody>
+      </p:sp>
+      <p:cxnSp>
+        <p:nvCxnSpPr>
+          <p:cNvPr id="12" name="Straight Arrow Connector 12">
+            <a:extLst>
+              <a:ext uri="{FF2B5EF4-FFF2-40B4-BE49-F238E27FC236}">
+                <a16:creationId xmlns:a16="http://schemas.microsoft.com/office/drawing/2014/main" id="{4C7F3FA9-99F7-BEC5-727B-A718AEF9B4CB}"/>
+              </a:ext>
+            </a:extLst>
+          </p:cNvPr>
+          <p:cNvCxnSpPr>
+            <a:cxnSpLocks/>
+            <a:stCxn id="7" idx="2"/>
+          </p:cNvCxnSpPr>
+          <p:nvPr/>
+        </p:nvCxnSpPr>
+        <p:spPr>
+          <a:xfrm flipH="1">
+            <a:off x="3132260" y="2579920"/>
+            <a:ext cx="277877" cy="399500"/>
+          </a:xfrm>
+          <a:prstGeom prst="straightConnector1">
+            <a:avLst/>
+          </a:prstGeom>
+          <a:ln w="28575">
+            <a:solidFill>
+              <a:srgbClr val="7030A0"/>
+            </a:solidFill>
+            <a:tailEnd type="triangle"/>
+          </a:ln>
+        </p:spPr>
+        <p:style>
+          <a:lnRef idx="1">
+            <a:schemeClr val="accent1"/>
+          </a:lnRef>
+          <a:fillRef idx="0">
+            <a:schemeClr val="accent1"/>
+          </a:fillRef>
+          <a:effectRef idx="0">
+            <a:schemeClr val="accent1"/>
+          </a:effectRef>
+          <a:fontRef idx="minor">
+            <a:schemeClr val="tx1"/>
+          </a:fontRef>
+        </p:style>
+      </p:cxnSp>
+      <p:sp>
+        <p:nvSpPr>
+          <p:cNvPr id="17" name="TextBox 10">
+            <a:extLst>
+              <a:ext uri="{FF2B5EF4-FFF2-40B4-BE49-F238E27FC236}">
+                <a16:creationId xmlns:a16="http://schemas.microsoft.com/office/drawing/2014/main" id="{0CDD3602-CF5A-23FD-62BC-7FB0BEE313C7}"/>
+              </a:ext>
+            </a:extLst>
+          </p:cNvPr>
+          <p:cNvSpPr txBox="1"/>
+          <p:nvPr/>
+        </p:nvSpPr>
+        <p:spPr>
+          <a:xfrm>
+            <a:off x="517988" y="5420045"/>
+            <a:ext cx="998986" cy="584775"/>
+          </a:xfrm>
+          <a:prstGeom prst="rect">
+            <a:avLst/>
+          </a:prstGeom>
+          <a:noFill/>
+        </p:spPr>
+        <p:txBody>
+          <a:bodyPr wrap="square" rtlCol="0">
+            <a:spAutoFit/>
+          </a:bodyPr>
+          <a:lstStyle/>
+          <a:p>
+            <a:pPr algn="ctr"/>
+            <a:r>
+              <a:rPr lang="pt-BR" sz="1600" b="1" dirty="0"/>
+              <a:t>região de subajuste</a:t>
+            </a:r>
+          </a:p>
+        </p:txBody>
+      </p:sp>
+      <p:cxnSp>
+        <p:nvCxnSpPr>
+          <p:cNvPr id="18" name="Straight Arrow Connector 23">
+            <a:extLst>
+              <a:ext uri="{FF2B5EF4-FFF2-40B4-BE49-F238E27FC236}">
+                <a16:creationId xmlns:a16="http://schemas.microsoft.com/office/drawing/2014/main" id="{DE17E922-2892-96C7-7B60-5E236B0D2F8D}"/>
+              </a:ext>
+            </a:extLst>
+          </p:cNvPr>
+          <p:cNvCxnSpPr>
+            <a:cxnSpLocks/>
+            <a:stCxn id="17" idx="0"/>
+            <a:endCxn id="19" idx="2"/>
+          </p:cNvCxnSpPr>
+          <p:nvPr/>
+        </p:nvCxnSpPr>
+        <p:spPr>
+          <a:xfrm flipH="1" flipV="1">
+            <a:off x="429643" y="4866722"/>
+            <a:ext cx="587838" cy="553323"/>
+          </a:xfrm>
+          <a:prstGeom prst="straightConnector1">
+            <a:avLst/>
+          </a:prstGeom>
+          <a:ln w="28575">
+            <a:solidFill>
+              <a:srgbClr val="FF0000"/>
+            </a:solidFill>
+            <a:tailEnd type="triangle"/>
+          </a:ln>
+        </p:spPr>
+        <p:style>
+          <a:lnRef idx="1">
+            <a:schemeClr val="accent1"/>
+          </a:lnRef>
+          <a:fillRef idx="0">
+            <a:schemeClr val="accent1"/>
+          </a:fillRef>
+          <a:effectRef idx="0">
+            <a:schemeClr val="accent1"/>
+          </a:effectRef>
+          <a:fontRef idx="minor">
+            <a:schemeClr val="tx1"/>
+          </a:fontRef>
+        </p:style>
+      </p:cxnSp>
+      <p:sp>
+        <p:nvSpPr>
+          <p:cNvPr id="19" name="Retângulo 18">
+            <a:extLst>
+              <a:ext uri="{FF2B5EF4-FFF2-40B4-BE49-F238E27FC236}">
+                <a16:creationId xmlns:a16="http://schemas.microsoft.com/office/drawing/2014/main" id="{49131EDC-5909-D462-D5A1-129C0FF2524D}"/>
+              </a:ext>
+            </a:extLst>
+          </p:cNvPr>
+          <p:cNvSpPr/>
+          <p:nvPr/>
+        </p:nvSpPr>
+        <p:spPr>
+          <a:xfrm>
+            <a:off x="384175" y="4356099"/>
+            <a:ext cx="90936" cy="510623"/>
+          </a:xfrm>
+          <a:prstGeom prst="rect">
+            <a:avLst/>
+          </a:prstGeom>
+          <a:noFill/>
+          <a:ln w="19050">
+            <a:solidFill>
+              <a:srgbClr val="FF0000"/>
+            </a:solidFill>
+          </a:ln>
+        </p:spPr>
+        <p:style>
+          <a:lnRef idx="2">
+            <a:schemeClr val="accent1">
+              <a:shade val="15000"/>
+            </a:schemeClr>
+          </a:lnRef>
+          <a:fillRef idx="1">
+            <a:schemeClr val="accent1"/>
+          </a:fillRef>
+          <a:effectRef idx="0">
+            <a:schemeClr val="accent1"/>
+          </a:effectRef>
+          <a:fontRef idx="minor">
+            <a:schemeClr val="lt1"/>
+          </a:fontRef>
+        </p:style>
+        <p:txBody>
+          <a:bodyPr rtlCol="0" anchor="ctr"/>
+          <a:lstStyle/>
+          <a:p>
+            <a:pPr algn="ctr"/>
+            <a:endParaRPr lang="pt-BR"/>
+          </a:p>
+        </p:txBody>
+      </p:sp>
+      <p:sp>
+        <p:nvSpPr>
+          <p:cNvPr id="24" name="TextBox 22">
+            <a:extLst>
+              <a:ext uri="{FF2B5EF4-FFF2-40B4-BE49-F238E27FC236}">
+                <a16:creationId xmlns:a16="http://schemas.microsoft.com/office/drawing/2014/main" id="{B96D6B38-6850-F44F-0025-0EDEF23300F9}"/>
+              </a:ext>
+            </a:extLst>
+          </p:cNvPr>
+          <p:cNvSpPr txBox="1"/>
+          <p:nvPr/>
+        </p:nvSpPr>
+        <p:spPr>
+          <a:xfrm>
+            <a:off x="334731" y="2022122"/>
+            <a:ext cx="2364486" cy="584775"/>
+          </a:xfrm>
+          <a:prstGeom prst="rect">
+            <a:avLst/>
+          </a:prstGeom>
+          <a:noFill/>
+        </p:spPr>
+        <p:txBody>
+          <a:bodyPr wrap="square" rtlCol="0">
+            <a:spAutoFit/>
+          </a:bodyPr>
+          <a:lstStyle/>
+          <a:p>
+            <a:pPr algn="ctr"/>
+            <a:r>
+              <a:rPr lang="pt-BR" sz="1600" b="1" dirty="0"/>
+              <a:t>Ponto de equilíbrio ótimo </a:t>
+            </a:r>
+          </a:p>
+          <a:p>
+            <a:pPr algn="ctr"/>
+            <a:r>
+              <a:rPr lang="pt-BR" sz="1600" dirty="0"/>
+              <a:t>(mudança de tendência)</a:t>
+            </a:r>
+          </a:p>
+        </p:txBody>
+      </p:sp>
+      <p:cxnSp>
+        <p:nvCxnSpPr>
+          <p:cNvPr id="25" name="Straight Arrow Connector 20">
+            <a:extLst>
+              <a:ext uri="{FF2B5EF4-FFF2-40B4-BE49-F238E27FC236}">
+                <a16:creationId xmlns:a16="http://schemas.microsoft.com/office/drawing/2014/main" id="{879EDE20-5CAF-8100-D5BF-51521099D6CD}"/>
+              </a:ext>
+            </a:extLst>
+          </p:cNvPr>
+          <p:cNvCxnSpPr>
+            <a:cxnSpLocks/>
+            <a:stCxn id="24" idx="2"/>
+            <a:endCxn id="26" idx="7"/>
+          </p:cNvCxnSpPr>
+          <p:nvPr/>
+        </p:nvCxnSpPr>
+        <p:spPr>
+          <a:xfrm flipH="1">
+            <a:off x="808165" y="2606897"/>
+            <a:ext cx="708809" cy="1118550"/>
+          </a:xfrm>
+          <a:prstGeom prst="straightConnector1">
+            <a:avLst/>
+          </a:prstGeom>
+          <a:ln w="28575">
+            <a:solidFill>
+              <a:srgbClr val="00B050"/>
+            </a:solidFill>
+            <a:tailEnd type="triangle"/>
+          </a:ln>
+        </p:spPr>
+        <p:style>
+          <a:lnRef idx="1">
+            <a:schemeClr val="accent1"/>
+          </a:lnRef>
+          <a:fillRef idx="0">
+            <a:schemeClr val="accent1"/>
+          </a:fillRef>
+          <a:effectRef idx="0">
+            <a:schemeClr val="accent1"/>
+          </a:effectRef>
+          <a:fontRef idx="minor">
+            <a:schemeClr val="tx1"/>
+          </a:fontRef>
+        </p:style>
+      </p:cxnSp>
+      <p:sp>
+        <p:nvSpPr>
+          <p:cNvPr id="26" name="Elipse 25">
+            <a:extLst>
+              <a:ext uri="{FF2B5EF4-FFF2-40B4-BE49-F238E27FC236}">
+                <a16:creationId xmlns:a16="http://schemas.microsoft.com/office/drawing/2014/main" id="{6D56B0E5-A8FF-7E40-8460-2B13D63D3BA3}"/>
+              </a:ext>
+            </a:extLst>
+          </p:cNvPr>
+          <p:cNvSpPr>
+            <a:spLocks noChangeAspect="1"/>
+          </p:cNvSpPr>
+          <p:nvPr/>
+        </p:nvSpPr>
+        <p:spPr>
+          <a:xfrm>
+            <a:off x="685253" y="3704359"/>
+            <a:ext cx="144000" cy="144000"/>
+          </a:xfrm>
+          <a:prstGeom prst="ellipse">
+            <a:avLst/>
+          </a:prstGeom>
+          <a:noFill/>
+          <a:ln w="19050">
+            <a:solidFill>
+              <a:srgbClr val="00B050"/>
+            </a:solidFill>
+          </a:ln>
+        </p:spPr>
+        <p:style>
+          <a:lnRef idx="2">
+            <a:schemeClr val="accent1">
+              <a:shade val="15000"/>
+            </a:schemeClr>
+          </a:lnRef>
+          <a:fillRef idx="1">
+            <a:schemeClr val="accent1"/>
+          </a:fillRef>
+          <a:effectRef idx="0">
+            <a:schemeClr val="accent1"/>
+          </a:effectRef>
+          <a:fontRef idx="minor">
+            <a:schemeClr val="lt1"/>
+          </a:fontRef>
+        </p:style>
+        <p:txBody>
+          <a:bodyPr rtlCol="0" anchor="ctr"/>
+          <a:lstStyle/>
+          <a:p>
+            <a:pPr algn="ctr"/>
+            <a:endParaRPr lang="pt-BR" dirty="0"/>
+          </a:p>
+        </p:txBody>
+      </p:sp>
+      <p:cxnSp>
+        <p:nvCxnSpPr>
+          <p:cNvPr id="27" name="Straight Arrow Connector 20">
+            <a:extLst>
+              <a:ext uri="{FF2B5EF4-FFF2-40B4-BE49-F238E27FC236}">
+                <a16:creationId xmlns:a16="http://schemas.microsoft.com/office/drawing/2014/main" id="{1E7A1D7F-3503-5761-5F27-025E7FD0E449}"/>
+              </a:ext>
+            </a:extLst>
+          </p:cNvPr>
+          <p:cNvCxnSpPr>
+            <a:cxnSpLocks/>
+            <a:stCxn id="26" idx="4"/>
+          </p:cNvCxnSpPr>
+          <p:nvPr/>
+        </p:nvCxnSpPr>
+        <p:spPr>
+          <a:xfrm flipH="1">
+            <a:off x="517988" y="3848359"/>
+            <a:ext cx="239265" cy="973672"/>
+          </a:xfrm>
+          <a:prstGeom prst="straightConnector1">
+            <a:avLst/>
+          </a:prstGeom>
+          <a:ln w="28575">
+            <a:solidFill>
+              <a:srgbClr val="00B050"/>
+            </a:solidFill>
+            <a:tailEnd type="triangle"/>
+          </a:ln>
+        </p:spPr>
+        <p:style>
+          <a:lnRef idx="1">
+            <a:schemeClr val="accent1"/>
+          </a:lnRef>
+          <a:fillRef idx="0">
+            <a:schemeClr val="accent1"/>
+          </a:fillRef>
+          <a:effectRef idx="0">
+            <a:schemeClr val="accent1"/>
+          </a:effectRef>
+          <a:fontRef idx="minor">
+            <a:schemeClr val="tx1"/>
+          </a:fontRef>
+        </p:style>
+      </p:cxnSp>
+      <p:sp>
+        <p:nvSpPr>
+          <p:cNvPr id="34" name="Elipse 33">
+            <a:extLst>
+              <a:ext uri="{FF2B5EF4-FFF2-40B4-BE49-F238E27FC236}">
+                <a16:creationId xmlns:a16="http://schemas.microsoft.com/office/drawing/2014/main" id="{5AF258B0-FD3B-872E-D235-5BE67CEDAD9D}"/>
+              </a:ext>
+            </a:extLst>
+          </p:cNvPr>
+          <p:cNvSpPr>
+            <a:spLocks noChangeAspect="1"/>
+          </p:cNvSpPr>
+          <p:nvPr/>
+        </p:nvSpPr>
+        <p:spPr>
+          <a:xfrm>
+            <a:off x="3952572" y="3727663"/>
+            <a:ext cx="144000" cy="144000"/>
+          </a:xfrm>
+          <a:prstGeom prst="ellipse">
+            <a:avLst/>
+          </a:prstGeom>
+          <a:noFill/>
+          <a:ln w="19050">
+            <a:solidFill>
+              <a:srgbClr val="00B050"/>
+            </a:solidFill>
+          </a:ln>
+        </p:spPr>
+        <p:style>
+          <a:lnRef idx="2">
+            <a:schemeClr val="accent1">
+              <a:shade val="15000"/>
+            </a:schemeClr>
+          </a:lnRef>
+          <a:fillRef idx="1">
+            <a:schemeClr val="accent1"/>
+          </a:fillRef>
+          <a:effectRef idx="0">
+            <a:schemeClr val="accent1"/>
+          </a:effectRef>
+          <a:fontRef idx="minor">
+            <a:schemeClr val="lt1"/>
+          </a:fontRef>
+        </p:style>
+        <p:txBody>
+          <a:bodyPr rtlCol="0" anchor="ctr"/>
+          <a:lstStyle/>
+          <a:p>
+            <a:pPr algn="ctr"/>
+            <a:endParaRPr lang="pt-BR" dirty="0"/>
+          </a:p>
+        </p:txBody>
+      </p:sp>
+      <p:cxnSp>
+        <p:nvCxnSpPr>
+          <p:cNvPr id="35" name="Straight Arrow Connector 20">
+            <a:extLst>
+              <a:ext uri="{FF2B5EF4-FFF2-40B4-BE49-F238E27FC236}">
+                <a16:creationId xmlns:a16="http://schemas.microsoft.com/office/drawing/2014/main" id="{BF43D4F4-26E6-4051-8E1C-6114F7E93C29}"/>
+              </a:ext>
+            </a:extLst>
+          </p:cNvPr>
+          <p:cNvCxnSpPr>
+            <a:cxnSpLocks/>
+            <a:stCxn id="24" idx="2"/>
+            <a:endCxn id="34" idx="1"/>
+          </p:cNvCxnSpPr>
+          <p:nvPr/>
+        </p:nvCxnSpPr>
+        <p:spPr>
+          <a:xfrm>
+            <a:off x="1516974" y="2606897"/>
+            <a:ext cx="2456686" cy="1141854"/>
+          </a:xfrm>
+          <a:prstGeom prst="straightConnector1">
+            <a:avLst/>
+          </a:prstGeom>
+          <a:ln w="28575">
+            <a:solidFill>
+              <a:srgbClr val="00B050"/>
+            </a:solidFill>
+            <a:tailEnd type="triangle"/>
+          </a:ln>
+        </p:spPr>
+        <p:style>
+          <a:lnRef idx="1">
+            <a:schemeClr val="accent1"/>
+          </a:lnRef>
+          <a:fillRef idx="0">
+            <a:schemeClr val="accent1"/>
+          </a:fillRef>
+          <a:effectRef idx="0">
+            <a:schemeClr val="accent1"/>
+          </a:effectRef>
+          <a:fontRef idx="minor">
+            <a:schemeClr val="tx1"/>
+          </a:fontRef>
+        </p:style>
+      </p:cxnSp>
+      <p:cxnSp>
+        <p:nvCxnSpPr>
+          <p:cNvPr id="38" name="Straight Arrow Connector 20">
+            <a:extLst>
+              <a:ext uri="{FF2B5EF4-FFF2-40B4-BE49-F238E27FC236}">
+                <a16:creationId xmlns:a16="http://schemas.microsoft.com/office/drawing/2014/main" id="{1F0EC925-A6E7-79E8-A06A-10AA6657ED1D}"/>
+              </a:ext>
+            </a:extLst>
+          </p:cNvPr>
+          <p:cNvCxnSpPr>
+            <a:cxnSpLocks/>
+          </p:cNvCxnSpPr>
+          <p:nvPr/>
+        </p:nvCxnSpPr>
+        <p:spPr>
+          <a:xfrm flipH="1">
+            <a:off x="3752850" y="3880475"/>
+            <a:ext cx="271722" cy="940831"/>
+          </a:xfrm>
+          <a:prstGeom prst="straightConnector1">
+            <a:avLst/>
+          </a:prstGeom>
+          <a:ln w="28575">
+            <a:solidFill>
+              <a:srgbClr val="00B050"/>
+            </a:solidFill>
+            <a:tailEnd type="triangle"/>
+          </a:ln>
+        </p:spPr>
+        <p:style>
+          <a:lnRef idx="1">
+            <a:schemeClr val="accent1"/>
+          </a:lnRef>
+          <a:fillRef idx="0">
+            <a:schemeClr val="accent1"/>
+          </a:fillRef>
+          <a:effectRef idx="0">
+            <a:schemeClr val="accent1"/>
+          </a:effectRef>
+          <a:fontRef idx="minor">
+            <a:schemeClr val="tx1"/>
+          </a:fontRef>
+        </p:style>
+      </p:cxnSp>
     </p:spTree>
     <p:extLst>
       <p:ext uri="{BB962C8B-B14F-4D97-AF65-F5344CB8AC3E}">
-        <p14:creationId xmlns:p14="http://schemas.microsoft.com/office/powerpoint/2010/main" val="366440243"/>
+        <p14:creationId xmlns:p14="http://schemas.microsoft.com/office/powerpoint/2010/main" val="2804106287"/>
       </p:ext>
     </p:extLst>
   </p:cSld>
@@ -7878,7 +10786,7 @@
           <p:cNvPr id="2" name="Título 1">
             <a:extLst>
               <a:ext uri="{FF2B5EF4-FFF2-40B4-BE49-F238E27FC236}">
-                <a16:creationId xmlns:a16="http://schemas.microsoft.com/office/drawing/2014/main" id="{12F82253-6C1D-6D01-393C-877C3BE21542}"/>
+                <a16:creationId xmlns:a16="http://schemas.microsoft.com/office/drawing/2014/main" id="{A251A04E-87C2-A4B1-727E-ACB4C5801459}"/>
               </a:ext>
             </a:extLst>
           </p:cNvPr>
@@ -7889,7 +10797,12 @@
             <p:ph type="title"/>
           </p:nvPr>
         </p:nvSpPr>
-        <p:spPr/>
+        <p:spPr>
+          <a:xfrm>
+            <a:off x="838200" y="365125"/>
+            <a:ext cx="10998200" cy="1325563"/>
+          </a:xfrm>
+        </p:spPr>
         <p:txBody>
           <a:bodyPr/>
           <a:lstStyle/>
@@ -7906,7 +10819,7 @@
           <p:cNvPr id="3" name="Espaço Reservado para Conteúdo 2">
             <a:extLst>
               <a:ext uri="{FF2B5EF4-FFF2-40B4-BE49-F238E27FC236}">
-                <a16:creationId xmlns:a16="http://schemas.microsoft.com/office/drawing/2014/main" id="{BEB55601-10D3-B8AD-59E7-A80C21D5E7CB}"/>
+                <a16:creationId xmlns:a16="http://schemas.microsoft.com/office/drawing/2014/main" id="{139ADDD6-6BAF-0757-3736-516A20794509}"/>
               </a:ext>
             </a:extLst>
           </p:cNvPr>
@@ -7919,22 +10832,297 @@
         </p:nvSpPr>
         <p:spPr>
           <a:xfrm>
-            <a:off x="838200" y="1825624"/>
-            <a:ext cx="11174128" cy="5032375"/>
+            <a:off x="838200" y="4409967"/>
+            <a:ext cx="11214100" cy="2448035"/>
           </a:xfrm>
         </p:spPr>
         <p:txBody>
-          <a:bodyPr/>
+          <a:bodyPr>
+            <a:normAutofit lnSpcReduction="10000"/>
+          </a:bodyPr>
           <a:lstStyle/>
           <a:p>
-            <a:endParaRPr lang="pt-BR" dirty="0"/>
+            <a:r>
+              <a:rPr lang="pt-BR" dirty="0"/>
+              <a:t>Observem as figuras.</a:t>
+            </a:r>
+          </a:p>
+          <a:p>
+            <a:r>
+              <a:rPr lang="pt-BR" b="1" i="1" dirty="0">
+                <a:solidFill>
+                  <a:srgbClr val="00B050"/>
+                </a:solidFill>
+              </a:rPr>
+              <a:t>Qual grau devemos escolher quando os erros (</a:t>
+            </a:r>
+            <a:r>
+              <a:rPr lang="pt-BR" b="1" i="1" dirty="0" err="1">
+                <a:solidFill>
+                  <a:srgbClr val="00B050"/>
+                </a:solidFill>
+              </a:rPr>
+              <a:t>holdout</a:t>
+            </a:r>
+            <a:r>
+              <a:rPr lang="pt-BR" b="1" i="1" dirty="0">
+                <a:solidFill>
+                  <a:srgbClr val="00B050"/>
+                </a:solidFill>
+              </a:rPr>
+              <a:t>) ou média dos erros e desvio padrão (k-</a:t>
+            </a:r>
+            <a:r>
+              <a:rPr lang="pt-BR" b="1" i="1" dirty="0" err="1">
+                <a:solidFill>
+                  <a:srgbClr val="00B050"/>
+                </a:solidFill>
+              </a:rPr>
+              <a:t>fold</a:t>
+            </a:r>
+            <a:r>
+              <a:rPr lang="pt-BR" b="1" i="1" dirty="0">
+                <a:solidFill>
+                  <a:srgbClr val="00B050"/>
+                </a:solidFill>
+              </a:rPr>
+              <a:t>) são mínimos e praticamente constantes para vários graus de polinômio?</a:t>
+            </a:r>
+          </a:p>
+          <a:p>
+            <a:pPr lvl="1">
+              <a:buFont typeface="Wingdings" panose="05000000000000000000" pitchFamily="2" charset="2"/>
+              <a:buChar char="§"/>
+            </a:pPr>
+            <a:r>
+              <a:rPr lang="pt-BR" dirty="0"/>
+              <a:t>Isso ocorre quando o número de exemplos é muito maior do que a flexibilidade (i.e., grau) do modelo.</a:t>
+            </a:r>
           </a:p>
         </p:txBody>
       </p:sp>
+      <p:pic>
+        <p:nvPicPr>
+          <p:cNvPr id="4" name="Picture 2">
+            <a:extLst>
+              <a:ext uri="{FF2B5EF4-FFF2-40B4-BE49-F238E27FC236}">
+                <a16:creationId xmlns:a16="http://schemas.microsoft.com/office/drawing/2014/main" id="{F1523848-867A-3698-482D-51E11972A826}"/>
+              </a:ext>
+            </a:extLst>
+          </p:cNvPr>
+          <p:cNvPicPr>
+            <a:picLocks noChangeAspect="1" noChangeArrowheads="1"/>
+          </p:cNvPicPr>
+          <p:nvPr/>
+        </p:nvPicPr>
+        <p:blipFill>
+          <a:blip r:embed="rId2" cstate="print">
+            <a:extLst>
+              <a:ext uri="{28A0092B-C50C-407E-A947-70E740481C1C}">
+                <a14:useLocalDpi xmlns:a14="http://schemas.microsoft.com/office/drawing/2010/main" val="0"/>
+              </a:ext>
+            </a:extLst>
+          </a:blip>
+          <a:srcRect/>
+          <a:stretch>
+            <a:fillRect/>
+          </a:stretch>
+        </p:blipFill>
+        <p:spPr bwMode="auto">
+          <a:xfrm>
+            <a:off x="4359956" y="1533634"/>
+            <a:ext cx="7692344" cy="2825533"/>
+          </a:xfrm>
+          <a:prstGeom prst="rect">
+            <a:avLst/>
+          </a:prstGeom>
+          <a:noFill/>
+          <a:extLst>
+            <a:ext uri="{909E8E84-426E-40DD-AFC4-6F175D3DCCD1}">
+              <a14:hiddenFill xmlns:a14="http://schemas.microsoft.com/office/drawing/2010/main">
+                <a:solidFill>
+                  <a:srgbClr val="FFFFFF"/>
+                </a:solidFill>
+              </a14:hiddenFill>
+            </a:ext>
+          </a:extLst>
+        </p:spPr>
+      </p:pic>
+      <p:pic>
+        <p:nvPicPr>
+          <p:cNvPr id="5" name="Picture 4">
+            <a:extLst>
+              <a:ext uri="{FF2B5EF4-FFF2-40B4-BE49-F238E27FC236}">
+                <a16:creationId xmlns:a16="http://schemas.microsoft.com/office/drawing/2014/main" id="{3006A038-21C6-0345-55DE-A2A30CC10D71}"/>
+              </a:ext>
+            </a:extLst>
+          </p:cNvPr>
+          <p:cNvPicPr>
+            <a:picLocks noChangeAspect="1" noChangeArrowheads="1"/>
+          </p:cNvPicPr>
+          <p:nvPr/>
+        </p:nvPicPr>
+        <p:blipFill>
+          <a:blip r:embed="rId3">
+            <a:extLst>
+              <a:ext uri="{28A0092B-C50C-407E-A947-70E740481C1C}">
+                <a14:useLocalDpi xmlns:a14="http://schemas.microsoft.com/office/drawing/2010/main" val="0"/>
+              </a:ext>
+            </a:extLst>
+          </a:blip>
+          <a:srcRect/>
+          <a:stretch>
+            <a:fillRect/>
+          </a:stretch>
+        </p:blipFill>
+        <p:spPr bwMode="auto">
+          <a:xfrm>
+            <a:off x="139700" y="1533634"/>
+            <a:ext cx="3861359" cy="2825534"/>
+          </a:xfrm>
+          <a:prstGeom prst="rect">
+            <a:avLst/>
+          </a:prstGeom>
+          <a:noFill/>
+          <a:extLst>
+            <a:ext uri="{909E8E84-426E-40DD-AFC4-6F175D3DCCD1}">
+              <a14:hiddenFill xmlns:a14="http://schemas.microsoft.com/office/drawing/2010/main">
+                <a:solidFill>
+                  <a:srgbClr val="FFFFFF"/>
+                </a:solidFill>
+              </a14:hiddenFill>
+            </a:ext>
+          </a:extLst>
+        </p:spPr>
+      </p:pic>
+      <p:sp>
+        <p:nvSpPr>
+          <p:cNvPr id="6" name="CaixaDeTexto 5">
+            <a:extLst>
+              <a:ext uri="{FF2B5EF4-FFF2-40B4-BE49-F238E27FC236}">
+                <a16:creationId xmlns:a16="http://schemas.microsoft.com/office/drawing/2014/main" id="{7CF069DD-EDFC-CC3F-DD56-59C668E7E782}"/>
+              </a:ext>
+            </a:extLst>
+          </p:cNvPr>
+          <p:cNvSpPr txBox="1"/>
+          <p:nvPr/>
+        </p:nvSpPr>
+        <p:spPr>
+          <a:xfrm>
+            <a:off x="1685565" y="3059668"/>
+            <a:ext cx="2083324" cy="738664"/>
+          </a:xfrm>
+          <a:prstGeom prst="rect">
+            <a:avLst/>
+          </a:prstGeom>
+          <a:noFill/>
+        </p:spPr>
+        <p:txBody>
+          <a:bodyPr wrap="square">
+            <a:spAutoFit/>
+          </a:bodyPr>
+          <a:lstStyle/>
+          <a:p>
+            <a:pPr algn="ctr"/>
+            <a:r>
+              <a:rPr lang="pt-BR" sz="1400" b="1" dirty="0">
+                <a:solidFill>
+                  <a:srgbClr val="7030A0"/>
+                </a:solidFill>
+              </a:rPr>
+              <a:t>Teoricamente, qualquer grau maior ou igual a 2 já seria uma boa escolha.</a:t>
+            </a:r>
+          </a:p>
+        </p:txBody>
+      </p:sp>
+      <p:sp>
+        <p:nvSpPr>
+          <p:cNvPr id="7" name="CaixaDeTexto 6">
+            <a:extLst>
+              <a:ext uri="{FF2B5EF4-FFF2-40B4-BE49-F238E27FC236}">
+                <a16:creationId xmlns:a16="http://schemas.microsoft.com/office/drawing/2014/main" id="{3160817B-5023-F2AE-B878-2F4AD2764249}"/>
+              </a:ext>
+            </a:extLst>
+          </p:cNvPr>
+          <p:cNvSpPr txBox="1"/>
+          <p:nvPr/>
+        </p:nvSpPr>
+        <p:spPr>
+          <a:xfrm>
+            <a:off x="5970404" y="3071336"/>
+            <a:ext cx="2083324" cy="738664"/>
+          </a:xfrm>
+          <a:prstGeom prst="rect">
+            <a:avLst/>
+          </a:prstGeom>
+          <a:noFill/>
+        </p:spPr>
+        <p:txBody>
+          <a:bodyPr wrap="square">
+            <a:spAutoFit/>
+          </a:bodyPr>
+          <a:lstStyle/>
+          <a:p>
+            <a:pPr algn="ctr"/>
+            <a:r>
+              <a:rPr lang="pt-BR" sz="1400" b="1" dirty="0">
+                <a:solidFill>
+                  <a:srgbClr val="7030A0"/>
+                </a:solidFill>
+              </a:rPr>
+              <a:t>Teoricamente, qualquer grau maior ou igual a 2 já seria uma boa escolha.</a:t>
+            </a:r>
+          </a:p>
+        </p:txBody>
+      </p:sp>
+      <p:cxnSp>
+        <p:nvCxnSpPr>
+          <p:cNvPr id="9" name="Conector de Seta Reta 8">
+            <a:extLst>
+              <a:ext uri="{FF2B5EF4-FFF2-40B4-BE49-F238E27FC236}">
+                <a16:creationId xmlns:a16="http://schemas.microsoft.com/office/drawing/2014/main" id="{433D01AC-78E3-F26E-A91D-5BDB058412D4}"/>
+              </a:ext>
+            </a:extLst>
+          </p:cNvPr>
+          <p:cNvCxnSpPr>
+            <a:stCxn id="7" idx="3"/>
+          </p:cNvCxnSpPr>
+          <p:nvPr/>
+        </p:nvCxnSpPr>
+        <p:spPr>
+          <a:xfrm>
+            <a:off x="8053728" y="3440668"/>
+            <a:ext cx="925172" cy="357664"/>
+          </a:xfrm>
+          <a:prstGeom prst="straightConnector1">
+            <a:avLst/>
+          </a:prstGeom>
+          <a:ln w="38100">
+            <a:solidFill>
+              <a:srgbClr val="7030A0"/>
+            </a:solidFill>
+            <a:tailEnd type="triangle"/>
+          </a:ln>
+        </p:spPr>
+        <p:style>
+          <a:lnRef idx="1">
+            <a:schemeClr val="accent1"/>
+          </a:lnRef>
+          <a:fillRef idx="0">
+            <a:schemeClr val="accent1"/>
+          </a:fillRef>
+          <a:effectRef idx="0">
+            <a:schemeClr val="accent1"/>
+          </a:effectRef>
+          <a:fontRef idx="minor">
+            <a:schemeClr val="tx1"/>
+          </a:fontRef>
+        </p:style>
+      </p:cxnSp>
     </p:spTree>
     <p:extLst>
       <p:ext uri="{BB962C8B-B14F-4D97-AF65-F5344CB8AC3E}">
-        <p14:creationId xmlns:p14="http://schemas.microsoft.com/office/powerpoint/2010/main" val="2108940567"/>
+        <p14:creationId xmlns:p14="http://schemas.microsoft.com/office/powerpoint/2010/main" val="4159868062"/>
       </p:ext>
     </p:extLst>
   </p:cSld>
@@ -7977,12 +11165,20 @@
             <p:ph type="title"/>
           </p:nvPr>
         </p:nvSpPr>
-        <p:spPr/>
+        <p:spPr>
+          <a:xfrm>
+            <a:off x="838200" y="365125"/>
+            <a:ext cx="10985500" cy="1325563"/>
+          </a:xfrm>
+        </p:spPr>
         <p:txBody>
           <a:bodyPr/>
           <a:lstStyle/>
           <a:p>
-            <a:endParaRPr lang="pt-BR"/>
+            <a:r>
+              <a:rPr lang="pt-BR" dirty="0"/>
+              <a:t>Qual grau escolher quando vários são possíveis?</a:t>
+            </a:r>
           </a:p>
         </p:txBody>
       </p:sp>
@@ -8002,12 +11198,174 @@
             <p:ph idx="1"/>
           </p:nvPr>
         </p:nvSpPr>
-        <p:spPr/>
+        <p:spPr>
+          <a:xfrm>
+            <a:off x="838200" y="1825624"/>
+            <a:ext cx="11264900" cy="5032375"/>
+          </a:xfrm>
+        </p:spPr>
         <p:txBody>
-          <a:bodyPr/>
+          <a:bodyPr>
+            <a:normAutofit/>
+          </a:bodyPr>
           <a:lstStyle/>
           <a:p>
-            <a:endParaRPr lang="pt-BR"/>
+            <a:r>
+              <a:rPr lang="pt-BR" dirty="0"/>
+              <a:t>A resposta é aplicar a </a:t>
+            </a:r>
+            <a:r>
+              <a:rPr lang="pt-BR" b="1" i="1" dirty="0"/>
+              <a:t>navalha de </a:t>
+            </a:r>
+            <a:r>
+              <a:rPr lang="pt-BR" b="1" i="1" dirty="0" err="1"/>
+              <a:t>Occam</a:t>
+            </a:r>
+            <a:r>
+              <a:rPr lang="pt-BR" i="1" dirty="0"/>
+              <a:t>.</a:t>
+            </a:r>
+            <a:endParaRPr lang="pt-BR" dirty="0"/>
+          </a:p>
+          <a:p>
+            <a:r>
+              <a:rPr lang="pt-BR" dirty="0"/>
+              <a:t>A </a:t>
+            </a:r>
+            <a:r>
+              <a:rPr lang="pt-BR" b="1" i="1" dirty="0"/>
+              <a:t>navalha de </a:t>
+            </a:r>
+            <a:r>
+              <a:rPr lang="pt-BR" b="1" i="1" dirty="0" err="1"/>
+              <a:t>Occam</a:t>
+            </a:r>
+            <a:r>
+              <a:rPr lang="pt-BR" b="1" i="1" dirty="0"/>
+              <a:t> </a:t>
+            </a:r>
+            <a:r>
+              <a:rPr lang="pt-BR" dirty="0"/>
+              <a:t>é um princípio lógico que sugere que, </a:t>
+            </a:r>
+            <a:r>
+              <a:rPr lang="pt-BR" b="1" i="1" dirty="0">
+                <a:solidFill>
+                  <a:srgbClr val="7030A0"/>
+                </a:solidFill>
+                <a:effectLst/>
+                <a:latin typeface="Söhne"/>
+              </a:rPr>
+              <a:t>entre várias explicações igualmente plausíveis</a:t>
+            </a:r>
+            <a:r>
+              <a:rPr lang="pt-BR" b="0" i="0" dirty="0">
+                <a:solidFill>
+                  <a:srgbClr val="0F0F0F"/>
+                </a:solidFill>
+                <a:effectLst/>
+                <a:latin typeface="Söhne"/>
+              </a:rPr>
+              <a:t> para um conjunto de observações, a </a:t>
+            </a:r>
+            <a:r>
+              <a:rPr lang="pt-BR" b="1" i="1" dirty="0">
+                <a:solidFill>
+                  <a:srgbClr val="7030A0"/>
+                </a:solidFill>
+                <a:effectLst/>
+                <a:latin typeface="Söhne"/>
+              </a:rPr>
+              <a:t>mais simples deve ser preferida</a:t>
+            </a:r>
+            <a:r>
+              <a:rPr lang="pt-BR" b="0" i="0" dirty="0">
+                <a:solidFill>
+                  <a:srgbClr val="0F0F0F"/>
+                </a:solidFill>
+                <a:effectLst/>
+                <a:latin typeface="Söhne"/>
+              </a:rPr>
+              <a:t>.</a:t>
+            </a:r>
+            <a:endParaRPr lang="pt-BR" dirty="0"/>
+          </a:p>
+          <a:p>
+            <a:pPr lvl="1">
+              <a:buFont typeface="Wingdings" panose="05000000000000000000" pitchFamily="2" charset="2"/>
+              <a:buChar char="§"/>
+            </a:pPr>
+            <a:r>
+              <a:rPr lang="pt-BR" dirty="0"/>
+              <a:t>Ou seja, deve-se </a:t>
+            </a:r>
+            <a:r>
+              <a:rPr lang="pt-BR" b="1" i="1" dirty="0">
+                <a:solidFill>
+                  <a:srgbClr val="0070C0"/>
+                </a:solidFill>
+              </a:rPr>
+              <a:t>preferir explicações mais simples às mais complexas</a:t>
+            </a:r>
+            <a:r>
+              <a:rPr lang="pt-BR" dirty="0"/>
+              <a:t>.</a:t>
+            </a:r>
+          </a:p>
+          <a:p>
+            <a:r>
+              <a:rPr lang="pt-BR" dirty="0"/>
+              <a:t>Portanto, usando a </a:t>
+            </a:r>
+            <a:r>
+              <a:rPr lang="pt-BR" b="1" i="1" dirty="0"/>
+              <a:t>navalha de </a:t>
+            </a:r>
+            <a:r>
+              <a:rPr lang="pt-BR" b="1" i="1" dirty="0" err="1"/>
+              <a:t>Occam</a:t>
+            </a:r>
+            <a:r>
+              <a:rPr lang="pt-BR" i="1" dirty="0"/>
+              <a:t> </a:t>
+            </a:r>
+            <a:r>
+              <a:rPr lang="pt-BR" dirty="0"/>
+              <a:t>escolhemos a </a:t>
+            </a:r>
+            <a:r>
+              <a:rPr lang="pt-BR" b="1" i="1" dirty="0">
+                <a:solidFill>
+                  <a:srgbClr val="002060"/>
+                </a:solidFill>
+              </a:rPr>
+              <a:t>função hipótese polinomial</a:t>
+            </a:r>
+            <a:r>
+              <a:rPr lang="pt-BR" b="1" i="1" dirty="0">
+                <a:solidFill>
+                  <a:srgbClr val="00B050"/>
+                </a:solidFill>
+              </a:rPr>
+              <a:t> com menor grau</a:t>
+            </a:r>
+            <a:r>
+              <a:rPr lang="pt-BR" dirty="0"/>
+              <a:t> (i.e., menos complexa), </a:t>
+            </a:r>
+            <a:r>
+              <a:rPr lang="pt-BR" b="1" i="1" dirty="0">
+                <a:solidFill>
+                  <a:srgbClr val="00B050"/>
+                </a:solidFill>
+              </a:rPr>
+              <a:t>mas que se ajusta bem ao comportamento geral dos dados</a:t>
+            </a:r>
+            <a:r>
+              <a:rPr lang="pt-BR" dirty="0"/>
+              <a:t>.</a:t>
+            </a:r>
           </a:p>
         </p:txBody>
       </p:sp>
@@ -8043,2622 +11401,6 @@
       </p:grpSpPr>
       <p:sp>
         <p:nvSpPr>
-          <p:cNvPr id="2" name="Título 1">
-            <a:extLst>
-              <a:ext uri="{FF2B5EF4-FFF2-40B4-BE49-F238E27FC236}">
-                <a16:creationId xmlns:a16="http://schemas.microsoft.com/office/drawing/2014/main" id="{A251A04E-87C2-A4B1-727E-ACB4C5801459}"/>
-              </a:ext>
-            </a:extLst>
-          </p:cNvPr>
-          <p:cNvSpPr>
-            <a:spLocks noGrp="1"/>
-          </p:cNvSpPr>
-          <p:nvPr>
-            <p:ph type="title"/>
-          </p:nvPr>
-        </p:nvSpPr>
-        <p:spPr/>
-        <p:txBody>
-          <a:bodyPr/>
-          <a:lstStyle/>
-          <a:p>
-            <a:endParaRPr lang="pt-BR"/>
-          </a:p>
-        </p:txBody>
-      </p:sp>
-      <p:sp>
-        <p:nvSpPr>
-          <p:cNvPr id="3" name="Espaço Reservado para Conteúdo 2">
-            <a:extLst>
-              <a:ext uri="{FF2B5EF4-FFF2-40B4-BE49-F238E27FC236}">
-                <a16:creationId xmlns:a16="http://schemas.microsoft.com/office/drawing/2014/main" id="{139ADDD6-6BAF-0757-3736-516A20794509}"/>
-              </a:ext>
-            </a:extLst>
-          </p:cNvPr>
-          <p:cNvSpPr>
-            <a:spLocks noGrp="1"/>
-          </p:cNvSpPr>
-          <p:nvPr>
-            <p:ph idx="1"/>
-          </p:nvPr>
-        </p:nvSpPr>
-        <p:spPr/>
-        <p:txBody>
-          <a:bodyPr/>
-          <a:lstStyle/>
-          <a:p>
-            <a:endParaRPr lang="pt-BR"/>
-          </a:p>
-        </p:txBody>
-      </p:sp>
-    </p:spTree>
-    <p:extLst>
-      <p:ext uri="{BB962C8B-B14F-4D97-AF65-F5344CB8AC3E}">
-        <p14:creationId xmlns:p14="http://schemas.microsoft.com/office/powerpoint/2010/main" val="4159868062"/>
-      </p:ext>
-    </p:extLst>
-  </p:cSld>
-  <p:clrMapOvr>
-    <a:masterClrMapping/>
-  </p:clrMapOvr>
-</p:sld>
-</file>
-
-<file path=ppt/slides/slide18.xml><?xml version="1.0" encoding="utf-8"?>
-<p:sld xmlns:a="http://schemas.openxmlformats.org/drawingml/2006/main" xmlns:r="http://schemas.openxmlformats.org/officeDocument/2006/relationships" xmlns:p="http://schemas.openxmlformats.org/presentationml/2006/main">
-  <p:cSld>
-    <p:spTree>
-      <p:nvGrpSpPr>
-        <p:cNvPr id="1" name=""/>
-        <p:cNvGrpSpPr/>
-        <p:nvPr/>
-      </p:nvGrpSpPr>
-      <p:grpSpPr>
-        <a:xfrm>
-          <a:off x="0" y="0"/>
-          <a:ext cx="0" cy="0"/>
-          <a:chOff x="0" y="0"/>
-          <a:chExt cx="0" cy="0"/>
-        </a:xfrm>
-      </p:grpSpPr>
-      <p:sp>
-        <p:nvSpPr>
-          <p:cNvPr id="2" name="Title 1"/>
-          <p:cNvSpPr>
-            <a:spLocks noGrp="1"/>
-          </p:cNvSpPr>
-          <p:nvPr>
-            <p:ph type="title"/>
-          </p:nvPr>
-        </p:nvSpPr>
-        <p:spPr>
-          <a:xfrm>
-            <a:off x="838200" y="245206"/>
-            <a:ext cx="10515600" cy="826648"/>
-          </a:xfrm>
-        </p:spPr>
-        <p:txBody>
-          <a:bodyPr/>
-          <a:lstStyle/>
-          <a:p>
-            <a:r>
-              <a:rPr lang="pt-BR" dirty="0"/>
-              <a:t>Holdout: Exemplo</a:t>
-            </a:r>
-          </a:p>
-        </p:txBody>
-      </p:sp>
-      <p:sp>
-        <p:nvSpPr>
-          <p:cNvPr id="3" name="Content Placeholder 2"/>
-          <p:cNvSpPr>
-            <a:spLocks noGrp="1"/>
-          </p:cNvSpPr>
-          <p:nvPr>
-            <p:ph idx="1"/>
-          </p:nvPr>
-        </p:nvSpPr>
-        <p:spPr>
-          <a:xfrm>
-            <a:off x="838200" y="4212236"/>
-            <a:ext cx="11213892" cy="2645764"/>
-          </a:xfrm>
-        </p:spPr>
-        <p:txBody>
-          <a:bodyPr>
-            <a:normAutofit fontScale="92500" lnSpcReduction="20000"/>
-          </a:bodyPr>
-          <a:lstStyle/>
-          <a:p>
-            <a:r>
-              <a:rPr lang="pt-BR" dirty="0"/>
-              <a:t>70% para conjunto de treinamento e 30% para conjunto de validação.</a:t>
-            </a:r>
-          </a:p>
-          <a:p>
-            <a:r>
-              <a:rPr lang="pt-BR" dirty="0"/>
-              <a:t>Tempo médio para execução com N = 100 é de aproximadamente 160 ms.</a:t>
-            </a:r>
-          </a:p>
-          <a:p>
-            <a:r>
-              <a:rPr lang="pt-BR" dirty="0"/>
-              <a:t>Erro de treinamento </a:t>
-            </a:r>
-            <a:r>
-              <a:rPr lang="pt-BR" b="1" i="1" dirty="0"/>
-              <a:t>diminui</a:t>
-            </a:r>
-            <a:r>
-              <a:rPr lang="pt-BR" dirty="0"/>
-              <a:t> conforme a ordem do polinômio aumenta. </a:t>
-            </a:r>
-          </a:p>
-          <a:p>
-            <a:r>
-              <a:rPr lang="pt-BR" dirty="0"/>
-              <a:t>Erro de validação </a:t>
-            </a:r>
-            <a:r>
-              <a:rPr lang="pt-BR" b="1" i="1" dirty="0"/>
-              <a:t>aumenta</a:t>
-            </a:r>
-            <a:r>
-              <a:rPr lang="pt-BR" dirty="0"/>
-              <a:t> conforme a ordem do polinômio aumenta.</a:t>
-            </a:r>
-          </a:p>
-          <a:p>
-            <a:r>
-              <a:rPr lang="pt-BR" dirty="0"/>
-              <a:t>Qual ordem escolher? </a:t>
-            </a:r>
-          </a:p>
-          <a:p>
-            <a:pPr lvl="1">
-              <a:buFont typeface="Wingdings" panose="05000000000000000000" pitchFamily="2" charset="2"/>
-              <a:buChar char="§"/>
-            </a:pPr>
-            <a:r>
-              <a:rPr lang="pt-BR" dirty="0"/>
-              <a:t>O ponto onde </a:t>
-            </a:r>
-            <a:r>
-              <a:rPr lang="pt-BR" b="1" i="1" dirty="0">
-                <a:solidFill>
-                  <a:srgbClr val="FF0000"/>
-                </a:solidFill>
-              </a:rPr>
-              <a:t>ambos</a:t>
-            </a:r>
-            <a:r>
-              <a:rPr lang="pt-BR" dirty="0">
-                <a:solidFill>
-                  <a:srgbClr val="FF0000"/>
-                </a:solidFill>
-              </a:rPr>
-              <a:t> </a:t>
-            </a:r>
-            <a:r>
-              <a:rPr lang="pt-BR" dirty="0"/>
-              <a:t>os erros sejam mínimos (balanço entre flexibilidade e grau de generalização) e com menor complexidade.</a:t>
-            </a:r>
-          </a:p>
-        </p:txBody>
-      </p:sp>
-      <p:sp>
-        <p:nvSpPr>
-          <p:cNvPr id="6" name="Rectangle 5"/>
-          <p:cNvSpPr/>
-          <p:nvPr/>
-        </p:nvSpPr>
-        <p:spPr>
-          <a:xfrm>
-            <a:off x="9199025" y="6519446"/>
-            <a:ext cx="2326599" cy="276999"/>
-          </a:xfrm>
-          <a:prstGeom prst="rect">
-            <a:avLst/>
-          </a:prstGeom>
-        </p:spPr>
-        <p:txBody>
-          <a:bodyPr wrap="none">
-            <a:spAutoFit/>
-          </a:bodyPr>
-          <a:lstStyle/>
-          <a:p>
-            <a:r>
-              <a:rPr lang="pt-BR" sz="1200" dirty="0">
-                <a:solidFill>
-                  <a:schemeClr val="accent5"/>
-                </a:solidFill>
-                <a:hlinkClick r:id="rId3"/>
-              </a:rPr>
-              <a:t>Exemplo: validacao_cruzada.ipynb</a:t>
-            </a:r>
-            <a:endParaRPr lang="pt-BR" sz="1200" dirty="0">
-              <a:solidFill>
-                <a:schemeClr val="accent5"/>
-              </a:solidFill>
-            </a:endParaRPr>
-          </a:p>
-        </p:txBody>
-      </p:sp>
-      <p:pic>
-        <p:nvPicPr>
-          <p:cNvPr id="5" name="Picture 4"/>
-          <p:cNvPicPr>
-            <a:picLocks noChangeAspect="1"/>
-          </p:cNvPicPr>
-          <p:nvPr/>
-        </p:nvPicPr>
-        <p:blipFill rotWithShape="1">
-          <a:blip r:embed="rId4" cstate="print">
-            <a:extLst>
-              <a:ext uri="{28A0092B-C50C-407E-A947-70E740481C1C}">
-                <a14:useLocalDpi xmlns:a14="http://schemas.microsoft.com/office/drawing/2010/main" val="0"/>
-              </a:ext>
-            </a:extLst>
-          </a:blip>
-          <a:srcRect l="3643" t="9980" r="9471"/>
-          <a:stretch/>
-        </p:blipFill>
-        <p:spPr>
-          <a:xfrm>
-            <a:off x="738184" y="1191773"/>
-            <a:ext cx="4169616" cy="2880039"/>
-          </a:xfrm>
-          <a:prstGeom prst="rect">
-            <a:avLst/>
-          </a:prstGeom>
-        </p:spPr>
-      </p:pic>
-      <p:pic>
-        <p:nvPicPr>
-          <p:cNvPr id="9" name="Picture 8"/>
-          <p:cNvPicPr>
-            <a:picLocks noChangeAspect="1"/>
-          </p:cNvPicPr>
-          <p:nvPr/>
-        </p:nvPicPr>
-        <p:blipFill rotWithShape="1">
-          <a:blip r:embed="rId5" cstate="print">
-            <a:extLst>
-              <a:ext uri="{28A0092B-C50C-407E-A947-70E740481C1C}">
-                <a14:useLocalDpi xmlns:a14="http://schemas.microsoft.com/office/drawing/2010/main" val="0"/>
-              </a:ext>
-            </a:extLst>
-          </a:blip>
-          <a:srcRect l="1799" t="6292" r="8311"/>
-          <a:stretch/>
-        </p:blipFill>
-        <p:spPr>
-          <a:xfrm>
-            <a:off x="7721100" y="1191773"/>
-            <a:ext cx="4144049" cy="2880039"/>
-          </a:xfrm>
-          <a:prstGeom prst="rect">
-            <a:avLst/>
-          </a:prstGeom>
-        </p:spPr>
-      </p:pic>
-      <mc:AlternateContent xmlns:mc="http://schemas.openxmlformats.org/markup-compatibility/2006" xmlns:a14="http://schemas.microsoft.com/office/drawing/2010/main">
-        <mc:Choice Requires="a14">
-          <p:sp>
-            <p:nvSpPr>
-              <p:cNvPr id="10" name="Rectangle 9"/>
-              <p:cNvSpPr/>
-              <p:nvPr/>
-            </p:nvSpPr>
-            <p:spPr>
-              <a:xfrm>
-                <a:off x="4836359" y="1970073"/>
-                <a:ext cx="2940749" cy="1101584"/>
-              </a:xfrm>
-              <a:prstGeom prst="rect">
-                <a:avLst/>
-              </a:prstGeom>
-            </p:spPr>
-            <p:txBody>
-              <a:bodyPr wrap="square">
-                <a:spAutoFit/>
-              </a:bodyPr>
-              <a:lstStyle/>
-              <a:p>
-                <a:pPr algn="ctr"/>
-                <a:r>
-                  <a:rPr lang="pt-BR" sz="1600" dirty="0"/>
-                  <a:t>Função observável é um polinômio de segunda ordem mais ruído Gaussiano branco, </a:t>
-                </a:r>
-                <a14:m>
-                  <m:oMath xmlns:m="http://schemas.openxmlformats.org/officeDocument/2006/math">
-                    <m:r>
-                      <a:rPr lang="pt-BR" sz="1600" i="1">
-                        <a:latin typeface="Cambria Math" panose="02040503050406030204" pitchFamily="18" charset="0"/>
-                      </a:rPr>
-                      <m:t>𝑤</m:t>
-                    </m:r>
-                  </m:oMath>
-                </a14:m>
-                <a:r>
-                  <a:rPr lang="pt-BR" sz="1600" dirty="0"/>
-                  <a:t>.</a:t>
-                </a:r>
-              </a:p>
-              <a:p>
-                <a:pPr algn="ctr"/>
-                <a:r>
-                  <a:rPr lang="pt-BR" sz="1600" dirty="0"/>
-                  <a:t> </a:t>
-                </a:r>
-                <a14:m>
-                  <m:oMath xmlns:m="http://schemas.openxmlformats.org/officeDocument/2006/math">
-                    <m:sSub>
-                      <m:sSubPr>
-                        <m:ctrlPr>
-                          <a:rPr lang="pt-BR" sz="1600" i="1">
-                            <a:latin typeface="Cambria Math" panose="02040503050406030204" pitchFamily="18" charset="0"/>
-                          </a:rPr>
-                        </m:ctrlPr>
-                      </m:sSubPr>
-                      <m:e>
-                        <m:r>
-                          <a:rPr lang="pt-BR" sz="1600" i="1">
-                            <a:latin typeface="Cambria Math" panose="02040503050406030204" pitchFamily="18" charset="0"/>
-                          </a:rPr>
-                          <m:t>𝑦</m:t>
-                        </m:r>
-                      </m:e>
-                      <m:sub>
-                        <m:r>
-                          <a:rPr lang="pt-BR" sz="1600" i="1">
-                            <a:latin typeface="Cambria Math" panose="02040503050406030204" pitchFamily="18" charset="0"/>
-                          </a:rPr>
-                          <m:t>𝑛𝑜𝑖𝑠𝑦</m:t>
-                        </m:r>
-                      </m:sub>
-                    </m:sSub>
-                    <m:r>
-                      <a:rPr lang="pt-BR" sz="1600">
-                        <a:latin typeface="Cambria Math" panose="02040503050406030204" pitchFamily="18" charset="0"/>
-                      </a:rPr>
-                      <m:t>=2+</m:t>
-                    </m:r>
-                    <m:r>
-                      <a:rPr lang="pt-BR" sz="1600" i="1">
-                        <a:latin typeface="Cambria Math" panose="02040503050406030204" pitchFamily="18" charset="0"/>
-                      </a:rPr>
-                      <m:t>𝑥</m:t>
-                    </m:r>
-                    <m:r>
-                      <a:rPr lang="pt-BR" sz="1600" i="1">
-                        <a:latin typeface="Cambria Math" panose="02040503050406030204" pitchFamily="18" charset="0"/>
-                      </a:rPr>
-                      <m:t>+0.5</m:t>
-                    </m:r>
-                    <m:sSup>
-                      <m:sSupPr>
-                        <m:ctrlPr>
-                          <a:rPr lang="pt-BR" sz="1600" i="1">
-                            <a:latin typeface="Cambria Math" panose="02040503050406030204" pitchFamily="18" charset="0"/>
-                          </a:rPr>
-                        </m:ctrlPr>
-                      </m:sSupPr>
-                      <m:e>
-                        <m:r>
-                          <a:rPr lang="pt-BR" sz="1600" i="1">
-                            <a:latin typeface="Cambria Math" panose="02040503050406030204" pitchFamily="18" charset="0"/>
-                          </a:rPr>
-                          <m:t>𝑥</m:t>
-                        </m:r>
-                      </m:e>
-                      <m:sup>
-                        <m:r>
-                          <a:rPr lang="pt-BR" sz="1600" i="1">
-                            <a:latin typeface="Cambria Math" panose="02040503050406030204" pitchFamily="18" charset="0"/>
-                          </a:rPr>
-                          <m:t>2</m:t>
-                        </m:r>
-                      </m:sup>
-                    </m:sSup>
-                    <m:r>
-                      <a:rPr lang="pt-BR" sz="1600">
-                        <a:latin typeface="Cambria Math" panose="02040503050406030204" pitchFamily="18" charset="0"/>
-                      </a:rPr>
-                      <m:t>+</m:t>
-                    </m:r>
-                    <m:r>
-                      <a:rPr lang="pt-BR" sz="1600" i="1">
-                        <a:latin typeface="Cambria Math" panose="02040503050406030204" pitchFamily="18" charset="0"/>
-                      </a:rPr>
-                      <m:t>𝑤</m:t>
-                    </m:r>
-                  </m:oMath>
-                </a14:m>
-                <a:endParaRPr lang="pt-BR" sz="1600" i="1" dirty="0"/>
-              </a:p>
-            </p:txBody>
-          </p:sp>
-        </mc:Choice>
-        <mc:Fallback xmlns="">
-          <p:sp>
-            <p:nvSpPr>
-              <p:cNvPr id="10" name="Rectangle 9"/>
-              <p:cNvSpPr>
-                <a:spLocks noRot="1" noChangeAspect="1" noMove="1" noResize="1" noEditPoints="1" noAdjustHandles="1" noChangeArrowheads="1" noChangeShapeType="1" noTextEdit="1"/>
-              </p:cNvSpPr>
-              <p:nvPr/>
-            </p:nvSpPr>
-            <p:spPr>
-              <a:xfrm>
-                <a:off x="4836359" y="1970073"/>
-                <a:ext cx="2940749" cy="1101584"/>
-              </a:xfrm>
-              <a:prstGeom prst="rect">
-                <a:avLst/>
-              </a:prstGeom>
-              <a:blipFill rotWithShape="0">
-                <a:blip r:embed="rId6"/>
-                <a:stretch>
-                  <a:fillRect t="-1657" b="-1105"/>
-                </a:stretch>
-              </a:blipFill>
-            </p:spPr>
-            <p:txBody>
-              <a:bodyPr/>
-              <a:lstStyle/>
-              <a:p>
-                <a:r>
-                  <a:rPr lang="pt-BR">
-                    <a:noFill/>
-                  </a:rPr>
-                  <a:t> </a:t>
-                </a:r>
-              </a:p>
-            </p:txBody>
-          </p:sp>
-        </mc:Fallback>
-      </mc:AlternateContent>
-      <p:sp>
-        <p:nvSpPr>
-          <p:cNvPr id="11" name="TextBox 10"/>
-          <p:cNvSpPr txBox="1"/>
-          <p:nvPr/>
-        </p:nvSpPr>
-        <p:spPr>
-          <a:xfrm>
-            <a:off x="7241933" y="712795"/>
-            <a:ext cx="1228870" cy="338554"/>
-          </a:xfrm>
-          <a:prstGeom prst="rect">
-            <a:avLst/>
-          </a:prstGeom>
-          <a:noFill/>
-        </p:spPr>
-        <p:txBody>
-          <a:bodyPr wrap="square" rtlCol="0">
-            <a:spAutoFit/>
-          </a:bodyPr>
-          <a:lstStyle/>
-          <a:p>
-            <a:pPr algn="ctr"/>
-            <a:r>
-              <a:rPr lang="pt-BR" sz="1600" b="1" dirty="0"/>
-              <a:t>subajuste</a:t>
-            </a:r>
-          </a:p>
-        </p:txBody>
-      </p:sp>
-      <p:cxnSp>
-        <p:nvCxnSpPr>
-          <p:cNvPr id="13" name="Straight Arrow Connector 12"/>
-          <p:cNvCxnSpPr/>
-          <p:nvPr/>
-        </p:nvCxnSpPr>
-        <p:spPr>
-          <a:xfrm>
-            <a:off x="7854846" y="1071854"/>
-            <a:ext cx="344773" cy="1559938"/>
-          </a:xfrm>
-          <a:prstGeom prst="straightConnector1">
-            <a:avLst/>
-          </a:prstGeom>
-          <a:ln w="28575">
-            <a:solidFill>
-              <a:srgbClr val="FF0000"/>
-            </a:solidFill>
-            <a:tailEnd type="triangle"/>
-          </a:ln>
-        </p:spPr>
-        <p:style>
-          <a:lnRef idx="1">
-            <a:schemeClr val="accent1"/>
-          </a:lnRef>
-          <a:fillRef idx="0">
-            <a:schemeClr val="accent1"/>
-          </a:fillRef>
-          <a:effectRef idx="0">
-            <a:schemeClr val="accent1"/>
-          </a:effectRef>
-          <a:fontRef idx="minor">
-            <a:schemeClr val="tx1"/>
-          </a:fontRef>
-        </p:style>
-      </p:cxnSp>
-      <p:sp>
-        <p:nvSpPr>
-          <p:cNvPr id="15" name="TextBox 14"/>
-          <p:cNvSpPr txBox="1"/>
-          <p:nvPr/>
-        </p:nvSpPr>
-        <p:spPr>
-          <a:xfrm>
-            <a:off x="9875207" y="489253"/>
-            <a:ext cx="1228870" cy="338554"/>
-          </a:xfrm>
-          <a:prstGeom prst="rect">
-            <a:avLst/>
-          </a:prstGeom>
-          <a:noFill/>
-        </p:spPr>
-        <p:txBody>
-          <a:bodyPr wrap="square" rtlCol="0">
-            <a:spAutoFit/>
-          </a:bodyPr>
-          <a:lstStyle/>
-          <a:p>
-            <a:pPr algn="ctr"/>
-            <a:r>
-              <a:rPr lang="pt-BR" sz="1600" b="1" dirty="0"/>
-              <a:t>sobreajuste</a:t>
-            </a:r>
-          </a:p>
-        </p:txBody>
-      </p:sp>
-      <p:sp>
-        <p:nvSpPr>
-          <p:cNvPr id="17" name="Oval 16"/>
-          <p:cNvSpPr/>
-          <p:nvPr/>
-        </p:nvSpPr>
-        <p:spPr>
-          <a:xfrm>
-            <a:off x="8064708" y="2631792"/>
-            <a:ext cx="269823" cy="922913"/>
-          </a:xfrm>
-          <a:prstGeom prst="ellipse">
-            <a:avLst/>
-          </a:prstGeom>
-          <a:noFill/>
-          <a:ln>
-            <a:solidFill>
-              <a:srgbClr val="FF0000"/>
-            </a:solidFill>
-          </a:ln>
-        </p:spPr>
-        <p:style>
-          <a:lnRef idx="2">
-            <a:schemeClr val="accent1">
-              <a:shade val="50000"/>
-            </a:schemeClr>
-          </a:lnRef>
-          <a:fillRef idx="1">
-            <a:schemeClr val="accent1"/>
-          </a:fillRef>
-          <a:effectRef idx="0">
-            <a:schemeClr val="accent1"/>
-          </a:effectRef>
-          <a:fontRef idx="minor">
-            <a:schemeClr val="lt1"/>
-          </a:fontRef>
-        </p:style>
-        <p:txBody>
-          <a:bodyPr rtlCol="0" anchor="ctr"/>
-          <a:lstStyle/>
-          <a:p>
-            <a:pPr algn="ctr"/>
-            <a:endParaRPr lang="pt-BR"/>
-          </a:p>
-        </p:txBody>
-      </p:sp>
-      <p:sp>
-        <p:nvSpPr>
-          <p:cNvPr id="20" name="Oval 19"/>
-          <p:cNvSpPr/>
-          <p:nvPr/>
-        </p:nvSpPr>
-        <p:spPr>
-          <a:xfrm rot="5400000">
-            <a:off x="10005188" y="1655610"/>
-            <a:ext cx="1070720" cy="3023085"/>
-          </a:xfrm>
-          <a:prstGeom prst="ellipse">
-            <a:avLst/>
-          </a:prstGeom>
-          <a:noFill/>
-          <a:ln>
-            <a:solidFill>
-              <a:srgbClr val="FF0000"/>
-            </a:solidFill>
-          </a:ln>
-        </p:spPr>
-        <p:style>
-          <a:lnRef idx="2">
-            <a:schemeClr val="accent1">
-              <a:shade val="50000"/>
-            </a:schemeClr>
-          </a:lnRef>
-          <a:fillRef idx="1">
-            <a:schemeClr val="accent1"/>
-          </a:fillRef>
-          <a:effectRef idx="0">
-            <a:schemeClr val="accent1"/>
-          </a:effectRef>
-          <a:fontRef idx="minor">
-            <a:schemeClr val="lt1"/>
-          </a:fontRef>
-        </p:style>
-        <p:txBody>
-          <a:bodyPr rtlCol="0" anchor="ctr"/>
-          <a:lstStyle/>
-          <a:p>
-            <a:pPr algn="ctr"/>
-            <a:endParaRPr lang="pt-BR"/>
-          </a:p>
-        </p:txBody>
-      </p:sp>
-      <p:cxnSp>
-        <p:nvCxnSpPr>
-          <p:cNvPr id="21" name="Straight Arrow Connector 20"/>
-          <p:cNvCxnSpPr/>
-          <p:nvPr/>
-        </p:nvCxnSpPr>
-        <p:spPr>
-          <a:xfrm>
-            <a:off x="10489642" y="816993"/>
-            <a:ext cx="228325" cy="1814799"/>
-          </a:xfrm>
-          <a:prstGeom prst="straightConnector1">
-            <a:avLst/>
-          </a:prstGeom>
-          <a:ln w="28575">
-            <a:solidFill>
-              <a:srgbClr val="FF0000"/>
-            </a:solidFill>
-            <a:tailEnd type="triangle"/>
-          </a:ln>
-        </p:spPr>
-        <p:style>
-          <a:lnRef idx="1">
-            <a:schemeClr val="accent1"/>
-          </a:lnRef>
-          <a:fillRef idx="0">
-            <a:schemeClr val="accent1"/>
-          </a:fillRef>
-          <a:effectRef idx="0">
-            <a:schemeClr val="accent1"/>
-          </a:effectRef>
-          <a:fontRef idx="minor">
-            <a:schemeClr val="tx1"/>
-          </a:fontRef>
-        </p:style>
-      </p:cxnSp>
-      <p:sp>
-        <p:nvSpPr>
-          <p:cNvPr id="23" name="TextBox 22"/>
-          <p:cNvSpPr txBox="1"/>
-          <p:nvPr/>
-        </p:nvSpPr>
-        <p:spPr>
-          <a:xfrm>
-            <a:off x="8228030" y="921437"/>
-            <a:ext cx="3392470" cy="338554"/>
-          </a:xfrm>
-          <a:prstGeom prst="rect">
-            <a:avLst/>
-          </a:prstGeom>
-          <a:noFill/>
-        </p:spPr>
-        <p:txBody>
-          <a:bodyPr wrap="square" rtlCol="0">
-            <a:spAutoFit/>
-          </a:bodyPr>
-          <a:lstStyle/>
-          <a:p>
-            <a:pPr algn="ctr"/>
-            <a:r>
-              <a:rPr lang="pt-BR" sz="1600" b="1" dirty="0"/>
-              <a:t>Ponto ótimo </a:t>
-            </a:r>
-            <a:r>
-              <a:rPr lang="pt-BR" sz="1600" dirty="0"/>
-              <a:t>(mudança de tendência)</a:t>
-            </a:r>
-          </a:p>
-        </p:txBody>
-      </p:sp>
-      <p:cxnSp>
-        <p:nvCxnSpPr>
-          <p:cNvPr id="24" name="Straight Arrow Connector 23"/>
-          <p:cNvCxnSpPr/>
-          <p:nvPr/>
-        </p:nvCxnSpPr>
-        <p:spPr>
-          <a:xfrm flipH="1">
-            <a:off x="8763505" y="1154418"/>
-            <a:ext cx="282314" cy="1139947"/>
-          </a:xfrm>
-          <a:prstGeom prst="straightConnector1">
-            <a:avLst/>
-          </a:prstGeom>
-          <a:ln w="28575">
-            <a:solidFill>
-              <a:srgbClr val="FF0000"/>
-            </a:solidFill>
-            <a:tailEnd type="triangle"/>
-          </a:ln>
-        </p:spPr>
-        <p:style>
-          <a:lnRef idx="1">
-            <a:schemeClr val="accent1"/>
-          </a:lnRef>
-          <a:fillRef idx="0">
-            <a:schemeClr val="accent1"/>
-          </a:fillRef>
-          <a:effectRef idx="0">
-            <a:schemeClr val="accent1"/>
-          </a:effectRef>
-          <a:fontRef idx="minor">
-            <a:schemeClr val="tx1"/>
-          </a:fontRef>
-        </p:style>
-      </p:cxnSp>
-      <p:sp>
-        <p:nvSpPr>
-          <p:cNvPr id="27" name="Oval 26"/>
-          <p:cNvSpPr/>
-          <p:nvPr/>
-        </p:nvSpPr>
-        <p:spPr>
-          <a:xfrm>
-            <a:off x="8604209" y="2255519"/>
-            <a:ext cx="269823" cy="274321"/>
-          </a:xfrm>
-          <a:prstGeom prst="ellipse">
-            <a:avLst/>
-          </a:prstGeom>
-          <a:noFill/>
-          <a:ln>
-            <a:solidFill>
-              <a:srgbClr val="FF0000"/>
-            </a:solidFill>
-          </a:ln>
-        </p:spPr>
-        <p:style>
-          <a:lnRef idx="2">
-            <a:schemeClr val="accent1">
-              <a:shade val="50000"/>
-            </a:schemeClr>
-          </a:lnRef>
-          <a:fillRef idx="1">
-            <a:schemeClr val="accent1"/>
-          </a:fillRef>
-          <a:effectRef idx="0">
-            <a:schemeClr val="accent1"/>
-          </a:effectRef>
-          <a:fontRef idx="minor">
-            <a:schemeClr val="lt1"/>
-          </a:fontRef>
-        </p:style>
-        <p:txBody>
-          <a:bodyPr rtlCol="0" anchor="ctr"/>
-          <a:lstStyle/>
-          <a:p>
-            <a:pPr algn="ctr"/>
-            <a:endParaRPr lang="pt-BR"/>
-          </a:p>
-        </p:txBody>
-      </p:sp>
-    </p:spTree>
-    <p:extLst>
-      <p:ext uri="{BB962C8B-B14F-4D97-AF65-F5344CB8AC3E}">
-        <p14:creationId xmlns:p14="http://schemas.microsoft.com/office/powerpoint/2010/main" val="2713341377"/>
-      </p:ext>
-    </p:extLst>
-  </p:cSld>
-  <p:clrMapOvr>
-    <a:masterClrMapping/>
-  </p:clrMapOvr>
-</p:sld>
-</file>
-
-<file path=ppt/slides/slide19.xml><?xml version="1.0" encoding="utf-8"?>
-<p:sld xmlns:a="http://schemas.openxmlformats.org/drawingml/2006/main" xmlns:r="http://schemas.openxmlformats.org/officeDocument/2006/relationships" xmlns:p="http://schemas.openxmlformats.org/presentationml/2006/main">
-  <p:cSld>
-    <p:spTree>
-      <p:nvGrpSpPr>
-        <p:cNvPr id="1" name=""/>
-        <p:cNvGrpSpPr/>
-        <p:nvPr/>
-      </p:nvGrpSpPr>
-      <p:grpSpPr>
-        <a:xfrm>
-          <a:off x="0" y="0"/>
-          <a:ext cx="0" cy="0"/>
-          <a:chOff x="0" y="0"/>
-          <a:chExt cx="0" cy="0"/>
-        </a:xfrm>
-      </p:grpSpPr>
-      <p:sp>
-        <p:nvSpPr>
-          <p:cNvPr id="2" name="Title 1"/>
-          <p:cNvSpPr>
-            <a:spLocks noGrp="1"/>
-          </p:cNvSpPr>
-          <p:nvPr>
-            <p:ph type="title"/>
-          </p:nvPr>
-        </p:nvSpPr>
-        <p:spPr>
-          <a:xfrm>
-            <a:off x="838200" y="214297"/>
-            <a:ext cx="10515600" cy="1020615"/>
-          </a:xfrm>
-        </p:spPr>
-        <p:txBody>
-          <a:bodyPr/>
-          <a:lstStyle/>
-          <a:p>
-            <a:r>
-              <a:rPr lang="pt-BR" dirty="0"/>
-              <a:t>k-Fold</a:t>
-            </a:r>
-          </a:p>
-        </p:txBody>
-      </p:sp>
-      <p:sp>
-        <p:nvSpPr>
-          <p:cNvPr id="3" name="Content Placeholder 2"/>
-          <p:cNvSpPr>
-            <a:spLocks noGrp="1"/>
-          </p:cNvSpPr>
-          <p:nvPr>
-            <p:ph idx="1"/>
-          </p:nvPr>
-        </p:nvSpPr>
-        <p:spPr>
-          <a:xfrm>
-            <a:off x="838199" y="1527142"/>
-            <a:ext cx="11167873" cy="5330858"/>
-          </a:xfrm>
-        </p:spPr>
-        <p:txBody>
-          <a:bodyPr>
-            <a:normAutofit/>
-          </a:bodyPr>
-          <a:lstStyle/>
-          <a:p>
-            <a:r>
-              <a:rPr lang="pt-BR" sz="2400" dirty="0"/>
-              <a:t>Como regra geral, normalmente, se utiliza </a:t>
-            </a:r>
-            <a:r>
-              <a:rPr lang="pt-BR" sz="2400" b="1" i="1" dirty="0"/>
-              <a:t>k</a:t>
-            </a:r>
-            <a:r>
-              <a:rPr lang="pt-BR" sz="2400" dirty="0"/>
-              <a:t> = 5 ou 10.</a:t>
-            </a:r>
-          </a:p>
-          <a:p>
-            <a:r>
-              <a:rPr lang="pt-BR" sz="2400" dirty="0"/>
-              <a:t>Porém, tenha em mente que o valor de </a:t>
-            </a:r>
-            <a:r>
-              <a:rPr lang="pt-BR" sz="2400" b="1" i="1" dirty="0"/>
-              <a:t>k</a:t>
-            </a:r>
-            <a:r>
-              <a:rPr lang="pt-BR" sz="2400" dirty="0"/>
-              <a:t> deve ser escolhido de forma que os conjuntos de treinamento e validação sejam grandes o suficiente para serem </a:t>
-            </a:r>
-            <a:r>
-              <a:rPr lang="pt-BR" sz="2400" b="1" i="1" dirty="0"/>
-              <a:t>estatisticamente representativos </a:t>
-            </a:r>
-            <a:r>
-              <a:rPr lang="pt-BR" sz="2400" dirty="0"/>
-              <a:t>do mapeamento verdadeiro.</a:t>
-            </a:r>
-          </a:p>
-          <a:p>
-            <a:r>
-              <a:rPr lang="pt-BR" sz="2400" dirty="0"/>
-              <a:t>O k-</a:t>
-            </a:r>
-            <a:r>
-              <a:rPr lang="pt-BR" sz="2400" dirty="0" err="1"/>
-              <a:t>Fold</a:t>
-            </a:r>
-            <a:r>
-              <a:rPr lang="pt-BR" sz="2400" dirty="0"/>
-              <a:t> é bastante útil quando se tem conjuntos de dados pequenos a moderados.</a:t>
-            </a:r>
-          </a:p>
-          <a:p>
-            <a:r>
-              <a:rPr lang="pt-BR" sz="2400" b="1" dirty="0"/>
-              <a:t>Vantagem</a:t>
-            </a:r>
-          </a:p>
-          <a:p>
-            <a:pPr lvl="1">
-              <a:buFont typeface="Wingdings" panose="05000000000000000000" pitchFamily="2" charset="2"/>
-              <a:buChar char="§"/>
-            </a:pPr>
-            <a:r>
-              <a:rPr lang="pt-BR" dirty="0"/>
-              <a:t>Reduz significativamente o problema do </a:t>
-            </a:r>
-            <a:r>
-              <a:rPr lang="pt-BR" b="1" i="1" dirty="0"/>
-              <a:t>viés de seleção</a:t>
-            </a:r>
-            <a:r>
-              <a:rPr lang="pt-BR" dirty="0"/>
-              <a:t> em relação ao </a:t>
-            </a:r>
-            <a:r>
-              <a:rPr lang="pt-BR" b="1" i="1" dirty="0"/>
-              <a:t>holdout</a:t>
-            </a:r>
-            <a:r>
-              <a:rPr lang="pt-BR" dirty="0"/>
-              <a:t>.</a:t>
-            </a:r>
-          </a:p>
-          <a:p>
-            <a:pPr lvl="2">
-              <a:buFont typeface="Courier New" panose="02070309020205020404" pitchFamily="49" charset="0"/>
-              <a:buChar char="o"/>
-            </a:pPr>
-            <a:r>
-              <a:rPr lang="pt-BR" dirty="0"/>
-              <a:t>Pois faz-se a avaliação do modelo através de uma média de </a:t>
-            </a:r>
-            <a:r>
-              <a:rPr lang="pt-BR" b="1" i="1" dirty="0"/>
-              <a:t>k</a:t>
-            </a:r>
-            <a:r>
-              <a:rPr lang="pt-BR" dirty="0"/>
-              <a:t> avaliações.</a:t>
-            </a:r>
-          </a:p>
-          <a:p>
-            <a:pPr lvl="2">
-              <a:buFont typeface="Courier New" panose="02070309020205020404" pitchFamily="49" charset="0"/>
-              <a:buChar char="o"/>
-            </a:pPr>
-            <a:r>
-              <a:rPr lang="pt-BR" dirty="0"/>
-              <a:t>Todos os exemplos do conjunto total de dados aparecem nos conjuntos de treinamento e validação.</a:t>
-            </a:r>
-          </a:p>
-          <a:p>
-            <a:r>
-              <a:rPr lang="pt-BR" sz="2400" b="1" dirty="0"/>
-              <a:t>Desvantagem</a:t>
-            </a:r>
-            <a:endParaRPr lang="pt-BR" sz="2400" dirty="0"/>
-          </a:p>
-          <a:p>
-            <a:pPr lvl="1">
-              <a:buFont typeface="Wingdings" panose="05000000000000000000" pitchFamily="2" charset="2"/>
-              <a:buChar char="§"/>
-            </a:pPr>
-            <a:r>
-              <a:rPr lang="pt-BR" dirty="0"/>
-              <a:t>O treinamento deve ser executado novamente do zero </a:t>
-            </a:r>
-            <a:r>
-              <a:rPr lang="pt-BR" b="1" i="1" dirty="0"/>
-              <a:t>k</a:t>
-            </a:r>
-            <a:r>
-              <a:rPr lang="pt-BR" dirty="0"/>
-              <a:t> vezes, o que significa que leva-se aproximadamente </a:t>
-            </a:r>
-            <a:r>
-              <a:rPr lang="pt-BR" b="1" i="1" dirty="0"/>
-              <a:t>k</a:t>
-            </a:r>
-            <a:r>
-              <a:rPr lang="pt-BR" dirty="0"/>
-              <a:t> vezes mais tempo que o </a:t>
-            </a:r>
-            <a:r>
-              <a:rPr lang="pt-BR" b="1" i="1" dirty="0"/>
-              <a:t>holdout</a:t>
-            </a:r>
-            <a:r>
-              <a:rPr lang="pt-BR" dirty="0"/>
-              <a:t> para se realizar a avaliação do modelo (treinamento + validação).</a:t>
-            </a:r>
-          </a:p>
-        </p:txBody>
-      </p:sp>
-    </p:spTree>
-    <p:extLst>
-      <p:ext uri="{BB962C8B-B14F-4D97-AF65-F5344CB8AC3E}">
-        <p14:creationId xmlns:p14="http://schemas.microsoft.com/office/powerpoint/2010/main" val="2000057164"/>
-      </p:ext>
-    </p:extLst>
-  </p:cSld>
-  <p:clrMapOvr>
-    <a:masterClrMapping/>
-  </p:clrMapOvr>
-</p:sld>
-</file>
-
-<file path=ppt/slides/slide2.xml><?xml version="1.0" encoding="utf-8"?>
-<p:sld xmlns:a="http://schemas.openxmlformats.org/drawingml/2006/main" xmlns:r="http://schemas.openxmlformats.org/officeDocument/2006/relationships" xmlns:p="http://schemas.openxmlformats.org/presentationml/2006/main">
-  <p:cSld>
-    <p:spTree>
-      <p:nvGrpSpPr>
-        <p:cNvPr id="1" name=""/>
-        <p:cNvGrpSpPr/>
-        <p:nvPr/>
-      </p:nvGrpSpPr>
-      <p:grpSpPr>
-        <a:xfrm>
-          <a:off x="0" y="0"/>
-          <a:ext cx="0" cy="0"/>
-          <a:chOff x="0" y="0"/>
-          <a:chExt cx="0" cy="0"/>
-        </a:xfrm>
-      </p:grpSpPr>
-      <p:sp>
-        <p:nvSpPr>
-          <p:cNvPr id="2" name="Title 1"/>
-          <p:cNvSpPr>
-            <a:spLocks noGrp="1"/>
-          </p:cNvSpPr>
-          <p:nvPr>
-            <p:ph type="title"/>
-          </p:nvPr>
-        </p:nvSpPr>
-        <p:spPr/>
-        <p:txBody>
-          <a:bodyPr/>
-          <a:lstStyle/>
-          <a:p>
-            <a:r>
-              <a:rPr lang="pt-BR" dirty="0"/>
-              <a:t>Recapitulando</a:t>
-            </a:r>
-          </a:p>
-        </p:txBody>
-      </p:sp>
-      <p:sp>
-        <p:nvSpPr>
-          <p:cNvPr id="3" name="Content Placeholder 2"/>
-          <p:cNvSpPr>
-            <a:spLocks noGrp="1"/>
-          </p:cNvSpPr>
-          <p:nvPr>
-            <p:ph idx="1"/>
-          </p:nvPr>
-        </p:nvSpPr>
-        <p:spPr>
-          <a:xfrm>
-            <a:off x="838199" y="1825624"/>
-            <a:ext cx="11162123" cy="5032376"/>
-          </a:xfrm>
-        </p:spPr>
-        <p:txBody>
-          <a:bodyPr>
-            <a:normAutofit/>
-          </a:bodyPr>
-          <a:lstStyle/>
-          <a:p>
-            <a:r>
-              <a:rPr lang="pt-BR" dirty="0"/>
-              <a:t>Vimos que o </a:t>
-            </a:r>
-            <a:r>
-              <a:rPr lang="pt-BR" b="1" i="1" dirty="0">
-                <a:solidFill>
-                  <a:srgbClr val="7030A0"/>
-                </a:solidFill>
-              </a:rPr>
-              <a:t>escalonamento de atributos</a:t>
-            </a:r>
-            <a:r>
-              <a:rPr lang="pt-BR" dirty="0"/>
-              <a:t> </a:t>
-            </a:r>
-            <a:r>
-              <a:rPr lang="pt-BR" b="1" i="1" dirty="0">
-                <a:solidFill>
-                  <a:srgbClr val="00B050"/>
-                </a:solidFill>
-              </a:rPr>
-              <a:t>acelerara o aprendizado do GD </a:t>
-            </a:r>
-            <a:r>
-              <a:rPr lang="pt-BR" dirty="0"/>
-              <a:t>quando os atributos têm intervalos de variação muito diferentes.</a:t>
-            </a:r>
-          </a:p>
-          <a:p>
-            <a:r>
-              <a:rPr lang="pt-BR" dirty="0"/>
-              <a:t>Aprendemos que </a:t>
-            </a:r>
-            <a:r>
-              <a:rPr lang="pt-BR" b="1" i="1" dirty="0">
-                <a:solidFill>
-                  <a:srgbClr val="7030A0"/>
-                </a:solidFill>
-              </a:rPr>
-              <a:t>funções hipótese polinomiais</a:t>
-            </a:r>
-            <a:r>
-              <a:rPr lang="pt-BR" b="1" i="1" dirty="0"/>
-              <a:t> </a:t>
-            </a:r>
-            <a:r>
-              <a:rPr lang="pt-BR" dirty="0"/>
-              <a:t>podem ser utilizadas para </a:t>
-            </a:r>
-            <a:r>
-              <a:rPr lang="pt-BR" b="1" i="1" dirty="0">
-                <a:solidFill>
-                  <a:srgbClr val="00B050"/>
-                </a:solidFill>
-              </a:rPr>
-              <a:t>aproximar comportamentos não-lineares</a:t>
-            </a:r>
-            <a:r>
-              <a:rPr lang="pt-BR" dirty="0"/>
-              <a:t>.</a:t>
-            </a:r>
-          </a:p>
-          <a:p>
-            <a:r>
-              <a:rPr lang="pt-BR" dirty="0"/>
-              <a:t>Porém, precisamos </a:t>
-            </a:r>
-            <a:r>
-              <a:rPr lang="pt-BR" b="1" i="1" dirty="0">
-                <a:solidFill>
-                  <a:srgbClr val="002060"/>
-                </a:solidFill>
-              </a:rPr>
-              <a:t>encontrar o grau ideal do polinômio aproximador</a:t>
-            </a:r>
-            <a:r>
-              <a:rPr lang="pt-BR" dirty="0"/>
-              <a:t>.</a:t>
-            </a:r>
-          </a:p>
-          <a:p>
-            <a:pPr lvl="1">
-              <a:buFont typeface="Wingdings" panose="05000000000000000000" pitchFamily="2" charset="2"/>
-              <a:buChar char="§"/>
-            </a:pPr>
-            <a:r>
-              <a:rPr lang="pt-BR" dirty="0"/>
-              <a:t>Polinômios com </a:t>
-            </a:r>
-            <a:r>
-              <a:rPr lang="pt-BR" b="1" i="1" dirty="0">
-                <a:solidFill>
-                  <a:srgbClr val="7030A0"/>
-                </a:solidFill>
-              </a:rPr>
-              <a:t>grau muito baixo</a:t>
-            </a:r>
-            <a:r>
-              <a:rPr lang="pt-BR" dirty="0"/>
-              <a:t> podem não ter flexibilidade o suficiente para aproximar os dados, causando </a:t>
-            </a:r>
-            <a:r>
-              <a:rPr lang="pt-BR" b="1" i="1" dirty="0"/>
-              <a:t>subajuste</a:t>
-            </a:r>
-            <a:r>
-              <a:rPr lang="pt-BR" dirty="0"/>
-              <a:t>.</a:t>
-            </a:r>
-          </a:p>
-          <a:p>
-            <a:pPr lvl="1">
-              <a:buFont typeface="Wingdings" panose="05000000000000000000" pitchFamily="2" charset="2"/>
-              <a:buChar char="§"/>
-            </a:pPr>
-            <a:r>
-              <a:rPr lang="pt-BR" dirty="0"/>
-              <a:t>Polinômios com </a:t>
-            </a:r>
-            <a:r>
-              <a:rPr lang="pt-BR" b="1" i="1" dirty="0">
-                <a:solidFill>
-                  <a:srgbClr val="7030A0"/>
-                </a:solidFill>
-              </a:rPr>
-              <a:t>grau muito alto</a:t>
-            </a:r>
-            <a:r>
-              <a:rPr lang="pt-BR" dirty="0"/>
-              <a:t> podem ser tão flexíveis que acabam memorizando os dados de treinamento, causando </a:t>
-            </a:r>
-            <a:r>
-              <a:rPr lang="pt-BR" b="1" i="1" dirty="0"/>
-              <a:t>sobreajuste</a:t>
-            </a:r>
-            <a:r>
-              <a:rPr lang="pt-BR" dirty="0"/>
-              <a:t>.</a:t>
-            </a:r>
-          </a:p>
-          <a:p>
-            <a:r>
-              <a:rPr lang="pt-BR" dirty="0"/>
-              <a:t>Na sequência, veremos como </a:t>
-            </a:r>
-            <a:r>
-              <a:rPr lang="pt-BR" b="1" i="1" dirty="0">
-                <a:solidFill>
-                  <a:srgbClr val="7030A0"/>
-                </a:solidFill>
-              </a:rPr>
-              <a:t>escolher o grau ideal</a:t>
-            </a:r>
-            <a:r>
-              <a:rPr lang="pt-BR" b="1" dirty="0">
-                <a:solidFill>
-                  <a:srgbClr val="7030A0"/>
-                </a:solidFill>
-              </a:rPr>
-              <a:t> </a:t>
-            </a:r>
-            <a:r>
-              <a:rPr lang="pt-BR" dirty="0"/>
-              <a:t>da </a:t>
-            </a:r>
-            <a:r>
-              <a:rPr lang="pt-BR" b="1" i="1" dirty="0">
-                <a:solidFill>
-                  <a:srgbClr val="00B050"/>
-                </a:solidFill>
-              </a:rPr>
-              <a:t>função hipótese polinomial de forma quantitativa</a:t>
-            </a:r>
-            <a:r>
-              <a:rPr lang="pt-BR" dirty="0"/>
-              <a:t>, mesmo não conhecendo ou existindo uma função objetivo.</a:t>
-            </a:r>
-          </a:p>
-          <a:p>
-            <a:endParaRPr lang="pt-BR" dirty="0"/>
-          </a:p>
-          <a:p>
-            <a:pPr lvl="1">
-              <a:buFont typeface="Wingdings" panose="05000000000000000000" pitchFamily="2" charset="2"/>
-              <a:buChar char="§"/>
-            </a:pPr>
-            <a:endParaRPr lang="pt-BR" dirty="0"/>
-          </a:p>
-        </p:txBody>
-      </p:sp>
-    </p:spTree>
-    <p:extLst>
-      <p:ext uri="{BB962C8B-B14F-4D97-AF65-F5344CB8AC3E}">
-        <p14:creationId xmlns:p14="http://schemas.microsoft.com/office/powerpoint/2010/main" val="2153437485"/>
-      </p:ext>
-    </p:extLst>
-  </p:cSld>
-  <p:clrMapOvr>
-    <a:masterClrMapping/>
-  </p:clrMapOvr>
-</p:sld>
-</file>
-
-<file path=ppt/slides/slide20.xml><?xml version="1.0" encoding="utf-8"?>
-<p:sld xmlns:a="http://schemas.openxmlformats.org/drawingml/2006/main" xmlns:r="http://schemas.openxmlformats.org/officeDocument/2006/relationships" xmlns:p="http://schemas.openxmlformats.org/presentationml/2006/main">
-  <p:cSld>
-    <p:spTree>
-      <p:nvGrpSpPr>
-        <p:cNvPr id="1" name=""/>
-        <p:cNvGrpSpPr/>
-        <p:nvPr/>
-      </p:nvGrpSpPr>
-      <p:grpSpPr>
-        <a:xfrm>
-          <a:off x="0" y="0"/>
-          <a:ext cx="0" cy="0"/>
-          <a:chOff x="0" y="0"/>
-          <a:chExt cx="0" cy="0"/>
-        </a:xfrm>
-      </p:grpSpPr>
-      <p:sp>
-        <p:nvSpPr>
-          <p:cNvPr id="2" name="Title 1"/>
-          <p:cNvSpPr>
-            <a:spLocks noGrp="1"/>
-          </p:cNvSpPr>
-          <p:nvPr>
-            <p:ph type="title"/>
-          </p:nvPr>
-        </p:nvSpPr>
-        <p:spPr>
-          <a:xfrm>
-            <a:off x="838200" y="182251"/>
-            <a:ext cx="10515600" cy="952010"/>
-          </a:xfrm>
-        </p:spPr>
-        <p:txBody>
-          <a:bodyPr/>
-          <a:lstStyle/>
-          <a:p>
-            <a:r>
-              <a:rPr lang="pt-BR" dirty="0"/>
-              <a:t>k-Fold: Exemplo</a:t>
-            </a:r>
-          </a:p>
-        </p:txBody>
-      </p:sp>
-      <p:sp>
-        <p:nvSpPr>
-          <p:cNvPr id="3" name="Content Placeholder 2"/>
-          <p:cNvSpPr>
-            <a:spLocks noGrp="1"/>
-          </p:cNvSpPr>
-          <p:nvPr>
-            <p:ph idx="1"/>
-          </p:nvPr>
-        </p:nvSpPr>
-        <p:spPr>
-          <a:xfrm>
-            <a:off x="838198" y="4191105"/>
-            <a:ext cx="11182005" cy="2651371"/>
-          </a:xfrm>
-        </p:spPr>
-        <p:txBody>
-          <a:bodyPr>
-            <a:normAutofit fontScale="77500" lnSpcReduction="20000"/>
-          </a:bodyPr>
-          <a:lstStyle/>
-          <a:p>
-            <a:r>
-              <a:rPr lang="pt-BR" dirty="0"/>
-              <a:t>Usa-se a mesma função observável do exemplo anterior.</a:t>
-            </a:r>
-          </a:p>
-          <a:p>
-            <a:r>
-              <a:rPr lang="pt-BR" b="1" dirty="0"/>
-              <a:t>k</a:t>
-            </a:r>
-            <a:r>
-              <a:rPr lang="pt-BR" dirty="0"/>
-              <a:t> = 10 folds: 10 iterações com 9 grupos para treinamento e 1 para teste.</a:t>
-            </a:r>
-          </a:p>
-          <a:p>
-            <a:r>
-              <a:rPr lang="pt-BR" dirty="0"/>
-              <a:t>Tempo médio para execução com N = 100 exemplos é de aproximadamente 1.5 s.</a:t>
-            </a:r>
-          </a:p>
-          <a:p>
-            <a:r>
-              <a:rPr lang="pt-BR" dirty="0"/>
-              <a:t>Gráficos mostram a média e desvio padrão do MSE para as 10 etapas de treinamento/validação.</a:t>
-            </a:r>
-          </a:p>
-          <a:p>
-            <a:r>
-              <a:rPr lang="pt-BR" dirty="0"/>
-              <a:t>Média e desvio padrão do MSE aumentam com a ordem do polinômio.</a:t>
-            </a:r>
-          </a:p>
-          <a:p>
-            <a:r>
-              <a:rPr lang="pt-BR" dirty="0"/>
-              <a:t>Qual ordem escolher?</a:t>
-            </a:r>
-          </a:p>
-          <a:p>
-            <a:pPr lvl="1">
-              <a:buFont typeface="Wingdings" panose="05000000000000000000" pitchFamily="2" charset="2"/>
-              <a:buChar char="§"/>
-            </a:pPr>
-            <a:r>
-              <a:rPr lang="pt-BR" dirty="0"/>
-              <a:t>O ponto onde </a:t>
-            </a:r>
-            <a:r>
-              <a:rPr lang="pt-BR" b="1" i="1" dirty="0">
-                <a:solidFill>
-                  <a:srgbClr val="FF0000"/>
-                </a:solidFill>
-              </a:rPr>
-              <a:t>ambos</a:t>
-            </a:r>
-            <a:r>
-              <a:rPr lang="pt-BR" dirty="0"/>
-              <a:t>, média e desvio padrão do MSE, sejam mínimos.</a:t>
-            </a:r>
-          </a:p>
-        </p:txBody>
-      </p:sp>
-      <p:sp>
-        <p:nvSpPr>
-          <p:cNvPr id="10" name="Rectangle 9"/>
-          <p:cNvSpPr/>
-          <p:nvPr/>
-        </p:nvSpPr>
-        <p:spPr>
-          <a:xfrm>
-            <a:off x="9148813" y="6503922"/>
-            <a:ext cx="3037883" cy="338554"/>
-          </a:xfrm>
-          <a:prstGeom prst="rect">
-            <a:avLst/>
-          </a:prstGeom>
-        </p:spPr>
-        <p:txBody>
-          <a:bodyPr wrap="none">
-            <a:spAutoFit/>
-          </a:bodyPr>
-          <a:lstStyle/>
-          <a:p>
-            <a:r>
-              <a:rPr lang="pt-BR" sz="1600" dirty="0">
-                <a:hlinkClick r:id="rId3"/>
-              </a:rPr>
-              <a:t>Exemplo: validacao_cruzada.ipynb</a:t>
-            </a:r>
-            <a:endParaRPr lang="pt-BR" sz="1600" dirty="0"/>
-          </a:p>
-        </p:txBody>
-      </p:sp>
-      <p:pic>
-        <p:nvPicPr>
-          <p:cNvPr id="4" name="Picture 3"/>
-          <p:cNvPicPr>
-            <a:picLocks noChangeAspect="1"/>
-          </p:cNvPicPr>
-          <p:nvPr/>
-        </p:nvPicPr>
-        <p:blipFill rotWithShape="1">
-          <a:blip r:embed="rId4" cstate="print">
-            <a:extLst>
-              <a:ext uri="{28A0092B-C50C-407E-A947-70E740481C1C}">
-                <a14:useLocalDpi xmlns:a14="http://schemas.microsoft.com/office/drawing/2010/main" val="0"/>
-              </a:ext>
-            </a:extLst>
-          </a:blip>
-          <a:srcRect l="8360" t="6687" r="9385" b="2206"/>
-          <a:stretch/>
-        </p:blipFill>
-        <p:spPr>
-          <a:xfrm>
-            <a:off x="1418281" y="1184943"/>
-            <a:ext cx="7701923" cy="2843610"/>
-          </a:xfrm>
-          <a:prstGeom prst="rect">
-            <a:avLst/>
-          </a:prstGeom>
-        </p:spPr>
-      </p:pic>
-      <p:sp>
-        <p:nvSpPr>
-          <p:cNvPr id="5" name="TextBox 4"/>
-          <p:cNvSpPr txBox="1"/>
-          <p:nvPr/>
-        </p:nvSpPr>
-        <p:spPr>
-          <a:xfrm>
-            <a:off x="9148813" y="1271053"/>
-            <a:ext cx="3038605" cy="3493264"/>
-          </a:xfrm>
-          <a:prstGeom prst="rect">
-            <a:avLst/>
-          </a:prstGeom>
-          <a:noFill/>
-        </p:spPr>
-        <p:txBody>
-          <a:bodyPr wrap="square" rtlCol="0">
-            <a:spAutoFit/>
-          </a:bodyPr>
-          <a:lstStyle/>
-          <a:p>
-            <a:pPr algn="ctr"/>
-            <a:r>
-              <a:rPr lang="pt-BR" sz="1300" dirty="0"/>
-              <a:t>Conforme o modelo se </a:t>
-            </a:r>
-            <a:r>
-              <a:rPr lang="pt-BR" sz="1300" b="1" i="1" dirty="0"/>
-              <a:t>sobreajusta </a:t>
-            </a:r>
-            <a:r>
-              <a:rPr lang="pt-BR" sz="1300" dirty="0"/>
-              <a:t>aos dados de treinamento, a </a:t>
-            </a:r>
-            <a:r>
-              <a:rPr lang="pt-BR" sz="1300" b="1" i="1" dirty="0"/>
-              <a:t>variância do erro de validação aumenta</a:t>
-            </a:r>
-            <a:r>
-              <a:rPr lang="pt-BR" sz="1300" dirty="0"/>
-              <a:t>, </a:t>
-            </a:r>
-            <a:r>
-              <a:rPr lang="pt-BR" sz="1300" b="1" i="1" dirty="0"/>
-              <a:t>devido a redução de seu grau de generalização </a:t>
-            </a:r>
-            <a:r>
-              <a:rPr lang="pt-BR" sz="1300" dirty="0"/>
-              <a:t>(modelo aprendido se distancia muito do modelo gerador).</a:t>
-            </a:r>
-          </a:p>
-          <a:p>
-            <a:pPr algn="ctr"/>
-            <a:endParaRPr lang="pt-BR" sz="1300" dirty="0"/>
-          </a:p>
-          <a:p>
-            <a:pPr algn="ctr"/>
-            <a:r>
-              <a:rPr lang="pt-BR" sz="1300" dirty="0"/>
-              <a:t>Modelos com altíssimo grau de flexibilidade (maior do que o necessário) apresentam variância do erro de treinamento muito baixa e variância do erro de validação muito alta (</a:t>
-            </a:r>
-            <a:r>
-              <a:rPr lang="pt-BR" sz="1300" b="1" i="1" dirty="0"/>
-              <a:t>sobreajuste</a:t>
-            </a:r>
-            <a:r>
-              <a:rPr lang="pt-BR" sz="1300" dirty="0"/>
-              <a:t>).</a:t>
-            </a:r>
-          </a:p>
-          <a:p>
-            <a:pPr algn="ctr"/>
-            <a:endParaRPr lang="pt-BR" sz="1300" dirty="0"/>
-          </a:p>
-          <a:p>
-            <a:pPr algn="ctr"/>
-            <a:r>
-              <a:rPr lang="pt-BR" sz="1300" dirty="0"/>
-              <a:t>Modelos com </a:t>
-            </a:r>
-            <a:r>
-              <a:rPr lang="pt-BR" sz="1300" b="1" i="1" dirty="0"/>
-              <a:t>baixíssimo grau de flexibilidade</a:t>
-            </a:r>
-            <a:r>
-              <a:rPr lang="pt-BR" sz="1300" dirty="0"/>
-              <a:t> (menor do que o necessário) têm ambas as variâncias altas (</a:t>
-            </a:r>
-            <a:r>
-              <a:rPr lang="pt-BR" sz="1300" b="1" dirty="0"/>
-              <a:t>subajuste</a:t>
-            </a:r>
-            <a:r>
-              <a:rPr lang="pt-BR" sz="1300" dirty="0"/>
-              <a:t>).</a:t>
-            </a:r>
-          </a:p>
-        </p:txBody>
-      </p:sp>
-      <p:sp>
-        <p:nvSpPr>
-          <p:cNvPr id="13" name="TextBox 12"/>
-          <p:cNvSpPr txBox="1"/>
-          <p:nvPr/>
-        </p:nvSpPr>
-        <p:spPr>
-          <a:xfrm>
-            <a:off x="5525106" y="584816"/>
-            <a:ext cx="1228870" cy="338554"/>
-          </a:xfrm>
-          <a:prstGeom prst="rect">
-            <a:avLst/>
-          </a:prstGeom>
-          <a:noFill/>
-        </p:spPr>
-        <p:txBody>
-          <a:bodyPr wrap="square" rtlCol="0">
-            <a:spAutoFit/>
-          </a:bodyPr>
-          <a:lstStyle/>
-          <a:p>
-            <a:pPr algn="ctr"/>
-            <a:r>
-              <a:rPr lang="pt-BR" sz="1600" b="1" dirty="0"/>
-              <a:t>sobreajuste</a:t>
-            </a:r>
-          </a:p>
-        </p:txBody>
-      </p:sp>
-      <p:cxnSp>
-        <p:nvCxnSpPr>
-          <p:cNvPr id="14" name="Straight Arrow Connector 13"/>
-          <p:cNvCxnSpPr/>
-          <p:nvPr/>
-        </p:nvCxnSpPr>
-        <p:spPr>
-          <a:xfrm>
-            <a:off x="6226690" y="906955"/>
-            <a:ext cx="1879871" cy="873905"/>
-          </a:xfrm>
-          <a:prstGeom prst="straightConnector1">
-            <a:avLst/>
-          </a:prstGeom>
-          <a:ln w="28575">
-            <a:solidFill>
-              <a:srgbClr val="FF0000"/>
-            </a:solidFill>
-            <a:tailEnd type="triangle"/>
-          </a:ln>
-        </p:spPr>
-        <p:style>
-          <a:lnRef idx="1">
-            <a:schemeClr val="accent1"/>
-          </a:lnRef>
-          <a:fillRef idx="0">
-            <a:schemeClr val="accent1"/>
-          </a:fillRef>
-          <a:effectRef idx="0">
-            <a:schemeClr val="accent1"/>
-          </a:effectRef>
-          <a:fontRef idx="minor">
-            <a:schemeClr val="tx1"/>
-          </a:fontRef>
-        </p:style>
-      </p:cxnSp>
-      <p:sp>
-        <p:nvSpPr>
-          <p:cNvPr id="15" name="Oval 14"/>
-          <p:cNvSpPr/>
-          <p:nvPr/>
-        </p:nvSpPr>
-        <p:spPr>
-          <a:xfrm rot="2777307">
-            <a:off x="3406834" y="988678"/>
-            <a:ext cx="993880" cy="3457850"/>
-          </a:xfrm>
-          <a:prstGeom prst="ellipse">
-            <a:avLst/>
-          </a:prstGeom>
-          <a:noFill/>
-          <a:ln>
-            <a:solidFill>
-              <a:srgbClr val="FF0000"/>
-            </a:solidFill>
-          </a:ln>
-        </p:spPr>
-        <p:style>
-          <a:lnRef idx="2">
-            <a:schemeClr val="accent1">
-              <a:shade val="50000"/>
-            </a:schemeClr>
-          </a:lnRef>
-          <a:fillRef idx="1">
-            <a:schemeClr val="accent1"/>
-          </a:fillRef>
-          <a:effectRef idx="0">
-            <a:schemeClr val="accent1"/>
-          </a:effectRef>
-          <a:fontRef idx="minor">
-            <a:schemeClr val="lt1"/>
-          </a:fontRef>
-        </p:style>
-        <p:txBody>
-          <a:bodyPr rtlCol="0" anchor="ctr"/>
-          <a:lstStyle/>
-          <a:p>
-            <a:pPr algn="ctr"/>
-            <a:endParaRPr lang="pt-BR"/>
-          </a:p>
-        </p:txBody>
-      </p:sp>
-      <p:cxnSp>
-        <p:nvCxnSpPr>
-          <p:cNvPr id="16" name="Straight Arrow Connector 15"/>
-          <p:cNvCxnSpPr>
-            <a:stCxn id="13" idx="2"/>
-            <a:endCxn id="15" idx="0"/>
-          </p:cNvCxnSpPr>
-          <p:nvPr/>
-        </p:nvCxnSpPr>
-        <p:spPr>
-          <a:xfrm flipH="1">
-            <a:off x="5153489" y="923370"/>
-            <a:ext cx="986052" cy="599497"/>
-          </a:xfrm>
-          <a:prstGeom prst="straightConnector1">
-            <a:avLst/>
-          </a:prstGeom>
-          <a:ln w="28575">
-            <a:solidFill>
-              <a:srgbClr val="FF0000"/>
-            </a:solidFill>
-            <a:tailEnd type="triangle"/>
-          </a:ln>
-        </p:spPr>
-        <p:style>
-          <a:lnRef idx="1">
-            <a:schemeClr val="accent1"/>
-          </a:lnRef>
-          <a:fillRef idx="0">
-            <a:schemeClr val="accent1"/>
-          </a:fillRef>
-          <a:effectRef idx="0">
-            <a:schemeClr val="accent1"/>
-          </a:effectRef>
-          <a:fontRef idx="minor">
-            <a:schemeClr val="tx1"/>
-          </a:fontRef>
-        </p:style>
-      </p:cxnSp>
-      <p:sp>
-        <p:nvSpPr>
-          <p:cNvPr id="19" name="Oval 18"/>
-          <p:cNvSpPr/>
-          <p:nvPr/>
-        </p:nvSpPr>
-        <p:spPr>
-          <a:xfrm>
-            <a:off x="1747838" y="3159919"/>
-            <a:ext cx="195262" cy="519112"/>
-          </a:xfrm>
-          <a:prstGeom prst="ellipse">
-            <a:avLst/>
-          </a:prstGeom>
-          <a:noFill/>
-          <a:ln>
-            <a:solidFill>
-              <a:srgbClr val="FF0000"/>
-            </a:solidFill>
-          </a:ln>
-        </p:spPr>
-        <p:style>
-          <a:lnRef idx="2">
-            <a:schemeClr val="accent1">
-              <a:shade val="50000"/>
-            </a:schemeClr>
-          </a:lnRef>
-          <a:fillRef idx="1">
-            <a:schemeClr val="accent1"/>
-          </a:fillRef>
-          <a:effectRef idx="0">
-            <a:schemeClr val="accent1"/>
-          </a:effectRef>
-          <a:fontRef idx="minor">
-            <a:schemeClr val="lt1"/>
-          </a:fontRef>
-        </p:style>
-        <p:txBody>
-          <a:bodyPr rtlCol="0" anchor="ctr"/>
-          <a:lstStyle/>
-          <a:p>
-            <a:pPr algn="ctr"/>
-            <a:endParaRPr lang="pt-BR"/>
-          </a:p>
-        </p:txBody>
-      </p:sp>
-      <p:sp>
-        <p:nvSpPr>
-          <p:cNvPr id="20" name="TextBox 19"/>
-          <p:cNvSpPr txBox="1"/>
-          <p:nvPr/>
-        </p:nvSpPr>
-        <p:spPr>
-          <a:xfrm>
-            <a:off x="4268019" y="3909607"/>
-            <a:ext cx="1228870" cy="338554"/>
-          </a:xfrm>
-          <a:prstGeom prst="rect">
-            <a:avLst/>
-          </a:prstGeom>
-          <a:noFill/>
-        </p:spPr>
-        <p:txBody>
-          <a:bodyPr wrap="square" rtlCol="0">
-            <a:spAutoFit/>
-          </a:bodyPr>
-          <a:lstStyle/>
-          <a:p>
-            <a:pPr algn="ctr"/>
-            <a:r>
-              <a:rPr lang="pt-BR" sz="1600" b="1" dirty="0"/>
-              <a:t>subajuste</a:t>
-            </a:r>
-          </a:p>
-        </p:txBody>
-      </p:sp>
-      <p:cxnSp>
-        <p:nvCxnSpPr>
-          <p:cNvPr id="21" name="Straight Arrow Connector 20"/>
-          <p:cNvCxnSpPr>
-            <a:endCxn id="19" idx="6"/>
-          </p:cNvCxnSpPr>
-          <p:nvPr/>
-        </p:nvCxnSpPr>
-        <p:spPr>
-          <a:xfrm flipH="1" flipV="1">
-            <a:off x="1943100" y="3419475"/>
-            <a:ext cx="2897981" cy="609078"/>
-          </a:xfrm>
-          <a:prstGeom prst="straightConnector1">
-            <a:avLst/>
-          </a:prstGeom>
-          <a:ln w="28575">
-            <a:solidFill>
-              <a:srgbClr val="FF0000"/>
-            </a:solidFill>
-            <a:tailEnd type="triangle"/>
-          </a:ln>
-        </p:spPr>
-        <p:style>
-          <a:lnRef idx="1">
-            <a:schemeClr val="accent1"/>
-          </a:lnRef>
-          <a:fillRef idx="0">
-            <a:schemeClr val="accent1"/>
-          </a:fillRef>
-          <a:effectRef idx="0">
-            <a:schemeClr val="accent1"/>
-          </a:effectRef>
-          <a:fontRef idx="minor">
-            <a:schemeClr val="tx1"/>
-          </a:fontRef>
-        </p:style>
-      </p:cxnSp>
-      <p:sp>
-        <p:nvSpPr>
-          <p:cNvPr id="26" name="TextBox 25"/>
-          <p:cNvSpPr txBox="1"/>
-          <p:nvPr/>
-        </p:nvSpPr>
-        <p:spPr>
-          <a:xfrm>
-            <a:off x="1712650" y="932209"/>
-            <a:ext cx="3425302" cy="338554"/>
-          </a:xfrm>
-          <a:prstGeom prst="rect">
-            <a:avLst/>
-          </a:prstGeom>
-          <a:noFill/>
-        </p:spPr>
-        <p:txBody>
-          <a:bodyPr wrap="square" rtlCol="0">
-            <a:spAutoFit/>
-          </a:bodyPr>
-          <a:lstStyle/>
-          <a:p>
-            <a:pPr algn="ctr"/>
-            <a:r>
-              <a:rPr lang="pt-BR" sz="1600" b="1" dirty="0"/>
-              <a:t>Ponto ótimo </a:t>
-            </a:r>
-            <a:r>
-              <a:rPr lang="pt-BR" sz="1400" dirty="0"/>
-              <a:t>(MSE e desvio padrão baixos)</a:t>
-            </a:r>
-            <a:endParaRPr lang="pt-BR" sz="1600" dirty="0"/>
-          </a:p>
-        </p:txBody>
-      </p:sp>
-      <p:cxnSp>
-        <p:nvCxnSpPr>
-          <p:cNvPr id="27" name="Straight Arrow Connector 26"/>
-          <p:cNvCxnSpPr>
-            <a:endCxn id="28" idx="7"/>
-          </p:cNvCxnSpPr>
-          <p:nvPr/>
-        </p:nvCxnSpPr>
-        <p:spPr>
-          <a:xfrm flipH="1">
-            <a:off x="2280178" y="1231264"/>
-            <a:ext cx="221722" cy="1068660"/>
-          </a:xfrm>
-          <a:prstGeom prst="straightConnector1">
-            <a:avLst/>
-          </a:prstGeom>
-          <a:ln w="28575">
-            <a:solidFill>
-              <a:srgbClr val="FF0000"/>
-            </a:solidFill>
-            <a:tailEnd type="triangle"/>
-          </a:ln>
-        </p:spPr>
-        <p:style>
-          <a:lnRef idx="1">
-            <a:schemeClr val="accent1"/>
-          </a:lnRef>
-          <a:fillRef idx="0">
-            <a:schemeClr val="accent1"/>
-          </a:fillRef>
-          <a:effectRef idx="0">
-            <a:schemeClr val="accent1"/>
-          </a:effectRef>
-          <a:fontRef idx="minor">
-            <a:schemeClr val="tx1"/>
-          </a:fontRef>
-        </p:style>
-      </p:cxnSp>
-      <p:sp>
-        <p:nvSpPr>
-          <p:cNvPr id="28" name="Oval 27"/>
-          <p:cNvSpPr/>
-          <p:nvPr/>
-        </p:nvSpPr>
-        <p:spPr>
-          <a:xfrm>
-            <a:off x="2155294" y="2280255"/>
-            <a:ext cx="146311" cy="134311"/>
-          </a:xfrm>
-          <a:prstGeom prst="ellipse">
-            <a:avLst/>
-          </a:prstGeom>
-          <a:noFill/>
-          <a:ln>
-            <a:solidFill>
-              <a:srgbClr val="FF0000"/>
-            </a:solidFill>
-          </a:ln>
-        </p:spPr>
-        <p:style>
-          <a:lnRef idx="2">
-            <a:schemeClr val="accent1">
-              <a:shade val="50000"/>
-            </a:schemeClr>
-          </a:lnRef>
-          <a:fillRef idx="1">
-            <a:schemeClr val="accent1"/>
-          </a:fillRef>
-          <a:effectRef idx="0">
-            <a:schemeClr val="accent1"/>
-          </a:effectRef>
-          <a:fontRef idx="minor">
-            <a:schemeClr val="lt1"/>
-          </a:fontRef>
-        </p:style>
-        <p:txBody>
-          <a:bodyPr rtlCol="0" anchor="ctr"/>
-          <a:lstStyle/>
-          <a:p>
-            <a:pPr algn="ctr"/>
-            <a:endParaRPr lang="pt-BR"/>
-          </a:p>
-        </p:txBody>
-      </p:sp>
-      <p:sp>
-        <p:nvSpPr>
-          <p:cNvPr id="44" name="Oval 43"/>
-          <p:cNvSpPr/>
-          <p:nvPr/>
-        </p:nvSpPr>
-        <p:spPr>
-          <a:xfrm rot="2777307">
-            <a:off x="7351474" y="931457"/>
-            <a:ext cx="993880" cy="3457850"/>
-          </a:xfrm>
-          <a:prstGeom prst="ellipse">
-            <a:avLst/>
-          </a:prstGeom>
-          <a:noFill/>
-          <a:ln>
-            <a:solidFill>
-              <a:srgbClr val="FF0000"/>
-            </a:solidFill>
-          </a:ln>
-        </p:spPr>
-        <p:style>
-          <a:lnRef idx="2">
-            <a:schemeClr val="accent1">
-              <a:shade val="50000"/>
-            </a:schemeClr>
-          </a:lnRef>
-          <a:fillRef idx="1">
-            <a:schemeClr val="accent1"/>
-          </a:fillRef>
-          <a:effectRef idx="0">
-            <a:schemeClr val="accent1"/>
-          </a:effectRef>
-          <a:fontRef idx="minor">
-            <a:schemeClr val="lt1"/>
-          </a:fontRef>
-        </p:style>
-        <p:txBody>
-          <a:bodyPr rtlCol="0" anchor="ctr"/>
-          <a:lstStyle/>
-          <a:p>
-            <a:pPr algn="ctr"/>
-            <a:endParaRPr lang="pt-BR"/>
-          </a:p>
-        </p:txBody>
-      </p:sp>
-      <p:sp>
-        <p:nvSpPr>
-          <p:cNvPr id="48" name="Oval 47"/>
-          <p:cNvSpPr/>
-          <p:nvPr/>
-        </p:nvSpPr>
-        <p:spPr>
-          <a:xfrm>
-            <a:off x="6174189" y="2322132"/>
-            <a:ext cx="146311" cy="134311"/>
-          </a:xfrm>
-          <a:prstGeom prst="ellipse">
-            <a:avLst/>
-          </a:prstGeom>
-          <a:noFill/>
-          <a:ln>
-            <a:solidFill>
-              <a:srgbClr val="FF0000"/>
-            </a:solidFill>
-          </a:ln>
-        </p:spPr>
-        <p:style>
-          <a:lnRef idx="2">
-            <a:schemeClr val="accent1">
-              <a:shade val="50000"/>
-            </a:schemeClr>
-          </a:lnRef>
-          <a:fillRef idx="1">
-            <a:schemeClr val="accent1"/>
-          </a:fillRef>
-          <a:effectRef idx="0">
-            <a:schemeClr val="accent1"/>
-          </a:effectRef>
-          <a:fontRef idx="minor">
-            <a:schemeClr val="lt1"/>
-          </a:fontRef>
-        </p:style>
-        <p:txBody>
-          <a:bodyPr rtlCol="0" anchor="ctr"/>
-          <a:lstStyle/>
-          <a:p>
-            <a:pPr algn="ctr"/>
-            <a:endParaRPr lang="pt-BR"/>
-          </a:p>
-        </p:txBody>
-      </p:sp>
-      <p:cxnSp>
-        <p:nvCxnSpPr>
-          <p:cNvPr id="49" name="Straight Arrow Connector 48"/>
-          <p:cNvCxnSpPr>
-            <a:endCxn id="48" idx="1"/>
-          </p:cNvCxnSpPr>
-          <p:nvPr/>
-        </p:nvCxnSpPr>
-        <p:spPr>
-          <a:xfrm>
-            <a:off x="2501900" y="1231264"/>
-            <a:ext cx="3693716" cy="1110537"/>
-          </a:xfrm>
-          <a:prstGeom prst="straightConnector1">
-            <a:avLst/>
-          </a:prstGeom>
-          <a:ln w="28575">
-            <a:solidFill>
-              <a:srgbClr val="FF0000"/>
-            </a:solidFill>
-            <a:tailEnd type="triangle"/>
-          </a:ln>
-        </p:spPr>
-        <p:style>
-          <a:lnRef idx="1">
-            <a:schemeClr val="accent1"/>
-          </a:lnRef>
-          <a:fillRef idx="0">
-            <a:schemeClr val="accent1"/>
-          </a:fillRef>
-          <a:effectRef idx="0">
-            <a:schemeClr val="accent1"/>
-          </a:effectRef>
-          <a:fontRef idx="minor">
-            <a:schemeClr val="tx1"/>
-          </a:fontRef>
-        </p:style>
-      </p:cxnSp>
-      <p:sp>
-        <p:nvSpPr>
-          <p:cNvPr id="52" name="Oval 51"/>
-          <p:cNvSpPr/>
-          <p:nvPr/>
-        </p:nvSpPr>
-        <p:spPr>
-          <a:xfrm>
-            <a:off x="5720584" y="3176649"/>
-            <a:ext cx="195262" cy="519112"/>
-          </a:xfrm>
-          <a:prstGeom prst="ellipse">
-            <a:avLst/>
-          </a:prstGeom>
-          <a:noFill/>
-          <a:ln>
-            <a:solidFill>
-              <a:srgbClr val="FF0000"/>
-            </a:solidFill>
-          </a:ln>
-        </p:spPr>
-        <p:style>
-          <a:lnRef idx="2">
-            <a:schemeClr val="accent1">
-              <a:shade val="50000"/>
-            </a:schemeClr>
-          </a:lnRef>
-          <a:fillRef idx="1">
-            <a:schemeClr val="accent1"/>
-          </a:fillRef>
-          <a:effectRef idx="0">
-            <a:schemeClr val="accent1"/>
-          </a:effectRef>
-          <a:fontRef idx="minor">
-            <a:schemeClr val="lt1"/>
-          </a:fontRef>
-        </p:style>
-        <p:txBody>
-          <a:bodyPr rtlCol="0" anchor="ctr"/>
-          <a:lstStyle/>
-          <a:p>
-            <a:pPr algn="ctr"/>
-            <a:endParaRPr lang="pt-BR"/>
-          </a:p>
-        </p:txBody>
-      </p:sp>
-      <p:cxnSp>
-        <p:nvCxnSpPr>
-          <p:cNvPr id="54" name="Straight Arrow Connector 53"/>
-          <p:cNvCxnSpPr>
-            <a:endCxn id="52" idx="3"/>
-          </p:cNvCxnSpPr>
-          <p:nvPr/>
-        </p:nvCxnSpPr>
-        <p:spPr>
-          <a:xfrm flipV="1">
-            <a:off x="4841081" y="3619739"/>
-            <a:ext cx="908098" cy="408814"/>
-          </a:xfrm>
-          <a:prstGeom prst="straightConnector1">
-            <a:avLst/>
-          </a:prstGeom>
-          <a:ln w="28575">
-            <a:solidFill>
-              <a:srgbClr val="FF0000"/>
-            </a:solidFill>
-            <a:tailEnd type="triangle"/>
-          </a:ln>
-        </p:spPr>
-        <p:style>
-          <a:lnRef idx="1">
-            <a:schemeClr val="accent1"/>
-          </a:lnRef>
-          <a:fillRef idx="0">
-            <a:schemeClr val="accent1"/>
-          </a:fillRef>
-          <a:effectRef idx="0">
-            <a:schemeClr val="accent1"/>
-          </a:effectRef>
-          <a:fontRef idx="minor">
-            <a:schemeClr val="tx1"/>
-          </a:fontRef>
-        </p:style>
-      </p:cxnSp>
-    </p:spTree>
-    <p:extLst>
-      <p:ext uri="{BB962C8B-B14F-4D97-AF65-F5344CB8AC3E}">
-        <p14:creationId xmlns:p14="http://schemas.microsoft.com/office/powerpoint/2010/main" val="1062234742"/>
-      </p:ext>
-    </p:extLst>
-  </p:cSld>
-  <p:clrMapOvr>
-    <a:masterClrMapping/>
-  </p:clrMapOvr>
-</p:sld>
-</file>
-
-<file path=ppt/slides/slide21.xml><?xml version="1.0" encoding="utf-8"?>
-<p:sld xmlns:a="http://schemas.openxmlformats.org/drawingml/2006/main" xmlns:r="http://schemas.openxmlformats.org/officeDocument/2006/relationships" xmlns:p="http://schemas.openxmlformats.org/presentationml/2006/main">
-  <p:cSld>
-    <p:spTree>
-      <p:nvGrpSpPr>
-        <p:cNvPr id="1" name=""/>
-        <p:cNvGrpSpPr/>
-        <p:nvPr/>
-      </p:nvGrpSpPr>
-      <p:grpSpPr>
-        <a:xfrm>
-          <a:off x="0" y="0"/>
-          <a:ext cx="0" cy="0"/>
-          <a:chOff x="0" y="0"/>
-          <a:chExt cx="0" cy="0"/>
-        </a:xfrm>
-      </p:grpSpPr>
-      <p:sp>
-        <p:nvSpPr>
-          <p:cNvPr id="2" name="Title 1"/>
-          <p:cNvSpPr>
-            <a:spLocks noGrp="1"/>
-          </p:cNvSpPr>
-          <p:nvPr>
-            <p:ph type="title"/>
-          </p:nvPr>
-        </p:nvSpPr>
-        <p:spPr/>
-        <p:txBody>
-          <a:bodyPr/>
-          <a:lstStyle/>
-          <a:p>
-            <a:r>
-              <a:rPr lang="pt-BR" dirty="0"/>
-              <a:t>Qual ordem escolher para o modelo?</a:t>
-            </a:r>
-          </a:p>
-        </p:txBody>
-      </p:sp>
-      <p:sp>
-        <p:nvSpPr>
-          <p:cNvPr id="3" name="Content Placeholder 2"/>
-          <p:cNvSpPr>
-            <a:spLocks noGrp="1"/>
-          </p:cNvSpPr>
-          <p:nvPr>
-            <p:ph idx="1"/>
-          </p:nvPr>
-        </p:nvSpPr>
-        <p:spPr>
-          <a:xfrm>
-            <a:off x="838201" y="1690688"/>
-            <a:ext cx="7205662" cy="5167312"/>
-          </a:xfrm>
-        </p:spPr>
-        <p:txBody>
-          <a:bodyPr>
-            <a:normAutofit fontScale="85000" lnSpcReduction="10000"/>
-          </a:bodyPr>
-          <a:lstStyle/>
-          <a:p>
-            <a:r>
-              <a:rPr lang="pt-BR" dirty="0"/>
-              <a:t>Nos exemplos anteriores foi fácil definir a ordem, mas </a:t>
-            </a:r>
-            <a:r>
-              <a:rPr lang="pt-BR" b="1" i="1" dirty="0">
-                <a:solidFill>
-                  <a:srgbClr val="00B050"/>
-                </a:solidFill>
-              </a:rPr>
-              <a:t>qual ordem escolher se os erros de treinamento e validação são pequenos, similares e praticamente constantes para várias ordens de polinômio?</a:t>
-            </a:r>
-          </a:p>
-          <a:p>
-            <a:pPr lvl="1">
-              <a:buFont typeface="Wingdings" panose="05000000000000000000" pitchFamily="2" charset="2"/>
-              <a:buChar char="§"/>
-            </a:pPr>
-            <a:r>
-              <a:rPr lang="pt-BR" dirty="0"/>
-              <a:t>Isso ocorre quando o número de amostras é muito maior do que a complexidade (i.e., ordem) do modelo.</a:t>
-            </a:r>
-          </a:p>
-          <a:p>
-            <a:r>
-              <a:rPr lang="pt-BR" dirty="0"/>
-              <a:t>A resposta é aplicar o princípio da </a:t>
-            </a:r>
-            <a:r>
-              <a:rPr lang="pt-BR" b="1" i="1" dirty="0"/>
-              <a:t>navalha de Occam</a:t>
-            </a:r>
-            <a:r>
-              <a:rPr lang="pt-BR" i="1" dirty="0"/>
-              <a:t>.</a:t>
-            </a:r>
-            <a:endParaRPr lang="pt-BR" dirty="0"/>
-          </a:p>
-          <a:p>
-            <a:r>
-              <a:rPr lang="pt-BR" dirty="0"/>
-              <a:t>A </a:t>
-            </a:r>
-            <a:r>
-              <a:rPr lang="pt-BR" b="1" i="1" dirty="0"/>
-              <a:t>navalha de Occam </a:t>
-            </a:r>
-            <a:r>
-              <a:rPr lang="pt-BR" dirty="0"/>
-              <a:t>é um </a:t>
-            </a:r>
-            <a:r>
-              <a:rPr lang="pt-BR" b="1" i="1" dirty="0"/>
-              <a:t>princípio lógico </a:t>
-            </a:r>
-            <a:r>
-              <a:rPr lang="pt-BR" dirty="0"/>
-              <a:t>que afirma que de múltiplas explicações possíveis para um fenômeno, a explicação mais simples é geralmente a mais provável de ser a correta.</a:t>
-            </a:r>
-          </a:p>
-          <a:p>
-            <a:pPr lvl="1">
-              <a:buFont typeface="Wingdings" panose="05000000000000000000" pitchFamily="2" charset="2"/>
-              <a:buChar char="§"/>
-            </a:pPr>
-            <a:r>
-              <a:rPr lang="pt-BR" dirty="0"/>
-              <a:t>Ou seja, deve-se preferir explicações mais simples às mais complicadas.</a:t>
-            </a:r>
-          </a:p>
-          <a:p>
-            <a:r>
-              <a:rPr lang="pt-BR" dirty="0"/>
-              <a:t>Portanto, usando a </a:t>
-            </a:r>
-            <a:r>
-              <a:rPr lang="pt-BR" b="1" i="1" dirty="0"/>
-              <a:t>navalha de </a:t>
-            </a:r>
-            <a:r>
-              <a:rPr lang="pt-BR" b="1" i="1" dirty="0" err="1"/>
-              <a:t>Occam</a:t>
-            </a:r>
-            <a:r>
-              <a:rPr lang="pt-BR" i="1" dirty="0"/>
-              <a:t> </a:t>
-            </a:r>
-            <a:r>
-              <a:rPr lang="pt-BR" dirty="0"/>
-              <a:t>escolhemos a função hipótese </a:t>
-            </a:r>
-            <a:r>
-              <a:rPr lang="pt-BR" b="1" i="1" dirty="0">
-                <a:solidFill>
-                  <a:srgbClr val="00B0F0"/>
-                </a:solidFill>
-              </a:rPr>
-              <a:t>menos complexa </a:t>
-            </a:r>
-            <a:r>
-              <a:rPr lang="pt-BR" b="1" i="1" dirty="0">
-                <a:solidFill>
-                  <a:srgbClr val="00B050"/>
-                </a:solidFill>
-              </a:rPr>
-              <a:t>(i.e., a mais simples), mas que se ajusta bem aos dados</a:t>
-            </a:r>
-            <a:r>
-              <a:rPr lang="pt-BR" dirty="0"/>
-              <a:t>.</a:t>
-            </a:r>
-          </a:p>
-        </p:txBody>
-      </p:sp>
-      <p:pic>
-        <p:nvPicPr>
-          <p:cNvPr id="4" name="Picture 3"/>
-          <p:cNvPicPr>
-            <a:picLocks noChangeAspect="1"/>
-          </p:cNvPicPr>
-          <p:nvPr/>
-        </p:nvPicPr>
-        <p:blipFill rotWithShape="1">
-          <a:blip r:embed="rId3" cstate="print">
-            <a:extLst>
-              <a:ext uri="{28A0092B-C50C-407E-A947-70E740481C1C}">
-                <a14:useLocalDpi xmlns:a14="http://schemas.microsoft.com/office/drawing/2010/main" val="0"/>
-              </a:ext>
-            </a:extLst>
-          </a:blip>
-          <a:srcRect l="1128" t="10634" r="8507"/>
-          <a:stretch/>
-        </p:blipFill>
-        <p:spPr>
-          <a:xfrm>
-            <a:off x="8238944" y="1528546"/>
-            <a:ext cx="3895904" cy="2568581"/>
-          </a:xfrm>
-          <a:prstGeom prst="rect">
-            <a:avLst/>
-          </a:prstGeom>
-        </p:spPr>
-      </p:pic>
-      <p:sp>
-        <p:nvSpPr>
-          <p:cNvPr id="5" name="Rectangle 4"/>
-          <p:cNvSpPr/>
-          <p:nvPr/>
-        </p:nvSpPr>
-        <p:spPr>
-          <a:xfrm>
-            <a:off x="8043863" y="4385934"/>
-            <a:ext cx="4090985" cy="2062103"/>
-          </a:xfrm>
-          <a:prstGeom prst="rect">
-            <a:avLst/>
-          </a:prstGeom>
-        </p:spPr>
-        <p:txBody>
-          <a:bodyPr wrap="square">
-            <a:spAutoFit/>
-          </a:bodyPr>
-          <a:lstStyle/>
-          <a:p>
-            <a:pPr marL="285750" indent="-285750">
-              <a:buFont typeface="Arial" panose="020B0604020202020204" pitchFamily="34" charset="0"/>
-              <a:buChar char="•"/>
-            </a:pPr>
-            <a:r>
-              <a:rPr lang="pt-BR" sz="1600" dirty="0"/>
-              <a:t>Mesma função observável dos exemplos anteriores.</a:t>
-            </a:r>
-          </a:p>
-          <a:p>
-            <a:pPr marL="285750" indent="-285750">
-              <a:buFont typeface="Arial" panose="020B0604020202020204" pitchFamily="34" charset="0"/>
-              <a:buChar char="•"/>
-            </a:pPr>
-            <a:r>
-              <a:rPr lang="pt-BR" sz="1600" dirty="0"/>
-              <a:t>Base de dados com </a:t>
-            </a:r>
-            <a:r>
-              <a:rPr lang="pt-BR" sz="1600" b="1" dirty="0"/>
-              <a:t>10000 exemplos:</a:t>
-            </a:r>
-          </a:p>
-          <a:p>
-            <a:pPr marL="742950" lvl="1" indent="-285750">
-              <a:buFont typeface="Wingdings" panose="05000000000000000000" pitchFamily="2" charset="2"/>
-              <a:buChar char="§"/>
-            </a:pPr>
-            <a:r>
-              <a:rPr lang="pt-BR" sz="1600" dirty="0"/>
-              <a:t>Evita o sobreajuste, pois os modelos têm complexidade muito menor do que o número de exemplos.</a:t>
-            </a:r>
-          </a:p>
-          <a:p>
-            <a:pPr marL="285750" indent="-285750">
-              <a:buFont typeface="Arial" panose="020B0604020202020204" pitchFamily="34" charset="0"/>
-              <a:buChar char="•"/>
-            </a:pPr>
-            <a:r>
-              <a:rPr lang="pt-BR" sz="1600" dirty="0"/>
-              <a:t>Holdout com 30% para validação.</a:t>
-            </a:r>
-          </a:p>
-          <a:p>
-            <a:pPr marL="285750" indent="-285750">
-              <a:buFont typeface="Arial" panose="020B0604020202020204" pitchFamily="34" charset="0"/>
-              <a:buChar char="•"/>
-            </a:pPr>
-            <a:r>
-              <a:rPr lang="pt-BR" sz="1600" b="1" dirty="0">
-                <a:solidFill>
-                  <a:srgbClr val="FF0000"/>
-                </a:solidFill>
-              </a:rPr>
-              <a:t>Qual ordem escolher?</a:t>
-            </a:r>
-          </a:p>
-        </p:txBody>
-      </p:sp>
-      <p:cxnSp>
-        <p:nvCxnSpPr>
-          <p:cNvPr id="7" name="Straight Arrow Connector 6"/>
-          <p:cNvCxnSpPr>
-            <a:cxnSpLocks/>
-          </p:cNvCxnSpPr>
-          <p:nvPr/>
-        </p:nvCxnSpPr>
-        <p:spPr>
-          <a:xfrm>
-            <a:off x="7412827" y="2262971"/>
-            <a:ext cx="750785" cy="362966"/>
-          </a:xfrm>
-          <a:prstGeom prst="straightConnector1">
-            <a:avLst/>
-          </a:prstGeom>
-          <a:ln w="19050">
-            <a:solidFill>
-              <a:srgbClr val="FF0000"/>
-            </a:solidFill>
-            <a:tailEnd type="triangle"/>
-          </a:ln>
-        </p:spPr>
-        <p:style>
-          <a:lnRef idx="1">
-            <a:schemeClr val="accent1"/>
-          </a:lnRef>
-          <a:fillRef idx="0">
-            <a:schemeClr val="accent1"/>
-          </a:fillRef>
-          <a:effectRef idx="0">
-            <a:schemeClr val="accent1"/>
-          </a:effectRef>
-          <a:fontRef idx="minor">
-            <a:schemeClr val="tx1"/>
-          </a:fontRef>
-        </p:style>
-      </p:cxnSp>
-      <p:sp>
-        <p:nvSpPr>
-          <p:cNvPr id="9" name="CaixaDeTexto 8">
-            <a:extLst>
-              <a:ext uri="{FF2B5EF4-FFF2-40B4-BE49-F238E27FC236}">
-                <a16:creationId xmlns:a16="http://schemas.microsoft.com/office/drawing/2014/main" id="{C4E67120-B258-515A-AA77-68D240267A57}"/>
-              </a:ext>
-            </a:extLst>
-          </p:cNvPr>
-          <p:cNvSpPr txBox="1"/>
-          <p:nvPr/>
-        </p:nvSpPr>
-        <p:spPr>
-          <a:xfrm>
-            <a:off x="9483365" y="2262971"/>
-            <a:ext cx="2083324" cy="738664"/>
-          </a:xfrm>
-          <a:prstGeom prst="rect">
-            <a:avLst/>
-          </a:prstGeom>
-          <a:noFill/>
-        </p:spPr>
-        <p:txBody>
-          <a:bodyPr wrap="square">
-            <a:spAutoFit/>
-          </a:bodyPr>
-          <a:lstStyle/>
-          <a:p>
-            <a:pPr algn="ctr"/>
-            <a:r>
-              <a:rPr lang="pt-BR" sz="1400" b="1" dirty="0"/>
-              <a:t>Teoricamente, qualquer ordem maior ou igual a 2 já seria uma boa escolha.</a:t>
-            </a:r>
-          </a:p>
-        </p:txBody>
-      </p:sp>
-    </p:spTree>
-    <p:extLst>
-      <p:ext uri="{BB962C8B-B14F-4D97-AF65-F5344CB8AC3E}">
-        <p14:creationId xmlns:p14="http://schemas.microsoft.com/office/powerpoint/2010/main" val="1166345807"/>
-      </p:ext>
-    </p:extLst>
-  </p:cSld>
-  <p:clrMapOvr>
-    <a:masterClrMapping/>
-  </p:clrMapOvr>
-</p:sld>
-</file>
-
-<file path=ppt/slides/slide22.xml><?xml version="1.0" encoding="utf-8"?>
-<p:sld xmlns:a="http://schemas.openxmlformats.org/drawingml/2006/main" xmlns:r="http://schemas.openxmlformats.org/officeDocument/2006/relationships" xmlns:p="http://schemas.openxmlformats.org/presentationml/2006/main">
-  <p:cSld>
-    <p:spTree>
-      <p:nvGrpSpPr>
-        <p:cNvPr id="1" name=""/>
-        <p:cNvGrpSpPr/>
-        <p:nvPr/>
-      </p:nvGrpSpPr>
-      <p:grpSpPr>
-        <a:xfrm>
-          <a:off x="0" y="0"/>
-          <a:ext cx="0" cy="0"/>
-          <a:chOff x="0" y="0"/>
-          <a:chExt cx="0" cy="0"/>
-        </a:xfrm>
-      </p:grpSpPr>
-      <p:sp>
-        <p:nvSpPr>
           <p:cNvPr id="2" name="Title 1"/>
           <p:cNvSpPr>
             <a:spLocks noGrp="1"/>
@@ -10720,12 +11462,8 @@
           </a:p>
           <a:p>
             <a:r>
-              <a:rPr lang="pt-BR" b="1"/>
-              <a:t>Projeto </a:t>
-            </a:r>
-            <a:r>
               <a:rPr lang="pt-BR" b="1" dirty="0"/>
-              <a:t>Final</a:t>
+              <a:t>Projeto Final</a:t>
             </a:r>
           </a:p>
           <a:p>
@@ -10768,7 +11506,7 @@
 </p:sld>
 </file>
 
-<file path=ppt/slides/slide23.xml><?xml version="1.0" encoding="utf-8"?>
+<file path=ppt/slides/slide18.xml><?xml version="1.0" encoding="utf-8"?>
 <p:sld xmlns:a="http://schemas.openxmlformats.org/drawingml/2006/main" xmlns:r="http://schemas.openxmlformats.org/officeDocument/2006/relationships" xmlns:p="http://schemas.openxmlformats.org/presentationml/2006/main">
   <p:cSld>
     <p:spTree>
@@ -10853,7 +11591,7 @@
 </p:sld>
 </file>
 
-<file path=ppt/slides/slide24.xml><?xml version="1.0" encoding="utf-8"?>
+<file path=ppt/slides/slide19.xml><?xml version="1.0" encoding="utf-8"?>
 <p:sld xmlns:a="http://schemas.openxmlformats.org/drawingml/2006/main" xmlns:r="http://schemas.openxmlformats.org/officeDocument/2006/relationships" xmlns:p="http://schemas.openxmlformats.org/presentationml/2006/main">
   <p:cSld>
     <p:spTree>
@@ -11170,7 +11908,272 @@
 </p:sld>
 </file>
 
-<file path=ppt/slides/slide25.xml><?xml version="1.0" encoding="utf-8"?>
+<file path=ppt/slides/slide2.xml><?xml version="1.0" encoding="utf-8"?>
+<p:sld xmlns:a="http://schemas.openxmlformats.org/drawingml/2006/main" xmlns:r="http://schemas.openxmlformats.org/officeDocument/2006/relationships" xmlns:p="http://schemas.openxmlformats.org/presentationml/2006/main">
+  <p:cSld>
+    <p:spTree>
+      <p:nvGrpSpPr>
+        <p:cNvPr id="1" name=""/>
+        <p:cNvGrpSpPr/>
+        <p:nvPr/>
+      </p:nvGrpSpPr>
+      <p:grpSpPr>
+        <a:xfrm>
+          <a:off x="0" y="0"/>
+          <a:ext cx="0" cy="0"/>
+          <a:chOff x="0" y="0"/>
+          <a:chExt cx="0" cy="0"/>
+        </a:xfrm>
+      </p:grpSpPr>
+      <p:sp>
+        <p:nvSpPr>
+          <p:cNvPr id="2" name="Title 1"/>
+          <p:cNvSpPr>
+            <a:spLocks noGrp="1"/>
+          </p:cNvSpPr>
+          <p:nvPr>
+            <p:ph type="title"/>
+          </p:nvPr>
+        </p:nvSpPr>
+        <p:spPr/>
+        <p:txBody>
+          <a:bodyPr/>
+          <a:lstStyle/>
+          <a:p>
+            <a:r>
+              <a:rPr lang="pt-BR" dirty="0"/>
+              <a:t>Recapitulando</a:t>
+            </a:r>
+          </a:p>
+        </p:txBody>
+      </p:sp>
+      <p:sp>
+        <p:nvSpPr>
+          <p:cNvPr id="3" name="Content Placeholder 2"/>
+          <p:cNvSpPr>
+            <a:spLocks noGrp="1"/>
+          </p:cNvSpPr>
+          <p:nvPr>
+            <p:ph idx="1"/>
+          </p:nvPr>
+        </p:nvSpPr>
+        <p:spPr>
+          <a:xfrm>
+            <a:off x="838199" y="1825624"/>
+            <a:ext cx="11162123" cy="5032376"/>
+          </a:xfrm>
+        </p:spPr>
+        <p:txBody>
+          <a:bodyPr>
+            <a:normAutofit/>
+          </a:bodyPr>
+          <a:lstStyle/>
+          <a:p>
+            <a:r>
+              <a:rPr lang="pt-BR" dirty="0"/>
+              <a:t>Vimos que o </a:t>
+            </a:r>
+            <a:r>
+              <a:rPr lang="pt-BR" b="1" i="1" dirty="0">
+                <a:solidFill>
+                  <a:srgbClr val="7030A0"/>
+                </a:solidFill>
+              </a:rPr>
+              <a:t>escalonamento de atributos</a:t>
+            </a:r>
+            <a:r>
+              <a:rPr lang="pt-BR" dirty="0"/>
+              <a:t> </a:t>
+            </a:r>
+            <a:r>
+              <a:rPr lang="pt-BR" b="1" i="1" dirty="0">
+                <a:solidFill>
+                  <a:srgbClr val="00B050"/>
+                </a:solidFill>
+              </a:rPr>
+              <a:t>acelerara o aprendizado do GD </a:t>
+            </a:r>
+            <a:r>
+              <a:rPr lang="pt-BR" dirty="0"/>
+              <a:t>quando os atributos têm intervalos de variação muito diferentes.</a:t>
+            </a:r>
+          </a:p>
+          <a:p>
+            <a:r>
+              <a:rPr lang="pt-BR" dirty="0"/>
+              <a:t>Aprendemos que </a:t>
+            </a:r>
+            <a:r>
+              <a:rPr lang="pt-BR" b="1" i="1" dirty="0">
+                <a:solidFill>
+                  <a:srgbClr val="7030A0"/>
+                </a:solidFill>
+              </a:rPr>
+              <a:t>funções hipótese polinomiais</a:t>
+            </a:r>
+            <a:r>
+              <a:rPr lang="pt-BR" b="1" i="1" dirty="0"/>
+              <a:t> </a:t>
+            </a:r>
+            <a:r>
+              <a:rPr lang="pt-BR" dirty="0"/>
+              <a:t>podem ser utilizadas para </a:t>
+            </a:r>
+            <a:r>
+              <a:rPr lang="pt-BR" b="1" i="1" dirty="0">
+                <a:solidFill>
+                  <a:srgbClr val="00B050"/>
+                </a:solidFill>
+              </a:rPr>
+              <a:t>aproximar comportamentos não-lineares</a:t>
+            </a:r>
+            <a:r>
+              <a:rPr lang="pt-BR" dirty="0"/>
+              <a:t>.</a:t>
+            </a:r>
+          </a:p>
+          <a:p>
+            <a:r>
+              <a:rPr lang="pt-BR" dirty="0"/>
+              <a:t>Porém, precisamos </a:t>
+            </a:r>
+            <a:r>
+              <a:rPr lang="pt-BR" b="1" i="1" dirty="0">
+                <a:solidFill>
+                  <a:srgbClr val="002060"/>
+                </a:solidFill>
+              </a:rPr>
+              <a:t>encontrar o grau ideal do polinômio aproximador</a:t>
+            </a:r>
+            <a:r>
+              <a:rPr lang="pt-BR" dirty="0"/>
+              <a:t>.</a:t>
+            </a:r>
+          </a:p>
+          <a:p>
+            <a:pPr lvl="1">
+              <a:buFont typeface="Wingdings" panose="05000000000000000000" pitchFamily="2" charset="2"/>
+              <a:buChar char="§"/>
+            </a:pPr>
+            <a:r>
+              <a:rPr lang="pt-BR" dirty="0"/>
+              <a:t>Polinômios com </a:t>
+            </a:r>
+            <a:r>
+              <a:rPr lang="pt-BR" b="1" i="1" dirty="0">
+                <a:solidFill>
+                  <a:srgbClr val="7030A0"/>
+                </a:solidFill>
+              </a:rPr>
+              <a:t>grau muito baixo</a:t>
+            </a:r>
+            <a:r>
+              <a:rPr lang="pt-BR" dirty="0"/>
+              <a:t> podem não ter flexibilidade o suficiente para aproximar os dados, causando </a:t>
+            </a:r>
+            <a:r>
+              <a:rPr lang="pt-BR" b="1" i="1" dirty="0"/>
+              <a:t>subajuste</a:t>
+            </a:r>
+            <a:r>
+              <a:rPr lang="pt-BR" dirty="0"/>
+              <a:t>.</a:t>
+            </a:r>
+          </a:p>
+          <a:p>
+            <a:pPr lvl="1">
+              <a:buFont typeface="Wingdings" panose="05000000000000000000" pitchFamily="2" charset="2"/>
+              <a:buChar char="§"/>
+            </a:pPr>
+            <a:r>
+              <a:rPr lang="pt-BR" dirty="0"/>
+              <a:t>Polinômios com </a:t>
+            </a:r>
+            <a:r>
+              <a:rPr lang="pt-BR" b="1" i="1" dirty="0">
+                <a:solidFill>
+                  <a:srgbClr val="7030A0"/>
+                </a:solidFill>
+              </a:rPr>
+              <a:t>grau muito alto</a:t>
+            </a:r>
+            <a:r>
+              <a:rPr lang="pt-BR" dirty="0"/>
+              <a:t> podem ser tão flexíveis que acabam memorizando os dados de treinamento, causando </a:t>
+            </a:r>
+            <a:r>
+              <a:rPr lang="pt-BR" b="1" i="1" dirty="0"/>
+              <a:t>sobreajuste</a:t>
+            </a:r>
+            <a:r>
+              <a:rPr lang="pt-BR" dirty="0"/>
+              <a:t>.</a:t>
+            </a:r>
+          </a:p>
+          <a:p>
+            <a:r>
+              <a:rPr lang="pt-BR" dirty="0"/>
+              <a:t>Na sequência, veremos como </a:t>
+            </a:r>
+            <a:r>
+              <a:rPr lang="pt-BR" b="1" i="1" dirty="0">
+                <a:solidFill>
+                  <a:srgbClr val="7030A0"/>
+                </a:solidFill>
+              </a:rPr>
+              <a:t>escolher o grau ideal</a:t>
+            </a:r>
+            <a:r>
+              <a:rPr lang="pt-BR" b="1" dirty="0">
+                <a:solidFill>
+                  <a:srgbClr val="7030A0"/>
+                </a:solidFill>
+              </a:rPr>
+              <a:t> </a:t>
+            </a:r>
+            <a:r>
+              <a:rPr lang="pt-BR" dirty="0"/>
+              <a:t>da </a:t>
+            </a:r>
+            <a:r>
+              <a:rPr lang="pt-BR" b="1" i="1" dirty="0">
+                <a:solidFill>
+                  <a:srgbClr val="00B050"/>
+                </a:solidFill>
+              </a:rPr>
+              <a:t>função hipótese polinomial de forma quantitativa</a:t>
+            </a:r>
+            <a:r>
+              <a:rPr lang="pt-BR" dirty="0"/>
+              <a:t>, mesmo não conhecendo ou existindo uma função objetivo.</a:t>
+            </a:r>
+          </a:p>
+          <a:p>
+            <a:endParaRPr lang="pt-BR" dirty="0"/>
+          </a:p>
+          <a:p>
+            <a:pPr lvl="1">
+              <a:buFont typeface="Wingdings" panose="05000000000000000000" pitchFamily="2" charset="2"/>
+              <a:buChar char="§"/>
+            </a:pPr>
+            <a:endParaRPr lang="pt-BR" dirty="0"/>
+          </a:p>
+        </p:txBody>
+      </p:sp>
+    </p:spTree>
+    <p:extLst>
+      <p:ext uri="{BB962C8B-B14F-4D97-AF65-F5344CB8AC3E}">
+        <p14:creationId xmlns:p14="http://schemas.microsoft.com/office/powerpoint/2010/main" val="2153437485"/>
+      </p:ext>
+    </p:extLst>
+  </p:cSld>
+  <p:clrMapOvr>
+    <a:masterClrMapping/>
+  </p:clrMapOvr>
+</p:sld>
+</file>
+
+<file path=ppt/slides/slide20.xml><?xml version="1.0" encoding="utf-8"?>
 <p:sld xmlns:a="http://schemas.openxmlformats.org/drawingml/2006/main" xmlns:r="http://schemas.openxmlformats.org/officeDocument/2006/relationships" xmlns:p="http://schemas.openxmlformats.org/presentationml/2006/main">
   <p:cSld>
     <p:spTree>
@@ -11228,7 +12231,7 @@
 </p:sld>
 </file>
 
-<file path=ppt/slides/slide26.xml><?xml version="1.0" encoding="utf-8"?>
+<file path=ppt/slides/slide21.xml><?xml version="1.0" encoding="utf-8"?>
 <p:sld xmlns:a="http://schemas.openxmlformats.org/drawingml/2006/main" xmlns:r="http://schemas.openxmlformats.org/officeDocument/2006/relationships" xmlns:p="http://schemas.openxmlformats.org/presentationml/2006/main">
   <p:cSld>
     <p:spTree>
@@ -13047,7 +14050,7 @@
 </p:sld>
 </file>
 
-<file path=ppt/slides/slide27.xml><?xml version="1.0" encoding="utf-8"?>
+<file path=ppt/slides/slide22.xml><?xml version="1.0" encoding="utf-8"?>
 <p:sld xmlns:a="http://schemas.openxmlformats.org/drawingml/2006/main" xmlns:r="http://schemas.openxmlformats.org/officeDocument/2006/relationships" xmlns:p="http://schemas.openxmlformats.org/presentationml/2006/main">
   <p:cSld>
     <p:spTree>
@@ -15235,8 +16238,8 @@
             </a:p>
           </p:txBody>
         </p:sp>
-        <mc:AlternateContent xmlns:mc="http://schemas.openxmlformats.org/markup-compatibility/2006">
-          <mc:Choice xmlns:a14="http://schemas.microsoft.com/office/drawing/2010/main" Requires="a14">
+        <mc:AlternateContent xmlns:mc="http://schemas.openxmlformats.org/markup-compatibility/2006" xmlns:a14="http://schemas.microsoft.com/office/drawing/2010/main">
+          <mc:Choice Requires="a14">
             <p:sp>
               <p:nvSpPr>
                 <p:cNvPr id="53" name="CaixaDeTexto 52">
@@ -15392,7 +16395,7 @@
               </p:txBody>
             </p:sp>
           </mc:Choice>
-          <mc:Fallback>
+          <mc:Fallback xmlns="">
             <p:sp>
               <p:nvSpPr>
                 <p:cNvPr id="53" name="CaixaDeTexto 52">
@@ -15451,7 +16454,7 @@
 </p:sld>
 </file>
 
-<file path=ppt/slides/slide28.xml><?xml version="1.0" encoding="utf-8"?>
+<file path=ppt/slides/slide23.xml><?xml version="1.0" encoding="utf-8"?>
 <p:sld xmlns:a="http://schemas.openxmlformats.org/drawingml/2006/main" xmlns:r="http://schemas.openxmlformats.org/officeDocument/2006/relationships" xmlns:p="http://schemas.openxmlformats.org/presentationml/2006/main">
   <p:cSld>
     <p:spTree>
@@ -17287,8 +18290,8 @@
           <a:chExt cx="0" cy="0"/>
         </a:xfrm>
       </p:grpSpPr>
-      <mc:AlternateContent xmlns:mc="http://schemas.openxmlformats.org/markup-compatibility/2006">
-        <mc:Choice xmlns:a14="http://schemas.microsoft.com/office/drawing/2010/main" Requires="a14">
+      <mc:AlternateContent xmlns:mc="http://schemas.openxmlformats.org/markup-compatibility/2006" xmlns:a14="http://schemas.microsoft.com/office/drawing/2010/main">
+        <mc:Choice Requires="a14">
           <p:sp>
             <p:nvSpPr>
               <p:cNvPr id="2" name="Título 1">
@@ -17337,7 +18340,7 @@
             </p:txBody>
           </p:sp>
         </mc:Choice>
-        <mc:Fallback>
+        <mc:Fallback xmlns="">
           <p:sp>
             <p:nvSpPr>
               <p:cNvPr id="2" name="Título 1">
@@ -17410,28 +18413,8 @@
               <a:t>É uma estratégia mais elaborada do que a do </a:t>
             </a:r>
             <a:r>
-              <a:rPr lang="pt-BR" i="1" dirty="0"/>
-              <a:t>Holdout</a:t>
-            </a:r>
-            <a:r>
-              <a:rPr lang="pt-BR" dirty="0"/>
-              <a:t> e </a:t>
-            </a:r>
-            <a:r>
-              <a:rPr lang="pt-BR" sz="2800" b="1" i="1" dirty="0"/>
-              <a:t>fornece </a:t>
-            </a:r>
-            <a:r>
-              <a:rPr lang="pt-BR" sz="2800" b="1" i="1" dirty="0">
-                <a:solidFill>
-                  <a:srgbClr val="00B050"/>
-                </a:solidFill>
-              </a:rPr>
-              <a:t>indicações mais claras</a:t>
-            </a:r>
-            <a:r>
-              <a:rPr lang="pt-BR" sz="2800" b="1" i="1" dirty="0"/>
-              <a:t> sobre o desempenho do modelo</a:t>
+              <a:rPr lang="pt-BR" i="1" dirty="0" err="1"/>
+              <a:t>holdout</a:t>
             </a:r>
             <a:r>
               <a:rPr lang="pt-BR" dirty="0"/>
@@ -17777,8 +18760,8 @@
           <a:chExt cx="0" cy="0"/>
         </a:xfrm>
       </p:grpSpPr>
-      <mc:AlternateContent xmlns:mc="http://schemas.openxmlformats.org/markup-compatibility/2006">
-        <mc:Choice xmlns:a14="http://schemas.microsoft.com/office/drawing/2010/main" Requires="a14">
+      <mc:AlternateContent xmlns:mc="http://schemas.openxmlformats.org/markup-compatibility/2006" xmlns:a14="http://schemas.microsoft.com/office/drawing/2010/main">
+        <mc:Choice Requires="a14">
           <p:sp>
             <p:nvSpPr>
               <p:cNvPr id="2" name="Título 1">
@@ -17827,7 +18810,7 @@
             </p:txBody>
           </p:sp>
         </mc:Choice>
-        <mc:Fallback>
+        <mc:Fallback xmlns="">
           <p:sp>
             <p:nvSpPr>
               <p:cNvPr id="2" name="Título 1">

--- a/slides/T319_Regressão_Linear (Parte V).pptx
+++ b/slides/T319_Regressão_Linear (Parte V).pptx
@@ -6904,8 +6904,8 @@
           </p:sp>
         </mc:Fallback>
       </mc:AlternateContent>
-      <mc:AlternateContent xmlns:mc="http://schemas.openxmlformats.org/markup-compatibility/2006">
-        <mc:Choice xmlns:a14="http://schemas.microsoft.com/office/drawing/2010/main" Requires="a14">
+      <mc:AlternateContent xmlns:mc="http://schemas.openxmlformats.org/markup-compatibility/2006" xmlns:a14="http://schemas.microsoft.com/office/drawing/2010/main">
+        <mc:Choice Requires="a14">
           <p:sp>
             <p:nvSpPr>
               <p:cNvPr id="3" name="Espaço Reservado para Conteúdo 2">
@@ -7113,7 +7113,7 @@
             </p:txBody>
           </p:sp>
         </mc:Choice>
-        <mc:Fallback>
+        <mc:Fallback xmlns="">
           <p:sp>
             <p:nvSpPr>
               <p:cNvPr id="3" name="Espaço Reservado para Conteúdo 2">
@@ -7215,8 +7215,8 @@
           </a:p>
         </p:txBody>
       </p:sp>
-      <mc:AlternateContent xmlns:mc="http://schemas.openxmlformats.org/markup-compatibility/2006" xmlns:a14="http://schemas.microsoft.com/office/drawing/2010/main">
-        <mc:Choice Requires="a14">
+      <mc:AlternateContent xmlns:mc="http://schemas.openxmlformats.org/markup-compatibility/2006">
+        <mc:Choice xmlns:a14="http://schemas.microsoft.com/office/drawing/2010/main" Requires="a14">
           <p:sp>
             <p:nvSpPr>
               <p:cNvPr id="3" name="Espaço Reservado para Conteúdo 2">
@@ -7367,7 +7367,7 @@
               <a:p>
                 <a:r>
                   <a:rPr lang="pt-BR" dirty="0"/>
-                  <a:t>A função objetivo é um polinômio de segunda ordem definido como</a:t>
+                  <a:t>A função objetivo é um polinômio de segundo grau definido como</a:t>
                 </a:r>
               </a:p>
               <a:p>
@@ -7455,7 +7455,7 @@
             </p:txBody>
           </p:sp>
         </mc:Choice>
-        <mc:Fallback xmlns="">
+        <mc:Fallback>
           <p:sp>
             <p:nvSpPr>
               <p:cNvPr id="3" name="Espaço Reservado para Conteúdo 2">
@@ -7648,8 +7648,8 @@
           </a:p>
         </p:txBody>
       </p:sp>
-      <mc:AlternateContent xmlns:mc="http://schemas.openxmlformats.org/markup-compatibility/2006">
-        <mc:Choice xmlns:a14="http://schemas.microsoft.com/office/drawing/2010/main" Requires="a14">
+      <mc:AlternateContent xmlns:mc="http://schemas.openxmlformats.org/markup-compatibility/2006" xmlns:a14="http://schemas.microsoft.com/office/drawing/2010/main">
+        <mc:Choice Requires="a14">
           <p:sp>
             <p:nvSpPr>
               <p:cNvPr id="3" name="Espaço Reservado para Conteúdo 2">
@@ -7775,7 +7775,7 @@
             </p:txBody>
           </p:sp>
         </mc:Choice>
-        <mc:Fallback>
+        <mc:Fallback xmlns="">
           <p:sp>
             <p:nvSpPr>
               <p:cNvPr id="3" name="Espaço Reservado para Conteúdo 2">
@@ -8534,8 +8534,8 @@
           <a:chExt cx="0" cy="0"/>
         </a:xfrm>
       </p:grpSpPr>
-      <mc:AlternateContent xmlns:mc="http://schemas.openxmlformats.org/markup-compatibility/2006">
-        <mc:Choice xmlns:a14="http://schemas.microsoft.com/office/drawing/2010/main" Requires="a14">
+      <mc:AlternateContent xmlns:mc="http://schemas.openxmlformats.org/markup-compatibility/2006" xmlns:a14="http://schemas.microsoft.com/office/drawing/2010/main">
+        <mc:Choice Requires="a14">
           <p:sp>
             <p:nvSpPr>
               <p:cNvPr id="2" name="Título 1">
@@ -8591,7 +8591,7 @@
             </p:txBody>
           </p:sp>
         </mc:Choice>
-        <mc:Fallback>
+        <mc:Fallback xmlns="">
           <p:sp>
             <p:nvSpPr>
               <p:cNvPr id="2" name="Título 1">
@@ -8722,7 +8722,15 @@
               <a:p>
                 <a:r>
                   <a:rPr lang="pt-BR" dirty="0"/>
-                  <a:t>Média e desvio padrão do EQM aumentam com a ordem do polinômio.</a:t>
+                  <a:t>Média e desvio padrão do EQM aumentam com </a:t>
+                </a:r>
+                <a:r>
+                  <a:rPr lang="pt-BR"/>
+                  <a:t>o grau do </a:t>
+                </a:r>
+                <a:r>
+                  <a:rPr lang="pt-BR" dirty="0"/>
+                  <a:t>polinômio.</a:t>
                 </a:r>
               </a:p>
               <a:p>
@@ -8809,7 +8817,7 @@
               <a:blipFill>
                 <a:blip r:embed="rId3"/>
                 <a:stretch>
-                  <a:fillRect l="-1737" t="-3373" r="-1954" b="-120"/>
+                  <a:fillRect l="-1737" t="-3373" r="-1954"/>
                 </a:stretch>
               </a:blipFill>
             </p:spPr>
@@ -9701,8 +9709,8 @@
           <a:chExt cx="0" cy="0"/>
         </a:xfrm>
       </p:grpSpPr>
-      <mc:AlternateContent xmlns:mc="http://schemas.openxmlformats.org/markup-compatibility/2006">
-        <mc:Choice xmlns:a14="http://schemas.microsoft.com/office/drawing/2010/main" Requires="a14">
+      <mc:AlternateContent xmlns:mc="http://schemas.openxmlformats.org/markup-compatibility/2006" xmlns:a14="http://schemas.microsoft.com/office/drawing/2010/main">
+        <mc:Choice Requires="a14">
           <p:sp>
             <p:nvSpPr>
               <p:cNvPr id="2" name="Título 1">
@@ -9758,7 +9766,7 @@
             </p:txBody>
           </p:sp>
         </mc:Choice>
-        <mc:Fallback>
+        <mc:Fallback xmlns="">
           <p:sp>
             <p:nvSpPr>
               <p:cNvPr id="2" name="Título 1">

--- a/slides/T319_Regressão_Linear (Parte V).pptx
+++ b/slides/T319_Regressão_Linear (Parte V).pptx
@@ -5,7 +5,7 @@
     <p:sldMasterId id="2147483648" r:id="rId1"/>
   </p:sldMasterIdLst>
   <p:notesMasterIdLst>
-    <p:notesMasterId r:id="rId25"/>
+    <p:notesMasterId r:id="rId26"/>
   </p:notesMasterIdLst>
   <p:sldIdLst>
     <p:sldId id="259" r:id="rId2"/>
@@ -30,7 +30,8 @@
     <p:sldId id="299" r:id="rId21"/>
     <p:sldId id="410" r:id="rId22"/>
     <p:sldId id="449" r:id="rId23"/>
-    <p:sldId id="419" r:id="rId24"/>
+    <p:sldId id="454" r:id="rId24"/>
+    <p:sldId id="419" r:id="rId25"/>
   </p:sldIdLst>
   <p:sldSz cx="12192000" cy="6858000"/>
   <p:notesSz cx="6858000" cy="9144000"/>
@@ -546,7 +547,7 @@
           <a:p>
             <a:fld id="{DAF0AF11-6A8A-4E64-94F5-26D4FBA2A01D}" type="datetimeFigureOut">
               <a:rPr lang="nl-BE" smtClean="0"/>
-              <a:t>23/11/2023</a:t>
+              <a:t>24/11/2023</a:t>
             </a:fld>
             <a:endParaRPr lang="nl-BE"/>
           </a:p>
@@ -1880,6 +1881,90 @@
 </p:notes>
 </file>
 
+<file path=ppt/notesSlides/notesSlide16.xml><?xml version="1.0" encoding="utf-8"?>
+<p:notes xmlns:a="http://schemas.openxmlformats.org/drawingml/2006/main" xmlns:r="http://schemas.openxmlformats.org/officeDocument/2006/relationships" xmlns:p="http://schemas.openxmlformats.org/presentationml/2006/main">
+  <p:cSld>
+    <p:spTree>
+      <p:nvGrpSpPr>
+        <p:cNvPr id="1" name=""/>
+        <p:cNvGrpSpPr/>
+        <p:nvPr/>
+      </p:nvGrpSpPr>
+      <p:grpSpPr>
+        <a:xfrm>
+          <a:off x="0" y="0"/>
+          <a:ext cx="0" cy="0"/>
+          <a:chOff x="0" y="0"/>
+          <a:chExt cx="0" cy="0"/>
+        </a:xfrm>
+      </p:grpSpPr>
+      <p:sp>
+        <p:nvSpPr>
+          <p:cNvPr id="2" name="Espaço Reservado para Imagem de Slide 1"/>
+          <p:cNvSpPr>
+            <a:spLocks noGrp="1" noRot="1" noChangeAspect="1"/>
+          </p:cNvSpPr>
+          <p:nvPr>
+            <p:ph type="sldImg"/>
+          </p:nvPr>
+        </p:nvSpPr>
+        <p:spPr/>
+      </p:sp>
+      <p:sp>
+        <p:nvSpPr>
+          <p:cNvPr id="3" name="Espaço Reservado para Anotações 2"/>
+          <p:cNvSpPr>
+            <a:spLocks noGrp="1"/>
+          </p:cNvSpPr>
+          <p:nvPr>
+            <p:ph type="body" idx="1"/>
+          </p:nvPr>
+        </p:nvSpPr>
+        <p:spPr/>
+        <p:txBody>
+          <a:bodyPr/>
+          <a:lstStyle/>
+          <a:p>
+            <a:endParaRPr lang="pt-BR" dirty="0"/>
+          </a:p>
+        </p:txBody>
+      </p:sp>
+      <p:sp>
+        <p:nvSpPr>
+          <p:cNvPr id="4" name="Espaço Reservado para Número de Slide 3"/>
+          <p:cNvSpPr>
+            <a:spLocks noGrp="1"/>
+          </p:cNvSpPr>
+          <p:nvPr>
+            <p:ph type="sldNum" sz="quarter" idx="5"/>
+          </p:nvPr>
+        </p:nvSpPr>
+        <p:spPr/>
+        <p:txBody>
+          <a:bodyPr/>
+          <a:lstStyle/>
+          <a:p>
+            <a:fld id="{DA8B99DF-01BC-492A-8CEF-4FD88D18DD9D}" type="slidenum">
+              <a:rPr lang="nl-BE" smtClean="0"/>
+              <a:t>23</a:t>
+            </a:fld>
+            <a:endParaRPr lang="nl-BE"/>
+          </a:p>
+        </p:txBody>
+      </p:sp>
+    </p:spTree>
+    <p:extLst>
+      <p:ext uri="{BB962C8B-B14F-4D97-AF65-F5344CB8AC3E}">
+        <p14:creationId xmlns:p14="http://schemas.microsoft.com/office/powerpoint/2010/main" val="281444505"/>
+      </p:ext>
+    </p:extLst>
+  </p:cSld>
+  <p:clrMapOvr>
+    <a:masterClrMapping/>
+  </p:clrMapOvr>
+</p:notes>
+</file>
+
 <file path=ppt/notesSlides/notesSlide2.xml><?xml version="1.0" encoding="utf-8"?>
 <p:notes xmlns:a="http://schemas.openxmlformats.org/drawingml/2006/main" xmlns:r="http://schemas.openxmlformats.org/officeDocument/2006/relationships" xmlns:p="http://schemas.openxmlformats.org/presentationml/2006/main">
   <p:cSld>
@@ -3885,7 +3970,7 @@
           <a:p>
             <a:fld id="{C80E15A5-E95B-43EB-9AC7-9A96397448C0}" type="datetimeFigureOut">
               <a:rPr lang="nl-BE" smtClean="0"/>
-              <a:t>23/11/2023</a:t>
+              <a:t>24/11/2023</a:t>
             </a:fld>
             <a:endParaRPr lang="nl-BE"/>
           </a:p>
@@ -4055,7 +4140,7 @@
           <a:p>
             <a:fld id="{C80E15A5-E95B-43EB-9AC7-9A96397448C0}" type="datetimeFigureOut">
               <a:rPr lang="nl-BE" smtClean="0"/>
-              <a:t>23/11/2023</a:t>
+              <a:t>24/11/2023</a:t>
             </a:fld>
             <a:endParaRPr lang="nl-BE"/>
           </a:p>
@@ -4235,7 +4320,7 @@
           <a:p>
             <a:fld id="{C80E15A5-E95B-43EB-9AC7-9A96397448C0}" type="datetimeFigureOut">
               <a:rPr lang="nl-BE" smtClean="0"/>
-              <a:t>23/11/2023</a:t>
+              <a:t>24/11/2023</a:t>
             </a:fld>
             <a:endParaRPr lang="nl-BE"/>
           </a:p>
@@ -4405,7 +4490,7 @@
           <a:p>
             <a:fld id="{C80E15A5-E95B-43EB-9AC7-9A96397448C0}" type="datetimeFigureOut">
               <a:rPr lang="nl-BE" smtClean="0"/>
-              <a:t>23/11/2023</a:t>
+              <a:t>24/11/2023</a:t>
             </a:fld>
             <a:endParaRPr lang="nl-BE"/>
           </a:p>
@@ -4651,7 +4736,7 @@
           <a:p>
             <a:fld id="{C80E15A5-E95B-43EB-9AC7-9A96397448C0}" type="datetimeFigureOut">
               <a:rPr lang="nl-BE" smtClean="0"/>
-              <a:t>23/11/2023</a:t>
+              <a:t>24/11/2023</a:t>
             </a:fld>
             <a:endParaRPr lang="nl-BE"/>
           </a:p>
@@ -4883,7 +4968,7 @@
           <a:p>
             <a:fld id="{C80E15A5-E95B-43EB-9AC7-9A96397448C0}" type="datetimeFigureOut">
               <a:rPr lang="nl-BE" smtClean="0"/>
-              <a:t>23/11/2023</a:t>
+              <a:t>24/11/2023</a:t>
             </a:fld>
             <a:endParaRPr lang="nl-BE"/>
           </a:p>
@@ -5250,7 +5335,7 @@
           <a:p>
             <a:fld id="{C80E15A5-E95B-43EB-9AC7-9A96397448C0}" type="datetimeFigureOut">
               <a:rPr lang="nl-BE" smtClean="0"/>
-              <a:t>23/11/2023</a:t>
+              <a:t>24/11/2023</a:t>
             </a:fld>
             <a:endParaRPr lang="nl-BE"/>
           </a:p>
@@ -5368,7 +5453,7 @@
           <a:p>
             <a:fld id="{C80E15A5-E95B-43EB-9AC7-9A96397448C0}" type="datetimeFigureOut">
               <a:rPr lang="nl-BE" smtClean="0"/>
-              <a:t>23/11/2023</a:t>
+              <a:t>24/11/2023</a:t>
             </a:fld>
             <a:endParaRPr lang="nl-BE"/>
           </a:p>
@@ -5463,7 +5548,7 @@
           <a:p>
             <a:fld id="{C80E15A5-E95B-43EB-9AC7-9A96397448C0}" type="datetimeFigureOut">
               <a:rPr lang="nl-BE" smtClean="0"/>
-              <a:t>23/11/2023</a:t>
+              <a:t>24/11/2023</a:t>
             </a:fld>
             <a:endParaRPr lang="nl-BE"/>
           </a:p>
@@ -5740,7 +5825,7 @@
           <a:p>
             <a:fld id="{C80E15A5-E95B-43EB-9AC7-9A96397448C0}" type="datetimeFigureOut">
               <a:rPr lang="nl-BE" smtClean="0"/>
-              <a:t>23/11/2023</a:t>
+              <a:t>24/11/2023</a:t>
             </a:fld>
             <a:endParaRPr lang="nl-BE"/>
           </a:p>
@@ -5993,7 +6078,7 @@
           <a:p>
             <a:fld id="{C80E15A5-E95B-43EB-9AC7-9A96397448C0}" type="datetimeFigureOut">
               <a:rPr lang="nl-BE" smtClean="0"/>
-              <a:t>23/11/2023</a:t>
+              <a:t>24/11/2023</a:t>
             </a:fld>
             <a:endParaRPr lang="nl-BE"/>
           </a:p>
@@ -6206,7 +6291,7 @@
           <a:p>
             <a:fld id="{C80E15A5-E95B-43EB-9AC7-9A96397448C0}" type="datetimeFigureOut">
               <a:rPr lang="nl-BE" smtClean="0"/>
-              <a:t>23/11/2023</a:t>
+              <a:t>24/11/2023</a:t>
             </a:fld>
             <a:endParaRPr lang="nl-BE"/>
           </a:p>
@@ -7215,8 +7300,8 @@
           </a:p>
         </p:txBody>
       </p:sp>
-      <mc:AlternateContent xmlns:mc="http://schemas.openxmlformats.org/markup-compatibility/2006">
-        <mc:Choice xmlns:a14="http://schemas.microsoft.com/office/drawing/2010/main" Requires="a14">
+      <mc:AlternateContent xmlns:mc="http://schemas.openxmlformats.org/markup-compatibility/2006" xmlns:a14="http://schemas.microsoft.com/office/drawing/2010/main">
+        <mc:Choice Requires="a14">
           <p:sp>
             <p:nvSpPr>
               <p:cNvPr id="3" name="Espaço Reservado para Conteúdo 2">
@@ -7455,7 +7540,7 @@
             </p:txBody>
           </p:sp>
         </mc:Choice>
-        <mc:Fallback>
+        <mc:Fallback xmlns="">
           <p:sp>
             <p:nvSpPr>
               <p:cNvPr id="3" name="Espaço Reservado para Conteúdo 2">
@@ -8631,8 +8716,8 @@
           </p:sp>
         </mc:Fallback>
       </mc:AlternateContent>
-      <mc:AlternateContent xmlns:mc="http://schemas.openxmlformats.org/markup-compatibility/2006">
-        <mc:Choice xmlns:a14="http://schemas.microsoft.com/office/drawing/2010/main" Requires="a14">
+      <mc:AlternateContent xmlns:mc="http://schemas.openxmlformats.org/markup-compatibility/2006" xmlns:a14="http://schemas.microsoft.com/office/drawing/2010/main">
+        <mc:Choice Requires="a14">
           <p:sp>
             <p:nvSpPr>
               <p:cNvPr id="3" name="Espaço Reservado para Conteúdo 2">
@@ -8792,7 +8877,7 @@
             </p:txBody>
           </p:sp>
         </mc:Choice>
-        <mc:Fallback>
+        <mc:Fallback xmlns="">
           <p:sp>
             <p:nvSpPr>
               <p:cNvPr id="3" name="Espaço Reservado para Conteúdo 2">
@@ -16481,6 +16566,6470 @@
       </p:grpSpPr>
       <p:grpSp>
         <p:nvGrpSpPr>
+          <p:cNvPr id="171" name="Agrupar 170">
+            <a:extLst>
+              <a:ext uri="{FF2B5EF4-FFF2-40B4-BE49-F238E27FC236}">
+                <a16:creationId xmlns:a16="http://schemas.microsoft.com/office/drawing/2014/main" id="{FB2690F4-D40A-BD60-BD86-E3AF65A6DE84}"/>
+              </a:ext>
+            </a:extLst>
+          </p:cNvPr>
+          <p:cNvGrpSpPr/>
+          <p:nvPr/>
+        </p:nvGrpSpPr>
+        <p:grpSpPr>
+          <a:xfrm>
+            <a:off x="1011382" y="519993"/>
+            <a:ext cx="5635910" cy="5449828"/>
+            <a:chOff x="1011382" y="519993"/>
+            <a:chExt cx="5635910" cy="5449828"/>
+          </a:xfrm>
+        </p:grpSpPr>
+        <p:sp>
+          <p:nvSpPr>
+            <p:cNvPr id="5" name="Rectangle 4"/>
+            <p:cNvSpPr/>
+            <p:nvPr/>
+          </p:nvSpPr>
+          <p:spPr>
+            <a:xfrm>
+              <a:off x="2785106" y="962396"/>
+              <a:ext cx="432000" cy="393031"/>
+            </a:xfrm>
+            <a:prstGeom prst="rect">
+              <a:avLst/>
+            </a:prstGeom>
+            <a:solidFill>
+              <a:schemeClr val="accent1">
+                <a:lumMod val="20000"/>
+                <a:lumOff val="80000"/>
+              </a:schemeClr>
+            </a:solidFill>
+          </p:spPr>
+          <p:style>
+            <a:lnRef idx="2">
+              <a:schemeClr val="accent1">
+                <a:shade val="50000"/>
+              </a:schemeClr>
+            </a:lnRef>
+            <a:fillRef idx="1">
+              <a:schemeClr val="accent1"/>
+            </a:fillRef>
+            <a:effectRef idx="0">
+              <a:schemeClr val="accent1"/>
+            </a:effectRef>
+            <a:fontRef idx="minor">
+              <a:schemeClr val="lt1"/>
+            </a:fontRef>
+          </p:style>
+          <p:txBody>
+            <a:bodyPr rtlCol="0" anchor="ctr"/>
+            <a:lstStyle/>
+            <a:p>
+              <a:pPr algn="ctr"/>
+              <a:r>
+                <a:rPr lang="pt-BR" sz="1600" dirty="0">
+                  <a:solidFill>
+                    <a:schemeClr val="tx1"/>
+                  </a:solidFill>
+                </a:rPr>
+                <a:t>2</a:t>
+              </a:r>
+            </a:p>
+          </p:txBody>
+        </p:sp>
+        <p:sp>
+          <p:nvSpPr>
+            <p:cNvPr id="6" name="Rectangle 5"/>
+            <p:cNvSpPr/>
+            <p:nvPr/>
+          </p:nvSpPr>
+          <p:spPr>
+            <a:xfrm>
+              <a:off x="2354812" y="962396"/>
+              <a:ext cx="432000" cy="393031"/>
+            </a:xfrm>
+            <a:prstGeom prst="rect">
+              <a:avLst/>
+            </a:prstGeom>
+            <a:solidFill>
+              <a:schemeClr val="accent1">
+                <a:lumMod val="60000"/>
+                <a:lumOff val="40000"/>
+              </a:schemeClr>
+            </a:solidFill>
+          </p:spPr>
+          <p:style>
+            <a:lnRef idx="2">
+              <a:schemeClr val="accent1">
+                <a:shade val="50000"/>
+              </a:schemeClr>
+            </a:lnRef>
+            <a:fillRef idx="1">
+              <a:schemeClr val="accent1"/>
+            </a:fillRef>
+            <a:effectRef idx="0">
+              <a:schemeClr val="accent1"/>
+            </a:effectRef>
+            <a:fontRef idx="minor">
+              <a:schemeClr val="lt1"/>
+            </a:fontRef>
+          </p:style>
+          <p:txBody>
+            <a:bodyPr rtlCol="0" anchor="ctr"/>
+            <a:lstStyle/>
+            <a:p>
+              <a:pPr algn="ctr"/>
+              <a:r>
+                <a:rPr lang="pt-BR" sz="1600" dirty="0">
+                  <a:solidFill>
+                    <a:schemeClr val="tx1"/>
+                  </a:solidFill>
+                </a:rPr>
+                <a:t>1</a:t>
+              </a:r>
+            </a:p>
+          </p:txBody>
+        </p:sp>
+        <p:sp>
+          <p:nvSpPr>
+            <p:cNvPr id="7" name="TextBox 6"/>
+            <p:cNvSpPr txBox="1"/>
+            <p:nvPr/>
+          </p:nvSpPr>
+          <p:spPr>
+            <a:xfrm>
+              <a:off x="2675350" y="5289955"/>
+              <a:ext cx="1800000" cy="307777"/>
+            </a:xfrm>
+            <a:prstGeom prst="rect">
+              <a:avLst/>
+            </a:prstGeom>
+            <a:noFill/>
+          </p:spPr>
+          <p:txBody>
+            <a:bodyPr wrap="square" rtlCol="0">
+              <a:spAutoFit/>
+            </a:bodyPr>
+            <a:lstStyle/>
+            <a:p>
+              <a:r>
+                <a:rPr lang="pt-BR" sz="1400" i="1" dirty="0" err="1"/>
+                <a:t>Fold</a:t>
+              </a:r>
+              <a:r>
+                <a:rPr lang="pt-BR" sz="1400" dirty="0"/>
+                <a:t> de treinamento</a:t>
+              </a:r>
+            </a:p>
+          </p:txBody>
+        </p:sp>
+        <p:sp>
+          <p:nvSpPr>
+            <p:cNvPr id="8" name="TextBox 7"/>
+            <p:cNvSpPr txBox="1"/>
+            <p:nvPr/>
+          </p:nvSpPr>
+          <p:spPr>
+            <a:xfrm>
+              <a:off x="2675350" y="5662044"/>
+              <a:ext cx="1473290" cy="307777"/>
+            </a:xfrm>
+            <a:prstGeom prst="rect">
+              <a:avLst/>
+            </a:prstGeom>
+            <a:noFill/>
+          </p:spPr>
+          <p:txBody>
+            <a:bodyPr wrap="square" rtlCol="0">
+              <a:spAutoFit/>
+            </a:bodyPr>
+            <a:lstStyle/>
+            <a:p>
+              <a:r>
+                <a:rPr lang="pt-BR" sz="1400" i="1" dirty="0" err="1"/>
+                <a:t>Fold</a:t>
+              </a:r>
+              <a:r>
+                <a:rPr lang="pt-BR" sz="1400" dirty="0"/>
+                <a:t> de validação</a:t>
+              </a:r>
+            </a:p>
+          </p:txBody>
+        </p:sp>
+        <p:sp>
+          <p:nvSpPr>
+            <p:cNvPr id="9" name="Rectangle 8"/>
+            <p:cNvSpPr/>
+            <p:nvPr/>
+          </p:nvSpPr>
+          <p:spPr>
+            <a:xfrm>
+              <a:off x="3213056" y="962001"/>
+              <a:ext cx="432000" cy="393031"/>
+            </a:xfrm>
+            <a:prstGeom prst="rect">
+              <a:avLst/>
+            </a:prstGeom>
+            <a:solidFill>
+              <a:schemeClr val="accent1">
+                <a:lumMod val="20000"/>
+                <a:lumOff val="80000"/>
+              </a:schemeClr>
+            </a:solidFill>
+          </p:spPr>
+          <p:style>
+            <a:lnRef idx="2">
+              <a:schemeClr val="accent1">
+                <a:shade val="50000"/>
+              </a:schemeClr>
+            </a:lnRef>
+            <a:fillRef idx="1">
+              <a:schemeClr val="accent1"/>
+            </a:fillRef>
+            <a:effectRef idx="0">
+              <a:schemeClr val="accent1"/>
+            </a:effectRef>
+            <a:fontRef idx="minor">
+              <a:schemeClr val="lt1"/>
+            </a:fontRef>
+          </p:style>
+          <p:txBody>
+            <a:bodyPr rtlCol="0" anchor="ctr"/>
+            <a:lstStyle/>
+            <a:p>
+              <a:pPr algn="ctr"/>
+              <a:r>
+                <a:rPr lang="pt-BR" sz="1600" dirty="0">
+                  <a:solidFill>
+                    <a:schemeClr val="tx1"/>
+                  </a:solidFill>
+                </a:rPr>
+                <a:t>3</a:t>
+              </a:r>
+            </a:p>
+          </p:txBody>
+        </p:sp>
+        <p:sp>
+          <p:nvSpPr>
+            <p:cNvPr id="10" name="Rectangle 9"/>
+            <p:cNvSpPr/>
+            <p:nvPr/>
+          </p:nvSpPr>
+          <p:spPr>
+            <a:xfrm>
+              <a:off x="3643350" y="962001"/>
+              <a:ext cx="432000" cy="393031"/>
+            </a:xfrm>
+            <a:prstGeom prst="rect">
+              <a:avLst/>
+            </a:prstGeom>
+            <a:solidFill>
+              <a:schemeClr val="accent1">
+                <a:lumMod val="20000"/>
+                <a:lumOff val="80000"/>
+              </a:schemeClr>
+            </a:solidFill>
+          </p:spPr>
+          <p:style>
+            <a:lnRef idx="2">
+              <a:schemeClr val="accent1">
+                <a:shade val="50000"/>
+              </a:schemeClr>
+            </a:lnRef>
+            <a:fillRef idx="1">
+              <a:schemeClr val="accent1"/>
+            </a:fillRef>
+            <a:effectRef idx="0">
+              <a:schemeClr val="accent1"/>
+            </a:effectRef>
+            <a:fontRef idx="minor">
+              <a:schemeClr val="lt1"/>
+            </a:fontRef>
+          </p:style>
+          <p:txBody>
+            <a:bodyPr rtlCol="0" anchor="ctr"/>
+            <a:lstStyle/>
+            <a:p>
+              <a:pPr algn="ctr"/>
+              <a:r>
+                <a:rPr lang="pt-BR" sz="1600" dirty="0">
+                  <a:solidFill>
+                    <a:schemeClr val="tx1"/>
+                  </a:solidFill>
+                </a:rPr>
+                <a:t>4</a:t>
+              </a:r>
+            </a:p>
+          </p:txBody>
+        </p:sp>
+        <p:sp>
+          <p:nvSpPr>
+            <p:cNvPr id="11" name="Rectangle 10"/>
+            <p:cNvSpPr/>
+            <p:nvPr/>
+          </p:nvSpPr>
+          <p:spPr>
+            <a:xfrm>
+              <a:off x="4071930" y="962001"/>
+              <a:ext cx="432000" cy="393031"/>
+            </a:xfrm>
+            <a:prstGeom prst="rect">
+              <a:avLst/>
+            </a:prstGeom>
+            <a:solidFill>
+              <a:schemeClr val="accent1">
+                <a:lumMod val="20000"/>
+                <a:lumOff val="80000"/>
+              </a:schemeClr>
+            </a:solidFill>
+          </p:spPr>
+          <p:style>
+            <a:lnRef idx="2">
+              <a:schemeClr val="accent1">
+                <a:shade val="50000"/>
+              </a:schemeClr>
+            </a:lnRef>
+            <a:fillRef idx="1">
+              <a:schemeClr val="accent1"/>
+            </a:fillRef>
+            <a:effectRef idx="0">
+              <a:schemeClr val="accent1"/>
+            </a:effectRef>
+            <a:fontRef idx="minor">
+              <a:schemeClr val="lt1"/>
+            </a:fontRef>
+          </p:style>
+          <p:txBody>
+            <a:bodyPr rtlCol="0" anchor="ctr"/>
+            <a:lstStyle/>
+            <a:p>
+              <a:pPr algn="ctr"/>
+              <a:r>
+                <a:rPr lang="pt-BR" sz="1600" dirty="0">
+                  <a:solidFill>
+                    <a:schemeClr val="tx1"/>
+                  </a:solidFill>
+                </a:rPr>
+                <a:t>5</a:t>
+              </a:r>
+            </a:p>
+          </p:txBody>
+        </p:sp>
+        <p:sp>
+          <p:nvSpPr>
+            <p:cNvPr id="32" name="TextBox 31"/>
+            <p:cNvSpPr txBox="1"/>
+            <p:nvPr/>
+          </p:nvSpPr>
+          <p:spPr>
+            <a:xfrm>
+              <a:off x="2354812" y="519993"/>
+              <a:ext cx="4292480" cy="307777"/>
+            </a:xfrm>
+            <a:prstGeom prst="rect">
+              <a:avLst/>
+            </a:prstGeom>
+            <a:noFill/>
+          </p:spPr>
+          <p:txBody>
+            <a:bodyPr wrap="square" rtlCol="0">
+              <a:spAutoFit/>
+            </a:bodyPr>
+            <a:lstStyle/>
+            <a:p>
+              <a:pPr algn="ctr"/>
+              <a:r>
+                <a:rPr lang="pt-BR" sz="1400" dirty="0"/>
+                <a:t>Total de dados</a:t>
+              </a:r>
+            </a:p>
+          </p:txBody>
+        </p:sp>
+        <p:cxnSp>
+          <p:nvCxnSpPr>
+            <p:cNvPr id="33" name="Straight Arrow Connector 32"/>
+            <p:cNvCxnSpPr/>
+            <p:nvPr/>
+          </p:nvCxnSpPr>
+          <p:spPr>
+            <a:xfrm>
+              <a:off x="2354812" y="826003"/>
+              <a:ext cx="4284000" cy="0"/>
+            </a:xfrm>
+            <a:prstGeom prst="straightConnector1">
+              <a:avLst/>
+            </a:prstGeom>
+            <a:ln>
+              <a:solidFill>
+                <a:schemeClr val="tx1"/>
+              </a:solidFill>
+              <a:headEnd type="triangle"/>
+              <a:tailEnd type="triangle"/>
+            </a:ln>
+          </p:spPr>
+          <p:style>
+            <a:lnRef idx="1">
+              <a:schemeClr val="accent1"/>
+            </a:lnRef>
+            <a:fillRef idx="0">
+              <a:schemeClr val="accent1"/>
+            </a:fillRef>
+            <a:effectRef idx="0">
+              <a:schemeClr val="accent1"/>
+            </a:effectRef>
+            <a:fontRef idx="minor">
+              <a:schemeClr val="tx1"/>
+            </a:fontRef>
+          </p:style>
+        </p:cxnSp>
+        <p:sp>
+          <p:nvSpPr>
+            <p:cNvPr id="34" name="Rectangle 33"/>
+            <p:cNvSpPr/>
+            <p:nvPr/>
+          </p:nvSpPr>
+          <p:spPr>
+            <a:xfrm>
+              <a:off x="2348635" y="5662044"/>
+              <a:ext cx="326715" cy="301641"/>
+            </a:xfrm>
+            <a:prstGeom prst="rect">
+              <a:avLst/>
+            </a:prstGeom>
+            <a:solidFill>
+              <a:schemeClr val="accent1">
+                <a:lumMod val="60000"/>
+                <a:lumOff val="40000"/>
+              </a:schemeClr>
+            </a:solidFill>
+          </p:spPr>
+          <p:style>
+            <a:lnRef idx="2">
+              <a:schemeClr val="accent1">
+                <a:shade val="50000"/>
+              </a:schemeClr>
+            </a:lnRef>
+            <a:fillRef idx="1">
+              <a:schemeClr val="accent1"/>
+            </a:fillRef>
+            <a:effectRef idx="0">
+              <a:schemeClr val="accent1"/>
+            </a:effectRef>
+            <a:fontRef idx="minor">
+              <a:schemeClr val="lt1"/>
+            </a:fontRef>
+          </p:style>
+          <p:txBody>
+            <a:bodyPr rtlCol="0" anchor="ctr"/>
+            <a:lstStyle/>
+            <a:p>
+              <a:pPr algn="ctr"/>
+              <a:endParaRPr lang="pt-BR" sz="1600" dirty="0">
+                <a:solidFill>
+                  <a:schemeClr val="tx1"/>
+                </a:solidFill>
+              </a:endParaRPr>
+            </a:p>
+          </p:txBody>
+        </p:sp>
+        <p:sp>
+          <p:nvSpPr>
+            <p:cNvPr id="35" name="Rectangle 34"/>
+            <p:cNvSpPr/>
+            <p:nvPr/>
+          </p:nvSpPr>
+          <p:spPr>
+            <a:xfrm>
+              <a:off x="2348635" y="5292593"/>
+              <a:ext cx="328339" cy="301642"/>
+            </a:xfrm>
+            <a:prstGeom prst="rect">
+              <a:avLst/>
+            </a:prstGeom>
+            <a:solidFill>
+              <a:schemeClr val="accent1">
+                <a:lumMod val="20000"/>
+                <a:lumOff val="80000"/>
+              </a:schemeClr>
+            </a:solidFill>
+          </p:spPr>
+          <p:style>
+            <a:lnRef idx="2">
+              <a:schemeClr val="accent1">
+                <a:shade val="50000"/>
+              </a:schemeClr>
+            </a:lnRef>
+            <a:fillRef idx="1">
+              <a:schemeClr val="accent1"/>
+            </a:fillRef>
+            <a:effectRef idx="0">
+              <a:schemeClr val="accent1"/>
+            </a:effectRef>
+            <a:fontRef idx="minor">
+              <a:schemeClr val="lt1"/>
+            </a:fontRef>
+          </p:style>
+          <p:txBody>
+            <a:bodyPr rtlCol="0" anchor="ctr"/>
+            <a:lstStyle/>
+            <a:p>
+              <a:pPr algn="ctr"/>
+              <a:endParaRPr lang="pt-BR" sz="1600" dirty="0">
+                <a:solidFill>
+                  <a:schemeClr val="tx1"/>
+                </a:solidFill>
+              </a:endParaRPr>
+            </a:p>
+          </p:txBody>
+        </p:sp>
+        <p:sp>
+          <p:nvSpPr>
+            <p:cNvPr id="36" name="Rectangle 35"/>
+            <p:cNvSpPr/>
+            <p:nvPr/>
+          </p:nvSpPr>
+          <p:spPr>
+            <a:xfrm>
+              <a:off x="1011382" y="994840"/>
+              <a:ext cx="1343425" cy="307777"/>
+            </a:xfrm>
+            <a:prstGeom prst="rect">
+              <a:avLst/>
+            </a:prstGeom>
+          </p:spPr>
+          <p:txBody>
+            <a:bodyPr wrap="square">
+              <a:spAutoFit/>
+            </a:bodyPr>
+            <a:lstStyle/>
+            <a:p>
+              <a:r>
+                <a:rPr lang="pt-BR" sz="1400" dirty="0"/>
+                <a:t>Treinamento 1</a:t>
+              </a:r>
+            </a:p>
+          </p:txBody>
+        </p:sp>
+        <p:sp>
+          <p:nvSpPr>
+            <p:cNvPr id="37" name="Rectangle 36"/>
+            <p:cNvSpPr/>
+            <p:nvPr/>
+          </p:nvSpPr>
+          <p:spPr>
+            <a:xfrm>
+              <a:off x="1011386" y="2569135"/>
+              <a:ext cx="1343426" cy="307777"/>
+            </a:xfrm>
+            <a:prstGeom prst="rect">
+              <a:avLst/>
+            </a:prstGeom>
+          </p:spPr>
+          <p:txBody>
+            <a:bodyPr wrap="square">
+              <a:spAutoFit/>
+            </a:bodyPr>
+            <a:lstStyle/>
+            <a:p>
+              <a:r>
+                <a:rPr lang="pt-BR" sz="1400" dirty="0"/>
+                <a:t>Treinamento 5</a:t>
+              </a:r>
+            </a:p>
+          </p:txBody>
+        </p:sp>
+        <p:sp>
+          <p:nvSpPr>
+            <p:cNvPr id="38" name="Rectangle 37"/>
+            <p:cNvSpPr/>
+            <p:nvPr/>
+          </p:nvSpPr>
+          <p:spPr>
+            <a:xfrm>
+              <a:off x="1011382" y="1386611"/>
+              <a:ext cx="1343426" cy="307777"/>
+            </a:xfrm>
+            <a:prstGeom prst="rect">
+              <a:avLst/>
+            </a:prstGeom>
+          </p:spPr>
+          <p:txBody>
+            <a:bodyPr wrap="square">
+              <a:spAutoFit/>
+            </a:bodyPr>
+            <a:lstStyle/>
+            <a:p>
+              <a:r>
+                <a:rPr lang="pt-BR" sz="1400" dirty="0"/>
+                <a:t>Treinamento 2</a:t>
+              </a:r>
+            </a:p>
+          </p:txBody>
+        </p:sp>
+        <p:sp>
+          <p:nvSpPr>
+            <p:cNvPr id="39" name="Rectangle 38"/>
+            <p:cNvSpPr/>
+            <p:nvPr/>
+          </p:nvSpPr>
+          <p:spPr>
+            <a:xfrm>
+              <a:off x="1011382" y="1778330"/>
+              <a:ext cx="1343428" cy="307777"/>
+            </a:xfrm>
+            <a:prstGeom prst="rect">
+              <a:avLst/>
+            </a:prstGeom>
+          </p:spPr>
+          <p:txBody>
+            <a:bodyPr wrap="square">
+              <a:spAutoFit/>
+            </a:bodyPr>
+            <a:lstStyle/>
+            <a:p>
+              <a:r>
+                <a:rPr lang="pt-BR" sz="1400" dirty="0"/>
+                <a:t>Treinamento 3</a:t>
+              </a:r>
+            </a:p>
+          </p:txBody>
+        </p:sp>
+        <p:sp>
+          <p:nvSpPr>
+            <p:cNvPr id="40" name="Rectangle 39"/>
+            <p:cNvSpPr/>
+            <p:nvPr/>
+          </p:nvSpPr>
+          <p:spPr>
+            <a:xfrm>
+              <a:off x="1011384" y="2176936"/>
+              <a:ext cx="1343426" cy="307777"/>
+            </a:xfrm>
+            <a:prstGeom prst="rect">
+              <a:avLst/>
+            </a:prstGeom>
+          </p:spPr>
+          <p:txBody>
+            <a:bodyPr wrap="square">
+              <a:spAutoFit/>
+            </a:bodyPr>
+            <a:lstStyle/>
+            <a:p>
+              <a:r>
+                <a:rPr lang="pt-BR" sz="1400" dirty="0"/>
+                <a:t>Treinamento 4</a:t>
+              </a:r>
+            </a:p>
+          </p:txBody>
+        </p:sp>
+        <p:sp>
+          <p:nvSpPr>
+            <p:cNvPr id="2" name="Rectangle 4">
+              <a:extLst>
+                <a:ext uri="{FF2B5EF4-FFF2-40B4-BE49-F238E27FC236}">
+                  <a16:creationId xmlns:a16="http://schemas.microsoft.com/office/drawing/2014/main" id="{3E0C8815-87A1-97C0-4BD9-7808E5FC2E5E}"/>
+                </a:ext>
+              </a:extLst>
+            </p:cNvPr>
+            <p:cNvSpPr/>
+            <p:nvPr/>
+          </p:nvSpPr>
+          <p:spPr>
+            <a:xfrm>
+              <a:off x="4926754" y="961999"/>
+              <a:ext cx="432000" cy="393031"/>
+            </a:xfrm>
+            <a:prstGeom prst="rect">
+              <a:avLst/>
+            </a:prstGeom>
+            <a:solidFill>
+              <a:schemeClr val="accent1">
+                <a:lumMod val="20000"/>
+                <a:lumOff val="80000"/>
+              </a:schemeClr>
+            </a:solidFill>
+          </p:spPr>
+          <p:style>
+            <a:lnRef idx="2">
+              <a:schemeClr val="accent1">
+                <a:shade val="50000"/>
+              </a:schemeClr>
+            </a:lnRef>
+            <a:fillRef idx="1">
+              <a:schemeClr val="accent1"/>
+            </a:fillRef>
+            <a:effectRef idx="0">
+              <a:schemeClr val="accent1"/>
+            </a:effectRef>
+            <a:fontRef idx="minor">
+              <a:schemeClr val="lt1"/>
+            </a:fontRef>
+          </p:style>
+          <p:txBody>
+            <a:bodyPr rtlCol="0" anchor="ctr"/>
+            <a:lstStyle/>
+            <a:p>
+              <a:pPr algn="ctr"/>
+              <a:r>
+                <a:rPr lang="pt-BR" sz="1600" dirty="0">
+                  <a:solidFill>
+                    <a:schemeClr val="tx1"/>
+                  </a:solidFill>
+                </a:rPr>
+                <a:t>7</a:t>
+              </a:r>
+            </a:p>
+          </p:txBody>
+        </p:sp>
+        <p:sp>
+          <p:nvSpPr>
+            <p:cNvPr id="4" name="Rectangle 5">
+              <a:extLst>
+                <a:ext uri="{FF2B5EF4-FFF2-40B4-BE49-F238E27FC236}">
+                  <a16:creationId xmlns:a16="http://schemas.microsoft.com/office/drawing/2014/main" id="{07B7A964-8E17-B906-DE14-C8AD2035950B}"/>
+                </a:ext>
+              </a:extLst>
+            </p:cNvPr>
+            <p:cNvSpPr/>
+            <p:nvPr/>
+          </p:nvSpPr>
+          <p:spPr>
+            <a:xfrm>
+              <a:off x="4498804" y="962000"/>
+              <a:ext cx="432000" cy="393031"/>
+            </a:xfrm>
+            <a:prstGeom prst="rect">
+              <a:avLst/>
+            </a:prstGeom>
+            <a:solidFill>
+              <a:schemeClr val="accent1">
+                <a:lumMod val="20000"/>
+                <a:lumOff val="80000"/>
+              </a:schemeClr>
+            </a:solidFill>
+          </p:spPr>
+          <p:style>
+            <a:lnRef idx="2">
+              <a:schemeClr val="accent1">
+                <a:shade val="50000"/>
+              </a:schemeClr>
+            </a:lnRef>
+            <a:fillRef idx="1">
+              <a:schemeClr val="accent1"/>
+            </a:fillRef>
+            <a:effectRef idx="0">
+              <a:schemeClr val="accent1"/>
+            </a:effectRef>
+            <a:fontRef idx="minor">
+              <a:schemeClr val="lt1"/>
+            </a:fontRef>
+          </p:style>
+          <p:txBody>
+            <a:bodyPr rtlCol="0" anchor="ctr"/>
+            <a:lstStyle/>
+            <a:p>
+              <a:pPr algn="ctr"/>
+              <a:r>
+                <a:rPr lang="pt-BR" sz="1600" dirty="0">
+                  <a:solidFill>
+                    <a:schemeClr val="tx1"/>
+                  </a:solidFill>
+                </a:rPr>
+                <a:t>6</a:t>
+              </a:r>
+            </a:p>
+          </p:txBody>
+        </p:sp>
+        <p:sp>
+          <p:nvSpPr>
+            <p:cNvPr id="45" name="Rectangle 8">
+              <a:extLst>
+                <a:ext uri="{FF2B5EF4-FFF2-40B4-BE49-F238E27FC236}">
+                  <a16:creationId xmlns:a16="http://schemas.microsoft.com/office/drawing/2014/main" id="{70038EE2-687E-6AAD-D0A0-70D414463074}"/>
+                </a:ext>
+              </a:extLst>
+            </p:cNvPr>
+            <p:cNvSpPr/>
+            <p:nvPr/>
+          </p:nvSpPr>
+          <p:spPr>
+            <a:xfrm>
+              <a:off x="5353628" y="961998"/>
+              <a:ext cx="432000" cy="393031"/>
+            </a:xfrm>
+            <a:prstGeom prst="rect">
+              <a:avLst/>
+            </a:prstGeom>
+            <a:solidFill>
+              <a:schemeClr val="accent1">
+                <a:lumMod val="20000"/>
+                <a:lumOff val="80000"/>
+              </a:schemeClr>
+            </a:solidFill>
+          </p:spPr>
+          <p:style>
+            <a:lnRef idx="2">
+              <a:schemeClr val="accent1">
+                <a:shade val="50000"/>
+              </a:schemeClr>
+            </a:lnRef>
+            <a:fillRef idx="1">
+              <a:schemeClr val="accent1"/>
+            </a:fillRef>
+            <a:effectRef idx="0">
+              <a:schemeClr val="accent1"/>
+            </a:effectRef>
+            <a:fontRef idx="minor">
+              <a:schemeClr val="lt1"/>
+            </a:fontRef>
+          </p:style>
+          <p:txBody>
+            <a:bodyPr rtlCol="0" anchor="ctr"/>
+            <a:lstStyle/>
+            <a:p>
+              <a:pPr algn="ctr"/>
+              <a:r>
+                <a:rPr lang="pt-BR" sz="1600" dirty="0">
+                  <a:solidFill>
+                    <a:schemeClr val="tx1"/>
+                  </a:solidFill>
+                </a:rPr>
+                <a:t>8</a:t>
+              </a:r>
+            </a:p>
+          </p:txBody>
+        </p:sp>
+        <p:sp>
+          <p:nvSpPr>
+            <p:cNvPr id="47" name="Rectangle 9">
+              <a:extLst>
+                <a:ext uri="{FF2B5EF4-FFF2-40B4-BE49-F238E27FC236}">
+                  <a16:creationId xmlns:a16="http://schemas.microsoft.com/office/drawing/2014/main" id="{FCE54C16-1489-F0D8-5BA0-FC50E977B4DF}"/>
+                </a:ext>
+              </a:extLst>
+            </p:cNvPr>
+            <p:cNvSpPr/>
+            <p:nvPr/>
+          </p:nvSpPr>
+          <p:spPr>
+            <a:xfrm>
+              <a:off x="5787342" y="961997"/>
+              <a:ext cx="432000" cy="393031"/>
+            </a:xfrm>
+            <a:prstGeom prst="rect">
+              <a:avLst/>
+            </a:prstGeom>
+            <a:solidFill>
+              <a:schemeClr val="accent1">
+                <a:lumMod val="20000"/>
+                <a:lumOff val="80000"/>
+              </a:schemeClr>
+            </a:solidFill>
+          </p:spPr>
+          <p:style>
+            <a:lnRef idx="2">
+              <a:schemeClr val="accent1">
+                <a:shade val="50000"/>
+              </a:schemeClr>
+            </a:lnRef>
+            <a:fillRef idx="1">
+              <a:schemeClr val="accent1"/>
+            </a:fillRef>
+            <a:effectRef idx="0">
+              <a:schemeClr val="accent1"/>
+            </a:effectRef>
+            <a:fontRef idx="minor">
+              <a:schemeClr val="lt1"/>
+            </a:fontRef>
+          </p:style>
+          <p:txBody>
+            <a:bodyPr rtlCol="0" anchor="ctr"/>
+            <a:lstStyle/>
+            <a:p>
+              <a:pPr algn="ctr"/>
+              <a:r>
+                <a:rPr lang="pt-BR" sz="1600" dirty="0">
+                  <a:solidFill>
+                    <a:schemeClr val="tx1"/>
+                  </a:solidFill>
+                </a:rPr>
+                <a:t>9</a:t>
+              </a:r>
+            </a:p>
+          </p:txBody>
+        </p:sp>
+        <p:sp>
+          <p:nvSpPr>
+            <p:cNvPr id="54" name="Rectangle 10">
+              <a:extLst>
+                <a:ext uri="{FF2B5EF4-FFF2-40B4-BE49-F238E27FC236}">
+                  <a16:creationId xmlns:a16="http://schemas.microsoft.com/office/drawing/2014/main" id="{4F422D72-8F54-0137-1BE9-4091B85E94AD}"/>
+                </a:ext>
+              </a:extLst>
+            </p:cNvPr>
+            <p:cNvSpPr/>
+            <p:nvPr/>
+          </p:nvSpPr>
+          <p:spPr>
+            <a:xfrm>
+              <a:off x="6215292" y="961997"/>
+              <a:ext cx="432000" cy="393031"/>
+            </a:xfrm>
+            <a:prstGeom prst="rect">
+              <a:avLst/>
+            </a:prstGeom>
+            <a:solidFill>
+              <a:schemeClr val="accent1">
+                <a:lumMod val="20000"/>
+                <a:lumOff val="80000"/>
+              </a:schemeClr>
+            </a:solidFill>
+          </p:spPr>
+          <p:style>
+            <a:lnRef idx="2">
+              <a:schemeClr val="accent1">
+                <a:shade val="50000"/>
+              </a:schemeClr>
+            </a:lnRef>
+            <a:fillRef idx="1">
+              <a:schemeClr val="accent1"/>
+            </a:fillRef>
+            <a:effectRef idx="0">
+              <a:schemeClr val="accent1"/>
+            </a:effectRef>
+            <a:fontRef idx="minor">
+              <a:schemeClr val="lt1"/>
+            </a:fontRef>
+          </p:style>
+          <p:txBody>
+            <a:bodyPr rtlCol="0" anchor="ctr"/>
+            <a:lstStyle/>
+            <a:p>
+              <a:pPr algn="ctr"/>
+              <a:r>
+                <a:rPr lang="pt-BR" sz="1600" dirty="0">
+                  <a:solidFill>
+                    <a:schemeClr val="tx1"/>
+                  </a:solidFill>
+                </a:rPr>
+                <a:t>10</a:t>
+              </a:r>
+            </a:p>
+          </p:txBody>
+        </p:sp>
+        <p:sp>
+          <p:nvSpPr>
+            <p:cNvPr id="76" name="Rectangle 4">
+              <a:extLst>
+                <a:ext uri="{FF2B5EF4-FFF2-40B4-BE49-F238E27FC236}">
+                  <a16:creationId xmlns:a16="http://schemas.microsoft.com/office/drawing/2014/main" id="{2283FE89-7433-51C6-5735-084A0DF0D4DB}"/>
+                </a:ext>
+              </a:extLst>
+            </p:cNvPr>
+            <p:cNvSpPr/>
+            <p:nvPr/>
+          </p:nvSpPr>
+          <p:spPr>
+            <a:xfrm>
+              <a:off x="2785101" y="1355427"/>
+              <a:ext cx="432000" cy="393031"/>
+            </a:xfrm>
+            <a:prstGeom prst="rect">
+              <a:avLst/>
+            </a:prstGeom>
+            <a:solidFill>
+              <a:schemeClr val="accent1">
+                <a:lumMod val="60000"/>
+                <a:lumOff val="40000"/>
+              </a:schemeClr>
+            </a:solidFill>
+          </p:spPr>
+          <p:style>
+            <a:lnRef idx="2">
+              <a:schemeClr val="accent1">
+                <a:shade val="50000"/>
+              </a:schemeClr>
+            </a:lnRef>
+            <a:fillRef idx="1">
+              <a:schemeClr val="accent1"/>
+            </a:fillRef>
+            <a:effectRef idx="0">
+              <a:schemeClr val="accent1"/>
+            </a:effectRef>
+            <a:fontRef idx="minor">
+              <a:schemeClr val="lt1"/>
+            </a:fontRef>
+          </p:style>
+          <p:txBody>
+            <a:bodyPr rtlCol="0" anchor="ctr"/>
+            <a:lstStyle/>
+            <a:p>
+              <a:pPr algn="ctr"/>
+              <a:r>
+                <a:rPr lang="pt-BR" sz="1600" dirty="0">
+                  <a:solidFill>
+                    <a:schemeClr val="tx1"/>
+                  </a:solidFill>
+                </a:rPr>
+                <a:t>2</a:t>
+              </a:r>
+            </a:p>
+          </p:txBody>
+        </p:sp>
+        <p:sp>
+          <p:nvSpPr>
+            <p:cNvPr id="77" name="Rectangle 5">
+              <a:extLst>
+                <a:ext uri="{FF2B5EF4-FFF2-40B4-BE49-F238E27FC236}">
+                  <a16:creationId xmlns:a16="http://schemas.microsoft.com/office/drawing/2014/main" id="{051DBCF5-B432-C13E-A11C-540FE1CE7858}"/>
+                </a:ext>
+              </a:extLst>
+            </p:cNvPr>
+            <p:cNvSpPr/>
+            <p:nvPr/>
+          </p:nvSpPr>
+          <p:spPr>
+            <a:xfrm>
+              <a:off x="2354807" y="1355427"/>
+              <a:ext cx="432000" cy="393031"/>
+            </a:xfrm>
+            <a:prstGeom prst="rect">
+              <a:avLst/>
+            </a:prstGeom>
+            <a:solidFill>
+              <a:schemeClr val="accent1">
+                <a:lumMod val="20000"/>
+                <a:lumOff val="80000"/>
+              </a:schemeClr>
+            </a:solidFill>
+          </p:spPr>
+          <p:style>
+            <a:lnRef idx="2">
+              <a:schemeClr val="accent1">
+                <a:shade val="50000"/>
+              </a:schemeClr>
+            </a:lnRef>
+            <a:fillRef idx="1">
+              <a:schemeClr val="accent1"/>
+            </a:fillRef>
+            <a:effectRef idx="0">
+              <a:schemeClr val="accent1"/>
+            </a:effectRef>
+            <a:fontRef idx="minor">
+              <a:schemeClr val="lt1"/>
+            </a:fontRef>
+          </p:style>
+          <p:txBody>
+            <a:bodyPr rtlCol="0" anchor="ctr"/>
+            <a:lstStyle/>
+            <a:p>
+              <a:pPr algn="ctr"/>
+              <a:r>
+                <a:rPr lang="pt-BR" sz="1600" dirty="0">
+                  <a:solidFill>
+                    <a:schemeClr val="tx1"/>
+                  </a:solidFill>
+                </a:rPr>
+                <a:t>1</a:t>
+              </a:r>
+            </a:p>
+          </p:txBody>
+        </p:sp>
+        <p:sp>
+          <p:nvSpPr>
+            <p:cNvPr id="78" name="Rectangle 8">
+              <a:extLst>
+                <a:ext uri="{FF2B5EF4-FFF2-40B4-BE49-F238E27FC236}">
+                  <a16:creationId xmlns:a16="http://schemas.microsoft.com/office/drawing/2014/main" id="{761054CF-8645-8575-0494-73C7EB91FEFA}"/>
+                </a:ext>
+              </a:extLst>
+            </p:cNvPr>
+            <p:cNvSpPr/>
+            <p:nvPr/>
+          </p:nvSpPr>
+          <p:spPr>
+            <a:xfrm>
+              <a:off x="3213051" y="1355032"/>
+              <a:ext cx="432000" cy="393031"/>
+            </a:xfrm>
+            <a:prstGeom prst="rect">
+              <a:avLst/>
+            </a:prstGeom>
+            <a:solidFill>
+              <a:schemeClr val="accent1">
+                <a:lumMod val="20000"/>
+                <a:lumOff val="80000"/>
+              </a:schemeClr>
+            </a:solidFill>
+          </p:spPr>
+          <p:style>
+            <a:lnRef idx="2">
+              <a:schemeClr val="accent1">
+                <a:shade val="50000"/>
+              </a:schemeClr>
+            </a:lnRef>
+            <a:fillRef idx="1">
+              <a:schemeClr val="accent1"/>
+            </a:fillRef>
+            <a:effectRef idx="0">
+              <a:schemeClr val="accent1"/>
+            </a:effectRef>
+            <a:fontRef idx="minor">
+              <a:schemeClr val="lt1"/>
+            </a:fontRef>
+          </p:style>
+          <p:txBody>
+            <a:bodyPr rtlCol="0" anchor="ctr"/>
+            <a:lstStyle/>
+            <a:p>
+              <a:pPr algn="ctr"/>
+              <a:r>
+                <a:rPr lang="pt-BR" sz="1600" dirty="0">
+                  <a:solidFill>
+                    <a:schemeClr val="tx1"/>
+                  </a:solidFill>
+                </a:rPr>
+                <a:t>3</a:t>
+              </a:r>
+            </a:p>
+          </p:txBody>
+        </p:sp>
+        <p:sp>
+          <p:nvSpPr>
+            <p:cNvPr id="79" name="Rectangle 9">
+              <a:extLst>
+                <a:ext uri="{FF2B5EF4-FFF2-40B4-BE49-F238E27FC236}">
+                  <a16:creationId xmlns:a16="http://schemas.microsoft.com/office/drawing/2014/main" id="{6039AFAE-6C30-8DBA-B654-E8199E13783F}"/>
+                </a:ext>
+              </a:extLst>
+            </p:cNvPr>
+            <p:cNvSpPr/>
+            <p:nvPr/>
+          </p:nvSpPr>
+          <p:spPr>
+            <a:xfrm>
+              <a:off x="3643345" y="1355032"/>
+              <a:ext cx="432000" cy="393031"/>
+            </a:xfrm>
+            <a:prstGeom prst="rect">
+              <a:avLst/>
+            </a:prstGeom>
+            <a:solidFill>
+              <a:schemeClr val="accent1">
+                <a:lumMod val="20000"/>
+                <a:lumOff val="80000"/>
+              </a:schemeClr>
+            </a:solidFill>
+          </p:spPr>
+          <p:style>
+            <a:lnRef idx="2">
+              <a:schemeClr val="accent1">
+                <a:shade val="50000"/>
+              </a:schemeClr>
+            </a:lnRef>
+            <a:fillRef idx="1">
+              <a:schemeClr val="accent1"/>
+            </a:fillRef>
+            <a:effectRef idx="0">
+              <a:schemeClr val="accent1"/>
+            </a:effectRef>
+            <a:fontRef idx="minor">
+              <a:schemeClr val="lt1"/>
+            </a:fontRef>
+          </p:style>
+          <p:txBody>
+            <a:bodyPr rtlCol="0" anchor="ctr"/>
+            <a:lstStyle/>
+            <a:p>
+              <a:pPr algn="ctr"/>
+              <a:r>
+                <a:rPr lang="pt-BR" sz="1600" dirty="0">
+                  <a:solidFill>
+                    <a:schemeClr val="tx1"/>
+                  </a:solidFill>
+                </a:rPr>
+                <a:t>4</a:t>
+              </a:r>
+            </a:p>
+          </p:txBody>
+        </p:sp>
+        <p:sp>
+          <p:nvSpPr>
+            <p:cNvPr id="80" name="Rectangle 10">
+              <a:extLst>
+                <a:ext uri="{FF2B5EF4-FFF2-40B4-BE49-F238E27FC236}">
+                  <a16:creationId xmlns:a16="http://schemas.microsoft.com/office/drawing/2014/main" id="{788BCF8B-6879-C98E-522D-E046966AD0B9}"/>
+                </a:ext>
+              </a:extLst>
+            </p:cNvPr>
+            <p:cNvSpPr/>
+            <p:nvPr/>
+          </p:nvSpPr>
+          <p:spPr>
+            <a:xfrm>
+              <a:off x="4071925" y="1355032"/>
+              <a:ext cx="432000" cy="393031"/>
+            </a:xfrm>
+            <a:prstGeom prst="rect">
+              <a:avLst/>
+            </a:prstGeom>
+            <a:solidFill>
+              <a:schemeClr val="accent1">
+                <a:lumMod val="20000"/>
+                <a:lumOff val="80000"/>
+              </a:schemeClr>
+            </a:solidFill>
+          </p:spPr>
+          <p:style>
+            <a:lnRef idx="2">
+              <a:schemeClr val="accent1">
+                <a:shade val="50000"/>
+              </a:schemeClr>
+            </a:lnRef>
+            <a:fillRef idx="1">
+              <a:schemeClr val="accent1"/>
+            </a:fillRef>
+            <a:effectRef idx="0">
+              <a:schemeClr val="accent1"/>
+            </a:effectRef>
+            <a:fontRef idx="minor">
+              <a:schemeClr val="lt1"/>
+            </a:fontRef>
+          </p:style>
+          <p:txBody>
+            <a:bodyPr rtlCol="0" anchor="ctr"/>
+            <a:lstStyle/>
+            <a:p>
+              <a:pPr algn="ctr"/>
+              <a:r>
+                <a:rPr lang="pt-BR" sz="1600" dirty="0">
+                  <a:solidFill>
+                    <a:schemeClr val="tx1"/>
+                  </a:solidFill>
+                </a:rPr>
+                <a:t>5</a:t>
+              </a:r>
+            </a:p>
+          </p:txBody>
+        </p:sp>
+        <p:sp>
+          <p:nvSpPr>
+            <p:cNvPr id="81" name="Rectangle 4">
+              <a:extLst>
+                <a:ext uri="{FF2B5EF4-FFF2-40B4-BE49-F238E27FC236}">
+                  <a16:creationId xmlns:a16="http://schemas.microsoft.com/office/drawing/2014/main" id="{C07613FC-1BCE-1C31-7521-C4AD16E89534}"/>
+                </a:ext>
+              </a:extLst>
+            </p:cNvPr>
+            <p:cNvSpPr/>
+            <p:nvPr/>
+          </p:nvSpPr>
+          <p:spPr>
+            <a:xfrm>
+              <a:off x="4926749" y="1355030"/>
+              <a:ext cx="432000" cy="393031"/>
+            </a:xfrm>
+            <a:prstGeom prst="rect">
+              <a:avLst/>
+            </a:prstGeom>
+            <a:solidFill>
+              <a:schemeClr val="accent1">
+                <a:lumMod val="20000"/>
+                <a:lumOff val="80000"/>
+              </a:schemeClr>
+            </a:solidFill>
+          </p:spPr>
+          <p:style>
+            <a:lnRef idx="2">
+              <a:schemeClr val="accent1">
+                <a:shade val="50000"/>
+              </a:schemeClr>
+            </a:lnRef>
+            <a:fillRef idx="1">
+              <a:schemeClr val="accent1"/>
+            </a:fillRef>
+            <a:effectRef idx="0">
+              <a:schemeClr val="accent1"/>
+            </a:effectRef>
+            <a:fontRef idx="minor">
+              <a:schemeClr val="lt1"/>
+            </a:fontRef>
+          </p:style>
+          <p:txBody>
+            <a:bodyPr rtlCol="0" anchor="ctr"/>
+            <a:lstStyle/>
+            <a:p>
+              <a:pPr algn="ctr"/>
+              <a:r>
+                <a:rPr lang="pt-BR" sz="1600" dirty="0">
+                  <a:solidFill>
+                    <a:schemeClr val="tx1"/>
+                  </a:solidFill>
+                </a:rPr>
+                <a:t>7</a:t>
+              </a:r>
+            </a:p>
+          </p:txBody>
+        </p:sp>
+        <p:sp>
+          <p:nvSpPr>
+            <p:cNvPr id="82" name="Rectangle 5">
+              <a:extLst>
+                <a:ext uri="{FF2B5EF4-FFF2-40B4-BE49-F238E27FC236}">
+                  <a16:creationId xmlns:a16="http://schemas.microsoft.com/office/drawing/2014/main" id="{3FA9A90C-A974-75EC-C0FB-4582FD57F573}"/>
+                </a:ext>
+              </a:extLst>
+            </p:cNvPr>
+            <p:cNvSpPr/>
+            <p:nvPr/>
+          </p:nvSpPr>
+          <p:spPr>
+            <a:xfrm>
+              <a:off x="4498799" y="1355031"/>
+              <a:ext cx="432000" cy="393031"/>
+            </a:xfrm>
+            <a:prstGeom prst="rect">
+              <a:avLst/>
+            </a:prstGeom>
+            <a:solidFill>
+              <a:schemeClr val="accent1">
+                <a:lumMod val="20000"/>
+                <a:lumOff val="80000"/>
+              </a:schemeClr>
+            </a:solidFill>
+          </p:spPr>
+          <p:style>
+            <a:lnRef idx="2">
+              <a:schemeClr val="accent1">
+                <a:shade val="50000"/>
+              </a:schemeClr>
+            </a:lnRef>
+            <a:fillRef idx="1">
+              <a:schemeClr val="accent1"/>
+            </a:fillRef>
+            <a:effectRef idx="0">
+              <a:schemeClr val="accent1"/>
+            </a:effectRef>
+            <a:fontRef idx="minor">
+              <a:schemeClr val="lt1"/>
+            </a:fontRef>
+          </p:style>
+          <p:txBody>
+            <a:bodyPr rtlCol="0" anchor="ctr"/>
+            <a:lstStyle/>
+            <a:p>
+              <a:pPr algn="ctr"/>
+              <a:r>
+                <a:rPr lang="pt-BR" sz="1600" dirty="0">
+                  <a:solidFill>
+                    <a:schemeClr val="tx1"/>
+                  </a:solidFill>
+                </a:rPr>
+                <a:t>6</a:t>
+              </a:r>
+            </a:p>
+          </p:txBody>
+        </p:sp>
+        <p:sp>
+          <p:nvSpPr>
+            <p:cNvPr id="83" name="Rectangle 8">
+              <a:extLst>
+                <a:ext uri="{FF2B5EF4-FFF2-40B4-BE49-F238E27FC236}">
+                  <a16:creationId xmlns:a16="http://schemas.microsoft.com/office/drawing/2014/main" id="{8B939714-6F90-C043-90A8-4114E676CE91}"/>
+                </a:ext>
+              </a:extLst>
+            </p:cNvPr>
+            <p:cNvSpPr/>
+            <p:nvPr/>
+          </p:nvSpPr>
+          <p:spPr>
+            <a:xfrm>
+              <a:off x="5353623" y="1355029"/>
+              <a:ext cx="432000" cy="393031"/>
+            </a:xfrm>
+            <a:prstGeom prst="rect">
+              <a:avLst/>
+            </a:prstGeom>
+            <a:solidFill>
+              <a:schemeClr val="accent1">
+                <a:lumMod val="20000"/>
+                <a:lumOff val="80000"/>
+              </a:schemeClr>
+            </a:solidFill>
+          </p:spPr>
+          <p:style>
+            <a:lnRef idx="2">
+              <a:schemeClr val="accent1">
+                <a:shade val="50000"/>
+              </a:schemeClr>
+            </a:lnRef>
+            <a:fillRef idx="1">
+              <a:schemeClr val="accent1"/>
+            </a:fillRef>
+            <a:effectRef idx="0">
+              <a:schemeClr val="accent1"/>
+            </a:effectRef>
+            <a:fontRef idx="minor">
+              <a:schemeClr val="lt1"/>
+            </a:fontRef>
+          </p:style>
+          <p:txBody>
+            <a:bodyPr rtlCol="0" anchor="ctr"/>
+            <a:lstStyle/>
+            <a:p>
+              <a:pPr algn="ctr"/>
+              <a:r>
+                <a:rPr lang="pt-BR" sz="1600" dirty="0">
+                  <a:solidFill>
+                    <a:schemeClr val="tx1"/>
+                  </a:solidFill>
+                </a:rPr>
+                <a:t>8</a:t>
+              </a:r>
+            </a:p>
+          </p:txBody>
+        </p:sp>
+        <p:sp>
+          <p:nvSpPr>
+            <p:cNvPr id="84" name="Rectangle 9">
+              <a:extLst>
+                <a:ext uri="{FF2B5EF4-FFF2-40B4-BE49-F238E27FC236}">
+                  <a16:creationId xmlns:a16="http://schemas.microsoft.com/office/drawing/2014/main" id="{00C4E9F4-C083-FC2A-2572-06612126790E}"/>
+                </a:ext>
+              </a:extLst>
+            </p:cNvPr>
+            <p:cNvSpPr/>
+            <p:nvPr/>
+          </p:nvSpPr>
+          <p:spPr>
+            <a:xfrm>
+              <a:off x="5787337" y="1355028"/>
+              <a:ext cx="432000" cy="393031"/>
+            </a:xfrm>
+            <a:prstGeom prst="rect">
+              <a:avLst/>
+            </a:prstGeom>
+            <a:solidFill>
+              <a:schemeClr val="accent1">
+                <a:lumMod val="20000"/>
+                <a:lumOff val="80000"/>
+              </a:schemeClr>
+            </a:solidFill>
+          </p:spPr>
+          <p:style>
+            <a:lnRef idx="2">
+              <a:schemeClr val="accent1">
+                <a:shade val="50000"/>
+              </a:schemeClr>
+            </a:lnRef>
+            <a:fillRef idx="1">
+              <a:schemeClr val="accent1"/>
+            </a:fillRef>
+            <a:effectRef idx="0">
+              <a:schemeClr val="accent1"/>
+            </a:effectRef>
+            <a:fontRef idx="minor">
+              <a:schemeClr val="lt1"/>
+            </a:fontRef>
+          </p:style>
+          <p:txBody>
+            <a:bodyPr rtlCol="0" anchor="ctr"/>
+            <a:lstStyle/>
+            <a:p>
+              <a:pPr algn="ctr"/>
+              <a:r>
+                <a:rPr lang="pt-BR" sz="1600" dirty="0">
+                  <a:solidFill>
+                    <a:schemeClr val="tx1"/>
+                  </a:solidFill>
+                </a:rPr>
+                <a:t>9</a:t>
+              </a:r>
+            </a:p>
+          </p:txBody>
+        </p:sp>
+        <p:sp>
+          <p:nvSpPr>
+            <p:cNvPr id="85" name="Rectangle 10">
+              <a:extLst>
+                <a:ext uri="{FF2B5EF4-FFF2-40B4-BE49-F238E27FC236}">
+                  <a16:creationId xmlns:a16="http://schemas.microsoft.com/office/drawing/2014/main" id="{2F5C2137-ACC7-E80B-27F3-22F179A293F1}"/>
+                </a:ext>
+              </a:extLst>
+            </p:cNvPr>
+            <p:cNvSpPr/>
+            <p:nvPr/>
+          </p:nvSpPr>
+          <p:spPr>
+            <a:xfrm>
+              <a:off x="6215287" y="1355028"/>
+              <a:ext cx="432000" cy="393031"/>
+            </a:xfrm>
+            <a:prstGeom prst="rect">
+              <a:avLst/>
+            </a:prstGeom>
+            <a:solidFill>
+              <a:schemeClr val="accent1">
+                <a:lumMod val="20000"/>
+                <a:lumOff val="80000"/>
+              </a:schemeClr>
+            </a:solidFill>
+          </p:spPr>
+          <p:style>
+            <a:lnRef idx="2">
+              <a:schemeClr val="accent1">
+                <a:shade val="50000"/>
+              </a:schemeClr>
+            </a:lnRef>
+            <a:fillRef idx="1">
+              <a:schemeClr val="accent1"/>
+            </a:fillRef>
+            <a:effectRef idx="0">
+              <a:schemeClr val="accent1"/>
+            </a:effectRef>
+            <a:fontRef idx="minor">
+              <a:schemeClr val="lt1"/>
+            </a:fontRef>
+          </p:style>
+          <p:txBody>
+            <a:bodyPr rtlCol="0" anchor="ctr"/>
+            <a:lstStyle/>
+            <a:p>
+              <a:pPr algn="ctr"/>
+              <a:r>
+                <a:rPr lang="pt-BR" sz="1600" dirty="0">
+                  <a:solidFill>
+                    <a:schemeClr val="tx1"/>
+                  </a:solidFill>
+                </a:rPr>
+                <a:t>10</a:t>
+              </a:r>
+            </a:p>
+          </p:txBody>
+        </p:sp>
+        <p:sp>
+          <p:nvSpPr>
+            <p:cNvPr id="86" name="Rectangle 4">
+              <a:extLst>
+                <a:ext uri="{FF2B5EF4-FFF2-40B4-BE49-F238E27FC236}">
+                  <a16:creationId xmlns:a16="http://schemas.microsoft.com/office/drawing/2014/main" id="{B48457E1-AC7F-C61B-5AA6-8BF3B60689C9}"/>
+                </a:ext>
+              </a:extLst>
+            </p:cNvPr>
+            <p:cNvSpPr/>
+            <p:nvPr/>
+          </p:nvSpPr>
+          <p:spPr>
+            <a:xfrm>
+              <a:off x="2785101" y="1747214"/>
+              <a:ext cx="432000" cy="393031"/>
+            </a:xfrm>
+            <a:prstGeom prst="rect">
+              <a:avLst/>
+            </a:prstGeom>
+            <a:solidFill>
+              <a:schemeClr val="accent1">
+                <a:lumMod val="20000"/>
+                <a:lumOff val="80000"/>
+              </a:schemeClr>
+            </a:solidFill>
+          </p:spPr>
+          <p:style>
+            <a:lnRef idx="2">
+              <a:schemeClr val="accent1">
+                <a:shade val="50000"/>
+              </a:schemeClr>
+            </a:lnRef>
+            <a:fillRef idx="1">
+              <a:schemeClr val="accent1"/>
+            </a:fillRef>
+            <a:effectRef idx="0">
+              <a:schemeClr val="accent1"/>
+            </a:effectRef>
+            <a:fontRef idx="minor">
+              <a:schemeClr val="lt1"/>
+            </a:fontRef>
+          </p:style>
+          <p:txBody>
+            <a:bodyPr rtlCol="0" anchor="ctr"/>
+            <a:lstStyle/>
+            <a:p>
+              <a:pPr algn="ctr"/>
+              <a:r>
+                <a:rPr lang="pt-BR" sz="1600" dirty="0">
+                  <a:solidFill>
+                    <a:schemeClr val="tx1"/>
+                  </a:solidFill>
+                </a:rPr>
+                <a:t>2</a:t>
+              </a:r>
+            </a:p>
+          </p:txBody>
+        </p:sp>
+        <p:sp>
+          <p:nvSpPr>
+            <p:cNvPr id="87" name="Rectangle 5">
+              <a:extLst>
+                <a:ext uri="{FF2B5EF4-FFF2-40B4-BE49-F238E27FC236}">
+                  <a16:creationId xmlns:a16="http://schemas.microsoft.com/office/drawing/2014/main" id="{5DDAA7AC-D2B5-1BE8-0A74-A50004F601A1}"/>
+                </a:ext>
+              </a:extLst>
+            </p:cNvPr>
+            <p:cNvSpPr/>
+            <p:nvPr/>
+          </p:nvSpPr>
+          <p:spPr>
+            <a:xfrm>
+              <a:off x="2354807" y="1747214"/>
+              <a:ext cx="432000" cy="393031"/>
+            </a:xfrm>
+            <a:prstGeom prst="rect">
+              <a:avLst/>
+            </a:prstGeom>
+            <a:solidFill>
+              <a:schemeClr val="accent1">
+                <a:lumMod val="20000"/>
+                <a:lumOff val="80000"/>
+              </a:schemeClr>
+            </a:solidFill>
+          </p:spPr>
+          <p:style>
+            <a:lnRef idx="2">
+              <a:schemeClr val="accent1">
+                <a:shade val="50000"/>
+              </a:schemeClr>
+            </a:lnRef>
+            <a:fillRef idx="1">
+              <a:schemeClr val="accent1"/>
+            </a:fillRef>
+            <a:effectRef idx="0">
+              <a:schemeClr val="accent1"/>
+            </a:effectRef>
+            <a:fontRef idx="minor">
+              <a:schemeClr val="lt1"/>
+            </a:fontRef>
+          </p:style>
+          <p:txBody>
+            <a:bodyPr rtlCol="0" anchor="ctr"/>
+            <a:lstStyle/>
+            <a:p>
+              <a:pPr algn="ctr"/>
+              <a:r>
+                <a:rPr lang="pt-BR" sz="1600" dirty="0">
+                  <a:solidFill>
+                    <a:schemeClr val="tx1"/>
+                  </a:solidFill>
+                </a:rPr>
+                <a:t>1</a:t>
+              </a:r>
+            </a:p>
+          </p:txBody>
+        </p:sp>
+        <p:sp>
+          <p:nvSpPr>
+            <p:cNvPr id="88" name="Rectangle 8">
+              <a:extLst>
+                <a:ext uri="{FF2B5EF4-FFF2-40B4-BE49-F238E27FC236}">
+                  <a16:creationId xmlns:a16="http://schemas.microsoft.com/office/drawing/2014/main" id="{272CD568-3FFE-1F7A-7481-8A64DDD94835}"/>
+                </a:ext>
+              </a:extLst>
+            </p:cNvPr>
+            <p:cNvSpPr/>
+            <p:nvPr/>
+          </p:nvSpPr>
+          <p:spPr>
+            <a:xfrm>
+              <a:off x="3213051" y="1746819"/>
+              <a:ext cx="432000" cy="393031"/>
+            </a:xfrm>
+            <a:prstGeom prst="rect">
+              <a:avLst/>
+            </a:prstGeom>
+            <a:solidFill>
+              <a:schemeClr val="accent1">
+                <a:lumMod val="60000"/>
+                <a:lumOff val="40000"/>
+              </a:schemeClr>
+            </a:solidFill>
+          </p:spPr>
+          <p:style>
+            <a:lnRef idx="2">
+              <a:schemeClr val="accent1">
+                <a:shade val="50000"/>
+              </a:schemeClr>
+            </a:lnRef>
+            <a:fillRef idx="1">
+              <a:schemeClr val="accent1"/>
+            </a:fillRef>
+            <a:effectRef idx="0">
+              <a:schemeClr val="accent1"/>
+            </a:effectRef>
+            <a:fontRef idx="minor">
+              <a:schemeClr val="lt1"/>
+            </a:fontRef>
+          </p:style>
+          <p:txBody>
+            <a:bodyPr rtlCol="0" anchor="ctr"/>
+            <a:lstStyle/>
+            <a:p>
+              <a:pPr algn="ctr"/>
+              <a:r>
+                <a:rPr lang="pt-BR" sz="1600" dirty="0">
+                  <a:solidFill>
+                    <a:schemeClr val="tx1"/>
+                  </a:solidFill>
+                </a:rPr>
+                <a:t>3</a:t>
+              </a:r>
+            </a:p>
+          </p:txBody>
+        </p:sp>
+        <p:sp>
+          <p:nvSpPr>
+            <p:cNvPr id="89" name="Rectangle 9">
+              <a:extLst>
+                <a:ext uri="{FF2B5EF4-FFF2-40B4-BE49-F238E27FC236}">
+                  <a16:creationId xmlns:a16="http://schemas.microsoft.com/office/drawing/2014/main" id="{3CA9A11F-DEA5-87B4-3B32-F0A2D358B916}"/>
+                </a:ext>
+              </a:extLst>
+            </p:cNvPr>
+            <p:cNvSpPr/>
+            <p:nvPr/>
+          </p:nvSpPr>
+          <p:spPr>
+            <a:xfrm>
+              <a:off x="3643345" y="1746819"/>
+              <a:ext cx="432000" cy="393031"/>
+            </a:xfrm>
+            <a:prstGeom prst="rect">
+              <a:avLst/>
+            </a:prstGeom>
+            <a:solidFill>
+              <a:schemeClr val="accent1">
+                <a:lumMod val="20000"/>
+                <a:lumOff val="80000"/>
+              </a:schemeClr>
+            </a:solidFill>
+          </p:spPr>
+          <p:style>
+            <a:lnRef idx="2">
+              <a:schemeClr val="accent1">
+                <a:shade val="50000"/>
+              </a:schemeClr>
+            </a:lnRef>
+            <a:fillRef idx="1">
+              <a:schemeClr val="accent1"/>
+            </a:fillRef>
+            <a:effectRef idx="0">
+              <a:schemeClr val="accent1"/>
+            </a:effectRef>
+            <a:fontRef idx="minor">
+              <a:schemeClr val="lt1"/>
+            </a:fontRef>
+          </p:style>
+          <p:txBody>
+            <a:bodyPr rtlCol="0" anchor="ctr"/>
+            <a:lstStyle/>
+            <a:p>
+              <a:pPr algn="ctr"/>
+              <a:r>
+                <a:rPr lang="pt-BR" sz="1600" dirty="0">
+                  <a:solidFill>
+                    <a:schemeClr val="tx1"/>
+                  </a:solidFill>
+                </a:rPr>
+                <a:t>4</a:t>
+              </a:r>
+            </a:p>
+          </p:txBody>
+        </p:sp>
+        <p:sp>
+          <p:nvSpPr>
+            <p:cNvPr id="90" name="Rectangle 10">
+              <a:extLst>
+                <a:ext uri="{FF2B5EF4-FFF2-40B4-BE49-F238E27FC236}">
+                  <a16:creationId xmlns:a16="http://schemas.microsoft.com/office/drawing/2014/main" id="{D6DE5989-DA87-9CAE-6175-4E16FE0A7129}"/>
+                </a:ext>
+              </a:extLst>
+            </p:cNvPr>
+            <p:cNvSpPr/>
+            <p:nvPr/>
+          </p:nvSpPr>
+          <p:spPr>
+            <a:xfrm>
+              <a:off x="4071925" y="1746819"/>
+              <a:ext cx="432000" cy="393031"/>
+            </a:xfrm>
+            <a:prstGeom prst="rect">
+              <a:avLst/>
+            </a:prstGeom>
+            <a:solidFill>
+              <a:schemeClr val="accent1">
+                <a:lumMod val="20000"/>
+                <a:lumOff val="80000"/>
+              </a:schemeClr>
+            </a:solidFill>
+          </p:spPr>
+          <p:style>
+            <a:lnRef idx="2">
+              <a:schemeClr val="accent1">
+                <a:shade val="50000"/>
+              </a:schemeClr>
+            </a:lnRef>
+            <a:fillRef idx="1">
+              <a:schemeClr val="accent1"/>
+            </a:fillRef>
+            <a:effectRef idx="0">
+              <a:schemeClr val="accent1"/>
+            </a:effectRef>
+            <a:fontRef idx="minor">
+              <a:schemeClr val="lt1"/>
+            </a:fontRef>
+          </p:style>
+          <p:txBody>
+            <a:bodyPr rtlCol="0" anchor="ctr"/>
+            <a:lstStyle/>
+            <a:p>
+              <a:pPr algn="ctr"/>
+              <a:r>
+                <a:rPr lang="pt-BR" sz="1600" dirty="0">
+                  <a:solidFill>
+                    <a:schemeClr val="tx1"/>
+                  </a:solidFill>
+                </a:rPr>
+                <a:t>5</a:t>
+              </a:r>
+            </a:p>
+          </p:txBody>
+        </p:sp>
+        <p:sp>
+          <p:nvSpPr>
+            <p:cNvPr id="91" name="Rectangle 4">
+              <a:extLst>
+                <a:ext uri="{FF2B5EF4-FFF2-40B4-BE49-F238E27FC236}">
+                  <a16:creationId xmlns:a16="http://schemas.microsoft.com/office/drawing/2014/main" id="{409D1E0D-2047-3C23-DFB8-69936F43195E}"/>
+                </a:ext>
+              </a:extLst>
+            </p:cNvPr>
+            <p:cNvSpPr/>
+            <p:nvPr/>
+          </p:nvSpPr>
+          <p:spPr>
+            <a:xfrm>
+              <a:off x="4926749" y="1746817"/>
+              <a:ext cx="432000" cy="393031"/>
+            </a:xfrm>
+            <a:prstGeom prst="rect">
+              <a:avLst/>
+            </a:prstGeom>
+            <a:solidFill>
+              <a:schemeClr val="accent1">
+                <a:lumMod val="20000"/>
+                <a:lumOff val="80000"/>
+              </a:schemeClr>
+            </a:solidFill>
+          </p:spPr>
+          <p:style>
+            <a:lnRef idx="2">
+              <a:schemeClr val="accent1">
+                <a:shade val="50000"/>
+              </a:schemeClr>
+            </a:lnRef>
+            <a:fillRef idx="1">
+              <a:schemeClr val="accent1"/>
+            </a:fillRef>
+            <a:effectRef idx="0">
+              <a:schemeClr val="accent1"/>
+            </a:effectRef>
+            <a:fontRef idx="minor">
+              <a:schemeClr val="lt1"/>
+            </a:fontRef>
+          </p:style>
+          <p:txBody>
+            <a:bodyPr rtlCol="0" anchor="ctr"/>
+            <a:lstStyle/>
+            <a:p>
+              <a:pPr algn="ctr"/>
+              <a:r>
+                <a:rPr lang="pt-BR" sz="1600" dirty="0">
+                  <a:solidFill>
+                    <a:schemeClr val="tx1"/>
+                  </a:solidFill>
+                </a:rPr>
+                <a:t>7</a:t>
+              </a:r>
+            </a:p>
+          </p:txBody>
+        </p:sp>
+        <p:sp>
+          <p:nvSpPr>
+            <p:cNvPr id="92" name="Rectangle 5">
+              <a:extLst>
+                <a:ext uri="{FF2B5EF4-FFF2-40B4-BE49-F238E27FC236}">
+                  <a16:creationId xmlns:a16="http://schemas.microsoft.com/office/drawing/2014/main" id="{0B727EDB-49E8-FBE2-9107-8DA684CFFA0A}"/>
+                </a:ext>
+              </a:extLst>
+            </p:cNvPr>
+            <p:cNvSpPr/>
+            <p:nvPr/>
+          </p:nvSpPr>
+          <p:spPr>
+            <a:xfrm>
+              <a:off x="4498799" y="1746818"/>
+              <a:ext cx="432000" cy="393031"/>
+            </a:xfrm>
+            <a:prstGeom prst="rect">
+              <a:avLst/>
+            </a:prstGeom>
+            <a:solidFill>
+              <a:schemeClr val="accent1">
+                <a:lumMod val="20000"/>
+                <a:lumOff val="80000"/>
+              </a:schemeClr>
+            </a:solidFill>
+          </p:spPr>
+          <p:style>
+            <a:lnRef idx="2">
+              <a:schemeClr val="accent1">
+                <a:shade val="50000"/>
+              </a:schemeClr>
+            </a:lnRef>
+            <a:fillRef idx="1">
+              <a:schemeClr val="accent1"/>
+            </a:fillRef>
+            <a:effectRef idx="0">
+              <a:schemeClr val="accent1"/>
+            </a:effectRef>
+            <a:fontRef idx="minor">
+              <a:schemeClr val="lt1"/>
+            </a:fontRef>
+          </p:style>
+          <p:txBody>
+            <a:bodyPr rtlCol="0" anchor="ctr"/>
+            <a:lstStyle/>
+            <a:p>
+              <a:pPr algn="ctr"/>
+              <a:r>
+                <a:rPr lang="pt-BR" sz="1600" dirty="0">
+                  <a:solidFill>
+                    <a:schemeClr val="tx1"/>
+                  </a:solidFill>
+                </a:rPr>
+                <a:t>6</a:t>
+              </a:r>
+            </a:p>
+          </p:txBody>
+        </p:sp>
+        <p:sp>
+          <p:nvSpPr>
+            <p:cNvPr id="93" name="Rectangle 8">
+              <a:extLst>
+                <a:ext uri="{FF2B5EF4-FFF2-40B4-BE49-F238E27FC236}">
+                  <a16:creationId xmlns:a16="http://schemas.microsoft.com/office/drawing/2014/main" id="{4203E2E6-38D9-A443-6D30-807E3ACB401F}"/>
+                </a:ext>
+              </a:extLst>
+            </p:cNvPr>
+            <p:cNvSpPr/>
+            <p:nvPr/>
+          </p:nvSpPr>
+          <p:spPr>
+            <a:xfrm>
+              <a:off x="5353623" y="1746816"/>
+              <a:ext cx="432000" cy="393031"/>
+            </a:xfrm>
+            <a:prstGeom prst="rect">
+              <a:avLst/>
+            </a:prstGeom>
+            <a:solidFill>
+              <a:schemeClr val="accent1">
+                <a:lumMod val="20000"/>
+                <a:lumOff val="80000"/>
+              </a:schemeClr>
+            </a:solidFill>
+          </p:spPr>
+          <p:style>
+            <a:lnRef idx="2">
+              <a:schemeClr val="accent1">
+                <a:shade val="50000"/>
+              </a:schemeClr>
+            </a:lnRef>
+            <a:fillRef idx="1">
+              <a:schemeClr val="accent1"/>
+            </a:fillRef>
+            <a:effectRef idx="0">
+              <a:schemeClr val="accent1"/>
+            </a:effectRef>
+            <a:fontRef idx="minor">
+              <a:schemeClr val="lt1"/>
+            </a:fontRef>
+          </p:style>
+          <p:txBody>
+            <a:bodyPr rtlCol="0" anchor="ctr"/>
+            <a:lstStyle/>
+            <a:p>
+              <a:pPr algn="ctr"/>
+              <a:r>
+                <a:rPr lang="pt-BR" sz="1600" dirty="0">
+                  <a:solidFill>
+                    <a:schemeClr val="tx1"/>
+                  </a:solidFill>
+                </a:rPr>
+                <a:t>8</a:t>
+              </a:r>
+            </a:p>
+          </p:txBody>
+        </p:sp>
+        <p:sp>
+          <p:nvSpPr>
+            <p:cNvPr id="94" name="Rectangle 9">
+              <a:extLst>
+                <a:ext uri="{FF2B5EF4-FFF2-40B4-BE49-F238E27FC236}">
+                  <a16:creationId xmlns:a16="http://schemas.microsoft.com/office/drawing/2014/main" id="{863B09E3-9846-5790-F0D4-312F01A9EE1C}"/>
+                </a:ext>
+              </a:extLst>
+            </p:cNvPr>
+            <p:cNvSpPr/>
+            <p:nvPr/>
+          </p:nvSpPr>
+          <p:spPr>
+            <a:xfrm>
+              <a:off x="5787337" y="1746815"/>
+              <a:ext cx="432000" cy="393031"/>
+            </a:xfrm>
+            <a:prstGeom prst="rect">
+              <a:avLst/>
+            </a:prstGeom>
+            <a:solidFill>
+              <a:schemeClr val="accent1">
+                <a:lumMod val="20000"/>
+                <a:lumOff val="80000"/>
+              </a:schemeClr>
+            </a:solidFill>
+          </p:spPr>
+          <p:style>
+            <a:lnRef idx="2">
+              <a:schemeClr val="accent1">
+                <a:shade val="50000"/>
+              </a:schemeClr>
+            </a:lnRef>
+            <a:fillRef idx="1">
+              <a:schemeClr val="accent1"/>
+            </a:fillRef>
+            <a:effectRef idx="0">
+              <a:schemeClr val="accent1"/>
+            </a:effectRef>
+            <a:fontRef idx="minor">
+              <a:schemeClr val="lt1"/>
+            </a:fontRef>
+          </p:style>
+          <p:txBody>
+            <a:bodyPr rtlCol="0" anchor="ctr"/>
+            <a:lstStyle/>
+            <a:p>
+              <a:pPr algn="ctr"/>
+              <a:r>
+                <a:rPr lang="pt-BR" sz="1600" dirty="0">
+                  <a:solidFill>
+                    <a:schemeClr val="tx1"/>
+                  </a:solidFill>
+                </a:rPr>
+                <a:t>9</a:t>
+              </a:r>
+            </a:p>
+          </p:txBody>
+        </p:sp>
+        <p:sp>
+          <p:nvSpPr>
+            <p:cNvPr id="95" name="Rectangle 10">
+              <a:extLst>
+                <a:ext uri="{FF2B5EF4-FFF2-40B4-BE49-F238E27FC236}">
+                  <a16:creationId xmlns:a16="http://schemas.microsoft.com/office/drawing/2014/main" id="{05B3F3F5-B285-ADD0-5CD4-BC3FE7AB2BCF}"/>
+                </a:ext>
+              </a:extLst>
+            </p:cNvPr>
+            <p:cNvSpPr/>
+            <p:nvPr/>
+          </p:nvSpPr>
+          <p:spPr>
+            <a:xfrm>
+              <a:off x="6215287" y="1746815"/>
+              <a:ext cx="432000" cy="393031"/>
+            </a:xfrm>
+            <a:prstGeom prst="rect">
+              <a:avLst/>
+            </a:prstGeom>
+            <a:solidFill>
+              <a:schemeClr val="accent1">
+                <a:lumMod val="20000"/>
+                <a:lumOff val="80000"/>
+              </a:schemeClr>
+            </a:solidFill>
+          </p:spPr>
+          <p:style>
+            <a:lnRef idx="2">
+              <a:schemeClr val="accent1">
+                <a:shade val="50000"/>
+              </a:schemeClr>
+            </a:lnRef>
+            <a:fillRef idx="1">
+              <a:schemeClr val="accent1"/>
+            </a:fillRef>
+            <a:effectRef idx="0">
+              <a:schemeClr val="accent1"/>
+            </a:effectRef>
+            <a:fontRef idx="minor">
+              <a:schemeClr val="lt1"/>
+            </a:fontRef>
+          </p:style>
+          <p:txBody>
+            <a:bodyPr rtlCol="0" anchor="ctr"/>
+            <a:lstStyle/>
+            <a:p>
+              <a:pPr algn="ctr"/>
+              <a:r>
+                <a:rPr lang="pt-BR" sz="1600" dirty="0">
+                  <a:solidFill>
+                    <a:schemeClr val="tx1"/>
+                  </a:solidFill>
+                </a:rPr>
+                <a:t>10</a:t>
+              </a:r>
+            </a:p>
+          </p:txBody>
+        </p:sp>
+        <p:sp>
+          <p:nvSpPr>
+            <p:cNvPr id="96" name="Rectangle 4">
+              <a:extLst>
+                <a:ext uri="{FF2B5EF4-FFF2-40B4-BE49-F238E27FC236}">
+                  <a16:creationId xmlns:a16="http://schemas.microsoft.com/office/drawing/2014/main" id="{9849878E-0A96-AE96-89F7-E05D48549983}"/>
+                </a:ext>
+              </a:extLst>
+            </p:cNvPr>
+            <p:cNvSpPr/>
+            <p:nvPr/>
+          </p:nvSpPr>
+          <p:spPr>
+            <a:xfrm>
+              <a:off x="2785101" y="2143205"/>
+              <a:ext cx="432000" cy="393031"/>
+            </a:xfrm>
+            <a:prstGeom prst="rect">
+              <a:avLst/>
+            </a:prstGeom>
+            <a:solidFill>
+              <a:schemeClr val="accent1">
+                <a:lumMod val="20000"/>
+                <a:lumOff val="80000"/>
+              </a:schemeClr>
+            </a:solidFill>
+          </p:spPr>
+          <p:style>
+            <a:lnRef idx="2">
+              <a:schemeClr val="accent1">
+                <a:shade val="50000"/>
+              </a:schemeClr>
+            </a:lnRef>
+            <a:fillRef idx="1">
+              <a:schemeClr val="accent1"/>
+            </a:fillRef>
+            <a:effectRef idx="0">
+              <a:schemeClr val="accent1"/>
+            </a:effectRef>
+            <a:fontRef idx="minor">
+              <a:schemeClr val="lt1"/>
+            </a:fontRef>
+          </p:style>
+          <p:txBody>
+            <a:bodyPr rtlCol="0" anchor="ctr"/>
+            <a:lstStyle/>
+            <a:p>
+              <a:pPr algn="ctr"/>
+              <a:r>
+                <a:rPr lang="pt-BR" sz="1600" dirty="0">
+                  <a:solidFill>
+                    <a:schemeClr val="tx1"/>
+                  </a:solidFill>
+                </a:rPr>
+                <a:t>2</a:t>
+              </a:r>
+            </a:p>
+          </p:txBody>
+        </p:sp>
+        <p:sp>
+          <p:nvSpPr>
+            <p:cNvPr id="97" name="Rectangle 5">
+              <a:extLst>
+                <a:ext uri="{FF2B5EF4-FFF2-40B4-BE49-F238E27FC236}">
+                  <a16:creationId xmlns:a16="http://schemas.microsoft.com/office/drawing/2014/main" id="{398E24AA-E1A6-E633-0E9F-C9E541DF5DF6}"/>
+                </a:ext>
+              </a:extLst>
+            </p:cNvPr>
+            <p:cNvSpPr/>
+            <p:nvPr/>
+          </p:nvSpPr>
+          <p:spPr>
+            <a:xfrm>
+              <a:off x="2354807" y="2143205"/>
+              <a:ext cx="432000" cy="393031"/>
+            </a:xfrm>
+            <a:prstGeom prst="rect">
+              <a:avLst/>
+            </a:prstGeom>
+            <a:solidFill>
+              <a:schemeClr val="accent1">
+                <a:lumMod val="20000"/>
+                <a:lumOff val="80000"/>
+              </a:schemeClr>
+            </a:solidFill>
+          </p:spPr>
+          <p:style>
+            <a:lnRef idx="2">
+              <a:schemeClr val="accent1">
+                <a:shade val="50000"/>
+              </a:schemeClr>
+            </a:lnRef>
+            <a:fillRef idx="1">
+              <a:schemeClr val="accent1"/>
+            </a:fillRef>
+            <a:effectRef idx="0">
+              <a:schemeClr val="accent1"/>
+            </a:effectRef>
+            <a:fontRef idx="minor">
+              <a:schemeClr val="lt1"/>
+            </a:fontRef>
+          </p:style>
+          <p:txBody>
+            <a:bodyPr rtlCol="0" anchor="ctr"/>
+            <a:lstStyle/>
+            <a:p>
+              <a:pPr algn="ctr"/>
+              <a:r>
+                <a:rPr lang="pt-BR" sz="1600" dirty="0">
+                  <a:solidFill>
+                    <a:schemeClr val="tx1"/>
+                  </a:solidFill>
+                </a:rPr>
+                <a:t>1</a:t>
+              </a:r>
+            </a:p>
+          </p:txBody>
+        </p:sp>
+        <p:sp>
+          <p:nvSpPr>
+            <p:cNvPr id="98" name="Rectangle 8">
+              <a:extLst>
+                <a:ext uri="{FF2B5EF4-FFF2-40B4-BE49-F238E27FC236}">
+                  <a16:creationId xmlns:a16="http://schemas.microsoft.com/office/drawing/2014/main" id="{0232F202-6AA5-8E3E-7B05-4D8C7193B239}"/>
+                </a:ext>
+              </a:extLst>
+            </p:cNvPr>
+            <p:cNvSpPr/>
+            <p:nvPr/>
+          </p:nvSpPr>
+          <p:spPr>
+            <a:xfrm>
+              <a:off x="3213051" y="2142810"/>
+              <a:ext cx="432000" cy="393031"/>
+            </a:xfrm>
+            <a:prstGeom prst="rect">
+              <a:avLst/>
+            </a:prstGeom>
+            <a:solidFill>
+              <a:schemeClr val="accent1">
+                <a:lumMod val="20000"/>
+                <a:lumOff val="80000"/>
+              </a:schemeClr>
+            </a:solidFill>
+          </p:spPr>
+          <p:style>
+            <a:lnRef idx="2">
+              <a:schemeClr val="accent1">
+                <a:shade val="50000"/>
+              </a:schemeClr>
+            </a:lnRef>
+            <a:fillRef idx="1">
+              <a:schemeClr val="accent1"/>
+            </a:fillRef>
+            <a:effectRef idx="0">
+              <a:schemeClr val="accent1"/>
+            </a:effectRef>
+            <a:fontRef idx="minor">
+              <a:schemeClr val="lt1"/>
+            </a:fontRef>
+          </p:style>
+          <p:txBody>
+            <a:bodyPr rtlCol="0" anchor="ctr"/>
+            <a:lstStyle/>
+            <a:p>
+              <a:pPr algn="ctr"/>
+              <a:r>
+                <a:rPr lang="pt-BR" sz="1600" dirty="0">
+                  <a:solidFill>
+                    <a:schemeClr val="tx1"/>
+                  </a:solidFill>
+                </a:rPr>
+                <a:t>3</a:t>
+              </a:r>
+            </a:p>
+          </p:txBody>
+        </p:sp>
+        <p:sp>
+          <p:nvSpPr>
+            <p:cNvPr id="99" name="Rectangle 9">
+              <a:extLst>
+                <a:ext uri="{FF2B5EF4-FFF2-40B4-BE49-F238E27FC236}">
+                  <a16:creationId xmlns:a16="http://schemas.microsoft.com/office/drawing/2014/main" id="{A8F3C8CB-EC4A-7B9B-2B89-54C3B5E11948}"/>
+                </a:ext>
+              </a:extLst>
+            </p:cNvPr>
+            <p:cNvSpPr/>
+            <p:nvPr/>
+          </p:nvSpPr>
+          <p:spPr>
+            <a:xfrm>
+              <a:off x="3643345" y="2142810"/>
+              <a:ext cx="432000" cy="393031"/>
+            </a:xfrm>
+            <a:prstGeom prst="rect">
+              <a:avLst/>
+            </a:prstGeom>
+            <a:solidFill>
+              <a:schemeClr val="accent1">
+                <a:lumMod val="60000"/>
+                <a:lumOff val="40000"/>
+              </a:schemeClr>
+            </a:solidFill>
+          </p:spPr>
+          <p:style>
+            <a:lnRef idx="2">
+              <a:schemeClr val="accent1">
+                <a:shade val="50000"/>
+              </a:schemeClr>
+            </a:lnRef>
+            <a:fillRef idx="1">
+              <a:schemeClr val="accent1"/>
+            </a:fillRef>
+            <a:effectRef idx="0">
+              <a:schemeClr val="accent1"/>
+            </a:effectRef>
+            <a:fontRef idx="minor">
+              <a:schemeClr val="lt1"/>
+            </a:fontRef>
+          </p:style>
+          <p:txBody>
+            <a:bodyPr rtlCol="0" anchor="ctr"/>
+            <a:lstStyle/>
+            <a:p>
+              <a:pPr algn="ctr"/>
+              <a:r>
+                <a:rPr lang="pt-BR" sz="1600" dirty="0">
+                  <a:solidFill>
+                    <a:schemeClr val="tx1"/>
+                  </a:solidFill>
+                </a:rPr>
+                <a:t>4</a:t>
+              </a:r>
+            </a:p>
+          </p:txBody>
+        </p:sp>
+        <p:sp>
+          <p:nvSpPr>
+            <p:cNvPr id="100" name="Rectangle 10">
+              <a:extLst>
+                <a:ext uri="{FF2B5EF4-FFF2-40B4-BE49-F238E27FC236}">
+                  <a16:creationId xmlns:a16="http://schemas.microsoft.com/office/drawing/2014/main" id="{2696F711-8260-2112-90D0-26DD4112C8F9}"/>
+                </a:ext>
+              </a:extLst>
+            </p:cNvPr>
+            <p:cNvSpPr/>
+            <p:nvPr/>
+          </p:nvSpPr>
+          <p:spPr>
+            <a:xfrm>
+              <a:off x="4071925" y="2142810"/>
+              <a:ext cx="432000" cy="393031"/>
+            </a:xfrm>
+            <a:prstGeom prst="rect">
+              <a:avLst/>
+            </a:prstGeom>
+            <a:solidFill>
+              <a:schemeClr val="accent1">
+                <a:lumMod val="20000"/>
+                <a:lumOff val="80000"/>
+              </a:schemeClr>
+            </a:solidFill>
+          </p:spPr>
+          <p:style>
+            <a:lnRef idx="2">
+              <a:schemeClr val="accent1">
+                <a:shade val="50000"/>
+              </a:schemeClr>
+            </a:lnRef>
+            <a:fillRef idx="1">
+              <a:schemeClr val="accent1"/>
+            </a:fillRef>
+            <a:effectRef idx="0">
+              <a:schemeClr val="accent1"/>
+            </a:effectRef>
+            <a:fontRef idx="minor">
+              <a:schemeClr val="lt1"/>
+            </a:fontRef>
+          </p:style>
+          <p:txBody>
+            <a:bodyPr rtlCol="0" anchor="ctr"/>
+            <a:lstStyle/>
+            <a:p>
+              <a:pPr algn="ctr"/>
+              <a:r>
+                <a:rPr lang="pt-BR" sz="1600" dirty="0">
+                  <a:solidFill>
+                    <a:schemeClr val="tx1"/>
+                  </a:solidFill>
+                </a:rPr>
+                <a:t>5</a:t>
+              </a:r>
+            </a:p>
+          </p:txBody>
+        </p:sp>
+        <p:sp>
+          <p:nvSpPr>
+            <p:cNvPr id="101" name="Rectangle 4">
+              <a:extLst>
+                <a:ext uri="{FF2B5EF4-FFF2-40B4-BE49-F238E27FC236}">
+                  <a16:creationId xmlns:a16="http://schemas.microsoft.com/office/drawing/2014/main" id="{F3838DC9-5128-18D0-5929-399D637340F9}"/>
+                </a:ext>
+              </a:extLst>
+            </p:cNvPr>
+            <p:cNvSpPr/>
+            <p:nvPr/>
+          </p:nvSpPr>
+          <p:spPr>
+            <a:xfrm>
+              <a:off x="4926749" y="2142808"/>
+              <a:ext cx="432000" cy="393031"/>
+            </a:xfrm>
+            <a:prstGeom prst="rect">
+              <a:avLst/>
+            </a:prstGeom>
+            <a:solidFill>
+              <a:schemeClr val="accent1">
+                <a:lumMod val="20000"/>
+                <a:lumOff val="80000"/>
+              </a:schemeClr>
+            </a:solidFill>
+          </p:spPr>
+          <p:style>
+            <a:lnRef idx="2">
+              <a:schemeClr val="accent1">
+                <a:shade val="50000"/>
+              </a:schemeClr>
+            </a:lnRef>
+            <a:fillRef idx="1">
+              <a:schemeClr val="accent1"/>
+            </a:fillRef>
+            <a:effectRef idx="0">
+              <a:schemeClr val="accent1"/>
+            </a:effectRef>
+            <a:fontRef idx="minor">
+              <a:schemeClr val="lt1"/>
+            </a:fontRef>
+          </p:style>
+          <p:txBody>
+            <a:bodyPr rtlCol="0" anchor="ctr"/>
+            <a:lstStyle/>
+            <a:p>
+              <a:pPr algn="ctr"/>
+              <a:r>
+                <a:rPr lang="pt-BR" sz="1600" dirty="0">
+                  <a:solidFill>
+                    <a:schemeClr val="tx1"/>
+                  </a:solidFill>
+                </a:rPr>
+                <a:t>7</a:t>
+              </a:r>
+            </a:p>
+          </p:txBody>
+        </p:sp>
+        <p:sp>
+          <p:nvSpPr>
+            <p:cNvPr id="102" name="Rectangle 5">
+              <a:extLst>
+                <a:ext uri="{FF2B5EF4-FFF2-40B4-BE49-F238E27FC236}">
+                  <a16:creationId xmlns:a16="http://schemas.microsoft.com/office/drawing/2014/main" id="{5691A143-E500-6CD8-CD0A-C75B807D6155}"/>
+                </a:ext>
+              </a:extLst>
+            </p:cNvPr>
+            <p:cNvSpPr/>
+            <p:nvPr/>
+          </p:nvSpPr>
+          <p:spPr>
+            <a:xfrm>
+              <a:off x="4498799" y="2142809"/>
+              <a:ext cx="432000" cy="393031"/>
+            </a:xfrm>
+            <a:prstGeom prst="rect">
+              <a:avLst/>
+            </a:prstGeom>
+            <a:solidFill>
+              <a:schemeClr val="accent1">
+                <a:lumMod val="20000"/>
+                <a:lumOff val="80000"/>
+              </a:schemeClr>
+            </a:solidFill>
+          </p:spPr>
+          <p:style>
+            <a:lnRef idx="2">
+              <a:schemeClr val="accent1">
+                <a:shade val="50000"/>
+              </a:schemeClr>
+            </a:lnRef>
+            <a:fillRef idx="1">
+              <a:schemeClr val="accent1"/>
+            </a:fillRef>
+            <a:effectRef idx="0">
+              <a:schemeClr val="accent1"/>
+            </a:effectRef>
+            <a:fontRef idx="minor">
+              <a:schemeClr val="lt1"/>
+            </a:fontRef>
+          </p:style>
+          <p:txBody>
+            <a:bodyPr rtlCol="0" anchor="ctr"/>
+            <a:lstStyle/>
+            <a:p>
+              <a:pPr algn="ctr"/>
+              <a:r>
+                <a:rPr lang="pt-BR" sz="1600" dirty="0">
+                  <a:solidFill>
+                    <a:schemeClr val="tx1"/>
+                  </a:solidFill>
+                </a:rPr>
+                <a:t>6</a:t>
+              </a:r>
+            </a:p>
+          </p:txBody>
+        </p:sp>
+        <p:sp>
+          <p:nvSpPr>
+            <p:cNvPr id="103" name="Rectangle 8">
+              <a:extLst>
+                <a:ext uri="{FF2B5EF4-FFF2-40B4-BE49-F238E27FC236}">
+                  <a16:creationId xmlns:a16="http://schemas.microsoft.com/office/drawing/2014/main" id="{0510AE94-694E-2D36-6F1C-C5FD66AA6DE5}"/>
+                </a:ext>
+              </a:extLst>
+            </p:cNvPr>
+            <p:cNvSpPr/>
+            <p:nvPr/>
+          </p:nvSpPr>
+          <p:spPr>
+            <a:xfrm>
+              <a:off x="5353623" y="2142807"/>
+              <a:ext cx="432000" cy="393031"/>
+            </a:xfrm>
+            <a:prstGeom prst="rect">
+              <a:avLst/>
+            </a:prstGeom>
+            <a:solidFill>
+              <a:schemeClr val="accent1">
+                <a:lumMod val="20000"/>
+                <a:lumOff val="80000"/>
+              </a:schemeClr>
+            </a:solidFill>
+          </p:spPr>
+          <p:style>
+            <a:lnRef idx="2">
+              <a:schemeClr val="accent1">
+                <a:shade val="50000"/>
+              </a:schemeClr>
+            </a:lnRef>
+            <a:fillRef idx="1">
+              <a:schemeClr val="accent1"/>
+            </a:fillRef>
+            <a:effectRef idx="0">
+              <a:schemeClr val="accent1"/>
+            </a:effectRef>
+            <a:fontRef idx="minor">
+              <a:schemeClr val="lt1"/>
+            </a:fontRef>
+          </p:style>
+          <p:txBody>
+            <a:bodyPr rtlCol="0" anchor="ctr"/>
+            <a:lstStyle/>
+            <a:p>
+              <a:pPr algn="ctr"/>
+              <a:r>
+                <a:rPr lang="pt-BR" sz="1600" dirty="0">
+                  <a:solidFill>
+                    <a:schemeClr val="tx1"/>
+                  </a:solidFill>
+                </a:rPr>
+                <a:t>8</a:t>
+              </a:r>
+            </a:p>
+          </p:txBody>
+        </p:sp>
+        <p:sp>
+          <p:nvSpPr>
+            <p:cNvPr id="104" name="Rectangle 9">
+              <a:extLst>
+                <a:ext uri="{FF2B5EF4-FFF2-40B4-BE49-F238E27FC236}">
+                  <a16:creationId xmlns:a16="http://schemas.microsoft.com/office/drawing/2014/main" id="{08CF86E4-4BCC-852B-9D55-0A26F146D48C}"/>
+                </a:ext>
+              </a:extLst>
+            </p:cNvPr>
+            <p:cNvSpPr/>
+            <p:nvPr/>
+          </p:nvSpPr>
+          <p:spPr>
+            <a:xfrm>
+              <a:off x="5787337" y="2142806"/>
+              <a:ext cx="432000" cy="393031"/>
+            </a:xfrm>
+            <a:prstGeom prst="rect">
+              <a:avLst/>
+            </a:prstGeom>
+            <a:solidFill>
+              <a:schemeClr val="accent1">
+                <a:lumMod val="20000"/>
+                <a:lumOff val="80000"/>
+              </a:schemeClr>
+            </a:solidFill>
+          </p:spPr>
+          <p:style>
+            <a:lnRef idx="2">
+              <a:schemeClr val="accent1">
+                <a:shade val="50000"/>
+              </a:schemeClr>
+            </a:lnRef>
+            <a:fillRef idx="1">
+              <a:schemeClr val="accent1"/>
+            </a:fillRef>
+            <a:effectRef idx="0">
+              <a:schemeClr val="accent1"/>
+            </a:effectRef>
+            <a:fontRef idx="minor">
+              <a:schemeClr val="lt1"/>
+            </a:fontRef>
+          </p:style>
+          <p:txBody>
+            <a:bodyPr rtlCol="0" anchor="ctr"/>
+            <a:lstStyle/>
+            <a:p>
+              <a:pPr algn="ctr"/>
+              <a:r>
+                <a:rPr lang="pt-BR" sz="1600" dirty="0">
+                  <a:solidFill>
+                    <a:schemeClr val="tx1"/>
+                  </a:solidFill>
+                </a:rPr>
+                <a:t>9</a:t>
+              </a:r>
+            </a:p>
+          </p:txBody>
+        </p:sp>
+        <p:sp>
+          <p:nvSpPr>
+            <p:cNvPr id="105" name="Rectangle 10">
+              <a:extLst>
+                <a:ext uri="{FF2B5EF4-FFF2-40B4-BE49-F238E27FC236}">
+                  <a16:creationId xmlns:a16="http://schemas.microsoft.com/office/drawing/2014/main" id="{A3304B0F-DEB9-C387-769D-6C1D21F54C57}"/>
+                </a:ext>
+              </a:extLst>
+            </p:cNvPr>
+            <p:cNvSpPr/>
+            <p:nvPr/>
+          </p:nvSpPr>
+          <p:spPr>
+            <a:xfrm>
+              <a:off x="6215287" y="2142806"/>
+              <a:ext cx="432000" cy="393031"/>
+            </a:xfrm>
+            <a:prstGeom prst="rect">
+              <a:avLst/>
+            </a:prstGeom>
+            <a:solidFill>
+              <a:schemeClr val="accent1">
+                <a:lumMod val="20000"/>
+                <a:lumOff val="80000"/>
+              </a:schemeClr>
+            </a:solidFill>
+          </p:spPr>
+          <p:style>
+            <a:lnRef idx="2">
+              <a:schemeClr val="accent1">
+                <a:shade val="50000"/>
+              </a:schemeClr>
+            </a:lnRef>
+            <a:fillRef idx="1">
+              <a:schemeClr val="accent1"/>
+            </a:fillRef>
+            <a:effectRef idx="0">
+              <a:schemeClr val="accent1"/>
+            </a:effectRef>
+            <a:fontRef idx="minor">
+              <a:schemeClr val="lt1"/>
+            </a:fontRef>
+          </p:style>
+          <p:txBody>
+            <a:bodyPr rtlCol="0" anchor="ctr"/>
+            <a:lstStyle/>
+            <a:p>
+              <a:pPr algn="ctr"/>
+              <a:r>
+                <a:rPr lang="pt-BR" sz="1600" dirty="0">
+                  <a:solidFill>
+                    <a:schemeClr val="tx1"/>
+                  </a:solidFill>
+                </a:rPr>
+                <a:t>10</a:t>
+              </a:r>
+            </a:p>
+          </p:txBody>
+        </p:sp>
+        <p:sp>
+          <p:nvSpPr>
+            <p:cNvPr id="106" name="Rectangle 4">
+              <a:extLst>
+                <a:ext uri="{FF2B5EF4-FFF2-40B4-BE49-F238E27FC236}">
+                  <a16:creationId xmlns:a16="http://schemas.microsoft.com/office/drawing/2014/main" id="{F7F2BA7F-4B49-EF50-1DFF-102BBE388693}"/>
+                </a:ext>
+              </a:extLst>
+            </p:cNvPr>
+            <p:cNvSpPr/>
+            <p:nvPr/>
+          </p:nvSpPr>
+          <p:spPr>
+            <a:xfrm>
+              <a:off x="2785101" y="2538402"/>
+              <a:ext cx="432000" cy="393031"/>
+            </a:xfrm>
+            <a:prstGeom prst="rect">
+              <a:avLst/>
+            </a:prstGeom>
+            <a:solidFill>
+              <a:schemeClr val="accent1">
+                <a:lumMod val="20000"/>
+                <a:lumOff val="80000"/>
+              </a:schemeClr>
+            </a:solidFill>
+          </p:spPr>
+          <p:style>
+            <a:lnRef idx="2">
+              <a:schemeClr val="accent1">
+                <a:shade val="50000"/>
+              </a:schemeClr>
+            </a:lnRef>
+            <a:fillRef idx="1">
+              <a:schemeClr val="accent1"/>
+            </a:fillRef>
+            <a:effectRef idx="0">
+              <a:schemeClr val="accent1"/>
+            </a:effectRef>
+            <a:fontRef idx="minor">
+              <a:schemeClr val="lt1"/>
+            </a:fontRef>
+          </p:style>
+          <p:txBody>
+            <a:bodyPr rtlCol="0" anchor="ctr"/>
+            <a:lstStyle/>
+            <a:p>
+              <a:pPr algn="ctr"/>
+              <a:r>
+                <a:rPr lang="pt-BR" sz="1600" dirty="0">
+                  <a:solidFill>
+                    <a:schemeClr val="tx1"/>
+                  </a:solidFill>
+                </a:rPr>
+                <a:t>2</a:t>
+              </a:r>
+            </a:p>
+          </p:txBody>
+        </p:sp>
+        <p:sp>
+          <p:nvSpPr>
+            <p:cNvPr id="107" name="Rectangle 5">
+              <a:extLst>
+                <a:ext uri="{FF2B5EF4-FFF2-40B4-BE49-F238E27FC236}">
+                  <a16:creationId xmlns:a16="http://schemas.microsoft.com/office/drawing/2014/main" id="{8590B6BB-EF8A-DA7F-2F0E-C0CFB6C81261}"/>
+                </a:ext>
+              </a:extLst>
+            </p:cNvPr>
+            <p:cNvSpPr/>
+            <p:nvPr/>
+          </p:nvSpPr>
+          <p:spPr>
+            <a:xfrm>
+              <a:off x="2354807" y="2538402"/>
+              <a:ext cx="432000" cy="393031"/>
+            </a:xfrm>
+            <a:prstGeom prst="rect">
+              <a:avLst/>
+            </a:prstGeom>
+            <a:solidFill>
+              <a:schemeClr val="accent1">
+                <a:lumMod val="20000"/>
+                <a:lumOff val="80000"/>
+              </a:schemeClr>
+            </a:solidFill>
+          </p:spPr>
+          <p:style>
+            <a:lnRef idx="2">
+              <a:schemeClr val="accent1">
+                <a:shade val="50000"/>
+              </a:schemeClr>
+            </a:lnRef>
+            <a:fillRef idx="1">
+              <a:schemeClr val="accent1"/>
+            </a:fillRef>
+            <a:effectRef idx="0">
+              <a:schemeClr val="accent1"/>
+            </a:effectRef>
+            <a:fontRef idx="minor">
+              <a:schemeClr val="lt1"/>
+            </a:fontRef>
+          </p:style>
+          <p:txBody>
+            <a:bodyPr rtlCol="0" anchor="ctr"/>
+            <a:lstStyle/>
+            <a:p>
+              <a:pPr algn="ctr"/>
+              <a:r>
+                <a:rPr lang="pt-BR" sz="1600" dirty="0">
+                  <a:solidFill>
+                    <a:schemeClr val="tx1"/>
+                  </a:solidFill>
+                </a:rPr>
+                <a:t>1</a:t>
+              </a:r>
+            </a:p>
+          </p:txBody>
+        </p:sp>
+        <p:sp>
+          <p:nvSpPr>
+            <p:cNvPr id="108" name="Rectangle 8">
+              <a:extLst>
+                <a:ext uri="{FF2B5EF4-FFF2-40B4-BE49-F238E27FC236}">
+                  <a16:creationId xmlns:a16="http://schemas.microsoft.com/office/drawing/2014/main" id="{DCF659FD-5AB1-9ADF-EBDE-8CA98D3EF290}"/>
+                </a:ext>
+              </a:extLst>
+            </p:cNvPr>
+            <p:cNvSpPr/>
+            <p:nvPr/>
+          </p:nvSpPr>
+          <p:spPr>
+            <a:xfrm>
+              <a:off x="3213051" y="2538007"/>
+              <a:ext cx="432000" cy="393031"/>
+            </a:xfrm>
+            <a:prstGeom prst="rect">
+              <a:avLst/>
+            </a:prstGeom>
+            <a:solidFill>
+              <a:schemeClr val="accent1">
+                <a:lumMod val="20000"/>
+                <a:lumOff val="80000"/>
+              </a:schemeClr>
+            </a:solidFill>
+          </p:spPr>
+          <p:style>
+            <a:lnRef idx="2">
+              <a:schemeClr val="accent1">
+                <a:shade val="50000"/>
+              </a:schemeClr>
+            </a:lnRef>
+            <a:fillRef idx="1">
+              <a:schemeClr val="accent1"/>
+            </a:fillRef>
+            <a:effectRef idx="0">
+              <a:schemeClr val="accent1"/>
+            </a:effectRef>
+            <a:fontRef idx="minor">
+              <a:schemeClr val="lt1"/>
+            </a:fontRef>
+          </p:style>
+          <p:txBody>
+            <a:bodyPr rtlCol="0" anchor="ctr"/>
+            <a:lstStyle/>
+            <a:p>
+              <a:pPr algn="ctr"/>
+              <a:r>
+                <a:rPr lang="pt-BR" sz="1600" dirty="0">
+                  <a:solidFill>
+                    <a:schemeClr val="tx1"/>
+                  </a:solidFill>
+                </a:rPr>
+                <a:t>3</a:t>
+              </a:r>
+            </a:p>
+          </p:txBody>
+        </p:sp>
+        <p:sp>
+          <p:nvSpPr>
+            <p:cNvPr id="109" name="Rectangle 9">
+              <a:extLst>
+                <a:ext uri="{FF2B5EF4-FFF2-40B4-BE49-F238E27FC236}">
+                  <a16:creationId xmlns:a16="http://schemas.microsoft.com/office/drawing/2014/main" id="{3CF016BC-FBFC-9F10-79C7-329D906A55D3}"/>
+                </a:ext>
+              </a:extLst>
+            </p:cNvPr>
+            <p:cNvSpPr/>
+            <p:nvPr/>
+          </p:nvSpPr>
+          <p:spPr>
+            <a:xfrm>
+              <a:off x="3643345" y="2538007"/>
+              <a:ext cx="432000" cy="393031"/>
+            </a:xfrm>
+            <a:prstGeom prst="rect">
+              <a:avLst/>
+            </a:prstGeom>
+            <a:solidFill>
+              <a:schemeClr val="accent1">
+                <a:lumMod val="20000"/>
+                <a:lumOff val="80000"/>
+              </a:schemeClr>
+            </a:solidFill>
+          </p:spPr>
+          <p:style>
+            <a:lnRef idx="2">
+              <a:schemeClr val="accent1">
+                <a:shade val="50000"/>
+              </a:schemeClr>
+            </a:lnRef>
+            <a:fillRef idx="1">
+              <a:schemeClr val="accent1"/>
+            </a:fillRef>
+            <a:effectRef idx="0">
+              <a:schemeClr val="accent1"/>
+            </a:effectRef>
+            <a:fontRef idx="minor">
+              <a:schemeClr val="lt1"/>
+            </a:fontRef>
+          </p:style>
+          <p:txBody>
+            <a:bodyPr rtlCol="0" anchor="ctr"/>
+            <a:lstStyle/>
+            <a:p>
+              <a:pPr algn="ctr"/>
+              <a:r>
+                <a:rPr lang="pt-BR" sz="1600" dirty="0">
+                  <a:solidFill>
+                    <a:schemeClr val="tx1"/>
+                  </a:solidFill>
+                </a:rPr>
+                <a:t>4</a:t>
+              </a:r>
+            </a:p>
+          </p:txBody>
+        </p:sp>
+        <p:sp>
+          <p:nvSpPr>
+            <p:cNvPr id="110" name="Rectangle 10">
+              <a:extLst>
+                <a:ext uri="{FF2B5EF4-FFF2-40B4-BE49-F238E27FC236}">
+                  <a16:creationId xmlns:a16="http://schemas.microsoft.com/office/drawing/2014/main" id="{A31B46DD-8A6C-9A15-807B-82773BC08873}"/>
+                </a:ext>
+              </a:extLst>
+            </p:cNvPr>
+            <p:cNvSpPr/>
+            <p:nvPr/>
+          </p:nvSpPr>
+          <p:spPr>
+            <a:xfrm>
+              <a:off x="4071925" y="2538007"/>
+              <a:ext cx="432000" cy="393031"/>
+            </a:xfrm>
+            <a:prstGeom prst="rect">
+              <a:avLst/>
+            </a:prstGeom>
+            <a:solidFill>
+              <a:schemeClr val="accent1">
+                <a:lumMod val="60000"/>
+                <a:lumOff val="40000"/>
+              </a:schemeClr>
+            </a:solidFill>
+          </p:spPr>
+          <p:style>
+            <a:lnRef idx="2">
+              <a:schemeClr val="accent1">
+                <a:shade val="50000"/>
+              </a:schemeClr>
+            </a:lnRef>
+            <a:fillRef idx="1">
+              <a:schemeClr val="accent1"/>
+            </a:fillRef>
+            <a:effectRef idx="0">
+              <a:schemeClr val="accent1"/>
+            </a:effectRef>
+            <a:fontRef idx="minor">
+              <a:schemeClr val="lt1"/>
+            </a:fontRef>
+          </p:style>
+          <p:txBody>
+            <a:bodyPr rtlCol="0" anchor="ctr"/>
+            <a:lstStyle/>
+            <a:p>
+              <a:pPr algn="ctr"/>
+              <a:r>
+                <a:rPr lang="pt-BR" sz="1600" dirty="0">
+                  <a:solidFill>
+                    <a:schemeClr val="tx1"/>
+                  </a:solidFill>
+                </a:rPr>
+                <a:t>5</a:t>
+              </a:r>
+            </a:p>
+          </p:txBody>
+        </p:sp>
+        <p:sp>
+          <p:nvSpPr>
+            <p:cNvPr id="111" name="Rectangle 4">
+              <a:extLst>
+                <a:ext uri="{FF2B5EF4-FFF2-40B4-BE49-F238E27FC236}">
+                  <a16:creationId xmlns:a16="http://schemas.microsoft.com/office/drawing/2014/main" id="{6CB8A52D-6368-ADA6-8753-B29B7D0771E8}"/>
+                </a:ext>
+              </a:extLst>
+            </p:cNvPr>
+            <p:cNvSpPr/>
+            <p:nvPr/>
+          </p:nvSpPr>
+          <p:spPr>
+            <a:xfrm>
+              <a:off x="4926749" y="2538005"/>
+              <a:ext cx="432000" cy="393031"/>
+            </a:xfrm>
+            <a:prstGeom prst="rect">
+              <a:avLst/>
+            </a:prstGeom>
+            <a:solidFill>
+              <a:schemeClr val="accent1">
+                <a:lumMod val="20000"/>
+                <a:lumOff val="80000"/>
+              </a:schemeClr>
+            </a:solidFill>
+          </p:spPr>
+          <p:style>
+            <a:lnRef idx="2">
+              <a:schemeClr val="accent1">
+                <a:shade val="50000"/>
+              </a:schemeClr>
+            </a:lnRef>
+            <a:fillRef idx="1">
+              <a:schemeClr val="accent1"/>
+            </a:fillRef>
+            <a:effectRef idx="0">
+              <a:schemeClr val="accent1"/>
+            </a:effectRef>
+            <a:fontRef idx="minor">
+              <a:schemeClr val="lt1"/>
+            </a:fontRef>
+          </p:style>
+          <p:txBody>
+            <a:bodyPr rtlCol="0" anchor="ctr"/>
+            <a:lstStyle/>
+            <a:p>
+              <a:pPr algn="ctr"/>
+              <a:r>
+                <a:rPr lang="pt-BR" sz="1600" dirty="0">
+                  <a:solidFill>
+                    <a:schemeClr val="tx1"/>
+                  </a:solidFill>
+                </a:rPr>
+                <a:t>7</a:t>
+              </a:r>
+            </a:p>
+          </p:txBody>
+        </p:sp>
+        <p:sp>
+          <p:nvSpPr>
+            <p:cNvPr id="112" name="Rectangle 5">
+              <a:extLst>
+                <a:ext uri="{FF2B5EF4-FFF2-40B4-BE49-F238E27FC236}">
+                  <a16:creationId xmlns:a16="http://schemas.microsoft.com/office/drawing/2014/main" id="{CB8230C6-EA19-FE01-FD55-257850CF60AC}"/>
+                </a:ext>
+              </a:extLst>
+            </p:cNvPr>
+            <p:cNvSpPr/>
+            <p:nvPr/>
+          </p:nvSpPr>
+          <p:spPr>
+            <a:xfrm>
+              <a:off x="4498799" y="2538006"/>
+              <a:ext cx="432000" cy="393031"/>
+            </a:xfrm>
+            <a:prstGeom prst="rect">
+              <a:avLst/>
+            </a:prstGeom>
+            <a:solidFill>
+              <a:schemeClr val="accent1">
+                <a:lumMod val="20000"/>
+                <a:lumOff val="80000"/>
+              </a:schemeClr>
+            </a:solidFill>
+          </p:spPr>
+          <p:style>
+            <a:lnRef idx="2">
+              <a:schemeClr val="accent1">
+                <a:shade val="50000"/>
+              </a:schemeClr>
+            </a:lnRef>
+            <a:fillRef idx="1">
+              <a:schemeClr val="accent1"/>
+            </a:fillRef>
+            <a:effectRef idx="0">
+              <a:schemeClr val="accent1"/>
+            </a:effectRef>
+            <a:fontRef idx="minor">
+              <a:schemeClr val="lt1"/>
+            </a:fontRef>
+          </p:style>
+          <p:txBody>
+            <a:bodyPr rtlCol="0" anchor="ctr"/>
+            <a:lstStyle/>
+            <a:p>
+              <a:pPr algn="ctr"/>
+              <a:r>
+                <a:rPr lang="pt-BR" sz="1600" dirty="0">
+                  <a:solidFill>
+                    <a:schemeClr val="tx1"/>
+                  </a:solidFill>
+                </a:rPr>
+                <a:t>6</a:t>
+              </a:r>
+            </a:p>
+          </p:txBody>
+        </p:sp>
+        <p:sp>
+          <p:nvSpPr>
+            <p:cNvPr id="113" name="Rectangle 8">
+              <a:extLst>
+                <a:ext uri="{FF2B5EF4-FFF2-40B4-BE49-F238E27FC236}">
+                  <a16:creationId xmlns:a16="http://schemas.microsoft.com/office/drawing/2014/main" id="{848AC2C9-074E-0153-F820-541D44FDAD67}"/>
+                </a:ext>
+              </a:extLst>
+            </p:cNvPr>
+            <p:cNvSpPr/>
+            <p:nvPr/>
+          </p:nvSpPr>
+          <p:spPr>
+            <a:xfrm>
+              <a:off x="5353623" y="2538004"/>
+              <a:ext cx="432000" cy="393031"/>
+            </a:xfrm>
+            <a:prstGeom prst="rect">
+              <a:avLst/>
+            </a:prstGeom>
+            <a:solidFill>
+              <a:schemeClr val="accent1">
+                <a:lumMod val="20000"/>
+                <a:lumOff val="80000"/>
+              </a:schemeClr>
+            </a:solidFill>
+          </p:spPr>
+          <p:style>
+            <a:lnRef idx="2">
+              <a:schemeClr val="accent1">
+                <a:shade val="50000"/>
+              </a:schemeClr>
+            </a:lnRef>
+            <a:fillRef idx="1">
+              <a:schemeClr val="accent1"/>
+            </a:fillRef>
+            <a:effectRef idx="0">
+              <a:schemeClr val="accent1"/>
+            </a:effectRef>
+            <a:fontRef idx="minor">
+              <a:schemeClr val="lt1"/>
+            </a:fontRef>
+          </p:style>
+          <p:txBody>
+            <a:bodyPr rtlCol="0" anchor="ctr"/>
+            <a:lstStyle/>
+            <a:p>
+              <a:pPr algn="ctr"/>
+              <a:r>
+                <a:rPr lang="pt-BR" sz="1600" dirty="0">
+                  <a:solidFill>
+                    <a:schemeClr val="tx1"/>
+                  </a:solidFill>
+                </a:rPr>
+                <a:t>8</a:t>
+              </a:r>
+            </a:p>
+          </p:txBody>
+        </p:sp>
+        <p:sp>
+          <p:nvSpPr>
+            <p:cNvPr id="114" name="Rectangle 9">
+              <a:extLst>
+                <a:ext uri="{FF2B5EF4-FFF2-40B4-BE49-F238E27FC236}">
+                  <a16:creationId xmlns:a16="http://schemas.microsoft.com/office/drawing/2014/main" id="{09E406FC-BF6E-233D-D75A-2A75428EA9C5}"/>
+                </a:ext>
+              </a:extLst>
+            </p:cNvPr>
+            <p:cNvSpPr/>
+            <p:nvPr/>
+          </p:nvSpPr>
+          <p:spPr>
+            <a:xfrm>
+              <a:off x="5787337" y="2538003"/>
+              <a:ext cx="432000" cy="393031"/>
+            </a:xfrm>
+            <a:prstGeom prst="rect">
+              <a:avLst/>
+            </a:prstGeom>
+            <a:solidFill>
+              <a:schemeClr val="accent1">
+                <a:lumMod val="20000"/>
+                <a:lumOff val="80000"/>
+              </a:schemeClr>
+            </a:solidFill>
+          </p:spPr>
+          <p:style>
+            <a:lnRef idx="2">
+              <a:schemeClr val="accent1">
+                <a:shade val="50000"/>
+              </a:schemeClr>
+            </a:lnRef>
+            <a:fillRef idx="1">
+              <a:schemeClr val="accent1"/>
+            </a:fillRef>
+            <a:effectRef idx="0">
+              <a:schemeClr val="accent1"/>
+            </a:effectRef>
+            <a:fontRef idx="minor">
+              <a:schemeClr val="lt1"/>
+            </a:fontRef>
+          </p:style>
+          <p:txBody>
+            <a:bodyPr rtlCol="0" anchor="ctr"/>
+            <a:lstStyle/>
+            <a:p>
+              <a:pPr algn="ctr"/>
+              <a:r>
+                <a:rPr lang="pt-BR" sz="1600" dirty="0">
+                  <a:solidFill>
+                    <a:schemeClr val="tx1"/>
+                  </a:solidFill>
+                </a:rPr>
+                <a:t>9</a:t>
+              </a:r>
+            </a:p>
+          </p:txBody>
+        </p:sp>
+        <p:sp>
+          <p:nvSpPr>
+            <p:cNvPr id="115" name="Rectangle 10">
+              <a:extLst>
+                <a:ext uri="{FF2B5EF4-FFF2-40B4-BE49-F238E27FC236}">
+                  <a16:creationId xmlns:a16="http://schemas.microsoft.com/office/drawing/2014/main" id="{C0382306-AFD8-C1AA-0B19-537FEBF9426C}"/>
+                </a:ext>
+              </a:extLst>
+            </p:cNvPr>
+            <p:cNvSpPr/>
+            <p:nvPr/>
+          </p:nvSpPr>
+          <p:spPr>
+            <a:xfrm>
+              <a:off x="6215287" y="2538003"/>
+              <a:ext cx="432000" cy="393031"/>
+            </a:xfrm>
+            <a:prstGeom prst="rect">
+              <a:avLst/>
+            </a:prstGeom>
+            <a:solidFill>
+              <a:schemeClr val="accent1">
+                <a:lumMod val="20000"/>
+                <a:lumOff val="80000"/>
+              </a:schemeClr>
+            </a:solidFill>
+          </p:spPr>
+          <p:style>
+            <a:lnRef idx="2">
+              <a:schemeClr val="accent1">
+                <a:shade val="50000"/>
+              </a:schemeClr>
+            </a:lnRef>
+            <a:fillRef idx="1">
+              <a:schemeClr val="accent1"/>
+            </a:fillRef>
+            <a:effectRef idx="0">
+              <a:schemeClr val="accent1"/>
+            </a:effectRef>
+            <a:fontRef idx="minor">
+              <a:schemeClr val="lt1"/>
+            </a:fontRef>
+          </p:style>
+          <p:txBody>
+            <a:bodyPr rtlCol="0" anchor="ctr"/>
+            <a:lstStyle/>
+            <a:p>
+              <a:pPr algn="ctr"/>
+              <a:r>
+                <a:rPr lang="pt-BR" sz="1600" dirty="0">
+                  <a:solidFill>
+                    <a:schemeClr val="tx1"/>
+                  </a:solidFill>
+                </a:rPr>
+                <a:t>10</a:t>
+              </a:r>
+            </a:p>
+          </p:txBody>
+        </p:sp>
+        <p:sp>
+          <p:nvSpPr>
+            <p:cNvPr id="116" name="Rectangle 4">
+              <a:extLst>
+                <a:ext uri="{FF2B5EF4-FFF2-40B4-BE49-F238E27FC236}">
+                  <a16:creationId xmlns:a16="http://schemas.microsoft.com/office/drawing/2014/main" id="{E34657F4-B723-034D-7D13-769984F51112}"/>
+                </a:ext>
+              </a:extLst>
+            </p:cNvPr>
+            <p:cNvSpPr/>
+            <p:nvPr/>
+          </p:nvSpPr>
+          <p:spPr>
+            <a:xfrm>
+              <a:off x="2785101" y="2921544"/>
+              <a:ext cx="432000" cy="393031"/>
+            </a:xfrm>
+            <a:prstGeom prst="rect">
+              <a:avLst/>
+            </a:prstGeom>
+            <a:solidFill>
+              <a:schemeClr val="accent1">
+                <a:lumMod val="20000"/>
+                <a:lumOff val="80000"/>
+              </a:schemeClr>
+            </a:solidFill>
+          </p:spPr>
+          <p:style>
+            <a:lnRef idx="2">
+              <a:schemeClr val="accent1">
+                <a:shade val="50000"/>
+              </a:schemeClr>
+            </a:lnRef>
+            <a:fillRef idx="1">
+              <a:schemeClr val="accent1"/>
+            </a:fillRef>
+            <a:effectRef idx="0">
+              <a:schemeClr val="accent1"/>
+            </a:effectRef>
+            <a:fontRef idx="minor">
+              <a:schemeClr val="lt1"/>
+            </a:fontRef>
+          </p:style>
+          <p:txBody>
+            <a:bodyPr rtlCol="0" anchor="ctr"/>
+            <a:lstStyle/>
+            <a:p>
+              <a:pPr algn="ctr"/>
+              <a:r>
+                <a:rPr lang="pt-BR" sz="1600" dirty="0">
+                  <a:solidFill>
+                    <a:schemeClr val="tx1"/>
+                  </a:solidFill>
+                </a:rPr>
+                <a:t>2</a:t>
+              </a:r>
+            </a:p>
+          </p:txBody>
+        </p:sp>
+        <p:sp>
+          <p:nvSpPr>
+            <p:cNvPr id="117" name="Rectangle 5">
+              <a:extLst>
+                <a:ext uri="{FF2B5EF4-FFF2-40B4-BE49-F238E27FC236}">
+                  <a16:creationId xmlns:a16="http://schemas.microsoft.com/office/drawing/2014/main" id="{A691B82E-3F82-01BC-5F9C-E1CB73EB6138}"/>
+                </a:ext>
+              </a:extLst>
+            </p:cNvPr>
+            <p:cNvSpPr/>
+            <p:nvPr/>
+          </p:nvSpPr>
+          <p:spPr>
+            <a:xfrm>
+              <a:off x="2354807" y="2921544"/>
+              <a:ext cx="432000" cy="393031"/>
+            </a:xfrm>
+            <a:prstGeom prst="rect">
+              <a:avLst/>
+            </a:prstGeom>
+            <a:solidFill>
+              <a:schemeClr val="accent1">
+                <a:lumMod val="20000"/>
+                <a:lumOff val="80000"/>
+              </a:schemeClr>
+            </a:solidFill>
+          </p:spPr>
+          <p:style>
+            <a:lnRef idx="2">
+              <a:schemeClr val="accent1">
+                <a:shade val="50000"/>
+              </a:schemeClr>
+            </a:lnRef>
+            <a:fillRef idx="1">
+              <a:schemeClr val="accent1"/>
+            </a:fillRef>
+            <a:effectRef idx="0">
+              <a:schemeClr val="accent1"/>
+            </a:effectRef>
+            <a:fontRef idx="minor">
+              <a:schemeClr val="lt1"/>
+            </a:fontRef>
+          </p:style>
+          <p:txBody>
+            <a:bodyPr rtlCol="0" anchor="ctr"/>
+            <a:lstStyle/>
+            <a:p>
+              <a:pPr algn="ctr"/>
+              <a:r>
+                <a:rPr lang="pt-BR" sz="1600" dirty="0">
+                  <a:solidFill>
+                    <a:schemeClr val="tx1"/>
+                  </a:solidFill>
+                </a:rPr>
+                <a:t>1</a:t>
+              </a:r>
+            </a:p>
+          </p:txBody>
+        </p:sp>
+        <p:sp>
+          <p:nvSpPr>
+            <p:cNvPr id="118" name="Rectangle 8">
+              <a:extLst>
+                <a:ext uri="{FF2B5EF4-FFF2-40B4-BE49-F238E27FC236}">
+                  <a16:creationId xmlns:a16="http://schemas.microsoft.com/office/drawing/2014/main" id="{89458F61-2C10-C1F5-FD03-593C64A3592E}"/>
+                </a:ext>
+              </a:extLst>
+            </p:cNvPr>
+            <p:cNvSpPr/>
+            <p:nvPr/>
+          </p:nvSpPr>
+          <p:spPr>
+            <a:xfrm>
+              <a:off x="3213051" y="2921149"/>
+              <a:ext cx="432000" cy="393031"/>
+            </a:xfrm>
+            <a:prstGeom prst="rect">
+              <a:avLst/>
+            </a:prstGeom>
+            <a:solidFill>
+              <a:schemeClr val="accent1">
+                <a:lumMod val="20000"/>
+                <a:lumOff val="80000"/>
+              </a:schemeClr>
+            </a:solidFill>
+          </p:spPr>
+          <p:style>
+            <a:lnRef idx="2">
+              <a:schemeClr val="accent1">
+                <a:shade val="50000"/>
+              </a:schemeClr>
+            </a:lnRef>
+            <a:fillRef idx="1">
+              <a:schemeClr val="accent1"/>
+            </a:fillRef>
+            <a:effectRef idx="0">
+              <a:schemeClr val="accent1"/>
+            </a:effectRef>
+            <a:fontRef idx="minor">
+              <a:schemeClr val="lt1"/>
+            </a:fontRef>
+          </p:style>
+          <p:txBody>
+            <a:bodyPr rtlCol="0" anchor="ctr"/>
+            <a:lstStyle/>
+            <a:p>
+              <a:pPr algn="ctr"/>
+              <a:r>
+                <a:rPr lang="pt-BR" sz="1600" dirty="0">
+                  <a:solidFill>
+                    <a:schemeClr val="tx1"/>
+                  </a:solidFill>
+                </a:rPr>
+                <a:t>3</a:t>
+              </a:r>
+            </a:p>
+          </p:txBody>
+        </p:sp>
+        <p:sp>
+          <p:nvSpPr>
+            <p:cNvPr id="119" name="Rectangle 9">
+              <a:extLst>
+                <a:ext uri="{FF2B5EF4-FFF2-40B4-BE49-F238E27FC236}">
+                  <a16:creationId xmlns:a16="http://schemas.microsoft.com/office/drawing/2014/main" id="{C0E3A58A-B8F4-7AB5-1AC8-1DE144FF8239}"/>
+                </a:ext>
+              </a:extLst>
+            </p:cNvPr>
+            <p:cNvSpPr/>
+            <p:nvPr/>
+          </p:nvSpPr>
+          <p:spPr>
+            <a:xfrm>
+              <a:off x="3643345" y="2921149"/>
+              <a:ext cx="432000" cy="393031"/>
+            </a:xfrm>
+            <a:prstGeom prst="rect">
+              <a:avLst/>
+            </a:prstGeom>
+            <a:solidFill>
+              <a:schemeClr val="accent1">
+                <a:lumMod val="20000"/>
+                <a:lumOff val="80000"/>
+              </a:schemeClr>
+            </a:solidFill>
+          </p:spPr>
+          <p:style>
+            <a:lnRef idx="2">
+              <a:schemeClr val="accent1">
+                <a:shade val="50000"/>
+              </a:schemeClr>
+            </a:lnRef>
+            <a:fillRef idx="1">
+              <a:schemeClr val="accent1"/>
+            </a:fillRef>
+            <a:effectRef idx="0">
+              <a:schemeClr val="accent1"/>
+            </a:effectRef>
+            <a:fontRef idx="minor">
+              <a:schemeClr val="lt1"/>
+            </a:fontRef>
+          </p:style>
+          <p:txBody>
+            <a:bodyPr rtlCol="0" anchor="ctr"/>
+            <a:lstStyle/>
+            <a:p>
+              <a:pPr algn="ctr"/>
+              <a:r>
+                <a:rPr lang="pt-BR" sz="1600" dirty="0">
+                  <a:solidFill>
+                    <a:schemeClr val="tx1"/>
+                  </a:solidFill>
+                </a:rPr>
+                <a:t>4</a:t>
+              </a:r>
+            </a:p>
+          </p:txBody>
+        </p:sp>
+        <p:sp>
+          <p:nvSpPr>
+            <p:cNvPr id="120" name="Rectangle 10">
+              <a:extLst>
+                <a:ext uri="{FF2B5EF4-FFF2-40B4-BE49-F238E27FC236}">
+                  <a16:creationId xmlns:a16="http://schemas.microsoft.com/office/drawing/2014/main" id="{90EBC5F5-94D6-2923-BA57-6C40C112089F}"/>
+                </a:ext>
+              </a:extLst>
+            </p:cNvPr>
+            <p:cNvSpPr/>
+            <p:nvPr/>
+          </p:nvSpPr>
+          <p:spPr>
+            <a:xfrm>
+              <a:off x="4071925" y="2921149"/>
+              <a:ext cx="432000" cy="393031"/>
+            </a:xfrm>
+            <a:prstGeom prst="rect">
+              <a:avLst/>
+            </a:prstGeom>
+            <a:solidFill>
+              <a:schemeClr val="accent1">
+                <a:lumMod val="20000"/>
+                <a:lumOff val="80000"/>
+              </a:schemeClr>
+            </a:solidFill>
+          </p:spPr>
+          <p:style>
+            <a:lnRef idx="2">
+              <a:schemeClr val="accent1">
+                <a:shade val="50000"/>
+              </a:schemeClr>
+            </a:lnRef>
+            <a:fillRef idx="1">
+              <a:schemeClr val="accent1"/>
+            </a:fillRef>
+            <a:effectRef idx="0">
+              <a:schemeClr val="accent1"/>
+            </a:effectRef>
+            <a:fontRef idx="minor">
+              <a:schemeClr val="lt1"/>
+            </a:fontRef>
+          </p:style>
+          <p:txBody>
+            <a:bodyPr rtlCol="0" anchor="ctr"/>
+            <a:lstStyle/>
+            <a:p>
+              <a:pPr algn="ctr"/>
+              <a:r>
+                <a:rPr lang="pt-BR" sz="1600" dirty="0">
+                  <a:solidFill>
+                    <a:schemeClr val="tx1"/>
+                  </a:solidFill>
+                </a:rPr>
+                <a:t>5</a:t>
+              </a:r>
+            </a:p>
+          </p:txBody>
+        </p:sp>
+        <p:sp>
+          <p:nvSpPr>
+            <p:cNvPr id="121" name="Rectangle 4">
+              <a:extLst>
+                <a:ext uri="{FF2B5EF4-FFF2-40B4-BE49-F238E27FC236}">
+                  <a16:creationId xmlns:a16="http://schemas.microsoft.com/office/drawing/2014/main" id="{D5FF1B52-A1F2-6E41-CE8C-230CB0458A73}"/>
+                </a:ext>
+              </a:extLst>
+            </p:cNvPr>
+            <p:cNvSpPr/>
+            <p:nvPr/>
+          </p:nvSpPr>
+          <p:spPr>
+            <a:xfrm>
+              <a:off x="4926749" y="2921147"/>
+              <a:ext cx="432000" cy="393031"/>
+            </a:xfrm>
+            <a:prstGeom prst="rect">
+              <a:avLst/>
+            </a:prstGeom>
+            <a:solidFill>
+              <a:schemeClr val="accent1">
+                <a:lumMod val="20000"/>
+                <a:lumOff val="80000"/>
+              </a:schemeClr>
+            </a:solidFill>
+          </p:spPr>
+          <p:style>
+            <a:lnRef idx="2">
+              <a:schemeClr val="accent1">
+                <a:shade val="50000"/>
+              </a:schemeClr>
+            </a:lnRef>
+            <a:fillRef idx="1">
+              <a:schemeClr val="accent1"/>
+            </a:fillRef>
+            <a:effectRef idx="0">
+              <a:schemeClr val="accent1"/>
+            </a:effectRef>
+            <a:fontRef idx="minor">
+              <a:schemeClr val="lt1"/>
+            </a:fontRef>
+          </p:style>
+          <p:txBody>
+            <a:bodyPr rtlCol="0" anchor="ctr"/>
+            <a:lstStyle/>
+            <a:p>
+              <a:pPr algn="ctr"/>
+              <a:r>
+                <a:rPr lang="pt-BR" sz="1600" dirty="0">
+                  <a:solidFill>
+                    <a:schemeClr val="tx1"/>
+                  </a:solidFill>
+                </a:rPr>
+                <a:t>7</a:t>
+              </a:r>
+            </a:p>
+          </p:txBody>
+        </p:sp>
+        <p:sp>
+          <p:nvSpPr>
+            <p:cNvPr id="122" name="Rectangle 5">
+              <a:extLst>
+                <a:ext uri="{FF2B5EF4-FFF2-40B4-BE49-F238E27FC236}">
+                  <a16:creationId xmlns:a16="http://schemas.microsoft.com/office/drawing/2014/main" id="{7B596C9D-8FF0-2BAF-6C5E-BC4E4AA5BF32}"/>
+                </a:ext>
+              </a:extLst>
+            </p:cNvPr>
+            <p:cNvSpPr/>
+            <p:nvPr/>
+          </p:nvSpPr>
+          <p:spPr>
+            <a:xfrm>
+              <a:off x="4498799" y="2921148"/>
+              <a:ext cx="432000" cy="393031"/>
+            </a:xfrm>
+            <a:prstGeom prst="rect">
+              <a:avLst/>
+            </a:prstGeom>
+            <a:solidFill>
+              <a:schemeClr val="accent1">
+                <a:lumMod val="60000"/>
+                <a:lumOff val="40000"/>
+              </a:schemeClr>
+            </a:solidFill>
+          </p:spPr>
+          <p:style>
+            <a:lnRef idx="2">
+              <a:schemeClr val="accent1">
+                <a:shade val="50000"/>
+              </a:schemeClr>
+            </a:lnRef>
+            <a:fillRef idx="1">
+              <a:schemeClr val="accent1"/>
+            </a:fillRef>
+            <a:effectRef idx="0">
+              <a:schemeClr val="accent1"/>
+            </a:effectRef>
+            <a:fontRef idx="minor">
+              <a:schemeClr val="lt1"/>
+            </a:fontRef>
+          </p:style>
+          <p:txBody>
+            <a:bodyPr rtlCol="0" anchor="ctr"/>
+            <a:lstStyle/>
+            <a:p>
+              <a:pPr algn="ctr"/>
+              <a:r>
+                <a:rPr lang="pt-BR" sz="1600" dirty="0">
+                  <a:solidFill>
+                    <a:schemeClr val="tx1"/>
+                  </a:solidFill>
+                </a:rPr>
+                <a:t>6</a:t>
+              </a:r>
+            </a:p>
+          </p:txBody>
+        </p:sp>
+        <p:sp>
+          <p:nvSpPr>
+            <p:cNvPr id="123" name="Rectangle 8">
+              <a:extLst>
+                <a:ext uri="{FF2B5EF4-FFF2-40B4-BE49-F238E27FC236}">
+                  <a16:creationId xmlns:a16="http://schemas.microsoft.com/office/drawing/2014/main" id="{6A67D423-1040-7920-8AA4-5C3704D73ECA}"/>
+                </a:ext>
+              </a:extLst>
+            </p:cNvPr>
+            <p:cNvSpPr/>
+            <p:nvPr/>
+          </p:nvSpPr>
+          <p:spPr>
+            <a:xfrm>
+              <a:off x="5353623" y="2921146"/>
+              <a:ext cx="432000" cy="393031"/>
+            </a:xfrm>
+            <a:prstGeom prst="rect">
+              <a:avLst/>
+            </a:prstGeom>
+            <a:solidFill>
+              <a:schemeClr val="accent1">
+                <a:lumMod val="20000"/>
+                <a:lumOff val="80000"/>
+              </a:schemeClr>
+            </a:solidFill>
+          </p:spPr>
+          <p:style>
+            <a:lnRef idx="2">
+              <a:schemeClr val="accent1">
+                <a:shade val="50000"/>
+              </a:schemeClr>
+            </a:lnRef>
+            <a:fillRef idx="1">
+              <a:schemeClr val="accent1"/>
+            </a:fillRef>
+            <a:effectRef idx="0">
+              <a:schemeClr val="accent1"/>
+            </a:effectRef>
+            <a:fontRef idx="minor">
+              <a:schemeClr val="lt1"/>
+            </a:fontRef>
+          </p:style>
+          <p:txBody>
+            <a:bodyPr rtlCol="0" anchor="ctr"/>
+            <a:lstStyle/>
+            <a:p>
+              <a:pPr algn="ctr"/>
+              <a:r>
+                <a:rPr lang="pt-BR" sz="1600" dirty="0">
+                  <a:solidFill>
+                    <a:schemeClr val="tx1"/>
+                  </a:solidFill>
+                </a:rPr>
+                <a:t>8</a:t>
+              </a:r>
+            </a:p>
+          </p:txBody>
+        </p:sp>
+        <p:sp>
+          <p:nvSpPr>
+            <p:cNvPr id="124" name="Rectangle 9">
+              <a:extLst>
+                <a:ext uri="{FF2B5EF4-FFF2-40B4-BE49-F238E27FC236}">
+                  <a16:creationId xmlns:a16="http://schemas.microsoft.com/office/drawing/2014/main" id="{4FBF95DD-988A-B7C0-980F-7695A3B10707}"/>
+                </a:ext>
+              </a:extLst>
+            </p:cNvPr>
+            <p:cNvSpPr/>
+            <p:nvPr/>
+          </p:nvSpPr>
+          <p:spPr>
+            <a:xfrm>
+              <a:off x="5787337" y="2921145"/>
+              <a:ext cx="432000" cy="393031"/>
+            </a:xfrm>
+            <a:prstGeom prst="rect">
+              <a:avLst/>
+            </a:prstGeom>
+            <a:solidFill>
+              <a:schemeClr val="accent1">
+                <a:lumMod val="20000"/>
+                <a:lumOff val="80000"/>
+              </a:schemeClr>
+            </a:solidFill>
+          </p:spPr>
+          <p:style>
+            <a:lnRef idx="2">
+              <a:schemeClr val="accent1">
+                <a:shade val="50000"/>
+              </a:schemeClr>
+            </a:lnRef>
+            <a:fillRef idx="1">
+              <a:schemeClr val="accent1"/>
+            </a:fillRef>
+            <a:effectRef idx="0">
+              <a:schemeClr val="accent1"/>
+            </a:effectRef>
+            <a:fontRef idx="minor">
+              <a:schemeClr val="lt1"/>
+            </a:fontRef>
+          </p:style>
+          <p:txBody>
+            <a:bodyPr rtlCol="0" anchor="ctr"/>
+            <a:lstStyle/>
+            <a:p>
+              <a:pPr algn="ctr"/>
+              <a:r>
+                <a:rPr lang="pt-BR" sz="1600" dirty="0">
+                  <a:solidFill>
+                    <a:schemeClr val="tx1"/>
+                  </a:solidFill>
+                </a:rPr>
+                <a:t>9</a:t>
+              </a:r>
+            </a:p>
+          </p:txBody>
+        </p:sp>
+        <p:sp>
+          <p:nvSpPr>
+            <p:cNvPr id="125" name="Rectangle 10">
+              <a:extLst>
+                <a:ext uri="{FF2B5EF4-FFF2-40B4-BE49-F238E27FC236}">
+                  <a16:creationId xmlns:a16="http://schemas.microsoft.com/office/drawing/2014/main" id="{D44CF25F-2CA8-E46D-71BB-11CA83AA26ED}"/>
+                </a:ext>
+              </a:extLst>
+            </p:cNvPr>
+            <p:cNvSpPr/>
+            <p:nvPr/>
+          </p:nvSpPr>
+          <p:spPr>
+            <a:xfrm>
+              <a:off x="6215287" y="2921145"/>
+              <a:ext cx="432000" cy="393031"/>
+            </a:xfrm>
+            <a:prstGeom prst="rect">
+              <a:avLst/>
+            </a:prstGeom>
+            <a:solidFill>
+              <a:schemeClr val="accent1">
+                <a:lumMod val="20000"/>
+                <a:lumOff val="80000"/>
+              </a:schemeClr>
+            </a:solidFill>
+          </p:spPr>
+          <p:style>
+            <a:lnRef idx="2">
+              <a:schemeClr val="accent1">
+                <a:shade val="50000"/>
+              </a:schemeClr>
+            </a:lnRef>
+            <a:fillRef idx="1">
+              <a:schemeClr val="accent1"/>
+            </a:fillRef>
+            <a:effectRef idx="0">
+              <a:schemeClr val="accent1"/>
+            </a:effectRef>
+            <a:fontRef idx="minor">
+              <a:schemeClr val="lt1"/>
+            </a:fontRef>
+          </p:style>
+          <p:txBody>
+            <a:bodyPr rtlCol="0" anchor="ctr"/>
+            <a:lstStyle/>
+            <a:p>
+              <a:pPr algn="ctr"/>
+              <a:r>
+                <a:rPr lang="pt-BR" sz="1600" dirty="0">
+                  <a:solidFill>
+                    <a:schemeClr val="tx1"/>
+                  </a:solidFill>
+                </a:rPr>
+                <a:t>10</a:t>
+              </a:r>
+            </a:p>
+          </p:txBody>
+        </p:sp>
+        <p:sp>
+          <p:nvSpPr>
+            <p:cNvPr id="126" name="Rectangle 4">
+              <a:extLst>
+                <a:ext uri="{FF2B5EF4-FFF2-40B4-BE49-F238E27FC236}">
+                  <a16:creationId xmlns:a16="http://schemas.microsoft.com/office/drawing/2014/main" id="{F371D882-BAE5-5754-CF03-2EE77FAB6B36}"/>
+                </a:ext>
+              </a:extLst>
+            </p:cNvPr>
+            <p:cNvSpPr/>
+            <p:nvPr/>
+          </p:nvSpPr>
+          <p:spPr>
+            <a:xfrm>
+              <a:off x="2785101" y="3309209"/>
+              <a:ext cx="432000" cy="393031"/>
+            </a:xfrm>
+            <a:prstGeom prst="rect">
+              <a:avLst/>
+            </a:prstGeom>
+            <a:solidFill>
+              <a:schemeClr val="accent1">
+                <a:lumMod val="20000"/>
+                <a:lumOff val="80000"/>
+              </a:schemeClr>
+            </a:solidFill>
+          </p:spPr>
+          <p:style>
+            <a:lnRef idx="2">
+              <a:schemeClr val="accent1">
+                <a:shade val="50000"/>
+              </a:schemeClr>
+            </a:lnRef>
+            <a:fillRef idx="1">
+              <a:schemeClr val="accent1"/>
+            </a:fillRef>
+            <a:effectRef idx="0">
+              <a:schemeClr val="accent1"/>
+            </a:effectRef>
+            <a:fontRef idx="minor">
+              <a:schemeClr val="lt1"/>
+            </a:fontRef>
+          </p:style>
+          <p:txBody>
+            <a:bodyPr rtlCol="0" anchor="ctr"/>
+            <a:lstStyle/>
+            <a:p>
+              <a:pPr algn="ctr"/>
+              <a:r>
+                <a:rPr lang="pt-BR" sz="1600" dirty="0">
+                  <a:solidFill>
+                    <a:schemeClr val="tx1"/>
+                  </a:solidFill>
+                </a:rPr>
+                <a:t>2</a:t>
+              </a:r>
+            </a:p>
+          </p:txBody>
+        </p:sp>
+        <p:sp>
+          <p:nvSpPr>
+            <p:cNvPr id="127" name="Rectangle 5">
+              <a:extLst>
+                <a:ext uri="{FF2B5EF4-FFF2-40B4-BE49-F238E27FC236}">
+                  <a16:creationId xmlns:a16="http://schemas.microsoft.com/office/drawing/2014/main" id="{21B3ED27-5C00-3039-8FBB-2378DF065F5D}"/>
+                </a:ext>
+              </a:extLst>
+            </p:cNvPr>
+            <p:cNvSpPr/>
+            <p:nvPr/>
+          </p:nvSpPr>
+          <p:spPr>
+            <a:xfrm>
+              <a:off x="2354807" y="3309209"/>
+              <a:ext cx="432000" cy="393031"/>
+            </a:xfrm>
+            <a:prstGeom prst="rect">
+              <a:avLst/>
+            </a:prstGeom>
+            <a:solidFill>
+              <a:schemeClr val="accent1">
+                <a:lumMod val="20000"/>
+                <a:lumOff val="80000"/>
+              </a:schemeClr>
+            </a:solidFill>
+          </p:spPr>
+          <p:style>
+            <a:lnRef idx="2">
+              <a:schemeClr val="accent1">
+                <a:shade val="50000"/>
+              </a:schemeClr>
+            </a:lnRef>
+            <a:fillRef idx="1">
+              <a:schemeClr val="accent1"/>
+            </a:fillRef>
+            <a:effectRef idx="0">
+              <a:schemeClr val="accent1"/>
+            </a:effectRef>
+            <a:fontRef idx="minor">
+              <a:schemeClr val="lt1"/>
+            </a:fontRef>
+          </p:style>
+          <p:txBody>
+            <a:bodyPr rtlCol="0" anchor="ctr"/>
+            <a:lstStyle/>
+            <a:p>
+              <a:pPr algn="ctr"/>
+              <a:r>
+                <a:rPr lang="pt-BR" sz="1600" dirty="0">
+                  <a:solidFill>
+                    <a:schemeClr val="tx1"/>
+                  </a:solidFill>
+                </a:rPr>
+                <a:t>1</a:t>
+              </a:r>
+            </a:p>
+          </p:txBody>
+        </p:sp>
+        <p:sp>
+          <p:nvSpPr>
+            <p:cNvPr id="128" name="Rectangle 8">
+              <a:extLst>
+                <a:ext uri="{FF2B5EF4-FFF2-40B4-BE49-F238E27FC236}">
+                  <a16:creationId xmlns:a16="http://schemas.microsoft.com/office/drawing/2014/main" id="{FB627EC2-37F9-8E2D-84ED-827449B79EB0}"/>
+                </a:ext>
+              </a:extLst>
+            </p:cNvPr>
+            <p:cNvSpPr/>
+            <p:nvPr/>
+          </p:nvSpPr>
+          <p:spPr>
+            <a:xfrm>
+              <a:off x="3213051" y="3308814"/>
+              <a:ext cx="432000" cy="393031"/>
+            </a:xfrm>
+            <a:prstGeom prst="rect">
+              <a:avLst/>
+            </a:prstGeom>
+            <a:solidFill>
+              <a:schemeClr val="accent1">
+                <a:lumMod val="20000"/>
+                <a:lumOff val="80000"/>
+              </a:schemeClr>
+            </a:solidFill>
+          </p:spPr>
+          <p:style>
+            <a:lnRef idx="2">
+              <a:schemeClr val="accent1">
+                <a:shade val="50000"/>
+              </a:schemeClr>
+            </a:lnRef>
+            <a:fillRef idx="1">
+              <a:schemeClr val="accent1"/>
+            </a:fillRef>
+            <a:effectRef idx="0">
+              <a:schemeClr val="accent1"/>
+            </a:effectRef>
+            <a:fontRef idx="minor">
+              <a:schemeClr val="lt1"/>
+            </a:fontRef>
+          </p:style>
+          <p:txBody>
+            <a:bodyPr rtlCol="0" anchor="ctr"/>
+            <a:lstStyle/>
+            <a:p>
+              <a:pPr algn="ctr"/>
+              <a:r>
+                <a:rPr lang="pt-BR" sz="1600" dirty="0">
+                  <a:solidFill>
+                    <a:schemeClr val="tx1"/>
+                  </a:solidFill>
+                </a:rPr>
+                <a:t>3</a:t>
+              </a:r>
+            </a:p>
+          </p:txBody>
+        </p:sp>
+        <p:sp>
+          <p:nvSpPr>
+            <p:cNvPr id="129" name="Rectangle 9">
+              <a:extLst>
+                <a:ext uri="{FF2B5EF4-FFF2-40B4-BE49-F238E27FC236}">
+                  <a16:creationId xmlns:a16="http://schemas.microsoft.com/office/drawing/2014/main" id="{66331C35-C7BA-9465-E834-E750025CCA6C}"/>
+                </a:ext>
+              </a:extLst>
+            </p:cNvPr>
+            <p:cNvSpPr/>
+            <p:nvPr/>
+          </p:nvSpPr>
+          <p:spPr>
+            <a:xfrm>
+              <a:off x="3643345" y="3308814"/>
+              <a:ext cx="432000" cy="393031"/>
+            </a:xfrm>
+            <a:prstGeom prst="rect">
+              <a:avLst/>
+            </a:prstGeom>
+            <a:solidFill>
+              <a:schemeClr val="accent1">
+                <a:lumMod val="20000"/>
+                <a:lumOff val="80000"/>
+              </a:schemeClr>
+            </a:solidFill>
+          </p:spPr>
+          <p:style>
+            <a:lnRef idx="2">
+              <a:schemeClr val="accent1">
+                <a:shade val="50000"/>
+              </a:schemeClr>
+            </a:lnRef>
+            <a:fillRef idx="1">
+              <a:schemeClr val="accent1"/>
+            </a:fillRef>
+            <a:effectRef idx="0">
+              <a:schemeClr val="accent1"/>
+            </a:effectRef>
+            <a:fontRef idx="minor">
+              <a:schemeClr val="lt1"/>
+            </a:fontRef>
+          </p:style>
+          <p:txBody>
+            <a:bodyPr rtlCol="0" anchor="ctr"/>
+            <a:lstStyle/>
+            <a:p>
+              <a:pPr algn="ctr"/>
+              <a:r>
+                <a:rPr lang="pt-BR" sz="1600" dirty="0">
+                  <a:solidFill>
+                    <a:schemeClr val="tx1"/>
+                  </a:solidFill>
+                </a:rPr>
+                <a:t>4</a:t>
+              </a:r>
+            </a:p>
+          </p:txBody>
+        </p:sp>
+        <p:sp>
+          <p:nvSpPr>
+            <p:cNvPr id="130" name="Rectangle 10">
+              <a:extLst>
+                <a:ext uri="{FF2B5EF4-FFF2-40B4-BE49-F238E27FC236}">
+                  <a16:creationId xmlns:a16="http://schemas.microsoft.com/office/drawing/2014/main" id="{BDB07790-E921-42D6-6287-DD170A52FEA7}"/>
+                </a:ext>
+              </a:extLst>
+            </p:cNvPr>
+            <p:cNvSpPr/>
+            <p:nvPr/>
+          </p:nvSpPr>
+          <p:spPr>
+            <a:xfrm>
+              <a:off x="4071925" y="3308814"/>
+              <a:ext cx="432000" cy="393031"/>
+            </a:xfrm>
+            <a:prstGeom prst="rect">
+              <a:avLst/>
+            </a:prstGeom>
+            <a:solidFill>
+              <a:schemeClr val="accent1">
+                <a:lumMod val="20000"/>
+                <a:lumOff val="80000"/>
+              </a:schemeClr>
+            </a:solidFill>
+          </p:spPr>
+          <p:style>
+            <a:lnRef idx="2">
+              <a:schemeClr val="accent1">
+                <a:shade val="50000"/>
+              </a:schemeClr>
+            </a:lnRef>
+            <a:fillRef idx="1">
+              <a:schemeClr val="accent1"/>
+            </a:fillRef>
+            <a:effectRef idx="0">
+              <a:schemeClr val="accent1"/>
+            </a:effectRef>
+            <a:fontRef idx="minor">
+              <a:schemeClr val="lt1"/>
+            </a:fontRef>
+          </p:style>
+          <p:txBody>
+            <a:bodyPr rtlCol="0" anchor="ctr"/>
+            <a:lstStyle/>
+            <a:p>
+              <a:pPr algn="ctr"/>
+              <a:r>
+                <a:rPr lang="pt-BR" sz="1600" dirty="0">
+                  <a:solidFill>
+                    <a:schemeClr val="tx1"/>
+                  </a:solidFill>
+                </a:rPr>
+                <a:t>5</a:t>
+              </a:r>
+            </a:p>
+          </p:txBody>
+        </p:sp>
+        <p:sp>
+          <p:nvSpPr>
+            <p:cNvPr id="131" name="Rectangle 4">
+              <a:extLst>
+                <a:ext uri="{FF2B5EF4-FFF2-40B4-BE49-F238E27FC236}">
+                  <a16:creationId xmlns:a16="http://schemas.microsoft.com/office/drawing/2014/main" id="{E4CE89B7-672C-10F1-9209-E2D8E36EA448}"/>
+                </a:ext>
+              </a:extLst>
+            </p:cNvPr>
+            <p:cNvSpPr/>
+            <p:nvPr/>
+          </p:nvSpPr>
+          <p:spPr>
+            <a:xfrm>
+              <a:off x="4926749" y="3308812"/>
+              <a:ext cx="432000" cy="393031"/>
+            </a:xfrm>
+            <a:prstGeom prst="rect">
+              <a:avLst/>
+            </a:prstGeom>
+            <a:solidFill>
+              <a:schemeClr val="accent1">
+                <a:lumMod val="60000"/>
+                <a:lumOff val="40000"/>
+              </a:schemeClr>
+            </a:solidFill>
+          </p:spPr>
+          <p:style>
+            <a:lnRef idx="2">
+              <a:schemeClr val="accent1">
+                <a:shade val="50000"/>
+              </a:schemeClr>
+            </a:lnRef>
+            <a:fillRef idx="1">
+              <a:schemeClr val="accent1"/>
+            </a:fillRef>
+            <a:effectRef idx="0">
+              <a:schemeClr val="accent1"/>
+            </a:effectRef>
+            <a:fontRef idx="minor">
+              <a:schemeClr val="lt1"/>
+            </a:fontRef>
+          </p:style>
+          <p:txBody>
+            <a:bodyPr rtlCol="0" anchor="ctr"/>
+            <a:lstStyle/>
+            <a:p>
+              <a:pPr algn="ctr"/>
+              <a:r>
+                <a:rPr lang="pt-BR" sz="1600" dirty="0">
+                  <a:solidFill>
+                    <a:schemeClr val="tx1"/>
+                  </a:solidFill>
+                </a:rPr>
+                <a:t>7</a:t>
+              </a:r>
+            </a:p>
+          </p:txBody>
+        </p:sp>
+        <p:sp>
+          <p:nvSpPr>
+            <p:cNvPr id="132" name="Rectangle 5">
+              <a:extLst>
+                <a:ext uri="{FF2B5EF4-FFF2-40B4-BE49-F238E27FC236}">
+                  <a16:creationId xmlns:a16="http://schemas.microsoft.com/office/drawing/2014/main" id="{32EFEACD-1583-CAF2-69EE-23FDF28E5A41}"/>
+                </a:ext>
+              </a:extLst>
+            </p:cNvPr>
+            <p:cNvSpPr/>
+            <p:nvPr/>
+          </p:nvSpPr>
+          <p:spPr>
+            <a:xfrm>
+              <a:off x="4498799" y="3308813"/>
+              <a:ext cx="432000" cy="393031"/>
+            </a:xfrm>
+            <a:prstGeom prst="rect">
+              <a:avLst/>
+            </a:prstGeom>
+            <a:solidFill>
+              <a:schemeClr val="accent1">
+                <a:lumMod val="20000"/>
+                <a:lumOff val="80000"/>
+              </a:schemeClr>
+            </a:solidFill>
+          </p:spPr>
+          <p:style>
+            <a:lnRef idx="2">
+              <a:schemeClr val="accent1">
+                <a:shade val="50000"/>
+              </a:schemeClr>
+            </a:lnRef>
+            <a:fillRef idx="1">
+              <a:schemeClr val="accent1"/>
+            </a:fillRef>
+            <a:effectRef idx="0">
+              <a:schemeClr val="accent1"/>
+            </a:effectRef>
+            <a:fontRef idx="minor">
+              <a:schemeClr val="lt1"/>
+            </a:fontRef>
+          </p:style>
+          <p:txBody>
+            <a:bodyPr rtlCol="0" anchor="ctr"/>
+            <a:lstStyle/>
+            <a:p>
+              <a:pPr algn="ctr"/>
+              <a:r>
+                <a:rPr lang="pt-BR" sz="1600" dirty="0">
+                  <a:solidFill>
+                    <a:schemeClr val="tx1"/>
+                  </a:solidFill>
+                </a:rPr>
+                <a:t>6</a:t>
+              </a:r>
+            </a:p>
+          </p:txBody>
+        </p:sp>
+        <p:sp>
+          <p:nvSpPr>
+            <p:cNvPr id="133" name="Rectangle 8">
+              <a:extLst>
+                <a:ext uri="{FF2B5EF4-FFF2-40B4-BE49-F238E27FC236}">
+                  <a16:creationId xmlns:a16="http://schemas.microsoft.com/office/drawing/2014/main" id="{9CFE3827-D689-F333-6BE6-DC1F3B258FA0}"/>
+                </a:ext>
+              </a:extLst>
+            </p:cNvPr>
+            <p:cNvSpPr/>
+            <p:nvPr/>
+          </p:nvSpPr>
+          <p:spPr>
+            <a:xfrm>
+              <a:off x="5353623" y="3308811"/>
+              <a:ext cx="432000" cy="393031"/>
+            </a:xfrm>
+            <a:prstGeom prst="rect">
+              <a:avLst/>
+            </a:prstGeom>
+            <a:solidFill>
+              <a:schemeClr val="accent1">
+                <a:lumMod val="20000"/>
+                <a:lumOff val="80000"/>
+              </a:schemeClr>
+            </a:solidFill>
+          </p:spPr>
+          <p:style>
+            <a:lnRef idx="2">
+              <a:schemeClr val="accent1">
+                <a:shade val="50000"/>
+              </a:schemeClr>
+            </a:lnRef>
+            <a:fillRef idx="1">
+              <a:schemeClr val="accent1"/>
+            </a:fillRef>
+            <a:effectRef idx="0">
+              <a:schemeClr val="accent1"/>
+            </a:effectRef>
+            <a:fontRef idx="minor">
+              <a:schemeClr val="lt1"/>
+            </a:fontRef>
+          </p:style>
+          <p:txBody>
+            <a:bodyPr rtlCol="0" anchor="ctr"/>
+            <a:lstStyle/>
+            <a:p>
+              <a:pPr algn="ctr"/>
+              <a:r>
+                <a:rPr lang="pt-BR" sz="1600" dirty="0">
+                  <a:solidFill>
+                    <a:schemeClr val="tx1"/>
+                  </a:solidFill>
+                </a:rPr>
+                <a:t>8</a:t>
+              </a:r>
+            </a:p>
+          </p:txBody>
+        </p:sp>
+        <p:sp>
+          <p:nvSpPr>
+            <p:cNvPr id="134" name="Rectangle 9">
+              <a:extLst>
+                <a:ext uri="{FF2B5EF4-FFF2-40B4-BE49-F238E27FC236}">
+                  <a16:creationId xmlns:a16="http://schemas.microsoft.com/office/drawing/2014/main" id="{9BFFAB0F-615C-34B0-2470-742EB7CDE2DC}"/>
+                </a:ext>
+              </a:extLst>
+            </p:cNvPr>
+            <p:cNvSpPr/>
+            <p:nvPr/>
+          </p:nvSpPr>
+          <p:spPr>
+            <a:xfrm>
+              <a:off x="5787337" y="3308810"/>
+              <a:ext cx="432000" cy="393031"/>
+            </a:xfrm>
+            <a:prstGeom prst="rect">
+              <a:avLst/>
+            </a:prstGeom>
+            <a:solidFill>
+              <a:schemeClr val="accent1">
+                <a:lumMod val="20000"/>
+                <a:lumOff val="80000"/>
+              </a:schemeClr>
+            </a:solidFill>
+          </p:spPr>
+          <p:style>
+            <a:lnRef idx="2">
+              <a:schemeClr val="accent1">
+                <a:shade val="50000"/>
+              </a:schemeClr>
+            </a:lnRef>
+            <a:fillRef idx="1">
+              <a:schemeClr val="accent1"/>
+            </a:fillRef>
+            <a:effectRef idx="0">
+              <a:schemeClr val="accent1"/>
+            </a:effectRef>
+            <a:fontRef idx="minor">
+              <a:schemeClr val="lt1"/>
+            </a:fontRef>
+          </p:style>
+          <p:txBody>
+            <a:bodyPr rtlCol="0" anchor="ctr"/>
+            <a:lstStyle/>
+            <a:p>
+              <a:pPr algn="ctr"/>
+              <a:r>
+                <a:rPr lang="pt-BR" sz="1600" dirty="0">
+                  <a:solidFill>
+                    <a:schemeClr val="tx1"/>
+                  </a:solidFill>
+                </a:rPr>
+                <a:t>9</a:t>
+              </a:r>
+            </a:p>
+          </p:txBody>
+        </p:sp>
+        <p:sp>
+          <p:nvSpPr>
+            <p:cNvPr id="135" name="Rectangle 10">
+              <a:extLst>
+                <a:ext uri="{FF2B5EF4-FFF2-40B4-BE49-F238E27FC236}">
+                  <a16:creationId xmlns:a16="http://schemas.microsoft.com/office/drawing/2014/main" id="{147EFC36-E54A-4111-5D94-058B6277810D}"/>
+                </a:ext>
+              </a:extLst>
+            </p:cNvPr>
+            <p:cNvSpPr/>
+            <p:nvPr/>
+          </p:nvSpPr>
+          <p:spPr>
+            <a:xfrm>
+              <a:off x="6215287" y="3308810"/>
+              <a:ext cx="432000" cy="393031"/>
+            </a:xfrm>
+            <a:prstGeom prst="rect">
+              <a:avLst/>
+            </a:prstGeom>
+            <a:solidFill>
+              <a:schemeClr val="accent1">
+                <a:lumMod val="20000"/>
+                <a:lumOff val="80000"/>
+              </a:schemeClr>
+            </a:solidFill>
+          </p:spPr>
+          <p:style>
+            <a:lnRef idx="2">
+              <a:schemeClr val="accent1">
+                <a:shade val="50000"/>
+              </a:schemeClr>
+            </a:lnRef>
+            <a:fillRef idx="1">
+              <a:schemeClr val="accent1"/>
+            </a:fillRef>
+            <a:effectRef idx="0">
+              <a:schemeClr val="accent1"/>
+            </a:effectRef>
+            <a:fontRef idx="minor">
+              <a:schemeClr val="lt1"/>
+            </a:fontRef>
+          </p:style>
+          <p:txBody>
+            <a:bodyPr rtlCol="0" anchor="ctr"/>
+            <a:lstStyle/>
+            <a:p>
+              <a:pPr algn="ctr"/>
+              <a:r>
+                <a:rPr lang="pt-BR" sz="1600" dirty="0">
+                  <a:solidFill>
+                    <a:schemeClr val="tx1"/>
+                  </a:solidFill>
+                </a:rPr>
+                <a:t>10</a:t>
+              </a:r>
+            </a:p>
+          </p:txBody>
+        </p:sp>
+        <p:sp>
+          <p:nvSpPr>
+            <p:cNvPr id="136" name="Rectangle 4">
+              <a:extLst>
+                <a:ext uri="{FF2B5EF4-FFF2-40B4-BE49-F238E27FC236}">
+                  <a16:creationId xmlns:a16="http://schemas.microsoft.com/office/drawing/2014/main" id="{57980908-1B66-4125-4310-A35677123EF6}"/>
+                </a:ext>
+              </a:extLst>
+            </p:cNvPr>
+            <p:cNvSpPr/>
+            <p:nvPr/>
+          </p:nvSpPr>
+          <p:spPr>
+            <a:xfrm>
+              <a:off x="2785101" y="3705512"/>
+              <a:ext cx="432000" cy="393031"/>
+            </a:xfrm>
+            <a:prstGeom prst="rect">
+              <a:avLst/>
+            </a:prstGeom>
+            <a:solidFill>
+              <a:schemeClr val="accent1">
+                <a:lumMod val="20000"/>
+                <a:lumOff val="80000"/>
+              </a:schemeClr>
+            </a:solidFill>
+          </p:spPr>
+          <p:style>
+            <a:lnRef idx="2">
+              <a:schemeClr val="accent1">
+                <a:shade val="50000"/>
+              </a:schemeClr>
+            </a:lnRef>
+            <a:fillRef idx="1">
+              <a:schemeClr val="accent1"/>
+            </a:fillRef>
+            <a:effectRef idx="0">
+              <a:schemeClr val="accent1"/>
+            </a:effectRef>
+            <a:fontRef idx="minor">
+              <a:schemeClr val="lt1"/>
+            </a:fontRef>
+          </p:style>
+          <p:txBody>
+            <a:bodyPr rtlCol="0" anchor="ctr"/>
+            <a:lstStyle/>
+            <a:p>
+              <a:pPr algn="ctr"/>
+              <a:r>
+                <a:rPr lang="pt-BR" sz="1600" dirty="0">
+                  <a:solidFill>
+                    <a:schemeClr val="tx1"/>
+                  </a:solidFill>
+                </a:rPr>
+                <a:t>2</a:t>
+              </a:r>
+            </a:p>
+          </p:txBody>
+        </p:sp>
+        <p:sp>
+          <p:nvSpPr>
+            <p:cNvPr id="137" name="Rectangle 5">
+              <a:extLst>
+                <a:ext uri="{FF2B5EF4-FFF2-40B4-BE49-F238E27FC236}">
+                  <a16:creationId xmlns:a16="http://schemas.microsoft.com/office/drawing/2014/main" id="{A4F7360C-BE80-68FC-CBCD-6C6EA3499568}"/>
+                </a:ext>
+              </a:extLst>
+            </p:cNvPr>
+            <p:cNvSpPr/>
+            <p:nvPr/>
+          </p:nvSpPr>
+          <p:spPr>
+            <a:xfrm>
+              <a:off x="2354807" y="3705512"/>
+              <a:ext cx="432000" cy="393031"/>
+            </a:xfrm>
+            <a:prstGeom prst="rect">
+              <a:avLst/>
+            </a:prstGeom>
+            <a:solidFill>
+              <a:schemeClr val="accent1">
+                <a:lumMod val="20000"/>
+                <a:lumOff val="80000"/>
+              </a:schemeClr>
+            </a:solidFill>
+          </p:spPr>
+          <p:style>
+            <a:lnRef idx="2">
+              <a:schemeClr val="accent1">
+                <a:shade val="50000"/>
+              </a:schemeClr>
+            </a:lnRef>
+            <a:fillRef idx="1">
+              <a:schemeClr val="accent1"/>
+            </a:fillRef>
+            <a:effectRef idx="0">
+              <a:schemeClr val="accent1"/>
+            </a:effectRef>
+            <a:fontRef idx="minor">
+              <a:schemeClr val="lt1"/>
+            </a:fontRef>
+          </p:style>
+          <p:txBody>
+            <a:bodyPr rtlCol="0" anchor="ctr"/>
+            <a:lstStyle/>
+            <a:p>
+              <a:pPr algn="ctr"/>
+              <a:r>
+                <a:rPr lang="pt-BR" sz="1600" dirty="0">
+                  <a:solidFill>
+                    <a:schemeClr val="tx1"/>
+                  </a:solidFill>
+                </a:rPr>
+                <a:t>1</a:t>
+              </a:r>
+            </a:p>
+          </p:txBody>
+        </p:sp>
+        <p:sp>
+          <p:nvSpPr>
+            <p:cNvPr id="138" name="Rectangle 8">
+              <a:extLst>
+                <a:ext uri="{FF2B5EF4-FFF2-40B4-BE49-F238E27FC236}">
+                  <a16:creationId xmlns:a16="http://schemas.microsoft.com/office/drawing/2014/main" id="{3D7A565F-26D4-8F7A-DB39-DACCF7C301CB}"/>
+                </a:ext>
+              </a:extLst>
+            </p:cNvPr>
+            <p:cNvSpPr/>
+            <p:nvPr/>
+          </p:nvSpPr>
+          <p:spPr>
+            <a:xfrm>
+              <a:off x="3213051" y="3705117"/>
+              <a:ext cx="432000" cy="393031"/>
+            </a:xfrm>
+            <a:prstGeom prst="rect">
+              <a:avLst/>
+            </a:prstGeom>
+            <a:solidFill>
+              <a:schemeClr val="accent1">
+                <a:lumMod val="20000"/>
+                <a:lumOff val="80000"/>
+              </a:schemeClr>
+            </a:solidFill>
+          </p:spPr>
+          <p:style>
+            <a:lnRef idx="2">
+              <a:schemeClr val="accent1">
+                <a:shade val="50000"/>
+              </a:schemeClr>
+            </a:lnRef>
+            <a:fillRef idx="1">
+              <a:schemeClr val="accent1"/>
+            </a:fillRef>
+            <a:effectRef idx="0">
+              <a:schemeClr val="accent1"/>
+            </a:effectRef>
+            <a:fontRef idx="minor">
+              <a:schemeClr val="lt1"/>
+            </a:fontRef>
+          </p:style>
+          <p:txBody>
+            <a:bodyPr rtlCol="0" anchor="ctr"/>
+            <a:lstStyle/>
+            <a:p>
+              <a:pPr algn="ctr"/>
+              <a:r>
+                <a:rPr lang="pt-BR" sz="1600" dirty="0">
+                  <a:solidFill>
+                    <a:schemeClr val="tx1"/>
+                  </a:solidFill>
+                </a:rPr>
+                <a:t>3</a:t>
+              </a:r>
+            </a:p>
+          </p:txBody>
+        </p:sp>
+        <p:sp>
+          <p:nvSpPr>
+            <p:cNvPr id="139" name="Rectangle 9">
+              <a:extLst>
+                <a:ext uri="{FF2B5EF4-FFF2-40B4-BE49-F238E27FC236}">
+                  <a16:creationId xmlns:a16="http://schemas.microsoft.com/office/drawing/2014/main" id="{FEF6B429-FA2B-4089-C432-A5D4EAA23A98}"/>
+                </a:ext>
+              </a:extLst>
+            </p:cNvPr>
+            <p:cNvSpPr/>
+            <p:nvPr/>
+          </p:nvSpPr>
+          <p:spPr>
+            <a:xfrm>
+              <a:off x="3643345" y="3705117"/>
+              <a:ext cx="432000" cy="393031"/>
+            </a:xfrm>
+            <a:prstGeom prst="rect">
+              <a:avLst/>
+            </a:prstGeom>
+            <a:solidFill>
+              <a:schemeClr val="accent1">
+                <a:lumMod val="20000"/>
+                <a:lumOff val="80000"/>
+              </a:schemeClr>
+            </a:solidFill>
+          </p:spPr>
+          <p:style>
+            <a:lnRef idx="2">
+              <a:schemeClr val="accent1">
+                <a:shade val="50000"/>
+              </a:schemeClr>
+            </a:lnRef>
+            <a:fillRef idx="1">
+              <a:schemeClr val="accent1"/>
+            </a:fillRef>
+            <a:effectRef idx="0">
+              <a:schemeClr val="accent1"/>
+            </a:effectRef>
+            <a:fontRef idx="minor">
+              <a:schemeClr val="lt1"/>
+            </a:fontRef>
+          </p:style>
+          <p:txBody>
+            <a:bodyPr rtlCol="0" anchor="ctr"/>
+            <a:lstStyle/>
+            <a:p>
+              <a:pPr algn="ctr"/>
+              <a:r>
+                <a:rPr lang="pt-BR" sz="1600" dirty="0">
+                  <a:solidFill>
+                    <a:schemeClr val="tx1"/>
+                  </a:solidFill>
+                </a:rPr>
+                <a:t>4</a:t>
+              </a:r>
+            </a:p>
+          </p:txBody>
+        </p:sp>
+        <p:sp>
+          <p:nvSpPr>
+            <p:cNvPr id="140" name="Rectangle 10">
+              <a:extLst>
+                <a:ext uri="{FF2B5EF4-FFF2-40B4-BE49-F238E27FC236}">
+                  <a16:creationId xmlns:a16="http://schemas.microsoft.com/office/drawing/2014/main" id="{CB701250-BAFE-5260-A8DF-24B3BDCD9E5C}"/>
+                </a:ext>
+              </a:extLst>
+            </p:cNvPr>
+            <p:cNvSpPr/>
+            <p:nvPr/>
+          </p:nvSpPr>
+          <p:spPr>
+            <a:xfrm>
+              <a:off x="4071925" y="3705117"/>
+              <a:ext cx="432000" cy="393031"/>
+            </a:xfrm>
+            <a:prstGeom prst="rect">
+              <a:avLst/>
+            </a:prstGeom>
+            <a:solidFill>
+              <a:schemeClr val="accent1">
+                <a:lumMod val="20000"/>
+                <a:lumOff val="80000"/>
+              </a:schemeClr>
+            </a:solidFill>
+          </p:spPr>
+          <p:style>
+            <a:lnRef idx="2">
+              <a:schemeClr val="accent1">
+                <a:shade val="50000"/>
+              </a:schemeClr>
+            </a:lnRef>
+            <a:fillRef idx="1">
+              <a:schemeClr val="accent1"/>
+            </a:fillRef>
+            <a:effectRef idx="0">
+              <a:schemeClr val="accent1"/>
+            </a:effectRef>
+            <a:fontRef idx="minor">
+              <a:schemeClr val="lt1"/>
+            </a:fontRef>
+          </p:style>
+          <p:txBody>
+            <a:bodyPr rtlCol="0" anchor="ctr"/>
+            <a:lstStyle/>
+            <a:p>
+              <a:pPr algn="ctr"/>
+              <a:r>
+                <a:rPr lang="pt-BR" sz="1600" dirty="0">
+                  <a:solidFill>
+                    <a:schemeClr val="tx1"/>
+                  </a:solidFill>
+                </a:rPr>
+                <a:t>5</a:t>
+              </a:r>
+            </a:p>
+          </p:txBody>
+        </p:sp>
+        <p:sp>
+          <p:nvSpPr>
+            <p:cNvPr id="141" name="Rectangle 4">
+              <a:extLst>
+                <a:ext uri="{FF2B5EF4-FFF2-40B4-BE49-F238E27FC236}">
+                  <a16:creationId xmlns:a16="http://schemas.microsoft.com/office/drawing/2014/main" id="{C010C686-F239-6F99-5B46-F499853F58CC}"/>
+                </a:ext>
+              </a:extLst>
+            </p:cNvPr>
+            <p:cNvSpPr/>
+            <p:nvPr/>
+          </p:nvSpPr>
+          <p:spPr>
+            <a:xfrm>
+              <a:off x="4926749" y="3705115"/>
+              <a:ext cx="432000" cy="393031"/>
+            </a:xfrm>
+            <a:prstGeom prst="rect">
+              <a:avLst/>
+            </a:prstGeom>
+            <a:solidFill>
+              <a:schemeClr val="accent1">
+                <a:lumMod val="20000"/>
+                <a:lumOff val="80000"/>
+              </a:schemeClr>
+            </a:solidFill>
+          </p:spPr>
+          <p:style>
+            <a:lnRef idx="2">
+              <a:schemeClr val="accent1">
+                <a:shade val="50000"/>
+              </a:schemeClr>
+            </a:lnRef>
+            <a:fillRef idx="1">
+              <a:schemeClr val="accent1"/>
+            </a:fillRef>
+            <a:effectRef idx="0">
+              <a:schemeClr val="accent1"/>
+            </a:effectRef>
+            <a:fontRef idx="minor">
+              <a:schemeClr val="lt1"/>
+            </a:fontRef>
+          </p:style>
+          <p:txBody>
+            <a:bodyPr rtlCol="0" anchor="ctr"/>
+            <a:lstStyle/>
+            <a:p>
+              <a:pPr algn="ctr"/>
+              <a:r>
+                <a:rPr lang="pt-BR" sz="1600" dirty="0">
+                  <a:solidFill>
+                    <a:schemeClr val="tx1"/>
+                  </a:solidFill>
+                </a:rPr>
+                <a:t>7</a:t>
+              </a:r>
+            </a:p>
+          </p:txBody>
+        </p:sp>
+        <p:sp>
+          <p:nvSpPr>
+            <p:cNvPr id="142" name="Rectangle 5">
+              <a:extLst>
+                <a:ext uri="{FF2B5EF4-FFF2-40B4-BE49-F238E27FC236}">
+                  <a16:creationId xmlns:a16="http://schemas.microsoft.com/office/drawing/2014/main" id="{A6FE1FC9-B91C-C2CC-5B4E-06A4D657D0BC}"/>
+                </a:ext>
+              </a:extLst>
+            </p:cNvPr>
+            <p:cNvSpPr/>
+            <p:nvPr/>
+          </p:nvSpPr>
+          <p:spPr>
+            <a:xfrm>
+              <a:off x="4498799" y="3705116"/>
+              <a:ext cx="432000" cy="393031"/>
+            </a:xfrm>
+            <a:prstGeom prst="rect">
+              <a:avLst/>
+            </a:prstGeom>
+            <a:solidFill>
+              <a:schemeClr val="accent1">
+                <a:lumMod val="20000"/>
+                <a:lumOff val="80000"/>
+              </a:schemeClr>
+            </a:solidFill>
+          </p:spPr>
+          <p:style>
+            <a:lnRef idx="2">
+              <a:schemeClr val="accent1">
+                <a:shade val="50000"/>
+              </a:schemeClr>
+            </a:lnRef>
+            <a:fillRef idx="1">
+              <a:schemeClr val="accent1"/>
+            </a:fillRef>
+            <a:effectRef idx="0">
+              <a:schemeClr val="accent1"/>
+            </a:effectRef>
+            <a:fontRef idx="minor">
+              <a:schemeClr val="lt1"/>
+            </a:fontRef>
+          </p:style>
+          <p:txBody>
+            <a:bodyPr rtlCol="0" anchor="ctr"/>
+            <a:lstStyle/>
+            <a:p>
+              <a:pPr algn="ctr"/>
+              <a:r>
+                <a:rPr lang="pt-BR" sz="1600" dirty="0">
+                  <a:solidFill>
+                    <a:schemeClr val="tx1"/>
+                  </a:solidFill>
+                </a:rPr>
+                <a:t>6</a:t>
+              </a:r>
+            </a:p>
+          </p:txBody>
+        </p:sp>
+        <p:sp>
+          <p:nvSpPr>
+            <p:cNvPr id="143" name="Rectangle 8">
+              <a:extLst>
+                <a:ext uri="{FF2B5EF4-FFF2-40B4-BE49-F238E27FC236}">
+                  <a16:creationId xmlns:a16="http://schemas.microsoft.com/office/drawing/2014/main" id="{58604601-12D5-F90E-32F7-F170315A17EA}"/>
+                </a:ext>
+              </a:extLst>
+            </p:cNvPr>
+            <p:cNvSpPr/>
+            <p:nvPr/>
+          </p:nvSpPr>
+          <p:spPr>
+            <a:xfrm>
+              <a:off x="5353623" y="3705114"/>
+              <a:ext cx="432000" cy="393031"/>
+            </a:xfrm>
+            <a:prstGeom prst="rect">
+              <a:avLst/>
+            </a:prstGeom>
+            <a:solidFill>
+              <a:schemeClr val="accent1">
+                <a:lumMod val="60000"/>
+                <a:lumOff val="40000"/>
+              </a:schemeClr>
+            </a:solidFill>
+          </p:spPr>
+          <p:style>
+            <a:lnRef idx="2">
+              <a:schemeClr val="accent1">
+                <a:shade val="50000"/>
+              </a:schemeClr>
+            </a:lnRef>
+            <a:fillRef idx="1">
+              <a:schemeClr val="accent1"/>
+            </a:fillRef>
+            <a:effectRef idx="0">
+              <a:schemeClr val="accent1"/>
+            </a:effectRef>
+            <a:fontRef idx="minor">
+              <a:schemeClr val="lt1"/>
+            </a:fontRef>
+          </p:style>
+          <p:txBody>
+            <a:bodyPr rtlCol="0" anchor="ctr"/>
+            <a:lstStyle/>
+            <a:p>
+              <a:pPr algn="ctr"/>
+              <a:r>
+                <a:rPr lang="pt-BR" sz="1600" dirty="0">
+                  <a:solidFill>
+                    <a:schemeClr val="tx1"/>
+                  </a:solidFill>
+                </a:rPr>
+                <a:t>8</a:t>
+              </a:r>
+            </a:p>
+          </p:txBody>
+        </p:sp>
+        <p:sp>
+          <p:nvSpPr>
+            <p:cNvPr id="144" name="Rectangle 9">
+              <a:extLst>
+                <a:ext uri="{FF2B5EF4-FFF2-40B4-BE49-F238E27FC236}">
+                  <a16:creationId xmlns:a16="http://schemas.microsoft.com/office/drawing/2014/main" id="{1E4DB558-AF7E-B95E-D0AD-37B5BCCC323F}"/>
+                </a:ext>
+              </a:extLst>
+            </p:cNvPr>
+            <p:cNvSpPr/>
+            <p:nvPr/>
+          </p:nvSpPr>
+          <p:spPr>
+            <a:xfrm>
+              <a:off x="5787337" y="3705113"/>
+              <a:ext cx="432000" cy="393031"/>
+            </a:xfrm>
+            <a:prstGeom prst="rect">
+              <a:avLst/>
+            </a:prstGeom>
+            <a:solidFill>
+              <a:schemeClr val="accent1">
+                <a:lumMod val="20000"/>
+                <a:lumOff val="80000"/>
+              </a:schemeClr>
+            </a:solidFill>
+          </p:spPr>
+          <p:style>
+            <a:lnRef idx="2">
+              <a:schemeClr val="accent1">
+                <a:shade val="50000"/>
+              </a:schemeClr>
+            </a:lnRef>
+            <a:fillRef idx="1">
+              <a:schemeClr val="accent1"/>
+            </a:fillRef>
+            <a:effectRef idx="0">
+              <a:schemeClr val="accent1"/>
+            </a:effectRef>
+            <a:fontRef idx="minor">
+              <a:schemeClr val="lt1"/>
+            </a:fontRef>
+          </p:style>
+          <p:txBody>
+            <a:bodyPr rtlCol="0" anchor="ctr"/>
+            <a:lstStyle/>
+            <a:p>
+              <a:pPr algn="ctr"/>
+              <a:r>
+                <a:rPr lang="pt-BR" sz="1600" dirty="0">
+                  <a:solidFill>
+                    <a:schemeClr val="tx1"/>
+                  </a:solidFill>
+                </a:rPr>
+                <a:t>9</a:t>
+              </a:r>
+            </a:p>
+          </p:txBody>
+        </p:sp>
+        <p:sp>
+          <p:nvSpPr>
+            <p:cNvPr id="145" name="Rectangle 10">
+              <a:extLst>
+                <a:ext uri="{FF2B5EF4-FFF2-40B4-BE49-F238E27FC236}">
+                  <a16:creationId xmlns:a16="http://schemas.microsoft.com/office/drawing/2014/main" id="{A0666BA4-14CA-6E6A-A52E-F1D8E49A35A2}"/>
+                </a:ext>
+              </a:extLst>
+            </p:cNvPr>
+            <p:cNvSpPr/>
+            <p:nvPr/>
+          </p:nvSpPr>
+          <p:spPr>
+            <a:xfrm>
+              <a:off x="6215287" y="3705113"/>
+              <a:ext cx="432000" cy="393031"/>
+            </a:xfrm>
+            <a:prstGeom prst="rect">
+              <a:avLst/>
+            </a:prstGeom>
+            <a:solidFill>
+              <a:schemeClr val="accent1">
+                <a:lumMod val="20000"/>
+                <a:lumOff val="80000"/>
+              </a:schemeClr>
+            </a:solidFill>
+          </p:spPr>
+          <p:style>
+            <a:lnRef idx="2">
+              <a:schemeClr val="accent1">
+                <a:shade val="50000"/>
+              </a:schemeClr>
+            </a:lnRef>
+            <a:fillRef idx="1">
+              <a:schemeClr val="accent1"/>
+            </a:fillRef>
+            <a:effectRef idx="0">
+              <a:schemeClr val="accent1"/>
+            </a:effectRef>
+            <a:fontRef idx="minor">
+              <a:schemeClr val="lt1"/>
+            </a:fontRef>
+          </p:style>
+          <p:txBody>
+            <a:bodyPr rtlCol="0" anchor="ctr"/>
+            <a:lstStyle/>
+            <a:p>
+              <a:pPr algn="ctr"/>
+              <a:r>
+                <a:rPr lang="pt-BR" sz="1600" dirty="0">
+                  <a:solidFill>
+                    <a:schemeClr val="tx1"/>
+                  </a:solidFill>
+                </a:rPr>
+                <a:t>10</a:t>
+              </a:r>
+            </a:p>
+          </p:txBody>
+        </p:sp>
+        <p:sp>
+          <p:nvSpPr>
+            <p:cNvPr id="146" name="Rectangle 4">
+              <a:extLst>
+                <a:ext uri="{FF2B5EF4-FFF2-40B4-BE49-F238E27FC236}">
+                  <a16:creationId xmlns:a16="http://schemas.microsoft.com/office/drawing/2014/main" id="{09CC9A1C-0FF5-DA8D-9B81-D2E78337E476}"/>
+                </a:ext>
+              </a:extLst>
+            </p:cNvPr>
+            <p:cNvSpPr/>
+            <p:nvPr/>
+          </p:nvSpPr>
+          <p:spPr>
+            <a:xfrm>
+              <a:off x="2785101" y="4093996"/>
+              <a:ext cx="432000" cy="393031"/>
+            </a:xfrm>
+            <a:prstGeom prst="rect">
+              <a:avLst/>
+            </a:prstGeom>
+            <a:solidFill>
+              <a:schemeClr val="accent1">
+                <a:lumMod val="20000"/>
+                <a:lumOff val="80000"/>
+              </a:schemeClr>
+            </a:solidFill>
+          </p:spPr>
+          <p:style>
+            <a:lnRef idx="2">
+              <a:schemeClr val="accent1">
+                <a:shade val="50000"/>
+              </a:schemeClr>
+            </a:lnRef>
+            <a:fillRef idx="1">
+              <a:schemeClr val="accent1"/>
+            </a:fillRef>
+            <a:effectRef idx="0">
+              <a:schemeClr val="accent1"/>
+            </a:effectRef>
+            <a:fontRef idx="minor">
+              <a:schemeClr val="lt1"/>
+            </a:fontRef>
+          </p:style>
+          <p:txBody>
+            <a:bodyPr rtlCol="0" anchor="ctr"/>
+            <a:lstStyle/>
+            <a:p>
+              <a:pPr algn="ctr"/>
+              <a:r>
+                <a:rPr lang="pt-BR" sz="1600" dirty="0">
+                  <a:solidFill>
+                    <a:schemeClr val="tx1"/>
+                  </a:solidFill>
+                </a:rPr>
+                <a:t>2</a:t>
+              </a:r>
+            </a:p>
+          </p:txBody>
+        </p:sp>
+        <p:sp>
+          <p:nvSpPr>
+            <p:cNvPr id="147" name="Rectangle 5">
+              <a:extLst>
+                <a:ext uri="{FF2B5EF4-FFF2-40B4-BE49-F238E27FC236}">
+                  <a16:creationId xmlns:a16="http://schemas.microsoft.com/office/drawing/2014/main" id="{3CF680CF-E2FC-EFFB-6AE7-F826C7856EB2}"/>
+                </a:ext>
+              </a:extLst>
+            </p:cNvPr>
+            <p:cNvSpPr/>
+            <p:nvPr/>
+          </p:nvSpPr>
+          <p:spPr>
+            <a:xfrm>
+              <a:off x="2354807" y="4093996"/>
+              <a:ext cx="432000" cy="393031"/>
+            </a:xfrm>
+            <a:prstGeom prst="rect">
+              <a:avLst/>
+            </a:prstGeom>
+            <a:solidFill>
+              <a:schemeClr val="accent1">
+                <a:lumMod val="20000"/>
+                <a:lumOff val="80000"/>
+              </a:schemeClr>
+            </a:solidFill>
+          </p:spPr>
+          <p:style>
+            <a:lnRef idx="2">
+              <a:schemeClr val="accent1">
+                <a:shade val="50000"/>
+              </a:schemeClr>
+            </a:lnRef>
+            <a:fillRef idx="1">
+              <a:schemeClr val="accent1"/>
+            </a:fillRef>
+            <a:effectRef idx="0">
+              <a:schemeClr val="accent1"/>
+            </a:effectRef>
+            <a:fontRef idx="minor">
+              <a:schemeClr val="lt1"/>
+            </a:fontRef>
+          </p:style>
+          <p:txBody>
+            <a:bodyPr rtlCol="0" anchor="ctr"/>
+            <a:lstStyle/>
+            <a:p>
+              <a:pPr algn="ctr"/>
+              <a:r>
+                <a:rPr lang="pt-BR" sz="1600" dirty="0">
+                  <a:solidFill>
+                    <a:schemeClr val="tx1"/>
+                  </a:solidFill>
+                </a:rPr>
+                <a:t>1</a:t>
+              </a:r>
+            </a:p>
+          </p:txBody>
+        </p:sp>
+        <p:sp>
+          <p:nvSpPr>
+            <p:cNvPr id="148" name="Rectangle 8">
+              <a:extLst>
+                <a:ext uri="{FF2B5EF4-FFF2-40B4-BE49-F238E27FC236}">
+                  <a16:creationId xmlns:a16="http://schemas.microsoft.com/office/drawing/2014/main" id="{AD075D0B-8562-6A6D-01EC-69388594C105}"/>
+                </a:ext>
+              </a:extLst>
+            </p:cNvPr>
+            <p:cNvSpPr/>
+            <p:nvPr/>
+          </p:nvSpPr>
+          <p:spPr>
+            <a:xfrm>
+              <a:off x="3213051" y="4093601"/>
+              <a:ext cx="432000" cy="393031"/>
+            </a:xfrm>
+            <a:prstGeom prst="rect">
+              <a:avLst/>
+            </a:prstGeom>
+            <a:solidFill>
+              <a:schemeClr val="accent1">
+                <a:lumMod val="20000"/>
+                <a:lumOff val="80000"/>
+              </a:schemeClr>
+            </a:solidFill>
+          </p:spPr>
+          <p:style>
+            <a:lnRef idx="2">
+              <a:schemeClr val="accent1">
+                <a:shade val="50000"/>
+              </a:schemeClr>
+            </a:lnRef>
+            <a:fillRef idx="1">
+              <a:schemeClr val="accent1"/>
+            </a:fillRef>
+            <a:effectRef idx="0">
+              <a:schemeClr val="accent1"/>
+            </a:effectRef>
+            <a:fontRef idx="minor">
+              <a:schemeClr val="lt1"/>
+            </a:fontRef>
+          </p:style>
+          <p:txBody>
+            <a:bodyPr rtlCol="0" anchor="ctr"/>
+            <a:lstStyle/>
+            <a:p>
+              <a:pPr algn="ctr"/>
+              <a:r>
+                <a:rPr lang="pt-BR" sz="1600" dirty="0">
+                  <a:solidFill>
+                    <a:schemeClr val="tx1"/>
+                  </a:solidFill>
+                </a:rPr>
+                <a:t>3</a:t>
+              </a:r>
+            </a:p>
+          </p:txBody>
+        </p:sp>
+        <p:sp>
+          <p:nvSpPr>
+            <p:cNvPr id="149" name="Rectangle 9">
+              <a:extLst>
+                <a:ext uri="{FF2B5EF4-FFF2-40B4-BE49-F238E27FC236}">
+                  <a16:creationId xmlns:a16="http://schemas.microsoft.com/office/drawing/2014/main" id="{CBC0E90D-5498-5DC2-A9E5-3206EE5E5824}"/>
+                </a:ext>
+              </a:extLst>
+            </p:cNvPr>
+            <p:cNvSpPr/>
+            <p:nvPr/>
+          </p:nvSpPr>
+          <p:spPr>
+            <a:xfrm>
+              <a:off x="3643345" y="4093601"/>
+              <a:ext cx="432000" cy="393031"/>
+            </a:xfrm>
+            <a:prstGeom prst="rect">
+              <a:avLst/>
+            </a:prstGeom>
+            <a:solidFill>
+              <a:schemeClr val="accent1">
+                <a:lumMod val="20000"/>
+                <a:lumOff val="80000"/>
+              </a:schemeClr>
+            </a:solidFill>
+          </p:spPr>
+          <p:style>
+            <a:lnRef idx="2">
+              <a:schemeClr val="accent1">
+                <a:shade val="50000"/>
+              </a:schemeClr>
+            </a:lnRef>
+            <a:fillRef idx="1">
+              <a:schemeClr val="accent1"/>
+            </a:fillRef>
+            <a:effectRef idx="0">
+              <a:schemeClr val="accent1"/>
+            </a:effectRef>
+            <a:fontRef idx="minor">
+              <a:schemeClr val="lt1"/>
+            </a:fontRef>
+          </p:style>
+          <p:txBody>
+            <a:bodyPr rtlCol="0" anchor="ctr"/>
+            <a:lstStyle/>
+            <a:p>
+              <a:pPr algn="ctr"/>
+              <a:r>
+                <a:rPr lang="pt-BR" sz="1600" dirty="0">
+                  <a:solidFill>
+                    <a:schemeClr val="tx1"/>
+                  </a:solidFill>
+                </a:rPr>
+                <a:t>4</a:t>
+              </a:r>
+            </a:p>
+          </p:txBody>
+        </p:sp>
+        <p:sp>
+          <p:nvSpPr>
+            <p:cNvPr id="150" name="Rectangle 10">
+              <a:extLst>
+                <a:ext uri="{FF2B5EF4-FFF2-40B4-BE49-F238E27FC236}">
+                  <a16:creationId xmlns:a16="http://schemas.microsoft.com/office/drawing/2014/main" id="{43215DC0-4AF1-DBA1-C550-99928887A67E}"/>
+                </a:ext>
+              </a:extLst>
+            </p:cNvPr>
+            <p:cNvSpPr/>
+            <p:nvPr/>
+          </p:nvSpPr>
+          <p:spPr>
+            <a:xfrm>
+              <a:off x="4071925" y="4093601"/>
+              <a:ext cx="432000" cy="393031"/>
+            </a:xfrm>
+            <a:prstGeom prst="rect">
+              <a:avLst/>
+            </a:prstGeom>
+            <a:solidFill>
+              <a:schemeClr val="accent1">
+                <a:lumMod val="20000"/>
+                <a:lumOff val="80000"/>
+              </a:schemeClr>
+            </a:solidFill>
+          </p:spPr>
+          <p:style>
+            <a:lnRef idx="2">
+              <a:schemeClr val="accent1">
+                <a:shade val="50000"/>
+              </a:schemeClr>
+            </a:lnRef>
+            <a:fillRef idx="1">
+              <a:schemeClr val="accent1"/>
+            </a:fillRef>
+            <a:effectRef idx="0">
+              <a:schemeClr val="accent1"/>
+            </a:effectRef>
+            <a:fontRef idx="minor">
+              <a:schemeClr val="lt1"/>
+            </a:fontRef>
+          </p:style>
+          <p:txBody>
+            <a:bodyPr rtlCol="0" anchor="ctr"/>
+            <a:lstStyle/>
+            <a:p>
+              <a:pPr algn="ctr"/>
+              <a:r>
+                <a:rPr lang="pt-BR" sz="1600" dirty="0">
+                  <a:solidFill>
+                    <a:schemeClr val="tx1"/>
+                  </a:solidFill>
+                </a:rPr>
+                <a:t>5</a:t>
+              </a:r>
+            </a:p>
+          </p:txBody>
+        </p:sp>
+        <p:sp>
+          <p:nvSpPr>
+            <p:cNvPr id="151" name="Rectangle 4">
+              <a:extLst>
+                <a:ext uri="{FF2B5EF4-FFF2-40B4-BE49-F238E27FC236}">
+                  <a16:creationId xmlns:a16="http://schemas.microsoft.com/office/drawing/2014/main" id="{93B8FC98-9E58-4015-63F9-1F72AEF57E26}"/>
+                </a:ext>
+              </a:extLst>
+            </p:cNvPr>
+            <p:cNvSpPr/>
+            <p:nvPr/>
+          </p:nvSpPr>
+          <p:spPr>
+            <a:xfrm>
+              <a:off x="4926749" y="4093599"/>
+              <a:ext cx="432000" cy="393031"/>
+            </a:xfrm>
+            <a:prstGeom prst="rect">
+              <a:avLst/>
+            </a:prstGeom>
+            <a:solidFill>
+              <a:schemeClr val="accent1">
+                <a:lumMod val="20000"/>
+                <a:lumOff val="80000"/>
+              </a:schemeClr>
+            </a:solidFill>
+          </p:spPr>
+          <p:style>
+            <a:lnRef idx="2">
+              <a:schemeClr val="accent1">
+                <a:shade val="50000"/>
+              </a:schemeClr>
+            </a:lnRef>
+            <a:fillRef idx="1">
+              <a:schemeClr val="accent1"/>
+            </a:fillRef>
+            <a:effectRef idx="0">
+              <a:schemeClr val="accent1"/>
+            </a:effectRef>
+            <a:fontRef idx="minor">
+              <a:schemeClr val="lt1"/>
+            </a:fontRef>
+          </p:style>
+          <p:txBody>
+            <a:bodyPr rtlCol="0" anchor="ctr"/>
+            <a:lstStyle/>
+            <a:p>
+              <a:pPr algn="ctr"/>
+              <a:r>
+                <a:rPr lang="pt-BR" sz="1600" dirty="0">
+                  <a:solidFill>
+                    <a:schemeClr val="tx1"/>
+                  </a:solidFill>
+                </a:rPr>
+                <a:t>7</a:t>
+              </a:r>
+            </a:p>
+          </p:txBody>
+        </p:sp>
+        <p:sp>
+          <p:nvSpPr>
+            <p:cNvPr id="152" name="Rectangle 5">
+              <a:extLst>
+                <a:ext uri="{FF2B5EF4-FFF2-40B4-BE49-F238E27FC236}">
+                  <a16:creationId xmlns:a16="http://schemas.microsoft.com/office/drawing/2014/main" id="{FB2F67C9-DE08-FDBD-0D2B-CCD63210458A}"/>
+                </a:ext>
+              </a:extLst>
+            </p:cNvPr>
+            <p:cNvSpPr/>
+            <p:nvPr/>
+          </p:nvSpPr>
+          <p:spPr>
+            <a:xfrm>
+              <a:off x="4498799" y="4093600"/>
+              <a:ext cx="432000" cy="393031"/>
+            </a:xfrm>
+            <a:prstGeom prst="rect">
+              <a:avLst/>
+            </a:prstGeom>
+            <a:solidFill>
+              <a:schemeClr val="accent1">
+                <a:lumMod val="20000"/>
+                <a:lumOff val="80000"/>
+              </a:schemeClr>
+            </a:solidFill>
+          </p:spPr>
+          <p:style>
+            <a:lnRef idx="2">
+              <a:schemeClr val="accent1">
+                <a:shade val="50000"/>
+              </a:schemeClr>
+            </a:lnRef>
+            <a:fillRef idx="1">
+              <a:schemeClr val="accent1"/>
+            </a:fillRef>
+            <a:effectRef idx="0">
+              <a:schemeClr val="accent1"/>
+            </a:effectRef>
+            <a:fontRef idx="minor">
+              <a:schemeClr val="lt1"/>
+            </a:fontRef>
+          </p:style>
+          <p:txBody>
+            <a:bodyPr rtlCol="0" anchor="ctr"/>
+            <a:lstStyle/>
+            <a:p>
+              <a:pPr algn="ctr"/>
+              <a:r>
+                <a:rPr lang="pt-BR" sz="1600" dirty="0">
+                  <a:solidFill>
+                    <a:schemeClr val="tx1"/>
+                  </a:solidFill>
+                </a:rPr>
+                <a:t>6</a:t>
+              </a:r>
+            </a:p>
+          </p:txBody>
+        </p:sp>
+        <p:sp>
+          <p:nvSpPr>
+            <p:cNvPr id="153" name="Rectangle 8">
+              <a:extLst>
+                <a:ext uri="{FF2B5EF4-FFF2-40B4-BE49-F238E27FC236}">
+                  <a16:creationId xmlns:a16="http://schemas.microsoft.com/office/drawing/2014/main" id="{74AAC2BF-15F1-691A-9D58-52609BA83861}"/>
+                </a:ext>
+              </a:extLst>
+            </p:cNvPr>
+            <p:cNvSpPr/>
+            <p:nvPr/>
+          </p:nvSpPr>
+          <p:spPr>
+            <a:xfrm>
+              <a:off x="5353623" y="4093598"/>
+              <a:ext cx="432000" cy="393031"/>
+            </a:xfrm>
+            <a:prstGeom prst="rect">
+              <a:avLst/>
+            </a:prstGeom>
+            <a:solidFill>
+              <a:schemeClr val="accent1">
+                <a:lumMod val="20000"/>
+                <a:lumOff val="80000"/>
+              </a:schemeClr>
+            </a:solidFill>
+          </p:spPr>
+          <p:style>
+            <a:lnRef idx="2">
+              <a:schemeClr val="accent1">
+                <a:shade val="50000"/>
+              </a:schemeClr>
+            </a:lnRef>
+            <a:fillRef idx="1">
+              <a:schemeClr val="accent1"/>
+            </a:fillRef>
+            <a:effectRef idx="0">
+              <a:schemeClr val="accent1"/>
+            </a:effectRef>
+            <a:fontRef idx="minor">
+              <a:schemeClr val="lt1"/>
+            </a:fontRef>
+          </p:style>
+          <p:txBody>
+            <a:bodyPr rtlCol="0" anchor="ctr"/>
+            <a:lstStyle/>
+            <a:p>
+              <a:pPr algn="ctr"/>
+              <a:r>
+                <a:rPr lang="pt-BR" sz="1600" dirty="0">
+                  <a:solidFill>
+                    <a:schemeClr val="tx1"/>
+                  </a:solidFill>
+                </a:rPr>
+                <a:t>8</a:t>
+              </a:r>
+            </a:p>
+          </p:txBody>
+        </p:sp>
+        <p:sp>
+          <p:nvSpPr>
+            <p:cNvPr id="154" name="Rectangle 9">
+              <a:extLst>
+                <a:ext uri="{FF2B5EF4-FFF2-40B4-BE49-F238E27FC236}">
+                  <a16:creationId xmlns:a16="http://schemas.microsoft.com/office/drawing/2014/main" id="{8897FBCD-3F6C-43A1-4614-CDEE83265059}"/>
+                </a:ext>
+              </a:extLst>
+            </p:cNvPr>
+            <p:cNvSpPr/>
+            <p:nvPr/>
+          </p:nvSpPr>
+          <p:spPr>
+            <a:xfrm>
+              <a:off x="5787337" y="4093597"/>
+              <a:ext cx="432000" cy="393031"/>
+            </a:xfrm>
+            <a:prstGeom prst="rect">
+              <a:avLst/>
+            </a:prstGeom>
+            <a:solidFill>
+              <a:schemeClr val="accent1">
+                <a:lumMod val="60000"/>
+                <a:lumOff val="40000"/>
+              </a:schemeClr>
+            </a:solidFill>
+          </p:spPr>
+          <p:style>
+            <a:lnRef idx="2">
+              <a:schemeClr val="accent1">
+                <a:shade val="50000"/>
+              </a:schemeClr>
+            </a:lnRef>
+            <a:fillRef idx="1">
+              <a:schemeClr val="accent1"/>
+            </a:fillRef>
+            <a:effectRef idx="0">
+              <a:schemeClr val="accent1"/>
+            </a:effectRef>
+            <a:fontRef idx="minor">
+              <a:schemeClr val="lt1"/>
+            </a:fontRef>
+          </p:style>
+          <p:txBody>
+            <a:bodyPr rtlCol="0" anchor="ctr"/>
+            <a:lstStyle/>
+            <a:p>
+              <a:pPr algn="ctr"/>
+              <a:r>
+                <a:rPr lang="pt-BR" sz="1600" dirty="0">
+                  <a:solidFill>
+                    <a:schemeClr val="tx1"/>
+                  </a:solidFill>
+                </a:rPr>
+                <a:t>9</a:t>
+              </a:r>
+            </a:p>
+          </p:txBody>
+        </p:sp>
+        <p:sp>
+          <p:nvSpPr>
+            <p:cNvPr id="155" name="Rectangle 10">
+              <a:extLst>
+                <a:ext uri="{FF2B5EF4-FFF2-40B4-BE49-F238E27FC236}">
+                  <a16:creationId xmlns:a16="http://schemas.microsoft.com/office/drawing/2014/main" id="{14D61FDA-20D5-0C1B-FE63-2A7C17AF4442}"/>
+                </a:ext>
+              </a:extLst>
+            </p:cNvPr>
+            <p:cNvSpPr/>
+            <p:nvPr/>
+          </p:nvSpPr>
+          <p:spPr>
+            <a:xfrm>
+              <a:off x="6215287" y="4093597"/>
+              <a:ext cx="432000" cy="393031"/>
+            </a:xfrm>
+            <a:prstGeom prst="rect">
+              <a:avLst/>
+            </a:prstGeom>
+            <a:solidFill>
+              <a:schemeClr val="accent1">
+                <a:lumMod val="20000"/>
+                <a:lumOff val="80000"/>
+              </a:schemeClr>
+            </a:solidFill>
+          </p:spPr>
+          <p:style>
+            <a:lnRef idx="2">
+              <a:schemeClr val="accent1">
+                <a:shade val="50000"/>
+              </a:schemeClr>
+            </a:lnRef>
+            <a:fillRef idx="1">
+              <a:schemeClr val="accent1"/>
+            </a:fillRef>
+            <a:effectRef idx="0">
+              <a:schemeClr val="accent1"/>
+            </a:effectRef>
+            <a:fontRef idx="minor">
+              <a:schemeClr val="lt1"/>
+            </a:fontRef>
+          </p:style>
+          <p:txBody>
+            <a:bodyPr rtlCol="0" anchor="ctr"/>
+            <a:lstStyle/>
+            <a:p>
+              <a:pPr algn="ctr"/>
+              <a:r>
+                <a:rPr lang="pt-BR" sz="1600" dirty="0">
+                  <a:solidFill>
+                    <a:schemeClr val="tx1"/>
+                  </a:solidFill>
+                </a:rPr>
+                <a:t>10</a:t>
+              </a:r>
+            </a:p>
+          </p:txBody>
+        </p:sp>
+        <p:sp>
+          <p:nvSpPr>
+            <p:cNvPr id="156" name="Rectangle 4">
+              <a:extLst>
+                <a:ext uri="{FF2B5EF4-FFF2-40B4-BE49-F238E27FC236}">
+                  <a16:creationId xmlns:a16="http://schemas.microsoft.com/office/drawing/2014/main" id="{425ED12E-E242-9E42-D403-2F97F01FA793}"/>
+                </a:ext>
+              </a:extLst>
+            </p:cNvPr>
+            <p:cNvSpPr/>
+            <p:nvPr/>
+          </p:nvSpPr>
+          <p:spPr>
+            <a:xfrm>
+              <a:off x="2785101" y="4487239"/>
+              <a:ext cx="432000" cy="393031"/>
+            </a:xfrm>
+            <a:prstGeom prst="rect">
+              <a:avLst/>
+            </a:prstGeom>
+            <a:solidFill>
+              <a:schemeClr val="accent1">
+                <a:lumMod val="20000"/>
+                <a:lumOff val="80000"/>
+              </a:schemeClr>
+            </a:solidFill>
+          </p:spPr>
+          <p:style>
+            <a:lnRef idx="2">
+              <a:schemeClr val="accent1">
+                <a:shade val="50000"/>
+              </a:schemeClr>
+            </a:lnRef>
+            <a:fillRef idx="1">
+              <a:schemeClr val="accent1"/>
+            </a:fillRef>
+            <a:effectRef idx="0">
+              <a:schemeClr val="accent1"/>
+            </a:effectRef>
+            <a:fontRef idx="minor">
+              <a:schemeClr val="lt1"/>
+            </a:fontRef>
+          </p:style>
+          <p:txBody>
+            <a:bodyPr rtlCol="0" anchor="ctr"/>
+            <a:lstStyle/>
+            <a:p>
+              <a:pPr algn="ctr"/>
+              <a:r>
+                <a:rPr lang="pt-BR" sz="1600" dirty="0">
+                  <a:solidFill>
+                    <a:schemeClr val="tx1"/>
+                  </a:solidFill>
+                </a:rPr>
+                <a:t>2</a:t>
+              </a:r>
+            </a:p>
+          </p:txBody>
+        </p:sp>
+        <p:sp>
+          <p:nvSpPr>
+            <p:cNvPr id="157" name="Rectangle 5">
+              <a:extLst>
+                <a:ext uri="{FF2B5EF4-FFF2-40B4-BE49-F238E27FC236}">
+                  <a16:creationId xmlns:a16="http://schemas.microsoft.com/office/drawing/2014/main" id="{1147CE01-6118-6260-1635-E900E5BDD920}"/>
+                </a:ext>
+              </a:extLst>
+            </p:cNvPr>
+            <p:cNvSpPr/>
+            <p:nvPr/>
+          </p:nvSpPr>
+          <p:spPr>
+            <a:xfrm>
+              <a:off x="2354807" y="4487239"/>
+              <a:ext cx="432000" cy="393031"/>
+            </a:xfrm>
+            <a:prstGeom prst="rect">
+              <a:avLst/>
+            </a:prstGeom>
+            <a:solidFill>
+              <a:schemeClr val="accent1">
+                <a:lumMod val="20000"/>
+                <a:lumOff val="80000"/>
+              </a:schemeClr>
+            </a:solidFill>
+          </p:spPr>
+          <p:style>
+            <a:lnRef idx="2">
+              <a:schemeClr val="accent1">
+                <a:shade val="50000"/>
+              </a:schemeClr>
+            </a:lnRef>
+            <a:fillRef idx="1">
+              <a:schemeClr val="accent1"/>
+            </a:fillRef>
+            <a:effectRef idx="0">
+              <a:schemeClr val="accent1"/>
+            </a:effectRef>
+            <a:fontRef idx="minor">
+              <a:schemeClr val="lt1"/>
+            </a:fontRef>
+          </p:style>
+          <p:txBody>
+            <a:bodyPr rtlCol="0" anchor="ctr"/>
+            <a:lstStyle/>
+            <a:p>
+              <a:pPr algn="ctr"/>
+              <a:r>
+                <a:rPr lang="pt-BR" sz="1600" dirty="0">
+                  <a:solidFill>
+                    <a:schemeClr val="tx1"/>
+                  </a:solidFill>
+                </a:rPr>
+                <a:t>1</a:t>
+              </a:r>
+            </a:p>
+          </p:txBody>
+        </p:sp>
+        <p:sp>
+          <p:nvSpPr>
+            <p:cNvPr id="158" name="Rectangle 8">
+              <a:extLst>
+                <a:ext uri="{FF2B5EF4-FFF2-40B4-BE49-F238E27FC236}">
+                  <a16:creationId xmlns:a16="http://schemas.microsoft.com/office/drawing/2014/main" id="{2B8D66CE-FFB5-8460-A9AE-5AF2AC9B278C}"/>
+                </a:ext>
+              </a:extLst>
+            </p:cNvPr>
+            <p:cNvSpPr/>
+            <p:nvPr/>
+          </p:nvSpPr>
+          <p:spPr>
+            <a:xfrm>
+              <a:off x="3213051" y="4486844"/>
+              <a:ext cx="432000" cy="393031"/>
+            </a:xfrm>
+            <a:prstGeom prst="rect">
+              <a:avLst/>
+            </a:prstGeom>
+            <a:solidFill>
+              <a:schemeClr val="accent1">
+                <a:lumMod val="20000"/>
+                <a:lumOff val="80000"/>
+              </a:schemeClr>
+            </a:solidFill>
+          </p:spPr>
+          <p:style>
+            <a:lnRef idx="2">
+              <a:schemeClr val="accent1">
+                <a:shade val="50000"/>
+              </a:schemeClr>
+            </a:lnRef>
+            <a:fillRef idx="1">
+              <a:schemeClr val="accent1"/>
+            </a:fillRef>
+            <a:effectRef idx="0">
+              <a:schemeClr val="accent1"/>
+            </a:effectRef>
+            <a:fontRef idx="minor">
+              <a:schemeClr val="lt1"/>
+            </a:fontRef>
+          </p:style>
+          <p:txBody>
+            <a:bodyPr rtlCol="0" anchor="ctr"/>
+            <a:lstStyle/>
+            <a:p>
+              <a:pPr algn="ctr"/>
+              <a:r>
+                <a:rPr lang="pt-BR" sz="1600" dirty="0">
+                  <a:solidFill>
+                    <a:schemeClr val="tx1"/>
+                  </a:solidFill>
+                </a:rPr>
+                <a:t>3</a:t>
+              </a:r>
+            </a:p>
+          </p:txBody>
+        </p:sp>
+        <p:sp>
+          <p:nvSpPr>
+            <p:cNvPr id="159" name="Rectangle 9">
+              <a:extLst>
+                <a:ext uri="{FF2B5EF4-FFF2-40B4-BE49-F238E27FC236}">
+                  <a16:creationId xmlns:a16="http://schemas.microsoft.com/office/drawing/2014/main" id="{9FA177D9-5022-298C-0450-D4173F6E5568}"/>
+                </a:ext>
+              </a:extLst>
+            </p:cNvPr>
+            <p:cNvSpPr/>
+            <p:nvPr/>
+          </p:nvSpPr>
+          <p:spPr>
+            <a:xfrm>
+              <a:off x="3643345" y="4486844"/>
+              <a:ext cx="432000" cy="393031"/>
+            </a:xfrm>
+            <a:prstGeom prst="rect">
+              <a:avLst/>
+            </a:prstGeom>
+            <a:solidFill>
+              <a:schemeClr val="accent1">
+                <a:lumMod val="20000"/>
+                <a:lumOff val="80000"/>
+              </a:schemeClr>
+            </a:solidFill>
+          </p:spPr>
+          <p:style>
+            <a:lnRef idx="2">
+              <a:schemeClr val="accent1">
+                <a:shade val="50000"/>
+              </a:schemeClr>
+            </a:lnRef>
+            <a:fillRef idx="1">
+              <a:schemeClr val="accent1"/>
+            </a:fillRef>
+            <a:effectRef idx="0">
+              <a:schemeClr val="accent1"/>
+            </a:effectRef>
+            <a:fontRef idx="minor">
+              <a:schemeClr val="lt1"/>
+            </a:fontRef>
+          </p:style>
+          <p:txBody>
+            <a:bodyPr rtlCol="0" anchor="ctr"/>
+            <a:lstStyle/>
+            <a:p>
+              <a:pPr algn="ctr"/>
+              <a:r>
+                <a:rPr lang="pt-BR" sz="1600" dirty="0">
+                  <a:solidFill>
+                    <a:schemeClr val="tx1"/>
+                  </a:solidFill>
+                </a:rPr>
+                <a:t>4</a:t>
+              </a:r>
+            </a:p>
+          </p:txBody>
+        </p:sp>
+        <p:sp>
+          <p:nvSpPr>
+            <p:cNvPr id="160" name="Rectangle 10">
+              <a:extLst>
+                <a:ext uri="{FF2B5EF4-FFF2-40B4-BE49-F238E27FC236}">
+                  <a16:creationId xmlns:a16="http://schemas.microsoft.com/office/drawing/2014/main" id="{6C56D40A-F72F-9CBE-DEE3-03882D197490}"/>
+                </a:ext>
+              </a:extLst>
+            </p:cNvPr>
+            <p:cNvSpPr/>
+            <p:nvPr/>
+          </p:nvSpPr>
+          <p:spPr>
+            <a:xfrm>
+              <a:off x="4071925" y="4486844"/>
+              <a:ext cx="432000" cy="393031"/>
+            </a:xfrm>
+            <a:prstGeom prst="rect">
+              <a:avLst/>
+            </a:prstGeom>
+            <a:solidFill>
+              <a:schemeClr val="accent1">
+                <a:lumMod val="20000"/>
+                <a:lumOff val="80000"/>
+              </a:schemeClr>
+            </a:solidFill>
+          </p:spPr>
+          <p:style>
+            <a:lnRef idx="2">
+              <a:schemeClr val="accent1">
+                <a:shade val="50000"/>
+              </a:schemeClr>
+            </a:lnRef>
+            <a:fillRef idx="1">
+              <a:schemeClr val="accent1"/>
+            </a:fillRef>
+            <a:effectRef idx="0">
+              <a:schemeClr val="accent1"/>
+            </a:effectRef>
+            <a:fontRef idx="minor">
+              <a:schemeClr val="lt1"/>
+            </a:fontRef>
+          </p:style>
+          <p:txBody>
+            <a:bodyPr rtlCol="0" anchor="ctr"/>
+            <a:lstStyle/>
+            <a:p>
+              <a:pPr algn="ctr"/>
+              <a:r>
+                <a:rPr lang="pt-BR" sz="1600" dirty="0">
+                  <a:solidFill>
+                    <a:schemeClr val="tx1"/>
+                  </a:solidFill>
+                </a:rPr>
+                <a:t>5</a:t>
+              </a:r>
+            </a:p>
+          </p:txBody>
+        </p:sp>
+        <p:sp>
+          <p:nvSpPr>
+            <p:cNvPr id="161" name="Rectangle 4">
+              <a:extLst>
+                <a:ext uri="{FF2B5EF4-FFF2-40B4-BE49-F238E27FC236}">
+                  <a16:creationId xmlns:a16="http://schemas.microsoft.com/office/drawing/2014/main" id="{A76252EB-725A-AA26-F74C-5F42BD8F37FC}"/>
+                </a:ext>
+              </a:extLst>
+            </p:cNvPr>
+            <p:cNvSpPr/>
+            <p:nvPr/>
+          </p:nvSpPr>
+          <p:spPr>
+            <a:xfrm>
+              <a:off x="4926749" y="4486842"/>
+              <a:ext cx="432000" cy="393031"/>
+            </a:xfrm>
+            <a:prstGeom prst="rect">
+              <a:avLst/>
+            </a:prstGeom>
+            <a:solidFill>
+              <a:schemeClr val="accent1">
+                <a:lumMod val="20000"/>
+                <a:lumOff val="80000"/>
+              </a:schemeClr>
+            </a:solidFill>
+          </p:spPr>
+          <p:style>
+            <a:lnRef idx="2">
+              <a:schemeClr val="accent1">
+                <a:shade val="50000"/>
+              </a:schemeClr>
+            </a:lnRef>
+            <a:fillRef idx="1">
+              <a:schemeClr val="accent1"/>
+            </a:fillRef>
+            <a:effectRef idx="0">
+              <a:schemeClr val="accent1"/>
+            </a:effectRef>
+            <a:fontRef idx="minor">
+              <a:schemeClr val="lt1"/>
+            </a:fontRef>
+          </p:style>
+          <p:txBody>
+            <a:bodyPr rtlCol="0" anchor="ctr"/>
+            <a:lstStyle/>
+            <a:p>
+              <a:pPr algn="ctr"/>
+              <a:r>
+                <a:rPr lang="pt-BR" sz="1600" dirty="0">
+                  <a:solidFill>
+                    <a:schemeClr val="tx1"/>
+                  </a:solidFill>
+                </a:rPr>
+                <a:t>7</a:t>
+              </a:r>
+            </a:p>
+          </p:txBody>
+        </p:sp>
+        <p:sp>
+          <p:nvSpPr>
+            <p:cNvPr id="162" name="Rectangle 5">
+              <a:extLst>
+                <a:ext uri="{FF2B5EF4-FFF2-40B4-BE49-F238E27FC236}">
+                  <a16:creationId xmlns:a16="http://schemas.microsoft.com/office/drawing/2014/main" id="{4139510D-32DB-BF06-F4DD-7FD20676BBB8}"/>
+                </a:ext>
+              </a:extLst>
+            </p:cNvPr>
+            <p:cNvSpPr/>
+            <p:nvPr/>
+          </p:nvSpPr>
+          <p:spPr>
+            <a:xfrm>
+              <a:off x="4498799" y="4486843"/>
+              <a:ext cx="432000" cy="393031"/>
+            </a:xfrm>
+            <a:prstGeom prst="rect">
+              <a:avLst/>
+            </a:prstGeom>
+            <a:solidFill>
+              <a:schemeClr val="accent1">
+                <a:lumMod val="20000"/>
+                <a:lumOff val="80000"/>
+              </a:schemeClr>
+            </a:solidFill>
+          </p:spPr>
+          <p:style>
+            <a:lnRef idx="2">
+              <a:schemeClr val="accent1">
+                <a:shade val="50000"/>
+              </a:schemeClr>
+            </a:lnRef>
+            <a:fillRef idx="1">
+              <a:schemeClr val="accent1"/>
+            </a:fillRef>
+            <a:effectRef idx="0">
+              <a:schemeClr val="accent1"/>
+            </a:effectRef>
+            <a:fontRef idx="minor">
+              <a:schemeClr val="lt1"/>
+            </a:fontRef>
+          </p:style>
+          <p:txBody>
+            <a:bodyPr rtlCol="0" anchor="ctr"/>
+            <a:lstStyle/>
+            <a:p>
+              <a:pPr algn="ctr"/>
+              <a:r>
+                <a:rPr lang="pt-BR" sz="1600" dirty="0">
+                  <a:solidFill>
+                    <a:schemeClr val="tx1"/>
+                  </a:solidFill>
+                </a:rPr>
+                <a:t>6</a:t>
+              </a:r>
+            </a:p>
+          </p:txBody>
+        </p:sp>
+        <p:sp>
+          <p:nvSpPr>
+            <p:cNvPr id="163" name="Rectangle 8">
+              <a:extLst>
+                <a:ext uri="{FF2B5EF4-FFF2-40B4-BE49-F238E27FC236}">
+                  <a16:creationId xmlns:a16="http://schemas.microsoft.com/office/drawing/2014/main" id="{77991953-00B7-8432-FE0F-B63DB489F1CC}"/>
+                </a:ext>
+              </a:extLst>
+            </p:cNvPr>
+            <p:cNvSpPr/>
+            <p:nvPr/>
+          </p:nvSpPr>
+          <p:spPr>
+            <a:xfrm>
+              <a:off x="5353623" y="4486841"/>
+              <a:ext cx="432000" cy="393031"/>
+            </a:xfrm>
+            <a:prstGeom prst="rect">
+              <a:avLst/>
+            </a:prstGeom>
+            <a:solidFill>
+              <a:schemeClr val="accent1">
+                <a:lumMod val="20000"/>
+                <a:lumOff val="80000"/>
+              </a:schemeClr>
+            </a:solidFill>
+          </p:spPr>
+          <p:style>
+            <a:lnRef idx="2">
+              <a:schemeClr val="accent1">
+                <a:shade val="50000"/>
+              </a:schemeClr>
+            </a:lnRef>
+            <a:fillRef idx="1">
+              <a:schemeClr val="accent1"/>
+            </a:fillRef>
+            <a:effectRef idx="0">
+              <a:schemeClr val="accent1"/>
+            </a:effectRef>
+            <a:fontRef idx="minor">
+              <a:schemeClr val="lt1"/>
+            </a:fontRef>
+          </p:style>
+          <p:txBody>
+            <a:bodyPr rtlCol="0" anchor="ctr"/>
+            <a:lstStyle/>
+            <a:p>
+              <a:pPr algn="ctr"/>
+              <a:r>
+                <a:rPr lang="pt-BR" sz="1600" dirty="0">
+                  <a:solidFill>
+                    <a:schemeClr val="tx1"/>
+                  </a:solidFill>
+                </a:rPr>
+                <a:t>8</a:t>
+              </a:r>
+            </a:p>
+          </p:txBody>
+        </p:sp>
+        <p:sp>
+          <p:nvSpPr>
+            <p:cNvPr id="164" name="Rectangle 9">
+              <a:extLst>
+                <a:ext uri="{FF2B5EF4-FFF2-40B4-BE49-F238E27FC236}">
+                  <a16:creationId xmlns:a16="http://schemas.microsoft.com/office/drawing/2014/main" id="{D4747C93-8FF4-2165-319B-2C8A1D28319C}"/>
+                </a:ext>
+              </a:extLst>
+            </p:cNvPr>
+            <p:cNvSpPr/>
+            <p:nvPr/>
+          </p:nvSpPr>
+          <p:spPr>
+            <a:xfrm>
+              <a:off x="5787337" y="4486840"/>
+              <a:ext cx="432000" cy="393031"/>
+            </a:xfrm>
+            <a:prstGeom prst="rect">
+              <a:avLst/>
+            </a:prstGeom>
+            <a:solidFill>
+              <a:schemeClr val="accent1">
+                <a:lumMod val="20000"/>
+                <a:lumOff val="80000"/>
+              </a:schemeClr>
+            </a:solidFill>
+          </p:spPr>
+          <p:style>
+            <a:lnRef idx="2">
+              <a:schemeClr val="accent1">
+                <a:shade val="50000"/>
+              </a:schemeClr>
+            </a:lnRef>
+            <a:fillRef idx="1">
+              <a:schemeClr val="accent1"/>
+            </a:fillRef>
+            <a:effectRef idx="0">
+              <a:schemeClr val="accent1"/>
+            </a:effectRef>
+            <a:fontRef idx="minor">
+              <a:schemeClr val="lt1"/>
+            </a:fontRef>
+          </p:style>
+          <p:txBody>
+            <a:bodyPr rtlCol="0" anchor="ctr"/>
+            <a:lstStyle/>
+            <a:p>
+              <a:pPr algn="ctr"/>
+              <a:r>
+                <a:rPr lang="pt-BR" sz="1600" dirty="0">
+                  <a:solidFill>
+                    <a:schemeClr val="tx1"/>
+                  </a:solidFill>
+                </a:rPr>
+                <a:t>9</a:t>
+              </a:r>
+            </a:p>
+          </p:txBody>
+        </p:sp>
+        <p:sp>
+          <p:nvSpPr>
+            <p:cNvPr id="165" name="Rectangle 10">
+              <a:extLst>
+                <a:ext uri="{FF2B5EF4-FFF2-40B4-BE49-F238E27FC236}">
+                  <a16:creationId xmlns:a16="http://schemas.microsoft.com/office/drawing/2014/main" id="{A9D6C350-586E-A8A8-8C3D-8E61F1F13782}"/>
+                </a:ext>
+              </a:extLst>
+            </p:cNvPr>
+            <p:cNvSpPr/>
+            <p:nvPr/>
+          </p:nvSpPr>
+          <p:spPr>
+            <a:xfrm>
+              <a:off x="6215287" y="4486840"/>
+              <a:ext cx="432000" cy="393031"/>
+            </a:xfrm>
+            <a:prstGeom prst="rect">
+              <a:avLst/>
+            </a:prstGeom>
+            <a:solidFill>
+              <a:schemeClr val="accent1">
+                <a:lumMod val="60000"/>
+                <a:lumOff val="40000"/>
+              </a:schemeClr>
+            </a:solidFill>
+          </p:spPr>
+          <p:style>
+            <a:lnRef idx="2">
+              <a:schemeClr val="accent1">
+                <a:shade val="50000"/>
+              </a:schemeClr>
+            </a:lnRef>
+            <a:fillRef idx="1">
+              <a:schemeClr val="accent1"/>
+            </a:fillRef>
+            <a:effectRef idx="0">
+              <a:schemeClr val="accent1"/>
+            </a:effectRef>
+            <a:fontRef idx="minor">
+              <a:schemeClr val="lt1"/>
+            </a:fontRef>
+          </p:style>
+          <p:txBody>
+            <a:bodyPr rtlCol="0" anchor="ctr"/>
+            <a:lstStyle/>
+            <a:p>
+              <a:pPr algn="ctr"/>
+              <a:r>
+                <a:rPr lang="pt-BR" sz="1600" dirty="0">
+                  <a:solidFill>
+                    <a:schemeClr val="tx1"/>
+                  </a:solidFill>
+                </a:rPr>
+                <a:t>10</a:t>
+              </a:r>
+            </a:p>
+          </p:txBody>
+        </p:sp>
+        <p:sp>
+          <p:nvSpPr>
+            <p:cNvPr id="166" name="Rectangle 36">
+              <a:extLst>
+                <a:ext uri="{FF2B5EF4-FFF2-40B4-BE49-F238E27FC236}">
+                  <a16:creationId xmlns:a16="http://schemas.microsoft.com/office/drawing/2014/main" id="{DC72F554-684F-568F-381D-6136A58CC413}"/>
+                </a:ext>
+              </a:extLst>
+            </p:cNvPr>
+            <p:cNvSpPr/>
+            <p:nvPr/>
+          </p:nvSpPr>
+          <p:spPr>
+            <a:xfrm>
+              <a:off x="1011386" y="2963027"/>
+              <a:ext cx="1341708" cy="307777"/>
+            </a:xfrm>
+            <a:prstGeom prst="rect">
+              <a:avLst/>
+            </a:prstGeom>
+          </p:spPr>
+          <p:txBody>
+            <a:bodyPr wrap="square">
+              <a:spAutoFit/>
+            </a:bodyPr>
+            <a:lstStyle/>
+            <a:p>
+              <a:r>
+                <a:rPr lang="pt-BR" sz="1400" dirty="0"/>
+                <a:t>Treinamento 6</a:t>
+              </a:r>
+            </a:p>
+          </p:txBody>
+        </p:sp>
+        <p:sp>
+          <p:nvSpPr>
+            <p:cNvPr id="167" name="Rectangle 36">
+              <a:extLst>
+                <a:ext uri="{FF2B5EF4-FFF2-40B4-BE49-F238E27FC236}">
+                  <a16:creationId xmlns:a16="http://schemas.microsoft.com/office/drawing/2014/main" id="{9DD9DC18-3337-285E-E1E4-6D19CF59BD0A}"/>
+                </a:ext>
+              </a:extLst>
+            </p:cNvPr>
+            <p:cNvSpPr/>
+            <p:nvPr/>
+          </p:nvSpPr>
+          <p:spPr>
+            <a:xfrm>
+              <a:off x="1011385" y="3351436"/>
+              <a:ext cx="1341707" cy="307777"/>
+            </a:xfrm>
+            <a:prstGeom prst="rect">
+              <a:avLst/>
+            </a:prstGeom>
+          </p:spPr>
+          <p:txBody>
+            <a:bodyPr wrap="square">
+              <a:spAutoFit/>
+            </a:bodyPr>
+            <a:lstStyle/>
+            <a:p>
+              <a:r>
+                <a:rPr lang="pt-BR" sz="1400" dirty="0"/>
+                <a:t>Treinamento 7</a:t>
+              </a:r>
+            </a:p>
+          </p:txBody>
+        </p:sp>
+        <p:sp>
+          <p:nvSpPr>
+            <p:cNvPr id="168" name="Rectangle 36">
+              <a:extLst>
+                <a:ext uri="{FF2B5EF4-FFF2-40B4-BE49-F238E27FC236}">
+                  <a16:creationId xmlns:a16="http://schemas.microsoft.com/office/drawing/2014/main" id="{3DC36A96-8AF6-CFA0-CD37-9C2778EAD355}"/>
+                </a:ext>
+              </a:extLst>
+            </p:cNvPr>
+            <p:cNvSpPr/>
+            <p:nvPr/>
+          </p:nvSpPr>
+          <p:spPr>
+            <a:xfrm>
+              <a:off x="1011385" y="3750042"/>
+              <a:ext cx="1341707" cy="307777"/>
+            </a:xfrm>
+            <a:prstGeom prst="rect">
+              <a:avLst/>
+            </a:prstGeom>
+          </p:spPr>
+          <p:txBody>
+            <a:bodyPr wrap="square">
+              <a:spAutoFit/>
+            </a:bodyPr>
+            <a:lstStyle/>
+            <a:p>
+              <a:r>
+                <a:rPr lang="pt-BR" sz="1400" dirty="0"/>
+                <a:t>Treinamento 8</a:t>
+              </a:r>
+            </a:p>
+          </p:txBody>
+        </p:sp>
+        <p:sp>
+          <p:nvSpPr>
+            <p:cNvPr id="169" name="Rectangle 36">
+              <a:extLst>
+                <a:ext uri="{FF2B5EF4-FFF2-40B4-BE49-F238E27FC236}">
+                  <a16:creationId xmlns:a16="http://schemas.microsoft.com/office/drawing/2014/main" id="{02C99D41-A08C-CE6C-57A5-58FE911361CE}"/>
+                </a:ext>
+              </a:extLst>
+            </p:cNvPr>
+            <p:cNvSpPr/>
+            <p:nvPr/>
+          </p:nvSpPr>
+          <p:spPr>
+            <a:xfrm>
+              <a:off x="1011385" y="4141357"/>
+              <a:ext cx="1337250" cy="307777"/>
+            </a:xfrm>
+            <a:prstGeom prst="rect">
+              <a:avLst/>
+            </a:prstGeom>
+          </p:spPr>
+          <p:txBody>
+            <a:bodyPr wrap="square">
+              <a:spAutoFit/>
+            </a:bodyPr>
+            <a:lstStyle/>
+            <a:p>
+              <a:r>
+                <a:rPr lang="pt-BR" sz="1400" dirty="0"/>
+                <a:t>Treinamento 9</a:t>
+              </a:r>
+            </a:p>
+          </p:txBody>
+        </p:sp>
+        <p:sp>
+          <p:nvSpPr>
+            <p:cNvPr id="170" name="Rectangle 36">
+              <a:extLst>
+                <a:ext uri="{FF2B5EF4-FFF2-40B4-BE49-F238E27FC236}">
+                  <a16:creationId xmlns:a16="http://schemas.microsoft.com/office/drawing/2014/main" id="{8EF1154B-FF44-17A9-9E88-0B824CD664E7}"/>
+                </a:ext>
+              </a:extLst>
+            </p:cNvPr>
+            <p:cNvSpPr/>
+            <p:nvPr/>
+          </p:nvSpPr>
+          <p:spPr>
+            <a:xfrm>
+              <a:off x="1013461" y="4514169"/>
+              <a:ext cx="1337250" cy="307777"/>
+            </a:xfrm>
+            <a:prstGeom prst="rect">
+              <a:avLst/>
+            </a:prstGeom>
+          </p:spPr>
+          <p:txBody>
+            <a:bodyPr wrap="square">
+              <a:spAutoFit/>
+            </a:bodyPr>
+            <a:lstStyle/>
+            <a:p>
+              <a:r>
+                <a:rPr lang="pt-BR" sz="1400" dirty="0"/>
+                <a:t>Treinamento 10</a:t>
+              </a:r>
+            </a:p>
+          </p:txBody>
+        </p:sp>
+      </p:grpSp>
+    </p:spTree>
+    <p:extLst>
+      <p:ext uri="{BB962C8B-B14F-4D97-AF65-F5344CB8AC3E}">
+        <p14:creationId xmlns:p14="http://schemas.microsoft.com/office/powerpoint/2010/main" val="412729602"/>
+      </p:ext>
+    </p:extLst>
+  </p:cSld>
+  <p:clrMapOvr>
+    <a:masterClrMapping/>
+  </p:clrMapOvr>
+</p:sld>
+</file>
+
+<file path=ppt/slides/slide24.xml><?xml version="1.0" encoding="utf-8"?>
+<p:sld xmlns:a="http://schemas.openxmlformats.org/drawingml/2006/main" xmlns:r="http://schemas.openxmlformats.org/officeDocument/2006/relationships" xmlns:p="http://schemas.openxmlformats.org/presentationml/2006/main">
+  <p:cSld>
+    <p:spTree>
+      <p:nvGrpSpPr>
+        <p:cNvPr id="1" name=""/>
+        <p:cNvGrpSpPr/>
+        <p:nvPr/>
+      </p:nvGrpSpPr>
+      <p:grpSpPr>
+        <a:xfrm>
+          <a:off x="0" y="0"/>
+          <a:ext cx="0" cy="0"/>
+          <a:chOff x="0" y="0"/>
+          <a:chExt cx="0" cy="0"/>
+        </a:xfrm>
+      </p:grpSpPr>
+      <p:grpSp>
+        <p:nvGrpSpPr>
           <p:cNvPr id="4" name="Group 3"/>
           <p:cNvGrpSpPr/>
           <p:nvPr/>

--- a/slides/T319_Regressão_Linear (Parte V).pptx
+++ b/slides/T319_Regressão_Linear (Parte V).pptx
@@ -9929,11 +9929,23 @@
             </a:r>
             <a:r>
               <a:rPr lang="pt-BR" sz="2800" dirty="0"/>
-              <a:t>aos dados de treinamento, a </a:t>
+              <a:t>aos dados de treinamento, </a:t>
+            </a:r>
+            <a:r>
+              <a:rPr lang="pt-BR" dirty="0"/>
+              <a:t>o </a:t>
+            </a:r>
+            <a:r>
+              <a:rPr lang="pt-BR" b="1" i="1" dirty="0"/>
+              <a:t>desvio padrão</a:t>
+            </a:r>
+            <a:r>
+              <a:rPr lang="pt-BR" dirty="0"/>
+              <a:t> </a:t>
             </a:r>
             <a:r>
               <a:rPr lang="pt-BR" sz="2800" b="1" i="1" dirty="0"/>
-              <a:t>variância do erro de validação aumenta</a:t>
+              <a:t>do erro de validação aumenta</a:t>
             </a:r>
             <a:r>
               <a:rPr lang="pt-BR" sz="2800" dirty="0"/>
@@ -9952,13 +9964,25 @@
             </a:pPr>
             <a:r>
               <a:rPr lang="pt-BR" dirty="0"/>
-              <a:t>Ou seja, o modelo aprendido se distancia muito do modelo gerador.</a:t>
+              <a:t>Ou seja, o modelo aprendido se distancia muito do comportamento geral dos dados.</a:t>
             </a:r>
           </a:p>
           <a:p>
             <a:r>
               <a:rPr lang="pt-BR" sz="2800" dirty="0"/>
-              <a:t>Modelos muito flexíveis (mais do que </a:t>
+              <a:t>Modelos </a:t>
+            </a:r>
+            <a:r>
+              <a:rPr lang="pt-BR" sz="2800" b="1" i="1" dirty="0">
+                <a:solidFill>
+                  <a:srgbClr val="7030A0"/>
+                </a:solidFill>
+              </a:rPr>
+              <a:t>muito flexíveis </a:t>
+            </a:r>
+            <a:r>
+              <a:rPr lang="pt-BR" sz="2800" dirty="0"/>
+              <a:t>(mais do que </a:t>
             </a:r>
             <a:r>
               <a:rPr lang="pt-BR" dirty="0"/>
@@ -9966,7 +9990,7 @@
             </a:r>
             <a:r>
               <a:rPr lang="pt-BR" sz="2800" dirty="0"/>
-              <a:t> necessário) apresentam variância do erro de treinamento muito baixa e variância do erro de validação muito alta, indicando </a:t>
+              <a:t> necessário) apresentam desvios padrão do erro de treinamento muito baixo e do erro de validação muito alto, indicando </a:t>
             </a:r>
             <a:r>
               <a:rPr lang="pt-BR" sz="2800" b="1" i="1" dirty="0">
@@ -9984,10 +10008,18 @@
           <a:p>
             <a:r>
               <a:rPr lang="pt-BR" sz="2800" dirty="0"/>
-              <a:t>Modelos pouco flexíveis (menos do que o necessário) têm ambas as variâncias dos erros altas, indicando </a:t>
-            </a:r>
-            <a:r>
-              <a:rPr lang="pt-BR" sz="2800" b="1" dirty="0">
+              <a:t>Modelos pouco flexíveis (menos do que o necessário) têm ambos </a:t>
+            </a:r>
+            <a:r>
+              <a:rPr lang="pt-BR" dirty="0"/>
+              <a:t>os desvios padrão </a:t>
+            </a:r>
+            <a:r>
+              <a:rPr lang="pt-BR" sz="2800" dirty="0"/>
+              <a:t>dos erros altos, indicando </a:t>
+            </a:r>
+            <a:r>
+              <a:rPr lang="pt-BR" sz="2800" b="1" i="1" dirty="0">
                 <a:solidFill>
                   <a:srgbClr val="7030A0"/>
                 </a:solidFill>

--- a/slides/T319_Regressão_Linear (Parte V).pptx
+++ b/slides/T319_Regressão_Linear (Parte V).pptx
@@ -1582,48 +1582,6 @@
           <a:bodyPr/>
           <a:lstStyle/>
           <a:p>
-            <a:r>
-              <a:rPr lang="pt-BR" dirty="0"/>
-              <a:t>A figura mostra um modelo com número de amostras de treinamento muito maior do que sua complexidade.</a:t>
-            </a:r>
-          </a:p>
-          <a:p>
-            <a:endParaRPr lang="pt-BR" dirty="0"/>
-          </a:p>
-          <a:p>
-            <a:r>
-              <a:rPr lang="pt-BR" b="0" i="0" dirty="0">
-                <a:solidFill>
-                  <a:srgbClr val="374151"/>
-                </a:solidFill>
-                <a:effectLst/>
-                <a:latin typeface="Söhne"/>
-              </a:rPr>
-              <a:t>No entanto, é importante ressaltar que o princípio da navalha de </a:t>
-            </a:r>
-            <a:r>
-              <a:rPr lang="pt-BR" b="0" i="0" dirty="0" err="1">
-                <a:solidFill>
-                  <a:srgbClr val="374151"/>
-                </a:solidFill>
-                <a:effectLst/>
-                <a:latin typeface="Söhne"/>
-              </a:rPr>
-              <a:t>Occam</a:t>
-            </a:r>
-            <a:r>
-              <a:rPr lang="pt-BR" b="0" i="0" dirty="0">
-                <a:solidFill>
-                  <a:srgbClr val="374151"/>
-                </a:solidFill>
-                <a:effectLst/>
-                <a:latin typeface="Söhne"/>
-              </a:rPr>
-              <a:t> não é uma regra absoluta, mas sim uma orientação heurística. Em certos casos, explicações mais complexas podem ser necessárias para capturar toda a complexidade do fenômeno estudado. Portanto, a aplicação do princípio requer um equilíbrio cuidadoso entre simplicidade e adequação à realidade observada.</a:t>
-            </a:r>
-            <a:endParaRPr lang="pt-BR" dirty="0"/>
-          </a:p>
-          <a:p>
             <a:endParaRPr lang="pt-BR" dirty="0"/>
           </a:p>
         </p:txBody>
@@ -1645,6 +1603,132 @@
           <a:p>
             <a:fld id="{DA8B99DF-01BC-492A-8CEF-4FD88D18DD9D}" type="slidenum">
               <a:rPr lang="nl-BE" smtClean="0"/>
+              <a:t>13</a:t>
+            </a:fld>
+            <a:endParaRPr lang="nl-BE"/>
+          </a:p>
+        </p:txBody>
+      </p:sp>
+    </p:spTree>
+    <p:extLst>
+      <p:ext uri="{BB962C8B-B14F-4D97-AF65-F5344CB8AC3E}">
+        <p14:creationId xmlns:p14="http://schemas.microsoft.com/office/powerpoint/2010/main" val="556914407"/>
+      </p:ext>
+    </p:extLst>
+  </p:cSld>
+  <p:clrMapOvr>
+    <a:masterClrMapping/>
+  </p:clrMapOvr>
+</p:notes>
+</file>
+
+<file path=ppt/notesSlides/notesSlide14.xml><?xml version="1.0" encoding="utf-8"?>
+<p:notes xmlns:a="http://schemas.openxmlformats.org/drawingml/2006/main" xmlns:r="http://schemas.openxmlformats.org/officeDocument/2006/relationships" xmlns:p="http://schemas.openxmlformats.org/presentationml/2006/main">
+  <p:cSld>
+    <p:spTree>
+      <p:nvGrpSpPr>
+        <p:cNvPr id="1" name=""/>
+        <p:cNvGrpSpPr/>
+        <p:nvPr/>
+      </p:nvGrpSpPr>
+      <p:grpSpPr>
+        <a:xfrm>
+          <a:off x="0" y="0"/>
+          <a:ext cx="0" cy="0"/>
+          <a:chOff x="0" y="0"/>
+          <a:chExt cx="0" cy="0"/>
+        </a:xfrm>
+      </p:grpSpPr>
+      <p:sp>
+        <p:nvSpPr>
+          <p:cNvPr id="2" name="Espaço Reservado para Imagem de Slide 1"/>
+          <p:cNvSpPr>
+            <a:spLocks noGrp="1" noRot="1" noChangeAspect="1"/>
+          </p:cNvSpPr>
+          <p:nvPr>
+            <p:ph type="sldImg"/>
+          </p:nvPr>
+        </p:nvSpPr>
+        <p:spPr/>
+      </p:sp>
+      <p:sp>
+        <p:nvSpPr>
+          <p:cNvPr id="3" name="Espaço Reservado para Anotações 2"/>
+          <p:cNvSpPr>
+            <a:spLocks noGrp="1"/>
+          </p:cNvSpPr>
+          <p:nvPr>
+            <p:ph type="body" idx="1"/>
+          </p:nvPr>
+        </p:nvSpPr>
+        <p:spPr/>
+        <p:txBody>
+          <a:bodyPr/>
+          <a:lstStyle/>
+          <a:p>
+            <a:r>
+              <a:rPr lang="pt-BR" dirty="0"/>
+              <a:t>A figura mostra um modelo com número de amostras de treinamento muito maior do que sua complexidade.</a:t>
+            </a:r>
+          </a:p>
+          <a:p>
+            <a:endParaRPr lang="pt-BR" dirty="0"/>
+          </a:p>
+          <a:p>
+            <a:r>
+              <a:rPr lang="pt-BR" b="0" i="0" dirty="0">
+                <a:solidFill>
+                  <a:srgbClr val="374151"/>
+                </a:solidFill>
+                <a:effectLst/>
+                <a:latin typeface="Söhne"/>
+              </a:rPr>
+              <a:t>No entanto, é importante ressaltar que o princípio da navalha de </a:t>
+            </a:r>
+            <a:r>
+              <a:rPr lang="pt-BR" b="0" i="0" dirty="0" err="1">
+                <a:solidFill>
+                  <a:srgbClr val="374151"/>
+                </a:solidFill>
+                <a:effectLst/>
+                <a:latin typeface="Söhne"/>
+              </a:rPr>
+              <a:t>Occam</a:t>
+            </a:r>
+            <a:r>
+              <a:rPr lang="pt-BR" b="0" i="0" dirty="0">
+                <a:solidFill>
+                  <a:srgbClr val="374151"/>
+                </a:solidFill>
+                <a:effectLst/>
+                <a:latin typeface="Söhne"/>
+              </a:rPr>
+              <a:t> não é uma regra absoluta, mas sim uma orientação heurística. Em certos casos, explicações mais complexas podem ser necessárias para capturar toda a complexidade do fenômeno estudado. Portanto, a aplicação do princípio requer um equilíbrio cuidadoso entre simplicidade e adequação à realidade observada.</a:t>
+            </a:r>
+            <a:endParaRPr lang="pt-BR" dirty="0"/>
+          </a:p>
+          <a:p>
+            <a:endParaRPr lang="pt-BR" dirty="0"/>
+          </a:p>
+        </p:txBody>
+      </p:sp>
+      <p:sp>
+        <p:nvSpPr>
+          <p:cNvPr id="4" name="Espaço Reservado para Número de Slide 3"/>
+          <p:cNvSpPr>
+            <a:spLocks noGrp="1"/>
+          </p:cNvSpPr>
+          <p:nvPr>
+            <p:ph type="sldNum" sz="quarter" idx="5"/>
+          </p:nvPr>
+        </p:nvSpPr>
+        <p:spPr/>
+        <p:txBody>
+          <a:bodyPr/>
+          <a:lstStyle/>
+          <a:p>
+            <a:fld id="{DA8B99DF-01BC-492A-8CEF-4FD88D18DD9D}" type="slidenum">
+              <a:rPr lang="nl-BE" smtClean="0"/>
               <a:t>16</a:t>
             </a:fld>
             <a:endParaRPr lang="nl-BE"/>
@@ -1664,7 +1748,7 @@
 </p:notes>
 </file>
 
-<file path=ppt/notesSlides/notesSlide14.xml><?xml version="1.0" encoding="utf-8"?>
+<file path=ppt/notesSlides/notesSlide15.xml><?xml version="1.0" encoding="utf-8"?>
 <p:notes xmlns:a="http://schemas.openxmlformats.org/drawingml/2006/main" xmlns:r="http://schemas.openxmlformats.org/officeDocument/2006/relationships" xmlns:p="http://schemas.openxmlformats.org/presentationml/2006/main">
   <p:cSld>
     <p:spTree>
@@ -1797,7 +1881,7 @@
 </p:notes>
 </file>
 
-<file path=ppt/notesSlides/notesSlide15.xml><?xml version="1.0" encoding="utf-8"?>
+<file path=ppt/notesSlides/notesSlide16.xml><?xml version="1.0" encoding="utf-8"?>
 <p:notes xmlns:a="http://schemas.openxmlformats.org/drawingml/2006/main" xmlns:r="http://schemas.openxmlformats.org/officeDocument/2006/relationships" xmlns:p="http://schemas.openxmlformats.org/presentationml/2006/main">
   <p:cSld>
     <p:spTree>
@@ -1881,7 +1965,7 @@
 </p:notes>
 </file>
 
-<file path=ppt/notesSlides/notesSlide16.xml><?xml version="1.0" encoding="utf-8"?>
+<file path=ppt/notesSlides/notesSlide17.xml><?xml version="1.0" encoding="utf-8"?>
 <p:notes xmlns:a="http://schemas.openxmlformats.org/drawingml/2006/main" xmlns:r="http://schemas.openxmlformats.org/officeDocument/2006/relationships" xmlns:p="http://schemas.openxmlformats.org/presentationml/2006/main">
   <p:cSld>
     <p:spTree>
@@ -7300,8 +7384,8 @@
           </a:p>
         </p:txBody>
       </p:sp>
-      <mc:AlternateContent xmlns:mc="http://schemas.openxmlformats.org/markup-compatibility/2006" xmlns:a14="http://schemas.microsoft.com/office/drawing/2010/main">
-        <mc:Choice Requires="a14">
+      <mc:AlternateContent xmlns:mc="http://schemas.openxmlformats.org/markup-compatibility/2006">
+        <mc:Choice xmlns:a14="http://schemas.microsoft.com/office/drawing/2010/main" Requires="a14">
           <p:sp>
             <p:nvSpPr>
               <p:cNvPr id="3" name="Espaço Reservado para Conteúdo 2">
@@ -7326,7 +7410,7 @@
             </p:spPr>
             <p:txBody>
               <a:bodyPr>
-                <a:normAutofit/>
+                <a:normAutofit lnSpcReduction="10000"/>
               </a:bodyPr>
               <a:lstStyle/>
               <a:p>
@@ -7524,23 +7608,40 @@
                         <a:rPr lang="pt-BR" sz="2800" b="0" i="1" smtClean="0">
                           <a:latin typeface="Cambria Math" panose="02040503050406030204" pitchFamily="18" charset="0"/>
                         </a:rPr>
-                        <m:t>.</m:t>
+                        <m:t>,</m:t>
                       </m:r>
                     </m:oMath>
                   </m:oMathPara>
                 </a14:m>
-                <a:endParaRPr lang="pt-BR" dirty="0"/>
+                <a:endParaRPr lang="pt-BR" sz="2800" b="0" dirty="0"/>
               </a:p>
               <a:p>
                 <a:pPr marL="0" indent="0">
                   <a:buNone/>
                 </a:pPr>
-                <a:endParaRPr lang="pt-BR" dirty="0"/>
+                <a:r>
+                  <a:rPr lang="pt-BR" dirty="0"/>
+                  <a:t>onde </a:t>
+                </a:r>
+                <a14:m>
+                  <m:oMath xmlns:m="http://schemas.openxmlformats.org/officeDocument/2006/math">
+                    <m:r>
+                      <a:rPr lang="pt-BR" sz="2800" i="1" smtClean="0">
+                        <a:latin typeface="Cambria Math" panose="02040503050406030204" pitchFamily="18" charset="0"/>
+                      </a:rPr>
+                      <m:t>𝑥</m:t>
+                    </m:r>
+                  </m:oMath>
+                </a14:m>
+                <a:r>
+                  <a:rPr lang="pt-BR" dirty="0"/>
+                  <a:t> é o atributo, o qual varia entre -3 a 3.</a:t>
+                </a:r>
               </a:p>
             </p:txBody>
           </p:sp>
         </mc:Choice>
-        <mc:Fallback xmlns="">
+        <mc:Fallback>
           <p:sp>
             <p:nvSpPr>
               <p:cNvPr id="3" name="Espaço Reservado para Conteúdo 2">
@@ -7565,7 +7666,7 @@
               <a:blipFill>
                 <a:blip r:embed="rId3"/>
                 <a:stretch>
-                  <a:fillRect l="-1744" t="-1937"/>
+                  <a:fillRect l="-1744" t="-2663"/>
                 </a:stretch>
               </a:blipFill>
             </p:spPr>
@@ -7733,8 +7834,8 @@
           </a:p>
         </p:txBody>
       </p:sp>
-      <mc:AlternateContent xmlns:mc="http://schemas.openxmlformats.org/markup-compatibility/2006" xmlns:a14="http://schemas.microsoft.com/office/drawing/2010/main">
-        <mc:Choice Requires="a14">
+      <mc:AlternateContent xmlns:mc="http://schemas.openxmlformats.org/markup-compatibility/2006">
+        <mc:Choice xmlns:a14="http://schemas.microsoft.com/office/drawing/2010/main" Requires="a14">
           <p:sp>
             <p:nvSpPr>
               <p:cNvPr id="3" name="Espaço Reservado para Conteúdo 2">
@@ -7771,7 +7872,15 @@
               <a:p>
                 <a:r>
                   <a:rPr lang="pt-BR" dirty="0"/>
-                  <a:t>Tempo médio para execução com N = 100 é de </a:t>
+                  <a:t>Tempo médio para validação cruzada </a:t>
+                </a:r>
+                <a:r>
+                  <a:rPr lang="pt-BR" i="1" dirty="0" err="1"/>
+                  <a:t>holdout</a:t>
+                </a:r>
+                <a:r>
+                  <a:rPr lang="pt-BR" dirty="0"/>
+                  <a:t> com N = 100 é de </a:t>
                 </a:r>
                 <a14:m>
                   <m:oMath xmlns:m="http://schemas.openxmlformats.org/officeDocument/2006/math">
@@ -7786,7 +7895,15 @@
                 </a14:m>
                 <a:r>
                   <a:rPr lang="pt-BR" dirty="0"/>
-                  <a:t> 160 ms.</a:t>
+                  <a:t> 150 [</a:t>
+                </a:r>
+                <a:r>
+                  <a:rPr lang="pt-BR" dirty="0" err="1"/>
+                  <a:t>ms</a:t>
+                </a:r>
+                <a:r>
+                  <a:rPr lang="pt-BR" dirty="0"/>
+                  <a:t>].</a:t>
                 </a:r>
               </a:p>
               <a:p>
@@ -7860,7 +7977,7 @@
             </p:txBody>
           </p:sp>
         </mc:Choice>
-        <mc:Fallback xmlns="">
+        <mc:Fallback>
           <p:sp>
             <p:nvSpPr>
               <p:cNvPr id="3" name="Espaço Reservado para Conteúdo 2">
@@ -7965,7 +8082,7 @@
         </p:nvSpPr>
         <p:spPr>
           <a:xfrm>
-            <a:off x="321035" y="5705965"/>
+            <a:off x="-6216" y="5688118"/>
             <a:ext cx="1228870" cy="584775"/>
           </a:xfrm>
           <a:prstGeom prst="rect">
@@ -8174,8 +8291,8 @@
         </p:nvCxnSpPr>
         <p:spPr>
           <a:xfrm flipV="1">
-            <a:off x="935470" y="5297865"/>
-            <a:ext cx="451206" cy="408100"/>
+            <a:off x="608219" y="5289115"/>
+            <a:ext cx="772107" cy="399003"/>
           </a:xfrm>
           <a:prstGeom prst="straightConnector1">
             <a:avLst/>
@@ -8589,6 +8706,246 @@
           </a:fontRef>
         </p:style>
       </p:cxnSp>
+      <p:sp>
+        <p:nvSpPr>
+          <p:cNvPr id="7" name="Chave Direita 6">
+            <a:extLst>
+              <a:ext uri="{FF2B5EF4-FFF2-40B4-BE49-F238E27FC236}">
+                <a16:creationId xmlns:a16="http://schemas.microsoft.com/office/drawing/2014/main" id="{75F5F5AA-95E3-C286-36F8-662E3D7CFD67}"/>
+              </a:ext>
+            </a:extLst>
+          </p:cNvPr>
+          <p:cNvSpPr/>
+          <p:nvPr/>
+        </p:nvSpPr>
+        <p:spPr>
+          <a:xfrm rot="10800000" flipH="1">
+            <a:off x="2800121" y="6202403"/>
+            <a:ext cx="129402" cy="416460"/>
+          </a:xfrm>
+          <a:prstGeom prst="rightBrace">
+            <a:avLst/>
+          </a:prstGeom>
+        </p:spPr>
+        <p:style>
+          <a:lnRef idx="1">
+            <a:schemeClr val="accent1"/>
+          </a:lnRef>
+          <a:fillRef idx="0">
+            <a:schemeClr val="accent1"/>
+          </a:fillRef>
+          <a:effectRef idx="0">
+            <a:schemeClr val="accent1"/>
+          </a:effectRef>
+          <a:fontRef idx="minor">
+            <a:schemeClr val="tx1"/>
+          </a:fontRef>
+        </p:style>
+        <p:txBody>
+          <a:bodyPr rtlCol="0" anchor="ctr"/>
+          <a:lstStyle/>
+          <a:p>
+            <a:pPr algn="ctr"/>
+            <a:endParaRPr lang="pt-BR"/>
+          </a:p>
+        </p:txBody>
+      </p:sp>
+      <p:sp>
+        <p:nvSpPr>
+          <p:cNvPr id="12" name="CaixaDeTexto 11">
+            <a:extLst>
+              <a:ext uri="{FF2B5EF4-FFF2-40B4-BE49-F238E27FC236}">
+                <a16:creationId xmlns:a16="http://schemas.microsoft.com/office/drawing/2014/main" id="{01ED7978-D805-7BA6-7934-6EA3F984FAFF}"/>
+              </a:ext>
+            </a:extLst>
+          </p:cNvPr>
+          <p:cNvSpPr txBox="1"/>
+          <p:nvPr/>
+        </p:nvSpPr>
+        <p:spPr>
+          <a:xfrm>
+            <a:off x="2846358" y="6112338"/>
+            <a:ext cx="944572" cy="646331"/>
+          </a:xfrm>
+          <a:prstGeom prst="rect">
+            <a:avLst/>
+          </a:prstGeom>
+          <a:noFill/>
+        </p:spPr>
+        <p:txBody>
+          <a:bodyPr wrap="square">
+            <a:spAutoFit/>
+          </a:bodyPr>
+          <a:lstStyle/>
+          <a:p>
+            <a:pPr algn="ctr"/>
+            <a:r>
+              <a:rPr lang="pt-BR" sz="1200" dirty="0"/>
+              <a:t>Ambos os erros são mínimos</a:t>
+            </a:r>
+          </a:p>
+        </p:txBody>
+      </p:sp>
+      <p:sp>
+        <p:nvSpPr>
+          <p:cNvPr id="13" name="Chave Direita 12">
+            <a:extLst>
+              <a:ext uri="{FF2B5EF4-FFF2-40B4-BE49-F238E27FC236}">
+                <a16:creationId xmlns:a16="http://schemas.microsoft.com/office/drawing/2014/main" id="{549A8137-0814-3951-63B8-D80836E1DFF1}"/>
+              </a:ext>
+            </a:extLst>
+          </p:cNvPr>
+          <p:cNvSpPr/>
+          <p:nvPr/>
+        </p:nvSpPr>
+        <p:spPr>
+          <a:xfrm rot="10800000" flipH="1">
+            <a:off x="4645701" y="2037716"/>
+            <a:ext cx="129402" cy="416460"/>
+          </a:xfrm>
+          <a:prstGeom prst="rightBrace">
+            <a:avLst/>
+          </a:prstGeom>
+        </p:spPr>
+        <p:style>
+          <a:lnRef idx="1">
+            <a:schemeClr val="accent1"/>
+          </a:lnRef>
+          <a:fillRef idx="0">
+            <a:schemeClr val="accent1"/>
+          </a:fillRef>
+          <a:effectRef idx="0">
+            <a:schemeClr val="accent1"/>
+          </a:effectRef>
+          <a:fontRef idx="minor">
+            <a:schemeClr val="tx1"/>
+          </a:fontRef>
+        </p:style>
+        <p:txBody>
+          <a:bodyPr rtlCol="0" anchor="ctr"/>
+          <a:lstStyle/>
+          <a:p>
+            <a:pPr algn="ctr"/>
+            <a:endParaRPr lang="pt-BR"/>
+          </a:p>
+        </p:txBody>
+      </p:sp>
+      <p:sp>
+        <p:nvSpPr>
+          <p:cNvPr id="14" name="CaixaDeTexto 13">
+            <a:extLst>
+              <a:ext uri="{FF2B5EF4-FFF2-40B4-BE49-F238E27FC236}">
+                <a16:creationId xmlns:a16="http://schemas.microsoft.com/office/drawing/2014/main" id="{24F7BAAC-DF5F-E21B-535A-AAC9CB256771}"/>
+              </a:ext>
+            </a:extLst>
+          </p:cNvPr>
+          <p:cNvSpPr txBox="1"/>
+          <p:nvPr/>
+        </p:nvSpPr>
+        <p:spPr>
+          <a:xfrm>
+            <a:off x="4691958" y="2015113"/>
+            <a:ext cx="785829" cy="461665"/>
+          </a:xfrm>
+          <a:prstGeom prst="rect">
+            <a:avLst/>
+          </a:prstGeom>
+          <a:noFill/>
+        </p:spPr>
+        <p:txBody>
+          <a:bodyPr wrap="square">
+            <a:spAutoFit/>
+          </a:bodyPr>
+          <a:lstStyle/>
+          <a:p>
+            <a:pPr algn="ctr"/>
+            <a:r>
+              <a:rPr lang="pt-BR" sz="1200" dirty="0"/>
+              <a:t>Erros divergem</a:t>
+            </a:r>
+          </a:p>
+        </p:txBody>
+      </p:sp>
+      <p:sp>
+        <p:nvSpPr>
+          <p:cNvPr id="17" name="Chave Direita 16">
+            <a:extLst>
+              <a:ext uri="{FF2B5EF4-FFF2-40B4-BE49-F238E27FC236}">
+                <a16:creationId xmlns:a16="http://schemas.microsoft.com/office/drawing/2014/main" id="{C7A0A6A0-4890-8267-254B-135D8446CC30}"/>
+              </a:ext>
+            </a:extLst>
+          </p:cNvPr>
+          <p:cNvSpPr/>
+          <p:nvPr/>
+        </p:nvSpPr>
+        <p:spPr>
+          <a:xfrm rot="10800000" flipH="1">
+            <a:off x="1046403" y="5785943"/>
+            <a:ext cx="129402" cy="416460"/>
+          </a:xfrm>
+          <a:prstGeom prst="rightBrace">
+            <a:avLst/>
+          </a:prstGeom>
+        </p:spPr>
+        <p:style>
+          <a:lnRef idx="1">
+            <a:schemeClr val="accent1"/>
+          </a:lnRef>
+          <a:fillRef idx="0">
+            <a:schemeClr val="accent1"/>
+          </a:fillRef>
+          <a:effectRef idx="0">
+            <a:schemeClr val="accent1"/>
+          </a:effectRef>
+          <a:fontRef idx="minor">
+            <a:schemeClr val="tx1"/>
+          </a:fontRef>
+        </p:style>
+        <p:txBody>
+          <a:bodyPr rtlCol="0" anchor="ctr"/>
+          <a:lstStyle/>
+          <a:p>
+            <a:pPr algn="ctr"/>
+            <a:endParaRPr lang="pt-BR"/>
+          </a:p>
+        </p:txBody>
+      </p:sp>
+      <p:sp>
+        <p:nvSpPr>
+          <p:cNvPr id="18" name="CaixaDeTexto 17">
+            <a:extLst>
+              <a:ext uri="{FF2B5EF4-FFF2-40B4-BE49-F238E27FC236}">
+                <a16:creationId xmlns:a16="http://schemas.microsoft.com/office/drawing/2014/main" id="{A0F21959-8E8C-6CB7-088A-AF3583AB7984}"/>
+              </a:ext>
+            </a:extLst>
+          </p:cNvPr>
+          <p:cNvSpPr txBox="1"/>
+          <p:nvPr/>
+        </p:nvSpPr>
+        <p:spPr>
+          <a:xfrm>
+            <a:off x="1090980" y="5688118"/>
+            <a:ext cx="778931" cy="646331"/>
+          </a:xfrm>
+          <a:prstGeom prst="rect">
+            <a:avLst/>
+          </a:prstGeom>
+          <a:noFill/>
+        </p:spPr>
+        <p:txBody>
+          <a:bodyPr wrap="square">
+            <a:spAutoFit/>
+          </a:bodyPr>
+          <a:lstStyle/>
+          <a:p>
+            <a:pPr algn="ctr"/>
+            <a:r>
+              <a:rPr lang="pt-BR" sz="1200" dirty="0"/>
+              <a:t>Ambos os erros são altos</a:t>
+            </a:r>
+          </a:p>
+        </p:txBody>
+      </p:sp>
     </p:spTree>
     <p:extLst>
       <p:ext uri="{BB962C8B-B14F-4D97-AF65-F5344CB8AC3E}">
@@ -8695,7 +9052,7 @@
             </p:nvSpPr>
             <p:spPr>
               <a:blipFill>
-                <a:blip r:embed="rId2"/>
+                <a:blip r:embed="rId3"/>
                 <a:stretch>
                   <a:fillRect l="-2377" t="-13364" b="-21198"/>
                 </a:stretch>
@@ -8716,211 +9073,135 @@
           </p:sp>
         </mc:Fallback>
       </mc:AlternateContent>
-      <mc:AlternateContent xmlns:mc="http://schemas.openxmlformats.org/markup-compatibility/2006" xmlns:a14="http://schemas.microsoft.com/office/drawing/2010/main">
-        <mc:Choice Requires="a14">
-          <p:sp>
-            <p:nvSpPr>
-              <p:cNvPr id="3" name="Espaço Reservado para Conteúdo 2">
-                <a:extLst>
-                  <a:ext uri="{FF2B5EF4-FFF2-40B4-BE49-F238E27FC236}">
-                    <a16:creationId xmlns:a16="http://schemas.microsoft.com/office/drawing/2014/main" id="{669B1AC1-E860-DDCC-28D4-468A7D4571A1}"/>
-                  </a:ext>
-                </a:extLst>
-              </p:cNvPr>
-              <p:cNvSpPr>
-                <a:spLocks noGrp="1"/>
-              </p:cNvSpPr>
-              <p:nvPr>
-                <p:ph idx="1"/>
-              </p:nvPr>
-            </p:nvSpPr>
-            <p:spPr>
-              <a:xfrm>
-                <a:off x="6501952" y="1797050"/>
-                <a:ext cx="5613848" cy="5060950"/>
-              </a:xfrm>
-            </p:spPr>
-            <p:txBody>
-              <a:bodyPr>
-                <a:normAutofit fontScale="92500" lnSpcReduction="20000"/>
-              </a:bodyPr>
-              <a:lstStyle/>
-              <a:p>
-                <a:r>
-                  <a:rPr lang="pt-BR" b="0" i="0" dirty="0">
-                    <a:solidFill>
-                      <a:srgbClr val="0F0F0F"/>
-                    </a:solidFill>
-                    <a:effectLst/>
-                    <a:latin typeface="Söhne"/>
-                  </a:rPr>
-                  <a:t>𝒌</a:t>
-                </a:r>
-                <a:r>
-                  <a:rPr lang="pt-BR" dirty="0"/>
-                  <a:t> = 10 </a:t>
-                </a:r>
-                <a:r>
-                  <a:rPr lang="pt-BR" i="1" dirty="0" err="1"/>
-                  <a:t>folds</a:t>
-                </a:r>
-                <a:r>
-                  <a:rPr lang="pt-BR" dirty="0"/>
-                  <a:t>: 10 treinamentos com 9 </a:t>
-                </a:r>
-                <a:r>
-                  <a:rPr lang="pt-BR" i="1" dirty="0" err="1"/>
-                  <a:t>folds</a:t>
-                </a:r>
-                <a:r>
-                  <a:rPr lang="pt-BR" dirty="0"/>
-                  <a:t> como conjunto de treinamento e 1 como conjunto de validação.</a:t>
-                </a:r>
-              </a:p>
-              <a:p>
-                <a:r>
-                  <a:rPr lang="pt-BR" dirty="0"/>
-                  <a:t>Tempo médio para execução com N = 100 exemplos é de </a:t>
-                </a:r>
-                <a14:m>
-                  <m:oMath xmlns:m="http://schemas.openxmlformats.org/officeDocument/2006/math">
-                    <m:r>
-                      <a:rPr lang="pt-BR" i="1" smtClean="0">
-                        <a:latin typeface="Cambria Math" panose="02040503050406030204" pitchFamily="18" charset="0"/>
-                        <a:ea typeface="Cambria Math" panose="02040503050406030204" pitchFamily="18" charset="0"/>
-                      </a:rPr>
-                      <m:t>≈</m:t>
-                    </m:r>
-                  </m:oMath>
-                </a14:m>
-                <a:r>
-                  <a:rPr lang="pt-BR" dirty="0"/>
-                  <a:t> 1.5 s.</a:t>
-                </a:r>
-              </a:p>
-              <a:p>
-                <a:r>
-                  <a:rPr lang="pt-BR" dirty="0"/>
-                  <a:t>Os gráficos mostram a média e o desvio padrão do EQM de validação para as 10 etapas de treinamento.</a:t>
-                </a:r>
-              </a:p>
-              <a:p>
-                <a:r>
-                  <a:rPr lang="pt-BR" dirty="0"/>
-                  <a:t>Média e desvio padrão do EQM aumentam com </a:t>
-                </a:r>
-                <a:r>
-                  <a:rPr lang="pt-BR"/>
-                  <a:t>o grau do </a:t>
-                </a:r>
-                <a:r>
-                  <a:rPr lang="pt-BR" dirty="0"/>
-                  <a:t>polinômio.</a:t>
-                </a:r>
-              </a:p>
-              <a:p>
-                <a:r>
-                  <a:rPr lang="pt-BR" dirty="0"/>
-                  <a:t>Qual grau escolher?</a:t>
-                </a:r>
-              </a:p>
-              <a:p>
-                <a:pPr lvl="1">
-                  <a:buFont typeface="Wingdings" panose="05000000000000000000" pitchFamily="2" charset="2"/>
-                  <a:buChar char="§"/>
-                </a:pPr>
-                <a:r>
-                  <a:rPr lang="pt-BR" dirty="0"/>
-                  <a:t>Valor onde </a:t>
-                </a:r>
-                <a:r>
-                  <a:rPr lang="pt-BR" b="1" i="1" dirty="0">
-                    <a:solidFill>
-                      <a:srgbClr val="0070C0"/>
-                    </a:solidFill>
-                  </a:rPr>
-                  <a:t>ambos, </a:t>
-                </a:r>
-                <a:r>
-                  <a:rPr lang="pt-BR" b="1" i="1" dirty="0">
-                    <a:solidFill>
-                      <a:srgbClr val="00B050"/>
-                    </a:solidFill>
-                  </a:rPr>
-                  <a:t>média e desvio padrão do EQM</a:t>
-                </a:r>
-                <a:r>
-                  <a:rPr lang="pt-BR" b="1" i="1" dirty="0">
-                    <a:solidFill>
-                      <a:srgbClr val="0070C0"/>
-                    </a:solidFill>
-                  </a:rPr>
-                  <a:t>, sejam mínimos</a:t>
-                </a:r>
-                <a:r>
-                  <a:rPr lang="pt-BR" dirty="0"/>
-                  <a:t> e que tenha </a:t>
-                </a:r>
-                <a:r>
-                  <a:rPr lang="pt-BR" b="1" i="1" dirty="0">
-                    <a:solidFill>
-                      <a:srgbClr val="0070C0"/>
-                    </a:solidFill>
-                  </a:rPr>
-                  <a:t>menor complexidade computacional</a:t>
-                </a:r>
-                <a:r>
-                  <a:rPr lang="pt-BR" dirty="0"/>
-                  <a:t>.</a:t>
-                </a:r>
-              </a:p>
-            </p:txBody>
-          </p:sp>
-        </mc:Choice>
-        <mc:Fallback xmlns="">
-          <p:sp>
-            <p:nvSpPr>
-              <p:cNvPr id="3" name="Espaço Reservado para Conteúdo 2">
-                <a:extLst>
-                  <a:ext uri="{FF2B5EF4-FFF2-40B4-BE49-F238E27FC236}">
-                    <a16:creationId xmlns:a16="http://schemas.microsoft.com/office/drawing/2014/main" id="{669B1AC1-E860-DDCC-28D4-468A7D4571A1}"/>
-                  </a:ext>
-                </a:extLst>
-              </p:cNvPr>
-              <p:cNvSpPr>
-                <a:spLocks noGrp="1" noRot="1" noChangeAspect="1" noMove="1" noResize="1" noEditPoints="1" noAdjustHandles="1" noChangeArrowheads="1" noChangeShapeType="1" noTextEdit="1"/>
-              </p:cNvSpPr>
-              <p:nvPr>
-                <p:ph idx="1"/>
-              </p:nvPr>
-            </p:nvSpPr>
-            <p:spPr>
-              <a:xfrm>
-                <a:off x="6501952" y="1797050"/>
-                <a:ext cx="5613848" cy="5060950"/>
-              </a:xfrm>
-              <a:blipFill>
-                <a:blip r:embed="rId3"/>
-                <a:stretch>
-                  <a:fillRect l="-1737" t="-3373" r="-1954"/>
-                </a:stretch>
-              </a:blipFill>
-            </p:spPr>
-            <p:txBody>
-              <a:bodyPr/>
-              <a:lstStyle/>
-              <a:p>
-                <a:r>
-                  <a:rPr lang="pt-BR">
-                    <a:noFill/>
-                  </a:rPr>
-                  <a:t> </a:t>
-                </a:r>
-              </a:p>
-            </p:txBody>
-          </p:sp>
-        </mc:Fallback>
-      </mc:AlternateContent>
+      <p:sp>
+        <p:nvSpPr>
+          <p:cNvPr id="3" name="Espaço Reservado para Conteúdo 2">
+            <a:extLst>
+              <a:ext uri="{FF2B5EF4-FFF2-40B4-BE49-F238E27FC236}">
+                <a16:creationId xmlns:a16="http://schemas.microsoft.com/office/drawing/2014/main" id="{669B1AC1-E860-DDCC-28D4-468A7D4571A1}"/>
+              </a:ext>
+            </a:extLst>
+          </p:cNvPr>
+          <p:cNvSpPr>
+            <a:spLocks noGrp="1"/>
+          </p:cNvSpPr>
+          <p:nvPr>
+            <p:ph idx="1"/>
+          </p:nvPr>
+        </p:nvSpPr>
+        <p:spPr>
+          <a:xfrm>
+            <a:off x="6459075" y="1797050"/>
+            <a:ext cx="5656724" cy="5060950"/>
+          </a:xfrm>
+        </p:spPr>
+        <p:txBody>
+          <a:bodyPr>
+            <a:normAutofit fontScale="92500" lnSpcReduction="20000"/>
+          </a:bodyPr>
+          <a:lstStyle/>
+          <a:p>
+            <a:r>
+              <a:rPr lang="pt-BR" b="0" i="0" dirty="0">
+                <a:solidFill>
+                  <a:srgbClr val="0F0F0F"/>
+                </a:solidFill>
+                <a:effectLst/>
+                <a:latin typeface="Söhne"/>
+              </a:rPr>
+              <a:t>𝒌</a:t>
+            </a:r>
+            <a:r>
+              <a:rPr lang="pt-BR" dirty="0"/>
+              <a:t> = 10 </a:t>
+            </a:r>
+            <a:r>
+              <a:rPr lang="pt-BR" i="1" dirty="0" err="1"/>
+              <a:t>folds</a:t>
+            </a:r>
+            <a:r>
+              <a:rPr lang="pt-BR" dirty="0"/>
+              <a:t>: 10 treinamentos com 9 </a:t>
+            </a:r>
+            <a:r>
+              <a:rPr lang="pt-BR" i="1" dirty="0" err="1"/>
+              <a:t>folds</a:t>
+            </a:r>
+            <a:r>
+              <a:rPr lang="pt-BR" dirty="0"/>
+              <a:t> para treinamento e 1 para validação.</a:t>
+            </a:r>
+          </a:p>
+          <a:p>
+            <a:r>
+              <a:rPr lang="pt-BR" dirty="0"/>
+              <a:t>Os gráficos mostram a média e o desvio padrão do EQM de validação para as 10 etapas de treinamento para cada grau avaliado.</a:t>
+            </a:r>
+          </a:p>
+          <a:p>
+            <a:r>
+              <a:rPr lang="pt-BR" dirty="0"/>
+              <a:t>A média e o desvio padrão do EQM diminuem, passando pelo ponto de equilíbrio, e depois aumentam com o grau do polinômio.</a:t>
+            </a:r>
+          </a:p>
+          <a:p>
+            <a:r>
+              <a:rPr lang="pt-BR" dirty="0"/>
+              <a:t>Qual grau escolher?</a:t>
+            </a:r>
+          </a:p>
+          <a:p>
+            <a:pPr lvl="1">
+              <a:buFont typeface="Wingdings" panose="05000000000000000000" pitchFamily="2" charset="2"/>
+              <a:buChar char="§"/>
+            </a:pPr>
+            <a:r>
+              <a:rPr lang="pt-BR" dirty="0"/>
+              <a:t>Valor onde </a:t>
+            </a:r>
+            <a:r>
+              <a:rPr lang="pt-BR" b="1" i="1" dirty="0">
+                <a:solidFill>
+                  <a:srgbClr val="0070C0"/>
+                </a:solidFill>
+              </a:rPr>
+              <a:t>ambos, </a:t>
+            </a:r>
+            <a:r>
+              <a:rPr lang="pt-BR" b="1" i="1" dirty="0">
+                <a:solidFill>
+                  <a:srgbClr val="00B050"/>
+                </a:solidFill>
+              </a:rPr>
+              <a:t>média e desvio padrão do EQM</a:t>
+            </a:r>
+            <a:r>
+              <a:rPr lang="pt-BR" b="1" i="1" dirty="0">
+                <a:solidFill>
+                  <a:srgbClr val="0070C0"/>
+                </a:solidFill>
+              </a:rPr>
+              <a:t>, sejam mínimos</a:t>
+            </a:r>
+            <a:r>
+              <a:rPr lang="pt-BR" dirty="0"/>
+              <a:t> e que tenha </a:t>
+            </a:r>
+            <a:r>
+              <a:rPr lang="pt-BR" b="1" i="1" dirty="0">
+                <a:solidFill>
+                  <a:srgbClr val="0070C0"/>
+                </a:solidFill>
+              </a:rPr>
+              <a:t>menor complexidade computacional</a:t>
+            </a:r>
+            <a:r>
+              <a:rPr lang="pt-BR" dirty="0"/>
+              <a:t>.</a:t>
+            </a:r>
+          </a:p>
+        </p:txBody>
+      </p:sp>
       <p:pic>
         <p:nvPicPr>
           <p:cNvPr id="5" name="Picture 2">
@@ -9764,6 +10045,306 @@
           </a:fontRef>
         </p:style>
       </p:cxnSp>
+      <p:sp>
+        <p:nvSpPr>
+          <p:cNvPr id="4" name="Chave Direita 3">
+            <a:extLst>
+              <a:ext uri="{FF2B5EF4-FFF2-40B4-BE49-F238E27FC236}">
+                <a16:creationId xmlns:a16="http://schemas.microsoft.com/office/drawing/2014/main" id="{50AB61A5-FFC0-0944-17C9-F089F1EBE723}"/>
+              </a:ext>
+            </a:extLst>
+          </p:cNvPr>
+          <p:cNvSpPr/>
+          <p:nvPr/>
+        </p:nvSpPr>
+        <p:spPr>
+          <a:xfrm rot="10800000" flipH="1">
+            <a:off x="3952572" y="2083723"/>
+            <a:ext cx="129402" cy="416460"/>
+          </a:xfrm>
+          <a:prstGeom prst="rightBrace">
+            <a:avLst/>
+          </a:prstGeom>
+        </p:spPr>
+        <p:style>
+          <a:lnRef idx="1">
+            <a:schemeClr val="accent1"/>
+          </a:lnRef>
+          <a:fillRef idx="0">
+            <a:schemeClr val="accent1"/>
+          </a:fillRef>
+          <a:effectRef idx="0">
+            <a:schemeClr val="accent1"/>
+          </a:effectRef>
+          <a:fontRef idx="minor">
+            <a:schemeClr val="tx1"/>
+          </a:fontRef>
+        </p:style>
+        <p:txBody>
+          <a:bodyPr rtlCol="0" anchor="ctr"/>
+          <a:lstStyle/>
+          <a:p>
+            <a:pPr algn="ctr"/>
+            <a:endParaRPr lang="pt-BR"/>
+          </a:p>
+        </p:txBody>
+      </p:sp>
+      <p:sp>
+        <p:nvSpPr>
+          <p:cNvPr id="10" name="CaixaDeTexto 9">
+            <a:extLst>
+              <a:ext uri="{FF2B5EF4-FFF2-40B4-BE49-F238E27FC236}">
+                <a16:creationId xmlns:a16="http://schemas.microsoft.com/office/drawing/2014/main" id="{A931A248-07FE-7E04-63A4-9180F57FE5D6}"/>
+              </a:ext>
+            </a:extLst>
+          </p:cNvPr>
+          <p:cNvSpPr txBox="1"/>
+          <p:nvPr/>
+        </p:nvSpPr>
+        <p:spPr>
+          <a:xfrm>
+            <a:off x="3998828" y="2061120"/>
+            <a:ext cx="1373271" cy="461665"/>
+          </a:xfrm>
+          <a:prstGeom prst="rect">
+            <a:avLst/>
+          </a:prstGeom>
+          <a:noFill/>
+        </p:spPr>
+        <p:txBody>
+          <a:bodyPr wrap="square">
+            <a:spAutoFit/>
+          </a:bodyPr>
+          <a:lstStyle/>
+          <a:p>
+            <a:pPr algn="ctr"/>
+            <a:r>
+              <a:rPr lang="pt-BR" sz="1200" dirty="0"/>
+              <a:t>Erro e desvio padrão muito altos</a:t>
+            </a:r>
+          </a:p>
+        </p:txBody>
+      </p:sp>
+      <p:sp>
+        <p:nvSpPr>
+          <p:cNvPr id="11" name="Chave Direita 10">
+            <a:extLst>
+              <a:ext uri="{FF2B5EF4-FFF2-40B4-BE49-F238E27FC236}">
+                <a16:creationId xmlns:a16="http://schemas.microsoft.com/office/drawing/2014/main" id="{59B217F5-F90C-2D71-BE21-E1427C65F9CD}"/>
+              </a:ext>
+            </a:extLst>
+          </p:cNvPr>
+          <p:cNvSpPr/>
+          <p:nvPr/>
+        </p:nvSpPr>
+        <p:spPr>
+          <a:xfrm rot="10800000" flipH="1">
+            <a:off x="1470718" y="5507983"/>
+            <a:ext cx="129402" cy="416460"/>
+          </a:xfrm>
+          <a:prstGeom prst="rightBrace">
+            <a:avLst/>
+          </a:prstGeom>
+        </p:spPr>
+        <p:style>
+          <a:lnRef idx="1">
+            <a:schemeClr val="accent1"/>
+          </a:lnRef>
+          <a:fillRef idx="0">
+            <a:schemeClr val="accent1"/>
+          </a:fillRef>
+          <a:effectRef idx="0">
+            <a:schemeClr val="accent1"/>
+          </a:effectRef>
+          <a:fontRef idx="minor">
+            <a:schemeClr val="tx1"/>
+          </a:fontRef>
+        </p:style>
+        <p:txBody>
+          <a:bodyPr rtlCol="0" anchor="ctr"/>
+          <a:lstStyle/>
+          <a:p>
+            <a:pPr algn="ctr"/>
+            <a:endParaRPr lang="pt-BR"/>
+          </a:p>
+        </p:txBody>
+      </p:sp>
+      <p:sp>
+        <p:nvSpPr>
+          <p:cNvPr id="13" name="CaixaDeTexto 12">
+            <a:extLst>
+              <a:ext uri="{FF2B5EF4-FFF2-40B4-BE49-F238E27FC236}">
+                <a16:creationId xmlns:a16="http://schemas.microsoft.com/office/drawing/2014/main" id="{7F00A093-999D-6747-64FB-250BFDD3FD03}"/>
+              </a:ext>
+            </a:extLst>
+          </p:cNvPr>
+          <p:cNvSpPr txBox="1"/>
+          <p:nvPr/>
+        </p:nvSpPr>
+        <p:spPr>
+          <a:xfrm>
+            <a:off x="1478874" y="5485380"/>
+            <a:ext cx="1167953" cy="461665"/>
+          </a:xfrm>
+          <a:prstGeom prst="rect">
+            <a:avLst/>
+          </a:prstGeom>
+          <a:noFill/>
+        </p:spPr>
+        <p:txBody>
+          <a:bodyPr wrap="square">
+            <a:spAutoFit/>
+          </a:bodyPr>
+          <a:lstStyle/>
+          <a:p>
+            <a:pPr algn="ctr"/>
+            <a:r>
+              <a:rPr lang="pt-BR" sz="1200" dirty="0"/>
+              <a:t>Erro e desvio padrão altos</a:t>
+            </a:r>
+          </a:p>
+        </p:txBody>
+      </p:sp>
+      <mc:AlternateContent xmlns:mc="http://schemas.openxmlformats.org/markup-compatibility/2006">
+        <mc:Choice xmlns:a14="http://schemas.microsoft.com/office/drawing/2010/main" Requires="a14">
+          <p:sp>
+            <p:nvSpPr>
+              <p:cNvPr id="15" name="CaixaDeTexto 14">
+                <a:extLst>
+                  <a:ext uri="{FF2B5EF4-FFF2-40B4-BE49-F238E27FC236}">
+                    <a16:creationId xmlns:a16="http://schemas.microsoft.com/office/drawing/2014/main" id="{FAA77714-4F7B-8208-C15D-F28B3B953CFC}"/>
+                  </a:ext>
+                </a:extLst>
+              </p:cNvPr>
+              <p:cNvSpPr txBox="1"/>
+              <p:nvPr/>
+            </p:nvSpPr>
+            <p:spPr>
+              <a:xfrm>
+                <a:off x="0" y="6550223"/>
+                <a:ext cx="6848475" cy="307777"/>
+              </a:xfrm>
+              <a:prstGeom prst="rect">
+                <a:avLst/>
+              </a:prstGeom>
+              <a:noFill/>
+            </p:spPr>
+            <p:txBody>
+              <a:bodyPr wrap="square">
+                <a:spAutoFit/>
+              </a:bodyPr>
+              <a:lstStyle/>
+              <a:p>
+                <a:r>
+                  <a:rPr lang="pt-BR" sz="1400" dirty="0"/>
+                  <a:t>* Tempo médio para validação cruzada </a:t>
+                </a:r>
+                <a14:m>
+                  <m:oMath xmlns:m="http://schemas.openxmlformats.org/officeDocument/2006/math">
+                    <m:r>
+                      <a:rPr lang="pt-BR" sz="1400" b="0" i="1" smtClean="0">
+                        <a:latin typeface="Cambria Math" panose="02040503050406030204" pitchFamily="18" charset="0"/>
+                      </a:rPr>
+                      <m:t>𝑘</m:t>
+                    </m:r>
+                  </m:oMath>
+                </a14:m>
+                <a:r>
+                  <a:rPr lang="pt-BR" sz="1400" dirty="0"/>
+                  <a:t>-</a:t>
+                </a:r>
+                <a:r>
+                  <a:rPr lang="pt-BR" sz="1400" i="1" dirty="0" err="1"/>
+                  <a:t>fold</a:t>
+                </a:r>
+                <a:r>
+                  <a:rPr lang="pt-BR" sz="1400" dirty="0"/>
+                  <a:t> com N = 100 e </a:t>
+                </a:r>
+                <a14:m>
+                  <m:oMath xmlns:m="http://schemas.openxmlformats.org/officeDocument/2006/math">
+                    <m:r>
+                      <a:rPr lang="pt-BR" sz="1400" i="1">
+                        <a:latin typeface="Cambria Math" panose="02040503050406030204" pitchFamily="18" charset="0"/>
+                      </a:rPr>
+                      <m:t>𝑘</m:t>
+                    </m:r>
+                    <m:r>
+                      <a:rPr lang="pt-BR" sz="1400" i="1">
+                        <a:latin typeface="Cambria Math" panose="02040503050406030204" pitchFamily="18" charset="0"/>
+                      </a:rPr>
+                      <m:t> </m:t>
+                    </m:r>
+                  </m:oMath>
+                </a14:m>
+                <a:r>
+                  <a:rPr lang="pt-BR" sz="1400" dirty="0"/>
+                  <a:t>= 10 exemplos é de </a:t>
+                </a:r>
+                <a14:m>
+                  <m:oMath xmlns:m="http://schemas.openxmlformats.org/officeDocument/2006/math">
+                    <m:r>
+                      <a:rPr lang="pt-BR" sz="1400" i="1" smtClean="0">
+                        <a:latin typeface="Cambria Math" panose="02040503050406030204" pitchFamily="18" charset="0"/>
+                        <a:ea typeface="Cambria Math" panose="02040503050406030204" pitchFamily="18" charset="0"/>
+                      </a:rPr>
+                      <m:t>≈</m:t>
+                    </m:r>
+                  </m:oMath>
+                </a14:m>
+                <a:r>
+                  <a:rPr lang="pt-BR" sz="1400" dirty="0"/>
+                  <a:t> 1.5 [s].</a:t>
+                </a:r>
+              </a:p>
+            </p:txBody>
+          </p:sp>
+        </mc:Choice>
+        <mc:Fallback>
+          <p:sp>
+            <p:nvSpPr>
+              <p:cNvPr id="15" name="CaixaDeTexto 14">
+                <a:extLst>
+                  <a:ext uri="{FF2B5EF4-FFF2-40B4-BE49-F238E27FC236}">
+                    <a16:creationId xmlns:a16="http://schemas.microsoft.com/office/drawing/2014/main" id="{FAA77714-4F7B-8208-C15D-F28B3B953CFC}"/>
+                  </a:ext>
+                </a:extLst>
+              </p:cNvPr>
+              <p:cNvSpPr txBox="1">
+                <a:spLocks noRot="1" noChangeAspect="1" noMove="1" noResize="1" noEditPoints="1" noAdjustHandles="1" noChangeArrowheads="1" noChangeShapeType="1" noTextEdit="1"/>
+              </p:cNvSpPr>
+              <p:nvPr/>
+            </p:nvSpPr>
+            <p:spPr>
+              <a:xfrm>
+                <a:off x="0" y="6550223"/>
+                <a:ext cx="6848475" cy="307777"/>
+              </a:xfrm>
+              <a:prstGeom prst="rect">
+                <a:avLst/>
+              </a:prstGeom>
+              <a:blipFill>
+                <a:blip r:embed="rId5"/>
+                <a:stretch>
+                  <a:fillRect l="-267" t="-4000" b="-20000"/>
+                </a:stretch>
+              </a:blipFill>
+            </p:spPr>
+            <p:txBody>
+              <a:bodyPr/>
+              <a:lstStyle/>
+              <a:p>
+                <a:r>
+                  <a:rPr lang="pt-BR">
+                    <a:noFill/>
+                  </a:rPr>
+                  <a:t> </a:t>
+                </a:r>
+              </a:p>
+            </p:txBody>
+          </p:sp>
+        </mc:Fallback>
+      </mc:AlternateContent>
     </p:spTree>
     <p:extLst>
       <p:ext uri="{BB962C8B-B14F-4D97-AF65-F5344CB8AC3E}">
@@ -10995,7 +11576,7 @@
                   <a:srgbClr val="00B050"/>
                 </a:solidFill>
               </a:rPr>
-              <a:t>) ou média dos erros e desvio padrão (k-</a:t>
+              <a:t>) ou a média e o desvio padrão dos erros (k-</a:t>
             </a:r>
             <a:r>
               <a:rPr lang="pt-BR" b="1" i="1" dirty="0" err="1">
@@ -11490,6 +12071,16 @@
             <a:r>
               <a:rPr lang="pt-BR" dirty="0"/>
               <a:t>.</a:t>
+            </a:r>
+          </a:p>
+          <a:p>
+            <a:pPr lvl="1">
+              <a:buFont typeface="Wingdings" panose="05000000000000000000" pitchFamily="2" charset="2"/>
+              <a:buChar char="§"/>
+            </a:pPr>
+            <a:r>
+              <a:rPr lang="pt-BR" dirty="0"/>
+              <a:t>Ou seja, escolhemos o modelo mais simples em termos de quantidade de cálculos, mas que possua uma boa capacidade de generalização.</a:t>
             </a:r>
           </a:p>
         </p:txBody>
@@ -12150,7 +12741,7 @@
                   <a:srgbClr val="00B050"/>
                 </a:solidFill>
               </a:rPr>
-              <a:t>aproximar comportamentos não-lineares</a:t>
+              <a:t>aproximar comportamentos não-lineares, além de lineares</a:t>
             </a:r>
             <a:r>
               <a:rPr lang="pt-BR" dirty="0"/>
@@ -12168,7 +12759,23 @@
                   <a:srgbClr val="002060"/>
                 </a:solidFill>
               </a:rPr>
-              <a:t>encontrar o grau ideal do polinômio aproximador</a:t>
+              <a:t>encontrar o </a:t>
+            </a:r>
+            <a:r>
+              <a:rPr lang="pt-BR" b="1" i="1" dirty="0">
+                <a:solidFill>
+                  <a:srgbClr val="00B0F0"/>
+                </a:solidFill>
+              </a:rPr>
+              <a:t>grau ideal </a:t>
+            </a:r>
+            <a:r>
+              <a:rPr lang="pt-BR" b="1" i="1" dirty="0">
+                <a:solidFill>
+                  <a:srgbClr val="002060"/>
+                </a:solidFill>
+              </a:rPr>
+              <a:t>da função hipótese polinomial</a:t>
             </a:r>
             <a:r>
               <a:rPr lang="pt-BR" dirty="0"/>
@@ -12261,16 +12868,28 @@
               <a:t>da </a:t>
             </a:r>
             <a:r>
+              <a:rPr lang="pt-BR" b="1" i="1" dirty="0"/>
+              <a:t>função hipótese polinomial</a:t>
+            </a:r>
+            <a:r>
+              <a:rPr lang="pt-BR" b="1" dirty="0"/>
+              <a:t> </a:t>
+            </a:r>
+            <a:r>
+              <a:rPr lang="pt-BR" dirty="0"/>
+              <a:t>de</a:t>
+            </a:r>
+            <a:r>
               <a:rPr lang="pt-BR" b="1" i="1" dirty="0">
                 <a:solidFill>
                   <a:srgbClr val="00B050"/>
                 </a:solidFill>
               </a:rPr>
-              <a:t>função hipótese polinomial de forma quantitativa</a:t>
+              <a:t> forma quantitativa</a:t>
             </a:r>
             <a:r>
               <a:rPr lang="pt-BR" dirty="0"/>
-              <a:t>, mesmo não conhecendo ou existindo uma função objetivo.</a:t>
+              <a:t>, mesmo não conhecendo ou existindo uma função objetivo por trás da geração dos dados coletados.</a:t>
             </a:r>
           </a:p>
           <a:p>
@@ -23594,7 +24213,7 @@
                 <a:effectLst/>
                 <a:latin typeface="Söhne"/>
               </a:rPr>
-              <a:t>várias rodadas de treinamento e teste </a:t>
+              <a:t>várias rodadas de treinamento e validação </a:t>
             </a:r>
             <a:r>
               <a:rPr lang="pt-BR" b="0" i="0" dirty="0">
@@ -23604,7 +24223,7 @@
                 <a:effectLst/>
                 <a:latin typeface="Söhne"/>
               </a:rPr>
-              <a:t>do modelo em </a:t>
+              <a:t>do modelo com </a:t>
             </a:r>
             <a:r>
               <a:rPr lang="pt-BR" b="1" i="1" dirty="0">
@@ -23642,7 +24261,27 @@
                 <a:effectLst/>
                 <a:latin typeface="Söhne"/>
               </a:rPr>
-              <a:t>A validação cruzada é uma ferramenta importante para comparar e selecionar modelos e para </a:t>
+              <a:t>A validação cruzada é uma ferramenta importante para </a:t>
+            </a:r>
+            <a:r>
+              <a:rPr lang="pt-BR" b="1" i="1" dirty="0">
+                <a:solidFill>
+                  <a:srgbClr val="0070C0"/>
+                </a:solidFill>
+                <a:effectLst/>
+                <a:latin typeface="Söhne"/>
+              </a:rPr>
+              <a:t>comparar e selecionar modelos</a:t>
+            </a:r>
+            <a:r>
+              <a:rPr lang="pt-BR" b="0" i="0" dirty="0">
+                <a:solidFill>
+                  <a:srgbClr val="0F0F0F"/>
+                </a:solidFill>
+                <a:effectLst/>
+                <a:latin typeface="Söhne"/>
+              </a:rPr>
+              <a:t> e para </a:t>
             </a:r>
             <a:r>
               <a:rPr lang="pt-BR" b="1" i="1" dirty="0">
@@ -24062,136 +24701,193 @@
           </a:p>
         </p:txBody>
       </p:sp>
-      <p:sp>
-        <p:nvSpPr>
-          <p:cNvPr id="3" name="Espaço Reservado para Conteúdo 2">
-            <a:extLst>
-              <a:ext uri="{FF2B5EF4-FFF2-40B4-BE49-F238E27FC236}">
-                <a16:creationId xmlns:a16="http://schemas.microsoft.com/office/drawing/2014/main" id="{A9594690-2CA5-0A2D-98E4-C4ACDD16B0DC}"/>
-              </a:ext>
-            </a:extLst>
-          </p:cNvPr>
-          <p:cNvSpPr>
-            <a:spLocks noGrp="1"/>
-          </p:cNvSpPr>
-          <p:nvPr>
-            <p:ph idx="1"/>
-          </p:nvPr>
-        </p:nvSpPr>
-        <p:spPr>
-          <a:xfrm>
-            <a:off x="838199" y="1825624"/>
-            <a:ext cx="11218683" cy="5032375"/>
-          </a:xfrm>
-        </p:spPr>
-        <p:txBody>
-          <a:bodyPr/>
-          <a:lstStyle/>
-          <a:p>
-            <a:r>
-              <a:rPr lang="pt-BR" dirty="0"/>
-              <a:t>No caso onde queremos usar a </a:t>
-            </a:r>
-            <a:r>
-              <a:rPr lang="pt-BR" b="1" i="1" dirty="0">
-                <a:solidFill>
-                  <a:srgbClr val="00B050"/>
-                </a:solidFill>
-              </a:rPr>
-              <a:t>validação cruzada</a:t>
-            </a:r>
-            <a:r>
-              <a:rPr lang="pt-BR" dirty="0"/>
-              <a:t> para </a:t>
-            </a:r>
-            <a:r>
-              <a:rPr lang="pt-BR" b="1" i="1" dirty="0">
-                <a:solidFill>
-                  <a:srgbClr val="00B050"/>
-                </a:solidFill>
-              </a:rPr>
-              <a:t>encontrar o grau ideal da função hipótese polinomial</a:t>
-            </a:r>
-            <a:r>
-              <a:rPr lang="pt-BR" dirty="0"/>
-              <a:t>, o </a:t>
-            </a:r>
-            <a:r>
-              <a:rPr lang="pt-BR" b="1" i="1" dirty="0">
-                <a:solidFill>
-                  <a:srgbClr val="7030A0"/>
-                </a:solidFill>
-              </a:rPr>
-              <a:t>comportamento destes dois erros</a:t>
-            </a:r>
-            <a:r>
-              <a:rPr lang="pt-BR" dirty="0"/>
-              <a:t> vai nos ajudar a verificar </a:t>
-            </a:r>
-            <a:r>
-              <a:rPr lang="pt-BR" b="1" i="1" dirty="0">
-                <a:solidFill>
-                  <a:srgbClr val="0070C0"/>
-                </a:solidFill>
-              </a:rPr>
-              <a:t>quais graus fazem o modelo se ajustar demais</a:t>
-            </a:r>
-            <a:r>
-              <a:rPr lang="pt-BR" dirty="0"/>
-              <a:t> </a:t>
-            </a:r>
-            <a:r>
-              <a:rPr lang="pt-BR" b="1" i="1" dirty="0">
-                <a:solidFill>
-                  <a:srgbClr val="0070C0"/>
-                </a:solidFill>
-              </a:rPr>
-              <a:t>ou insuficientemente </a:t>
-            </a:r>
-            <a:r>
-              <a:rPr lang="pt-BR" dirty="0"/>
-              <a:t>aos dados de treinamento.</a:t>
-            </a:r>
-          </a:p>
-          <a:p>
-            <a:r>
-              <a:rPr lang="pt-BR" dirty="0"/>
-              <a:t>As estratégias de validação cruzada mais utilizadas e que veremos a seguir são:</a:t>
-            </a:r>
-          </a:p>
-          <a:p>
-            <a:pPr lvl="1">
-              <a:buFont typeface="Wingdings" panose="05000000000000000000" pitchFamily="2" charset="2"/>
-              <a:buChar char="§"/>
-            </a:pPr>
-            <a:r>
-              <a:rPr lang="pt-BR" sz="2800" i="1" dirty="0"/>
-              <a:t>Holdout</a:t>
-            </a:r>
-          </a:p>
-          <a:p>
-            <a:pPr lvl="1">
-              <a:buFont typeface="Wingdings" panose="05000000000000000000" pitchFamily="2" charset="2"/>
-              <a:buChar char="§"/>
-            </a:pPr>
-            <a:r>
-              <a:rPr lang="pt-BR" sz="2800" dirty="0"/>
-              <a:t>K-</a:t>
-            </a:r>
-            <a:r>
-              <a:rPr lang="pt-BR" sz="2800" i="1" dirty="0" err="1"/>
-              <a:t>fold</a:t>
-            </a:r>
-            <a:endParaRPr lang="pt-BR" sz="2800" i="1" dirty="0"/>
-          </a:p>
-          <a:p>
-            <a:endParaRPr lang="pt-BR" dirty="0"/>
-          </a:p>
-          <a:p>
-            <a:endParaRPr lang="pt-BR" dirty="0"/>
-          </a:p>
-        </p:txBody>
-      </p:sp>
+      <mc:AlternateContent xmlns:mc="http://schemas.openxmlformats.org/markup-compatibility/2006">
+        <mc:Choice xmlns:a14="http://schemas.microsoft.com/office/drawing/2010/main" Requires="a14">
+          <p:sp>
+            <p:nvSpPr>
+              <p:cNvPr id="3" name="Espaço Reservado para Conteúdo 2">
+                <a:extLst>
+                  <a:ext uri="{FF2B5EF4-FFF2-40B4-BE49-F238E27FC236}">
+                    <a16:creationId xmlns:a16="http://schemas.microsoft.com/office/drawing/2014/main" id="{A9594690-2CA5-0A2D-98E4-C4ACDD16B0DC}"/>
+                  </a:ext>
+                </a:extLst>
+              </p:cNvPr>
+              <p:cNvSpPr>
+                <a:spLocks noGrp="1"/>
+              </p:cNvSpPr>
+              <p:nvPr>
+                <p:ph idx="1"/>
+              </p:nvPr>
+            </p:nvSpPr>
+            <p:spPr>
+              <a:xfrm>
+                <a:off x="838199" y="1825624"/>
+                <a:ext cx="11218683" cy="5032375"/>
+              </a:xfrm>
+            </p:spPr>
+            <p:txBody>
+              <a:bodyPr/>
+              <a:lstStyle/>
+              <a:p>
+                <a:r>
+                  <a:rPr lang="pt-BR" dirty="0"/>
+                  <a:t>No caso onde queremos usar a </a:t>
+                </a:r>
+                <a:r>
+                  <a:rPr lang="pt-BR" b="1" i="1" dirty="0">
+                    <a:solidFill>
+                      <a:srgbClr val="00B050"/>
+                    </a:solidFill>
+                  </a:rPr>
+                  <a:t>validação cruzada</a:t>
+                </a:r>
+                <a:r>
+                  <a:rPr lang="pt-BR" dirty="0"/>
+                  <a:t> para </a:t>
+                </a:r>
+                <a:r>
+                  <a:rPr lang="pt-BR" b="1" i="1" dirty="0">
+                    <a:solidFill>
+                      <a:srgbClr val="00B050"/>
+                    </a:solidFill>
+                  </a:rPr>
+                  <a:t>encontrar o grau ideal da função hipótese polinomial</a:t>
+                </a:r>
+                <a:r>
+                  <a:rPr lang="pt-BR" dirty="0"/>
+                  <a:t>, o </a:t>
+                </a:r>
+                <a:r>
+                  <a:rPr lang="pt-BR" b="1" i="1" dirty="0">
+                    <a:solidFill>
+                      <a:srgbClr val="7030A0"/>
+                    </a:solidFill>
+                  </a:rPr>
+                  <a:t>comportamento destes dois erros</a:t>
+                </a:r>
+                <a:r>
+                  <a:rPr lang="pt-BR" dirty="0"/>
+                  <a:t> vai nos ajudar a verificar </a:t>
+                </a:r>
+                <a:r>
+                  <a:rPr lang="pt-BR" b="1" i="1" dirty="0">
+                    <a:solidFill>
+                      <a:srgbClr val="0070C0"/>
+                    </a:solidFill>
+                  </a:rPr>
+                  <a:t>quais graus fazem o modelo se ajustar demais</a:t>
+                </a:r>
+                <a:r>
+                  <a:rPr lang="pt-BR" dirty="0"/>
+                  <a:t> </a:t>
+                </a:r>
+                <a:r>
+                  <a:rPr lang="pt-BR" b="1" i="1" dirty="0">
+                    <a:solidFill>
+                      <a:srgbClr val="0070C0"/>
+                    </a:solidFill>
+                  </a:rPr>
+                  <a:t>ou insuficientemente </a:t>
+                </a:r>
+                <a:r>
+                  <a:rPr lang="pt-BR" dirty="0"/>
+                  <a:t>aos dados de treinamento.</a:t>
+                </a:r>
+              </a:p>
+              <a:p>
+                <a:r>
+                  <a:rPr lang="pt-BR" dirty="0"/>
+                  <a:t>As estratégias de validação cruzada mais utilizadas e que veremos a seguir são:</a:t>
+                </a:r>
+              </a:p>
+              <a:p>
+                <a:pPr lvl="1">
+                  <a:buFont typeface="Wingdings" panose="05000000000000000000" pitchFamily="2" charset="2"/>
+                  <a:buChar char="§"/>
+                </a:pPr>
+                <a:r>
+                  <a:rPr lang="pt-BR" sz="2800" i="1" dirty="0"/>
+                  <a:t>Holdout</a:t>
+                </a:r>
+              </a:p>
+              <a:p>
+                <a:pPr lvl="1">
+                  <a:buFont typeface="Wingdings" panose="05000000000000000000" pitchFamily="2" charset="2"/>
+                  <a:buChar char="§"/>
+                </a:pPr>
+                <a14:m>
+                  <m:oMath xmlns:m="http://schemas.openxmlformats.org/officeDocument/2006/math">
+                    <m:r>
+                      <a:rPr lang="pt-BR" sz="2800" b="0" i="1" smtClean="0">
+                        <a:latin typeface="Cambria Math" panose="02040503050406030204" pitchFamily="18" charset="0"/>
+                      </a:rPr>
+                      <m:t>𝑘</m:t>
+                    </m:r>
+                  </m:oMath>
+                </a14:m>
+                <a:r>
+                  <a:rPr lang="pt-BR" sz="2800" dirty="0"/>
+                  <a:t>-</a:t>
+                </a:r>
+                <a:r>
+                  <a:rPr lang="pt-BR" sz="2800" i="1" dirty="0" err="1"/>
+                  <a:t>fold</a:t>
+                </a:r>
+                <a:endParaRPr lang="pt-BR" sz="2800" i="1" dirty="0"/>
+              </a:p>
+              <a:p>
+                <a:endParaRPr lang="pt-BR" dirty="0"/>
+              </a:p>
+              <a:p>
+                <a:endParaRPr lang="pt-BR" dirty="0"/>
+              </a:p>
+            </p:txBody>
+          </p:sp>
+        </mc:Choice>
+        <mc:Fallback>
+          <p:sp>
+            <p:nvSpPr>
+              <p:cNvPr id="3" name="Espaço Reservado para Conteúdo 2">
+                <a:extLst>
+                  <a:ext uri="{FF2B5EF4-FFF2-40B4-BE49-F238E27FC236}">
+                    <a16:creationId xmlns:a16="http://schemas.microsoft.com/office/drawing/2014/main" id="{A9594690-2CA5-0A2D-98E4-C4ACDD16B0DC}"/>
+                  </a:ext>
+                </a:extLst>
+              </p:cNvPr>
+              <p:cNvSpPr>
+                <a:spLocks noGrp="1" noRot="1" noChangeAspect="1" noMove="1" noResize="1" noEditPoints="1" noAdjustHandles="1" noChangeArrowheads="1" noChangeShapeType="1" noTextEdit="1"/>
+              </p:cNvSpPr>
+              <p:nvPr>
+                <p:ph idx="1"/>
+              </p:nvPr>
+            </p:nvSpPr>
+            <p:spPr>
+              <a:xfrm>
+                <a:off x="838199" y="1825624"/>
+                <a:ext cx="11218683" cy="5032375"/>
+              </a:xfrm>
+              <a:blipFill>
+                <a:blip r:embed="rId3"/>
+                <a:stretch>
+                  <a:fillRect l="-923" t="-1937" r="-652"/>
+                </a:stretch>
+              </a:blipFill>
+            </p:spPr>
+            <p:txBody>
+              <a:bodyPr/>
+              <a:lstStyle/>
+              <a:p>
+                <a:r>
+                  <a:rPr lang="pt-BR">
+                    <a:noFill/>
+                  </a:rPr>
+                  <a:t> </a:t>
+                </a:r>
+              </a:p>
+            </p:txBody>
+          </p:sp>
+        </mc:Fallback>
+      </mc:AlternateContent>
     </p:spTree>
     <p:extLst>
       <p:ext uri="{BB962C8B-B14F-4D97-AF65-F5344CB8AC3E}">
@@ -24268,12 +24964,14 @@
         </p:nvSpPr>
         <p:spPr>
           <a:xfrm>
-            <a:off x="5573027" y="1825624"/>
-            <a:ext cx="6428473" cy="5032375"/>
+            <a:off x="5351646" y="1825624"/>
+            <a:ext cx="6707603" cy="5032375"/>
           </a:xfrm>
         </p:spPr>
         <p:txBody>
-          <a:bodyPr/>
+          <a:bodyPr>
+            <a:normAutofit lnSpcReduction="10000"/>
+          </a:bodyPr>
           <a:lstStyle/>
           <a:p>
             <a:r>
@@ -24290,7 +24988,7 @@
             </a:r>
             <a:r>
               <a:rPr lang="pt-BR" dirty="0"/>
-              <a:t>, pois realiza-se </a:t>
+              <a:t>, pois ela </a:t>
             </a:r>
             <a:r>
               <a:rPr lang="pt-BR" b="1" i="1" dirty="0">
@@ -24298,7 +24996,61 @@
                   <a:srgbClr val="00B050"/>
                 </a:solidFill>
               </a:rPr>
-              <a:t>apenas um treinamento e um teste (ou validação) do modelo</a:t>
+              <a:t>divide</a:t>
+            </a:r>
+            <a:r>
+              <a:rPr lang="pt-BR" dirty="0"/>
+              <a:t> o conjunto total de dados em </a:t>
+            </a:r>
+            <a:r>
+              <a:rPr lang="pt-BR" b="1" i="1" dirty="0">
+                <a:solidFill>
+                  <a:srgbClr val="00B050"/>
+                </a:solidFill>
+              </a:rPr>
+              <a:t>apenas dois subconjuntos</a:t>
+            </a:r>
+            <a:r>
+              <a:rPr lang="pt-BR" dirty="0"/>
+              <a:t>, um para </a:t>
+            </a:r>
+            <a:r>
+              <a:rPr lang="pt-BR" b="1" i="1" dirty="0">
+                <a:solidFill>
+                  <a:srgbClr val="00B050"/>
+                </a:solidFill>
+              </a:rPr>
+              <a:t>treinamento</a:t>
+            </a:r>
+            <a:r>
+              <a:rPr lang="pt-BR" dirty="0"/>
+              <a:t> e outro para </a:t>
+            </a:r>
+            <a:r>
+              <a:rPr lang="pt-BR" b="1" i="1" dirty="0">
+                <a:solidFill>
+                  <a:srgbClr val="00B050"/>
+                </a:solidFill>
+              </a:rPr>
+              <a:t>validação</a:t>
+            </a:r>
+            <a:r>
+              <a:rPr lang="pt-BR" dirty="0"/>
+              <a:t> (ou teste) do modelo.</a:t>
+            </a:r>
+          </a:p>
+          <a:p>
+            <a:r>
+              <a:rPr lang="pt-BR" dirty="0"/>
+              <a:t>Consequentemente, realiza-se </a:t>
+            </a:r>
+            <a:r>
+              <a:rPr lang="pt-BR" b="1" i="1" dirty="0">
+                <a:solidFill>
+                  <a:srgbClr val="00B050"/>
+                </a:solidFill>
+              </a:rPr>
+              <a:t>apenas um treinamento e uma validação do modelo</a:t>
             </a:r>
             <a:r>
               <a:rPr lang="pt-BR" dirty="0"/>
@@ -24308,7 +25060,19 @@
           <a:p>
             <a:r>
               <a:rPr lang="pt-BR" dirty="0"/>
-              <a:t>A estratégia funciona dividindo-se, em geral, de forma aleatória o conjunto total de dados em um conjunto de treinamento e outro de validação.</a:t>
+              <a:t>Em geral, mas é opcional, o conjunto total de dados é </a:t>
+            </a:r>
+            <a:r>
+              <a:rPr lang="pt-BR" b="1" i="1" dirty="0">
+                <a:solidFill>
+                  <a:srgbClr val="00B050"/>
+                </a:solidFill>
+              </a:rPr>
+              <a:t>embaralhado de forma aleatória antes da divisão</a:t>
+            </a:r>
+            <a:r>
+              <a:rPr lang="pt-BR" dirty="0"/>
+              <a:t>.</a:t>
             </a:r>
           </a:p>
           <a:p>
@@ -24346,8 +25110,8 @@
         </p:blipFill>
         <p:spPr>
           <a:xfrm>
-            <a:off x="190500" y="3009699"/>
-            <a:ext cx="5256652" cy="1668179"/>
+            <a:off x="75337" y="3089626"/>
+            <a:ext cx="5247434" cy="1665254"/>
           </a:xfrm>
           <a:prstGeom prst="rect">
             <a:avLst/>
@@ -24543,13 +25307,6 @@
               </a:rPr>
               <a:t>.</a:t>
             </a:r>
-            <a:endParaRPr lang="pt-BR" b="0" i="0" dirty="0">
-              <a:solidFill>
-                <a:srgbClr val="0F0F0F"/>
-              </a:solidFill>
-              <a:effectLst/>
-              <a:latin typeface="Söhne"/>
-            </a:endParaRPr>
           </a:p>
           <a:p>
             <a:r>
@@ -24566,7 +25323,67 @@
                 <a:effectLst/>
                 <a:latin typeface="Söhne"/>
               </a:rPr>
-              <a:t>Além disso, a divisão única pode não fornecer uma estimativa robusta do desempenho do modelo.</a:t>
+              <a:t>Além disso, a </a:t>
+            </a:r>
+            <a:r>
+              <a:rPr lang="pt-BR" b="1" i="1" dirty="0">
+                <a:solidFill>
+                  <a:srgbClr val="002060"/>
+                </a:solidFill>
+                <a:effectLst/>
+                <a:latin typeface="Söhne"/>
+              </a:rPr>
+              <a:t>divisão única</a:t>
+            </a:r>
+            <a:r>
+              <a:rPr lang="pt-BR" b="0" i="0" dirty="0">
+                <a:solidFill>
+                  <a:srgbClr val="0F0F0F"/>
+                </a:solidFill>
+                <a:effectLst/>
+                <a:latin typeface="Söhne"/>
+              </a:rPr>
+              <a:t> pode </a:t>
+            </a:r>
+            <a:r>
+              <a:rPr lang="pt-BR" b="1" i="1" dirty="0">
+                <a:solidFill>
+                  <a:srgbClr val="002060"/>
+                </a:solidFill>
+                <a:effectLst/>
+                <a:latin typeface="Söhne"/>
+              </a:rPr>
+              <a:t>não fornecer</a:t>
+            </a:r>
+            <a:r>
+              <a:rPr lang="pt-BR" b="0" i="0" dirty="0">
+                <a:solidFill>
+                  <a:srgbClr val="0F0F0F"/>
+                </a:solidFill>
+                <a:effectLst/>
+                <a:latin typeface="Söhne"/>
+              </a:rPr>
+              <a:t> uma </a:t>
+            </a:r>
+            <a:r>
+              <a:rPr lang="pt-BR" b="1" i="1" dirty="0">
+                <a:solidFill>
+                  <a:srgbClr val="002060"/>
+                </a:solidFill>
+                <a:effectLst/>
+                <a:latin typeface="Söhne"/>
+              </a:rPr>
+              <a:t>estimativa robusta do desempenho</a:t>
+            </a:r>
+            <a:r>
+              <a:rPr lang="pt-BR" b="0" i="0" dirty="0">
+                <a:solidFill>
+                  <a:srgbClr val="0F0F0F"/>
+                </a:solidFill>
+                <a:effectLst/>
+                <a:latin typeface="Söhne"/>
+              </a:rPr>
+              <a:t> do modelo.</a:t>
             </a:r>
           </a:p>
           <a:p>
@@ -24595,7 +25412,43 @@
                 </a:solidFill>
                 <a:latin typeface="Söhne"/>
               </a:rPr>
-              <a:t> quando o conjunto de dados é muito grande, o que minimiza estes problemas.</a:t>
+              <a:t> quando o </a:t>
+            </a:r>
+            <a:r>
+              <a:rPr lang="pt-BR" b="1" i="1" dirty="0">
+                <a:solidFill>
+                  <a:srgbClr val="002060"/>
+                </a:solidFill>
+                <a:latin typeface="Söhne"/>
+              </a:rPr>
+              <a:t>conjunto de dados é muito grande</a:t>
+            </a:r>
+            <a:r>
+              <a:rPr lang="pt-BR" dirty="0">
+                <a:solidFill>
+                  <a:srgbClr val="0F0F0F"/>
+                </a:solidFill>
+                <a:latin typeface="Söhne"/>
+              </a:rPr>
+              <a:t>, o que </a:t>
+            </a:r>
+            <a:r>
+              <a:rPr lang="pt-BR" b="1" i="1" dirty="0">
+                <a:solidFill>
+                  <a:srgbClr val="002060"/>
+                </a:solidFill>
+                <a:latin typeface="Söhne"/>
+              </a:rPr>
+              <a:t>minimiza estes problemas</a:t>
+            </a:r>
+            <a:r>
+              <a:rPr lang="pt-BR" dirty="0">
+                <a:solidFill>
+                  <a:srgbClr val="0F0F0F"/>
+                </a:solidFill>
+                <a:latin typeface="Söhne"/>
+              </a:rPr>
+              <a:t>.</a:t>
             </a:r>
             <a:endParaRPr lang="pt-BR" b="0" i="0" dirty="0">
               <a:solidFill>
@@ -25247,43 +26100,101 @@
           </a:p>
         </p:txBody>
       </p:sp>
-      <p:sp>
-        <p:nvSpPr>
-          <p:cNvPr id="5" name="CaixaDeTexto 4">
-            <a:extLst>
-              <a:ext uri="{FF2B5EF4-FFF2-40B4-BE49-F238E27FC236}">
-                <a16:creationId xmlns:a16="http://schemas.microsoft.com/office/drawing/2014/main" id="{3926FA82-F16F-7AE7-534B-5F7CB73CCD08}"/>
-              </a:ext>
-            </a:extLst>
-          </p:cNvPr>
-          <p:cNvSpPr txBox="1"/>
-          <p:nvPr/>
-        </p:nvSpPr>
-        <p:spPr>
-          <a:xfrm>
-            <a:off x="1442175" y="1953195"/>
-            <a:ext cx="1360967" cy="584775"/>
-          </a:xfrm>
-          <a:prstGeom prst="rect">
-            <a:avLst/>
-          </a:prstGeom>
-          <a:noFill/>
-        </p:spPr>
-        <p:txBody>
-          <a:bodyPr wrap="square" rtlCol="0">
-            <a:spAutoFit/>
-          </a:bodyPr>
-          <a:lstStyle/>
-          <a:p>
-            <a:pPr algn="ctr"/>
-            <a:r>
-              <a:rPr lang="pt-BR" sz="3200" b="1" dirty="0"/>
-              <a:t>k = 5</a:t>
-            </a:r>
-            <a:endParaRPr lang="en-US" sz="3200" b="1" dirty="0"/>
-          </a:p>
-        </p:txBody>
-      </p:sp>
+      <mc:AlternateContent xmlns:mc="http://schemas.openxmlformats.org/markup-compatibility/2006">
+        <mc:Choice xmlns:a14="http://schemas.microsoft.com/office/drawing/2010/main" Requires="a14">
+          <p:sp>
+            <p:nvSpPr>
+              <p:cNvPr id="5" name="CaixaDeTexto 4">
+                <a:extLst>
+                  <a:ext uri="{FF2B5EF4-FFF2-40B4-BE49-F238E27FC236}">
+                    <a16:creationId xmlns:a16="http://schemas.microsoft.com/office/drawing/2014/main" id="{3926FA82-F16F-7AE7-534B-5F7CB73CCD08}"/>
+                  </a:ext>
+                </a:extLst>
+              </p:cNvPr>
+              <p:cNvSpPr txBox="1"/>
+              <p:nvPr/>
+            </p:nvSpPr>
+            <p:spPr>
+              <a:xfrm>
+                <a:off x="1442175" y="1953195"/>
+                <a:ext cx="1360967" cy="584775"/>
+              </a:xfrm>
+              <a:prstGeom prst="rect">
+                <a:avLst/>
+              </a:prstGeom>
+              <a:noFill/>
+            </p:spPr>
+            <p:txBody>
+              <a:bodyPr wrap="square" rtlCol="0">
+                <a:spAutoFit/>
+              </a:bodyPr>
+              <a:lstStyle/>
+              <a:p>
+                <a:pPr algn="ctr"/>
+                <a14:m>
+                  <m:oMath xmlns:m="http://schemas.openxmlformats.org/officeDocument/2006/math">
+                    <m:r>
+                      <a:rPr lang="pt-BR" sz="3200" b="1" i="1" smtClean="0">
+                        <a:latin typeface="Cambria Math" panose="02040503050406030204" pitchFamily="18" charset="0"/>
+                      </a:rPr>
+                      <m:t>𝒌</m:t>
+                    </m:r>
+                  </m:oMath>
+                </a14:m>
+                <a:r>
+                  <a:rPr lang="pt-BR" sz="3200" b="1" dirty="0"/>
+                  <a:t> = 5</a:t>
+                </a:r>
+                <a:endParaRPr lang="en-US" sz="3200" b="1" dirty="0"/>
+              </a:p>
+            </p:txBody>
+          </p:sp>
+        </mc:Choice>
+        <mc:Fallback>
+          <p:sp>
+            <p:nvSpPr>
+              <p:cNvPr id="5" name="CaixaDeTexto 4">
+                <a:extLst>
+                  <a:ext uri="{FF2B5EF4-FFF2-40B4-BE49-F238E27FC236}">
+                    <a16:creationId xmlns:a16="http://schemas.microsoft.com/office/drawing/2014/main" id="{3926FA82-F16F-7AE7-534B-5F7CB73CCD08}"/>
+                  </a:ext>
+                </a:extLst>
+              </p:cNvPr>
+              <p:cNvSpPr txBox="1">
+                <a:spLocks noRot="1" noChangeAspect="1" noMove="1" noResize="1" noEditPoints="1" noAdjustHandles="1" noChangeArrowheads="1" noChangeShapeType="1" noTextEdit="1"/>
+              </p:cNvSpPr>
+              <p:nvPr/>
+            </p:nvSpPr>
+            <p:spPr>
+              <a:xfrm>
+                <a:off x="1442175" y="1953195"/>
+                <a:ext cx="1360967" cy="584775"/>
+              </a:xfrm>
+              <a:prstGeom prst="rect">
+                <a:avLst/>
+              </a:prstGeom>
+              <a:blipFill>
+                <a:blip r:embed="rId4"/>
+                <a:stretch>
+                  <a:fillRect t="-12500" b="-34375"/>
+                </a:stretch>
+              </a:blipFill>
+            </p:spPr>
+            <p:txBody>
+              <a:bodyPr/>
+              <a:lstStyle/>
+              <a:p>
+                <a:r>
+                  <a:rPr lang="pt-BR">
+                    <a:noFill/>
+                  </a:rPr>
+                  <a:t> </a:t>
+                </a:r>
+              </a:p>
+            </p:txBody>
+          </p:sp>
+        </mc:Fallback>
+      </mc:AlternateContent>
       <p:pic>
         <p:nvPicPr>
           <p:cNvPr id="10" name="Imagem 9">
@@ -25299,7 +26210,7 @@
           <p:nvPr/>
         </p:nvPicPr>
         <p:blipFill rotWithShape="1">
-          <a:blip r:embed="rId4" cstate="print">
+          <a:blip r:embed="rId5" cstate="print">
             <a:extLst>
               <a:ext uri="{28A0092B-C50C-407E-A947-70E740481C1C}">
                 <a14:useLocalDpi xmlns:a14="http://schemas.microsoft.com/office/drawing/2010/main" val="0"/>
@@ -25515,7 +26426,17 @@
                 <a:effectLst/>
                 <a:latin typeface="Söhne"/>
               </a:rPr>
-              <a:t> dos 𝒌 EQM de validação para fornecer uma avaliação geral do desempenho do modelo.</a:t>
+              <a:t> dos 𝒌 EQM de validação para fornecer uma </a:t>
+            </a:r>
+            <a:r>
+              <a:rPr lang="pt-BR" b="1" i="1" dirty="0">
+                <a:solidFill>
+                  <a:srgbClr val="00B050"/>
+                </a:solidFill>
+                <a:effectLst/>
+                <a:latin typeface="Söhne"/>
+              </a:rPr>
+              <a:t>avaliação geral do desempenho do modelo.</a:t>
             </a:r>
           </a:p>
           <a:p>
@@ -25607,43 +26528,101 @@
           </a:prstGeom>
         </p:spPr>
       </p:pic>
-      <p:sp>
-        <p:nvSpPr>
-          <p:cNvPr id="5" name="CaixaDeTexto 4">
-            <a:extLst>
-              <a:ext uri="{FF2B5EF4-FFF2-40B4-BE49-F238E27FC236}">
-                <a16:creationId xmlns:a16="http://schemas.microsoft.com/office/drawing/2014/main" id="{A35580BE-2693-7A2B-E389-307D19EBC7B1}"/>
-              </a:ext>
-            </a:extLst>
-          </p:cNvPr>
-          <p:cNvSpPr txBox="1"/>
-          <p:nvPr/>
-        </p:nvSpPr>
-        <p:spPr>
-          <a:xfrm>
-            <a:off x="1442175" y="1953195"/>
-            <a:ext cx="1360967" cy="584775"/>
-          </a:xfrm>
-          <a:prstGeom prst="rect">
-            <a:avLst/>
-          </a:prstGeom>
-          <a:noFill/>
-        </p:spPr>
-        <p:txBody>
-          <a:bodyPr wrap="square" rtlCol="0">
-            <a:spAutoFit/>
-          </a:bodyPr>
-          <a:lstStyle/>
-          <a:p>
-            <a:pPr algn="ctr"/>
-            <a:r>
-              <a:rPr lang="pt-BR" sz="3200" b="1" dirty="0"/>
-              <a:t>k = 5</a:t>
-            </a:r>
-            <a:endParaRPr lang="en-US" sz="3200" b="1" dirty="0"/>
-          </a:p>
-        </p:txBody>
-      </p:sp>
+      <mc:AlternateContent xmlns:mc="http://schemas.openxmlformats.org/markup-compatibility/2006">
+        <mc:Choice xmlns:a14="http://schemas.microsoft.com/office/drawing/2010/main" Requires="a14">
+          <p:sp>
+            <p:nvSpPr>
+              <p:cNvPr id="5" name="CaixaDeTexto 4">
+                <a:extLst>
+                  <a:ext uri="{FF2B5EF4-FFF2-40B4-BE49-F238E27FC236}">
+                    <a16:creationId xmlns:a16="http://schemas.microsoft.com/office/drawing/2014/main" id="{A35580BE-2693-7A2B-E389-307D19EBC7B1}"/>
+                  </a:ext>
+                </a:extLst>
+              </p:cNvPr>
+              <p:cNvSpPr txBox="1"/>
+              <p:nvPr/>
+            </p:nvSpPr>
+            <p:spPr>
+              <a:xfrm>
+                <a:off x="1442175" y="1953195"/>
+                <a:ext cx="1360967" cy="584775"/>
+              </a:xfrm>
+              <a:prstGeom prst="rect">
+                <a:avLst/>
+              </a:prstGeom>
+              <a:noFill/>
+            </p:spPr>
+            <p:txBody>
+              <a:bodyPr wrap="square" rtlCol="0">
+                <a:spAutoFit/>
+              </a:bodyPr>
+              <a:lstStyle/>
+              <a:p>
+                <a:pPr algn="ctr"/>
+                <a14:m>
+                  <m:oMath xmlns:m="http://schemas.openxmlformats.org/officeDocument/2006/math">
+                    <m:r>
+                      <a:rPr lang="pt-BR" sz="3200" b="1" i="1" smtClean="0">
+                        <a:latin typeface="Cambria Math" panose="02040503050406030204" pitchFamily="18" charset="0"/>
+                      </a:rPr>
+                      <m:t>𝒌</m:t>
+                    </m:r>
+                  </m:oMath>
+                </a14:m>
+                <a:r>
+                  <a:rPr lang="pt-BR" sz="3200" b="1" dirty="0"/>
+                  <a:t> = 5</a:t>
+                </a:r>
+                <a:endParaRPr lang="en-US" sz="3200" b="1" dirty="0"/>
+              </a:p>
+            </p:txBody>
+          </p:sp>
+        </mc:Choice>
+        <mc:Fallback>
+          <p:sp>
+            <p:nvSpPr>
+              <p:cNvPr id="5" name="CaixaDeTexto 4">
+                <a:extLst>
+                  <a:ext uri="{FF2B5EF4-FFF2-40B4-BE49-F238E27FC236}">
+                    <a16:creationId xmlns:a16="http://schemas.microsoft.com/office/drawing/2014/main" id="{A35580BE-2693-7A2B-E389-307D19EBC7B1}"/>
+                  </a:ext>
+                </a:extLst>
+              </p:cNvPr>
+              <p:cNvSpPr txBox="1">
+                <a:spLocks noRot="1" noChangeAspect="1" noMove="1" noResize="1" noEditPoints="1" noAdjustHandles="1" noChangeArrowheads="1" noChangeShapeType="1" noTextEdit="1"/>
+              </p:cNvSpPr>
+              <p:nvPr/>
+            </p:nvSpPr>
+            <p:spPr>
+              <a:xfrm>
+                <a:off x="1442175" y="1953195"/>
+                <a:ext cx="1360967" cy="584775"/>
+              </a:xfrm>
+              <a:prstGeom prst="rect">
+                <a:avLst/>
+              </a:prstGeom>
+              <a:blipFill>
+                <a:blip r:embed="rId5"/>
+                <a:stretch>
+                  <a:fillRect t="-12500" b="-34375"/>
+                </a:stretch>
+              </a:blipFill>
+            </p:spPr>
+            <p:txBody>
+              <a:bodyPr/>
+              <a:lstStyle/>
+              <a:p>
+                <a:r>
+                  <a:rPr lang="pt-BR">
+                    <a:noFill/>
+                  </a:rPr>
+                  <a:t> </a:t>
+                </a:r>
+              </a:p>
+            </p:txBody>
+          </p:sp>
+        </mc:Fallback>
+      </mc:AlternateContent>
     </p:spTree>
     <p:extLst>
       <p:ext uri="{BB962C8B-B14F-4D97-AF65-F5344CB8AC3E}">

--- a/slides/T319_Regressão_Linear (Parte V).pptx
+++ b/slides/T319_Regressão_Linear (Parte V).pptx
@@ -547,7 +547,7 @@
           <a:p>
             <a:fld id="{DAF0AF11-6A8A-4E64-94F5-26D4FBA2A01D}" type="datetimeFigureOut">
               <a:rPr lang="nl-BE" smtClean="0"/>
-              <a:t>24/11/2023</a:t>
+              <a:t>3/05/2024</a:t>
             </a:fld>
             <a:endParaRPr lang="nl-BE"/>
           </a:p>
@@ -4054,7 +4054,7 @@
           <a:p>
             <a:fld id="{C80E15A5-E95B-43EB-9AC7-9A96397448C0}" type="datetimeFigureOut">
               <a:rPr lang="nl-BE" smtClean="0"/>
-              <a:t>24/11/2023</a:t>
+              <a:t>3/05/2024</a:t>
             </a:fld>
             <a:endParaRPr lang="nl-BE"/>
           </a:p>
@@ -4224,7 +4224,7 @@
           <a:p>
             <a:fld id="{C80E15A5-E95B-43EB-9AC7-9A96397448C0}" type="datetimeFigureOut">
               <a:rPr lang="nl-BE" smtClean="0"/>
-              <a:t>24/11/2023</a:t>
+              <a:t>3/05/2024</a:t>
             </a:fld>
             <a:endParaRPr lang="nl-BE"/>
           </a:p>
@@ -4404,7 +4404,7 @@
           <a:p>
             <a:fld id="{C80E15A5-E95B-43EB-9AC7-9A96397448C0}" type="datetimeFigureOut">
               <a:rPr lang="nl-BE" smtClean="0"/>
-              <a:t>24/11/2023</a:t>
+              <a:t>3/05/2024</a:t>
             </a:fld>
             <a:endParaRPr lang="nl-BE"/>
           </a:p>
@@ -4574,7 +4574,7 @@
           <a:p>
             <a:fld id="{C80E15A5-E95B-43EB-9AC7-9A96397448C0}" type="datetimeFigureOut">
               <a:rPr lang="nl-BE" smtClean="0"/>
-              <a:t>24/11/2023</a:t>
+              <a:t>3/05/2024</a:t>
             </a:fld>
             <a:endParaRPr lang="nl-BE"/>
           </a:p>
@@ -4820,7 +4820,7 @@
           <a:p>
             <a:fld id="{C80E15A5-E95B-43EB-9AC7-9A96397448C0}" type="datetimeFigureOut">
               <a:rPr lang="nl-BE" smtClean="0"/>
-              <a:t>24/11/2023</a:t>
+              <a:t>3/05/2024</a:t>
             </a:fld>
             <a:endParaRPr lang="nl-BE"/>
           </a:p>
@@ -5052,7 +5052,7 @@
           <a:p>
             <a:fld id="{C80E15A5-E95B-43EB-9AC7-9A96397448C0}" type="datetimeFigureOut">
               <a:rPr lang="nl-BE" smtClean="0"/>
-              <a:t>24/11/2023</a:t>
+              <a:t>3/05/2024</a:t>
             </a:fld>
             <a:endParaRPr lang="nl-BE"/>
           </a:p>
@@ -5419,7 +5419,7 @@
           <a:p>
             <a:fld id="{C80E15A5-E95B-43EB-9AC7-9A96397448C0}" type="datetimeFigureOut">
               <a:rPr lang="nl-BE" smtClean="0"/>
-              <a:t>24/11/2023</a:t>
+              <a:t>3/05/2024</a:t>
             </a:fld>
             <a:endParaRPr lang="nl-BE"/>
           </a:p>
@@ -5537,7 +5537,7 @@
           <a:p>
             <a:fld id="{C80E15A5-E95B-43EB-9AC7-9A96397448C0}" type="datetimeFigureOut">
               <a:rPr lang="nl-BE" smtClean="0"/>
-              <a:t>24/11/2023</a:t>
+              <a:t>3/05/2024</a:t>
             </a:fld>
             <a:endParaRPr lang="nl-BE"/>
           </a:p>
@@ -5632,7 +5632,7 @@
           <a:p>
             <a:fld id="{C80E15A5-E95B-43EB-9AC7-9A96397448C0}" type="datetimeFigureOut">
               <a:rPr lang="nl-BE" smtClean="0"/>
-              <a:t>24/11/2023</a:t>
+              <a:t>3/05/2024</a:t>
             </a:fld>
             <a:endParaRPr lang="nl-BE"/>
           </a:p>
@@ -5909,7 +5909,7 @@
           <a:p>
             <a:fld id="{C80E15A5-E95B-43EB-9AC7-9A96397448C0}" type="datetimeFigureOut">
               <a:rPr lang="nl-BE" smtClean="0"/>
-              <a:t>24/11/2023</a:t>
+              <a:t>3/05/2024</a:t>
             </a:fld>
             <a:endParaRPr lang="nl-BE"/>
           </a:p>
@@ -6162,7 +6162,7 @@
           <a:p>
             <a:fld id="{C80E15A5-E95B-43EB-9AC7-9A96397448C0}" type="datetimeFigureOut">
               <a:rPr lang="nl-BE" smtClean="0"/>
-              <a:t>24/11/2023</a:t>
+              <a:t>3/05/2024</a:t>
             </a:fld>
             <a:endParaRPr lang="nl-BE"/>
           </a:p>
@@ -6375,7 +6375,7 @@
           <a:p>
             <a:fld id="{C80E15A5-E95B-43EB-9AC7-9A96397448C0}" type="datetimeFigureOut">
               <a:rPr lang="nl-BE" smtClean="0"/>
-              <a:t>24/11/2023</a:t>
+              <a:t>3/05/2024</a:t>
             </a:fld>
             <a:endParaRPr lang="nl-BE"/>
           </a:p>
@@ -7384,8 +7384,8 @@
           </a:p>
         </p:txBody>
       </p:sp>
-      <mc:AlternateContent xmlns:mc="http://schemas.openxmlformats.org/markup-compatibility/2006">
-        <mc:Choice xmlns:a14="http://schemas.microsoft.com/office/drawing/2010/main" Requires="a14">
+      <mc:AlternateContent xmlns:mc="http://schemas.openxmlformats.org/markup-compatibility/2006" xmlns:a14="http://schemas.microsoft.com/office/drawing/2010/main">
+        <mc:Choice Requires="a14">
           <p:sp>
             <p:nvSpPr>
               <p:cNvPr id="3" name="Espaço Reservado para Conteúdo 2">
@@ -7641,7 +7641,7 @@
             </p:txBody>
           </p:sp>
         </mc:Choice>
-        <mc:Fallback>
+        <mc:Fallback xmlns="">
           <p:sp>
             <p:nvSpPr>
               <p:cNvPr id="3" name="Espaço Reservado para Conteúdo 2">
@@ -7834,8 +7834,8 @@
           </a:p>
         </p:txBody>
       </p:sp>
-      <mc:AlternateContent xmlns:mc="http://schemas.openxmlformats.org/markup-compatibility/2006">
-        <mc:Choice xmlns:a14="http://schemas.microsoft.com/office/drawing/2010/main" Requires="a14">
+      <mc:AlternateContent xmlns:mc="http://schemas.openxmlformats.org/markup-compatibility/2006" xmlns:a14="http://schemas.microsoft.com/office/drawing/2010/main">
+        <mc:Choice Requires="a14">
           <p:sp>
             <p:nvSpPr>
               <p:cNvPr id="3" name="Espaço Reservado para Conteúdo 2">
@@ -7977,7 +7977,7 @@
             </p:txBody>
           </p:sp>
         </mc:Choice>
-        <mc:Fallback>
+        <mc:Fallback xmlns="">
           <p:sp>
             <p:nvSpPr>
               <p:cNvPr id="3" name="Espaço Reservado para Conteúdo 2">
@@ -10205,8 +10205,8 @@
           </a:p>
         </p:txBody>
       </p:sp>
-      <mc:AlternateContent xmlns:mc="http://schemas.openxmlformats.org/markup-compatibility/2006">
-        <mc:Choice xmlns:a14="http://schemas.microsoft.com/office/drawing/2010/main" Requires="a14">
+      <mc:AlternateContent xmlns:mc="http://schemas.openxmlformats.org/markup-compatibility/2006" xmlns:a14="http://schemas.microsoft.com/office/drawing/2010/main">
+        <mc:Choice Requires="a14">
           <p:sp>
             <p:nvSpPr>
               <p:cNvPr id="15" name="CaixaDeTexto 14">
@@ -10300,7 +10300,7 @@
             </p:txBody>
           </p:sp>
         </mc:Choice>
-        <mc:Fallback>
+        <mc:Fallback xmlns="">
           <p:sp>
             <p:nvSpPr>
               <p:cNvPr id="15" name="CaixaDeTexto 14">
@@ -24701,8 +24701,8 @@
           </a:p>
         </p:txBody>
       </p:sp>
-      <mc:AlternateContent xmlns:mc="http://schemas.openxmlformats.org/markup-compatibility/2006">
-        <mc:Choice xmlns:a14="http://schemas.microsoft.com/office/drawing/2010/main" Requires="a14">
+      <mc:AlternateContent xmlns:mc="http://schemas.openxmlformats.org/markup-compatibility/2006" xmlns:a14="http://schemas.microsoft.com/office/drawing/2010/main">
+        <mc:Choice Requires="a14">
           <p:sp>
             <p:nvSpPr>
               <p:cNvPr id="3" name="Espaço Reservado para Conteúdo 2">
@@ -24844,7 +24844,7 @@
             </p:txBody>
           </p:sp>
         </mc:Choice>
-        <mc:Fallback>
+        <mc:Fallback xmlns="">
           <p:sp>
             <p:nvSpPr>
               <p:cNvPr id="3" name="Espaço Reservado para Conteúdo 2">
@@ -26100,8 +26100,8 @@
           </a:p>
         </p:txBody>
       </p:sp>
-      <mc:AlternateContent xmlns:mc="http://schemas.openxmlformats.org/markup-compatibility/2006">
-        <mc:Choice xmlns:a14="http://schemas.microsoft.com/office/drawing/2010/main" Requires="a14">
+      <mc:AlternateContent xmlns:mc="http://schemas.openxmlformats.org/markup-compatibility/2006" xmlns:a14="http://schemas.microsoft.com/office/drawing/2010/main">
+        <mc:Choice Requires="a14">
           <p:sp>
             <p:nvSpPr>
               <p:cNvPr id="5" name="CaixaDeTexto 4">
@@ -26150,7 +26150,7 @@
             </p:txBody>
           </p:sp>
         </mc:Choice>
-        <mc:Fallback>
+        <mc:Fallback xmlns="">
           <p:sp>
             <p:nvSpPr>
               <p:cNvPr id="5" name="CaixaDeTexto 4">
@@ -26528,8 +26528,8 @@
           </a:prstGeom>
         </p:spPr>
       </p:pic>
-      <mc:AlternateContent xmlns:mc="http://schemas.openxmlformats.org/markup-compatibility/2006">
-        <mc:Choice xmlns:a14="http://schemas.microsoft.com/office/drawing/2010/main" Requires="a14">
+      <mc:AlternateContent xmlns:mc="http://schemas.openxmlformats.org/markup-compatibility/2006" xmlns:a14="http://schemas.microsoft.com/office/drawing/2010/main">
+        <mc:Choice Requires="a14">
           <p:sp>
             <p:nvSpPr>
               <p:cNvPr id="5" name="CaixaDeTexto 4">
@@ -26578,7 +26578,7 @@
             </p:txBody>
           </p:sp>
         </mc:Choice>
-        <mc:Fallback>
+        <mc:Fallback xmlns="">
           <p:sp>
             <p:nvSpPr>
               <p:cNvPr id="5" name="CaixaDeTexto 4">

--- a/slides/T319_Regressão_Linear (Parte V).pptx
+++ b/slides/T319_Regressão_Linear (Parte V).pptx
@@ -5,7 +5,7 @@
     <p:sldMasterId id="2147483648" r:id="rId1"/>
   </p:sldMasterIdLst>
   <p:notesMasterIdLst>
-    <p:notesMasterId r:id="rId26"/>
+    <p:notesMasterId r:id="rId27"/>
   </p:notesMasterIdLst>
   <p:sldIdLst>
     <p:sldId id="259" r:id="rId2"/>
@@ -14,24 +14,25 @@
     <p:sldId id="437" r:id="rId5"/>
     <p:sldId id="436" r:id="rId6"/>
     <p:sldId id="439" r:id="rId7"/>
-    <p:sldId id="440" r:id="rId8"/>
-    <p:sldId id="443" r:id="rId9"/>
-    <p:sldId id="444" r:id="rId10"/>
-    <p:sldId id="450" r:id="rId11"/>
-    <p:sldId id="441" r:id="rId12"/>
-    <p:sldId id="442" r:id="rId13"/>
-    <p:sldId id="446" r:id="rId14"/>
-    <p:sldId id="453" r:id="rId15"/>
-    <p:sldId id="451" r:id="rId16"/>
-    <p:sldId id="447" r:id="rId17"/>
-    <p:sldId id="417" r:id="rId18"/>
-    <p:sldId id="317" r:id="rId19"/>
-    <p:sldId id="332" r:id="rId20"/>
-    <p:sldId id="299" r:id="rId21"/>
-    <p:sldId id="410" r:id="rId22"/>
-    <p:sldId id="449" r:id="rId23"/>
-    <p:sldId id="454" r:id="rId24"/>
-    <p:sldId id="419" r:id="rId25"/>
+    <p:sldId id="455" r:id="rId8"/>
+    <p:sldId id="440" r:id="rId9"/>
+    <p:sldId id="443" r:id="rId10"/>
+    <p:sldId id="444" r:id="rId11"/>
+    <p:sldId id="450" r:id="rId12"/>
+    <p:sldId id="441" r:id="rId13"/>
+    <p:sldId id="442" r:id="rId14"/>
+    <p:sldId id="446" r:id="rId15"/>
+    <p:sldId id="453" r:id="rId16"/>
+    <p:sldId id="451" r:id="rId17"/>
+    <p:sldId id="447" r:id="rId18"/>
+    <p:sldId id="417" r:id="rId19"/>
+    <p:sldId id="317" r:id="rId20"/>
+    <p:sldId id="332" r:id="rId21"/>
+    <p:sldId id="299" r:id="rId22"/>
+    <p:sldId id="410" r:id="rId23"/>
+    <p:sldId id="449" r:id="rId24"/>
+    <p:sldId id="454" r:id="rId25"/>
+    <p:sldId id="419" r:id="rId26"/>
   </p:sldIdLst>
   <p:sldSz cx="12192000" cy="6858000"/>
   <p:notesSz cx="6858000" cy="9144000"/>
@@ -547,7 +548,7 @@
           <a:p>
             <a:fld id="{DAF0AF11-6A8A-4E64-94F5-26D4FBA2A01D}" type="datetimeFigureOut">
               <a:rPr lang="nl-BE" smtClean="0"/>
-              <a:t>3/05/2024</a:t>
+              <a:t>31/05/2024</a:t>
             </a:fld>
             <a:endParaRPr lang="nl-BE"/>
           </a:p>
@@ -944,47 +945,6 @@
           <a:lstStyle/>
           <a:p>
             <a:r>
-              <a:rPr lang="pt-BR" b="0" i="0" dirty="0">
-                <a:solidFill>
-                  <a:srgbClr val="0F0F0F"/>
-                </a:solidFill>
-                <a:effectLst/>
-                <a:latin typeface="Söhne"/>
-              </a:rPr>
-              <a:t>A validação cruzada k-</a:t>
-            </a:r>
-            <a:r>
-              <a:rPr lang="pt-BR" b="0" i="0" dirty="0" err="1">
-                <a:solidFill>
-                  <a:srgbClr val="0F0F0F"/>
-                </a:solidFill>
-                <a:effectLst/>
-                <a:latin typeface="Söhne"/>
-              </a:rPr>
-              <a:t>fold</a:t>
-            </a:r>
-            <a:r>
-              <a:rPr lang="pt-BR" b="0" i="0" dirty="0">
-                <a:solidFill>
-                  <a:srgbClr val="0F0F0F"/>
-                </a:solidFill>
-                <a:effectLst/>
-                <a:latin typeface="Söhne"/>
-              </a:rPr>
-              <a:t> aborda o problema do viés de seleção ao realizar k iterações de treinamento e teste, cada vez usando uma divisão diferente dos dados. Isso ajuda a mitigar o impacto de uma única divisão de dados na avaliação final do modelo, tornando a avaliação mais robusta e menos sensível à escolha específica dos conjuntos de treinamento e teste.</a:t>
-            </a:r>
-          </a:p>
-          <a:p>
-            <a:endParaRPr lang="pt-BR" b="0" i="0" dirty="0">
-              <a:solidFill>
-                <a:srgbClr val="0F0F0F"/>
-              </a:solidFill>
-              <a:effectLst/>
-              <a:latin typeface="Söhne"/>
-            </a:endParaRPr>
-          </a:p>
-          <a:p>
-            <a:r>
               <a:rPr lang="pt-BR" dirty="0"/>
               <a:t>A ideia principal por trás da</a:t>
             </a:r>
@@ -1157,23 +1117,7 @@
           <a:p>
             <a:r>
               <a:rPr lang="pt-BR" dirty="0"/>
-              <a:t>O desempenho do modelo é dado pela média dos erros de validação calculados para cada um dos k </a:t>
-            </a:r>
-            <a:r>
-              <a:rPr lang="pt-BR" dirty="0" err="1"/>
-              <a:t>folds</a:t>
-            </a:r>
-            <a:r>
-              <a:rPr lang="pt-BR" dirty="0"/>
-              <a:t>. A estimativa de erro é calculada sobre todos os k </a:t>
-            </a:r>
-            <a:r>
-              <a:rPr lang="pt-BR" dirty="0" err="1"/>
-              <a:t>folds</a:t>
-            </a:r>
-            <a:r>
-              <a:rPr lang="pt-BR" dirty="0"/>
-              <a:t> para obter a eficácia total do modelo. </a:t>
+              <a:t>O desempenho do modelo é dado pela média dos erros de validação calculados para cada um dos k folds. A estimativa de erro é calculada sobre todos os k folds para obter a eficácia total do modelo. </a:t>
             </a:r>
           </a:p>
           <a:p>
@@ -1295,6 +1239,74 @@
             <a:endParaRPr lang="pt-BR" dirty="0"/>
           </a:p>
           <a:p>
+            <a:pPr algn="l"/>
+            <a:r>
+              <a:rPr lang="en-US" b="0" i="0" dirty="0">
+                <a:effectLst/>
+                <a:latin typeface="Söhne"/>
+              </a:rPr>
+              <a:t>What does k-fold error variance say about overfitting?</a:t>
+            </a:r>
+          </a:p>
+          <a:p>
+            <a:endParaRPr lang="pt-BR" dirty="0"/>
+          </a:p>
+          <a:p>
+            <a:pPr algn="l"/>
+            <a:r>
+              <a:rPr lang="en-US" b="0" i="0" dirty="0">
+                <a:solidFill>
+                  <a:srgbClr val="374151"/>
+                </a:solidFill>
+                <a:effectLst/>
+                <a:latin typeface="Söhne"/>
+              </a:rPr>
+              <a:t>K-fold error variance can provide insights into the presence of overfitting in a machine learning model. Overfitting occurs when a model learns the training data too well and performs poorly on unseen data.</a:t>
+            </a:r>
+          </a:p>
+          <a:p>
+            <a:pPr algn="l"/>
+            <a:r>
+              <a:rPr lang="en-US" b="0" i="0" dirty="0">
+                <a:solidFill>
+                  <a:srgbClr val="374151"/>
+                </a:solidFill>
+                <a:effectLst/>
+                <a:latin typeface="Söhne"/>
+              </a:rPr>
+              <a:t>In k-fold cross-validation, the dataset is divided into k subsets or folds. The model is trained on k-1 folds and evaluated on the remaining fold. This process is repeated k times, with each fold serving as the evaluation set once. The k-fold error variance refers to the variability in performance (e.g., accuracy, error rate) across the k iterations of the cross-validation process.</a:t>
+            </a:r>
+          </a:p>
+          <a:p>
+            <a:pPr algn="l"/>
+            <a:r>
+              <a:rPr lang="en-US" b="0" i="0" dirty="0">
+                <a:solidFill>
+                  <a:srgbClr val="374151"/>
+                </a:solidFill>
+                <a:effectLst/>
+                <a:latin typeface="Söhne"/>
+              </a:rPr>
+              <a:t>When the k-fold error variance is low, it suggests that the model's performance is consistent across different subsets of the data. This indicates that the model generalizes well and is less likely to be overfitting. On the other hand, a high k-fold error variance implies that the model's performance varies significantly depending on the subset of the data used for evaluation. This could be a sign of overfitting because the model might be capturing noise or idiosyncrasies in the training data that do not generalize well to unseen data.</a:t>
+            </a:r>
+          </a:p>
+          <a:p>
+            <a:pPr algn="l"/>
+            <a:r>
+              <a:rPr lang="en-US" b="0" i="0" dirty="0">
+                <a:solidFill>
+                  <a:srgbClr val="374151"/>
+                </a:solidFill>
+                <a:effectLst/>
+                <a:latin typeface="Söhne"/>
+              </a:rPr>
+              <a:t>In summary, a low k-fold error variance suggests a model with good generalization, while a high k-fold error variance may indicate overfitting and a potential lack of generalization. However, it is important to consider other factors such as the overall performance metrics and the complexity of the model to make a conclusive assessment of overfitting.</a:t>
+            </a:r>
+          </a:p>
+          <a:p>
+            <a:endParaRPr lang="pt-BR" dirty="0"/>
+          </a:p>
+          <a:p>
             <a:endParaRPr lang="pt-BR" dirty="0"/>
           </a:p>
         </p:txBody>
@@ -1325,7 +1337,7 @@
     </p:spTree>
     <p:extLst>
       <p:ext uri="{BB962C8B-B14F-4D97-AF65-F5344CB8AC3E}">
-        <p14:creationId xmlns:p14="http://schemas.microsoft.com/office/powerpoint/2010/main" val="694839240"/>
+        <p14:creationId xmlns:p14="http://schemas.microsoft.com/office/powerpoint/2010/main" val="3092233933"/>
       </p:ext>
     </p:extLst>
   </p:cSld>
@@ -1379,6 +1391,358 @@
           <a:bodyPr/>
           <a:lstStyle/>
           <a:p>
+            <a:r>
+              <a:rPr lang="pt-BR" b="0" i="0" dirty="0">
+                <a:solidFill>
+                  <a:srgbClr val="0F0F0F"/>
+                </a:solidFill>
+                <a:effectLst/>
+                <a:latin typeface="Söhne"/>
+              </a:rPr>
+              <a:t>A validação cruzada k-</a:t>
+            </a:r>
+            <a:r>
+              <a:rPr lang="pt-BR" b="0" i="0" dirty="0" err="1">
+                <a:solidFill>
+                  <a:srgbClr val="0F0F0F"/>
+                </a:solidFill>
+                <a:effectLst/>
+                <a:latin typeface="Söhne"/>
+              </a:rPr>
+              <a:t>fold</a:t>
+            </a:r>
+            <a:r>
+              <a:rPr lang="pt-BR" b="0" i="0" dirty="0">
+                <a:solidFill>
+                  <a:srgbClr val="0F0F0F"/>
+                </a:solidFill>
+                <a:effectLst/>
+                <a:latin typeface="Söhne"/>
+              </a:rPr>
+              <a:t> aborda o problema do viés de seleção ao realizar k iterações de treinamento e teste, cada vez usando uma divisão diferente dos dados. Isso ajuda a mitigar o impacto de uma única divisão de dados na avaliação final do modelo, tornando a avaliação mais robusta e menos sensível à escolha específica dos conjuntos de treinamento e teste.</a:t>
+            </a:r>
+          </a:p>
+          <a:p>
+            <a:endParaRPr lang="pt-BR" b="0" i="0" dirty="0">
+              <a:solidFill>
+                <a:srgbClr val="0F0F0F"/>
+              </a:solidFill>
+              <a:effectLst/>
+              <a:latin typeface="Söhne"/>
+            </a:endParaRPr>
+          </a:p>
+          <a:p>
+            <a:r>
+              <a:rPr lang="pt-BR" dirty="0"/>
+              <a:t>A ideia principal por trás da</a:t>
+            </a:r>
+            <a:r>
+              <a:rPr lang="pt-BR" baseline="0" dirty="0"/>
+              <a:t> estratégia do k-</a:t>
+            </a:r>
+            <a:r>
+              <a:rPr lang="pt-BR" baseline="0" dirty="0" err="1"/>
+              <a:t>Fold</a:t>
+            </a:r>
+            <a:r>
+              <a:rPr lang="pt-BR" baseline="0" dirty="0"/>
+              <a:t> </a:t>
+            </a:r>
+            <a:r>
+              <a:rPr lang="pt-BR" dirty="0"/>
+              <a:t>é que cada</a:t>
+            </a:r>
+            <a:r>
+              <a:rPr lang="pt-BR" baseline="0" dirty="0"/>
+              <a:t> exemplo do conjunto de dados faz o serviço duplo como dado de treinamento e de validação/teste.</a:t>
+            </a:r>
+            <a:endParaRPr lang="pt-BR" dirty="0"/>
+          </a:p>
+          <a:p>
+            <a:endParaRPr lang="pt-BR" dirty="0"/>
+          </a:p>
+          <a:p>
+            <a:pPr marL="0" marR="0" indent="0" algn="l" defTabSz="914400" rtl="0" eaLnBrk="1" fontAlgn="auto" latinLnBrk="0" hangingPunct="1">
+              <a:lnSpc>
+                <a:spcPct val="100000"/>
+              </a:lnSpc>
+              <a:spcBef>
+                <a:spcPts val="0"/>
+              </a:spcBef>
+              <a:spcAft>
+                <a:spcPts val="0"/>
+              </a:spcAft>
+              <a:buClrTx/>
+              <a:buSzTx/>
+              <a:buFontTx/>
+              <a:buNone/>
+              <a:tabLst/>
+              <a:defRPr/>
+            </a:pPr>
+            <a:r>
+              <a:rPr lang="pt-BR" dirty="0"/>
+              <a:t>Na validação cruzada do k-</a:t>
+            </a:r>
+            <a:r>
+              <a:rPr lang="pt-BR" dirty="0" err="1"/>
+              <a:t>Fold</a:t>
+            </a:r>
+            <a:r>
+              <a:rPr lang="pt-BR" dirty="0"/>
+              <a:t>, os dados são divididos em k subconjuntos. A validação é repetida k vezes, de modo que, a cada vez, um dos subconjuntos k é usado como conjunto de validação e os outros subconjuntos k-1 são reunidos para formar um único conjunto de treinamento. Desta forma, </a:t>
+            </a:r>
+            <a:r>
+              <a:rPr lang="pt-BR" baseline="0" dirty="0"/>
+              <a:t>uma vantagem dessa abordagem é que a forma como os dados são divididos importa menos. </a:t>
+            </a:r>
+          </a:p>
+          <a:p>
+            <a:endParaRPr lang="pt-BR" dirty="0"/>
+          </a:p>
+          <a:p>
+            <a:r>
+              <a:rPr lang="pt-BR" dirty="0"/>
+              <a:t>Essa</a:t>
+            </a:r>
+            <a:r>
+              <a:rPr lang="pt-BR" baseline="0" dirty="0"/>
+              <a:t> </a:t>
+            </a:r>
+            <a:r>
+              <a:rPr lang="pt-BR" sz="1200" dirty="0"/>
+              <a:t>estratégia </a:t>
+            </a:r>
+            <a:r>
+              <a:rPr lang="pt-BR" dirty="0"/>
+              <a:t>reduz significativamente o problema do viés</a:t>
+            </a:r>
+            <a:r>
+              <a:rPr lang="pt-BR" baseline="0" dirty="0"/>
+              <a:t> de seleção</a:t>
+            </a:r>
+            <a:r>
+              <a:rPr lang="pt-BR" dirty="0"/>
+              <a:t>, pois ela</a:t>
+            </a:r>
+            <a:r>
+              <a:rPr lang="pt-BR" baseline="0" dirty="0"/>
+              <a:t> </a:t>
+            </a:r>
+            <a:r>
+              <a:rPr lang="pt-BR" sz="1200" dirty="0"/>
+              <a:t>garante que todos os exemplos do conjunto de dados original tenham a chance de aparecer nos conjuntos de treinamento e validação,</a:t>
+            </a:r>
+            <a:r>
+              <a:rPr lang="pt-BR" sz="1200" baseline="0" dirty="0"/>
+              <a:t> o que consequentemente, </a:t>
+            </a:r>
+            <a:r>
+              <a:rPr lang="pt-BR" dirty="0"/>
+              <a:t>reduz a variância.</a:t>
+            </a:r>
+            <a:r>
+              <a:rPr lang="pt-BR" baseline="0" dirty="0"/>
+              <a:t> </a:t>
+            </a:r>
+          </a:p>
+          <a:p>
+            <a:endParaRPr lang="pt-BR" baseline="0" dirty="0"/>
+          </a:p>
+          <a:p>
+            <a:r>
+              <a:rPr lang="pt-BR" dirty="0"/>
+              <a:t>Portanto,</a:t>
+            </a:r>
+            <a:r>
+              <a:rPr lang="pt-BR" baseline="0" dirty="0"/>
+              <a:t> a</a:t>
+            </a:r>
+            <a:r>
+              <a:rPr lang="pt-BR" dirty="0"/>
+              <a:t> troca dos conjuntos de treinamento e validação contribuem</a:t>
+            </a:r>
+            <a:r>
+              <a:rPr lang="pt-BR" baseline="0" dirty="0"/>
+              <a:t> </a:t>
+            </a:r>
+            <a:r>
+              <a:rPr lang="pt-BR" dirty="0"/>
+              <a:t>para a eficácia dessa </a:t>
+            </a:r>
+            <a:r>
+              <a:rPr lang="pt-BR" sz="1200" dirty="0"/>
+              <a:t>estratégia</a:t>
+            </a:r>
+            <a:r>
+              <a:rPr lang="pt-BR" dirty="0"/>
+              <a:t>. </a:t>
+            </a:r>
+            <a:r>
+              <a:rPr lang="pt-BR" baseline="0" dirty="0"/>
+              <a:t>Como regra geral e evidência empírica, normalmente, utiliza-se K = 5 ou 10. A variância da estimativa resultante é reduzida à medida que k é aumentado.</a:t>
+            </a:r>
+          </a:p>
+          <a:p>
+            <a:endParaRPr lang="pt-BR" baseline="0" dirty="0"/>
+          </a:p>
+          <a:p>
+            <a:r>
+              <a:rPr lang="pt-BR" baseline="0" dirty="0"/>
+              <a:t>A validação cruzada do k-</a:t>
+            </a:r>
+            <a:r>
+              <a:rPr lang="pt-BR" baseline="0" dirty="0" err="1"/>
+              <a:t>Fold</a:t>
+            </a:r>
+            <a:r>
+              <a:rPr lang="pt-BR" baseline="0" dirty="0"/>
+              <a:t> é importante pois permite que você use seu conjunto de dados completo tanto para treinamento como para validação. É especialmente útil ao avaliar um modelo usando conjuntos de dados pequenos ou limitados.</a:t>
+            </a:r>
+          </a:p>
+          <a:p>
+            <a:endParaRPr lang="pt-BR" dirty="0"/>
+          </a:p>
+          <a:p>
+            <a:r>
+              <a:rPr lang="pt-BR" dirty="0"/>
+              <a:t>O desempenho do modelo é dado pela média dos erros de validação calculados para cada um dos k </a:t>
+            </a:r>
+            <a:r>
+              <a:rPr lang="pt-BR" dirty="0" err="1"/>
+              <a:t>folds</a:t>
+            </a:r>
+            <a:r>
+              <a:rPr lang="pt-BR" dirty="0"/>
+              <a:t>. A estimativa de erro é calculada sobre todos os k </a:t>
+            </a:r>
+            <a:r>
+              <a:rPr lang="pt-BR" dirty="0" err="1"/>
+              <a:t>folds</a:t>
+            </a:r>
+            <a:r>
+              <a:rPr lang="pt-BR" dirty="0"/>
+              <a:t> para obter a eficácia total do modelo. </a:t>
+            </a:r>
+          </a:p>
+          <a:p>
+            <a:pPr marL="0" marR="0" indent="0" algn="l" defTabSz="914400" rtl="0" eaLnBrk="1" fontAlgn="auto" latinLnBrk="0" hangingPunct="1">
+              <a:lnSpc>
+                <a:spcPct val="100000"/>
+              </a:lnSpc>
+              <a:spcBef>
+                <a:spcPts val="0"/>
+              </a:spcBef>
+              <a:spcAft>
+                <a:spcPts val="0"/>
+              </a:spcAft>
+              <a:buClrTx/>
+              <a:buSzTx/>
+              <a:buFontTx/>
+              <a:buNone/>
+              <a:tabLst/>
+              <a:defRPr/>
+            </a:pPr>
+            <a:endParaRPr lang="pt-BR" dirty="0"/>
+          </a:p>
+          <a:p>
+            <a:pPr marL="0" marR="0" indent="0" algn="l" defTabSz="914400" rtl="0" eaLnBrk="1" fontAlgn="auto" latinLnBrk="0" hangingPunct="1">
+              <a:lnSpc>
+                <a:spcPct val="100000"/>
+              </a:lnSpc>
+              <a:spcBef>
+                <a:spcPts val="0"/>
+              </a:spcBef>
+              <a:spcAft>
+                <a:spcPts val="0"/>
+              </a:spcAft>
+              <a:buClrTx/>
+              <a:buSzTx/>
+              <a:buFontTx/>
+              <a:buNone/>
+              <a:tabLst/>
+              <a:defRPr/>
+            </a:pPr>
+            <a:r>
+              <a:rPr lang="pt-BR" dirty="0"/>
+              <a:t>Como pode ser visto, todo exemplo fica em um conjunto de validação exatamente uma vez e em um conjunto de treinamento k-1 vezes.</a:t>
+            </a:r>
+          </a:p>
+          <a:p>
+            <a:r>
+              <a:rPr lang="pt-BR" baseline="0" dirty="0"/>
+              <a:t>Cada exemplo entra em um conjunto de validação exatamente uma vez e a k-1 vezes no conjunto de treinamento.</a:t>
+            </a:r>
+          </a:p>
+          <a:p>
+            <a:pPr marL="0" marR="0" indent="0" algn="l" defTabSz="914400" rtl="0" eaLnBrk="1" fontAlgn="auto" latinLnBrk="0" hangingPunct="1">
+              <a:lnSpc>
+                <a:spcPct val="100000"/>
+              </a:lnSpc>
+              <a:spcBef>
+                <a:spcPts val="0"/>
+              </a:spcBef>
+              <a:spcAft>
+                <a:spcPts val="0"/>
+              </a:spcAft>
+              <a:buClrTx/>
+              <a:buSzTx/>
+              <a:buFontTx/>
+              <a:buNone/>
+              <a:tabLst/>
+              <a:defRPr/>
+            </a:pPr>
+            <a:r>
+              <a:rPr lang="pt-BR" dirty="0"/>
+              <a:t>Com este procedimento, toda amostra disponível vai aparecer k-1 vezes no conjunto de treinamento e 1 vez no conjunto de validação.</a:t>
+            </a:r>
+          </a:p>
+          <a:p>
+            <a:endParaRPr lang="pt-BR" dirty="0"/>
+          </a:p>
+          <a:p>
+            <a:r>
+              <a:rPr lang="pt-BR" b="1" dirty="0"/>
+              <a:t>Desvantagem</a:t>
+            </a:r>
+            <a:r>
+              <a:rPr lang="pt-BR" dirty="0"/>
+              <a:t>:</a:t>
+            </a:r>
+          </a:p>
+          <a:p>
+            <a:r>
+              <a:rPr lang="pt-BR" dirty="0"/>
+              <a:t>Alto</a:t>
+            </a:r>
+            <a:r>
+              <a:rPr lang="pt-BR" baseline="0" dirty="0"/>
+              <a:t> custo </a:t>
+            </a:r>
+            <a:r>
+              <a:rPr lang="pt-BR" baseline="0" dirty="0" err="1"/>
+              <a:t>computational</a:t>
+            </a:r>
+            <a:r>
+              <a:rPr lang="pt-BR" baseline="0" dirty="0"/>
+              <a:t> pois treina-se e valida-se o modelo k vezes, ou seja, o algoritmo de treinamento deve ser executado novamente do zero k vezes, o que significa que leva k vezes mais tempo para fazer uma avaliação (</a:t>
+            </a:r>
+            <a:r>
+              <a:rPr lang="pt-BR" baseline="0" dirty="0" err="1"/>
+              <a:t>treinamento+validação</a:t>
+            </a:r>
+            <a:r>
+              <a:rPr lang="pt-BR" baseline="0" dirty="0"/>
+              <a:t>).</a:t>
+            </a:r>
+            <a:endParaRPr lang="pt-BR" dirty="0"/>
+          </a:p>
+          <a:p>
+            <a:endParaRPr lang="pt-BR" dirty="0"/>
+          </a:p>
+          <a:p>
+            <a:endParaRPr lang="pt-BR" dirty="0"/>
+          </a:p>
+          <a:p>
             <a:endParaRPr lang="pt-BR" dirty="0"/>
           </a:p>
         </p:txBody>
@@ -1409,7 +1773,7 @@
     </p:spTree>
     <p:extLst>
       <p:ext uri="{BB962C8B-B14F-4D97-AF65-F5344CB8AC3E}">
-        <p14:creationId xmlns:p14="http://schemas.microsoft.com/office/powerpoint/2010/main" val="1926337988"/>
+        <p14:creationId xmlns:p14="http://schemas.microsoft.com/office/powerpoint/2010/main" val="694839240"/>
       </p:ext>
     </p:extLst>
   </p:cSld>
@@ -1463,41 +1827,6 @@
           <a:bodyPr/>
           <a:lstStyle/>
           <a:p>
-            <a:pPr marL="0" marR="0" lvl="0" indent="0" algn="l" defTabSz="914400" rtl="0" eaLnBrk="1" fontAlgn="auto" latinLnBrk="0" hangingPunct="1">
-              <a:lnSpc>
-                <a:spcPct val="100000"/>
-              </a:lnSpc>
-              <a:spcBef>
-                <a:spcPts val="0"/>
-              </a:spcBef>
-              <a:spcAft>
-                <a:spcPts val="0"/>
-              </a:spcAft>
-              <a:buClrTx/>
-              <a:buSzTx/>
-              <a:buFontTx/>
-              <a:buNone/>
-              <a:tabLst/>
-              <a:defRPr/>
-            </a:pPr>
-            <a:r>
-              <a:rPr lang="pt-BR" b="1" dirty="0"/>
-              <a:t>Exemplo</a:t>
-            </a:r>
-            <a:r>
-              <a:rPr lang="pt-BR" dirty="0"/>
-              <a:t>:</a:t>
-            </a:r>
-            <a:r>
-              <a:rPr lang="pt-BR" baseline="0" dirty="0"/>
-              <a:t> </a:t>
-            </a:r>
-            <a:r>
-              <a:rPr lang="pt-BR" dirty="0"/>
-              <a:t>https://colab.research.google.com/github/zz4fap/t319_aprendizado_de_maquina/blob/main/notebooks/regression/validacao_cruzada.ipynb</a:t>
-            </a:r>
-          </a:p>
-          <a:p>
             <a:endParaRPr lang="pt-BR" dirty="0"/>
           </a:p>
         </p:txBody>
@@ -1528,7 +1857,7 @@
     </p:spTree>
     <p:extLst>
       <p:ext uri="{BB962C8B-B14F-4D97-AF65-F5344CB8AC3E}">
-        <p14:creationId xmlns:p14="http://schemas.microsoft.com/office/powerpoint/2010/main" val="2218108381"/>
+        <p14:creationId xmlns:p14="http://schemas.microsoft.com/office/powerpoint/2010/main" val="1926337988"/>
       </p:ext>
     </p:extLst>
   </p:cSld>
@@ -1582,6 +1911,41 @@
           <a:bodyPr/>
           <a:lstStyle/>
           <a:p>
+            <a:pPr marL="0" marR="0" lvl="0" indent="0" algn="l" defTabSz="914400" rtl="0" eaLnBrk="1" fontAlgn="auto" latinLnBrk="0" hangingPunct="1">
+              <a:lnSpc>
+                <a:spcPct val="100000"/>
+              </a:lnSpc>
+              <a:spcBef>
+                <a:spcPts val="0"/>
+              </a:spcBef>
+              <a:spcAft>
+                <a:spcPts val="0"/>
+              </a:spcAft>
+              <a:buClrTx/>
+              <a:buSzTx/>
+              <a:buFontTx/>
+              <a:buNone/>
+              <a:tabLst/>
+              <a:defRPr/>
+            </a:pPr>
+            <a:r>
+              <a:rPr lang="pt-BR" b="1" dirty="0"/>
+              <a:t>Exemplo</a:t>
+            </a:r>
+            <a:r>
+              <a:rPr lang="pt-BR" dirty="0"/>
+              <a:t>:</a:t>
+            </a:r>
+            <a:r>
+              <a:rPr lang="pt-BR" baseline="0" dirty="0"/>
+              <a:t> </a:t>
+            </a:r>
+            <a:r>
+              <a:rPr lang="pt-BR" dirty="0"/>
+              <a:t>https://colab.research.google.com/github/zz4fap/t319_aprendizado_de_maquina/blob/main/notebooks/regression/validacao_cruzada.ipynb</a:t>
+            </a:r>
+          </a:p>
+          <a:p>
             <a:endParaRPr lang="pt-BR" dirty="0"/>
           </a:p>
         </p:txBody>
@@ -1612,7 +1976,7 @@
     </p:spTree>
     <p:extLst>
       <p:ext uri="{BB962C8B-B14F-4D97-AF65-F5344CB8AC3E}">
-        <p14:creationId xmlns:p14="http://schemas.microsoft.com/office/powerpoint/2010/main" val="556914407"/>
+        <p14:creationId xmlns:p14="http://schemas.microsoft.com/office/powerpoint/2010/main" val="2218108381"/>
       </p:ext>
     </p:extLst>
   </p:cSld>
@@ -1666,48 +2030,6 @@
           <a:bodyPr/>
           <a:lstStyle/>
           <a:p>
-            <a:r>
-              <a:rPr lang="pt-BR" dirty="0"/>
-              <a:t>A figura mostra um modelo com número de amostras de treinamento muito maior do que sua complexidade.</a:t>
-            </a:r>
-          </a:p>
-          <a:p>
-            <a:endParaRPr lang="pt-BR" dirty="0"/>
-          </a:p>
-          <a:p>
-            <a:r>
-              <a:rPr lang="pt-BR" b="0" i="0" dirty="0">
-                <a:solidFill>
-                  <a:srgbClr val="374151"/>
-                </a:solidFill>
-                <a:effectLst/>
-                <a:latin typeface="Söhne"/>
-              </a:rPr>
-              <a:t>No entanto, é importante ressaltar que o princípio da navalha de </a:t>
-            </a:r>
-            <a:r>
-              <a:rPr lang="pt-BR" b="0" i="0" dirty="0" err="1">
-                <a:solidFill>
-                  <a:srgbClr val="374151"/>
-                </a:solidFill>
-                <a:effectLst/>
-                <a:latin typeface="Söhne"/>
-              </a:rPr>
-              <a:t>Occam</a:t>
-            </a:r>
-            <a:r>
-              <a:rPr lang="pt-BR" b="0" i="0" dirty="0">
-                <a:solidFill>
-                  <a:srgbClr val="374151"/>
-                </a:solidFill>
-                <a:effectLst/>
-                <a:latin typeface="Söhne"/>
-              </a:rPr>
-              <a:t> não é uma regra absoluta, mas sim uma orientação heurística. Em certos casos, explicações mais complexas podem ser necessárias para capturar toda a complexidade do fenômeno estudado. Portanto, a aplicação do princípio requer um equilíbrio cuidadoso entre simplicidade e adequação à realidade observada.</a:t>
-            </a:r>
-            <a:endParaRPr lang="pt-BR" dirty="0"/>
-          </a:p>
-          <a:p>
             <a:endParaRPr lang="pt-BR" dirty="0"/>
           </a:p>
         </p:txBody>
@@ -1729,7 +2051,133 @@
           <a:p>
             <a:fld id="{DA8B99DF-01BC-492A-8CEF-4FD88D18DD9D}" type="slidenum">
               <a:rPr lang="nl-BE" smtClean="0"/>
-              <a:t>16</a:t>
+              <a:t>14</a:t>
+            </a:fld>
+            <a:endParaRPr lang="nl-BE"/>
+          </a:p>
+        </p:txBody>
+      </p:sp>
+    </p:spTree>
+    <p:extLst>
+      <p:ext uri="{BB962C8B-B14F-4D97-AF65-F5344CB8AC3E}">
+        <p14:creationId xmlns:p14="http://schemas.microsoft.com/office/powerpoint/2010/main" val="556914407"/>
+      </p:ext>
+    </p:extLst>
+  </p:cSld>
+  <p:clrMapOvr>
+    <a:masterClrMapping/>
+  </p:clrMapOvr>
+</p:notes>
+</file>
+
+<file path=ppt/notesSlides/notesSlide15.xml><?xml version="1.0" encoding="utf-8"?>
+<p:notes xmlns:a="http://schemas.openxmlformats.org/drawingml/2006/main" xmlns:r="http://schemas.openxmlformats.org/officeDocument/2006/relationships" xmlns:p="http://schemas.openxmlformats.org/presentationml/2006/main">
+  <p:cSld>
+    <p:spTree>
+      <p:nvGrpSpPr>
+        <p:cNvPr id="1" name=""/>
+        <p:cNvGrpSpPr/>
+        <p:nvPr/>
+      </p:nvGrpSpPr>
+      <p:grpSpPr>
+        <a:xfrm>
+          <a:off x="0" y="0"/>
+          <a:ext cx="0" cy="0"/>
+          <a:chOff x="0" y="0"/>
+          <a:chExt cx="0" cy="0"/>
+        </a:xfrm>
+      </p:grpSpPr>
+      <p:sp>
+        <p:nvSpPr>
+          <p:cNvPr id="2" name="Espaço Reservado para Imagem de Slide 1"/>
+          <p:cNvSpPr>
+            <a:spLocks noGrp="1" noRot="1" noChangeAspect="1"/>
+          </p:cNvSpPr>
+          <p:nvPr>
+            <p:ph type="sldImg"/>
+          </p:nvPr>
+        </p:nvSpPr>
+        <p:spPr/>
+      </p:sp>
+      <p:sp>
+        <p:nvSpPr>
+          <p:cNvPr id="3" name="Espaço Reservado para Anotações 2"/>
+          <p:cNvSpPr>
+            <a:spLocks noGrp="1"/>
+          </p:cNvSpPr>
+          <p:nvPr>
+            <p:ph type="body" idx="1"/>
+          </p:nvPr>
+        </p:nvSpPr>
+        <p:spPr/>
+        <p:txBody>
+          <a:bodyPr/>
+          <a:lstStyle/>
+          <a:p>
+            <a:r>
+              <a:rPr lang="pt-BR" dirty="0"/>
+              <a:t>A figura mostra um modelo com número de amostras de treinamento muito maior do que sua complexidade.</a:t>
+            </a:r>
+          </a:p>
+          <a:p>
+            <a:endParaRPr lang="pt-BR" dirty="0"/>
+          </a:p>
+          <a:p>
+            <a:r>
+              <a:rPr lang="pt-BR" b="0" i="0" dirty="0">
+                <a:solidFill>
+                  <a:srgbClr val="374151"/>
+                </a:solidFill>
+                <a:effectLst/>
+                <a:latin typeface="Söhne"/>
+              </a:rPr>
+              <a:t>No entanto, é importante ressaltar que o princípio da navalha de </a:t>
+            </a:r>
+            <a:r>
+              <a:rPr lang="pt-BR" b="0" i="0" dirty="0" err="1">
+                <a:solidFill>
+                  <a:srgbClr val="374151"/>
+                </a:solidFill>
+                <a:effectLst/>
+                <a:latin typeface="Söhne"/>
+              </a:rPr>
+              <a:t>Occam</a:t>
+            </a:r>
+            <a:r>
+              <a:rPr lang="pt-BR" b="0" i="0" dirty="0">
+                <a:solidFill>
+                  <a:srgbClr val="374151"/>
+                </a:solidFill>
+                <a:effectLst/>
+                <a:latin typeface="Söhne"/>
+              </a:rPr>
+              <a:t> não é uma regra absoluta, mas sim uma orientação heurística. Em certos casos, explicações mais complexas podem ser necessárias para capturar toda a complexidade do fenômeno estudado. Portanto, a aplicação do princípio requer um equilíbrio cuidadoso entre simplicidade e adequação à realidade observada.</a:t>
+            </a:r>
+            <a:endParaRPr lang="pt-BR" dirty="0"/>
+          </a:p>
+          <a:p>
+            <a:endParaRPr lang="pt-BR" dirty="0"/>
+          </a:p>
+        </p:txBody>
+      </p:sp>
+      <p:sp>
+        <p:nvSpPr>
+          <p:cNvPr id="4" name="Espaço Reservado para Número de Slide 3"/>
+          <p:cNvSpPr>
+            <a:spLocks noGrp="1"/>
+          </p:cNvSpPr>
+          <p:nvPr>
+            <p:ph type="sldNum" sz="quarter" idx="5"/>
+          </p:nvPr>
+        </p:nvSpPr>
+        <p:spPr/>
+        <p:txBody>
+          <a:bodyPr/>
+          <a:lstStyle/>
+          <a:p>
+            <a:fld id="{DA8B99DF-01BC-492A-8CEF-4FD88D18DD9D}" type="slidenum">
+              <a:rPr lang="nl-BE" smtClean="0"/>
+              <a:t>17</a:t>
             </a:fld>
             <a:endParaRPr lang="nl-BE"/>
           </a:p>
@@ -1748,7 +2196,7 @@
 </p:notes>
 </file>
 
-<file path=ppt/notesSlides/notesSlide15.xml><?xml version="1.0" encoding="utf-8"?>
+<file path=ppt/notesSlides/notesSlide16.xml><?xml version="1.0" encoding="utf-8"?>
 <p:notes xmlns:a="http://schemas.openxmlformats.org/drawingml/2006/main" xmlns:r="http://schemas.openxmlformats.org/officeDocument/2006/relationships" xmlns:p="http://schemas.openxmlformats.org/presentationml/2006/main">
   <p:cSld>
     <p:spTree>
@@ -1862,7 +2310,7 @@
           <a:p>
             <a:fld id="{DA8B99DF-01BC-492A-8CEF-4FD88D18DD9D}" type="slidenum">
               <a:rPr lang="nl-BE" smtClean="0"/>
-              <a:t>17</a:t>
+              <a:t>18</a:t>
             </a:fld>
             <a:endParaRPr lang="nl-BE"/>
           </a:p>
@@ -1872,90 +2320,6 @@
     <p:extLst>
       <p:ext uri="{BB962C8B-B14F-4D97-AF65-F5344CB8AC3E}">
         <p14:creationId xmlns:p14="http://schemas.microsoft.com/office/powerpoint/2010/main" val="4190145315"/>
-      </p:ext>
-    </p:extLst>
-  </p:cSld>
-  <p:clrMapOvr>
-    <a:masterClrMapping/>
-  </p:clrMapOvr>
-</p:notes>
-</file>
-
-<file path=ppt/notesSlides/notesSlide16.xml><?xml version="1.0" encoding="utf-8"?>
-<p:notes xmlns:a="http://schemas.openxmlformats.org/drawingml/2006/main" xmlns:r="http://schemas.openxmlformats.org/officeDocument/2006/relationships" xmlns:p="http://schemas.openxmlformats.org/presentationml/2006/main">
-  <p:cSld>
-    <p:spTree>
-      <p:nvGrpSpPr>
-        <p:cNvPr id="1" name=""/>
-        <p:cNvGrpSpPr/>
-        <p:nvPr/>
-      </p:nvGrpSpPr>
-      <p:grpSpPr>
-        <a:xfrm>
-          <a:off x="0" y="0"/>
-          <a:ext cx="0" cy="0"/>
-          <a:chOff x="0" y="0"/>
-          <a:chExt cx="0" cy="0"/>
-        </a:xfrm>
-      </p:grpSpPr>
-      <p:sp>
-        <p:nvSpPr>
-          <p:cNvPr id="2" name="Espaço Reservado para Imagem de Slide 1"/>
-          <p:cNvSpPr>
-            <a:spLocks noGrp="1" noRot="1" noChangeAspect="1"/>
-          </p:cNvSpPr>
-          <p:nvPr>
-            <p:ph type="sldImg"/>
-          </p:nvPr>
-        </p:nvSpPr>
-        <p:spPr/>
-      </p:sp>
-      <p:sp>
-        <p:nvSpPr>
-          <p:cNvPr id="3" name="Espaço Reservado para Anotações 2"/>
-          <p:cNvSpPr>
-            <a:spLocks noGrp="1"/>
-          </p:cNvSpPr>
-          <p:nvPr>
-            <p:ph type="body" idx="1"/>
-          </p:nvPr>
-        </p:nvSpPr>
-        <p:spPr/>
-        <p:txBody>
-          <a:bodyPr/>
-          <a:lstStyle/>
-          <a:p>
-            <a:endParaRPr lang="pt-BR" dirty="0"/>
-          </a:p>
-        </p:txBody>
-      </p:sp>
-      <p:sp>
-        <p:nvSpPr>
-          <p:cNvPr id="4" name="Espaço Reservado para Número de Slide 3"/>
-          <p:cNvSpPr>
-            <a:spLocks noGrp="1"/>
-          </p:cNvSpPr>
-          <p:nvPr>
-            <p:ph type="sldNum" sz="quarter" idx="5"/>
-          </p:nvPr>
-        </p:nvSpPr>
-        <p:spPr/>
-        <p:txBody>
-          <a:bodyPr/>
-          <a:lstStyle/>
-          <a:p>
-            <a:fld id="{DA8B99DF-01BC-492A-8CEF-4FD88D18DD9D}" type="slidenum">
-              <a:rPr lang="nl-BE" smtClean="0"/>
-              <a:t>22</a:t>
-            </a:fld>
-            <a:endParaRPr lang="nl-BE"/>
-          </a:p>
-        </p:txBody>
-      </p:sp>
-    </p:spTree>
-    <p:extLst>
-      <p:ext uri="{BB962C8B-B14F-4D97-AF65-F5344CB8AC3E}">
-        <p14:creationId xmlns:p14="http://schemas.microsoft.com/office/powerpoint/2010/main" val="4112895228"/>
       </p:ext>
     </p:extLst>
   </p:cSld>
@@ -2031,6 +2395,90 @@
             <a:fld id="{DA8B99DF-01BC-492A-8CEF-4FD88D18DD9D}" type="slidenum">
               <a:rPr lang="nl-BE" smtClean="0"/>
               <a:t>23</a:t>
+            </a:fld>
+            <a:endParaRPr lang="nl-BE"/>
+          </a:p>
+        </p:txBody>
+      </p:sp>
+    </p:spTree>
+    <p:extLst>
+      <p:ext uri="{BB962C8B-B14F-4D97-AF65-F5344CB8AC3E}">
+        <p14:creationId xmlns:p14="http://schemas.microsoft.com/office/powerpoint/2010/main" val="4112895228"/>
+      </p:ext>
+    </p:extLst>
+  </p:cSld>
+  <p:clrMapOvr>
+    <a:masterClrMapping/>
+  </p:clrMapOvr>
+</p:notes>
+</file>
+
+<file path=ppt/notesSlides/notesSlide18.xml><?xml version="1.0" encoding="utf-8"?>
+<p:notes xmlns:a="http://schemas.openxmlformats.org/drawingml/2006/main" xmlns:r="http://schemas.openxmlformats.org/officeDocument/2006/relationships" xmlns:p="http://schemas.openxmlformats.org/presentationml/2006/main">
+  <p:cSld>
+    <p:spTree>
+      <p:nvGrpSpPr>
+        <p:cNvPr id="1" name=""/>
+        <p:cNvGrpSpPr/>
+        <p:nvPr/>
+      </p:nvGrpSpPr>
+      <p:grpSpPr>
+        <a:xfrm>
+          <a:off x="0" y="0"/>
+          <a:ext cx="0" cy="0"/>
+          <a:chOff x="0" y="0"/>
+          <a:chExt cx="0" cy="0"/>
+        </a:xfrm>
+      </p:grpSpPr>
+      <p:sp>
+        <p:nvSpPr>
+          <p:cNvPr id="2" name="Espaço Reservado para Imagem de Slide 1"/>
+          <p:cNvSpPr>
+            <a:spLocks noGrp="1" noRot="1" noChangeAspect="1"/>
+          </p:cNvSpPr>
+          <p:nvPr>
+            <p:ph type="sldImg"/>
+          </p:nvPr>
+        </p:nvSpPr>
+        <p:spPr/>
+      </p:sp>
+      <p:sp>
+        <p:nvSpPr>
+          <p:cNvPr id="3" name="Espaço Reservado para Anotações 2"/>
+          <p:cNvSpPr>
+            <a:spLocks noGrp="1"/>
+          </p:cNvSpPr>
+          <p:nvPr>
+            <p:ph type="body" idx="1"/>
+          </p:nvPr>
+        </p:nvSpPr>
+        <p:spPr/>
+        <p:txBody>
+          <a:bodyPr/>
+          <a:lstStyle/>
+          <a:p>
+            <a:endParaRPr lang="pt-BR" dirty="0"/>
+          </a:p>
+        </p:txBody>
+      </p:sp>
+      <p:sp>
+        <p:nvSpPr>
+          <p:cNvPr id="4" name="Espaço Reservado para Número de Slide 3"/>
+          <p:cNvSpPr>
+            <a:spLocks noGrp="1"/>
+          </p:cNvSpPr>
+          <p:nvPr>
+            <p:ph type="sldNum" sz="quarter" idx="5"/>
+          </p:nvPr>
+        </p:nvSpPr>
+        <p:spPr/>
+        <p:txBody>
+          <a:bodyPr/>
+          <a:lstStyle/>
+          <a:p>
+            <a:fld id="{DA8B99DF-01BC-492A-8CEF-4FD88D18DD9D}" type="slidenum">
+              <a:rPr lang="nl-BE" smtClean="0"/>
+              <a:t>24</a:t>
             </a:fld>
             <a:endParaRPr lang="nl-BE"/>
           </a:p>
@@ -2891,22 +3339,6 @@
           <a:lstStyle/>
           <a:p>
             <a:r>
-              <a:rPr lang="pt-BR" b="0" i="0" dirty="0">
-                <a:solidFill>
-                  <a:srgbClr val="0F0F0F"/>
-                </a:solidFill>
-                <a:effectLst/>
-                <a:latin typeface="Söhne"/>
-              </a:rPr>
-              <a:t>O viés de seleção ocorre quando a escolha de determinados conjuntos de treinamento e teste afeta significativamente a avaliação do modelo.</a:t>
-            </a:r>
-            <a:endParaRPr lang="pt-BR" dirty="0"/>
-          </a:p>
-          <a:p>
-            <a:endParaRPr lang="pt-BR" dirty="0"/>
-          </a:p>
-          <a:p>
-            <a:r>
               <a:rPr lang="pt-BR" dirty="0"/>
               <a:t>Normalmente,</a:t>
             </a:r>
@@ -3019,7 +3451,7 @@
     </p:spTree>
     <p:extLst>
       <p:ext uri="{BB962C8B-B14F-4D97-AF65-F5344CB8AC3E}">
-        <p14:creationId xmlns:p14="http://schemas.microsoft.com/office/powerpoint/2010/main" val="3195397268"/>
+        <p14:creationId xmlns:p14="http://schemas.microsoft.com/office/powerpoint/2010/main" val="1772297164"/>
       </p:ext>
     </p:extLst>
   </p:cSld>
@@ -3074,362 +3506,98 @@
           <a:lstStyle/>
           <a:p>
             <a:r>
-              <a:rPr lang="pt-BR" dirty="0"/>
-              <a:t>A ideia principal por trás da</a:t>
-            </a:r>
-            <a:r>
-              <a:rPr lang="pt-BR" baseline="0" dirty="0"/>
-              <a:t> estratégia do k-</a:t>
-            </a:r>
-            <a:r>
-              <a:rPr lang="pt-BR" baseline="0" dirty="0" err="1"/>
-              <a:t>Fold</a:t>
-            </a:r>
-            <a:r>
-              <a:rPr lang="pt-BR" baseline="0" dirty="0"/>
-              <a:t> </a:t>
-            </a:r>
-            <a:r>
-              <a:rPr lang="pt-BR" dirty="0"/>
-              <a:t>é que cada</a:t>
-            </a:r>
-            <a:r>
-              <a:rPr lang="pt-BR" baseline="0" dirty="0"/>
-              <a:t> exemplo do conjunto de dados faz o serviço duplo como dado de treinamento e de validação/teste.</a:t>
-            </a:r>
-            <a:endParaRPr lang="pt-BR" dirty="0"/>
-          </a:p>
-          <a:p>
-            <a:endParaRPr lang="pt-BR" dirty="0"/>
-          </a:p>
-          <a:p>
-            <a:pPr marL="0" marR="0" indent="0" algn="l" defTabSz="914400" rtl="0" eaLnBrk="1" fontAlgn="auto" latinLnBrk="0" hangingPunct="1">
-              <a:lnSpc>
-                <a:spcPct val="100000"/>
-              </a:lnSpc>
-              <a:spcBef>
-                <a:spcPts val="0"/>
-              </a:spcBef>
-              <a:spcAft>
-                <a:spcPts val="0"/>
-              </a:spcAft>
-              <a:buClrTx/>
-              <a:buSzTx/>
-              <a:buFontTx/>
-              <a:buNone/>
-              <a:tabLst/>
-              <a:defRPr/>
-            </a:pPr>
-            <a:r>
-              <a:rPr lang="pt-BR" dirty="0"/>
-              <a:t>Na validação cruzada do k-</a:t>
-            </a:r>
-            <a:r>
-              <a:rPr lang="pt-BR" dirty="0" err="1"/>
-              <a:t>Fold</a:t>
-            </a:r>
-            <a:r>
-              <a:rPr lang="pt-BR" dirty="0"/>
-              <a:t>, os dados são divididos em k subconjuntos. A validação é repetida k vezes, de modo que, a cada vez, um dos subconjuntos k é usado como conjunto de validação e os outros subconjuntos k-1 são reunidos para formar um único conjunto de treinamento. Desta forma, </a:t>
-            </a:r>
-            <a:r>
-              <a:rPr lang="pt-BR" baseline="0" dirty="0"/>
-              <a:t>uma vantagem dessa abordagem é que a forma como os dados são divididos importa menos. </a:t>
-            </a:r>
-          </a:p>
-          <a:p>
-            <a:endParaRPr lang="pt-BR" dirty="0"/>
-          </a:p>
-          <a:p>
-            <a:r>
-              <a:rPr lang="pt-BR" dirty="0"/>
-              <a:t>Essa</a:t>
-            </a:r>
-            <a:r>
-              <a:rPr lang="pt-BR" baseline="0" dirty="0"/>
-              <a:t> </a:t>
-            </a:r>
-            <a:r>
-              <a:rPr lang="pt-BR" sz="1200" dirty="0"/>
-              <a:t>estratégia </a:t>
-            </a:r>
-            <a:r>
-              <a:rPr lang="pt-BR" dirty="0"/>
-              <a:t>reduz significativamente o problema do viés</a:t>
-            </a:r>
-            <a:r>
-              <a:rPr lang="pt-BR" baseline="0" dirty="0"/>
-              <a:t> de seleção</a:t>
-            </a:r>
-            <a:r>
-              <a:rPr lang="pt-BR" dirty="0"/>
-              <a:t>, pois ela</a:t>
-            </a:r>
-            <a:r>
-              <a:rPr lang="pt-BR" baseline="0" dirty="0"/>
-              <a:t> </a:t>
-            </a:r>
-            <a:r>
-              <a:rPr lang="pt-BR" sz="1200" dirty="0"/>
-              <a:t>garante que todos os exemplos do conjunto de dados original tenham a chance de aparecer nos conjuntos de treinamento e validação,</a:t>
-            </a:r>
-            <a:r>
-              <a:rPr lang="pt-BR" sz="1200" baseline="0" dirty="0"/>
-              <a:t> o que consequentemente, </a:t>
-            </a:r>
-            <a:r>
-              <a:rPr lang="pt-BR" dirty="0"/>
-              <a:t>reduz a variância.</a:t>
-            </a:r>
-            <a:r>
-              <a:rPr lang="pt-BR" baseline="0" dirty="0"/>
-              <a:t> </a:t>
-            </a:r>
-          </a:p>
-          <a:p>
-            <a:endParaRPr lang="pt-BR" baseline="0" dirty="0"/>
-          </a:p>
-          <a:p>
-            <a:r>
-              <a:rPr lang="pt-BR" dirty="0"/>
-              <a:t>Portanto,</a:t>
-            </a:r>
-            <a:r>
-              <a:rPr lang="pt-BR" baseline="0" dirty="0"/>
-              <a:t> a</a:t>
-            </a:r>
-            <a:r>
-              <a:rPr lang="pt-BR" dirty="0"/>
-              <a:t> troca dos conjuntos de treinamento e validação contribuem</a:t>
-            </a:r>
-            <a:r>
-              <a:rPr lang="pt-BR" baseline="0" dirty="0"/>
-              <a:t> </a:t>
-            </a:r>
-            <a:r>
-              <a:rPr lang="pt-BR" dirty="0"/>
-              <a:t>para a eficácia dessa </a:t>
-            </a:r>
-            <a:r>
-              <a:rPr lang="pt-BR" sz="1200" dirty="0"/>
-              <a:t>estratégia</a:t>
-            </a:r>
-            <a:r>
-              <a:rPr lang="pt-BR" dirty="0"/>
-              <a:t>. </a:t>
-            </a:r>
-            <a:r>
-              <a:rPr lang="pt-BR" baseline="0" dirty="0"/>
-              <a:t>Como regra geral e evidência empírica, normalmente, utiliza-se K = 5 ou 10. A variância da estimativa resultante é reduzida à medida que k é aumentado.</a:t>
-            </a:r>
-          </a:p>
-          <a:p>
-            <a:endParaRPr lang="pt-BR" baseline="0" dirty="0"/>
-          </a:p>
-          <a:p>
-            <a:r>
-              <a:rPr lang="pt-BR" baseline="0" dirty="0"/>
-              <a:t>A validação cruzada do k-</a:t>
-            </a:r>
-            <a:r>
-              <a:rPr lang="pt-BR" baseline="0" dirty="0" err="1"/>
-              <a:t>Fold</a:t>
-            </a:r>
-            <a:r>
-              <a:rPr lang="pt-BR" baseline="0" dirty="0"/>
-              <a:t> é importante pois permite que você use seu conjunto de dados completo tanto para treinamento como para validação. É especialmente útil ao avaliar um modelo usando conjuntos de dados pequenos ou limitados.</a:t>
-            </a:r>
-          </a:p>
-          <a:p>
-            <a:endParaRPr lang="pt-BR" dirty="0"/>
-          </a:p>
-          <a:p>
-            <a:r>
-              <a:rPr lang="pt-BR" dirty="0"/>
-              <a:t>O desempenho do modelo é dado pela média dos erros de validação calculados para cada um dos k folds. A estimativa de erro é calculada sobre todos os k folds para obter a eficácia total do modelo. </a:t>
-            </a:r>
-          </a:p>
-          <a:p>
-            <a:pPr marL="0" marR="0" indent="0" algn="l" defTabSz="914400" rtl="0" eaLnBrk="1" fontAlgn="auto" latinLnBrk="0" hangingPunct="1">
-              <a:lnSpc>
-                <a:spcPct val="100000"/>
-              </a:lnSpc>
-              <a:spcBef>
-                <a:spcPts val="0"/>
-              </a:spcBef>
-              <a:spcAft>
-                <a:spcPts val="0"/>
-              </a:spcAft>
-              <a:buClrTx/>
-              <a:buSzTx/>
-              <a:buFontTx/>
-              <a:buNone/>
-              <a:tabLst/>
-              <a:defRPr/>
-            </a:pPr>
-            <a:endParaRPr lang="pt-BR" dirty="0"/>
-          </a:p>
-          <a:p>
-            <a:pPr marL="0" marR="0" indent="0" algn="l" defTabSz="914400" rtl="0" eaLnBrk="1" fontAlgn="auto" latinLnBrk="0" hangingPunct="1">
-              <a:lnSpc>
-                <a:spcPct val="100000"/>
-              </a:lnSpc>
-              <a:spcBef>
-                <a:spcPts val="0"/>
-              </a:spcBef>
-              <a:spcAft>
-                <a:spcPts val="0"/>
-              </a:spcAft>
-              <a:buClrTx/>
-              <a:buSzTx/>
-              <a:buFontTx/>
-              <a:buNone/>
-              <a:tabLst/>
-              <a:defRPr/>
-            </a:pPr>
-            <a:r>
-              <a:rPr lang="pt-BR" dirty="0"/>
-              <a:t>Como pode ser visto, todo exemplo fica em um conjunto de validação exatamente uma vez e em um conjunto de treinamento k-1 vezes.</a:t>
-            </a:r>
-          </a:p>
-          <a:p>
-            <a:r>
-              <a:rPr lang="pt-BR" baseline="0" dirty="0"/>
-              <a:t>Cada exemplo entra em um conjunto de validação exatamente uma vez e a k-1 vezes no conjunto de treinamento.</a:t>
-            </a:r>
-          </a:p>
-          <a:p>
-            <a:pPr marL="0" marR="0" indent="0" algn="l" defTabSz="914400" rtl="0" eaLnBrk="1" fontAlgn="auto" latinLnBrk="0" hangingPunct="1">
-              <a:lnSpc>
-                <a:spcPct val="100000"/>
-              </a:lnSpc>
-              <a:spcBef>
-                <a:spcPts val="0"/>
-              </a:spcBef>
-              <a:spcAft>
-                <a:spcPts val="0"/>
-              </a:spcAft>
-              <a:buClrTx/>
-              <a:buSzTx/>
-              <a:buFontTx/>
-              <a:buNone/>
-              <a:tabLst/>
-              <a:defRPr/>
-            </a:pPr>
-            <a:r>
-              <a:rPr lang="pt-BR" dirty="0"/>
-              <a:t>Com este procedimento, toda amostra disponível vai aparecer k-1 vezes no conjunto de treinamento e 1 vez no conjunto de validação.</a:t>
-            </a:r>
-          </a:p>
-          <a:p>
-            <a:endParaRPr lang="pt-BR" dirty="0"/>
-          </a:p>
-          <a:p>
-            <a:r>
-              <a:rPr lang="pt-BR" b="1" dirty="0"/>
-              <a:t>Desvantagem</a:t>
-            </a:r>
-            <a:r>
-              <a:rPr lang="pt-BR" dirty="0"/>
-              <a:t>:</a:t>
-            </a:r>
-          </a:p>
-          <a:p>
-            <a:r>
-              <a:rPr lang="pt-BR" dirty="0"/>
-              <a:t>Alto</a:t>
-            </a:r>
-            <a:r>
-              <a:rPr lang="pt-BR" baseline="0" dirty="0"/>
-              <a:t> custo </a:t>
-            </a:r>
-            <a:r>
-              <a:rPr lang="pt-BR" baseline="0" dirty="0" err="1"/>
-              <a:t>computational</a:t>
-            </a:r>
-            <a:r>
-              <a:rPr lang="pt-BR" baseline="0" dirty="0"/>
-              <a:t> pois treina-se e valida-se o modelo k vezes, ou seja, o algoritmo de treinamento deve ser executado novamente do zero k vezes, o que significa que leva k vezes mais tempo para fazer uma avaliação (</a:t>
-            </a:r>
-            <a:r>
-              <a:rPr lang="pt-BR" baseline="0" dirty="0" err="1"/>
-              <a:t>treinamento+validação</a:t>
-            </a:r>
-            <a:r>
-              <a:rPr lang="pt-BR" baseline="0" dirty="0"/>
-              <a:t>).</a:t>
-            </a:r>
-            <a:endParaRPr lang="pt-BR" dirty="0"/>
-          </a:p>
-          <a:p>
-            <a:endParaRPr lang="pt-BR" dirty="0"/>
-          </a:p>
-          <a:p>
-            <a:endParaRPr lang="pt-BR" dirty="0"/>
-          </a:p>
-          <a:p>
-            <a:pPr algn="l"/>
-            <a:r>
-              <a:rPr lang="en-US" b="0" i="0" dirty="0">
-                <a:effectLst/>
-                <a:latin typeface="Söhne"/>
-              </a:rPr>
-              <a:t>What does k-fold error variance say about overfitting?</a:t>
-            </a:r>
-          </a:p>
-          <a:p>
-            <a:endParaRPr lang="pt-BR" dirty="0"/>
-          </a:p>
-          <a:p>
-            <a:pPr algn="l"/>
-            <a:r>
-              <a:rPr lang="en-US" b="0" i="0" dirty="0">
+              <a:rPr lang="pt-BR" b="0" i="0" dirty="0">
                 <a:solidFill>
-                  <a:srgbClr val="374151"/>
+                  <a:srgbClr val="0F0F0F"/>
                 </a:solidFill>
                 <a:effectLst/>
                 <a:latin typeface="Söhne"/>
               </a:rPr>
-              <a:t>K-fold error variance can provide insights into the presence of overfitting in a machine learning model. Overfitting occurs when a model learns the training data too well and performs poorly on unseen data.</a:t>
-            </a:r>
-          </a:p>
-          <a:p>
-            <a:pPr algn="l"/>
-            <a:r>
-              <a:rPr lang="en-US" b="0" i="0" dirty="0">
-                <a:solidFill>
-                  <a:srgbClr val="374151"/>
-                </a:solidFill>
-                <a:effectLst/>
-                <a:latin typeface="Söhne"/>
-              </a:rPr>
-              <a:t>In k-fold cross-validation, the dataset is divided into k subsets or folds. The model is trained on k-1 folds and evaluated on the remaining fold. This process is repeated k times, with each fold serving as the evaluation set once. The k-fold error variance refers to the variability in performance (e.g., accuracy, error rate) across the k iterations of the cross-validation process.</a:t>
-            </a:r>
-          </a:p>
-          <a:p>
-            <a:pPr algn="l"/>
-            <a:r>
-              <a:rPr lang="en-US" b="0" i="0" dirty="0">
-                <a:solidFill>
-                  <a:srgbClr val="374151"/>
-                </a:solidFill>
-                <a:effectLst/>
-                <a:latin typeface="Söhne"/>
-              </a:rPr>
-              <a:t>When the k-fold error variance is low, it suggests that the model's performance is consistent across different subsets of the data. This indicates that the model generalizes well and is less likely to be overfitting. On the other hand, a high k-fold error variance implies that the model's performance varies significantly depending on the subset of the data used for evaluation. This could be a sign of overfitting because the model might be capturing noise or idiosyncrasies in the training data that do not generalize well to unseen data.</a:t>
-            </a:r>
-          </a:p>
-          <a:p>
-            <a:pPr algn="l"/>
-            <a:r>
-              <a:rPr lang="en-US" b="0" i="0" dirty="0">
-                <a:solidFill>
-                  <a:srgbClr val="374151"/>
-                </a:solidFill>
-                <a:effectLst/>
-                <a:latin typeface="Söhne"/>
-              </a:rPr>
-              <a:t>In summary, a low k-fold error variance suggests a model with good generalization, while a high k-fold error variance may indicate overfitting and a potential lack of generalization. However, it is important to consider other factors such as the overall performance metrics and the complexity of the model to make a conclusive assessment of overfitting.</a:t>
+              <a:t>O viés de seleção ocorre quando a escolha de determinados conjuntos de treinamento e teste afeta significativamente a avaliação do modelo.</a:t>
+            </a:r>
+            <a:endParaRPr lang="pt-BR" dirty="0"/>
+          </a:p>
+          <a:p>
+            <a:endParaRPr lang="pt-BR" dirty="0"/>
+          </a:p>
+          <a:p>
+            <a:r>
+              <a:rPr lang="pt-BR" dirty="0"/>
+              <a:t>Normalmente,</a:t>
+            </a:r>
+            <a:r>
+              <a:rPr lang="pt-BR" baseline="0" dirty="0"/>
+              <a:t> a estratégia </a:t>
+            </a:r>
+            <a:r>
+              <a:rPr lang="pt-BR" dirty="0"/>
+              <a:t>da validação</a:t>
+            </a:r>
+            <a:r>
+              <a:rPr lang="pt-BR" baseline="0" dirty="0"/>
+              <a:t> cruzada com holdout envolve </a:t>
+            </a:r>
+            <a:r>
+              <a:rPr lang="pt-BR" dirty="0"/>
+              <a:t>a divisão do conjunto de dados em 20 a 30% dos dados para teste/validação e o restante como dados de treinamento.</a:t>
+            </a:r>
+          </a:p>
+          <a:p>
+            <a:endParaRPr lang="pt-BR" dirty="0"/>
+          </a:p>
+          <a:p>
+            <a:r>
+              <a:rPr lang="pt-BR" dirty="0"/>
+              <a:t>A validação pode depender muito de quais dados vão para o conjunto de treinamento e quais vão para o conjunto de testes e, portanto, a avaliação pode ser significativamente diferente dependendo de como a divisão é feita.</a:t>
+            </a:r>
+          </a:p>
+          <a:p>
+            <a:endParaRPr lang="pt-BR" dirty="0"/>
+          </a:p>
+          <a:p>
+            <a:r>
+              <a:rPr lang="pt-BR" dirty="0"/>
+              <a:t>Com esta </a:t>
+            </a:r>
+            <a:r>
+              <a:rPr lang="pt-BR" baseline="0" dirty="0"/>
+              <a:t>estratégia</a:t>
+            </a:r>
+            <a:r>
+              <a:rPr lang="pt-BR" dirty="0"/>
+              <a:t>, existe a possibilidade de viés de seleção elevado se tivermos um pequeno conjunto de dados, porque perderíamos algumas informações sobre os dados que não usamos para o treinamento e usamos na validação. Se a</a:t>
+            </a:r>
+            <a:r>
+              <a:rPr lang="pt-BR" baseline="0" dirty="0"/>
+              <a:t> base de </a:t>
+            </a:r>
+            <a:r>
+              <a:rPr lang="pt-BR" dirty="0"/>
+              <a:t>dados for </a:t>
+            </a:r>
+            <a:r>
+              <a:rPr lang="pt-BR" dirty="0" err="1"/>
+              <a:t>muio</a:t>
+            </a:r>
+            <a:r>
+              <a:rPr lang="pt-BR" dirty="0"/>
+              <a:t> grande e os </a:t>
+            </a:r>
+            <a:r>
+              <a:rPr lang="pt-BR" baseline="0" dirty="0"/>
+              <a:t>conjuntos </a:t>
+            </a:r>
+            <a:r>
+              <a:rPr lang="pt-BR" dirty="0"/>
+              <a:t>de teste e treinamento tiverem a mesma distribuição, essa </a:t>
+            </a:r>
+            <a:r>
+              <a:rPr lang="pt-BR" baseline="0" dirty="0"/>
+              <a:t>estratégia </a:t>
+            </a:r>
+            <a:r>
+              <a:rPr lang="pt-BR" dirty="0"/>
+              <a:t>é aceitável.</a:t>
             </a:r>
           </a:p>
           <a:p>
@@ -3466,7 +3634,7 @@
     </p:spTree>
     <p:extLst>
       <p:ext uri="{BB962C8B-B14F-4D97-AF65-F5344CB8AC3E}">
-        <p14:creationId xmlns:p14="http://schemas.microsoft.com/office/powerpoint/2010/main" val="571969590"/>
+        <p14:creationId xmlns:p14="http://schemas.microsoft.com/office/powerpoint/2010/main" val="3195397268"/>
       </p:ext>
     </p:extLst>
   </p:cSld>
@@ -3913,7 +4081,7 @@
     </p:spTree>
     <p:extLst>
       <p:ext uri="{BB962C8B-B14F-4D97-AF65-F5344CB8AC3E}">
-        <p14:creationId xmlns:p14="http://schemas.microsoft.com/office/powerpoint/2010/main" val="3092233933"/>
+        <p14:creationId xmlns:p14="http://schemas.microsoft.com/office/powerpoint/2010/main" val="571969590"/>
       </p:ext>
     </p:extLst>
   </p:cSld>
@@ -4054,7 +4222,7 @@
           <a:p>
             <a:fld id="{C80E15A5-E95B-43EB-9AC7-9A96397448C0}" type="datetimeFigureOut">
               <a:rPr lang="nl-BE" smtClean="0"/>
-              <a:t>3/05/2024</a:t>
+              <a:t>31/05/2024</a:t>
             </a:fld>
             <a:endParaRPr lang="nl-BE"/>
           </a:p>
@@ -4224,7 +4392,7 @@
           <a:p>
             <a:fld id="{C80E15A5-E95B-43EB-9AC7-9A96397448C0}" type="datetimeFigureOut">
               <a:rPr lang="nl-BE" smtClean="0"/>
-              <a:t>3/05/2024</a:t>
+              <a:t>31/05/2024</a:t>
             </a:fld>
             <a:endParaRPr lang="nl-BE"/>
           </a:p>
@@ -4404,7 +4572,7 @@
           <a:p>
             <a:fld id="{C80E15A5-E95B-43EB-9AC7-9A96397448C0}" type="datetimeFigureOut">
               <a:rPr lang="nl-BE" smtClean="0"/>
-              <a:t>3/05/2024</a:t>
+              <a:t>31/05/2024</a:t>
             </a:fld>
             <a:endParaRPr lang="nl-BE"/>
           </a:p>
@@ -4574,7 +4742,7 @@
           <a:p>
             <a:fld id="{C80E15A5-E95B-43EB-9AC7-9A96397448C0}" type="datetimeFigureOut">
               <a:rPr lang="nl-BE" smtClean="0"/>
-              <a:t>3/05/2024</a:t>
+              <a:t>31/05/2024</a:t>
             </a:fld>
             <a:endParaRPr lang="nl-BE"/>
           </a:p>
@@ -4820,7 +4988,7 @@
           <a:p>
             <a:fld id="{C80E15A5-E95B-43EB-9AC7-9A96397448C0}" type="datetimeFigureOut">
               <a:rPr lang="nl-BE" smtClean="0"/>
-              <a:t>3/05/2024</a:t>
+              <a:t>31/05/2024</a:t>
             </a:fld>
             <a:endParaRPr lang="nl-BE"/>
           </a:p>
@@ -5052,7 +5220,7 @@
           <a:p>
             <a:fld id="{C80E15A5-E95B-43EB-9AC7-9A96397448C0}" type="datetimeFigureOut">
               <a:rPr lang="nl-BE" smtClean="0"/>
-              <a:t>3/05/2024</a:t>
+              <a:t>31/05/2024</a:t>
             </a:fld>
             <a:endParaRPr lang="nl-BE"/>
           </a:p>
@@ -5419,7 +5587,7 @@
           <a:p>
             <a:fld id="{C80E15A5-E95B-43EB-9AC7-9A96397448C0}" type="datetimeFigureOut">
               <a:rPr lang="nl-BE" smtClean="0"/>
-              <a:t>3/05/2024</a:t>
+              <a:t>31/05/2024</a:t>
             </a:fld>
             <a:endParaRPr lang="nl-BE"/>
           </a:p>
@@ -5537,7 +5705,7 @@
           <a:p>
             <a:fld id="{C80E15A5-E95B-43EB-9AC7-9A96397448C0}" type="datetimeFigureOut">
               <a:rPr lang="nl-BE" smtClean="0"/>
-              <a:t>3/05/2024</a:t>
+              <a:t>31/05/2024</a:t>
             </a:fld>
             <a:endParaRPr lang="nl-BE"/>
           </a:p>
@@ -5632,7 +5800,7 @@
           <a:p>
             <a:fld id="{C80E15A5-E95B-43EB-9AC7-9A96397448C0}" type="datetimeFigureOut">
               <a:rPr lang="nl-BE" smtClean="0"/>
-              <a:t>3/05/2024</a:t>
+              <a:t>31/05/2024</a:t>
             </a:fld>
             <a:endParaRPr lang="nl-BE"/>
           </a:p>
@@ -5909,7 +6077,7 @@
           <a:p>
             <a:fld id="{C80E15A5-E95B-43EB-9AC7-9A96397448C0}" type="datetimeFigureOut">
               <a:rPr lang="nl-BE" smtClean="0"/>
-              <a:t>3/05/2024</a:t>
+              <a:t>31/05/2024</a:t>
             </a:fld>
             <a:endParaRPr lang="nl-BE"/>
           </a:p>
@@ -6162,7 +6330,7 @@
           <a:p>
             <a:fld id="{C80E15A5-E95B-43EB-9AC7-9A96397448C0}" type="datetimeFigureOut">
               <a:rPr lang="nl-BE" smtClean="0"/>
-              <a:t>3/05/2024</a:t>
+              <a:t>31/05/2024</a:t>
             </a:fld>
             <a:endParaRPr lang="nl-BE"/>
           </a:p>
@@ -6375,7 +6543,7 @@
           <a:p>
             <a:fld id="{C80E15A5-E95B-43EB-9AC7-9A96397448C0}" type="datetimeFigureOut">
               <a:rPr lang="nl-BE" smtClean="0"/>
-              <a:t>3/05/2024</a:t>
+              <a:t>31/05/2024</a:t>
             </a:fld>
             <a:endParaRPr lang="nl-BE"/>
           </a:p>
@@ -6967,6 +7135,399 @@
 </file>
 
 <file path=ppt/slides/slide10.xml><?xml version="1.0" encoding="utf-8"?>
+<p:sld xmlns:a="http://schemas.openxmlformats.org/drawingml/2006/main" xmlns:r="http://schemas.openxmlformats.org/officeDocument/2006/relationships" xmlns:p="http://schemas.openxmlformats.org/presentationml/2006/main">
+  <p:cSld>
+    <p:spTree>
+      <p:nvGrpSpPr>
+        <p:cNvPr id="1" name=""/>
+        <p:cNvGrpSpPr/>
+        <p:nvPr/>
+      </p:nvGrpSpPr>
+      <p:grpSpPr>
+        <a:xfrm>
+          <a:off x="0" y="0"/>
+          <a:ext cx="0" cy="0"/>
+          <a:chOff x="0" y="0"/>
+          <a:chExt cx="0" cy="0"/>
+        </a:xfrm>
+      </p:grpSpPr>
+      <mc:AlternateContent xmlns:mc="http://schemas.openxmlformats.org/markup-compatibility/2006" xmlns:a14="http://schemas.microsoft.com/office/drawing/2010/main">
+        <mc:Choice Requires="a14">
+          <p:sp>
+            <p:nvSpPr>
+              <p:cNvPr id="2" name="Título 1">
+                <a:extLst>
+                  <a:ext uri="{FF2B5EF4-FFF2-40B4-BE49-F238E27FC236}">
+                    <a16:creationId xmlns:a16="http://schemas.microsoft.com/office/drawing/2014/main" id="{9FBE2970-3CBA-404B-4074-AEE02EAAB9A6}"/>
+                  </a:ext>
+                </a:extLst>
+              </p:cNvPr>
+              <p:cNvSpPr>
+                <a:spLocks noGrp="1"/>
+              </p:cNvSpPr>
+              <p:nvPr>
+                <p:ph type="title"/>
+              </p:nvPr>
+            </p:nvSpPr>
+            <p:spPr/>
+            <p:txBody>
+              <a:bodyPr/>
+              <a:lstStyle/>
+              <a:p>
+                <a14:m>
+                  <m:oMath xmlns:m="http://schemas.openxmlformats.org/officeDocument/2006/math">
+                    <m:r>
+                      <a:rPr lang="pt-BR" b="0" i="1" smtClean="0">
+                        <a:solidFill>
+                          <a:srgbClr val="0F0F0F"/>
+                        </a:solidFill>
+                        <a:effectLst/>
+                        <a:latin typeface="Cambria Math" panose="02040503050406030204" pitchFamily="18" charset="0"/>
+                      </a:rPr>
+                      <m:t>𝑘</m:t>
+                    </m:r>
+                  </m:oMath>
+                </a14:m>
+                <a:r>
+                  <a:rPr lang="pt-BR" dirty="0"/>
+                  <a:t>-</a:t>
+                </a:r>
+                <a:r>
+                  <a:rPr lang="pt-BR" dirty="0" err="1"/>
+                  <a:t>fold</a:t>
+                </a:r>
+                <a:endParaRPr lang="pt-BR" dirty="0"/>
+              </a:p>
+            </p:txBody>
+          </p:sp>
+        </mc:Choice>
+        <mc:Fallback xmlns="">
+          <p:sp>
+            <p:nvSpPr>
+              <p:cNvPr id="2" name="Título 1">
+                <a:extLst>
+                  <a:ext uri="{FF2B5EF4-FFF2-40B4-BE49-F238E27FC236}">
+                    <a16:creationId xmlns:a16="http://schemas.microsoft.com/office/drawing/2014/main" id="{9FBE2970-3CBA-404B-4074-AEE02EAAB9A6}"/>
+                  </a:ext>
+                </a:extLst>
+              </p:cNvPr>
+              <p:cNvSpPr>
+                <a:spLocks noGrp="1" noRot="1" noChangeAspect="1" noMove="1" noResize="1" noEditPoints="1" noAdjustHandles="1" noChangeArrowheads="1" noChangeShapeType="1" noTextEdit="1"/>
+              </p:cNvSpPr>
+              <p:nvPr>
+                <p:ph type="title"/>
+              </p:nvPr>
+            </p:nvSpPr>
+            <p:spPr>
+              <a:blipFill>
+                <a:blip r:embed="rId3"/>
+                <a:stretch>
+                  <a:fillRect/>
+                </a:stretch>
+              </a:blipFill>
+            </p:spPr>
+            <p:txBody>
+              <a:bodyPr/>
+              <a:lstStyle/>
+              <a:p>
+                <a:r>
+                  <a:rPr lang="pt-BR">
+                    <a:noFill/>
+                  </a:rPr>
+                  <a:t> </a:t>
+                </a:r>
+              </a:p>
+            </p:txBody>
+          </p:sp>
+        </mc:Fallback>
+      </mc:AlternateContent>
+      <p:sp>
+        <p:nvSpPr>
+          <p:cNvPr id="3" name="Espaço Reservado para Conteúdo 2">
+            <a:extLst>
+              <a:ext uri="{FF2B5EF4-FFF2-40B4-BE49-F238E27FC236}">
+                <a16:creationId xmlns:a16="http://schemas.microsoft.com/office/drawing/2014/main" id="{F55CE789-94DC-AEE8-1D38-D05D40B0BF3A}"/>
+              </a:ext>
+            </a:extLst>
+          </p:cNvPr>
+          <p:cNvSpPr>
+            <a:spLocks noGrp="1"/>
+          </p:cNvSpPr>
+          <p:nvPr>
+            <p:ph idx="1"/>
+          </p:nvPr>
+        </p:nvSpPr>
+        <p:spPr>
+          <a:xfrm>
+            <a:off x="6096000" y="1825624"/>
+            <a:ext cx="5956300" cy="5032375"/>
+          </a:xfrm>
+        </p:spPr>
+        <p:txBody>
+          <a:bodyPr>
+            <a:normAutofit/>
+          </a:bodyPr>
+          <a:lstStyle/>
+          <a:p>
+            <a:r>
+              <a:rPr lang="pt-BR" b="0" i="0" dirty="0">
+                <a:solidFill>
+                  <a:srgbClr val="0F0F0F"/>
+                </a:solidFill>
+                <a:effectLst/>
+                <a:latin typeface="Söhne"/>
+              </a:rPr>
+              <a:t>Ao final dos 𝒌 treinamentos, calcula-se a </a:t>
+            </a:r>
+            <a:r>
+              <a:rPr lang="pt-BR" b="1" i="1" dirty="0">
+                <a:solidFill>
+                  <a:srgbClr val="0070C0"/>
+                </a:solidFill>
+                <a:effectLst/>
+                <a:latin typeface="Söhne"/>
+              </a:rPr>
+              <a:t>média</a:t>
+            </a:r>
+            <a:r>
+              <a:rPr lang="pt-BR" b="0" i="0" dirty="0">
+                <a:solidFill>
+                  <a:srgbClr val="0F0F0F"/>
+                </a:solidFill>
+                <a:effectLst/>
+                <a:latin typeface="Söhne"/>
+              </a:rPr>
+              <a:t> e o </a:t>
+            </a:r>
+            <a:r>
+              <a:rPr lang="pt-BR" b="1" i="1" dirty="0">
+                <a:solidFill>
+                  <a:srgbClr val="0070C0"/>
+                </a:solidFill>
+                <a:effectLst/>
+                <a:latin typeface="Söhne"/>
+              </a:rPr>
+              <a:t>desvio padrão</a:t>
+            </a:r>
+            <a:r>
+              <a:rPr lang="pt-BR" b="0" i="0" dirty="0">
+                <a:solidFill>
+                  <a:srgbClr val="0F0F0F"/>
+                </a:solidFill>
+                <a:effectLst/>
+                <a:latin typeface="Söhne"/>
+              </a:rPr>
+              <a:t> dos 𝒌 EQM de validação para fornecer uma </a:t>
+            </a:r>
+            <a:r>
+              <a:rPr lang="pt-BR" b="1" i="1" dirty="0">
+                <a:solidFill>
+                  <a:srgbClr val="00B050"/>
+                </a:solidFill>
+                <a:effectLst/>
+                <a:latin typeface="Söhne"/>
+              </a:rPr>
+              <a:t>avaliação geral do desempenho do modelo.</a:t>
+            </a:r>
+          </a:p>
+          <a:p>
+            <a:r>
+              <a:rPr lang="pt-BR" sz="2800" dirty="0"/>
+              <a:t>Em geral, utiliza-se </a:t>
+            </a:r>
+            <a:r>
+              <a:rPr lang="pt-BR" b="0" i="0" dirty="0">
+                <a:solidFill>
+                  <a:srgbClr val="0F0F0F"/>
+                </a:solidFill>
+                <a:effectLst/>
+                <a:latin typeface="Söhne"/>
+              </a:rPr>
+              <a:t>𝒌</a:t>
+            </a:r>
+            <a:r>
+              <a:rPr lang="pt-BR" sz="2800" dirty="0"/>
+              <a:t> = 5 ou 10.</a:t>
+            </a:r>
+          </a:p>
+          <a:p>
+            <a:r>
+              <a:rPr lang="pt-BR" sz="2800" dirty="0"/>
+              <a:t>Porém, </a:t>
+            </a:r>
+            <a:r>
+              <a:rPr lang="pt-BR" b="0" i="0" dirty="0">
+                <a:solidFill>
+                  <a:srgbClr val="0F0F0F"/>
+                </a:solidFill>
+                <a:effectLst/>
+                <a:latin typeface="Söhne"/>
+              </a:rPr>
+              <a:t>𝒌</a:t>
+            </a:r>
+            <a:r>
+              <a:rPr lang="pt-BR" sz="2800" dirty="0"/>
+              <a:t> deve ser escolhido de forma que os </a:t>
+            </a:r>
+            <a:r>
+              <a:rPr lang="pt-BR" sz="2800" i="1" dirty="0"/>
+              <a:t>folds</a:t>
+            </a:r>
+            <a:r>
+              <a:rPr lang="pt-BR" sz="2800" dirty="0"/>
+              <a:t> sejam </a:t>
+            </a:r>
+            <a:r>
+              <a:rPr lang="pt-BR" sz="2800" b="1" i="1" dirty="0"/>
+              <a:t>representativos do padrão presente nos dados.</a:t>
+            </a:r>
+          </a:p>
+        </p:txBody>
+      </p:sp>
+      <p:pic>
+        <p:nvPicPr>
+          <p:cNvPr id="4" name="Imagem 3">
+            <a:extLst>
+              <a:ext uri="{FF2B5EF4-FFF2-40B4-BE49-F238E27FC236}">
+                <a16:creationId xmlns:a16="http://schemas.microsoft.com/office/drawing/2014/main" id="{4F49A66D-EE2E-954C-CE06-20034C4D7B7C}"/>
+              </a:ext>
+            </a:extLst>
+          </p:cNvPr>
+          <p:cNvPicPr>
+            <a:picLocks noChangeAspect="1"/>
+          </p:cNvPicPr>
+          <p:nvPr/>
+        </p:nvPicPr>
+        <p:blipFill rotWithShape="1">
+          <a:blip r:embed="rId4" cstate="print">
+            <a:extLst>
+              <a:ext uri="{28A0092B-C50C-407E-A947-70E740481C1C}">
+                <a14:useLocalDpi xmlns:a14="http://schemas.microsoft.com/office/drawing/2010/main" val="0"/>
+              </a:ext>
+            </a:extLst>
+          </a:blip>
+          <a:srcRect l="1296" r="1"/>
+          <a:stretch/>
+        </p:blipFill>
+        <p:spPr>
+          <a:xfrm>
+            <a:off x="139700" y="2545335"/>
+            <a:ext cx="5613400" cy="3361882"/>
+          </a:xfrm>
+          <a:prstGeom prst="rect">
+            <a:avLst/>
+          </a:prstGeom>
+        </p:spPr>
+      </p:pic>
+      <mc:AlternateContent xmlns:mc="http://schemas.openxmlformats.org/markup-compatibility/2006" xmlns:a14="http://schemas.microsoft.com/office/drawing/2010/main">
+        <mc:Choice Requires="a14">
+          <p:sp>
+            <p:nvSpPr>
+              <p:cNvPr id="5" name="CaixaDeTexto 4">
+                <a:extLst>
+                  <a:ext uri="{FF2B5EF4-FFF2-40B4-BE49-F238E27FC236}">
+                    <a16:creationId xmlns:a16="http://schemas.microsoft.com/office/drawing/2014/main" id="{A35580BE-2693-7A2B-E389-307D19EBC7B1}"/>
+                  </a:ext>
+                </a:extLst>
+              </p:cNvPr>
+              <p:cNvSpPr txBox="1"/>
+              <p:nvPr/>
+            </p:nvSpPr>
+            <p:spPr>
+              <a:xfrm>
+                <a:off x="1442175" y="1953195"/>
+                <a:ext cx="1360967" cy="584775"/>
+              </a:xfrm>
+              <a:prstGeom prst="rect">
+                <a:avLst/>
+              </a:prstGeom>
+              <a:noFill/>
+            </p:spPr>
+            <p:txBody>
+              <a:bodyPr wrap="square" rtlCol="0">
+                <a:spAutoFit/>
+              </a:bodyPr>
+              <a:lstStyle/>
+              <a:p>
+                <a:pPr algn="ctr"/>
+                <a14:m>
+                  <m:oMath xmlns:m="http://schemas.openxmlformats.org/officeDocument/2006/math">
+                    <m:r>
+                      <a:rPr lang="pt-BR" sz="3200" b="1" i="1" smtClean="0">
+                        <a:latin typeface="Cambria Math" panose="02040503050406030204" pitchFamily="18" charset="0"/>
+                      </a:rPr>
+                      <m:t>𝒌</m:t>
+                    </m:r>
+                  </m:oMath>
+                </a14:m>
+                <a:r>
+                  <a:rPr lang="pt-BR" sz="3200" b="1" dirty="0"/>
+                  <a:t> = 5</a:t>
+                </a:r>
+                <a:endParaRPr lang="en-US" sz="3200" b="1" dirty="0"/>
+              </a:p>
+            </p:txBody>
+          </p:sp>
+        </mc:Choice>
+        <mc:Fallback xmlns="">
+          <p:sp>
+            <p:nvSpPr>
+              <p:cNvPr id="5" name="CaixaDeTexto 4">
+                <a:extLst>
+                  <a:ext uri="{FF2B5EF4-FFF2-40B4-BE49-F238E27FC236}">
+                    <a16:creationId xmlns:a16="http://schemas.microsoft.com/office/drawing/2014/main" id="{A35580BE-2693-7A2B-E389-307D19EBC7B1}"/>
+                  </a:ext>
+                </a:extLst>
+              </p:cNvPr>
+              <p:cNvSpPr txBox="1">
+                <a:spLocks noRot="1" noChangeAspect="1" noMove="1" noResize="1" noEditPoints="1" noAdjustHandles="1" noChangeArrowheads="1" noChangeShapeType="1" noTextEdit="1"/>
+              </p:cNvSpPr>
+              <p:nvPr/>
+            </p:nvSpPr>
+            <p:spPr>
+              <a:xfrm>
+                <a:off x="1442175" y="1953195"/>
+                <a:ext cx="1360967" cy="584775"/>
+              </a:xfrm>
+              <a:prstGeom prst="rect">
+                <a:avLst/>
+              </a:prstGeom>
+              <a:blipFill>
+                <a:blip r:embed="rId5"/>
+                <a:stretch>
+                  <a:fillRect t="-12500" b="-34375"/>
+                </a:stretch>
+              </a:blipFill>
+            </p:spPr>
+            <p:txBody>
+              <a:bodyPr/>
+              <a:lstStyle/>
+              <a:p>
+                <a:r>
+                  <a:rPr lang="pt-BR">
+                    <a:noFill/>
+                  </a:rPr>
+                  <a:t> </a:t>
+                </a:r>
+              </a:p>
+            </p:txBody>
+          </p:sp>
+        </mc:Fallback>
+      </mc:AlternateContent>
+    </p:spTree>
+    <p:extLst>
+      <p:ext uri="{BB962C8B-B14F-4D97-AF65-F5344CB8AC3E}">
+        <p14:creationId xmlns:p14="http://schemas.microsoft.com/office/powerpoint/2010/main" val="1129035678"/>
+      </p:ext>
+    </p:extLst>
+  </p:cSld>
+  <p:clrMapOvr>
+    <a:masterClrMapping/>
+  </p:clrMapOvr>
+</p:sld>
+</file>
+
+<file path=ppt/slides/slide11.xml><?xml version="1.0" encoding="utf-8"?>
 <p:sld xmlns:a="http://schemas.openxmlformats.org/drawingml/2006/main" xmlns:r="http://schemas.openxmlformats.org/officeDocument/2006/relationships" xmlns:p="http://schemas.openxmlformats.org/presentationml/2006/main">
   <p:cSld>
     <p:spTree>
@@ -7339,7 +7900,7 @@
 </p:sld>
 </file>
 
-<file path=ppt/slides/slide11.xml><?xml version="1.0" encoding="utf-8"?>
+<file path=ppt/slides/slide12.xml><?xml version="1.0" encoding="utf-8"?>
 <p:sld xmlns:a="http://schemas.openxmlformats.org/drawingml/2006/main" xmlns:r="http://schemas.openxmlformats.org/officeDocument/2006/relationships" xmlns:p="http://schemas.openxmlformats.org/presentationml/2006/main">
   <p:cSld>
     <p:spTree>
@@ -7789,7 +8350,7 @@
 </p:sld>
 </file>
 
-<file path=ppt/slides/slide12.xml><?xml version="1.0" encoding="utf-8"?>
+<file path=ppt/slides/slide13.xml><?xml version="1.0" encoding="utf-8"?>
 <p:sld xmlns:a="http://schemas.openxmlformats.org/drawingml/2006/main" xmlns:r="http://schemas.openxmlformats.org/officeDocument/2006/relationships" xmlns:p="http://schemas.openxmlformats.org/presentationml/2006/main">
   <p:cSld>
     <p:spTree>
@@ -8959,7 +9520,7 @@
 </p:sld>
 </file>
 
-<file path=ppt/slides/slide13.xml><?xml version="1.0" encoding="utf-8"?>
+<file path=ppt/slides/slide14.xml><?xml version="1.0" encoding="utf-8"?>
 <p:sld xmlns:a="http://schemas.openxmlformats.org/drawingml/2006/main" xmlns:r="http://schemas.openxmlformats.org/officeDocument/2006/relationships" xmlns:p="http://schemas.openxmlformats.org/presentationml/2006/main">
   <p:cSld>
     <p:spTree>
@@ -10358,7 +10919,7 @@
 </p:sld>
 </file>
 
-<file path=ppt/slides/slide14.xml><?xml version="1.0" encoding="utf-8"?>
+<file path=ppt/slides/slide15.xml><?xml version="1.0" encoding="utf-8"?>
 <p:sld xmlns:a="http://schemas.openxmlformats.org/drawingml/2006/main" xmlns:r="http://schemas.openxmlformats.org/officeDocument/2006/relationships" xmlns:p="http://schemas.openxmlformats.org/presentationml/2006/main">
   <p:cSld>
     <p:spTree>
@@ -11470,7 +12031,7 @@
 </p:sld>
 </file>
 
-<file path=ppt/slides/slide15.xml><?xml version="1.0" encoding="utf-8"?>
+<file path=ppt/slides/slide16.xml><?xml version="1.0" encoding="utf-8"?>
 <p:sld xmlns:a="http://schemas.openxmlformats.org/drawingml/2006/main" xmlns:r="http://schemas.openxmlformats.org/officeDocument/2006/relationships" xmlns:p="http://schemas.openxmlformats.org/presentationml/2006/main">
   <p:cSld>
     <p:spTree>
@@ -11838,7 +12399,7 @@
 </p:sld>
 </file>
 
-<file path=ppt/slides/slide16.xml><?xml version="1.0" encoding="utf-8"?>
+<file path=ppt/slides/slide17.xml><?xml version="1.0" encoding="utf-8"?>
 <p:sld xmlns:a="http://schemas.openxmlformats.org/drawingml/2006/main" xmlns:r="http://schemas.openxmlformats.org/officeDocument/2006/relationships" xmlns:p="http://schemas.openxmlformats.org/presentationml/2006/main">
   <p:cSld>
     <p:spTree>
@@ -12098,7 +12659,7 @@
 </p:sld>
 </file>
 
-<file path=ppt/slides/slide17.xml><?xml version="1.0" encoding="utf-8"?>
+<file path=ppt/slides/slide18.xml><?xml version="1.0" encoding="utf-8"?>
 <p:sld xmlns:a="http://schemas.openxmlformats.org/drawingml/2006/main" xmlns:r="http://schemas.openxmlformats.org/officeDocument/2006/relationships" xmlns:p="http://schemas.openxmlformats.org/presentationml/2006/main">
   <p:cSld>
     <p:spTree>
@@ -12222,7 +12783,7 @@
 </p:sld>
 </file>
 
-<file path=ppt/slides/slide18.xml><?xml version="1.0" encoding="utf-8"?>
+<file path=ppt/slides/slide19.xml><?xml version="1.0" encoding="utf-8"?>
 <p:sld xmlns:a="http://schemas.openxmlformats.org/drawingml/2006/main" xmlns:r="http://schemas.openxmlformats.org/officeDocument/2006/relationships" xmlns:p="http://schemas.openxmlformats.org/presentationml/2006/main">
   <p:cSld>
     <p:spTree>
@@ -12307,7 +12868,300 @@
 </p:sld>
 </file>
 
-<file path=ppt/slides/slide19.xml><?xml version="1.0" encoding="utf-8"?>
+<file path=ppt/slides/slide2.xml><?xml version="1.0" encoding="utf-8"?>
+<p:sld xmlns:a="http://schemas.openxmlformats.org/drawingml/2006/main" xmlns:r="http://schemas.openxmlformats.org/officeDocument/2006/relationships" xmlns:p="http://schemas.openxmlformats.org/presentationml/2006/main">
+  <p:cSld>
+    <p:spTree>
+      <p:nvGrpSpPr>
+        <p:cNvPr id="1" name=""/>
+        <p:cNvGrpSpPr/>
+        <p:nvPr/>
+      </p:nvGrpSpPr>
+      <p:grpSpPr>
+        <a:xfrm>
+          <a:off x="0" y="0"/>
+          <a:ext cx="0" cy="0"/>
+          <a:chOff x="0" y="0"/>
+          <a:chExt cx="0" cy="0"/>
+        </a:xfrm>
+      </p:grpSpPr>
+      <p:sp>
+        <p:nvSpPr>
+          <p:cNvPr id="2" name="Title 1"/>
+          <p:cNvSpPr>
+            <a:spLocks noGrp="1"/>
+          </p:cNvSpPr>
+          <p:nvPr>
+            <p:ph type="title"/>
+          </p:nvPr>
+        </p:nvSpPr>
+        <p:spPr/>
+        <p:txBody>
+          <a:bodyPr/>
+          <a:lstStyle/>
+          <a:p>
+            <a:r>
+              <a:rPr lang="pt-BR" dirty="0"/>
+              <a:t>Recapitulando</a:t>
+            </a:r>
+          </a:p>
+        </p:txBody>
+      </p:sp>
+      <p:sp>
+        <p:nvSpPr>
+          <p:cNvPr id="3" name="Content Placeholder 2"/>
+          <p:cNvSpPr>
+            <a:spLocks noGrp="1"/>
+          </p:cNvSpPr>
+          <p:nvPr>
+            <p:ph idx="1"/>
+          </p:nvPr>
+        </p:nvSpPr>
+        <p:spPr>
+          <a:xfrm>
+            <a:off x="838199" y="1825624"/>
+            <a:ext cx="11162123" cy="5032376"/>
+          </a:xfrm>
+        </p:spPr>
+        <p:txBody>
+          <a:bodyPr>
+            <a:normAutofit/>
+          </a:bodyPr>
+          <a:lstStyle/>
+          <a:p>
+            <a:r>
+              <a:rPr lang="pt-BR" dirty="0"/>
+              <a:t>Vimos que o </a:t>
+            </a:r>
+            <a:r>
+              <a:rPr lang="pt-BR" b="1" i="1" dirty="0">
+                <a:solidFill>
+                  <a:srgbClr val="7030A0"/>
+                </a:solidFill>
+              </a:rPr>
+              <a:t>escalonamento de atributos</a:t>
+            </a:r>
+            <a:r>
+              <a:rPr lang="pt-BR" dirty="0"/>
+              <a:t> </a:t>
+            </a:r>
+            <a:r>
+              <a:rPr lang="pt-BR" b="1" i="1" dirty="0">
+                <a:solidFill>
+                  <a:srgbClr val="00B050"/>
+                </a:solidFill>
+              </a:rPr>
+              <a:t>acelerara o aprendizado do GD </a:t>
+            </a:r>
+            <a:r>
+              <a:rPr lang="pt-BR" dirty="0"/>
+              <a:t>quando os atributos têm intervalos de variação muito diferentes.</a:t>
+            </a:r>
+          </a:p>
+          <a:p>
+            <a:r>
+              <a:rPr lang="pt-BR" dirty="0"/>
+              <a:t>Aprendemos que </a:t>
+            </a:r>
+            <a:r>
+              <a:rPr lang="pt-BR" b="1" i="1" dirty="0">
+                <a:solidFill>
+                  <a:srgbClr val="7030A0"/>
+                </a:solidFill>
+              </a:rPr>
+              <a:t>funções hipótese polinomiais</a:t>
+            </a:r>
+            <a:r>
+              <a:rPr lang="pt-BR" b="1" i="1" dirty="0"/>
+              <a:t> </a:t>
+            </a:r>
+            <a:r>
+              <a:rPr lang="pt-BR" dirty="0"/>
+              <a:t>podem ser utilizadas para </a:t>
+            </a:r>
+            <a:r>
+              <a:rPr lang="pt-BR" b="1" i="1" dirty="0">
+                <a:solidFill>
+                  <a:srgbClr val="00B050"/>
+                </a:solidFill>
+              </a:rPr>
+              <a:t>aproximar comportamentos não-lineares, além de lineares</a:t>
+            </a:r>
+            <a:r>
+              <a:rPr lang="pt-BR" dirty="0"/>
+              <a:t>.</a:t>
+            </a:r>
+          </a:p>
+          <a:p>
+            <a:r>
+              <a:rPr lang="pt-BR" dirty="0"/>
+              <a:t>Porém, precisamos </a:t>
+            </a:r>
+            <a:r>
+              <a:rPr lang="pt-BR" b="1" i="1" dirty="0">
+                <a:solidFill>
+                  <a:srgbClr val="002060"/>
+                </a:solidFill>
+              </a:rPr>
+              <a:t>encontrar o </a:t>
+            </a:r>
+            <a:r>
+              <a:rPr lang="pt-BR" b="1" i="1" dirty="0">
+                <a:solidFill>
+                  <a:srgbClr val="00B0F0"/>
+                </a:solidFill>
+              </a:rPr>
+              <a:t>grau ideal </a:t>
+            </a:r>
+            <a:r>
+              <a:rPr lang="pt-BR" b="1" i="1" dirty="0">
+                <a:solidFill>
+                  <a:srgbClr val="002060"/>
+                </a:solidFill>
+              </a:rPr>
+              <a:t>da função hipótese polinomial</a:t>
+            </a:r>
+            <a:r>
+              <a:rPr lang="pt-BR" dirty="0"/>
+              <a:t>.</a:t>
+            </a:r>
+          </a:p>
+          <a:p>
+            <a:pPr lvl="1">
+              <a:buFont typeface="Wingdings" panose="05000000000000000000" pitchFamily="2" charset="2"/>
+              <a:buChar char="§"/>
+            </a:pPr>
+            <a:r>
+              <a:rPr lang="pt-BR" dirty="0"/>
+              <a:t>Polinômios com </a:t>
+            </a:r>
+            <a:r>
+              <a:rPr lang="pt-BR" b="1" i="1" dirty="0">
+                <a:solidFill>
+                  <a:srgbClr val="7030A0"/>
+                </a:solidFill>
+              </a:rPr>
+              <a:t>grau muito baixo</a:t>
+            </a:r>
+            <a:r>
+              <a:rPr lang="pt-BR" dirty="0"/>
+              <a:t> podem não ter flexibilidade o suficiente para aproximar os dados, causando </a:t>
+            </a:r>
+            <a:r>
+              <a:rPr lang="pt-BR" b="1" i="1" dirty="0"/>
+              <a:t>subajuste</a:t>
+            </a:r>
+            <a:r>
+              <a:rPr lang="pt-BR" dirty="0"/>
+              <a:t>.</a:t>
+            </a:r>
+          </a:p>
+          <a:p>
+            <a:pPr lvl="1">
+              <a:buFont typeface="Wingdings" panose="05000000000000000000" pitchFamily="2" charset="2"/>
+              <a:buChar char="§"/>
+            </a:pPr>
+            <a:r>
+              <a:rPr lang="pt-BR" dirty="0"/>
+              <a:t>Polinômios com </a:t>
+            </a:r>
+            <a:r>
+              <a:rPr lang="pt-BR" b="1" i="1" dirty="0">
+                <a:solidFill>
+                  <a:srgbClr val="7030A0"/>
+                </a:solidFill>
+              </a:rPr>
+              <a:t>grau muito alto</a:t>
+            </a:r>
+            <a:r>
+              <a:rPr lang="pt-BR" dirty="0"/>
+              <a:t> podem ser tão flexíveis que acabam memorizando os dados de treinamento, causando </a:t>
+            </a:r>
+            <a:r>
+              <a:rPr lang="pt-BR" b="1" i="1" dirty="0"/>
+              <a:t>sobreajuste</a:t>
+            </a:r>
+            <a:r>
+              <a:rPr lang="pt-BR" dirty="0"/>
+              <a:t>.</a:t>
+            </a:r>
+          </a:p>
+          <a:p>
+            <a:r>
+              <a:rPr lang="pt-BR" dirty="0"/>
+              <a:t>Na sequência, veremos como </a:t>
+            </a:r>
+            <a:r>
+              <a:rPr lang="pt-BR" b="1" i="1" dirty="0">
+                <a:solidFill>
+                  <a:srgbClr val="7030A0"/>
+                </a:solidFill>
+              </a:rPr>
+              <a:t>escolher o grau ideal</a:t>
+            </a:r>
+            <a:r>
+              <a:rPr lang="pt-BR" b="1" dirty="0">
+                <a:solidFill>
+                  <a:srgbClr val="7030A0"/>
+                </a:solidFill>
+              </a:rPr>
+              <a:t> </a:t>
+            </a:r>
+            <a:r>
+              <a:rPr lang="pt-BR" dirty="0"/>
+              <a:t>da </a:t>
+            </a:r>
+            <a:r>
+              <a:rPr lang="pt-BR" b="1" i="1" dirty="0"/>
+              <a:t>função hipótese polinomial</a:t>
+            </a:r>
+            <a:r>
+              <a:rPr lang="pt-BR" b="1" dirty="0"/>
+              <a:t> </a:t>
+            </a:r>
+            <a:r>
+              <a:rPr lang="pt-BR" dirty="0"/>
+              <a:t>de</a:t>
+            </a:r>
+            <a:r>
+              <a:rPr lang="pt-BR" b="1" i="1" dirty="0">
+                <a:solidFill>
+                  <a:srgbClr val="00B050"/>
+                </a:solidFill>
+              </a:rPr>
+              <a:t> forma quantitativa</a:t>
+            </a:r>
+            <a:r>
+              <a:rPr lang="pt-BR" dirty="0"/>
+              <a:t>, mesmo não conhecendo ou existindo uma função objetivo por trás da geração dos dados coletados.</a:t>
+            </a:r>
+          </a:p>
+          <a:p>
+            <a:endParaRPr lang="pt-BR" dirty="0"/>
+          </a:p>
+          <a:p>
+            <a:pPr lvl="1">
+              <a:buFont typeface="Wingdings" panose="05000000000000000000" pitchFamily="2" charset="2"/>
+              <a:buChar char="§"/>
+            </a:pPr>
+            <a:endParaRPr lang="pt-BR" dirty="0"/>
+          </a:p>
+        </p:txBody>
+      </p:sp>
+    </p:spTree>
+    <p:extLst>
+      <p:ext uri="{BB962C8B-B14F-4D97-AF65-F5344CB8AC3E}">
+        <p14:creationId xmlns:p14="http://schemas.microsoft.com/office/powerpoint/2010/main" val="2153437485"/>
+      </p:ext>
+    </p:extLst>
+  </p:cSld>
+  <p:clrMapOvr>
+    <a:masterClrMapping/>
+  </p:clrMapOvr>
+</p:sld>
+</file>
+
+<file path=ppt/slides/slide20.xml><?xml version="1.0" encoding="utf-8"?>
 <p:sld xmlns:a="http://schemas.openxmlformats.org/drawingml/2006/main" xmlns:r="http://schemas.openxmlformats.org/officeDocument/2006/relationships" xmlns:p="http://schemas.openxmlformats.org/presentationml/2006/main">
   <p:cSld>
     <p:spTree>
@@ -12624,300 +13478,7 @@
 </p:sld>
 </file>
 
-<file path=ppt/slides/slide2.xml><?xml version="1.0" encoding="utf-8"?>
-<p:sld xmlns:a="http://schemas.openxmlformats.org/drawingml/2006/main" xmlns:r="http://schemas.openxmlformats.org/officeDocument/2006/relationships" xmlns:p="http://schemas.openxmlformats.org/presentationml/2006/main">
-  <p:cSld>
-    <p:spTree>
-      <p:nvGrpSpPr>
-        <p:cNvPr id="1" name=""/>
-        <p:cNvGrpSpPr/>
-        <p:nvPr/>
-      </p:nvGrpSpPr>
-      <p:grpSpPr>
-        <a:xfrm>
-          <a:off x="0" y="0"/>
-          <a:ext cx="0" cy="0"/>
-          <a:chOff x="0" y="0"/>
-          <a:chExt cx="0" cy="0"/>
-        </a:xfrm>
-      </p:grpSpPr>
-      <p:sp>
-        <p:nvSpPr>
-          <p:cNvPr id="2" name="Title 1"/>
-          <p:cNvSpPr>
-            <a:spLocks noGrp="1"/>
-          </p:cNvSpPr>
-          <p:nvPr>
-            <p:ph type="title"/>
-          </p:nvPr>
-        </p:nvSpPr>
-        <p:spPr/>
-        <p:txBody>
-          <a:bodyPr/>
-          <a:lstStyle/>
-          <a:p>
-            <a:r>
-              <a:rPr lang="pt-BR" dirty="0"/>
-              <a:t>Recapitulando</a:t>
-            </a:r>
-          </a:p>
-        </p:txBody>
-      </p:sp>
-      <p:sp>
-        <p:nvSpPr>
-          <p:cNvPr id="3" name="Content Placeholder 2"/>
-          <p:cNvSpPr>
-            <a:spLocks noGrp="1"/>
-          </p:cNvSpPr>
-          <p:nvPr>
-            <p:ph idx="1"/>
-          </p:nvPr>
-        </p:nvSpPr>
-        <p:spPr>
-          <a:xfrm>
-            <a:off x="838199" y="1825624"/>
-            <a:ext cx="11162123" cy="5032376"/>
-          </a:xfrm>
-        </p:spPr>
-        <p:txBody>
-          <a:bodyPr>
-            <a:normAutofit/>
-          </a:bodyPr>
-          <a:lstStyle/>
-          <a:p>
-            <a:r>
-              <a:rPr lang="pt-BR" dirty="0"/>
-              <a:t>Vimos que o </a:t>
-            </a:r>
-            <a:r>
-              <a:rPr lang="pt-BR" b="1" i="1" dirty="0">
-                <a:solidFill>
-                  <a:srgbClr val="7030A0"/>
-                </a:solidFill>
-              </a:rPr>
-              <a:t>escalonamento de atributos</a:t>
-            </a:r>
-            <a:r>
-              <a:rPr lang="pt-BR" dirty="0"/>
-              <a:t> </a:t>
-            </a:r>
-            <a:r>
-              <a:rPr lang="pt-BR" b="1" i="1" dirty="0">
-                <a:solidFill>
-                  <a:srgbClr val="00B050"/>
-                </a:solidFill>
-              </a:rPr>
-              <a:t>acelerara o aprendizado do GD </a:t>
-            </a:r>
-            <a:r>
-              <a:rPr lang="pt-BR" dirty="0"/>
-              <a:t>quando os atributos têm intervalos de variação muito diferentes.</a:t>
-            </a:r>
-          </a:p>
-          <a:p>
-            <a:r>
-              <a:rPr lang="pt-BR" dirty="0"/>
-              <a:t>Aprendemos que </a:t>
-            </a:r>
-            <a:r>
-              <a:rPr lang="pt-BR" b="1" i="1" dirty="0">
-                <a:solidFill>
-                  <a:srgbClr val="7030A0"/>
-                </a:solidFill>
-              </a:rPr>
-              <a:t>funções hipótese polinomiais</a:t>
-            </a:r>
-            <a:r>
-              <a:rPr lang="pt-BR" b="1" i="1" dirty="0"/>
-              <a:t> </a:t>
-            </a:r>
-            <a:r>
-              <a:rPr lang="pt-BR" dirty="0"/>
-              <a:t>podem ser utilizadas para </a:t>
-            </a:r>
-            <a:r>
-              <a:rPr lang="pt-BR" b="1" i="1" dirty="0">
-                <a:solidFill>
-                  <a:srgbClr val="00B050"/>
-                </a:solidFill>
-              </a:rPr>
-              <a:t>aproximar comportamentos não-lineares, além de lineares</a:t>
-            </a:r>
-            <a:r>
-              <a:rPr lang="pt-BR" dirty="0"/>
-              <a:t>.</a:t>
-            </a:r>
-          </a:p>
-          <a:p>
-            <a:r>
-              <a:rPr lang="pt-BR" dirty="0"/>
-              <a:t>Porém, precisamos </a:t>
-            </a:r>
-            <a:r>
-              <a:rPr lang="pt-BR" b="1" i="1" dirty="0">
-                <a:solidFill>
-                  <a:srgbClr val="002060"/>
-                </a:solidFill>
-              </a:rPr>
-              <a:t>encontrar o </a:t>
-            </a:r>
-            <a:r>
-              <a:rPr lang="pt-BR" b="1" i="1" dirty="0">
-                <a:solidFill>
-                  <a:srgbClr val="00B0F0"/>
-                </a:solidFill>
-              </a:rPr>
-              <a:t>grau ideal </a:t>
-            </a:r>
-            <a:r>
-              <a:rPr lang="pt-BR" b="1" i="1" dirty="0">
-                <a:solidFill>
-                  <a:srgbClr val="002060"/>
-                </a:solidFill>
-              </a:rPr>
-              <a:t>da função hipótese polinomial</a:t>
-            </a:r>
-            <a:r>
-              <a:rPr lang="pt-BR" dirty="0"/>
-              <a:t>.</a:t>
-            </a:r>
-          </a:p>
-          <a:p>
-            <a:pPr lvl="1">
-              <a:buFont typeface="Wingdings" panose="05000000000000000000" pitchFamily="2" charset="2"/>
-              <a:buChar char="§"/>
-            </a:pPr>
-            <a:r>
-              <a:rPr lang="pt-BR" dirty="0"/>
-              <a:t>Polinômios com </a:t>
-            </a:r>
-            <a:r>
-              <a:rPr lang="pt-BR" b="1" i="1" dirty="0">
-                <a:solidFill>
-                  <a:srgbClr val="7030A0"/>
-                </a:solidFill>
-              </a:rPr>
-              <a:t>grau muito baixo</a:t>
-            </a:r>
-            <a:r>
-              <a:rPr lang="pt-BR" dirty="0"/>
-              <a:t> podem não ter flexibilidade o suficiente para aproximar os dados, causando </a:t>
-            </a:r>
-            <a:r>
-              <a:rPr lang="pt-BR" b="1" i="1" dirty="0"/>
-              <a:t>subajuste</a:t>
-            </a:r>
-            <a:r>
-              <a:rPr lang="pt-BR" dirty="0"/>
-              <a:t>.</a:t>
-            </a:r>
-          </a:p>
-          <a:p>
-            <a:pPr lvl="1">
-              <a:buFont typeface="Wingdings" panose="05000000000000000000" pitchFamily="2" charset="2"/>
-              <a:buChar char="§"/>
-            </a:pPr>
-            <a:r>
-              <a:rPr lang="pt-BR" dirty="0"/>
-              <a:t>Polinômios com </a:t>
-            </a:r>
-            <a:r>
-              <a:rPr lang="pt-BR" b="1" i="1" dirty="0">
-                <a:solidFill>
-                  <a:srgbClr val="7030A0"/>
-                </a:solidFill>
-              </a:rPr>
-              <a:t>grau muito alto</a:t>
-            </a:r>
-            <a:r>
-              <a:rPr lang="pt-BR" dirty="0"/>
-              <a:t> podem ser tão flexíveis que acabam memorizando os dados de treinamento, causando </a:t>
-            </a:r>
-            <a:r>
-              <a:rPr lang="pt-BR" b="1" i="1" dirty="0"/>
-              <a:t>sobreajuste</a:t>
-            </a:r>
-            <a:r>
-              <a:rPr lang="pt-BR" dirty="0"/>
-              <a:t>.</a:t>
-            </a:r>
-          </a:p>
-          <a:p>
-            <a:r>
-              <a:rPr lang="pt-BR" dirty="0"/>
-              <a:t>Na sequência, veremos como </a:t>
-            </a:r>
-            <a:r>
-              <a:rPr lang="pt-BR" b="1" i="1" dirty="0">
-                <a:solidFill>
-                  <a:srgbClr val="7030A0"/>
-                </a:solidFill>
-              </a:rPr>
-              <a:t>escolher o grau ideal</a:t>
-            </a:r>
-            <a:r>
-              <a:rPr lang="pt-BR" b="1" dirty="0">
-                <a:solidFill>
-                  <a:srgbClr val="7030A0"/>
-                </a:solidFill>
-              </a:rPr>
-              <a:t> </a:t>
-            </a:r>
-            <a:r>
-              <a:rPr lang="pt-BR" dirty="0"/>
-              <a:t>da </a:t>
-            </a:r>
-            <a:r>
-              <a:rPr lang="pt-BR" b="1" i="1" dirty="0"/>
-              <a:t>função hipótese polinomial</a:t>
-            </a:r>
-            <a:r>
-              <a:rPr lang="pt-BR" b="1" dirty="0"/>
-              <a:t> </a:t>
-            </a:r>
-            <a:r>
-              <a:rPr lang="pt-BR" dirty="0"/>
-              <a:t>de</a:t>
-            </a:r>
-            <a:r>
-              <a:rPr lang="pt-BR" b="1" i="1" dirty="0">
-                <a:solidFill>
-                  <a:srgbClr val="00B050"/>
-                </a:solidFill>
-              </a:rPr>
-              <a:t> forma quantitativa</a:t>
-            </a:r>
-            <a:r>
-              <a:rPr lang="pt-BR" dirty="0"/>
-              <a:t>, mesmo não conhecendo ou existindo uma função objetivo por trás da geração dos dados coletados.</a:t>
-            </a:r>
-          </a:p>
-          <a:p>
-            <a:endParaRPr lang="pt-BR" dirty="0"/>
-          </a:p>
-          <a:p>
-            <a:pPr lvl="1">
-              <a:buFont typeface="Wingdings" panose="05000000000000000000" pitchFamily="2" charset="2"/>
-              <a:buChar char="§"/>
-            </a:pPr>
-            <a:endParaRPr lang="pt-BR" dirty="0"/>
-          </a:p>
-        </p:txBody>
-      </p:sp>
-    </p:spTree>
-    <p:extLst>
-      <p:ext uri="{BB962C8B-B14F-4D97-AF65-F5344CB8AC3E}">
-        <p14:creationId xmlns:p14="http://schemas.microsoft.com/office/powerpoint/2010/main" val="2153437485"/>
-      </p:ext>
-    </p:extLst>
-  </p:cSld>
-  <p:clrMapOvr>
-    <a:masterClrMapping/>
-  </p:clrMapOvr>
-</p:sld>
-</file>
-
-<file path=ppt/slides/slide20.xml><?xml version="1.0" encoding="utf-8"?>
+<file path=ppt/slides/slide21.xml><?xml version="1.0" encoding="utf-8"?>
 <p:sld xmlns:a="http://schemas.openxmlformats.org/drawingml/2006/main" xmlns:r="http://schemas.openxmlformats.org/officeDocument/2006/relationships" xmlns:p="http://schemas.openxmlformats.org/presentationml/2006/main">
   <p:cSld>
     <p:spTree>
@@ -12975,7 +13536,7 @@
 </p:sld>
 </file>
 
-<file path=ppt/slides/slide21.xml><?xml version="1.0" encoding="utf-8"?>
+<file path=ppt/slides/slide22.xml><?xml version="1.0" encoding="utf-8"?>
 <p:sld xmlns:a="http://schemas.openxmlformats.org/drawingml/2006/main" xmlns:r="http://schemas.openxmlformats.org/officeDocument/2006/relationships" xmlns:p="http://schemas.openxmlformats.org/presentationml/2006/main">
   <p:cSld>
     <p:spTree>
@@ -14794,7 +15355,7 @@
 </p:sld>
 </file>
 
-<file path=ppt/slides/slide22.xml><?xml version="1.0" encoding="utf-8"?>
+<file path=ppt/slides/slide23.xml><?xml version="1.0" encoding="utf-8"?>
 <p:sld xmlns:a="http://schemas.openxmlformats.org/drawingml/2006/main" xmlns:r="http://schemas.openxmlformats.org/officeDocument/2006/relationships" xmlns:p="http://schemas.openxmlformats.org/presentationml/2006/main">
   <p:cSld>
     <p:spTree>
@@ -17198,7 +17759,7 @@
 </p:sld>
 </file>
 
-<file path=ppt/slides/slide23.xml><?xml version="1.0" encoding="utf-8"?>
+<file path=ppt/slides/slide24.xml><?xml version="1.0" encoding="utf-8"?>
 <p:sld xmlns:a="http://schemas.openxmlformats.org/drawingml/2006/main" xmlns:r="http://schemas.openxmlformats.org/officeDocument/2006/relationships" xmlns:p="http://schemas.openxmlformats.org/presentationml/2006/main">
   <p:cSld>
     <p:spTree>
@@ -23662,7 +24223,7 @@
 </p:sld>
 </file>
 
-<file path=ppt/slides/slide24.xml><?xml version="1.0" encoding="utf-8"?>
+<file path=ppt/slides/slide25.xml><?xml version="1.0" encoding="utf-8"?>
 <p:sld xmlns:a="http://schemas.openxmlformats.org/drawingml/2006/main" xmlns:r="http://schemas.openxmlformats.org/officeDocument/2006/relationships" xmlns:p="http://schemas.openxmlformats.org/presentationml/2006/main">
   <p:cSld>
     <p:spTree>
@@ -24964,13 +25525,13 @@
         </p:nvSpPr>
         <p:spPr>
           <a:xfrm>
-            <a:off x="5351646" y="1825624"/>
-            <a:ext cx="6707603" cy="5032375"/>
+            <a:off x="6487427" y="1825624"/>
+            <a:ext cx="5571822" cy="5032375"/>
           </a:xfrm>
         </p:spPr>
         <p:txBody>
           <a:bodyPr>
-            <a:normAutofit lnSpcReduction="10000"/>
+            <a:normAutofit/>
           </a:bodyPr>
           <a:lstStyle/>
           <a:p>
@@ -25055,30 +25616,6 @@
             <a:r>
               <a:rPr lang="pt-BR" dirty="0"/>
               <a:t>.</a:t>
-            </a:r>
-          </a:p>
-          <a:p>
-            <a:r>
-              <a:rPr lang="pt-BR" dirty="0"/>
-              <a:t>Em geral, mas é opcional, o conjunto total de dados é </a:t>
-            </a:r>
-            <a:r>
-              <a:rPr lang="pt-BR" b="1" i="1" dirty="0">
-                <a:solidFill>
-                  <a:srgbClr val="00B050"/>
-                </a:solidFill>
-              </a:rPr>
-              <a:t>embaralhado de forma aleatória antes da divisão</a:t>
-            </a:r>
-            <a:r>
-              <a:rPr lang="pt-BR" dirty="0"/>
-              <a:t>.</a:t>
-            </a:r>
-          </a:p>
-          <a:p>
-            <a:r>
-              <a:rPr lang="pt-BR" dirty="0"/>
-              <a:t>Normalmente, divide-se o conjunto total de dados em 70 a 80% para treinamento e 30 a 20% para validação.</a:t>
             </a:r>
           </a:p>
         </p:txBody>
@@ -25110,7 +25647,7 @@
         </p:blipFill>
         <p:spPr>
           <a:xfrm>
-            <a:off x="75337" y="3089626"/>
+            <a:off x="546975" y="2810494"/>
             <a:ext cx="5247434" cy="1665254"/>
           </a:xfrm>
           <a:prstGeom prst="rect">
@@ -25132,6 +25669,152 @@
 </file>
 
 <file path=ppt/slides/slide7.xml><?xml version="1.0" encoding="utf-8"?>
+<p:sld xmlns:a="http://schemas.openxmlformats.org/drawingml/2006/main" xmlns:r="http://schemas.openxmlformats.org/officeDocument/2006/relationships" xmlns:p="http://schemas.openxmlformats.org/presentationml/2006/main">
+  <p:cSld>
+    <p:spTree>
+      <p:nvGrpSpPr>
+        <p:cNvPr id="1" name=""/>
+        <p:cNvGrpSpPr/>
+        <p:nvPr/>
+      </p:nvGrpSpPr>
+      <p:grpSpPr>
+        <a:xfrm>
+          <a:off x="0" y="0"/>
+          <a:ext cx="0" cy="0"/>
+          <a:chOff x="0" y="0"/>
+          <a:chExt cx="0" cy="0"/>
+        </a:xfrm>
+      </p:grpSpPr>
+      <p:sp>
+        <p:nvSpPr>
+          <p:cNvPr id="2" name="Título 1">
+            <a:extLst>
+              <a:ext uri="{FF2B5EF4-FFF2-40B4-BE49-F238E27FC236}">
+                <a16:creationId xmlns:a16="http://schemas.microsoft.com/office/drawing/2014/main" id="{868D5143-C411-ADCB-BAB7-E5B85E844096}"/>
+              </a:ext>
+            </a:extLst>
+          </p:cNvPr>
+          <p:cNvSpPr>
+            <a:spLocks noGrp="1"/>
+          </p:cNvSpPr>
+          <p:nvPr>
+            <p:ph type="title"/>
+          </p:nvPr>
+        </p:nvSpPr>
+        <p:spPr/>
+        <p:txBody>
+          <a:bodyPr/>
+          <a:lstStyle/>
+          <a:p>
+            <a:r>
+              <a:rPr lang="pt-BR" dirty="0"/>
+              <a:t>Holdout</a:t>
+            </a:r>
+          </a:p>
+        </p:txBody>
+      </p:sp>
+      <p:sp>
+        <p:nvSpPr>
+          <p:cNvPr id="3" name="Espaço Reservado para Conteúdo 2">
+            <a:extLst>
+              <a:ext uri="{FF2B5EF4-FFF2-40B4-BE49-F238E27FC236}">
+                <a16:creationId xmlns:a16="http://schemas.microsoft.com/office/drawing/2014/main" id="{CB85C345-8ED8-0184-A482-752AE4C0A4C6}"/>
+              </a:ext>
+            </a:extLst>
+          </p:cNvPr>
+          <p:cNvSpPr>
+            <a:spLocks noGrp="1"/>
+          </p:cNvSpPr>
+          <p:nvPr>
+            <p:ph idx="1"/>
+          </p:nvPr>
+        </p:nvSpPr>
+        <p:spPr>
+          <a:xfrm>
+            <a:off x="6718434" y="1825624"/>
+            <a:ext cx="5340815" cy="5032375"/>
+          </a:xfrm>
+        </p:spPr>
+        <p:txBody>
+          <a:bodyPr>
+            <a:normAutofit/>
+          </a:bodyPr>
+          <a:lstStyle/>
+          <a:p>
+            <a:r>
+              <a:rPr lang="pt-BR" dirty="0"/>
+              <a:t>Em geral, mas é opcional, o conjunto total de dados é </a:t>
+            </a:r>
+            <a:r>
+              <a:rPr lang="pt-BR" b="1" i="1" dirty="0">
+                <a:solidFill>
+                  <a:srgbClr val="00B050"/>
+                </a:solidFill>
+              </a:rPr>
+              <a:t>embaralhado de forma aleatória antes da divisão</a:t>
+            </a:r>
+            <a:r>
+              <a:rPr lang="pt-BR" dirty="0"/>
+              <a:t>.</a:t>
+            </a:r>
+          </a:p>
+          <a:p>
+            <a:r>
+              <a:rPr lang="pt-BR" dirty="0"/>
+              <a:t>Normalmente, divide-se o conjunto total de dados em 70 a 80% para treinamento e 30 a 20% para validação.</a:t>
+            </a:r>
+          </a:p>
+        </p:txBody>
+      </p:sp>
+      <p:pic>
+        <p:nvPicPr>
+          <p:cNvPr id="4" name="Picture 3">
+            <a:extLst>
+              <a:ext uri="{FF2B5EF4-FFF2-40B4-BE49-F238E27FC236}">
+                <a16:creationId xmlns:a16="http://schemas.microsoft.com/office/drawing/2014/main" id="{5E9F635D-DF29-C667-710E-2D22038C6B43}"/>
+              </a:ext>
+            </a:extLst>
+          </p:cNvPr>
+          <p:cNvPicPr>
+            <a:picLocks noChangeAspect="1"/>
+          </p:cNvPicPr>
+          <p:nvPr/>
+        </p:nvPicPr>
+        <p:blipFill rotWithShape="1">
+          <a:blip r:embed="rId3">
+            <a:extLst>
+              <a:ext uri="{28A0092B-C50C-407E-A947-70E740481C1C}">
+                <a14:useLocalDpi xmlns:a14="http://schemas.microsoft.com/office/drawing/2010/main" val="0"/>
+              </a:ext>
+            </a:extLst>
+          </a:blip>
+          <a:srcRect t="4187" b="8669"/>
+          <a:stretch/>
+        </p:blipFill>
+        <p:spPr>
+          <a:xfrm>
+            <a:off x="672103" y="2676557"/>
+            <a:ext cx="5247434" cy="1665254"/>
+          </a:xfrm>
+          <a:prstGeom prst="rect">
+            <a:avLst/>
+          </a:prstGeom>
+        </p:spPr>
+      </p:pic>
+    </p:spTree>
+    <p:extLst>
+      <p:ext uri="{BB962C8B-B14F-4D97-AF65-F5344CB8AC3E}">
+        <p14:creationId xmlns:p14="http://schemas.microsoft.com/office/powerpoint/2010/main" val="2913182594"/>
+      </p:ext>
+    </p:extLst>
+  </p:cSld>
+  <p:clrMapOvr>
+    <a:masterClrMapping/>
+  </p:clrMapOvr>
+</p:sld>
+</file>
+
+<file path=ppt/slides/slide8.xml><?xml version="1.0" encoding="utf-8"?>
 <p:sld xmlns:a="http://schemas.openxmlformats.org/drawingml/2006/main" xmlns:r="http://schemas.openxmlformats.org/officeDocument/2006/relationships" xmlns:p="http://schemas.openxmlformats.org/presentationml/2006/main">
   <p:cSld>
     <p:spTree>
@@ -25715,7 +26398,7 @@
 </p:sld>
 </file>
 
-<file path=ppt/slides/slide8.xml><?xml version="1.0" encoding="utf-8"?>
+<file path=ppt/slides/slide9.xml><?xml version="1.0" encoding="utf-8"?>
 <p:sld xmlns:a="http://schemas.openxmlformats.org/drawingml/2006/main" xmlns:r="http://schemas.openxmlformats.org/officeDocument/2006/relationships" xmlns:p="http://schemas.openxmlformats.org/presentationml/2006/main">
   <p:cSld>
     <p:spTree>
@@ -26243,399 +26926,6 @@
 </p:sld>
 </file>
 
-<file path=ppt/slides/slide9.xml><?xml version="1.0" encoding="utf-8"?>
-<p:sld xmlns:a="http://schemas.openxmlformats.org/drawingml/2006/main" xmlns:r="http://schemas.openxmlformats.org/officeDocument/2006/relationships" xmlns:p="http://schemas.openxmlformats.org/presentationml/2006/main">
-  <p:cSld>
-    <p:spTree>
-      <p:nvGrpSpPr>
-        <p:cNvPr id="1" name=""/>
-        <p:cNvGrpSpPr/>
-        <p:nvPr/>
-      </p:nvGrpSpPr>
-      <p:grpSpPr>
-        <a:xfrm>
-          <a:off x="0" y="0"/>
-          <a:ext cx="0" cy="0"/>
-          <a:chOff x="0" y="0"/>
-          <a:chExt cx="0" cy="0"/>
-        </a:xfrm>
-      </p:grpSpPr>
-      <mc:AlternateContent xmlns:mc="http://schemas.openxmlformats.org/markup-compatibility/2006" xmlns:a14="http://schemas.microsoft.com/office/drawing/2010/main">
-        <mc:Choice Requires="a14">
-          <p:sp>
-            <p:nvSpPr>
-              <p:cNvPr id="2" name="Título 1">
-                <a:extLst>
-                  <a:ext uri="{FF2B5EF4-FFF2-40B4-BE49-F238E27FC236}">
-                    <a16:creationId xmlns:a16="http://schemas.microsoft.com/office/drawing/2014/main" id="{9FBE2970-3CBA-404B-4074-AEE02EAAB9A6}"/>
-                  </a:ext>
-                </a:extLst>
-              </p:cNvPr>
-              <p:cNvSpPr>
-                <a:spLocks noGrp="1"/>
-              </p:cNvSpPr>
-              <p:nvPr>
-                <p:ph type="title"/>
-              </p:nvPr>
-            </p:nvSpPr>
-            <p:spPr/>
-            <p:txBody>
-              <a:bodyPr/>
-              <a:lstStyle/>
-              <a:p>
-                <a14:m>
-                  <m:oMath xmlns:m="http://schemas.openxmlformats.org/officeDocument/2006/math">
-                    <m:r>
-                      <a:rPr lang="pt-BR" b="0" i="1" smtClean="0">
-                        <a:solidFill>
-                          <a:srgbClr val="0F0F0F"/>
-                        </a:solidFill>
-                        <a:effectLst/>
-                        <a:latin typeface="Cambria Math" panose="02040503050406030204" pitchFamily="18" charset="0"/>
-                      </a:rPr>
-                      <m:t>𝑘</m:t>
-                    </m:r>
-                  </m:oMath>
-                </a14:m>
-                <a:r>
-                  <a:rPr lang="pt-BR" dirty="0"/>
-                  <a:t>-</a:t>
-                </a:r>
-                <a:r>
-                  <a:rPr lang="pt-BR" dirty="0" err="1"/>
-                  <a:t>fold</a:t>
-                </a:r>
-                <a:endParaRPr lang="pt-BR" dirty="0"/>
-              </a:p>
-            </p:txBody>
-          </p:sp>
-        </mc:Choice>
-        <mc:Fallback xmlns="">
-          <p:sp>
-            <p:nvSpPr>
-              <p:cNvPr id="2" name="Título 1">
-                <a:extLst>
-                  <a:ext uri="{FF2B5EF4-FFF2-40B4-BE49-F238E27FC236}">
-                    <a16:creationId xmlns:a16="http://schemas.microsoft.com/office/drawing/2014/main" id="{9FBE2970-3CBA-404B-4074-AEE02EAAB9A6}"/>
-                  </a:ext>
-                </a:extLst>
-              </p:cNvPr>
-              <p:cNvSpPr>
-                <a:spLocks noGrp="1" noRot="1" noChangeAspect="1" noMove="1" noResize="1" noEditPoints="1" noAdjustHandles="1" noChangeArrowheads="1" noChangeShapeType="1" noTextEdit="1"/>
-              </p:cNvSpPr>
-              <p:nvPr>
-                <p:ph type="title"/>
-              </p:nvPr>
-            </p:nvSpPr>
-            <p:spPr>
-              <a:blipFill>
-                <a:blip r:embed="rId3"/>
-                <a:stretch>
-                  <a:fillRect/>
-                </a:stretch>
-              </a:blipFill>
-            </p:spPr>
-            <p:txBody>
-              <a:bodyPr/>
-              <a:lstStyle/>
-              <a:p>
-                <a:r>
-                  <a:rPr lang="pt-BR">
-                    <a:noFill/>
-                  </a:rPr>
-                  <a:t> </a:t>
-                </a:r>
-              </a:p>
-            </p:txBody>
-          </p:sp>
-        </mc:Fallback>
-      </mc:AlternateContent>
-      <p:sp>
-        <p:nvSpPr>
-          <p:cNvPr id="3" name="Espaço Reservado para Conteúdo 2">
-            <a:extLst>
-              <a:ext uri="{FF2B5EF4-FFF2-40B4-BE49-F238E27FC236}">
-                <a16:creationId xmlns:a16="http://schemas.microsoft.com/office/drawing/2014/main" id="{F55CE789-94DC-AEE8-1D38-D05D40B0BF3A}"/>
-              </a:ext>
-            </a:extLst>
-          </p:cNvPr>
-          <p:cNvSpPr>
-            <a:spLocks noGrp="1"/>
-          </p:cNvSpPr>
-          <p:nvPr>
-            <p:ph idx="1"/>
-          </p:nvPr>
-        </p:nvSpPr>
-        <p:spPr>
-          <a:xfrm>
-            <a:off x="6096000" y="1825624"/>
-            <a:ext cx="5956300" cy="5032375"/>
-          </a:xfrm>
-        </p:spPr>
-        <p:txBody>
-          <a:bodyPr>
-            <a:normAutofit/>
-          </a:bodyPr>
-          <a:lstStyle/>
-          <a:p>
-            <a:r>
-              <a:rPr lang="pt-BR" b="0" i="0" dirty="0">
-                <a:solidFill>
-                  <a:srgbClr val="0F0F0F"/>
-                </a:solidFill>
-                <a:effectLst/>
-                <a:latin typeface="Söhne"/>
-              </a:rPr>
-              <a:t>Ao final dos 𝒌 treinamentos, calcula-se a </a:t>
-            </a:r>
-            <a:r>
-              <a:rPr lang="pt-BR" b="1" i="1" dirty="0">
-                <a:solidFill>
-                  <a:srgbClr val="0070C0"/>
-                </a:solidFill>
-                <a:effectLst/>
-                <a:latin typeface="Söhne"/>
-              </a:rPr>
-              <a:t>média</a:t>
-            </a:r>
-            <a:r>
-              <a:rPr lang="pt-BR" b="0" i="0" dirty="0">
-                <a:solidFill>
-                  <a:srgbClr val="0F0F0F"/>
-                </a:solidFill>
-                <a:effectLst/>
-                <a:latin typeface="Söhne"/>
-              </a:rPr>
-              <a:t> e o </a:t>
-            </a:r>
-            <a:r>
-              <a:rPr lang="pt-BR" b="1" i="1" dirty="0">
-                <a:solidFill>
-                  <a:srgbClr val="0070C0"/>
-                </a:solidFill>
-                <a:effectLst/>
-                <a:latin typeface="Söhne"/>
-              </a:rPr>
-              <a:t>desvio padrão</a:t>
-            </a:r>
-            <a:r>
-              <a:rPr lang="pt-BR" b="0" i="0" dirty="0">
-                <a:solidFill>
-                  <a:srgbClr val="0F0F0F"/>
-                </a:solidFill>
-                <a:effectLst/>
-                <a:latin typeface="Söhne"/>
-              </a:rPr>
-              <a:t> dos 𝒌 EQM de validação para fornecer uma </a:t>
-            </a:r>
-            <a:r>
-              <a:rPr lang="pt-BR" b="1" i="1" dirty="0">
-                <a:solidFill>
-                  <a:srgbClr val="00B050"/>
-                </a:solidFill>
-                <a:effectLst/>
-                <a:latin typeface="Söhne"/>
-              </a:rPr>
-              <a:t>avaliação geral do desempenho do modelo.</a:t>
-            </a:r>
-          </a:p>
-          <a:p>
-            <a:r>
-              <a:rPr lang="pt-BR" sz="2800" dirty="0"/>
-              <a:t>Em geral, utiliza-se </a:t>
-            </a:r>
-            <a:r>
-              <a:rPr lang="pt-BR" b="0" i="0" dirty="0">
-                <a:solidFill>
-                  <a:srgbClr val="0F0F0F"/>
-                </a:solidFill>
-                <a:effectLst/>
-                <a:latin typeface="Söhne"/>
-              </a:rPr>
-              <a:t>𝒌</a:t>
-            </a:r>
-            <a:r>
-              <a:rPr lang="pt-BR" sz="2800" dirty="0"/>
-              <a:t> = 5 ou 10.</a:t>
-            </a:r>
-          </a:p>
-          <a:p>
-            <a:r>
-              <a:rPr lang="pt-BR" sz="2800" dirty="0"/>
-              <a:t>Porém, </a:t>
-            </a:r>
-            <a:r>
-              <a:rPr lang="pt-BR" b="0" i="0" dirty="0">
-                <a:solidFill>
-                  <a:srgbClr val="0F0F0F"/>
-                </a:solidFill>
-                <a:effectLst/>
-                <a:latin typeface="Söhne"/>
-              </a:rPr>
-              <a:t>𝒌</a:t>
-            </a:r>
-            <a:r>
-              <a:rPr lang="pt-BR" sz="2800" dirty="0"/>
-              <a:t> deve ser escolhido de forma que os </a:t>
-            </a:r>
-            <a:r>
-              <a:rPr lang="pt-BR" sz="2800" i="1" dirty="0"/>
-              <a:t>folds</a:t>
-            </a:r>
-            <a:r>
-              <a:rPr lang="pt-BR" sz="2800" dirty="0"/>
-              <a:t> sejam </a:t>
-            </a:r>
-            <a:r>
-              <a:rPr lang="pt-BR" sz="2800" b="1" i="1" dirty="0"/>
-              <a:t>representativos do padrão presente nos dados.</a:t>
-            </a:r>
-          </a:p>
-        </p:txBody>
-      </p:sp>
-      <p:pic>
-        <p:nvPicPr>
-          <p:cNvPr id="4" name="Imagem 3">
-            <a:extLst>
-              <a:ext uri="{FF2B5EF4-FFF2-40B4-BE49-F238E27FC236}">
-                <a16:creationId xmlns:a16="http://schemas.microsoft.com/office/drawing/2014/main" id="{4F49A66D-EE2E-954C-CE06-20034C4D7B7C}"/>
-              </a:ext>
-            </a:extLst>
-          </p:cNvPr>
-          <p:cNvPicPr>
-            <a:picLocks noChangeAspect="1"/>
-          </p:cNvPicPr>
-          <p:nvPr/>
-        </p:nvPicPr>
-        <p:blipFill rotWithShape="1">
-          <a:blip r:embed="rId4" cstate="print">
-            <a:extLst>
-              <a:ext uri="{28A0092B-C50C-407E-A947-70E740481C1C}">
-                <a14:useLocalDpi xmlns:a14="http://schemas.microsoft.com/office/drawing/2010/main" val="0"/>
-              </a:ext>
-            </a:extLst>
-          </a:blip>
-          <a:srcRect l="1296" r="1"/>
-          <a:stretch/>
-        </p:blipFill>
-        <p:spPr>
-          <a:xfrm>
-            <a:off x="139700" y="2545335"/>
-            <a:ext cx="5613400" cy="3361882"/>
-          </a:xfrm>
-          <a:prstGeom prst="rect">
-            <a:avLst/>
-          </a:prstGeom>
-        </p:spPr>
-      </p:pic>
-      <mc:AlternateContent xmlns:mc="http://schemas.openxmlformats.org/markup-compatibility/2006" xmlns:a14="http://schemas.microsoft.com/office/drawing/2010/main">
-        <mc:Choice Requires="a14">
-          <p:sp>
-            <p:nvSpPr>
-              <p:cNvPr id="5" name="CaixaDeTexto 4">
-                <a:extLst>
-                  <a:ext uri="{FF2B5EF4-FFF2-40B4-BE49-F238E27FC236}">
-                    <a16:creationId xmlns:a16="http://schemas.microsoft.com/office/drawing/2014/main" id="{A35580BE-2693-7A2B-E389-307D19EBC7B1}"/>
-                  </a:ext>
-                </a:extLst>
-              </p:cNvPr>
-              <p:cNvSpPr txBox="1"/>
-              <p:nvPr/>
-            </p:nvSpPr>
-            <p:spPr>
-              <a:xfrm>
-                <a:off x="1442175" y="1953195"/>
-                <a:ext cx="1360967" cy="584775"/>
-              </a:xfrm>
-              <a:prstGeom prst="rect">
-                <a:avLst/>
-              </a:prstGeom>
-              <a:noFill/>
-            </p:spPr>
-            <p:txBody>
-              <a:bodyPr wrap="square" rtlCol="0">
-                <a:spAutoFit/>
-              </a:bodyPr>
-              <a:lstStyle/>
-              <a:p>
-                <a:pPr algn="ctr"/>
-                <a14:m>
-                  <m:oMath xmlns:m="http://schemas.openxmlformats.org/officeDocument/2006/math">
-                    <m:r>
-                      <a:rPr lang="pt-BR" sz="3200" b="1" i="1" smtClean="0">
-                        <a:latin typeface="Cambria Math" panose="02040503050406030204" pitchFamily="18" charset="0"/>
-                      </a:rPr>
-                      <m:t>𝒌</m:t>
-                    </m:r>
-                  </m:oMath>
-                </a14:m>
-                <a:r>
-                  <a:rPr lang="pt-BR" sz="3200" b="1" dirty="0"/>
-                  <a:t> = 5</a:t>
-                </a:r>
-                <a:endParaRPr lang="en-US" sz="3200" b="1" dirty="0"/>
-              </a:p>
-            </p:txBody>
-          </p:sp>
-        </mc:Choice>
-        <mc:Fallback xmlns="">
-          <p:sp>
-            <p:nvSpPr>
-              <p:cNvPr id="5" name="CaixaDeTexto 4">
-                <a:extLst>
-                  <a:ext uri="{FF2B5EF4-FFF2-40B4-BE49-F238E27FC236}">
-                    <a16:creationId xmlns:a16="http://schemas.microsoft.com/office/drawing/2014/main" id="{A35580BE-2693-7A2B-E389-307D19EBC7B1}"/>
-                  </a:ext>
-                </a:extLst>
-              </p:cNvPr>
-              <p:cNvSpPr txBox="1">
-                <a:spLocks noRot="1" noChangeAspect="1" noMove="1" noResize="1" noEditPoints="1" noAdjustHandles="1" noChangeArrowheads="1" noChangeShapeType="1" noTextEdit="1"/>
-              </p:cNvSpPr>
-              <p:nvPr/>
-            </p:nvSpPr>
-            <p:spPr>
-              <a:xfrm>
-                <a:off x="1442175" y="1953195"/>
-                <a:ext cx="1360967" cy="584775"/>
-              </a:xfrm>
-              <a:prstGeom prst="rect">
-                <a:avLst/>
-              </a:prstGeom>
-              <a:blipFill>
-                <a:blip r:embed="rId5"/>
-                <a:stretch>
-                  <a:fillRect t="-12500" b="-34375"/>
-                </a:stretch>
-              </a:blipFill>
-            </p:spPr>
-            <p:txBody>
-              <a:bodyPr/>
-              <a:lstStyle/>
-              <a:p>
-                <a:r>
-                  <a:rPr lang="pt-BR">
-                    <a:noFill/>
-                  </a:rPr>
-                  <a:t> </a:t>
-                </a:r>
-              </a:p>
-            </p:txBody>
-          </p:sp>
-        </mc:Fallback>
-      </mc:AlternateContent>
-    </p:spTree>
-    <p:extLst>
-      <p:ext uri="{BB962C8B-B14F-4D97-AF65-F5344CB8AC3E}">
-        <p14:creationId xmlns:p14="http://schemas.microsoft.com/office/powerpoint/2010/main" val="1129035678"/>
-      </p:ext>
-    </p:extLst>
-  </p:cSld>
-  <p:clrMapOvr>
-    <a:masterClrMapping/>
-  </p:clrMapOvr>
-</p:sld>
-</file>
-
 <file path=ppt/theme/theme1.xml><?xml version="1.0" encoding="utf-8"?>
 <a:theme xmlns:a="http://schemas.openxmlformats.org/drawingml/2006/main" name="Office Theme">
   <a:themeElements>

--- a/slides/T319_Regressão_Linear (Parte V).pptx
+++ b/slides/T319_Regressão_Linear (Parte V).pptx
@@ -548,7 +548,7 @@
           <a:p>
             <a:fld id="{DAF0AF11-6A8A-4E64-94F5-26D4FBA2A01D}" type="datetimeFigureOut">
               <a:rPr lang="nl-BE" smtClean="0"/>
-              <a:t>31/05/2024</a:t>
+              <a:t>22/11/2024</a:t>
             </a:fld>
             <a:endParaRPr lang="nl-BE"/>
           </a:p>
@@ -4222,7 +4222,7 @@
           <a:p>
             <a:fld id="{C80E15A5-E95B-43EB-9AC7-9A96397448C0}" type="datetimeFigureOut">
               <a:rPr lang="nl-BE" smtClean="0"/>
-              <a:t>31/05/2024</a:t>
+              <a:t>22/11/2024</a:t>
             </a:fld>
             <a:endParaRPr lang="nl-BE"/>
           </a:p>
@@ -4392,7 +4392,7 @@
           <a:p>
             <a:fld id="{C80E15A5-E95B-43EB-9AC7-9A96397448C0}" type="datetimeFigureOut">
               <a:rPr lang="nl-BE" smtClean="0"/>
-              <a:t>31/05/2024</a:t>
+              <a:t>22/11/2024</a:t>
             </a:fld>
             <a:endParaRPr lang="nl-BE"/>
           </a:p>
@@ -4572,7 +4572,7 @@
           <a:p>
             <a:fld id="{C80E15A5-E95B-43EB-9AC7-9A96397448C0}" type="datetimeFigureOut">
               <a:rPr lang="nl-BE" smtClean="0"/>
-              <a:t>31/05/2024</a:t>
+              <a:t>22/11/2024</a:t>
             </a:fld>
             <a:endParaRPr lang="nl-BE"/>
           </a:p>
@@ -4742,7 +4742,7 @@
           <a:p>
             <a:fld id="{C80E15A5-E95B-43EB-9AC7-9A96397448C0}" type="datetimeFigureOut">
               <a:rPr lang="nl-BE" smtClean="0"/>
-              <a:t>31/05/2024</a:t>
+              <a:t>22/11/2024</a:t>
             </a:fld>
             <a:endParaRPr lang="nl-BE"/>
           </a:p>
@@ -4988,7 +4988,7 @@
           <a:p>
             <a:fld id="{C80E15A5-E95B-43EB-9AC7-9A96397448C0}" type="datetimeFigureOut">
               <a:rPr lang="nl-BE" smtClean="0"/>
-              <a:t>31/05/2024</a:t>
+              <a:t>22/11/2024</a:t>
             </a:fld>
             <a:endParaRPr lang="nl-BE"/>
           </a:p>
@@ -5220,7 +5220,7 @@
           <a:p>
             <a:fld id="{C80E15A5-E95B-43EB-9AC7-9A96397448C0}" type="datetimeFigureOut">
               <a:rPr lang="nl-BE" smtClean="0"/>
-              <a:t>31/05/2024</a:t>
+              <a:t>22/11/2024</a:t>
             </a:fld>
             <a:endParaRPr lang="nl-BE"/>
           </a:p>
@@ -5587,7 +5587,7 @@
           <a:p>
             <a:fld id="{C80E15A5-E95B-43EB-9AC7-9A96397448C0}" type="datetimeFigureOut">
               <a:rPr lang="nl-BE" smtClean="0"/>
-              <a:t>31/05/2024</a:t>
+              <a:t>22/11/2024</a:t>
             </a:fld>
             <a:endParaRPr lang="nl-BE"/>
           </a:p>
@@ -5705,7 +5705,7 @@
           <a:p>
             <a:fld id="{C80E15A5-E95B-43EB-9AC7-9A96397448C0}" type="datetimeFigureOut">
               <a:rPr lang="nl-BE" smtClean="0"/>
-              <a:t>31/05/2024</a:t>
+              <a:t>22/11/2024</a:t>
             </a:fld>
             <a:endParaRPr lang="nl-BE"/>
           </a:p>
@@ -5800,7 +5800,7 @@
           <a:p>
             <a:fld id="{C80E15A5-E95B-43EB-9AC7-9A96397448C0}" type="datetimeFigureOut">
               <a:rPr lang="nl-BE" smtClean="0"/>
-              <a:t>31/05/2024</a:t>
+              <a:t>22/11/2024</a:t>
             </a:fld>
             <a:endParaRPr lang="nl-BE"/>
           </a:p>
@@ -6077,7 +6077,7 @@
           <a:p>
             <a:fld id="{C80E15A5-E95B-43EB-9AC7-9A96397448C0}" type="datetimeFigureOut">
               <a:rPr lang="nl-BE" smtClean="0"/>
-              <a:t>31/05/2024</a:t>
+              <a:t>22/11/2024</a:t>
             </a:fld>
             <a:endParaRPr lang="nl-BE"/>
           </a:p>
@@ -6330,7 +6330,7 @@
           <a:p>
             <a:fld id="{C80E15A5-E95B-43EB-9AC7-9A96397448C0}" type="datetimeFigureOut">
               <a:rPr lang="nl-BE" smtClean="0"/>
-              <a:t>31/05/2024</a:t>
+              <a:t>22/11/2024</a:t>
             </a:fld>
             <a:endParaRPr lang="nl-BE"/>
           </a:p>
@@ -6543,7 +6543,7 @@
           <a:p>
             <a:fld id="{C80E15A5-E95B-43EB-9AC7-9A96397448C0}" type="datetimeFigureOut">
               <a:rPr lang="nl-BE" smtClean="0"/>
-              <a:t>31/05/2024</a:t>
+              <a:t>22/11/2024</a:t>
             </a:fld>
             <a:endParaRPr lang="nl-BE"/>
           </a:p>
@@ -7634,8 +7634,8 @@
           </p:sp>
         </mc:Fallback>
       </mc:AlternateContent>
-      <mc:AlternateContent xmlns:mc="http://schemas.openxmlformats.org/markup-compatibility/2006" xmlns:a14="http://schemas.microsoft.com/office/drawing/2010/main">
-        <mc:Choice Requires="a14">
+      <mc:AlternateContent xmlns:mc="http://schemas.openxmlformats.org/markup-compatibility/2006">
+        <mc:Choice xmlns:a14="http://schemas.microsoft.com/office/drawing/2010/main" Requires="a14">
           <p:sp>
             <p:nvSpPr>
               <p:cNvPr id="3" name="Espaço Reservado para Conteúdo 2">
@@ -7763,7 +7763,19 @@
                 </a:pPr>
                 <a:r>
                   <a:rPr lang="pt-BR" dirty="0"/>
-                  <a:t>Isso faz com que a avaliação do modelo se torne menos sensível à divisão dos dados.</a:t>
+                  <a:t>Isso faz com que a </a:t>
+                </a:r>
+                <a:r>
+                  <a:rPr lang="pt-BR" b="1" i="1" dirty="0">
+                    <a:solidFill>
+                      <a:schemeClr val="accent2"/>
+                    </a:solidFill>
+                  </a:rPr>
+                  <a:t>avaliação do modelo se torne menos sensível à divisão dos dados</a:t>
+                </a:r>
+                <a:r>
+                  <a:rPr lang="pt-BR" dirty="0"/>
+                  <a:t>.</a:t>
                 </a:r>
               </a:p>
               <a:p>
@@ -7803,16 +7815,33 @@
                 </a:r>
                 <a:r>
                   <a:rPr lang="pt-BR" dirty="0"/>
-                  <a:t> tem um tempo de validação maior (cerca de </a:t>
+                  <a:t> tem um </a:t>
                 </a:r>
                 <a:r>
-                  <a:rPr lang="pt-BR" dirty="0">
+                  <a:rPr lang="pt-BR" b="1" i="1" dirty="0">
                     <a:solidFill>
-                      <a:srgbClr val="0F0F0F"/>
+                      <a:schemeClr val="accent5"/>
+                    </a:solidFill>
+                  </a:rPr>
+                  <a:t>tempo de validação maior (cerca de </a:t>
+                </a:r>
+                <a:r>
+                  <a:rPr lang="pt-BR" b="1" dirty="0">
+                    <a:solidFill>
+                      <a:schemeClr val="accent5"/>
                     </a:solidFill>
                     <a:latin typeface="Söhne"/>
                   </a:rPr>
-                  <a:t>𝒌 vezes)</a:t>
+                  <a:t>𝒌</a:t>
+                </a:r>
+                <a:r>
+                  <a:rPr lang="pt-BR" b="1" i="1" dirty="0">
+                    <a:solidFill>
+                      <a:schemeClr val="accent5"/>
+                    </a:solidFill>
+                    <a:latin typeface="Söhne"/>
+                  </a:rPr>
+                  <a:t> vezes)</a:t>
                 </a:r>
                 <a:r>
                   <a:rPr lang="pt-BR" dirty="0"/>
@@ -7843,7 +7872,7 @@
             </p:txBody>
           </p:sp>
         </mc:Choice>
-        <mc:Fallback xmlns="">
+        <mc:Fallback>
           <p:sp>
             <p:nvSpPr>
               <p:cNvPr id="3" name="Espaço Reservado para Conteúdo 2">
@@ -7945,8 +7974,8 @@
           </a:p>
         </p:txBody>
       </p:sp>
-      <mc:AlternateContent xmlns:mc="http://schemas.openxmlformats.org/markup-compatibility/2006" xmlns:a14="http://schemas.microsoft.com/office/drawing/2010/main">
-        <mc:Choice Requires="a14">
+      <mc:AlternateContent xmlns:mc="http://schemas.openxmlformats.org/markup-compatibility/2006">
+        <mc:Choice xmlns:a14="http://schemas.microsoft.com/office/drawing/2010/main" Requires="a14">
           <p:sp>
             <p:nvSpPr>
               <p:cNvPr id="3" name="Espaço Reservado para Conteúdo 2">
@@ -7977,9 +8006,21 @@
               <a:p>
                 <a:r>
                   <a:rPr lang="pt-BR" dirty="0"/>
-                  <a:t>Para exemplificar o uso das estratégias de validação cruzada para encontrar o grau ideal do polinômio aproximador, vamos usar a seguinte função observável</a:t>
+                  <a:t>Para exemplificar o uso das estratégias de validação cruzada para encontrar o grau ideal do polinômio aproximador, vamos usar a seguinte </a:t>
                 </a:r>
-                <a:endParaRPr lang="pt-BR" sz="2800" dirty="0"/>
+                <a:r>
+                  <a:rPr lang="pt-BR" b="1" i="1" dirty="0">
+                    <a:solidFill>
+                      <a:schemeClr val="accent5"/>
+                    </a:solidFill>
+                  </a:rPr>
+                  <a:t>função observável</a:t>
+                </a:r>
+                <a:endParaRPr lang="pt-BR" sz="2800" b="1" i="1" dirty="0">
+                  <a:solidFill>
+                    <a:schemeClr val="accent5"/>
+                  </a:solidFill>
+                </a:endParaRPr>
               </a:p>
               <a:p>
                 <a:pPr marL="0" indent="0">
@@ -8097,7 +8138,19 @@
               <a:p>
                 <a:r>
                   <a:rPr lang="pt-BR" dirty="0"/>
-                  <a:t>A função objetivo é um polinômio de segundo grau definido como</a:t>
+                  <a:t>A </a:t>
+                </a:r>
+                <a:r>
+                  <a:rPr lang="pt-BR" b="1" i="1" dirty="0">
+                    <a:solidFill>
+                      <a:schemeClr val="accent5"/>
+                    </a:solidFill>
+                  </a:rPr>
+                  <a:t>função objetivo</a:t>
+                </a:r>
+                <a:r>
+                  <a:rPr lang="pt-BR" dirty="0"/>
+                  <a:t> é um polinômio de segundo grau definido como</a:t>
                 </a:r>
               </a:p>
               <a:p>
@@ -8202,7 +8255,7 @@
             </p:txBody>
           </p:sp>
         </mc:Choice>
-        <mc:Fallback xmlns="">
+        <mc:Fallback>
           <p:sp>
             <p:nvSpPr>
               <p:cNvPr id="3" name="Espaço Reservado para Conteúdo 2">
@@ -24989,7 +25042,7 @@
         </p:spPr>
         <p:txBody>
           <a:bodyPr>
-            <a:normAutofit lnSpcReduction="10000"/>
+            <a:normAutofit/>
           </a:bodyPr>
           <a:lstStyle/>
           <a:p>
@@ -25189,7 +25242,7 @@
             </a:pPr>
             <a:r>
               <a:rPr lang="pt-BR" dirty="0"/>
-              <a:t>Erro de treinamento é calculado com os dados usados para o treinamento do modelo.</a:t>
+              <a:t>Erro de treinamento é calculado com o conjunto usado para treinar o modelo.</a:t>
             </a:r>
           </a:p>
           <a:p>
@@ -25994,7 +26047,7 @@
           <a:p>
             <a:r>
               <a:rPr lang="pt-BR" dirty="0"/>
-              <a:t>O desempenho do modelo pode ser muito diferente dependendo da divisão dos dados.</a:t>
+              <a:t>O desempenho do modelo pode variar muito dependendo da divisão dos dados.</a:t>
             </a:r>
           </a:p>
           <a:p>

--- a/slides/T319_Regressão_Linear (Parte V).pptx
+++ b/slides/T319_Regressão_Linear (Parte V).pptx
@@ -548,7 +548,7 @@
           <a:p>
             <a:fld id="{DAF0AF11-6A8A-4E64-94F5-26D4FBA2A01D}" type="datetimeFigureOut">
               <a:rPr lang="nl-BE" smtClean="0"/>
-              <a:t>22/11/2024</a:t>
+              <a:t>30/05/2025</a:t>
             </a:fld>
             <a:endParaRPr lang="nl-BE"/>
           </a:p>
@@ -707,7 +707,7 @@
           <a:p>
             <a:fld id="{DA8B99DF-01BC-492A-8CEF-4FD88D18DD9D}" type="slidenum">
               <a:rPr lang="nl-BE" smtClean="0"/>
-              <a:t>‹nº›</a:t>
+              <a:t>‹#›</a:t>
             </a:fld>
             <a:endParaRPr lang="nl-BE"/>
           </a:p>
@@ -4222,7 +4222,7 @@
           <a:p>
             <a:fld id="{C80E15A5-E95B-43EB-9AC7-9A96397448C0}" type="datetimeFigureOut">
               <a:rPr lang="nl-BE" smtClean="0"/>
-              <a:t>22/11/2024</a:t>
+              <a:t>30/05/2025</a:t>
             </a:fld>
             <a:endParaRPr lang="nl-BE"/>
           </a:p>
@@ -4264,7 +4264,7 @@
           <a:p>
             <a:fld id="{67C3C120-4544-49C4-A71C-C78FE5187513}" type="slidenum">
               <a:rPr lang="nl-BE" smtClean="0"/>
-              <a:t>‹nº›</a:t>
+              <a:t>‹#›</a:t>
             </a:fld>
             <a:endParaRPr lang="nl-BE"/>
           </a:p>
@@ -4392,7 +4392,7 @@
           <a:p>
             <a:fld id="{C80E15A5-E95B-43EB-9AC7-9A96397448C0}" type="datetimeFigureOut">
               <a:rPr lang="nl-BE" smtClean="0"/>
-              <a:t>22/11/2024</a:t>
+              <a:t>30/05/2025</a:t>
             </a:fld>
             <a:endParaRPr lang="nl-BE"/>
           </a:p>
@@ -4434,7 +4434,7 @@
           <a:p>
             <a:fld id="{67C3C120-4544-49C4-A71C-C78FE5187513}" type="slidenum">
               <a:rPr lang="nl-BE" smtClean="0"/>
-              <a:t>‹nº›</a:t>
+              <a:t>‹#›</a:t>
             </a:fld>
             <a:endParaRPr lang="nl-BE"/>
           </a:p>
@@ -4572,7 +4572,7 @@
           <a:p>
             <a:fld id="{C80E15A5-E95B-43EB-9AC7-9A96397448C0}" type="datetimeFigureOut">
               <a:rPr lang="nl-BE" smtClean="0"/>
-              <a:t>22/11/2024</a:t>
+              <a:t>30/05/2025</a:t>
             </a:fld>
             <a:endParaRPr lang="nl-BE"/>
           </a:p>
@@ -4614,7 +4614,7 @@
           <a:p>
             <a:fld id="{67C3C120-4544-49C4-A71C-C78FE5187513}" type="slidenum">
               <a:rPr lang="nl-BE" smtClean="0"/>
-              <a:t>‹nº›</a:t>
+              <a:t>‹#›</a:t>
             </a:fld>
             <a:endParaRPr lang="nl-BE"/>
           </a:p>
@@ -4742,7 +4742,7 @@
           <a:p>
             <a:fld id="{C80E15A5-E95B-43EB-9AC7-9A96397448C0}" type="datetimeFigureOut">
               <a:rPr lang="nl-BE" smtClean="0"/>
-              <a:t>22/11/2024</a:t>
+              <a:t>30/05/2025</a:t>
             </a:fld>
             <a:endParaRPr lang="nl-BE"/>
           </a:p>
@@ -4784,7 +4784,7 @@
           <a:p>
             <a:fld id="{67C3C120-4544-49C4-A71C-C78FE5187513}" type="slidenum">
               <a:rPr lang="nl-BE" smtClean="0"/>
-              <a:t>‹nº›</a:t>
+              <a:t>‹#›</a:t>
             </a:fld>
             <a:endParaRPr lang="nl-BE"/>
           </a:p>
@@ -4988,7 +4988,7 @@
           <a:p>
             <a:fld id="{C80E15A5-E95B-43EB-9AC7-9A96397448C0}" type="datetimeFigureOut">
               <a:rPr lang="nl-BE" smtClean="0"/>
-              <a:t>22/11/2024</a:t>
+              <a:t>30/05/2025</a:t>
             </a:fld>
             <a:endParaRPr lang="nl-BE"/>
           </a:p>
@@ -5030,7 +5030,7 @@
           <a:p>
             <a:fld id="{67C3C120-4544-49C4-A71C-C78FE5187513}" type="slidenum">
               <a:rPr lang="nl-BE" smtClean="0"/>
-              <a:t>‹nº›</a:t>
+              <a:t>‹#›</a:t>
             </a:fld>
             <a:endParaRPr lang="nl-BE"/>
           </a:p>
@@ -5220,7 +5220,7 @@
           <a:p>
             <a:fld id="{C80E15A5-E95B-43EB-9AC7-9A96397448C0}" type="datetimeFigureOut">
               <a:rPr lang="nl-BE" smtClean="0"/>
-              <a:t>22/11/2024</a:t>
+              <a:t>30/05/2025</a:t>
             </a:fld>
             <a:endParaRPr lang="nl-BE"/>
           </a:p>
@@ -5262,7 +5262,7 @@
           <a:p>
             <a:fld id="{67C3C120-4544-49C4-A71C-C78FE5187513}" type="slidenum">
               <a:rPr lang="nl-BE" smtClean="0"/>
-              <a:t>‹nº›</a:t>
+              <a:t>‹#›</a:t>
             </a:fld>
             <a:endParaRPr lang="nl-BE"/>
           </a:p>
@@ -5587,7 +5587,7 @@
           <a:p>
             <a:fld id="{C80E15A5-E95B-43EB-9AC7-9A96397448C0}" type="datetimeFigureOut">
               <a:rPr lang="nl-BE" smtClean="0"/>
-              <a:t>22/11/2024</a:t>
+              <a:t>30/05/2025</a:t>
             </a:fld>
             <a:endParaRPr lang="nl-BE"/>
           </a:p>
@@ -5629,7 +5629,7 @@
           <a:p>
             <a:fld id="{67C3C120-4544-49C4-A71C-C78FE5187513}" type="slidenum">
               <a:rPr lang="nl-BE" smtClean="0"/>
-              <a:t>‹nº›</a:t>
+              <a:t>‹#›</a:t>
             </a:fld>
             <a:endParaRPr lang="nl-BE"/>
           </a:p>
@@ -5705,7 +5705,7 @@
           <a:p>
             <a:fld id="{C80E15A5-E95B-43EB-9AC7-9A96397448C0}" type="datetimeFigureOut">
               <a:rPr lang="nl-BE" smtClean="0"/>
-              <a:t>22/11/2024</a:t>
+              <a:t>30/05/2025</a:t>
             </a:fld>
             <a:endParaRPr lang="nl-BE"/>
           </a:p>
@@ -5747,7 +5747,7 @@
           <a:p>
             <a:fld id="{67C3C120-4544-49C4-A71C-C78FE5187513}" type="slidenum">
               <a:rPr lang="nl-BE" smtClean="0"/>
-              <a:t>‹nº›</a:t>
+              <a:t>‹#›</a:t>
             </a:fld>
             <a:endParaRPr lang="nl-BE"/>
           </a:p>
@@ -5800,7 +5800,7 @@
           <a:p>
             <a:fld id="{C80E15A5-E95B-43EB-9AC7-9A96397448C0}" type="datetimeFigureOut">
               <a:rPr lang="nl-BE" smtClean="0"/>
-              <a:t>22/11/2024</a:t>
+              <a:t>30/05/2025</a:t>
             </a:fld>
             <a:endParaRPr lang="nl-BE"/>
           </a:p>
@@ -5842,7 +5842,7 @@
           <a:p>
             <a:fld id="{67C3C120-4544-49C4-A71C-C78FE5187513}" type="slidenum">
               <a:rPr lang="nl-BE" smtClean="0"/>
-              <a:t>‹nº›</a:t>
+              <a:t>‹#›</a:t>
             </a:fld>
             <a:endParaRPr lang="nl-BE"/>
           </a:p>
@@ -6077,7 +6077,7 @@
           <a:p>
             <a:fld id="{C80E15A5-E95B-43EB-9AC7-9A96397448C0}" type="datetimeFigureOut">
               <a:rPr lang="nl-BE" smtClean="0"/>
-              <a:t>22/11/2024</a:t>
+              <a:t>30/05/2025</a:t>
             </a:fld>
             <a:endParaRPr lang="nl-BE"/>
           </a:p>
@@ -6119,7 +6119,7 @@
           <a:p>
             <a:fld id="{67C3C120-4544-49C4-A71C-C78FE5187513}" type="slidenum">
               <a:rPr lang="nl-BE" smtClean="0"/>
-              <a:t>‹nº›</a:t>
+              <a:t>‹#›</a:t>
             </a:fld>
             <a:endParaRPr lang="nl-BE"/>
           </a:p>
@@ -6330,7 +6330,7 @@
           <a:p>
             <a:fld id="{C80E15A5-E95B-43EB-9AC7-9A96397448C0}" type="datetimeFigureOut">
               <a:rPr lang="nl-BE" smtClean="0"/>
-              <a:t>22/11/2024</a:t>
+              <a:t>30/05/2025</a:t>
             </a:fld>
             <a:endParaRPr lang="nl-BE"/>
           </a:p>
@@ -6372,7 +6372,7 @@
           <a:p>
             <a:fld id="{67C3C120-4544-49C4-A71C-C78FE5187513}" type="slidenum">
               <a:rPr lang="nl-BE" smtClean="0"/>
-              <a:t>‹nº›</a:t>
+              <a:t>‹#›</a:t>
             </a:fld>
             <a:endParaRPr lang="nl-BE"/>
           </a:p>
@@ -6543,7 +6543,7 @@
           <a:p>
             <a:fld id="{C80E15A5-E95B-43EB-9AC7-9A96397448C0}" type="datetimeFigureOut">
               <a:rPr lang="nl-BE" smtClean="0"/>
-              <a:t>22/11/2024</a:t>
+              <a:t>30/05/2025</a:t>
             </a:fld>
             <a:endParaRPr lang="nl-BE"/>
           </a:p>
@@ -6621,7 +6621,7 @@
           <a:p>
             <a:fld id="{67C3C120-4544-49C4-A71C-C78FE5187513}" type="slidenum">
               <a:rPr lang="nl-BE" smtClean="0"/>
-              <a:t>‹nº›</a:t>
+              <a:t>‹#›</a:t>
             </a:fld>
             <a:endParaRPr lang="nl-BE"/>
           </a:p>
@@ -7317,7 +7317,27 @@
                 <a:effectLst/>
                 <a:latin typeface="Söhne"/>
               </a:rPr>
-              <a:t> dos 𝒌 EQM de validação para fornecer uma </a:t>
+              <a:t> dos 𝒌 </a:t>
+            </a:r>
+            <a:r>
+              <a:rPr lang="pt-BR" b="0" i="0" dirty="0" err="1">
+                <a:solidFill>
+                  <a:srgbClr val="0F0F0F"/>
+                </a:solidFill>
+                <a:effectLst/>
+                <a:latin typeface="Söhne"/>
+              </a:rPr>
+              <a:t>EQMs</a:t>
+            </a:r>
+            <a:r>
+              <a:rPr lang="pt-BR" b="0" i="0" dirty="0">
+                <a:solidFill>
+                  <a:srgbClr val="0F0F0F"/>
+                </a:solidFill>
+                <a:effectLst/>
+                <a:latin typeface="Söhne"/>
+              </a:rPr>
+              <a:t> de validação para fornecer uma </a:t>
             </a:r>
             <a:r>
               <a:rPr lang="pt-BR" b="1" i="1" dirty="0">
@@ -7692,14 +7712,8 @@
                 </a:r>
                 <a:r>
                   <a:rPr lang="pt-BR" sz="2800" dirty="0"/>
-                  <a:t> é a estratégia de validação cruzada mais usada por</a:t>
+                  <a:t> é a estratégia de validação cruzada mais usada por </a:t>
                 </a:r>
-              </a:p>
-              <a:p>
-                <a:pPr lvl="1">
-                  <a:buFont typeface="Wingdings" panose="05000000000000000000" pitchFamily="2" charset="2"/>
-                  <a:buChar char="§"/>
-                </a:pPr>
                 <a:r>
                   <a:rPr lang="pt-BR" dirty="0"/>
                   <a:t>fornecer </a:t>
@@ -7707,28 +7721,36 @@
                 <a:r>
                   <a:rPr lang="pt-BR" b="1" i="1" dirty="0">
                     <a:solidFill>
-                      <a:srgbClr val="00B050"/>
+                      <a:srgbClr val="7030A0"/>
                     </a:solidFill>
                   </a:rPr>
                   <a:t>indicações mais claras</a:t>
                 </a:r>
                 <a:r>
+                  <a:rPr lang="pt-BR" dirty="0">
+                    <a:solidFill>
+                      <a:srgbClr val="7030A0"/>
+                    </a:solidFill>
+                  </a:rPr>
+                  <a:t> </a:t>
+                </a:r>
+                <a:r>
                   <a:rPr lang="pt-BR" dirty="0"/>
-                  <a:t> sobre desempenho do modelo, devido a média tomada.</a:t>
+                  <a:t>sobre desempenho do modelo, devido à média tomada.</a:t>
                 </a:r>
               </a:p>
               <a:p>
-                <a:pPr lvl="1">
-                  <a:buFont typeface="Wingdings" panose="05000000000000000000" pitchFamily="2" charset="2"/>
-                  <a:buChar char="§"/>
-                </a:pPr>
+                <a:r>
+                  <a:rPr lang="pt-BR" dirty="0"/>
+                  <a:t>Essa avaliação</a:t>
+                </a:r>
                 <a:r>
                   <a:rPr lang="pt-BR" b="1" i="1" dirty="0">
                     <a:solidFill>
                       <a:srgbClr val="00B050"/>
                     </a:solidFill>
                   </a:rPr>
-                  <a:t>minimizar os possíveis efeitos provocados pelo </a:t>
+                  <a:t> minimiza os possíveis efeitos provocados pelo </a:t>
                 </a:r>
                 <a:r>
                   <a:rPr lang="pt-BR" b="1" i="1" dirty="0">
@@ -7757,9 +7779,9 @@
                 </a:r>
               </a:p>
               <a:p>
-                <a:pPr lvl="2">
-                  <a:buFont typeface="Courier New" panose="02070309020205020404" pitchFamily="49" charset="0"/>
-                  <a:buChar char="o"/>
+                <a:pPr lvl="1">
+                  <a:buFont typeface="Wingdings" panose="05000000000000000000" pitchFamily="2" charset="2"/>
+                  <a:buChar char="§"/>
                 </a:pPr>
                 <a:r>
                   <a:rPr lang="pt-BR" dirty="0"/>
@@ -7897,7 +7919,7 @@
               <a:blipFill>
                 <a:blip r:embed="rId4"/>
                 <a:stretch>
-                  <a:fillRect l="-989" t="-1937"/>
+                  <a:fillRect l="-989" t="-1937" b="-969"/>
                 </a:stretch>
               </a:blipFill>
             </p:spPr>
@@ -7906,7 +7928,7 @@
               <a:lstStyle/>
               <a:p>
                 <a:r>
-                  <a:rPr lang="pt-BR">
+                  <a:rPr lang="en-US">
                     <a:noFill/>
                   </a:rPr>
                   <a:t> </a:t>
@@ -7974,8 +7996,8 @@
           </a:p>
         </p:txBody>
       </p:sp>
-      <mc:AlternateContent xmlns:mc="http://schemas.openxmlformats.org/markup-compatibility/2006">
-        <mc:Choice xmlns:a14="http://schemas.microsoft.com/office/drawing/2010/main" Requires="a14">
+      <mc:AlternateContent xmlns:mc="http://schemas.openxmlformats.org/markup-compatibility/2006" xmlns:a14="http://schemas.microsoft.com/office/drawing/2010/main">
+        <mc:Choice Requires="a14">
           <p:sp>
             <p:nvSpPr>
               <p:cNvPr id="3" name="Espaço Reservado para Conteúdo 2">
@@ -8255,7 +8277,7 @@
             </p:txBody>
           </p:sp>
         </mc:Choice>
-        <mc:Fallback>
+        <mc:Fallback xmlns="">
           <p:sp>
             <p:nvSpPr>
               <p:cNvPr id="3" name="Espaço Reservado para Conteúdo 2">
@@ -12811,7 +12833,7 @@
                   <a:srgbClr val="00B050"/>
                 </a:solidFill>
               </a:rPr>
-              <a:t>Entrega: 12/12/2023 até às 23:59.</a:t>
+              <a:t>Entrega: 20/06/2025 até às 23:59.</a:t>
             </a:r>
           </a:p>
           <a:p>
@@ -24817,7 +24839,7 @@
                 <a:effectLst/>
                 <a:latin typeface="Söhne"/>
               </a:rPr>
-              <a:t> e realizar </a:t>
+              <a:t> e realizar</a:t>
             </a:r>
             <a:r>
               <a:rPr lang="pt-BR" b="1" i="1" dirty="0">
@@ -24827,7 +24849,7 @@
                 <a:effectLst/>
                 <a:latin typeface="Söhne"/>
               </a:rPr>
-              <a:t>várias rodadas de treinamento e validação </a:t>
+              <a:t> uma ou mais rodadas de treinamento e validação </a:t>
             </a:r>
             <a:r>
               <a:rPr lang="pt-BR" b="0" i="0" dirty="0">
@@ -24847,7 +24869,7 @@
                 <a:effectLst/>
                 <a:latin typeface="Söhne"/>
               </a:rPr>
-              <a:t>diferentes combinações desses subconjuntos</a:t>
+              <a:t>uma ou mais combinações desses subconjuntos</a:t>
             </a:r>
             <a:r>
               <a:rPr lang="pt-BR" dirty="0">
@@ -24900,7 +24922,7 @@
             <a:r>
               <a:rPr lang="pt-BR" b="1" i="1" dirty="0">
                 <a:solidFill>
-                  <a:srgbClr val="0070C0"/>
+                  <a:schemeClr val="accent2"/>
                 </a:solidFill>
                 <a:effectLst/>
                 <a:latin typeface="Söhne"/>
@@ -25132,7 +25154,19 @@
             </a:pPr>
             <a:r>
               <a:rPr lang="pt-BR" dirty="0"/>
-              <a:t>Flexível o suficiente para se ajustar ao comportamento geral dos dados.</a:t>
+              <a:t>Flexível o suficiente para se ajustar ao </a:t>
+            </a:r>
+            <a:r>
+              <a:rPr lang="pt-BR" b="1" i="1" dirty="0">
+                <a:solidFill>
+                  <a:schemeClr val="accent2"/>
+                </a:solidFill>
+              </a:rPr>
+              <a:t>comportamento geral</a:t>
+            </a:r>
+            <a:r>
+              <a:rPr lang="pt-BR" dirty="0"/>
+              <a:t> dos dados.</a:t>
             </a:r>
           </a:p>
           <a:p>
@@ -25142,7 +25176,7 @@
             </a:pPr>
             <a:r>
               <a:rPr lang="pt-BR" dirty="0"/>
-              <a:t>Capaz de predizer saídas próximas às esperadas para exemplos não usados durante seu treinamento.</a:t>
+              <a:t>Capaz de predizer saídas próximas às esperadas para exemplos não vistos durante seu treinamento.</a:t>
             </a:r>
           </a:p>
           <a:p>
@@ -25607,7 +25641,7 @@
             <a:r>
               <a:rPr lang="pt-BR" b="1" i="1" dirty="0">
                 <a:solidFill>
-                  <a:srgbClr val="00B050"/>
+                  <a:schemeClr val="accent2"/>
                 </a:solidFill>
               </a:rPr>
               <a:t>divide</a:t>
@@ -25619,7 +25653,7 @@
             <a:r>
               <a:rPr lang="pt-BR" b="1" i="1" dirty="0">
                 <a:solidFill>
-                  <a:srgbClr val="00B050"/>
+                  <a:schemeClr val="accent2"/>
                 </a:solidFill>
               </a:rPr>
               <a:t>apenas dois subconjuntos</a:t>
@@ -26157,7 +26191,16 @@
                 </a:solidFill>
                 <a:latin typeface="Söhne"/>
               </a:rPr>
-              <a:t>conjunto de dados é muito grande</a:t>
+              <a:t>conjunto de dados é </a:t>
+            </a:r>
+            <a:r>
+              <a:rPr lang="pt-BR" b="1" i="1" dirty="0">
+                <a:solidFill>
+                  <a:schemeClr val="accent2"/>
+                </a:solidFill>
+                <a:latin typeface="Söhne"/>
+              </a:rPr>
+              <a:t>muito grande</a:t>
             </a:r>
             <a:r>
               <a:rPr lang="pt-BR" dirty="0">
@@ -26797,7 +26840,7 @@
                 </a:solidFill>
                 <a:latin typeface="Söhne"/>
               </a:rPr>
-              <a:t>EQM com o conjunto de validação</a:t>
+              <a:t>EQM com cada conjunto de validação</a:t>
             </a:r>
             <a:r>
               <a:rPr lang="pt-BR" dirty="0">

--- a/slides/T319_Regressão_Linear (Parte V).pptx
+++ b/slides/T319_Regressão_Linear (Parte V).pptx
@@ -12238,7 +12238,7 @@
             </a:pPr>
             <a:r>
               <a:rPr lang="pt-BR" dirty="0"/>
-              <a:t>Isso ocorre quando o número de exemplos é muito maior do que a flexibilidade (i.e., grau) do modelo.</a:t>
+              <a:t>Isso ocorre quando o número de exemplos é muito maior do que a flexibilidade (i.e., grau) dos modelos testados.</a:t>
             </a:r>
           </a:p>
         </p:txBody>

--- a/slides/T319_Regressão_Linear (Parte V).pptx
+++ b/slides/T319_Regressão_Linear (Parte V).pptx
@@ -548,7 +548,7 @@
           <a:p>
             <a:fld id="{DAF0AF11-6A8A-4E64-94F5-26D4FBA2A01D}" type="datetimeFigureOut">
               <a:rPr lang="nl-BE" smtClean="0"/>
-              <a:t>30/05/2025</a:t>
+              <a:t>20/11/2025</a:t>
             </a:fld>
             <a:endParaRPr lang="nl-BE"/>
           </a:p>
@@ -4222,7 +4222,7 @@
           <a:p>
             <a:fld id="{C80E15A5-E95B-43EB-9AC7-9A96397448C0}" type="datetimeFigureOut">
               <a:rPr lang="nl-BE" smtClean="0"/>
-              <a:t>30/05/2025</a:t>
+              <a:t>20/11/2025</a:t>
             </a:fld>
             <a:endParaRPr lang="nl-BE"/>
           </a:p>
@@ -4392,7 +4392,7 @@
           <a:p>
             <a:fld id="{C80E15A5-E95B-43EB-9AC7-9A96397448C0}" type="datetimeFigureOut">
               <a:rPr lang="nl-BE" smtClean="0"/>
-              <a:t>30/05/2025</a:t>
+              <a:t>20/11/2025</a:t>
             </a:fld>
             <a:endParaRPr lang="nl-BE"/>
           </a:p>
@@ -4572,7 +4572,7 @@
           <a:p>
             <a:fld id="{C80E15A5-E95B-43EB-9AC7-9A96397448C0}" type="datetimeFigureOut">
               <a:rPr lang="nl-BE" smtClean="0"/>
-              <a:t>30/05/2025</a:t>
+              <a:t>20/11/2025</a:t>
             </a:fld>
             <a:endParaRPr lang="nl-BE"/>
           </a:p>
@@ -4742,7 +4742,7 @@
           <a:p>
             <a:fld id="{C80E15A5-E95B-43EB-9AC7-9A96397448C0}" type="datetimeFigureOut">
               <a:rPr lang="nl-BE" smtClean="0"/>
-              <a:t>30/05/2025</a:t>
+              <a:t>20/11/2025</a:t>
             </a:fld>
             <a:endParaRPr lang="nl-BE"/>
           </a:p>
@@ -4988,7 +4988,7 @@
           <a:p>
             <a:fld id="{C80E15A5-E95B-43EB-9AC7-9A96397448C0}" type="datetimeFigureOut">
               <a:rPr lang="nl-BE" smtClean="0"/>
-              <a:t>30/05/2025</a:t>
+              <a:t>20/11/2025</a:t>
             </a:fld>
             <a:endParaRPr lang="nl-BE"/>
           </a:p>
@@ -5220,7 +5220,7 @@
           <a:p>
             <a:fld id="{C80E15A5-E95B-43EB-9AC7-9A96397448C0}" type="datetimeFigureOut">
               <a:rPr lang="nl-BE" smtClean="0"/>
-              <a:t>30/05/2025</a:t>
+              <a:t>20/11/2025</a:t>
             </a:fld>
             <a:endParaRPr lang="nl-BE"/>
           </a:p>
@@ -5587,7 +5587,7 @@
           <a:p>
             <a:fld id="{C80E15A5-E95B-43EB-9AC7-9A96397448C0}" type="datetimeFigureOut">
               <a:rPr lang="nl-BE" smtClean="0"/>
-              <a:t>30/05/2025</a:t>
+              <a:t>20/11/2025</a:t>
             </a:fld>
             <a:endParaRPr lang="nl-BE"/>
           </a:p>
@@ -5705,7 +5705,7 @@
           <a:p>
             <a:fld id="{C80E15A5-E95B-43EB-9AC7-9A96397448C0}" type="datetimeFigureOut">
               <a:rPr lang="nl-BE" smtClean="0"/>
-              <a:t>30/05/2025</a:t>
+              <a:t>20/11/2025</a:t>
             </a:fld>
             <a:endParaRPr lang="nl-BE"/>
           </a:p>
@@ -5800,7 +5800,7 @@
           <a:p>
             <a:fld id="{C80E15A5-E95B-43EB-9AC7-9A96397448C0}" type="datetimeFigureOut">
               <a:rPr lang="nl-BE" smtClean="0"/>
-              <a:t>30/05/2025</a:t>
+              <a:t>20/11/2025</a:t>
             </a:fld>
             <a:endParaRPr lang="nl-BE"/>
           </a:p>
@@ -6077,7 +6077,7 @@
           <a:p>
             <a:fld id="{C80E15A5-E95B-43EB-9AC7-9A96397448C0}" type="datetimeFigureOut">
               <a:rPr lang="nl-BE" smtClean="0"/>
-              <a:t>30/05/2025</a:t>
+              <a:t>20/11/2025</a:t>
             </a:fld>
             <a:endParaRPr lang="nl-BE"/>
           </a:p>
@@ -6330,7 +6330,7 @@
           <a:p>
             <a:fld id="{C80E15A5-E95B-43EB-9AC7-9A96397448C0}" type="datetimeFigureOut">
               <a:rPr lang="nl-BE" smtClean="0"/>
-              <a:t>30/05/2025</a:t>
+              <a:t>20/11/2025</a:t>
             </a:fld>
             <a:endParaRPr lang="nl-BE"/>
           </a:p>
@@ -6543,7 +6543,7 @@
           <a:p>
             <a:fld id="{C80E15A5-E95B-43EB-9AC7-9A96397448C0}" type="datetimeFigureOut">
               <a:rPr lang="nl-BE" smtClean="0"/>
-              <a:t>30/05/2025</a:t>
+              <a:t>20/11/2025</a:t>
             </a:fld>
             <a:endParaRPr lang="nl-BE"/>
           </a:p>
@@ -7654,8 +7654,8 @@
           </p:sp>
         </mc:Fallback>
       </mc:AlternateContent>
-      <mc:AlternateContent xmlns:mc="http://schemas.openxmlformats.org/markup-compatibility/2006">
-        <mc:Choice xmlns:a14="http://schemas.microsoft.com/office/drawing/2010/main" Requires="a14">
+      <mc:AlternateContent xmlns:mc="http://schemas.openxmlformats.org/markup-compatibility/2006" xmlns:a14="http://schemas.microsoft.com/office/drawing/2010/main">
+        <mc:Choice Requires="a14">
           <p:sp>
             <p:nvSpPr>
               <p:cNvPr id="3" name="Espaço Reservado para Conteúdo 2">
@@ -7894,7 +7894,7 @@
             </p:txBody>
           </p:sp>
         </mc:Choice>
-        <mc:Fallback>
+        <mc:Fallback xmlns="">
           <p:sp>
             <p:nvSpPr>
               <p:cNvPr id="3" name="Espaço Reservado para Conteúdo 2">
@@ -12833,7 +12833,7 @@
                   <a:srgbClr val="00B050"/>
                 </a:solidFill>
               </a:rPr>
-              <a:t>Entrega: 20/06/2025 até às 23:59.</a:t>
+              <a:t>Entrega: 28/11/2025 até às 23:59.</a:t>
             </a:r>
           </a:p>
           <a:p>

--- a/slides/T319_Regressão_Linear (Parte V).pptx
+++ b/slides/T319_Regressão_Linear (Parte V).pptx
@@ -5,7 +5,7 @@
     <p:sldMasterId id="2147483648" r:id="rId1"/>
   </p:sldMasterIdLst>
   <p:notesMasterIdLst>
-    <p:notesMasterId r:id="rId27"/>
+    <p:notesMasterId r:id="rId28"/>
   </p:notesMasterIdLst>
   <p:sldIdLst>
     <p:sldId id="259" r:id="rId2"/>
@@ -16,23 +16,24 @@
     <p:sldId id="439" r:id="rId7"/>
     <p:sldId id="455" r:id="rId8"/>
     <p:sldId id="440" r:id="rId9"/>
-    <p:sldId id="443" r:id="rId10"/>
-    <p:sldId id="444" r:id="rId11"/>
-    <p:sldId id="450" r:id="rId12"/>
-    <p:sldId id="441" r:id="rId13"/>
-    <p:sldId id="442" r:id="rId14"/>
-    <p:sldId id="446" r:id="rId15"/>
-    <p:sldId id="453" r:id="rId16"/>
-    <p:sldId id="451" r:id="rId17"/>
-    <p:sldId id="447" r:id="rId18"/>
-    <p:sldId id="417" r:id="rId19"/>
-    <p:sldId id="317" r:id="rId20"/>
-    <p:sldId id="332" r:id="rId21"/>
-    <p:sldId id="299" r:id="rId22"/>
-    <p:sldId id="410" r:id="rId23"/>
-    <p:sldId id="449" r:id="rId24"/>
-    <p:sldId id="454" r:id="rId25"/>
-    <p:sldId id="419" r:id="rId26"/>
+    <p:sldId id="456" r:id="rId10"/>
+    <p:sldId id="443" r:id="rId11"/>
+    <p:sldId id="444" r:id="rId12"/>
+    <p:sldId id="450" r:id="rId13"/>
+    <p:sldId id="441" r:id="rId14"/>
+    <p:sldId id="442" r:id="rId15"/>
+    <p:sldId id="446" r:id="rId16"/>
+    <p:sldId id="453" r:id="rId17"/>
+    <p:sldId id="451" r:id="rId18"/>
+    <p:sldId id="447" r:id="rId19"/>
+    <p:sldId id="417" r:id="rId20"/>
+    <p:sldId id="317" r:id="rId21"/>
+    <p:sldId id="332" r:id="rId22"/>
+    <p:sldId id="299" r:id="rId23"/>
+    <p:sldId id="410" r:id="rId24"/>
+    <p:sldId id="449" r:id="rId25"/>
+    <p:sldId id="454" r:id="rId26"/>
+    <p:sldId id="419" r:id="rId27"/>
   </p:sldIdLst>
   <p:sldSz cx="12192000" cy="6858000"/>
   <p:notesSz cx="6858000" cy="9144000"/>
@@ -707,7 +708,7 @@
           <a:p>
             <a:fld id="{DA8B99DF-01BC-492A-8CEF-4FD88D18DD9D}" type="slidenum">
               <a:rPr lang="nl-BE" smtClean="0"/>
-              <a:t>‹#›</a:t>
+              <a:t>‹nº›</a:t>
             </a:fld>
             <a:endParaRPr lang="nl-BE"/>
           </a:p>
@@ -1337,7 +1338,7 @@
     </p:spTree>
     <p:extLst>
       <p:ext uri="{BB962C8B-B14F-4D97-AF65-F5344CB8AC3E}">
-        <p14:creationId xmlns:p14="http://schemas.microsoft.com/office/powerpoint/2010/main" val="3092233933"/>
+        <p14:creationId xmlns:p14="http://schemas.microsoft.com/office/powerpoint/2010/main" val="571969590"/>
       </p:ext>
     </p:extLst>
   </p:cSld>
@@ -1392,47 +1393,6 @@
           <a:lstStyle/>
           <a:p>
             <a:r>
-              <a:rPr lang="pt-BR" b="0" i="0" dirty="0">
-                <a:solidFill>
-                  <a:srgbClr val="0F0F0F"/>
-                </a:solidFill>
-                <a:effectLst/>
-                <a:latin typeface="Söhne"/>
-              </a:rPr>
-              <a:t>A validação cruzada k-</a:t>
-            </a:r>
-            <a:r>
-              <a:rPr lang="pt-BR" b="0" i="0" dirty="0" err="1">
-                <a:solidFill>
-                  <a:srgbClr val="0F0F0F"/>
-                </a:solidFill>
-                <a:effectLst/>
-                <a:latin typeface="Söhne"/>
-              </a:rPr>
-              <a:t>fold</a:t>
-            </a:r>
-            <a:r>
-              <a:rPr lang="pt-BR" b="0" i="0" dirty="0">
-                <a:solidFill>
-                  <a:srgbClr val="0F0F0F"/>
-                </a:solidFill>
-                <a:effectLst/>
-                <a:latin typeface="Söhne"/>
-              </a:rPr>
-              <a:t> aborda o problema do viés de seleção ao realizar k iterações de treinamento e teste, cada vez usando uma divisão diferente dos dados. Isso ajuda a mitigar o impacto de uma única divisão de dados na avaliação final do modelo, tornando a avaliação mais robusta e menos sensível à escolha específica dos conjuntos de treinamento e teste.</a:t>
-            </a:r>
-          </a:p>
-          <a:p>
-            <a:endParaRPr lang="pt-BR" b="0" i="0" dirty="0">
-              <a:solidFill>
-                <a:srgbClr val="0F0F0F"/>
-              </a:solidFill>
-              <a:effectLst/>
-              <a:latin typeface="Söhne"/>
-            </a:endParaRPr>
-          </a:p>
-          <a:p>
-            <a:r>
               <a:rPr lang="pt-BR" dirty="0"/>
               <a:t>A ideia principal por trás da</a:t>
             </a:r>
@@ -1605,23 +1565,7 @@
           <a:p>
             <a:r>
               <a:rPr lang="pt-BR" dirty="0"/>
-              <a:t>O desempenho do modelo é dado pela média dos erros de validação calculados para cada um dos k </a:t>
-            </a:r>
-            <a:r>
-              <a:rPr lang="pt-BR" dirty="0" err="1"/>
-              <a:t>folds</a:t>
-            </a:r>
-            <a:r>
-              <a:rPr lang="pt-BR" dirty="0"/>
-              <a:t>. A estimativa de erro é calculada sobre todos os k </a:t>
-            </a:r>
-            <a:r>
-              <a:rPr lang="pt-BR" dirty="0" err="1"/>
-              <a:t>folds</a:t>
-            </a:r>
-            <a:r>
-              <a:rPr lang="pt-BR" dirty="0"/>
-              <a:t> para obter a eficácia total do modelo. </a:t>
+              <a:t>O desempenho do modelo é dado pela média dos erros de validação calculados para cada um dos k folds. A estimativa de erro é calculada sobre todos os k folds para obter a eficácia total do modelo. </a:t>
             </a:r>
           </a:p>
           <a:p>
@@ -1743,6 +1687,74 @@
             <a:endParaRPr lang="pt-BR" dirty="0"/>
           </a:p>
           <a:p>
+            <a:pPr algn="l"/>
+            <a:r>
+              <a:rPr lang="en-US" b="0" i="0" dirty="0">
+                <a:effectLst/>
+                <a:latin typeface="Söhne"/>
+              </a:rPr>
+              <a:t>What does k-fold error variance say about overfitting?</a:t>
+            </a:r>
+          </a:p>
+          <a:p>
+            <a:endParaRPr lang="pt-BR" dirty="0"/>
+          </a:p>
+          <a:p>
+            <a:pPr algn="l"/>
+            <a:r>
+              <a:rPr lang="en-US" b="0" i="0" dirty="0">
+                <a:solidFill>
+                  <a:srgbClr val="374151"/>
+                </a:solidFill>
+                <a:effectLst/>
+                <a:latin typeface="Söhne"/>
+              </a:rPr>
+              <a:t>K-fold error variance can provide insights into the presence of overfitting in a machine learning model. Overfitting occurs when a model learns the training data too well and performs poorly on unseen data.</a:t>
+            </a:r>
+          </a:p>
+          <a:p>
+            <a:pPr algn="l"/>
+            <a:r>
+              <a:rPr lang="en-US" b="0" i="0" dirty="0">
+                <a:solidFill>
+                  <a:srgbClr val="374151"/>
+                </a:solidFill>
+                <a:effectLst/>
+                <a:latin typeface="Söhne"/>
+              </a:rPr>
+              <a:t>In k-fold cross-validation, the dataset is divided into k subsets or folds. The model is trained on k-1 folds and evaluated on the remaining fold. This process is repeated k times, with each fold serving as the evaluation set once. The k-fold error variance refers to the variability in performance (e.g., accuracy, error rate) across the k iterations of the cross-validation process.</a:t>
+            </a:r>
+          </a:p>
+          <a:p>
+            <a:pPr algn="l"/>
+            <a:r>
+              <a:rPr lang="en-US" b="0" i="0" dirty="0">
+                <a:solidFill>
+                  <a:srgbClr val="374151"/>
+                </a:solidFill>
+                <a:effectLst/>
+                <a:latin typeface="Söhne"/>
+              </a:rPr>
+              <a:t>When the k-fold error variance is low, it suggests that the model's performance is consistent across different subsets of the data. This indicates that the model generalizes well and is less likely to be overfitting. On the other hand, a high k-fold error variance implies that the model's performance varies significantly depending on the subset of the data used for evaluation. This could be a sign of overfitting because the model might be capturing noise or idiosyncrasies in the training data that do not generalize well to unseen data.</a:t>
+            </a:r>
+          </a:p>
+          <a:p>
+            <a:pPr algn="l"/>
+            <a:r>
+              <a:rPr lang="en-US" b="0" i="0" dirty="0">
+                <a:solidFill>
+                  <a:srgbClr val="374151"/>
+                </a:solidFill>
+                <a:effectLst/>
+                <a:latin typeface="Söhne"/>
+              </a:rPr>
+              <a:t>In summary, a low k-fold error variance suggests a model with good generalization, while a high k-fold error variance may indicate overfitting and a potential lack of generalization. However, it is important to consider other factors such as the overall performance metrics and the complexity of the model to make a conclusive assessment of overfitting.</a:t>
+            </a:r>
+          </a:p>
+          <a:p>
+            <a:endParaRPr lang="pt-BR" dirty="0"/>
+          </a:p>
+          <a:p>
             <a:endParaRPr lang="pt-BR" dirty="0"/>
           </a:p>
         </p:txBody>
@@ -1773,7 +1785,7 @@
     </p:spTree>
     <p:extLst>
       <p:ext uri="{BB962C8B-B14F-4D97-AF65-F5344CB8AC3E}">
-        <p14:creationId xmlns:p14="http://schemas.microsoft.com/office/powerpoint/2010/main" val="694839240"/>
+        <p14:creationId xmlns:p14="http://schemas.microsoft.com/office/powerpoint/2010/main" val="3092233933"/>
       </p:ext>
     </p:extLst>
   </p:cSld>
@@ -1827,6 +1839,358 @@
           <a:bodyPr/>
           <a:lstStyle/>
           <a:p>
+            <a:r>
+              <a:rPr lang="pt-BR" b="0" i="0" dirty="0">
+                <a:solidFill>
+                  <a:srgbClr val="0F0F0F"/>
+                </a:solidFill>
+                <a:effectLst/>
+                <a:latin typeface="Söhne"/>
+              </a:rPr>
+              <a:t>A validação cruzada k-</a:t>
+            </a:r>
+            <a:r>
+              <a:rPr lang="pt-BR" b="0" i="0" dirty="0" err="1">
+                <a:solidFill>
+                  <a:srgbClr val="0F0F0F"/>
+                </a:solidFill>
+                <a:effectLst/>
+                <a:latin typeface="Söhne"/>
+              </a:rPr>
+              <a:t>fold</a:t>
+            </a:r>
+            <a:r>
+              <a:rPr lang="pt-BR" b="0" i="0" dirty="0">
+                <a:solidFill>
+                  <a:srgbClr val="0F0F0F"/>
+                </a:solidFill>
+                <a:effectLst/>
+                <a:latin typeface="Söhne"/>
+              </a:rPr>
+              <a:t> aborda o problema do viés de seleção ao realizar k iterações de treinamento e teste, cada vez usando uma divisão diferente dos dados. Isso ajuda a mitigar o impacto de uma única divisão de dados na avaliação final do modelo, tornando a avaliação mais robusta e menos sensível à escolha específica dos conjuntos de treinamento e teste.</a:t>
+            </a:r>
+          </a:p>
+          <a:p>
+            <a:endParaRPr lang="pt-BR" b="0" i="0" dirty="0">
+              <a:solidFill>
+                <a:srgbClr val="0F0F0F"/>
+              </a:solidFill>
+              <a:effectLst/>
+              <a:latin typeface="Söhne"/>
+            </a:endParaRPr>
+          </a:p>
+          <a:p>
+            <a:r>
+              <a:rPr lang="pt-BR" dirty="0"/>
+              <a:t>A ideia principal por trás da</a:t>
+            </a:r>
+            <a:r>
+              <a:rPr lang="pt-BR" baseline="0" dirty="0"/>
+              <a:t> estratégia do k-</a:t>
+            </a:r>
+            <a:r>
+              <a:rPr lang="pt-BR" baseline="0" dirty="0" err="1"/>
+              <a:t>Fold</a:t>
+            </a:r>
+            <a:r>
+              <a:rPr lang="pt-BR" baseline="0" dirty="0"/>
+              <a:t> </a:t>
+            </a:r>
+            <a:r>
+              <a:rPr lang="pt-BR" dirty="0"/>
+              <a:t>é que cada</a:t>
+            </a:r>
+            <a:r>
+              <a:rPr lang="pt-BR" baseline="0" dirty="0"/>
+              <a:t> exemplo do conjunto de dados faz o serviço duplo como dado de treinamento e de validação/teste.</a:t>
+            </a:r>
+            <a:endParaRPr lang="pt-BR" dirty="0"/>
+          </a:p>
+          <a:p>
+            <a:endParaRPr lang="pt-BR" dirty="0"/>
+          </a:p>
+          <a:p>
+            <a:pPr marL="0" marR="0" indent="0" algn="l" defTabSz="914400" rtl="0" eaLnBrk="1" fontAlgn="auto" latinLnBrk="0" hangingPunct="1">
+              <a:lnSpc>
+                <a:spcPct val="100000"/>
+              </a:lnSpc>
+              <a:spcBef>
+                <a:spcPts val="0"/>
+              </a:spcBef>
+              <a:spcAft>
+                <a:spcPts val="0"/>
+              </a:spcAft>
+              <a:buClrTx/>
+              <a:buSzTx/>
+              <a:buFontTx/>
+              <a:buNone/>
+              <a:tabLst/>
+              <a:defRPr/>
+            </a:pPr>
+            <a:r>
+              <a:rPr lang="pt-BR" dirty="0"/>
+              <a:t>Na validação cruzada do k-</a:t>
+            </a:r>
+            <a:r>
+              <a:rPr lang="pt-BR" dirty="0" err="1"/>
+              <a:t>Fold</a:t>
+            </a:r>
+            <a:r>
+              <a:rPr lang="pt-BR" dirty="0"/>
+              <a:t>, os dados são divididos em k subconjuntos. A validação é repetida k vezes, de modo que, a cada vez, um dos subconjuntos k é usado como conjunto de validação e os outros subconjuntos k-1 são reunidos para formar um único conjunto de treinamento. Desta forma, </a:t>
+            </a:r>
+            <a:r>
+              <a:rPr lang="pt-BR" baseline="0" dirty="0"/>
+              <a:t>uma vantagem dessa abordagem é que a forma como os dados são divididos importa menos. </a:t>
+            </a:r>
+          </a:p>
+          <a:p>
+            <a:endParaRPr lang="pt-BR" dirty="0"/>
+          </a:p>
+          <a:p>
+            <a:r>
+              <a:rPr lang="pt-BR" dirty="0"/>
+              <a:t>Essa</a:t>
+            </a:r>
+            <a:r>
+              <a:rPr lang="pt-BR" baseline="0" dirty="0"/>
+              <a:t> </a:t>
+            </a:r>
+            <a:r>
+              <a:rPr lang="pt-BR" sz="1200" dirty="0"/>
+              <a:t>estratégia </a:t>
+            </a:r>
+            <a:r>
+              <a:rPr lang="pt-BR" dirty="0"/>
+              <a:t>reduz significativamente o problema do viés</a:t>
+            </a:r>
+            <a:r>
+              <a:rPr lang="pt-BR" baseline="0" dirty="0"/>
+              <a:t> de seleção</a:t>
+            </a:r>
+            <a:r>
+              <a:rPr lang="pt-BR" dirty="0"/>
+              <a:t>, pois ela</a:t>
+            </a:r>
+            <a:r>
+              <a:rPr lang="pt-BR" baseline="0" dirty="0"/>
+              <a:t> </a:t>
+            </a:r>
+            <a:r>
+              <a:rPr lang="pt-BR" sz="1200" dirty="0"/>
+              <a:t>garante que todos os exemplos do conjunto de dados original tenham a chance de aparecer nos conjuntos de treinamento e validação,</a:t>
+            </a:r>
+            <a:r>
+              <a:rPr lang="pt-BR" sz="1200" baseline="0" dirty="0"/>
+              <a:t> o que consequentemente, </a:t>
+            </a:r>
+            <a:r>
+              <a:rPr lang="pt-BR" dirty="0"/>
+              <a:t>reduz a variância.</a:t>
+            </a:r>
+            <a:r>
+              <a:rPr lang="pt-BR" baseline="0" dirty="0"/>
+              <a:t> </a:t>
+            </a:r>
+          </a:p>
+          <a:p>
+            <a:endParaRPr lang="pt-BR" baseline="0" dirty="0"/>
+          </a:p>
+          <a:p>
+            <a:r>
+              <a:rPr lang="pt-BR" dirty="0"/>
+              <a:t>Portanto,</a:t>
+            </a:r>
+            <a:r>
+              <a:rPr lang="pt-BR" baseline="0" dirty="0"/>
+              <a:t> a</a:t>
+            </a:r>
+            <a:r>
+              <a:rPr lang="pt-BR" dirty="0"/>
+              <a:t> troca dos conjuntos de treinamento e validação contribuem</a:t>
+            </a:r>
+            <a:r>
+              <a:rPr lang="pt-BR" baseline="0" dirty="0"/>
+              <a:t> </a:t>
+            </a:r>
+            <a:r>
+              <a:rPr lang="pt-BR" dirty="0"/>
+              <a:t>para a eficácia dessa </a:t>
+            </a:r>
+            <a:r>
+              <a:rPr lang="pt-BR" sz="1200" dirty="0"/>
+              <a:t>estratégia</a:t>
+            </a:r>
+            <a:r>
+              <a:rPr lang="pt-BR" dirty="0"/>
+              <a:t>. </a:t>
+            </a:r>
+            <a:r>
+              <a:rPr lang="pt-BR" baseline="0" dirty="0"/>
+              <a:t>Como regra geral e evidência empírica, normalmente, utiliza-se K = 5 ou 10. A variância da estimativa resultante é reduzida à medida que k é aumentado.</a:t>
+            </a:r>
+          </a:p>
+          <a:p>
+            <a:endParaRPr lang="pt-BR" baseline="0" dirty="0"/>
+          </a:p>
+          <a:p>
+            <a:r>
+              <a:rPr lang="pt-BR" baseline="0" dirty="0"/>
+              <a:t>A validação cruzada do k-</a:t>
+            </a:r>
+            <a:r>
+              <a:rPr lang="pt-BR" baseline="0" dirty="0" err="1"/>
+              <a:t>Fold</a:t>
+            </a:r>
+            <a:r>
+              <a:rPr lang="pt-BR" baseline="0" dirty="0"/>
+              <a:t> é importante pois permite que você use seu conjunto de dados completo tanto para treinamento como para validação. É especialmente útil ao avaliar um modelo usando conjuntos de dados pequenos ou limitados.</a:t>
+            </a:r>
+          </a:p>
+          <a:p>
+            <a:endParaRPr lang="pt-BR" dirty="0"/>
+          </a:p>
+          <a:p>
+            <a:r>
+              <a:rPr lang="pt-BR" dirty="0"/>
+              <a:t>O desempenho do modelo é dado pela média dos erros de validação calculados para cada um dos k </a:t>
+            </a:r>
+            <a:r>
+              <a:rPr lang="pt-BR" dirty="0" err="1"/>
+              <a:t>folds</a:t>
+            </a:r>
+            <a:r>
+              <a:rPr lang="pt-BR" dirty="0"/>
+              <a:t>. A estimativa de erro é calculada sobre todos os k </a:t>
+            </a:r>
+            <a:r>
+              <a:rPr lang="pt-BR" dirty="0" err="1"/>
+              <a:t>folds</a:t>
+            </a:r>
+            <a:r>
+              <a:rPr lang="pt-BR" dirty="0"/>
+              <a:t> para obter a eficácia total do modelo. </a:t>
+            </a:r>
+          </a:p>
+          <a:p>
+            <a:pPr marL="0" marR="0" indent="0" algn="l" defTabSz="914400" rtl="0" eaLnBrk="1" fontAlgn="auto" latinLnBrk="0" hangingPunct="1">
+              <a:lnSpc>
+                <a:spcPct val="100000"/>
+              </a:lnSpc>
+              <a:spcBef>
+                <a:spcPts val="0"/>
+              </a:spcBef>
+              <a:spcAft>
+                <a:spcPts val="0"/>
+              </a:spcAft>
+              <a:buClrTx/>
+              <a:buSzTx/>
+              <a:buFontTx/>
+              <a:buNone/>
+              <a:tabLst/>
+              <a:defRPr/>
+            </a:pPr>
+            <a:endParaRPr lang="pt-BR" dirty="0"/>
+          </a:p>
+          <a:p>
+            <a:pPr marL="0" marR="0" indent="0" algn="l" defTabSz="914400" rtl="0" eaLnBrk="1" fontAlgn="auto" latinLnBrk="0" hangingPunct="1">
+              <a:lnSpc>
+                <a:spcPct val="100000"/>
+              </a:lnSpc>
+              <a:spcBef>
+                <a:spcPts val="0"/>
+              </a:spcBef>
+              <a:spcAft>
+                <a:spcPts val="0"/>
+              </a:spcAft>
+              <a:buClrTx/>
+              <a:buSzTx/>
+              <a:buFontTx/>
+              <a:buNone/>
+              <a:tabLst/>
+              <a:defRPr/>
+            </a:pPr>
+            <a:r>
+              <a:rPr lang="pt-BR" dirty="0"/>
+              <a:t>Como pode ser visto, todo exemplo fica em um conjunto de validação exatamente uma vez e em um conjunto de treinamento k-1 vezes.</a:t>
+            </a:r>
+          </a:p>
+          <a:p>
+            <a:r>
+              <a:rPr lang="pt-BR" baseline="0" dirty="0"/>
+              <a:t>Cada exemplo entra em um conjunto de validação exatamente uma vez e a k-1 vezes no conjunto de treinamento.</a:t>
+            </a:r>
+          </a:p>
+          <a:p>
+            <a:pPr marL="0" marR="0" indent="0" algn="l" defTabSz="914400" rtl="0" eaLnBrk="1" fontAlgn="auto" latinLnBrk="0" hangingPunct="1">
+              <a:lnSpc>
+                <a:spcPct val="100000"/>
+              </a:lnSpc>
+              <a:spcBef>
+                <a:spcPts val="0"/>
+              </a:spcBef>
+              <a:spcAft>
+                <a:spcPts val="0"/>
+              </a:spcAft>
+              <a:buClrTx/>
+              <a:buSzTx/>
+              <a:buFontTx/>
+              <a:buNone/>
+              <a:tabLst/>
+              <a:defRPr/>
+            </a:pPr>
+            <a:r>
+              <a:rPr lang="pt-BR" dirty="0"/>
+              <a:t>Com este procedimento, toda amostra disponível vai aparecer k-1 vezes no conjunto de treinamento e 1 vez no conjunto de validação.</a:t>
+            </a:r>
+          </a:p>
+          <a:p>
+            <a:endParaRPr lang="pt-BR" dirty="0"/>
+          </a:p>
+          <a:p>
+            <a:r>
+              <a:rPr lang="pt-BR" b="1" dirty="0"/>
+              <a:t>Desvantagem</a:t>
+            </a:r>
+            <a:r>
+              <a:rPr lang="pt-BR" dirty="0"/>
+              <a:t>:</a:t>
+            </a:r>
+          </a:p>
+          <a:p>
+            <a:r>
+              <a:rPr lang="pt-BR" dirty="0"/>
+              <a:t>Alto</a:t>
+            </a:r>
+            <a:r>
+              <a:rPr lang="pt-BR" baseline="0" dirty="0"/>
+              <a:t> custo </a:t>
+            </a:r>
+            <a:r>
+              <a:rPr lang="pt-BR" baseline="0" dirty="0" err="1"/>
+              <a:t>computational</a:t>
+            </a:r>
+            <a:r>
+              <a:rPr lang="pt-BR" baseline="0" dirty="0"/>
+              <a:t> pois treina-se e valida-se o modelo k vezes, ou seja, o algoritmo de treinamento deve ser executado novamente do zero k vezes, o que significa que leva k vezes mais tempo para fazer uma avaliação (</a:t>
+            </a:r>
+            <a:r>
+              <a:rPr lang="pt-BR" baseline="0" dirty="0" err="1"/>
+              <a:t>treinamento+validação</a:t>
+            </a:r>
+            <a:r>
+              <a:rPr lang="pt-BR" baseline="0" dirty="0"/>
+              <a:t>).</a:t>
+            </a:r>
+            <a:endParaRPr lang="pt-BR" dirty="0"/>
+          </a:p>
+          <a:p>
+            <a:endParaRPr lang="pt-BR" dirty="0"/>
+          </a:p>
+          <a:p>
+            <a:endParaRPr lang="pt-BR" dirty="0"/>
+          </a:p>
+          <a:p>
             <a:endParaRPr lang="pt-BR" dirty="0"/>
           </a:p>
         </p:txBody>
@@ -1857,7 +2221,7 @@
     </p:spTree>
     <p:extLst>
       <p:ext uri="{BB962C8B-B14F-4D97-AF65-F5344CB8AC3E}">
-        <p14:creationId xmlns:p14="http://schemas.microsoft.com/office/powerpoint/2010/main" val="1926337988"/>
+        <p14:creationId xmlns:p14="http://schemas.microsoft.com/office/powerpoint/2010/main" val="694839240"/>
       </p:ext>
     </p:extLst>
   </p:cSld>
@@ -1911,41 +2275,6 @@
           <a:bodyPr/>
           <a:lstStyle/>
           <a:p>
-            <a:pPr marL="0" marR="0" lvl="0" indent="0" algn="l" defTabSz="914400" rtl="0" eaLnBrk="1" fontAlgn="auto" latinLnBrk="0" hangingPunct="1">
-              <a:lnSpc>
-                <a:spcPct val="100000"/>
-              </a:lnSpc>
-              <a:spcBef>
-                <a:spcPts val="0"/>
-              </a:spcBef>
-              <a:spcAft>
-                <a:spcPts val="0"/>
-              </a:spcAft>
-              <a:buClrTx/>
-              <a:buSzTx/>
-              <a:buFontTx/>
-              <a:buNone/>
-              <a:tabLst/>
-              <a:defRPr/>
-            </a:pPr>
-            <a:r>
-              <a:rPr lang="pt-BR" b="1" dirty="0"/>
-              <a:t>Exemplo</a:t>
-            </a:r>
-            <a:r>
-              <a:rPr lang="pt-BR" dirty="0"/>
-              <a:t>:</a:t>
-            </a:r>
-            <a:r>
-              <a:rPr lang="pt-BR" baseline="0" dirty="0"/>
-              <a:t> </a:t>
-            </a:r>
-            <a:r>
-              <a:rPr lang="pt-BR" dirty="0"/>
-              <a:t>https://colab.research.google.com/github/zz4fap/t319_aprendizado_de_maquina/blob/main/notebooks/regression/validacao_cruzada.ipynb</a:t>
-            </a:r>
-          </a:p>
-          <a:p>
             <a:endParaRPr lang="pt-BR" dirty="0"/>
           </a:p>
         </p:txBody>
@@ -1976,7 +2305,7 @@
     </p:spTree>
     <p:extLst>
       <p:ext uri="{BB962C8B-B14F-4D97-AF65-F5344CB8AC3E}">
-        <p14:creationId xmlns:p14="http://schemas.microsoft.com/office/powerpoint/2010/main" val="2218108381"/>
+        <p14:creationId xmlns:p14="http://schemas.microsoft.com/office/powerpoint/2010/main" val="1926337988"/>
       </p:ext>
     </p:extLst>
   </p:cSld>
@@ -2030,6 +2359,41 @@
           <a:bodyPr/>
           <a:lstStyle/>
           <a:p>
+            <a:pPr marL="0" marR="0" lvl="0" indent="0" algn="l" defTabSz="914400" rtl="0" eaLnBrk="1" fontAlgn="auto" latinLnBrk="0" hangingPunct="1">
+              <a:lnSpc>
+                <a:spcPct val="100000"/>
+              </a:lnSpc>
+              <a:spcBef>
+                <a:spcPts val="0"/>
+              </a:spcBef>
+              <a:spcAft>
+                <a:spcPts val="0"/>
+              </a:spcAft>
+              <a:buClrTx/>
+              <a:buSzTx/>
+              <a:buFontTx/>
+              <a:buNone/>
+              <a:tabLst/>
+              <a:defRPr/>
+            </a:pPr>
+            <a:r>
+              <a:rPr lang="pt-BR" b="1" dirty="0"/>
+              <a:t>Exemplo</a:t>
+            </a:r>
+            <a:r>
+              <a:rPr lang="pt-BR" dirty="0"/>
+              <a:t>:</a:t>
+            </a:r>
+            <a:r>
+              <a:rPr lang="pt-BR" baseline="0" dirty="0"/>
+              <a:t> </a:t>
+            </a:r>
+            <a:r>
+              <a:rPr lang="pt-BR" dirty="0"/>
+              <a:t>https://colab.research.google.com/github/zz4fap/t319_aprendizado_de_maquina/blob/main/notebooks/regression/validacao_cruzada.ipynb</a:t>
+            </a:r>
+          </a:p>
+          <a:p>
             <a:endParaRPr lang="pt-BR" dirty="0"/>
           </a:p>
         </p:txBody>
@@ -2060,7 +2424,7 @@
     </p:spTree>
     <p:extLst>
       <p:ext uri="{BB962C8B-B14F-4D97-AF65-F5344CB8AC3E}">
-        <p14:creationId xmlns:p14="http://schemas.microsoft.com/office/powerpoint/2010/main" val="556914407"/>
+        <p14:creationId xmlns:p14="http://schemas.microsoft.com/office/powerpoint/2010/main" val="2218108381"/>
       </p:ext>
     </p:extLst>
   </p:cSld>
@@ -2114,48 +2478,6 @@
           <a:bodyPr/>
           <a:lstStyle/>
           <a:p>
-            <a:r>
-              <a:rPr lang="pt-BR" dirty="0"/>
-              <a:t>A figura mostra um modelo com número de amostras de treinamento muito maior do que sua complexidade.</a:t>
-            </a:r>
-          </a:p>
-          <a:p>
-            <a:endParaRPr lang="pt-BR" dirty="0"/>
-          </a:p>
-          <a:p>
-            <a:r>
-              <a:rPr lang="pt-BR" b="0" i="0" dirty="0">
-                <a:solidFill>
-                  <a:srgbClr val="374151"/>
-                </a:solidFill>
-                <a:effectLst/>
-                <a:latin typeface="Söhne"/>
-              </a:rPr>
-              <a:t>No entanto, é importante ressaltar que o princípio da navalha de </a:t>
-            </a:r>
-            <a:r>
-              <a:rPr lang="pt-BR" b="0" i="0" dirty="0" err="1">
-                <a:solidFill>
-                  <a:srgbClr val="374151"/>
-                </a:solidFill>
-                <a:effectLst/>
-                <a:latin typeface="Söhne"/>
-              </a:rPr>
-              <a:t>Occam</a:t>
-            </a:r>
-            <a:r>
-              <a:rPr lang="pt-BR" b="0" i="0" dirty="0">
-                <a:solidFill>
-                  <a:srgbClr val="374151"/>
-                </a:solidFill>
-                <a:effectLst/>
-                <a:latin typeface="Söhne"/>
-              </a:rPr>
-              <a:t> não é uma regra absoluta, mas sim uma orientação heurística. Em certos casos, explicações mais complexas podem ser necessárias para capturar toda a complexidade do fenômeno estudado. Portanto, a aplicação do princípio requer um equilíbrio cuidadoso entre simplicidade e adequação à realidade observada.</a:t>
-            </a:r>
-            <a:endParaRPr lang="pt-BR" dirty="0"/>
-          </a:p>
-          <a:p>
             <a:endParaRPr lang="pt-BR" dirty="0"/>
           </a:p>
         </p:txBody>
@@ -2177,7 +2499,133 @@
           <a:p>
             <a:fld id="{DA8B99DF-01BC-492A-8CEF-4FD88D18DD9D}" type="slidenum">
               <a:rPr lang="nl-BE" smtClean="0"/>
-              <a:t>17</a:t>
+              <a:t>15</a:t>
+            </a:fld>
+            <a:endParaRPr lang="nl-BE"/>
+          </a:p>
+        </p:txBody>
+      </p:sp>
+    </p:spTree>
+    <p:extLst>
+      <p:ext uri="{BB962C8B-B14F-4D97-AF65-F5344CB8AC3E}">
+        <p14:creationId xmlns:p14="http://schemas.microsoft.com/office/powerpoint/2010/main" val="556914407"/>
+      </p:ext>
+    </p:extLst>
+  </p:cSld>
+  <p:clrMapOvr>
+    <a:masterClrMapping/>
+  </p:clrMapOvr>
+</p:notes>
+</file>
+
+<file path=ppt/notesSlides/notesSlide16.xml><?xml version="1.0" encoding="utf-8"?>
+<p:notes xmlns:a="http://schemas.openxmlformats.org/drawingml/2006/main" xmlns:r="http://schemas.openxmlformats.org/officeDocument/2006/relationships" xmlns:p="http://schemas.openxmlformats.org/presentationml/2006/main">
+  <p:cSld>
+    <p:spTree>
+      <p:nvGrpSpPr>
+        <p:cNvPr id="1" name=""/>
+        <p:cNvGrpSpPr/>
+        <p:nvPr/>
+      </p:nvGrpSpPr>
+      <p:grpSpPr>
+        <a:xfrm>
+          <a:off x="0" y="0"/>
+          <a:ext cx="0" cy="0"/>
+          <a:chOff x="0" y="0"/>
+          <a:chExt cx="0" cy="0"/>
+        </a:xfrm>
+      </p:grpSpPr>
+      <p:sp>
+        <p:nvSpPr>
+          <p:cNvPr id="2" name="Espaço Reservado para Imagem de Slide 1"/>
+          <p:cNvSpPr>
+            <a:spLocks noGrp="1" noRot="1" noChangeAspect="1"/>
+          </p:cNvSpPr>
+          <p:nvPr>
+            <p:ph type="sldImg"/>
+          </p:nvPr>
+        </p:nvSpPr>
+        <p:spPr/>
+      </p:sp>
+      <p:sp>
+        <p:nvSpPr>
+          <p:cNvPr id="3" name="Espaço Reservado para Anotações 2"/>
+          <p:cNvSpPr>
+            <a:spLocks noGrp="1"/>
+          </p:cNvSpPr>
+          <p:nvPr>
+            <p:ph type="body" idx="1"/>
+          </p:nvPr>
+        </p:nvSpPr>
+        <p:spPr/>
+        <p:txBody>
+          <a:bodyPr/>
+          <a:lstStyle/>
+          <a:p>
+            <a:r>
+              <a:rPr lang="pt-BR" dirty="0"/>
+              <a:t>A figura mostra um modelo com número de amostras de treinamento muito maior do que sua complexidade.</a:t>
+            </a:r>
+          </a:p>
+          <a:p>
+            <a:endParaRPr lang="pt-BR" dirty="0"/>
+          </a:p>
+          <a:p>
+            <a:r>
+              <a:rPr lang="pt-BR" b="0" i="0" dirty="0">
+                <a:solidFill>
+                  <a:srgbClr val="374151"/>
+                </a:solidFill>
+                <a:effectLst/>
+                <a:latin typeface="Söhne"/>
+              </a:rPr>
+              <a:t>No entanto, é importante ressaltar que o princípio da navalha de </a:t>
+            </a:r>
+            <a:r>
+              <a:rPr lang="pt-BR" b="0" i="0" dirty="0" err="1">
+                <a:solidFill>
+                  <a:srgbClr val="374151"/>
+                </a:solidFill>
+                <a:effectLst/>
+                <a:latin typeface="Söhne"/>
+              </a:rPr>
+              <a:t>Occam</a:t>
+            </a:r>
+            <a:r>
+              <a:rPr lang="pt-BR" b="0" i="0" dirty="0">
+                <a:solidFill>
+                  <a:srgbClr val="374151"/>
+                </a:solidFill>
+                <a:effectLst/>
+                <a:latin typeface="Söhne"/>
+              </a:rPr>
+              <a:t> não é uma regra absoluta, mas sim uma orientação heurística. Em certos casos, explicações mais complexas podem ser necessárias para capturar toda a complexidade do fenômeno estudado. Portanto, a aplicação do princípio requer um equilíbrio cuidadoso entre simplicidade e adequação à realidade observada.</a:t>
+            </a:r>
+            <a:endParaRPr lang="pt-BR" dirty="0"/>
+          </a:p>
+          <a:p>
+            <a:endParaRPr lang="pt-BR" dirty="0"/>
+          </a:p>
+        </p:txBody>
+      </p:sp>
+      <p:sp>
+        <p:nvSpPr>
+          <p:cNvPr id="4" name="Espaço Reservado para Número de Slide 3"/>
+          <p:cNvSpPr>
+            <a:spLocks noGrp="1"/>
+          </p:cNvSpPr>
+          <p:nvPr>
+            <p:ph type="sldNum" sz="quarter" idx="5"/>
+          </p:nvPr>
+        </p:nvSpPr>
+        <p:spPr/>
+        <p:txBody>
+          <a:bodyPr/>
+          <a:lstStyle/>
+          <a:p>
+            <a:fld id="{DA8B99DF-01BC-492A-8CEF-4FD88D18DD9D}" type="slidenum">
+              <a:rPr lang="nl-BE" smtClean="0"/>
+              <a:t>18</a:t>
             </a:fld>
             <a:endParaRPr lang="nl-BE"/>
           </a:p>
@@ -2196,7 +2644,7 @@
 </p:notes>
 </file>
 
-<file path=ppt/notesSlides/notesSlide16.xml><?xml version="1.0" encoding="utf-8"?>
+<file path=ppt/notesSlides/notesSlide17.xml><?xml version="1.0" encoding="utf-8"?>
 <p:notes xmlns:a="http://schemas.openxmlformats.org/drawingml/2006/main" xmlns:r="http://schemas.openxmlformats.org/officeDocument/2006/relationships" xmlns:p="http://schemas.openxmlformats.org/presentationml/2006/main">
   <p:cSld>
     <p:spTree>
@@ -2310,7 +2758,7 @@
           <a:p>
             <a:fld id="{DA8B99DF-01BC-492A-8CEF-4FD88D18DD9D}" type="slidenum">
               <a:rPr lang="nl-BE" smtClean="0"/>
-              <a:t>18</a:t>
+              <a:t>19</a:t>
             </a:fld>
             <a:endParaRPr lang="nl-BE"/>
           </a:p>
@@ -2320,90 +2768,6 @@
     <p:extLst>
       <p:ext uri="{BB962C8B-B14F-4D97-AF65-F5344CB8AC3E}">
         <p14:creationId xmlns:p14="http://schemas.microsoft.com/office/powerpoint/2010/main" val="4190145315"/>
-      </p:ext>
-    </p:extLst>
-  </p:cSld>
-  <p:clrMapOvr>
-    <a:masterClrMapping/>
-  </p:clrMapOvr>
-</p:notes>
-</file>
-
-<file path=ppt/notesSlides/notesSlide17.xml><?xml version="1.0" encoding="utf-8"?>
-<p:notes xmlns:a="http://schemas.openxmlformats.org/drawingml/2006/main" xmlns:r="http://schemas.openxmlformats.org/officeDocument/2006/relationships" xmlns:p="http://schemas.openxmlformats.org/presentationml/2006/main">
-  <p:cSld>
-    <p:spTree>
-      <p:nvGrpSpPr>
-        <p:cNvPr id="1" name=""/>
-        <p:cNvGrpSpPr/>
-        <p:nvPr/>
-      </p:nvGrpSpPr>
-      <p:grpSpPr>
-        <a:xfrm>
-          <a:off x="0" y="0"/>
-          <a:ext cx="0" cy="0"/>
-          <a:chOff x="0" y="0"/>
-          <a:chExt cx="0" cy="0"/>
-        </a:xfrm>
-      </p:grpSpPr>
-      <p:sp>
-        <p:nvSpPr>
-          <p:cNvPr id="2" name="Espaço Reservado para Imagem de Slide 1"/>
-          <p:cNvSpPr>
-            <a:spLocks noGrp="1" noRot="1" noChangeAspect="1"/>
-          </p:cNvSpPr>
-          <p:nvPr>
-            <p:ph type="sldImg"/>
-          </p:nvPr>
-        </p:nvSpPr>
-        <p:spPr/>
-      </p:sp>
-      <p:sp>
-        <p:nvSpPr>
-          <p:cNvPr id="3" name="Espaço Reservado para Anotações 2"/>
-          <p:cNvSpPr>
-            <a:spLocks noGrp="1"/>
-          </p:cNvSpPr>
-          <p:nvPr>
-            <p:ph type="body" idx="1"/>
-          </p:nvPr>
-        </p:nvSpPr>
-        <p:spPr/>
-        <p:txBody>
-          <a:bodyPr/>
-          <a:lstStyle/>
-          <a:p>
-            <a:endParaRPr lang="pt-BR" dirty="0"/>
-          </a:p>
-        </p:txBody>
-      </p:sp>
-      <p:sp>
-        <p:nvSpPr>
-          <p:cNvPr id="4" name="Espaço Reservado para Número de Slide 3"/>
-          <p:cNvSpPr>
-            <a:spLocks noGrp="1"/>
-          </p:cNvSpPr>
-          <p:nvPr>
-            <p:ph type="sldNum" sz="quarter" idx="5"/>
-          </p:nvPr>
-        </p:nvSpPr>
-        <p:spPr/>
-        <p:txBody>
-          <a:bodyPr/>
-          <a:lstStyle/>
-          <a:p>
-            <a:fld id="{DA8B99DF-01BC-492A-8CEF-4FD88D18DD9D}" type="slidenum">
-              <a:rPr lang="nl-BE" smtClean="0"/>
-              <a:t>23</a:t>
-            </a:fld>
-            <a:endParaRPr lang="nl-BE"/>
-          </a:p>
-        </p:txBody>
-      </p:sp>
-    </p:spTree>
-    <p:extLst>
-      <p:ext uri="{BB962C8B-B14F-4D97-AF65-F5344CB8AC3E}">
-        <p14:creationId xmlns:p14="http://schemas.microsoft.com/office/powerpoint/2010/main" val="4112895228"/>
       </p:ext>
     </p:extLst>
   </p:cSld>
@@ -2479,6 +2843,90 @@
             <a:fld id="{DA8B99DF-01BC-492A-8CEF-4FD88D18DD9D}" type="slidenum">
               <a:rPr lang="nl-BE" smtClean="0"/>
               <a:t>24</a:t>
+            </a:fld>
+            <a:endParaRPr lang="nl-BE"/>
+          </a:p>
+        </p:txBody>
+      </p:sp>
+    </p:spTree>
+    <p:extLst>
+      <p:ext uri="{BB962C8B-B14F-4D97-AF65-F5344CB8AC3E}">
+        <p14:creationId xmlns:p14="http://schemas.microsoft.com/office/powerpoint/2010/main" val="4112895228"/>
+      </p:ext>
+    </p:extLst>
+  </p:cSld>
+  <p:clrMapOvr>
+    <a:masterClrMapping/>
+  </p:clrMapOvr>
+</p:notes>
+</file>
+
+<file path=ppt/notesSlides/notesSlide19.xml><?xml version="1.0" encoding="utf-8"?>
+<p:notes xmlns:a="http://schemas.openxmlformats.org/drawingml/2006/main" xmlns:r="http://schemas.openxmlformats.org/officeDocument/2006/relationships" xmlns:p="http://schemas.openxmlformats.org/presentationml/2006/main">
+  <p:cSld>
+    <p:spTree>
+      <p:nvGrpSpPr>
+        <p:cNvPr id="1" name=""/>
+        <p:cNvGrpSpPr/>
+        <p:nvPr/>
+      </p:nvGrpSpPr>
+      <p:grpSpPr>
+        <a:xfrm>
+          <a:off x="0" y="0"/>
+          <a:ext cx="0" cy="0"/>
+          <a:chOff x="0" y="0"/>
+          <a:chExt cx="0" cy="0"/>
+        </a:xfrm>
+      </p:grpSpPr>
+      <p:sp>
+        <p:nvSpPr>
+          <p:cNvPr id="2" name="Espaço Reservado para Imagem de Slide 1"/>
+          <p:cNvSpPr>
+            <a:spLocks noGrp="1" noRot="1" noChangeAspect="1"/>
+          </p:cNvSpPr>
+          <p:nvPr>
+            <p:ph type="sldImg"/>
+          </p:nvPr>
+        </p:nvSpPr>
+        <p:spPr/>
+      </p:sp>
+      <p:sp>
+        <p:nvSpPr>
+          <p:cNvPr id="3" name="Espaço Reservado para Anotações 2"/>
+          <p:cNvSpPr>
+            <a:spLocks noGrp="1"/>
+          </p:cNvSpPr>
+          <p:nvPr>
+            <p:ph type="body" idx="1"/>
+          </p:nvPr>
+        </p:nvSpPr>
+        <p:spPr/>
+        <p:txBody>
+          <a:bodyPr/>
+          <a:lstStyle/>
+          <a:p>
+            <a:endParaRPr lang="pt-BR" dirty="0"/>
+          </a:p>
+        </p:txBody>
+      </p:sp>
+      <p:sp>
+        <p:nvSpPr>
+          <p:cNvPr id="4" name="Espaço Reservado para Número de Slide 3"/>
+          <p:cNvSpPr>
+            <a:spLocks noGrp="1"/>
+          </p:cNvSpPr>
+          <p:nvPr>
+            <p:ph type="sldNum" sz="quarter" idx="5"/>
+          </p:nvPr>
+        </p:nvSpPr>
+        <p:spPr/>
+        <p:txBody>
+          <a:bodyPr/>
+          <a:lstStyle/>
+          <a:p>
+            <a:fld id="{DA8B99DF-01BC-492A-8CEF-4FD88D18DD9D}" type="slidenum">
+              <a:rPr lang="nl-BE" smtClean="0"/>
+              <a:t>25</a:t>
             </a:fld>
             <a:endParaRPr lang="nl-BE"/>
           </a:p>
@@ -3689,362 +4137,98 @@
           <a:lstStyle/>
           <a:p>
             <a:r>
-              <a:rPr lang="pt-BR" dirty="0"/>
-              <a:t>A ideia principal por trás da</a:t>
-            </a:r>
-            <a:r>
-              <a:rPr lang="pt-BR" baseline="0" dirty="0"/>
-              <a:t> estratégia do k-</a:t>
-            </a:r>
-            <a:r>
-              <a:rPr lang="pt-BR" baseline="0" dirty="0" err="1"/>
-              <a:t>Fold</a:t>
-            </a:r>
-            <a:r>
-              <a:rPr lang="pt-BR" baseline="0" dirty="0"/>
-              <a:t> </a:t>
-            </a:r>
-            <a:r>
-              <a:rPr lang="pt-BR" dirty="0"/>
-              <a:t>é que cada</a:t>
-            </a:r>
-            <a:r>
-              <a:rPr lang="pt-BR" baseline="0" dirty="0"/>
-              <a:t> exemplo do conjunto de dados faz o serviço duplo como dado de treinamento e de validação/teste.</a:t>
-            </a:r>
-            <a:endParaRPr lang="pt-BR" dirty="0"/>
-          </a:p>
-          <a:p>
-            <a:endParaRPr lang="pt-BR" dirty="0"/>
-          </a:p>
-          <a:p>
-            <a:pPr marL="0" marR="0" indent="0" algn="l" defTabSz="914400" rtl="0" eaLnBrk="1" fontAlgn="auto" latinLnBrk="0" hangingPunct="1">
-              <a:lnSpc>
-                <a:spcPct val="100000"/>
-              </a:lnSpc>
-              <a:spcBef>
-                <a:spcPts val="0"/>
-              </a:spcBef>
-              <a:spcAft>
-                <a:spcPts val="0"/>
-              </a:spcAft>
-              <a:buClrTx/>
-              <a:buSzTx/>
-              <a:buFontTx/>
-              <a:buNone/>
-              <a:tabLst/>
-              <a:defRPr/>
-            </a:pPr>
-            <a:r>
-              <a:rPr lang="pt-BR" dirty="0"/>
-              <a:t>Na validação cruzada do k-</a:t>
-            </a:r>
-            <a:r>
-              <a:rPr lang="pt-BR" dirty="0" err="1"/>
-              <a:t>Fold</a:t>
-            </a:r>
-            <a:r>
-              <a:rPr lang="pt-BR" dirty="0"/>
-              <a:t>, os dados são divididos em k subconjuntos. A validação é repetida k vezes, de modo que, a cada vez, um dos subconjuntos k é usado como conjunto de validação e os outros subconjuntos k-1 são reunidos para formar um único conjunto de treinamento. Desta forma, </a:t>
-            </a:r>
-            <a:r>
-              <a:rPr lang="pt-BR" baseline="0" dirty="0"/>
-              <a:t>uma vantagem dessa abordagem é que a forma como os dados são divididos importa menos. </a:t>
-            </a:r>
-          </a:p>
-          <a:p>
-            <a:endParaRPr lang="pt-BR" dirty="0"/>
-          </a:p>
-          <a:p>
-            <a:r>
-              <a:rPr lang="pt-BR" dirty="0"/>
-              <a:t>Essa</a:t>
-            </a:r>
-            <a:r>
-              <a:rPr lang="pt-BR" baseline="0" dirty="0"/>
-              <a:t> </a:t>
-            </a:r>
-            <a:r>
-              <a:rPr lang="pt-BR" sz="1200" dirty="0"/>
-              <a:t>estratégia </a:t>
-            </a:r>
-            <a:r>
-              <a:rPr lang="pt-BR" dirty="0"/>
-              <a:t>reduz significativamente o problema do viés</a:t>
-            </a:r>
-            <a:r>
-              <a:rPr lang="pt-BR" baseline="0" dirty="0"/>
-              <a:t> de seleção</a:t>
-            </a:r>
-            <a:r>
-              <a:rPr lang="pt-BR" dirty="0"/>
-              <a:t>, pois ela</a:t>
-            </a:r>
-            <a:r>
-              <a:rPr lang="pt-BR" baseline="0" dirty="0"/>
-              <a:t> </a:t>
-            </a:r>
-            <a:r>
-              <a:rPr lang="pt-BR" sz="1200" dirty="0"/>
-              <a:t>garante que todos os exemplos do conjunto de dados original tenham a chance de aparecer nos conjuntos de treinamento e validação,</a:t>
-            </a:r>
-            <a:r>
-              <a:rPr lang="pt-BR" sz="1200" baseline="0" dirty="0"/>
-              <a:t> o que consequentemente, </a:t>
-            </a:r>
-            <a:r>
-              <a:rPr lang="pt-BR" dirty="0"/>
-              <a:t>reduz a variância.</a:t>
-            </a:r>
-            <a:r>
-              <a:rPr lang="pt-BR" baseline="0" dirty="0"/>
-              <a:t> </a:t>
-            </a:r>
-          </a:p>
-          <a:p>
-            <a:endParaRPr lang="pt-BR" baseline="0" dirty="0"/>
-          </a:p>
-          <a:p>
-            <a:r>
-              <a:rPr lang="pt-BR" dirty="0"/>
-              <a:t>Portanto,</a:t>
-            </a:r>
-            <a:r>
-              <a:rPr lang="pt-BR" baseline="0" dirty="0"/>
-              <a:t> a</a:t>
-            </a:r>
-            <a:r>
-              <a:rPr lang="pt-BR" dirty="0"/>
-              <a:t> troca dos conjuntos de treinamento e validação contribuem</a:t>
-            </a:r>
-            <a:r>
-              <a:rPr lang="pt-BR" baseline="0" dirty="0"/>
-              <a:t> </a:t>
-            </a:r>
-            <a:r>
-              <a:rPr lang="pt-BR" dirty="0"/>
-              <a:t>para a eficácia dessa </a:t>
-            </a:r>
-            <a:r>
-              <a:rPr lang="pt-BR" sz="1200" dirty="0"/>
-              <a:t>estratégia</a:t>
-            </a:r>
-            <a:r>
-              <a:rPr lang="pt-BR" dirty="0"/>
-              <a:t>. </a:t>
-            </a:r>
-            <a:r>
-              <a:rPr lang="pt-BR" baseline="0" dirty="0"/>
-              <a:t>Como regra geral e evidência empírica, normalmente, utiliza-se K = 5 ou 10. A variância da estimativa resultante é reduzida à medida que k é aumentado.</a:t>
-            </a:r>
-          </a:p>
-          <a:p>
-            <a:endParaRPr lang="pt-BR" baseline="0" dirty="0"/>
-          </a:p>
-          <a:p>
-            <a:r>
-              <a:rPr lang="pt-BR" baseline="0" dirty="0"/>
-              <a:t>A validação cruzada do k-</a:t>
-            </a:r>
-            <a:r>
-              <a:rPr lang="pt-BR" baseline="0" dirty="0" err="1"/>
-              <a:t>Fold</a:t>
-            </a:r>
-            <a:r>
-              <a:rPr lang="pt-BR" baseline="0" dirty="0"/>
-              <a:t> é importante pois permite que você use seu conjunto de dados completo tanto para treinamento como para validação. É especialmente útil ao avaliar um modelo usando conjuntos de dados pequenos ou limitados.</a:t>
-            </a:r>
-          </a:p>
-          <a:p>
-            <a:endParaRPr lang="pt-BR" dirty="0"/>
-          </a:p>
-          <a:p>
-            <a:r>
-              <a:rPr lang="pt-BR" dirty="0"/>
-              <a:t>O desempenho do modelo é dado pela média dos erros de validação calculados para cada um dos k folds. A estimativa de erro é calculada sobre todos os k folds para obter a eficácia total do modelo. </a:t>
-            </a:r>
-          </a:p>
-          <a:p>
-            <a:pPr marL="0" marR="0" indent="0" algn="l" defTabSz="914400" rtl="0" eaLnBrk="1" fontAlgn="auto" latinLnBrk="0" hangingPunct="1">
-              <a:lnSpc>
-                <a:spcPct val="100000"/>
-              </a:lnSpc>
-              <a:spcBef>
-                <a:spcPts val="0"/>
-              </a:spcBef>
-              <a:spcAft>
-                <a:spcPts val="0"/>
-              </a:spcAft>
-              <a:buClrTx/>
-              <a:buSzTx/>
-              <a:buFontTx/>
-              <a:buNone/>
-              <a:tabLst/>
-              <a:defRPr/>
-            </a:pPr>
-            <a:endParaRPr lang="pt-BR" dirty="0"/>
-          </a:p>
-          <a:p>
-            <a:pPr marL="0" marR="0" indent="0" algn="l" defTabSz="914400" rtl="0" eaLnBrk="1" fontAlgn="auto" latinLnBrk="0" hangingPunct="1">
-              <a:lnSpc>
-                <a:spcPct val="100000"/>
-              </a:lnSpc>
-              <a:spcBef>
-                <a:spcPts val="0"/>
-              </a:spcBef>
-              <a:spcAft>
-                <a:spcPts val="0"/>
-              </a:spcAft>
-              <a:buClrTx/>
-              <a:buSzTx/>
-              <a:buFontTx/>
-              <a:buNone/>
-              <a:tabLst/>
-              <a:defRPr/>
-            </a:pPr>
-            <a:r>
-              <a:rPr lang="pt-BR" dirty="0"/>
-              <a:t>Como pode ser visto, todo exemplo fica em um conjunto de validação exatamente uma vez e em um conjunto de treinamento k-1 vezes.</a:t>
-            </a:r>
-          </a:p>
-          <a:p>
-            <a:r>
-              <a:rPr lang="pt-BR" baseline="0" dirty="0"/>
-              <a:t>Cada exemplo entra em um conjunto de validação exatamente uma vez e a k-1 vezes no conjunto de treinamento.</a:t>
-            </a:r>
-          </a:p>
-          <a:p>
-            <a:pPr marL="0" marR="0" indent="0" algn="l" defTabSz="914400" rtl="0" eaLnBrk="1" fontAlgn="auto" latinLnBrk="0" hangingPunct="1">
-              <a:lnSpc>
-                <a:spcPct val="100000"/>
-              </a:lnSpc>
-              <a:spcBef>
-                <a:spcPts val="0"/>
-              </a:spcBef>
-              <a:spcAft>
-                <a:spcPts val="0"/>
-              </a:spcAft>
-              <a:buClrTx/>
-              <a:buSzTx/>
-              <a:buFontTx/>
-              <a:buNone/>
-              <a:tabLst/>
-              <a:defRPr/>
-            </a:pPr>
-            <a:r>
-              <a:rPr lang="pt-BR" dirty="0"/>
-              <a:t>Com este procedimento, toda amostra disponível vai aparecer k-1 vezes no conjunto de treinamento e 1 vez no conjunto de validação.</a:t>
-            </a:r>
-          </a:p>
-          <a:p>
-            <a:endParaRPr lang="pt-BR" dirty="0"/>
-          </a:p>
-          <a:p>
-            <a:r>
-              <a:rPr lang="pt-BR" b="1" dirty="0"/>
-              <a:t>Desvantagem</a:t>
-            </a:r>
-            <a:r>
-              <a:rPr lang="pt-BR" dirty="0"/>
-              <a:t>:</a:t>
-            </a:r>
-          </a:p>
-          <a:p>
-            <a:r>
-              <a:rPr lang="pt-BR" dirty="0"/>
-              <a:t>Alto</a:t>
-            </a:r>
-            <a:r>
-              <a:rPr lang="pt-BR" baseline="0" dirty="0"/>
-              <a:t> custo </a:t>
-            </a:r>
-            <a:r>
-              <a:rPr lang="pt-BR" baseline="0" dirty="0" err="1"/>
-              <a:t>computational</a:t>
-            </a:r>
-            <a:r>
-              <a:rPr lang="pt-BR" baseline="0" dirty="0"/>
-              <a:t> pois treina-se e valida-se o modelo k vezes, ou seja, o algoritmo de treinamento deve ser executado novamente do zero k vezes, o que significa que leva k vezes mais tempo para fazer uma avaliação (</a:t>
-            </a:r>
-            <a:r>
-              <a:rPr lang="pt-BR" baseline="0" dirty="0" err="1"/>
-              <a:t>treinamento+validação</a:t>
-            </a:r>
-            <a:r>
-              <a:rPr lang="pt-BR" baseline="0" dirty="0"/>
-              <a:t>).</a:t>
-            </a:r>
-            <a:endParaRPr lang="pt-BR" dirty="0"/>
-          </a:p>
-          <a:p>
-            <a:endParaRPr lang="pt-BR" dirty="0"/>
-          </a:p>
-          <a:p>
-            <a:endParaRPr lang="pt-BR" dirty="0"/>
-          </a:p>
-          <a:p>
-            <a:pPr algn="l"/>
-            <a:r>
-              <a:rPr lang="en-US" b="0" i="0" dirty="0">
-                <a:effectLst/>
-                <a:latin typeface="Söhne"/>
-              </a:rPr>
-              <a:t>What does k-fold error variance say about overfitting?</a:t>
-            </a:r>
-          </a:p>
-          <a:p>
-            <a:endParaRPr lang="pt-BR" dirty="0"/>
-          </a:p>
-          <a:p>
-            <a:pPr algn="l"/>
-            <a:r>
-              <a:rPr lang="en-US" b="0" i="0" dirty="0">
+              <a:rPr lang="pt-BR" b="0" i="0" dirty="0">
                 <a:solidFill>
-                  <a:srgbClr val="374151"/>
+                  <a:srgbClr val="0F0F0F"/>
                 </a:solidFill>
                 <a:effectLst/>
                 <a:latin typeface="Söhne"/>
               </a:rPr>
-              <a:t>K-fold error variance can provide insights into the presence of overfitting in a machine learning model. Overfitting occurs when a model learns the training data too well and performs poorly on unseen data.</a:t>
-            </a:r>
-          </a:p>
-          <a:p>
-            <a:pPr algn="l"/>
-            <a:r>
-              <a:rPr lang="en-US" b="0" i="0" dirty="0">
-                <a:solidFill>
-                  <a:srgbClr val="374151"/>
-                </a:solidFill>
-                <a:effectLst/>
-                <a:latin typeface="Söhne"/>
-              </a:rPr>
-              <a:t>In k-fold cross-validation, the dataset is divided into k subsets or folds. The model is trained on k-1 folds and evaluated on the remaining fold. This process is repeated k times, with each fold serving as the evaluation set once. The k-fold error variance refers to the variability in performance (e.g., accuracy, error rate) across the k iterations of the cross-validation process.</a:t>
-            </a:r>
-          </a:p>
-          <a:p>
-            <a:pPr algn="l"/>
-            <a:r>
-              <a:rPr lang="en-US" b="0" i="0" dirty="0">
-                <a:solidFill>
-                  <a:srgbClr val="374151"/>
-                </a:solidFill>
-                <a:effectLst/>
-                <a:latin typeface="Söhne"/>
-              </a:rPr>
-              <a:t>When the k-fold error variance is low, it suggests that the model's performance is consistent across different subsets of the data. This indicates that the model generalizes well and is less likely to be overfitting. On the other hand, a high k-fold error variance implies that the model's performance varies significantly depending on the subset of the data used for evaluation. This could be a sign of overfitting because the model might be capturing noise or idiosyncrasies in the training data that do not generalize well to unseen data.</a:t>
-            </a:r>
-          </a:p>
-          <a:p>
-            <a:pPr algn="l"/>
-            <a:r>
-              <a:rPr lang="en-US" b="0" i="0" dirty="0">
-                <a:solidFill>
-                  <a:srgbClr val="374151"/>
-                </a:solidFill>
-                <a:effectLst/>
-                <a:latin typeface="Söhne"/>
-              </a:rPr>
-              <a:t>In summary, a low k-fold error variance suggests a model with good generalization, while a high k-fold error variance may indicate overfitting and a potential lack of generalization. However, it is important to consider other factors such as the overall performance metrics and the complexity of the model to make a conclusive assessment of overfitting.</a:t>
+              <a:t>O viés de seleção ocorre quando a escolha de determinados conjuntos de treinamento e teste afeta significativamente a avaliação do modelo.</a:t>
+            </a:r>
+            <a:endParaRPr lang="pt-BR" dirty="0"/>
+          </a:p>
+          <a:p>
+            <a:endParaRPr lang="pt-BR" dirty="0"/>
+          </a:p>
+          <a:p>
+            <a:r>
+              <a:rPr lang="pt-BR" dirty="0"/>
+              <a:t>Normalmente,</a:t>
+            </a:r>
+            <a:r>
+              <a:rPr lang="pt-BR" baseline="0" dirty="0"/>
+              <a:t> a estratégia </a:t>
+            </a:r>
+            <a:r>
+              <a:rPr lang="pt-BR" dirty="0"/>
+              <a:t>da validação</a:t>
+            </a:r>
+            <a:r>
+              <a:rPr lang="pt-BR" baseline="0" dirty="0"/>
+              <a:t> cruzada com holdout envolve </a:t>
+            </a:r>
+            <a:r>
+              <a:rPr lang="pt-BR" dirty="0"/>
+              <a:t>a divisão do conjunto de dados em 20 a 30% dos dados para teste/validação e o restante como dados de treinamento.</a:t>
+            </a:r>
+          </a:p>
+          <a:p>
+            <a:endParaRPr lang="pt-BR" dirty="0"/>
+          </a:p>
+          <a:p>
+            <a:r>
+              <a:rPr lang="pt-BR" dirty="0"/>
+              <a:t>A validação pode depender muito de quais dados vão para o conjunto de treinamento e quais vão para o conjunto de testes e, portanto, a avaliação pode ser significativamente diferente dependendo de como a divisão é feita.</a:t>
+            </a:r>
+          </a:p>
+          <a:p>
+            <a:endParaRPr lang="pt-BR" dirty="0"/>
+          </a:p>
+          <a:p>
+            <a:r>
+              <a:rPr lang="pt-BR" dirty="0"/>
+              <a:t>Com esta </a:t>
+            </a:r>
+            <a:r>
+              <a:rPr lang="pt-BR" baseline="0" dirty="0"/>
+              <a:t>estratégia</a:t>
+            </a:r>
+            <a:r>
+              <a:rPr lang="pt-BR" dirty="0"/>
+              <a:t>, existe a possibilidade de viés de seleção elevado se tivermos um pequeno conjunto de dados, porque perderíamos algumas informações sobre os dados que não usamos para o treinamento e usamos na validação. Se a</a:t>
+            </a:r>
+            <a:r>
+              <a:rPr lang="pt-BR" baseline="0" dirty="0"/>
+              <a:t> base de </a:t>
+            </a:r>
+            <a:r>
+              <a:rPr lang="pt-BR" dirty="0"/>
+              <a:t>dados for </a:t>
+            </a:r>
+            <a:r>
+              <a:rPr lang="pt-BR" dirty="0" err="1"/>
+              <a:t>muio</a:t>
+            </a:r>
+            <a:r>
+              <a:rPr lang="pt-BR" dirty="0"/>
+              <a:t> grande e os </a:t>
+            </a:r>
+            <a:r>
+              <a:rPr lang="pt-BR" baseline="0" dirty="0"/>
+              <a:t>conjuntos </a:t>
+            </a:r>
+            <a:r>
+              <a:rPr lang="pt-BR" dirty="0"/>
+              <a:t>de teste e treinamento tiverem a mesma distribuição, essa </a:t>
+            </a:r>
+            <a:r>
+              <a:rPr lang="pt-BR" baseline="0" dirty="0"/>
+              <a:t>estratégia </a:t>
+            </a:r>
+            <a:r>
+              <a:rPr lang="pt-BR" dirty="0"/>
+              <a:t>é aceitável.</a:t>
             </a:r>
           </a:p>
           <a:p>
@@ -4081,7 +4265,7 @@
     </p:spTree>
     <p:extLst>
       <p:ext uri="{BB962C8B-B14F-4D97-AF65-F5344CB8AC3E}">
-        <p14:creationId xmlns:p14="http://schemas.microsoft.com/office/powerpoint/2010/main" val="571969590"/>
+        <p14:creationId xmlns:p14="http://schemas.microsoft.com/office/powerpoint/2010/main" val="1917197742"/>
       </p:ext>
     </p:extLst>
   </p:cSld>
@@ -4264,7 +4448,7 @@
           <a:p>
             <a:fld id="{67C3C120-4544-49C4-A71C-C78FE5187513}" type="slidenum">
               <a:rPr lang="nl-BE" smtClean="0"/>
-              <a:t>‹#›</a:t>
+              <a:t>‹nº›</a:t>
             </a:fld>
             <a:endParaRPr lang="nl-BE"/>
           </a:p>
@@ -4434,7 +4618,7 @@
           <a:p>
             <a:fld id="{67C3C120-4544-49C4-A71C-C78FE5187513}" type="slidenum">
               <a:rPr lang="nl-BE" smtClean="0"/>
-              <a:t>‹#›</a:t>
+              <a:t>‹nº›</a:t>
             </a:fld>
             <a:endParaRPr lang="nl-BE"/>
           </a:p>
@@ -4614,7 +4798,7 @@
           <a:p>
             <a:fld id="{67C3C120-4544-49C4-A71C-C78FE5187513}" type="slidenum">
               <a:rPr lang="nl-BE" smtClean="0"/>
-              <a:t>‹#›</a:t>
+              <a:t>‹nº›</a:t>
             </a:fld>
             <a:endParaRPr lang="nl-BE"/>
           </a:p>
@@ -4784,7 +4968,7 @@
           <a:p>
             <a:fld id="{67C3C120-4544-49C4-A71C-C78FE5187513}" type="slidenum">
               <a:rPr lang="nl-BE" smtClean="0"/>
-              <a:t>‹#›</a:t>
+              <a:t>‹nº›</a:t>
             </a:fld>
             <a:endParaRPr lang="nl-BE"/>
           </a:p>
@@ -5030,7 +5214,7 @@
           <a:p>
             <a:fld id="{67C3C120-4544-49C4-A71C-C78FE5187513}" type="slidenum">
               <a:rPr lang="nl-BE" smtClean="0"/>
-              <a:t>‹#›</a:t>
+              <a:t>‹nº›</a:t>
             </a:fld>
             <a:endParaRPr lang="nl-BE"/>
           </a:p>
@@ -5262,7 +5446,7 @@
           <a:p>
             <a:fld id="{67C3C120-4544-49C4-A71C-C78FE5187513}" type="slidenum">
               <a:rPr lang="nl-BE" smtClean="0"/>
-              <a:t>‹#›</a:t>
+              <a:t>‹nº›</a:t>
             </a:fld>
             <a:endParaRPr lang="nl-BE"/>
           </a:p>
@@ -5629,7 +5813,7 @@
           <a:p>
             <a:fld id="{67C3C120-4544-49C4-A71C-C78FE5187513}" type="slidenum">
               <a:rPr lang="nl-BE" smtClean="0"/>
-              <a:t>‹#›</a:t>
+              <a:t>‹nº›</a:t>
             </a:fld>
             <a:endParaRPr lang="nl-BE"/>
           </a:p>
@@ -5747,7 +5931,7 @@
           <a:p>
             <a:fld id="{67C3C120-4544-49C4-A71C-C78FE5187513}" type="slidenum">
               <a:rPr lang="nl-BE" smtClean="0"/>
-              <a:t>‹#›</a:t>
+              <a:t>‹nº›</a:t>
             </a:fld>
             <a:endParaRPr lang="nl-BE"/>
           </a:p>
@@ -5842,7 +6026,7 @@
           <a:p>
             <a:fld id="{67C3C120-4544-49C4-A71C-C78FE5187513}" type="slidenum">
               <a:rPr lang="nl-BE" smtClean="0"/>
-              <a:t>‹#›</a:t>
+              <a:t>‹nº›</a:t>
             </a:fld>
             <a:endParaRPr lang="nl-BE"/>
           </a:p>
@@ -6119,7 +6303,7 @@
           <a:p>
             <a:fld id="{67C3C120-4544-49C4-A71C-C78FE5187513}" type="slidenum">
               <a:rPr lang="nl-BE" smtClean="0"/>
-              <a:t>‹#›</a:t>
+              <a:t>‹nº›</a:t>
             </a:fld>
             <a:endParaRPr lang="nl-BE"/>
           </a:p>
@@ -6372,7 +6556,7 @@
           <a:p>
             <a:fld id="{67C3C120-4544-49C4-A71C-C78FE5187513}" type="slidenum">
               <a:rPr lang="nl-BE" smtClean="0"/>
-              <a:t>‹#›</a:t>
+              <a:t>‹nº›</a:t>
             </a:fld>
             <a:endParaRPr lang="nl-BE"/>
           </a:p>
@@ -6621,7 +6805,7 @@
           <a:p>
             <a:fld id="{67C3C120-4544-49C4-A71C-C78FE5187513}" type="slidenum">
               <a:rPr lang="nl-BE" smtClean="0"/>
-              <a:t>‹#›</a:t>
+              <a:t>‹nº›</a:t>
             </a:fld>
             <a:endParaRPr lang="nl-BE"/>
           </a:p>
@@ -6953,7 +7137,7 @@
           <p:cNvPr id="2" name="Título 1">
             <a:extLst>
               <a:ext uri="{FF2B5EF4-FFF2-40B4-BE49-F238E27FC236}">
-                <a16:creationId xmlns:a16="http://schemas.microsoft.com/office/drawing/2014/main" id="{32666AC8-2E17-4DB4-B0F5-60C640CCFD2E}"/>
+                <a16:creationId xmlns:a16="http://schemas.microsoft.com/office/drawing/2014/main" xmlns="" id="{32666AC8-2E17-4DB4-B0F5-60C640CCFD2E}"/>
               </a:ext>
             </a:extLst>
           </p:cNvPr>
@@ -6980,6 +7164,10 @@
               <a:rPr lang="pt-BR" sz="5400" dirty="0"/>
               <a:t>T319 - Introdução ao Aprendizado de Máquina:</a:t>
             </a:r>
+            <a:r>
+              <a:rPr lang="pt-BR" dirty="0"/>
+              <a:t/>
+            </a:r>
             <a:br>
               <a:rPr lang="pt-BR" dirty="0"/>
             </a:br>
@@ -6995,7 +7183,7 @@
           <p:cNvPr id="4" name="CaixaDeTexto 3">
             <a:extLst>
               <a:ext uri="{FF2B5EF4-FFF2-40B4-BE49-F238E27FC236}">
-                <a16:creationId xmlns:a16="http://schemas.microsoft.com/office/drawing/2014/main" id="{430EB894-B7D4-434C-9D1A-A14094D9BEEC}"/>
+                <a16:creationId xmlns:a16="http://schemas.microsoft.com/office/drawing/2014/main" xmlns="" id="{430EB894-B7D4-434C-9D1A-A14094D9BEEC}"/>
               </a:ext>
             </a:extLst>
           </p:cNvPr>
@@ -7036,7 +7224,7 @@
           <p:cNvPr id="1026" name="Picture 2" descr="Logo">
             <a:extLst>
               <a:ext uri="{FF2B5EF4-FFF2-40B4-BE49-F238E27FC236}">
-                <a16:creationId xmlns:a16="http://schemas.microsoft.com/office/drawing/2014/main" id="{3F2642E0-4F6A-4196-8F58-E77D36E9A33F}"/>
+                <a16:creationId xmlns:a16="http://schemas.microsoft.com/office/drawing/2014/main" xmlns="" id="{3F2642E0-4F6A-4196-8F58-E77D36E9A33F}"/>
               </a:ext>
             </a:extLst>
           </p:cNvPr>
@@ -7081,7 +7269,7 @@
           <p:cNvPr id="5122" name="Picture 2" descr="Image result for machine learning">
             <a:extLst>
               <a:ext uri="{FF2B5EF4-FFF2-40B4-BE49-F238E27FC236}">
-                <a16:creationId xmlns:a16="http://schemas.microsoft.com/office/drawing/2014/main" id="{810CE0A2-4102-44A6-A370-175E7896CDCB}"/>
+                <a16:creationId xmlns:a16="http://schemas.microsoft.com/office/drawing/2014/main" xmlns="" id="{810CE0A2-4102-44A6-A370-175E7896CDCB}"/>
               </a:ext>
             </a:extLst>
           </p:cNvPr>
@@ -7158,7 +7346,511 @@
               <p:cNvPr id="2" name="Título 1">
                 <a:extLst>
                   <a:ext uri="{FF2B5EF4-FFF2-40B4-BE49-F238E27FC236}">
-                    <a16:creationId xmlns:a16="http://schemas.microsoft.com/office/drawing/2014/main" id="{9FBE2970-3CBA-404B-4074-AEE02EAAB9A6}"/>
+                    <a16:creationId xmlns:a16="http://schemas.microsoft.com/office/drawing/2014/main" xmlns="" id="{C5C2477C-2D2C-D4E3-DD60-2911128E0DD0}"/>
+                  </a:ext>
+                </a:extLst>
+              </p:cNvPr>
+              <p:cNvSpPr>
+                <a:spLocks noGrp="1"/>
+              </p:cNvSpPr>
+              <p:nvPr>
+                <p:ph type="title"/>
+              </p:nvPr>
+            </p:nvSpPr>
+            <p:spPr/>
+            <p:txBody>
+              <a:bodyPr/>
+              <a:lstStyle/>
+              <a:p>
+                <a14:m>
+                  <m:oMath xmlns:m="http://schemas.openxmlformats.org/officeDocument/2006/math">
+                    <m:r>
+                      <a:rPr lang="pt-BR" b="0" i="1" smtClean="0">
+                        <a:solidFill>
+                          <a:srgbClr val="0F0F0F"/>
+                        </a:solidFill>
+                        <a:effectLst/>
+                        <a:latin typeface="Cambria Math" panose="02040503050406030204" pitchFamily="18" charset="0"/>
+                      </a:rPr>
+                      <m:t>𝑘</m:t>
+                    </m:r>
+                  </m:oMath>
+                </a14:m>
+                <a:r>
+                  <a:rPr lang="pt-BR" dirty="0"/>
+                  <a:t>-</a:t>
+                </a:r>
+                <a:r>
+                  <a:rPr lang="pt-BR" dirty="0" err="1"/>
+                  <a:t>fold</a:t>
+                </a:r>
+                <a:endParaRPr lang="pt-BR" dirty="0"/>
+              </a:p>
+            </p:txBody>
+          </p:sp>
+        </mc:Choice>
+        <mc:Fallback xmlns="">
+          <p:sp>
+            <p:nvSpPr>
+              <p:cNvPr id="2" name="Título 1">
+                <a:extLst>
+                  <a:ext uri="{FF2B5EF4-FFF2-40B4-BE49-F238E27FC236}">
+                    <a16:creationId xmlns:a16="http://schemas.microsoft.com/office/drawing/2014/main" id="{C5C2477C-2D2C-D4E3-DD60-2911128E0DD0}"/>
+                  </a:ext>
+                </a:extLst>
+              </p:cNvPr>
+              <p:cNvSpPr>
+                <a:spLocks noGrp="1" noRot="1" noChangeAspect="1" noMove="1" noResize="1" noEditPoints="1" noAdjustHandles="1" noChangeArrowheads="1" noChangeShapeType="1" noTextEdit="1"/>
+              </p:cNvSpPr>
+              <p:nvPr>
+                <p:ph type="title"/>
+              </p:nvPr>
+            </p:nvSpPr>
+            <p:spPr>
+              <a:blipFill>
+                <a:blip r:embed="rId3"/>
+                <a:stretch>
+                  <a:fillRect/>
+                </a:stretch>
+              </a:blipFill>
+            </p:spPr>
+            <p:txBody>
+              <a:bodyPr/>
+              <a:lstStyle/>
+              <a:p>
+                <a:r>
+                  <a:rPr lang="pt-BR">
+                    <a:noFill/>
+                  </a:rPr>
+                  <a:t> </a:t>
+                </a:r>
+              </a:p>
+            </p:txBody>
+          </p:sp>
+        </mc:Fallback>
+      </mc:AlternateContent>
+      <p:sp>
+        <p:nvSpPr>
+          <p:cNvPr id="3" name="Espaço Reservado para Conteúdo 2">
+            <a:extLst>
+              <a:ext uri="{FF2B5EF4-FFF2-40B4-BE49-F238E27FC236}">
+                <a16:creationId xmlns:a16="http://schemas.microsoft.com/office/drawing/2014/main" xmlns="" id="{C81D5EE1-D440-6F4D-3F1E-ED8B0B4036BF}"/>
+              </a:ext>
+            </a:extLst>
+          </p:cNvPr>
+          <p:cNvSpPr>
+            <a:spLocks noGrp="1"/>
+          </p:cNvSpPr>
+          <p:nvPr>
+            <p:ph idx="1"/>
+          </p:nvPr>
+        </p:nvSpPr>
+        <p:spPr>
+          <a:xfrm>
+            <a:off x="5854700" y="1825624"/>
+            <a:ext cx="6197600" cy="5032375"/>
+          </a:xfrm>
+        </p:spPr>
+        <p:txBody>
+          <a:bodyPr>
+            <a:normAutofit lnSpcReduction="10000"/>
+          </a:bodyPr>
+          <a:lstStyle/>
+          <a:p>
+            <a:r>
+              <a:rPr lang="pt-BR" dirty="0"/>
+              <a:t>É uma estratégia mais elaborada do que a do </a:t>
+            </a:r>
+            <a:r>
+              <a:rPr lang="pt-BR" i="1" dirty="0" err="1"/>
+              <a:t>holdout</a:t>
+            </a:r>
+            <a:r>
+              <a:rPr lang="pt-BR" dirty="0"/>
+              <a:t>.</a:t>
+            </a:r>
+          </a:p>
+          <a:p>
+            <a:r>
+              <a:rPr lang="pt-BR" dirty="0">
+                <a:solidFill>
+                  <a:srgbClr val="0F0F0F"/>
+                </a:solidFill>
+              </a:rPr>
+              <a:t>A estratégia consiste em embaralhar (opcional) e </a:t>
+            </a:r>
+            <a:r>
+              <a:rPr lang="pt-BR" b="1" i="1" dirty="0">
+                <a:solidFill>
+                  <a:srgbClr val="00B050"/>
+                </a:solidFill>
+              </a:rPr>
+              <a:t>dividir o </a:t>
+            </a:r>
+            <a:r>
+              <a:rPr lang="pt-BR" b="1" i="1" dirty="0">
+                <a:solidFill>
+                  <a:srgbClr val="00B050"/>
+                </a:solidFill>
+                <a:effectLst/>
+              </a:rPr>
+              <a:t>conjunto total de dados em</a:t>
+            </a:r>
+            <a:r>
+              <a:rPr lang="pt-BR" b="0" i="0" dirty="0">
+                <a:solidFill>
+                  <a:srgbClr val="0F0F0F"/>
+                </a:solidFill>
+                <a:effectLst/>
+              </a:rPr>
+              <a:t> 𝒌</a:t>
+            </a:r>
+            <a:r>
+              <a:rPr lang="pt-BR" dirty="0">
+                <a:solidFill>
+                  <a:srgbClr val="0F0F0F"/>
+                </a:solidFill>
+              </a:rPr>
+              <a:t> </a:t>
+            </a:r>
+            <a:r>
+              <a:rPr lang="pt-BR" b="1" i="1" dirty="0">
+                <a:solidFill>
+                  <a:srgbClr val="00B050"/>
+                </a:solidFill>
+                <a:effectLst/>
+              </a:rPr>
+              <a:t>partes</a:t>
+            </a:r>
+            <a:r>
+              <a:rPr lang="pt-BR" b="0" i="0" dirty="0">
+                <a:solidFill>
+                  <a:srgbClr val="0F0F0F"/>
+                </a:solidFill>
+                <a:effectLst/>
+              </a:rPr>
+              <a:t> (ou </a:t>
+            </a:r>
+            <a:r>
+              <a:rPr lang="pt-BR" b="0" i="1" dirty="0">
+                <a:solidFill>
+                  <a:srgbClr val="0F0F0F"/>
+                </a:solidFill>
+                <a:effectLst/>
+              </a:rPr>
+              <a:t>folds</a:t>
+            </a:r>
+            <a:r>
+              <a:rPr lang="pt-BR" b="0" i="0" dirty="0">
+                <a:solidFill>
+                  <a:srgbClr val="0F0F0F"/>
+                </a:solidFill>
+                <a:effectLst/>
+              </a:rPr>
+              <a:t>) </a:t>
+            </a:r>
+            <a:r>
+              <a:rPr lang="pt-BR" b="1" i="1" dirty="0">
+                <a:solidFill>
+                  <a:srgbClr val="00B050"/>
+                </a:solidFill>
+                <a:effectLst/>
+              </a:rPr>
+              <a:t>iguais</a:t>
+            </a:r>
+            <a:r>
+              <a:rPr lang="pt-BR" b="0" i="0" dirty="0">
+                <a:solidFill>
+                  <a:srgbClr val="0F0F0F"/>
+                </a:solidFill>
+                <a:effectLst/>
+              </a:rPr>
+              <a:t>. </a:t>
+            </a:r>
+          </a:p>
+          <a:p>
+            <a:r>
+              <a:rPr lang="pt-BR" b="0" i="0" dirty="0">
+                <a:solidFill>
+                  <a:srgbClr val="0F0F0F"/>
+                </a:solidFill>
+                <a:effectLst/>
+              </a:rPr>
+              <a:t>O </a:t>
+            </a:r>
+            <a:r>
+              <a:rPr lang="pt-BR" b="1" i="1" dirty="0">
+                <a:solidFill>
+                  <a:srgbClr val="7030A0"/>
+                </a:solidFill>
+                <a:effectLst/>
+              </a:rPr>
+              <a:t>modelo é treinado</a:t>
+            </a:r>
+            <a:r>
+              <a:rPr lang="pt-BR" b="0" i="0" dirty="0">
+                <a:solidFill>
+                  <a:srgbClr val="0F0F0F"/>
+                </a:solidFill>
+                <a:effectLst/>
+              </a:rPr>
+              <a:t> 𝒌 </a:t>
+            </a:r>
+            <a:r>
+              <a:rPr lang="pt-BR" b="1" i="1" dirty="0">
+                <a:solidFill>
+                  <a:srgbClr val="7030A0"/>
+                </a:solidFill>
+                <a:effectLst/>
+              </a:rPr>
+              <a:t>vezes</a:t>
+            </a:r>
+            <a:r>
+              <a:rPr lang="pt-BR" b="0" i="0" dirty="0">
+                <a:solidFill>
+                  <a:srgbClr val="0F0F0F"/>
+                </a:solidFill>
+                <a:effectLst/>
+              </a:rPr>
+              <a:t>, cada vez usando 𝒌</a:t>
+            </a:r>
+            <a:r>
+              <a:rPr lang="pt-BR" b="1" i="1" dirty="0">
+                <a:solidFill>
+                  <a:srgbClr val="0F0F0F"/>
+                </a:solidFill>
+                <a:effectLst/>
+              </a:rPr>
+              <a:t>-1</a:t>
+            </a:r>
+            <a:r>
+              <a:rPr lang="pt-BR" b="0" i="0" dirty="0">
+                <a:solidFill>
+                  <a:srgbClr val="0F0F0F"/>
+                </a:solidFill>
+                <a:effectLst/>
+              </a:rPr>
+              <a:t> partes como conjunto de treinamento e a parte restante como conjunto de validação.</a:t>
+            </a:r>
+          </a:p>
+          <a:p>
+            <a:r>
+              <a:rPr lang="pt-BR" dirty="0">
+                <a:solidFill>
+                  <a:srgbClr val="0F0F0F"/>
+                </a:solidFill>
+              </a:rPr>
+              <a:t>O </a:t>
+            </a:r>
+            <a:r>
+              <a:rPr lang="pt-BR" b="1" i="1" dirty="0">
+                <a:solidFill>
+                  <a:srgbClr val="0070C0"/>
+                </a:solidFill>
+              </a:rPr>
+              <a:t>EQM com cada conjunto de validação</a:t>
+            </a:r>
+            <a:r>
+              <a:rPr lang="pt-BR" dirty="0">
+                <a:solidFill>
+                  <a:srgbClr val="0F0F0F"/>
+                </a:solidFill>
+              </a:rPr>
+              <a:t> é calculado </a:t>
+            </a:r>
+            <a:r>
+              <a:rPr lang="pt-BR" b="1" i="1" dirty="0">
+                <a:solidFill>
+                  <a:srgbClr val="0070C0"/>
+                </a:solidFill>
+              </a:rPr>
+              <a:t>ao final de cada treinamento</a:t>
+            </a:r>
+            <a:r>
+              <a:rPr lang="pt-BR" dirty="0">
+                <a:solidFill>
+                  <a:srgbClr val="0F0F0F"/>
+                </a:solidFill>
+              </a:rPr>
+              <a:t>.</a:t>
+            </a:r>
+            <a:endParaRPr lang="pt-BR" b="0" i="0" dirty="0">
+              <a:solidFill>
+                <a:srgbClr val="0F0F0F"/>
+              </a:solidFill>
+              <a:effectLst/>
+            </a:endParaRPr>
+          </a:p>
+        </p:txBody>
+      </p:sp>
+      <mc:AlternateContent xmlns:mc="http://schemas.openxmlformats.org/markup-compatibility/2006" xmlns:a14="http://schemas.microsoft.com/office/drawing/2010/main">
+        <mc:Choice Requires="a14">
+          <p:sp>
+            <p:nvSpPr>
+              <p:cNvPr id="5" name="CaixaDeTexto 4">
+                <a:extLst>
+                  <a:ext uri="{FF2B5EF4-FFF2-40B4-BE49-F238E27FC236}">
+                    <a16:creationId xmlns:a16="http://schemas.microsoft.com/office/drawing/2014/main" xmlns="" id="{3926FA82-F16F-7AE7-534B-5F7CB73CCD08}"/>
+                  </a:ext>
+                </a:extLst>
+              </p:cNvPr>
+              <p:cNvSpPr txBox="1"/>
+              <p:nvPr/>
+            </p:nvSpPr>
+            <p:spPr>
+              <a:xfrm>
+                <a:off x="1442175" y="1953195"/>
+                <a:ext cx="1360967" cy="584775"/>
+              </a:xfrm>
+              <a:prstGeom prst="rect">
+                <a:avLst/>
+              </a:prstGeom>
+              <a:noFill/>
+            </p:spPr>
+            <p:txBody>
+              <a:bodyPr wrap="square" rtlCol="0">
+                <a:spAutoFit/>
+              </a:bodyPr>
+              <a:lstStyle/>
+              <a:p>
+                <a:pPr algn="ctr"/>
+                <a14:m>
+                  <m:oMath xmlns:m="http://schemas.openxmlformats.org/officeDocument/2006/math">
+                    <m:r>
+                      <a:rPr lang="pt-BR" sz="3200" b="1" i="1" smtClean="0">
+                        <a:latin typeface="Cambria Math" panose="02040503050406030204" pitchFamily="18" charset="0"/>
+                      </a:rPr>
+                      <m:t>𝒌</m:t>
+                    </m:r>
+                  </m:oMath>
+                </a14:m>
+                <a:r>
+                  <a:rPr lang="pt-BR" sz="3200" b="1" dirty="0"/>
+                  <a:t> = 5</a:t>
+                </a:r>
+                <a:endParaRPr lang="en-US" sz="3200" b="1" dirty="0"/>
+              </a:p>
+            </p:txBody>
+          </p:sp>
+        </mc:Choice>
+        <mc:Fallback xmlns="">
+          <p:sp>
+            <p:nvSpPr>
+              <p:cNvPr id="5" name="CaixaDeTexto 4">
+                <a:extLst>
+                  <a:ext uri="{FF2B5EF4-FFF2-40B4-BE49-F238E27FC236}">
+                    <a16:creationId xmlns:a16="http://schemas.microsoft.com/office/drawing/2014/main" id="{3926FA82-F16F-7AE7-534B-5F7CB73CCD08}"/>
+                  </a:ext>
+                </a:extLst>
+              </p:cNvPr>
+              <p:cNvSpPr txBox="1">
+                <a:spLocks noRot="1" noChangeAspect="1" noMove="1" noResize="1" noEditPoints="1" noAdjustHandles="1" noChangeArrowheads="1" noChangeShapeType="1" noTextEdit="1"/>
+              </p:cNvSpPr>
+              <p:nvPr/>
+            </p:nvSpPr>
+            <p:spPr>
+              <a:xfrm>
+                <a:off x="1442175" y="1953195"/>
+                <a:ext cx="1360967" cy="584775"/>
+              </a:xfrm>
+              <a:prstGeom prst="rect">
+                <a:avLst/>
+              </a:prstGeom>
+              <a:blipFill>
+                <a:blip r:embed="rId4"/>
+                <a:stretch>
+                  <a:fillRect t="-12500" b="-34375"/>
+                </a:stretch>
+              </a:blipFill>
+            </p:spPr>
+            <p:txBody>
+              <a:bodyPr/>
+              <a:lstStyle/>
+              <a:p>
+                <a:r>
+                  <a:rPr lang="pt-BR">
+                    <a:noFill/>
+                  </a:rPr>
+                  <a:t> </a:t>
+                </a:r>
+              </a:p>
+            </p:txBody>
+          </p:sp>
+        </mc:Fallback>
+      </mc:AlternateContent>
+      <p:pic>
+        <p:nvPicPr>
+          <p:cNvPr id="10" name="Imagem 9">
+            <a:extLst>
+              <a:ext uri="{FF2B5EF4-FFF2-40B4-BE49-F238E27FC236}">
+                <a16:creationId xmlns:a16="http://schemas.microsoft.com/office/drawing/2014/main" xmlns="" id="{DEF6A211-DAF7-2C02-45BC-D2089FA5D178}"/>
+              </a:ext>
+            </a:extLst>
+          </p:cNvPr>
+          <p:cNvPicPr>
+            <a:picLocks noChangeAspect="1"/>
+          </p:cNvPicPr>
+          <p:nvPr/>
+        </p:nvPicPr>
+        <p:blipFill rotWithShape="1">
+          <a:blip r:embed="rId5" cstate="print">
+            <a:extLst>
+              <a:ext uri="{28A0092B-C50C-407E-A947-70E740481C1C}">
+                <a14:useLocalDpi xmlns:a14="http://schemas.microsoft.com/office/drawing/2010/main" val="0"/>
+              </a:ext>
+            </a:extLst>
+          </a:blip>
+          <a:srcRect l="1296" r="1"/>
+          <a:stretch/>
+        </p:blipFill>
+        <p:spPr>
+          <a:xfrm>
+            <a:off x="139700" y="2545335"/>
+            <a:ext cx="5613400" cy="3361882"/>
+          </a:xfrm>
+          <a:prstGeom prst="rect">
+            <a:avLst/>
+          </a:prstGeom>
+        </p:spPr>
+      </p:pic>
+    </p:spTree>
+    <p:extLst>
+      <p:ext uri="{BB962C8B-B14F-4D97-AF65-F5344CB8AC3E}">
+        <p14:creationId xmlns:p14="http://schemas.microsoft.com/office/powerpoint/2010/main" val="3782528771"/>
+      </p:ext>
+    </p:extLst>
+  </p:cSld>
+  <p:clrMapOvr>
+    <a:masterClrMapping/>
+  </p:clrMapOvr>
+</p:sld>
+</file>
+
+<file path=ppt/slides/slide11.xml><?xml version="1.0" encoding="utf-8"?>
+<p:sld xmlns:a="http://schemas.openxmlformats.org/drawingml/2006/main" xmlns:r="http://schemas.openxmlformats.org/officeDocument/2006/relationships" xmlns:p="http://schemas.openxmlformats.org/presentationml/2006/main">
+  <p:cSld>
+    <p:spTree>
+      <p:nvGrpSpPr>
+        <p:cNvPr id="1" name=""/>
+        <p:cNvGrpSpPr/>
+        <p:nvPr/>
+      </p:nvGrpSpPr>
+      <p:grpSpPr>
+        <a:xfrm>
+          <a:off x="0" y="0"/>
+          <a:ext cx="0" cy="0"/>
+          <a:chOff x="0" y="0"/>
+          <a:chExt cx="0" cy="0"/>
+        </a:xfrm>
+      </p:grpSpPr>
+      <mc:AlternateContent xmlns:mc="http://schemas.openxmlformats.org/markup-compatibility/2006" xmlns:a14="http://schemas.microsoft.com/office/drawing/2010/main">
+        <mc:Choice Requires="a14">
+          <p:sp>
+            <p:nvSpPr>
+              <p:cNvPr id="2" name="Título 1">
+                <a:extLst>
+                  <a:ext uri="{FF2B5EF4-FFF2-40B4-BE49-F238E27FC236}">
+                    <a16:creationId xmlns:a16="http://schemas.microsoft.com/office/drawing/2014/main" xmlns="" id="{9FBE2970-3CBA-404B-4074-AEE02EAAB9A6}"/>
                   </a:ext>
                 </a:extLst>
               </p:cNvPr>
@@ -7246,7 +7938,7 @@
           <p:cNvPr id="3" name="Espaço Reservado para Conteúdo 2">
             <a:extLst>
               <a:ext uri="{FF2B5EF4-FFF2-40B4-BE49-F238E27FC236}">
-                <a16:creationId xmlns:a16="http://schemas.microsoft.com/office/drawing/2014/main" id="{F55CE789-94DC-AEE8-1D38-D05D40B0BF3A}"/>
+                <a16:creationId xmlns:a16="http://schemas.microsoft.com/office/drawing/2014/main" xmlns="" id="{F55CE789-94DC-AEE8-1D38-D05D40B0BF3A}"/>
               </a:ext>
             </a:extLst>
           </p:cNvPr>
@@ -7275,7 +7967,6 @@
                   <a:srgbClr val="0F0F0F"/>
                 </a:solidFill>
                 <a:effectLst/>
-                <a:latin typeface="Söhne"/>
               </a:rPr>
               <a:t>Ao final dos 𝒌 treinamentos, calcula-se a </a:t>
             </a:r>
@@ -7285,7 +7976,6 @@
                   <a:srgbClr val="0070C0"/>
                 </a:solidFill>
                 <a:effectLst/>
-                <a:latin typeface="Söhne"/>
               </a:rPr>
               <a:t>média</a:t>
             </a:r>
@@ -7295,7 +7985,6 @@
                   <a:srgbClr val="0F0F0F"/>
                 </a:solidFill>
                 <a:effectLst/>
-                <a:latin typeface="Söhne"/>
               </a:rPr>
               <a:t> e o </a:t>
             </a:r>
@@ -7305,7 +7994,6 @@
                   <a:srgbClr val="0070C0"/>
                 </a:solidFill>
                 <a:effectLst/>
-                <a:latin typeface="Söhne"/>
               </a:rPr>
               <a:t>desvio padrão</a:t>
             </a:r>
@@ -7315,7 +8003,6 @@
                   <a:srgbClr val="0F0F0F"/>
                 </a:solidFill>
                 <a:effectLst/>
-                <a:latin typeface="Söhne"/>
               </a:rPr>
               <a:t> dos 𝒌 </a:t>
             </a:r>
@@ -7325,7 +8012,6 @@
                   <a:srgbClr val="0F0F0F"/>
                 </a:solidFill>
                 <a:effectLst/>
-                <a:latin typeface="Söhne"/>
               </a:rPr>
               <a:t>EQMs</a:t>
             </a:r>
@@ -7335,7 +8021,6 @@
                   <a:srgbClr val="0F0F0F"/>
                 </a:solidFill>
                 <a:effectLst/>
-                <a:latin typeface="Söhne"/>
               </a:rPr>
               <a:t> de validação para fornecer uma </a:t>
             </a:r>
@@ -7345,7 +8030,6 @@
                   <a:srgbClr val="00B050"/>
                 </a:solidFill>
                 <a:effectLst/>
-                <a:latin typeface="Söhne"/>
               </a:rPr>
               <a:t>avaliação geral do desempenho do modelo.</a:t>
             </a:r>
@@ -7361,7 +8045,6 @@
                   <a:srgbClr val="0F0F0F"/>
                 </a:solidFill>
                 <a:effectLst/>
-                <a:latin typeface="Söhne"/>
               </a:rPr>
               <a:t>𝒌</a:t>
             </a:r>
@@ -7381,7 +8064,6 @@
                   <a:srgbClr val="0F0F0F"/>
                 </a:solidFill>
                 <a:effectLst/>
-                <a:latin typeface="Söhne"/>
               </a:rPr>
               <a:t>𝒌</a:t>
             </a:r>
@@ -7398,8 +8080,16 @@
               <a:t> sejam </a:t>
             </a:r>
             <a:r>
+              <a:rPr lang="pt-BR" sz="2800" b="1" i="1" dirty="0">
+                <a:solidFill>
+                  <a:schemeClr val="accent2"/>
+                </a:solidFill>
+              </a:rPr>
+              <a:t>representativos</a:t>
+            </a:r>
+            <a:r>
               <a:rPr lang="pt-BR" sz="2800" b="1" i="1" dirty="0"/>
-              <a:t>representativos do padrão presente nos dados.</a:t>
+              <a:t> do padrão presente nos dados.</a:t>
             </a:r>
           </a:p>
         </p:txBody>
@@ -7409,7 +8099,7 @@
           <p:cNvPr id="4" name="Imagem 3">
             <a:extLst>
               <a:ext uri="{FF2B5EF4-FFF2-40B4-BE49-F238E27FC236}">
-                <a16:creationId xmlns:a16="http://schemas.microsoft.com/office/drawing/2014/main" id="{4F49A66D-EE2E-954C-CE06-20034C4D7B7C}"/>
+                <a16:creationId xmlns:a16="http://schemas.microsoft.com/office/drawing/2014/main" xmlns="" id="{4F49A66D-EE2E-954C-CE06-20034C4D7B7C}"/>
               </a:ext>
             </a:extLst>
           </p:cNvPr>
@@ -7446,7 +8136,7 @@
               <p:cNvPr id="5" name="CaixaDeTexto 4">
                 <a:extLst>
                   <a:ext uri="{FF2B5EF4-FFF2-40B4-BE49-F238E27FC236}">
-                    <a16:creationId xmlns:a16="http://schemas.microsoft.com/office/drawing/2014/main" id="{A35580BE-2693-7A2B-E389-307D19EBC7B1}"/>
+                    <a16:creationId xmlns:a16="http://schemas.microsoft.com/office/drawing/2014/main" xmlns="" id="{A35580BE-2693-7A2B-E389-307D19EBC7B1}"/>
                   </a:ext>
                 </a:extLst>
               </p:cNvPr>
@@ -7547,7 +8237,7 @@
 </p:sld>
 </file>
 
-<file path=ppt/slides/slide11.xml><?xml version="1.0" encoding="utf-8"?>
+<file path=ppt/slides/slide12.xml><?xml version="1.0" encoding="utf-8"?>
 <p:sld xmlns:a="http://schemas.openxmlformats.org/drawingml/2006/main" xmlns:r="http://schemas.openxmlformats.org/officeDocument/2006/relationships" xmlns:p="http://schemas.openxmlformats.org/presentationml/2006/main">
   <p:cSld>
     <p:spTree>
@@ -7571,7 +8261,7 @@
               <p:cNvPr id="2" name="Título 1">
                 <a:extLst>
                   <a:ext uri="{FF2B5EF4-FFF2-40B4-BE49-F238E27FC236}">
-                    <a16:creationId xmlns:a16="http://schemas.microsoft.com/office/drawing/2014/main" id="{39771852-6C63-AF70-4850-767FD5F1D2F6}"/>
+                    <a16:creationId xmlns:a16="http://schemas.microsoft.com/office/drawing/2014/main" xmlns="" id="{39771852-6C63-AF70-4850-767FD5F1D2F6}"/>
                   </a:ext>
                 </a:extLst>
               </p:cNvPr>
@@ -7654,14 +8344,14 @@
           </p:sp>
         </mc:Fallback>
       </mc:AlternateContent>
-      <mc:AlternateContent xmlns:mc="http://schemas.openxmlformats.org/markup-compatibility/2006" xmlns:a14="http://schemas.microsoft.com/office/drawing/2010/main">
-        <mc:Choice Requires="a14">
+      <mc:AlternateContent xmlns:mc="http://schemas.openxmlformats.org/markup-compatibility/2006">
+        <mc:Choice xmlns:a14="http://schemas.microsoft.com/office/drawing/2010/main" Requires="a14">
           <p:sp>
             <p:nvSpPr>
               <p:cNvPr id="3" name="Espaço Reservado para Conteúdo 2">
                 <a:extLst>
                   <a:ext uri="{FF2B5EF4-FFF2-40B4-BE49-F238E27FC236}">
-                    <a16:creationId xmlns:a16="http://schemas.microsoft.com/office/drawing/2014/main" id="{86A88D6D-1190-332D-27ED-32512817224F}"/>
+                    <a16:creationId xmlns:a16="http://schemas.microsoft.com/office/drawing/2014/main" xmlns="" id="{86A88D6D-1190-332D-27ED-32512817224F}"/>
                   </a:ext>
                 </a:extLst>
               </p:cNvPr>
@@ -7696,7 +8386,6 @@
                           <a:srgbClr val="0F0F0F"/>
                         </a:solidFill>
                         <a:effectLst/>
-                        <a:latin typeface="Cambria Math" panose="02040503050406030204" pitchFamily="18" charset="0"/>
                       </a:rPr>
                       <m:t>𝑘</m:t>
                     </m:r>
@@ -7769,7 +8458,6 @@
                     <a:solidFill>
                       <a:srgbClr val="0F0F0F"/>
                     </a:solidFill>
-                    <a:latin typeface="Söhne"/>
                   </a:rPr>
                   <a:t>𝒌 vezes, </a:t>
                 </a:r>
@@ -7790,10 +8478,34 @@
                 <a:r>
                   <a:rPr lang="pt-BR" b="1" i="1" dirty="0">
                     <a:solidFill>
+                      <a:srgbClr val="00B0F0"/>
+                    </a:solidFill>
+                  </a:rPr>
+                  <a:t>avaliação </a:t>
+                </a:r>
+                <a:r>
+                  <a:rPr lang="pt-BR" b="1" i="1" dirty="0" smtClean="0">
+                    <a:solidFill>
+                      <a:srgbClr val="00B0F0"/>
+                    </a:solidFill>
+                  </a:rPr>
+                  <a:t>geral do </a:t>
+                </a:r>
+                <a:r>
+                  <a:rPr lang="pt-BR" b="1" i="1" dirty="0">
+                    <a:solidFill>
+                      <a:srgbClr val="00B0F0"/>
+                    </a:solidFill>
+                  </a:rPr>
+                  <a:t>modelo </a:t>
+                </a:r>
+                <a:r>
+                  <a:rPr lang="pt-BR" b="1" i="1" dirty="0">
+                    <a:solidFill>
                       <a:schemeClr val="accent2"/>
                     </a:solidFill>
                   </a:rPr>
-                  <a:t>avaliação do modelo se torne menos sensível à divisão dos dados</a:t>
+                  <a:t>se torne menos sensível à divisão dos dados</a:t>
                 </a:r>
                 <a:r>
                   <a:rPr lang="pt-BR" dirty="0"/>
@@ -7821,7 +8533,6 @@
                           <a:srgbClr val="0F0F0F"/>
                         </a:solidFill>
                         <a:effectLst/>
-                        <a:latin typeface="Cambria Math" panose="02040503050406030204" pitchFamily="18" charset="0"/>
                       </a:rPr>
                       <m:t>𝑘</m:t>
                     </m:r>
@@ -7852,7 +8563,6 @@
                     <a:solidFill>
                       <a:schemeClr val="accent5"/>
                     </a:solidFill>
-                    <a:latin typeface="Söhne"/>
                   </a:rPr>
                   <a:t>𝒌</a:t>
                 </a:r>
@@ -7861,7 +8571,6 @@
                     <a:solidFill>
                       <a:schemeClr val="accent5"/>
                     </a:solidFill>
-                    <a:latin typeface="Söhne"/>
                   </a:rPr>
                   <a:t> vezes)</a:t>
                 </a:r>
@@ -7874,7 +8583,6 @@
                     <a:solidFill>
                       <a:srgbClr val="0F0F0F"/>
                     </a:solidFill>
-                    <a:latin typeface="Söhne"/>
                   </a:rPr>
                   <a:t>𝒌</a:t>
                 </a:r>
@@ -7894,13 +8602,13 @@
             </p:txBody>
           </p:sp>
         </mc:Choice>
-        <mc:Fallback xmlns="">
+        <mc:Fallback>
           <p:sp>
             <p:nvSpPr>
               <p:cNvPr id="3" name="Espaço Reservado para Conteúdo 2">
                 <a:extLst>
                   <a:ext uri="{FF2B5EF4-FFF2-40B4-BE49-F238E27FC236}">
-                    <a16:creationId xmlns:a16="http://schemas.microsoft.com/office/drawing/2014/main" id="{86A88D6D-1190-332D-27ED-32512817224F}"/>
+                    <a16:creationId xmlns:a16="http://schemas.microsoft.com/office/drawing/2014/main" xmlns:a14="http://schemas.microsoft.com/office/drawing/2010/main" xmlns="" id="{86A88D6D-1190-332D-27ED-32512817224F}"/>
                   </a:ext>
                 </a:extLst>
               </p:cNvPr>
@@ -7916,7 +8624,7 @@
                 <a:off x="838200" y="1825624"/>
                 <a:ext cx="11099800" cy="5032375"/>
               </a:xfrm>
-              <a:blipFill>
+              <a:blipFill rotWithShape="0">
                 <a:blip r:embed="rId4"/>
                 <a:stretch>
                   <a:fillRect l="-989" t="-1937" b="-969"/>
@@ -7928,7 +8636,7 @@
               <a:lstStyle/>
               <a:p>
                 <a:r>
-                  <a:rPr lang="en-US">
+                  <a:rPr lang="pt-BR">
                     <a:noFill/>
                   </a:rPr>
                   <a:t> </a:t>
@@ -7951,7 +8659,7 @@
 </p:sld>
 </file>
 
-<file path=ppt/slides/slide12.xml><?xml version="1.0" encoding="utf-8"?>
+<file path=ppt/slides/slide13.xml><?xml version="1.0" encoding="utf-8"?>
 <p:sld xmlns:a="http://schemas.openxmlformats.org/drawingml/2006/main" xmlns:r="http://schemas.openxmlformats.org/officeDocument/2006/relationships" xmlns:p="http://schemas.openxmlformats.org/presentationml/2006/main">
   <p:cSld>
     <p:spTree>
@@ -7973,7 +8681,7 @@
           <p:cNvPr id="2" name="Título 1">
             <a:extLst>
               <a:ext uri="{FF2B5EF4-FFF2-40B4-BE49-F238E27FC236}">
-                <a16:creationId xmlns:a16="http://schemas.microsoft.com/office/drawing/2014/main" id="{1876A212-EF96-EA5E-7FBB-0769B8C1F996}"/>
+                <a16:creationId xmlns:a16="http://schemas.microsoft.com/office/drawing/2014/main" xmlns="" id="{1876A212-EF96-EA5E-7FBB-0769B8C1F996}"/>
               </a:ext>
             </a:extLst>
           </p:cNvPr>
@@ -7984,15 +8692,33 @@
             <p:ph type="title"/>
           </p:nvPr>
         </p:nvSpPr>
-        <p:spPr/>
+        <p:spPr>
+          <a:xfrm>
+            <a:off x="838200" y="365125"/>
+            <a:ext cx="10866120" cy="1325563"/>
+          </a:xfrm>
+        </p:spPr>
         <p:txBody>
           <a:bodyPr/>
           <a:lstStyle/>
           <a:p>
             <a:r>
+              <a:rPr lang="pt-BR" dirty="0" smtClean="0"/>
+              <a:t>Encontrando </a:t>
+            </a:r>
+            <a:r>
               <a:rPr lang="pt-BR" dirty="0"/>
-              <a:t>Validação cruzada para encontrar o grau do polinômio aproximador</a:t>
-            </a:r>
+              <a:t>o grau do polinômio </a:t>
+            </a:r>
+            <a:r>
+              <a:rPr lang="pt-BR" dirty="0"/>
+              <a:t>aproximador com </a:t>
+            </a:r>
+            <a:r>
+              <a:rPr lang="pt-BR" dirty="0" smtClean="0"/>
+              <a:t>validação cruzada</a:t>
+            </a:r>
+            <a:endParaRPr lang="pt-BR" dirty="0"/>
           </a:p>
         </p:txBody>
       </p:sp>
@@ -8003,7 +8729,7 @@
               <p:cNvPr id="3" name="Espaço Reservado para Conteúdo 2">
                 <a:extLst>
                   <a:ext uri="{FF2B5EF4-FFF2-40B4-BE49-F238E27FC236}">
-                    <a16:creationId xmlns:a16="http://schemas.microsoft.com/office/drawing/2014/main" id="{782C0558-FE85-A571-6C51-C40B36B884B3}"/>
+                    <a16:creationId xmlns:a16="http://schemas.microsoft.com/office/drawing/2014/main" xmlns="" id="{782C0558-FE85-A571-6C51-C40B36B884B3}"/>
                   </a:ext>
                 </a:extLst>
               </p:cNvPr>
@@ -8326,7 +9052,7 @@
           <p:cNvPr id="1026" name="Picture 2">
             <a:extLst>
               <a:ext uri="{FF2B5EF4-FFF2-40B4-BE49-F238E27FC236}">
-                <a16:creationId xmlns:a16="http://schemas.microsoft.com/office/drawing/2014/main" id="{F008AD83-55D8-BB3D-574B-2DDF5BA103C2}"/>
+                <a16:creationId xmlns:a16="http://schemas.microsoft.com/office/drawing/2014/main" xmlns="" id="{F008AD83-55D8-BB3D-574B-2DDF5BA103C2}"/>
               </a:ext>
             </a:extLst>
           </p:cNvPr>
@@ -8373,7 +9099,7 @@
           <p:cNvPr id="6" name="Rectangle 5">
             <a:extLst>
               <a:ext uri="{FF2B5EF4-FFF2-40B4-BE49-F238E27FC236}">
-                <a16:creationId xmlns:a16="http://schemas.microsoft.com/office/drawing/2014/main" id="{DEB643DB-8C0B-EF1B-48F4-62B1397ABCBD}"/>
+                <a16:creationId xmlns:a16="http://schemas.microsoft.com/office/drawing/2014/main" xmlns="" id="{DEB643DB-8C0B-EF1B-48F4-62B1397ABCBD}"/>
               </a:ext>
             </a:extLst>
           </p:cNvPr>
@@ -8425,7 +9151,7 @@
 </p:sld>
 </file>
 
-<file path=ppt/slides/slide13.xml><?xml version="1.0" encoding="utf-8"?>
+<file path=ppt/slides/slide14.xml><?xml version="1.0" encoding="utf-8"?>
 <p:sld xmlns:a="http://schemas.openxmlformats.org/drawingml/2006/main" xmlns:r="http://schemas.openxmlformats.org/officeDocument/2006/relationships" xmlns:p="http://schemas.openxmlformats.org/presentationml/2006/main">
   <p:cSld>
     <p:spTree>
@@ -8447,7 +9173,7 @@
           <p:cNvPr id="2" name="Título 1">
             <a:extLst>
               <a:ext uri="{FF2B5EF4-FFF2-40B4-BE49-F238E27FC236}">
-                <a16:creationId xmlns:a16="http://schemas.microsoft.com/office/drawing/2014/main" id="{03A90728-D6F2-D90A-977C-52C5377EB8D9}"/>
+                <a16:creationId xmlns:a16="http://schemas.microsoft.com/office/drawing/2014/main" xmlns="" id="{03A90728-D6F2-D90A-977C-52C5377EB8D9}"/>
               </a:ext>
             </a:extLst>
           </p:cNvPr>
@@ -8477,7 +9203,7 @@
               <p:cNvPr id="3" name="Espaço Reservado para Conteúdo 2">
                 <a:extLst>
                   <a:ext uri="{FF2B5EF4-FFF2-40B4-BE49-F238E27FC236}">
-                    <a16:creationId xmlns:a16="http://schemas.microsoft.com/office/drawing/2014/main" id="{669B1AC1-E860-DDCC-28D4-468A7D4571A1}"/>
+                    <a16:creationId xmlns:a16="http://schemas.microsoft.com/office/drawing/2014/main" xmlns="" id="{669B1AC1-E860-DDCC-28D4-468A7D4571A1}"/>
                   </a:ext>
                 </a:extLst>
               </p:cNvPr>
@@ -8662,7 +9388,7 @@
           <p:cNvPr id="1026" name="Picture 2">
             <a:extLst>
               <a:ext uri="{FF2B5EF4-FFF2-40B4-BE49-F238E27FC236}">
-                <a16:creationId xmlns:a16="http://schemas.microsoft.com/office/drawing/2014/main" id="{4F75ACCB-B9A7-06FB-FE2D-CBB76CA16EBD}"/>
+                <a16:creationId xmlns:a16="http://schemas.microsoft.com/office/drawing/2014/main" xmlns="" id="{4F75ACCB-B9A7-06FB-FE2D-CBB76CA16EBD}"/>
               </a:ext>
             </a:extLst>
           </p:cNvPr>
@@ -8709,7 +9435,7 @@
           <p:cNvPr id="4" name="TextBox 10">
             <a:extLst>
               <a:ext uri="{FF2B5EF4-FFF2-40B4-BE49-F238E27FC236}">
-                <a16:creationId xmlns:a16="http://schemas.microsoft.com/office/drawing/2014/main" id="{F6ED7AC7-492A-4B4C-ACE9-E25912422FBD}"/>
+                <a16:creationId xmlns:a16="http://schemas.microsoft.com/office/drawing/2014/main" xmlns="" id="{F6ED7AC7-492A-4B4C-ACE9-E25912422FBD}"/>
               </a:ext>
             </a:extLst>
           </p:cNvPr>
@@ -8745,7 +9471,7 @@
           <p:cNvPr id="5" name="Straight Arrow Connector 12">
             <a:extLst>
               <a:ext uri="{FF2B5EF4-FFF2-40B4-BE49-F238E27FC236}">
-                <a16:creationId xmlns:a16="http://schemas.microsoft.com/office/drawing/2014/main" id="{9D06FFF8-E11B-764F-BA62-7395A1C463C7}"/>
+                <a16:creationId xmlns:a16="http://schemas.microsoft.com/office/drawing/2014/main" xmlns="" id="{9D06FFF8-E11B-764F-BA62-7395A1C463C7}"/>
               </a:ext>
             </a:extLst>
           </p:cNvPr>
@@ -8790,7 +9516,7 @@
           <p:cNvPr id="6" name="TextBox 14">
             <a:extLst>
               <a:ext uri="{FF2B5EF4-FFF2-40B4-BE49-F238E27FC236}">
-                <a16:creationId xmlns:a16="http://schemas.microsoft.com/office/drawing/2014/main" id="{DFC05649-0887-99DD-9BAB-C5E24BB47EAE}"/>
+                <a16:creationId xmlns:a16="http://schemas.microsoft.com/office/drawing/2014/main" xmlns="" id="{DFC05649-0887-99DD-9BAB-C5E24BB47EAE}"/>
               </a:ext>
             </a:extLst>
           </p:cNvPr>
@@ -8826,7 +9552,7 @@
           <p:cNvPr id="9" name="Straight Arrow Connector 20">
             <a:extLst>
               <a:ext uri="{FF2B5EF4-FFF2-40B4-BE49-F238E27FC236}">
-                <a16:creationId xmlns:a16="http://schemas.microsoft.com/office/drawing/2014/main" id="{85DE8C23-0176-65EA-13BF-724F7A54BEAE}"/>
+                <a16:creationId xmlns:a16="http://schemas.microsoft.com/office/drawing/2014/main" xmlns="" id="{85DE8C23-0176-65EA-13BF-724F7A54BEAE}"/>
               </a:ext>
             </a:extLst>
           </p:cNvPr>
@@ -8872,7 +9598,7 @@
           <p:cNvPr id="10" name="TextBox 22">
             <a:extLst>
               <a:ext uri="{FF2B5EF4-FFF2-40B4-BE49-F238E27FC236}">
-                <a16:creationId xmlns:a16="http://schemas.microsoft.com/office/drawing/2014/main" id="{21C7FE49-670C-A877-60B0-26555B2E8752}"/>
+                <a16:creationId xmlns:a16="http://schemas.microsoft.com/office/drawing/2014/main" xmlns="" id="{21C7FE49-670C-A877-60B0-26555B2E8752}"/>
               </a:ext>
             </a:extLst>
           </p:cNvPr>
@@ -8915,7 +9641,7 @@
           <p:cNvPr id="11" name="Straight Arrow Connector 23">
             <a:extLst>
               <a:ext uri="{FF2B5EF4-FFF2-40B4-BE49-F238E27FC236}">
-                <a16:creationId xmlns:a16="http://schemas.microsoft.com/office/drawing/2014/main" id="{E8E08E76-555D-EE74-8100-102DA56B409C}"/>
+                <a16:creationId xmlns:a16="http://schemas.microsoft.com/office/drawing/2014/main" xmlns="" id="{E8E08E76-555D-EE74-8100-102DA56B409C}"/>
               </a:ext>
             </a:extLst>
           </p:cNvPr>
@@ -8960,7 +9686,7 @@
           <p:cNvPr id="15" name="Forma Livre: Forma 14">
             <a:extLst>
               <a:ext uri="{FF2B5EF4-FFF2-40B4-BE49-F238E27FC236}">
-                <a16:creationId xmlns:a16="http://schemas.microsoft.com/office/drawing/2014/main" id="{9E53E231-5C1C-3A00-F067-646931B4BE3A}"/>
+                <a16:creationId xmlns:a16="http://schemas.microsoft.com/office/drawing/2014/main" xmlns="" id="{9E53E231-5C1C-3A00-F067-646931B4BE3A}"/>
               </a:ext>
             </a:extLst>
           </p:cNvPr>
@@ -9063,7 +9789,7 @@
           <p:cNvPr id="22" name="Retângulo 21">
             <a:extLst>
               <a:ext uri="{FF2B5EF4-FFF2-40B4-BE49-F238E27FC236}">
-                <a16:creationId xmlns:a16="http://schemas.microsoft.com/office/drawing/2014/main" id="{53B1DBD9-4EB3-219D-8E97-C76C0029AE7D}"/>
+                <a16:creationId xmlns:a16="http://schemas.microsoft.com/office/drawing/2014/main" xmlns="" id="{53B1DBD9-4EB3-219D-8E97-C76C0029AE7D}"/>
               </a:ext>
             </a:extLst>
           </p:cNvPr>
@@ -9115,7 +9841,7 @@
           <p:cNvPr id="23" name="Retângulo 22">
             <a:extLst>
               <a:ext uri="{FF2B5EF4-FFF2-40B4-BE49-F238E27FC236}">
-                <a16:creationId xmlns:a16="http://schemas.microsoft.com/office/drawing/2014/main" id="{BA83E3AA-7D83-81CA-AE38-903200A06C12}"/>
+                <a16:creationId xmlns:a16="http://schemas.microsoft.com/office/drawing/2014/main" xmlns="" id="{BA83E3AA-7D83-81CA-AE38-903200A06C12}"/>
               </a:ext>
             </a:extLst>
           </p:cNvPr>
@@ -9167,7 +9893,7 @@
           <p:cNvPr id="26" name="TextBox 22">
             <a:extLst>
               <a:ext uri="{FF2B5EF4-FFF2-40B4-BE49-F238E27FC236}">
-                <a16:creationId xmlns:a16="http://schemas.microsoft.com/office/drawing/2014/main" id="{9330585D-14BF-7E13-B2EB-4C15A4BE05AE}"/>
+                <a16:creationId xmlns:a16="http://schemas.microsoft.com/office/drawing/2014/main" xmlns="" id="{9330585D-14BF-7E13-B2EB-4C15A4BE05AE}"/>
               </a:ext>
             </a:extLst>
           </p:cNvPr>
@@ -9203,7 +9929,7 @@
           <p:cNvPr id="27" name="Straight Arrow Connector 20">
             <a:extLst>
               <a:ext uri="{FF2B5EF4-FFF2-40B4-BE49-F238E27FC236}">
-                <a16:creationId xmlns:a16="http://schemas.microsoft.com/office/drawing/2014/main" id="{3870277B-00D6-2B3C-EDD2-1EF26434A34C}"/>
+                <a16:creationId xmlns:a16="http://schemas.microsoft.com/office/drawing/2014/main" xmlns="" id="{3870277B-00D6-2B3C-EDD2-1EF26434A34C}"/>
               </a:ext>
             </a:extLst>
           </p:cNvPr>
@@ -9248,7 +9974,7 @@
           <p:cNvPr id="38" name="Elipse 37">
             <a:extLst>
               <a:ext uri="{FF2B5EF4-FFF2-40B4-BE49-F238E27FC236}">
-                <a16:creationId xmlns:a16="http://schemas.microsoft.com/office/drawing/2014/main" id="{32FAEE76-DC75-7820-EEFD-1A83FA6A51B6}"/>
+                <a16:creationId xmlns:a16="http://schemas.microsoft.com/office/drawing/2014/main" xmlns="" id="{32FAEE76-DC75-7820-EEFD-1A83FA6A51B6}"/>
               </a:ext>
             </a:extLst>
           </p:cNvPr>
@@ -9302,7 +10028,7 @@
           <p:cNvPr id="43" name="Straight Arrow Connector 20">
             <a:extLst>
               <a:ext uri="{FF2B5EF4-FFF2-40B4-BE49-F238E27FC236}">
-                <a16:creationId xmlns:a16="http://schemas.microsoft.com/office/drawing/2014/main" id="{1B1A462D-D45C-D498-E3C0-3187715590DD}"/>
+                <a16:creationId xmlns:a16="http://schemas.microsoft.com/office/drawing/2014/main" xmlns="" id="{1B1A462D-D45C-D498-E3C0-3187715590DD}"/>
               </a:ext>
             </a:extLst>
           </p:cNvPr>
@@ -9347,7 +10073,7 @@
           <p:cNvPr id="7" name="Chave Direita 6">
             <a:extLst>
               <a:ext uri="{FF2B5EF4-FFF2-40B4-BE49-F238E27FC236}">
-                <a16:creationId xmlns:a16="http://schemas.microsoft.com/office/drawing/2014/main" id="{75F5F5AA-95E3-C286-36F8-662E3D7CFD67}"/>
+                <a16:creationId xmlns:a16="http://schemas.microsoft.com/office/drawing/2014/main" xmlns="" id="{75F5F5AA-95E3-C286-36F8-662E3D7CFD67}"/>
               </a:ext>
             </a:extLst>
           </p:cNvPr>
@@ -9391,7 +10117,7 @@
           <p:cNvPr id="12" name="CaixaDeTexto 11">
             <a:extLst>
               <a:ext uri="{FF2B5EF4-FFF2-40B4-BE49-F238E27FC236}">
-                <a16:creationId xmlns:a16="http://schemas.microsoft.com/office/drawing/2014/main" id="{01ED7978-D805-7BA6-7934-6EA3F984FAFF}"/>
+                <a16:creationId xmlns:a16="http://schemas.microsoft.com/office/drawing/2014/main" xmlns="" id="{01ED7978-D805-7BA6-7934-6EA3F984FAFF}"/>
               </a:ext>
             </a:extLst>
           </p:cNvPr>
@@ -9427,7 +10153,7 @@
           <p:cNvPr id="13" name="Chave Direita 12">
             <a:extLst>
               <a:ext uri="{FF2B5EF4-FFF2-40B4-BE49-F238E27FC236}">
-                <a16:creationId xmlns:a16="http://schemas.microsoft.com/office/drawing/2014/main" id="{549A8137-0814-3951-63B8-D80836E1DFF1}"/>
+                <a16:creationId xmlns:a16="http://schemas.microsoft.com/office/drawing/2014/main" xmlns="" id="{549A8137-0814-3951-63B8-D80836E1DFF1}"/>
               </a:ext>
             </a:extLst>
           </p:cNvPr>
@@ -9471,7 +10197,7 @@
           <p:cNvPr id="14" name="CaixaDeTexto 13">
             <a:extLst>
               <a:ext uri="{FF2B5EF4-FFF2-40B4-BE49-F238E27FC236}">
-                <a16:creationId xmlns:a16="http://schemas.microsoft.com/office/drawing/2014/main" id="{24F7BAAC-DF5F-E21B-535A-AAC9CB256771}"/>
+                <a16:creationId xmlns:a16="http://schemas.microsoft.com/office/drawing/2014/main" xmlns="" id="{24F7BAAC-DF5F-E21B-535A-AAC9CB256771}"/>
               </a:ext>
             </a:extLst>
           </p:cNvPr>
@@ -9507,7 +10233,7 @@
           <p:cNvPr id="17" name="Chave Direita 16">
             <a:extLst>
               <a:ext uri="{FF2B5EF4-FFF2-40B4-BE49-F238E27FC236}">
-                <a16:creationId xmlns:a16="http://schemas.microsoft.com/office/drawing/2014/main" id="{C7A0A6A0-4890-8267-254B-135D8446CC30}"/>
+                <a16:creationId xmlns:a16="http://schemas.microsoft.com/office/drawing/2014/main" xmlns="" id="{C7A0A6A0-4890-8267-254B-135D8446CC30}"/>
               </a:ext>
             </a:extLst>
           </p:cNvPr>
@@ -9551,7 +10277,7 @@
           <p:cNvPr id="18" name="CaixaDeTexto 17">
             <a:extLst>
               <a:ext uri="{FF2B5EF4-FFF2-40B4-BE49-F238E27FC236}">
-                <a16:creationId xmlns:a16="http://schemas.microsoft.com/office/drawing/2014/main" id="{A0F21959-8E8C-6CB7-088A-AF3583AB7984}"/>
+                <a16:creationId xmlns:a16="http://schemas.microsoft.com/office/drawing/2014/main" xmlns="" id="{A0F21959-8E8C-6CB7-088A-AF3583AB7984}"/>
               </a:ext>
             </a:extLst>
           </p:cNvPr>
@@ -9595,7 +10321,7 @@
 </p:sld>
 </file>
 
-<file path=ppt/slides/slide14.xml><?xml version="1.0" encoding="utf-8"?>
+<file path=ppt/slides/slide15.xml><?xml version="1.0" encoding="utf-8"?>
 <p:sld xmlns:a="http://schemas.openxmlformats.org/drawingml/2006/main" xmlns:r="http://schemas.openxmlformats.org/officeDocument/2006/relationships" xmlns:p="http://schemas.openxmlformats.org/presentationml/2006/main">
   <p:cSld>
     <p:spTree>
@@ -9619,7 +10345,7 @@
               <p:cNvPr id="2" name="Título 1">
                 <a:extLst>
                   <a:ext uri="{FF2B5EF4-FFF2-40B4-BE49-F238E27FC236}">
-                    <a16:creationId xmlns:a16="http://schemas.microsoft.com/office/drawing/2014/main" id="{03A90728-D6F2-D90A-977C-52C5377EB8D9}"/>
+                    <a16:creationId xmlns:a16="http://schemas.microsoft.com/office/drawing/2014/main" xmlns="" id="{03A90728-D6F2-D90A-977C-52C5377EB8D9}"/>
                   </a:ext>
                 </a:extLst>
               </p:cNvPr>
@@ -9714,7 +10440,7 @@
           <p:cNvPr id="3" name="Espaço Reservado para Conteúdo 2">
             <a:extLst>
               <a:ext uri="{FF2B5EF4-FFF2-40B4-BE49-F238E27FC236}">
-                <a16:creationId xmlns:a16="http://schemas.microsoft.com/office/drawing/2014/main" id="{669B1AC1-E860-DDCC-28D4-468A7D4571A1}"/>
+                <a16:creationId xmlns:a16="http://schemas.microsoft.com/office/drawing/2014/main" xmlns="" id="{669B1AC1-E860-DDCC-28D4-468A7D4571A1}"/>
               </a:ext>
             </a:extLst>
           </p:cNvPr>
@@ -9843,7 +10569,7 @@
           <p:cNvPr id="5" name="Picture 2">
             <a:extLst>
               <a:ext uri="{FF2B5EF4-FFF2-40B4-BE49-F238E27FC236}">
-                <a16:creationId xmlns:a16="http://schemas.microsoft.com/office/drawing/2014/main" id="{2BD4A147-EF73-8CFE-520C-857F9BFD51F7}"/>
+                <a16:creationId xmlns:a16="http://schemas.microsoft.com/office/drawing/2014/main" xmlns="" id="{2BD4A147-EF73-8CFE-520C-857F9BFD51F7}"/>
               </a:ext>
             </a:extLst>
           </p:cNvPr>
@@ -9888,7 +10614,7 @@
           <p:cNvPr id="6" name="Straight Arrow Connector 12">
             <a:extLst>
               <a:ext uri="{FF2B5EF4-FFF2-40B4-BE49-F238E27FC236}">
-                <a16:creationId xmlns:a16="http://schemas.microsoft.com/office/drawing/2014/main" id="{D0F3B5DC-31A3-8D2C-8C7C-2DC61D16638A}"/>
+                <a16:creationId xmlns:a16="http://schemas.microsoft.com/office/drawing/2014/main" xmlns="" id="{D0F3B5DC-31A3-8D2C-8C7C-2DC61D16638A}"/>
               </a:ext>
             </a:extLst>
           </p:cNvPr>
@@ -9933,7 +10659,7 @@
           <p:cNvPr id="7" name="TextBox 14">
             <a:extLst>
               <a:ext uri="{FF2B5EF4-FFF2-40B4-BE49-F238E27FC236}">
-                <a16:creationId xmlns:a16="http://schemas.microsoft.com/office/drawing/2014/main" id="{02D5EF9F-87A8-C253-A91A-C91117FF2EBA}"/>
+                <a16:creationId xmlns:a16="http://schemas.microsoft.com/office/drawing/2014/main" xmlns="" id="{02D5EF9F-87A8-C253-A91A-C91117FF2EBA}"/>
               </a:ext>
             </a:extLst>
           </p:cNvPr>
@@ -9969,7 +10695,7 @@
           <p:cNvPr id="8" name="Forma Livre: Forma 7">
             <a:extLst>
               <a:ext uri="{FF2B5EF4-FFF2-40B4-BE49-F238E27FC236}">
-                <a16:creationId xmlns:a16="http://schemas.microsoft.com/office/drawing/2014/main" id="{FCAE0EED-8EC9-F8AA-9B0D-AF324E1A737C}"/>
+                <a16:creationId xmlns:a16="http://schemas.microsoft.com/office/drawing/2014/main" xmlns="" id="{FCAE0EED-8EC9-F8AA-9B0D-AF324E1A737C}"/>
               </a:ext>
             </a:extLst>
           </p:cNvPr>
@@ -10072,7 +10798,7 @@
           <p:cNvPr id="9" name="Forma Livre: Forma 8">
             <a:extLst>
               <a:ext uri="{FF2B5EF4-FFF2-40B4-BE49-F238E27FC236}">
-                <a16:creationId xmlns:a16="http://schemas.microsoft.com/office/drawing/2014/main" id="{E48383E7-8BAE-25AF-5DDF-4092A4398697}"/>
+                <a16:creationId xmlns:a16="http://schemas.microsoft.com/office/drawing/2014/main" xmlns="" id="{E48383E7-8BAE-25AF-5DDF-4092A4398697}"/>
               </a:ext>
             </a:extLst>
           </p:cNvPr>
@@ -10175,7 +10901,7 @@
           <p:cNvPr id="12" name="Straight Arrow Connector 12">
             <a:extLst>
               <a:ext uri="{FF2B5EF4-FFF2-40B4-BE49-F238E27FC236}">
-                <a16:creationId xmlns:a16="http://schemas.microsoft.com/office/drawing/2014/main" id="{4C7F3FA9-99F7-BEC5-727B-A718AEF9B4CB}"/>
+                <a16:creationId xmlns:a16="http://schemas.microsoft.com/office/drawing/2014/main" xmlns="" id="{4C7F3FA9-99F7-BEC5-727B-A718AEF9B4CB}"/>
               </a:ext>
             </a:extLst>
           </p:cNvPr>
@@ -10220,7 +10946,7 @@
           <p:cNvPr id="17" name="TextBox 10">
             <a:extLst>
               <a:ext uri="{FF2B5EF4-FFF2-40B4-BE49-F238E27FC236}">
-                <a16:creationId xmlns:a16="http://schemas.microsoft.com/office/drawing/2014/main" id="{0CDD3602-CF5A-23FD-62BC-7FB0BEE313C7}"/>
+                <a16:creationId xmlns:a16="http://schemas.microsoft.com/office/drawing/2014/main" xmlns="" id="{0CDD3602-CF5A-23FD-62BC-7FB0BEE313C7}"/>
               </a:ext>
             </a:extLst>
           </p:cNvPr>
@@ -10256,7 +10982,7 @@
           <p:cNvPr id="18" name="Straight Arrow Connector 23">
             <a:extLst>
               <a:ext uri="{FF2B5EF4-FFF2-40B4-BE49-F238E27FC236}">
-                <a16:creationId xmlns:a16="http://schemas.microsoft.com/office/drawing/2014/main" id="{DE17E922-2892-96C7-7B60-5E236B0D2F8D}"/>
+                <a16:creationId xmlns:a16="http://schemas.microsoft.com/office/drawing/2014/main" xmlns="" id="{DE17E922-2892-96C7-7B60-5E236B0D2F8D}"/>
               </a:ext>
             </a:extLst>
           </p:cNvPr>
@@ -10302,7 +11028,7 @@
           <p:cNvPr id="19" name="Retângulo 18">
             <a:extLst>
               <a:ext uri="{FF2B5EF4-FFF2-40B4-BE49-F238E27FC236}">
-                <a16:creationId xmlns:a16="http://schemas.microsoft.com/office/drawing/2014/main" id="{49131EDC-5909-D462-D5A1-129C0FF2524D}"/>
+                <a16:creationId xmlns:a16="http://schemas.microsoft.com/office/drawing/2014/main" xmlns="" id="{49131EDC-5909-D462-D5A1-129C0FF2524D}"/>
               </a:ext>
             </a:extLst>
           </p:cNvPr>
@@ -10354,7 +11080,7 @@
           <p:cNvPr id="24" name="TextBox 22">
             <a:extLst>
               <a:ext uri="{FF2B5EF4-FFF2-40B4-BE49-F238E27FC236}">
-                <a16:creationId xmlns:a16="http://schemas.microsoft.com/office/drawing/2014/main" id="{B96D6B38-6850-F44F-0025-0EDEF23300F9}"/>
+                <a16:creationId xmlns:a16="http://schemas.microsoft.com/office/drawing/2014/main" xmlns="" id="{B96D6B38-6850-F44F-0025-0EDEF23300F9}"/>
               </a:ext>
             </a:extLst>
           </p:cNvPr>
@@ -10397,7 +11123,7 @@
           <p:cNvPr id="25" name="Straight Arrow Connector 20">
             <a:extLst>
               <a:ext uri="{FF2B5EF4-FFF2-40B4-BE49-F238E27FC236}">
-                <a16:creationId xmlns:a16="http://schemas.microsoft.com/office/drawing/2014/main" id="{879EDE20-5CAF-8100-D5BF-51521099D6CD}"/>
+                <a16:creationId xmlns:a16="http://schemas.microsoft.com/office/drawing/2014/main" xmlns="" id="{879EDE20-5CAF-8100-D5BF-51521099D6CD}"/>
               </a:ext>
             </a:extLst>
           </p:cNvPr>
@@ -10443,7 +11169,7 @@
           <p:cNvPr id="26" name="Elipse 25">
             <a:extLst>
               <a:ext uri="{FF2B5EF4-FFF2-40B4-BE49-F238E27FC236}">
-                <a16:creationId xmlns:a16="http://schemas.microsoft.com/office/drawing/2014/main" id="{6D56B0E5-A8FF-7E40-8460-2B13D63D3BA3}"/>
+                <a16:creationId xmlns:a16="http://schemas.microsoft.com/office/drawing/2014/main" xmlns="" id="{6D56B0E5-A8FF-7E40-8460-2B13D63D3BA3}"/>
               </a:ext>
             </a:extLst>
           </p:cNvPr>
@@ -10497,7 +11223,7 @@
           <p:cNvPr id="27" name="Straight Arrow Connector 20">
             <a:extLst>
               <a:ext uri="{FF2B5EF4-FFF2-40B4-BE49-F238E27FC236}">
-                <a16:creationId xmlns:a16="http://schemas.microsoft.com/office/drawing/2014/main" id="{1E7A1D7F-3503-5761-5F27-025E7FD0E449}"/>
+                <a16:creationId xmlns:a16="http://schemas.microsoft.com/office/drawing/2014/main" xmlns="" id="{1E7A1D7F-3503-5761-5F27-025E7FD0E449}"/>
               </a:ext>
             </a:extLst>
           </p:cNvPr>
@@ -10542,7 +11268,7 @@
           <p:cNvPr id="34" name="Elipse 33">
             <a:extLst>
               <a:ext uri="{FF2B5EF4-FFF2-40B4-BE49-F238E27FC236}">
-                <a16:creationId xmlns:a16="http://schemas.microsoft.com/office/drawing/2014/main" id="{5AF258B0-FD3B-872E-D235-5BE67CEDAD9D}"/>
+                <a16:creationId xmlns:a16="http://schemas.microsoft.com/office/drawing/2014/main" xmlns="" id="{5AF258B0-FD3B-872E-D235-5BE67CEDAD9D}"/>
               </a:ext>
             </a:extLst>
           </p:cNvPr>
@@ -10596,7 +11322,7 @@
           <p:cNvPr id="35" name="Straight Arrow Connector 20">
             <a:extLst>
               <a:ext uri="{FF2B5EF4-FFF2-40B4-BE49-F238E27FC236}">
-                <a16:creationId xmlns:a16="http://schemas.microsoft.com/office/drawing/2014/main" id="{BF43D4F4-26E6-4051-8E1C-6114F7E93C29}"/>
+                <a16:creationId xmlns:a16="http://schemas.microsoft.com/office/drawing/2014/main" xmlns="" id="{BF43D4F4-26E6-4051-8E1C-6114F7E93C29}"/>
               </a:ext>
             </a:extLst>
           </p:cNvPr>
@@ -10642,7 +11368,7 @@
           <p:cNvPr id="38" name="Straight Arrow Connector 20">
             <a:extLst>
               <a:ext uri="{FF2B5EF4-FFF2-40B4-BE49-F238E27FC236}">
-                <a16:creationId xmlns:a16="http://schemas.microsoft.com/office/drawing/2014/main" id="{1F0EC925-A6E7-79E8-A06A-10AA6657ED1D}"/>
+                <a16:creationId xmlns:a16="http://schemas.microsoft.com/office/drawing/2014/main" xmlns="" id="{1F0EC925-A6E7-79E8-A06A-10AA6657ED1D}"/>
               </a:ext>
             </a:extLst>
           </p:cNvPr>
@@ -10686,7 +11412,7 @@
           <p:cNvPr id="4" name="Chave Direita 3">
             <a:extLst>
               <a:ext uri="{FF2B5EF4-FFF2-40B4-BE49-F238E27FC236}">
-                <a16:creationId xmlns:a16="http://schemas.microsoft.com/office/drawing/2014/main" id="{50AB61A5-FFC0-0944-17C9-F089F1EBE723}"/>
+                <a16:creationId xmlns:a16="http://schemas.microsoft.com/office/drawing/2014/main" xmlns="" id="{50AB61A5-FFC0-0944-17C9-F089F1EBE723}"/>
               </a:ext>
             </a:extLst>
           </p:cNvPr>
@@ -10730,7 +11456,7 @@
           <p:cNvPr id="10" name="CaixaDeTexto 9">
             <a:extLst>
               <a:ext uri="{FF2B5EF4-FFF2-40B4-BE49-F238E27FC236}">
-                <a16:creationId xmlns:a16="http://schemas.microsoft.com/office/drawing/2014/main" id="{A931A248-07FE-7E04-63A4-9180F57FE5D6}"/>
+                <a16:creationId xmlns:a16="http://schemas.microsoft.com/office/drawing/2014/main" xmlns="" id="{A931A248-07FE-7E04-63A4-9180F57FE5D6}"/>
               </a:ext>
             </a:extLst>
           </p:cNvPr>
@@ -10766,7 +11492,7 @@
           <p:cNvPr id="11" name="Chave Direita 10">
             <a:extLst>
               <a:ext uri="{FF2B5EF4-FFF2-40B4-BE49-F238E27FC236}">
-                <a16:creationId xmlns:a16="http://schemas.microsoft.com/office/drawing/2014/main" id="{59B217F5-F90C-2D71-BE21-E1427C65F9CD}"/>
+                <a16:creationId xmlns:a16="http://schemas.microsoft.com/office/drawing/2014/main" xmlns="" id="{59B217F5-F90C-2D71-BE21-E1427C65F9CD}"/>
               </a:ext>
             </a:extLst>
           </p:cNvPr>
@@ -10810,7 +11536,7 @@
           <p:cNvPr id="13" name="CaixaDeTexto 12">
             <a:extLst>
               <a:ext uri="{FF2B5EF4-FFF2-40B4-BE49-F238E27FC236}">
-                <a16:creationId xmlns:a16="http://schemas.microsoft.com/office/drawing/2014/main" id="{7F00A093-999D-6747-64FB-250BFDD3FD03}"/>
+                <a16:creationId xmlns:a16="http://schemas.microsoft.com/office/drawing/2014/main" xmlns="" id="{7F00A093-999D-6747-64FB-250BFDD3FD03}"/>
               </a:ext>
             </a:extLst>
           </p:cNvPr>
@@ -10848,7 +11574,7 @@
               <p:cNvPr id="15" name="CaixaDeTexto 14">
                 <a:extLst>
                   <a:ext uri="{FF2B5EF4-FFF2-40B4-BE49-F238E27FC236}">
-                    <a16:creationId xmlns:a16="http://schemas.microsoft.com/office/drawing/2014/main" id="{FAA77714-4F7B-8208-C15D-F28B3B953CFC}"/>
+                    <a16:creationId xmlns:a16="http://schemas.microsoft.com/office/drawing/2014/main" xmlns="" id="{FAA77714-4F7B-8208-C15D-F28B3B953CFC}"/>
                   </a:ext>
                 </a:extLst>
               </p:cNvPr>
@@ -10994,7 +11720,7 @@
 </p:sld>
 </file>
 
-<file path=ppt/slides/slide15.xml><?xml version="1.0" encoding="utf-8"?>
+<file path=ppt/slides/slide16.xml><?xml version="1.0" encoding="utf-8"?>
 <p:sld xmlns:a="http://schemas.openxmlformats.org/drawingml/2006/main" xmlns:r="http://schemas.openxmlformats.org/officeDocument/2006/relationships" xmlns:p="http://schemas.openxmlformats.org/presentationml/2006/main">
   <p:cSld>
     <p:spTree>
@@ -11018,7 +11744,7 @@
               <p:cNvPr id="2" name="Título 1">
                 <a:extLst>
                   <a:ext uri="{FF2B5EF4-FFF2-40B4-BE49-F238E27FC236}">
-                    <a16:creationId xmlns:a16="http://schemas.microsoft.com/office/drawing/2014/main" id="{03A90728-D6F2-D90A-977C-52C5377EB8D9}"/>
+                    <a16:creationId xmlns:a16="http://schemas.microsoft.com/office/drawing/2014/main" xmlns="" id="{03A90728-D6F2-D90A-977C-52C5377EB8D9}"/>
                   </a:ext>
                 </a:extLst>
               </p:cNvPr>
@@ -11113,7 +11839,7 @@
           <p:cNvPr id="3" name="Espaço Reservado para Conteúdo 2">
             <a:extLst>
               <a:ext uri="{FF2B5EF4-FFF2-40B4-BE49-F238E27FC236}">
-                <a16:creationId xmlns:a16="http://schemas.microsoft.com/office/drawing/2014/main" id="{669B1AC1-E860-DDCC-28D4-468A7D4571A1}"/>
+                <a16:creationId xmlns:a16="http://schemas.microsoft.com/office/drawing/2014/main" xmlns="" id="{669B1AC1-E860-DDCC-28D4-468A7D4571A1}"/>
               </a:ext>
             </a:extLst>
           </p:cNvPr>
@@ -11255,7 +11981,7 @@
           <p:cNvPr id="5" name="Picture 2">
             <a:extLst>
               <a:ext uri="{FF2B5EF4-FFF2-40B4-BE49-F238E27FC236}">
-                <a16:creationId xmlns:a16="http://schemas.microsoft.com/office/drawing/2014/main" id="{2BD4A147-EF73-8CFE-520C-857F9BFD51F7}"/>
+                <a16:creationId xmlns:a16="http://schemas.microsoft.com/office/drawing/2014/main" xmlns="" id="{2BD4A147-EF73-8CFE-520C-857F9BFD51F7}"/>
               </a:ext>
             </a:extLst>
           </p:cNvPr>
@@ -11300,7 +12026,7 @@
           <p:cNvPr id="6" name="Straight Arrow Connector 12">
             <a:extLst>
               <a:ext uri="{FF2B5EF4-FFF2-40B4-BE49-F238E27FC236}">
-                <a16:creationId xmlns:a16="http://schemas.microsoft.com/office/drawing/2014/main" id="{D0F3B5DC-31A3-8D2C-8C7C-2DC61D16638A}"/>
+                <a16:creationId xmlns:a16="http://schemas.microsoft.com/office/drawing/2014/main" xmlns="" id="{D0F3B5DC-31A3-8D2C-8C7C-2DC61D16638A}"/>
               </a:ext>
             </a:extLst>
           </p:cNvPr>
@@ -11345,7 +12071,7 @@
           <p:cNvPr id="7" name="TextBox 14">
             <a:extLst>
               <a:ext uri="{FF2B5EF4-FFF2-40B4-BE49-F238E27FC236}">
-                <a16:creationId xmlns:a16="http://schemas.microsoft.com/office/drawing/2014/main" id="{02D5EF9F-87A8-C253-A91A-C91117FF2EBA}"/>
+                <a16:creationId xmlns:a16="http://schemas.microsoft.com/office/drawing/2014/main" xmlns="" id="{02D5EF9F-87A8-C253-A91A-C91117FF2EBA}"/>
               </a:ext>
             </a:extLst>
           </p:cNvPr>
@@ -11381,7 +12107,7 @@
           <p:cNvPr id="8" name="Forma Livre: Forma 7">
             <a:extLst>
               <a:ext uri="{FF2B5EF4-FFF2-40B4-BE49-F238E27FC236}">
-                <a16:creationId xmlns:a16="http://schemas.microsoft.com/office/drawing/2014/main" id="{FCAE0EED-8EC9-F8AA-9B0D-AF324E1A737C}"/>
+                <a16:creationId xmlns:a16="http://schemas.microsoft.com/office/drawing/2014/main" xmlns="" id="{FCAE0EED-8EC9-F8AA-9B0D-AF324E1A737C}"/>
               </a:ext>
             </a:extLst>
           </p:cNvPr>
@@ -11484,7 +12210,7 @@
           <p:cNvPr id="9" name="Forma Livre: Forma 8">
             <a:extLst>
               <a:ext uri="{FF2B5EF4-FFF2-40B4-BE49-F238E27FC236}">
-                <a16:creationId xmlns:a16="http://schemas.microsoft.com/office/drawing/2014/main" id="{E48383E7-8BAE-25AF-5DDF-4092A4398697}"/>
+                <a16:creationId xmlns:a16="http://schemas.microsoft.com/office/drawing/2014/main" xmlns="" id="{E48383E7-8BAE-25AF-5DDF-4092A4398697}"/>
               </a:ext>
             </a:extLst>
           </p:cNvPr>
@@ -11587,7 +12313,7 @@
           <p:cNvPr id="12" name="Straight Arrow Connector 12">
             <a:extLst>
               <a:ext uri="{FF2B5EF4-FFF2-40B4-BE49-F238E27FC236}">
-                <a16:creationId xmlns:a16="http://schemas.microsoft.com/office/drawing/2014/main" id="{4C7F3FA9-99F7-BEC5-727B-A718AEF9B4CB}"/>
+                <a16:creationId xmlns:a16="http://schemas.microsoft.com/office/drawing/2014/main" xmlns="" id="{4C7F3FA9-99F7-BEC5-727B-A718AEF9B4CB}"/>
               </a:ext>
             </a:extLst>
           </p:cNvPr>
@@ -11632,7 +12358,7 @@
           <p:cNvPr id="17" name="TextBox 10">
             <a:extLst>
               <a:ext uri="{FF2B5EF4-FFF2-40B4-BE49-F238E27FC236}">
-                <a16:creationId xmlns:a16="http://schemas.microsoft.com/office/drawing/2014/main" id="{0CDD3602-CF5A-23FD-62BC-7FB0BEE313C7}"/>
+                <a16:creationId xmlns:a16="http://schemas.microsoft.com/office/drawing/2014/main" xmlns="" id="{0CDD3602-CF5A-23FD-62BC-7FB0BEE313C7}"/>
               </a:ext>
             </a:extLst>
           </p:cNvPr>
@@ -11668,7 +12394,7 @@
           <p:cNvPr id="18" name="Straight Arrow Connector 23">
             <a:extLst>
               <a:ext uri="{FF2B5EF4-FFF2-40B4-BE49-F238E27FC236}">
-                <a16:creationId xmlns:a16="http://schemas.microsoft.com/office/drawing/2014/main" id="{DE17E922-2892-96C7-7B60-5E236B0D2F8D}"/>
+                <a16:creationId xmlns:a16="http://schemas.microsoft.com/office/drawing/2014/main" xmlns="" id="{DE17E922-2892-96C7-7B60-5E236B0D2F8D}"/>
               </a:ext>
             </a:extLst>
           </p:cNvPr>
@@ -11714,7 +12440,7 @@
           <p:cNvPr id="19" name="Retângulo 18">
             <a:extLst>
               <a:ext uri="{FF2B5EF4-FFF2-40B4-BE49-F238E27FC236}">
-                <a16:creationId xmlns:a16="http://schemas.microsoft.com/office/drawing/2014/main" id="{49131EDC-5909-D462-D5A1-129C0FF2524D}"/>
+                <a16:creationId xmlns:a16="http://schemas.microsoft.com/office/drawing/2014/main" xmlns="" id="{49131EDC-5909-D462-D5A1-129C0FF2524D}"/>
               </a:ext>
             </a:extLst>
           </p:cNvPr>
@@ -11766,7 +12492,7 @@
           <p:cNvPr id="24" name="TextBox 22">
             <a:extLst>
               <a:ext uri="{FF2B5EF4-FFF2-40B4-BE49-F238E27FC236}">
-                <a16:creationId xmlns:a16="http://schemas.microsoft.com/office/drawing/2014/main" id="{B96D6B38-6850-F44F-0025-0EDEF23300F9}"/>
+                <a16:creationId xmlns:a16="http://schemas.microsoft.com/office/drawing/2014/main" xmlns="" id="{B96D6B38-6850-F44F-0025-0EDEF23300F9}"/>
               </a:ext>
             </a:extLst>
           </p:cNvPr>
@@ -11809,7 +12535,7 @@
           <p:cNvPr id="25" name="Straight Arrow Connector 20">
             <a:extLst>
               <a:ext uri="{FF2B5EF4-FFF2-40B4-BE49-F238E27FC236}">
-                <a16:creationId xmlns:a16="http://schemas.microsoft.com/office/drawing/2014/main" id="{879EDE20-5CAF-8100-D5BF-51521099D6CD}"/>
+                <a16:creationId xmlns:a16="http://schemas.microsoft.com/office/drawing/2014/main" xmlns="" id="{879EDE20-5CAF-8100-D5BF-51521099D6CD}"/>
               </a:ext>
             </a:extLst>
           </p:cNvPr>
@@ -11855,7 +12581,7 @@
           <p:cNvPr id="26" name="Elipse 25">
             <a:extLst>
               <a:ext uri="{FF2B5EF4-FFF2-40B4-BE49-F238E27FC236}">
-                <a16:creationId xmlns:a16="http://schemas.microsoft.com/office/drawing/2014/main" id="{6D56B0E5-A8FF-7E40-8460-2B13D63D3BA3}"/>
+                <a16:creationId xmlns:a16="http://schemas.microsoft.com/office/drawing/2014/main" xmlns="" id="{6D56B0E5-A8FF-7E40-8460-2B13D63D3BA3}"/>
               </a:ext>
             </a:extLst>
           </p:cNvPr>
@@ -11909,7 +12635,7 @@
           <p:cNvPr id="27" name="Straight Arrow Connector 20">
             <a:extLst>
               <a:ext uri="{FF2B5EF4-FFF2-40B4-BE49-F238E27FC236}">
-                <a16:creationId xmlns:a16="http://schemas.microsoft.com/office/drawing/2014/main" id="{1E7A1D7F-3503-5761-5F27-025E7FD0E449}"/>
+                <a16:creationId xmlns:a16="http://schemas.microsoft.com/office/drawing/2014/main" xmlns="" id="{1E7A1D7F-3503-5761-5F27-025E7FD0E449}"/>
               </a:ext>
             </a:extLst>
           </p:cNvPr>
@@ -11954,7 +12680,7 @@
           <p:cNvPr id="34" name="Elipse 33">
             <a:extLst>
               <a:ext uri="{FF2B5EF4-FFF2-40B4-BE49-F238E27FC236}">
-                <a16:creationId xmlns:a16="http://schemas.microsoft.com/office/drawing/2014/main" id="{5AF258B0-FD3B-872E-D235-5BE67CEDAD9D}"/>
+                <a16:creationId xmlns:a16="http://schemas.microsoft.com/office/drawing/2014/main" xmlns="" id="{5AF258B0-FD3B-872E-D235-5BE67CEDAD9D}"/>
               </a:ext>
             </a:extLst>
           </p:cNvPr>
@@ -12008,7 +12734,7 @@
           <p:cNvPr id="35" name="Straight Arrow Connector 20">
             <a:extLst>
               <a:ext uri="{FF2B5EF4-FFF2-40B4-BE49-F238E27FC236}">
-                <a16:creationId xmlns:a16="http://schemas.microsoft.com/office/drawing/2014/main" id="{BF43D4F4-26E6-4051-8E1C-6114F7E93C29}"/>
+                <a16:creationId xmlns:a16="http://schemas.microsoft.com/office/drawing/2014/main" xmlns="" id="{BF43D4F4-26E6-4051-8E1C-6114F7E93C29}"/>
               </a:ext>
             </a:extLst>
           </p:cNvPr>
@@ -12054,7 +12780,7 @@
           <p:cNvPr id="38" name="Straight Arrow Connector 20">
             <a:extLst>
               <a:ext uri="{FF2B5EF4-FFF2-40B4-BE49-F238E27FC236}">
-                <a16:creationId xmlns:a16="http://schemas.microsoft.com/office/drawing/2014/main" id="{1F0EC925-A6E7-79E8-A06A-10AA6657ED1D}"/>
+                <a16:creationId xmlns:a16="http://schemas.microsoft.com/office/drawing/2014/main" xmlns="" id="{1F0EC925-A6E7-79E8-A06A-10AA6657ED1D}"/>
               </a:ext>
             </a:extLst>
           </p:cNvPr>
@@ -12106,7 +12832,7 @@
 </p:sld>
 </file>
 
-<file path=ppt/slides/slide16.xml><?xml version="1.0" encoding="utf-8"?>
+<file path=ppt/slides/slide17.xml><?xml version="1.0" encoding="utf-8"?>
 <p:sld xmlns:a="http://schemas.openxmlformats.org/drawingml/2006/main" xmlns:r="http://schemas.openxmlformats.org/officeDocument/2006/relationships" xmlns:p="http://schemas.openxmlformats.org/presentationml/2006/main">
   <p:cSld>
     <p:spTree>
@@ -12128,7 +12854,7 @@
           <p:cNvPr id="2" name="Título 1">
             <a:extLst>
               <a:ext uri="{FF2B5EF4-FFF2-40B4-BE49-F238E27FC236}">
-                <a16:creationId xmlns:a16="http://schemas.microsoft.com/office/drawing/2014/main" id="{A251A04E-87C2-A4B1-727E-ACB4C5801459}"/>
+                <a16:creationId xmlns:a16="http://schemas.microsoft.com/office/drawing/2014/main" xmlns="" id="{A251A04E-87C2-A4B1-727E-ACB4C5801459}"/>
               </a:ext>
             </a:extLst>
           </p:cNvPr>
@@ -12161,7 +12887,7 @@
           <p:cNvPr id="3" name="Espaço Reservado para Conteúdo 2">
             <a:extLst>
               <a:ext uri="{FF2B5EF4-FFF2-40B4-BE49-F238E27FC236}">
-                <a16:creationId xmlns:a16="http://schemas.microsoft.com/office/drawing/2014/main" id="{139ADDD6-6BAF-0757-3736-516A20794509}"/>
+                <a16:creationId xmlns:a16="http://schemas.microsoft.com/office/drawing/2014/main" xmlns="" id="{139ADDD6-6BAF-0757-3736-516A20794509}"/>
               </a:ext>
             </a:extLst>
           </p:cNvPr>
@@ -12248,7 +12974,7 @@
           <p:cNvPr id="4" name="Picture 2">
             <a:extLst>
               <a:ext uri="{FF2B5EF4-FFF2-40B4-BE49-F238E27FC236}">
-                <a16:creationId xmlns:a16="http://schemas.microsoft.com/office/drawing/2014/main" id="{F1523848-867A-3698-482D-51E11972A826}"/>
+                <a16:creationId xmlns:a16="http://schemas.microsoft.com/office/drawing/2014/main" xmlns="" id="{F1523848-867A-3698-482D-51E11972A826}"/>
               </a:ext>
             </a:extLst>
           </p:cNvPr>
@@ -12295,7 +13021,7 @@
           <p:cNvPr id="5" name="Picture 4">
             <a:extLst>
               <a:ext uri="{FF2B5EF4-FFF2-40B4-BE49-F238E27FC236}">
-                <a16:creationId xmlns:a16="http://schemas.microsoft.com/office/drawing/2014/main" id="{3006A038-21C6-0345-55DE-A2A30CC10D71}"/>
+                <a16:creationId xmlns:a16="http://schemas.microsoft.com/office/drawing/2014/main" xmlns="" id="{3006A038-21C6-0345-55DE-A2A30CC10D71}"/>
               </a:ext>
             </a:extLst>
           </p:cNvPr>
@@ -12342,7 +13068,7 @@
           <p:cNvPr id="6" name="CaixaDeTexto 5">
             <a:extLst>
               <a:ext uri="{FF2B5EF4-FFF2-40B4-BE49-F238E27FC236}">
-                <a16:creationId xmlns:a16="http://schemas.microsoft.com/office/drawing/2014/main" id="{7CF069DD-EDFC-CC3F-DD56-59C668E7E782}"/>
+                <a16:creationId xmlns:a16="http://schemas.microsoft.com/office/drawing/2014/main" xmlns="" id="{7CF069DD-EDFC-CC3F-DD56-59C668E7E782}"/>
               </a:ext>
             </a:extLst>
           </p:cNvPr>
@@ -12382,7 +13108,7 @@
           <p:cNvPr id="7" name="CaixaDeTexto 6">
             <a:extLst>
               <a:ext uri="{FF2B5EF4-FFF2-40B4-BE49-F238E27FC236}">
-                <a16:creationId xmlns:a16="http://schemas.microsoft.com/office/drawing/2014/main" id="{3160817B-5023-F2AE-B878-2F4AD2764249}"/>
+                <a16:creationId xmlns:a16="http://schemas.microsoft.com/office/drawing/2014/main" xmlns="" id="{3160817B-5023-F2AE-B878-2F4AD2764249}"/>
               </a:ext>
             </a:extLst>
           </p:cNvPr>
@@ -12422,7 +13148,7 @@
           <p:cNvPr id="9" name="Conector de Seta Reta 8">
             <a:extLst>
               <a:ext uri="{FF2B5EF4-FFF2-40B4-BE49-F238E27FC236}">
-                <a16:creationId xmlns:a16="http://schemas.microsoft.com/office/drawing/2014/main" id="{433D01AC-78E3-F26E-A91D-5BDB058412D4}"/>
+                <a16:creationId xmlns:a16="http://schemas.microsoft.com/office/drawing/2014/main" xmlns="" id="{433D01AC-78E3-F26E-A91D-5BDB058412D4}"/>
               </a:ext>
             </a:extLst>
           </p:cNvPr>
@@ -12474,7 +13200,7 @@
 </p:sld>
 </file>
 
-<file path=ppt/slides/slide17.xml><?xml version="1.0" encoding="utf-8"?>
+<file path=ppt/slides/slide18.xml><?xml version="1.0" encoding="utf-8"?>
 <p:sld xmlns:a="http://schemas.openxmlformats.org/drawingml/2006/main" xmlns:r="http://schemas.openxmlformats.org/officeDocument/2006/relationships" xmlns:p="http://schemas.openxmlformats.org/presentationml/2006/main">
   <p:cSld>
     <p:spTree>
@@ -12496,7 +13222,7 @@
           <p:cNvPr id="2" name="Título 1">
             <a:extLst>
               <a:ext uri="{FF2B5EF4-FFF2-40B4-BE49-F238E27FC236}">
-                <a16:creationId xmlns:a16="http://schemas.microsoft.com/office/drawing/2014/main" id="{C81B1586-529A-A679-60A3-A0D83AC9CEB5}"/>
+                <a16:creationId xmlns:a16="http://schemas.microsoft.com/office/drawing/2014/main" xmlns="" id="{C81B1586-529A-A679-60A3-A0D83AC9CEB5}"/>
               </a:ext>
             </a:extLst>
           </p:cNvPr>
@@ -12529,7 +13255,7 @@
           <p:cNvPr id="3" name="Espaço Reservado para Conteúdo 2">
             <a:extLst>
               <a:ext uri="{FF2B5EF4-FFF2-40B4-BE49-F238E27FC236}">
-                <a16:creationId xmlns:a16="http://schemas.microsoft.com/office/drawing/2014/main" id="{39A11C6A-E0FA-69E8-0E7C-434857DB5D45}"/>
+                <a16:creationId xmlns:a16="http://schemas.microsoft.com/office/drawing/2014/main" xmlns="" id="{39A11C6A-E0FA-69E8-0E7C-434857DB5D45}"/>
               </a:ext>
             </a:extLst>
           </p:cNvPr>
@@ -12734,7 +13460,7 @@
 </p:sld>
 </file>
 
-<file path=ppt/slides/slide18.xml><?xml version="1.0" encoding="utf-8"?>
+<file path=ppt/slides/slide19.xml><?xml version="1.0" encoding="utf-8"?>
 <p:sld xmlns:a="http://schemas.openxmlformats.org/drawingml/2006/main" xmlns:r="http://schemas.openxmlformats.org/officeDocument/2006/relationships" xmlns:p="http://schemas.openxmlformats.org/presentationml/2006/main">
   <p:cSld>
     <p:spTree>
@@ -12858,7 +13584,300 @@
 </p:sld>
 </file>
 
-<file path=ppt/slides/slide19.xml><?xml version="1.0" encoding="utf-8"?>
+<file path=ppt/slides/slide2.xml><?xml version="1.0" encoding="utf-8"?>
+<p:sld xmlns:a="http://schemas.openxmlformats.org/drawingml/2006/main" xmlns:r="http://schemas.openxmlformats.org/officeDocument/2006/relationships" xmlns:p="http://schemas.openxmlformats.org/presentationml/2006/main">
+  <p:cSld>
+    <p:spTree>
+      <p:nvGrpSpPr>
+        <p:cNvPr id="1" name=""/>
+        <p:cNvGrpSpPr/>
+        <p:nvPr/>
+      </p:nvGrpSpPr>
+      <p:grpSpPr>
+        <a:xfrm>
+          <a:off x="0" y="0"/>
+          <a:ext cx="0" cy="0"/>
+          <a:chOff x="0" y="0"/>
+          <a:chExt cx="0" cy="0"/>
+        </a:xfrm>
+      </p:grpSpPr>
+      <p:sp>
+        <p:nvSpPr>
+          <p:cNvPr id="2" name="Title 1"/>
+          <p:cNvSpPr>
+            <a:spLocks noGrp="1"/>
+          </p:cNvSpPr>
+          <p:nvPr>
+            <p:ph type="title"/>
+          </p:nvPr>
+        </p:nvSpPr>
+        <p:spPr/>
+        <p:txBody>
+          <a:bodyPr/>
+          <a:lstStyle/>
+          <a:p>
+            <a:r>
+              <a:rPr lang="pt-BR" dirty="0"/>
+              <a:t>Recapitulando</a:t>
+            </a:r>
+          </a:p>
+        </p:txBody>
+      </p:sp>
+      <p:sp>
+        <p:nvSpPr>
+          <p:cNvPr id="3" name="Content Placeholder 2"/>
+          <p:cNvSpPr>
+            <a:spLocks noGrp="1"/>
+          </p:cNvSpPr>
+          <p:nvPr>
+            <p:ph idx="1"/>
+          </p:nvPr>
+        </p:nvSpPr>
+        <p:spPr>
+          <a:xfrm>
+            <a:off x="838199" y="1825624"/>
+            <a:ext cx="11162123" cy="5032376"/>
+          </a:xfrm>
+        </p:spPr>
+        <p:txBody>
+          <a:bodyPr>
+            <a:normAutofit/>
+          </a:bodyPr>
+          <a:lstStyle/>
+          <a:p>
+            <a:r>
+              <a:rPr lang="pt-BR" dirty="0"/>
+              <a:t>Vimos que o </a:t>
+            </a:r>
+            <a:r>
+              <a:rPr lang="pt-BR" b="1" i="1" dirty="0">
+                <a:solidFill>
+                  <a:srgbClr val="7030A0"/>
+                </a:solidFill>
+              </a:rPr>
+              <a:t>escalonamento de atributos</a:t>
+            </a:r>
+            <a:r>
+              <a:rPr lang="pt-BR" dirty="0"/>
+              <a:t> </a:t>
+            </a:r>
+            <a:r>
+              <a:rPr lang="pt-BR" b="1" i="1" dirty="0">
+                <a:solidFill>
+                  <a:srgbClr val="00B050"/>
+                </a:solidFill>
+              </a:rPr>
+              <a:t>acelerara o aprendizado do GD </a:t>
+            </a:r>
+            <a:r>
+              <a:rPr lang="pt-BR" dirty="0"/>
+              <a:t>quando os atributos têm intervalos de variação muito diferentes.</a:t>
+            </a:r>
+          </a:p>
+          <a:p>
+            <a:r>
+              <a:rPr lang="pt-BR" dirty="0"/>
+              <a:t>Aprendemos que </a:t>
+            </a:r>
+            <a:r>
+              <a:rPr lang="pt-BR" b="1" i="1" dirty="0">
+                <a:solidFill>
+                  <a:srgbClr val="7030A0"/>
+                </a:solidFill>
+              </a:rPr>
+              <a:t>funções hipótese polinomiais</a:t>
+            </a:r>
+            <a:r>
+              <a:rPr lang="pt-BR" b="1" i="1" dirty="0"/>
+              <a:t> </a:t>
+            </a:r>
+            <a:r>
+              <a:rPr lang="pt-BR" dirty="0"/>
+              <a:t>podem ser utilizadas para </a:t>
+            </a:r>
+            <a:r>
+              <a:rPr lang="pt-BR" b="1" i="1" dirty="0">
+                <a:solidFill>
+                  <a:srgbClr val="00B050"/>
+                </a:solidFill>
+              </a:rPr>
+              <a:t>aproximar comportamentos não-lineares, além de lineares</a:t>
+            </a:r>
+            <a:r>
+              <a:rPr lang="pt-BR" dirty="0"/>
+              <a:t>.</a:t>
+            </a:r>
+          </a:p>
+          <a:p>
+            <a:r>
+              <a:rPr lang="pt-BR" dirty="0"/>
+              <a:t>Porém, precisamos </a:t>
+            </a:r>
+            <a:r>
+              <a:rPr lang="pt-BR" b="1" i="1" dirty="0">
+                <a:solidFill>
+                  <a:srgbClr val="002060"/>
+                </a:solidFill>
+              </a:rPr>
+              <a:t>encontrar o </a:t>
+            </a:r>
+            <a:r>
+              <a:rPr lang="pt-BR" b="1" i="1" dirty="0">
+                <a:solidFill>
+                  <a:srgbClr val="00B0F0"/>
+                </a:solidFill>
+              </a:rPr>
+              <a:t>grau ideal </a:t>
+            </a:r>
+            <a:r>
+              <a:rPr lang="pt-BR" b="1" i="1" dirty="0">
+                <a:solidFill>
+                  <a:srgbClr val="002060"/>
+                </a:solidFill>
+              </a:rPr>
+              <a:t>da função hipótese polinomial</a:t>
+            </a:r>
+            <a:r>
+              <a:rPr lang="pt-BR" dirty="0"/>
+              <a:t>.</a:t>
+            </a:r>
+          </a:p>
+          <a:p>
+            <a:pPr lvl="1">
+              <a:buFont typeface="Wingdings" panose="05000000000000000000" pitchFamily="2" charset="2"/>
+              <a:buChar char="§"/>
+            </a:pPr>
+            <a:r>
+              <a:rPr lang="pt-BR" dirty="0"/>
+              <a:t>Polinômios com </a:t>
+            </a:r>
+            <a:r>
+              <a:rPr lang="pt-BR" b="1" i="1" dirty="0">
+                <a:solidFill>
+                  <a:srgbClr val="7030A0"/>
+                </a:solidFill>
+              </a:rPr>
+              <a:t>grau muito baixo</a:t>
+            </a:r>
+            <a:r>
+              <a:rPr lang="pt-BR" dirty="0"/>
+              <a:t> podem não ter flexibilidade o suficiente para aproximar os dados, causando </a:t>
+            </a:r>
+            <a:r>
+              <a:rPr lang="pt-BR" b="1" i="1" dirty="0"/>
+              <a:t>subajuste</a:t>
+            </a:r>
+            <a:r>
+              <a:rPr lang="pt-BR" dirty="0"/>
+              <a:t>.</a:t>
+            </a:r>
+          </a:p>
+          <a:p>
+            <a:pPr lvl="1">
+              <a:buFont typeface="Wingdings" panose="05000000000000000000" pitchFamily="2" charset="2"/>
+              <a:buChar char="§"/>
+            </a:pPr>
+            <a:r>
+              <a:rPr lang="pt-BR" dirty="0"/>
+              <a:t>Polinômios com </a:t>
+            </a:r>
+            <a:r>
+              <a:rPr lang="pt-BR" b="1" i="1" dirty="0">
+                <a:solidFill>
+                  <a:srgbClr val="7030A0"/>
+                </a:solidFill>
+              </a:rPr>
+              <a:t>grau muito alto</a:t>
+            </a:r>
+            <a:r>
+              <a:rPr lang="pt-BR" dirty="0"/>
+              <a:t> podem ser tão flexíveis que acabam memorizando os dados de treinamento, causando </a:t>
+            </a:r>
+            <a:r>
+              <a:rPr lang="pt-BR" b="1" i="1" dirty="0"/>
+              <a:t>sobreajuste</a:t>
+            </a:r>
+            <a:r>
+              <a:rPr lang="pt-BR" dirty="0"/>
+              <a:t>.</a:t>
+            </a:r>
+          </a:p>
+          <a:p>
+            <a:r>
+              <a:rPr lang="pt-BR" dirty="0"/>
+              <a:t>Na sequência, veremos como </a:t>
+            </a:r>
+            <a:r>
+              <a:rPr lang="pt-BR" b="1" i="1" dirty="0">
+                <a:solidFill>
+                  <a:srgbClr val="7030A0"/>
+                </a:solidFill>
+              </a:rPr>
+              <a:t>escolher o grau ideal</a:t>
+            </a:r>
+            <a:r>
+              <a:rPr lang="pt-BR" b="1" dirty="0">
+                <a:solidFill>
+                  <a:srgbClr val="7030A0"/>
+                </a:solidFill>
+              </a:rPr>
+              <a:t> </a:t>
+            </a:r>
+            <a:r>
+              <a:rPr lang="pt-BR" dirty="0"/>
+              <a:t>da </a:t>
+            </a:r>
+            <a:r>
+              <a:rPr lang="pt-BR" b="1" i="1" dirty="0"/>
+              <a:t>função hipótese polinomial</a:t>
+            </a:r>
+            <a:r>
+              <a:rPr lang="pt-BR" b="1" dirty="0"/>
+              <a:t> </a:t>
+            </a:r>
+            <a:r>
+              <a:rPr lang="pt-BR" dirty="0"/>
+              <a:t>de</a:t>
+            </a:r>
+            <a:r>
+              <a:rPr lang="pt-BR" b="1" i="1" dirty="0">
+                <a:solidFill>
+                  <a:srgbClr val="00B050"/>
+                </a:solidFill>
+              </a:rPr>
+              <a:t> forma quantitativa</a:t>
+            </a:r>
+            <a:r>
+              <a:rPr lang="pt-BR" dirty="0"/>
+              <a:t>, mesmo não conhecendo ou existindo uma função objetivo por trás da geração dos dados coletados.</a:t>
+            </a:r>
+          </a:p>
+          <a:p>
+            <a:endParaRPr lang="pt-BR" dirty="0"/>
+          </a:p>
+          <a:p>
+            <a:pPr lvl="1">
+              <a:buFont typeface="Wingdings" panose="05000000000000000000" pitchFamily="2" charset="2"/>
+              <a:buChar char="§"/>
+            </a:pPr>
+            <a:endParaRPr lang="pt-BR" dirty="0"/>
+          </a:p>
+        </p:txBody>
+      </p:sp>
+    </p:spTree>
+    <p:extLst>
+      <p:ext uri="{BB962C8B-B14F-4D97-AF65-F5344CB8AC3E}">
+        <p14:creationId xmlns:p14="http://schemas.microsoft.com/office/powerpoint/2010/main" val="2153437485"/>
+      </p:ext>
+    </p:extLst>
+  </p:cSld>
+  <p:clrMapOvr>
+    <a:masterClrMapping/>
+  </p:clrMapOvr>
+</p:sld>
+</file>
+
+<file path=ppt/slides/slide20.xml><?xml version="1.0" encoding="utf-8"?>
 <p:sld xmlns:a="http://schemas.openxmlformats.org/drawingml/2006/main" xmlns:r="http://schemas.openxmlformats.org/officeDocument/2006/relationships" xmlns:p="http://schemas.openxmlformats.org/presentationml/2006/main">
   <p:cSld>
     <p:spTree>
@@ -12880,7 +13899,7 @@
           <p:cNvPr id="4" name="Título 1">
             <a:extLst>
               <a:ext uri="{FF2B5EF4-FFF2-40B4-BE49-F238E27FC236}">
-                <a16:creationId xmlns:a16="http://schemas.microsoft.com/office/drawing/2014/main" id="{32666AC8-2E17-4DB4-B0F5-60C640CCFD2E}"/>
+                <a16:creationId xmlns:a16="http://schemas.microsoft.com/office/drawing/2014/main" xmlns="" id="{32666AC8-2E17-4DB4-B0F5-60C640CCFD2E}"/>
               </a:ext>
             </a:extLst>
           </p:cNvPr>
@@ -12943,300 +13962,7 @@
 </p:sld>
 </file>
 
-<file path=ppt/slides/slide2.xml><?xml version="1.0" encoding="utf-8"?>
-<p:sld xmlns:a="http://schemas.openxmlformats.org/drawingml/2006/main" xmlns:r="http://schemas.openxmlformats.org/officeDocument/2006/relationships" xmlns:p="http://schemas.openxmlformats.org/presentationml/2006/main">
-  <p:cSld>
-    <p:spTree>
-      <p:nvGrpSpPr>
-        <p:cNvPr id="1" name=""/>
-        <p:cNvGrpSpPr/>
-        <p:nvPr/>
-      </p:nvGrpSpPr>
-      <p:grpSpPr>
-        <a:xfrm>
-          <a:off x="0" y="0"/>
-          <a:ext cx="0" cy="0"/>
-          <a:chOff x="0" y="0"/>
-          <a:chExt cx="0" cy="0"/>
-        </a:xfrm>
-      </p:grpSpPr>
-      <p:sp>
-        <p:nvSpPr>
-          <p:cNvPr id="2" name="Title 1"/>
-          <p:cNvSpPr>
-            <a:spLocks noGrp="1"/>
-          </p:cNvSpPr>
-          <p:nvPr>
-            <p:ph type="title"/>
-          </p:nvPr>
-        </p:nvSpPr>
-        <p:spPr/>
-        <p:txBody>
-          <a:bodyPr/>
-          <a:lstStyle/>
-          <a:p>
-            <a:r>
-              <a:rPr lang="pt-BR" dirty="0"/>
-              <a:t>Recapitulando</a:t>
-            </a:r>
-          </a:p>
-        </p:txBody>
-      </p:sp>
-      <p:sp>
-        <p:nvSpPr>
-          <p:cNvPr id="3" name="Content Placeholder 2"/>
-          <p:cNvSpPr>
-            <a:spLocks noGrp="1"/>
-          </p:cNvSpPr>
-          <p:nvPr>
-            <p:ph idx="1"/>
-          </p:nvPr>
-        </p:nvSpPr>
-        <p:spPr>
-          <a:xfrm>
-            <a:off x="838199" y="1825624"/>
-            <a:ext cx="11162123" cy="5032376"/>
-          </a:xfrm>
-        </p:spPr>
-        <p:txBody>
-          <a:bodyPr>
-            <a:normAutofit/>
-          </a:bodyPr>
-          <a:lstStyle/>
-          <a:p>
-            <a:r>
-              <a:rPr lang="pt-BR" dirty="0"/>
-              <a:t>Vimos que o </a:t>
-            </a:r>
-            <a:r>
-              <a:rPr lang="pt-BR" b="1" i="1" dirty="0">
-                <a:solidFill>
-                  <a:srgbClr val="7030A0"/>
-                </a:solidFill>
-              </a:rPr>
-              <a:t>escalonamento de atributos</a:t>
-            </a:r>
-            <a:r>
-              <a:rPr lang="pt-BR" dirty="0"/>
-              <a:t> </a:t>
-            </a:r>
-            <a:r>
-              <a:rPr lang="pt-BR" b="1" i="1" dirty="0">
-                <a:solidFill>
-                  <a:srgbClr val="00B050"/>
-                </a:solidFill>
-              </a:rPr>
-              <a:t>acelerara o aprendizado do GD </a:t>
-            </a:r>
-            <a:r>
-              <a:rPr lang="pt-BR" dirty="0"/>
-              <a:t>quando os atributos têm intervalos de variação muito diferentes.</a:t>
-            </a:r>
-          </a:p>
-          <a:p>
-            <a:r>
-              <a:rPr lang="pt-BR" dirty="0"/>
-              <a:t>Aprendemos que </a:t>
-            </a:r>
-            <a:r>
-              <a:rPr lang="pt-BR" b="1" i="1" dirty="0">
-                <a:solidFill>
-                  <a:srgbClr val="7030A0"/>
-                </a:solidFill>
-              </a:rPr>
-              <a:t>funções hipótese polinomiais</a:t>
-            </a:r>
-            <a:r>
-              <a:rPr lang="pt-BR" b="1" i="1" dirty="0"/>
-              <a:t> </a:t>
-            </a:r>
-            <a:r>
-              <a:rPr lang="pt-BR" dirty="0"/>
-              <a:t>podem ser utilizadas para </a:t>
-            </a:r>
-            <a:r>
-              <a:rPr lang="pt-BR" b="1" i="1" dirty="0">
-                <a:solidFill>
-                  <a:srgbClr val="00B050"/>
-                </a:solidFill>
-              </a:rPr>
-              <a:t>aproximar comportamentos não-lineares, além de lineares</a:t>
-            </a:r>
-            <a:r>
-              <a:rPr lang="pt-BR" dirty="0"/>
-              <a:t>.</a:t>
-            </a:r>
-          </a:p>
-          <a:p>
-            <a:r>
-              <a:rPr lang="pt-BR" dirty="0"/>
-              <a:t>Porém, precisamos </a:t>
-            </a:r>
-            <a:r>
-              <a:rPr lang="pt-BR" b="1" i="1" dirty="0">
-                <a:solidFill>
-                  <a:srgbClr val="002060"/>
-                </a:solidFill>
-              </a:rPr>
-              <a:t>encontrar o </a:t>
-            </a:r>
-            <a:r>
-              <a:rPr lang="pt-BR" b="1" i="1" dirty="0">
-                <a:solidFill>
-                  <a:srgbClr val="00B0F0"/>
-                </a:solidFill>
-              </a:rPr>
-              <a:t>grau ideal </a:t>
-            </a:r>
-            <a:r>
-              <a:rPr lang="pt-BR" b="1" i="1" dirty="0">
-                <a:solidFill>
-                  <a:srgbClr val="002060"/>
-                </a:solidFill>
-              </a:rPr>
-              <a:t>da função hipótese polinomial</a:t>
-            </a:r>
-            <a:r>
-              <a:rPr lang="pt-BR" dirty="0"/>
-              <a:t>.</a:t>
-            </a:r>
-          </a:p>
-          <a:p>
-            <a:pPr lvl="1">
-              <a:buFont typeface="Wingdings" panose="05000000000000000000" pitchFamily="2" charset="2"/>
-              <a:buChar char="§"/>
-            </a:pPr>
-            <a:r>
-              <a:rPr lang="pt-BR" dirty="0"/>
-              <a:t>Polinômios com </a:t>
-            </a:r>
-            <a:r>
-              <a:rPr lang="pt-BR" b="1" i="1" dirty="0">
-                <a:solidFill>
-                  <a:srgbClr val="7030A0"/>
-                </a:solidFill>
-              </a:rPr>
-              <a:t>grau muito baixo</a:t>
-            </a:r>
-            <a:r>
-              <a:rPr lang="pt-BR" dirty="0"/>
-              <a:t> podem não ter flexibilidade o suficiente para aproximar os dados, causando </a:t>
-            </a:r>
-            <a:r>
-              <a:rPr lang="pt-BR" b="1" i="1" dirty="0"/>
-              <a:t>subajuste</a:t>
-            </a:r>
-            <a:r>
-              <a:rPr lang="pt-BR" dirty="0"/>
-              <a:t>.</a:t>
-            </a:r>
-          </a:p>
-          <a:p>
-            <a:pPr lvl="1">
-              <a:buFont typeface="Wingdings" panose="05000000000000000000" pitchFamily="2" charset="2"/>
-              <a:buChar char="§"/>
-            </a:pPr>
-            <a:r>
-              <a:rPr lang="pt-BR" dirty="0"/>
-              <a:t>Polinômios com </a:t>
-            </a:r>
-            <a:r>
-              <a:rPr lang="pt-BR" b="1" i="1" dirty="0">
-                <a:solidFill>
-                  <a:srgbClr val="7030A0"/>
-                </a:solidFill>
-              </a:rPr>
-              <a:t>grau muito alto</a:t>
-            </a:r>
-            <a:r>
-              <a:rPr lang="pt-BR" dirty="0"/>
-              <a:t> podem ser tão flexíveis que acabam memorizando os dados de treinamento, causando </a:t>
-            </a:r>
-            <a:r>
-              <a:rPr lang="pt-BR" b="1" i="1" dirty="0"/>
-              <a:t>sobreajuste</a:t>
-            </a:r>
-            <a:r>
-              <a:rPr lang="pt-BR" dirty="0"/>
-              <a:t>.</a:t>
-            </a:r>
-          </a:p>
-          <a:p>
-            <a:r>
-              <a:rPr lang="pt-BR" dirty="0"/>
-              <a:t>Na sequência, veremos como </a:t>
-            </a:r>
-            <a:r>
-              <a:rPr lang="pt-BR" b="1" i="1" dirty="0">
-                <a:solidFill>
-                  <a:srgbClr val="7030A0"/>
-                </a:solidFill>
-              </a:rPr>
-              <a:t>escolher o grau ideal</a:t>
-            </a:r>
-            <a:r>
-              <a:rPr lang="pt-BR" b="1" dirty="0">
-                <a:solidFill>
-                  <a:srgbClr val="7030A0"/>
-                </a:solidFill>
-              </a:rPr>
-              <a:t> </a:t>
-            </a:r>
-            <a:r>
-              <a:rPr lang="pt-BR" dirty="0"/>
-              <a:t>da </a:t>
-            </a:r>
-            <a:r>
-              <a:rPr lang="pt-BR" b="1" i="1" dirty="0"/>
-              <a:t>função hipótese polinomial</a:t>
-            </a:r>
-            <a:r>
-              <a:rPr lang="pt-BR" b="1" dirty="0"/>
-              <a:t> </a:t>
-            </a:r>
-            <a:r>
-              <a:rPr lang="pt-BR" dirty="0"/>
-              <a:t>de</a:t>
-            </a:r>
-            <a:r>
-              <a:rPr lang="pt-BR" b="1" i="1" dirty="0">
-                <a:solidFill>
-                  <a:srgbClr val="00B050"/>
-                </a:solidFill>
-              </a:rPr>
-              <a:t> forma quantitativa</a:t>
-            </a:r>
-            <a:r>
-              <a:rPr lang="pt-BR" dirty="0"/>
-              <a:t>, mesmo não conhecendo ou existindo uma função objetivo por trás da geração dos dados coletados.</a:t>
-            </a:r>
-          </a:p>
-          <a:p>
-            <a:endParaRPr lang="pt-BR" dirty="0"/>
-          </a:p>
-          <a:p>
-            <a:pPr lvl="1">
-              <a:buFont typeface="Wingdings" panose="05000000000000000000" pitchFamily="2" charset="2"/>
-              <a:buChar char="§"/>
-            </a:pPr>
-            <a:endParaRPr lang="pt-BR" dirty="0"/>
-          </a:p>
-        </p:txBody>
-      </p:sp>
-    </p:spTree>
-    <p:extLst>
-      <p:ext uri="{BB962C8B-B14F-4D97-AF65-F5344CB8AC3E}">
-        <p14:creationId xmlns:p14="http://schemas.microsoft.com/office/powerpoint/2010/main" val="2153437485"/>
-      </p:ext>
-    </p:extLst>
-  </p:cSld>
-  <p:clrMapOvr>
-    <a:masterClrMapping/>
-  </p:clrMapOvr>
-</p:sld>
-</file>
-
-<file path=ppt/slides/slide20.xml><?xml version="1.0" encoding="utf-8"?>
+<file path=ppt/slides/slide21.xml><?xml version="1.0" encoding="utf-8"?>
 <p:sld xmlns:a="http://schemas.openxmlformats.org/drawingml/2006/main" xmlns:r="http://schemas.openxmlformats.org/officeDocument/2006/relationships" xmlns:p="http://schemas.openxmlformats.org/presentationml/2006/main">
   <p:cSld>
     <p:spTree>
@@ -13553,7 +14279,7 @@
 </p:sld>
 </file>
 
-<file path=ppt/slides/slide21.xml><?xml version="1.0" encoding="utf-8"?>
+<file path=ppt/slides/slide22.xml><?xml version="1.0" encoding="utf-8"?>
 <p:sld xmlns:a="http://schemas.openxmlformats.org/drawingml/2006/main" xmlns:r="http://schemas.openxmlformats.org/officeDocument/2006/relationships" xmlns:p="http://schemas.openxmlformats.org/presentationml/2006/main">
   <p:cSld>
     <p:spTree>
@@ -13611,7 +14337,7 @@
 </p:sld>
 </file>
 
-<file path=ppt/slides/slide22.xml><?xml version="1.0" encoding="utf-8"?>
+<file path=ppt/slides/slide23.xml><?xml version="1.0" encoding="utf-8"?>
 <p:sld xmlns:a="http://schemas.openxmlformats.org/drawingml/2006/main" xmlns:r="http://schemas.openxmlformats.org/officeDocument/2006/relationships" xmlns:p="http://schemas.openxmlformats.org/presentationml/2006/main">
   <p:cSld>
     <p:spTree>
@@ -15430,7 +16156,7 @@
 </p:sld>
 </file>
 
-<file path=ppt/slides/slide23.xml><?xml version="1.0" encoding="utf-8"?>
+<file path=ppt/slides/slide24.xml><?xml version="1.0" encoding="utf-8"?>
 <p:sld xmlns:a="http://schemas.openxmlformats.org/drawingml/2006/main" xmlns:r="http://schemas.openxmlformats.org/officeDocument/2006/relationships" xmlns:p="http://schemas.openxmlformats.org/presentationml/2006/main">
   <p:cSld>
     <p:spTree>
@@ -15452,7 +16178,7 @@
           <p:cNvPr id="55" name="Agrupar 54">
             <a:extLst>
               <a:ext uri="{FF2B5EF4-FFF2-40B4-BE49-F238E27FC236}">
-                <a16:creationId xmlns:a16="http://schemas.microsoft.com/office/drawing/2014/main" id="{DA578016-49F4-7B5A-6434-137A7D90C33A}"/>
+                <a16:creationId xmlns:a16="http://schemas.microsoft.com/office/drawing/2014/main" xmlns="" id="{DA578016-49F4-7B5A-6434-137A7D90C33A}"/>
               </a:ext>
             </a:extLst>
           </p:cNvPr>
@@ -17174,7 +17900,7 @@
             <p:cNvPr id="3" name="TextBox 31">
               <a:extLst>
                 <a:ext uri="{FF2B5EF4-FFF2-40B4-BE49-F238E27FC236}">
-                  <a16:creationId xmlns:a16="http://schemas.microsoft.com/office/drawing/2014/main" id="{5B6C016C-C798-6D87-AC5D-9D3B3886D981}"/>
+                  <a16:creationId xmlns:a16="http://schemas.microsoft.com/office/drawing/2014/main" xmlns="" id="{5B6C016C-C798-6D87-AC5D-9D3B3886D981}"/>
                 </a:ext>
               </a:extLst>
             </p:cNvPr>
@@ -17210,7 +17936,7 @@
             <p:cNvPr id="41" name="TextBox 31">
               <a:extLst>
                 <a:ext uri="{FF2B5EF4-FFF2-40B4-BE49-F238E27FC236}">
-                  <a16:creationId xmlns:a16="http://schemas.microsoft.com/office/drawing/2014/main" id="{7D40CE25-BC43-5CA8-F6DE-581220ED26DE}"/>
+                  <a16:creationId xmlns:a16="http://schemas.microsoft.com/office/drawing/2014/main" xmlns="" id="{7D40CE25-BC43-5CA8-F6DE-581220ED26DE}"/>
                 </a:ext>
               </a:extLst>
             </p:cNvPr>
@@ -17246,7 +17972,7 @@
             <p:cNvPr id="42" name="TextBox 31">
               <a:extLst>
                 <a:ext uri="{FF2B5EF4-FFF2-40B4-BE49-F238E27FC236}">
-                  <a16:creationId xmlns:a16="http://schemas.microsoft.com/office/drawing/2014/main" id="{E3171720-F162-1786-39B6-1FA6EB97B9AD}"/>
+                  <a16:creationId xmlns:a16="http://schemas.microsoft.com/office/drawing/2014/main" xmlns="" id="{E3171720-F162-1786-39B6-1FA6EB97B9AD}"/>
                 </a:ext>
               </a:extLst>
             </p:cNvPr>
@@ -17282,7 +18008,7 @@
             <p:cNvPr id="43" name="TextBox 31">
               <a:extLst>
                 <a:ext uri="{FF2B5EF4-FFF2-40B4-BE49-F238E27FC236}">
-                  <a16:creationId xmlns:a16="http://schemas.microsoft.com/office/drawing/2014/main" id="{37B3F8CE-B6B5-EA4F-A7AB-6605DF581A28}"/>
+                  <a16:creationId xmlns:a16="http://schemas.microsoft.com/office/drawing/2014/main" xmlns="" id="{37B3F8CE-B6B5-EA4F-A7AB-6605DF581A28}"/>
                 </a:ext>
               </a:extLst>
             </p:cNvPr>
@@ -17318,7 +18044,7 @@
             <p:cNvPr id="44" name="TextBox 31">
               <a:extLst>
                 <a:ext uri="{FF2B5EF4-FFF2-40B4-BE49-F238E27FC236}">
-                  <a16:creationId xmlns:a16="http://schemas.microsoft.com/office/drawing/2014/main" id="{C723F0F7-5049-3645-E693-B0AE7BE2A592}"/>
+                  <a16:creationId xmlns:a16="http://schemas.microsoft.com/office/drawing/2014/main" xmlns="" id="{C723F0F7-5049-3645-E693-B0AE7BE2A592}"/>
                 </a:ext>
               </a:extLst>
             </p:cNvPr>
@@ -17354,7 +18080,7 @@
             <p:cNvPr id="46" name="Conector de Seta Reta 45">
               <a:extLst>
                 <a:ext uri="{FF2B5EF4-FFF2-40B4-BE49-F238E27FC236}">
-                  <a16:creationId xmlns:a16="http://schemas.microsoft.com/office/drawing/2014/main" id="{EA7EB0A1-839F-04EC-9BFD-B346635B7B47}"/>
+                  <a16:creationId xmlns:a16="http://schemas.microsoft.com/office/drawing/2014/main" xmlns="" id="{EA7EB0A1-839F-04EC-9BFD-B346635B7B47}"/>
                 </a:ext>
               </a:extLst>
             </p:cNvPr>
@@ -17398,7 +18124,7 @@
             <p:cNvPr id="48" name="Conector de Seta Reta 47">
               <a:extLst>
                 <a:ext uri="{FF2B5EF4-FFF2-40B4-BE49-F238E27FC236}">
-                  <a16:creationId xmlns:a16="http://schemas.microsoft.com/office/drawing/2014/main" id="{6B741BC6-2721-A5FE-9482-6E8D1E5CEE59}"/>
+                  <a16:creationId xmlns:a16="http://schemas.microsoft.com/office/drawing/2014/main" xmlns="" id="{6B741BC6-2721-A5FE-9482-6E8D1E5CEE59}"/>
                 </a:ext>
               </a:extLst>
             </p:cNvPr>
@@ -17442,7 +18168,7 @@
             <p:cNvPr id="49" name="Conector de Seta Reta 48">
               <a:extLst>
                 <a:ext uri="{FF2B5EF4-FFF2-40B4-BE49-F238E27FC236}">
-                  <a16:creationId xmlns:a16="http://schemas.microsoft.com/office/drawing/2014/main" id="{D06DAFBD-5149-EBB5-EF50-D447B6907E67}"/>
+                  <a16:creationId xmlns:a16="http://schemas.microsoft.com/office/drawing/2014/main" xmlns="" id="{D06DAFBD-5149-EBB5-EF50-D447B6907E67}"/>
                 </a:ext>
               </a:extLst>
             </p:cNvPr>
@@ -17486,7 +18212,7 @@
             <p:cNvPr id="50" name="Conector de Seta Reta 49">
               <a:extLst>
                 <a:ext uri="{FF2B5EF4-FFF2-40B4-BE49-F238E27FC236}">
-                  <a16:creationId xmlns:a16="http://schemas.microsoft.com/office/drawing/2014/main" id="{6A0920E9-176A-C6E9-AD59-ED153B3468A2}"/>
+                  <a16:creationId xmlns:a16="http://schemas.microsoft.com/office/drawing/2014/main" xmlns="" id="{6A0920E9-176A-C6E9-AD59-ED153B3468A2}"/>
                 </a:ext>
               </a:extLst>
             </p:cNvPr>
@@ -17530,7 +18256,7 @@
             <p:cNvPr id="51" name="Conector de Seta Reta 50">
               <a:extLst>
                 <a:ext uri="{FF2B5EF4-FFF2-40B4-BE49-F238E27FC236}">
-                  <a16:creationId xmlns:a16="http://schemas.microsoft.com/office/drawing/2014/main" id="{3CADDC92-40BF-7BD1-731D-177383B48F71}"/>
+                  <a16:creationId xmlns:a16="http://schemas.microsoft.com/office/drawing/2014/main" xmlns="" id="{3CADDC92-40BF-7BD1-731D-177383B48F71}"/>
                 </a:ext>
               </a:extLst>
             </p:cNvPr>
@@ -17574,7 +18300,7 @@
             <p:cNvPr id="52" name="Chave Direita 51">
               <a:extLst>
                 <a:ext uri="{FF2B5EF4-FFF2-40B4-BE49-F238E27FC236}">
-                  <a16:creationId xmlns:a16="http://schemas.microsoft.com/office/drawing/2014/main" id="{C04B98C8-50FC-33B3-81AF-705DDBDD9C1A}"/>
+                  <a16:creationId xmlns:a16="http://schemas.microsoft.com/office/drawing/2014/main" xmlns="" id="{C04B98C8-50FC-33B3-81AF-705DDBDD9C1A}"/>
                 </a:ext>
               </a:extLst>
             </p:cNvPr>
@@ -17625,7 +18351,7 @@
                 <p:cNvPr id="53" name="CaixaDeTexto 52">
                   <a:extLst>
                     <a:ext uri="{FF2B5EF4-FFF2-40B4-BE49-F238E27FC236}">
-                      <a16:creationId xmlns:a16="http://schemas.microsoft.com/office/drawing/2014/main" id="{BB930755-BFBC-9044-A7B4-99BDA581FF72}"/>
+                      <a16:creationId xmlns:a16="http://schemas.microsoft.com/office/drawing/2014/main" xmlns="" id="{BB930755-BFBC-9044-A7B4-99BDA581FF72}"/>
                     </a:ext>
                   </a:extLst>
                 </p:cNvPr>
@@ -17834,7 +18560,7 @@
 </p:sld>
 </file>
 
-<file path=ppt/slides/slide24.xml><?xml version="1.0" encoding="utf-8"?>
+<file path=ppt/slides/slide25.xml><?xml version="1.0" encoding="utf-8"?>
 <p:sld xmlns:a="http://schemas.openxmlformats.org/drawingml/2006/main" xmlns:r="http://schemas.openxmlformats.org/officeDocument/2006/relationships" xmlns:p="http://schemas.openxmlformats.org/presentationml/2006/main">
   <p:cSld>
     <p:spTree>
@@ -17856,7 +18582,7 @@
           <p:cNvPr id="171" name="Agrupar 170">
             <a:extLst>
               <a:ext uri="{FF2B5EF4-FFF2-40B4-BE49-F238E27FC236}">
-                <a16:creationId xmlns:a16="http://schemas.microsoft.com/office/drawing/2014/main" id="{FB2690F4-D40A-BD60-BD86-E3AF65A6DE84}"/>
+                <a16:creationId xmlns:a16="http://schemas.microsoft.com/office/drawing/2014/main" xmlns="" id="{FB2690F4-D40A-BD60-BD86-E3AF65A6DE84}"/>
               </a:ext>
             </a:extLst>
           </p:cNvPr>
@@ -18514,7 +19240,7 @@
             <p:cNvPr id="2" name="Rectangle 4">
               <a:extLst>
                 <a:ext uri="{FF2B5EF4-FFF2-40B4-BE49-F238E27FC236}">
-                  <a16:creationId xmlns:a16="http://schemas.microsoft.com/office/drawing/2014/main" id="{3E0C8815-87A1-97C0-4BD9-7808E5FC2E5E}"/>
+                  <a16:creationId xmlns:a16="http://schemas.microsoft.com/office/drawing/2014/main" xmlns="" id="{3E0C8815-87A1-97C0-4BD9-7808E5FC2E5E}"/>
                 </a:ext>
               </a:extLst>
             </p:cNvPr>
@@ -18573,7 +19299,7 @@
             <p:cNvPr id="4" name="Rectangle 5">
               <a:extLst>
                 <a:ext uri="{FF2B5EF4-FFF2-40B4-BE49-F238E27FC236}">
-                  <a16:creationId xmlns:a16="http://schemas.microsoft.com/office/drawing/2014/main" id="{07B7A964-8E17-B906-DE14-C8AD2035950B}"/>
+                  <a16:creationId xmlns:a16="http://schemas.microsoft.com/office/drawing/2014/main" xmlns="" id="{07B7A964-8E17-B906-DE14-C8AD2035950B}"/>
                 </a:ext>
               </a:extLst>
             </p:cNvPr>
@@ -18632,7 +19358,7 @@
             <p:cNvPr id="45" name="Rectangle 8">
               <a:extLst>
                 <a:ext uri="{FF2B5EF4-FFF2-40B4-BE49-F238E27FC236}">
-                  <a16:creationId xmlns:a16="http://schemas.microsoft.com/office/drawing/2014/main" id="{70038EE2-687E-6AAD-D0A0-70D414463074}"/>
+                  <a16:creationId xmlns:a16="http://schemas.microsoft.com/office/drawing/2014/main" xmlns="" id="{70038EE2-687E-6AAD-D0A0-70D414463074}"/>
                 </a:ext>
               </a:extLst>
             </p:cNvPr>
@@ -18691,7 +19417,7 @@
             <p:cNvPr id="47" name="Rectangle 9">
               <a:extLst>
                 <a:ext uri="{FF2B5EF4-FFF2-40B4-BE49-F238E27FC236}">
-                  <a16:creationId xmlns:a16="http://schemas.microsoft.com/office/drawing/2014/main" id="{FCE54C16-1489-F0D8-5BA0-FC50E977B4DF}"/>
+                  <a16:creationId xmlns:a16="http://schemas.microsoft.com/office/drawing/2014/main" xmlns="" id="{FCE54C16-1489-F0D8-5BA0-FC50E977B4DF}"/>
                 </a:ext>
               </a:extLst>
             </p:cNvPr>
@@ -18750,7 +19476,7 @@
             <p:cNvPr id="54" name="Rectangle 10">
               <a:extLst>
                 <a:ext uri="{FF2B5EF4-FFF2-40B4-BE49-F238E27FC236}">
-                  <a16:creationId xmlns:a16="http://schemas.microsoft.com/office/drawing/2014/main" id="{4F422D72-8F54-0137-1BE9-4091B85E94AD}"/>
+                  <a16:creationId xmlns:a16="http://schemas.microsoft.com/office/drawing/2014/main" xmlns="" id="{4F422D72-8F54-0137-1BE9-4091B85E94AD}"/>
                 </a:ext>
               </a:extLst>
             </p:cNvPr>
@@ -18809,7 +19535,7 @@
             <p:cNvPr id="76" name="Rectangle 4">
               <a:extLst>
                 <a:ext uri="{FF2B5EF4-FFF2-40B4-BE49-F238E27FC236}">
-                  <a16:creationId xmlns:a16="http://schemas.microsoft.com/office/drawing/2014/main" id="{2283FE89-7433-51C6-5735-084A0DF0D4DB}"/>
+                  <a16:creationId xmlns:a16="http://schemas.microsoft.com/office/drawing/2014/main" xmlns="" id="{2283FE89-7433-51C6-5735-084A0DF0D4DB}"/>
                 </a:ext>
               </a:extLst>
             </p:cNvPr>
@@ -18868,7 +19594,7 @@
             <p:cNvPr id="77" name="Rectangle 5">
               <a:extLst>
                 <a:ext uri="{FF2B5EF4-FFF2-40B4-BE49-F238E27FC236}">
-                  <a16:creationId xmlns:a16="http://schemas.microsoft.com/office/drawing/2014/main" id="{051DBCF5-B432-C13E-A11C-540FE1CE7858}"/>
+                  <a16:creationId xmlns:a16="http://schemas.microsoft.com/office/drawing/2014/main" xmlns="" id="{051DBCF5-B432-C13E-A11C-540FE1CE7858}"/>
                 </a:ext>
               </a:extLst>
             </p:cNvPr>
@@ -18927,7 +19653,7 @@
             <p:cNvPr id="78" name="Rectangle 8">
               <a:extLst>
                 <a:ext uri="{FF2B5EF4-FFF2-40B4-BE49-F238E27FC236}">
-                  <a16:creationId xmlns:a16="http://schemas.microsoft.com/office/drawing/2014/main" id="{761054CF-8645-8575-0494-73C7EB91FEFA}"/>
+                  <a16:creationId xmlns:a16="http://schemas.microsoft.com/office/drawing/2014/main" xmlns="" id="{761054CF-8645-8575-0494-73C7EB91FEFA}"/>
                 </a:ext>
               </a:extLst>
             </p:cNvPr>
@@ -18986,7 +19712,7 @@
             <p:cNvPr id="79" name="Rectangle 9">
               <a:extLst>
                 <a:ext uri="{FF2B5EF4-FFF2-40B4-BE49-F238E27FC236}">
-                  <a16:creationId xmlns:a16="http://schemas.microsoft.com/office/drawing/2014/main" id="{6039AFAE-6C30-8DBA-B654-E8199E13783F}"/>
+                  <a16:creationId xmlns:a16="http://schemas.microsoft.com/office/drawing/2014/main" xmlns="" id="{6039AFAE-6C30-8DBA-B654-E8199E13783F}"/>
                 </a:ext>
               </a:extLst>
             </p:cNvPr>
@@ -19045,7 +19771,7 @@
             <p:cNvPr id="80" name="Rectangle 10">
               <a:extLst>
                 <a:ext uri="{FF2B5EF4-FFF2-40B4-BE49-F238E27FC236}">
-                  <a16:creationId xmlns:a16="http://schemas.microsoft.com/office/drawing/2014/main" id="{788BCF8B-6879-C98E-522D-E046966AD0B9}"/>
+                  <a16:creationId xmlns:a16="http://schemas.microsoft.com/office/drawing/2014/main" xmlns="" id="{788BCF8B-6879-C98E-522D-E046966AD0B9}"/>
                 </a:ext>
               </a:extLst>
             </p:cNvPr>
@@ -19104,7 +19830,7 @@
             <p:cNvPr id="81" name="Rectangle 4">
               <a:extLst>
                 <a:ext uri="{FF2B5EF4-FFF2-40B4-BE49-F238E27FC236}">
-                  <a16:creationId xmlns:a16="http://schemas.microsoft.com/office/drawing/2014/main" id="{C07613FC-1BCE-1C31-7521-C4AD16E89534}"/>
+                  <a16:creationId xmlns:a16="http://schemas.microsoft.com/office/drawing/2014/main" xmlns="" id="{C07613FC-1BCE-1C31-7521-C4AD16E89534}"/>
                 </a:ext>
               </a:extLst>
             </p:cNvPr>
@@ -19163,7 +19889,7 @@
             <p:cNvPr id="82" name="Rectangle 5">
               <a:extLst>
                 <a:ext uri="{FF2B5EF4-FFF2-40B4-BE49-F238E27FC236}">
-                  <a16:creationId xmlns:a16="http://schemas.microsoft.com/office/drawing/2014/main" id="{3FA9A90C-A974-75EC-C0FB-4582FD57F573}"/>
+                  <a16:creationId xmlns:a16="http://schemas.microsoft.com/office/drawing/2014/main" xmlns="" id="{3FA9A90C-A974-75EC-C0FB-4582FD57F573}"/>
                 </a:ext>
               </a:extLst>
             </p:cNvPr>
@@ -19222,7 +19948,7 @@
             <p:cNvPr id="83" name="Rectangle 8">
               <a:extLst>
                 <a:ext uri="{FF2B5EF4-FFF2-40B4-BE49-F238E27FC236}">
-                  <a16:creationId xmlns:a16="http://schemas.microsoft.com/office/drawing/2014/main" id="{8B939714-6F90-C043-90A8-4114E676CE91}"/>
+                  <a16:creationId xmlns:a16="http://schemas.microsoft.com/office/drawing/2014/main" xmlns="" id="{8B939714-6F90-C043-90A8-4114E676CE91}"/>
                 </a:ext>
               </a:extLst>
             </p:cNvPr>
@@ -19281,7 +20007,7 @@
             <p:cNvPr id="84" name="Rectangle 9">
               <a:extLst>
                 <a:ext uri="{FF2B5EF4-FFF2-40B4-BE49-F238E27FC236}">
-                  <a16:creationId xmlns:a16="http://schemas.microsoft.com/office/drawing/2014/main" id="{00C4E9F4-C083-FC2A-2572-06612126790E}"/>
+                  <a16:creationId xmlns:a16="http://schemas.microsoft.com/office/drawing/2014/main" xmlns="" id="{00C4E9F4-C083-FC2A-2572-06612126790E}"/>
                 </a:ext>
               </a:extLst>
             </p:cNvPr>
@@ -19340,7 +20066,7 @@
             <p:cNvPr id="85" name="Rectangle 10">
               <a:extLst>
                 <a:ext uri="{FF2B5EF4-FFF2-40B4-BE49-F238E27FC236}">
-                  <a16:creationId xmlns:a16="http://schemas.microsoft.com/office/drawing/2014/main" id="{2F5C2137-ACC7-E80B-27F3-22F179A293F1}"/>
+                  <a16:creationId xmlns:a16="http://schemas.microsoft.com/office/drawing/2014/main" xmlns="" id="{2F5C2137-ACC7-E80B-27F3-22F179A293F1}"/>
                 </a:ext>
               </a:extLst>
             </p:cNvPr>
@@ -19399,7 +20125,7 @@
             <p:cNvPr id="86" name="Rectangle 4">
               <a:extLst>
                 <a:ext uri="{FF2B5EF4-FFF2-40B4-BE49-F238E27FC236}">
-                  <a16:creationId xmlns:a16="http://schemas.microsoft.com/office/drawing/2014/main" id="{B48457E1-AC7F-C61B-5AA6-8BF3B60689C9}"/>
+                  <a16:creationId xmlns:a16="http://schemas.microsoft.com/office/drawing/2014/main" xmlns="" id="{B48457E1-AC7F-C61B-5AA6-8BF3B60689C9}"/>
                 </a:ext>
               </a:extLst>
             </p:cNvPr>
@@ -19458,7 +20184,7 @@
             <p:cNvPr id="87" name="Rectangle 5">
               <a:extLst>
                 <a:ext uri="{FF2B5EF4-FFF2-40B4-BE49-F238E27FC236}">
-                  <a16:creationId xmlns:a16="http://schemas.microsoft.com/office/drawing/2014/main" id="{5DDAA7AC-D2B5-1BE8-0A74-A50004F601A1}"/>
+                  <a16:creationId xmlns:a16="http://schemas.microsoft.com/office/drawing/2014/main" xmlns="" id="{5DDAA7AC-D2B5-1BE8-0A74-A50004F601A1}"/>
                 </a:ext>
               </a:extLst>
             </p:cNvPr>
@@ -19517,7 +20243,7 @@
             <p:cNvPr id="88" name="Rectangle 8">
               <a:extLst>
                 <a:ext uri="{FF2B5EF4-FFF2-40B4-BE49-F238E27FC236}">
-                  <a16:creationId xmlns:a16="http://schemas.microsoft.com/office/drawing/2014/main" id="{272CD568-3FFE-1F7A-7481-8A64DDD94835}"/>
+                  <a16:creationId xmlns:a16="http://schemas.microsoft.com/office/drawing/2014/main" xmlns="" id="{272CD568-3FFE-1F7A-7481-8A64DDD94835}"/>
                 </a:ext>
               </a:extLst>
             </p:cNvPr>
@@ -19576,7 +20302,7 @@
             <p:cNvPr id="89" name="Rectangle 9">
               <a:extLst>
                 <a:ext uri="{FF2B5EF4-FFF2-40B4-BE49-F238E27FC236}">
-                  <a16:creationId xmlns:a16="http://schemas.microsoft.com/office/drawing/2014/main" id="{3CA9A11F-DEA5-87B4-3B32-F0A2D358B916}"/>
+                  <a16:creationId xmlns:a16="http://schemas.microsoft.com/office/drawing/2014/main" xmlns="" id="{3CA9A11F-DEA5-87B4-3B32-F0A2D358B916}"/>
                 </a:ext>
               </a:extLst>
             </p:cNvPr>
@@ -19635,7 +20361,7 @@
             <p:cNvPr id="90" name="Rectangle 10">
               <a:extLst>
                 <a:ext uri="{FF2B5EF4-FFF2-40B4-BE49-F238E27FC236}">
-                  <a16:creationId xmlns:a16="http://schemas.microsoft.com/office/drawing/2014/main" id="{D6DE5989-DA87-9CAE-6175-4E16FE0A7129}"/>
+                  <a16:creationId xmlns:a16="http://schemas.microsoft.com/office/drawing/2014/main" xmlns="" id="{D6DE5989-DA87-9CAE-6175-4E16FE0A7129}"/>
                 </a:ext>
               </a:extLst>
             </p:cNvPr>
@@ -19694,7 +20420,7 @@
             <p:cNvPr id="91" name="Rectangle 4">
               <a:extLst>
                 <a:ext uri="{FF2B5EF4-FFF2-40B4-BE49-F238E27FC236}">
-                  <a16:creationId xmlns:a16="http://schemas.microsoft.com/office/drawing/2014/main" id="{409D1E0D-2047-3C23-DFB8-69936F43195E}"/>
+                  <a16:creationId xmlns:a16="http://schemas.microsoft.com/office/drawing/2014/main" xmlns="" id="{409D1E0D-2047-3C23-DFB8-69936F43195E}"/>
                 </a:ext>
               </a:extLst>
             </p:cNvPr>
@@ -19753,7 +20479,7 @@
             <p:cNvPr id="92" name="Rectangle 5">
               <a:extLst>
                 <a:ext uri="{FF2B5EF4-FFF2-40B4-BE49-F238E27FC236}">
-                  <a16:creationId xmlns:a16="http://schemas.microsoft.com/office/drawing/2014/main" id="{0B727EDB-49E8-FBE2-9107-8DA684CFFA0A}"/>
+                  <a16:creationId xmlns:a16="http://schemas.microsoft.com/office/drawing/2014/main" xmlns="" id="{0B727EDB-49E8-FBE2-9107-8DA684CFFA0A}"/>
                 </a:ext>
               </a:extLst>
             </p:cNvPr>
@@ -19812,7 +20538,7 @@
             <p:cNvPr id="93" name="Rectangle 8">
               <a:extLst>
                 <a:ext uri="{FF2B5EF4-FFF2-40B4-BE49-F238E27FC236}">
-                  <a16:creationId xmlns:a16="http://schemas.microsoft.com/office/drawing/2014/main" id="{4203E2E6-38D9-A443-6D30-807E3ACB401F}"/>
+                  <a16:creationId xmlns:a16="http://schemas.microsoft.com/office/drawing/2014/main" xmlns="" id="{4203E2E6-38D9-A443-6D30-807E3ACB401F}"/>
                 </a:ext>
               </a:extLst>
             </p:cNvPr>
@@ -19871,7 +20597,7 @@
             <p:cNvPr id="94" name="Rectangle 9">
               <a:extLst>
                 <a:ext uri="{FF2B5EF4-FFF2-40B4-BE49-F238E27FC236}">
-                  <a16:creationId xmlns:a16="http://schemas.microsoft.com/office/drawing/2014/main" id="{863B09E3-9846-5790-F0D4-312F01A9EE1C}"/>
+                  <a16:creationId xmlns:a16="http://schemas.microsoft.com/office/drawing/2014/main" xmlns="" id="{863B09E3-9846-5790-F0D4-312F01A9EE1C}"/>
                 </a:ext>
               </a:extLst>
             </p:cNvPr>
@@ -19930,7 +20656,7 @@
             <p:cNvPr id="95" name="Rectangle 10">
               <a:extLst>
                 <a:ext uri="{FF2B5EF4-FFF2-40B4-BE49-F238E27FC236}">
-                  <a16:creationId xmlns:a16="http://schemas.microsoft.com/office/drawing/2014/main" id="{05B3F3F5-B285-ADD0-5CD4-BC3FE7AB2BCF}"/>
+                  <a16:creationId xmlns:a16="http://schemas.microsoft.com/office/drawing/2014/main" xmlns="" id="{05B3F3F5-B285-ADD0-5CD4-BC3FE7AB2BCF}"/>
                 </a:ext>
               </a:extLst>
             </p:cNvPr>
@@ -19989,7 +20715,7 @@
             <p:cNvPr id="96" name="Rectangle 4">
               <a:extLst>
                 <a:ext uri="{FF2B5EF4-FFF2-40B4-BE49-F238E27FC236}">
-                  <a16:creationId xmlns:a16="http://schemas.microsoft.com/office/drawing/2014/main" id="{9849878E-0A96-AE96-89F7-E05D48549983}"/>
+                  <a16:creationId xmlns:a16="http://schemas.microsoft.com/office/drawing/2014/main" xmlns="" id="{9849878E-0A96-AE96-89F7-E05D48549983}"/>
                 </a:ext>
               </a:extLst>
             </p:cNvPr>
@@ -20048,7 +20774,7 @@
             <p:cNvPr id="97" name="Rectangle 5">
               <a:extLst>
                 <a:ext uri="{FF2B5EF4-FFF2-40B4-BE49-F238E27FC236}">
-                  <a16:creationId xmlns:a16="http://schemas.microsoft.com/office/drawing/2014/main" id="{398E24AA-E1A6-E633-0E9F-C9E541DF5DF6}"/>
+                  <a16:creationId xmlns:a16="http://schemas.microsoft.com/office/drawing/2014/main" xmlns="" id="{398E24AA-E1A6-E633-0E9F-C9E541DF5DF6}"/>
                 </a:ext>
               </a:extLst>
             </p:cNvPr>
@@ -20107,7 +20833,7 @@
             <p:cNvPr id="98" name="Rectangle 8">
               <a:extLst>
                 <a:ext uri="{FF2B5EF4-FFF2-40B4-BE49-F238E27FC236}">
-                  <a16:creationId xmlns:a16="http://schemas.microsoft.com/office/drawing/2014/main" id="{0232F202-6AA5-8E3E-7B05-4D8C7193B239}"/>
+                  <a16:creationId xmlns:a16="http://schemas.microsoft.com/office/drawing/2014/main" xmlns="" id="{0232F202-6AA5-8E3E-7B05-4D8C7193B239}"/>
                 </a:ext>
               </a:extLst>
             </p:cNvPr>
@@ -20166,7 +20892,7 @@
             <p:cNvPr id="99" name="Rectangle 9">
               <a:extLst>
                 <a:ext uri="{FF2B5EF4-FFF2-40B4-BE49-F238E27FC236}">
-                  <a16:creationId xmlns:a16="http://schemas.microsoft.com/office/drawing/2014/main" id="{A8F3C8CB-EC4A-7B9B-2B89-54C3B5E11948}"/>
+                  <a16:creationId xmlns:a16="http://schemas.microsoft.com/office/drawing/2014/main" xmlns="" id="{A8F3C8CB-EC4A-7B9B-2B89-54C3B5E11948}"/>
                 </a:ext>
               </a:extLst>
             </p:cNvPr>
@@ -20225,7 +20951,7 @@
             <p:cNvPr id="100" name="Rectangle 10">
               <a:extLst>
                 <a:ext uri="{FF2B5EF4-FFF2-40B4-BE49-F238E27FC236}">
-                  <a16:creationId xmlns:a16="http://schemas.microsoft.com/office/drawing/2014/main" id="{2696F711-8260-2112-90D0-26DD4112C8F9}"/>
+                  <a16:creationId xmlns:a16="http://schemas.microsoft.com/office/drawing/2014/main" xmlns="" id="{2696F711-8260-2112-90D0-26DD4112C8F9}"/>
                 </a:ext>
               </a:extLst>
             </p:cNvPr>
@@ -20284,7 +21010,7 @@
             <p:cNvPr id="101" name="Rectangle 4">
               <a:extLst>
                 <a:ext uri="{FF2B5EF4-FFF2-40B4-BE49-F238E27FC236}">
-                  <a16:creationId xmlns:a16="http://schemas.microsoft.com/office/drawing/2014/main" id="{F3838DC9-5128-18D0-5929-399D637340F9}"/>
+                  <a16:creationId xmlns:a16="http://schemas.microsoft.com/office/drawing/2014/main" xmlns="" id="{F3838DC9-5128-18D0-5929-399D637340F9}"/>
                 </a:ext>
               </a:extLst>
             </p:cNvPr>
@@ -20343,7 +21069,7 @@
             <p:cNvPr id="102" name="Rectangle 5">
               <a:extLst>
                 <a:ext uri="{FF2B5EF4-FFF2-40B4-BE49-F238E27FC236}">
-                  <a16:creationId xmlns:a16="http://schemas.microsoft.com/office/drawing/2014/main" id="{5691A143-E500-6CD8-CD0A-C75B807D6155}"/>
+                  <a16:creationId xmlns:a16="http://schemas.microsoft.com/office/drawing/2014/main" xmlns="" id="{5691A143-E500-6CD8-CD0A-C75B807D6155}"/>
                 </a:ext>
               </a:extLst>
             </p:cNvPr>
@@ -20402,7 +21128,7 @@
             <p:cNvPr id="103" name="Rectangle 8">
               <a:extLst>
                 <a:ext uri="{FF2B5EF4-FFF2-40B4-BE49-F238E27FC236}">
-                  <a16:creationId xmlns:a16="http://schemas.microsoft.com/office/drawing/2014/main" id="{0510AE94-694E-2D36-6F1C-C5FD66AA6DE5}"/>
+                  <a16:creationId xmlns:a16="http://schemas.microsoft.com/office/drawing/2014/main" xmlns="" id="{0510AE94-694E-2D36-6F1C-C5FD66AA6DE5}"/>
                 </a:ext>
               </a:extLst>
             </p:cNvPr>
@@ -20461,7 +21187,7 @@
             <p:cNvPr id="104" name="Rectangle 9">
               <a:extLst>
                 <a:ext uri="{FF2B5EF4-FFF2-40B4-BE49-F238E27FC236}">
-                  <a16:creationId xmlns:a16="http://schemas.microsoft.com/office/drawing/2014/main" id="{08CF86E4-4BCC-852B-9D55-0A26F146D48C}"/>
+                  <a16:creationId xmlns:a16="http://schemas.microsoft.com/office/drawing/2014/main" xmlns="" id="{08CF86E4-4BCC-852B-9D55-0A26F146D48C}"/>
                 </a:ext>
               </a:extLst>
             </p:cNvPr>
@@ -20520,7 +21246,7 @@
             <p:cNvPr id="105" name="Rectangle 10">
               <a:extLst>
                 <a:ext uri="{FF2B5EF4-FFF2-40B4-BE49-F238E27FC236}">
-                  <a16:creationId xmlns:a16="http://schemas.microsoft.com/office/drawing/2014/main" id="{A3304B0F-DEB9-C387-769D-6C1D21F54C57}"/>
+                  <a16:creationId xmlns:a16="http://schemas.microsoft.com/office/drawing/2014/main" xmlns="" id="{A3304B0F-DEB9-C387-769D-6C1D21F54C57}"/>
                 </a:ext>
               </a:extLst>
             </p:cNvPr>
@@ -20579,7 +21305,7 @@
             <p:cNvPr id="106" name="Rectangle 4">
               <a:extLst>
                 <a:ext uri="{FF2B5EF4-FFF2-40B4-BE49-F238E27FC236}">
-                  <a16:creationId xmlns:a16="http://schemas.microsoft.com/office/drawing/2014/main" id="{F7F2BA7F-4B49-EF50-1DFF-102BBE388693}"/>
+                  <a16:creationId xmlns:a16="http://schemas.microsoft.com/office/drawing/2014/main" xmlns="" id="{F7F2BA7F-4B49-EF50-1DFF-102BBE388693}"/>
                 </a:ext>
               </a:extLst>
             </p:cNvPr>
@@ -20638,7 +21364,7 @@
             <p:cNvPr id="107" name="Rectangle 5">
               <a:extLst>
                 <a:ext uri="{FF2B5EF4-FFF2-40B4-BE49-F238E27FC236}">
-                  <a16:creationId xmlns:a16="http://schemas.microsoft.com/office/drawing/2014/main" id="{8590B6BB-EF8A-DA7F-2F0E-C0CFB6C81261}"/>
+                  <a16:creationId xmlns:a16="http://schemas.microsoft.com/office/drawing/2014/main" xmlns="" id="{8590B6BB-EF8A-DA7F-2F0E-C0CFB6C81261}"/>
                 </a:ext>
               </a:extLst>
             </p:cNvPr>
@@ -20697,7 +21423,7 @@
             <p:cNvPr id="108" name="Rectangle 8">
               <a:extLst>
                 <a:ext uri="{FF2B5EF4-FFF2-40B4-BE49-F238E27FC236}">
-                  <a16:creationId xmlns:a16="http://schemas.microsoft.com/office/drawing/2014/main" id="{DCF659FD-5AB1-9ADF-EBDE-8CA98D3EF290}"/>
+                  <a16:creationId xmlns:a16="http://schemas.microsoft.com/office/drawing/2014/main" xmlns="" id="{DCF659FD-5AB1-9ADF-EBDE-8CA98D3EF290}"/>
                 </a:ext>
               </a:extLst>
             </p:cNvPr>
@@ -20756,7 +21482,7 @@
             <p:cNvPr id="109" name="Rectangle 9">
               <a:extLst>
                 <a:ext uri="{FF2B5EF4-FFF2-40B4-BE49-F238E27FC236}">
-                  <a16:creationId xmlns:a16="http://schemas.microsoft.com/office/drawing/2014/main" id="{3CF016BC-FBFC-9F10-79C7-329D906A55D3}"/>
+                  <a16:creationId xmlns:a16="http://schemas.microsoft.com/office/drawing/2014/main" xmlns="" id="{3CF016BC-FBFC-9F10-79C7-329D906A55D3}"/>
                 </a:ext>
               </a:extLst>
             </p:cNvPr>
@@ -20815,7 +21541,7 @@
             <p:cNvPr id="110" name="Rectangle 10">
               <a:extLst>
                 <a:ext uri="{FF2B5EF4-FFF2-40B4-BE49-F238E27FC236}">
-                  <a16:creationId xmlns:a16="http://schemas.microsoft.com/office/drawing/2014/main" id="{A31B46DD-8A6C-9A15-807B-82773BC08873}"/>
+                  <a16:creationId xmlns:a16="http://schemas.microsoft.com/office/drawing/2014/main" xmlns="" id="{A31B46DD-8A6C-9A15-807B-82773BC08873}"/>
                 </a:ext>
               </a:extLst>
             </p:cNvPr>
@@ -20874,7 +21600,7 @@
             <p:cNvPr id="111" name="Rectangle 4">
               <a:extLst>
                 <a:ext uri="{FF2B5EF4-FFF2-40B4-BE49-F238E27FC236}">
-                  <a16:creationId xmlns:a16="http://schemas.microsoft.com/office/drawing/2014/main" id="{6CB8A52D-6368-ADA6-8753-B29B7D0771E8}"/>
+                  <a16:creationId xmlns:a16="http://schemas.microsoft.com/office/drawing/2014/main" xmlns="" id="{6CB8A52D-6368-ADA6-8753-B29B7D0771E8}"/>
                 </a:ext>
               </a:extLst>
             </p:cNvPr>
@@ -20933,7 +21659,7 @@
             <p:cNvPr id="112" name="Rectangle 5">
               <a:extLst>
                 <a:ext uri="{FF2B5EF4-FFF2-40B4-BE49-F238E27FC236}">
-                  <a16:creationId xmlns:a16="http://schemas.microsoft.com/office/drawing/2014/main" id="{CB8230C6-EA19-FE01-FD55-257850CF60AC}"/>
+                  <a16:creationId xmlns:a16="http://schemas.microsoft.com/office/drawing/2014/main" xmlns="" id="{CB8230C6-EA19-FE01-FD55-257850CF60AC}"/>
                 </a:ext>
               </a:extLst>
             </p:cNvPr>
@@ -20992,7 +21718,7 @@
             <p:cNvPr id="113" name="Rectangle 8">
               <a:extLst>
                 <a:ext uri="{FF2B5EF4-FFF2-40B4-BE49-F238E27FC236}">
-                  <a16:creationId xmlns:a16="http://schemas.microsoft.com/office/drawing/2014/main" id="{848AC2C9-074E-0153-F820-541D44FDAD67}"/>
+                  <a16:creationId xmlns:a16="http://schemas.microsoft.com/office/drawing/2014/main" xmlns="" id="{848AC2C9-074E-0153-F820-541D44FDAD67}"/>
                 </a:ext>
               </a:extLst>
             </p:cNvPr>
@@ -21051,7 +21777,7 @@
             <p:cNvPr id="114" name="Rectangle 9">
               <a:extLst>
                 <a:ext uri="{FF2B5EF4-FFF2-40B4-BE49-F238E27FC236}">
-                  <a16:creationId xmlns:a16="http://schemas.microsoft.com/office/drawing/2014/main" id="{09E406FC-BF6E-233D-D75A-2A75428EA9C5}"/>
+                  <a16:creationId xmlns:a16="http://schemas.microsoft.com/office/drawing/2014/main" xmlns="" id="{09E406FC-BF6E-233D-D75A-2A75428EA9C5}"/>
                 </a:ext>
               </a:extLst>
             </p:cNvPr>
@@ -21110,7 +21836,7 @@
             <p:cNvPr id="115" name="Rectangle 10">
               <a:extLst>
                 <a:ext uri="{FF2B5EF4-FFF2-40B4-BE49-F238E27FC236}">
-                  <a16:creationId xmlns:a16="http://schemas.microsoft.com/office/drawing/2014/main" id="{C0382306-AFD8-C1AA-0B19-537FEBF9426C}"/>
+                  <a16:creationId xmlns:a16="http://schemas.microsoft.com/office/drawing/2014/main" xmlns="" id="{C0382306-AFD8-C1AA-0B19-537FEBF9426C}"/>
                 </a:ext>
               </a:extLst>
             </p:cNvPr>
@@ -21169,7 +21895,7 @@
             <p:cNvPr id="116" name="Rectangle 4">
               <a:extLst>
                 <a:ext uri="{FF2B5EF4-FFF2-40B4-BE49-F238E27FC236}">
-                  <a16:creationId xmlns:a16="http://schemas.microsoft.com/office/drawing/2014/main" id="{E34657F4-B723-034D-7D13-769984F51112}"/>
+                  <a16:creationId xmlns:a16="http://schemas.microsoft.com/office/drawing/2014/main" xmlns="" id="{E34657F4-B723-034D-7D13-769984F51112}"/>
                 </a:ext>
               </a:extLst>
             </p:cNvPr>
@@ -21228,7 +21954,7 @@
             <p:cNvPr id="117" name="Rectangle 5">
               <a:extLst>
                 <a:ext uri="{FF2B5EF4-FFF2-40B4-BE49-F238E27FC236}">
-                  <a16:creationId xmlns:a16="http://schemas.microsoft.com/office/drawing/2014/main" id="{A691B82E-3F82-01BC-5F9C-E1CB73EB6138}"/>
+                  <a16:creationId xmlns:a16="http://schemas.microsoft.com/office/drawing/2014/main" xmlns="" id="{A691B82E-3F82-01BC-5F9C-E1CB73EB6138}"/>
                 </a:ext>
               </a:extLst>
             </p:cNvPr>
@@ -21287,7 +22013,7 @@
             <p:cNvPr id="118" name="Rectangle 8">
               <a:extLst>
                 <a:ext uri="{FF2B5EF4-FFF2-40B4-BE49-F238E27FC236}">
-                  <a16:creationId xmlns:a16="http://schemas.microsoft.com/office/drawing/2014/main" id="{89458F61-2C10-C1F5-FD03-593C64A3592E}"/>
+                  <a16:creationId xmlns:a16="http://schemas.microsoft.com/office/drawing/2014/main" xmlns="" id="{89458F61-2C10-C1F5-FD03-593C64A3592E}"/>
                 </a:ext>
               </a:extLst>
             </p:cNvPr>
@@ -21346,7 +22072,7 @@
             <p:cNvPr id="119" name="Rectangle 9">
               <a:extLst>
                 <a:ext uri="{FF2B5EF4-FFF2-40B4-BE49-F238E27FC236}">
-                  <a16:creationId xmlns:a16="http://schemas.microsoft.com/office/drawing/2014/main" id="{C0E3A58A-B8F4-7AB5-1AC8-1DE144FF8239}"/>
+                  <a16:creationId xmlns:a16="http://schemas.microsoft.com/office/drawing/2014/main" xmlns="" id="{C0E3A58A-B8F4-7AB5-1AC8-1DE144FF8239}"/>
                 </a:ext>
               </a:extLst>
             </p:cNvPr>
@@ -21405,7 +22131,7 @@
             <p:cNvPr id="120" name="Rectangle 10">
               <a:extLst>
                 <a:ext uri="{FF2B5EF4-FFF2-40B4-BE49-F238E27FC236}">
-                  <a16:creationId xmlns:a16="http://schemas.microsoft.com/office/drawing/2014/main" id="{90EBC5F5-94D6-2923-BA57-6C40C112089F}"/>
+                  <a16:creationId xmlns:a16="http://schemas.microsoft.com/office/drawing/2014/main" xmlns="" id="{90EBC5F5-94D6-2923-BA57-6C40C112089F}"/>
                 </a:ext>
               </a:extLst>
             </p:cNvPr>
@@ -21464,7 +22190,7 @@
             <p:cNvPr id="121" name="Rectangle 4">
               <a:extLst>
                 <a:ext uri="{FF2B5EF4-FFF2-40B4-BE49-F238E27FC236}">
-                  <a16:creationId xmlns:a16="http://schemas.microsoft.com/office/drawing/2014/main" id="{D5FF1B52-A1F2-6E41-CE8C-230CB0458A73}"/>
+                  <a16:creationId xmlns:a16="http://schemas.microsoft.com/office/drawing/2014/main" xmlns="" id="{D5FF1B52-A1F2-6E41-CE8C-230CB0458A73}"/>
                 </a:ext>
               </a:extLst>
             </p:cNvPr>
@@ -21523,7 +22249,7 @@
             <p:cNvPr id="122" name="Rectangle 5">
               <a:extLst>
                 <a:ext uri="{FF2B5EF4-FFF2-40B4-BE49-F238E27FC236}">
-                  <a16:creationId xmlns:a16="http://schemas.microsoft.com/office/drawing/2014/main" id="{7B596C9D-8FF0-2BAF-6C5E-BC4E4AA5BF32}"/>
+                  <a16:creationId xmlns:a16="http://schemas.microsoft.com/office/drawing/2014/main" xmlns="" id="{7B596C9D-8FF0-2BAF-6C5E-BC4E4AA5BF32}"/>
                 </a:ext>
               </a:extLst>
             </p:cNvPr>
@@ -21582,7 +22308,7 @@
             <p:cNvPr id="123" name="Rectangle 8">
               <a:extLst>
                 <a:ext uri="{FF2B5EF4-FFF2-40B4-BE49-F238E27FC236}">
-                  <a16:creationId xmlns:a16="http://schemas.microsoft.com/office/drawing/2014/main" id="{6A67D423-1040-7920-8AA4-5C3704D73ECA}"/>
+                  <a16:creationId xmlns:a16="http://schemas.microsoft.com/office/drawing/2014/main" xmlns="" id="{6A67D423-1040-7920-8AA4-5C3704D73ECA}"/>
                 </a:ext>
               </a:extLst>
             </p:cNvPr>
@@ -21641,7 +22367,7 @@
             <p:cNvPr id="124" name="Rectangle 9">
               <a:extLst>
                 <a:ext uri="{FF2B5EF4-FFF2-40B4-BE49-F238E27FC236}">
-                  <a16:creationId xmlns:a16="http://schemas.microsoft.com/office/drawing/2014/main" id="{4FBF95DD-988A-B7C0-980F-7695A3B10707}"/>
+                  <a16:creationId xmlns:a16="http://schemas.microsoft.com/office/drawing/2014/main" xmlns="" id="{4FBF95DD-988A-B7C0-980F-7695A3B10707}"/>
                 </a:ext>
               </a:extLst>
             </p:cNvPr>
@@ -21700,7 +22426,7 @@
             <p:cNvPr id="125" name="Rectangle 10">
               <a:extLst>
                 <a:ext uri="{FF2B5EF4-FFF2-40B4-BE49-F238E27FC236}">
-                  <a16:creationId xmlns:a16="http://schemas.microsoft.com/office/drawing/2014/main" id="{D44CF25F-2CA8-E46D-71BB-11CA83AA26ED}"/>
+                  <a16:creationId xmlns:a16="http://schemas.microsoft.com/office/drawing/2014/main" xmlns="" id="{D44CF25F-2CA8-E46D-71BB-11CA83AA26ED}"/>
                 </a:ext>
               </a:extLst>
             </p:cNvPr>
@@ -21759,7 +22485,7 @@
             <p:cNvPr id="126" name="Rectangle 4">
               <a:extLst>
                 <a:ext uri="{FF2B5EF4-FFF2-40B4-BE49-F238E27FC236}">
-                  <a16:creationId xmlns:a16="http://schemas.microsoft.com/office/drawing/2014/main" id="{F371D882-BAE5-5754-CF03-2EE77FAB6B36}"/>
+                  <a16:creationId xmlns:a16="http://schemas.microsoft.com/office/drawing/2014/main" xmlns="" id="{F371D882-BAE5-5754-CF03-2EE77FAB6B36}"/>
                 </a:ext>
               </a:extLst>
             </p:cNvPr>
@@ -21818,7 +22544,7 @@
             <p:cNvPr id="127" name="Rectangle 5">
               <a:extLst>
                 <a:ext uri="{FF2B5EF4-FFF2-40B4-BE49-F238E27FC236}">
-                  <a16:creationId xmlns:a16="http://schemas.microsoft.com/office/drawing/2014/main" id="{21B3ED27-5C00-3039-8FBB-2378DF065F5D}"/>
+                  <a16:creationId xmlns:a16="http://schemas.microsoft.com/office/drawing/2014/main" xmlns="" id="{21B3ED27-5C00-3039-8FBB-2378DF065F5D}"/>
                 </a:ext>
               </a:extLst>
             </p:cNvPr>
@@ -21877,7 +22603,7 @@
             <p:cNvPr id="128" name="Rectangle 8">
               <a:extLst>
                 <a:ext uri="{FF2B5EF4-FFF2-40B4-BE49-F238E27FC236}">
-                  <a16:creationId xmlns:a16="http://schemas.microsoft.com/office/drawing/2014/main" id="{FB627EC2-37F9-8E2D-84ED-827449B79EB0}"/>
+                  <a16:creationId xmlns:a16="http://schemas.microsoft.com/office/drawing/2014/main" xmlns="" id="{FB627EC2-37F9-8E2D-84ED-827449B79EB0}"/>
                 </a:ext>
               </a:extLst>
             </p:cNvPr>
@@ -21936,7 +22662,7 @@
             <p:cNvPr id="129" name="Rectangle 9">
               <a:extLst>
                 <a:ext uri="{FF2B5EF4-FFF2-40B4-BE49-F238E27FC236}">
-                  <a16:creationId xmlns:a16="http://schemas.microsoft.com/office/drawing/2014/main" id="{66331C35-C7BA-9465-E834-E750025CCA6C}"/>
+                  <a16:creationId xmlns:a16="http://schemas.microsoft.com/office/drawing/2014/main" xmlns="" id="{66331C35-C7BA-9465-E834-E750025CCA6C}"/>
                 </a:ext>
               </a:extLst>
             </p:cNvPr>
@@ -21995,7 +22721,7 @@
             <p:cNvPr id="130" name="Rectangle 10">
               <a:extLst>
                 <a:ext uri="{FF2B5EF4-FFF2-40B4-BE49-F238E27FC236}">
-                  <a16:creationId xmlns:a16="http://schemas.microsoft.com/office/drawing/2014/main" id="{BDB07790-E921-42D6-6287-DD170A52FEA7}"/>
+                  <a16:creationId xmlns:a16="http://schemas.microsoft.com/office/drawing/2014/main" xmlns="" id="{BDB07790-E921-42D6-6287-DD170A52FEA7}"/>
                 </a:ext>
               </a:extLst>
             </p:cNvPr>
@@ -22054,7 +22780,7 @@
             <p:cNvPr id="131" name="Rectangle 4">
               <a:extLst>
                 <a:ext uri="{FF2B5EF4-FFF2-40B4-BE49-F238E27FC236}">
-                  <a16:creationId xmlns:a16="http://schemas.microsoft.com/office/drawing/2014/main" id="{E4CE89B7-672C-10F1-9209-E2D8E36EA448}"/>
+                  <a16:creationId xmlns:a16="http://schemas.microsoft.com/office/drawing/2014/main" xmlns="" id="{E4CE89B7-672C-10F1-9209-E2D8E36EA448}"/>
                 </a:ext>
               </a:extLst>
             </p:cNvPr>
@@ -22113,7 +22839,7 @@
             <p:cNvPr id="132" name="Rectangle 5">
               <a:extLst>
                 <a:ext uri="{FF2B5EF4-FFF2-40B4-BE49-F238E27FC236}">
-                  <a16:creationId xmlns:a16="http://schemas.microsoft.com/office/drawing/2014/main" id="{32EFEACD-1583-CAF2-69EE-23FDF28E5A41}"/>
+                  <a16:creationId xmlns:a16="http://schemas.microsoft.com/office/drawing/2014/main" xmlns="" id="{32EFEACD-1583-CAF2-69EE-23FDF28E5A41}"/>
                 </a:ext>
               </a:extLst>
             </p:cNvPr>
@@ -22172,7 +22898,7 @@
             <p:cNvPr id="133" name="Rectangle 8">
               <a:extLst>
                 <a:ext uri="{FF2B5EF4-FFF2-40B4-BE49-F238E27FC236}">
-                  <a16:creationId xmlns:a16="http://schemas.microsoft.com/office/drawing/2014/main" id="{9CFE3827-D689-F333-6BE6-DC1F3B258FA0}"/>
+                  <a16:creationId xmlns:a16="http://schemas.microsoft.com/office/drawing/2014/main" xmlns="" id="{9CFE3827-D689-F333-6BE6-DC1F3B258FA0}"/>
                 </a:ext>
               </a:extLst>
             </p:cNvPr>
@@ -22231,7 +22957,7 @@
             <p:cNvPr id="134" name="Rectangle 9">
               <a:extLst>
                 <a:ext uri="{FF2B5EF4-FFF2-40B4-BE49-F238E27FC236}">
-                  <a16:creationId xmlns:a16="http://schemas.microsoft.com/office/drawing/2014/main" id="{9BFFAB0F-615C-34B0-2470-742EB7CDE2DC}"/>
+                  <a16:creationId xmlns:a16="http://schemas.microsoft.com/office/drawing/2014/main" xmlns="" id="{9BFFAB0F-615C-34B0-2470-742EB7CDE2DC}"/>
                 </a:ext>
               </a:extLst>
             </p:cNvPr>
@@ -22290,7 +23016,7 @@
             <p:cNvPr id="135" name="Rectangle 10">
               <a:extLst>
                 <a:ext uri="{FF2B5EF4-FFF2-40B4-BE49-F238E27FC236}">
-                  <a16:creationId xmlns:a16="http://schemas.microsoft.com/office/drawing/2014/main" id="{147EFC36-E54A-4111-5D94-058B6277810D}"/>
+                  <a16:creationId xmlns:a16="http://schemas.microsoft.com/office/drawing/2014/main" xmlns="" id="{147EFC36-E54A-4111-5D94-058B6277810D}"/>
                 </a:ext>
               </a:extLst>
             </p:cNvPr>
@@ -22349,7 +23075,7 @@
             <p:cNvPr id="136" name="Rectangle 4">
               <a:extLst>
                 <a:ext uri="{FF2B5EF4-FFF2-40B4-BE49-F238E27FC236}">
-                  <a16:creationId xmlns:a16="http://schemas.microsoft.com/office/drawing/2014/main" id="{57980908-1B66-4125-4310-A35677123EF6}"/>
+                  <a16:creationId xmlns:a16="http://schemas.microsoft.com/office/drawing/2014/main" xmlns="" id="{57980908-1B66-4125-4310-A35677123EF6}"/>
                 </a:ext>
               </a:extLst>
             </p:cNvPr>
@@ -22408,7 +23134,7 @@
             <p:cNvPr id="137" name="Rectangle 5">
               <a:extLst>
                 <a:ext uri="{FF2B5EF4-FFF2-40B4-BE49-F238E27FC236}">
-                  <a16:creationId xmlns:a16="http://schemas.microsoft.com/office/drawing/2014/main" id="{A4F7360C-BE80-68FC-CBCD-6C6EA3499568}"/>
+                  <a16:creationId xmlns:a16="http://schemas.microsoft.com/office/drawing/2014/main" xmlns="" id="{A4F7360C-BE80-68FC-CBCD-6C6EA3499568}"/>
                 </a:ext>
               </a:extLst>
             </p:cNvPr>
@@ -22467,7 +23193,7 @@
             <p:cNvPr id="138" name="Rectangle 8">
               <a:extLst>
                 <a:ext uri="{FF2B5EF4-FFF2-40B4-BE49-F238E27FC236}">
-                  <a16:creationId xmlns:a16="http://schemas.microsoft.com/office/drawing/2014/main" id="{3D7A565F-26D4-8F7A-DB39-DACCF7C301CB}"/>
+                  <a16:creationId xmlns:a16="http://schemas.microsoft.com/office/drawing/2014/main" xmlns="" id="{3D7A565F-26D4-8F7A-DB39-DACCF7C301CB}"/>
                 </a:ext>
               </a:extLst>
             </p:cNvPr>
@@ -22526,7 +23252,7 @@
             <p:cNvPr id="139" name="Rectangle 9">
               <a:extLst>
                 <a:ext uri="{FF2B5EF4-FFF2-40B4-BE49-F238E27FC236}">
-                  <a16:creationId xmlns:a16="http://schemas.microsoft.com/office/drawing/2014/main" id="{FEF6B429-FA2B-4089-C432-A5D4EAA23A98}"/>
+                  <a16:creationId xmlns:a16="http://schemas.microsoft.com/office/drawing/2014/main" xmlns="" id="{FEF6B429-FA2B-4089-C432-A5D4EAA23A98}"/>
                 </a:ext>
               </a:extLst>
             </p:cNvPr>
@@ -22585,7 +23311,7 @@
             <p:cNvPr id="140" name="Rectangle 10">
               <a:extLst>
                 <a:ext uri="{FF2B5EF4-FFF2-40B4-BE49-F238E27FC236}">
-                  <a16:creationId xmlns:a16="http://schemas.microsoft.com/office/drawing/2014/main" id="{CB701250-BAFE-5260-A8DF-24B3BDCD9E5C}"/>
+                  <a16:creationId xmlns:a16="http://schemas.microsoft.com/office/drawing/2014/main" xmlns="" id="{CB701250-BAFE-5260-A8DF-24B3BDCD9E5C}"/>
                 </a:ext>
               </a:extLst>
             </p:cNvPr>
@@ -22644,7 +23370,7 @@
             <p:cNvPr id="141" name="Rectangle 4">
               <a:extLst>
                 <a:ext uri="{FF2B5EF4-FFF2-40B4-BE49-F238E27FC236}">
-                  <a16:creationId xmlns:a16="http://schemas.microsoft.com/office/drawing/2014/main" id="{C010C686-F239-6F99-5B46-F499853F58CC}"/>
+                  <a16:creationId xmlns:a16="http://schemas.microsoft.com/office/drawing/2014/main" xmlns="" id="{C010C686-F239-6F99-5B46-F499853F58CC}"/>
                 </a:ext>
               </a:extLst>
             </p:cNvPr>
@@ -22703,7 +23429,7 @@
             <p:cNvPr id="142" name="Rectangle 5">
               <a:extLst>
                 <a:ext uri="{FF2B5EF4-FFF2-40B4-BE49-F238E27FC236}">
-                  <a16:creationId xmlns:a16="http://schemas.microsoft.com/office/drawing/2014/main" id="{A6FE1FC9-B91C-C2CC-5B4E-06A4D657D0BC}"/>
+                  <a16:creationId xmlns:a16="http://schemas.microsoft.com/office/drawing/2014/main" xmlns="" id="{A6FE1FC9-B91C-C2CC-5B4E-06A4D657D0BC}"/>
                 </a:ext>
               </a:extLst>
             </p:cNvPr>
@@ -22762,7 +23488,7 @@
             <p:cNvPr id="143" name="Rectangle 8">
               <a:extLst>
                 <a:ext uri="{FF2B5EF4-FFF2-40B4-BE49-F238E27FC236}">
-                  <a16:creationId xmlns:a16="http://schemas.microsoft.com/office/drawing/2014/main" id="{58604601-12D5-F90E-32F7-F170315A17EA}"/>
+                  <a16:creationId xmlns:a16="http://schemas.microsoft.com/office/drawing/2014/main" xmlns="" id="{58604601-12D5-F90E-32F7-F170315A17EA}"/>
                 </a:ext>
               </a:extLst>
             </p:cNvPr>
@@ -22821,7 +23547,7 @@
             <p:cNvPr id="144" name="Rectangle 9">
               <a:extLst>
                 <a:ext uri="{FF2B5EF4-FFF2-40B4-BE49-F238E27FC236}">
-                  <a16:creationId xmlns:a16="http://schemas.microsoft.com/office/drawing/2014/main" id="{1E4DB558-AF7E-B95E-D0AD-37B5BCCC323F}"/>
+                  <a16:creationId xmlns:a16="http://schemas.microsoft.com/office/drawing/2014/main" xmlns="" id="{1E4DB558-AF7E-B95E-D0AD-37B5BCCC323F}"/>
                 </a:ext>
               </a:extLst>
             </p:cNvPr>
@@ -22880,7 +23606,7 @@
             <p:cNvPr id="145" name="Rectangle 10">
               <a:extLst>
                 <a:ext uri="{FF2B5EF4-FFF2-40B4-BE49-F238E27FC236}">
-                  <a16:creationId xmlns:a16="http://schemas.microsoft.com/office/drawing/2014/main" id="{A0666BA4-14CA-6E6A-A52E-F1D8E49A35A2}"/>
+                  <a16:creationId xmlns:a16="http://schemas.microsoft.com/office/drawing/2014/main" xmlns="" id="{A0666BA4-14CA-6E6A-A52E-F1D8E49A35A2}"/>
                 </a:ext>
               </a:extLst>
             </p:cNvPr>
@@ -22939,7 +23665,7 @@
             <p:cNvPr id="146" name="Rectangle 4">
               <a:extLst>
                 <a:ext uri="{FF2B5EF4-FFF2-40B4-BE49-F238E27FC236}">
-                  <a16:creationId xmlns:a16="http://schemas.microsoft.com/office/drawing/2014/main" id="{09CC9A1C-0FF5-DA8D-9B81-D2E78337E476}"/>
+                  <a16:creationId xmlns:a16="http://schemas.microsoft.com/office/drawing/2014/main" xmlns="" id="{09CC9A1C-0FF5-DA8D-9B81-D2E78337E476}"/>
                 </a:ext>
               </a:extLst>
             </p:cNvPr>
@@ -22998,7 +23724,7 @@
             <p:cNvPr id="147" name="Rectangle 5">
               <a:extLst>
                 <a:ext uri="{FF2B5EF4-FFF2-40B4-BE49-F238E27FC236}">
-                  <a16:creationId xmlns:a16="http://schemas.microsoft.com/office/drawing/2014/main" id="{3CF680CF-E2FC-EFFB-6AE7-F826C7856EB2}"/>
+                  <a16:creationId xmlns:a16="http://schemas.microsoft.com/office/drawing/2014/main" xmlns="" id="{3CF680CF-E2FC-EFFB-6AE7-F826C7856EB2}"/>
                 </a:ext>
               </a:extLst>
             </p:cNvPr>
@@ -23057,7 +23783,7 @@
             <p:cNvPr id="148" name="Rectangle 8">
               <a:extLst>
                 <a:ext uri="{FF2B5EF4-FFF2-40B4-BE49-F238E27FC236}">
-                  <a16:creationId xmlns:a16="http://schemas.microsoft.com/office/drawing/2014/main" id="{AD075D0B-8562-6A6D-01EC-69388594C105}"/>
+                  <a16:creationId xmlns:a16="http://schemas.microsoft.com/office/drawing/2014/main" xmlns="" id="{AD075D0B-8562-6A6D-01EC-69388594C105}"/>
                 </a:ext>
               </a:extLst>
             </p:cNvPr>
@@ -23116,7 +23842,7 @@
             <p:cNvPr id="149" name="Rectangle 9">
               <a:extLst>
                 <a:ext uri="{FF2B5EF4-FFF2-40B4-BE49-F238E27FC236}">
-                  <a16:creationId xmlns:a16="http://schemas.microsoft.com/office/drawing/2014/main" id="{CBC0E90D-5498-5DC2-A9E5-3206EE5E5824}"/>
+                  <a16:creationId xmlns:a16="http://schemas.microsoft.com/office/drawing/2014/main" xmlns="" id="{CBC0E90D-5498-5DC2-A9E5-3206EE5E5824}"/>
                 </a:ext>
               </a:extLst>
             </p:cNvPr>
@@ -23175,7 +23901,7 @@
             <p:cNvPr id="150" name="Rectangle 10">
               <a:extLst>
                 <a:ext uri="{FF2B5EF4-FFF2-40B4-BE49-F238E27FC236}">
-                  <a16:creationId xmlns:a16="http://schemas.microsoft.com/office/drawing/2014/main" id="{43215DC0-4AF1-DBA1-C550-99928887A67E}"/>
+                  <a16:creationId xmlns:a16="http://schemas.microsoft.com/office/drawing/2014/main" xmlns="" id="{43215DC0-4AF1-DBA1-C550-99928887A67E}"/>
                 </a:ext>
               </a:extLst>
             </p:cNvPr>
@@ -23234,7 +23960,7 @@
             <p:cNvPr id="151" name="Rectangle 4">
               <a:extLst>
                 <a:ext uri="{FF2B5EF4-FFF2-40B4-BE49-F238E27FC236}">
-                  <a16:creationId xmlns:a16="http://schemas.microsoft.com/office/drawing/2014/main" id="{93B8FC98-9E58-4015-63F9-1F72AEF57E26}"/>
+                  <a16:creationId xmlns:a16="http://schemas.microsoft.com/office/drawing/2014/main" xmlns="" id="{93B8FC98-9E58-4015-63F9-1F72AEF57E26}"/>
                 </a:ext>
               </a:extLst>
             </p:cNvPr>
@@ -23293,7 +24019,7 @@
             <p:cNvPr id="152" name="Rectangle 5">
               <a:extLst>
                 <a:ext uri="{FF2B5EF4-FFF2-40B4-BE49-F238E27FC236}">
-                  <a16:creationId xmlns:a16="http://schemas.microsoft.com/office/drawing/2014/main" id="{FB2F67C9-DE08-FDBD-0D2B-CCD63210458A}"/>
+                  <a16:creationId xmlns:a16="http://schemas.microsoft.com/office/drawing/2014/main" xmlns="" id="{FB2F67C9-DE08-FDBD-0D2B-CCD63210458A}"/>
                 </a:ext>
               </a:extLst>
             </p:cNvPr>
@@ -23352,7 +24078,7 @@
             <p:cNvPr id="153" name="Rectangle 8">
               <a:extLst>
                 <a:ext uri="{FF2B5EF4-FFF2-40B4-BE49-F238E27FC236}">
-                  <a16:creationId xmlns:a16="http://schemas.microsoft.com/office/drawing/2014/main" id="{74AAC2BF-15F1-691A-9D58-52609BA83861}"/>
+                  <a16:creationId xmlns:a16="http://schemas.microsoft.com/office/drawing/2014/main" xmlns="" id="{74AAC2BF-15F1-691A-9D58-52609BA83861}"/>
                 </a:ext>
               </a:extLst>
             </p:cNvPr>
@@ -23411,7 +24137,7 @@
             <p:cNvPr id="154" name="Rectangle 9">
               <a:extLst>
                 <a:ext uri="{FF2B5EF4-FFF2-40B4-BE49-F238E27FC236}">
-                  <a16:creationId xmlns:a16="http://schemas.microsoft.com/office/drawing/2014/main" id="{8897FBCD-3F6C-43A1-4614-CDEE83265059}"/>
+                  <a16:creationId xmlns:a16="http://schemas.microsoft.com/office/drawing/2014/main" xmlns="" id="{8897FBCD-3F6C-43A1-4614-CDEE83265059}"/>
                 </a:ext>
               </a:extLst>
             </p:cNvPr>
@@ -23470,7 +24196,7 @@
             <p:cNvPr id="155" name="Rectangle 10">
               <a:extLst>
                 <a:ext uri="{FF2B5EF4-FFF2-40B4-BE49-F238E27FC236}">
-                  <a16:creationId xmlns:a16="http://schemas.microsoft.com/office/drawing/2014/main" id="{14D61FDA-20D5-0C1B-FE63-2A7C17AF4442}"/>
+                  <a16:creationId xmlns:a16="http://schemas.microsoft.com/office/drawing/2014/main" xmlns="" id="{14D61FDA-20D5-0C1B-FE63-2A7C17AF4442}"/>
                 </a:ext>
               </a:extLst>
             </p:cNvPr>
@@ -23529,7 +24255,7 @@
             <p:cNvPr id="156" name="Rectangle 4">
               <a:extLst>
                 <a:ext uri="{FF2B5EF4-FFF2-40B4-BE49-F238E27FC236}">
-                  <a16:creationId xmlns:a16="http://schemas.microsoft.com/office/drawing/2014/main" id="{425ED12E-E242-9E42-D403-2F97F01FA793}"/>
+                  <a16:creationId xmlns:a16="http://schemas.microsoft.com/office/drawing/2014/main" xmlns="" id="{425ED12E-E242-9E42-D403-2F97F01FA793}"/>
                 </a:ext>
               </a:extLst>
             </p:cNvPr>
@@ -23588,7 +24314,7 @@
             <p:cNvPr id="157" name="Rectangle 5">
               <a:extLst>
                 <a:ext uri="{FF2B5EF4-FFF2-40B4-BE49-F238E27FC236}">
-                  <a16:creationId xmlns:a16="http://schemas.microsoft.com/office/drawing/2014/main" id="{1147CE01-6118-6260-1635-E900E5BDD920}"/>
+                  <a16:creationId xmlns:a16="http://schemas.microsoft.com/office/drawing/2014/main" xmlns="" id="{1147CE01-6118-6260-1635-E900E5BDD920}"/>
                 </a:ext>
               </a:extLst>
             </p:cNvPr>
@@ -23647,7 +24373,7 @@
             <p:cNvPr id="158" name="Rectangle 8">
               <a:extLst>
                 <a:ext uri="{FF2B5EF4-FFF2-40B4-BE49-F238E27FC236}">
-                  <a16:creationId xmlns:a16="http://schemas.microsoft.com/office/drawing/2014/main" id="{2B8D66CE-FFB5-8460-A9AE-5AF2AC9B278C}"/>
+                  <a16:creationId xmlns:a16="http://schemas.microsoft.com/office/drawing/2014/main" xmlns="" id="{2B8D66CE-FFB5-8460-A9AE-5AF2AC9B278C}"/>
                 </a:ext>
               </a:extLst>
             </p:cNvPr>
@@ -23706,7 +24432,7 @@
             <p:cNvPr id="159" name="Rectangle 9">
               <a:extLst>
                 <a:ext uri="{FF2B5EF4-FFF2-40B4-BE49-F238E27FC236}">
-                  <a16:creationId xmlns:a16="http://schemas.microsoft.com/office/drawing/2014/main" id="{9FA177D9-5022-298C-0450-D4173F6E5568}"/>
+                  <a16:creationId xmlns:a16="http://schemas.microsoft.com/office/drawing/2014/main" xmlns="" id="{9FA177D9-5022-298C-0450-D4173F6E5568}"/>
                 </a:ext>
               </a:extLst>
             </p:cNvPr>
@@ -23765,7 +24491,7 @@
             <p:cNvPr id="160" name="Rectangle 10">
               <a:extLst>
                 <a:ext uri="{FF2B5EF4-FFF2-40B4-BE49-F238E27FC236}">
-                  <a16:creationId xmlns:a16="http://schemas.microsoft.com/office/drawing/2014/main" id="{6C56D40A-F72F-9CBE-DEE3-03882D197490}"/>
+                  <a16:creationId xmlns:a16="http://schemas.microsoft.com/office/drawing/2014/main" xmlns="" id="{6C56D40A-F72F-9CBE-DEE3-03882D197490}"/>
                 </a:ext>
               </a:extLst>
             </p:cNvPr>
@@ -23824,7 +24550,7 @@
             <p:cNvPr id="161" name="Rectangle 4">
               <a:extLst>
                 <a:ext uri="{FF2B5EF4-FFF2-40B4-BE49-F238E27FC236}">
-                  <a16:creationId xmlns:a16="http://schemas.microsoft.com/office/drawing/2014/main" id="{A76252EB-725A-AA26-F74C-5F42BD8F37FC}"/>
+                  <a16:creationId xmlns:a16="http://schemas.microsoft.com/office/drawing/2014/main" xmlns="" id="{A76252EB-725A-AA26-F74C-5F42BD8F37FC}"/>
                 </a:ext>
               </a:extLst>
             </p:cNvPr>
@@ -23883,7 +24609,7 @@
             <p:cNvPr id="162" name="Rectangle 5">
               <a:extLst>
                 <a:ext uri="{FF2B5EF4-FFF2-40B4-BE49-F238E27FC236}">
-                  <a16:creationId xmlns:a16="http://schemas.microsoft.com/office/drawing/2014/main" id="{4139510D-32DB-BF06-F4DD-7FD20676BBB8}"/>
+                  <a16:creationId xmlns:a16="http://schemas.microsoft.com/office/drawing/2014/main" xmlns="" id="{4139510D-32DB-BF06-F4DD-7FD20676BBB8}"/>
                 </a:ext>
               </a:extLst>
             </p:cNvPr>
@@ -23942,7 +24668,7 @@
             <p:cNvPr id="163" name="Rectangle 8">
               <a:extLst>
                 <a:ext uri="{FF2B5EF4-FFF2-40B4-BE49-F238E27FC236}">
-                  <a16:creationId xmlns:a16="http://schemas.microsoft.com/office/drawing/2014/main" id="{77991953-00B7-8432-FE0F-B63DB489F1CC}"/>
+                  <a16:creationId xmlns:a16="http://schemas.microsoft.com/office/drawing/2014/main" xmlns="" id="{77991953-00B7-8432-FE0F-B63DB489F1CC}"/>
                 </a:ext>
               </a:extLst>
             </p:cNvPr>
@@ -24001,7 +24727,7 @@
             <p:cNvPr id="164" name="Rectangle 9">
               <a:extLst>
                 <a:ext uri="{FF2B5EF4-FFF2-40B4-BE49-F238E27FC236}">
-                  <a16:creationId xmlns:a16="http://schemas.microsoft.com/office/drawing/2014/main" id="{D4747C93-8FF4-2165-319B-2C8A1D28319C}"/>
+                  <a16:creationId xmlns:a16="http://schemas.microsoft.com/office/drawing/2014/main" xmlns="" id="{D4747C93-8FF4-2165-319B-2C8A1D28319C}"/>
                 </a:ext>
               </a:extLst>
             </p:cNvPr>
@@ -24060,7 +24786,7 @@
             <p:cNvPr id="165" name="Rectangle 10">
               <a:extLst>
                 <a:ext uri="{FF2B5EF4-FFF2-40B4-BE49-F238E27FC236}">
-                  <a16:creationId xmlns:a16="http://schemas.microsoft.com/office/drawing/2014/main" id="{A9D6C350-586E-A8A8-8C3D-8E61F1F13782}"/>
+                  <a16:creationId xmlns:a16="http://schemas.microsoft.com/office/drawing/2014/main" xmlns="" id="{A9D6C350-586E-A8A8-8C3D-8E61F1F13782}"/>
                 </a:ext>
               </a:extLst>
             </p:cNvPr>
@@ -24119,7 +24845,7 @@
             <p:cNvPr id="166" name="Rectangle 36">
               <a:extLst>
                 <a:ext uri="{FF2B5EF4-FFF2-40B4-BE49-F238E27FC236}">
-                  <a16:creationId xmlns:a16="http://schemas.microsoft.com/office/drawing/2014/main" id="{DC72F554-684F-568F-381D-6136A58CC413}"/>
+                  <a16:creationId xmlns:a16="http://schemas.microsoft.com/office/drawing/2014/main" xmlns="" id="{DC72F554-684F-568F-381D-6136A58CC413}"/>
                 </a:ext>
               </a:extLst>
             </p:cNvPr>
@@ -24153,7 +24879,7 @@
             <p:cNvPr id="167" name="Rectangle 36">
               <a:extLst>
                 <a:ext uri="{FF2B5EF4-FFF2-40B4-BE49-F238E27FC236}">
-                  <a16:creationId xmlns:a16="http://schemas.microsoft.com/office/drawing/2014/main" id="{9DD9DC18-3337-285E-E1E4-6D19CF59BD0A}"/>
+                  <a16:creationId xmlns:a16="http://schemas.microsoft.com/office/drawing/2014/main" xmlns="" id="{9DD9DC18-3337-285E-E1E4-6D19CF59BD0A}"/>
                 </a:ext>
               </a:extLst>
             </p:cNvPr>
@@ -24187,7 +24913,7 @@
             <p:cNvPr id="168" name="Rectangle 36">
               <a:extLst>
                 <a:ext uri="{FF2B5EF4-FFF2-40B4-BE49-F238E27FC236}">
-                  <a16:creationId xmlns:a16="http://schemas.microsoft.com/office/drawing/2014/main" id="{3DC36A96-8AF6-CFA0-CD37-9C2778EAD355}"/>
+                  <a16:creationId xmlns:a16="http://schemas.microsoft.com/office/drawing/2014/main" xmlns="" id="{3DC36A96-8AF6-CFA0-CD37-9C2778EAD355}"/>
                 </a:ext>
               </a:extLst>
             </p:cNvPr>
@@ -24221,7 +24947,7 @@
             <p:cNvPr id="169" name="Rectangle 36">
               <a:extLst>
                 <a:ext uri="{FF2B5EF4-FFF2-40B4-BE49-F238E27FC236}">
-                  <a16:creationId xmlns:a16="http://schemas.microsoft.com/office/drawing/2014/main" id="{02C99D41-A08C-CE6C-57A5-58FE911361CE}"/>
+                  <a16:creationId xmlns:a16="http://schemas.microsoft.com/office/drawing/2014/main" xmlns="" id="{02C99D41-A08C-CE6C-57A5-58FE911361CE}"/>
                 </a:ext>
               </a:extLst>
             </p:cNvPr>
@@ -24255,7 +24981,7 @@
             <p:cNvPr id="170" name="Rectangle 36">
               <a:extLst>
                 <a:ext uri="{FF2B5EF4-FFF2-40B4-BE49-F238E27FC236}">
-                  <a16:creationId xmlns:a16="http://schemas.microsoft.com/office/drawing/2014/main" id="{8EF1154B-FF44-17A9-9E88-0B824CD664E7}"/>
+                  <a16:creationId xmlns:a16="http://schemas.microsoft.com/office/drawing/2014/main" xmlns="" id="{8EF1154B-FF44-17A9-9E88-0B824CD664E7}"/>
                 </a:ext>
               </a:extLst>
             </p:cNvPr>
@@ -24298,7 +25024,7 @@
 </p:sld>
 </file>
 
-<file path=ppt/slides/slide25.xml><?xml version="1.0" encoding="utf-8"?>
+<file path=ppt/slides/slide26.xml><?xml version="1.0" encoding="utf-8"?>
 <p:sld xmlns:a="http://schemas.openxmlformats.org/drawingml/2006/main" xmlns:r="http://schemas.openxmlformats.org/officeDocument/2006/relationships" xmlns:p="http://schemas.openxmlformats.org/presentationml/2006/main">
   <p:cSld>
     <p:spTree>
@@ -24690,7 +25416,7 @@
           <p:cNvPr id="2" name="Título 1">
             <a:extLst>
               <a:ext uri="{FF2B5EF4-FFF2-40B4-BE49-F238E27FC236}">
-                <a16:creationId xmlns:a16="http://schemas.microsoft.com/office/drawing/2014/main" id="{F18B2949-AA2A-78BE-831B-67A7AE5AB555}"/>
+                <a16:creationId xmlns:a16="http://schemas.microsoft.com/office/drawing/2014/main" xmlns="" id="{F18B2949-AA2A-78BE-831B-67A7AE5AB555}"/>
               </a:ext>
             </a:extLst>
           </p:cNvPr>
@@ -24718,7 +25444,7 @@
           <p:cNvPr id="3" name="Espaço Reservado para Conteúdo 2">
             <a:extLst>
               <a:ext uri="{FF2B5EF4-FFF2-40B4-BE49-F238E27FC236}">
-                <a16:creationId xmlns:a16="http://schemas.microsoft.com/office/drawing/2014/main" id="{945F73D8-097B-0F49-0490-91BBF0A6A45E}"/>
+                <a16:creationId xmlns:a16="http://schemas.microsoft.com/office/drawing/2014/main" xmlns="" id="{945F73D8-097B-0F49-0490-91BBF0A6A45E}"/>
               </a:ext>
             </a:extLst>
           </p:cNvPr>
@@ -24745,7 +25471,6 @@
                   <a:srgbClr val="0F0F0F"/>
                 </a:solidFill>
                 <a:effectLst/>
-                <a:latin typeface="Söhne"/>
               </a:rPr>
               <a:t>A validação cruzada é uma técnica utilizada para </a:t>
             </a:r>
@@ -24755,7 +25480,6 @@
                   <a:srgbClr val="00B050"/>
                 </a:solidFill>
                 <a:effectLst/>
-                <a:latin typeface="Söhne"/>
               </a:rPr>
               <a:t>avaliar quantitativamente o desempenho</a:t>
             </a:r>
@@ -24765,7 +25489,6 @@
                   <a:srgbClr val="0F0F0F"/>
                 </a:solidFill>
                 <a:effectLst/>
-                <a:latin typeface="Söhne"/>
               </a:rPr>
               <a:t> de um </a:t>
             </a:r>
@@ -24775,7 +25498,6 @@
                   <a:srgbClr val="7030A0"/>
                 </a:solidFill>
                 <a:effectLst/>
-                <a:latin typeface="Söhne"/>
               </a:rPr>
               <a:t>modelo</a:t>
             </a:r>
@@ -24785,7 +25507,6 @@
                   <a:srgbClr val="0F0F0F"/>
                 </a:solidFill>
                 <a:effectLst/>
-                <a:latin typeface="Söhne"/>
               </a:rPr>
               <a:t> e </a:t>
             </a:r>
@@ -24795,7 +25516,6 @@
                   <a:srgbClr val="00B050"/>
                 </a:solidFill>
                 <a:effectLst/>
-                <a:latin typeface="Söhne"/>
               </a:rPr>
               <a:t>garantir que ele generalize bem para dados inéditos</a:t>
             </a:r>
@@ -24805,7 +25525,6 @@
                   <a:srgbClr val="0F0F0F"/>
                 </a:solidFill>
                 <a:effectLst/>
-                <a:latin typeface="Söhne"/>
               </a:rPr>
               <a:t>, evitando assim problemas de subajuste ou sobreajuste.</a:t>
             </a:r>
@@ -24817,7 +25536,6 @@
                   <a:srgbClr val="0F0F0F"/>
                 </a:solidFill>
                 <a:effectLst/>
-                <a:latin typeface="Söhne"/>
               </a:rPr>
               <a:t>O processo de validação cruzada envolve </a:t>
             </a:r>
@@ -24827,7 +25545,6 @@
                   <a:srgbClr val="7030A0"/>
                 </a:solidFill>
                 <a:effectLst/>
-                <a:latin typeface="Söhne"/>
               </a:rPr>
               <a:t>dividir o conjunto total de dados em subconjuntos</a:t>
             </a:r>
@@ -24837,7 +25554,6 @@
                   <a:srgbClr val="0F0F0F"/>
                 </a:solidFill>
                 <a:effectLst/>
-                <a:latin typeface="Söhne"/>
               </a:rPr>
               <a:t> e realizar</a:t>
             </a:r>
@@ -24847,7 +25563,6 @@
                   <a:srgbClr val="7030A0"/>
                 </a:solidFill>
                 <a:effectLst/>
-                <a:latin typeface="Söhne"/>
               </a:rPr>
               <a:t> uma ou mais rodadas de treinamento e validação </a:t>
             </a:r>
@@ -24857,7 +25572,6 @@
                   <a:srgbClr val="0F0F0F"/>
                 </a:solidFill>
                 <a:effectLst/>
-                <a:latin typeface="Söhne"/>
               </a:rPr>
               <a:t>do modelo com </a:t>
             </a:r>
@@ -24867,7 +25581,6 @@
                   <a:srgbClr val="7030A0"/>
                 </a:solidFill>
                 <a:effectLst/>
-                <a:latin typeface="Söhne"/>
               </a:rPr>
               <a:t>uma ou mais combinações desses subconjuntos</a:t>
             </a:r>
@@ -24876,7 +25589,6 @@
                 <a:solidFill>
                   <a:srgbClr val="0F0F0F"/>
                 </a:solidFill>
-                <a:latin typeface="Söhne"/>
               </a:rPr>
               <a:t>.</a:t>
             </a:r>
@@ -24885,7 +25597,6 @@
                 <a:srgbClr val="0F0F0F"/>
               </a:solidFill>
               <a:effectLst/>
-              <a:latin typeface="Söhne"/>
             </a:endParaRPr>
           </a:p>
           <a:p>
@@ -24895,7 +25606,6 @@
                   <a:srgbClr val="0F0F0F"/>
                 </a:solidFill>
                 <a:effectLst/>
-                <a:latin typeface="Söhne"/>
               </a:rPr>
               <a:t>A validação cruzada é uma ferramenta importante para </a:t>
             </a:r>
@@ -24905,7 +25615,6 @@
                   <a:srgbClr val="0070C0"/>
                 </a:solidFill>
                 <a:effectLst/>
-                <a:latin typeface="Söhne"/>
               </a:rPr>
               <a:t>comparar e selecionar modelos</a:t>
             </a:r>
@@ -24915,7 +25624,6 @@
                   <a:srgbClr val="0F0F0F"/>
                 </a:solidFill>
                 <a:effectLst/>
-                <a:latin typeface="Söhne"/>
               </a:rPr>
               <a:t> e para </a:t>
             </a:r>
@@ -24925,7 +25633,6 @@
                   <a:schemeClr val="accent2"/>
                 </a:solidFill>
                 <a:effectLst/>
-                <a:latin typeface="Söhne"/>
               </a:rPr>
               <a:t>ajustar hiperparâmetros</a:t>
             </a:r>
@@ -24935,7 +25642,6 @@
                   <a:srgbClr val="0F0F0F"/>
                 </a:solidFill>
                 <a:effectLst/>
-                <a:latin typeface="Söhne"/>
               </a:rPr>
               <a:t> como, por exemplo, o </a:t>
             </a:r>
@@ -24945,7 +25651,6 @@
                   <a:srgbClr val="0070C0"/>
                 </a:solidFill>
                 <a:effectLst/>
-                <a:latin typeface="Söhne"/>
               </a:rPr>
               <a:t>passo de aprendizagem</a:t>
             </a:r>
@@ -24955,7 +25660,6 @@
                   <a:srgbClr val="0F0F0F"/>
                 </a:solidFill>
                 <a:effectLst/>
-                <a:latin typeface="Söhne"/>
               </a:rPr>
               <a:t>, o </a:t>
             </a:r>
@@ -24965,7 +25669,6 @@
                   <a:srgbClr val="0070C0"/>
                 </a:solidFill>
                 <a:effectLst/>
-                <a:latin typeface="Söhne"/>
               </a:rPr>
               <a:t>grau do polinômio</a:t>
             </a:r>
@@ -24975,7 +25678,6 @@
                   <a:srgbClr val="0F0F0F"/>
                 </a:solidFill>
                 <a:effectLst/>
-                <a:latin typeface="Söhne"/>
               </a:rPr>
               <a:t> da função hipótese, etc.</a:t>
             </a:r>
@@ -25017,7 +25719,7 @@
           <p:cNvPr id="2" name="Título 1">
             <a:extLst>
               <a:ext uri="{FF2B5EF4-FFF2-40B4-BE49-F238E27FC236}">
-                <a16:creationId xmlns:a16="http://schemas.microsoft.com/office/drawing/2014/main" id="{E0053A0A-FF84-5176-6AB3-C461B7BCB8CA}"/>
+                <a16:creationId xmlns:a16="http://schemas.microsoft.com/office/drawing/2014/main" xmlns="" id="{E0053A0A-FF84-5176-6AB3-C461B7BCB8CA}"/>
               </a:ext>
             </a:extLst>
           </p:cNvPr>
@@ -25045,7 +25747,7 @@
           <p:cNvPr id="3" name="Espaço Reservado para Conteúdo 2">
             <a:extLst>
               <a:ext uri="{FF2B5EF4-FFF2-40B4-BE49-F238E27FC236}">
-                <a16:creationId xmlns:a16="http://schemas.microsoft.com/office/drawing/2014/main" id="{A191BF4C-9AB1-8D9D-C795-058F9A528591}"/>
+                <a16:creationId xmlns:a16="http://schemas.microsoft.com/office/drawing/2014/main" xmlns="" id="{A191BF4C-9AB1-8D9D-C795-058F9A528591}"/>
               </a:ext>
             </a:extLst>
           </p:cNvPr>
@@ -25154,7 +25856,19 @@
             </a:pPr>
             <a:r>
               <a:rPr lang="pt-BR" dirty="0"/>
-              <a:t>Flexível o suficiente para se ajustar ao </a:t>
+              <a:t>Flexível o </a:t>
+            </a:r>
+            <a:r>
+              <a:rPr lang="pt-BR" b="1" i="1" dirty="0">
+                <a:solidFill>
+                  <a:schemeClr val="accent2"/>
+                </a:solidFill>
+              </a:rPr>
+              <a:t>suficiente</a:t>
+            </a:r>
+            <a:r>
+              <a:rPr lang="pt-BR" dirty="0"/>
+              <a:t> para se ajustar ao </a:t>
             </a:r>
             <a:r>
               <a:rPr lang="pt-BR" b="1" i="1" dirty="0">
@@ -25326,7 +26040,7 @@
           <p:cNvPr id="2" name="Título 1">
             <a:extLst>
               <a:ext uri="{FF2B5EF4-FFF2-40B4-BE49-F238E27FC236}">
-                <a16:creationId xmlns:a16="http://schemas.microsoft.com/office/drawing/2014/main" id="{AC595774-B841-7E8F-A35A-BAB395D69A08}"/>
+                <a16:creationId xmlns:a16="http://schemas.microsoft.com/office/drawing/2014/main" xmlns="" id="{AC595774-B841-7E8F-A35A-BAB395D69A08}"/>
               </a:ext>
             </a:extLst>
           </p:cNvPr>
@@ -25356,7 +26070,7 @@
               <p:cNvPr id="3" name="Espaço Reservado para Conteúdo 2">
                 <a:extLst>
                   <a:ext uri="{FF2B5EF4-FFF2-40B4-BE49-F238E27FC236}">
-                    <a16:creationId xmlns:a16="http://schemas.microsoft.com/office/drawing/2014/main" id="{A9594690-2CA5-0A2D-98E4-C4ACDD16B0DC}"/>
+                    <a16:creationId xmlns:a16="http://schemas.microsoft.com/office/drawing/2014/main" xmlns="" id="{A9594690-2CA5-0A2D-98E4-C4ACDD16B0DC}"/>
                   </a:ext>
                 </a:extLst>
               </p:cNvPr>
@@ -25571,7 +26285,7 @@
           <p:cNvPr id="2" name="Título 1">
             <a:extLst>
               <a:ext uri="{FF2B5EF4-FFF2-40B4-BE49-F238E27FC236}">
-                <a16:creationId xmlns:a16="http://schemas.microsoft.com/office/drawing/2014/main" id="{868D5143-C411-ADCB-BAB7-E5B85E844096}"/>
+                <a16:creationId xmlns:a16="http://schemas.microsoft.com/office/drawing/2014/main" xmlns="" id="{868D5143-C411-ADCB-BAB7-E5B85E844096}"/>
               </a:ext>
             </a:extLst>
           </p:cNvPr>
@@ -25599,7 +26313,7 @@
           <p:cNvPr id="3" name="Espaço Reservado para Conteúdo 2">
             <a:extLst>
               <a:ext uri="{FF2B5EF4-FFF2-40B4-BE49-F238E27FC236}">
-                <a16:creationId xmlns:a16="http://schemas.microsoft.com/office/drawing/2014/main" id="{CB85C345-8ED8-0184-A482-752AE4C0A4C6}"/>
+                <a16:creationId xmlns:a16="http://schemas.microsoft.com/office/drawing/2014/main" xmlns="" id="{CB85C345-8ED8-0184-A482-752AE4C0A4C6}"/>
               </a:ext>
             </a:extLst>
           </p:cNvPr>
@@ -25712,7 +26426,7 @@
           <p:cNvPr id="4" name="Picture 3">
             <a:extLst>
               <a:ext uri="{FF2B5EF4-FFF2-40B4-BE49-F238E27FC236}">
-                <a16:creationId xmlns:a16="http://schemas.microsoft.com/office/drawing/2014/main" id="{5E9F635D-DF29-C667-710E-2D22038C6B43}"/>
+                <a16:creationId xmlns:a16="http://schemas.microsoft.com/office/drawing/2014/main" xmlns="" id="{5E9F635D-DF29-C667-710E-2D22038C6B43}"/>
               </a:ext>
             </a:extLst>
           </p:cNvPr>
@@ -25777,7 +26491,7 @@
           <p:cNvPr id="2" name="Título 1">
             <a:extLst>
               <a:ext uri="{FF2B5EF4-FFF2-40B4-BE49-F238E27FC236}">
-                <a16:creationId xmlns:a16="http://schemas.microsoft.com/office/drawing/2014/main" id="{868D5143-C411-ADCB-BAB7-E5B85E844096}"/>
+                <a16:creationId xmlns:a16="http://schemas.microsoft.com/office/drawing/2014/main" xmlns="" id="{868D5143-C411-ADCB-BAB7-E5B85E844096}"/>
               </a:ext>
             </a:extLst>
           </p:cNvPr>
@@ -25805,7 +26519,7 @@
           <p:cNvPr id="3" name="Espaço Reservado para Conteúdo 2">
             <a:extLst>
               <a:ext uri="{FF2B5EF4-FFF2-40B4-BE49-F238E27FC236}">
-                <a16:creationId xmlns:a16="http://schemas.microsoft.com/office/drawing/2014/main" id="{CB85C345-8ED8-0184-A482-752AE4C0A4C6}"/>
+                <a16:creationId xmlns:a16="http://schemas.microsoft.com/office/drawing/2014/main" xmlns="" id="{CB85C345-8ED8-0184-A482-752AE4C0A4C6}"/>
               </a:ext>
             </a:extLst>
           </p:cNvPr>
@@ -25858,7 +26572,7 @@
           <p:cNvPr id="4" name="Picture 3">
             <a:extLst>
               <a:ext uri="{FF2B5EF4-FFF2-40B4-BE49-F238E27FC236}">
-                <a16:creationId xmlns:a16="http://schemas.microsoft.com/office/drawing/2014/main" id="{5E9F635D-DF29-C667-710E-2D22038C6B43}"/>
+                <a16:creationId xmlns:a16="http://schemas.microsoft.com/office/drawing/2014/main" xmlns="" id="{5E9F635D-DF29-C667-710E-2D22038C6B43}"/>
               </a:ext>
             </a:extLst>
           </p:cNvPr>
@@ -25923,7 +26637,7 @@
           <p:cNvPr id="2" name="Título 1">
             <a:extLst>
               <a:ext uri="{FF2B5EF4-FFF2-40B4-BE49-F238E27FC236}">
-                <a16:creationId xmlns:a16="http://schemas.microsoft.com/office/drawing/2014/main" id="{868D5143-C411-ADCB-BAB7-E5B85E844096}"/>
+                <a16:creationId xmlns:a16="http://schemas.microsoft.com/office/drawing/2014/main" xmlns="" id="{868D5143-C411-ADCB-BAB7-E5B85E844096}"/>
               </a:ext>
             </a:extLst>
           </p:cNvPr>
@@ -25951,7 +26665,7 @@
           <p:cNvPr id="3" name="Espaço Reservado para Conteúdo 2">
             <a:extLst>
               <a:ext uri="{FF2B5EF4-FFF2-40B4-BE49-F238E27FC236}">
-                <a16:creationId xmlns:a16="http://schemas.microsoft.com/office/drawing/2014/main" id="{CB85C345-8ED8-0184-A482-752AE4C0A4C6}"/>
+                <a16:creationId xmlns:a16="http://schemas.microsoft.com/office/drawing/2014/main" xmlns="" id="{CB85C345-8ED8-0184-A482-752AE4C0A4C6}"/>
               </a:ext>
             </a:extLst>
           </p:cNvPr>
@@ -25970,7 +26684,7 @@
         </p:spPr>
         <p:txBody>
           <a:bodyPr>
-            <a:normAutofit lnSpcReduction="10000"/>
+            <a:noAutofit/>
           </a:bodyPr>
           <a:lstStyle/>
           <a:p>
@@ -25980,7 +26694,6 @@
                   <a:srgbClr val="0F0F0F"/>
                 </a:solidFill>
                 <a:effectLst/>
-                <a:latin typeface="Söhne"/>
               </a:rPr>
               <a:t>Entretanto, o modelo treinado e validado com esta estratégia pode </a:t>
             </a:r>
@@ -25990,7 +26703,6 @@
                   <a:srgbClr val="7030A0"/>
                 </a:solidFill>
                 <a:effectLst/>
-                <a:latin typeface="Söhne"/>
               </a:rPr>
               <a:t>apresentar desempenho ruim</a:t>
             </a:r>
@@ -26000,7 +26712,6 @@
                   <a:srgbClr val="0F0F0F"/>
                 </a:solidFill>
                 <a:effectLst/>
-                <a:latin typeface="Söhne"/>
               </a:rPr>
               <a:t> </a:t>
             </a:r>
@@ -26010,7 +26721,6 @@
                   <a:srgbClr val="00B050"/>
                 </a:solidFill>
                 <a:effectLst/>
-                <a:latin typeface="Söhne"/>
               </a:rPr>
               <a:t>se a divisão</a:t>
             </a:r>
@@ -26020,7 +26730,6 @@
                   <a:srgbClr val="0F0F0F"/>
                 </a:solidFill>
                 <a:effectLst/>
-                <a:latin typeface="Söhne"/>
               </a:rPr>
               <a:t> dos dados </a:t>
             </a:r>
@@ -26030,9 +26739,26 @@
                   <a:srgbClr val="00B050"/>
                 </a:solidFill>
                 <a:effectLst/>
-                <a:latin typeface="Söhne"/>
               </a:rPr>
-              <a:t>não for representativa do padrão presente nos dados</a:t>
+              <a:t>não for </a:t>
+            </a:r>
+            <a:r>
+              <a:rPr lang="pt-BR" b="1" i="1" dirty="0">
+                <a:solidFill>
+                  <a:schemeClr val="accent2"/>
+                </a:solidFill>
+                <a:effectLst/>
+              </a:rPr>
+              <a:t>representativa</a:t>
+            </a:r>
+            <a:r>
+              <a:rPr lang="pt-BR" b="1" i="1" dirty="0">
+                <a:solidFill>
+                  <a:srgbClr val="00B050"/>
+                </a:solidFill>
+                <a:effectLst/>
+              </a:rPr>
+              <a:t> do padrão presente nos dados</a:t>
             </a:r>
             <a:r>
               <a:rPr lang="pt-BR" b="0" i="0" dirty="0">
@@ -26040,7 +26766,6 @@
                   <a:srgbClr val="0F0F0F"/>
                 </a:solidFill>
                 <a:effectLst/>
-                <a:latin typeface="Söhne"/>
               </a:rPr>
               <a:t>.</a:t>
             </a:r>
@@ -26055,7 +26780,6 @@
                 <a:solidFill>
                   <a:srgbClr val="0F0F0F"/>
                 </a:solidFill>
-                <a:latin typeface="Söhne"/>
               </a:rPr>
               <a:t>Problema conhecido como </a:t>
             </a:r>
@@ -26064,7 +26788,6 @@
                 <a:solidFill>
                   <a:srgbClr val="7030A0"/>
                 </a:solidFill>
-                <a:latin typeface="Söhne"/>
               </a:rPr>
               <a:t>viés de seleção</a:t>
             </a:r>
@@ -26073,7 +26796,6 @@
                 <a:solidFill>
                   <a:srgbClr val="0F0F0F"/>
                 </a:solidFill>
-                <a:latin typeface="Söhne"/>
               </a:rPr>
               <a:t>.</a:t>
             </a:r>
@@ -26081,161 +26803,13 @@
           <a:p>
             <a:r>
               <a:rPr lang="pt-BR" dirty="0"/>
-              <a:t>O desempenho do modelo pode variar muito dependendo da divisão dos dados.</a:t>
-            </a:r>
-          </a:p>
-          <a:p>
-            <a:r>
-              <a:rPr lang="pt-BR" b="0" i="0" dirty="0">
-                <a:solidFill>
-                  <a:srgbClr val="0F0F0F"/>
-                </a:solidFill>
-                <a:effectLst/>
-                <a:latin typeface="Söhne"/>
-              </a:rPr>
-              <a:t>Além disso, a </a:t>
-            </a:r>
-            <a:r>
-              <a:rPr lang="pt-BR" b="1" i="1" dirty="0">
-                <a:solidFill>
-                  <a:srgbClr val="002060"/>
-                </a:solidFill>
-                <a:effectLst/>
-                <a:latin typeface="Söhne"/>
-              </a:rPr>
-              <a:t>divisão única</a:t>
-            </a:r>
-            <a:r>
-              <a:rPr lang="pt-BR" b="0" i="0" dirty="0">
-                <a:solidFill>
-                  <a:srgbClr val="0F0F0F"/>
-                </a:solidFill>
-                <a:effectLst/>
-                <a:latin typeface="Söhne"/>
-              </a:rPr>
-              <a:t> pode </a:t>
-            </a:r>
-            <a:r>
-              <a:rPr lang="pt-BR" b="1" i="1" dirty="0">
-                <a:solidFill>
-                  <a:srgbClr val="002060"/>
-                </a:solidFill>
-                <a:effectLst/>
-                <a:latin typeface="Söhne"/>
-              </a:rPr>
-              <a:t>não fornecer</a:t>
-            </a:r>
-            <a:r>
-              <a:rPr lang="pt-BR" b="0" i="0" dirty="0">
-                <a:solidFill>
-                  <a:srgbClr val="0F0F0F"/>
-                </a:solidFill>
-                <a:effectLst/>
-                <a:latin typeface="Söhne"/>
-              </a:rPr>
-              <a:t> uma </a:t>
-            </a:r>
-            <a:r>
-              <a:rPr lang="pt-BR" b="1" i="1" dirty="0">
-                <a:solidFill>
-                  <a:srgbClr val="002060"/>
-                </a:solidFill>
-                <a:effectLst/>
-                <a:latin typeface="Söhne"/>
-              </a:rPr>
-              <a:t>estimativa robusta do desempenho</a:t>
-            </a:r>
-            <a:r>
-              <a:rPr lang="pt-BR" b="0" i="0" dirty="0">
-                <a:solidFill>
-                  <a:srgbClr val="0F0F0F"/>
-                </a:solidFill>
-                <a:effectLst/>
-                <a:latin typeface="Söhne"/>
-              </a:rPr>
-              <a:t> do modelo.</a:t>
-            </a:r>
-          </a:p>
-          <a:p>
-            <a:r>
-              <a:rPr lang="pt-BR" dirty="0">
-                <a:solidFill>
-                  <a:srgbClr val="0F0F0F"/>
-                </a:solidFill>
-                <a:latin typeface="Söhne"/>
-              </a:rPr>
-              <a:t>Em geral, usa-se o </a:t>
-            </a:r>
-            <a:r>
-              <a:rPr lang="pt-BR" i="1" dirty="0">
-                <a:solidFill>
-                  <a:srgbClr val="0F0F0F"/>
-                </a:solidFill>
-                <a:latin typeface="Söhne"/>
-              </a:rPr>
-              <a:t>holdout</a:t>
-            </a:r>
-            <a:r>
-              <a:rPr lang="pt-BR" dirty="0">
-                <a:solidFill>
-                  <a:srgbClr val="0F0F0F"/>
-                </a:solidFill>
-                <a:latin typeface="Söhne"/>
-              </a:rPr>
-              <a:t> quando o </a:t>
-            </a:r>
-            <a:r>
-              <a:rPr lang="pt-BR" b="1" i="1" dirty="0">
-                <a:solidFill>
-                  <a:srgbClr val="002060"/>
-                </a:solidFill>
-                <a:latin typeface="Söhne"/>
-              </a:rPr>
-              <a:t>conjunto de dados é </a:t>
-            </a:r>
-            <a:r>
-              <a:rPr lang="pt-BR" b="1" i="1" dirty="0">
-                <a:solidFill>
-                  <a:schemeClr val="accent2"/>
-                </a:solidFill>
-                <a:latin typeface="Söhne"/>
-              </a:rPr>
-              <a:t>muito grande</a:t>
-            </a:r>
-            <a:r>
-              <a:rPr lang="pt-BR" dirty="0">
-                <a:solidFill>
-                  <a:srgbClr val="0F0F0F"/>
-                </a:solidFill>
-                <a:latin typeface="Söhne"/>
-              </a:rPr>
-              <a:t>, o que </a:t>
-            </a:r>
-            <a:r>
-              <a:rPr lang="pt-BR" b="1" i="1" dirty="0">
-                <a:solidFill>
-                  <a:srgbClr val="002060"/>
-                </a:solidFill>
-                <a:latin typeface="Söhne"/>
-              </a:rPr>
-              <a:t>minimiza estes problemas</a:t>
-            </a:r>
-            <a:r>
-              <a:rPr lang="pt-BR" dirty="0">
-                <a:solidFill>
-                  <a:srgbClr val="0F0F0F"/>
-                </a:solidFill>
-                <a:latin typeface="Söhne"/>
-              </a:rPr>
+              <a:t>O desempenho do modelo pode variar muito dependendo da divisão dos dados</a:t>
+            </a:r>
+            <a:r>
+              <a:rPr lang="pt-BR" dirty="0" smtClean="0"/>
               <a:t>.</a:t>
             </a:r>
-            <a:endParaRPr lang="pt-BR" b="0" i="0" dirty="0">
-              <a:solidFill>
-                <a:srgbClr val="0F0F0F"/>
-              </a:solidFill>
-              <a:effectLst/>
-              <a:latin typeface="Söhne"/>
-            </a:endParaRPr>
+            <a:endParaRPr lang="pt-BR" dirty="0"/>
           </a:p>
         </p:txBody>
       </p:sp>
@@ -26244,7 +26818,7 @@
           <p:cNvPr id="9" name="Agrupar 8">
             <a:extLst>
               <a:ext uri="{FF2B5EF4-FFF2-40B4-BE49-F238E27FC236}">
-                <a16:creationId xmlns:a16="http://schemas.microsoft.com/office/drawing/2014/main" id="{8790114D-705D-A2FD-152D-BC7526271942}"/>
+                <a16:creationId xmlns:a16="http://schemas.microsoft.com/office/drawing/2014/main" xmlns="" id="{8790114D-705D-A2FD-152D-BC7526271942}"/>
               </a:ext>
             </a:extLst>
           </p:cNvPr>
@@ -26264,7 +26838,7 @@
             <p:cNvPr id="1026" name="Picture 2">
               <a:extLst>
                 <a:ext uri="{FF2B5EF4-FFF2-40B4-BE49-F238E27FC236}">
-                  <a16:creationId xmlns:a16="http://schemas.microsoft.com/office/drawing/2014/main" id="{5236B481-9A31-4B6C-70DD-CFE793850D66}"/>
+                  <a16:creationId xmlns:a16="http://schemas.microsoft.com/office/drawing/2014/main" xmlns="" id="{5236B481-9A31-4B6C-70DD-CFE793850D66}"/>
                 </a:ext>
               </a:extLst>
             </p:cNvPr>
@@ -26311,7 +26885,7 @@
             <p:cNvPr id="5" name="Retângulo 4">
               <a:extLst>
                 <a:ext uri="{FF2B5EF4-FFF2-40B4-BE49-F238E27FC236}">
-                  <a16:creationId xmlns:a16="http://schemas.microsoft.com/office/drawing/2014/main" id="{09135A67-3B39-D233-A370-BF0CA8B71DBD}"/>
+                  <a16:creationId xmlns:a16="http://schemas.microsoft.com/office/drawing/2014/main" xmlns="" id="{09135A67-3B39-D233-A370-BF0CA8B71DBD}"/>
                 </a:ext>
               </a:extLst>
             </p:cNvPr>
@@ -26363,7 +26937,7 @@
             <p:cNvPr id="6" name="Retângulo 5">
               <a:extLst>
                 <a:ext uri="{FF2B5EF4-FFF2-40B4-BE49-F238E27FC236}">
-                  <a16:creationId xmlns:a16="http://schemas.microsoft.com/office/drawing/2014/main" id="{390B2A3A-3E0A-42C7-54A8-43B734BF131A}"/>
+                  <a16:creationId xmlns:a16="http://schemas.microsoft.com/office/drawing/2014/main" xmlns="" id="{390B2A3A-3E0A-42C7-54A8-43B734BF131A}"/>
                 </a:ext>
               </a:extLst>
             </p:cNvPr>
@@ -26415,7 +26989,7 @@
             <p:cNvPr id="7" name="CaixaDeTexto 6">
               <a:extLst>
                 <a:ext uri="{FF2B5EF4-FFF2-40B4-BE49-F238E27FC236}">
-                  <a16:creationId xmlns:a16="http://schemas.microsoft.com/office/drawing/2014/main" id="{ED9F4D39-D8D4-9DED-3C4F-B943BACB648D}"/>
+                  <a16:creationId xmlns:a16="http://schemas.microsoft.com/office/drawing/2014/main" xmlns="" id="{ED9F4D39-D8D4-9DED-3C4F-B943BACB648D}"/>
                 </a:ext>
               </a:extLst>
             </p:cNvPr>
@@ -26450,7 +27024,7 @@
             <p:cNvPr id="8" name="CaixaDeTexto 7">
               <a:extLst>
                 <a:ext uri="{FF2B5EF4-FFF2-40B4-BE49-F238E27FC236}">
-                  <a16:creationId xmlns:a16="http://schemas.microsoft.com/office/drawing/2014/main" id="{2B2BE920-10D9-C217-7B9D-509A2E453543}"/>
+                  <a16:creationId xmlns:a16="http://schemas.microsoft.com/office/drawing/2014/main" xmlns="" id="{2B2BE920-10D9-C217-7B9D-509A2E453543}"/>
                 </a:ext>
               </a:extLst>
             </p:cNvPr>
@@ -26511,102 +27085,40 @@
           <a:chExt cx="0" cy="0"/>
         </a:xfrm>
       </p:grpSpPr>
-      <mc:AlternateContent xmlns:mc="http://schemas.openxmlformats.org/markup-compatibility/2006" xmlns:a14="http://schemas.microsoft.com/office/drawing/2010/main">
-        <mc:Choice Requires="a14">
-          <p:sp>
-            <p:nvSpPr>
-              <p:cNvPr id="2" name="Título 1">
-                <a:extLst>
-                  <a:ext uri="{FF2B5EF4-FFF2-40B4-BE49-F238E27FC236}">
-                    <a16:creationId xmlns:a16="http://schemas.microsoft.com/office/drawing/2014/main" id="{C5C2477C-2D2C-D4E3-DD60-2911128E0DD0}"/>
-                  </a:ext>
-                </a:extLst>
-              </p:cNvPr>
-              <p:cNvSpPr>
-                <a:spLocks noGrp="1"/>
-              </p:cNvSpPr>
-              <p:nvPr>
-                <p:ph type="title"/>
-              </p:nvPr>
-            </p:nvSpPr>
-            <p:spPr/>
-            <p:txBody>
-              <a:bodyPr/>
-              <a:lstStyle/>
-              <a:p>
-                <a14:m>
-                  <m:oMath xmlns:m="http://schemas.openxmlformats.org/officeDocument/2006/math">
-                    <m:r>
-                      <a:rPr lang="pt-BR" b="0" i="1" smtClean="0">
-                        <a:solidFill>
-                          <a:srgbClr val="0F0F0F"/>
-                        </a:solidFill>
-                        <a:effectLst/>
-                        <a:latin typeface="Cambria Math" panose="02040503050406030204" pitchFamily="18" charset="0"/>
-                      </a:rPr>
-                      <m:t>𝑘</m:t>
-                    </m:r>
-                  </m:oMath>
-                </a14:m>
-                <a:r>
-                  <a:rPr lang="pt-BR" dirty="0"/>
-                  <a:t>-</a:t>
-                </a:r>
-                <a:r>
-                  <a:rPr lang="pt-BR" dirty="0" err="1"/>
-                  <a:t>fold</a:t>
-                </a:r>
-                <a:endParaRPr lang="pt-BR" dirty="0"/>
-              </a:p>
-            </p:txBody>
-          </p:sp>
-        </mc:Choice>
-        <mc:Fallback xmlns="">
-          <p:sp>
-            <p:nvSpPr>
-              <p:cNvPr id="2" name="Título 1">
-                <a:extLst>
-                  <a:ext uri="{FF2B5EF4-FFF2-40B4-BE49-F238E27FC236}">
-                    <a16:creationId xmlns:a16="http://schemas.microsoft.com/office/drawing/2014/main" id="{C5C2477C-2D2C-D4E3-DD60-2911128E0DD0}"/>
-                  </a:ext>
-                </a:extLst>
-              </p:cNvPr>
-              <p:cNvSpPr>
-                <a:spLocks noGrp="1" noRot="1" noChangeAspect="1" noMove="1" noResize="1" noEditPoints="1" noAdjustHandles="1" noChangeArrowheads="1" noChangeShapeType="1" noTextEdit="1"/>
-              </p:cNvSpPr>
-              <p:nvPr>
-                <p:ph type="title"/>
-              </p:nvPr>
-            </p:nvSpPr>
-            <p:spPr>
-              <a:blipFill>
-                <a:blip r:embed="rId3"/>
-                <a:stretch>
-                  <a:fillRect/>
-                </a:stretch>
-              </a:blipFill>
-            </p:spPr>
-            <p:txBody>
-              <a:bodyPr/>
-              <a:lstStyle/>
-              <a:p>
-                <a:r>
-                  <a:rPr lang="pt-BR">
-                    <a:noFill/>
-                  </a:rPr>
-                  <a:t> </a:t>
-                </a:r>
-              </a:p>
-            </p:txBody>
-          </p:sp>
-        </mc:Fallback>
-      </mc:AlternateContent>
+      <p:sp>
+        <p:nvSpPr>
+          <p:cNvPr id="2" name="Título 1">
+            <a:extLst>
+              <a:ext uri="{FF2B5EF4-FFF2-40B4-BE49-F238E27FC236}">
+                <a16:creationId xmlns:a16="http://schemas.microsoft.com/office/drawing/2014/main" xmlns="" id="{868D5143-C411-ADCB-BAB7-E5B85E844096}"/>
+              </a:ext>
+            </a:extLst>
+          </p:cNvPr>
+          <p:cNvSpPr>
+            <a:spLocks noGrp="1"/>
+          </p:cNvSpPr>
+          <p:nvPr>
+            <p:ph type="title"/>
+          </p:nvPr>
+        </p:nvSpPr>
+        <p:spPr/>
+        <p:txBody>
+          <a:bodyPr/>
+          <a:lstStyle/>
+          <a:p>
+            <a:r>
+              <a:rPr lang="pt-BR" dirty="0"/>
+              <a:t>Holdout</a:t>
+            </a:r>
+          </a:p>
+        </p:txBody>
+      </p:sp>
       <p:sp>
         <p:nvSpPr>
           <p:cNvPr id="3" name="Espaço Reservado para Conteúdo 2">
             <a:extLst>
               <a:ext uri="{FF2B5EF4-FFF2-40B4-BE49-F238E27FC236}">
-                <a16:creationId xmlns:a16="http://schemas.microsoft.com/office/drawing/2014/main" id="{C81D5EE1-D440-6F4D-3F1E-ED8B0B4036BF}"/>
+                <a16:creationId xmlns:a16="http://schemas.microsoft.com/office/drawing/2014/main" xmlns="" id="{CB85C345-8ED8-0184-A482-752AE4C0A4C6}"/>
               </a:ext>
             </a:extLst>
           </p:cNvPr>
@@ -26619,57 +27131,24 @@
         </p:nvSpPr>
         <p:spPr>
           <a:xfrm>
-            <a:off x="5854700" y="1825624"/>
-            <a:ext cx="6197600" cy="5032375"/>
+            <a:off x="4856176" y="1825624"/>
+            <a:ext cx="7220324" cy="5032375"/>
           </a:xfrm>
         </p:spPr>
         <p:txBody>
           <a:bodyPr>
-            <a:normAutofit lnSpcReduction="10000"/>
+            <a:noAutofit/>
           </a:bodyPr>
           <a:lstStyle/>
           <a:p>
             <a:r>
-              <a:rPr lang="pt-BR" dirty="0"/>
-              <a:t>É uma estratégia mais elaborada do que a do </a:t>
-            </a:r>
-            <a:r>
-              <a:rPr lang="pt-BR" i="1" dirty="0" err="1"/>
-              <a:t>holdout</a:t>
-            </a:r>
-            <a:r>
-              <a:rPr lang="pt-BR" dirty="0"/>
-              <a:t>.</a:t>
-            </a:r>
-          </a:p>
-          <a:p>
-            <a:r>
-              <a:rPr lang="pt-BR" dirty="0">
+              <a:rPr lang="pt-BR" b="0" i="0" dirty="0" smtClean="0">
                 <a:solidFill>
                   <a:srgbClr val="0F0F0F"/>
                 </a:solidFill>
-                <a:latin typeface="Söhne"/>
+                <a:effectLst/>
               </a:rPr>
-              <a:t>A estratégia consiste em embaralhar (opcional) e </a:t>
-            </a:r>
-            <a:r>
-              <a:rPr lang="pt-BR" b="1" i="1" dirty="0">
-                <a:solidFill>
-                  <a:srgbClr val="00B050"/>
-                </a:solidFill>
-                <a:latin typeface="Söhne"/>
-              </a:rPr>
-              <a:t>dividir o </a:t>
-            </a:r>
-            <a:r>
-              <a:rPr lang="pt-BR" b="1" i="1" dirty="0">
-                <a:solidFill>
-                  <a:srgbClr val="00B050"/>
-                </a:solidFill>
-                <a:effectLst/>
-                <a:latin typeface="Söhne"/>
-              </a:rPr>
-              <a:t>conjunto total de dados em</a:t>
+              <a:t>Além </a:t>
             </a:r>
             <a:r>
               <a:rPr lang="pt-BR" b="0" i="0" dirty="0">
@@ -26677,28 +27156,17 @@
                   <a:srgbClr val="0F0F0F"/>
                 </a:solidFill>
                 <a:effectLst/>
-                <a:latin typeface="Söhne"/>
               </a:rPr>
-              <a:t> 𝒌</a:t>
-            </a:r>
-            <a:r>
-              <a:rPr lang="pt-BR" dirty="0">
-                <a:solidFill>
-                  <a:srgbClr val="0F0F0F"/>
-                </a:solidFill>
-                <a:latin typeface="Söhne"/>
-              </a:rPr>
-              <a:t> </a:t>
+              <a:t>disso, a </a:t>
             </a:r>
             <a:r>
               <a:rPr lang="pt-BR" b="1" i="1" dirty="0">
                 <a:solidFill>
-                  <a:srgbClr val="00B050"/>
+                  <a:srgbClr val="002060"/>
                 </a:solidFill>
                 <a:effectLst/>
-                <a:latin typeface="Söhne"/>
               </a:rPr>
-              <a:t>partes</a:t>
+              <a:t>divisão única</a:t>
             </a:r>
             <a:r>
               <a:rPr lang="pt-BR" b="0" i="0" dirty="0">
@@ -26706,19 +27174,17 @@
                   <a:srgbClr val="0F0F0F"/>
                 </a:solidFill>
                 <a:effectLst/>
-                <a:latin typeface="Söhne"/>
               </a:rPr>
-              <a:t> (ou </a:t>
-            </a:r>
-            <a:r>
-              <a:rPr lang="pt-BR" b="0" i="1" dirty="0">
+              <a:t> pode </a:t>
+            </a:r>
+            <a:r>
+              <a:rPr lang="pt-BR" b="1" i="1" dirty="0">
                 <a:solidFill>
-                  <a:srgbClr val="0F0F0F"/>
+                  <a:srgbClr val="002060"/>
                 </a:solidFill>
                 <a:effectLst/>
-                <a:latin typeface="Söhne"/>
               </a:rPr>
-              <a:t>folds</a:t>
+              <a:t>não fornecer</a:t>
             </a:r>
             <a:r>
               <a:rPr lang="pt-BR" b="0" i="0" dirty="0">
@@ -26726,19 +27192,17 @@
                   <a:srgbClr val="0F0F0F"/>
                 </a:solidFill>
                 <a:effectLst/>
-                <a:latin typeface="Söhne"/>
               </a:rPr>
-              <a:t>) </a:t>
+              <a:t> uma </a:t>
             </a:r>
             <a:r>
               <a:rPr lang="pt-BR" b="1" i="1" dirty="0">
                 <a:solidFill>
-                  <a:srgbClr val="00B050"/>
+                  <a:srgbClr val="002060"/>
                 </a:solidFill>
                 <a:effectLst/>
-                <a:latin typeface="Söhne"/>
               </a:rPr>
-              <a:t>iguais</a:t>
+              <a:t>estimativa robusta do desempenho</a:t>
             </a:r>
             <a:r>
               <a:rPr lang="pt-BR" b="0" i="0" dirty="0">
@@ -26746,126 +27210,139 @@
                   <a:srgbClr val="0F0F0F"/>
                 </a:solidFill>
                 <a:effectLst/>
-                <a:latin typeface="Söhne"/>
               </a:rPr>
-              <a:t>. </a:t>
-            </a:r>
-          </a:p>
-          <a:p>
-            <a:r>
-              <a:rPr lang="pt-BR" b="0" i="0" dirty="0">
+              <a:t> do </a:t>
+            </a:r>
+            <a:r>
+              <a:rPr lang="pt-BR" b="0" i="0" dirty="0" smtClean="0">
                 <a:solidFill>
                   <a:srgbClr val="0F0F0F"/>
                 </a:solidFill>
                 <a:effectLst/>
-                <a:latin typeface="Söhne"/>
               </a:rPr>
-              <a:t>O </a:t>
-            </a:r>
-            <a:r>
-              <a:rPr lang="pt-BR" b="1" i="1" dirty="0">
-                <a:solidFill>
-                  <a:srgbClr val="7030A0"/>
-                </a:solidFill>
-                <a:effectLst/>
-                <a:latin typeface="Söhne"/>
-              </a:rPr>
-              <a:t>modelo é treinado</a:t>
-            </a:r>
-            <a:r>
-              <a:rPr lang="pt-BR" b="0" i="0" dirty="0">
+              <a:t>modelo.</a:t>
+            </a:r>
+          </a:p>
+          <a:p>
+            <a:pPr lvl="1">
+              <a:buFont typeface="Wingdings" panose="05000000000000000000" pitchFamily="2" charset="2"/>
+              <a:buChar char="§"/>
+            </a:pPr>
+            <a:r>
+              <a:rPr lang="pt-BR" altLang="pt-BR" dirty="0" smtClean="0"/>
+              <a:t>Se </a:t>
+            </a:r>
+            <a:r>
+              <a:rPr lang="pt-BR" altLang="pt-BR" dirty="0"/>
+              <a:t>o conjunto de </a:t>
+            </a:r>
+            <a:r>
+              <a:rPr lang="pt-BR" altLang="pt-BR" dirty="0" smtClean="0"/>
+              <a:t>validação for </a:t>
+            </a:r>
+            <a:r>
+              <a:rPr lang="pt-BR" altLang="pt-BR" dirty="0"/>
+              <a:t>“fácil”, o desempenho parecerá melhor que o </a:t>
+            </a:r>
+            <a:r>
+              <a:rPr lang="pt-BR" altLang="pt-BR" dirty="0" smtClean="0"/>
+              <a:t>real.</a:t>
+            </a:r>
+          </a:p>
+          <a:p>
+            <a:pPr lvl="1">
+              <a:buFont typeface="Wingdings" panose="05000000000000000000" pitchFamily="2" charset="2"/>
+              <a:buChar char="§"/>
+            </a:pPr>
+            <a:r>
+              <a:rPr lang="pt-BR" altLang="pt-BR" dirty="0" smtClean="0"/>
+              <a:t>Se </a:t>
+            </a:r>
+            <a:r>
+              <a:rPr lang="pt-BR" altLang="pt-BR" dirty="0"/>
+              <a:t>for “difícil” ou pouco representativo, parecerá pior</a:t>
+            </a:r>
+            <a:r>
+              <a:rPr lang="pt-BR" altLang="pt-BR" dirty="0" smtClean="0"/>
+              <a:t>.</a:t>
+            </a:r>
+            <a:endParaRPr lang="pt-BR" b="0" i="0" dirty="0" smtClean="0">
+              <a:solidFill>
+                <a:srgbClr val="0F0F0F"/>
+              </a:solidFill>
+              <a:effectLst/>
+            </a:endParaRPr>
+          </a:p>
+          <a:p>
+            <a:r>
+              <a:rPr lang="pt-BR" dirty="0" smtClean="0">
                 <a:solidFill>
                   <a:srgbClr val="0F0F0F"/>
                 </a:solidFill>
-                <a:effectLst/>
-                <a:latin typeface="Söhne"/>
               </a:rPr>
-              <a:t> 𝒌 </a:t>
-            </a:r>
-            <a:r>
-              <a:rPr lang="pt-BR" b="1" i="1" dirty="0">
-                <a:solidFill>
-                  <a:srgbClr val="7030A0"/>
-                </a:solidFill>
-                <a:effectLst/>
-                <a:latin typeface="Söhne"/>
-              </a:rPr>
-              <a:t>vezes</a:t>
-            </a:r>
-            <a:r>
-              <a:rPr lang="pt-BR" b="0" i="0" dirty="0">
-                <a:solidFill>
-                  <a:srgbClr val="0F0F0F"/>
-                </a:solidFill>
-                <a:effectLst/>
-                <a:latin typeface="Söhne"/>
-              </a:rPr>
-              <a:t>, cada vez usando 𝒌</a:t>
-            </a:r>
-            <a:r>
-              <a:rPr lang="pt-BR" b="1" i="1" dirty="0">
-                <a:solidFill>
-                  <a:srgbClr val="0F0F0F"/>
-                </a:solidFill>
-                <a:effectLst/>
-                <a:latin typeface="Söhne"/>
-              </a:rPr>
-              <a:t>-1</a:t>
-            </a:r>
-            <a:r>
-              <a:rPr lang="pt-BR" b="0" i="0" dirty="0">
-                <a:solidFill>
-                  <a:srgbClr val="0F0F0F"/>
-                </a:solidFill>
-                <a:effectLst/>
-                <a:latin typeface="Söhne"/>
-              </a:rPr>
-              <a:t> partes como conjunto de treinamento e a parte restante como conjunto de validação.</a:t>
-            </a:r>
-          </a:p>
-          <a:p>
+              <a:t>Em </a:t>
+            </a:r>
             <a:r>
               <a:rPr lang="pt-BR" dirty="0">
                 <a:solidFill>
                   <a:srgbClr val="0F0F0F"/>
                 </a:solidFill>
-                <a:latin typeface="Söhne"/>
               </a:rPr>
-              <a:t>O </a:t>
-            </a:r>
-            <a:r>
-              <a:rPr lang="pt-BR" b="1" i="1" dirty="0">
+              <a:t>geral, usa-se o </a:t>
+            </a:r>
+            <a:r>
+              <a:rPr lang="pt-BR" i="1" dirty="0">
                 <a:solidFill>
-                  <a:srgbClr val="0070C0"/>
+                  <a:srgbClr val="0F0F0F"/>
                 </a:solidFill>
-                <a:latin typeface="Söhne"/>
               </a:rPr>
-              <a:t>EQM com cada conjunto de validação</a:t>
+              <a:t>holdout</a:t>
             </a:r>
             <a:r>
               <a:rPr lang="pt-BR" dirty="0">
                 <a:solidFill>
                   <a:srgbClr val="0F0F0F"/>
                 </a:solidFill>
-                <a:latin typeface="Söhne"/>
               </a:rPr>
-              <a:t> é calculado </a:t>
+              <a:t> quando o </a:t>
             </a:r>
             <a:r>
               <a:rPr lang="pt-BR" b="1" i="1" dirty="0">
                 <a:solidFill>
-                  <a:srgbClr val="0070C0"/>
+                  <a:srgbClr val="002060"/>
                 </a:solidFill>
-                <a:latin typeface="Söhne"/>
               </a:rPr>
-              <a:t>ao final de cada treinamento</a:t>
+              <a:t>conjunto de dados é </a:t>
+            </a:r>
+            <a:r>
+              <a:rPr lang="pt-BR" b="1" i="1" dirty="0">
+                <a:solidFill>
+                  <a:schemeClr val="accent2"/>
+                </a:solidFill>
+              </a:rPr>
+              <a:t>muito grande</a:t>
             </a:r>
             <a:r>
               <a:rPr lang="pt-BR" dirty="0">
                 <a:solidFill>
                   <a:srgbClr val="0F0F0F"/>
                 </a:solidFill>
-                <a:latin typeface="Söhne"/>
+              </a:rPr>
+              <a:t>, o que </a:t>
+            </a:r>
+            <a:r>
+              <a:rPr lang="pt-BR" b="1" i="1" dirty="0">
+                <a:solidFill>
+                  <a:srgbClr val="002060"/>
+                </a:solidFill>
+              </a:rPr>
+              <a:t>minimiza estes problemas</a:t>
+            </a:r>
+            <a:r>
+              <a:rPr lang="pt-BR" dirty="0">
+                <a:solidFill>
+                  <a:srgbClr val="0F0F0F"/>
+                </a:solidFill>
               </a:rPr>
               <a:t>.</a:t>
             </a:r>
@@ -26874,145 +27351,256 @@
                 <a:srgbClr val="0F0F0F"/>
               </a:solidFill>
               <a:effectLst/>
-              <a:latin typeface="Söhne"/>
             </a:endParaRPr>
           </a:p>
         </p:txBody>
       </p:sp>
-      <mc:AlternateContent xmlns:mc="http://schemas.openxmlformats.org/markup-compatibility/2006" xmlns:a14="http://schemas.microsoft.com/office/drawing/2010/main">
-        <mc:Choice Requires="a14">
-          <p:sp>
-            <p:nvSpPr>
-              <p:cNvPr id="5" name="CaixaDeTexto 4">
-                <a:extLst>
-                  <a:ext uri="{FF2B5EF4-FFF2-40B4-BE49-F238E27FC236}">
-                    <a16:creationId xmlns:a16="http://schemas.microsoft.com/office/drawing/2014/main" id="{3926FA82-F16F-7AE7-534B-5F7CB73CCD08}"/>
-                  </a:ext>
-                </a:extLst>
-              </p:cNvPr>
-              <p:cNvSpPr txBox="1"/>
-              <p:nvPr/>
-            </p:nvSpPr>
-            <p:spPr>
-              <a:xfrm>
-                <a:off x="1442175" y="1953195"/>
-                <a:ext cx="1360967" cy="584775"/>
-              </a:xfrm>
-              <a:prstGeom prst="rect">
-                <a:avLst/>
-              </a:prstGeom>
-              <a:noFill/>
-            </p:spPr>
-            <p:txBody>
-              <a:bodyPr wrap="square" rtlCol="0">
-                <a:spAutoFit/>
-              </a:bodyPr>
-              <a:lstStyle/>
-              <a:p>
-                <a:pPr algn="ctr"/>
-                <a14:m>
-                  <m:oMath xmlns:m="http://schemas.openxmlformats.org/officeDocument/2006/math">
-                    <m:r>
-                      <a:rPr lang="pt-BR" sz="3200" b="1" i="1" smtClean="0">
-                        <a:latin typeface="Cambria Math" panose="02040503050406030204" pitchFamily="18" charset="0"/>
-                      </a:rPr>
-                      <m:t>𝒌</m:t>
-                    </m:r>
-                  </m:oMath>
-                </a14:m>
-                <a:r>
-                  <a:rPr lang="pt-BR" sz="3200" b="1" dirty="0"/>
-                  <a:t> = 5</a:t>
-                </a:r>
-                <a:endParaRPr lang="en-US" sz="3200" b="1" dirty="0"/>
-              </a:p>
-            </p:txBody>
-          </p:sp>
-        </mc:Choice>
-        <mc:Fallback xmlns="">
-          <p:sp>
-            <p:nvSpPr>
-              <p:cNvPr id="5" name="CaixaDeTexto 4">
-                <a:extLst>
-                  <a:ext uri="{FF2B5EF4-FFF2-40B4-BE49-F238E27FC236}">
-                    <a16:creationId xmlns:a16="http://schemas.microsoft.com/office/drawing/2014/main" id="{3926FA82-F16F-7AE7-534B-5F7CB73CCD08}"/>
-                  </a:ext>
-                </a:extLst>
-              </p:cNvPr>
-              <p:cNvSpPr txBox="1">
-                <a:spLocks noRot="1" noChangeAspect="1" noMove="1" noResize="1" noEditPoints="1" noAdjustHandles="1" noChangeArrowheads="1" noChangeShapeType="1" noTextEdit="1"/>
-              </p:cNvSpPr>
-              <p:nvPr/>
-            </p:nvSpPr>
-            <p:spPr>
-              <a:xfrm>
-                <a:off x="1442175" y="1953195"/>
-                <a:ext cx="1360967" cy="584775"/>
-              </a:xfrm>
-              <a:prstGeom prst="rect">
-                <a:avLst/>
-              </a:prstGeom>
-              <a:blipFill>
-                <a:blip r:embed="rId4"/>
-                <a:stretch>
-                  <a:fillRect t="-12500" b="-34375"/>
-                </a:stretch>
-              </a:blipFill>
-            </p:spPr>
-            <p:txBody>
-              <a:bodyPr/>
-              <a:lstStyle/>
-              <a:p>
-                <a:r>
-                  <a:rPr lang="pt-BR">
-                    <a:noFill/>
-                  </a:rPr>
-                  <a:t> </a:t>
-                </a:r>
-              </a:p>
-            </p:txBody>
-          </p:sp>
-        </mc:Fallback>
-      </mc:AlternateContent>
-      <p:pic>
-        <p:nvPicPr>
-          <p:cNvPr id="10" name="Imagem 9">
+      <p:grpSp>
+        <p:nvGrpSpPr>
+          <p:cNvPr id="9" name="Agrupar 8">
             <a:extLst>
               <a:ext uri="{FF2B5EF4-FFF2-40B4-BE49-F238E27FC236}">
-                <a16:creationId xmlns:a16="http://schemas.microsoft.com/office/drawing/2014/main" id="{DEF6A211-DAF7-2C02-45BC-D2089FA5D178}"/>
+                <a16:creationId xmlns:a16="http://schemas.microsoft.com/office/drawing/2014/main" xmlns="" id="{8790114D-705D-A2FD-152D-BC7526271942}"/>
               </a:ext>
             </a:extLst>
           </p:cNvPr>
-          <p:cNvPicPr>
-            <a:picLocks noChangeAspect="1"/>
-          </p:cNvPicPr>
+          <p:cNvGrpSpPr/>
           <p:nvPr/>
-        </p:nvPicPr>
-        <p:blipFill rotWithShape="1">
-          <a:blip r:embed="rId5" cstate="print">
+        </p:nvGrpSpPr>
+        <p:grpSpPr>
+          <a:xfrm>
+            <a:off x="86630" y="2176298"/>
+            <a:ext cx="4600876" cy="3598860"/>
+            <a:chOff x="423511" y="2416929"/>
+            <a:chExt cx="4381727" cy="3392554"/>
+          </a:xfrm>
+        </p:grpSpPr>
+        <p:pic>
+          <p:nvPicPr>
+            <p:cNvPr id="1026" name="Picture 2">
+              <a:extLst>
+                <a:ext uri="{FF2B5EF4-FFF2-40B4-BE49-F238E27FC236}">
+                  <a16:creationId xmlns:a16="http://schemas.microsoft.com/office/drawing/2014/main" xmlns="" id="{5236B481-9A31-4B6C-70DD-CFE793850D66}"/>
+                </a:ext>
+              </a:extLst>
+            </p:cNvPr>
+            <p:cNvPicPr>
+              <a:picLocks noChangeAspect="1" noChangeArrowheads="1"/>
+            </p:cNvPicPr>
+            <p:nvPr/>
+          </p:nvPicPr>
+          <p:blipFill>
+            <a:blip r:embed="rId3">
+              <a:extLst>
+                <a:ext uri="{28A0092B-C50C-407E-A947-70E740481C1C}">
+                  <a14:useLocalDpi xmlns:a14="http://schemas.microsoft.com/office/drawing/2010/main" val="0"/>
+                </a:ext>
+              </a:extLst>
+            </a:blip>
+            <a:srcRect/>
+            <a:stretch>
+              <a:fillRect/>
+            </a:stretch>
+          </p:blipFill>
+          <p:spPr bwMode="auto">
+            <a:xfrm>
+              <a:off x="423511" y="2416929"/>
+              <a:ext cx="4381727" cy="3392554"/>
+            </a:xfrm>
+            <a:prstGeom prst="rect">
+              <a:avLst/>
+            </a:prstGeom>
+            <a:noFill/>
             <a:extLst>
-              <a:ext uri="{28A0092B-C50C-407E-A947-70E740481C1C}">
-                <a14:useLocalDpi xmlns:a14="http://schemas.microsoft.com/office/drawing/2010/main" val="0"/>
+              <a:ext uri="{909E8E84-426E-40DD-AFC4-6F175D3DCCD1}">
+                <a14:hiddenFill xmlns:a14="http://schemas.microsoft.com/office/drawing/2010/main">
+                  <a:solidFill>
+                    <a:srgbClr val="FFFFFF"/>
+                  </a:solidFill>
+                </a14:hiddenFill>
               </a:ext>
             </a:extLst>
-          </a:blip>
-          <a:srcRect l="1296" r="1"/>
-          <a:stretch/>
-        </p:blipFill>
-        <p:spPr>
-          <a:xfrm>
-            <a:off x="139700" y="2545335"/>
-            <a:ext cx="5613400" cy="3361882"/>
-          </a:xfrm>
-          <a:prstGeom prst="rect">
-            <a:avLst/>
-          </a:prstGeom>
-        </p:spPr>
-      </p:pic>
+          </p:spPr>
+        </p:pic>
+        <p:sp>
+          <p:nvSpPr>
+            <p:cNvPr id="5" name="Retângulo 4">
+              <a:extLst>
+                <a:ext uri="{FF2B5EF4-FFF2-40B4-BE49-F238E27FC236}">
+                  <a16:creationId xmlns:a16="http://schemas.microsoft.com/office/drawing/2014/main" xmlns="" id="{09135A67-3B39-D233-A370-BF0CA8B71DBD}"/>
+                </a:ext>
+              </a:extLst>
+            </p:cNvPr>
+            <p:cNvSpPr/>
+            <p:nvPr/>
+          </p:nvSpPr>
+          <p:spPr>
+            <a:xfrm>
+              <a:off x="1013460" y="3337560"/>
+              <a:ext cx="2743200" cy="1965960"/>
+            </a:xfrm>
+            <a:prstGeom prst="rect">
+              <a:avLst/>
+            </a:prstGeom>
+            <a:noFill/>
+            <a:ln w="28575">
+              <a:solidFill>
+                <a:srgbClr val="FF0000"/>
+              </a:solidFill>
+            </a:ln>
+          </p:spPr>
+          <p:style>
+            <a:lnRef idx="2">
+              <a:schemeClr val="accent1">
+                <a:shade val="15000"/>
+              </a:schemeClr>
+            </a:lnRef>
+            <a:fillRef idx="1">
+              <a:schemeClr val="accent1"/>
+            </a:fillRef>
+            <a:effectRef idx="0">
+              <a:schemeClr val="accent1"/>
+            </a:effectRef>
+            <a:fontRef idx="minor">
+              <a:schemeClr val="lt1"/>
+            </a:fontRef>
+          </p:style>
+          <p:txBody>
+            <a:bodyPr rtlCol="0" anchor="ctr"/>
+            <a:lstStyle/>
+            <a:p>
+              <a:pPr algn="ctr"/>
+              <a:endParaRPr lang="pt-BR"/>
+            </a:p>
+          </p:txBody>
+        </p:sp>
+        <p:sp>
+          <p:nvSpPr>
+            <p:cNvPr id="6" name="Retângulo 5">
+              <a:extLst>
+                <a:ext uri="{FF2B5EF4-FFF2-40B4-BE49-F238E27FC236}">
+                  <a16:creationId xmlns:a16="http://schemas.microsoft.com/office/drawing/2014/main" xmlns="" id="{390B2A3A-3E0A-42C7-54A8-43B734BF131A}"/>
+                </a:ext>
+              </a:extLst>
+            </p:cNvPr>
+            <p:cNvSpPr/>
+            <p:nvPr/>
+          </p:nvSpPr>
+          <p:spPr>
+            <a:xfrm>
+              <a:off x="3816351" y="2552700"/>
+              <a:ext cx="812800" cy="1682416"/>
+            </a:xfrm>
+            <a:prstGeom prst="rect">
+              <a:avLst/>
+            </a:prstGeom>
+            <a:noFill/>
+            <a:ln w="28575">
+              <a:solidFill>
+                <a:srgbClr val="00B050"/>
+              </a:solidFill>
+            </a:ln>
+          </p:spPr>
+          <p:style>
+            <a:lnRef idx="2">
+              <a:schemeClr val="accent1">
+                <a:shade val="15000"/>
+              </a:schemeClr>
+            </a:lnRef>
+            <a:fillRef idx="1">
+              <a:schemeClr val="accent1"/>
+            </a:fillRef>
+            <a:effectRef idx="0">
+              <a:schemeClr val="accent1"/>
+            </a:effectRef>
+            <a:fontRef idx="minor">
+              <a:schemeClr val="lt1"/>
+            </a:fontRef>
+          </p:style>
+          <p:txBody>
+            <a:bodyPr rtlCol="0" anchor="ctr"/>
+            <a:lstStyle/>
+            <a:p>
+              <a:pPr algn="ctr"/>
+              <a:endParaRPr lang="pt-BR"/>
+            </a:p>
+          </p:txBody>
+        </p:sp>
+        <p:sp>
+          <p:nvSpPr>
+            <p:cNvPr id="7" name="CaixaDeTexto 6">
+              <a:extLst>
+                <a:ext uri="{FF2B5EF4-FFF2-40B4-BE49-F238E27FC236}">
+                  <a16:creationId xmlns:a16="http://schemas.microsoft.com/office/drawing/2014/main" xmlns="" id="{ED9F4D39-D8D4-9DED-3C4F-B943BACB648D}"/>
+                </a:ext>
+              </a:extLst>
+            </p:cNvPr>
+            <p:cNvSpPr txBox="1"/>
+            <p:nvPr/>
+          </p:nvSpPr>
+          <p:spPr>
+            <a:xfrm>
+              <a:off x="1819136" y="3360571"/>
+              <a:ext cx="1131848" cy="307777"/>
+            </a:xfrm>
+            <a:prstGeom prst="rect">
+              <a:avLst/>
+            </a:prstGeom>
+            <a:noFill/>
+          </p:spPr>
+          <p:txBody>
+            <a:bodyPr wrap="none" rtlCol="0">
+              <a:spAutoFit/>
+            </a:bodyPr>
+            <a:lstStyle/>
+            <a:p>
+              <a:r>
+                <a:rPr lang="pt-BR" sz="1400" b="1" dirty="0"/>
+                <a:t>Treinamento</a:t>
+              </a:r>
+            </a:p>
+          </p:txBody>
+        </p:sp>
+        <p:sp>
+          <p:nvSpPr>
+            <p:cNvPr id="8" name="CaixaDeTexto 7">
+              <a:extLst>
+                <a:ext uri="{FF2B5EF4-FFF2-40B4-BE49-F238E27FC236}">
+                  <a16:creationId xmlns:a16="http://schemas.microsoft.com/office/drawing/2014/main" xmlns="" id="{2B2BE920-10D9-C217-7B9D-509A2E453543}"/>
+                </a:ext>
+              </a:extLst>
+            </p:cNvPr>
+            <p:cNvSpPr txBox="1"/>
+            <p:nvPr/>
+          </p:nvSpPr>
+          <p:spPr>
+            <a:xfrm>
+              <a:off x="3791644" y="4235116"/>
+              <a:ext cx="901529" cy="307777"/>
+            </a:xfrm>
+            <a:prstGeom prst="rect">
+              <a:avLst/>
+            </a:prstGeom>
+            <a:noFill/>
+          </p:spPr>
+          <p:txBody>
+            <a:bodyPr wrap="none" rtlCol="0">
+              <a:spAutoFit/>
+            </a:bodyPr>
+            <a:lstStyle/>
+            <a:p>
+              <a:r>
+                <a:rPr lang="pt-BR" sz="1400" b="1" dirty="0"/>
+                <a:t>Validação</a:t>
+              </a:r>
+            </a:p>
+          </p:txBody>
+        </p:sp>
+      </p:grpSp>
     </p:spTree>
     <p:extLst>
       <p:ext uri="{BB962C8B-B14F-4D97-AF65-F5344CB8AC3E}">
-        <p14:creationId xmlns:p14="http://schemas.microsoft.com/office/powerpoint/2010/main" val="3782528771"/>
+        <p14:creationId xmlns:p14="http://schemas.microsoft.com/office/powerpoint/2010/main" val="594904764"/>
       </p:ext>
     </p:extLst>
   </p:cSld>

--- a/slides/T319_Regressão_Linear (Parte V).pptx
+++ b/slides/T319_Regressão_Linear (Parte V).pptx
@@ -7137,7 +7137,7 @@
           <p:cNvPr id="2" name="Título 1">
             <a:extLst>
               <a:ext uri="{FF2B5EF4-FFF2-40B4-BE49-F238E27FC236}">
-                <a16:creationId xmlns:a16="http://schemas.microsoft.com/office/drawing/2014/main" xmlns="" id="{32666AC8-2E17-4DB4-B0F5-60C640CCFD2E}"/>
+                <a16:creationId xmlns="" xmlns:a16="http://schemas.microsoft.com/office/drawing/2014/main" id="{32666AC8-2E17-4DB4-B0F5-60C640CCFD2E}"/>
               </a:ext>
             </a:extLst>
           </p:cNvPr>
@@ -7183,7 +7183,7 @@
           <p:cNvPr id="4" name="CaixaDeTexto 3">
             <a:extLst>
               <a:ext uri="{FF2B5EF4-FFF2-40B4-BE49-F238E27FC236}">
-                <a16:creationId xmlns:a16="http://schemas.microsoft.com/office/drawing/2014/main" xmlns="" id="{430EB894-B7D4-434C-9D1A-A14094D9BEEC}"/>
+                <a16:creationId xmlns="" xmlns:a16="http://schemas.microsoft.com/office/drawing/2014/main" id="{430EB894-B7D4-434C-9D1A-A14094D9BEEC}"/>
               </a:ext>
             </a:extLst>
           </p:cNvPr>
@@ -7224,7 +7224,7 @@
           <p:cNvPr id="1026" name="Picture 2" descr="Logo">
             <a:extLst>
               <a:ext uri="{FF2B5EF4-FFF2-40B4-BE49-F238E27FC236}">
-                <a16:creationId xmlns:a16="http://schemas.microsoft.com/office/drawing/2014/main" xmlns="" id="{3F2642E0-4F6A-4196-8F58-E77D36E9A33F}"/>
+                <a16:creationId xmlns="" xmlns:a16="http://schemas.microsoft.com/office/drawing/2014/main" id="{3F2642E0-4F6A-4196-8F58-E77D36E9A33F}"/>
               </a:ext>
             </a:extLst>
           </p:cNvPr>
@@ -7269,7 +7269,7 @@
           <p:cNvPr id="5122" name="Picture 2" descr="Image result for machine learning">
             <a:extLst>
               <a:ext uri="{FF2B5EF4-FFF2-40B4-BE49-F238E27FC236}">
-                <a16:creationId xmlns:a16="http://schemas.microsoft.com/office/drawing/2014/main" xmlns="" id="{810CE0A2-4102-44A6-A370-175E7896CDCB}"/>
+                <a16:creationId xmlns="" xmlns:a16="http://schemas.microsoft.com/office/drawing/2014/main" id="{810CE0A2-4102-44A6-A370-175E7896CDCB}"/>
               </a:ext>
             </a:extLst>
           </p:cNvPr>
@@ -7346,7 +7346,7 @@
               <p:cNvPr id="2" name="Título 1">
                 <a:extLst>
                   <a:ext uri="{FF2B5EF4-FFF2-40B4-BE49-F238E27FC236}">
-                    <a16:creationId xmlns:a16="http://schemas.microsoft.com/office/drawing/2014/main" xmlns="" id="{C5C2477C-2D2C-D4E3-DD60-2911128E0DD0}"/>
+                    <a16:creationId xmlns="" xmlns:a16="http://schemas.microsoft.com/office/drawing/2014/main" id="{C5C2477C-2D2C-D4E3-DD60-2911128E0DD0}"/>
                   </a:ext>
                 </a:extLst>
               </p:cNvPr>
@@ -7434,7 +7434,7 @@
           <p:cNvPr id="3" name="Espaço Reservado para Conteúdo 2">
             <a:extLst>
               <a:ext uri="{FF2B5EF4-FFF2-40B4-BE49-F238E27FC236}">
-                <a16:creationId xmlns:a16="http://schemas.microsoft.com/office/drawing/2014/main" xmlns="" id="{C81D5EE1-D440-6F4D-3F1E-ED8B0B4036BF}"/>
+                <a16:creationId xmlns="" xmlns:a16="http://schemas.microsoft.com/office/drawing/2014/main" id="{C81D5EE1-D440-6F4D-3F1E-ED8B0B4036BF}"/>
               </a:ext>
             </a:extLst>
           </p:cNvPr>
@@ -7690,7 +7690,7 @@
               <p:cNvPr id="5" name="CaixaDeTexto 4">
                 <a:extLst>
                   <a:ext uri="{FF2B5EF4-FFF2-40B4-BE49-F238E27FC236}">
-                    <a16:creationId xmlns:a16="http://schemas.microsoft.com/office/drawing/2014/main" xmlns="" id="{3926FA82-F16F-7AE7-534B-5F7CB73CCD08}"/>
+                    <a16:creationId xmlns="" xmlns:a16="http://schemas.microsoft.com/office/drawing/2014/main" id="{3926FA82-F16F-7AE7-534B-5F7CB73CCD08}"/>
                   </a:ext>
                 </a:extLst>
               </p:cNvPr>
@@ -7783,7 +7783,7 @@
           <p:cNvPr id="10" name="Imagem 9">
             <a:extLst>
               <a:ext uri="{FF2B5EF4-FFF2-40B4-BE49-F238E27FC236}">
-                <a16:creationId xmlns:a16="http://schemas.microsoft.com/office/drawing/2014/main" xmlns="" id="{DEF6A211-DAF7-2C02-45BC-D2089FA5D178}"/>
+                <a16:creationId xmlns="" xmlns:a16="http://schemas.microsoft.com/office/drawing/2014/main" id="{DEF6A211-DAF7-2C02-45BC-D2089FA5D178}"/>
               </a:ext>
             </a:extLst>
           </p:cNvPr>
@@ -7850,7 +7850,7 @@
               <p:cNvPr id="2" name="Título 1">
                 <a:extLst>
                   <a:ext uri="{FF2B5EF4-FFF2-40B4-BE49-F238E27FC236}">
-                    <a16:creationId xmlns:a16="http://schemas.microsoft.com/office/drawing/2014/main" xmlns="" id="{9FBE2970-3CBA-404B-4074-AEE02EAAB9A6}"/>
+                    <a16:creationId xmlns="" xmlns:a16="http://schemas.microsoft.com/office/drawing/2014/main" id="{9FBE2970-3CBA-404B-4074-AEE02EAAB9A6}"/>
                   </a:ext>
                 </a:extLst>
               </p:cNvPr>
@@ -7938,7 +7938,7 @@
           <p:cNvPr id="3" name="Espaço Reservado para Conteúdo 2">
             <a:extLst>
               <a:ext uri="{FF2B5EF4-FFF2-40B4-BE49-F238E27FC236}">
-                <a16:creationId xmlns:a16="http://schemas.microsoft.com/office/drawing/2014/main" xmlns="" id="{F55CE789-94DC-AEE8-1D38-D05D40B0BF3A}"/>
+                <a16:creationId xmlns="" xmlns:a16="http://schemas.microsoft.com/office/drawing/2014/main" id="{F55CE789-94DC-AEE8-1D38-D05D40B0BF3A}"/>
               </a:ext>
             </a:extLst>
           </p:cNvPr>
@@ -8099,7 +8099,7 @@
           <p:cNvPr id="4" name="Imagem 3">
             <a:extLst>
               <a:ext uri="{FF2B5EF4-FFF2-40B4-BE49-F238E27FC236}">
-                <a16:creationId xmlns:a16="http://schemas.microsoft.com/office/drawing/2014/main" xmlns="" id="{4F49A66D-EE2E-954C-CE06-20034C4D7B7C}"/>
+                <a16:creationId xmlns="" xmlns:a16="http://schemas.microsoft.com/office/drawing/2014/main" id="{4F49A66D-EE2E-954C-CE06-20034C4D7B7C}"/>
               </a:ext>
             </a:extLst>
           </p:cNvPr>
@@ -8136,7 +8136,7 @@
               <p:cNvPr id="5" name="CaixaDeTexto 4">
                 <a:extLst>
                   <a:ext uri="{FF2B5EF4-FFF2-40B4-BE49-F238E27FC236}">
-                    <a16:creationId xmlns:a16="http://schemas.microsoft.com/office/drawing/2014/main" xmlns="" id="{A35580BE-2693-7A2B-E389-307D19EBC7B1}"/>
+                    <a16:creationId xmlns="" xmlns:a16="http://schemas.microsoft.com/office/drawing/2014/main" id="{A35580BE-2693-7A2B-E389-307D19EBC7B1}"/>
                   </a:ext>
                 </a:extLst>
               </p:cNvPr>
@@ -8261,7 +8261,7 @@
               <p:cNvPr id="2" name="Título 1">
                 <a:extLst>
                   <a:ext uri="{FF2B5EF4-FFF2-40B4-BE49-F238E27FC236}">
-                    <a16:creationId xmlns:a16="http://schemas.microsoft.com/office/drawing/2014/main" xmlns="" id="{39771852-6C63-AF70-4850-767FD5F1D2F6}"/>
+                    <a16:creationId xmlns="" xmlns:a16="http://schemas.microsoft.com/office/drawing/2014/main" id="{39771852-6C63-AF70-4850-767FD5F1D2F6}"/>
                   </a:ext>
                 </a:extLst>
               </p:cNvPr>
@@ -8344,14 +8344,14 @@
           </p:sp>
         </mc:Fallback>
       </mc:AlternateContent>
-      <mc:AlternateContent xmlns:mc="http://schemas.openxmlformats.org/markup-compatibility/2006">
-        <mc:Choice xmlns:a14="http://schemas.microsoft.com/office/drawing/2010/main" Requires="a14">
+      <mc:AlternateContent xmlns:mc="http://schemas.openxmlformats.org/markup-compatibility/2006" xmlns:a14="http://schemas.microsoft.com/office/drawing/2010/main">
+        <mc:Choice Requires="a14">
           <p:sp>
             <p:nvSpPr>
               <p:cNvPr id="3" name="Espaço Reservado para Conteúdo 2">
                 <a:extLst>
                   <a:ext uri="{FF2B5EF4-FFF2-40B4-BE49-F238E27FC236}">
-                    <a16:creationId xmlns:a16="http://schemas.microsoft.com/office/drawing/2014/main" xmlns="" id="{86A88D6D-1190-332D-27ED-32512817224F}"/>
+                    <a16:creationId xmlns="" xmlns:a16="http://schemas.microsoft.com/office/drawing/2014/main" id="{86A88D6D-1190-332D-27ED-32512817224F}"/>
                   </a:ext>
                 </a:extLst>
               </p:cNvPr>
@@ -8386,6 +8386,7 @@
                           <a:srgbClr val="0F0F0F"/>
                         </a:solidFill>
                         <a:effectLst/>
+                        <a:latin typeface="Cambria Math" panose="02040503050406030204" pitchFamily="18" charset="0"/>
                       </a:rPr>
                       <m:t>𝑘</m:t>
                     </m:r>
@@ -8533,6 +8534,7 @@
                           <a:srgbClr val="0F0F0F"/>
                         </a:solidFill>
                         <a:effectLst/>
+                        <a:latin typeface="Cambria Math" panose="02040503050406030204" pitchFamily="18" charset="0"/>
                       </a:rPr>
                       <m:t>𝑘</m:t>
                     </m:r>
@@ -8602,7 +8604,7 @@
             </p:txBody>
           </p:sp>
         </mc:Choice>
-        <mc:Fallback>
+        <mc:Fallback xmlns="">
           <p:sp>
             <p:nvSpPr>
               <p:cNvPr id="3" name="Espaço Reservado para Conteúdo 2">
@@ -8656,6 +8658,13 @@
   <p:clrMapOvr>
     <a:masterClrMapping/>
   </p:clrMapOvr>
+  <p:timing>
+    <p:tnLst>
+      <p:par>
+        <p:cTn id="1" dur="indefinite" restart="never" nodeType="tmRoot"/>
+      </p:par>
+    </p:tnLst>
+  </p:timing>
 </p:sld>
 </file>
 
@@ -8681,7 +8690,7 @@
           <p:cNvPr id="2" name="Título 1">
             <a:extLst>
               <a:ext uri="{FF2B5EF4-FFF2-40B4-BE49-F238E27FC236}">
-                <a16:creationId xmlns:a16="http://schemas.microsoft.com/office/drawing/2014/main" xmlns="" id="{1876A212-EF96-EA5E-7FBB-0769B8C1F996}"/>
+                <a16:creationId xmlns="" xmlns:a16="http://schemas.microsoft.com/office/drawing/2014/main" id="{1876A212-EF96-EA5E-7FBB-0769B8C1F996}"/>
               </a:ext>
             </a:extLst>
           </p:cNvPr>
@@ -8708,11 +8717,7 @@
             </a:r>
             <a:r>
               <a:rPr lang="pt-BR" dirty="0"/>
-              <a:t>o grau do polinômio </a:t>
-            </a:r>
-            <a:r>
-              <a:rPr lang="pt-BR" dirty="0"/>
-              <a:t>aproximador com </a:t>
+              <a:t>o grau do polinômio aproximador com </a:t>
             </a:r>
             <a:r>
               <a:rPr lang="pt-BR" dirty="0" smtClean="0"/>
@@ -8729,7 +8734,7 @@
               <p:cNvPr id="3" name="Espaço Reservado para Conteúdo 2">
                 <a:extLst>
                   <a:ext uri="{FF2B5EF4-FFF2-40B4-BE49-F238E27FC236}">
-                    <a16:creationId xmlns:a16="http://schemas.microsoft.com/office/drawing/2014/main" xmlns="" id="{782C0558-FE85-A571-6C51-C40B36B884B3}"/>
+                    <a16:creationId xmlns="" xmlns:a16="http://schemas.microsoft.com/office/drawing/2014/main" id="{782C0558-FE85-A571-6C51-C40B36B884B3}"/>
                   </a:ext>
                 </a:extLst>
               </p:cNvPr>
@@ -9052,7 +9057,7 @@
           <p:cNvPr id="1026" name="Picture 2">
             <a:extLst>
               <a:ext uri="{FF2B5EF4-FFF2-40B4-BE49-F238E27FC236}">
-                <a16:creationId xmlns:a16="http://schemas.microsoft.com/office/drawing/2014/main" xmlns="" id="{F008AD83-55D8-BB3D-574B-2DDF5BA103C2}"/>
+                <a16:creationId xmlns="" xmlns:a16="http://schemas.microsoft.com/office/drawing/2014/main" id="{F008AD83-55D8-BB3D-574B-2DDF5BA103C2}"/>
               </a:ext>
             </a:extLst>
           </p:cNvPr>
@@ -9099,7 +9104,7 @@
           <p:cNvPr id="6" name="Rectangle 5">
             <a:extLst>
               <a:ext uri="{FF2B5EF4-FFF2-40B4-BE49-F238E27FC236}">
-                <a16:creationId xmlns:a16="http://schemas.microsoft.com/office/drawing/2014/main" xmlns="" id="{DEB643DB-8C0B-EF1B-48F4-62B1397ABCBD}"/>
+                <a16:creationId xmlns="" xmlns:a16="http://schemas.microsoft.com/office/drawing/2014/main" id="{DEB643DB-8C0B-EF1B-48F4-62B1397ABCBD}"/>
               </a:ext>
             </a:extLst>
           </p:cNvPr>
@@ -9148,6 +9153,13 @@
   <p:clrMapOvr>
     <a:masterClrMapping/>
   </p:clrMapOvr>
+  <p:timing>
+    <p:tnLst>
+      <p:par>
+        <p:cTn id="1" dur="indefinite" restart="never" nodeType="tmRoot"/>
+      </p:par>
+    </p:tnLst>
+  </p:timing>
 </p:sld>
 </file>
 
@@ -9173,7 +9185,7 @@
           <p:cNvPr id="2" name="Título 1">
             <a:extLst>
               <a:ext uri="{FF2B5EF4-FFF2-40B4-BE49-F238E27FC236}">
-                <a16:creationId xmlns:a16="http://schemas.microsoft.com/office/drawing/2014/main" xmlns="" id="{03A90728-D6F2-D90A-977C-52C5377EB8D9}"/>
+                <a16:creationId xmlns="" xmlns:a16="http://schemas.microsoft.com/office/drawing/2014/main" id="{03A90728-D6F2-D90A-977C-52C5377EB8D9}"/>
               </a:ext>
             </a:extLst>
           </p:cNvPr>
@@ -9203,7 +9215,7 @@
               <p:cNvPr id="3" name="Espaço Reservado para Conteúdo 2">
                 <a:extLst>
                   <a:ext uri="{FF2B5EF4-FFF2-40B4-BE49-F238E27FC236}">
-                    <a16:creationId xmlns:a16="http://schemas.microsoft.com/office/drawing/2014/main" xmlns="" id="{669B1AC1-E860-DDCC-28D4-468A7D4571A1}"/>
+                    <a16:creationId xmlns="" xmlns:a16="http://schemas.microsoft.com/office/drawing/2014/main" id="{669B1AC1-E860-DDCC-28D4-468A7D4571A1}"/>
                   </a:ext>
                 </a:extLst>
               </p:cNvPr>
@@ -9388,7 +9400,7 @@
           <p:cNvPr id="1026" name="Picture 2">
             <a:extLst>
               <a:ext uri="{FF2B5EF4-FFF2-40B4-BE49-F238E27FC236}">
-                <a16:creationId xmlns:a16="http://schemas.microsoft.com/office/drawing/2014/main" xmlns="" id="{4F75ACCB-B9A7-06FB-FE2D-CBB76CA16EBD}"/>
+                <a16:creationId xmlns="" xmlns:a16="http://schemas.microsoft.com/office/drawing/2014/main" id="{4F75ACCB-B9A7-06FB-FE2D-CBB76CA16EBD}"/>
               </a:ext>
             </a:extLst>
           </p:cNvPr>
@@ -9435,7 +9447,7 @@
           <p:cNvPr id="4" name="TextBox 10">
             <a:extLst>
               <a:ext uri="{FF2B5EF4-FFF2-40B4-BE49-F238E27FC236}">
-                <a16:creationId xmlns:a16="http://schemas.microsoft.com/office/drawing/2014/main" xmlns="" id="{F6ED7AC7-492A-4B4C-ACE9-E25912422FBD}"/>
+                <a16:creationId xmlns="" xmlns:a16="http://schemas.microsoft.com/office/drawing/2014/main" id="{F6ED7AC7-492A-4B4C-ACE9-E25912422FBD}"/>
               </a:ext>
             </a:extLst>
           </p:cNvPr>
@@ -9471,7 +9483,7 @@
           <p:cNvPr id="5" name="Straight Arrow Connector 12">
             <a:extLst>
               <a:ext uri="{FF2B5EF4-FFF2-40B4-BE49-F238E27FC236}">
-                <a16:creationId xmlns:a16="http://schemas.microsoft.com/office/drawing/2014/main" xmlns="" id="{9D06FFF8-E11B-764F-BA62-7395A1C463C7}"/>
+                <a16:creationId xmlns="" xmlns:a16="http://schemas.microsoft.com/office/drawing/2014/main" id="{9D06FFF8-E11B-764F-BA62-7395A1C463C7}"/>
               </a:ext>
             </a:extLst>
           </p:cNvPr>
@@ -9516,7 +9528,7 @@
           <p:cNvPr id="6" name="TextBox 14">
             <a:extLst>
               <a:ext uri="{FF2B5EF4-FFF2-40B4-BE49-F238E27FC236}">
-                <a16:creationId xmlns:a16="http://schemas.microsoft.com/office/drawing/2014/main" xmlns="" id="{DFC05649-0887-99DD-9BAB-C5E24BB47EAE}"/>
+                <a16:creationId xmlns="" xmlns:a16="http://schemas.microsoft.com/office/drawing/2014/main" id="{DFC05649-0887-99DD-9BAB-C5E24BB47EAE}"/>
               </a:ext>
             </a:extLst>
           </p:cNvPr>
@@ -9552,7 +9564,7 @@
           <p:cNvPr id="9" name="Straight Arrow Connector 20">
             <a:extLst>
               <a:ext uri="{FF2B5EF4-FFF2-40B4-BE49-F238E27FC236}">
-                <a16:creationId xmlns:a16="http://schemas.microsoft.com/office/drawing/2014/main" xmlns="" id="{85DE8C23-0176-65EA-13BF-724F7A54BEAE}"/>
+                <a16:creationId xmlns="" xmlns:a16="http://schemas.microsoft.com/office/drawing/2014/main" id="{85DE8C23-0176-65EA-13BF-724F7A54BEAE}"/>
               </a:ext>
             </a:extLst>
           </p:cNvPr>
@@ -9598,7 +9610,7 @@
           <p:cNvPr id="10" name="TextBox 22">
             <a:extLst>
               <a:ext uri="{FF2B5EF4-FFF2-40B4-BE49-F238E27FC236}">
-                <a16:creationId xmlns:a16="http://schemas.microsoft.com/office/drawing/2014/main" xmlns="" id="{21C7FE49-670C-A877-60B0-26555B2E8752}"/>
+                <a16:creationId xmlns="" xmlns:a16="http://schemas.microsoft.com/office/drawing/2014/main" id="{21C7FE49-670C-A877-60B0-26555B2E8752}"/>
               </a:ext>
             </a:extLst>
           </p:cNvPr>
@@ -9641,7 +9653,7 @@
           <p:cNvPr id="11" name="Straight Arrow Connector 23">
             <a:extLst>
               <a:ext uri="{FF2B5EF4-FFF2-40B4-BE49-F238E27FC236}">
-                <a16:creationId xmlns:a16="http://schemas.microsoft.com/office/drawing/2014/main" xmlns="" id="{E8E08E76-555D-EE74-8100-102DA56B409C}"/>
+                <a16:creationId xmlns="" xmlns:a16="http://schemas.microsoft.com/office/drawing/2014/main" id="{E8E08E76-555D-EE74-8100-102DA56B409C}"/>
               </a:ext>
             </a:extLst>
           </p:cNvPr>
@@ -9686,7 +9698,7 @@
           <p:cNvPr id="15" name="Forma Livre: Forma 14">
             <a:extLst>
               <a:ext uri="{FF2B5EF4-FFF2-40B4-BE49-F238E27FC236}">
-                <a16:creationId xmlns:a16="http://schemas.microsoft.com/office/drawing/2014/main" xmlns="" id="{9E53E231-5C1C-3A00-F067-646931B4BE3A}"/>
+                <a16:creationId xmlns="" xmlns:a16="http://schemas.microsoft.com/office/drawing/2014/main" id="{9E53E231-5C1C-3A00-F067-646931B4BE3A}"/>
               </a:ext>
             </a:extLst>
           </p:cNvPr>
@@ -9789,7 +9801,7 @@
           <p:cNvPr id="22" name="Retângulo 21">
             <a:extLst>
               <a:ext uri="{FF2B5EF4-FFF2-40B4-BE49-F238E27FC236}">
-                <a16:creationId xmlns:a16="http://schemas.microsoft.com/office/drawing/2014/main" xmlns="" id="{53B1DBD9-4EB3-219D-8E97-C76C0029AE7D}"/>
+                <a16:creationId xmlns="" xmlns:a16="http://schemas.microsoft.com/office/drawing/2014/main" id="{53B1DBD9-4EB3-219D-8E97-C76C0029AE7D}"/>
               </a:ext>
             </a:extLst>
           </p:cNvPr>
@@ -9841,7 +9853,7 @@
           <p:cNvPr id="23" name="Retângulo 22">
             <a:extLst>
               <a:ext uri="{FF2B5EF4-FFF2-40B4-BE49-F238E27FC236}">
-                <a16:creationId xmlns:a16="http://schemas.microsoft.com/office/drawing/2014/main" xmlns="" id="{BA83E3AA-7D83-81CA-AE38-903200A06C12}"/>
+                <a16:creationId xmlns="" xmlns:a16="http://schemas.microsoft.com/office/drawing/2014/main" id="{BA83E3AA-7D83-81CA-AE38-903200A06C12}"/>
               </a:ext>
             </a:extLst>
           </p:cNvPr>
@@ -9893,7 +9905,7 @@
           <p:cNvPr id="26" name="TextBox 22">
             <a:extLst>
               <a:ext uri="{FF2B5EF4-FFF2-40B4-BE49-F238E27FC236}">
-                <a16:creationId xmlns:a16="http://schemas.microsoft.com/office/drawing/2014/main" xmlns="" id="{9330585D-14BF-7E13-B2EB-4C15A4BE05AE}"/>
+                <a16:creationId xmlns="" xmlns:a16="http://schemas.microsoft.com/office/drawing/2014/main" id="{9330585D-14BF-7E13-B2EB-4C15A4BE05AE}"/>
               </a:ext>
             </a:extLst>
           </p:cNvPr>
@@ -9929,7 +9941,7 @@
           <p:cNvPr id="27" name="Straight Arrow Connector 20">
             <a:extLst>
               <a:ext uri="{FF2B5EF4-FFF2-40B4-BE49-F238E27FC236}">
-                <a16:creationId xmlns:a16="http://schemas.microsoft.com/office/drawing/2014/main" xmlns="" id="{3870277B-00D6-2B3C-EDD2-1EF26434A34C}"/>
+                <a16:creationId xmlns="" xmlns:a16="http://schemas.microsoft.com/office/drawing/2014/main" id="{3870277B-00D6-2B3C-EDD2-1EF26434A34C}"/>
               </a:ext>
             </a:extLst>
           </p:cNvPr>
@@ -9974,7 +9986,7 @@
           <p:cNvPr id="38" name="Elipse 37">
             <a:extLst>
               <a:ext uri="{FF2B5EF4-FFF2-40B4-BE49-F238E27FC236}">
-                <a16:creationId xmlns:a16="http://schemas.microsoft.com/office/drawing/2014/main" xmlns="" id="{32FAEE76-DC75-7820-EEFD-1A83FA6A51B6}"/>
+                <a16:creationId xmlns="" xmlns:a16="http://schemas.microsoft.com/office/drawing/2014/main" id="{32FAEE76-DC75-7820-EEFD-1A83FA6A51B6}"/>
               </a:ext>
             </a:extLst>
           </p:cNvPr>
@@ -10028,7 +10040,7 @@
           <p:cNvPr id="43" name="Straight Arrow Connector 20">
             <a:extLst>
               <a:ext uri="{FF2B5EF4-FFF2-40B4-BE49-F238E27FC236}">
-                <a16:creationId xmlns:a16="http://schemas.microsoft.com/office/drawing/2014/main" xmlns="" id="{1B1A462D-D45C-D498-E3C0-3187715590DD}"/>
+                <a16:creationId xmlns="" xmlns:a16="http://schemas.microsoft.com/office/drawing/2014/main" id="{1B1A462D-D45C-D498-E3C0-3187715590DD}"/>
               </a:ext>
             </a:extLst>
           </p:cNvPr>
@@ -10073,7 +10085,7 @@
           <p:cNvPr id="7" name="Chave Direita 6">
             <a:extLst>
               <a:ext uri="{FF2B5EF4-FFF2-40B4-BE49-F238E27FC236}">
-                <a16:creationId xmlns:a16="http://schemas.microsoft.com/office/drawing/2014/main" xmlns="" id="{75F5F5AA-95E3-C286-36F8-662E3D7CFD67}"/>
+                <a16:creationId xmlns="" xmlns:a16="http://schemas.microsoft.com/office/drawing/2014/main" id="{75F5F5AA-95E3-C286-36F8-662E3D7CFD67}"/>
               </a:ext>
             </a:extLst>
           </p:cNvPr>
@@ -10117,7 +10129,7 @@
           <p:cNvPr id="12" name="CaixaDeTexto 11">
             <a:extLst>
               <a:ext uri="{FF2B5EF4-FFF2-40B4-BE49-F238E27FC236}">
-                <a16:creationId xmlns:a16="http://schemas.microsoft.com/office/drawing/2014/main" xmlns="" id="{01ED7978-D805-7BA6-7934-6EA3F984FAFF}"/>
+                <a16:creationId xmlns="" xmlns:a16="http://schemas.microsoft.com/office/drawing/2014/main" id="{01ED7978-D805-7BA6-7934-6EA3F984FAFF}"/>
               </a:ext>
             </a:extLst>
           </p:cNvPr>
@@ -10153,7 +10165,7 @@
           <p:cNvPr id="13" name="Chave Direita 12">
             <a:extLst>
               <a:ext uri="{FF2B5EF4-FFF2-40B4-BE49-F238E27FC236}">
-                <a16:creationId xmlns:a16="http://schemas.microsoft.com/office/drawing/2014/main" xmlns="" id="{549A8137-0814-3951-63B8-D80836E1DFF1}"/>
+                <a16:creationId xmlns="" xmlns:a16="http://schemas.microsoft.com/office/drawing/2014/main" id="{549A8137-0814-3951-63B8-D80836E1DFF1}"/>
               </a:ext>
             </a:extLst>
           </p:cNvPr>
@@ -10197,7 +10209,7 @@
           <p:cNvPr id="14" name="CaixaDeTexto 13">
             <a:extLst>
               <a:ext uri="{FF2B5EF4-FFF2-40B4-BE49-F238E27FC236}">
-                <a16:creationId xmlns:a16="http://schemas.microsoft.com/office/drawing/2014/main" xmlns="" id="{24F7BAAC-DF5F-E21B-535A-AAC9CB256771}"/>
+                <a16:creationId xmlns="" xmlns:a16="http://schemas.microsoft.com/office/drawing/2014/main" id="{24F7BAAC-DF5F-E21B-535A-AAC9CB256771}"/>
               </a:ext>
             </a:extLst>
           </p:cNvPr>
@@ -10233,7 +10245,7 @@
           <p:cNvPr id="17" name="Chave Direita 16">
             <a:extLst>
               <a:ext uri="{FF2B5EF4-FFF2-40B4-BE49-F238E27FC236}">
-                <a16:creationId xmlns:a16="http://schemas.microsoft.com/office/drawing/2014/main" xmlns="" id="{C7A0A6A0-4890-8267-254B-135D8446CC30}"/>
+                <a16:creationId xmlns="" xmlns:a16="http://schemas.microsoft.com/office/drawing/2014/main" id="{C7A0A6A0-4890-8267-254B-135D8446CC30}"/>
               </a:ext>
             </a:extLst>
           </p:cNvPr>
@@ -10277,7 +10289,7 @@
           <p:cNvPr id="18" name="CaixaDeTexto 17">
             <a:extLst>
               <a:ext uri="{FF2B5EF4-FFF2-40B4-BE49-F238E27FC236}">
-                <a16:creationId xmlns:a16="http://schemas.microsoft.com/office/drawing/2014/main" xmlns="" id="{A0F21959-8E8C-6CB7-088A-AF3583AB7984}"/>
+                <a16:creationId xmlns="" xmlns:a16="http://schemas.microsoft.com/office/drawing/2014/main" id="{A0F21959-8E8C-6CB7-088A-AF3583AB7984}"/>
               </a:ext>
             </a:extLst>
           </p:cNvPr>
@@ -10318,6 +10330,13 @@
   <p:clrMapOvr>
     <a:masterClrMapping/>
   </p:clrMapOvr>
+  <p:timing>
+    <p:tnLst>
+      <p:par>
+        <p:cTn id="1" dur="indefinite" restart="never" nodeType="tmRoot"/>
+      </p:par>
+    </p:tnLst>
+  </p:timing>
 </p:sld>
 </file>
 
@@ -10345,7 +10364,7 @@
               <p:cNvPr id="2" name="Título 1">
                 <a:extLst>
                   <a:ext uri="{FF2B5EF4-FFF2-40B4-BE49-F238E27FC236}">
-                    <a16:creationId xmlns:a16="http://schemas.microsoft.com/office/drawing/2014/main" xmlns="" id="{03A90728-D6F2-D90A-977C-52C5377EB8D9}"/>
+                    <a16:creationId xmlns="" xmlns:a16="http://schemas.microsoft.com/office/drawing/2014/main" id="{03A90728-D6F2-D90A-977C-52C5377EB8D9}"/>
                   </a:ext>
                 </a:extLst>
               </p:cNvPr>
@@ -10440,7 +10459,7 @@
           <p:cNvPr id="3" name="Espaço Reservado para Conteúdo 2">
             <a:extLst>
               <a:ext uri="{FF2B5EF4-FFF2-40B4-BE49-F238E27FC236}">
-                <a16:creationId xmlns:a16="http://schemas.microsoft.com/office/drawing/2014/main" xmlns="" id="{669B1AC1-E860-DDCC-28D4-468A7D4571A1}"/>
+                <a16:creationId xmlns="" xmlns:a16="http://schemas.microsoft.com/office/drawing/2014/main" id="{669B1AC1-E860-DDCC-28D4-468A7D4571A1}"/>
               </a:ext>
             </a:extLst>
           </p:cNvPr>
@@ -10569,7 +10588,7 @@
           <p:cNvPr id="5" name="Picture 2">
             <a:extLst>
               <a:ext uri="{FF2B5EF4-FFF2-40B4-BE49-F238E27FC236}">
-                <a16:creationId xmlns:a16="http://schemas.microsoft.com/office/drawing/2014/main" xmlns="" id="{2BD4A147-EF73-8CFE-520C-857F9BFD51F7}"/>
+                <a16:creationId xmlns="" xmlns:a16="http://schemas.microsoft.com/office/drawing/2014/main" id="{2BD4A147-EF73-8CFE-520C-857F9BFD51F7}"/>
               </a:ext>
             </a:extLst>
           </p:cNvPr>
@@ -10614,7 +10633,7 @@
           <p:cNvPr id="6" name="Straight Arrow Connector 12">
             <a:extLst>
               <a:ext uri="{FF2B5EF4-FFF2-40B4-BE49-F238E27FC236}">
-                <a16:creationId xmlns:a16="http://schemas.microsoft.com/office/drawing/2014/main" xmlns="" id="{D0F3B5DC-31A3-8D2C-8C7C-2DC61D16638A}"/>
+                <a16:creationId xmlns="" xmlns:a16="http://schemas.microsoft.com/office/drawing/2014/main" id="{D0F3B5DC-31A3-8D2C-8C7C-2DC61D16638A}"/>
               </a:ext>
             </a:extLst>
           </p:cNvPr>
@@ -10659,7 +10678,7 @@
           <p:cNvPr id="7" name="TextBox 14">
             <a:extLst>
               <a:ext uri="{FF2B5EF4-FFF2-40B4-BE49-F238E27FC236}">
-                <a16:creationId xmlns:a16="http://schemas.microsoft.com/office/drawing/2014/main" xmlns="" id="{02D5EF9F-87A8-C253-A91A-C91117FF2EBA}"/>
+                <a16:creationId xmlns="" xmlns:a16="http://schemas.microsoft.com/office/drawing/2014/main" id="{02D5EF9F-87A8-C253-A91A-C91117FF2EBA}"/>
               </a:ext>
             </a:extLst>
           </p:cNvPr>
@@ -10695,7 +10714,7 @@
           <p:cNvPr id="8" name="Forma Livre: Forma 7">
             <a:extLst>
               <a:ext uri="{FF2B5EF4-FFF2-40B4-BE49-F238E27FC236}">
-                <a16:creationId xmlns:a16="http://schemas.microsoft.com/office/drawing/2014/main" xmlns="" id="{FCAE0EED-8EC9-F8AA-9B0D-AF324E1A737C}"/>
+                <a16:creationId xmlns="" xmlns:a16="http://schemas.microsoft.com/office/drawing/2014/main" id="{FCAE0EED-8EC9-F8AA-9B0D-AF324E1A737C}"/>
               </a:ext>
             </a:extLst>
           </p:cNvPr>
@@ -10798,7 +10817,7 @@
           <p:cNvPr id="9" name="Forma Livre: Forma 8">
             <a:extLst>
               <a:ext uri="{FF2B5EF4-FFF2-40B4-BE49-F238E27FC236}">
-                <a16:creationId xmlns:a16="http://schemas.microsoft.com/office/drawing/2014/main" xmlns="" id="{E48383E7-8BAE-25AF-5DDF-4092A4398697}"/>
+                <a16:creationId xmlns="" xmlns:a16="http://schemas.microsoft.com/office/drawing/2014/main" id="{E48383E7-8BAE-25AF-5DDF-4092A4398697}"/>
               </a:ext>
             </a:extLst>
           </p:cNvPr>
@@ -10901,7 +10920,7 @@
           <p:cNvPr id="12" name="Straight Arrow Connector 12">
             <a:extLst>
               <a:ext uri="{FF2B5EF4-FFF2-40B4-BE49-F238E27FC236}">
-                <a16:creationId xmlns:a16="http://schemas.microsoft.com/office/drawing/2014/main" xmlns="" id="{4C7F3FA9-99F7-BEC5-727B-A718AEF9B4CB}"/>
+                <a16:creationId xmlns="" xmlns:a16="http://schemas.microsoft.com/office/drawing/2014/main" id="{4C7F3FA9-99F7-BEC5-727B-A718AEF9B4CB}"/>
               </a:ext>
             </a:extLst>
           </p:cNvPr>
@@ -10946,7 +10965,7 @@
           <p:cNvPr id="17" name="TextBox 10">
             <a:extLst>
               <a:ext uri="{FF2B5EF4-FFF2-40B4-BE49-F238E27FC236}">
-                <a16:creationId xmlns:a16="http://schemas.microsoft.com/office/drawing/2014/main" xmlns="" id="{0CDD3602-CF5A-23FD-62BC-7FB0BEE313C7}"/>
+                <a16:creationId xmlns="" xmlns:a16="http://schemas.microsoft.com/office/drawing/2014/main" id="{0CDD3602-CF5A-23FD-62BC-7FB0BEE313C7}"/>
               </a:ext>
             </a:extLst>
           </p:cNvPr>
@@ -10982,7 +11001,7 @@
           <p:cNvPr id="18" name="Straight Arrow Connector 23">
             <a:extLst>
               <a:ext uri="{FF2B5EF4-FFF2-40B4-BE49-F238E27FC236}">
-                <a16:creationId xmlns:a16="http://schemas.microsoft.com/office/drawing/2014/main" xmlns="" id="{DE17E922-2892-96C7-7B60-5E236B0D2F8D}"/>
+                <a16:creationId xmlns="" xmlns:a16="http://schemas.microsoft.com/office/drawing/2014/main" id="{DE17E922-2892-96C7-7B60-5E236B0D2F8D}"/>
               </a:ext>
             </a:extLst>
           </p:cNvPr>
@@ -11028,7 +11047,7 @@
           <p:cNvPr id="19" name="Retângulo 18">
             <a:extLst>
               <a:ext uri="{FF2B5EF4-FFF2-40B4-BE49-F238E27FC236}">
-                <a16:creationId xmlns:a16="http://schemas.microsoft.com/office/drawing/2014/main" xmlns="" id="{49131EDC-5909-D462-D5A1-129C0FF2524D}"/>
+                <a16:creationId xmlns="" xmlns:a16="http://schemas.microsoft.com/office/drawing/2014/main" id="{49131EDC-5909-D462-D5A1-129C0FF2524D}"/>
               </a:ext>
             </a:extLst>
           </p:cNvPr>
@@ -11080,7 +11099,7 @@
           <p:cNvPr id="24" name="TextBox 22">
             <a:extLst>
               <a:ext uri="{FF2B5EF4-FFF2-40B4-BE49-F238E27FC236}">
-                <a16:creationId xmlns:a16="http://schemas.microsoft.com/office/drawing/2014/main" xmlns="" id="{B96D6B38-6850-F44F-0025-0EDEF23300F9}"/>
+                <a16:creationId xmlns="" xmlns:a16="http://schemas.microsoft.com/office/drawing/2014/main" id="{B96D6B38-6850-F44F-0025-0EDEF23300F9}"/>
               </a:ext>
             </a:extLst>
           </p:cNvPr>
@@ -11123,7 +11142,7 @@
           <p:cNvPr id="25" name="Straight Arrow Connector 20">
             <a:extLst>
               <a:ext uri="{FF2B5EF4-FFF2-40B4-BE49-F238E27FC236}">
-                <a16:creationId xmlns:a16="http://schemas.microsoft.com/office/drawing/2014/main" xmlns="" id="{879EDE20-5CAF-8100-D5BF-51521099D6CD}"/>
+                <a16:creationId xmlns="" xmlns:a16="http://schemas.microsoft.com/office/drawing/2014/main" id="{879EDE20-5CAF-8100-D5BF-51521099D6CD}"/>
               </a:ext>
             </a:extLst>
           </p:cNvPr>
@@ -11169,7 +11188,7 @@
           <p:cNvPr id="26" name="Elipse 25">
             <a:extLst>
               <a:ext uri="{FF2B5EF4-FFF2-40B4-BE49-F238E27FC236}">
-                <a16:creationId xmlns:a16="http://schemas.microsoft.com/office/drawing/2014/main" xmlns="" id="{6D56B0E5-A8FF-7E40-8460-2B13D63D3BA3}"/>
+                <a16:creationId xmlns="" xmlns:a16="http://schemas.microsoft.com/office/drawing/2014/main" id="{6D56B0E5-A8FF-7E40-8460-2B13D63D3BA3}"/>
               </a:ext>
             </a:extLst>
           </p:cNvPr>
@@ -11223,7 +11242,7 @@
           <p:cNvPr id="27" name="Straight Arrow Connector 20">
             <a:extLst>
               <a:ext uri="{FF2B5EF4-FFF2-40B4-BE49-F238E27FC236}">
-                <a16:creationId xmlns:a16="http://schemas.microsoft.com/office/drawing/2014/main" xmlns="" id="{1E7A1D7F-3503-5761-5F27-025E7FD0E449}"/>
+                <a16:creationId xmlns="" xmlns:a16="http://schemas.microsoft.com/office/drawing/2014/main" id="{1E7A1D7F-3503-5761-5F27-025E7FD0E449}"/>
               </a:ext>
             </a:extLst>
           </p:cNvPr>
@@ -11268,7 +11287,7 @@
           <p:cNvPr id="34" name="Elipse 33">
             <a:extLst>
               <a:ext uri="{FF2B5EF4-FFF2-40B4-BE49-F238E27FC236}">
-                <a16:creationId xmlns:a16="http://schemas.microsoft.com/office/drawing/2014/main" xmlns="" id="{5AF258B0-FD3B-872E-D235-5BE67CEDAD9D}"/>
+                <a16:creationId xmlns="" xmlns:a16="http://schemas.microsoft.com/office/drawing/2014/main" id="{5AF258B0-FD3B-872E-D235-5BE67CEDAD9D}"/>
               </a:ext>
             </a:extLst>
           </p:cNvPr>
@@ -11322,7 +11341,7 @@
           <p:cNvPr id="35" name="Straight Arrow Connector 20">
             <a:extLst>
               <a:ext uri="{FF2B5EF4-FFF2-40B4-BE49-F238E27FC236}">
-                <a16:creationId xmlns:a16="http://schemas.microsoft.com/office/drawing/2014/main" xmlns="" id="{BF43D4F4-26E6-4051-8E1C-6114F7E93C29}"/>
+                <a16:creationId xmlns="" xmlns:a16="http://schemas.microsoft.com/office/drawing/2014/main" id="{BF43D4F4-26E6-4051-8E1C-6114F7E93C29}"/>
               </a:ext>
             </a:extLst>
           </p:cNvPr>
@@ -11368,7 +11387,7 @@
           <p:cNvPr id="38" name="Straight Arrow Connector 20">
             <a:extLst>
               <a:ext uri="{FF2B5EF4-FFF2-40B4-BE49-F238E27FC236}">
-                <a16:creationId xmlns:a16="http://schemas.microsoft.com/office/drawing/2014/main" xmlns="" id="{1F0EC925-A6E7-79E8-A06A-10AA6657ED1D}"/>
+                <a16:creationId xmlns="" xmlns:a16="http://schemas.microsoft.com/office/drawing/2014/main" id="{1F0EC925-A6E7-79E8-A06A-10AA6657ED1D}"/>
               </a:ext>
             </a:extLst>
           </p:cNvPr>
@@ -11412,7 +11431,7 @@
           <p:cNvPr id="4" name="Chave Direita 3">
             <a:extLst>
               <a:ext uri="{FF2B5EF4-FFF2-40B4-BE49-F238E27FC236}">
-                <a16:creationId xmlns:a16="http://schemas.microsoft.com/office/drawing/2014/main" xmlns="" id="{50AB61A5-FFC0-0944-17C9-F089F1EBE723}"/>
+                <a16:creationId xmlns="" xmlns:a16="http://schemas.microsoft.com/office/drawing/2014/main" id="{50AB61A5-FFC0-0944-17C9-F089F1EBE723}"/>
               </a:ext>
             </a:extLst>
           </p:cNvPr>
@@ -11456,7 +11475,7 @@
           <p:cNvPr id="10" name="CaixaDeTexto 9">
             <a:extLst>
               <a:ext uri="{FF2B5EF4-FFF2-40B4-BE49-F238E27FC236}">
-                <a16:creationId xmlns:a16="http://schemas.microsoft.com/office/drawing/2014/main" xmlns="" id="{A931A248-07FE-7E04-63A4-9180F57FE5D6}"/>
+                <a16:creationId xmlns="" xmlns:a16="http://schemas.microsoft.com/office/drawing/2014/main" id="{A931A248-07FE-7E04-63A4-9180F57FE5D6}"/>
               </a:ext>
             </a:extLst>
           </p:cNvPr>
@@ -11492,7 +11511,7 @@
           <p:cNvPr id="11" name="Chave Direita 10">
             <a:extLst>
               <a:ext uri="{FF2B5EF4-FFF2-40B4-BE49-F238E27FC236}">
-                <a16:creationId xmlns:a16="http://schemas.microsoft.com/office/drawing/2014/main" xmlns="" id="{59B217F5-F90C-2D71-BE21-E1427C65F9CD}"/>
+                <a16:creationId xmlns="" xmlns:a16="http://schemas.microsoft.com/office/drawing/2014/main" id="{59B217F5-F90C-2D71-BE21-E1427C65F9CD}"/>
               </a:ext>
             </a:extLst>
           </p:cNvPr>
@@ -11536,7 +11555,7 @@
           <p:cNvPr id="13" name="CaixaDeTexto 12">
             <a:extLst>
               <a:ext uri="{FF2B5EF4-FFF2-40B4-BE49-F238E27FC236}">
-                <a16:creationId xmlns:a16="http://schemas.microsoft.com/office/drawing/2014/main" xmlns="" id="{7F00A093-999D-6747-64FB-250BFDD3FD03}"/>
+                <a16:creationId xmlns="" xmlns:a16="http://schemas.microsoft.com/office/drawing/2014/main" id="{7F00A093-999D-6747-64FB-250BFDD3FD03}"/>
               </a:ext>
             </a:extLst>
           </p:cNvPr>
@@ -11574,7 +11593,7 @@
               <p:cNvPr id="15" name="CaixaDeTexto 14">
                 <a:extLst>
                   <a:ext uri="{FF2B5EF4-FFF2-40B4-BE49-F238E27FC236}">
-                    <a16:creationId xmlns:a16="http://schemas.microsoft.com/office/drawing/2014/main" xmlns="" id="{FAA77714-4F7B-8208-C15D-F28B3B953CFC}"/>
+                    <a16:creationId xmlns="" xmlns:a16="http://schemas.microsoft.com/office/drawing/2014/main" id="{FAA77714-4F7B-8208-C15D-F28B3B953CFC}"/>
                   </a:ext>
                 </a:extLst>
               </p:cNvPr>
@@ -11744,7 +11763,7 @@
               <p:cNvPr id="2" name="Título 1">
                 <a:extLst>
                   <a:ext uri="{FF2B5EF4-FFF2-40B4-BE49-F238E27FC236}">
-                    <a16:creationId xmlns:a16="http://schemas.microsoft.com/office/drawing/2014/main" xmlns="" id="{03A90728-D6F2-D90A-977C-52C5377EB8D9}"/>
+                    <a16:creationId xmlns="" xmlns:a16="http://schemas.microsoft.com/office/drawing/2014/main" id="{03A90728-D6F2-D90A-977C-52C5377EB8D9}"/>
                   </a:ext>
                 </a:extLst>
               </p:cNvPr>
@@ -11839,7 +11858,7 @@
           <p:cNvPr id="3" name="Espaço Reservado para Conteúdo 2">
             <a:extLst>
               <a:ext uri="{FF2B5EF4-FFF2-40B4-BE49-F238E27FC236}">
-                <a16:creationId xmlns:a16="http://schemas.microsoft.com/office/drawing/2014/main" xmlns="" id="{669B1AC1-E860-DDCC-28D4-468A7D4571A1}"/>
+                <a16:creationId xmlns="" xmlns:a16="http://schemas.microsoft.com/office/drawing/2014/main" id="{669B1AC1-E860-DDCC-28D4-468A7D4571A1}"/>
               </a:ext>
             </a:extLst>
           </p:cNvPr>
@@ -11981,7 +12000,7 @@
           <p:cNvPr id="5" name="Picture 2">
             <a:extLst>
               <a:ext uri="{FF2B5EF4-FFF2-40B4-BE49-F238E27FC236}">
-                <a16:creationId xmlns:a16="http://schemas.microsoft.com/office/drawing/2014/main" xmlns="" id="{2BD4A147-EF73-8CFE-520C-857F9BFD51F7}"/>
+                <a16:creationId xmlns="" xmlns:a16="http://schemas.microsoft.com/office/drawing/2014/main" id="{2BD4A147-EF73-8CFE-520C-857F9BFD51F7}"/>
               </a:ext>
             </a:extLst>
           </p:cNvPr>
@@ -12026,7 +12045,7 @@
           <p:cNvPr id="6" name="Straight Arrow Connector 12">
             <a:extLst>
               <a:ext uri="{FF2B5EF4-FFF2-40B4-BE49-F238E27FC236}">
-                <a16:creationId xmlns:a16="http://schemas.microsoft.com/office/drawing/2014/main" xmlns="" id="{D0F3B5DC-31A3-8D2C-8C7C-2DC61D16638A}"/>
+                <a16:creationId xmlns="" xmlns:a16="http://schemas.microsoft.com/office/drawing/2014/main" id="{D0F3B5DC-31A3-8D2C-8C7C-2DC61D16638A}"/>
               </a:ext>
             </a:extLst>
           </p:cNvPr>
@@ -12071,7 +12090,7 @@
           <p:cNvPr id="7" name="TextBox 14">
             <a:extLst>
               <a:ext uri="{FF2B5EF4-FFF2-40B4-BE49-F238E27FC236}">
-                <a16:creationId xmlns:a16="http://schemas.microsoft.com/office/drawing/2014/main" xmlns="" id="{02D5EF9F-87A8-C253-A91A-C91117FF2EBA}"/>
+                <a16:creationId xmlns="" xmlns:a16="http://schemas.microsoft.com/office/drawing/2014/main" id="{02D5EF9F-87A8-C253-A91A-C91117FF2EBA}"/>
               </a:ext>
             </a:extLst>
           </p:cNvPr>
@@ -12107,7 +12126,7 @@
           <p:cNvPr id="8" name="Forma Livre: Forma 7">
             <a:extLst>
               <a:ext uri="{FF2B5EF4-FFF2-40B4-BE49-F238E27FC236}">
-                <a16:creationId xmlns:a16="http://schemas.microsoft.com/office/drawing/2014/main" xmlns="" id="{FCAE0EED-8EC9-F8AA-9B0D-AF324E1A737C}"/>
+                <a16:creationId xmlns="" xmlns:a16="http://schemas.microsoft.com/office/drawing/2014/main" id="{FCAE0EED-8EC9-F8AA-9B0D-AF324E1A737C}"/>
               </a:ext>
             </a:extLst>
           </p:cNvPr>
@@ -12210,7 +12229,7 @@
           <p:cNvPr id="9" name="Forma Livre: Forma 8">
             <a:extLst>
               <a:ext uri="{FF2B5EF4-FFF2-40B4-BE49-F238E27FC236}">
-                <a16:creationId xmlns:a16="http://schemas.microsoft.com/office/drawing/2014/main" xmlns="" id="{E48383E7-8BAE-25AF-5DDF-4092A4398697}"/>
+                <a16:creationId xmlns="" xmlns:a16="http://schemas.microsoft.com/office/drawing/2014/main" id="{E48383E7-8BAE-25AF-5DDF-4092A4398697}"/>
               </a:ext>
             </a:extLst>
           </p:cNvPr>
@@ -12313,7 +12332,7 @@
           <p:cNvPr id="12" name="Straight Arrow Connector 12">
             <a:extLst>
               <a:ext uri="{FF2B5EF4-FFF2-40B4-BE49-F238E27FC236}">
-                <a16:creationId xmlns:a16="http://schemas.microsoft.com/office/drawing/2014/main" xmlns="" id="{4C7F3FA9-99F7-BEC5-727B-A718AEF9B4CB}"/>
+                <a16:creationId xmlns="" xmlns:a16="http://schemas.microsoft.com/office/drawing/2014/main" id="{4C7F3FA9-99F7-BEC5-727B-A718AEF9B4CB}"/>
               </a:ext>
             </a:extLst>
           </p:cNvPr>
@@ -12358,7 +12377,7 @@
           <p:cNvPr id="17" name="TextBox 10">
             <a:extLst>
               <a:ext uri="{FF2B5EF4-FFF2-40B4-BE49-F238E27FC236}">
-                <a16:creationId xmlns:a16="http://schemas.microsoft.com/office/drawing/2014/main" xmlns="" id="{0CDD3602-CF5A-23FD-62BC-7FB0BEE313C7}"/>
+                <a16:creationId xmlns="" xmlns:a16="http://schemas.microsoft.com/office/drawing/2014/main" id="{0CDD3602-CF5A-23FD-62BC-7FB0BEE313C7}"/>
               </a:ext>
             </a:extLst>
           </p:cNvPr>
@@ -12394,7 +12413,7 @@
           <p:cNvPr id="18" name="Straight Arrow Connector 23">
             <a:extLst>
               <a:ext uri="{FF2B5EF4-FFF2-40B4-BE49-F238E27FC236}">
-                <a16:creationId xmlns:a16="http://schemas.microsoft.com/office/drawing/2014/main" xmlns="" id="{DE17E922-2892-96C7-7B60-5E236B0D2F8D}"/>
+                <a16:creationId xmlns="" xmlns:a16="http://schemas.microsoft.com/office/drawing/2014/main" id="{DE17E922-2892-96C7-7B60-5E236B0D2F8D}"/>
               </a:ext>
             </a:extLst>
           </p:cNvPr>
@@ -12440,7 +12459,7 @@
           <p:cNvPr id="19" name="Retângulo 18">
             <a:extLst>
               <a:ext uri="{FF2B5EF4-FFF2-40B4-BE49-F238E27FC236}">
-                <a16:creationId xmlns:a16="http://schemas.microsoft.com/office/drawing/2014/main" xmlns="" id="{49131EDC-5909-D462-D5A1-129C0FF2524D}"/>
+                <a16:creationId xmlns="" xmlns:a16="http://schemas.microsoft.com/office/drawing/2014/main" id="{49131EDC-5909-D462-D5A1-129C0FF2524D}"/>
               </a:ext>
             </a:extLst>
           </p:cNvPr>
@@ -12492,7 +12511,7 @@
           <p:cNvPr id="24" name="TextBox 22">
             <a:extLst>
               <a:ext uri="{FF2B5EF4-FFF2-40B4-BE49-F238E27FC236}">
-                <a16:creationId xmlns:a16="http://schemas.microsoft.com/office/drawing/2014/main" xmlns="" id="{B96D6B38-6850-F44F-0025-0EDEF23300F9}"/>
+                <a16:creationId xmlns="" xmlns:a16="http://schemas.microsoft.com/office/drawing/2014/main" id="{B96D6B38-6850-F44F-0025-0EDEF23300F9}"/>
               </a:ext>
             </a:extLst>
           </p:cNvPr>
@@ -12535,7 +12554,7 @@
           <p:cNvPr id="25" name="Straight Arrow Connector 20">
             <a:extLst>
               <a:ext uri="{FF2B5EF4-FFF2-40B4-BE49-F238E27FC236}">
-                <a16:creationId xmlns:a16="http://schemas.microsoft.com/office/drawing/2014/main" xmlns="" id="{879EDE20-5CAF-8100-D5BF-51521099D6CD}"/>
+                <a16:creationId xmlns="" xmlns:a16="http://schemas.microsoft.com/office/drawing/2014/main" id="{879EDE20-5CAF-8100-D5BF-51521099D6CD}"/>
               </a:ext>
             </a:extLst>
           </p:cNvPr>
@@ -12581,7 +12600,7 @@
           <p:cNvPr id="26" name="Elipse 25">
             <a:extLst>
               <a:ext uri="{FF2B5EF4-FFF2-40B4-BE49-F238E27FC236}">
-                <a16:creationId xmlns:a16="http://schemas.microsoft.com/office/drawing/2014/main" xmlns="" id="{6D56B0E5-A8FF-7E40-8460-2B13D63D3BA3}"/>
+                <a16:creationId xmlns="" xmlns:a16="http://schemas.microsoft.com/office/drawing/2014/main" id="{6D56B0E5-A8FF-7E40-8460-2B13D63D3BA3}"/>
               </a:ext>
             </a:extLst>
           </p:cNvPr>
@@ -12635,7 +12654,7 @@
           <p:cNvPr id="27" name="Straight Arrow Connector 20">
             <a:extLst>
               <a:ext uri="{FF2B5EF4-FFF2-40B4-BE49-F238E27FC236}">
-                <a16:creationId xmlns:a16="http://schemas.microsoft.com/office/drawing/2014/main" xmlns="" id="{1E7A1D7F-3503-5761-5F27-025E7FD0E449}"/>
+                <a16:creationId xmlns="" xmlns:a16="http://schemas.microsoft.com/office/drawing/2014/main" id="{1E7A1D7F-3503-5761-5F27-025E7FD0E449}"/>
               </a:ext>
             </a:extLst>
           </p:cNvPr>
@@ -12680,7 +12699,7 @@
           <p:cNvPr id="34" name="Elipse 33">
             <a:extLst>
               <a:ext uri="{FF2B5EF4-FFF2-40B4-BE49-F238E27FC236}">
-                <a16:creationId xmlns:a16="http://schemas.microsoft.com/office/drawing/2014/main" xmlns="" id="{5AF258B0-FD3B-872E-D235-5BE67CEDAD9D}"/>
+                <a16:creationId xmlns="" xmlns:a16="http://schemas.microsoft.com/office/drawing/2014/main" id="{5AF258B0-FD3B-872E-D235-5BE67CEDAD9D}"/>
               </a:ext>
             </a:extLst>
           </p:cNvPr>
@@ -12734,7 +12753,7 @@
           <p:cNvPr id="35" name="Straight Arrow Connector 20">
             <a:extLst>
               <a:ext uri="{FF2B5EF4-FFF2-40B4-BE49-F238E27FC236}">
-                <a16:creationId xmlns:a16="http://schemas.microsoft.com/office/drawing/2014/main" xmlns="" id="{BF43D4F4-26E6-4051-8E1C-6114F7E93C29}"/>
+                <a16:creationId xmlns="" xmlns:a16="http://schemas.microsoft.com/office/drawing/2014/main" id="{BF43D4F4-26E6-4051-8E1C-6114F7E93C29}"/>
               </a:ext>
             </a:extLst>
           </p:cNvPr>
@@ -12780,7 +12799,7 @@
           <p:cNvPr id="38" name="Straight Arrow Connector 20">
             <a:extLst>
               <a:ext uri="{FF2B5EF4-FFF2-40B4-BE49-F238E27FC236}">
-                <a16:creationId xmlns:a16="http://schemas.microsoft.com/office/drawing/2014/main" xmlns="" id="{1F0EC925-A6E7-79E8-A06A-10AA6657ED1D}"/>
+                <a16:creationId xmlns="" xmlns:a16="http://schemas.microsoft.com/office/drawing/2014/main" id="{1F0EC925-A6E7-79E8-A06A-10AA6657ED1D}"/>
               </a:ext>
             </a:extLst>
           </p:cNvPr>
@@ -12854,7 +12873,7 @@
           <p:cNvPr id="2" name="Título 1">
             <a:extLst>
               <a:ext uri="{FF2B5EF4-FFF2-40B4-BE49-F238E27FC236}">
-                <a16:creationId xmlns:a16="http://schemas.microsoft.com/office/drawing/2014/main" xmlns="" id="{A251A04E-87C2-A4B1-727E-ACB4C5801459}"/>
+                <a16:creationId xmlns="" xmlns:a16="http://schemas.microsoft.com/office/drawing/2014/main" id="{A251A04E-87C2-A4B1-727E-ACB4C5801459}"/>
               </a:ext>
             </a:extLst>
           </p:cNvPr>
@@ -12887,7 +12906,7 @@
           <p:cNvPr id="3" name="Espaço Reservado para Conteúdo 2">
             <a:extLst>
               <a:ext uri="{FF2B5EF4-FFF2-40B4-BE49-F238E27FC236}">
-                <a16:creationId xmlns:a16="http://schemas.microsoft.com/office/drawing/2014/main" xmlns="" id="{139ADDD6-6BAF-0757-3736-516A20794509}"/>
+                <a16:creationId xmlns="" xmlns:a16="http://schemas.microsoft.com/office/drawing/2014/main" id="{139ADDD6-6BAF-0757-3736-516A20794509}"/>
               </a:ext>
             </a:extLst>
           </p:cNvPr>
@@ -12900,7 +12919,7 @@
         </p:nvSpPr>
         <p:spPr>
           <a:xfrm>
-            <a:off x="838200" y="4409967"/>
+            <a:off x="838200" y="4426592"/>
             <a:ext cx="11214100" cy="2448035"/>
           </a:xfrm>
         </p:spPr>
@@ -12974,7 +12993,7 @@
           <p:cNvPr id="4" name="Picture 2">
             <a:extLst>
               <a:ext uri="{FF2B5EF4-FFF2-40B4-BE49-F238E27FC236}">
-                <a16:creationId xmlns:a16="http://schemas.microsoft.com/office/drawing/2014/main" xmlns="" id="{F1523848-867A-3698-482D-51E11972A826}"/>
+                <a16:creationId xmlns="" xmlns:a16="http://schemas.microsoft.com/office/drawing/2014/main" id="{F1523848-867A-3698-482D-51E11972A826}"/>
               </a:ext>
             </a:extLst>
           </p:cNvPr>
@@ -13021,7 +13040,7 @@
           <p:cNvPr id="5" name="Picture 4">
             <a:extLst>
               <a:ext uri="{FF2B5EF4-FFF2-40B4-BE49-F238E27FC236}">
-                <a16:creationId xmlns:a16="http://schemas.microsoft.com/office/drawing/2014/main" xmlns="" id="{3006A038-21C6-0345-55DE-A2A30CC10D71}"/>
+                <a16:creationId xmlns="" xmlns:a16="http://schemas.microsoft.com/office/drawing/2014/main" id="{3006A038-21C6-0345-55DE-A2A30CC10D71}"/>
               </a:ext>
             </a:extLst>
           </p:cNvPr>
@@ -13068,7 +13087,7 @@
           <p:cNvPr id="6" name="CaixaDeTexto 5">
             <a:extLst>
               <a:ext uri="{FF2B5EF4-FFF2-40B4-BE49-F238E27FC236}">
-                <a16:creationId xmlns:a16="http://schemas.microsoft.com/office/drawing/2014/main" xmlns="" id="{7CF069DD-EDFC-CC3F-DD56-59C668E7E782}"/>
+                <a16:creationId xmlns="" xmlns:a16="http://schemas.microsoft.com/office/drawing/2014/main" id="{7CF069DD-EDFC-CC3F-DD56-59C668E7E782}"/>
               </a:ext>
             </a:extLst>
           </p:cNvPr>
@@ -13108,7 +13127,7 @@
           <p:cNvPr id="7" name="CaixaDeTexto 6">
             <a:extLst>
               <a:ext uri="{FF2B5EF4-FFF2-40B4-BE49-F238E27FC236}">
-                <a16:creationId xmlns:a16="http://schemas.microsoft.com/office/drawing/2014/main" xmlns="" id="{3160817B-5023-F2AE-B878-2F4AD2764249}"/>
+                <a16:creationId xmlns="" xmlns:a16="http://schemas.microsoft.com/office/drawing/2014/main" id="{3160817B-5023-F2AE-B878-2F4AD2764249}"/>
               </a:ext>
             </a:extLst>
           </p:cNvPr>
@@ -13148,7 +13167,7 @@
           <p:cNvPr id="9" name="Conector de Seta Reta 8">
             <a:extLst>
               <a:ext uri="{FF2B5EF4-FFF2-40B4-BE49-F238E27FC236}">
-                <a16:creationId xmlns:a16="http://schemas.microsoft.com/office/drawing/2014/main" xmlns="" id="{433D01AC-78E3-F26E-A91D-5BDB058412D4}"/>
+                <a16:creationId xmlns="" xmlns:a16="http://schemas.microsoft.com/office/drawing/2014/main" id="{433D01AC-78E3-F26E-A91D-5BDB058412D4}"/>
               </a:ext>
             </a:extLst>
           </p:cNvPr>
@@ -13222,7 +13241,7 @@
           <p:cNvPr id="2" name="Título 1">
             <a:extLst>
               <a:ext uri="{FF2B5EF4-FFF2-40B4-BE49-F238E27FC236}">
-                <a16:creationId xmlns:a16="http://schemas.microsoft.com/office/drawing/2014/main" xmlns="" id="{C81B1586-529A-A679-60A3-A0D83AC9CEB5}"/>
+                <a16:creationId xmlns="" xmlns:a16="http://schemas.microsoft.com/office/drawing/2014/main" id="{C81B1586-529A-A679-60A3-A0D83AC9CEB5}"/>
               </a:ext>
             </a:extLst>
           </p:cNvPr>
@@ -13255,7 +13274,7 @@
           <p:cNvPr id="3" name="Espaço Reservado para Conteúdo 2">
             <a:extLst>
               <a:ext uri="{FF2B5EF4-FFF2-40B4-BE49-F238E27FC236}">
-                <a16:creationId xmlns:a16="http://schemas.microsoft.com/office/drawing/2014/main" xmlns="" id="{39A11C6A-E0FA-69E8-0E7C-434857DB5D45}"/>
+                <a16:creationId xmlns="" xmlns:a16="http://schemas.microsoft.com/office/drawing/2014/main" id="{39A11C6A-E0FA-69E8-0E7C-434857DB5D45}"/>
               </a:ext>
             </a:extLst>
           </p:cNvPr>
@@ -13323,7 +13342,6 @@
                   <a:srgbClr val="7030A0"/>
                 </a:solidFill>
                 <a:effectLst/>
-                <a:latin typeface="Söhne"/>
               </a:rPr>
               <a:t>entre várias explicações igualmente plausíveis</a:t>
             </a:r>
@@ -13333,7 +13351,6 @@
                   <a:srgbClr val="0F0F0F"/>
                 </a:solidFill>
                 <a:effectLst/>
-                <a:latin typeface="Söhne"/>
               </a:rPr>
               <a:t> para um conjunto de observações, a </a:t>
             </a:r>
@@ -13343,7 +13360,6 @@
                   <a:srgbClr val="7030A0"/>
                 </a:solidFill>
                 <a:effectLst/>
-                <a:latin typeface="Söhne"/>
               </a:rPr>
               <a:t>mais simples deve ser preferida</a:t>
             </a:r>
@@ -13353,7 +13369,6 @@
                   <a:srgbClr val="0F0F0F"/>
                 </a:solidFill>
                 <a:effectLst/>
-                <a:latin typeface="Söhne"/>
               </a:rPr>
               <a:t>.</a:t>
             </a:r>
@@ -13899,7 +13914,7 @@
           <p:cNvPr id="4" name="Título 1">
             <a:extLst>
               <a:ext uri="{FF2B5EF4-FFF2-40B4-BE49-F238E27FC236}">
-                <a16:creationId xmlns:a16="http://schemas.microsoft.com/office/drawing/2014/main" xmlns="" id="{32666AC8-2E17-4DB4-B0F5-60C640CCFD2E}"/>
+                <a16:creationId xmlns="" xmlns:a16="http://schemas.microsoft.com/office/drawing/2014/main" id="{32666AC8-2E17-4DB4-B0F5-60C640CCFD2E}"/>
               </a:ext>
             </a:extLst>
           </p:cNvPr>
@@ -16178,7 +16193,7 @@
           <p:cNvPr id="55" name="Agrupar 54">
             <a:extLst>
               <a:ext uri="{FF2B5EF4-FFF2-40B4-BE49-F238E27FC236}">
-                <a16:creationId xmlns:a16="http://schemas.microsoft.com/office/drawing/2014/main" xmlns="" id="{DA578016-49F4-7B5A-6434-137A7D90C33A}"/>
+                <a16:creationId xmlns="" xmlns:a16="http://schemas.microsoft.com/office/drawing/2014/main" id="{DA578016-49F4-7B5A-6434-137A7D90C33A}"/>
               </a:ext>
             </a:extLst>
           </p:cNvPr>
@@ -17900,7 +17915,7 @@
             <p:cNvPr id="3" name="TextBox 31">
               <a:extLst>
                 <a:ext uri="{FF2B5EF4-FFF2-40B4-BE49-F238E27FC236}">
-                  <a16:creationId xmlns:a16="http://schemas.microsoft.com/office/drawing/2014/main" xmlns="" id="{5B6C016C-C798-6D87-AC5D-9D3B3886D981}"/>
+                  <a16:creationId xmlns="" xmlns:a16="http://schemas.microsoft.com/office/drawing/2014/main" id="{5B6C016C-C798-6D87-AC5D-9D3B3886D981}"/>
                 </a:ext>
               </a:extLst>
             </p:cNvPr>
@@ -17936,7 +17951,7 @@
             <p:cNvPr id="41" name="TextBox 31">
               <a:extLst>
                 <a:ext uri="{FF2B5EF4-FFF2-40B4-BE49-F238E27FC236}">
-                  <a16:creationId xmlns:a16="http://schemas.microsoft.com/office/drawing/2014/main" xmlns="" id="{7D40CE25-BC43-5CA8-F6DE-581220ED26DE}"/>
+                  <a16:creationId xmlns="" xmlns:a16="http://schemas.microsoft.com/office/drawing/2014/main" id="{7D40CE25-BC43-5CA8-F6DE-581220ED26DE}"/>
                 </a:ext>
               </a:extLst>
             </p:cNvPr>
@@ -17972,7 +17987,7 @@
             <p:cNvPr id="42" name="TextBox 31">
               <a:extLst>
                 <a:ext uri="{FF2B5EF4-FFF2-40B4-BE49-F238E27FC236}">
-                  <a16:creationId xmlns:a16="http://schemas.microsoft.com/office/drawing/2014/main" xmlns="" id="{E3171720-F162-1786-39B6-1FA6EB97B9AD}"/>
+                  <a16:creationId xmlns="" xmlns:a16="http://schemas.microsoft.com/office/drawing/2014/main" id="{E3171720-F162-1786-39B6-1FA6EB97B9AD}"/>
                 </a:ext>
               </a:extLst>
             </p:cNvPr>
@@ -18008,7 +18023,7 @@
             <p:cNvPr id="43" name="TextBox 31">
               <a:extLst>
                 <a:ext uri="{FF2B5EF4-FFF2-40B4-BE49-F238E27FC236}">
-                  <a16:creationId xmlns:a16="http://schemas.microsoft.com/office/drawing/2014/main" xmlns="" id="{37B3F8CE-B6B5-EA4F-A7AB-6605DF581A28}"/>
+                  <a16:creationId xmlns="" xmlns:a16="http://schemas.microsoft.com/office/drawing/2014/main" id="{37B3F8CE-B6B5-EA4F-A7AB-6605DF581A28}"/>
                 </a:ext>
               </a:extLst>
             </p:cNvPr>
@@ -18044,7 +18059,7 @@
             <p:cNvPr id="44" name="TextBox 31">
               <a:extLst>
                 <a:ext uri="{FF2B5EF4-FFF2-40B4-BE49-F238E27FC236}">
-                  <a16:creationId xmlns:a16="http://schemas.microsoft.com/office/drawing/2014/main" xmlns="" id="{C723F0F7-5049-3645-E693-B0AE7BE2A592}"/>
+                  <a16:creationId xmlns="" xmlns:a16="http://schemas.microsoft.com/office/drawing/2014/main" id="{C723F0F7-5049-3645-E693-B0AE7BE2A592}"/>
                 </a:ext>
               </a:extLst>
             </p:cNvPr>
@@ -18080,7 +18095,7 @@
             <p:cNvPr id="46" name="Conector de Seta Reta 45">
               <a:extLst>
                 <a:ext uri="{FF2B5EF4-FFF2-40B4-BE49-F238E27FC236}">
-                  <a16:creationId xmlns:a16="http://schemas.microsoft.com/office/drawing/2014/main" xmlns="" id="{EA7EB0A1-839F-04EC-9BFD-B346635B7B47}"/>
+                  <a16:creationId xmlns="" xmlns:a16="http://schemas.microsoft.com/office/drawing/2014/main" id="{EA7EB0A1-839F-04EC-9BFD-B346635B7B47}"/>
                 </a:ext>
               </a:extLst>
             </p:cNvPr>
@@ -18124,7 +18139,7 @@
             <p:cNvPr id="48" name="Conector de Seta Reta 47">
               <a:extLst>
                 <a:ext uri="{FF2B5EF4-FFF2-40B4-BE49-F238E27FC236}">
-                  <a16:creationId xmlns:a16="http://schemas.microsoft.com/office/drawing/2014/main" xmlns="" id="{6B741BC6-2721-A5FE-9482-6E8D1E5CEE59}"/>
+                  <a16:creationId xmlns="" xmlns:a16="http://schemas.microsoft.com/office/drawing/2014/main" id="{6B741BC6-2721-A5FE-9482-6E8D1E5CEE59}"/>
                 </a:ext>
               </a:extLst>
             </p:cNvPr>
@@ -18168,7 +18183,7 @@
             <p:cNvPr id="49" name="Conector de Seta Reta 48">
               <a:extLst>
                 <a:ext uri="{FF2B5EF4-FFF2-40B4-BE49-F238E27FC236}">
-                  <a16:creationId xmlns:a16="http://schemas.microsoft.com/office/drawing/2014/main" xmlns="" id="{D06DAFBD-5149-EBB5-EF50-D447B6907E67}"/>
+                  <a16:creationId xmlns="" xmlns:a16="http://schemas.microsoft.com/office/drawing/2014/main" id="{D06DAFBD-5149-EBB5-EF50-D447B6907E67}"/>
                 </a:ext>
               </a:extLst>
             </p:cNvPr>
@@ -18212,7 +18227,7 @@
             <p:cNvPr id="50" name="Conector de Seta Reta 49">
               <a:extLst>
                 <a:ext uri="{FF2B5EF4-FFF2-40B4-BE49-F238E27FC236}">
-                  <a16:creationId xmlns:a16="http://schemas.microsoft.com/office/drawing/2014/main" xmlns="" id="{6A0920E9-176A-C6E9-AD59-ED153B3468A2}"/>
+                  <a16:creationId xmlns="" xmlns:a16="http://schemas.microsoft.com/office/drawing/2014/main" id="{6A0920E9-176A-C6E9-AD59-ED153B3468A2}"/>
                 </a:ext>
               </a:extLst>
             </p:cNvPr>
@@ -18256,7 +18271,7 @@
             <p:cNvPr id="51" name="Conector de Seta Reta 50">
               <a:extLst>
                 <a:ext uri="{FF2B5EF4-FFF2-40B4-BE49-F238E27FC236}">
-                  <a16:creationId xmlns:a16="http://schemas.microsoft.com/office/drawing/2014/main" xmlns="" id="{3CADDC92-40BF-7BD1-731D-177383B48F71}"/>
+                  <a16:creationId xmlns="" xmlns:a16="http://schemas.microsoft.com/office/drawing/2014/main" id="{3CADDC92-40BF-7BD1-731D-177383B48F71}"/>
                 </a:ext>
               </a:extLst>
             </p:cNvPr>
@@ -18300,7 +18315,7 @@
             <p:cNvPr id="52" name="Chave Direita 51">
               <a:extLst>
                 <a:ext uri="{FF2B5EF4-FFF2-40B4-BE49-F238E27FC236}">
-                  <a16:creationId xmlns:a16="http://schemas.microsoft.com/office/drawing/2014/main" xmlns="" id="{C04B98C8-50FC-33B3-81AF-705DDBDD9C1A}"/>
+                  <a16:creationId xmlns="" xmlns:a16="http://schemas.microsoft.com/office/drawing/2014/main" id="{C04B98C8-50FC-33B3-81AF-705DDBDD9C1A}"/>
                 </a:ext>
               </a:extLst>
             </p:cNvPr>
@@ -18351,7 +18366,7 @@
                 <p:cNvPr id="53" name="CaixaDeTexto 52">
                   <a:extLst>
                     <a:ext uri="{FF2B5EF4-FFF2-40B4-BE49-F238E27FC236}">
-                      <a16:creationId xmlns:a16="http://schemas.microsoft.com/office/drawing/2014/main" xmlns="" id="{BB930755-BFBC-9044-A7B4-99BDA581FF72}"/>
+                      <a16:creationId xmlns="" xmlns:a16="http://schemas.microsoft.com/office/drawing/2014/main" id="{BB930755-BFBC-9044-A7B4-99BDA581FF72}"/>
                     </a:ext>
                   </a:extLst>
                 </p:cNvPr>
@@ -18582,7 +18597,7 @@
           <p:cNvPr id="171" name="Agrupar 170">
             <a:extLst>
               <a:ext uri="{FF2B5EF4-FFF2-40B4-BE49-F238E27FC236}">
-                <a16:creationId xmlns:a16="http://schemas.microsoft.com/office/drawing/2014/main" xmlns="" id="{FB2690F4-D40A-BD60-BD86-E3AF65A6DE84}"/>
+                <a16:creationId xmlns="" xmlns:a16="http://schemas.microsoft.com/office/drawing/2014/main" id="{FB2690F4-D40A-BD60-BD86-E3AF65A6DE84}"/>
               </a:ext>
             </a:extLst>
           </p:cNvPr>
@@ -19240,7 +19255,7 @@
             <p:cNvPr id="2" name="Rectangle 4">
               <a:extLst>
                 <a:ext uri="{FF2B5EF4-FFF2-40B4-BE49-F238E27FC236}">
-                  <a16:creationId xmlns:a16="http://schemas.microsoft.com/office/drawing/2014/main" xmlns="" id="{3E0C8815-87A1-97C0-4BD9-7808E5FC2E5E}"/>
+                  <a16:creationId xmlns="" xmlns:a16="http://schemas.microsoft.com/office/drawing/2014/main" id="{3E0C8815-87A1-97C0-4BD9-7808E5FC2E5E}"/>
                 </a:ext>
               </a:extLst>
             </p:cNvPr>
@@ -19299,7 +19314,7 @@
             <p:cNvPr id="4" name="Rectangle 5">
               <a:extLst>
                 <a:ext uri="{FF2B5EF4-FFF2-40B4-BE49-F238E27FC236}">
-                  <a16:creationId xmlns:a16="http://schemas.microsoft.com/office/drawing/2014/main" xmlns="" id="{07B7A964-8E17-B906-DE14-C8AD2035950B}"/>
+                  <a16:creationId xmlns="" xmlns:a16="http://schemas.microsoft.com/office/drawing/2014/main" id="{07B7A964-8E17-B906-DE14-C8AD2035950B}"/>
                 </a:ext>
               </a:extLst>
             </p:cNvPr>
@@ -19358,7 +19373,7 @@
             <p:cNvPr id="45" name="Rectangle 8">
               <a:extLst>
                 <a:ext uri="{FF2B5EF4-FFF2-40B4-BE49-F238E27FC236}">
-                  <a16:creationId xmlns:a16="http://schemas.microsoft.com/office/drawing/2014/main" xmlns="" id="{70038EE2-687E-6AAD-D0A0-70D414463074}"/>
+                  <a16:creationId xmlns="" xmlns:a16="http://schemas.microsoft.com/office/drawing/2014/main" id="{70038EE2-687E-6AAD-D0A0-70D414463074}"/>
                 </a:ext>
               </a:extLst>
             </p:cNvPr>
@@ -19417,7 +19432,7 @@
             <p:cNvPr id="47" name="Rectangle 9">
               <a:extLst>
                 <a:ext uri="{FF2B5EF4-FFF2-40B4-BE49-F238E27FC236}">
-                  <a16:creationId xmlns:a16="http://schemas.microsoft.com/office/drawing/2014/main" xmlns="" id="{FCE54C16-1489-F0D8-5BA0-FC50E977B4DF}"/>
+                  <a16:creationId xmlns="" xmlns:a16="http://schemas.microsoft.com/office/drawing/2014/main" id="{FCE54C16-1489-F0D8-5BA0-FC50E977B4DF}"/>
                 </a:ext>
               </a:extLst>
             </p:cNvPr>
@@ -19476,7 +19491,7 @@
             <p:cNvPr id="54" name="Rectangle 10">
               <a:extLst>
                 <a:ext uri="{FF2B5EF4-FFF2-40B4-BE49-F238E27FC236}">
-                  <a16:creationId xmlns:a16="http://schemas.microsoft.com/office/drawing/2014/main" xmlns="" id="{4F422D72-8F54-0137-1BE9-4091B85E94AD}"/>
+                  <a16:creationId xmlns="" xmlns:a16="http://schemas.microsoft.com/office/drawing/2014/main" id="{4F422D72-8F54-0137-1BE9-4091B85E94AD}"/>
                 </a:ext>
               </a:extLst>
             </p:cNvPr>
@@ -19535,7 +19550,7 @@
             <p:cNvPr id="76" name="Rectangle 4">
               <a:extLst>
                 <a:ext uri="{FF2B5EF4-FFF2-40B4-BE49-F238E27FC236}">
-                  <a16:creationId xmlns:a16="http://schemas.microsoft.com/office/drawing/2014/main" xmlns="" id="{2283FE89-7433-51C6-5735-084A0DF0D4DB}"/>
+                  <a16:creationId xmlns="" xmlns:a16="http://schemas.microsoft.com/office/drawing/2014/main" id="{2283FE89-7433-51C6-5735-084A0DF0D4DB}"/>
                 </a:ext>
               </a:extLst>
             </p:cNvPr>
@@ -19594,7 +19609,7 @@
             <p:cNvPr id="77" name="Rectangle 5">
               <a:extLst>
                 <a:ext uri="{FF2B5EF4-FFF2-40B4-BE49-F238E27FC236}">
-                  <a16:creationId xmlns:a16="http://schemas.microsoft.com/office/drawing/2014/main" xmlns="" id="{051DBCF5-B432-C13E-A11C-540FE1CE7858}"/>
+                  <a16:creationId xmlns="" xmlns:a16="http://schemas.microsoft.com/office/drawing/2014/main" id="{051DBCF5-B432-C13E-A11C-540FE1CE7858}"/>
                 </a:ext>
               </a:extLst>
             </p:cNvPr>
@@ -19653,7 +19668,7 @@
             <p:cNvPr id="78" name="Rectangle 8">
               <a:extLst>
                 <a:ext uri="{FF2B5EF4-FFF2-40B4-BE49-F238E27FC236}">
-                  <a16:creationId xmlns:a16="http://schemas.microsoft.com/office/drawing/2014/main" xmlns="" id="{761054CF-8645-8575-0494-73C7EB91FEFA}"/>
+                  <a16:creationId xmlns="" xmlns:a16="http://schemas.microsoft.com/office/drawing/2014/main" id="{761054CF-8645-8575-0494-73C7EB91FEFA}"/>
                 </a:ext>
               </a:extLst>
             </p:cNvPr>
@@ -19712,7 +19727,7 @@
             <p:cNvPr id="79" name="Rectangle 9">
               <a:extLst>
                 <a:ext uri="{FF2B5EF4-FFF2-40B4-BE49-F238E27FC236}">
-                  <a16:creationId xmlns:a16="http://schemas.microsoft.com/office/drawing/2014/main" xmlns="" id="{6039AFAE-6C30-8DBA-B654-E8199E13783F}"/>
+                  <a16:creationId xmlns="" xmlns:a16="http://schemas.microsoft.com/office/drawing/2014/main" id="{6039AFAE-6C30-8DBA-B654-E8199E13783F}"/>
                 </a:ext>
               </a:extLst>
             </p:cNvPr>
@@ -19771,7 +19786,7 @@
             <p:cNvPr id="80" name="Rectangle 10">
               <a:extLst>
                 <a:ext uri="{FF2B5EF4-FFF2-40B4-BE49-F238E27FC236}">
-                  <a16:creationId xmlns:a16="http://schemas.microsoft.com/office/drawing/2014/main" xmlns="" id="{788BCF8B-6879-C98E-522D-E046966AD0B9}"/>
+                  <a16:creationId xmlns="" xmlns:a16="http://schemas.microsoft.com/office/drawing/2014/main" id="{788BCF8B-6879-C98E-522D-E046966AD0B9}"/>
                 </a:ext>
               </a:extLst>
             </p:cNvPr>
@@ -19830,7 +19845,7 @@
             <p:cNvPr id="81" name="Rectangle 4">
               <a:extLst>
                 <a:ext uri="{FF2B5EF4-FFF2-40B4-BE49-F238E27FC236}">
-                  <a16:creationId xmlns:a16="http://schemas.microsoft.com/office/drawing/2014/main" xmlns="" id="{C07613FC-1BCE-1C31-7521-C4AD16E89534}"/>
+                  <a16:creationId xmlns="" xmlns:a16="http://schemas.microsoft.com/office/drawing/2014/main" id="{C07613FC-1BCE-1C31-7521-C4AD16E89534}"/>
                 </a:ext>
               </a:extLst>
             </p:cNvPr>
@@ -19889,7 +19904,7 @@
             <p:cNvPr id="82" name="Rectangle 5">
               <a:extLst>
                 <a:ext uri="{FF2B5EF4-FFF2-40B4-BE49-F238E27FC236}">
-                  <a16:creationId xmlns:a16="http://schemas.microsoft.com/office/drawing/2014/main" xmlns="" id="{3FA9A90C-A974-75EC-C0FB-4582FD57F573}"/>
+                  <a16:creationId xmlns="" xmlns:a16="http://schemas.microsoft.com/office/drawing/2014/main" id="{3FA9A90C-A974-75EC-C0FB-4582FD57F573}"/>
                 </a:ext>
               </a:extLst>
             </p:cNvPr>
@@ -19948,7 +19963,7 @@
             <p:cNvPr id="83" name="Rectangle 8">
               <a:extLst>
                 <a:ext uri="{FF2B5EF4-FFF2-40B4-BE49-F238E27FC236}">
-                  <a16:creationId xmlns:a16="http://schemas.microsoft.com/office/drawing/2014/main" xmlns="" id="{8B939714-6F90-C043-90A8-4114E676CE91}"/>
+                  <a16:creationId xmlns="" xmlns:a16="http://schemas.microsoft.com/office/drawing/2014/main" id="{8B939714-6F90-C043-90A8-4114E676CE91}"/>
                 </a:ext>
               </a:extLst>
             </p:cNvPr>
@@ -20007,7 +20022,7 @@
             <p:cNvPr id="84" name="Rectangle 9">
               <a:extLst>
                 <a:ext uri="{FF2B5EF4-FFF2-40B4-BE49-F238E27FC236}">
-                  <a16:creationId xmlns:a16="http://schemas.microsoft.com/office/drawing/2014/main" xmlns="" id="{00C4E9F4-C083-FC2A-2572-06612126790E}"/>
+                  <a16:creationId xmlns="" xmlns:a16="http://schemas.microsoft.com/office/drawing/2014/main" id="{00C4E9F4-C083-FC2A-2572-06612126790E}"/>
                 </a:ext>
               </a:extLst>
             </p:cNvPr>
@@ -20066,7 +20081,7 @@
             <p:cNvPr id="85" name="Rectangle 10">
               <a:extLst>
                 <a:ext uri="{FF2B5EF4-FFF2-40B4-BE49-F238E27FC236}">
-                  <a16:creationId xmlns:a16="http://schemas.microsoft.com/office/drawing/2014/main" xmlns="" id="{2F5C2137-ACC7-E80B-27F3-22F179A293F1}"/>
+                  <a16:creationId xmlns="" xmlns:a16="http://schemas.microsoft.com/office/drawing/2014/main" id="{2F5C2137-ACC7-E80B-27F3-22F179A293F1}"/>
                 </a:ext>
               </a:extLst>
             </p:cNvPr>
@@ -20125,7 +20140,7 @@
             <p:cNvPr id="86" name="Rectangle 4">
               <a:extLst>
                 <a:ext uri="{FF2B5EF4-FFF2-40B4-BE49-F238E27FC236}">
-                  <a16:creationId xmlns:a16="http://schemas.microsoft.com/office/drawing/2014/main" xmlns="" id="{B48457E1-AC7F-C61B-5AA6-8BF3B60689C9}"/>
+                  <a16:creationId xmlns="" xmlns:a16="http://schemas.microsoft.com/office/drawing/2014/main" id="{B48457E1-AC7F-C61B-5AA6-8BF3B60689C9}"/>
                 </a:ext>
               </a:extLst>
             </p:cNvPr>
@@ -20184,7 +20199,7 @@
             <p:cNvPr id="87" name="Rectangle 5">
               <a:extLst>
                 <a:ext uri="{FF2B5EF4-FFF2-40B4-BE49-F238E27FC236}">
-                  <a16:creationId xmlns:a16="http://schemas.microsoft.com/office/drawing/2014/main" xmlns="" id="{5DDAA7AC-D2B5-1BE8-0A74-A50004F601A1}"/>
+                  <a16:creationId xmlns="" xmlns:a16="http://schemas.microsoft.com/office/drawing/2014/main" id="{5DDAA7AC-D2B5-1BE8-0A74-A50004F601A1}"/>
                 </a:ext>
               </a:extLst>
             </p:cNvPr>
@@ -20243,7 +20258,7 @@
             <p:cNvPr id="88" name="Rectangle 8">
               <a:extLst>
                 <a:ext uri="{FF2B5EF4-FFF2-40B4-BE49-F238E27FC236}">
-                  <a16:creationId xmlns:a16="http://schemas.microsoft.com/office/drawing/2014/main" xmlns="" id="{272CD568-3FFE-1F7A-7481-8A64DDD94835}"/>
+                  <a16:creationId xmlns="" xmlns:a16="http://schemas.microsoft.com/office/drawing/2014/main" id="{272CD568-3FFE-1F7A-7481-8A64DDD94835}"/>
                 </a:ext>
               </a:extLst>
             </p:cNvPr>
@@ -20302,7 +20317,7 @@
             <p:cNvPr id="89" name="Rectangle 9">
               <a:extLst>
                 <a:ext uri="{FF2B5EF4-FFF2-40B4-BE49-F238E27FC236}">
-                  <a16:creationId xmlns:a16="http://schemas.microsoft.com/office/drawing/2014/main" xmlns="" id="{3CA9A11F-DEA5-87B4-3B32-F0A2D358B916}"/>
+                  <a16:creationId xmlns="" xmlns:a16="http://schemas.microsoft.com/office/drawing/2014/main" id="{3CA9A11F-DEA5-87B4-3B32-F0A2D358B916}"/>
                 </a:ext>
               </a:extLst>
             </p:cNvPr>
@@ -20361,7 +20376,7 @@
             <p:cNvPr id="90" name="Rectangle 10">
               <a:extLst>
                 <a:ext uri="{FF2B5EF4-FFF2-40B4-BE49-F238E27FC236}">
-                  <a16:creationId xmlns:a16="http://schemas.microsoft.com/office/drawing/2014/main" xmlns="" id="{D6DE5989-DA87-9CAE-6175-4E16FE0A7129}"/>
+                  <a16:creationId xmlns="" xmlns:a16="http://schemas.microsoft.com/office/drawing/2014/main" id="{D6DE5989-DA87-9CAE-6175-4E16FE0A7129}"/>
                 </a:ext>
               </a:extLst>
             </p:cNvPr>
@@ -20420,7 +20435,7 @@
             <p:cNvPr id="91" name="Rectangle 4">
               <a:extLst>
                 <a:ext uri="{FF2B5EF4-FFF2-40B4-BE49-F238E27FC236}">
-                  <a16:creationId xmlns:a16="http://schemas.microsoft.com/office/drawing/2014/main" xmlns="" id="{409D1E0D-2047-3C23-DFB8-69936F43195E}"/>
+                  <a16:creationId xmlns="" xmlns:a16="http://schemas.microsoft.com/office/drawing/2014/main" id="{409D1E0D-2047-3C23-DFB8-69936F43195E}"/>
                 </a:ext>
               </a:extLst>
             </p:cNvPr>
@@ -20479,7 +20494,7 @@
             <p:cNvPr id="92" name="Rectangle 5">
               <a:extLst>
                 <a:ext uri="{FF2B5EF4-FFF2-40B4-BE49-F238E27FC236}">
-                  <a16:creationId xmlns:a16="http://schemas.microsoft.com/office/drawing/2014/main" xmlns="" id="{0B727EDB-49E8-FBE2-9107-8DA684CFFA0A}"/>
+                  <a16:creationId xmlns="" xmlns:a16="http://schemas.microsoft.com/office/drawing/2014/main" id="{0B727EDB-49E8-FBE2-9107-8DA684CFFA0A}"/>
                 </a:ext>
               </a:extLst>
             </p:cNvPr>
@@ -20538,7 +20553,7 @@
             <p:cNvPr id="93" name="Rectangle 8">
               <a:extLst>
                 <a:ext uri="{FF2B5EF4-FFF2-40B4-BE49-F238E27FC236}">
-                  <a16:creationId xmlns:a16="http://schemas.microsoft.com/office/drawing/2014/main" xmlns="" id="{4203E2E6-38D9-A443-6D30-807E3ACB401F}"/>
+                  <a16:creationId xmlns="" xmlns:a16="http://schemas.microsoft.com/office/drawing/2014/main" id="{4203E2E6-38D9-A443-6D30-807E3ACB401F}"/>
                 </a:ext>
               </a:extLst>
             </p:cNvPr>
@@ -20597,7 +20612,7 @@
             <p:cNvPr id="94" name="Rectangle 9">
               <a:extLst>
                 <a:ext uri="{FF2B5EF4-FFF2-40B4-BE49-F238E27FC236}">
-                  <a16:creationId xmlns:a16="http://schemas.microsoft.com/office/drawing/2014/main" xmlns="" id="{863B09E3-9846-5790-F0D4-312F01A9EE1C}"/>
+                  <a16:creationId xmlns="" xmlns:a16="http://schemas.microsoft.com/office/drawing/2014/main" id="{863B09E3-9846-5790-F0D4-312F01A9EE1C}"/>
                 </a:ext>
               </a:extLst>
             </p:cNvPr>
@@ -20656,7 +20671,7 @@
             <p:cNvPr id="95" name="Rectangle 10">
               <a:extLst>
                 <a:ext uri="{FF2B5EF4-FFF2-40B4-BE49-F238E27FC236}">
-                  <a16:creationId xmlns:a16="http://schemas.microsoft.com/office/drawing/2014/main" xmlns="" id="{05B3F3F5-B285-ADD0-5CD4-BC3FE7AB2BCF}"/>
+                  <a16:creationId xmlns="" xmlns:a16="http://schemas.microsoft.com/office/drawing/2014/main" id="{05B3F3F5-B285-ADD0-5CD4-BC3FE7AB2BCF}"/>
                 </a:ext>
               </a:extLst>
             </p:cNvPr>
@@ -20715,7 +20730,7 @@
             <p:cNvPr id="96" name="Rectangle 4">
               <a:extLst>
                 <a:ext uri="{FF2B5EF4-FFF2-40B4-BE49-F238E27FC236}">
-                  <a16:creationId xmlns:a16="http://schemas.microsoft.com/office/drawing/2014/main" xmlns="" id="{9849878E-0A96-AE96-89F7-E05D48549983}"/>
+                  <a16:creationId xmlns="" xmlns:a16="http://schemas.microsoft.com/office/drawing/2014/main" id="{9849878E-0A96-AE96-89F7-E05D48549983}"/>
                 </a:ext>
               </a:extLst>
             </p:cNvPr>
@@ -20774,7 +20789,7 @@
             <p:cNvPr id="97" name="Rectangle 5">
               <a:extLst>
                 <a:ext uri="{FF2B5EF4-FFF2-40B4-BE49-F238E27FC236}">
-                  <a16:creationId xmlns:a16="http://schemas.microsoft.com/office/drawing/2014/main" xmlns="" id="{398E24AA-E1A6-E633-0E9F-C9E541DF5DF6}"/>
+                  <a16:creationId xmlns="" xmlns:a16="http://schemas.microsoft.com/office/drawing/2014/main" id="{398E24AA-E1A6-E633-0E9F-C9E541DF5DF6}"/>
                 </a:ext>
               </a:extLst>
             </p:cNvPr>
@@ -20833,7 +20848,7 @@
             <p:cNvPr id="98" name="Rectangle 8">
               <a:extLst>
                 <a:ext uri="{FF2B5EF4-FFF2-40B4-BE49-F238E27FC236}">
-                  <a16:creationId xmlns:a16="http://schemas.microsoft.com/office/drawing/2014/main" xmlns="" id="{0232F202-6AA5-8E3E-7B05-4D8C7193B239}"/>
+                  <a16:creationId xmlns="" xmlns:a16="http://schemas.microsoft.com/office/drawing/2014/main" id="{0232F202-6AA5-8E3E-7B05-4D8C7193B239}"/>
                 </a:ext>
               </a:extLst>
             </p:cNvPr>
@@ -20892,7 +20907,7 @@
             <p:cNvPr id="99" name="Rectangle 9">
               <a:extLst>
                 <a:ext uri="{FF2B5EF4-FFF2-40B4-BE49-F238E27FC236}">
-                  <a16:creationId xmlns:a16="http://schemas.microsoft.com/office/drawing/2014/main" xmlns="" id="{A8F3C8CB-EC4A-7B9B-2B89-54C3B5E11948}"/>
+                  <a16:creationId xmlns="" xmlns:a16="http://schemas.microsoft.com/office/drawing/2014/main" id="{A8F3C8CB-EC4A-7B9B-2B89-54C3B5E11948}"/>
                 </a:ext>
               </a:extLst>
             </p:cNvPr>
@@ -20951,7 +20966,7 @@
             <p:cNvPr id="100" name="Rectangle 10">
               <a:extLst>
                 <a:ext uri="{FF2B5EF4-FFF2-40B4-BE49-F238E27FC236}">
-                  <a16:creationId xmlns:a16="http://schemas.microsoft.com/office/drawing/2014/main" xmlns="" id="{2696F711-8260-2112-90D0-26DD4112C8F9}"/>
+                  <a16:creationId xmlns="" xmlns:a16="http://schemas.microsoft.com/office/drawing/2014/main" id="{2696F711-8260-2112-90D0-26DD4112C8F9}"/>
                 </a:ext>
               </a:extLst>
             </p:cNvPr>
@@ -21010,7 +21025,7 @@
             <p:cNvPr id="101" name="Rectangle 4">
               <a:extLst>
                 <a:ext uri="{FF2B5EF4-FFF2-40B4-BE49-F238E27FC236}">
-                  <a16:creationId xmlns:a16="http://schemas.microsoft.com/office/drawing/2014/main" xmlns="" id="{F3838DC9-5128-18D0-5929-399D637340F9}"/>
+                  <a16:creationId xmlns="" xmlns:a16="http://schemas.microsoft.com/office/drawing/2014/main" id="{F3838DC9-5128-18D0-5929-399D637340F9}"/>
                 </a:ext>
               </a:extLst>
             </p:cNvPr>
@@ -21069,7 +21084,7 @@
             <p:cNvPr id="102" name="Rectangle 5">
               <a:extLst>
                 <a:ext uri="{FF2B5EF4-FFF2-40B4-BE49-F238E27FC236}">
-                  <a16:creationId xmlns:a16="http://schemas.microsoft.com/office/drawing/2014/main" xmlns="" id="{5691A143-E500-6CD8-CD0A-C75B807D6155}"/>
+                  <a16:creationId xmlns="" xmlns:a16="http://schemas.microsoft.com/office/drawing/2014/main" id="{5691A143-E500-6CD8-CD0A-C75B807D6155}"/>
                 </a:ext>
               </a:extLst>
             </p:cNvPr>
@@ -21128,7 +21143,7 @@
             <p:cNvPr id="103" name="Rectangle 8">
               <a:extLst>
                 <a:ext uri="{FF2B5EF4-FFF2-40B4-BE49-F238E27FC236}">
-                  <a16:creationId xmlns:a16="http://schemas.microsoft.com/office/drawing/2014/main" xmlns="" id="{0510AE94-694E-2D36-6F1C-C5FD66AA6DE5}"/>
+                  <a16:creationId xmlns="" xmlns:a16="http://schemas.microsoft.com/office/drawing/2014/main" id="{0510AE94-694E-2D36-6F1C-C5FD66AA6DE5}"/>
                 </a:ext>
               </a:extLst>
             </p:cNvPr>
@@ -21187,7 +21202,7 @@
             <p:cNvPr id="104" name="Rectangle 9">
               <a:extLst>
                 <a:ext uri="{FF2B5EF4-FFF2-40B4-BE49-F238E27FC236}">
-                  <a16:creationId xmlns:a16="http://schemas.microsoft.com/office/drawing/2014/main" xmlns="" id="{08CF86E4-4BCC-852B-9D55-0A26F146D48C}"/>
+                  <a16:creationId xmlns="" xmlns:a16="http://schemas.microsoft.com/office/drawing/2014/main" id="{08CF86E4-4BCC-852B-9D55-0A26F146D48C}"/>
                 </a:ext>
               </a:extLst>
             </p:cNvPr>
@@ -21246,7 +21261,7 @@
             <p:cNvPr id="105" name="Rectangle 10">
               <a:extLst>
                 <a:ext uri="{FF2B5EF4-FFF2-40B4-BE49-F238E27FC236}">
-                  <a16:creationId xmlns:a16="http://schemas.microsoft.com/office/drawing/2014/main" xmlns="" id="{A3304B0F-DEB9-C387-769D-6C1D21F54C57}"/>
+                  <a16:creationId xmlns="" xmlns:a16="http://schemas.microsoft.com/office/drawing/2014/main" id="{A3304B0F-DEB9-C387-769D-6C1D21F54C57}"/>
                 </a:ext>
               </a:extLst>
             </p:cNvPr>
@@ -21305,7 +21320,7 @@
             <p:cNvPr id="106" name="Rectangle 4">
               <a:extLst>
                 <a:ext uri="{FF2B5EF4-FFF2-40B4-BE49-F238E27FC236}">
-                  <a16:creationId xmlns:a16="http://schemas.microsoft.com/office/drawing/2014/main" xmlns="" id="{F7F2BA7F-4B49-EF50-1DFF-102BBE388693}"/>
+                  <a16:creationId xmlns="" xmlns:a16="http://schemas.microsoft.com/office/drawing/2014/main" id="{F7F2BA7F-4B49-EF50-1DFF-102BBE388693}"/>
                 </a:ext>
               </a:extLst>
             </p:cNvPr>
@@ -21364,7 +21379,7 @@
             <p:cNvPr id="107" name="Rectangle 5">
               <a:extLst>
                 <a:ext uri="{FF2B5EF4-FFF2-40B4-BE49-F238E27FC236}">
-                  <a16:creationId xmlns:a16="http://schemas.microsoft.com/office/drawing/2014/main" xmlns="" id="{8590B6BB-EF8A-DA7F-2F0E-C0CFB6C81261}"/>
+                  <a16:creationId xmlns="" xmlns:a16="http://schemas.microsoft.com/office/drawing/2014/main" id="{8590B6BB-EF8A-DA7F-2F0E-C0CFB6C81261}"/>
                 </a:ext>
               </a:extLst>
             </p:cNvPr>
@@ -21423,7 +21438,7 @@
             <p:cNvPr id="108" name="Rectangle 8">
               <a:extLst>
                 <a:ext uri="{FF2B5EF4-FFF2-40B4-BE49-F238E27FC236}">
-                  <a16:creationId xmlns:a16="http://schemas.microsoft.com/office/drawing/2014/main" xmlns="" id="{DCF659FD-5AB1-9ADF-EBDE-8CA98D3EF290}"/>
+                  <a16:creationId xmlns="" xmlns:a16="http://schemas.microsoft.com/office/drawing/2014/main" id="{DCF659FD-5AB1-9ADF-EBDE-8CA98D3EF290}"/>
                 </a:ext>
               </a:extLst>
             </p:cNvPr>
@@ -21482,7 +21497,7 @@
             <p:cNvPr id="109" name="Rectangle 9">
               <a:extLst>
                 <a:ext uri="{FF2B5EF4-FFF2-40B4-BE49-F238E27FC236}">
-                  <a16:creationId xmlns:a16="http://schemas.microsoft.com/office/drawing/2014/main" xmlns="" id="{3CF016BC-FBFC-9F10-79C7-329D906A55D3}"/>
+                  <a16:creationId xmlns="" xmlns:a16="http://schemas.microsoft.com/office/drawing/2014/main" id="{3CF016BC-FBFC-9F10-79C7-329D906A55D3}"/>
                 </a:ext>
               </a:extLst>
             </p:cNvPr>
@@ -21541,7 +21556,7 @@
             <p:cNvPr id="110" name="Rectangle 10">
               <a:extLst>
                 <a:ext uri="{FF2B5EF4-FFF2-40B4-BE49-F238E27FC236}">
-                  <a16:creationId xmlns:a16="http://schemas.microsoft.com/office/drawing/2014/main" xmlns="" id="{A31B46DD-8A6C-9A15-807B-82773BC08873}"/>
+                  <a16:creationId xmlns="" xmlns:a16="http://schemas.microsoft.com/office/drawing/2014/main" id="{A31B46DD-8A6C-9A15-807B-82773BC08873}"/>
                 </a:ext>
               </a:extLst>
             </p:cNvPr>
@@ -21600,7 +21615,7 @@
             <p:cNvPr id="111" name="Rectangle 4">
               <a:extLst>
                 <a:ext uri="{FF2B5EF4-FFF2-40B4-BE49-F238E27FC236}">
-                  <a16:creationId xmlns:a16="http://schemas.microsoft.com/office/drawing/2014/main" xmlns="" id="{6CB8A52D-6368-ADA6-8753-B29B7D0771E8}"/>
+                  <a16:creationId xmlns="" xmlns:a16="http://schemas.microsoft.com/office/drawing/2014/main" id="{6CB8A52D-6368-ADA6-8753-B29B7D0771E8}"/>
                 </a:ext>
               </a:extLst>
             </p:cNvPr>
@@ -21659,7 +21674,7 @@
             <p:cNvPr id="112" name="Rectangle 5">
               <a:extLst>
                 <a:ext uri="{FF2B5EF4-FFF2-40B4-BE49-F238E27FC236}">
-                  <a16:creationId xmlns:a16="http://schemas.microsoft.com/office/drawing/2014/main" xmlns="" id="{CB8230C6-EA19-FE01-FD55-257850CF60AC}"/>
+                  <a16:creationId xmlns="" xmlns:a16="http://schemas.microsoft.com/office/drawing/2014/main" id="{CB8230C6-EA19-FE01-FD55-257850CF60AC}"/>
                 </a:ext>
               </a:extLst>
             </p:cNvPr>
@@ -21718,7 +21733,7 @@
             <p:cNvPr id="113" name="Rectangle 8">
               <a:extLst>
                 <a:ext uri="{FF2B5EF4-FFF2-40B4-BE49-F238E27FC236}">
-                  <a16:creationId xmlns:a16="http://schemas.microsoft.com/office/drawing/2014/main" xmlns="" id="{848AC2C9-074E-0153-F820-541D44FDAD67}"/>
+                  <a16:creationId xmlns="" xmlns:a16="http://schemas.microsoft.com/office/drawing/2014/main" id="{848AC2C9-074E-0153-F820-541D44FDAD67}"/>
                 </a:ext>
               </a:extLst>
             </p:cNvPr>
@@ -21777,7 +21792,7 @@
             <p:cNvPr id="114" name="Rectangle 9">
               <a:extLst>
                 <a:ext uri="{FF2B5EF4-FFF2-40B4-BE49-F238E27FC236}">
-                  <a16:creationId xmlns:a16="http://schemas.microsoft.com/office/drawing/2014/main" xmlns="" id="{09E406FC-BF6E-233D-D75A-2A75428EA9C5}"/>
+                  <a16:creationId xmlns="" xmlns:a16="http://schemas.microsoft.com/office/drawing/2014/main" id="{09E406FC-BF6E-233D-D75A-2A75428EA9C5}"/>
                 </a:ext>
               </a:extLst>
             </p:cNvPr>
@@ -21836,7 +21851,7 @@
             <p:cNvPr id="115" name="Rectangle 10">
               <a:extLst>
                 <a:ext uri="{FF2B5EF4-FFF2-40B4-BE49-F238E27FC236}">
-                  <a16:creationId xmlns:a16="http://schemas.microsoft.com/office/drawing/2014/main" xmlns="" id="{C0382306-AFD8-C1AA-0B19-537FEBF9426C}"/>
+                  <a16:creationId xmlns="" xmlns:a16="http://schemas.microsoft.com/office/drawing/2014/main" id="{C0382306-AFD8-C1AA-0B19-537FEBF9426C}"/>
                 </a:ext>
               </a:extLst>
             </p:cNvPr>
@@ -21895,7 +21910,7 @@
             <p:cNvPr id="116" name="Rectangle 4">
               <a:extLst>
                 <a:ext uri="{FF2B5EF4-FFF2-40B4-BE49-F238E27FC236}">
-                  <a16:creationId xmlns:a16="http://schemas.microsoft.com/office/drawing/2014/main" xmlns="" id="{E34657F4-B723-034D-7D13-769984F51112}"/>
+                  <a16:creationId xmlns="" xmlns:a16="http://schemas.microsoft.com/office/drawing/2014/main" id="{E34657F4-B723-034D-7D13-769984F51112}"/>
                 </a:ext>
               </a:extLst>
             </p:cNvPr>
@@ -21954,7 +21969,7 @@
             <p:cNvPr id="117" name="Rectangle 5">
               <a:extLst>
                 <a:ext uri="{FF2B5EF4-FFF2-40B4-BE49-F238E27FC236}">
-                  <a16:creationId xmlns:a16="http://schemas.microsoft.com/office/drawing/2014/main" xmlns="" id="{A691B82E-3F82-01BC-5F9C-E1CB73EB6138}"/>
+                  <a16:creationId xmlns="" xmlns:a16="http://schemas.microsoft.com/office/drawing/2014/main" id="{A691B82E-3F82-01BC-5F9C-E1CB73EB6138}"/>
                 </a:ext>
               </a:extLst>
             </p:cNvPr>
@@ -22013,7 +22028,7 @@
             <p:cNvPr id="118" name="Rectangle 8">
               <a:extLst>
                 <a:ext uri="{FF2B5EF4-FFF2-40B4-BE49-F238E27FC236}">
-                  <a16:creationId xmlns:a16="http://schemas.microsoft.com/office/drawing/2014/main" xmlns="" id="{89458F61-2C10-C1F5-FD03-593C64A3592E}"/>
+                  <a16:creationId xmlns="" xmlns:a16="http://schemas.microsoft.com/office/drawing/2014/main" id="{89458F61-2C10-C1F5-FD03-593C64A3592E}"/>
                 </a:ext>
               </a:extLst>
             </p:cNvPr>
@@ -22072,7 +22087,7 @@
             <p:cNvPr id="119" name="Rectangle 9">
               <a:extLst>
                 <a:ext uri="{FF2B5EF4-FFF2-40B4-BE49-F238E27FC236}">
-                  <a16:creationId xmlns:a16="http://schemas.microsoft.com/office/drawing/2014/main" xmlns="" id="{C0E3A58A-B8F4-7AB5-1AC8-1DE144FF8239}"/>
+                  <a16:creationId xmlns="" xmlns:a16="http://schemas.microsoft.com/office/drawing/2014/main" id="{C0E3A58A-B8F4-7AB5-1AC8-1DE144FF8239}"/>
                 </a:ext>
               </a:extLst>
             </p:cNvPr>
@@ -22131,7 +22146,7 @@
             <p:cNvPr id="120" name="Rectangle 10">
               <a:extLst>
                 <a:ext uri="{FF2B5EF4-FFF2-40B4-BE49-F238E27FC236}">
-                  <a16:creationId xmlns:a16="http://schemas.microsoft.com/office/drawing/2014/main" xmlns="" id="{90EBC5F5-94D6-2923-BA57-6C40C112089F}"/>
+                  <a16:creationId xmlns="" xmlns:a16="http://schemas.microsoft.com/office/drawing/2014/main" id="{90EBC5F5-94D6-2923-BA57-6C40C112089F}"/>
                 </a:ext>
               </a:extLst>
             </p:cNvPr>
@@ -22190,7 +22205,7 @@
             <p:cNvPr id="121" name="Rectangle 4">
               <a:extLst>
                 <a:ext uri="{FF2B5EF4-FFF2-40B4-BE49-F238E27FC236}">
-                  <a16:creationId xmlns:a16="http://schemas.microsoft.com/office/drawing/2014/main" xmlns="" id="{D5FF1B52-A1F2-6E41-CE8C-230CB0458A73}"/>
+                  <a16:creationId xmlns="" xmlns:a16="http://schemas.microsoft.com/office/drawing/2014/main" id="{D5FF1B52-A1F2-6E41-CE8C-230CB0458A73}"/>
                 </a:ext>
               </a:extLst>
             </p:cNvPr>
@@ -22249,7 +22264,7 @@
             <p:cNvPr id="122" name="Rectangle 5">
               <a:extLst>
                 <a:ext uri="{FF2B5EF4-FFF2-40B4-BE49-F238E27FC236}">
-                  <a16:creationId xmlns:a16="http://schemas.microsoft.com/office/drawing/2014/main" xmlns="" id="{7B596C9D-8FF0-2BAF-6C5E-BC4E4AA5BF32}"/>
+                  <a16:creationId xmlns="" xmlns:a16="http://schemas.microsoft.com/office/drawing/2014/main" id="{7B596C9D-8FF0-2BAF-6C5E-BC4E4AA5BF32}"/>
                 </a:ext>
               </a:extLst>
             </p:cNvPr>
@@ -22308,7 +22323,7 @@
             <p:cNvPr id="123" name="Rectangle 8">
               <a:extLst>
                 <a:ext uri="{FF2B5EF4-FFF2-40B4-BE49-F238E27FC236}">
-                  <a16:creationId xmlns:a16="http://schemas.microsoft.com/office/drawing/2014/main" xmlns="" id="{6A67D423-1040-7920-8AA4-5C3704D73ECA}"/>
+                  <a16:creationId xmlns="" xmlns:a16="http://schemas.microsoft.com/office/drawing/2014/main" id="{6A67D423-1040-7920-8AA4-5C3704D73ECA}"/>
                 </a:ext>
               </a:extLst>
             </p:cNvPr>
@@ -22367,7 +22382,7 @@
             <p:cNvPr id="124" name="Rectangle 9">
               <a:extLst>
                 <a:ext uri="{FF2B5EF4-FFF2-40B4-BE49-F238E27FC236}">
-                  <a16:creationId xmlns:a16="http://schemas.microsoft.com/office/drawing/2014/main" xmlns="" id="{4FBF95DD-988A-B7C0-980F-7695A3B10707}"/>
+                  <a16:creationId xmlns="" xmlns:a16="http://schemas.microsoft.com/office/drawing/2014/main" id="{4FBF95DD-988A-B7C0-980F-7695A3B10707}"/>
                 </a:ext>
               </a:extLst>
             </p:cNvPr>
@@ -22426,7 +22441,7 @@
             <p:cNvPr id="125" name="Rectangle 10">
               <a:extLst>
                 <a:ext uri="{FF2B5EF4-FFF2-40B4-BE49-F238E27FC236}">
-                  <a16:creationId xmlns:a16="http://schemas.microsoft.com/office/drawing/2014/main" xmlns="" id="{D44CF25F-2CA8-E46D-71BB-11CA83AA26ED}"/>
+                  <a16:creationId xmlns="" xmlns:a16="http://schemas.microsoft.com/office/drawing/2014/main" id="{D44CF25F-2CA8-E46D-71BB-11CA83AA26ED}"/>
                 </a:ext>
               </a:extLst>
             </p:cNvPr>
@@ -22485,7 +22500,7 @@
             <p:cNvPr id="126" name="Rectangle 4">
               <a:extLst>
                 <a:ext uri="{FF2B5EF4-FFF2-40B4-BE49-F238E27FC236}">
-                  <a16:creationId xmlns:a16="http://schemas.microsoft.com/office/drawing/2014/main" xmlns="" id="{F371D882-BAE5-5754-CF03-2EE77FAB6B36}"/>
+                  <a16:creationId xmlns="" xmlns:a16="http://schemas.microsoft.com/office/drawing/2014/main" id="{F371D882-BAE5-5754-CF03-2EE77FAB6B36}"/>
                 </a:ext>
               </a:extLst>
             </p:cNvPr>
@@ -22544,7 +22559,7 @@
             <p:cNvPr id="127" name="Rectangle 5">
               <a:extLst>
                 <a:ext uri="{FF2B5EF4-FFF2-40B4-BE49-F238E27FC236}">
-                  <a16:creationId xmlns:a16="http://schemas.microsoft.com/office/drawing/2014/main" xmlns="" id="{21B3ED27-5C00-3039-8FBB-2378DF065F5D}"/>
+                  <a16:creationId xmlns="" xmlns:a16="http://schemas.microsoft.com/office/drawing/2014/main" id="{21B3ED27-5C00-3039-8FBB-2378DF065F5D}"/>
                 </a:ext>
               </a:extLst>
             </p:cNvPr>
@@ -22603,7 +22618,7 @@
             <p:cNvPr id="128" name="Rectangle 8">
               <a:extLst>
                 <a:ext uri="{FF2B5EF4-FFF2-40B4-BE49-F238E27FC236}">
-                  <a16:creationId xmlns:a16="http://schemas.microsoft.com/office/drawing/2014/main" xmlns="" id="{FB627EC2-37F9-8E2D-84ED-827449B79EB0}"/>
+                  <a16:creationId xmlns="" xmlns:a16="http://schemas.microsoft.com/office/drawing/2014/main" id="{FB627EC2-37F9-8E2D-84ED-827449B79EB0}"/>
                 </a:ext>
               </a:extLst>
             </p:cNvPr>
@@ -22662,7 +22677,7 @@
             <p:cNvPr id="129" name="Rectangle 9">
               <a:extLst>
                 <a:ext uri="{FF2B5EF4-FFF2-40B4-BE49-F238E27FC236}">
-                  <a16:creationId xmlns:a16="http://schemas.microsoft.com/office/drawing/2014/main" xmlns="" id="{66331C35-C7BA-9465-E834-E750025CCA6C}"/>
+                  <a16:creationId xmlns="" xmlns:a16="http://schemas.microsoft.com/office/drawing/2014/main" id="{66331C35-C7BA-9465-E834-E750025CCA6C}"/>
                 </a:ext>
               </a:extLst>
             </p:cNvPr>
@@ -22721,7 +22736,7 @@
             <p:cNvPr id="130" name="Rectangle 10">
               <a:extLst>
                 <a:ext uri="{FF2B5EF4-FFF2-40B4-BE49-F238E27FC236}">
-                  <a16:creationId xmlns:a16="http://schemas.microsoft.com/office/drawing/2014/main" xmlns="" id="{BDB07790-E921-42D6-6287-DD170A52FEA7}"/>
+                  <a16:creationId xmlns="" xmlns:a16="http://schemas.microsoft.com/office/drawing/2014/main" id="{BDB07790-E921-42D6-6287-DD170A52FEA7}"/>
                 </a:ext>
               </a:extLst>
             </p:cNvPr>
@@ -22780,7 +22795,7 @@
             <p:cNvPr id="131" name="Rectangle 4">
               <a:extLst>
                 <a:ext uri="{FF2B5EF4-FFF2-40B4-BE49-F238E27FC236}">
-                  <a16:creationId xmlns:a16="http://schemas.microsoft.com/office/drawing/2014/main" xmlns="" id="{E4CE89B7-672C-10F1-9209-E2D8E36EA448}"/>
+                  <a16:creationId xmlns="" xmlns:a16="http://schemas.microsoft.com/office/drawing/2014/main" id="{E4CE89B7-672C-10F1-9209-E2D8E36EA448}"/>
                 </a:ext>
               </a:extLst>
             </p:cNvPr>
@@ -22839,7 +22854,7 @@
             <p:cNvPr id="132" name="Rectangle 5">
               <a:extLst>
                 <a:ext uri="{FF2B5EF4-FFF2-40B4-BE49-F238E27FC236}">
-                  <a16:creationId xmlns:a16="http://schemas.microsoft.com/office/drawing/2014/main" xmlns="" id="{32EFEACD-1583-CAF2-69EE-23FDF28E5A41}"/>
+                  <a16:creationId xmlns="" xmlns:a16="http://schemas.microsoft.com/office/drawing/2014/main" id="{32EFEACD-1583-CAF2-69EE-23FDF28E5A41}"/>
                 </a:ext>
               </a:extLst>
             </p:cNvPr>
@@ -22898,7 +22913,7 @@
             <p:cNvPr id="133" name="Rectangle 8">
               <a:extLst>
                 <a:ext uri="{FF2B5EF4-FFF2-40B4-BE49-F238E27FC236}">
-                  <a16:creationId xmlns:a16="http://schemas.microsoft.com/office/drawing/2014/main" xmlns="" id="{9CFE3827-D689-F333-6BE6-DC1F3B258FA0}"/>
+                  <a16:creationId xmlns="" xmlns:a16="http://schemas.microsoft.com/office/drawing/2014/main" id="{9CFE3827-D689-F333-6BE6-DC1F3B258FA0}"/>
                 </a:ext>
               </a:extLst>
             </p:cNvPr>
@@ -22957,7 +22972,7 @@
             <p:cNvPr id="134" name="Rectangle 9">
               <a:extLst>
                 <a:ext uri="{FF2B5EF4-FFF2-40B4-BE49-F238E27FC236}">
-                  <a16:creationId xmlns:a16="http://schemas.microsoft.com/office/drawing/2014/main" xmlns="" id="{9BFFAB0F-615C-34B0-2470-742EB7CDE2DC}"/>
+                  <a16:creationId xmlns="" xmlns:a16="http://schemas.microsoft.com/office/drawing/2014/main" id="{9BFFAB0F-615C-34B0-2470-742EB7CDE2DC}"/>
                 </a:ext>
               </a:extLst>
             </p:cNvPr>
@@ -23016,7 +23031,7 @@
             <p:cNvPr id="135" name="Rectangle 10">
               <a:extLst>
                 <a:ext uri="{FF2B5EF4-FFF2-40B4-BE49-F238E27FC236}">
-                  <a16:creationId xmlns:a16="http://schemas.microsoft.com/office/drawing/2014/main" xmlns="" id="{147EFC36-E54A-4111-5D94-058B6277810D}"/>
+                  <a16:creationId xmlns="" xmlns:a16="http://schemas.microsoft.com/office/drawing/2014/main" id="{147EFC36-E54A-4111-5D94-058B6277810D}"/>
                 </a:ext>
               </a:extLst>
             </p:cNvPr>
@@ -23075,7 +23090,7 @@
             <p:cNvPr id="136" name="Rectangle 4">
               <a:extLst>
                 <a:ext uri="{FF2B5EF4-FFF2-40B4-BE49-F238E27FC236}">
-                  <a16:creationId xmlns:a16="http://schemas.microsoft.com/office/drawing/2014/main" xmlns="" id="{57980908-1B66-4125-4310-A35677123EF6}"/>
+                  <a16:creationId xmlns="" xmlns:a16="http://schemas.microsoft.com/office/drawing/2014/main" id="{57980908-1B66-4125-4310-A35677123EF6}"/>
                 </a:ext>
               </a:extLst>
             </p:cNvPr>
@@ -23134,7 +23149,7 @@
             <p:cNvPr id="137" name="Rectangle 5">
               <a:extLst>
                 <a:ext uri="{FF2B5EF4-FFF2-40B4-BE49-F238E27FC236}">
-                  <a16:creationId xmlns:a16="http://schemas.microsoft.com/office/drawing/2014/main" xmlns="" id="{A4F7360C-BE80-68FC-CBCD-6C6EA3499568}"/>
+                  <a16:creationId xmlns="" xmlns:a16="http://schemas.microsoft.com/office/drawing/2014/main" id="{A4F7360C-BE80-68FC-CBCD-6C6EA3499568}"/>
                 </a:ext>
               </a:extLst>
             </p:cNvPr>
@@ -23193,7 +23208,7 @@
             <p:cNvPr id="138" name="Rectangle 8">
               <a:extLst>
                 <a:ext uri="{FF2B5EF4-FFF2-40B4-BE49-F238E27FC236}">
-                  <a16:creationId xmlns:a16="http://schemas.microsoft.com/office/drawing/2014/main" xmlns="" id="{3D7A565F-26D4-8F7A-DB39-DACCF7C301CB}"/>
+                  <a16:creationId xmlns="" xmlns:a16="http://schemas.microsoft.com/office/drawing/2014/main" id="{3D7A565F-26D4-8F7A-DB39-DACCF7C301CB}"/>
                 </a:ext>
               </a:extLst>
             </p:cNvPr>
@@ -23252,7 +23267,7 @@
             <p:cNvPr id="139" name="Rectangle 9">
               <a:extLst>
                 <a:ext uri="{FF2B5EF4-FFF2-40B4-BE49-F238E27FC236}">
-                  <a16:creationId xmlns:a16="http://schemas.microsoft.com/office/drawing/2014/main" xmlns="" id="{FEF6B429-FA2B-4089-C432-A5D4EAA23A98}"/>
+                  <a16:creationId xmlns="" xmlns:a16="http://schemas.microsoft.com/office/drawing/2014/main" id="{FEF6B429-FA2B-4089-C432-A5D4EAA23A98}"/>
                 </a:ext>
               </a:extLst>
             </p:cNvPr>
@@ -23311,7 +23326,7 @@
             <p:cNvPr id="140" name="Rectangle 10">
               <a:extLst>
                 <a:ext uri="{FF2B5EF4-FFF2-40B4-BE49-F238E27FC236}">
-                  <a16:creationId xmlns:a16="http://schemas.microsoft.com/office/drawing/2014/main" xmlns="" id="{CB701250-BAFE-5260-A8DF-24B3BDCD9E5C}"/>
+                  <a16:creationId xmlns="" xmlns:a16="http://schemas.microsoft.com/office/drawing/2014/main" id="{CB701250-BAFE-5260-A8DF-24B3BDCD9E5C}"/>
                 </a:ext>
               </a:extLst>
             </p:cNvPr>
@@ -23370,7 +23385,7 @@
             <p:cNvPr id="141" name="Rectangle 4">
               <a:extLst>
                 <a:ext uri="{FF2B5EF4-FFF2-40B4-BE49-F238E27FC236}">
-                  <a16:creationId xmlns:a16="http://schemas.microsoft.com/office/drawing/2014/main" xmlns="" id="{C010C686-F239-6F99-5B46-F499853F58CC}"/>
+                  <a16:creationId xmlns="" xmlns:a16="http://schemas.microsoft.com/office/drawing/2014/main" id="{C010C686-F239-6F99-5B46-F499853F58CC}"/>
                 </a:ext>
               </a:extLst>
             </p:cNvPr>
@@ -23429,7 +23444,7 @@
             <p:cNvPr id="142" name="Rectangle 5">
               <a:extLst>
                 <a:ext uri="{FF2B5EF4-FFF2-40B4-BE49-F238E27FC236}">
-                  <a16:creationId xmlns:a16="http://schemas.microsoft.com/office/drawing/2014/main" xmlns="" id="{A6FE1FC9-B91C-C2CC-5B4E-06A4D657D0BC}"/>
+                  <a16:creationId xmlns="" xmlns:a16="http://schemas.microsoft.com/office/drawing/2014/main" id="{A6FE1FC9-B91C-C2CC-5B4E-06A4D657D0BC}"/>
                 </a:ext>
               </a:extLst>
             </p:cNvPr>
@@ -23488,7 +23503,7 @@
             <p:cNvPr id="143" name="Rectangle 8">
               <a:extLst>
                 <a:ext uri="{FF2B5EF4-FFF2-40B4-BE49-F238E27FC236}">
-                  <a16:creationId xmlns:a16="http://schemas.microsoft.com/office/drawing/2014/main" xmlns="" id="{58604601-12D5-F90E-32F7-F170315A17EA}"/>
+                  <a16:creationId xmlns="" xmlns:a16="http://schemas.microsoft.com/office/drawing/2014/main" id="{58604601-12D5-F90E-32F7-F170315A17EA}"/>
                 </a:ext>
               </a:extLst>
             </p:cNvPr>
@@ -23547,7 +23562,7 @@
             <p:cNvPr id="144" name="Rectangle 9">
               <a:extLst>
                 <a:ext uri="{FF2B5EF4-FFF2-40B4-BE49-F238E27FC236}">
-                  <a16:creationId xmlns:a16="http://schemas.microsoft.com/office/drawing/2014/main" xmlns="" id="{1E4DB558-AF7E-B95E-D0AD-37B5BCCC323F}"/>
+                  <a16:creationId xmlns="" xmlns:a16="http://schemas.microsoft.com/office/drawing/2014/main" id="{1E4DB558-AF7E-B95E-D0AD-37B5BCCC323F}"/>
                 </a:ext>
               </a:extLst>
             </p:cNvPr>
@@ -23606,7 +23621,7 @@
             <p:cNvPr id="145" name="Rectangle 10">
               <a:extLst>
                 <a:ext uri="{FF2B5EF4-FFF2-40B4-BE49-F238E27FC236}">
-                  <a16:creationId xmlns:a16="http://schemas.microsoft.com/office/drawing/2014/main" xmlns="" id="{A0666BA4-14CA-6E6A-A52E-F1D8E49A35A2}"/>
+                  <a16:creationId xmlns="" xmlns:a16="http://schemas.microsoft.com/office/drawing/2014/main" id="{A0666BA4-14CA-6E6A-A52E-F1D8E49A35A2}"/>
                 </a:ext>
               </a:extLst>
             </p:cNvPr>
@@ -23665,7 +23680,7 @@
             <p:cNvPr id="146" name="Rectangle 4">
               <a:extLst>
                 <a:ext uri="{FF2B5EF4-FFF2-40B4-BE49-F238E27FC236}">
-                  <a16:creationId xmlns:a16="http://schemas.microsoft.com/office/drawing/2014/main" xmlns="" id="{09CC9A1C-0FF5-DA8D-9B81-D2E78337E476}"/>
+                  <a16:creationId xmlns="" xmlns:a16="http://schemas.microsoft.com/office/drawing/2014/main" id="{09CC9A1C-0FF5-DA8D-9B81-D2E78337E476}"/>
                 </a:ext>
               </a:extLst>
             </p:cNvPr>
@@ -23724,7 +23739,7 @@
             <p:cNvPr id="147" name="Rectangle 5">
               <a:extLst>
                 <a:ext uri="{FF2B5EF4-FFF2-40B4-BE49-F238E27FC236}">
-                  <a16:creationId xmlns:a16="http://schemas.microsoft.com/office/drawing/2014/main" xmlns="" id="{3CF680CF-E2FC-EFFB-6AE7-F826C7856EB2}"/>
+                  <a16:creationId xmlns="" xmlns:a16="http://schemas.microsoft.com/office/drawing/2014/main" id="{3CF680CF-E2FC-EFFB-6AE7-F826C7856EB2}"/>
                 </a:ext>
               </a:extLst>
             </p:cNvPr>
@@ -23783,7 +23798,7 @@
             <p:cNvPr id="148" name="Rectangle 8">
               <a:extLst>
                 <a:ext uri="{FF2B5EF4-FFF2-40B4-BE49-F238E27FC236}">
-                  <a16:creationId xmlns:a16="http://schemas.microsoft.com/office/drawing/2014/main" xmlns="" id="{AD075D0B-8562-6A6D-01EC-69388594C105}"/>
+                  <a16:creationId xmlns="" xmlns:a16="http://schemas.microsoft.com/office/drawing/2014/main" id="{AD075D0B-8562-6A6D-01EC-69388594C105}"/>
                 </a:ext>
               </a:extLst>
             </p:cNvPr>
@@ -23842,7 +23857,7 @@
             <p:cNvPr id="149" name="Rectangle 9">
               <a:extLst>
                 <a:ext uri="{FF2B5EF4-FFF2-40B4-BE49-F238E27FC236}">
-                  <a16:creationId xmlns:a16="http://schemas.microsoft.com/office/drawing/2014/main" xmlns="" id="{CBC0E90D-5498-5DC2-A9E5-3206EE5E5824}"/>
+                  <a16:creationId xmlns="" xmlns:a16="http://schemas.microsoft.com/office/drawing/2014/main" id="{CBC0E90D-5498-5DC2-A9E5-3206EE5E5824}"/>
                 </a:ext>
               </a:extLst>
             </p:cNvPr>
@@ -23901,7 +23916,7 @@
             <p:cNvPr id="150" name="Rectangle 10">
               <a:extLst>
                 <a:ext uri="{FF2B5EF4-FFF2-40B4-BE49-F238E27FC236}">
-                  <a16:creationId xmlns:a16="http://schemas.microsoft.com/office/drawing/2014/main" xmlns="" id="{43215DC0-4AF1-DBA1-C550-99928887A67E}"/>
+                  <a16:creationId xmlns="" xmlns:a16="http://schemas.microsoft.com/office/drawing/2014/main" id="{43215DC0-4AF1-DBA1-C550-99928887A67E}"/>
                 </a:ext>
               </a:extLst>
             </p:cNvPr>
@@ -23960,7 +23975,7 @@
             <p:cNvPr id="151" name="Rectangle 4">
               <a:extLst>
                 <a:ext uri="{FF2B5EF4-FFF2-40B4-BE49-F238E27FC236}">
-                  <a16:creationId xmlns:a16="http://schemas.microsoft.com/office/drawing/2014/main" xmlns="" id="{93B8FC98-9E58-4015-63F9-1F72AEF57E26}"/>
+                  <a16:creationId xmlns="" xmlns:a16="http://schemas.microsoft.com/office/drawing/2014/main" id="{93B8FC98-9E58-4015-63F9-1F72AEF57E26}"/>
                 </a:ext>
               </a:extLst>
             </p:cNvPr>
@@ -24019,7 +24034,7 @@
             <p:cNvPr id="152" name="Rectangle 5">
               <a:extLst>
                 <a:ext uri="{FF2B5EF4-FFF2-40B4-BE49-F238E27FC236}">
-                  <a16:creationId xmlns:a16="http://schemas.microsoft.com/office/drawing/2014/main" xmlns="" id="{FB2F67C9-DE08-FDBD-0D2B-CCD63210458A}"/>
+                  <a16:creationId xmlns="" xmlns:a16="http://schemas.microsoft.com/office/drawing/2014/main" id="{FB2F67C9-DE08-FDBD-0D2B-CCD63210458A}"/>
                 </a:ext>
               </a:extLst>
             </p:cNvPr>
@@ -24078,7 +24093,7 @@
             <p:cNvPr id="153" name="Rectangle 8">
               <a:extLst>
                 <a:ext uri="{FF2B5EF4-FFF2-40B4-BE49-F238E27FC236}">
-                  <a16:creationId xmlns:a16="http://schemas.microsoft.com/office/drawing/2014/main" xmlns="" id="{74AAC2BF-15F1-691A-9D58-52609BA83861}"/>
+                  <a16:creationId xmlns="" xmlns:a16="http://schemas.microsoft.com/office/drawing/2014/main" id="{74AAC2BF-15F1-691A-9D58-52609BA83861}"/>
                 </a:ext>
               </a:extLst>
             </p:cNvPr>
@@ -24137,7 +24152,7 @@
             <p:cNvPr id="154" name="Rectangle 9">
               <a:extLst>
                 <a:ext uri="{FF2B5EF4-FFF2-40B4-BE49-F238E27FC236}">
-                  <a16:creationId xmlns:a16="http://schemas.microsoft.com/office/drawing/2014/main" xmlns="" id="{8897FBCD-3F6C-43A1-4614-CDEE83265059}"/>
+                  <a16:creationId xmlns="" xmlns:a16="http://schemas.microsoft.com/office/drawing/2014/main" id="{8897FBCD-3F6C-43A1-4614-CDEE83265059}"/>
                 </a:ext>
               </a:extLst>
             </p:cNvPr>
@@ -24196,7 +24211,7 @@
             <p:cNvPr id="155" name="Rectangle 10">
               <a:extLst>
                 <a:ext uri="{FF2B5EF4-FFF2-40B4-BE49-F238E27FC236}">
-                  <a16:creationId xmlns:a16="http://schemas.microsoft.com/office/drawing/2014/main" xmlns="" id="{14D61FDA-20D5-0C1B-FE63-2A7C17AF4442}"/>
+                  <a16:creationId xmlns="" xmlns:a16="http://schemas.microsoft.com/office/drawing/2014/main" id="{14D61FDA-20D5-0C1B-FE63-2A7C17AF4442}"/>
                 </a:ext>
               </a:extLst>
             </p:cNvPr>
@@ -24255,7 +24270,7 @@
             <p:cNvPr id="156" name="Rectangle 4">
               <a:extLst>
                 <a:ext uri="{FF2B5EF4-FFF2-40B4-BE49-F238E27FC236}">
-                  <a16:creationId xmlns:a16="http://schemas.microsoft.com/office/drawing/2014/main" xmlns="" id="{425ED12E-E242-9E42-D403-2F97F01FA793}"/>
+                  <a16:creationId xmlns="" xmlns:a16="http://schemas.microsoft.com/office/drawing/2014/main" id="{425ED12E-E242-9E42-D403-2F97F01FA793}"/>
                 </a:ext>
               </a:extLst>
             </p:cNvPr>
@@ -24314,7 +24329,7 @@
             <p:cNvPr id="157" name="Rectangle 5">
               <a:extLst>
                 <a:ext uri="{FF2B5EF4-FFF2-40B4-BE49-F238E27FC236}">
-                  <a16:creationId xmlns:a16="http://schemas.microsoft.com/office/drawing/2014/main" xmlns="" id="{1147CE01-6118-6260-1635-E900E5BDD920}"/>
+                  <a16:creationId xmlns="" xmlns:a16="http://schemas.microsoft.com/office/drawing/2014/main" id="{1147CE01-6118-6260-1635-E900E5BDD920}"/>
                 </a:ext>
               </a:extLst>
             </p:cNvPr>
@@ -24373,7 +24388,7 @@
             <p:cNvPr id="158" name="Rectangle 8">
               <a:extLst>
                 <a:ext uri="{FF2B5EF4-FFF2-40B4-BE49-F238E27FC236}">
-                  <a16:creationId xmlns:a16="http://schemas.microsoft.com/office/drawing/2014/main" xmlns="" id="{2B8D66CE-FFB5-8460-A9AE-5AF2AC9B278C}"/>
+                  <a16:creationId xmlns="" xmlns:a16="http://schemas.microsoft.com/office/drawing/2014/main" id="{2B8D66CE-FFB5-8460-A9AE-5AF2AC9B278C}"/>
                 </a:ext>
               </a:extLst>
             </p:cNvPr>
@@ -24432,7 +24447,7 @@
             <p:cNvPr id="159" name="Rectangle 9">
               <a:extLst>
                 <a:ext uri="{FF2B5EF4-FFF2-40B4-BE49-F238E27FC236}">
-                  <a16:creationId xmlns:a16="http://schemas.microsoft.com/office/drawing/2014/main" xmlns="" id="{9FA177D9-5022-298C-0450-D4173F6E5568}"/>
+                  <a16:creationId xmlns="" xmlns:a16="http://schemas.microsoft.com/office/drawing/2014/main" id="{9FA177D9-5022-298C-0450-D4173F6E5568}"/>
                 </a:ext>
               </a:extLst>
             </p:cNvPr>
@@ -24491,7 +24506,7 @@
             <p:cNvPr id="160" name="Rectangle 10">
               <a:extLst>
                 <a:ext uri="{FF2B5EF4-FFF2-40B4-BE49-F238E27FC236}">
-                  <a16:creationId xmlns:a16="http://schemas.microsoft.com/office/drawing/2014/main" xmlns="" id="{6C56D40A-F72F-9CBE-DEE3-03882D197490}"/>
+                  <a16:creationId xmlns="" xmlns:a16="http://schemas.microsoft.com/office/drawing/2014/main" id="{6C56D40A-F72F-9CBE-DEE3-03882D197490}"/>
                 </a:ext>
               </a:extLst>
             </p:cNvPr>
@@ -24550,7 +24565,7 @@
             <p:cNvPr id="161" name="Rectangle 4">
               <a:extLst>
                 <a:ext uri="{FF2B5EF4-FFF2-40B4-BE49-F238E27FC236}">
-                  <a16:creationId xmlns:a16="http://schemas.microsoft.com/office/drawing/2014/main" xmlns="" id="{A76252EB-725A-AA26-F74C-5F42BD8F37FC}"/>
+                  <a16:creationId xmlns="" xmlns:a16="http://schemas.microsoft.com/office/drawing/2014/main" id="{A76252EB-725A-AA26-F74C-5F42BD8F37FC}"/>
                 </a:ext>
               </a:extLst>
             </p:cNvPr>
@@ -24609,7 +24624,7 @@
             <p:cNvPr id="162" name="Rectangle 5">
               <a:extLst>
                 <a:ext uri="{FF2B5EF4-FFF2-40B4-BE49-F238E27FC236}">
-                  <a16:creationId xmlns:a16="http://schemas.microsoft.com/office/drawing/2014/main" xmlns="" id="{4139510D-32DB-BF06-F4DD-7FD20676BBB8}"/>
+                  <a16:creationId xmlns="" xmlns:a16="http://schemas.microsoft.com/office/drawing/2014/main" id="{4139510D-32DB-BF06-F4DD-7FD20676BBB8}"/>
                 </a:ext>
               </a:extLst>
             </p:cNvPr>
@@ -24668,7 +24683,7 @@
             <p:cNvPr id="163" name="Rectangle 8">
               <a:extLst>
                 <a:ext uri="{FF2B5EF4-FFF2-40B4-BE49-F238E27FC236}">
-                  <a16:creationId xmlns:a16="http://schemas.microsoft.com/office/drawing/2014/main" xmlns="" id="{77991953-00B7-8432-FE0F-B63DB489F1CC}"/>
+                  <a16:creationId xmlns="" xmlns:a16="http://schemas.microsoft.com/office/drawing/2014/main" id="{77991953-00B7-8432-FE0F-B63DB489F1CC}"/>
                 </a:ext>
               </a:extLst>
             </p:cNvPr>
@@ -24727,7 +24742,7 @@
             <p:cNvPr id="164" name="Rectangle 9">
               <a:extLst>
                 <a:ext uri="{FF2B5EF4-FFF2-40B4-BE49-F238E27FC236}">
-                  <a16:creationId xmlns:a16="http://schemas.microsoft.com/office/drawing/2014/main" xmlns="" id="{D4747C93-8FF4-2165-319B-2C8A1D28319C}"/>
+                  <a16:creationId xmlns="" xmlns:a16="http://schemas.microsoft.com/office/drawing/2014/main" id="{D4747C93-8FF4-2165-319B-2C8A1D28319C}"/>
                 </a:ext>
               </a:extLst>
             </p:cNvPr>
@@ -24786,7 +24801,7 @@
             <p:cNvPr id="165" name="Rectangle 10">
               <a:extLst>
                 <a:ext uri="{FF2B5EF4-FFF2-40B4-BE49-F238E27FC236}">
-                  <a16:creationId xmlns:a16="http://schemas.microsoft.com/office/drawing/2014/main" xmlns="" id="{A9D6C350-586E-A8A8-8C3D-8E61F1F13782}"/>
+                  <a16:creationId xmlns="" xmlns:a16="http://schemas.microsoft.com/office/drawing/2014/main" id="{A9D6C350-586E-A8A8-8C3D-8E61F1F13782}"/>
                 </a:ext>
               </a:extLst>
             </p:cNvPr>
@@ -24845,7 +24860,7 @@
             <p:cNvPr id="166" name="Rectangle 36">
               <a:extLst>
                 <a:ext uri="{FF2B5EF4-FFF2-40B4-BE49-F238E27FC236}">
-                  <a16:creationId xmlns:a16="http://schemas.microsoft.com/office/drawing/2014/main" xmlns="" id="{DC72F554-684F-568F-381D-6136A58CC413}"/>
+                  <a16:creationId xmlns="" xmlns:a16="http://schemas.microsoft.com/office/drawing/2014/main" id="{DC72F554-684F-568F-381D-6136A58CC413}"/>
                 </a:ext>
               </a:extLst>
             </p:cNvPr>
@@ -24879,7 +24894,7 @@
             <p:cNvPr id="167" name="Rectangle 36">
               <a:extLst>
                 <a:ext uri="{FF2B5EF4-FFF2-40B4-BE49-F238E27FC236}">
-                  <a16:creationId xmlns:a16="http://schemas.microsoft.com/office/drawing/2014/main" xmlns="" id="{9DD9DC18-3337-285E-E1E4-6D19CF59BD0A}"/>
+                  <a16:creationId xmlns="" xmlns:a16="http://schemas.microsoft.com/office/drawing/2014/main" id="{9DD9DC18-3337-285E-E1E4-6D19CF59BD0A}"/>
                 </a:ext>
               </a:extLst>
             </p:cNvPr>
@@ -24913,7 +24928,7 @@
             <p:cNvPr id="168" name="Rectangle 36">
               <a:extLst>
                 <a:ext uri="{FF2B5EF4-FFF2-40B4-BE49-F238E27FC236}">
-                  <a16:creationId xmlns:a16="http://schemas.microsoft.com/office/drawing/2014/main" xmlns="" id="{3DC36A96-8AF6-CFA0-CD37-9C2778EAD355}"/>
+                  <a16:creationId xmlns="" xmlns:a16="http://schemas.microsoft.com/office/drawing/2014/main" id="{3DC36A96-8AF6-CFA0-CD37-9C2778EAD355}"/>
                 </a:ext>
               </a:extLst>
             </p:cNvPr>
@@ -24947,7 +24962,7 @@
             <p:cNvPr id="169" name="Rectangle 36">
               <a:extLst>
                 <a:ext uri="{FF2B5EF4-FFF2-40B4-BE49-F238E27FC236}">
-                  <a16:creationId xmlns:a16="http://schemas.microsoft.com/office/drawing/2014/main" xmlns="" id="{02C99D41-A08C-CE6C-57A5-58FE911361CE}"/>
+                  <a16:creationId xmlns="" xmlns:a16="http://schemas.microsoft.com/office/drawing/2014/main" id="{02C99D41-A08C-CE6C-57A5-58FE911361CE}"/>
                 </a:ext>
               </a:extLst>
             </p:cNvPr>
@@ -24981,7 +24996,7 @@
             <p:cNvPr id="170" name="Rectangle 36">
               <a:extLst>
                 <a:ext uri="{FF2B5EF4-FFF2-40B4-BE49-F238E27FC236}">
-                  <a16:creationId xmlns:a16="http://schemas.microsoft.com/office/drawing/2014/main" xmlns="" id="{8EF1154B-FF44-17A9-9E88-0B824CD664E7}"/>
+                  <a16:creationId xmlns="" xmlns:a16="http://schemas.microsoft.com/office/drawing/2014/main" id="{8EF1154B-FF44-17A9-9E88-0B824CD664E7}"/>
                 </a:ext>
               </a:extLst>
             </p:cNvPr>
@@ -25416,7 +25431,7 @@
           <p:cNvPr id="2" name="Título 1">
             <a:extLst>
               <a:ext uri="{FF2B5EF4-FFF2-40B4-BE49-F238E27FC236}">
-                <a16:creationId xmlns:a16="http://schemas.microsoft.com/office/drawing/2014/main" xmlns="" id="{F18B2949-AA2A-78BE-831B-67A7AE5AB555}"/>
+                <a16:creationId xmlns="" xmlns:a16="http://schemas.microsoft.com/office/drawing/2014/main" id="{F18B2949-AA2A-78BE-831B-67A7AE5AB555}"/>
               </a:ext>
             </a:extLst>
           </p:cNvPr>
@@ -25444,7 +25459,7 @@
           <p:cNvPr id="3" name="Espaço Reservado para Conteúdo 2">
             <a:extLst>
               <a:ext uri="{FF2B5EF4-FFF2-40B4-BE49-F238E27FC236}">
-                <a16:creationId xmlns:a16="http://schemas.microsoft.com/office/drawing/2014/main" xmlns="" id="{945F73D8-097B-0F49-0490-91BBF0A6A45E}"/>
+                <a16:creationId xmlns="" xmlns:a16="http://schemas.microsoft.com/office/drawing/2014/main" id="{945F73D8-097B-0F49-0490-91BBF0A6A45E}"/>
               </a:ext>
             </a:extLst>
           </p:cNvPr>
@@ -25719,7 +25734,7 @@
           <p:cNvPr id="2" name="Título 1">
             <a:extLst>
               <a:ext uri="{FF2B5EF4-FFF2-40B4-BE49-F238E27FC236}">
-                <a16:creationId xmlns:a16="http://schemas.microsoft.com/office/drawing/2014/main" xmlns="" id="{E0053A0A-FF84-5176-6AB3-C461B7BCB8CA}"/>
+                <a16:creationId xmlns="" xmlns:a16="http://schemas.microsoft.com/office/drawing/2014/main" id="{E0053A0A-FF84-5176-6AB3-C461B7BCB8CA}"/>
               </a:ext>
             </a:extLst>
           </p:cNvPr>
@@ -25747,7 +25762,7 @@
           <p:cNvPr id="3" name="Espaço Reservado para Conteúdo 2">
             <a:extLst>
               <a:ext uri="{FF2B5EF4-FFF2-40B4-BE49-F238E27FC236}">
-                <a16:creationId xmlns:a16="http://schemas.microsoft.com/office/drawing/2014/main" xmlns="" id="{A191BF4C-9AB1-8D9D-C795-058F9A528591}"/>
+                <a16:creationId xmlns="" xmlns:a16="http://schemas.microsoft.com/office/drawing/2014/main" id="{A191BF4C-9AB1-8D9D-C795-058F9A528591}"/>
               </a:ext>
             </a:extLst>
           </p:cNvPr>
@@ -26040,7 +26055,7 @@
           <p:cNvPr id="2" name="Título 1">
             <a:extLst>
               <a:ext uri="{FF2B5EF4-FFF2-40B4-BE49-F238E27FC236}">
-                <a16:creationId xmlns:a16="http://schemas.microsoft.com/office/drawing/2014/main" xmlns="" id="{AC595774-B841-7E8F-A35A-BAB395D69A08}"/>
+                <a16:creationId xmlns="" xmlns:a16="http://schemas.microsoft.com/office/drawing/2014/main" id="{AC595774-B841-7E8F-A35A-BAB395D69A08}"/>
               </a:ext>
             </a:extLst>
           </p:cNvPr>
@@ -26070,7 +26085,7 @@
               <p:cNvPr id="3" name="Espaço Reservado para Conteúdo 2">
                 <a:extLst>
                   <a:ext uri="{FF2B5EF4-FFF2-40B4-BE49-F238E27FC236}">
-                    <a16:creationId xmlns:a16="http://schemas.microsoft.com/office/drawing/2014/main" xmlns="" id="{A9594690-2CA5-0A2D-98E4-C4ACDD16B0DC}"/>
+                    <a16:creationId xmlns="" xmlns:a16="http://schemas.microsoft.com/office/drawing/2014/main" id="{A9594690-2CA5-0A2D-98E4-C4ACDD16B0DC}"/>
                   </a:ext>
                 </a:extLst>
               </p:cNvPr>
@@ -26285,7 +26300,7 @@
           <p:cNvPr id="2" name="Título 1">
             <a:extLst>
               <a:ext uri="{FF2B5EF4-FFF2-40B4-BE49-F238E27FC236}">
-                <a16:creationId xmlns:a16="http://schemas.microsoft.com/office/drawing/2014/main" xmlns="" id="{868D5143-C411-ADCB-BAB7-E5B85E844096}"/>
+                <a16:creationId xmlns="" xmlns:a16="http://schemas.microsoft.com/office/drawing/2014/main" id="{868D5143-C411-ADCB-BAB7-E5B85E844096}"/>
               </a:ext>
             </a:extLst>
           </p:cNvPr>
@@ -26313,7 +26328,7 @@
           <p:cNvPr id="3" name="Espaço Reservado para Conteúdo 2">
             <a:extLst>
               <a:ext uri="{FF2B5EF4-FFF2-40B4-BE49-F238E27FC236}">
-                <a16:creationId xmlns:a16="http://schemas.microsoft.com/office/drawing/2014/main" xmlns="" id="{CB85C345-8ED8-0184-A482-752AE4C0A4C6}"/>
+                <a16:creationId xmlns="" xmlns:a16="http://schemas.microsoft.com/office/drawing/2014/main" id="{CB85C345-8ED8-0184-A482-752AE4C0A4C6}"/>
               </a:ext>
             </a:extLst>
           </p:cNvPr>
@@ -26426,7 +26441,7 @@
           <p:cNvPr id="4" name="Picture 3">
             <a:extLst>
               <a:ext uri="{FF2B5EF4-FFF2-40B4-BE49-F238E27FC236}">
-                <a16:creationId xmlns:a16="http://schemas.microsoft.com/office/drawing/2014/main" xmlns="" id="{5E9F635D-DF29-C667-710E-2D22038C6B43}"/>
+                <a16:creationId xmlns="" xmlns:a16="http://schemas.microsoft.com/office/drawing/2014/main" id="{5E9F635D-DF29-C667-710E-2D22038C6B43}"/>
               </a:ext>
             </a:extLst>
           </p:cNvPr>
@@ -26491,7 +26506,7 @@
           <p:cNvPr id="2" name="Título 1">
             <a:extLst>
               <a:ext uri="{FF2B5EF4-FFF2-40B4-BE49-F238E27FC236}">
-                <a16:creationId xmlns:a16="http://schemas.microsoft.com/office/drawing/2014/main" xmlns="" id="{868D5143-C411-ADCB-BAB7-E5B85E844096}"/>
+                <a16:creationId xmlns="" xmlns:a16="http://schemas.microsoft.com/office/drawing/2014/main" id="{868D5143-C411-ADCB-BAB7-E5B85E844096}"/>
               </a:ext>
             </a:extLst>
           </p:cNvPr>
@@ -26519,7 +26534,7 @@
           <p:cNvPr id="3" name="Espaço Reservado para Conteúdo 2">
             <a:extLst>
               <a:ext uri="{FF2B5EF4-FFF2-40B4-BE49-F238E27FC236}">
-                <a16:creationId xmlns:a16="http://schemas.microsoft.com/office/drawing/2014/main" xmlns="" id="{CB85C345-8ED8-0184-A482-752AE4C0A4C6}"/>
+                <a16:creationId xmlns="" xmlns:a16="http://schemas.microsoft.com/office/drawing/2014/main" id="{CB85C345-8ED8-0184-A482-752AE4C0A4C6}"/>
               </a:ext>
             </a:extLst>
           </p:cNvPr>
@@ -26572,7 +26587,7 @@
           <p:cNvPr id="4" name="Picture 3">
             <a:extLst>
               <a:ext uri="{FF2B5EF4-FFF2-40B4-BE49-F238E27FC236}">
-                <a16:creationId xmlns:a16="http://schemas.microsoft.com/office/drawing/2014/main" xmlns="" id="{5E9F635D-DF29-C667-710E-2D22038C6B43}"/>
+                <a16:creationId xmlns="" xmlns:a16="http://schemas.microsoft.com/office/drawing/2014/main" id="{5E9F635D-DF29-C667-710E-2D22038C6B43}"/>
               </a:ext>
             </a:extLst>
           </p:cNvPr>
@@ -26637,7 +26652,7 @@
           <p:cNvPr id="2" name="Título 1">
             <a:extLst>
               <a:ext uri="{FF2B5EF4-FFF2-40B4-BE49-F238E27FC236}">
-                <a16:creationId xmlns:a16="http://schemas.microsoft.com/office/drawing/2014/main" xmlns="" id="{868D5143-C411-ADCB-BAB7-E5B85E844096}"/>
+                <a16:creationId xmlns="" xmlns:a16="http://schemas.microsoft.com/office/drawing/2014/main" id="{868D5143-C411-ADCB-BAB7-E5B85E844096}"/>
               </a:ext>
             </a:extLst>
           </p:cNvPr>
@@ -26665,7 +26680,7 @@
           <p:cNvPr id="3" name="Espaço Reservado para Conteúdo 2">
             <a:extLst>
               <a:ext uri="{FF2B5EF4-FFF2-40B4-BE49-F238E27FC236}">
-                <a16:creationId xmlns:a16="http://schemas.microsoft.com/office/drawing/2014/main" xmlns="" id="{CB85C345-8ED8-0184-A482-752AE4C0A4C6}"/>
+                <a16:creationId xmlns="" xmlns:a16="http://schemas.microsoft.com/office/drawing/2014/main" id="{CB85C345-8ED8-0184-A482-752AE4C0A4C6}"/>
               </a:ext>
             </a:extLst>
           </p:cNvPr>
@@ -26818,7 +26833,7 @@
           <p:cNvPr id="9" name="Agrupar 8">
             <a:extLst>
               <a:ext uri="{FF2B5EF4-FFF2-40B4-BE49-F238E27FC236}">
-                <a16:creationId xmlns:a16="http://schemas.microsoft.com/office/drawing/2014/main" xmlns="" id="{8790114D-705D-A2FD-152D-BC7526271942}"/>
+                <a16:creationId xmlns="" xmlns:a16="http://schemas.microsoft.com/office/drawing/2014/main" id="{8790114D-705D-A2FD-152D-BC7526271942}"/>
               </a:ext>
             </a:extLst>
           </p:cNvPr>
@@ -26838,7 +26853,7 @@
             <p:cNvPr id="1026" name="Picture 2">
               <a:extLst>
                 <a:ext uri="{FF2B5EF4-FFF2-40B4-BE49-F238E27FC236}">
-                  <a16:creationId xmlns:a16="http://schemas.microsoft.com/office/drawing/2014/main" xmlns="" id="{5236B481-9A31-4B6C-70DD-CFE793850D66}"/>
+                  <a16:creationId xmlns="" xmlns:a16="http://schemas.microsoft.com/office/drawing/2014/main" id="{5236B481-9A31-4B6C-70DD-CFE793850D66}"/>
                 </a:ext>
               </a:extLst>
             </p:cNvPr>
@@ -26885,7 +26900,7 @@
             <p:cNvPr id="5" name="Retângulo 4">
               <a:extLst>
                 <a:ext uri="{FF2B5EF4-FFF2-40B4-BE49-F238E27FC236}">
-                  <a16:creationId xmlns:a16="http://schemas.microsoft.com/office/drawing/2014/main" xmlns="" id="{09135A67-3B39-D233-A370-BF0CA8B71DBD}"/>
+                  <a16:creationId xmlns="" xmlns:a16="http://schemas.microsoft.com/office/drawing/2014/main" id="{09135A67-3B39-D233-A370-BF0CA8B71DBD}"/>
                 </a:ext>
               </a:extLst>
             </p:cNvPr>
@@ -26937,7 +26952,7 @@
             <p:cNvPr id="6" name="Retângulo 5">
               <a:extLst>
                 <a:ext uri="{FF2B5EF4-FFF2-40B4-BE49-F238E27FC236}">
-                  <a16:creationId xmlns:a16="http://schemas.microsoft.com/office/drawing/2014/main" xmlns="" id="{390B2A3A-3E0A-42C7-54A8-43B734BF131A}"/>
+                  <a16:creationId xmlns="" xmlns:a16="http://schemas.microsoft.com/office/drawing/2014/main" id="{390B2A3A-3E0A-42C7-54A8-43B734BF131A}"/>
                 </a:ext>
               </a:extLst>
             </p:cNvPr>
@@ -26989,7 +27004,7 @@
             <p:cNvPr id="7" name="CaixaDeTexto 6">
               <a:extLst>
                 <a:ext uri="{FF2B5EF4-FFF2-40B4-BE49-F238E27FC236}">
-                  <a16:creationId xmlns:a16="http://schemas.microsoft.com/office/drawing/2014/main" xmlns="" id="{ED9F4D39-D8D4-9DED-3C4F-B943BACB648D}"/>
+                  <a16:creationId xmlns="" xmlns:a16="http://schemas.microsoft.com/office/drawing/2014/main" id="{ED9F4D39-D8D4-9DED-3C4F-B943BACB648D}"/>
                 </a:ext>
               </a:extLst>
             </p:cNvPr>
@@ -27024,7 +27039,7 @@
             <p:cNvPr id="8" name="CaixaDeTexto 7">
               <a:extLst>
                 <a:ext uri="{FF2B5EF4-FFF2-40B4-BE49-F238E27FC236}">
-                  <a16:creationId xmlns:a16="http://schemas.microsoft.com/office/drawing/2014/main" xmlns="" id="{2B2BE920-10D9-C217-7B9D-509A2E453543}"/>
+                  <a16:creationId xmlns="" xmlns:a16="http://schemas.microsoft.com/office/drawing/2014/main" id="{2B2BE920-10D9-C217-7B9D-509A2E453543}"/>
                 </a:ext>
               </a:extLst>
             </p:cNvPr>
@@ -27090,7 +27105,7 @@
           <p:cNvPr id="2" name="Título 1">
             <a:extLst>
               <a:ext uri="{FF2B5EF4-FFF2-40B4-BE49-F238E27FC236}">
-                <a16:creationId xmlns:a16="http://schemas.microsoft.com/office/drawing/2014/main" xmlns="" id="{868D5143-C411-ADCB-BAB7-E5B85E844096}"/>
+                <a16:creationId xmlns="" xmlns:a16="http://schemas.microsoft.com/office/drawing/2014/main" id="{868D5143-C411-ADCB-BAB7-E5B85E844096}"/>
               </a:ext>
             </a:extLst>
           </p:cNvPr>
@@ -27118,7 +27133,7 @@
           <p:cNvPr id="3" name="Espaço Reservado para Conteúdo 2">
             <a:extLst>
               <a:ext uri="{FF2B5EF4-FFF2-40B4-BE49-F238E27FC236}">
-                <a16:creationId xmlns:a16="http://schemas.microsoft.com/office/drawing/2014/main" xmlns="" id="{CB85C345-8ED8-0184-A482-752AE4C0A4C6}"/>
+                <a16:creationId xmlns="" xmlns:a16="http://schemas.microsoft.com/office/drawing/2014/main" id="{CB85C345-8ED8-0184-A482-752AE4C0A4C6}"/>
               </a:ext>
             </a:extLst>
           </p:cNvPr>
@@ -27360,7 +27375,7 @@
           <p:cNvPr id="9" name="Agrupar 8">
             <a:extLst>
               <a:ext uri="{FF2B5EF4-FFF2-40B4-BE49-F238E27FC236}">
-                <a16:creationId xmlns:a16="http://schemas.microsoft.com/office/drawing/2014/main" xmlns="" id="{8790114D-705D-A2FD-152D-BC7526271942}"/>
+                <a16:creationId xmlns="" xmlns:a16="http://schemas.microsoft.com/office/drawing/2014/main" id="{8790114D-705D-A2FD-152D-BC7526271942}"/>
               </a:ext>
             </a:extLst>
           </p:cNvPr>
@@ -27380,7 +27395,7 @@
             <p:cNvPr id="1026" name="Picture 2">
               <a:extLst>
                 <a:ext uri="{FF2B5EF4-FFF2-40B4-BE49-F238E27FC236}">
-                  <a16:creationId xmlns:a16="http://schemas.microsoft.com/office/drawing/2014/main" xmlns="" id="{5236B481-9A31-4B6C-70DD-CFE793850D66}"/>
+                  <a16:creationId xmlns="" xmlns:a16="http://schemas.microsoft.com/office/drawing/2014/main" id="{5236B481-9A31-4B6C-70DD-CFE793850D66}"/>
                 </a:ext>
               </a:extLst>
             </p:cNvPr>
@@ -27427,7 +27442,7 @@
             <p:cNvPr id="5" name="Retângulo 4">
               <a:extLst>
                 <a:ext uri="{FF2B5EF4-FFF2-40B4-BE49-F238E27FC236}">
-                  <a16:creationId xmlns:a16="http://schemas.microsoft.com/office/drawing/2014/main" xmlns="" id="{09135A67-3B39-D233-A370-BF0CA8B71DBD}"/>
+                  <a16:creationId xmlns="" xmlns:a16="http://schemas.microsoft.com/office/drawing/2014/main" id="{09135A67-3B39-D233-A370-BF0CA8B71DBD}"/>
                 </a:ext>
               </a:extLst>
             </p:cNvPr>
@@ -27479,7 +27494,7 @@
             <p:cNvPr id="6" name="Retângulo 5">
               <a:extLst>
                 <a:ext uri="{FF2B5EF4-FFF2-40B4-BE49-F238E27FC236}">
-                  <a16:creationId xmlns:a16="http://schemas.microsoft.com/office/drawing/2014/main" xmlns="" id="{390B2A3A-3E0A-42C7-54A8-43B734BF131A}"/>
+                  <a16:creationId xmlns="" xmlns:a16="http://schemas.microsoft.com/office/drawing/2014/main" id="{390B2A3A-3E0A-42C7-54A8-43B734BF131A}"/>
                 </a:ext>
               </a:extLst>
             </p:cNvPr>
@@ -27531,7 +27546,7 @@
             <p:cNvPr id="7" name="CaixaDeTexto 6">
               <a:extLst>
                 <a:ext uri="{FF2B5EF4-FFF2-40B4-BE49-F238E27FC236}">
-                  <a16:creationId xmlns:a16="http://schemas.microsoft.com/office/drawing/2014/main" xmlns="" id="{ED9F4D39-D8D4-9DED-3C4F-B943BACB648D}"/>
+                  <a16:creationId xmlns="" xmlns:a16="http://schemas.microsoft.com/office/drawing/2014/main" id="{ED9F4D39-D8D4-9DED-3C4F-B943BACB648D}"/>
                 </a:ext>
               </a:extLst>
             </p:cNvPr>
@@ -27566,7 +27581,7 @@
             <p:cNvPr id="8" name="CaixaDeTexto 7">
               <a:extLst>
                 <a:ext uri="{FF2B5EF4-FFF2-40B4-BE49-F238E27FC236}">
-                  <a16:creationId xmlns:a16="http://schemas.microsoft.com/office/drawing/2014/main" xmlns="" id="{2B2BE920-10D9-C217-7B9D-509A2E453543}"/>
+                  <a16:creationId xmlns="" xmlns:a16="http://schemas.microsoft.com/office/drawing/2014/main" id="{2B2BE920-10D9-C217-7B9D-509A2E453543}"/>
                 </a:ext>
               </a:extLst>
             </p:cNvPr>

--- a/slides/T319_Regressão_Linear (Parte V).pptx
+++ b/slides/T319_Regressão_Linear (Parte V).pptx
@@ -7137,7 +7137,7 @@
           <p:cNvPr id="2" name="Título 1">
             <a:extLst>
               <a:ext uri="{FF2B5EF4-FFF2-40B4-BE49-F238E27FC236}">
-                <a16:creationId xmlns="" xmlns:a16="http://schemas.microsoft.com/office/drawing/2014/main" id="{32666AC8-2E17-4DB4-B0F5-60C640CCFD2E}"/>
+                <a16:creationId xmlns:a16="http://schemas.microsoft.com/office/drawing/2014/main" xmlns="" id="{32666AC8-2E17-4DB4-B0F5-60C640CCFD2E}"/>
               </a:ext>
             </a:extLst>
           </p:cNvPr>
@@ -7183,7 +7183,7 @@
           <p:cNvPr id="4" name="CaixaDeTexto 3">
             <a:extLst>
               <a:ext uri="{FF2B5EF4-FFF2-40B4-BE49-F238E27FC236}">
-                <a16:creationId xmlns="" xmlns:a16="http://schemas.microsoft.com/office/drawing/2014/main" id="{430EB894-B7D4-434C-9D1A-A14094D9BEEC}"/>
+                <a16:creationId xmlns:a16="http://schemas.microsoft.com/office/drawing/2014/main" xmlns="" id="{430EB894-B7D4-434C-9D1A-A14094D9BEEC}"/>
               </a:ext>
             </a:extLst>
           </p:cNvPr>
@@ -7224,7 +7224,7 @@
           <p:cNvPr id="1026" name="Picture 2" descr="Logo">
             <a:extLst>
               <a:ext uri="{FF2B5EF4-FFF2-40B4-BE49-F238E27FC236}">
-                <a16:creationId xmlns="" xmlns:a16="http://schemas.microsoft.com/office/drawing/2014/main" id="{3F2642E0-4F6A-4196-8F58-E77D36E9A33F}"/>
+                <a16:creationId xmlns:a16="http://schemas.microsoft.com/office/drawing/2014/main" xmlns="" id="{3F2642E0-4F6A-4196-8F58-E77D36E9A33F}"/>
               </a:ext>
             </a:extLst>
           </p:cNvPr>
@@ -7269,7 +7269,7 @@
           <p:cNvPr id="5122" name="Picture 2" descr="Image result for machine learning">
             <a:extLst>
               <a:ext uri="{FF2B5EF4-FFF2-40B4-BE49-F238E27FC236}">
-                <a16:creationId xmlns="" xmlns:a16="http://schemas.microsoft.com/office/drawing/2014/main" id="{810CE0A2-4102-44A6-A370-175E7896CDCB}"/>
+                <a16:creationId xmlns:a16="http://schemas.microsoft.com/office/drawing/2014/main" xmlns="" id="{810CE0A2-4102-44A6-A370-175E7896CDCB}"/>
               </a:ext>
             </a:extLst>
           </p:cNvPr>
@@ -7346,7 +7346,7 @@
               <p:cNvPr id="2" name="Título 1">
                 <a:extLst>
                   <a:ext uri="{FF2B5EF4-FFF2-40B4-BE49-F238E27FC236}">
-                    <a16:creationId xmlns="" xmlns:a16="http://schemas.microsoft.com/office/drawing/2014/main" id="{C5C2477C-2D2C-D4E3-DD60-2911128E0DD0}"/>
+                    <a16:creationId xmlns:a16="http://schemas.microsoft.com/office/drawing/2014/main" xmlns="" id="{C5C2477C-2D2C-D4E3-DD60-2911128E0DD0}"/>
                   </a:ext>
                 </a:extLst>
               </p:cNvPr>
@@ -7434,7 +7434,7 @@
           <p:cNvPr id="3" name="Espaço Reservado para Conteúdo 2">
             <a:extLst>
               <a:ext uri="{FF2B5EF4-FFF2-40B4-BE49-F238E27FC236}">
-                <a16:creationId xmlns="" xmlns:a16="http://schemas.microsoft.com/office/drawing/2014/main" id="{C81D5EE1-D440-6F4D-3F1E-ED8B0B4036BF}"/>
+                <a16:creationId xmlns:a16="http://schemas.microsoft.com/office/drawing/2014/main" xmlns="" id="{C81D5EE1-D440-6F4D-3F1E-ED8B0B4036BF}"/>
               </a:ext>
             </a:extLst>
           </p:cNvPr>
@@ -7690,7 +7690,7 @@
               <p:cNvPr id="5" name="CaixaDeTexto 4">
                 <a:extLst>
                   <a:ext uri="{FF2B5EF4-FFF2-40B4-BE49-F238E27FC236}">
-                    <a16:creationId xmlns="" xmlns:a16="http://schemas.microsoft.com/office/drawing/2014/main" id="{3926FA82-F16F-7AE7-534B-5F7CB73CCD08}"/>
+                    <a16:creationId xmlns:a16="http://schemas.microsoft.com/office/drawing/2014/main" xmlns="" id="{3926FA82-F16F-7AE7-534B-5F7CB73CCD08}"/>
                   </a:ext>
                 </a:extLst>
               </p:cNvPr>
@@ -7783,7 +7783,7 @@
           <p:cNvPr id="10" name="Imagem 9">
             <a:extLst>
               <a:ext uri="{FF2B5EF4-FFF2-40B4-BE49-F238E27FC236}">
-                <a16:creationId xmlns="" xmlns:a16="http://schemas.microsoft.com/office/drawing/2014/main" id="{DEF6A211-DAF7-2C02-45BC-D2089FA5D178}"/>
+                <a16:creationId xmlns:a16="http://schemas.microsoft.com/office/drawing/2014/main" xmlns="" id="{DEF6A211-DAF7-2C02-45BC-D2089FA5D178}"/>
               </a:ext>
             </a:extLst>
           </p:cNvPr>
@@ -7850,7 +7850,7 @@
               <p:cNvPr id="2" name="Título 1">
                 <a:extLst>
                   <a:ext uri="{FF2B5EF4-FFF2-40B4-BE49-F238E27FC236}">
-                    <a16:creationId xmlns="" xmlns:a16="http://schemas.microsoft.com/office/drawing/2014/main" id="{9FBE2970-3CBA-404B-4074-AEE02EAAB9A6}"/>
+                    <a16:creationId xmlns:a16="http://schemas.microsoft.com/office/drawing/2014/main" xmlns="" id="{9FBE2970-3CBA-404B-4074-AEE02EAAB9A6}"/>
                   </a:ext>
                 </a:extLst>
               </p:cNvPr>
@@ -7938,7 +7938,7 @@
           <p:cNvPr id="3" name="Espaço Reservado para Conteúdo 2">
             <a:extLst>
               <a:ext uri="{FF2B5EF4-FFF2-40B4-BE49-F238E27FC236}">
-                <a16:creationId xmlns="" xmlns:a16="http://schemas.microsoft.com/office/drawing/2014/main" id="{F55CE789-94DC-AEE8-1D38-D05D40B0BF3A}"/>
+                <a16:creationId xmlns:a16="http://schemas.microsoft.com/office/drawing/2014/main" xmlns="" id="{F55CE789-94DC-AEE8-1D38-D05D40B0BF3A}"/>
               </a:ext>
             </a:extLst>
           </p:cNvPr>
@@ -8099,7 +8099,7 @@
           <p:cNvPr id="4" name="Imagem 3">
             <a:extLst>
               <a:ext uri="{FF2B5EF4-FFF2-40B4-BE49-F238E27FC236}">
-                <a16:creationId xmlns="" xmlns:a16="http://schemas.microsoft.com/office/drawing/2014/main" id="{4F49A66D-EE2E-954C-CE06-20034C4D7B7C}"/>
+                <a16:creationId xmlns:a16="http://schemas.microsoft.com/office/drawing/2014/main" xmlns="" id="{4F49A66D-EE2E-954C-CE06-20034C4D7B7C}"/>
               </a:ext>
             </a:extLst>
           </p:cNvPr>
@@ -8136,7 +8136,7 @@
               <p:cNvPr id="5" name="CaixaDeTexto 4">
                 <a:extLst>
                   <a:ext uri="{FF2B5EF4-FFF2-40B4-BE49-F238E27FC236}">
-                    <a16:creationId xmlns="" xmlns:a16="http://schemas.microsoft.com/office/drawing/2014/main" id="{A35580BE-2693-7A2B-E389-307D19EBC7B1}"/>
+                    <a16:creationId xmlns:a16="http://schemas.microsoft.com/office/drawing/2014/main" xmlns="" id="{A35580BE-2693-7A2B-E389-307D19EBC7B1}"/>
                   </a:ext>
                 </a:extLst>
               </p:cNvPr>
@@ -8261,7 +8261,7 @@
               <p:cNvPr id="2" name="Título 1">
                 <a:extLst>
                   <a:ext uri="{FF2B5EF4-FFF2-40B4-BE49-F238E27FC236}">
-                    <a16:creationId xmlns="" xmlns:a16="http://schemas.microsoft.com/office/drawing/2014/main" id="{39771852-6C63-AF70-4850-767FD5F1D2F6}"/>
+                    <a16:creationId xmlns:a16="http://schemas.microsoft.com/office/drawing/2014/main" xmlns="" id="{39771852-6C63-AF70-4850-767FD5F1D2F6}"/>
                   </a:ext>
                 </a:extLst>
               </p:cNvPr>
@@ -8351,7 +8351,7 @@
               <p:cNvPr id="3" name="Espaço Reservado para Conteúdo 2">
                 <a:extLst>
                   <a:ext uri="{FF2B5EF4-FFF2-40B4-BE49-F238E27FC236}">
-                    <a16:creationId xmlns="" xmlns:a16="http://schemas.microsoft.com/office/drawing/2014/main" id="{86A88D6D-1190-332D-27ED-32512817224F}"/>
+                    <a16:creationId xmlns:a16="http://schemas.microsoft.com/office/drawing/2014/main" xmlns="" id="{86A88D6D-1190-332D-27ED-32512817224F}"/>
                   </a:ext>
                 </a:extLst>
               </p:cNvPr>
@@ -8690,7 +8690,7 @@
           <p:cNvPr id="2" name="Título 1">
             <a:extLst>
               <a:ext uri="{FF2B5EF4-FFF2-40B4-BE49-F238E27FC236}">
-                <a16:creationId xmlns="" xmlns:a16="http://schemas.microsoft.com/office/drawing/2014/main" id="{1876A212-EF96-EA5E-7FBB-0769B8C1F996}"/>
+                <a16:creationId xmlns:a16="http://schemas.microsoft.com/office/drawing/2014/main" xmlns="" id="{1876A212-EF96-EA5E-7FBB-0769B8C1F996}"/>
               </a:ext>
             </a:extLst>
           </p:cNvPr>
@@ -8734,7 +8734,7 @@
               <p:cNvPr id="3" name="Espaço Reservado para Conteúdo 2">
                 <a:extLst>
                   <a:ext uri="{FF2B5EF4-FFF2-40B4-BE49-F238E27FC236}">
-                    <a16:creationId xmlns="" xmlns:a16="http://schemas.microsoft.com/office/drawing/2014/main" id="{782C0558-FE85-A571-6C51-C40B36B884B3}"/>
+                    <a16:creationId xmlns:a16="http://schemas.microsoft.com/office/drawing/2014/main" xmlns="" id="{782C0558-FE85-A571-6C51-C40B36B884B3}"/>
                   </a:ext>
                 </a:extLst>
               </p:cNvPr>
@@ -9057,7 +9057,7 @@
           <p:cNvPr id="1026" name="Picture 2">
             <a:extLst>
               <a:ext uri="{FF2B5EF4-FFF2-40B4-BE49-F238E27FC236}">
-                <a16:creationId xmlns="" xmlns:a16="http://schemas.microsoft.com/office/drawing/2014/main" id="{F008AD83-55D8-BB3D-574B-2DDF5BA103C2}"/>
+                <a16:creationId xmlns:a16="http://schemas.microsoft.com/office/drawing/2014/main" xmlns="" id="{F008AD83-55D8-BB3D-574B-2DDF5BA103C2}"/>
               </a:ext>
             </a:extLst>
           </p:cNvPr>
@@ -9104,7 +9104,7 @@
           <p:cNvPr id="6" name="Rectangle 5">
             <a:extLst>
               <a:ext uri="{FF2B5EF4-FFF2-40B4-BE49-F238E27FC236}">
-                <a16:creationId xmlns="" xmlns:a16="http://schemas.microsoft.com/office/drawing/2014/main" id="{DEB643DB-8C0B-EF1B-48F4-62B1397ABCBD}"/>
+                <a16:creationId xmlns:a16="http://schemas.microsoft.com/office/drawing/2014/main" xmlns="" id="{DEB643DB-8C0B-EF1B-48F4-62B1397ABCBD}"/>
               </a:ext>
             </a:extLst>
           </p:cNvPr>
@@ -9185,7 +9185,7 @@
           <p:cNvPr id="2" name="Título 1">
             <a:extLst>
               <a:ext uri="{FF2B5EF4-FFF2-40B4-BE49-F238E27FC236}">
-                <a16:creationId xmlns="" xmlns:a16="http://schemas.microsoft.com/office/drawing/2014/main" id="{03A90728-D6F2-D90A-977C-52C5377EB8D9}"/>
+                <a16:creationId xmlns:a16="http://schemas.microsoft.com/office/drawing/2014/main" xmlns="" id="{03A90728-D6F2-D90A-977C-52C5377EB8D9}"/>
               </a:ext>
             </a:extLst>
           </p:cNvPr>
@@ -9215,7 +9215,7 @@
               <p:cNvPr id="3" name="Espaço Reservado para Conteúdo 2">
                 <a:extLst>
                   <a:ext uri="{FF2B5EF4-FFF2-40B4-BE49-F238E27FC236}">
-                    <a16:creationId xmlns="" xmlns:a16="http://schemas.microsoft.com/office/drawing/2014/main" id="{669B1AC1-E860-DDCC-28D4-468A7D4571A1}"/>
+                    <a16:creationId xmlns:a16="http://schemas.microsoft.com/office/drawing/2014/main" xmlns="" id="{669B1AC1-E860-DDCC-28D4-468A7D4571A